--- a/Asp.NetCoreExperiment/kubernetes/kubernetes.pptx
+++ b/Asp.NetCoreExperiment/kubernetes/kubernetes.pptx
@@ -105,6 +105,11 @@
       </a:defRPr>
     </a:lvl9pPr>
   </p:defaultTextStyle>
+  <p:extLst>
+    <p:ext uri="{EFAFB233-063F-42B5-8137-9DF3F51BA10A}">
+      <p15:sldGuideLst xmlns:p15="http://schemas.microsoft.com/office/powerpoint/2012/main"/>
+    </p:ext>
+  </p:extLst>
 </p:presentation>
 </file>
 
@@ -3489,7 +3494,7 @@
         </p:nvSpPr>
         <p:spPr>
           <a:xfrm>
-            <a:off x="1434808" y="3059668"/>
+            <a:off x="921508" y="2640653"/>
             <a:ext cx="2486578" cy="369332"/>
           </a:xfrm>
           <a:prstGeom prst="rect">
@@ -3505,6 +3510,185 @@
             <a:r>
               <a:rPr lang="zh-CN" altLang="en-US" dirty="0"/>
               <a:t>会话黏连 session sticky</a:t>
+            </a:r>
+          </a:p>
+        </p:txBody>
+      </p:sp>
+      <p:sp>
+        <p:nvSpPr>
+          <p:cNvPr id="5" name="矩形 4">
+            <a:extLst>
+              <a:ext uri="{FF2B5EF4-FFF2-40B4-BE49-F238E27FC236}">
+                <a16:creationId xmlns:a16="http://schemas.microsoft.com/office/drawing/2014/main" id="{F28C96AC-6D2D-42ED-BA4F-AA1F266D37CE}"/>
+              </a:ext>
+            </a:extLst>
+          </p:cNvPr>
+          <p:cNvSpPr/>
+          <p:nvPr/>
+        </p:nvSpPr>
+        <p:spPr>
+          <a:xfrm>
+            <a:off x="921508" y="3713871"/>
+            <a:ext cx="10721266" cy="1200329"/>
+          </a:xfrm>
+          <a:prstGeom prst="rect">
+            <a:avLst/>
+          </a:prstGeom>
+        </p:spPr>
+        <p:txBody>
+          <a:bodyPr wrap="square">
+            <a:spAutoFit/>
+          </a:bodyPr>
+          <a:lstStyle/>
+          <a:p>
+            <a:r>
+              <a:rPr lang="zh-CN" altLang="en-US" dirty="0">
+                <a:solidFill>
+                  <a:srgbClr val="333333"/>
+                </a:solidFill>
+                <a:latin typeface="PingFang SC"/>
+              </a:rPr>
+              <a:t>在 </a:t>
+            </a:r>
+            <a:r>
+              <a:rPr lang="en-US" altLang="zh-CN" dirty="0">
+                <a:solidFill>
+                  <a:srgbClr val="333333"/>
+                </a:solidFill>
+                <a:latin typeface="PingFang SC"/>
+              </a:rPr>
+              <a:t>Kubernetes </a:t>
+            </a:r>
+            <a:r>
+              <a:rPr lang="zh-CN" altLang="en-US" dirty="0">
+                <a:solidFill>
+                  <a:srgbClr val="333333"/>
+                </a:solidFill>
+                <a:latin typeface="PingFang SC"/>
+              </a:rPr>
+              <a:t>项目中，负责完成授权（</a:t>
+            </a:r>
+            <a:r>
+              <a:rPr lang="en-US" altLang="zh-CN" dirty="0"/>
+              <a:t>Authorization</a:t>
+            </a:r>
+            <a:r>
+              <a:rPr lang="zh-CN" altLang="en-US" dirty="0"/>
+              <a:t>）工作的机制，就是 </a:t>
+            </a:r>
+            <a:r>
+              <a:rPr lang="en-US" altLang="zh-CN" dirty="0" err="1"/>
+              <a:t>RBAC</a:t>
+            </a:r>
+            <a:r>
+              <a:rPr lang="zh-CN" altLang="en-US" dirty="0"/>
+              <a:t>：基于角色的访问控制（</a:t>
+            </a:r>
+            <a:r>
+              <a:rPr lang="en-US" altLang="zh-CN" dirty="0"/>
+              <a:t>Role-Based Access Control</a:t>
+            </a:r>
+            <a:r>
+              <a:rPr lang="zh-CN" altLang="en-US" dirty="0"/>
+              <a:t>）</a:t>
+            </a:r>
+            <a:endParaRPr lang="en-US" altLang="zh-CN" dirty="0"/>
+          </a:p>
+          <a:p>
+            <a:endParaRPr lang="en-US" altLang="zh-CN" dirty="0"/>
+          </a:p>
+          <a:p>
+            <a:endParaRPr lang="en-US" altLang="zh-CN" dirty="0">
+              <a:solidFill>
+                <a:srgbClr val="333333"/>
+              </a:solidFill>
+              <a:latin typeface="PingFang SC"/>
+            </a:endParaRPr>
+          </a:p>
+        </p:txBody>
+      </p:sp>
+      <p:sp>
+        <p:nvSpPr>
+          <p:cNvPr id="6" name="矩形 5">
+            <a:extLst>
+              <a:ext uri="{FF2B5EF4-FFF2-40B4-BE49-F238E27FC236}">
+                <a16:creationId xmlns:a16="http://schemas.microsoft.com/office/drawing/2014/main" id="{463DC33F-044B-4AE4-A258-58C1E8E687A8}"/>
+              </a:ext>
+            </a:extLst>
+          </p:cNvPr>
+          <p:cNvSpPr/>
+          <p:nvPr/>
+        </p:nvSpPr>
+        <p:spPr>
+          <a:xfrm>
+            <a:off x="1059403" y="4800968"/>
+            <a:ext cx="9997804" cy="923330"/>
+          </a:xfrm>
+          <a:prstGeom prst="rect">
+            <a:avLst/>
+          </a:prstGeom>
+        </p:spPr>
+        <p:txBody>
+          <a:bodyPr wrap="square">
+            <a:spAutoFit/>
+          </a:bodyPr>
+          <a:lstStyle/>
+          <a:p>
+            <a:r>
+              <a:rPr lang="en-US" altLang="zh-CN" dirty="0"/>
+              <a:t>Operator</a:t>
+            </a:r>
+            <a:r>
+              <a:rPr lang="zh-CN" altLang="en-US" dirty="0"/>
+              <a:t>的工作原理，实际上是利用了</a:t>
+            </a:r>
+            <a:r>
+              <a:rPr lang="en-US" altLang="zh-CN" dirty="0"/>
+              <a:t>Kubernetes</a:t>
+            </a:r>
+            <a:r>
+              <a:rPr lang="zh-CN" altLang="en-US" dirty="0"/>
+              <a:t>的自定义</a:t>
+            </a:r>
+            <a:r>
+              <a:rPr lang="en-US" altLang="zh-CN" dirty="0"/>
+              <a:t>API</a:t>
+            </a:r>
+            <a:r>
+              <a:rPr lang="zh-CN" altLang="en-US" dirty="0"/>
+              <a:t>资源（</a:t>
+            </a:r>
+            <a:r>
+              <a:rPr lang="en-US" altLang="zh-CN" dirty="0" err="1"/>
+              <a:t>CRD</a:t>
+            </a:r>
+            <a:r>
+              <a:rPr lang="zh-CN" altLang="en-US" dirty="0"/>
+              <a:t>）</a:t>
+            </a:r>
+            <a:r>
+              <a:rPr lang="en-US" altLang="zh-CN" dirty="0"/>
+              <a:t>,</a:t>
+            </a:r>
+            <a:r>
+              <a:rPr lang="zh-CN" altLang="en-US" dirty="0"/>
+              <a:t>来描述我们想要部署的</a:t>
+            </a:r>
+            <a:r>
+              <a:rPr lang="zh-CN" altLang="en-US"/>
+              <a:t>“有状态应用”；然后</a:t>
+            </a:r>
+            <a:r>
+              <a:rPr lang="zh-CN" altLang="en-US" dirty="0"/>
+              <a:t>在自定义控制器里，根据自定义</a:t>
+            </a:r>
+            <a:r>
+              <a:rPr lang="en-US" altLang="zh-CN" dirty="0"/>
+              <a:t>API</a:t>
+            </a:r>
+            <a:r>
+              <a:rPr lang="zh-CN" altLang="en-US" dirty="0"/>
+              <a:t>对象的变化，来完成具体的部署和运维工作</a:t>
             </a:r>
           </a:p>
         </p:txBody>

--- a/Asp.NetCoreExperiment/kubernetes/kubernetes.pptx
+++ b/Asp.NetCoreExperiment/kubernetes/kubernetes.pptx
@@ -6,7 +6,8 @@
   </p:sldMasterIdLst>
   <p:sldIdLst>
     <p:sldId id="256" r:id="rId2"/>
-    <p:sldId id="257" r:id="rId3"/>
+    <p:sldId id="258" r:id="rId3"/>
+    <p:sldId id="257" r:id="rId4"/>
   </p:sldIdLst>
   <p:sldSz cx="12192000" cy="6858000"/>
   <p:notesSz cx="6858000" cy="9144000"/>
@@ -260,7 +261,7 @@
           <a:p>
             <a:fld id="{2328C41B-48A3-47AC-B18B-81A9BC6A6005}" type="datetimeFigureOut">
               <a:rPr lang="zh-CN" altLang="en-US" smtClean="0"/>
-              <a:t>2019/2/13</a:t>
+              <a:t>2019/2/15</a:t>
             </a:fld>
             <a:endParaRPr lang="zh-CN" altLang="en-US"/>
           </a:p>
@@ -458,7 +459,7 @@
           <a:p>
             <a:fld id="{2328C41B-48A3-47AC-B18B-81A9BC6A6005}" type="datetimeFigureOut">
               <a:rPr lang="zh-CN" altLang="en-US" smtClean="0"/>
-              <a:t>2019/2/13</a:t>
+              <a:t>2019/2/15</a:t>
             </a:fld>
             <a:endParaRPr lang="zh-CN" altLang="en-US"/>
           </a:p>
@@ -666,7 +667,7 @@
           <a:p>
             <a:fld id="{2328C41B-48A3-47AC-B18B-81A9BC6A6005}" type="datetimeFigureOut">
               <a:rPr lang="zh-CN" altLang="en-US" smtClean="0"/>
-              <a:t>2019/2/13</a:t>
+              <a:t>2019/2/15</a:t>
             </a:fld>
             <a:endParaRPr lang="zh-CN" altLang="en-US"/>
           </a:p>
@@ -864,7 +865,7 @@
           <a:p>
             <a:fld id="{2328C41B-48A3-47AC-B18B-81A9BC6A6005}" type="datetimeFigureOut">
               <a:rPr lang="zh-CN" altLang="en-US" smtClean="0"/>
-              <a:t>2019/2/13</a:t>
+              <a:t>2019/2/15</a:t>
             </a:fld>
             <a:endParaRPr lang="zh-CN" altLang="en-US"/>
           </a:p>
@@ -1139,7 +1140,7 @@
           <a:p>
             <a:fld id="{2328C41B-48A3-47AC-B18B-81A9BC6A6005}" type="datetimeFigureOut">
               <a:rPr lang="zh-CN" altLang="en-US" smtClean="0"/>
-              <a:t>2019/2/13</a:t>
+              <a:t>2019/2/15</a:t>
             </a:fld>
             <a:endParaRPr lang="zh-CN" altLang="en-US"/>
           </a:p>
@@ -1404,7 +1405,7 @@
           <a:p>
             <a:fld id="{2328C41B-48A3-47AC-B18B-81A9BC6A6005}" type="datetimeFigureOut">
               <a:rPr lang="zh-CN" altLang="en-US" smtClean="0"/>
-              <a:t>2019/2/13</a:t>
+              <a:t>2019/2/15</a:t>
             </a:fld>
             <a:endParaRPr lang="zh-CN" altLang="en-US"/>
           </a:p>
@@ -1816,7 +1817,7 @@
           <a:p>
             <a:fld id="{2328C41B-48A3-47AC-B18B-81A9BC6A6005}" type="datetimeFigureOut">
               <a:rPr lang="zh-CN" altLang="en-US" smtClean="0"/>
-              <a:t>2019/2/13</a:t>
+              <a:t>2019/2/15</a:t>
             </a:fld>
             <a:endParaRPr lang="zh-CN" altLang="en-US"/>
           </a:p>
@@ -1957,7 +1958,7 @@
           <a:p>
             <a:fld id="{2328C41B-48A3-47AC-B18B-81A9BC6A6005}" type="datetimeFigureOut">
               <a:rPr lang="zh-CN" altLang="en-US" smtClean="0"/>
-              <a:t>2019/2/13</a:t>
+              <a:t>2019/2/15</a:t>
             </a:fld>
             <a:endParaRPr lang="zh-CN" altLang="en-US"/>
           </a:p>
@@ -2070,7 +2071,7 @@
           <a:p>
             <a:fld id="{2328C41B-48A3-47AC-B18B-81A9BC6A6005}" type="datetimeFigureOut">
               <a:rPr lang="zh-CN" altLang="en-US" smtClean="0"/>
-              <a:t>2019/2/13</a:t>
+              <a:t>2019/2/15</a:t>
             </a:fld>
             <a:endParaRPr lang="zh-CN" altLang="en-US"/>
           </a:p>
@@ -2381,7 +2382,7 @@
           <a:p>
             <a:fld id="{2328C41B-48A3-47AC-B18B-81A9BC6A6005}" type="datetimeFigureOut">
               <a:rPr lang="zh-CN" altLang="en-US" smtClean="0"/>
-              <a:t>2019/2/13</a:t>
+              <a:t>2019/2/15</a:t>
             </a:fld>
             <a:endParaRPr lang="zh-CN" altLang="en-US"/>
           </a:p>
@@ -2669,7 +2670,7 @@
           <a:p>
             <a:fld id="{2328C41B-48A3-47AC-B18B-81A9BC6A6005}" type="datetimeFigureOut">
               <a:rPr lang="zh-CN" altLang="en-US" smtClean="0"/>
-              <a:t>2019/2/13</a:t>
+              <a:t>2019/2/15</a:t>
             </a:fld>
             <a:endParaRPr lang="zh-CN" altLang="en-US"/>
           </a:p>
@@ -2910,7 +2911,7 @@
           <a:p>
             <a:fld id="{2328C41B-48A3-47AC-B18B-81A9BC6A6005}" type="datetimeFigureOut">
               <a:rPr lang="zh-CN" altLang="en-US" smtClean="0"/>
-              <a:t>2019/2/13</a:t>
+              <a:t>2019/2/15</a:t>
             </a:fld>
             <a:endParaRPr lang="zh-CN" altLang="en-US"/>
           </a:p>
@@ -3413,6 +3414,144 @@
       </p:grpSpPr>
       <p:sp>
         <p:nvSpPr>
+          <p:cNvPr id="4" name="矩形 3">
+            <a:extLst>
+              <a:ext uri="{FF2B5EF4-FFF2-40B4-BE49-F238E27FC236}">
+                <a16:creationId xmlns:a16="http://schemas.microsoft.com/office/drawing/2014/main" id="{2E696C1D-19CC-478A-8AA8-77AF59AFB67B}"/>
+              </a:ext>
+            </a:extLst>
+          </p:cNvPr>
+          <p:cNvSpPr/>
+          <p:nvPr/>
+        </p:nvSpPr>
+        <p:spPr>
+          <a:xfrm>
+            <a:off x="1502674" y="802975"/>
+            <a:ext cx="1459054" cy="3139321"/>
+          </a:xfrm>
+          <a:prstGeom prst="rect">
+            <a:avLst/>
+          </a:prstGeom>
+        </p:spPr>
+        <p:txBody>
+          <a:bodyPr wrap="none">
+            <a:spAutoFit/>
+          </a:bodyPr>
+          <a:lstStyle/>
+          <a:p>
+            <a:r>
+              <a:rPr lang="en-US" altLang="zh-CN" dirty="0">
+                <a:solidFill>
+                  <a:srgbClr val="333333"/>
+                </a:solidFill>
+                <a:latin typeface="arial" panose="020B0604020202020204" pitchFamily="34" charset="0"/>
+              </a:rPr>
+              <a:t>NFS</a:t>
+            </a:r>
+          </a:p>
+          <a:p>
+            <a:r>
+              <a:rPr lang="en-US" altLang="zh-CN" dirty="0" err="1"/>
+              <a:t>GlusterFS</a:t>
+            </a:r>
+            <a:endParaRPr lang="en-US" altLang="zh-CN" dirty="0"/>
+          </a:p>
+          <a:p>
+            <a:r>
+              <a:rPr lang="en-US" altLang="zh-CN" dirty="0" err="1">
+                <a:solidFill>
+                  <a:srgbClr val="333333"/>
+                </a:solidFill>
+                <a:latin typeface="arial" panose="020B0604020202020204" pitchFamily="34" charset="0"/>
+              </a:rPr>
+              <a:t>Ceph</a:t>
+            </a:r>
+            <a:endParaRPr lang="en-US" altLang="zh-CN" dirty="0">
+              <a:solidFill>
+                <a:srgbClr val="333333"/>
+              </a:solidFill>
+              <a:latin typeface="arial" panose="020B0604020202020204" pitchFamily="34" charset="0"/>
+            </a:endParaRPr>
+          </a:p>
+          <a:p>
+            <a:r>
+              <a:rPr lang="en-US" altLang="zh-CN" dirty="0" err="1"/>
+              <a:t>DigitalOcean</a:t>
+            </a:r>
+            <a:endParaRPr lang="en-US" altLang="zh-CN" dirty="0"/>
+          </a:p>
+          <a:p>
+            <a:r>
+              <a:rPr lang="en-US" altLang="zh-CN" dirty="0"/>
+              <a:t>Flannel</a:t>
+            </a:r>
+          </a:p>
+          <a:p>
+            <a:r>
+              <a:rPr lang="en-US" altLang="zh-CN" dirty="0"/>
+              <a:t>Calico</a:t>
+            </a:r>
+          </a:p>
+          <a:p>
+            <a:r>
+              <a:rPr lang="en-US" altLang="zh-CN" dirty="0"/>
+              <a:t>Prometheus</a:t>
+            </a:r>
+          </a:p>
+          <a:p>
+            <a:r>
+              <a:rPr lang="en-US" altLang="zh-CN" dirty="0" err="1"/>
+              <a:t>DaemonSet</a:t>
+            </a:r>
+            <a:endParaRPr lang="en-US" altLang="zh-CN" dirty="0"/>
+          </a:p>
+          <a:p>
+            <a:r>
+              <a:rPr lang="en-US" altLang="zh-CN" dirty="0" err="1"/>
+              <a:t>Fluentd</a:t>
+            </a:r>
+            <a:endParaRPr lang="en-US" altLang="zh-CN" dirty="0"/>
+          </a:p>
+          <a:p>
+            <a:endParaRPr lang="en-US" altLang="zh-CN" dirty="0"/>
+          </a:p>
+          <a:p>
+            <a:endParaRPr lang="zh-CN" altLang="en-US" dirty="0"/>
+          </a:p>
+        </p:txBody>
+      </p:sp>
+    </p:spTree>
+    <p:extLst>
+      <p:ext uri="{BB962C8B-B14F-4D97-AF65-F5344CB8AC3E}">
+        <p14:creationId xmlns:p14="http://schemas.microsoft.com/office/powerpoint/2010/main" val="464234432"/>
+      </p:ext>
+    </p:extLst>
+  </p:cSld>
+  <p:clrMapOvr>
+    <a:masterClrMapping/>
+  </p:clrMapOvr>
+</p:sld>
+</file>
+
+<file path=ppt/slides/slide3.xml><?xml version="1.0" encoding="utf-8"?>
+<p:sld xmlns:a="http://schemas.openxmlformats.org/drawingml/2006/main" xmlns:r="http://schemas.openxmlformats.org/officeDocument/2006/relationships" xmlns:p="http://schemas.openxmlformats.org/presentationml/2006/main">
+  <p:cSld>
+    <p:spTree>
+      <p:nvGrpSpPr>
+        <p:cNvPr id="1" name=""/>
+        <p:cNvGrpSpPr/>
+        <p:nvPr/>
+      </p:nvGrpSpPr>
+      <p:grpSpPr>
+        <a:xfrm>
+          <a:off x="0" y="0"/>
+          <a:ext cx="0" cy="0"/>
+          <a:chOff x="0" y="0"/>
+          <a:chExt cx="0" cy="0"/>
+        </a:xfrm>
+      </p:grpSpPr>
+      <p:sp>
+        <p:nvSpPr>
           <p:cNvPr id="2" name="矩形 1">
             <a:extLst>
               <a:ext uri="{FF2B5EF4-FFF2-40B4-BE49-F238E27FC236}">

--- a/Asp.NetCoreExperiment/kubernetes/kubernetes.pptx
+++ b/Asp.NetCoreExperiment/kubernetes/kubernetes.pptx
@@ -4,10 +4,24 @@
   <p:sldMasterIdLst>
     <p:sldMasterId id="2147483648" r:id="rId1"/>
   </p:sldMasterIdLst>
+  <p:notesMasterIdLst>
+    <p:notesMasterId r:id="rId16"/>
+  </p:notesMasterIdLst>
   <p:sldIdLst>
     <p:sldId id="256" r:id="rId2"/>
-    <p:sldId id="258" r:id="rId3"/>
-    <p:sldId id="257" r:id="rId4"/>
+    <p:sldId id="260" r:id="rId3"/>
+    <p:sldId id="263" r:id="rId4"/>
+    <p:sldId id="264" r:id="rId5"/>
+    <p:sldId id="265" r:id="rId6"/>
+    <p:sldId id="266" r:id="rId7"/>
+    <p:sldId id="267" r:id="rId8"/>
+    <p:sldId id="268" r:id="rId9"/>
+    <p:sldId id="261" r:id="rId10"/>
+    <p:sldId id="262" r:id="rId11"/>
+    <p:sldId id="269" r:id="rId12"/>
+    <p:sldId id="270" r:id="rId13"/>
+    <p:sldId id="258" r:id="rId14"/>
+    <p:sldId id="257" r:id="rId15"/>
   </p:sldIdLst>
   <p:sldSz cx="12192000" cy="6858000"/>
   <p:notesSz cx="6858000" cy="9144000"/>
@@ -114,6 +128,743 @@
 </p:presentation>
 </file>
 
+<file path=ppt/notesMasters/notesMaster1.xml><?xml version="1.0" encoding="utf-8"?>
+<p:notesMaster xmlns:a="http://schemas.openxmlformats.org/drawingml/2006/main" xmlns:r="http://schemas.openxmlformats.org/officeDocument/2006/relationships" xmlns:p="http://schemas.openxmlformats.org/presentationml/2006/main">
+  <p:cSld>
+    <p:bg>
+      <p:bgRef idx="1001">
+        <a:schemeClr val="bg1"/>
+      </p:bgRef>
+    </p:bg>
+    <p:spTree>
+      <p:nvGrpSpPr>
+        <p:cNvPr id="1" name=""/>
+        <p:cNvGrpSpPr/>
+        <p:nvPr/>
+      </p:nvGrpSpPr>
+      <p:grpSpPr>
+        <a:xfrm>
+          <a:off x="0" y="0"/>
+          <a:ext cx="0" cy="0"/>
+          <a:chOff x="0" y="0"/>
+          <a:chExt cx="0" cy="0"/>
+        </a:xfrm>
+      </p:grpSpPr>
+      <p:sp>
+        <p:nvSpPr>
+          <p:cNvPr id="2" name="页眉占位符 1"/>
+          <p:cNvSpPr>
+            <a:spLocks noGrp="1"/>
+          </p:cNvSpPr>
+          <p:nvPr>
+            <p:ph type="hdr" sz="quarter"/>
+          </p:nvPr>
+        </p:nvSpPr>
+        <p:spPr>
+          <a:xfrm>
+            <a:off x="0" y="0"/>
+            <a:ext cx="2971800" cy="458788"/>
+          </a:xfrm>
+          <a:prstGeom prst="rect">
+            <a:avLst/>
+          </a:prstGeom>
+        </p:spPr>
+        <p:txBody>
+          <a:bodyPr vert="horz" lIns="91440" tIns="45720" rIns="91440" bIns="45720" rtlCol="0"/>
+          <a:lstStyle>
+            <a:lvl1pPr algn="l">
+              <a:defRPr sz="1200"/>
+            </a:lvl1pPr>
+          </a:lstStyle>
+          <a:p>
+            <a:endParaRPr lang="zh-CN" altLang="en-US"/>
+          </a:p>
+        </p:txBody>
+      </p:sp>
+      <p:sp>
+        <p:nvSpPr>
+          <p:cNvPr id="3" name="日期占位符 2"/>
+          <p:cNvSpPr>
+            <a:spLocks noGrp="1"/>
+          </p:cNvSpPr>
+          <p:nvPr>
+            <p:ph type="dt" idx="1"/>
+          </p:nvPr>
+        </p:nvSpPr>
+        <p:spPr>
+          <a:xfrm>
+            <a:off x="3884613" y="0"/>
+            <a:ext cx="2971800" cy="458788"/>
+          </a:xfrm>
+          <a:prstGeom prst="rect">
+            <a:avLst/>
+          </a:prstGeom>
+        </p:spPr>
+        <p:txBody>
+          <a:bodyPr vert="horz" lIns="91440" tIns="45720" rIns="91440" bIns="45720" rtlCol="0"/>
+          <a:lstStyle>
+            <a:lvl1pPr algn="r">
+              <a:defRPr sz="1200"/>
+            </a:lvl1pPr>
+          </a:lstStyle>
+          <a:p>
+            <a:fld id="{EB3586D1-9A9B-4A13-8983-B7906950C648}" type="datetimeFigureOut">
+              <a:rPr lang="zh-CN" altLang="en-US" smtClean="0"/>
+              <a:t>2019/2/20</a:t>
+            </a:fld>
+            <a:endParaRPr lang="zh-CN" altLang="en-US"/>
+          </a:p>
+        </p:txBody>
+      </p:sp>
+      <p:sp>
+        <p:nvSpPr>
+          <p:cNvPr id="4" name="幻灯片图像占位符 3"/>
+          <p:cNvSpPr>
+            <a:spLocks noGrp="1" noRot="1" noChangeAspect="1"/>
+          </p:cNvSpPr>
+          <p:nvPr>
+            <p:ph type="sldImg" idx="2"/>
+          </p:nvPr>
+        </p:nvSpPr>
+        <p:spPr>
+          <a:xfrm>
+            <a:off x="685800" y="1143000"/>
+            <a:ext cx="5486400" cy="3086100"/>
+          </a:xfrm>
+          <a:prstGeom prst="rect">
+            <a:avLst/>
+          </a:prstGeom>
+          <a:noFill/>
+          <a:ln w="12700">
+            <a:solidFill>
+              <a:prstClr val="black"/>
+            </a:solidFill>
+          </a:ln>
+        </p:spPr>
+        <p:txBody>
+          <a:bodyPr vert="horz" lIns="91440" tIns="45720" rIns="91440" bIns="45720" rtlCol="0" anchor="ctr"/>
+          <a:lstStyle/>
+          <a:p>
+            <a:endParaRPr lang="zh-CN" altLang="en-US"/>
+          </a:p>
+        </p:txBody>
+      </p:sp>
+      <p:sp>
+        <p:nvSpPr>
+          <p:cNvPr id="5" name="备注占位符 4"/>
+          <p:cNvSpPr>
+            <a:spLocks noGrp="1"/>
+          </p:cNvSpPr>
+          <p:nvPr>
+            <p:ph type="body" sz="quarter" idx="3"/>
+          </p:nvPr>
+        </p:nvSpPr>
+        <p:spPr>
+          <a:xfrm>
+            <a:off x="685800" y="4400550"/>
+            <a:ext cx="5486400" cy="3600450"/>
+          </a:xfrm>
+          <a:prstGeom prst="rect">
+            <a:avLst/>
+          </a:prstGeom>
+        </p:spPr>
+        <p:txBody>
+          <a:bodyPr vert="horz" lIns="91440" tIns="45720" rIns="91440" bIns="45720" rtlCol="0"/>
+          <a:lstStyle/>
+          <a:p>
+            <a:pPr lvl="0"/>
+            <a:r>
+              <a:rPr lang="zh-CN" altLang="en-US"/>
+              <a:t>编辑母版文本样式</a:t>
+            </a:r>
+          </a:p>
+          <a:p>
+            <a:pPr lvl="1"/>
+            <a:r>
+              <a:rPr lang="zh-CN" altLang="en-US"/>
+              <a:t>第二级</a:t>
+            </a:r>
+          </a:p>
+          <a:p>
+            <a:pPr lvl="2"/>
+            <a:r>
+              <a:rPr lang="zh-CN" altLang="en-US"/>
+              <a:t>第三级</a:t>
+            </a:r>
+          </a:p>
+          <a:p>
+            <a:pPr lvl="3"/>
+            <a:r>
+              <a:rPr lang="zh-CN" altLang="en-US"/>
+              <a:t>第四级</a:t>
+            </a:r>
+          </a:p>
+          <a:p>
+            <a:pPr lvl="4"/>
+            <a:r>
+              <a:rPr lang="zh-CN" altLang="en-US"/>
+              <a:t>第五级</a:t>
+            </a:r>
+          </a:p>
+        </p:txBody>
+      </p:sp>
+      <p:sp>
+        <p:nvSpPr>
+          <p:cNvPr id="6" name="页脚占位符 5"/>
+          <p:cNvSpPr>
+            <a:spLocks noGrp="1"/>
+          </p:cNvSpPr>
+          <p:nvPr>
+            <p:ph type="ftr" sz="quarter" idx="4"/>
+          </p:nvPr>
+        </p:nvSpPr>
+        <p:spPr>
+          <a:xfrm>
+            <a:off x="0" y="8685213"/>
+            <a:ext cx="2971800" cy="458787"/>
+          </a:xfrm>
+          <a:prstGeom prst="rect">
+            <a:avLst/>
+          </a:prstGeom>
+        </p:spPr>
+        <p:txBody>
+          <a:bodyPr vert="horz" lIns="91440" tIns="45720" rIns="91440" bIns="45720" rtlCol="0" anchor="b"/>
+          <a:lstStyle>
+            <a:lvl1pPr algn="l">
+              <a:defRPr sz="1200"/>
+            </a:lvl1pPr>
+          </a:lstStyle>
+          <a:p>
+            <a:endParaRPr lang="zh-CN" altLang="en-US"/>
+          </a:p>
+        </p:txBody>
+      </p:sp>
+      <p:sp>
+        <p:nvSpPr>
+          <p:cNvPr id="7" name="灯片编号占位符 6"/>
+          <p:cNvSpPr>
+            <a:spLocks noGrp="1"/>
+          </p:cNvSpPr>
+          <p:nvPr>
+            <p:ph type="sldNum" sz="quarter" idx="5"/>
+          </p:nvPr>
+        </p:nvSpPr>
+        <p:spPr>
+          <a:xfrm>
+            <a:off x="3884613" y="8685213"/>
+            <a:ext cx="2971800" cy="458787"/>
+          </a:xfrm>
+          <a:prstGeom prst="rect">
+            <a:avLst/>
+          </a:prstGeom>
+        </p:spPr>
+        <p:txBody>
+          <a:bodyPr vert="horz" lIns="91440" tIns="45720" rIns="91440" bIns="45720" rtlCol="0" anchor="b"/>
+          <a:lstStyle>
+            <a:lvl1pPr algn="r">
+              <a:defRPr sz="1200"/>
+            </a:lvl1pPr>
+          </a:lstStyle>
+          <a:p>
+            <a:fld id="{C78FF40C-989A-452E-8004-E7D0455BC254}" type="slidenum">
+              <a:rPr lang="zh-CN" altLang="en-US" smtClean="0"/>
+              <a:t>‹#›</a:t>
+            </a:fld>
+            <a:endParaRPr lang="zh-CN" altLang="en-US"/>
+          </a:p>
+        </p:txBody>
+      </p:sp>
+    </p:spTree>
+    <p:extLst>
+      <p:ext uri="{BB962C8B-B14F-4D97-AF65-F5344CB8AC3E}">
+        <p14:creationId xmlns:p14="http://schemas.microsoft.com/office/powerpoint/2010/main" val="1602891008"/>
+      </p:ext>
+    </p:extLst>
+  </p:cSld>
+  <p:clrMap bg1="lt1" tx1="dk1" bg2="lt2" tx2="dk2" accent1="accent1" accent2="accent2" accent3="accent3" accent4="accent4" accent5="accent5" accent6="accent6" hlink="hlink" folHlink="folHlink"/>
+  <p:notesStyle>
+    <a:lvl1pPr marL="0" algn="l" defTabSz="914400" rtl="0" eaLnBrk="1" latinLnBrk="0" hangingPunct="1">
+      <a:defRPr sz="1200" kern="1200">
+        <a:solidFill>
+          <a:schemeClr val="tx1"/>
+        </a:solidFill>
+        <a:latin typeface="+mn-lt"/>
+        <a:ea typeface="+mn-ea"/>
+        <a:cs typeface="+mn-cs"/>
+      </a:defRPr>
+    </a:lvl1pPr>
+    <a:lvl2pPr marL="457200" algn="l" defTabSz="914400" rtl="0" eaLnBrk="1" latinLnBrk="0" hangingPunct="1">
+      <a:defRPr sz="1200" kern="1200">
+        <a:solidFill>
+          <a:schemeClr val="tx1"/>
+        </a:solidFill>
+        <a:latin typeface="+mn-lt"/>
+        <a:ea typeface="+mn-ea"/>
+        <a:cs typeface="+mn-cs"/>
+      </a:defRPr>
+    </a:lvl2pPr>
+    <a:lvl3pPr marL="914400" algn="l" defTabSz="914400" rtl="0" eaLnBrk="1" latinLnBrk="0" hangingPunct="1">
+      <a:defRPr sz="1200" kern="1200">
+        <a:solidFill>
+          <a:schemeClr val="tx1"/>
+        </a:solidFill>
+        <a:latin typeface="+mn-lt"/>
+        <a:ea typeface="+mn-ea"/>
+        <a:cs typeface="+mn-cs"/>
+      </a:defRPr>
+    </a:lvl3pPr>
+    <a:lvl4pPr marL="1371600" algn="l" defTabSz="914400" rtl="0" eaLnBrk="1" latinLnBrk="0" hangingPunct="1">
+      <a:defRPr sz="1200" kern="1200">
+        <a:solidFill>
+          <a:schemeClr val="tx1"/>
+        </a:solidFill>
+        <a:latin typeface="+mn-lt"/>
+        <a:ea typeface="+mn-ea"/>
+        <a:cs typeface="+mn-cs"/>
+      </a:defRPr>
+    </a:lvl4pPr>
+    <a:lvl5pPr marL="1828800" algn="l" defTabSz="914400" rtl="0" eaLnBrk="1" latinLnBrk="0" hangingPunct="1">
+      <a:defRPr sz="1200" kern="1200">
+        <a:solidFill>
+          <a:schemeClr val="tx1"/>
+        </a:solidFill>
+        <a:latin typeface="+mn-lt"/>
+        <a:ea typeface="+mn-ea"/>
+        <a:cs typeface="+mn-cs"/>
+      </a:defRPr>
+    </a:lvl5pPr>
+    <a:lvl6pPr marL="2286000" algn="l" defTabSz="914400" rtl="0" eaLnBrk="1" latinLnBrk="0" hangingPunct="1">
+      <a:defRPr sz="1200" kern="1200">
+        <a:solidFill>
+          <a:schemeClr val="tx1"/>
+        </a:solidFill>
+        <a:latin typeface="+mn-lt"/>
+        <a:ea typeface="+mn-ea"/>
+        <a:cs typeface="+mn-cs"/>
+      </a:defRPr>
+    </a:lvl6pPr>
+    <a:lvl7pPr marL="2743200" algn="l" defTabSz="914400" rtl="0" eaLnBrk="1" latinLnBrk="0" hangingPunct="1">
+      <a:defRPr sz="1200" kern="1200">
+        <a:solidFill>
+          <a:schemeClr val="tx1"/>
+        </a:solidFill>
+        <a:latin typeface="+mn-lt"/>
+        <a:ea typeface="+mn-ea"/>
+        <a:cs typeface="+mn-cs"/>
+      </a:defRPr>
+    </a:lvl7pPr>
+    <a:lvl8pPr marL="3200400" algn="l" defTabSz="914400" rtl="0" eaLnBrk="1" latinLnBrk="0" hangingPunct="1">
+      <a:defRPr sz="1200" kern="1200">
+        <a:solidFill>
+          <a:schemeClr val="tx1"/>
+        </a:solidFill>
+        <a:latin typeface="+mn-lt"/>
+        <a:ea typeface="+mn-ea"/>
+        <a:cs typeface="+mn-cs"/>
+      </a:defRPr>
+    </a:lvl8pPr>
+    <a:lvl9pPr marL="3657600" algn="l" defTabSz="914400" rtl="0" eaLnBrk="1" latinLnBrk="0" hangingPunct="1">
+      <a:defRPr sz="1200" kern="1200">
+        <a:solidFill>
+          <a:schemeClr val="tx1"/>
+        </a:solidFill>
+        <a:latin typeface="+mn-lt"/>
+        <a:ea typeface="+mn-ea"/>
+        <a:cs typeface="+mn-cs"/>
+      </a:defRPr>
+    </a:lvl9pPr>
+  </p:notesStyle>
+</p:notesMaster>
+</file>
+
+<file path=ppt/notesSlides/notesSlide1.xml><?xml version="1.0" encoding="utf-8"?>
+<p:notes xmlns:a="http://schemas.openxmlformats.org/drawingml/2006/main" xmlns:r="http://schemas.openxmlformats.org/officeDocument/2006/relationships" xmlns:p="http://schemas.openxmlformats.org/presentationml/2006/main">
+  <p:cSld>
+    <p:spTree>
+      <p:nvGrpSpPr>
+        <p:cNvPr id="1" name=""/>
+        <p:cNvGrpSpPr/>
+        <p:nvPr/>
+      </p:nvGrpSpPr>
+      <p:grpSpPr>
+        <a:xfrm>
+          <a:off x="0" y="0"/>
+          <a:ext cx="0" cy="0"/>
+          <a:chOff x="0" y="0"/>
+          <a:chExt cx="0" cy="0"/>
+        </a:xfrm>
+      </p:grpSpPr>
+      <p:sp>
+        <p:nvSpPr>
+          <p:cNvPr id="2" name="幻灯片图像占位符 1"/>
+          <p:cNvSpPr>
+            <a:spLocks noGrp="1" noRot="1" noChangeAspect="1"/>
+          </p:cNvSpPr>
+          <p:nvPr>
+            <p:ph type="sldImg"/>
+          </p:nvPr>
+        </p:nvSpPr>
+        <p:spPr/>
+      </p:sp>
+      <p:sp>
+        <p:nvSpPr>
+          <p:cNvPr id="3" name="备注占位符 2"/>
+          <p:cNvSpPr>
+            <a:spLocks noGrp="1"/>
+          </p:cNvSpPr>
+          <p:nvPr>
+            <p:ph type="body" idx="1"/>
+          </p:nvPr>
+        </p:nvSpPr>
+        <p:spPr/>
+        <p:txBody>
+          <a:bodyPr/>
+          <a:lstStyle/>
+          <a:p>
+            <a:endParaRPr lang="zh-CN" altLang="en-US" dirty="0"/>
+          </a:p>
+        </p:txBody>
+      </p:sp>
+      <p:sp>
+        <p:nvSpPr>
+          <p:cNvPr id="4" name="灯片编号占位符 3"/>
+          <p:cNvSpPr>
+            <a:spLocks noGrp="1"/>
+          </p:cNvSpPr>
+          <p:nvPr>
+            <p:ph type="sldNum" sz="quarter" idx="5"/>
+          </p:nvPr>
+        </p:nvSpPr>
+        <p:spPr/>
+        <p:txBody>
+          <a:bodyPr/>
+          <a:lstStyle/>
+          <a:p>
+            <a:fld id="{C78FF40C-989A-452E-8004-E7D0455BC254}" type="slidenum">
+              <a:rPr lang="zh-CN" altLang="en-US" smtClean="0"/>
+              <a:t>2</a:t>
+            </a:fld>
+            <a:endParaRPr lang="zh-CN" altLang="en-US"/>
+          </a:p>
+        </p:txBody>
+      </p:sp>
+    </p:spTree>
+    <p:extLst>
+      <p:ext uri="{BB962C8B-B14F-4D97-AF65-F5344CB8AC3E}">
+        <p14:creationId xmlns:p14="http://schemas.microsoft.com/office/powerpoint/2010/main" val="3716281386"/>
+      </p:ext>
+    </p:extLst>
+  </p:cSld>
+  <p:clrMapOvr>
+    <a:masterClrMapping/>
+  </p:clrMapOvr>
+</p:notes>
+</file>
+
+<file path=ppt/notesSlides/notesSlide2.xml><?xml version="1.0" encoding="utf-8"?>
+<p:notes xmlns:a="http://schemas.openxmlformats.org/drawingml/2006/main" xmlns:r="http://schemas.openxmlformats.org/officeDocument/2006/relationships" xmlns:p="http://schemas.openxmlformats.org/presentationml/2006/main">
+  <p:cSld>
+    <p:spTree>
+      <p:nvGrpSpPr>
+        <p:cNvPr id="1" name=""/>
+        <p:cNvGrpSpPr/>
+        <p:nvPr/>
+      </p:nvGrpSpPr>
+      <p:grpSpPr>
+        <a:xfrm>
+          <a:off x="0" y="0"/>
+          <a:ext cx="0" cy="0"/>
+          <a:chOff x="0" y="0"/>
+          <a:chExt cx="0" cy="0"/>
+        </a:xfrm>
+      </p:grpSpPr>
+      <p:sp>
+        <p:nvSpPr>
+          <p:cNvPr id="2" name="幻灯片图像占位符 1"/>
+          <p:cNvSpPr>
+            <a:spLocks noGrp="1" noRot="1" noChangeAspect="1"/>
+          </p:cNvSpPr>
+          <p:nvPr>
+            <p:ph type="sldImg"/>
+          </p:nvPr>
+        </p:nvSpPr>
+        <p:spPr/>
+      </p:sp>
+      <p:sp>
+        <p:nvSpPr>
+          <p:cNvPr id="3" name="备注占位符 2"/>
+          <p:cNvSpPr>
+            <a:spLocks noGrp="1"/>
+          </p:cNvSpPr>
+          <p:nvPr>
+            <p:ph type="body" idx="1"/>
+          </p:nvPr>
+        </p:nvSpPr>
+        <p:spPr/>
+        <p:txBody>
+          <a:bodyPr/>
+          <a:lstStyle/>
+          <a:p>
+            <a:r>
+              <a:rPr lang="en-US" altLang="zh-CN" dirty="0"/>
+              <a:t>https://</a:t>
+            </a:r>
+            <a:r>
+              <a:rPr lang="en-US" altLang="zh-CN" dirty="0" err="1"/>
+              <a:t>cizixs.com</a:t>
+            </a:r>
+            <a:r>
+              <a:rPr lang="en-US" altLang="zh-CN" dirty="0"/>
+              <a:t>/2017/08/29/</a:t>
+            </a:r>
+            <a:r>
+              <a:rPr lang="en-US" altLang="zh-CN" dirty="0" err="1"/>
+              <a:t>linux</a:t>
+            </a:r>
+            <a:r>
+              <a:rPr lang="en-US" altLang="zh-CN" dirty="0"/>
+              <a:t>-namespace/</a:t>
+            </a:r>
+            <a:endParaRPr lang="zh-CN" altLang="en-US" dirty="0"/>
+          </a:p>
+        </p:txBody>
+      </p:sp>
+      <p:sp>
+        <p:nvSpPr>
+          <p:cNvPr id="4" name="灯片编号占位符 3"/>
+          <p:cNvSpPr>
+            <a:spLocks noGrp="1"/>
+          </p:cNvSpPr>
+          <p:nvPr>
+            <p:ph type="sldNum" sz="quarter" idx="5"/>
+          </p:nvPr>
+        </p:nvSpPr>
+        <p:spPr/>
+        <p:txBody>
+          <a:bodyPr/>
+          <a:lstStyle/>
+          <a:p>
+            <a:fld id="{C78FF40C-989A-452E-8004-E7D0455BC254}" type="slidenum">
+              <a:rPr lang="zh-CN" altLang="en-US" smtClean="0"/>
+              <a:t>4</a:t>
+            </a:fld>
+            <a:endParaRPr lang="zh-CN" altLang="en-US"/>
+          </a:p>
+        </p:txBody>
+      </p:sp>
+    </p:spTree>
+    <p:extLst>
+      <p:ext uri="{BB962C8B-B14F-4D97-AF65-F5344CB8AC3E}">
+        <p14:creationId xmlns:p14="http://schemas.microsoft.com/office/powerpoint/2010/main" val="3543335843"/>
+      </p:ext>
+    </p:extLst>
+  </p:cSld>
+  <p:clrMapOvr>
+    <a:masterClrMapping/>
+  </p:clrMapOvr>
+</p:notes>
+</file>
+
+<file path=ppt/notesSlides/notesSlide3.xml><?xml version="1.0" encoding="utf-8"?>
+<p:notes xmlns:a="http://schemas.openxmlformats.org/drawingml/2006/main" xmlns:r="http://schemas.openxmlformats.org/officeDocument/2006/relationships" xmlns:p="http://schemas.openxmlformats.org/presentationml/2006/main">
+  <p:cSld>
+    <p:spTree>
+      <p:nvGrpSpPr>
+        <p:cNvPr id="1" name=""/>
+        <p:cNvGrpSpPr/>
+        <p:nvPr/>
+      </p:nvGrpSpPr>
+      <p:grpSpPr>
+        <a:xfrm>
+          <a:off x="0" y="0"/>
+          <a:ext cx="0" cy="0"/>
+          <a:chOff x="0" y="0"/>
+          <a:chExt cx="0" cy="0"/>
+        </a:xfrm>
+      </p:grpSpPr>
+      <p:sp>
+        <p:nvSpPr>
+          <p:cNvPr id="2" name="幻灯片图像占位符 1"/>
+          <p:cNvSpPr>
+            <a:spLocks noGrp="1" noRot="1" noChangeAspect="1"/>
+          </p:cNvSpPr>
+          <p:nvPr>
+            <p:ph type="sldImg"/>
+          </p:nvPr>
+        </p:nvSpPr>
+        <p:spPr/>
+      </p:sp>
+      <p:sp>
+        <p:nvSpPr>
+          <p:cNvPr id="3" name="备注占位符 2"/>
+          <p:cNvSpPr>
+            <a:spLocks noGrp="1"/>
+          </p:cNvSpPr>
+          <p:nvPr>
+            <p:ph type="body" idx="1"/>
+          </p:nvPr>
+        </p:nvSpPr>
+        <p:spPr/>
+        <p:txBody>
+          <a:bodyPr/>
+          <a:lstStyle/>
+          <a:p>
+            <a:r>
+              <a:rPr lang="en-US" altLang="zh-CN" dirty="0"/>
+              <a:t>http://</a:t>
+            </a:r>
+            <a:r>
+              <a:rPr lang="en-US" altLang="zh-CN" dirty="0" err="1"/>
+              <a:t>cizixs.com</a:t>
+            </a:r>
+            <a:r>
+              <a:rPr lang="en-US" altLang="zh-CN" dirty="0"/>
+              <a:t>/2017/02/10/network-virtualization-network-namespace/</a:t>
+            </a:r>
+            <a:endParaRPr lang="zh-CN" altLang="en-US" dirty="0"/>
+          </a:p>
+        </p:txBody>
+      </p:sp>
+      <p:sp>
+        <p:nvSpPr>
+          <p:cNvPr id="4" name="灯片编号占位符 3"/>
+          <p:cNvSpPr>
+            <a:spLocks noGrp="1"/>
+          </p:cNvSpPr>
+          <p:nvPr>
+            <p:ph type="sldNum" sz="quarter" idx="5"/>
+          </p:nvPr>
+        </p:nvSpPr>
+        <p:spPr/>
+        <p:txBody>
+          <a:bodyPr/>
+          <a:lstStyle/>
+          <a:p>
+            <a:fld id="{C78FF40C-989A-452E-8004-E7D0455BC254}" type="slidenum">
+              <a:rPr lang="zh-CN" altLang="en-US" smtClean="0"/>
+              <a:t>5</a:t>
+            </a:fld>
+            <a:endParaRPr lang="zh-CN" altLang="en-US"/>
+          </a:p>
+        </p:txBody>
+      </p:sp>
+    </p:spTree>
+    <p:extLst>
+      <p:ext uri="{BB962C8B-B14F-4D97-AF65-F5344CB8AC3E}">
+        <p14:creationId xmlns:p14="http://schemas.microsoft.com/office/powerpoint/2010/main" val="3253261566"/>
+      </p:ext>
+    </p:extLst>
+  </p:cSld>
+  <p:clrMapOvr>
+    <a:masterClrMapping/>
+  </p:clrMapOvr>
+</p:notes>
+</file>
+
+<file path=ppt/notesSlides/notesSlide4.xml><?xml version="1.0" encoding="utf-8"?>
+<p:notes xmlns:a="http://schemas.openxmlformats.org/drawingml/2006/main" xmlns:r="http://schemas.openxmlformats.org/officeDocument/2006/relationships" xmlns:p="http://schemas.openxmlformats.org/presentationml/2006/main">
+  <p:cSld>
+    <p:spTree>
+      <p:nvGrpSpPr>
+        <p:cNvPr id="1" name=""/>
+        <p:cNvGrpSpPr/>
+        <p:nvPr/>
+      </p:nvGrpSpPr>
+      <p:grpSpPr>
+        <a:xfrm>
+          <a:off x="0" y="0"/>
+          <a:ext cx="0" cy="0"/>
+          <a:chOff x="0" y="0"/>
+          <a:chExt cx="0" cy="0"/>
+        </a:xfrm>
+      </p:grpSpPr>
+      <p:sp>
+        <p:nvSpPr>
+          <p:cNvPr id="2" name="幻灯片图像占位符 1"/>
+          <p:cNvSpPr>
+            <a:spLocks noGrp="1" noRot="1" noChangeAspect="1"/>
+          </p:cNvSpPr>
+          <p:nvPr>
+            <p:ph type="sldImg"/>
+          </p:nvPr>
+        </p:nvSpPr>
+        <p:spPr/>
+      </p:sp>
+      <p:sp>
+        <p:nvSpPr>
+          <p:cNvPr id="3" name="备注占位符 2"/>
+          <p:cNvSpPr>
+            <a:spLocks noGrp="1"/>
+          </p:cNvSpPr>
+          <p:nvPr>
+            <p:ph type="body" idx="1"/>
+          </p:nvPr>
+        </p:nvSpPr>
+        <p:spPr/>
+        <p:txBody>
+          <a:bodyPr/>
+          <a:lstStyle/>
+          <a:p>
+            <a:r>
+              <a:rPr lang="en-US" altLang="zh-CN" dirty="0"/>
+              <a:t>https://</a:t>
+            </a:r>
+            <a:r>
+              <a:rPr lang="en-US" altLang="zh-CN" dirty="0" err="1"/>
+              <a:t>cizixs.com</a:t>
+            </a:r>
+            <a:r>
+              <a:rPr lang="en-US" altLang="zh-CN" dirty="0"/>
+              <a:t>/2017/08/25/</a:t>
+            </a:r>
+            <a:r>
+              <a:rPr lang="en-US" altLang="zh-CN" dirty="0" err="1"/>
+              <a:t>linux-cgroup</a:t>
+            </a:r>
+            <a:r>
+              <a:rPr lang="en-US" altLang="zh-CN" dirty="0"/>
+              <a:t>/</a:t>
+            </a:r>
+            <a:endParaRPr lang="zh-CN" altLang="en-US" dirty="0"/>
+          </a:p>
+        </p:txBody>
+      </p:sp>
+      <p:sp>
+        <p:nvSpPr>
+          <p:cNvPr id="4" name="灯片编号占位符 3"/>
+          <p:cNvSpPr>
+            <a:spLocks noGrp="1"/>
+          </p:cNvSpPr>
+          <p:nvPr>
+            <p:ph type="sldNum" sz="quarter" idx="5"/>
+          </p:nvPr>
+        </p:nvSpPr>
+        <p:spPr/>
+        <p:txBody>
+          <a:bodyPr/>
+          <a:lstStyle/>
+          <a:p>
+            <a:fld id="{C78FF40C-989A-452E-8004-E7D0455BC254}" type="slidenum">
+              <a:rPr lang="zh-CN" altLang="en-US" smtClean="0"/>
+              <a:t>8</a:t>
+            </a:fld>
+            <a:endParaRPr lang="zh-CN" altLang="en-US"/>
+          </a:p>
+        </p:txBody>
+      </p:sp>
+    </p:spTree>
+    <p:extLst>
+      <p:ext uri="{BB962C8B-B14F-4D97-AF65-F5344CB8AC3E}">
+        <p14:creationId xmlns:p14="http://schemas.microsoft.com/office/powerpoint/2010/main" val="2584187977"/>
+      </p:ext>
+    </p:extLst>
+  </p:cSld>
+  <p:clrMapOvr>
+    <a:masterClrMapping/>
+  </p:clrMapOvr>
+</p:notes>
+</file>
+
 <file path=ppt/slideLayouts/slideLayout1.xml><?xml version="1.0" encoding="utf-8"?>
 <p:sldLayout xmlns:a="http://schemas.openxmlformats.org/drawingml/2006/main" xmlns:r="http://schemas.openxmlformats.org/officeDocument/2006/relationships" xmlns:p="http://schemas.openxmlformats.org/presentationml/2006/main" type="title" preserve="1">
   <p:cSld name="标题幻灯片">
@@ -261,7 +1012,7 @@
           <a:p>
             <a:fld id="{2328C41B-48A3-47AC-B18B-81A9BC6A6005}" type="datetimeFigureOut">
               <a:rPr lang="zh-CN" altLang="en-US" smtClean="0"/>
-              <a:t>2019/2/15</a:t>
+              <a:t>2019/2/20</a:t>
             </a:fld>
             <a:endParaRPr lang="zh-CN" altLang="en-US"/>
           </a:p>
@@ -459,7 +1210,7 @@
           <a:p>
             <a:fld id="{2328C41B-48A3-47AC-B18B-81A9BC6A6005}" type="datetimeFigureOut">
               <a:rPr lang="zh-CN" altLang="en-US" smtClean="0"/>
-              <a:t>2019/2/15</a:t>
+              <a:t>2019/2/20</a:t>
             </a:fld>
             <a:endParaRPr lang="zh-CN" altLang="en-US"/>
           </a:p>
@@ -667,7 +1418,7 @@
           <a:p>
             <a:fld id="{2328C41B-48A3-47AC-B18B-81A9BC6A6005}" type="datetimeFigureOut">
               <a:rPr lang="zh-CN" altLang="en-US" smtClean="0"/>
-              <a:t>2019/2/15</a:t>
+              <a:t>2019/2/20</a:t>
             </a:fld>
             <a:endParaRPr lang="zh-CN" altLang="en-US"/>
           </a:p>
@@ -865,7 +1616,7 @@
           <a:p>
             <a:fld id="{2328C41B-48A3-47AC-B18B-81A9BC6A6005}" type="datetimeFigureOut">
               <a:rPr lang="zh-CN" altLang="en-US" smtClean="0"/>
-              <a:t>2019/2/15</a:t>
+              <a:t>2019/2/20</a:t>
             </a:fld>
             <a:endParaRPr lang="zh-CN" altLang="en-US"/>
           </a:p>
@@ -1140,7 +1891,7 @@
           <a:p>
             <a:fld id="{2328C41B-48A3-47AC-B18B-81A9BC6A6005}" type="datetimeFigureOut">
               <a:rPr lang="zh-CN" altLang="en-US" smtClean="0"/>
-              <a:t>2019/2/15</a:t>
+              <a:t>2019/2/20</a:t>
             </a:fld>
             <a:endParaRPr lang="zh-CN" altLang="en-US"/>
           </a:p>
@@ -1405,7 +2156,7 @@
           <a:p>
             <a:fld id="{2328C41B-48A3-47AC-B18B-81A9BC6A6005}" type="datetimeFigureOut">
               <a:rPr lang="zh-CN" altLang="en-US" smtClean="0"/>
-              <a:t>2019/2/15</a:t>
+              <a:t>2019/2/20</a:t>
             </a:fld>
             <a:endParaRPr lang="zh-CN" altLang="en-US"/>
           </a:p>
@@ -1817,7 +2568,7 @@
           <a:p>
             <a:fld id="{2328C41B-48A3-47AC-B18B-81A9BC6A6005}" type="datetimeFigureOut">
               <a:rPr lang="zh-CN" altLang="en-US" smtClean="0"/>
-              <a:t>2019/2/15</a:t>
+              <a:t>2019/2/20</a:t>
             </a:fld>
             <a:endParaRPr lang="zh-CN" altLang="en-US"/>
           </a:p>
@@ -1958,7 +2709,7 @@
           <a:p>
             <a:fld id="{2328C41B-48A3-47AC-B18B-81A9BC6A6005}" type="datetimeFigureOut">
               <a:rPr lang="zh-CN" altLang="en-US" smtClean="0"/>
-              <a:t>2019/2/15</a:t>
+              <a:t>2019/2/20</a:t>
             </a:fld>
             <a:endParaRPr lang="zh-CN" altLang="en-US"/>
           </a:p>
@@ -2071,7 +2822,7 @@
           <a:p>
             <a:fld id="{2328C41B-48A3-47AC-B18B-81A9BC6A6005}" type="datetimeFigureOut">
               <a:rPr lang="zh-CN" altLang="en-US" smtClean="0"/>
-              <a:t>2019/2/15</a:t>
+              <a:t>2019/2/20</a:t>
             </a:fld>
             <a:endParaRPr lang="zh-CN" altLang="en-US"/>
           </a:p>
@@ -2382,7 +3133,7 @@
           <a:p>
             <a:fld id="{2328C41B-48A3-47AC-B18B-81A9BC6A6005}" type="datetimeFigureOut">
               <a:rPr lang="zh-CN" altLang="en-US" smtClean="0"/>
-              <a:t>2019/2/15</a:t>
+              <a:t>2019/2/20</a:t>
             </a:fld>
             <a:endParaRPr lang="zh-CN" altLang="en-US"/>
           </a:p>
@@ -2670,7 +3421,7 @@
           <a:p>
             <a:fld id="{2328C41B-48A3-47AC-B18B-81A9BC6A6005}" type="datetimeFigureOut">
               <a:rPr lang="zh-CN" altLang="en-US" smtClean="0"/>
-              <a:t>2019/2/15</a:t>
+              <a:t>2019/2/20</a:t>
             </a:fld>
             <a:endParaRPr lang="zh-CN" altLang="en-US"/>
           </a:p>
@@ -2911,7 +3662,7 @@
           <a:p>
             <a:fld id="{2328C41B-48A3-47AC-B18B-81A9BC6A6005}" type="datetimeFigureOut">
               <a:rPr lang="zh-CN" altLang="en-US" smtClean="0"/>
-              <a:t>2019/2/15</a:t>
+              <a:t>2019/2/20</a:t>
             </a:fld>
             <a:endParaRPr lang="zh-CN" altLang="en-US"/>
           </a:p>
@@ -3395,7 +4146,1505 @@
 </p:sld>
 </file>
 
-<file path=ppt/slides/slide2.xml><?xml version="1.0" encoding="utf-8"?>
+<file path=ppt/slides/slide10.xml><?xml version="1.0" encoding="utf-8"?>
+<p:sld xmlns:a="http://schemas.openxmlformats.org/drawingml/2006/main" xmlns:r="http://schemas.openxmlformats.org/officeDocument/2006/relationships" xmlns:p="http://schemas.openxmlformats.org/presentationml/2006/main">
+  <p:cSld>
+    <p:spTree>
+      <p:nvGrpSpPr>
+        <p:cNvPr id="1" name=""/>
+        <p:cNvGrpSpPr/>
+        <p:nvPr/>
+      </p:nvGrpSpPr>
+      <p:grpSpPr>
+        <a:xfrm>
+          <a:off x="0" y="0"/>
+          <a:ext cx="0" cy="0"/>
+          <a:chOff x="0" y="0"/>
+          <a:chExt cx="0" cy="0"/>
+        </a:xfrm>
+      </p:grpSpPr>
+      <p:sp>
+        <p:nvSpPr>
+          <p:cNvPr id="2" name="Rectangle 1">
+            <a:extLst>
+              <a:ext uri="{FF2B5EF4-FFF2-40B4-BE49-F238E27FC236}">
+                <a16:creationId xmlns:a16="http://schemas.microsoft.com/office/drawing/2014/main" id="{2D686506-67E7-42BC-852A-764F2E74BEB7}"/>
+              </a:ext>
+            </a:extLst>
+          </p:cNvPr>
+          <p:cNvSpPr>
+            <a:spLocks noChangeArrowheads="1"/>
+          </p:cNvSpPr>
+          <p:nvPr/>
+        </p:nvSpPr>
+        <p:spPr bwMode="auto">
+          <a:xfrm>
+            <a:off x="718356" y="1747124"/>
+            <a:ext cx="10755287" cy="1938992"/>
+          </a:xfrm>
+          <a:prstGeom prst="rect">
+            <a:avLst/>
+          </a:prstGeom>
+          <a:solidFill>
+            <a:srgbClr val="FFFFFF"/>
+          </a:solidFill>
+          <a:ln>
+            <a:noFill/>
+          </a:ln>
+          <a:effectLst/>
+          <a:extLst>
+            <a:ext uri="{91240B29-F687-4F45-9708-019B960494DF}">
+              <a14:hiddenLine xmlns:a14="http://schemas.microsoft.com/office/drawing/2010/main" w="9525">
+                <a:solidFill>
+                  <a:schemeClr val="tx1"/>
+                </a:solidFill>
+                <a:miter lim="800000"/>
+                <a:headEnd/>
+                <a:tailEnd/>
+              </a14:hiddenLine>
+            </a:ext>
+            <a:ext uri="{AF507438-7753-43E0-B8FC-AC1667EBCBE1}">
+              <a14:hiddenEffects xmlns:a14="http://schemas.microsoft.com/office/drawing/2010/main">
+                <a:effectLst>
+                  <a:outerShdw dist="35921" dir="2700000" algn="ctr" rotWithShape="0">
+                    <a:schemeClr val="bg2"/>
+                  </a:outerShdw>
+                </a:effectLst>
+              </a14:hiddenEffects>
+            </a:ext>
+          </a:extLst>
+        </p:spPr>
+        <p:txBody>
+          <a:bodyPr vert="horz" wrap="square" lIns="0" tIns="0" rIns="0" bIns="0" numCol="1" anchor="ctr" anchorCtr="0" compatLnSpc="1">
+            <a:prstTxWarp prst="textNoShape">
+              <a:avLst/>
+            </a:prstTxWarp>
+            <a:spAutoFit/>
+          </a:bodyPr>
+          <a:lstStyle>
+            <a:lvl1pPr eaLnBrk="0" fontAlgn="base" hangingPunct="0">
+              <a:spcBef>
+                <a:spcPct val="0"/>
+              </a:spcBef>
+              <a:spcAft>
+                <a:spcPct val="0"/>
+              </a:spcAft>
+              <a:defRPr>
+                <a:solidFill>
+                  <a:schemeClr val="tx1"/>
+                </a:solidFill>
+                <a:latin typeface="Arial" panose="020B0604020202020204" pitchFamily="34" charset="0"/>
+              </a:defRPr>
+            </a:lvl1pPr>
+            <a:lvl2pPr eaLnBrk="0" fontAlgn="base" hangingPunct="0">
+              <a:spcBef>
+                <a:spcPct val="0"/>
+              </a:spcBef>
+              <a:spcAft>
+                <a:spcPct val="0"/>
+              </a:spcAft>
+              <a:defRPr>
+                <a:solidFill>
+                  <a:schemeClr val="tx1"/>
+                </a:solidFill>
+                <a:latin typeface="Arial" panose="020B0604020202020204" pitchFamily="34" charset="0"/>
+              </a:defRPr>
+            </a:lvl2pPr>
+            <a:lvl3pPr eaLnBrk="0" fontAlgn="base" hangingPunct="0">
+              <a:spcBef>
+                <a:spcPct val="0"/>
+              </a:spcBef>
+              <a:spcAft>
+                <a:spcPct val="0"/>
+              </a:spcAft>
+              <a:defRPr>
+                <a:solidFill>
+                  <a:schemeClr val="tx1"/>
+                </a:solidFill>
+                <a:latin typeface="Arial" panose="020B0604020202020204" pitchFamily="34" charset="0"/>
+              </a:defRPr>
+            </a:lvl3pPr>
+            <a:lvl4pPr eaLnBrk="0" fontAlgn="base" hangingPunct="0">
+              <a:spcBef>
+                <a:spcPct val="0"/>
+              </a:spcBef>
+              <a:spcAft>
+                <a:spcPct val="0"/>
+              </a:spcAft>
+              <a:defRPr>
+                <a:solidFill>
+                  <a:schemeClr val="tx1"/>
+                </a:solidFill>
+                <a:latin typeface="Arial" panose="020B0604020202020204" pitchFamily="34" charset="0"/>
+              </a:defRPr>
+            </a:lvl4pPr>
+            <a:lvl5pPr eaLnBrk="0" fontAlgn="base" hangingPunct="0">
+              <a:spcBef>
+                <a:spcPct val="0"/>
+              </a:spcBef>
+              <a:spcAft>
+                <a:spcPct val="0"/>
+              </a:spcAft>
+              <a:defRPr>
+                <a:solidFill>
+                  <a:schemeClr val="tx1"/>
+                </a:solidFill>
+                <a:latin typeface="Arial" panose="020B0604020202020204" pitchFamily="34" charset="0"/>
+              </a:defRPr>
+            </a:lvl5pPr>
+            <a:lvl6pPr eaLnBrk="0" fontAlgn="base" hangingPunct="0">
+              <a:spcBef>
+                <a:spcPct val="0"/>
+              </a:spcBef>
+              <a:spcAft>
+                <a:spcPct val="0"/>
+              </a:spcAft>
+              <a:defRPr>
+                <a:solidFill>
+                  <a:schemeClr val="tx1"/>
+                </a:solidFill>
+                <a:latin typeface="Arial" panose="020B0604020202020204" pitchFamily="34" charset="0"/>
+              </a:defRPr>
+            </a:lvl6pPr>
+            <a:lvl7pPr eaLnBrk="0" fontAlgn="base" hangingPunct="0">
+              <a:spcBef>
+                <a:spcPct val="0"/>
+              </a:spcBef>
+              <a:spcAft>
+                <a:spcPct val="0"/>
+              </a:spcAft>
+              <a:defRPr>
+                <a:solidFill>
+                  <a:schemeClr val="tx1"/>
+                </a:solidFill>
+                <a:latin typeface="Arial" panose="020B0604020202020204" pitchFamily="34" charset="0"/>
+              </a:defRPr>
+            </a:lvl7pPr>
+            <a:lvl8pPr eaLnBrk="0" fontAlgn="base" hangingPunct="0">
+              <a:spcBef>
+                <a:spcPct val="0"/>
+              </a:spcBef>
+              <a:spcAft>
+                <a:spcPct val="0"/>
+              </a:spcAft>
+              <a:defRPr>
+                <a:solidFill>
+                  <a:schemeClr val="tx1"/>
+                </a:solidFill>
+                <a:latin typeface="Arial" panose="020B0604020202020204" pitchFamily="34" charset="0"/>
+              </a:defRPr>
+            </a:lvl8pPr>
+            <a:lvl9pPr eaLnBrk="0" fontAlgn="base" hangingPunct="0">
+              <a:spcBef>
+                <a:spcPct val="0"/>
+              </a:spcBef>
+              <a:spcAft>
+                <a:spcPct val="0"/>
+              </a:spcAft>
+              <a:defRPr>
+                <a:solidFill>
+                  <a:schemeClr val="tx1"/>
+                </a:solidFill>
+                <a:latin typeface="Arial" panose="020B0604020202020204" pitchFamily="34" charset="0"/>
+              </a:defRPr>
+            </a:lvl9pPr>
+          </a:lstStyle>
+          <a:p>
+            <a:pPr marL="0" marR="0" lvl="0" indent="0" algn="just" defTabSz="914400" rtl="0" eaLnBrk="0" fontAlgn="base" latinLnBrk="0" hangingPunct="0">
+              <a:lnSpc>
+                <a:spcPct val="100000"/>
+              </a:lnSpc>
+              <a:spcBef>
+                <a:spcPct val="0"/>
+              </a:spcBef>
+              <a:spcAft>
+                <a:spcPct val="0"/>
+              </a:spcAft>
+              <a:buClrTx/>
+              <a:buSzTx/>
+              <a:buFontTx/>
+              <a:buNone/>
+              <a:tabLst/>
+            </a:pPr>
+            <a:r>
+              <a:rPr kumimoji="0" lang="zh-CN" altLang="zh-CN" b="1" i="0" u="none" strike="noStrike" cap="none" normalizeH="0" baseline="0" dirty="0">
+                <a:ln>
+                  <a:noFill/>
+                </a:ln>
+                <a:solidFill>
+                  <a:srgbClr val="090A0B"/>
+                </a:solidFill>
+                <a:effectLst/>
+                <a:latin typeface="Arial" panose="020B0604020202020204" pitchFamily="34" charset="0"/>
+                <a:ea typeface="-apple-system"/>
+              </a:rPr>
+              <a:t>unshare：让进程加入新的 namespace</a:t>
+            </a:r>
+          </a:p>
+          <a:p>
+            <a:pPr marL="0" marR="0" lvl="0" indent="0" algn="just" defTabSz="914400" rtl="0" eaLnBrk="0" fontAlgn="base" latinLnBrk="0" hangingPunct="0">
+              <a:lnSpc>
+                <a:spcPct val="100000"/>
+              </a:lnSpc>
+              <a:spcBef>
+                <a:spcPct val="0"/>
+              </a:spcBef>
+              <a:spcAft>
+                <a:spcPct val="0"/>
+              </a:spcAft>
+              <a:buClrTx/>
+              <a:buSzTx/>
+              <a:buFontTx/>
+              <a:buNone/>
+              <a:tabLst/>
+            </a:pPr>
+            <a:r>
+              <a:rPr kumimoji="0" lang="zh-CN" altLang="zh-CN" b="0" i="0" u="none" strike="noStrike" cap="none" normalizeH="0" baseline="0" dirty="0">
+                <a:ln>
+                  <a:noFill/>
+                </a:ln>
+                <a:solidFill>
+                  <a:srgbClr val="A626A4"/>
+                </a:solidFill>
+                <a:effectLst/>
+                <a:latin typeface="Courier New" panose="02070309020205020404" pitchFamily="49" charset="0"/>
+                <a:ea typeface="inherit"/>
+                <a:cs typeface="Courier New" panose="02070309020205020404" pitchFamily="49" charset="0"/>
+              </a:rPr>
+              <a:t>int</a:t>
+            </a:r>
+            <a:r>
+              <a:rPr kumimoji="0" lang="zh-CN" altLang="zh-CN" b="0" i="0" u="none" strike="noStrike" cap="none" normalizeH="0" baseline="0" dirty="0">
+                <a:ln>
+                  <a:noFill/>
+                </a:ln>
+                <a:solidFill>
+                  <a:srgbClr val="383A42"/>
+                </a:solidFill>
+                <a:effectLst/>
+                <a:latin typeface="Courier New" panose="02070309020205020404" pitchFamily="49" charset="0"/>
+                <a:ea typeface="inherit"/>
+                <a:cs typeface="Courier New" panose="02070309020205020404" pitchFamily="49" charset="0"/>
+              </a:rPr>
+              <a:t> </a:t>
+            </a:r>
+            <a:r>
+              <a:rPr kumimoji="0" lang="zh-CN" altLang="zh-CN" b="0" i="0" u="none" strike="noStrike" cap="none" normalizeH="0" baseline="0" dirty="0">
+                <a:ln>
+                  <a:noFill/>
+                </a:ln>
+                <a:solidFill>
+                  <a:srgbClr val="4078F2"/>
+                </a:solidFill>
+                <a:effectLst/>
+                <a:latin typeface="Courier New" panose="02070309020205020404" pitchFamily="49" charset="0"/>
+                <a:ea typeface="inherit"/>
+                <a:cs typeface="Courier New" panose="02070309020205020404" pitchFamily="49" charset="0"/>
+              </a:rPr>
+              <a:t>unshare</a:t>
+            </a:r>
+            <a:r>
+              <a:rPr kumimoji="0" lang="zh-CN" altLang="zh-CN" b="0" i="0" u="none" strike="noStrike" cap="none" normalizeH="0" baseline="0" dirty="0">
+                <a:ln>
+                  <a:noFill/>
+                </a:ln>
+                <a:solidFill>
+                  <a:srgbClr val="383A42"/>
+                </a:solidFill>
+                <a:effectLst/>
+                <a:latin typeface="Courier New" panose="02070309020205020404" pitchFamily="49" charset="0"/>
+                <a:ea typeface="inherit"/>
+                <a:cs typeface="Courier New" panose="02070309020205020404" pitchFamily="49" charset="0"/>
+              </a:rPr>
+              <a:t>(</a:t>
+            </a:r>
+            <a:r>
+              <a:rPr kumimoji="0" lang="zh-CN" altLang="zh-CN" b="0" i="0" u="none" strike="noStrike" cap="none" normalizeH="0" baseline="0" dirty="0">
+                <a:ln>
+                  <a:noFill/>
+                </a:ln>
+                <a:solidFill>
+                  <a:srgbClr val="A626A4"/>
+                </a:solidFill>
+                <a:effectLst/>
+                <a:latin typeface="Courier New" panose="02070309020205020404" pitchFamily="49" charset="0"/>
+                <a:ea typeface="inherit"/>
+                <a:cs typeface="Courier New" panose="02070309020205020404" pitchFamily="49" charset="0"/>
+              </a:rPr>
+              <a:t>int</a:t>
+            </a:r>
+            <a:r>
+              <a:rPr kumimoji="0" lang="zh-CN" altLang="zh-CN" b="0" i="0" u="none" strike="noStrike" cap="none" normalizeH="0" baseline="0" dirty="0">
+                <a:ln>
+                  <a:noFill/>
+                </a:ln>
+                <a:solidFill>
+                  <a:srgbClr val="383A42"/>
+                </a:solidFill>
+                <a:effectLst/>
+                <a:latin typeface="Courier New" panose="02070309020205020404" pitchFamily="49" charset="0"/>
+                <a:ea typeface="inherit"/>
+                <a:cs typeface="Courier New" panose="02070309020205020404" pitchFamily="49" charset="0"/>
+              </a:rPr>
+              <a:t> flags)</a:t>
+            </a:r>
+            <a:r>
+              <a:rPr kumimoji="0" lang="zh-CN" altLang="zh-CN" b="0" i="0" u="none" strike="noStrike" cap="none" normalizeH="0" baseline="0" dirty="0">
+                <a:ln>
+                  <a:noFill/>
+                </a:ln>
+                <a:solidFill>
+                  <a:srgbClr val="383A42"/>
+                </a:solidFill>
+                <a:effectLst/>
+                <a:latin typeface="Courier New" panose="02070309020205020404" pitchFamily="49" charset="0"/>
+                <a:cs typeface="Courier New" panose="02070309020205020404" pitchFamily="49" charset="0"/>
+              </a:rPr>
+              <a:t>; </a:t>
+            </a:r>
+            <a:endParaRPr kumimoji="0" lang="zh-CN" altLang="zh-CN" b="0" i="0" u="none" strike="noStrike" cap="none" normalizeH="0" baseline="0" dirty="0">
+              <a:ln>
+                <a:noFill/>
+              </a:ln>
+              <a:solidFill>
+                <a:schemeClr val="tx1"/>
+              </a:solidFill>
+              <a:effectLst/>
+            </a:endParaRPr>
+          </a:p>
+          <a:p>
+            <a:pPr marL="0" marR="0" lvl="0" indent="0" algn="just" defTabSz="914400" rtl="0" eaLnBrk="0" fontAlgn="base" latinLnBrk="0" hangingPunct="0">
+              <a:lnSpc>
+                <a:spcPct val="100000"/>
+              </a:lnSpc>
+              <a:spcBef>
+                <a:spcPct val="0"/>
+              </a:spcBef>
+              <a:spcAft>
+                <a:spcPct val="0"/>
+              </a:spcAft>
+              <a:buClrTx/>
+              <a:buSzTx/>
+              <a:buFontTx/>
+              <a:buNone/>
+              <a:tabLst/>
+            </a:pPr>
+            <a:r>
+              <a:rPr kumimoji="0" lang="zh-CN" altLang="zh-CN" b="0" i="0" u="none" strike="noStrike" cap="none" normalizeH="0" baseline="0" dirty="0">
+                <a:ln>
+                  <a:noFill/>
+                </a:ln>
+                <a:solidFill>
+                  <a:srgbClr val="3C484E"/>
+                </a:solidFill>
+                <a:effectLst/>
+                <a:latin typeface="Courier New" panose="02070309020205020404" pitchFamily="49" charset="0"/>
+                <a:ea typeface="Helvetica Neue"/>
+                <a:cs typeface="Courier New" panose="02070309020205020404" pitchFamily="49" charset="0"/>
+              </a:rPr>
+              <a:t>unshare</a:t>
+            </a:r>
+            <a:r>
+              <a:rPr kumimoji="0" lang="zh-CN" altLang="zh-CN" b="0" i="0" u="none" strike="noStrike" cap="none" normalizeH="0" baseline="0" dirty="0">
+                <a:ln>
+                  <a:noFill/>
+                </a:ln>
+                <a:solidFill>
+                  <a:srgbClr val="3C484E"/>
+                </a:solidFill>
+                <a:effectLst/>
+                <a:ea typeface="Helvetica Neue"/>
+              </a:rPr>
+              <a:t> </a:t>
+            </a:r>
+            <a:r>
+              <a:rPr kumimoji="0" lang="zh-CN" altLang="zh-CN" b="0" i="0" u="none" strike="noStrike" cap="none" normalizeH="0" baseline="0" dirty="0">
+                <a:ln>
+                  <a:noFill/>
+                </a:ln>
+                <a:solidFill>
+                  <a:srgbClr val="3C484E"/>
+                </a:solidFill>
+                <a:effectLst/>
+                <a:latin typeface="Arial" panose="020B0604020202020204" pitchFamily="34" charset="0"/>
+                <a:ea typeface="Helvetica Neue"/>
+              </a:rPr>
+              <a:t>比较简单，只有一个参数 </a:t>
+            </a:r>
+            <a:r>
+              <a:rPr kumimoji="0" lang="zh-CN" altLang="zh-CN" b="0" i="0" u="none" strike="noStrike" cap="none" normalizeH="0" baseline="0" dirty="0">
+                <a:ln>
+                  <a:noFill/>
+                </a:ln>
+                <a:solidFill>
+                  <a:srgbClr val="3C484E"/>
+                </a:solidFill>
+                <a:effectLst/>
+                <a:latin typeface="Courier New" panose="02070309020205020404" pitchFamily="49" charset="0"/>
+                <a:ea typeface="Helvetica Neue"/>
+                <a:cs typeface="Courier New" panose="02070309020205020404" pitchFamily="49" charset="0"/>
+              </a:rPr>
+              <a:t>flags</a:t>
+            </a:r>
+            <a:r>
+              <a:rPr kumimoji="0" lang="zh-CN" altLang="zh-CN" b="0" i="0" u="none" strike="noStrike" cap="none" normalizeH="0" baseline="0" dirty="0">
+                <a:ln>
+                  <a:noFill/>
+                </a:ln>
+                <a:solidFill>
+                  <a:srgbClr val="3C484E"/>
+                </a:solidFill>
+                <a:effectLst/>
+                <a:ea typeface="Helvetica Neue"/>
+              </a:rPr>
+              <a:t>，它的含义和</a:t>
+            </a:r>
+            <a:r>
+              <a:rPr kumimoji="0" lang="zh-CN" altLang="zh-CN" b="0" i="0" u="none" strike="noStrike" cap="none" normalizeH="0" baseline="0" dirty="0">
+                <a:ln>
+                  <a:noFill/>
+                </a:ln>
+                <a:solidFill>
+                  <a:srgbClr val="3C484E"/>
+                </a:solidFill>
+                <a:effectLst/>
+                <a:latin typeface="Arial" panose="020B0604020202020204" pitchFamily="34" charset="0"/>
+                <a:ea typeface="Helvetica Neue"/>
+              </a:rPr>
+              <a:t> </a:t>
+            </a:r>
+            <a:r>
+              <a:rPr kumimoji="0" lang="zh-CN" altLang="zh-CN" b="0" i="0" u="none" strike="noStrike" cap="none" normalizeH="0" baseline="0" dirty="0">
+                <a:ln>
+                  <a:noFill/>
+                </a:ln>
+                <a:solidFill>
+                  <a:srgbClr val="3C484E"/>
+                </a:solidFill>
+                <a:effectLst/>
+                <a:latin typeface="Courier New" panose="02070309020205020404" pitchFamily="49" charset="0"/>
+                <a:ea typeface="Helvetica Neue"/>
+                <a:cs typeface="Courier New" panose="02070309020205020404" pitchFamily="49" charset="0"/>
+              </a:rPr>
+              <a:t>clone</a:t>
+            </a:r>
+            <a:r>
+              <a:rPr kumimoji="0" lang="zh-CN" altLang="zh-CN" b="0" i="0" u="none" strike="noStrike" cap="none" normalizeH="0" baseline="0" dirty="0">
+                <a:ln>
+                  <a:noFill/>
+                </a:ln>
+                <a:solidFill>
+                  <a:srgbClr val="3C484E"/>
+                </a:solidFill>
+                <a:effectLst/>
+                <a:ea typeface="Helvetica Neue"/>
+              </a:rPr>
+              <a:t> </a:t>
+            </a:r>
+            <a:r>
+              <a:rPr kumimoji="0" lang="zh-CN" altLang="zh-CN" b="0" i="0" u="none" strike="noStrike" cap="none" normalizeH="0" baseline="0" dirty="0">
+                <a:ln>
+                  <a:noFill/>
+                </a:ln>
+                <a:solidFill>
+                  <a:srgbClr val="3C484E"/>
+                </a:solidFill>
+                <a:effectLst/>
+                <a:latin typeface="Arial" panose="020B0604020202020204" pitchFamily="34" charset="0"/>
+                <a:ea typeface="Helvetica Neue"/>
+              </a:rPr>
+              <a:t>的 </a:t>
+            </a:r>
+            <a:r>
+              <a:rPr kumimoji="0" lang="zh-CN" altLang="zh-CN" b="0" i="0" u="none" strike="noStrike" cap="none" normalizeH="0" baseline="0" dirty="0">
+                <a:ln>
+                  <a:noFill/>
+                </a:ln>
+                <a:solidFill>
+                  <a:srgbClr val="3C484E"/>
+                </a:solidFill>
+                <a:effectLst/>
+                <a:latin typeface="Courier New" panose="02070309020205020404" pitchFamily="49" charset="0"/>
+                <a:ea typeface="Helvetica Neue"/>
+                <a:cs typeface="Courier New" panose="02070309020205020404" pitchFamily="49" charset="0"/>
+              </a:rPr>
+              <a:t>flags</a:t>
+            </a:r>
+            <a:r>
+              <a:rPr kumimoji="0" lang="zh-CN" altLang="zh-CN" b="0" i="0" u="none" strike="noStrike" cap="none" normalizeH="0" baseline="0" dirty="0">
+                <a:ln>
+                  <a:noFill/>
+                </a:ln>
+                <a:solidFill>
+                  <a:srgbClr val="3C484E"/>
+                </a:solidFill>
+                <a:effectLst/>
+                <a:ea typeface="Helvetica Neue"/>
+              </a:rPr>
+              <a:t> </a:t>
+            </a:r>
+            <a:r>
+              <a:rPr kumimoji="0" lang="zh-CN" altLang="zh-CN" b="0" i="0" u="none" strike="noStrike" cap="none" normalizeH="0" baseline="0" dirty="0">
+                <a:ln>
+                  <a:noFill/>
+                </a:ln>
+                <a:solidFill>
+                  <a:srgbClr val="3C484E"/>
+                </a:solidFill>
+                <a:effectLst/>
+                <a:latin typeface="Arial" panose="020B0604020202020204" pitchFamily="34" charset="0"/>
+                <a:ea typeface="Helvetica Neue"/>
+              </a:rPr>
+              <a:t>相同。</a:t>
+            </a:r>
+            <a:r>
+              <a:rPr kumimoji="0" lang="zh-CN" altLang="zh-CN" b="0" i="0" u="none" strike="noStrike" cap="none" normalizeH="0" baseline="0" dirty="0">
+                <a:ln>
+                  <a:noFill/>
+                </a:ln>
+                <a:solidFill>
+                  <a:srgbClr val="3C484E"/>
+                </a:solidFill>
+                <a:effectLst/>
+                <a:latin typeface="Courier New" panose="02070309020205020404" pitchFamily="49" charset="0"/>
+                <a:ea typeface="Helvetica Neue"/>
+                <a:cs typeface="Courier New" panose="02070309020205020404" pitchFamily="49" charset="0"/>
+              </a:rPr>
+              <a:t>unshare</a:t>
+            </a:r>
+            <a:r>
+              <a:rPr kumimoji="0" lang="zh-CN" altLang="zh-CN" b="0" i="0" u="none" strike="noStrike" cap="none" normalizeH="0" baseline="0" dirty="0">
+                <a:ln>
+                  <a:noFill/>
+                </a:ln>
+                <a:solidFill>
+                  <a:srgbClr val="3C484E"/>
+                </a:solidFill>
+                <a:effectLst/>
+                <a:ea typeface="Helvetica Neue"/>
+              </a:rPr>
+              <a:t> </a:t>
+            </a:r>
+            <a:r>
+              <a:rPr kumimoji="0" lang="zh-CN" altLang="zh-CN" b="0" i="0" u="none" strike="noStrike" cap="none" normalizeH="0" baseline="0" dirty="0">
+                <a:ln>
+                  <a:noFill/>
+                </a:ln>
+                <a:solidFill>
+                  <a:srgbClr val="3C484E"/>
+                </a:solidFill>
+                <a:effectLst/>
+                <a:latin typeface="Arial" panose="020B0604020202020204" pitchFamily="34" charset="0"/>
+                <a:ea typeface="Helvetica Neue"/>
+              </a:rPr>
+              <a:t>和 </a:t>
+            </a:r>
+            <a:r>
+              <a:rPr kumimoji="0" lang="zh-CN" altLang="zh-CN" b="0" i="0" u="none" strike="noStrike" cap="none" normalizeH="0" baseline="0" dirty="0">
+                <a:ln>
+                  <a:noFill/>
+                </a:ln>
+                <a:solidFill>
+                  <a:srgbClr val="3C484E"/>
+                </a:solidFill>
+                <a:effectLst/>
+                <a:latin typeface="Courier New" panose="02070309020205020404" pitchFamily="49" charset="0"/>
+                <a:ea typeface="Helvetica Neue"/>
+                <a:cs typeface="Courier New" panose="02070309020205020404" pitchFamily="49" charset="0"/>
+              </a:rPr>
+              <a:t>setns</a:t>
+            </a:r>
+            <a:r>
+              <a:rPr kumimoji="0" lang="zh-CN" altLang="zh-CN" b="0" i="0" u="none" strike="noStrike" cap="none" normalizeH="0" baseline="0" dirty="0">
+                <a:ln>
+                  <a:noFill/>
+                </a:ln>
+                <a:solidFill>
+                  <a:srgbClr val="3C484E"/>
+                </a:solidFill>
+                <a:effectLst/>
+                <a:ea typeface="Helvetica Neue"/>
+              </a:rPr>
+              <a:t> </a:t>
+            </a:r>
+            <a:r>
+              <a:rPr kumimoji="0" lang="zh-CN" altLang="zh-CN" b="0" i="0" u="none" strike="noStrike" cap="none" normalizeH="0" baseline="0" dirty="0">
+                <a:ln>
+                  <a:noFill/>
+                </a:ln>
+                <a:solidFill>
+                  <a:srgbClr val="3C484E"/>
+                </a:solidFill>
+                <a:effectLst/>
+                <a:latin typeface="Arial" panose="020B0604020202020204" pitchFamily="34" charset="0"/>
+                <a:ea typeface="Helvetica Neue"/>
+              </a:rPr>
+              <a:t>的区别是，</a:t>
+            </a:r>
+            <a:r>
+              <a:rPr kumimoji="0" lang="zh-CN" altLang="zh-CN" b="0" i="0" u="none" strike="noStrike" cap="none" normalizeH="0" baseline="0" dirty="0">
+                <a:ln>
+                  <a:noFill/>
+                </a:ln>
+                <a:solidFill>
+                  <a:srgbClr val="3C484E"/>
+                </a:solidFill>
+                <a:effectLst/>
+                <a:latin typeface="Courier New" panose="02070309020205020404" pitchFamily="49" charset="0"/>
+                <a:ea typeface="Helvetica Neue"/>
+                <a:cs typeface="Courier New" panose="02070309020205020404" pitchFamily="49" charset="0"/>
+              </a:rPr>
+              <a:t>setns</a:t>
+            </a:r>
+            <a:r>
+              <a:rPr kumimoji="0" lang="zh-CN" altLang="zh-CN" b="0" i="0" u="none" strike="noStrike" cap="none" normalizeH="0" baseline="0" dirty="0">
+                <a:ln>
+                  <a:noFill/>
+                </a:ln>
+                <a:solidFill>
+                  <a:srgbClr val="3C484E"/>
+                </a:solidFill>
+                <a:effectLst/>
+                <a:ea typeface="Helvetica Neue"/>
+              </a:rPr>
+              <a:t> </a:t>
+            </a:r>
+            <a:r>
+              <a:rPr kumimoji="0" lang="zh-CN" altLang="zh-CN" b="0" i="0" u="none" strike="noStrike" cap="none" normalizeH="0" baseline="0" dirty="0">
+                <a:ln>
+                  <a:noFill/>
+                </a:ln>
+                <a:solidFill>
+                  <a:srgbClr val="3C484E"/>
+                </a:solidFill>
+                <a:effectLst/>
+                <a:latin typeface="Arial" panose="020B0604020202020204" pitchFamily="34" charset="0"/>
+                <a:ea typeface="Helvetica Neue"/>
+              </a:rPr>
+              <a:t>只能让进程加入到已经存在的 namespace 中，而 </a:t>
+            </a:r>
+            <a:r>
+              <a:rPr kumimoji="0" lang="zh-CN" altLang="zh-CN" b="0" i="0" u="none" strike="noStrike" cap="none" normalizeH="0" baseline="0" dirty="0">
+                <a:ln>
+                  <a:noFill/>
+                </a:ln>
+                <a:solidFill>
+                  <a:srgbClr val="3C484E"/>
+                </a:solidFill>
+                <a:effectLst/>
+                <a:latin typeface="Courier New" panose="02070309020205020404" pitchFamily="49" charset="0"/>
+                <a:ea typeface="Helvetica Neue"/>
+                <a:cs typeface="Courier New" panose="02070309020205020404" pitchFamily="49" charset="0"/>
+              </a:rPr>
+              <a:t>unshare</a:t>
+            </a:r>
+            <a:r>
+              <a:rPr kumimoji="0" lang="zh-CN" altLang="zh-CN" b="0" i="0" u="none" strike="noStrike" cap="none" normalizeH="0" baseline="0" dirty="0">
+                <a:ln>
+                  <a:noFill/>
+                </a:ln>
+                <a:solidFill>
+                  <a:srgbClr val="3C484E"/>
+                </a:solidFill>
+                <a:effectLst/>
+                <a:ea typeface="Helvetica Neue"/>
+              </a:rPr>
+              <a:t> </a:t>
+            </a:r>
+            <a:r>
+              <a:rPr kumimoji="0" lang="zh-CN" altLang="zh-CN" b="0" i="0" u="none" strike="noStrike" cap="none" normalizeH="0" baseline="0" dirty="0">
+                <a:ln>
+                  <a:noFill/>
+                </a:ln>
+                <a:solidFill>
+                  <a:srgbClr val="3C484E"/>
+                </a:solidFill>
+                <a:effectLst/>
+                <a:latin typeface="Arial" panose="020B0604020202020204" pitchFamily="34" charset="0"/>
+                <a:ea typeface="Helvetica Neue"/>
+              </a:rPr>
+              <a:t>则让进程离开当前的 namespace，加入到新建的 namespace 中。</a:t>
+            </a:r>
+            <a:endParaRPr kumimoji="0" lang="zh-CN" altLang="zh-CN" b="0" i="0" u="none" strike="noStrike" cap="none" normalizeH="0" baseline="0" dirty="0">
+              <a:ln>
+                <a:noFill/>
+              </a:ln>
+              <a:solidFill>
+                <a:schemeClr val="tx1"/>
+              </a:solidFill>
+              <a:effectLst/>
+              <a:latin typeface="Arial" panose="020B0604020202020204" pitchFamily="34" charset="0"/>
+            </a:endParaRPr>
+          </a:p>
+          <a:p>
+            <a:pPr marL="0" marR="0" lvl="0" indent="0" algn="just" defTabSz="914400" rtl="0" eaLnBrk="0" fontAlgn="base" latinLnBrk="0" hangingPunct="0">
+              <a:lnSpc>
+                <a:spcPct val="100000"/>
+              </a:lnSpc>
+              <a:spcBef>
+                <a:spcPct val="0"/>
+              </a:spcBef>
+              <a:spcAft>
+                <a:spcPct val="0"/>
+              </a:spcAft>
+              <a:buClrTx/>
+              <a:buSzTx/>
+              <a:buFontTx/>
+              <a:buNone/>
+              <a:tabLst/>
+            </a:pPr>
+            <a:r>
+              <a:rPr kumimoji="0" lang="zh-CN" altLang="zh-CN" b="0" i="0" u="none" strike="noStrike" cap="none" normalizeH="0" baseline="0" dirty="0">
+                <a:ln>
+                  <a:noFill/>
+                </a:ln>
+                <a:solidFill>
+                  <a:srgbClr val="3C484E"/>
+                </a:solidFill>
+                <a:effectLst/>
+                <a:latin typeface="Courier New" panose="02070309020205020404" pitchFamily="49" charset="0"/>
+                <a:ea typeface="Helvetica Neue"/>
+                <a:cs typeface="Courier New" panose="02070309020205020404" pitchFamily="49" charset="0"/>
+              </a:rPr>
+              <a:t>unshare</a:t>
+            </a:r>
+            <a:r>
+              <a:rPr kumimoji="0" lang="zh-CN" altLang="zh-CN" b="0" i="0" u="none" strike="noStrike" cap="none" normalizeH="0" baseline="0" dirty="0">
+                <a:ln>
+                  <a:noFill/>
+                </a:ln>
+                <a:solidFill>
+                  <a:srgbClr val="3C484E"/>
+                </a:solidFill>
+                <a:effectLst/>
+                <a:ea typeface="Helvetica Neue"/>
+              </a:rPr>
+              <a:t> </a:t>
+            </a:r>
+            <a:r>
+              <a:rPr kumimoji="0" lang="zh-CN" altLang="zh-CN" b="0" i="0" u="none" strike="noStrike" cap="none" normalizeH="0" baseline="0" dirty="0">
+                <a:ln>
+                  <a:noFill/>
+                </a:ln>
+                <a:solidFill>
+                  <a:srgbClr val="3C484E"/>
+                </a:solidFill>
+                <a:effectLst/>
+                <a:latin typeface="Arial" panose="020B0604020202020204" pitchFamily="34" charset="0"/>
+                <a:ea typeface="Helvetica Neue"/>
+              </a:rPr>
+              <a:t>和 </a:t>
+            </a:r>
+            <a:r>
+              <a:rPr kumimoji="0" lang="zh-CN" altLang="zh-CN" b="0" i="0" u="none" strike="noStrike" cap="none" normalizeH="0" baseline="0" dirty="0">
+                <a:ln>
+                  <a:noFill/>
+                </a:ln>
+                <a:solidFill>
+                  <a:srgbClr val="3C484E"/>
+                </a:solidFill>
+                <a:effectLst/>
+                <a:latin typeface="Courier New" panose="02070309020205020404" pitchFamily="49" charset="0"/>
+                <a:ea typeface="Helvetica Neue"/>
+                <a:cs typeface="Courier New" panose="02070309020205020404" pitchFamily="49" charset="0"/>
+              </a:rPr>
+              <a:t>clone</a:t>
+            </a:r>
+            <a:r>
+              <a:rPr kumimoji="0" lang="zh-CN" altLang="zh-CN" b="0" i="0" u="none" strike="noStrike" cap="none" normalizeH="0" baseline="0" dirty="0">
+                <a:ln>
+                  <a:noFill/>
+                </a:ln>
+                <a:solidFill>
+                  <a:srgbClr val="3C484E"/>
+                </a:solidFill>
+                <a:effectLst/>
+                <a:ea typeface="Helvetica Neue"/>
+              </a:rPr>
+              <a:t> </a:t>
+            </a:r>
+            <a:r>
+              <a:rPr kumimoji="0" lang="zh-CN" altLang="zh-CN" b="0" i="0" u="none" strike="noStrike" cap="none" normalizeH="0" baseline="0" dirty="0">
+                <a:ln>
+                  <a:noFill/>
+                </a:ln>
+                <a:solidFill>
+                  <a:srgbClr val="3C484E"/>
+                </a:solidFill>
+                <a:effectLst/>
+                <a:latin typeface="Arial" panose="020B0604020202020204" pitchFamily="34" charset="0"/>
+                <a:ea typeface="Helvetica Neue"/>
+              </a:rPr>
+              <a:t>的区别在于：</a:t>
+            </a:r>
+            <a:r>
+              <a:rPr kumimoji="0" lang="zh-CN" altLang="zh-CN" b="0" i="0" u="none" strike="noStrike" cap="none" normalizeH="0" baseline="0" dirty="0">
+                <a:ln>
+                  <a:noFill/>
+                </a:ln>
+                <a:solidFill>
+                  <a:srgbClr val="3C484E"/>
+                </a:solidFill>
+                <a:effectLst/>
+                <a:latin typeface="Courier New" panose="02070309020205020404" pitchFamily="49" charset="0"/>
+                <a:ea typeface="Helvetica Neue"/>
+                <a:cs typeface="Courier New" panose="02070309020205020404" pitchFamily="49" charset="0"/>
+              </a:rPr>
+              <a:t>unshare</a:t>
+            </a:r>
+            <a:r>
+              <a:rPr kumimoji="0" lang="zh-CN" altLang="zh-CN" b="0" i="0" u="none" strike="noStrike" cap="none" normalizeH="0" baseline="0" dirty="0">
+                <a:ln>
+                  <a:noFill/>
+                </a:ln>
+                <a:solidFill>
+                  <a:srgbClr val="3C484E"/>
+                </a:solidFill>
+                <a:effectLst/>
+                <a:ea typeface="Helvetica Neue"/>
+              </a:rPr>
+              <a:t> </a:t>
+            </a:r>
+            <a:r>
+              <a:rPr kumimoji="0" lang="zh-CN" altLang="zh-CN" b="0" i="0" u="none" strike="noStrike" cap="none" normalizeH="0" baseline="0" dirty="0">
+                <a:ln>
+                  <a:noFill/>
+                </a:ln>
+                <a:solidFill>
+                  <a:srgbClr val="3C484E"/>
+                </a:solidFill>
+                <a:effectLst/>
+                <a:latin typeface="Arial" panose="020B0604020202020204" pitchFamily="34" charset="0"/>
+                <a:ea typeface="Helvetica Neue"/>
+              </a:rPr>
+              <a:t>是把当前进程进入到新的 namespace；</a:t>
+            </a:r>
+            <a:r>
+              <a:rPr kumimoji="0" lang="zh-CN" altLang="zh-CN" b="0" i="0" u="none" strike="noStrike" cap="none" normalizeH="0" baseline="0" dirty="0">
+                <a:ln>
+                  <a:noFill/>
+                </a:ln>
+                <a:solidFill>
+                  <a:srgbClr val="3C484E"/>
+                </a:solidFill>
+                <a:effectLst/>
+                <a:latin typeface="Courier New" panose="02070309020205020404" pitchFamily="49" charset="0"/>
+                <a:ea typeface="Helvetica Neue"/>
+                <a:cs typeface="Courier New" panose="02070309020205020404" pitchFamily="49" charset="0"/>
+              </a:rPr>
+              <a:t>clone</a:t>
+            </a:r>
+            <a:r>
+              <a:rPr kumimoji="0" lang="zh-CN" altLang="zh-CN" b="0" i="0" u="none" strike="noStrike" cap="none" normalizeH="0" baseline="0" dirty="0">
+                <a:ln>
+                  <a:noFill/>
+                </a:ln>
+                <a:solidFill>
+                  <a:srgbClr val="3C484E"/>
+                </a:solidFill>
+                <a:effectLst/>
+                <a:ea typeface="Helvetica Neue"/>
+              </a:rPr>
+              <a:t> </a:t>
+            </a:r>
+            <a:r>
+              <a:rPr kumimoji="0" lang="zh-CN" altLang="zh-CN" b="0" i="0" u="none" strike="noStrike" cap="none" normalizeH="0" baseline="0" dirty="0">
+                <a:ln>
+                  <a:noFill/>
+                </a:ln>
+                <a:solidFill>
+                  <a:srgbClr val="3C484E"/>
+                </a:solidFill>
+                <a:effectLst/>
+                <a:latin typeface="Arial" panose="020B0604020202020204" pitchFamily="34" charset="0"/>
+                <a:ea typeface="Helvetica Neue"/>
+              </a:rPr>
+              <a:t>是创建新的进程，然后让新创建的进程（子进程）加入到新的 namespace。</a:t>
+            </a:r>
+            <a:endParaRPr kumimoji="0" lang="zh-CN" altLang="zh-CN" b="0" i="0" u="none" strike="noStrike" cap="none" normalizeH="0" baseline="0" dirty="0">
+              <a:ln>
+                <a:noFill/>
+              </a:ln>
+              <a:solidFill>
+                <a:schemeClr val="tx1"/>
+              </a:solidFill>
+              <a:effectLst/>
+              <a:latin typeface="Arial" panose="020B0604020202020204" pitchFamily="34" charset="0"/>
+            </a:endParaRPr>
+          </a:p>
+        </p:txBody>
+      </p:sp>
+    </p:spTree>
+    <p:extLst>
+      <p:ext uri="{BB962C8B-B14F-4D97-AF65-F5344CB8AC3E}">
+        <p14:creationId xmlns:p14="http://schemas.microsoft.com/office/powerpoint/2010/main" val="660707708"/>
+      </p:ext>
+    </p:extLst>
+  </p:cSld>
+  <p:clrMapOvr>
+    <a:masterClrMapping/>
+  </p:clrMapOvr>
+</p:sld>
+</file>
+
+<file path=ppt/slides/slide11.xml><?xml version="1.0" encoding="utf-8"?>
+<p:sld xmlns:a="http://schemas.openxmlformats.org/drawingml/2006/main" xmlns:r="http://schemas.openxmlformats.org/officeDocument/2006/relationships" xmlns:p="http://schemas.openxmlformats.org/presentationml/2006/main">
+  <p:cSld>
+    <p:spTree>
+      <p:nvGrpSpPr>
+        <p:cNvPr id="1" name=""/>
+        <p:cNvGrpSpPr/>
+        <p:nvPr/>
+      </p:nvGrpSpPr>
+      <p:grpSpPr>
+        <a:xfrm>
+          <a:off x="0" y="0"/>
+          <a:ext cx="0" cy="0"/>
+          <a:chOff x="0" y="0"/>
+          <a:chExt cx="0" cy="0"/>
+        </a:xfrm>
+      </p:grpSpPr>
+      <p:sp>
+        <p:nvSpPr>
+          <p:cNvPr id="2" name="矩形 1">
+            <a:extLst>
+              <a:ext uri="{FF2B5EF4-FFF2-40B4-BE49-F238E27FC236}">
+                <a16:creationId xmlns:a16="http://schemas.microsoft.com/office/drawing/2014/main" id="{7C02B99C-AFCE-4C42-9357-80AB810C984F}"/>
+              </a:ext>
+            </a:extLst>
+          </p:cNvPr>
+          <p:cNvSpPr/>
+          <p:nvPr/>
+        </p:nvSpPr>
+        <p:spPr>
+          <a:xfrm>
+            <a:off x="581025" y="504736"/>
+            <a:ext cx="10001250" cy="2308324"/>
+          </a:xfrm>
+          <a:prstGeom prst="rect">
+            <a:avLst/>
+          </a:prstGeom>
+        </p:spPr>
+        <p:txBody>
+          <a:bodyPr wrap="square">
+            <a:spAutoFit/>
+          </a:bodyPr>
+          <a:lstStyle/>
+          <a:p>
+            <a:r>
+              <a:rPr lang="zh-CN" altLang="en-US" dirty="0">
+                <a:solidFill>
+                  <a:srgbClr val="333333"/>
+                </a:solidFill>
+                <a:latin typeface="PingFang SC"/>
+              </a:rPr>
+              <a:t>挂载在容器根目录上、用来为容器进程提供隔离后执行环境的文件系统，就是所谓的容器镜像，更准确的叫</a:t>
+            </a:r>
+            <a:r>
+              <a:rPr lang="en-US" altLang="zh-CN" dirty="0" err="1">
+                <a:solidFill>
+                  <a:srgbClr val="333333"/>
+                </a:solidFill>
+                <a:latin typeface="PingFang SC"/>
+              </a:rPr>
+              <a:t>rootfs</a:t>
+            </a:r>
+            <a:r>
+              <a:rPr lang="en-US" altLang="zh-CN" dirty="0">
+                <a:solidFill>
+                  <a:srgbClr val="333333"/>
+                </a:solidFill>
+                <a:latin typeface="PingFang SC"/>
+              </a:rPr>
+              <a:t>(</a:t>
+            </a:r>
+            <a:r>
+              <a:rPr lang="zh-CN" altLang="en-US" dirty="0">
+                <a:solidFill>
+                  <a:srgbClr val="333333"/>
+                </a:solidFill>
+                <a:latin typeface="PingFang SC"/>
+              </a:rPr>
+              <a:t>根文件系统</a:t>
+            </a:r>
+            <a:r>
+              <a:rPr lang="en-US" altLang="zh-CN" dirty="0">
+                <a:solidFill>
+                  <a:srgbClr val="333333"/>
+                </a:solidFill>
+                <a:latin typeface="PingFang SC"/>
+              </a:rPr>
+              <a:t>)</a:t>
+            </a:r>
+          </a:p>
+          <a:p>
+            <a:r>
+              <a:rPr lang="en-US" altLang="zh-CN" b="0" i="0" dirty="0" err="1">
+                <a:solidFill>
+                  <a:srgbClr val="333333"/>
+                </a:solidFill>
+                <a:effectLst/>
+                <a:latin typeface="PingFang SC"/>
+              </a:rPr>
+              <a:t>rootfs</a:t>
+            </a:r>
+            <a:r>
+              <a:rPr lang="zh-CN" altLang="en-US" b="0" i="0" dirty="0">
+                <a:solidFill>
+                  <a:srgbClr val="333333"/>
+                </a:solidFill>
+                <a:effectLst/>
+                <a:latin typeface="PingFang SC"/>
+              </a:rPr>
+              <a:t>只是一个操作系统所包含的文件，配置和目录，并不包括</a:t>
+            </a:r>
+            <a:r>
+              <a:rPr lang="en-US" altLang="zh-CN" b="0" i="0" dirty="0">
+                <a:solidFill>
+                  <a:srgbClr val="333333"/>
+                </a:solidFill>
+                <a:effectLst/>
+                <a:latin typeface="PingFang SC"/>
+              </a:rPr>
+              <a:t>OS</a:t>
+            </a:r>
+            <a:r>
+              <a:rPr lang="zh-CN" altLang="en-US" dirty="0">
+                <a:solidFill>
+                  <a:srgbClr val="333333"/>
+                </a:solidFill>
+                <a:latin typeface="PingFang SC"/>
+              </a:rPr>
+              <a:t> </a:t>
+            </a:r>
+            <a:r>
+              <a:rPr lang="en-US" altLang="zh-CN" dirty="0" err="1">
+                <a:solidFill>
+                  <a:srgbClr val="333333"/>
+                </a:solidFill>
+                <a:latin typeface="PingFang SC"/>
+              </a:rPr>
+              <a:t>core,os</a:t>
+            </a:r>
+            <a:r>
+              <a:rPr lang="en-US" altLang="zh-CN" dirty="0">
+                <a:solidFill>
+                  <a:srgbClr val="333333"/>
+                </a:solidFill>
+                <a:latin typeface="PingFang SC"/>
+              </a:rPr>
+              <a:t> core</a:t>
+            </a:r>
+            <a:r>
+              <a:rPr lang="zh-CN" altLang="en-US" dirty="0">
+                <a:solidFill>
+                  <a:srgbClr val="333333"/>
+                </a:solidFill>
+                <a:latin typeface="PingFang SC"/>
+              </a:rPr>
+              <a:t>对容器来说是全局变量。</a:t>
+            </a:r>
+            <a:endParaRPr lang="en-US" altLang="zh-CN" dirty="0">
+              <a:solidFill>
+                <a:srgbClr val="333333"/>
+              </a:solidFill>
+              <a:latin typeface="PingFang SC"/>
+            </a:endParaRPr>
+          </a:p>
+          <a:p>
+            <a:r>
+              <a:rPr lang="en-US" altLang="zh-CN" dirty="0" err="1">
+                <a:solidFill>
+                  <a:srgbClr val="333333"/>
+                </a:solidFill>
+                <a:latin typeface="PingFang SC"/>
+              </a:rPr>
+              <a:t>rootfs</a:t>
+            </a:r>
+            <a:r>
+              <a:rPr lang="zh-CN" altLang="en-US" dirty="0">
+                <a:solidFill>
+                  <a:srgbClr val="333333"/>
+                </a:solidFill>
+                <a:latin typeface="PingFang SC"/>
+              </a:rPr>
+              <a:t>开发人员，运维人员用使用相同，才有一致性</a:t>
+            </a:r>
+            <a:endParaRPr lang="en-US" altLang="zh-CN" dirty="0">
+              <a:solidFill>
+                <a:srgbClr val="333333"/>
+              </a:solidFill>
+              <a:latin typeface="PingFang SC"/>
+            </a:endParaRPr>
+          </a:p>
+          <a:p>
+            <a:r>
+              <a:rPr lang="en-US" altLang="zh-CN" dirty="0" err="1">
+                <a:solidFill>
+                  <a:srgbClr val="333333"/>
+                </a:solidFill>
+                <a:latin typeface="PingFang SC"/>
+              </a:rPr>
+              <a:t>Rootfs</a:t>
+            </a:r>
+            <a:r>
+              <a:rPr lang="zh-CN" altLang="en-US" dirty="0">
+                <a:solidFill>
+                  <a:srgbClr val="333333"/>
+                </a:solidFill>
+                <a:latin typeface="PingFang SC"/>
+              </a:rPr>
+              <a:t>里打包的不只应用，而是整个操作系统的文件和目录，也就是意味着，应用以及它运行所需要的所有依赖，都被封装在了一起</a:t>
+            </a:r>
+            <a:endParaRPr lang="en-US" altLang="zh-CN" dirty="0">
+              <a:solidFill>
+                <a:srgbClr val="333333"/>
+              </a:solidFill>
+              <a:latin typeface="PingFang SC"/>
+            </a:endParaRPr>
+          </a:p>
+          <a:p>
+            <a:endParaRPr lang="en-US" altLang="zh-CN" b="0" i="0" dirty="0">
+              <a:solidFill>
+                <a:srgbClr val="333333"/>
+              </a:solidFill>
+              <a:effectLst/>
+              <a:latin typeface="PingFang SC"/>
+            </a:endParaRPr>
+          </a:p>
+        </p:txBody>
+      </p:sp>
+    </p:spTree>
+    <p:extLst>
+      <p:ext uri="{BB962C8B-B14F-4D97-AF65-F5344CB8AC3E}">
+        <p14:creationId xmlns:p14="http://schemas.microsoft.com/office/powerpoint/2010/main" val="2934647988"/>
+      </p:ext>
+    </p:extLst>
+  </p:cSld>
+  <p:clrMapOvr>
+    <a:masterClrMapping/>
+  </p:clrMapOvr>
+</p:sld>
+</file>
+
+<file path=ppt/slides/slide12.xml><?xml version="1.0" encoding="utf-8"?>
+<p:sld xmlns:a="http://schemas.openxmlformats.org/drawingml/2006/main" xmlns:r="http://schemas.openxmlformats.org/officeDocument/2006/relationships" xmlns:p="http://schemas.openxmlformats.org/presentationml/2006/main">
+  <p:cSld>
+    <p:spTree>
+      <p:nvGrpSpPr>
+        <p:cNvPr id="1" name=""/>
+        <p:cNvGrpSpPr/>
+        <p:nvPr/>
+      </p:nvGrpSpPr>
+      <p:grpSpPr>
+        <a:xfrm>
+          <a:off x="0" y="0"/>
+          <a:ext cx="0" cy="0"/>
+          <a:chOff x="0" y="0"/>
+          <a:chExt cx="0" cy="0"/>
+        </a:xfrm>
+      </p:grpSpPr>
+      <p:sp>
+        <p:nvSpPr>
+          <p:cNvPr id="2" name="矩形 1">
+            <a:extLst>
+              <a:ext uri="{FF2B5EF4-FFF2-40B4-BE49-F238E27FC236}">
+                <a16:creationId xmlns:a16="http://schemas.microsoft.com/office/drawing/2014/main" id="{E16FAF5E-5183-44D9-BC8A-0959F057091D}"/>
+              </a:ext>
+            </a:extLst>
+          </p:cNvPr>
+          <p:cNvSpPr/>
+          <p:nvPr/>
+        </p:nvSpPr>
+        <p:spPr>
+          <a:xfrm>
+            <a:off x="612923" y="1129219"/>
+            <a:ext cx="6011161" cy="3970318"/>
+          </a:xfrm>
+          <a:prstGeom prst="rect">
+            <a:avLst/>
+          </a:prstGeom>
+        </p:spPr>
+        <p:txBody>
+          <a:bodyPr wrap="square">
+            <a:spAutoFit/>
+          </a:bodyPr>
+          <a:lstStyle/>
+          <a:p>
+            <a:r>
+              <a:rPr lang="zh-CN" altLang="en-US" dirty="0">
+                <a:solidFill>
+                  <a:srgbClr val="333333"/>
+                </a:solidFill>
+                <a:latin typeface="PingFang SC"/>
+              </a:rPr>
+              <a:t>镜像分层原理：</a:t>
+            </a:r>
+            <a:endParaRPr lang="en-US" altLang="zh-CN" dirty="0">
+              <a:solidFill>
+                <a:srgbClr val="333333"/>
+              </a:solidFill>
+              <a:latin typeface="PingFang SC"/>
+            </a:endParaRPr>
+          </a:p>
+          <a:p>
+            <a:endParaRPr lang="en-US" altLang="zh-CN" dirty="0">
+              <a:solidFill>
+                <a:srgbClr val="333333"/>
+              </a:solidFill>
+              <a:latin typeface="PingFang SC"/>
+            </a:endParaRPr>
+          </a:p>
+          <a:p>
+            <a:r>
+              <a:rPr lang="zh-CN" altLang="en-US" dirty="0">
+                <a:solidFill>
+                  <a:srgbClr val="333333"/>
+                </a:solidFill>
+                <a:latin typeface="PingFang SC"/>
+              </a:rPr>
+              <a:t>增量分层</a:t>
+            </a:r>
+            <a:endParaRPr lang="en-US" altLang="zh-CN" dirty="0">
+              <a:solidFill>
+                <a:srgbClr val="333333"/>
+              </a:solidFill>
+              <a:latin typeface="PingFang SC"/>
+            </a:endParaRPr>
+          </a:p>
+          <a:p>
+            <a:endParaRPr lang="en-US" altLang="zh-CN" dirty="0">
+              <a:solidFill>
+                <a:srgbClr val="333333"/>
+              </a:solidFill>
+              <a:latin typeface="PingFang SC"/>
+            </a:endParaRPr>
+          </a:p>
+          <a:p>
+            <a:r>
+              <a:rPr lang="zh-CN" altLang="en-US" dirty="0">
+                <a:solidFill>
+                  <a:srgbClr val="333333"/>
+                </a:solidFill>
+                <a:latin typeface="PingFang SC"/>
+              </a:rPr>
+              <a:t>只读层：</a:t>
+            </a:r>
+            <a:endParaRPr lang="en-US" altLang="zh-CN" dirty="0">
+              <a:solidFill>
+                <a:srgbClr val="333333"/>
+              </a:solidFill>
+              <a:latin typeface="PingFang SC"/>
+            </a:endParaRPr>
+          </a:p>
+          <a:p>
+            <a:r>
+              <a:rPr lang="zh-CN" altLang="en-US" dirty="0">
+                <a:solidFill>
+                  <a:srgbClr val="333333"/>
+                </a:solidFill>
+                <a:latin typeface="PingFang SC"/>
+              </a:rPr>
+              <a:t>父镜像的文件，</a:t>
+            </a:r>
+            <a:r>
+              <a:rPr lang="en-US" altLang="zh-CN" dirty="0" err="1">
+                <a:solidFill>
+                  <a:srgbClr val="333333"/>
+                </a:solidFill>
+                <a:latin typeface="PingFang SC"/>
+              </a:rPr>
+              <a:t>readonly+whiteout</a:t>
+            </a:r>
+            <a:r>
+              <a:rPr lang="en-US" altLang="zh-CN" dirty="0">
+                <a:solidFill>
+                  <a:srgbClr val="333333"/>
+                </a:solidFill>
+                <a:latin typeface="PingFang SC"/>
+              </a:rPr>
+              <a:t>(</a:t>
+            </a:r>
+            <a:r>
+              <a:rPr lang="zh-CN" altLang="en-US" dirty="0">
+                <a:solidFill>
+                  <a:srgbClr val="333333"/>
+                </a:solidFill>
+                <a:latin typeface="PingFang SC"/>
+              </a:rPr>
+              <a:t>就是遮挡上层的文件的设置</a:t>
+            </a:r>
+            <a:r>
+              <a:rPr lang="en-US" altLang="zh-CN" dirty="0">
+                <a:solidFill>
+                  <a:srgbClr val="333333"/>
+                </a:solidFill>
+                <a:latin typeface="PingFang SC"/>
+              </a:rPr>
+              <a:t>)</a:t>
+            </a:r>
+          </a:p>
+          <a:p>
+            <a:r>
+              <a:rPr lang="zh-CN" altLang="en-US" dirty="0">
+                <a:solidFill>
+                  <a:srgbClr val="333333"/>
+                </a:solidFill>
+                <a:latin typeface="PingFang SC"/>
+              </a:rPr>
+              <a:t>可读写层：</a:t>
+            </a:r>
+            <a:endParaRPr lang="en-US" altLang="zh-CN" dirty="0">
+              <a:solidFill>
+                <a:srgbClr val="333333"/>
+              </a:solidFill>
+              <a:latin typeface="PingFang SC"/>
+            </a:endParaRPr>
+          </a:p>
+          <a:p>
+            <a:r>
+              <a:rPr lang="zh-CN" altLang="en-US" dirty="0">
+                <a:solidFill>
+                  <a:srgbClr val="333333"/>
+                </a:solidFill>
+                <a:latin typeface="PingFang SC"/>
+              </a:rPr>
+              <a:t>就是自己的应用，或对只读层的</a:t>
+            </a:r>
+            <a:r>
+              <a:rPr lang="en-US" altLang="zh-CN" dirty="0">
+                <a:solidFill>
+                  <a:srgbClr val="333333"/>
+                </a:solidFill>
+                <a:latin typeface="PingFang SC"/>
+              </a:rPr>
+              <a:t>whiteout</a:t>
+            </a:r>
+          </a:p>
+          <a:p>
+            <a:r>
+              <a:rPr lang="en-US" altLang="zh-CN" dirty="0">
+                <a:solidFill>
+                  <a:srgbClr val="333333"/>
+                </a:solidFill>
+                <a:latin typeface="PingFang SC"/>
+              </a:rPr>
+              <a:t>Init</a:t>
+            </a:r>
+            <a:r>
+              <a:rPr lang="zh-CN" altLang="en-US" dirty="0">
+                <a:solidFill>
+                  <a:srgbClr val="333333"/>
+                </a:solidFill>
+                <a:latin typeface="PingFang SC"/>
+              </a:rPr>
+              <a:t>层：</a:t>
+            </a:r>
+            <a:endParaRPr lang="en-US" altLang="zh-CN" dirty="0">
+              <a:solidFill>
+                <a:srgbClr val="333333"/>
+              </a:solidFill>
+              <a:latin typeface="PingFang SC"/>
+            </a:endParaRPr>
+          </a:p>
+          <a:p>
+            <a:r>
+              <a:rPr lang="zh-CN" altLang="en-US" dirty="0">
+                <a:solidFill>
+                  <a:srgbClr val="333333"/>
+                </a:solidFill>
+                <a:latin typeface="PingFang SC"/>
+              </a:rPr>
+              <a:t>当前镜像运行时需要的配置文件，临时配置，不需要在提交镜像过程时提交的信息</a:t>
+            </a:r>
+            <a:endParaRPr lang="en-US" altLang="zh-CN" dirty="0">
+              <a:solidFill>
+                <a:srgbClr val="333333"/>
+              </a:solidFill>
+              <a:latin typeface="PingFang SC"/>
+            </a:endParaRPr>
+          </a:p>
+          <a:p>
+            <a:endParaRPr lang="en-US" altLang="zh-CN" b="0" i="0" dirty="0">
+              <a:solidFill>
+                <a:srgbClr val="333333"/>
+              </a:solidFill>
+              <a:effectLst/>
+              <a:latin typeface="PingFang SC"/>
+            </a:endParaRPr>
+          </a:p>
+          <a:p>
+            <a:endParaRPr lang="en-US" altLang="zh-CN" b="0" i="0" dirty="0">
+              <a:solidFill>
+                <a:srgbClr val="333333"/>
+              </a:solidFill>
+              <a:effectLst/>
+              <a:latin typeface="PingFang SC"/>
+            </a:endParaRPr>
+          </a:p>
+        </p:txBody>
+      </p:sp>
+      <p:pic>
+        <p:nvPicPr>
+          <p:cNvPr id="10242" name="Picture 2" descr="https://static001.geekbang.org/resource/image/8a/5f/8a7b5cfabaab2d877a1d4566961edd5f.png">
+            <a:extLst>
+              <a:ext uri="{FF2B5EF4-FFF2-40B4-BE49-F238E27FC236}">
+                <a16:creationId xmlns:a16="http://schemas.microsoft.com/office/drawing/2014/main" id="{C70F76B6-B37B-4627-868C-9A425C088C08}"/>
+              </a:ext>
+            </a:extLst>
+          </p:cNvPr>
+          <p:cNvPicPr>
+            <a:picLocks noChangeAspect="1" noChangeArrowheads="1"/>
+          </p:cNvPicPr>
+          <p:nvPr/>
+        </p:nvPicPr>
+        <p:blipFill>
+          <a:blip r:embed="rId2">
+            <a:extLst>
+              <a:ext uri="{28A0092B-C50C-407E-A947-70E740481C1C}">
+                <a14:useLocalDpi xmlns:a14="http://schemas.microsoft.com/office/drawing/2010/main" val="0"/>
+              </a:ext>
+            </a:extLst>
+          </a:blip>
+          <a:srcRect/>
+          <a:stretch>
+            <a:fillRect/>
+          </a:stretch>
+        </p:blipFill>
+        <p:spPr bwMode="auto">
+          <a:xfrm>
+            <a:off x="6754997" y="1129219"/>
+            <a:ext cx="5057775" cy="3754225"/>
+          </a:xfrm>
+          <a:prstGeom prst="rect">
+            <a:avLst/>
+          </a:prstGeom>
+          <a:noFill/>
+          <a:extLst>
+            <a:ext uri="{909E8E84-426E-40DD-AFC4-6F175D3DCCD1}">
+              <a14:hiddenFill xmlns:a14="http://schemas.microsoft.com/office/drawing/2010/main">
+                <a:solidFill>
+                  <a:srgbClr val="FFFFFF"/>
+                </a:solidFill>
+              </a14:hiddenFill>
+            </a:ext>
+          </a:extLst>
+        </p:spPr>
+      </p:pic>
+    </p:spTree>
+    <p:extLst>
+      <p:ext uri="{BB962C8B-B14F-4D97-AF65-F5344CB8AC3E}">
+        <p14:creationId xmlns:p14="http://schemas.microsoft.com/office/powerpoint/2010/main" val="2510799925"/>
+      </p:ext>
+    </p:extLst>
+  </p:cSld>
+  <p:clrMapOvr>
+    <a:masterClrMapping/>
+  </p:clrMapOvr>
+</p:sld>
+</file>
+
+<file path=ppt/slides/slide13.xml><?xml version="1.0" encoding="utf-8"?>
 <p:sld xmlns:a="http://schemas.openxmlformats.org/drawingml/2006/main" xmlns:r="http://schemas.openxmlformats.org/officeDocument/2006/relationships" xmlns:p="http://schemas.openxmlformats.org/presentationml/2006/main">
   <p:cSld>
     <p:spTree>
@@ -3533,7 +5782,7 @@
 </p:sld>
 </file>
 
-<file path=ppt/slides/slide3.xml><?xml version="1.0" encoding="utf-8"?>
+<file path=ppt/slides/slide14.xml><?xml version="1.0" encoding="utf-8"?>
 <p:sld xmlns:a="http://schemas.openxmlformats.org/drawingml/2006/main" xmlns:r="http://schemas.openxmlformats.org/officeDocument/2006/relationships" xmlns:p="http://schemas.openxmlformats.org/presentationml/2006/main">
   <p:cSld>
     <p:spTree>
@@ -3836,6 +6085,6516 @@
     <p:extLst>
       <p:ext uri="{BB962C8B-B14F-4D97-AF65-F5344CB8AC3E}">
         <p14:creationId xmlns:p14="http://schemas.microsoft.com/office/powerpoint/2010/main" val="116615380"/>
+      </p:ext>
+    </p:extLst>
+  </p:cSld>
+  <p:clrMapOvr>
+    <a:masterClrMapping/>
+  </p:clrMapOvr>
+</p:sld>
+</file>
+
+<file path=ppt/slides/slide2.xml><?xml version="1.0" encoding="utf-8"?>
+<p:sld xmlns:a="http://schemas.openxmlformats.org/drawingml/2006/main" xmlns:r="http://schemas.openxmlformats.org/officeDocument/2006/relationships" xmlns:p="http://schemas.openxmlformats.org/presentationml/2006/main">
+  <p:cSld>
+    <p:spTree>
+      <p:nvGrpSpPr>
+        <p:cNvPr id="1" name=""/>
+        <p:cNvGrpSpPr/>
+        <p:nvPr/>
+      </p:nvGrpSpPr>
+      <p:grpSpPr>
+        <a:xfrm>
+          <a:off x="0" y="0"/>
+          <a:ext cx="0" cy="0"/>
+          <a:chOff x="0" y="0"/>
+          <a:chExt cx="0" cy="0"/>
+        </a:xfrm>
+      </p:grpSpPr>
+      <p:sp>
+        <p:nvSpPr>
+          <p:cNvPr id="5" name="矩形 4">
+            <a:extLst>
+              <a:ext uri="{FF2B5EF4-FFF2-40B4-BE49-F238E27FC236}">
+                <a16:creationId xmlns:a16="http://schemas.microsoft.com/office/drawing/2014/main" id="{F7929E97-8C79-4464-B98F-78EF2724F706}"/>
+              </a:ext>
+            </a:extLst>
+          </p:cNvPr>
+          <p:cNvSpPr/>
+          <p:nvPr/>
+        </p:nvSpPr>
+        <p:spPr>
+          <a:xfrm>
+            <a:off x="568249" y="345270"/>
+            <a:ext cx="2056973" cy="369332"/>
+          </a:xfrm>
+          <a:prstGeom prst="rect">
+            <a:avLst/>
+          </a:prstGeom>
+        </p:spPr>
+        <p:txBody>
+          <a:bodyPr wrap="none">
+            <a:spAutoFit/>
+          </a:bodyPr>
+          <a:lstStyle/>
+          <a:p>
+            <a:r>
+              <a:rPr lang="en-US" altLang="zh-CN" dirty="0">
+                <a:solidFill>
+                  <a:srgbClr val="3C484E"/>
+                </a:solidFill>
+                <a:latin typeface="Helvetica Neue"/>
+              </a:rPr>
+              <a:t>Linux namespace </a:t>
+            </a:r>
+            <a:endParaRPr lang="zh-CN" altLang="en-US" dirty="0"/>
+          </a:p>
+        </p:txBody>
+      </p:sp>
+      <p:sp>
+        <p:nvSpPr>
+          <p:cNvPr id="6" name="矩形 5">
+            <a:extLst>
+              <a:ext uri="{FF2B5EF4-FFF2-40B4-BE49-F238E27FC236}">
+                <a16:creationId xmlns:a16="http://schemas.microsoft.com/office/drawing/2014/main" id="{82115313-5184-40FC-BC66-CDBE178E3DF9}"/>
+              </a:ext>
+            </a:extLst>
+          </p:cNvPr>
+          <p:cNvSpPr/>
+          <p:nvPr/>
+        </p:nvSpPr>
+        <p:spPr>
+          <a:xfrm>
+            <a:off x="1229590" y="892572"/>
+            <a:ext cx="6096000" cy="646331"/>
+          </a:xfrm>
+          <a:prstGeom prst="rect">
+            <a:avLst/>
+          </a:prstGeom>
+        </p:spPr>
+        <p:txBody>
+          <a:bodyPr>
+            <a:spAutoFit/>
+          </a:bodyPr>
+          <a:lstStyle/>
+          <a:p>
+            <a:r>
+              <a:rPr lang="en-US" altLang="zh-CN" dirty="0">
+                <a:solidFill>
+                  <a:srgbClr val="3C484E"/>
+                </a:solidFill>
+                <a:latin typeface="Helvetica Neue"/>
+              </a:rPr>
+              <a:t>Linux namespace </a:t>
+            </a:r>
+            <a:r>
+              <a:rPr lang="zh-CN" altLang="en-US" dirty="0">
+                <a:solidFill>
+                  <a:srgbClr val="3C484E"/>
+                </a:solidFill>
+                <a:latin typeface="Helvetica Neue"/>
+              </a:rPr>
+              <a:t>是一种内核级别的资源隔离机制，用来让运行在同一个操作系统上的进程互相不会干扰。</a:t>
+            </a:r>
+            <a:endParaRPr lang="zh-CN" altLang="en-US" dirty="0"/>
+          </a:p>
+        </p:txBody>
+      </p:sp>
+      <p:graphicFrame>
+        <p:nvGraphicFramePr>
+          <p:cNvPr id="3" name="表格 2">
+            <a:extLst>
+              <a:ext uri="{FF2B5EF4-FFF2-40B4-BE49-F238E27FC236}">
+                <a16:creationId xmlns:a16="http://schemas.microsoft.com/office/drawing/2014/main" id="{8AFE5E03-BC86-4FEB-A3C5-7258DD365983}"/>
+              </a:ext>
+            </a:extLst>
+          </p:cNvPr>
+          <p:cNvGraphicFramePr>
+            <a:graphicFrameLocks noGrp="1"/>
+          </p:cNvGraphicFramePr>
+          <p:nvPr>
+            <p:extLst>
+              <p:ext uri="{D42A27DB-BD31-4B8C-83A1-F6EECF244321}">
+                <p14:modId xmlns:p14="http://schemas.microsoft.com/office/powerpoint/2010/main" val="2350991939"/>
+              </p:ext>
+            </p:extLst>
+          </p:nvPr>
+        </p:nvGraphicFramePr>
+        <p:xfrm>
+          <a:off x="1229590" y="1825626"/>
+          <a:ext cx="9722427" cy="2971796"/>
+        </p:xfrm>
+        <a:graphic>
+          <a:graphicData uri="http://schemas.openxmlformats.org/drawingml/2006/table">
+            <a:tbl>
+              <a:tblPr>
+                <a:tableStyleId>{5940675A-B579-460E-94D1-54222C63F5DA}</a:tableStyleId>
+              </a:tblPr>
+              <a:tblGrid>
+                <a:gridCol w="1160319">
+                  <a:extLst>
+                    <a:ext uri="{9D8B030D-6E8A-4147-A177-3AD203B41FA5}">
+                      <a16:colId xmlns:a16="http://schemas.microsoft.com/office/drawing/2014/main" val="659639396"/>
+                    </a:ext>
+                  </a:extLst>
+                </a:gridCol>
+                <a:gridCol w="2171700">
+                  <a:extLst>
+                    <a:ext uri="{9D8B030D-6E8A-4147-A177-3AD203B41FA5}">
+                      <a16:colId xmlns:a16="http://schemas.microsoft.com/office/drawing/2014/main" val="53388140"/>
+                    </a:ext>
+                  </a:extLst>
+                </a:gridCol>
+                <a:gridCol w="6390408">
+                  <a:extLst>
+                    <a:ext uri="{9D8B030D-6E8A-4147-A177-3AD203B41FA5}">
+                      <a16:colId xmlns:a16="http://schemas.microsoft.com/office/drawing/2014/main" val="3946384850"/>
+                    </a:ext>
+                  </a:extLst>
+                </a:gridCol>
+              </a:tblGrid>
+              <a:tr h="105627">
+                <a:tc>
+                  <a:txBody>
+                    <a:bodyPr/>
+                    <a:lstStyle/>
+                    <a:p>
+                      <a:pPr algn="l" fontAlgn="base"/>
+                      <a:r>
+                        <a:rPr lang="zh-CN" altLang="en-US" sz="1600" cap="all">
+                          <a:effectLst/>
+                        </a:rPr>
+                        <a:t>名称</a:t>
+                      </a:r>
+                      <a:endParaRPr lang="zh-CN" altLang="en-US" sz="1600" b="1" cap="all">
+                        <a:solidFill>
+                          <a:srgbClr val="15171A"/>
+                        </a:solidFill>
+                        <a:effectLst/>
+                        <a:latin typeface="+mn-lt"/>
+                        <a:ea typeface="+mj-ea"/>
+                      </a:endParaRPr>
+                    </a:p>
+                  </a:txBody>
+                  <a:tcPr marL="69323" marR="69323" marT="31995" marB="31995"/>
+                </a:tc>
+                <a:tc>
+                  <a:txBody>
+                    <a:bodyPr/>
+                    <a:lstStyle/>
+                    <a:p>
+                      <a:pPr algn="l" fontAlgn="base"/>
+                      <a:r>
+                        <a:rPr lang="zh-CN" altLang="en-US" sz="1600" cap="all">
+                          <a:effectLst/>
+                        </a:rPr>
+                        <a:t>宏定义</a:t>
+                      </a:r>
+                      <a:endParaRPr lang="zh-CN" altLang="en-US" sz="1600" b="1" cap="all">
+                        <a:solidFill>
+                          <a:srgbClr val="15171A"/>
+                        </a:solidFill>
+                        <a:effectLst/>
+                        <a:latin typeface="+mn-lt"/>
+                        <a:ea typeface="+mj-ea"/>
+                      </a:endParaRPr>
+                    </a:p>
+                  </a:txBody>
+                  <a:tcPr marL="69323" marR="69323" marT="31995" marB="31995"/>
+                </a:tc>
+                <a:tc>
+                  <a:txBody>
+                    <a:bodyPr/>
+                    <a:lstStyle/>
+                    <a:p>
+                      <a:pPr algn="l" fontAlgn="base"/>
+                      <a:r>
+                        <a:rPr lang="zh-CN" altLang="en-US" sz="1600" cap="all">
+                          <a:effectLst/>
+                        </a:rPr>
+                        <a:t>隔离的内容</a:t>
+                      </a:r>
+                      <a:endParaRPr lang="zh-CN" altLang="en-US" sz="1600" b="1" cap="all">
+                        <a:solidFill>
+                          <a:srgbClr val="15171A"/>
+                        </a:solidFill>
+                        <a:effectLst/>
+                        <a:latin typeface="+mn-lt"/>
+                        <a:ea typeface="+mj-ea"/>
+                      </a:endParaRPr>
+                    </a:p>
+                  </a:txBody>
+                  <a:tcPr marL="69323" marR="69323" marT="31995" marB="31995"/>
+                </a:tc>
+                <a:extLst>
+                  <a:ext uri="{0D108BD9-81ED-4DB2-BD59-A6C34878D82A}">
+                    <a16:rowId xmlns:a16="http://schemas.microsoft.com/office/drawing/2014/main" val="2853082537"/>
+                  </a:ext>
+                </a:extLst>
+              </a:tr>
+              <a:tr h="254746">
+                <a:tc>
+                  <a:txBody>
+                    <a:bodyPr/>
+                    <a:lstStyle/>
+                    <a:p>
+                      <a:pPr fontAlgn="base"/>
+                      <a:r>
+                        <a:rPr lang="en-US" sz="1600">
+                          <a:effectLst/>
+                        </a:rPr>
+                        <a:t>IPC</a:t>
+                      </a:r>
+                      <a:endParaRPr lang="en-US" sz="1600">
+                        <a:effectLst/>
+                        <a:latin typeface="+mn-lt"/>
+                        <a:ea typeface="+mj-ea"/>
+                      </a:endParaRPr>
+                    </a:p>
+                  </a:txBody>
+                  <a:tcPr marL="69323" marR="69323" marT="31995" marB="31995"/>
+                </a:tc>
+                <a:tc>
+                  <a:txBody>
+                    <a:bodyPr/>
+                    <a:lstStyle/>
+                    <a:p>
+                      <a:pPr fontAlgn="base"/>
+                      <a:r>
+                        <a:rPr lang="en-US" sz="1600">
+                          <a:effectLst/>
+                        </a:rPr>
+                        <a:t>CLONE_NEWIPC</a:t>
+                      </a:r>
+                      <a:endParaRPr lang="en-US" sz="1600">
+                        <a:effectLst/>
+                        <a:latin typeface="+mn-lt"/>
+                        <a:ea typeface="+mj-ea"/>
+                      </a:endParaRPr>
+                    </a:p>
+                  </a:txBody>
+                  <a:tcPr marL="69323" marR="69323" marT="31995" marB="31995"/>
+                </a:tc>
+                <a:tc>
+                  <a:txBody>
+                    <a:bodyPr/>
+                    <a:lstStyle/>
+                    <a:p>
+                      <a:pPr fontAlgn="base"/>
+                      <a:r>
+                        <a:rPr lang="en-US" sz="1600">
+                          <a:effectLst/>
+                        </a:rPr>
+                        <a:t>System V IPC, POSIX message queues (since Linux 2.6.19)</a:t>
+                      </a:r>
+                      <a:endParaRPr lang="en-US" sz="1600">
+                        <a:effectLst/>
+                        <a:latin typeface="+mn-lt"/>
+                        <a:ea typeface="+mj-ea"/>
+                      </a:endParaRPr>
+                    </a:p>
+                  </a:txBody>
+                  <a:tcPr marL="69323" marR="69323" marT="31995" marB="31995"/>
+                </a:tc>
+                <a:extLst>
+                  <a:ext uri="{0D108BD9-81ED-4DB2-BD59-A6C34878D82A}">
+                    <a16:rowId xmlns:a16="http://schemas.microsoft.com/office/drawing/2014/main" val="1312599822"/>
+                  </a:ext>
+                </a:extLst>
+              </a:tr>
+              <a:tr h="627545">
+                <a:tc>
+                  <a:txBody>
+                    <a:bodyPr/>
+                    <a:lstStyle/>
+                    <a:p>
+                      <a:pPr fontAlgn="base"/>
+                      <a:r>
+                        <a:rPr lang="en-US" sz="1600">
+                          <a:effectLst/>
+                        </a:rPr>
+                        <a:t>Network</a:t>
+                      </a:r>
+                      <a:endParaRPr lang="en-US" sz="1600">
+                        <a:effectLst/>
+                        <a:latin typeface="+mn-lt"/>
+                        <a:ea typeface="+mj-ea"/>
+                      </a:endParaRPr>
+                    </a:p>
+                  </a:txBody>
+                  <a:tcPr marL="69323" marR="69323" marT="31995" marB="31995"/>
+                </a:tc>
+                <a:tc>
+                  <a:txBody>
+                    <a:bodyPr/>
+                    <a:lstStyle/>
+                    <a:p>
+                      <a:pPr fontAlgn="base"/>
+                      <a:r>
+                        <a:rPr lang="en-US" sz="1600">
+                          <a:effectLst/>
+                        </a:rPr>
+                        <a:t>CLONE_NEWNET</a:t>
+                      </a:r>
+                      <a:endParaRPr lang="en-US" sz="1600">
+                        <a:effectLst/>
+                        <a:latin typeface="+mn-lt"/>
+                        <a:ea typeface="+mj-ea"/>
+                      </a:endParaRPr>
+                    </a:p>
+                  </a:txBody>
+                  <a:tcPr marL="69323" marR="69323" marT="31995" marB="31995"/>
+                </a:tc>
+                <a:tc>
+                  <a:txBody>
+                    <a:bodyPr/>
+                    <a:lstStyle/>
+                    <a:p>
+                      <a:pPr fontAlgn="base"/>
+                      <a:r>
+                        <a:rPr lang="en-US" sz="1600">
+                          <a:effectLst/>
+                        </a:rPr>
+                        <a:t>network device interfaces, IPv4 and IPv6 protocol stacks, IP routing tables, firewall rules, the /proc/net and /sys/class/net directory trees, sockets, etc (since Linux 2.6.24)</a:t>
+                      </a:r>
+                      <a:endParaRPr lang="en-US" sz="1600">
+                        <a:effectLst/>
+                        <a:latin typeface="+mn-lt"/>
+                        <a:ea typeface="+mj-ea"/>
+                      </a:endParaRPr>
+                    </a:p>
+                  </a:txBody>
+                  <a:tcPr marL="69323" marR="69323" marT="31995" marB="31995"/>
+                </a:tc>
+                <a:extLst>
+                  <a:ext uri="{0D108BD9-81ED-4DB2-BD59-A6C34878D82A}">
+                    <a16:rowId xmlns:a16="http://schemas.microsoft.com/office/drawing/2014/main" val="2969852360"/>
+                  </a:ext>
+                </a:extLst>
+              </a:tr>
+              <a:tr h="180187">
+                <a:tc>
+                  <a:txBody>
+                    <a:bodyPr/>
+                    <a:lstStyle/>
+                    <a:p>
+                      <a:pPr fontAlgn="base"/>
+                      <a:r>
+                        <a:rPr lang="en-US" sz="1600">
+                          <a:effectLst/>
+                        </a:rPr>
+                        <a:t>Mount</a:t>
+                      </a:r>
+                      <a:endParaRPr lang="en-US" sz="1600">
+                        <a:effectLst/>
+                        <a:latin typeface="+mn-lt"/>
+                        <a:ea typeface="+mj-ea"/>
+                      </a:endParaRPr>
+                    </a:p>
+                  </a:txBody>
+                  <a:tcPr marL="69323" marR="69323" marT="31995" marB="31995"/>
+                </a:tc>
+                <a:tc>
+                  <a:txBody>
+                    <a:bodyPr/>
+                    <a:lstStyle/>
+                    <a:p>
+                      <a:pPr fontAlgn="base"/>
+                      <a:r>
+                        <a:rPr lang="en-US" sz="1600">
+                          <a:effectLst/>
+                        </a:rPr>
+                        <a:t>CLONE_NEWNS</a:t>
+                      </a:r>
+                      <a:endParaRPr lang="en-US" sz="1600">
+                        <a:effectLst/>
+                        <a:latin typeface="+mn-lt"/>
+                        <a:ea typeface="+mj-ea"/>
+                      </a:endParaRPr>
+                    </a:p>
+                  </a:txBody>
+                  <a:tcPr marL="69323" marR="69323" marT="31995" marB="31995"/>
+                </a:tc>
+                <a:tc>
+                  <a:txBody>
+                    <a:bodyPr/>
+                    <a:lstStyle/>
+                    <a:p>
+                      <a:pPr fontAlgn="base"/>
+                      <a:r>
+                        <a:rPr lang="en-US" sz="1600" dirty="0">
+                          <a:effectLst/>
+                        </a:rPr>
+                        <a:t>Mount points (since Linux 2.4.19)</a:t>
+                      </a:r>
+                      <a:endParaRPr lang="en-US" sz="1600" dirty="0">
+                        <a:effectLst/>
+                        <a:latin typeface="+mn-lt"/>
+                        <a:ea typeface="+mj-ea"/>
+                      </a:endParaRPr>
+                    </a:p>
+                  </a:txBody>
+                  <a:tcPr marL="69323" marR="69323" marT="31995" marB="31995"/>
+                </a:tc>
+                <a:extLst>
+                  <a:ext uri="{0D108BD9-81ED-4DB2-BD59-A6C34878D82A}">
+                    <a16:rowId xmlns:a16="http://schemas.microsoft.com/office/drawing/2014/main" val="538009826"/>
+                  </a:ext>
+                </a:extLst>
+              </a:tr>
+              <a:tr h="180187">
+                <a:tc>
+                  <a:txBody>
+                    <a:bodyPr/>
+                    <a:lstStyle/>
+                    <a:p>
+                      <a:pPr fontAlgn="base"/>
+                      <a:r>
+                        <a:rPr lang="en-US" sz="1600">
+                          <a:effectLst/>
+                        </a:rPr>
+                        <a:t>PID</a:t>
+                      </a:r>
+                      <a:endParaRPr lang="en-US" sz="1600">
+                        <a:effectLst/>
+                        <a:latin typeface="+mn-lt"/>
+                        <a:ea typeface="+mj-ea"/>
+                      </a:endParaRPr>
+                    </a:p>
+                  </a:txBody>
+                  <a:tcPr marL="69323" marR="69323" marT="31995" marB="31995"/>
+                </a:tc>
+                <a:tc>
+                  <a:txBody>
+                    <a:bodyPr/>
+                    <a:lstStyle/>
+                    <a:p>
+                      <a:pPr fontAlgn="base"/>
+                      <a:r>
+                        <a:rPr lang="en-US" sz="1600">
+                          <a:effectLst/>
+                        </a:rPr>
+                        <a:t>CLONE_NEWPID</a:t>
+                      </a:r>
+                      <a:endParaRPr lang="en-US" sz="1600">
+                        <a:effectLst/>
+                        <a:latin typeface="+mn-lt"/>
+                        <a:ea typeface="+mj-ea"/>
+                      </a:endParaRPr>
+                    </a:p>
+                  </a:txBody>
+                  <a:tcPr marL="69323" marR="69323" marT="31995" marB="31995"/>
+                </a:tc>
+                <a:tc>
+                  <a:txBody>
+                    <a:bodyPr/>
+                    <a:lstStyle/>
+                    <a:p>
+                      <a:pPr fontAlgn="base"/>
+                      <a:r>
+                        <a:rPr lang="en-US" sz="1600">
+                          <a:effectLst/>
+                        </a:rPr>
+                        <a:t>Process IDs (since Linux 2.6.24)</a:t>
+                      </a:r>
+                      <a:endParaRPr lang="en-US" sz="1600">
+                        <a:effectLst/>
+                        <a:latin typeface="+mn-lt"/>
+                        <a:ea typeface="+mj-ea"/>
+                      </a:endParaRPr>
+                    </a:p>
+                  </a:txBody>
+                  <a:tcPr marL="69323" marR="69323" marT="31995" marB="31995"/>
+                </a:tc>
+                <a:extLst>
+                  <a:ext uri="{0D108BD9-81ED-4DB2-BD59-A6C34878D82A}">
+                    <a16:rowId xmlns:a16="http://schemas.microsoft.com/office/drawing/2014/main" val="2002080305"/>
+                  </a:ext>
+                </a:extLst>
+              </a:tr>
+              <a:tr h="329306">
+                <a:tc>
+                  <a:txBody>
+                    <a:bodyPr/>
+                    <a:lstStyle/>
+                    <a:p>
+                      <a:pPr fontAlgn="base"/>
+                      <a:r>
+                        <a:rPr lang="en-US" sz="1600">
+                          <a:effectLst/>
+                        </a:rPr>
+                        <a:t>User</a:t>
+                      </a:r>
+                      <a:endParaRPr lang="en-US" sz="1600">
+                        <a:effectLst/>
+                        <a:latin typeface="+mn-lt"/>
+                        <a:ea typeface="+mj-ea"/>
+                      </a:endParaRPr>
+                    </a:p>
+                  </a:txBody>
+                  <a:tcPr marL="69323" marR="69323" marT="31995" marB="31995"/>
+                </a:tc>
+                <a:tc>
+                  <a:txBody>
+                    <a:bodyPr/>
+                    <a:lstStyle/>
+                    <a:p>
+                      <a:pPr fontAlgn="base"/>
+                      <a:r>
+                        <a:rPr lang="en-US" sz="1600">
+                          <a:effectLst/>
+                        </a:rPr>
+                        <a:t>CLONE_NEWUSER</a:t>
+                      </a:r>
+                      <a:endParaRPr lang="en-US" sz="1600">
+                        <a:effectLst/>
+                        <a:latin typeface="+mn-lt"/>
+                        <a:ea typeface="+mj-ea"/>
+                      </a:endParaRPr>
+                    </a:p>
+                  </a:txBody>
+                  <a:tcPr marL="69323" marR="69323" marT="31995" marB="31995"/>
+                </a:tc>
+                <a:tc>
+                  <a:txBody>
+                    <a:bodyPr/>
+                    <a:lstStyle/>
+                    <a:p>
+                      <a:pPr fontAlgn="base"/>
+                      <a:r>
+                        <a:rPr lang="en-US" sz="1600">
+                          <a:effectLst/>
+                        </a:rPr>
+                        <a:t>User and group IDs (started in Linux 2.6.23 and completed in Linux 3.8)</a:t>
+                      </a:r>
+                      <a:endParaRPr lang="en-US" sz="1600">
+                        <a:effectLst/>
+                        <a:latin typeface="+mn-lt"/>
+                        <a:ea typeface="+mj-ea"/>
+                      </a:endParaRPr>
+                    </a:p>
+                  </a:txBody>
+                  <a:tcPr marL="69323" marR="69323" marT="31995" marB="31995"/>
+                </a:tc>
+                <a:extLst>
+                  <a:ext uri="{0D108BD9-81ED-4DB2-BD59-A6C34878D82A}">
+                    <a16:rowId xmlns:a16="http://schemas.microsoft.com/office/drawing/2014/main" val="3621861313"/>
+                  </a:ext>
+                </a:extLst>
+              </a:tr>
+              <a:tr h="254746">
+                <a:tc>
+                  <a:txBody>
+                    <a:bodyPr/>
+                    <a:lstStyle/>
+                    <a:p>
+                      <a:pPr fontAlgn="base"/>
+                      <a:r>
+                        <a:rPr lang="en-US" sz="1600">
+                          <a:effectLst/>
+                        </a:rPr>
+                        <a:t>UTS</a:t>
+                      </a:r>
+                      <a:endParaRPr lang="en-US" sz="1600">
+                        <a:effectLst/>
+                        <a:latin typeface="+mn-lt"/>
+                        <a:ea typeface="+mj-ea"/>
+                      </a:endParaRPr>
+                    </a:p>
+                  </a:txBody>
+                  <a:tcPr marL="69323" marR="69323" marT="31995" marB="31995"/>
+                </a:tc>
+                <a:tc>
+                  <a:txBody>
+                    <a:bodyPr/>
+                    <a:lstStyle/>
+                    <a:p>
+                      <a:pPr fontAlgn="base"/>
+                      <a:r>
+                        <a:rPr lang="en-US" sz="1600">
+                          <a:effectLst/>
+                        </a:rPr>
+                        <a:t>CLONE_NEWUTS</a:t>
+                      </a:r>
+                      <a:endParaRPr lang="en-US" sz="1600">
+                        <a:effectLst/>
+                        <a:latin typeface="+mn-lt"/>
+                        <a:ea typeface="+mj-ea"/>
+                      </a:endParaRPr>
+                    </a:p>
+                  </a:txBody>
+                  <a:tcPr marL="69323" marR="69323" marT="31995" marB="31995"/>
+                </a:tc>
+                <a:tc>
+                  <a:txBody>
+                    <a:bodyPr/>
+                    <a:lstStyle/>
+                    <a:p>
+                      <a:pPr fontAlgn="base"/>
+                      <a:r>
+                        <a:rPr lang="en-US" sz="1600">
+                          <a:effectLst/>
+                        </a:rPr>
+                        <a:t>Hostname and NIS domain name (since Linux 2.6.19)</a:t>
+                      </a:r>
+                      <a:endParaRPr lang="en-US" sz="1600">
+                        <a:effectLst/>
+                        <a:latin typeface="+mn-lt"/>
+                        <a:ea typeface="+mj-ea"/>
+                      </a:endParaRPr>
+                    </a:p>
+                  </a:txBody>
+                  <a:tcPr marL="69323" marR="69323" marT="31995" marB="31995"/>
+                </a:tc>
+                <a:extLst>
+                  <a:ext uri="{0D108BD9-81ED-4DB2-BD59-A6C34878D82A}">
+                    <a16:rowId xmlns:a16="http://schemas.microsoft.com/office/drawing/2014/main" val="1932926693"/>
+                  </a:ext>
+                </a:extLst>
+              </a:tr>
+              <a:tr h="180187">
+                <a:tc>
+                  <a:txBody>
+                    <a:bodyPr/>
+                    <a:lstStyle/>
+                    <a:p>
+                      <a:pPr fontAlgn="base"/>
+                      <a:r>
+                        <a:rPr lang="en-US" sz="1600">
+                          <a:effectLst/>
+                        </a:rPr>
+                        <a:t>Cgroup</a:t>
+                      </a:r>
+                      <a:endParaRPr lang="en-US" sz="1600">
+                        <a:effectLst/>
+                        <a:latin typeface="+mn-lt"/>
+                        <a:ea typeface="+mj-ea"/>
+                      </a:endParaRPr>
+                    </a:p>
+                  </a:txBody>
+                  <a:tcPr marL="69323" marR="69323" marT="31995" marB="31995"/>
+                </a:tc>
+                <a:tc>
+                  <a:txBody>
+                    <a:bodyPr/>
+                    <a:lstStyle/>
+                    <a:p>
+                      <a:pPr fontAlgn="base"/>
+                      <a:r>
+                        <a:rPr lang="en-US" sz="1600">
+                          <a:effectLst/>
+                        </a:rPr>
+                        <a:t>CLONE_NEWCGROUP</a:t>
+                      </a:r>
+                      <a:endParaRPr lang="en-US" sz="1600">
+                        <a:effectLst/>
+                        <a:latin typeface="+mn-lt"/>
+                        <a:ea typeface="+mj-ea"/>
+                      </a:endParaRPr>
+                    </a:p>
+                  </a:txBody>
+                  <a:tcPr marL="69323" marR="69323" marT="31995" marB="31995"/>
+                </a:tc>
+                <a:tc>
+                  <a:txBody>
+                    <a:bodyPr/>
+                    <a:lstStyle/>
+                    <a:p>
+                      <a:pPr fontAlgn="base"/>
+                      <a:r>
+                        <a:rPr lang="en-US" sz="1600" dirty="0" err="1">
+                          <a:effectLst/>
+                        </a:rPr>
+                        <a:t>Cgroup</a:t>
+                      </a:r>
+                      <a:r>
+                        <a:rPr lang="en-US" sz="1600" dirty="0">
+                          <a:effectLst/>
+                        </a:rPr>
+                        <a:t> root directory (since Linux 4.6)</a:t>
+                      </a:r>
+                      <a:endParaRPr lang="en-US" sz="1600" dirty="0">
+                        <a:effectLst/>
+                        <a:latin typeface="+mn-lt"/>
+                        <a:ea typeface="+mj-ea"/>
+                      </a:endParaRPr>
+                    </a:p>
+                  </a:txBody>
+                  <a:tcPr marL="69323" marR="69323" marT="31995" marB="31995"/>
+                </a:tc>
+                <a:extLst>
+                  <a:ext uri="{0D108BD9-81ED-4DB2-BD59-A6C34878D82A}">
+                    <a16:rowId xmlns:a16="http://schemas.microsoft.com/office/drawing/2014/main" val="891741273"/>
+                  </a:ext>
+                </a:extLst>
+              </a:tr>
+            </a:tbl>
+          </a:graphicData>
+        </a:graphic>
+      </p:graphicFrame>
+    </p:spTree>
+    <p:extLst>
+      <p:ext uri="{BB962C8B-B14F-4D97-AF65-F5344CB8AC3E}">
+        <p14:creationId xmlns:p14="http://schemas.microsoft.com/office/powerpoint/2010/main" val="2782444557"/>
+      </p:ext>
+    </p:extLst>
+  </p:cSld>
+  <p:clrMapOvr>
+    <a:masterClrMapping/>
+  </p:clrMapOvr>
+</p:sld>
+</file>
+
+<file path=ppt/slides/slide3.xml><?xml version="1.0" encoding="utf-8"?>
+<p:sld xmlns:a="http://schemas.openxmlformats.org/drawingml/2006/main" xmlns:r="http://schemas.openxmlformats.org/officeDocument/2006/relationships" xmlns:p="http://schemas.openxmlformats.org/presentationml/2006/main">
+  <p:cSld>
+    <p:spTree>
+      <p:nvGrpSpPr>
+        <p:cNvPr id="1" name=""/>
+        <p:cNvGrpSpPr/>
+        <p:nvPr/>
+      </p:nvGrpSpPr>
+      <p:grpSpPr>
+        <a:xfrm>
+          <a:off x="0" y="0"/>
+          <a:ext cx="0" cy="0"/>
+          <a:chOff x="0" y="0"/>
+          <a:chExt cx="0" cy="0"/>
+        </a:xfrm>
+      </p:grpSpPr>
+      <p:sp>
+        <p:nvSpPr>
+          <p:cNvPr id="2" name="矩形 1">
+            <a:extLst>
+              <a:ext uri="{FF2B5EF4-FFF2-40B4-BE49-F238E27FC236}">
+                <a16:creationId xmlns:a16="http://schemas.microsoft.com/office/drawing/2014/main" id="{9EA4F951-A4DD-4DC6-9BC9-EBBAE850596E}"/>
+              </a:ext>
+            </a:extLst>
+          </p:cNvPr>
+          <p:cNvSpPr/>
+          <p:nvPr/>
+        </p:nvSpPr>
+        <p:spPr>
+          <a:xfrm>
+            <a:off x="782782" y="677917"/>
+            <a:ext cx="9919854" cy="923330"/>
+          </a:xfrm>
+          <a:prstGeom prst="rect">
+            <a:avLst/>
+          </a:prstGeom>
+        </p:spPr>
+        <p:txBody>
+          <a:bodyPr wrap="square">
+            <a:spAutoFit/>
+          </a:bodyPr>
+          <a:lstStyle/>
+          <a:p>
+            <a:pPr algn="just" fontAlgn="base"/>
+            <a:r>
+              <a:rPr lang="en-US" altLang="zh-CN" b="1" dirty="0" err="1">
+                <a:solidFill>
+                  <a:srgbClr val="090A0B"/>
+                </a:solidFill>
+                <a:latin typeface="-apple-system"/>
+              </a:rPr>
+              <a:t>UTS</a:t>
+            </a:r>
+            <a:r>
+              <a:rPr lang="en-US" altLang="zh-CN" b="1" dirty="0">
+                <a:solidFill>
+                  <a:srgbClr val="090A0B"/>
+                </a:solidFill>
+                <a:latin typeface="-apple-system"/>
+              </a:rPr>
+              <a:t> namespace</a:t>
+            </a:r>
+          </a:p>
+          <a:p>
+            <a:pPr algn="just" fontAlgn="base"/>
+            <a:r>
+              <a:rPr lang="en-US" altLang="zh-CN" dirty="0" err="1">
+                <a:solidFill>
+                  <a:srgbClr val="3C484E"/>
+                </a:solidFill>
+                <a:latin typeface="Helvetica Neue"/>
+              </a:rPr>
+              <a:t>UTS</a:t>
+            </a:r>
+            <a:r>
+              <a:rPr lang="en-US" altLang="zh-CN" dirty="0">
+                <a:solidFill>
+                  <a:srgbClr val="3C484E"/>
+                </a:solidFill>
+                <a:latin typeface="Helvetica Neue"/>
+              </a:rPr>
+              <a:t> namespace </a:t>
+            </a:r>
+            <a:r>
+              <a:rPr lang="zh-CN" altLang="en-US" dirty="0">
+                <a:solidFill>
+                  <a:srgbClr val="3C484E"/>
+                </a:solidFill>
+                <a:latin typeface="Helvetica Neue"/>
+              </a:rPr>
+              <a:t>功能最简单，它只隔离了 </a:t>
+            </a:r>
+            <a:r>
+              <a:rPr lang="en-US" altLang="zh-CN" dirty="0">
+                <a:solidFill>
+                  <a:srgbClr val="3C484E"/>
+                </a:solidFill>
+                <a:latin typeface="Helvetica Neue"/>
+              </a:rPr>
+              <a:t>hostname </a:t>
+            </a:r>
+            <a:r>
+              <a:rPr lang="zh-CN" altLang="en-US" dirty="0">
+                <a:solidFill>
+                  <a:srgbClr val="3C484E"/>
+                </a:solidFill>
+                <a:latin typeface="Helvetica Neue"/>
+              </a:rPr>
+              <a:t>和 </a:t>
+            </a:r>
+            <a:r>
+              <a:rPr lang="en-US" altLang="zh-CN" dirty="0">
+                <a:solidFill>
+                  <a:srgbClr val="3C484E"/>
+                </a:solidFill>
+                <a:latin typeface="Helvetica Neue"/>
+              </a:rPr>
+              <a:t>NIS domain name </a:t>
+            </a:r>
+            <a:r>
+              <a:rPr lang="zh-CN" altLang="en-US" dirty="0">
+                <a:solidFill>
+                  <a:srgbClr val="3C484E"/>
+                </a:solidFill>
+                <a:latin typeface="Helvetica Neue"/>
+              </a:rPr>
+              <a:t>两个资源。同一个 </a:t>
+            </a:r>
+            <a:r>
+              <a:rPr lang="en-US" altLang="zh-CN" dirty="0">
+                <a:solidFill>
+                  <a:srgbClr val="3C484E"/>
+                </a:solidFill>
+                <a:latin typeface="Helvetica Neue"/>
+              </a:rPr>
+              <a:t>namespace </a:t>
+            </a:r>
+            <a:r>
+              <a:rPr lang="zh-CN" altLang="en-US" dirty="0">
+                <a:solidFill>
+                  <a:srgbClr val="3C484E"/>
+                </a:solidFill>
+                <a:latin typeface="Helvetica Neue"/>
+              </a:rPr>
+              <a:t>里面的进程看到的 </a:t>
+            </a:r>
+            <a:r>
+              <a:rPr lang="en-US" altLang="zh-CN" dirty="0">
+                <a:solidFill>
+                  <a:srgbClr val="3C484E"/>
+                </a:solidFill>
+                <a:latin typeface="Helvetica Neue"/>
+              </a:rPr>
+              <a:t>hostname </a:t>
+            </a:r>
+            <a:r>
+              <a:rPr lang="zh-CN" altLang="en-US" dirty="0">
+                <a:solidFill>
+                  <a:srgbClr val="3C484E"/>
+                </a:solidFill>
+                <a:latin typeface="Helvetica Neue"/>
+              </a:rPr>
+              <a:t>和 </a:t>
+            </a:r>
+            <a:r>
+              <a:rPr lang="en-US" altLang="zh-CN" dirty="0">
+                <a:solidFill>
+                  <a:srgbClr val="3C484E"/>
+                </a:solidFill>
+                <a:latin typeface="Helvetica Neue"/>
+              </a:rPr>
+              <a:t>domain name </a:t>
+            </a:r>
+            <a:r>
+              <a:rPr lang="zh-CN" altLang="en-US" dirty="0">
+                <a:solidFill>
+                  <a:srgbClr val="3C484E"/>
+                </a:solidFill>
+                <a:latin typeface="Helvetica Neue"/>
+              </a:rPr>
+              <a:t>是相同的</a:t>
+            </a:r>
+            <a:endParaRPr lang="zh-CN" altLang="en-US" b="0" i="0" dirty="0">
+              <a:solidFill>
+                <a:srgbClr val="3C484E"/>
+              </a:solidFill>
+              <a:effectLst/>
+              <a:latin typeface="Helvetica Neue"/>
+            </a:endParaRPr>
+          </a:p>
+        </p:txBody>
+      </p:sp>
+      <p:sp>
+        <p:nvSpPr>
+          <p:cNvPr id="4" name="Rectangle 2">
+            <a:extLst>
+              <a:ext uri="{FF2B5EF4-FFF2-40B4-BE49-F238E27FC236}">
+                <a16:creationId xmlns:a16="http://schemas.microsoft.com/office/drawing/2014/main" id="{633ECCFC-C1EF-4D7C-B7B5-40CE54623B84}"/>
+              </a:ext>
+            </a:extLst>
+          </p:cNvPr>
+          <p:cNvSpPr>
+            <a:spLocks noChangeArrowheads="1"/>
+          </p:cNvSpPr>
+          <p:nvPr/>
+        </p:nvSpPr>
+        <p:spPr bwMode="auto">
+          <a:xfrm>
+            <a:off x="782782" y="2195772"/>
+            <a:ext cx="7151543" cy="2769989"/>
+          </a:xfrm>
+          <a:prstGeom prst="rect">
+            <a:avLst/>
+          </a:prstGeom>
+          <a:solidFill>
+            <a:srgbClr val="FFFFFF"/>
+          </a:solidFill>
+          <a:ln>
+            <a:noFill/>
+          </a:ln>
+          <a:effectLst/>
+          <a:extLst>
+            <a:ext uri="{91240B29-F687-4F45-9708-019B960494DF}">
+              <a14:hiddenLine xmlns:a14="http://schemas.microsoft.com/office/drawing/2010/main" w="9525">
+                <a:solidFill>
+                  <a:schemeClr val="tx1"/>
+                </a:solidFill>
+                <a:miter lim="800000"/>
+                <a:headEnd/>
+                <a:tailEnd/>
+              </a14:hiddenLine>
+            </a:ext>
+            <a:ext uri="{AF507438-7753-43E0-B8FC-AC1667EBCBE1}">
+              <a14:hiddenEffects xmlns:a14="http://schemas.microsoft.com/office/drawing/2010/main">
+                <a:effectLst>
+                  <a:outerShdw dist="35921" dir="2700000" algn="ctr" rotWithShape="0">
+                    <a:schemeClr val="bg2"/>
+                  </a:outerShdw>
+                </a:effectLst>
+              </a14:hiddenEffects>
+            </a:ext>
+          </a:extLst>
+        </p:spPr>
+        <p:txBody>
+          <a:bodyPr vert="horz" wrap="square" lIns="0" tIns="0" rIns="0" bIns="0" numCol="1" anchor="ctr" anchorCtr="0" compatLnSpc="1">
+            <a:prstTxWarp prst="textNoShape">
+              <a:avLst/>
+            </a:prstTxWarp>
+            <a:spAutoFit/>
+          </a:bodyPr>
+          <a:lstStyle>
+            <a:lvl1pPr eaLnBrk="0" fontAlgn="base" hangingPunct="0">
+              <a:spcBef>
+                <a:spcPct val="0"/>
+              </a:spcBef>
+              <a:spcAft>
+                <a:spcPct val="0"/>
+              </a:spcAft>
+              <a:defRPr>
+                <a:solidFill>
+                  <a:schemeClr val="tx1"/>
+                </a:solidFill>
+                <a:latin typeface="Arial" panose="020B0604020202020204" pitchFamily="34" charset="0"/>
+              </a:defRPr>
+            </a:lvl1pPr>
+            <a:lvl2pPr eaLnBrk="0" fontAlgn="base" hangingPunct="0">
+              <a:spcBef>
+                <a:spcPct val="0"/>
+              </a:spcBef>
+              <a:spcAft>
+                <a:spcPct val="0"/>
+              </a:spcAft>
+              <a:defRPr>
+                <a:solidFill>
+                  <a:schemeClr val="tx1"/>
+                </a:solidFill>
+                <a:latin typeface="Arial" panose="020B0604020202020204" pitchFamily="34" charset="0"/>
+              </a:defRPr>
+            </a:lvl2pPr>
+            <a:lvl3pPr eaLnBrk="0" fontAlgn="base" hangingPunct="0">
+              <a:spcBef>
+                <a:spcPct val="0"/>
+              </a:spcBef>
+              <a:spcAft>
+                <a:spcPct val="0"/>
+              </a:spcAft>
+              <a:defRPr>
+                <a:solidFill>
+                  <a:schemeClr val="tx1"/>
+                </a:solidFill>
+                <a:latin typeface="Arial" panose="020B0604020202020204" pitchFamily="34" charset="0"/>
+              </a:defRPr>
+            </a:lvl3pPr>
+            <a:lvl4pPr eaLnBrk="0" fontAlgn="base" hangingPunct="0">
+              <a:spcBef>
+                <a:spcPct val="0"/>
+              </a:spcBef>
+              <a:spcAft>
+                <a:spcPct val="0"/>
+              </a:spcAft>
+              <a:defRPr>
+                <a:solidFill>
+                  <a:schemeClr val="tx1"/>
+                </a:solidFill>
+                <a:latin typeface="Arial" panose="020B0604020202020204" pitchFamily="34" charset="0"/>
+              </a:defRPr>
+            </a:lvl4pPr>
+            <a:lvl5pPr eaLnBrk="0" fontAlgn="base" hangingPunct="0">
+              <a:spcBef>
+                <a:spcPct val="0"/>
+              </a:spcBef>
+              <a:spcAft>
+                <a:spcPct val="0"/>
+              </a:spcAft>
+              <a:defRPr>
+                <a:solidFill>
+                  <a:schemeClr val="tx1"/>
+                </a:solidFill>
+                <a:latin typeface="Arial" panose="020B0604020202020204" pitchFamily="34" charset="0"/>
+              </a:defRPr>
+            </a:lvl5pPr>
+            <a:lvl6pPr eaLnBrk="0" fontAlgn="base" hangingPunct="0">
+              <a:spcBef>
+                <a:spcPct val="0"/>
+              </a:spcBef>
+              <a:spcAft>
+                <a:spcPct val="0"/>
+              </a:spcAft>
+              <a:defRPr>
+                <a:solidFill>
+                  <a:schemeClr val="tx1"/>
+                </a:solidFill>
+                <a:latin typeface="Arial" panose="020B0604020202020204" pitchFamily="34" charset="0"/>
+              </a:defRPr>
+            </a:lvl6pPr>
+            <a:lvl7pPr eaLnBrk="0" fontAlgn="base" hangingPunct="0">
+              <a:spcBef>
+                <a:spcPct val="0"/>
+              </a:spcBef>
+              <a:spcAft>
+                <a:spcPct val="0"/>
+              </a:spcAft>
+              <a:defRPr>
+                <a:solidFill>
+                  <a:schemeClr val="tx1"/>
+                </a:solidFill>
+                <a:latin typeface="Arial" panose="020B0604020202020204" pitchFamily="34" charset="0"/>
+              </a:defRPr>
+            </a:lvl7pPr>
+            <a:lvl8pPr eaLnBrk="0" fontAlgn="base" hangingPunct="0">
+              <a:spcBef>
+                <a:spcPct val="0"/>
+              </a:spcBef>
+              <a:spcAft>
+                <a:spcPct val="0"/>
+              </a:spcAft>
+              <a:defRPr>
+                <a:solidFill>
+                  <a:schemeClr val="tx1"/>
+                </a:solidFill>
+                <a:latin typeface="Arial" panose="020B0604020202020204" pitchFamily="34" charset="0"/>
+              </a:defRPr>
+            </a:lvl8pPr>
+            <a:lvl9pPr eaLnBrk="0" fontAlgn="base" hangingPunct="0">
+              <a:spcBef>
+                <a:spcPct val="0"/>
+              </a:spcBef>
+              <a:spcAft>
+                <a:spcPct val="0"/>
+              </a:spcAft>
+              <a:defRPr>
+                <a:solidFill>
+                  <a:schemeClr val="tx1"/>
+                </a:solidFill>
+                <a:latin typeface="Arial" panose="020B0604020202020204" pitchFamily="34" charset="0"/>
+              </a:defRPr>
+            </a:lvl9pPr>
+          </a:lstStyle>
+          <a:p>
+            <a:pPr marL="0" marR="0" lvl="0" indent="0" algn="just" defTabSz="914400" rtl="0" eaLnBrk="0" fontAlgn="base" latinLnBrk="0" hangingPunct="0">
+              <a:lnSpc>
+                <a:spcPct val="100000"/>
+              </a:lnSpc>
+              <a:spcBef>
+                <a:spcPct val="0"/>
+              </a:spcBef>
+              <a:spcAft>
+                <a:spcPct val="0"/>
+              </a:spcAft>
+              <a:buClrTx/>
+              <a:buSzTx/>
+              <a:buFontTx/>
+              <a:buNone/>
+              <a:tabLst/>
+            </a:pPr>
+            <a:r>
+              <a:rPr kumimoji="0" lang="zh-CN" altLang="zh-CN" b="1" i="0" u="none" strike="noStrike" cap="none" normalizeH="0" baseline="0" dirty="0">
+                <a:ln>
+                  <a:noFill/>
+                </a:ln>
+                <a:solidFill>
+                  <a:srgbClr val="090A0B"/>
+                </a:solidFill>
+                <a:effectLst/>
+                <a:latin typeface="Arial" panose="020B0604020202020204" pitchFamily="34" charset="0"/>
+                <a:ea typeface="-apple-system"/>
+              </a:rPr>
+              <a:t>PID namespace</a:t>
+            </a:r>
+          </a:p>
+          <a:p>
+            <a:pPr marL="0" marR="0" lvl="0" indent="0" algn="just" defTabSz="914400" rtl="0" eaLnBrk="0" fontAlgn="base" latinLnBrk="0" hangingPunct="0">
+              <a:lnSpc>
+                <a:spcPct val="100000"/>
+              </a:lnSpc>
+              <a:spcBef>
+                <a:spcPct val="0"/>
+              </a:spcBef>
+              <a:spcAft>
+                <a:spcPct val="0"/>
+              </a:spcAft>
+              <a:buClrTx/>
+              <a:buSzTx/>
+              <a:buFontTx/>
+              <a:buNone/>
+              <a:tabLst/>
+            </a:pPr>
+            <a:r>
+              <a:rPr kumimoji="0" lang="zh-CN" altLang="zh-CN" b="0" i="0" u="none" strike="noStrike" cap="none" normalizeH="0" baseline="0" dirty="0">
+                <a:ln>
+                  <a:noFill/>
+                </a:ln>
+                <a:solidFill>
+                  <a:srgbClr val="3C484E"/>
+                </a:solidFill>
+                <a:effectLst/>
+                <a:latin typeface="Arial" panose="020B0604020202020204" pitchFamily="34" charset="0"/>
+                <a:ea typeface="Helvetica Neue"/>
+              </a:rPr>
+              <a:t>PID namespace 隔离的是进程的 pid 属性，也就是说不同的 namespace 中的进程可以有相同的 pid。PID namespace 和我们常见的系统规则一样，都是从 </a:t>
+            </a:r>
+            <a:r>
+              <a:rPr kumimoji="0" lang="zh-CN" altLang="zh-CN" b="0" i="0" u="none" strike="noStrike" cap="none" normalizeH="0" baseline="0" dirty="0">
+                <a:ln>
+                  <a:noFill/>
+                </a:ln>
+                <a:solidFill>
+                  <a:srgbClr val="3C484E"/>
+                </a:solidFill>
+                <a:effectLst/>
+                <a:latin typeface="Courier New" panose="02070309020205020404" pitchFamily="49" charset="0"/>
+                <a:ea typeface="Helvetica Neue"/>
+                <a:cs typeface="Courier New" panose="02070309020205020404" pitchFamily="49" charset="0"/>
+              </a:rPr>
+              <a:t>pid 1</a:t>
+            </a:r>
+            <a:r>
+              <a:rPr kumimoji="0" lang="zh-CN" altLang="zh-CN" b="0" i="0" u="none" strike="noStrike" cap="none" normalizeH="0" baseline="0" dirty="0">
+                <a:ln>
+                  <a:noFill/>
+                </a:ln>
+                <a:solidFill>
+                  <a:srgbClr val="3C484E"/>
+                </a:solidFill>
+                <a:effectLst/>
+                <a:ea typeface="Helvetica Neue"/>
+              </a:rPr>
+              <a:t> </a:t>
+            </a:r>
+            <a:r>
+              <a:rPr kumimoji="0" lang="zh-CN" altLang="zh-CN" b="0" i="0" u="none" strike="noStrike" cap="none" normalizeH="0" baseline="0" dirty="0">
+                <a:ln>
+                  <a:noFill/>
+                </a:ln>
+                <a:solidFill>
+                  <a:srgbClr val="3C484E"/>
+                </a:solidFill>
+                <a:effectLst/>
+                <a:latin typeface="Arial" panose="020B0604020202020204" pitchFamily="34" charset="0"/>
+                <a:ea typeface="Helvetica Neue"/>
+              </a:rPr>
+              <a:t>开始，每次 </a:t>
+            </a:r>
+            <a:r>
+              <a:rPr kumimoji="0" lang="zh-CN" altLang="zh-CN" b="0" i="0" u="none" strike="noStrike" cap="none" normalizeH="0" baseline="0" dirty="0">
+                <a:ln>
+                  <a:noFill/>
+                </a:ln>
+                <a:solidFill>
+                  <a:srgbClr val="3C484E"/>
+                </a:solidFill>
+                <a:effectLst/>
+                <a:latin typeface="Courier New" panose="02070309020205020404" pitchFamily="49" charset="0"/>
+                <a:ea typeface="Helvetica Neue"/>
+                <a:cs typeface="Courier New" panose="02070309020205020404" pitchFamily="49" charset="0"/>
+              </a:rPr>
+              <a:t>fork</a:t>
+            </a:r>
+            <a:r>
+              <a:rPr kumimoji="0" lang="zh-CN" altLang="zh-CN" b="0" i="0" u="none" strike="noStrike" cap="none" normalizeH="0" baseline="0" dirty="0">
+                <a:ln>
+                  <a:noFill/>
+                </a:ln>
+                <a:solidFill>
+                  <a:srgbClr val="3C484E"/>
+                </a:solidFill>
+                <a:effectLst/>
+                <a:ea typeface="Helvetica Neue"/>
+              </a:rPr>
+              <a:t>、</a:t>
+            </a:r>
+            <a:r>
+              <a:rPr kumimoji="0" lang="zh-CN" altLang="zh-CN" b="0" i="0" u="none" strike="noStrike" cap="none" normalizeH="0" baseline="0" dirty="0">
+                <a:ln>
+                  <a:noFill/>
+                </a:ln>
+                <a:solidFill>
+                  <a:srgbClr val="3C484E"/>
+                </a:solidFill>
+                <a:effectLst/>
+                <a:latin typeface="Courier New" panose="02070309020205020404" pitchFamily="49" charset="0"/>
+                <a:ea typeface="Helvetica Neue"/>
+                <a:cs typeface="Courier New" panose="02070309020205020404" pitchFamily="49" charset="0"/>
+              </a:rPr>
+              <a:t>vfork</a:t>
+            </a:r>
+            <a:r>
+              <a:rPr kumimoji="0" lang="zh-CN" altLang="zh-CN" b="0" i="0" u="none" strike="noStrike" cap="none" normalizeH="0" baseline="0" dirty="0">
+                <a:ln>
+                  <a:noFill/>
+                </a:ln>
+                <a:solidFill>
+                  <a:srgbClr val="3C484E"/>
+                </a:solidFill>
+                <a:effectLst/>
+                <a:ea typeface="Helvetica Neue"/>
+              </a:rPr>
+              <a:t>、</a:t>
+            </a:r>
+            <a:r>
+              <a:rPr kumimoji="0" lang="zh-CN" altLang="zh-CN" b="0" i="0" u="none" strike="noStrike" cap="none" normalizeH="0" baseline="0" dirty="0">
+                <a:ln>
+                  <a:noFill/>
+                </a:ln>
+                <a:solidFill>
+                  <a:srgbClr val="3C484E"/>
+                </a:solidFill>
+                <a:effectLst/>
+                <a:latin typeface="Courier New" panose="02070309020205020404" pitchFamily="49" charset="0"/>
+                <a:ea typeface="Helvetica Neue"/>
+                <a:cs typeface="Courier New" panose="02070309020205020404" pitchFamily="49" charset="0"/>
+              </a:rPr>
+              <a:t>clone</a:t>
+            </a:r>
+            <a:r>
+              <a:rPr kumimoji="0" lang="zh-CN" altLang="zh-CN" b="0" i="0" u="none" strike="noStrike" cap="none" normalizeH="0" baseline="0" dirty="0">
+                <a:ln>
+                  <a:noFill/>
+                </a:ln>
+                <a:solidFill>
+                  <a:srgbClr val="3C484E"/>
+                </a:solidFill>
+                <a:effectLst/>
+                <a:ea typeface="Helvetica Neue"/>
+              </a:rPr>
+              <a:t> </a:t>
+            </a:r>
+            <a:r>
+              <a:rPr kumimoji="0" lang="zh-CN" altLang="zh-CN" b="0" i="0" u="none" strike="noStrike" cap="none" normalizeH="0" baseline="0" dirty="0">
+                <a:ln>
+                  <a:noFill/>
+                </a:ln>
+                <a:solidFill>
+                  <a:srgbClr val="3C484E"/>
+                </a:solidFill>
+                <a:effectLst/>
+                <a:latin typeface="Arial" panose="020B0604020202020204" pitchFamily="34" charset="0"/>
+                <a:ea typeface="Helvetica Neue"/>
+              </a:rPr>
+              <a:t>调用都会分配新的 pid。</a:t>
+            </a:r>
+            <a:endParaRPr kumimoji="0" lang="zh-CN" altLang="zh-CN" b="0" i="0" u="none" strike="noStrike" cap="none" normalizeH="0" baseline="0" dirty="0">
+              <a:ln>
+                <a:noFill/>
+              </a:ln>
+              <a:solidFill>
+                <a:schemeClr val="tx1"/>
+              </a:solidFill>
+              <a:effectLst/>
+              <a:latin typeface="Arial" panose="020B0604020202020204" pitchFamily="34" charset="0"/>
+            </a:endParaRPr>
+          </a:p>
+          <a:p>
+            <a:pPr marL="0" marR="0" lvl="0" indent="0" algn="just" defTabSz="914400" rtl="0" eaLnBrk="0" fontAlgn="base" latinLnBrk="0" hangingPunct="0">
+              <a:lnSpc>
+                <a:spcPct val="100000"/>
+              </a:lnSpc>
+              <a:spcBef>
+                <a:spcPct val="0"/>
+              </a:spcBef>
+              <a:spcAft>
+                <a:spcPct val="0"/>
+              </a:spcAft>
+              <a:buClrTx/>
+              <a:buSzTx/>
+              <a:buFontTx/>
+              <a:buNone/>
+              <a:tabLst/>
+            </a:pPr>
+            <a:r>
+              <a:rPr kumimoji="0" lang="zh-CN" altLang="zh-CN" b="0" i="0" u="none" strike="noStrike" cap="none" normalizeH="0" baseline="0" dirty="0">
+                <a:ln>
+                  <a:noFill/>
+                </a:ln>
+                <a:solidFill>
+                  <a:srgbClr val="3C484E"/>
+                </a:solidFill>
+                <a:effectLst/>
+                <a:latin typeface="Arial" panose="020B0604020202020204" pitchFamily="34" charset="0"/>
+                <a:ea typeface="Helvetica Neue"/>
+              </a:rPr>
+              <a:t>PID namespace 第一个运行的进程的 pid 编号为 1，也被成为 init 进程。所有的孤儿进程（父进程被杀死）都会被 reparent 到 init 进程，</a:t>
+            </a:r>
+            <a:r>
+              <a:rPr kumimoji="0" lang="zh-CN" altLang="zh-CN" b="1" i="0" u="none" strike="noStrike" cap="none" normalizeH="0" baseline="0" dirty="0">
+                <a:ln>
+                  <a:noFill/>
+                </a:ln>
+                <a:solidFill>
+                  <a:srgbClr val="090A0B"/>
+                </a:solidFill>
+                <a:effectLst/>
+                <a:latin typeface="Arial" panose="020B0604020202020204" pitchFamily="34" charset="0"/>
+                <a:ea typeface="inherit"/>
+              </a:rPr>
+              <a:t>如果 init 进程挂掉了，系统会发送 SIGKILL 信号给该 namespace 中的所有进程来杀死它们</a:t>
+            </a:r>
+            <a:r>
+              <a:rPr kumimoji="0" lang="zh-CN" altLang="zh-CN" b="0" i="0" u="none" strike="noStrike" cap="none" normalizeH="0" baseline="0" dirty="0">
+                <a:ln>
+                  <a:noFill/>
+                </a:ln>
+                <a:solidFill>
+                  <a:srgbClr val="3C484E"/>
+                </a:solidFill>
+                <a:effectLst/>
+                <a:latin typeface="Arial" panose="020B0604020202020204" pitchFamily="34" charset="0"/>
+                <a:ea typeface="Helvetica Neue"/>
+              </a:rPr>
+              <a:t>。由此可见，init 进程对于 PID namespace 至关重要，因此在容器中你可能听说过关于哪个程序最适合做 init 进程的争论</a:t>
+            </a:r>
+            <a:endParaRPr kumimoji="0" lang="zh-CN" altLang="zh-CN" b="0" i="0" u="none" strike="noStrike" cap="none" normalizeH="0" baseline="0" dirty="0">
+              <a:ln>
+                <a:noFill/>
+              </a:ln>
+              <a:solidFill>
+                <a:schemeClr val="tx1"/>
+              </a:solidFill>
+              <a:effectLst/>
+              <a:latin typeface="Arial" panose="020B0604020202020204" pitchFamily="34" charset="0"/>
+            </a:endParaRPr>
+          </a:p>
+        </p:txBody>
+      </p:sp>
+      <p:pic>
+        <p:nvPicPr>
+          <p:cNvPr id="5" name="图片 4">
+            <a:extLst>
+              <a:ext uri="{FF2B5EF4-FFF2-40B4-BE49-F238E27FC236}">
+                <a16:creationId xmlns:a16="http://schemas.microsoft.com/office/drawing/2014/main" id="{D688E8D7-735C-4F88-84F1-A6227E030356}"/>
+              </a:ext>
+            </a:extLst>
+          </p:cNvPr>
+          <p:cNvPicPr>
+            <a:picLocks noChangeAspect="1"/>
+          </p:cNvPicPr>
+          <p:nvPr/>
+        </p:nvPicPr>
+        <p:blipFill>
+          <a:blip r:embed="rId2">
+            <a:extLst>
+              <a:ext uri="{28A0092B-C50C-407E-A947-70E740481C1C}">
+                <a14:useLocalDpi xmlns:a14="http://schemas.microsoft.com/office/drawing/2010/main" val="0"/>
+              </a:ext>
+            </a:extLst>
+          </a:blip>
+          <a:stretch>
+            <a:fillRect/>
+          </a:stretch>
+        </p:blipFill>
+        <p:spPr>
+          <a:xfrm>
+            <a:off x="8269274" y="2529147"/>
+            <a:ext cx="3922726" cy="3109653"/>
+          </a:xfrm>
+          <a:prstGeom prst="rect">
+            <a:avLst/>
+          </a:prstGeom>
+        </p:spPr>
+      </p:pic>
+    </p:spTree>
+    <p:extLst>
+      <p:ext uri="{BB962C8B-B14F-4D97-AF65-F5344CB8AC3E}">
+        <p14:creationId xmlns:p14="http://schemas.microsoft.com/office/powerpoint/2010/main" val="2989113339"/>
+      </p:ext>
+    </p:extLst>
+  </p:cSld>
+  <p:clrMapOvr>
+    <a:masterClrMapping/>
+  </p:clrMapOvr>
+</p:sld>
+</file>
+
+<file path=ppt/slides/slide4.xml><?xml version="1.0" encoding="utf-8"?>
+<p:sld xmlns:a="http://schemas.openxmlformats.org/drawingml/2006/main" xmlns:r="http://schemas.openxmlformats.org/officeDocument/2006/relationships" xmlns:p="http://schemas.openxmlformats.org/presentationml/2006/main">
+  <p:cSld>
+    <p:spTree>
+      <p:nvGrpSpPr>
+        <p:cNvPr id="1" name=""/>
+        <p:cNvGrpSpPr/>
+        <p:nvPr/>
+      </p:nvGrpSpPr>
+      <p:grpSpPr>
+        <a:xfrm>
+          <a:off x="0" y="0"/>
+          <a:ext cx="0" cy="0"/>
+          <a:chOff x="0" y="0"/>
+          <a:chExt cx="0" cy="0"/>
+        </a:xfrm>
+      </p:grpSpPr>
+      <p:sp>
+        <p:nvSpPr>
+          <p:cNvPr id="2" name="Rectangle 1">
+            <a:extLst>
+              <a:ext uri="{FF2B5EF4-FFF2-40B4-BE49-F238E27FC236}">
+                <a16:creationId xmlns:a16="http://schemas.microsoft.com/office/drawing/2014/main" id="{6FE5740E-4561-410B-9227-83047F61EC1F}"/>
+              </a:ext>
+            </a:extLst>
+          </p:cNvPr>
+          <p:cNvSpPr>
+            <a:spLocks noChangeArrowheads="1"/>
+          </p:cNvSpPr>
+          <p:nvPr/>
+        </p:nvSpPr>
+        <p:spPr bwMode="auto">
+          <a:xfrm>
+            <a:off x="809376" y="902017"/>
+            <a:ext cx="6396321" cy="4431983"/>
+          </a:xfrm>
+          <a:prstGeom prst="rect">
+            <a:avLst/>
+          </a:prstGeom>
+          <a:solidFill>
+            <a:srgbClr val="FFFFFF"/>
+          </a:solidFill>
+          <a:ln>
+            <a:noFill/>
+          </a:ln>
+          <a:effectLst/>
+          <a:extLst>
+            <a:ext uri="{91240B29-F687-4F45-9708-019B960494DF}">
+              <a14:hiddenLine xmlns:a14="http://schemas.microsoft.com/office/drawing/2010/main" w="9525">
+                <a:solidFill>
+                  <a:schemeClr val="tx1"/>
+                </a:solidFill>
+                <a:miter lim="800000"/>
+                <a:headEnd/>
+                <a:tailEnd/>
+              </a14:hiddenLine>
+            </a:ext>
+            <a:ext uri="{AF507438-7753-43E0-B8FC-AC1667EBCBE1}">
+              <a14:hiddenEffects xmlns:a14="http://schemas.microsoft.com/office/drawing/2010/main">
+                <a:effectLst>
+                  <a:outerShdw dist="35921" dir="2700000" algn="ctr" rotWithShape="0">
+                    <a:schemeClr val="bg2"/>
+                  </a:outerShdw>
+                </a:effectLst>
+              </a14:hiddenEffects>
+            </a:ext>
+          </a:extLst>
+        </p:spPr>
+        <p:txBody>
+          <a:bodyPr vert="horz" wrap="square" lIns="0" tIns="0" rIns="0" bIns="0" numCol="1" anchor="ctr" anchorCtr="0" compatLnSpc="1">
+            <a:prstTxWarp prst="textNoShape">
+              <a:avLst/>
+            </a:prstTxWarp>
+            <a:spAutoFit/>
+          </a:bodyPr>
+          <a:lstStyle>
+            <a:lvl1pPr eaLnBrk="0" fontAlgn="base" hangingPunct="0">
+              <a:spcBef>
+                <a:spcPct val="0"/>
+              </a:spcBef>
+              <a:spcAft>
+                <a:spcPct val="0"/>
+              </a:spcAft>
+              <a:defRPr>
+                <a:solidFill>
+                  <a:schemeClr val="tx1"/>
+                </a:solidFill>
+                <a:latin typeface="Arial" panose="020B0604020202020204" pitchFamily="34" charset="0"/>
+              </a:defRPr>
+            </a:lvl1pPr>
+            <a:lvl2pPr eaLnBrk="0" fontAlgn="base" hangingPunct="0">
+              <a:spcBef>
+                <a:spcPct val="0"/>
+              </a:spcBef>
+              <a:spcAft>
+                <a:spcPct val="0"/>
+              </a:spcAft>
+              <a:defRPr>
+                <a:solidFill>
+                  <a:schemeClr val="tx1"/>
+                </a:solidFill>
+                <a:latin typeface="Arial" panose="020B0604020202020204" pitchFamily="34" charset="0"/>
+              </a:defRPr>
+            </a:lvl2pPr>
+            <a:lvl3pPr eaLnBrk="0" fontAlgn="base" hangingPunct="0">
+              <a:spcBef>
+                <a:spcPct val="0"/>
+              </a:spcBef>
+              <a:spcAft>
+                <a:spcPct val="0"/>
+              </a:spcAft>
+              <a:defRPr>
+                <a:solidFill>
+                  <a:schemeClr val="tx1"/>
+                </a:solidFill>
+                <a:latin typeface="Arial" panose="020B0604020202020204" pitchFamily="34" charset="0"/>
+              </a:defRPr>
+            </a:lvl3pPr>
+            <a:lvl4pPr eaLnBrk="0" fontAlgn="base" hangingPunct="0">
+              <a:spcBef>
+                <a:spcPct val="0"/>
+              </a:spcBef>
+              <a:spcAft>
+                <a:spcPct val="0"/>
+              </a:spcAft>
+              <a:defRPr>
+                <a:solidFill>
+                  <a:schemeClr val="tx1"/>
+                </a:solidFill>
+                <a:latin typeface="Arial" panose="020B0604020202020204" pitchFamily="34" charset="0"/>
+              </a:defRPr>
+            </a:lvl4pPr>
+            <a:lvl5pPr eaLnBrk="0" fontAlgn="base" hangingPunct="0">
+              <a:spcBef>
+                <a:spcPct val="0"/>
+              </a:spcBef>
+              <a:spcAft>
+                <a:spcPct val="0"/>
+              </a:spcAft>
+              <a:defRPr>
+                <a:solidFill>
+                  <a:schemeClr val="tx1"/>
+                </a:solidFill>
+                <a:latin typeface="Arial" panose="020B0604020202020204" pitchFamily="34" charset="0"/>
+              </a:defRPr>
+            </a:lvl5pPr>
+            <a:lvl6pPr eaLnBrk="0" fontAlgn="base" hangingPunct="0">
+              <a:spcBef>
+                <a:spcPct val="0"/>
+              </a:spcBef>
+              <a:spcAft>
+                <a:spcPct val="0"/>
+              </a:spcAft>
+              <a:defRPr>
+                <a:solidFill>
+                  <a:schemeClr val="tx1"/>
+                </a:solidFill>
+                <a:latin typeface="Arial" panose="020B0604020202020204" pitchFamily="34" charset="0"/>
+              </a:defRPr>
+            </a:lvl6pPr>
+            <a:lvl7pPr eaLnBrk="0" fontAlgn="base" hangingPunct="0">
+              <a:spcBef>
+                <a:spcPct val="0"/>
+              </a:spcBef>
+              <a:spcAft>
+                <a:spcPct val="0"/>
+              </a:spcAft>
+              <a:defRPr>
+                <a:solidFill>
+                  <a:schemeClr val="tx1"/>
+                </a:solidFill>
+                <a:latin typeface="Arial" panose="020B0604020202020204" pitchFamily="34" charset="0"/>
+              </a:defRPr>
+            </a:lvl7pPr>
+            <a:lvl8pPr eaLnBrk="0" fontAlgn="base" hangingPunct="0">
+              <a:spcBef>
+                <a:spcPct val="0"/>
+              </a:spcBef>
+              <a:spcAft>
+                <a:spcPct val="0"/>
+              </a:spcAft>
+              <a:defRPr>
+                <a:solidFill>
+                  <a:schemeClr val="tx1"/>
+                </a:solidFill>
+                <a:latin typeface="Arial" panose="020B0604020202020204" pitchFamily="34" charset="0"/>
+              </a:defRPr>
+            </a:lvl8pPr>
+            <a:lvl9pPr eaLnBrk="0" fontAlgn="base" hangingPunct="0">
+              <a:spcBef>
+                <a:spcPct val="0"/>
+              </a:spcBef>
+              <a:spcAft>
+                <a:spcPct val="0"/>
+              </a:spcAft>
+              <a:defRPr>
+                <a:solidFill>
+                  <a:schemeClr val="tx1"/>
+                </a:solidFill>
+                <a:latin typeface="Arial" panose="020B0604020202020204" pitchFamily="34" charset="0"/>
+              </a:defRPr>
+            </a:lvl9pPr>
+          </a:lstStyle>
+          <a:p>
+            <a:pPr marL="0" marR="0" lvl="0" indent="0" algn="just" defTabSz="914400" rtl="0" eaLnBrk="0" fontAlgn="base" latinLnBrk="0" hangingPunct="0">
+              <a:lnSpc>
+                <a:spcPct val="100000"/>
+              </a:lnSpc>
+              <a:spcBef>
+                <a:spcPct val="0"/>
+              </a:spcBef>
+              <a:spcAft>
+                <a:spcPct val="0"/>
+              </a:spcAft>
+              <a:buClrTx/>
+              <a:buSzTx/>
+              <a:buFontTx/>
+              <a:buNone/>
+              <a:tabLst/>
+            </a:pPr>
+            <a:r>
+              <a:rPr kumimoji="0" lang="zh-CN" altLang="zh-CN" b="1" i="0" u="none" strike="noStrike" cap="none" normalizeH="0" baseline="0" dirty="0">
+                <a:ln>
+                  <a:noFill/>
+                </a:ln>
+                <a:solidFill>
+                  <a:srgbClr val="090A0B"/>
+                </a:solidFill>
+                <a:effectLst/>
+                <a:latin typeface="Arial" panose="020B0604020202020204" pitchFamily="34" charset="0"/>
+                <a:ea typeface="-apple-system"/>
+              </a:rPr>
+              <a:t>Mount namespace</a:t>
+            </a:r>
+          </a:p>
+          <a:p>
+            <a:pPr marL="0" marR="0" lvl="0" indent="0" algn="just" defTabSz="914400" rtl="0" eaLnBrk="0" fontAlgn="base" latinLnBrk="0" hangingPunct="0">
+              <a:lnSpc>
+                <a:spcPct val="100000"/>
+              </a:lnSpc>
+              <a:spcBef>
+                <a:spcPct val="0"/>
+              </a:spcBef>
+              <a:spcAft>
+                <a:spcPct val="0"/>
+              </a:spcAft>
+              <a:buClrTx/>
+              <a:buSzTx/>
+              <a:buFontTx/>
+              <a:buNone/>
+              <a:tabLst/>
+            </a:pPr>
+            <a:r>
+              <a:rPr kumimoji="0" lang="zh-CN" altLang="zh-CN" b="0" i="0" u="none" strike="noStrike" cap="none" normalizeH="0" baseline="0" dirty="0">
+                <a:ln>
+                  <a:noFill/>
+                </a:ln>
+                <a:solidFill>
+                  <a:srgbClr val="3C484E"/>
+                </a:solidFill>
+                <a:effectLst/>
+                <a:latin typeface="Arial" panose="020B0604020202020204" pitchFamily="34" charset="0"/>
+                <a:ea typeface="Helvetica Neue"/>
+              </a:rPr>
+              <a:t>Mount namespace 隔离的是 mount points（挂载点），也就是说不同 namespace 下面的进程看到的文件系统结构是不同的，namespace 内的 mount points 可以通过 </a:t>
+            </a:r>
+            <a:r>
+              <a:rPr kumimoji="0" lang="zh-CN" altLang="zh-CN" b="0" i="0" u="none" strike="noStrike" cap="none" normalizeH="0" baseline="0" dirty="0">
+                <a:ln>
+                  <a:noFill/>
+                </a:ln>
+                <a:solidFill>
+                  <a:srgbClr val="3C484E"/>
+                </a:solidFill>
+                <a:effectLst/>
+                <a:latin typeface="Courier New" panose="02070309020205020404" pitchFamily="49" charset="0"/>
+                <a:ea typeface="Helvetica Neue"/>
+                <a:cs typeface="Courier New" panose="02070309020205020404" pitchFamily="49" charset="0"/>
+              </a:rPr>
+              <a:t>mount(2)</a:t>
+            </a:r>
+            <a:r>
+              <a:rPr kumimoji="0" lang="zh-CN" altLang="zh-CN" b="0" i="0" u="none" strike="noStrike" cap="none" normalizeH="0" baseline="0" dirty="0">
+                <a:ln>
+                  <a:noFill/>
+                </a:ln>
+                <a:solidFill>
+                  <a:srgbClr val="3C484E"/>
+                </a:solidFill>
+                <a:effectLst/>
+                <a:ea typeface="Helvetica Neue"/>
+              </a:rPr>
+              <a:t> </a:t>
+            </a:r>
+            <a:r>
+              <a:rPr kumimoji="0" lang="zh-CN" altLang="zh-CN" b="0" i="0" u="none" strike="noStrike" cap="none" normalizeH="0" baseline="0" dirty="0">
+                <a:ln>
+                  <a:noFill/>
+                </a:ln>
+                <a:solidFill>
+                  <a:srgbClr val="3C484E"/>
+                </a:solidFill>
+                <a:effectLst/>
+                <a:latin typeface="Arial" panose="020B0604020202020204" pitchFamily="34" charset="0"/>
+                <a:ea typeface="Helvetica Neue"/>
+              </a:rPr>
+              <a:t>和 </a:t>
+            </a:r>
+            <a:r>
+              <a:rPr kumimoji="0" lang="zh-CN" altLang="zh-CN" b="0" i="0" u="none" strike="noStrike" cap="none" normalizeH="0" baseline="0" dirty="0">
+                <a:ln>
+                  <a:noFill/>
+                </a:ln>
+                <a:solidFill>
+                  <a:srgbClr val="3C484E"/>
+                </a:solidFill>
+                <a:effectLst/>
+                <a:latin typeface="Courier New" panose="02070309020205020404" pitchFamily="49" charset="0"/>
+                <a:ea typeface="Helvetica Neue"/>
+                <a:cs typeface="Courier New" panose="02070309020205020404" pitchFamily="49" charset="0"/>
+              </a:rPr>
+              <a:t>umount(2)</a:t>
+            </a:r>
+            <a:r>
+              <a:rPr kumimoji="0" lang="zh-CN" altLang="zh-CN" b="0" i="0" u="none" strike="noStrike" cap="none" normalizeH="0" baseline="0" dirty="0">
+                <a:ln>
+                  <a:noFill/>
+                </a:ln>
+                <a:solidFill>
+                  <a:srgbClr val="3C484E"/>
+                </a:solidFill>
+                <a:effectLst/>
+                <a:ea typeface="Helvetica Neue"/>
+              </a:rPr>
+              <a:t> </a:t>
+            </a:r>
+            <a:r>
+              <a:rPr kumimoji="0" lang="zh-CN" altLang="zh-CN" b="0" i="0" u="none" strike="noStrike" cap="none" normalizeH="0" baseline="0" dirty="0">
+                <a:ln>
+                  <a:noFill/>
+                </a:ln>
+                <a:solidFill>
+                  <a:srgbClr val="3C484E"/>
+                </a:solidFill>
+                <a:effectLst/>
+                <a:latin typeface="Arial" panose="020B0604020202020204" pitchFamily="34" charset="0"/>
+                <a:ea typeface="Helvetica Neue"/>
+              </a:rPr>
+              <a:t>来修改，因此Mount namespace 可以用来实现容器文件系统的隔离。</a:t>
+            </a:r>
+            <a:endParaRPr kumimoji="0" lang="en-US" altLang="zh-CN" b="0" i="0" u="none" strike="noStrike" cap="none" normalizeH="0" baseline="0" dirty="0">
+              <a:ln>
+                <a:noFill/>
+              </a:ln>
+              <a:solidFill>
+                <a:srgbClr val="3C484E"/>
+              </a:solidFill>
+              <a:effectLst/>
+              <a:latin typeface="Arial" panose="020B0604020202020204" pitchFamily="34" charset="0"/>
+              <a:ea typeface="Helvetica Neue"/>
+            </a:endParaRPr>
+          </a:p>
+          <a:p>
+            <a:pPr lvl="0" algn="just"/>
+            <a:r>
+              <a:rPr lang="zh-CN" altLang="zh-CN" dirty="0">
+                <a:solidFill>
+                  <a:srgbClr val="3C484E"/>
+                </a:solidFill>
+                <a:ea typeface="Helvetica Neue"/>
+              </a:rPr>
+              <a:t>因为 Mount namespace 是最早加入到 linux 的，当时并没有预计到其他 namespace 的可能性，所以它被取名为 </a:t>
+            </a:r>
+            <a:r>
+              <a:rPr lang="zh-CN" altLang="zh-CN" sz="1600" dirty="0">
+                <a:solidFill>
+                  <a:srgbClr val="3C484E"/>
+                </a:solidFill>
+                <a:latin typeface="Courier New" panose="02070309020205020404" pitchFamily="49" charset="0"/>
+                <a:ea typeface="Helvetica Neue"/>
+                <a:cs typeface="Courier New" panose="02070309020205020404" pitchFamily="49" charset="0"/>
+              </a:rPr>
+              <a:t>CLONE_NEWNS</a:t>
+            </a:r>
+            <a:r>
+              <a:rPr lang="zh-CN" altLang="zh-CN" dirty="0">
+                <a:solidFill>
+                  <a:srgbClr val="3C484E"/>
+                </a:solidFill>
+                <a:ea typeface="Helvetica Neue"/>
+              </a:rPr>
+              <a:t>，而不是 </a:t>
+            </a:r>
+            <a:r>
+              <a:rPr lang="zh-CN" altLang="zh-CN" sz="1600" dirty="0">
+                <a:solidFill>
+                  <a:srgbClr val="3C484E"/>
+                </a:solidFill>
+                <a:latin typeface="Courier New" panose="02070309020205020404" pitchFamily="49" charset="0"/>
+                <a:ea typeface="Helvetica Neue"/>
+                <a:cs typeface="Courier New" panose="02070309020205020404" pitchFamily="49" charset="0"/>
+              </a:rPr>
+              <a:t>CLONE_NEWMOUNT</a:t>
+            </a:r>
+            <a:r>
+              <a:rPr lang="zh-CN" altLang="zh-CN" dirty="0">
+                <a:solidFill>
+                  <a:srgbClr val="3C484E"/>
+                </a:solidFill>
+                <a:ea typeface="Helvetica Neue"/>
+              </a:rPr>
+              <a:t> 之类的名字。为了保持兼容性，这个名字就一直延续到现在。</a:t>
+            </a:r>
+            <a:endParaRPr lang="zh-CN" altLang="zh-CN" sz="1000" dirty="0"/>
+          </a:p>
+          <a:p>
+            <a:pPr lvl="0" algn="just"/>
+            <a:r>
+              <a:rPr lang="zh-CN" altLang="zh-CN" dirty="0">
+                <a:solidFill>
+                  <a:srgbClr val="3C484E"/>
+                </a:solidFill>
+                <a:ea typeface="Helvetica Neue"/>
+              </a:rPr>
+              <a:t>通过 </a:t>
+            </a:r>
+            <a:r>
+              <a:rPr lang="zh-CN" altLang="zh-CN" sz="1600" dirty="0">
+                <a:solidFill>
+                  <a:srgbClr val="3C484E"/>
+                </a:solidFill>
+                <a:latin typeface="Courier New" panose="02070309020205020404" pitchFamily="49" charset="0"/>
+                <a:ea typeface="Helvetica Neue"/>
+                <a:cs typeface="Courier New" panose="02070309020205020404" pitchFamily="49" charset="0"/>
+              </a:rPr>
+              <a:t>clone</a:t>
+            </a:r>
+            <a:r>
+              <a:rPr lang="zh-CN" altLang="zh-CN" dirty="0">
+                <a:solidFill>
+                  <a:srgbClr val="3C484E"/>
+                </a:solidFill>
+                <a:ea typeface="Helvetica Neue"/>
+              </a:rPr>
+              <a:t> 和 </a:t>
+            </a:r>
+            <a:r>
+              <a:rPr lang="zh-CN" altLang="zh-CN" sz="1600" dirty="0">
+                <a:solidFill>
+                  <a:srgbClr val="3C484E"/>
+                </a:solidFill>
+                <a:latin typeface="Courier New" panose="02070309020205020404" pitchFamily="49" charset="0"/>
+                <a:ea typeface="Helvetica Neue"/>
+                <a:cs typeface="Courier New" panose="02070309020205020404" pitchFamily="49" charset="0"/>
+              </a:rPr>
+              <a:t>unshare</a:t>
+            </a:r>
+            <a:r>
+              <a:rPr lang="zh-CN" altLang="zh-CN" dirty="0">
+                <a:solidFill>
+                  <a:srgbClr val="3C484E"/>
+                </a:solidFill>
+                <a:ea typeface="Helvetica Neue"/>
+              </a:rPr>
+              <a:t> 创建的 Mount namespace 会默认继承父 namespace 的内容，也就是说两者看到的文件系统内容是一样的。但是之后，新 Mount namespace 的所有操作都是独立的，不会影响到其他 namespace，因此可以用来创建完全属于自己的文件系统，也可以解决之间 PID namespace 中 </a:t>
+            </a:r>
+            <a:r>
+              <a:rPr lang="zh-CN" altLang="zh-CN" sz="1600" dirty="0">
+                <a:solidFill>
+                  <a:srgbClr val="3C484E"/>
+                </a:solidFill>
+                <a:latin typeface="Courier New" panose="02070309020205020404" pitchFamily="49" charset="0"/>
+                <a:ea typeface="Helvetica Neue"/>
+                <a:cs typeface="Courier New" panose="02070309020205020404" pitchFamily="49" charset="0"/>
+              </a:rPr>
+              <a:t>/proc</a:t>
+            </a:r>
+            <a:r>
+              <a:rPr lang="zh-CN" altLang="zh-CN" dirty="0">
+                <a:solidFill>
+                  <a:srgbClr val="3C484E"/>
+                </a:solidFill>
+                <a:ea typeface="Helvetica Neue"/>
+              </a:rPr>
+              <a:t> 目录的问题。</a:t>
+            </a:r>
+            <a:endParaRPr kumimoji="0" lang="zh-CN" altLang="zh-CN" b="0" i="0" u="none" strike="noStrike" cap="none" normalizeH="0" baseline="0" dirty="0">
+              <a:ln>
+                <a:noFill/>
+              </a:ln>
+              <a:solidFill>
+                <a:schemeClr val="tx1"/>
+              </a:solidFill>
+              <a:effectLst/>
+              <a:latin typeface="Arial" panose="020B0604020202020204" pitchFamily="34" charset="0"/>
+            </a:endParaRPr>
+          </a:p>
+        </p:txBody>
+      </p:sp>
+      <p:sp>
+        <p:nvSpPr>
+          <p:cNvPr id="3" name="Rectangle 2">
+            <a:extLst>
+              <a:ext uri="{FF2B5EF4-FFF2-40B4-BE49-F238E27FC236}">
+                <a16:creationId xmlns:a16="http://schemas.microsoft.com/office/drawing/2014/main" id="{93897779-2F51-46D3-B987-15357EBF5A8D}"/>
+              </a:ext>
+            </a:extLst>
+          </p:cNvPr>
+          <p:cNvSpPr>
+            <a:spLocks noChangeArrowheads="1"/>
+          </p:cNvSpPr>
+          <p:nvPr/>
+        </p:nvSpPr>
+        <p:spPr bwMode="auto">
+          <a:xfrm>
+            <a:off x="6553167" y="1428169"/>
+            <a:ext cx="65" cy="276999"/>
+          </a:xfrm>
+          <a:prstGeom prst="rect">
+            <a:avLst/>
+          </a:prstGeom>
+          <a:solidFill>
+            <a:srgbClr val="FFFFFF"/>
+          </a:solidFill>
+          <a:ln>
+            <a:noFill/>
+          </a:ln>
+          <a:effectLst/>
+          <a:extLst>
+            <a:ext uri="{91240B29-F687-4F45-9708-019B960494DF}">
+              <a14:hiddenLine xmlns:a14="http://schemas.microsoft.com/office/drawing/2010/main" w="9525">
+                <a:solidFill>
+                  <a:schemeClr val="tx1"/>
+                </a:solidFill>
+                <a:miter lim="800000"/>
+                <a:headEnd/>
+                <a:tailEnd/>
+              </a14:hiddenLine>
+            </a:ext>
+            <a:ext uri="{AF507438-7753-43E0-B8FC-AC1667EBCBE1}">
+              <a14:hiddenEffects xmlns:a14="http://schemas.microsoft.com/office/drawing/2010/main">
+                <a:effectLst>
+                  <a:outerShdw dist="35921" dir="2700000" algn="ctr" rotWithShape="0">
+                    <a:schemeClr val="bg2"/>
+                  </a:outerShdw>
+                </a:effectLst>
+              </a14:hiddenEffects>
+            </a:ext>
+          </a:extLst>
+        </p:spPr>
+        <p:txBody>
+          <a:bodyPr vert="horz" wrap="none" lIns="0" tIns="0" rIns="0" bIns="0" numCol="1" anchor="ctr" anchorCtr="0" compatLnSpc="1">
+            <a:prstTxWarp prst="textNoShape">
+              <a:avLst/>
+            </a:prstTxWarp>
+            <a:spAutoFit/>
+          </a:bodyPr>
+          <a:lstStyle>
+            <a:lvl1pPr eaLnBrk="0" fontAlgn="base" hangingPunct="0">
+              <a:spcBef>
+                <a:spcPct val="0"/>
+              </a:spcBef>
+              <a:spcAft>
+                <a:spcPct val="0"/>
+              </a:spcAft>
+              <a:defRPr>
+                <a:solidFill>
+                  <a:schemeClr val="tx1"/>
+                </a:solidFill>
+                <a:latin typeface="Arial" panose="020B0604020202020204" pitchFamily="34" charset="0"/>
+              </a:defRPr>
+            </a:lvl1pPr>
+            <a:lvl2pPr eaLnBrk="0" fontAlgn="base" hangingPunct="0">
+              <a:spcBef>
+                <a:spcPct val="0"/>
+              </a:spcBef>
+              <a:spcAft>
+                <a:spcPct val="0"/>
+              </a:spcAft>
+              <a:defRPr>
+                <a:solidFill>
+                  <a:schemeClr val="tx1"/>
+                </a:solidFill>
+                <a:latin typeface="Arial" panose="020B0604020202020204" pitchFamily="34" charset="0"/>
+              </a:defRPr>
+            </a:lvl2pPr>
+            <a:lvl3pPr eaLnBrk="0" fontAlgn="base" hangingPunct="0">
+              <a:spcBef>
+                <a:spcPct val="0"/>
+              </a:spcBef>
+              <a:spcAft>
+                <a:spcPct val="0"/>
+              </a:spcAft>
+              <a:defRPr>
+                <a:solidFill>
+                  <a:schemeClr val="tx1"/>
+                </a:solidFill>
+                <a:latin typeface="Arial" panose="020B0604020202020204" pitchFamily="34" charset="0"/>
+              </a:defRPr>
+            </a:lvl3pPr>
+            <a:lvl4pPr eaLnBrk="0" fontAlgn="base" hangingPunct="0">
+              <a:spcBef>
+                <a:spcPct val="0"/>
+              </a:spcBef>
+              <a:spcAft>
+                <a:spcPct val="0"/>
+              </a:spcAft>
+              <a:defRPr>
+                <a:solidFill>
+                  <a:schemeClr val="tx1"/>
+                </a:solidFill>
+                <a:latin typeface="Arial" panose="020B0604020202020204" pitchFamily="34" charset="0"/>
+              </a:defRPr>
+            </a:lvl4pPr>
+            <a:lvl5pPr eaLnBrk="0" fontAlgn="base" hangingPunct="0">
+              <a:spcBef>
+                <a:spcPct val="0"/>
+              </a:spcBef>
+              <a:spcAft>
+                <a:spcPct val="0"/>
+              </a:spcAft>
+              <a:defRPr>
+                <a:solidFill>
+                  <a:schemeClr val="tx1"/>
+                </a:solidFill>
+                <a:latin typeface="Arial" panose="020B0604020202020204" pitchFamily="34" charset="0"/>
+              </a:defRPr>
+            </a:lvl5pPr>
+            <a:lvl6pPr eaLnBrk="0" fontAlgn="base" hangingPunct="0">
+              <a:spcBef>
+                <a:spcPct val="0"/>
+              </a:spcBef>
+              <a:spcAft>
+                <a:spcPct val="0"/>
+              </a:spcAft>
+              <a:defRPr>
+                <a:solidFill>
+                  <a:schemeClr val="tx1"/>
+                </a:solidFill>
+                <a:latin typeface="Arial" panose="020B0604020202020204" pitchFamily="34" charset="0"/>
+              </a:defRPr>
+            </a:lvl6pPr>
+            <a:lvl7pPr eaLnBrk="0" fontAlgn="base" hangingPunct="0">
+              <a:spcBef>
+                <a:spcPct val="0"/>
+              </a:spcBef>
+              <a:spcAft>
+                <a:spcPct val="0"/>
+              </a:spcAft>
+              <a:defRPr>
+                <a:solidFill>
+                  <a:schemeClr val="tx1"/>
+                </a:solidFill>
+                <a:latin typeface="Arial" panose="020B0604020202020204" pitchFamily="34" charset="0"/>
+              </a:defRPr>
+            </a:lvl7pPr>
+            <a:lvl8pPr eaLnBrk="0" fontAlgn="base" hangingPunct="0">
+              <a:spcBef>
+                <a:spcPct val="0"/>
+              </a:spcBef>
+              <a:spcAft>
+                <a:spcPct val="0"/>
+              </a:spcAft>
+              <a:defRPr>
+                <a:solidFill>
+                  <a:schemeClr val="tx1"/>
+                </a:solidFill>
+                <a:latin typeface="Arial" panose="020B0604020202020204" pitchFamily="34" charset="0"/>
+              </a:defRPr>
+            </a:lvl8pPr>
+            <a:lvl9pPr eaLnBrk="0" fontAlgn="base" hangingPunct="0">
+              <a:spcBef>
+                <a:spcPct val="0"/>
+              </a:spcBef>
+              <a:spcAft>
+                <a:spcPct val="0"/>
+              </a:spcAft>
+              <a:defRPr>
+                <a:solidFill>
+                  <a:schemeClr val="tx1"/>
+                </a:solidFill>
+                <a:latin typeface="Arial" panose="020B0604020202020204" pitchFamily="34" charset="0"/>
+              </a:defRPr>
+            </a:lvl9pPr>
+          </a:lstStyle>
+          <a:p>
+            <a:pPr marL="0" marR="0" lvl="0" indent="0" algn="just" defTabSz="914400" rtl="0" eaLnBrk="0" fontAlgn="base" latinLnBrk="0" hangingPunct="0">
+              <a:lnSpc>
+                <a:spcPct val="100000"/>
+              </a:lnSpc>
+              <a:spcBef>
+                <a:spcPct val="0"/>
+              </a:spcBef>
+              <a:spcAft>
+                <a:spcPct val="0"/>
+              </a:spcAft>
+              <a:buClrTx/>
+              <a:buSzTx/>
+              <a:buFontTx/>
+              <a:buNone/>
+              <a:tabLst/>
+            </a:pPr>
+            <a:endParaRPr kumimoji="0" lang="zh-CN" altLang="zh-CN" sz="1800" b="0" i="0" u="none" strike="noStrike" cap="none" normalizeH="0" baseline="0" dirty="0">
+              <a:ln>
+                <a:noFill/>
+              </a:ln>
+              <a:solidFill>
+                <a:schemeClr val="tx1"/>
+              </a:solidFill>
+              <a:effectLst/>
+              <a:latin typeface="Arial" panose="020B0604020202020204" pitchFamily="34" charset="0"/>
+            </a:endParaRPr>
+          </a:p>
+        </p:txBody>
+      </p:sp>
+      <p:pic>
+        <p:nvPicPr>
+          <p:cNvPr id="5" name="图片 4" descr="图片包含 文字&#10;&#10;自动生成的说明">
+            <a:extLst>
+              <a:ext uri="{FF2B5EF4-FFF2-40B4-BE49-F238E27FC236}">
+                <a16:creationId xmlns:a16="http://schemas.microsoft.com/office/drawing/2014/main" id="{C2A5D55A-37AB-495D-99FF-73DF5A3CA739}"/>
+              </a:ext>
+            </a:extLst>
+          </p:cNvPr>
+          <p:cNvPicPr>
+            <a:picLocks noChangeAspect="1"/>
+          </p:cNvPicPr>
+          <p:nvPr/>
+        </p:nvPicPr>
+        <p:blipFill>
+          <a:blip r:embed="rId3">
+            <a:extLst>
+              <a:ext uri="{28A0092B-C50C-407E-A947-70E740481C1C}">
+                <a14:useLocalDpi xmlns:a14="http://schemas.microsoft.com/office/drawing/2010/main" val="0"/>
+              </a:ext>
+            </a:extLst>
+          </a:blip>
+          <a:stretch>
+            <a:fillRect/>
+          </a:stretch>
+        </p:blipFill>
+        <p:spPr>
+          <a:xfrm>
+            <a:off x="7858163" y="990600"/>
+            <a:ext cx="4159993" cy="4343400"/>
+          </a:xfrm>
+          <a:prstGeom prst="rect">
+            <a:avLst/>
+          </a:prstGeom>
+        </p:spPr>
+      </p:pic>
+    </p:spTree>
+    <p:extLst>
+      <p:ext uri="{BB962C8B-B14F-4D97-AF65-F5344CB8AC3E}">
+        <p14:creationId xmlns:p14="http://schemas.microsoft.com/office/powerpoint/2010/main" val="4198916623"/>
+      </p:ext>
+    </p:extLst>
+  </p:cSld>
+  <p:clrMapOvr>
+    <a:masterClrMapping/>
+  </p:clrMapOvr>
+</p:sld>
+</file>
+
+<file path=ppt/slides/slide5.xml><?xml version="1.0" encoding="utf-8"?>
+<p:sld xmlns:a="http://schemas.openxmlformats.org/drawingml/2006/main" xmlns:r="http://schemas.openxmlformats.org/officeDocument/2006/relationships" xmlns:p="http://schemas.openxmlformats.org/presentationml/2006/main">
+  <p:cSld>
+    <p:spTree>
+      <p:nvGrpSpPr>
+        <p:cNvPr id="1" name=""/>
+        <p:cNvGrpSpPr/>
+        <p:nvPr/>
+      </p:nvGrpSpPr>
+      <p:grpSpPr>
+        <a:xfrm>
+          <a:off x="0" y="0"/>
+          <a:ext cx="0" cy="0"/>
+          <a:chOff x="0" y="0"/>
+          <a:chExt cx="0" cy="0"/>
+        </a:xfrm>
+      </p:grpSpPr>
+      <p:sp>
+        <p:nvSpPr>
+          <p:cNvPr id="2" name="Rectangle 1">
+            <a:extLst>
+              <a:ext uri="{FF2B5EF4-FFF2-40B4-BE49-F238E27FC236}">
+                <a16:creationId xmlns:a16="http://schemas.microsoft.com/office/drawing/2014/main" id="{C072179D-FA26-4F4F-A76F-3C611F927704}"/>
+              </a:ext>
+            </a:extLst>
+          </p:cNvPr>
+          <p:cNvSpPr>
+            <a:spLocks noChangeArrowheads="1"/>
+          </p:cNvSpPr>
+          <p:nvPr/>
+        </p:nvSpPr>
+        <p:spPr bwMode="auto">
+          <a:xfrm>
+            <a:off x="536721" y="977622"/>
+            <a:ext cx="11302853" cy="4678204"/>
+          </a:xfrm>
+          <a:prstGeom prst="rect">
+            <a:avLst/>
+          </a:prstGeom>
+          <a:solidFill>
+            <a:srgbClr val="FFFFFF"/>
+          </a:solidFill>
+          <a:ln>
+            <a:noFill/>
+          </a:ln>
+          <a:effectLst/>
+          <a:extLst>
+            <a:ext uri="{91240B29-F687-4F45-9708-019B960494DF}">
+              <a14:hiddenLine xmlns:a14="http://schemas.microsoft.com/office/drawing/2010/main" w="9525">
+                <a:solidFill>
+                  <a:schemeClr val="tx1"/>
+                </a:solidFill>
+                <a:miter lim="800000"/>
+                <a:headEnd/>
+                <a:tailEnd/>
+              </a14:hiddenLine>
+            </a:ext>
+            <a:ext uri="{AF507438-7753-43E0-B8FC-AC1667EBCBE1}">
+              <a14:hiddenEffects xmlns:a14="http://schemas.microsoft.com/office/drawing/2010/main">
+                <a:effectLst>
+                  <a:outerShdw dist="35921" dir="2700000" algn="ctr" rotWithShape="0">
+                    <a:schemeClr val="bg2"/>
+                  </a:outerShdw>
+                </a:effectLst>
+              </a14:hiddenEffects>
+            </a:ext>
+          </a:extLst>
+        </p:spPr>
+        <p:txBody>
+          <a:bodyPr vert="horz" wrap="square" lIns="0" tIns="0" rIns="0" bIns="0" numCol="1" anchor="ctr" anchorCtr="0" compatLnSpc="1">
+            <a:prstTxWarp prst="textNoShape">
+              <a:avLst/>
+            </a:prstTxWarp>
+            <a:spAutoFit/>
+          </a:bodyPr>
+          <a:lstStyle>
+            <a:lvl1pPr eaLnBrk="0" fontAlgn="base" hangingPunct="0">
+              <a:spcBef>
+                <a:spcPct val="0"/>
+              </a:spcBef>
+              <a:spcAft>
+                <a:spcPct val="0"/>
+              </a:spcAft>
+              <a:defRPr>
+                <a:solidFill>
+                  <a:schemeClr val="tx1"/>
+                </a:solidFill>
+                <a:latin typeface="Arial" panose="020B0604020202020204" pitchFamily="34" charset="0"/>
+              </a:defRPr>
+            </a:lvl1pPr>
+            <a:lvl2pPr eaLnBrk="0" fontAlgn="base" hangingPunct="0">
+              <a:spcBef>
+                <a:spcPct val="0"/>
+              </a:spcBef>
+              <a:spcAft>
+                <a:spcPct val="0"/>
+              </a:spcAft>
+              <a:defRPr>
+                <a:solidFill>
+                  <a:schemeClr val="tx1"/>
+                </a:solidFill>
+                <a:latin typeface="Arial" panose="020B0604020202020204" pitchFamily="34" charset="0"/>
+              </a:defRPr>
+            </a:lvl2pPr>
+            <a:lvl3pPr eaLnBrk="0" fontAlgn="base" hangingPunct="0">
+              <a:spcBef>
+                <a:spcPct val="0"/>
+              </a:spcBef>
+              <a:spcAft>
+                <a:spcPct val="0"/>
+              </a:spcAft>
+              <a:defRPr>
+                <a:solidFill>
+                  <a:schemeClr val="tx1"/>
+                </a:solidFill>
+                <a:latin typeface="Arial" panose="020B0604020202020204" pitchFamily="34" charset="0"/>
+              </a:defRPr>
+            </a:lvl3pPr>
+            <a:lvl4pPr eaLnBrk="0" fontAlgn="base" hangingPunct="0">
+              <a:spcBef>
+                <a:spcPct val="0"/>
+              </a:spcBef>
+              <a:spcAft>
+                <a:spcPct val="0"/>
+              </a:spcAft>
+              <a:defRPr>
+                <a:solidFill>
+                  <a:schemeClr val="tx1"/>
+                </a:solidFill>
+                <a:latin typeface="Arial" panose="020B0604020202020204" pitchFamily="34" charset="0"/>
+              </a:defRPr>
+            </a:lvl4pPr>
+            <a:lvl5pPr eaLnBrk="0" fontAlgn="base" hangingPunct="0">
+              <a:spcBef>
+                <a:spcPct val="0"/>
+              </a:spcBef>
+              <a:spcAft>
+                <a:spcPct val="0"/>
+              </a:spcAft>
+              <a:defRPr>
+                <a:solidFill>
+                  <a:schemeClr val="tx1"/>
+                </a:solidFill>
+                <a:latin typeface="Arial" panose="020B0604020202020204" pitchFamily="34" charset="0"/>
+              </a:defRPr>
+            </a:lvl5pPr>
+            <a:lvl6pPr eaLnBrk="0" fontAlgn="base" hangingPunct="0">
+              <a:spcBef>
+                <a:spcPct val="0"/>
+              </a:spcBef>
+              <a:spcAft>
+                <a:spcPct val="0"/>
+              </a:spcAft>
+              <a:defRPr>
+                <a:solidFill>
+                  <a:schemeClr val="tx1"/>
+                </a:solidFill>
+                <a:latin typeface="Arial" panose="020B0604020202020204" pitchFamily="34" charset="0"/>
+              </a:defRPr>
+            </a:lvl6pPr>
+            <a:lvl7pPr eaLnBrk="0" fontAlgn="base" hangingPunct="0">
+              <a:spcBef>
+                <a:spcPct val="0"/>
+              </a:spcBef>
+              <a:spcAft>
+                <a:spcPct val="0"/>
+              </a:spcAft>
+              <a:defRPr>
+                <a:solidFill>
+                  <a:schemeClr val="tx1"/>
+                </a:solidFill>
+                <a:latin typeface="Arial" panose="020B0604020202020204" pitchFamily="34" charset="0"/>
+              </a:defRPr>
+            </a:lvl7pPr>
+            <a:lvl8pPr eaLnBrk="0" fontAlgn="base" hangingPunct="0">
+              <a:spcBef>
+                <a:spcPct val="0"/>
+              </a:spcBef>
+              <a:spcAft>
+                <a:spcPct val="0"/>
+              </a:spcAft>
+              <a:defRPr>
+                <a:solidFill>
+                  <a:schemeClr val="tx1"/>
+                </a:solidFill>
+                <a:latin typeface="Arial" panose="020B0604020202020204" pitchFamily="34" charset="0"/>
+              </a:defRPr>
+            </a:lvl8pPr>
+            <a:lvl9pPr eaLnBrk="0" fontAlgn="base" hangingPunct="0">
+              <a:spcBef>
+                <a:spcPct val="0"/>
+              </a:spcBef>
+              <a:spcAft>
+                <a:spcPct val="0"/>
+              </a:spcAft>
+              <a:defRPr>
+                <a:solidFill>
+                  <a:schemeClr val="tx1"/>
+                </a:solidFill>
+                <a:latin typeface="Arial" panose="020B0604020202020204" pitchFamily="34" charset="0"/>
+              </a:defRPr>
+            </a:lvl9pPr>
+          </a:lstStyle>
+          <a:p>
+            <a:pPr marL="0" marR="0" lvl="0" indent="0" algn="just" defTabSz="914400" rtl="0" eaLnBrk="0" fontAlgn="base" latinLnBrk="0" hangingPunct="0">
+              <a:lnSpc>
+                <a:spcPct val="100000"/>
+              </a:lnSpc>
+              <a:spcBef>
+                <a:spcPct val="0"/>
+              </a:spcBef>
+              <a:spcAft>
+                <a:spcPct val="0"/>
+              </a:spcAft>
+              <a:buClrTx/>
+              <a:buSzTx/>
+              <a:buFontTx/>
+              <a:buNone/>
+              <a:tabLst/>
+            </a:pPr>
+            <a:r>
+              <a:rPr kumimoji="0" lang="zh-CN" altLang="zh-CN" b="1" i="0" u="none" strike="noStrike" cap="none" normalizeH="0" baseline="0" dirty="0">
+                <a:ln>
+                  <a:noFill/>
+                </a:ln>
+                <a:solidFill>
+                  <a:srgbClr val="090A0B"/>
+                </a:solidFill>
+                <a:effectLst/>
+                <a:latin typeface="Arial" panose="020B0604020202020204" pitchFamily="34" charset="0"/>
+                <a:ea typeface="-apple-system"/>
+              </a:rPr>
+              <a:t>Net namespace</a:t>
+            </a:r>
+          </a:p>
+          <a:p>
+            <a:pPr marL="0" marR="0" lvl="0" indent="0" algn="just" defTabSz="914400" rtl="0" eaLnBrk="0" fontAlgn="base" latinLnBrk="0" hangingPunct="0">
+              <a:lnSpc>
+                <a:spcPct val="100000"/>
+              </a:lnSpc>
+              <a:spcBef>
+                <a:spcPct val="0"/>
+              </a:spcBef>
+              <a:spcAft>
+                <a:spcPct val="0"/>
+              </a:spcAft>
+              <a:buClrTx/>
+              <a:buSzTx/>
+              <a:buFontTx/>
+              <a:buNone/>
+              <a:tabLst/>
+            </a:pPr>
+            <a:r>
+              <a:rPr kumimoji="0" lang="zh-CN" altLang="zh-CN" b="0" i="0" u="none" strike="noStrike" cap="none" normalizeH="0" baseline="0" dirty="0">
+                <a:ln>
+                  <a:noFill/>
+                </a:ln>
+                <a:solidFill>
+                  <a:srgbClr val="3C484E"/>
+                </a:solidFill>
+                <a:effectLst/>
+                <a:latin typeface="Arial" panose="020B0604020202020204" pitchFamily="34" charset="0"/>
+                <a:ea typeface="Helvetica Neue"/>
+              </a:rPr>
+              <a:t>Net namespace 隔离的是和网络相关的资源，包括网络设备、路由表、防火墙(iptables)、socket（ss、netstat）、 </a:t>
+            </a:r>
+            <a:r>
+              <a:rPr kumimoji="0" lang="zh-CN" altLang="zh-CN" b="0" i="0" u="none" strike="noStrike" cap="none" normalizeH="0" baseline="0" dirty="0">
+                <a:ln>
+                  <a:noFill/>
+                </a:ln>
+                <a:solidFill>
+                  <a:srgbClr val="3C484E"/>
+                </a:solidFill>
+                <a:effectLst/>
+                <a:latin typeface="Courier New" panose="02070309020205020404" pitchFamily="49" charset="0"/>
+                <a:ea typeface="Helvetica Neue"/>
+                <a:cs typeface="Courier New" panose="02070309020205020404" pitchFamily="49" charset="0"/>
+              </a:rPr>
+              <a:t>/proc/net</a:t>
+            </a:r>
+            <a:r>
+              <a:rPr kumimoji="0" lang="zh-CN" altLang="zh-CN" b="0" i="0" u="none" strike="noStrike" cap="none" normalizeH="0" baseline="0" dirty="0">
+                <a:ln>
+                  <a:noFill/>
+                </a:ln>
+                <a:solidFill>
+                  <a:srgbClr val="3C484E"/>
+                </a:solidFill>
+                <a:effectLst/>
+                <a:ea typeface="Helvetica Neue"/>
+              </a:rPr>
+              <a:t> </a:t>
+            </a:r>
+            <a:r>
+              <a:rPr kumimoji="0" lang="zh-CN" altLang="zh-CN" b="0" i="0" u="none" strike="noStrike" cap="none" normalizeH="0" baseline="0" dirty="0">
+                <a:ln>
+                  <a:noFill/>
+                </a:ln>
+                <a:solidFill>
+                  <a:srgbClr val="3C484E"/>
+                </a:solidFill>
+                <a:effectLst/>
+                <a:latin typeface="Arial" panose="020B0604020202020204" pitchFamily="34" charset="0"/>
+                <a:ea typeface="Helvetica Neue"/>
+              </a:rPr>
+              <a:t>目录、</a:t>
+            </a:r>
+            <a:r>
+              <a:rPr kumimoji="0" lang="zh-CN" altLang="zh-CN" b="0" i="0" u="none" strike="noStrike" cap="none" normalizeH="0" baseline="0" dirty="0">
+                <a:ln>
+                  <a:noFill/>
+                </a:ln>
+                <a:solidFill>
+                  <a:srgbClr val="3C484E"/>
+                </a:solidFill>
+                <a:effectLst/>
+                <a:latin typeface="Courier New" panose="02070309020205020404" pitchFamily="49" charset="0"/>
+                <a:ea typeface="Helvetica Neue"/>
+                <a:cs typeface="Courier New" panose="02070309020205020404" pitchFamily="49" charset="0"/>
+              </a:rPr>
+              <a:t>/sys/class/net</a:t>
+            </a:r>
+            <a:r>
+              <a:rPr kumimoji="0" lang="zh-CN" altLang="zh-CN" b="0" i="0" u="none" strike="noStrike" cap="none" normalizeH="0" baseline="0" dirty="0">
+                <a:ln>
+                  <a:noFill/>
+                </a:ln>
+                <a:solidFill>
+                  <a:srgbClr val="3C484E"/>
+                </a:solidFill>
+                <a:effectLst/>
+                <a:ea typeface="Helvetica Neue"/>
+              </a:rPr>
+              <a:t> </a:t>
+            </a:r>
+            <a:r>
+              <a:rPr kumimoji="0" lang="zh-CN" altLang="zh-CN" b="0" i="0" u="none" strike="noStrike" cap="none" normalizeH="0" baseline="0" dirty="0">
+                <a:ln>
+                  <a:noFill/>
+                </a:ln>
+                <a:solidFill>
+                  <a:srgbClr val="3C484E"/>
+                </a:solidFill>
+                <a:effectLst/>
+                <a:latin typeface="Arial" panose="020B0604020202020204" pitchFamily="34" charset="0"/>
+                <a:ea typeface="Helvetica Neue"/>
+              </a:rPr>
+              <a:t>目录、网络端口(network interfaces)等等。</a:t>
+            </a:r>
+            <a:endParaRPr kumimoji="0" lang="zh-CN" altLang="zh-CN" b="0" i="0" u="none" strike="noStrike" cap="none" normalizeH="0" baseline="0" dirty="0">
+              <a:ln>
+                <a:noFill/>
+              </a:ln>
+              <a:solidFill>
+                <a:schemeClr val="tx1"/>
+              </a:solidFill>
+              <a:effectLst/>
+              <a:latin typeface="Arial" panose="020B0604020202020204" pitchFamily="34" charset="0"/>
+            </a:endParaRPr>
+          </a:p>
+          <a:p>
+            <a:pPr marL="0" marR="0" lvl="0" indent="0" algn="just" defTabSz="914400" rtl="0" eaLnBrk="0" fontAlgn="base" latinLnBrk="0" hangingPunct="0">
+              <a:lnSpc>
+                <a:spcPct val="100000"/>
+              </a:lnSpc>
+              <a:spcBef>
+                <a:spcPct val="0"/>
+              </a:spcBef>
+              <a:spcAft>
+                <a:spcPct val="0"/>
+              </a:spcAft>
+              <a:buClrTx/>
+              <a:buSzTx/>
+              <a:buFontTx/>
+              <a:buNone/>
+              <a:tabLst/>
+            </a:pPr>
+            <a:r>
+              <a:rPr kumimoji="0" lang="zh-CN" altLang="zh-CN" b="0" i="0" u="none" strike="noStrike" cap="none" normalizeH="0" baseline="0" dirty="0">
+                <a:ln>
+                  <a:noFill/>
+                </a:ln>
+                <a:solidFill>
+                  <a:srgbClr val="3C484E"/>
+                </a:solidFill>
+                <a:effectLst/>
+                <a:latin typeface="Arial" panose="020B0604020202020204" pitchFamily="34" charset="0"/>
+                <a:ea typeface="Helvetica Neue"/>
+              </a:rPr>
+              <a:t>一个物理网络设备只能出现在最多一个网络 namespace 中，不同网络 namespace 之间可以通过创建 veth pair 提供类似管道的通信。</a:t>
+            </a:r>
+            <a:endParaRPr kumimoji="0" lang="en-US" altLang="zh-CN" b="0" i="0" u="none" strike="noStrike" cap="none" normalizeH="0" baseline="0" dirty="0">
+              <a:ln>
+                <a:noFill/>
+              </a:ln>
+              <a:solidFill>
+                <a:srgbClr val="3C484E"/>
+              </a:solidFill>
+              <a:effectLst/>
+              <a:latin typeface="Arial" panose="020B0604020202020204" pitchFamily="34" charset="0"/>
+              <a:ea typeface="Helvetica Neue"/>
+            </a:endParaRPr>
+          </a:p>
+          <a:p>
+            <a:pPr marL="0" marR="0" lvl="0" indent="0" algn="just" defTabSz="914400" rtl="0" eaLnBrk="0" fontAlgn="base" latinLnBrk="0" hangingPunct="0">
+              <a:lnSpc>
+                <a:spcPct val="100000"/>
+              </a:lnSpc>
+              <a:spcBef>
+                <a:spcPct val="0"/>
+              </a:spcBef>
+              <a:spcAft>
+                <a:spcPct val="0"/>
+              </a:spcAft>
+              <a:buClrTx/>
+              <a:buSzTx/>
+              <a:buFontTx/>
+              <a:buNone/>
+              <a:tabLst/>
+            </a:pPr>
+            <a:endParaRPr lang="en-US" altLang="zh-CN" dirty="0">
+              <a:solidFill>
+                <a:srgbClr val="3C484E"/>
+              </a:solidFill>
+            </a:endParaRPr>
+          </a:p>
+          <a:p>
+            <a:pPr algn="just"/>
+            <a:r>
+              <a:rPr lang="zh-CN" altLang="en-US" dirty="0"/>
+              <a:t>有了不同 </a:t>
+            </a:r>
+            <a:r>
+              <a:rPr lang="en-US" altLang="zh-CN" dirty="0"/>
+              <a:t>network namespace </a:t>
+            </a:r>
+            <a:r>
+              <a:rPr lang="zh-CN" altLang="en-US" dirty="0"/>
+              <a:t>之后，也就有了网络的隔离，但是如果它们之间没有办法通信，</a:t>
+            </a:r>
+            <a:r>
+              <a:rPr lang="zh-CN" altLang="zh-CN" dirty="0">
+                <a:solidFill>
+                  <a:srgbClr val="3C484E"/>
+                </a:solidFill>
+                <a:ea typeface="Helvetica Neue"/>
+              </a:rPr>
+              <a:t>也没有实际用处。要把两个网络连接起来，linux 提供了 </a:t>
+            </a:r>
+            <a:r>
+              <a:rPr lang="zh-CN" altLang="zh-CN" sz="1600" dirty="0">
+                <a:solidFill>
+                  <a:srgbClr val="3C484E"/>
+                </a:solidFill>
+                <a:latin typeface="Courier New" panose="02070309020205020404" pitchFamily="49" charset="0"/>
+                <a:cs typeface="Courier New" panose="02070309020205020404" pitchFamily="49" charset="0"/>
+              </a:rPr>
+              <a:t>veth pair</a:t>
+            </a:r>
+            <a:r>
+              <a:rPr lang="zh-CN" altLang="zh-CN" dirty="0">
+                <a:solidFill>
+                  <a:srgbClr val="3C484E"/>
+                </a:solidFill>
+                <a:ea typeface="Helvetica Neue"/>
+              </a:rPr>
+              <a:t> 。可以把 </a:t>
+            </a:r>
+            <a:r>
+              <a:rPr lang="zh-CN" altLang="zh-CN" sz="1600" dirty="0">
+                <a:solidFill>
+                  <a:srgbClr val="3C484E"/>
+                </a:solidFill>
+                <a:latin typeface="Courier New" panose="02070309020205020404" pitchFamily="49" charset="0"/>
+                <a:cs typeface="Courier New" panose="02070309020205020404" pitchFamily="49" charset="0"/>
+              </a:rPr>
+              <a:t>veth pair</a:t>
+            </a:r>
+            <a:r>
+              <a:rPr lang="zh-CN" altLang="zh-CN" dirty="0">
+                <a:solidFill>
+                  <a:srgbClr val="3C484E"/>
+                </a:solidFill>
+                <a:ea typeface="Helvetica Neue"/>
+              </a:rPr>
+              <a:t> 当做是双向的 pipe（管道），从一个方向发送的网络数据，可以直接被另外一端接收到；或者也可以想象成两个 namespace 直接通过一个特殊的虚拟网卡连接起来，可以直接通信。</a:t>
+            </a:r>
+            <a:r>
+              <a:rPr lang="zh-CN" altLang="zh-CN" sz="1000" dirty="0"/>
+              <a:t> </a:t>
+            </a:r>
+            <a:endParaRPr lang="en-US" altLang="zh-CN" sz="1000" dirty="0"/>
+          </a:p>
+          <a:p>
+            <a:pPr algn="just"/>
+            <a:endParaRPr lang="en-US" altLang="zh-CN" sz="1000" dirty="0"/>
+          </a:p>
+          <a:p>
+            <a:pPr algn="just"/>
+            <a:endParaRPr lang="zh-CN" altLang="zh-CN" sz="2400" dirty="0"/>
+          </a:p>
+          <a:p>
+            <a:pPr algn="just"/>
+            <a:r>
+              <a:rPr lang="zh-CN" altLang="zh-CN" dirty="0">
+                <a:solidFill>
+                  <a:srgbClr val="3C484E"/>
+                </a:solidFill>
+                <a:ea typeface="Helvetica Neue"/>
+              </a:rPr>
+              <a:t>虽然 veth pair 可以实现两个 network namespace 之间的通信，但是当多个 namespace 需要通信的时候，就无能为力了。</a:t>
+            </a:r>
+            <a:br>
+              <a:rPr lang="zh-CN" altLang="zh-CN" sz="1000" dirty="0"/>
+            </a:br>
+            <a:r>
+              <a:rPr lang="zh-CN" altLang="zh-CN" dirty="0">
+                <a:solidFill>
+                  <a:srgbClr val="3C484E"/>
+                </a:solidFill>
+                <a:ea typeface="Helvetica Neue"/>
+              </a:rPr>
+              <a:t>讲到多个网络设备通信，我们首先想到的交换机和路由器。因为这里要考虑的只是同个网络，所以只用到交换机的功能。linux 当然也提供了虚拟交换机的功能，我们还是用 </a:t>
+            </a:r>
+            <a:r>
+              <a:rPr lang="zh-CN" altLang="zh-CN" sz="1600" dirty="0">
+                <a:solidFill>
+                  <a:srgbClr val="3C484E"/>
+                </a:solidFill>
+                <a:latin typeface="Courier New" panose="02070309020205020404" pitchFamily="49" charset="0"/>
+                <a:cs typeface="Courier New" panose="02070309020205020404" pitchFamily="49" charset="0"/>
+              </a:rPr>
+              <a:t>ip</a:t>
+            </a:r>
+            <a:r>
+              <a:rPr lang="zh-CN" altLang="zh-CN" dirty="0">
+                <a:solidFill>
+                  <a:srgbClr val="3C484E"/>
+                </a:solidFill>
+                <a:ea typeface="Helvetica Neue"/>
+              </a:rPr>
+              <a:t> 命令来完成所有的操作。</a:t>
+            </a:r>
+            <a:r>
+              <a:rPr lang="zh-CN" altLang="zh-CN" sz="1000" dirty="0"/>
+              <a:t> </a:t>
+            </a:r>
+            <a:endParaRPr lang="zh-CN" altLang="zh-CN" sz="2400" dirty="0"/>
+          </a:p>
+          <a:p>
+            <a:pPr marL="0" marR="0" lvl="0" indent="0" algn="just" defTabSz="914400" rtl="0" eaLnBrk="0" fontAlgn="base" latinLnBrk="0" hangingPunct="0">
+              <a:lnSpc>
+                <a:spcPct val="100000"/>
+              </a:lnSpc>
+              <a:spcBef>
+                <a:spcPct val="0"/>
+              </a:spcBef>
+              <a:spcAft>
+                <a:spcPct val="0"/>
+              </a:spcAft>
+              <a:buClrTx/>
+              <a:buSzTx/>
+              <a:buFontTx/>
+              <a:buNone/>
+              <a:tabLst/>
+            </a:pPr>
+            <a:endParaRPr kumimoji="0" lang="zh-CN" altLang="zh-CN" b="0" i="0" u="none" strike="noStrike" cap="none" normalizeH="0" baseline="0" dirty="0">
+              <a:ln>
+                <a:noFill/>
+              </a:ln>
+              <a:solidFill>
+                <a:schemeClr val="tx1"/>
+              </a:solidFill>
+              <a:effectLst/>
+              <a:latin typeface="Arial" panose="020B0604020202020204" pitchFamily="34" charset="0"/>
+            </a:endParaRPr>
+          </a:p>
+        </p:txBody>
+      </p:sp>
+    </p:spTree>
+    <p:extLst>
+      <p:ext uri="{BB962C8B-B14F-4D97-AF65-F5344CB8AC3E}">
+        <p14:creationId xmlns:p14="http://schemas.microsoft.com/office/powerpoint/2010/main" val="1146921078"/>
+      </p:ext>
+    </p:extLst>
+  </p:cSld>
+  <p:clrMapOvr>
+    <a:masterClrMapping/>
+  </p:clrMapOvr>
+</p:sld>
+</file>
+
+<file path=ppt/slides/slide6.xml><?xml version="1.0" encoding="utf-8"?>
+<p:sld xmlns:a="http://schemas.openxmlformats.org/drawingml/2006/main" xmlns:r="http://schemas.openxmlformats.org/officeDocument/2006/relationships" xmlns:p="http://schemas.openxmlformats.org/presentationml/2006/main">
+  <p:cSld>
+    <p:spTree>
+      <p:nvGrpSpPr>
+        <p:cNvPr id="1" name=""/>
+        <p:cNvGrpSpPr/>
+        <p:nvPr/>
+      </p:nvGrpSpPr>
+      <p:grpSpPr>
+        <a:xfrm>
+          <a:off x="0" y="0"/>
+          <a:ext cx="0" cy="0"/>
+          <a:chOff x="0" y="0"/>
+          <a:chExt cx="0" cy="0"/>
+        </a:xfrm>
+      </p:grpSpPr>
+      <p:sp>
+        <p:nvSpPr>
+          <p:cNvPr id="2" name="矩形 1">
+            <a:extLst>
+              <a:ext uri="{FF2B5EF4-FFF2-40B4-BE49-F238E27FC236}">
+                <a16:creationId xmlns:a16="http://schemas.microsoft.com/office/drawing/2014/main" id="{B64B0D7A-122E-44C6-B18D-29FB26EC816E}"/>
+              </a:ext>
+            </a:extLst>
+          </p:cNvPr>
+          <p:cNvSpPr/>
+          <p:nvPr/>
+        </p:nvSpPr>
+        <p:spPr>
+          <a:xfrm>
+            <a:off x="304800" y="465088"/>
+            <a:ext cx="10972800" cy="1477328"/>
+          </a:xfrm>
+          <a:prstGeom prst="rect">
+            <a:avLst/>
+          </a:prstGeom>
+        </p:spPr>
+        <p:txBody>
+          <a:bodyPr wrap="square">
+            <a:spAutoFit/>
+          </a:bodyPr>
+          <a:lstStyle/>
+          <a:p>
+            <a:pPr algn="just" fontAlgn="base"/>
+            <a:r>
+              <a:rPr lang="en-US" altLang="zh-CN" b="1" dirty="0">
+                <a:solidFill>
+                  <a:srgbClr val="090A0B"/>
+                </a:solidFill>
+                <a:latin typeface="-apple-system"/>
+              </a:rPr>
+              <a:t>User namespace</a:t>
+            </a:r>
+          </a:p>
+          <a:p>
+            <a:pPr algn="just" fontAlgn="base"/>
+            <a:r>
+              <a:rPr lang="en-US" altLang="zh-CN" dirty="0">
+                <a:solidFill>
+                  <a:srgbClr val="3C484E"/>
+                </a:solidFill>
+                <a:latin typeface="Helvetica Neue"/>
+              </a:rPr>
+              <a:t>User namespace </a:t>
+            </a:r>
+            <a:r>
+              <a:rPr lang="zh-CN" altLang="en-US" dirty="0">
+                <a:solidFill>
+                  <a:srgbClr val="3C484E"/>
+                </a:solidFill>
+                <a:latin typeface="Helvetica Neue"/>
+              </a:rPr>
+              <a:t>隔离的是用户和组信息，在不同的 </a:t>
+            </a:r>
+            <a:r>
+              <a:rPr lang="en-US" altLang="zh-CN" dirty="0">
+                <a:solidFill>
+                  <a:srgbClr val="3C484E"/>
+                </a:solidFill>
+                <a:latin typeface="Helvetica Neue"/>
+              </a:rPr>
+              <a:t>namespace </a:t>
+            </a:r>
+            <a:r>
+              <a:rPr lang="zh-CN" altLang="en-US" dirty="0">
+                <a:solidFill>
+                  <a:srgbClr val="3C484E"/>
+                </a:solidFill>
+                <a:latin typeface="Helvetica Neue"/>
+              </a:rPr>
+              <a:t>中用户可以有相同的 </a:t>
+            </a:r>
+            <a:r>
+              <a:rPr lang="en-US" altLang="zh-CN" dirty="0" err="1">
+                <a:solidFill>
+                  <a:srgbClr val="3C484E"/>
+                </a:solidFill>
+                <a:latin typeface="Helvetica Neue"/>
+              </a:rPr>
+              <a:t>UID</a:t>
+            </a:r>
+            <a:r>
+              <a:rPr lang="en-US" altLang="zh-CN" dirty="0">
+                <a:solidFill>
+                  <a:srgbClr val="3C484E"/>
+                </a:solidFill>
+                <a:latin typeface="Helvetica Neue"/>
+              </a:rPr>
+              <a:t> </a:t>
+            </a:r>
+            <a:r>
+              <a:rPr lang="zh-CN" altLang="en-US" dirty="0">
+                <a:solidFill>
+                  <a:srgbClr val="3C484E"/>
+                </a:solidFill>
+                <a:latin typeface="Helvetica Neue"/>
+              </a:rPr>
+              <a:t>和 </a:t>
+            </a:r>
+            <a:r>
+              <a:rPr lang="en-US" altLang="zh-CN" dirty="0" err="1">
+                <a:solidFill>
+                  <a:srgbClr val="3C484E"/>
+                </a:solidFill>
+                <a:latin typeface="Helvetica Neue"/>
+              </a:rPr>
+              <a:t>GID</a:t>
+            </a:r>
+            <a:r>
+              <a:rPr lang="zh-CN" altLang="en-US" dirty="0">
+                <a:solidFill>
+                  <a:srgbClr val="3C484E"/>
+                </a:solidFill>
+                <a:latin typeface="Helvetica Neue"/>
+              </a:rPr>
+              <a:t>，它们之间互相不影响。另外，还有父子 </a:t>
+            </a:r>
+            <a:r>
+              <a:rPr lang="en-US" altLang="zh-CN" dirty="0">
+                <a:solidFill>
+                  <a:srgbClr val="3C484E"/>
+                </a:solidFill>
+                <a:latin typeface="Helvetica Neue"/>
+              </a:rPr>
+              <a:t>namespace </a:t>
+            </a:r>
+            <a:r>
+              <a:rPr lang="zh-CN" altLang="en-US" dirty="0">
+                <a:solidFill>
+                  <a:srgbClr val="3C484E"/>
+                </a:solidFill>
+                <a:latin typeface="Helvetica Neue"/>
+              </a:rPr>
+              <a:t>之间用户和组映射的功能。父 </a:t>
+            </a:r>
+            <a:r>
+              <a:rPr lang="en-US" altLang="zh-CN" dirty="0">
+                <a:solidFill>
+                  <a:srgbClr val="3C484E"/>
+                </a:solidFill>
+                <a:latin typeface="Helvetica Neue"/>
+              </a:rPr>
+              <a:t>namespace </a:t>
+            </a:r>
+            <a:r>
+              <a:rPr lang="zh-CN" altLang="en-US" dirty="0">
+                <a:solidFill>
+                  <a:srgbClr val="3C484E"/>
+                </a:solidFill>
+                <a:latin typeface="Helvetica Neue"/>
+              </a:rPr>
+              <a:t>中非 </a:t>
+            </a:r>
+            <a:r>
+              <a:rPr lang="en-US" altLang="zh-CN" dirty="0">
+                <a:solidFill>
+                  <a:srgbClr val="3C484E"/>
+                </a:solidFill>
+                <a:latin typeface="Helvetica Neue"/>
+              </a:rPr>
+              <a:t>root </a:t>
+            </a:r>
+            <a:r>
+              <a:rPr lang="zh-CN" altLang="en-US" dirty="0">
+                <a:solidFill>
+                  <a:srgbClr val="3C484E"/>
+                </a:solidFill>
+                <a:latin typeface="Helvetica Neue"/>
+              </a:rPr>
+              <a:t>用户也能成为子 </a:t>
+            </a:r>
+            <a:r>
+              <a:rPr lang="en-US" altLang="zh-CN" dirty="0">
+                <a:solidFill>
+                  <a:srgbClr val="3C484E"/>
+                </a:solidFill>
+                <a:latin typeface="Helvetica Neue"/>
+              </a:rPr>
+              <a:t>namespace </a:t>
+            </a:r>
+            <a:r>
+              <a:rPr lang="zh-CN" altLang="en-US" dirty="0">
+                <a:solidFill>
+                  <a:srgbClr val="3C484E"/>
+                </a:solidFill>
+                <a:latin typeface="Helvetica Neue"/>
+              </a:rPr>
+              <a:t>中的 </a:t>
+            </a:r>
+            <a:r>
+              <a:rPr lang="en-US" altLang="zh-CN" dirty="0">
+                <a:solidFill>
+                  <a:srgbClr val="3C484E"/>
+                </a:solidFill>
+                <a:latin typeface="Helvetica Neue"/>
+              </a:rPr>
+              <a:t>root</a:t>
+            </a:r>
+            <a:r>
+              <a:rPr lang="zh-CN" altLang="en-US" dirty="0">
+                <a:solidFill>
+                  <a:srgbClr val="3C484E"/>
+                </a:solidFill>
+                <a:latin typeface="Helvetica Neue"/>
+              </a:rPr>
+              <a:t>，这样就能增加安全性（如果所有 </a:t>
+            </a:r>
+            <a:r>
+              <a:rPr lang="en-US" altLang="zh-CN" dirty="0">
+                <a:solidFill>
+                  <a:srgbClr val="3C484E"/>
+                </a:solidFill>
+                <a:latin typeface="Helvetica Neue"/>
+              </a:rPr>
+              <a:t>namespace </a:t>
+            </a:r>
+            <a:r>
+              <a:rPr lang="zh-CN" altLang="en-US" dirty="0">
+                <a:solidFill>
+                  <a:srgbClr val="3C484E"/>
+                </a:solidFill>
+                <a:latin typeface="Helvetica Neue"/>
+              </a:rPr>
+              <a:t>的 </a:t>
+            </a:r>
+            <a:r>
+              <a:rPr lang="en-US" altLang="zh-CN" dirty="0">
+                <a:solidFill>
+                  <a:srgbClr val="3C484E"/>
+                </a:solidFill>
+                <a:latin typeface="Helvetica Neue"/>
+              </a:rPr>
+              <a:t>root </a:t>
+            </a:r>
+            <a:r>
+              <a:rPr lang="zh-CN" altLang="en-US" dirty="0">
+                <a:solidFill>
+                  <a:srgbClr val="3C484E"/>
+                </a:solidFill>
+                <a:latin typeface="Helvetica Neue"/>
+              </a:rPr>
+              <a:t>用户都是一样的，会带来子 </a:t>
+            </a:r>
+            <a:r>
+              <a:rPr lang="en-US" altLang="zh-CN" dirty="0">
+                <a:solidFill>
+                  <a:srgbClr val="3C484E"/>
+                </a:solidFill>
+                <a:latin typeface="Helvetica Neue"/>
+              </a:rPr>
+              <a:t>namespace </a:t>
+            </a:r>
+            <a:r>
+              <a:rPr lang="zh-CN" altLang="en-US" dirty="0">
+                <a:solidFill>
+                  <a:srgbClr val="3C484E"/>
+                </a:solidFill>
+                <a:latin typeface="Helvetica Neue"/>
+              </a:rPr>
+              <a:t>操作父 </a:t>
+            </a:r>
+            <a:r>
+              <a:rPr lang="en-US" altLang="zh-CN" dirty="0">
+                <a:solidFill>
+                  <a:srgbClr val="3C484E"/>
+                </a:solidFill>
+                <a:latin typeface="Helvetica Neue"/>
+              </a:rPr>
+              <a:t>namespace </a:t>
+            </a:r>
+            <a:r>
+              <a:rPr lang="zh-CN" altLang="en-US" dirty="0">
+                <a:solidFill>
+                  <a:srgbClr val="3C484E"/>
+                </a:solidFill>
+                <a:latin typeface="Helvetica Neue"/>
+              </a:rPr>
+              <a:t>内容的危险）。</a:t>
+            </a:r>
+            <a:endParaRPr lang="zh-CN" altLang="en-US" b="0" i="0" dirty="0">
+              <a:solidFill>
+                <a:srgbClr val="3C484E"/>
+              </a:solidFill>
+              <a:effectLst/>
+              <a:latin typeface="Helvetica Neue"/>
+            </a:endParaRPr>
+          </a:p>
+        </p:txBody>
+      </p:sp>
+      <p:sp>
+        <p:nvSpPr>
+          <p:cNvPr id="3" name="矩形 2">
+            <a:extLst>
+              <a:ext uri="{FF2B5EF4-FFF2-40B4-BE49-F238E27FC236}">
+                <a16:creationId xmlns:a16="http://schemas.microsoft.com/office/drawing/2014/main" id="{5D338F48-A629-4711-90C9-627965E92EEA}"/>
+              </a:ext>
+            </a:extLst>
+          </p:cNvPr>
+          <p:cNvSpPr/>
+          <p:nvPr/>
+        </p:nvSpPr>
+        <p:spPr>
+          <a:xfrm>
+            <a:off x="390524" y="2430840"/>
+            <a:ext cx="11229975" cy="2031325"/>
+          </a:xfrm>
+          <a:prstGeom prst="rect">
+            <a:avLst/>
+          </a:prstGeom>
+        </p:spPr>
+        <p:txBody>
+          <a:bodyPr wrap="square">
+            <a:spAutoFit/>
+          </a:bodyPr>
+          <a:lstStyle/>
+          <a:p>
+            <a:pPr algn="just" fontAlgn="base"/>
+            <a:r>
+              <a:rPr lang="en-US" altLang="zh-CN" b="1" dirty="0">
+                <a:solidFill>
+                  <a:srgbClr val="090A0B"/>
+                </a:solidFill>
+                <a:latin typeface="-apple-system"/>
+              </a:rPr>
+              <a:t>IPC namespace</a:t>
+            </a:r>
+          </a:p>
+          <a:p>
+            <a:pPr algn="just" fontAlgn="base"/>
+            <a:r>
+              <a:rPr lang="en-US" altLang="zh-CN" dirty="0">
+                <a:solidFill>
+                  <a:srgbClr val="3C484E"/>
+                </a:solidFill>
+                <a:latin typeface="Helvetica Neue"/>
+              </a:rPr>
+              <a:t>IPC </a:t>
+            </a:r>
+            <a:r>
+              <a:rPr lang="zh-CN" altLang="en-US" dirty="0">
+                <a:solidFill>
+                  <a:srgbClr val="3C484E"/>
+                </a:solidFill>
+                <a:latin typeface="Helvetica Neue"/>
+              </a:rPr>
+              <a:t>可能是大家都比较少关系的一块内容，也是了解最少的只是。</a:t>
+            </a:r>
+            <a:r>
+              <a:rPr lang="en-US" altLang="zh-CN" dirty="0">
+                <a:solidFill>
+                  <a:srgbClr val="3C484E"/>
+                </a:solidFill>
+                <a:latin typeface="Helvetica Neue"/>
+              </a:rPr>
+              <a:t>IPC </a:t>
+            </a:r>
+            <a:r>
+              <a:rPr lang="zh-CN" altLang="en-US" dirty="0">
+                <a:solidFill>
+                  <a:srgbClr val="3C484E"/>
+                </a:solidFill>
+                <a:latin typeface="Helvetica Neue"/>
+              </a:rPr>
+              <a:t>是进程间通信的意思，作用是每个 </a:t>
+            </a:r>
+            <a:r>
+              <a:rPr lang="en-US" altLang="zh-CN" dirty="0">
+                <a:solidFill>
+                  <a:srgbClr val="3C484E"/>
+                </a:solidFill>
+                <a:latin typeface="Helvetica Neue"/>
+              </a:rPr>
+              <a:t>namespace </a:t>
+            </a:r>
+            <a:r>
+              <a:rPr lang="zh-CN" altLang="en-US" dirty="0">
+                <a:solidFill>
+                  <a:srgbClr val="3C484E"/>
+                </a:solidFill>
+                <a:latin typeface="Helvetica Neue"/>
+              </a:rPr>
+              <a:t>都有自己的 </a:t>
+            </a:r>
+            <a:r>
+              <a:rPr lang="en-US" altLang="zh-CN" dirty="0">
+                <a:solidFill>
+                  <a:srgbClr val="3C484E"/>
+                </a:solidFill>
+                <a:latin typeface="Helvetica Neue"/>
+              </a:rPr>
+              <a:t>IPC</a:t>
+            </a:r>
+            <a:r>
+              <a:rPr lang="zh-CN" altLang="en-US" dirty="0">
+                <a:solidFill>
+                  <a:srgbClr val="3C484E"/>
+                </a:solidFill>
+                <a:latin typeface="Helvetica Neue"/>
+              </a:rPr>
+              <a:t>，防止不同 </a:t>
+            </a:r>
+            <a:r>
+              <a:rPr lang="en-US" altLang="zh-CN" dirty="0">
+                <a:solidFill>
+                  <a:srgbClr val="3C484E"/>
+                </a:solidFill>
+                <a:latin typeface="Helvetica Neue"/>
+              </a:rPr>
+              <a:t>namespace </a:t>
+            </a:r>
+            <a:r>
+              <a:rPr lang="zh-CN" altLang="en-US" dirty="0">
+                <a:solidFill>
+                  <a:srgbClr val="3C484E"/>
+                </a:solidFill>
+                <a:latin typeface="Helvetica Neue"/>
+              </a:rPr>
+              <a:t>进程能互相通信（这样存在安全隐患）。</a:t>
+            </a:r>
+          </a:p>
+          <a:p>
+            <a:pPr algn="just" fontAlgn="base"/>
+            <a:r>
+              <a:rPr lang="en-US" altLang="zh-CN" dirty="0">
+                <a:solidFill>
+                  <a:srgbClr val="3C484E"/>
+                </a:solidFill>
+                <a:latin typeface="Helvetica Neue"/>
+              </a:rPr>
+              <a:t>IPC namespace </a:t>
+            </a:r>
+            <a:r>
+              <a:rPr lang="zh-CN" altLang="en-US" dirty="0">
+                <a:solidFill>
+                  <a:srgbClr val="3C484E"/>
+                </a:solidFill>
+                <a:latin typeface="Helvetica Neue"/>
+              </a:rPr>
+              <a:t>隔离的是 </a:t>
+            </a:r>
+            <a:r>
+              <a:rPr lang="en-US" altLang="zh-CN" dirty="0">
+                <a:solidFill>
+                  <a:srgbClr val="3C484E"/>
+                </a:solidFill>
+                <a:latin typeface="Helvetica Neue"/>
+              </a:rPr>
+              <a:t>IPC</a:t>
+            </a:r>
+            <a:r>
+              <a:rPr lang="zh-CN" altLang="en-US" dirty="0">
+                <a:solidFill>
+                  <a:srgbClr val="3C484E"/>
+                </a:solidFill>
+                <a:latin typeface="Helvetica Neue"/>
+              </a:rPr>
+              <a:t>（</a:t>
+            </a:r>
+            <a:r>
+              <a:rPr lang="en-US" altLang="zh-CN" dirty="0">
+                <a:solidFill>
+                  <a:srgbClr val="3C484E"/>
+                </a:solidFill>
+                <a:latin typeface="Helvetica Neue"/>
+              </a:rPr>
+              <a:t>Inter-Process Communication</a:t>
+            </a:r>
+            <a:r>
+              <a:rPr lang="zh-CN" altLang="en-US" dirty="0">
+                <a:solidFill>
+                  <a:srgbClr val="3C484E"/>
+                </a:solidFill>
+                <a:latin typeface="Helvetica Neue"/>
+              </a:rPr>
+              <a:t>） 资源，也就是进程间通信的方式，包括 </a:t>
+            </a:r>
+            <a:r>
+              <a:rPr lang="en-US" altLang="zh-CN" dirty="0">
+                <a:solidFill>
+                  <a:srgbClr val="3C484E"/>
+                </a:solidFill>
+                <a:latin typeface="Helvetica Neue"/>
+              </a:rPr>
+              <a:t>System V IPC </a:t>
+            </a:r>
+            <a:r>
+              <a:rPr lang="zh-CN" altLang="en-US" dirty="0">
+                <a:solidFill>
+                  <a:srgbClr val="3C484E"/>
+                </a:solidFill>
+                <a:latin typeface="Helvetica Neue"/>
+              </a:rPr>
+              <a:t>和 </a:t>
+            </a:r>
+            <a:r>
+              <a:rPr lang="en-US" altLang="zh-CN" dirty="0">
+                <a:solidFill>
+                  <a:srgbClr val="3C484E"/>
+                </a:solidFill>
+                <a:latin typeface="Helvetica Neue"/>
+              </a:rPr>
+              <a:t>POSIX message queues</a:t>
+            </a:r>
+            <a:r>
+              <a:rPr lang="zh-CN" altLang="en-US" dirty="0">
+                <a:solidFill>
+                  <a:srgbClr val="3C484E"/>
+                </a:solidFill>
+                <a:latin typeface="Helvetica Neue"/>
+              </a:rPr>
+              <a:t>。每个 </a:t>
+            </a:r>
+            <a:r>
+              <a:rPr lang="en-US" altLang="zh-CN" dirty="0">
+                <a:solidFill>
+                  <a:srgbClr val="3C484E"/>
+                </a:solidFill>
+                <a:latin typeface="Helvetica Neue"/>
+              </a:rPr>
+              <a:t>IPC namespace </a:t>
+            </a:r>
+            <a:r>
+              <a:rPr lang="zh-CN" altLang="en-US" dirty="0">
+                <a:solidFill>
+                  <a:srgbClr val="3C484E"/>
+                </a:solidFill>
+                <a:latin typeface="Helvetica Neue"/>
+              </a:rPr>
+              <a:t>都有自己的 </a:t>
+            </a:r>
+            <a:r>
+              <a:rPr lang="en-US" altLang="zh-CN" dirty="0">
+                <a:solidFill>
+                  <a:srgbClr val="3C484E"/>
+                </a:solidFill>
+                <a:latin typeface="Helvetica Neue"/>
+              </a:rPr>
+              <a:t>System V IPC </a:t>
+            </a:r>
+            <a:r>
+              <a:rPr lang="zh-CN" altLang="en-US" dirty="0">
+                <a:solidFill>
+                  <a:srgbClr val="3C484E"/>
+                </a:solidFill>
+                <a:latin typeface="Helvetica Neue"/>
+              </a:rPr>
+              <a:t>和 </a:t>
+            </a:r>
+            <a:r>
+              <a:rPr lang="en-US" altLang="zh-CN" dirty="0">
+                <a:solidFill>
+                  <a:srgbClr val="3C484E"/>
+                </a:solidFill>
+                <a:latin typeface="Helvetica Neue"/>
+              </a:rPr>
+              <a:t>POSIX message queues</a:t>
+            </a:r>
+            <a:r>
+              <a:rPr lang="zh-CN" altLang="en-US" dirty="0">
+                <a:solidFill>
+                  <a:srgbClr val="3C484E"/>
+                </a:solidFill>
+                <a:latin typeface="Helvetica Neue"/>
+              </a:rPr>
+              <a:t>，并且对其他 </a:t>
+            </a:r>
+            <a:r>
+              <a:rPr lang="en-US" altLang="zh-CN" dirty="0">
+                <a:solidFill>
+                  <a:srgbClr val="3C484E"/>
+                </a:solidFill>
+                <a:latin typeface="Helvetica Neue"/>
+              </a:rPr>
+              <a:t>namespace </a:t>
+            </a:r>
+            <a:r>
+              <a:rPr lang="zh-CN" altLang="en-US" dirty="0">
+                <a:solidFill>
+                  <a:srgbClr val="3C484E"/>
+                </a:solidFill>
+                <a:latin typeface="Helvetica Neue"/>
+              </a:rPr>
+              <a:t>不可见，这样的话，只有同一个 </a:t>
+            </a:r>
+            <a:r>
+              <a:rPr lang="en-US" altLang="zh-CN" dirty="0">
+                <a:solidFill>
+                  <a:srgbClr val="3C484E"/>
+                </a:solidFill>
+                <a:latin typeface="Helvetica Neue"/>
+              </a:rPr>
+              <a:t>namespace </a:t>
+            </a:r>
+            <a:r>
+              <a:rPr lang="zh-CN" altLang="en-US" dirty="0">
+                <a:solidFill>
+                  <a:srgbClr val="3C484E"/>
+                </a:solidFill>
+                <a:latin typeface="Helvetica Neue"/>
+              </a:rPr>
+              <a:t>下的进程之间才能够通信。</a:t>
+            </a:r>
+            <a:endParaRPr lang="zh-CN" altLang="en-US" b="0" i="0" dirty="0">
+              <a:solidFill>
+                <a:srgbClr val="3C484E"/>
+              </a:solidFill>
+              <a:effectLst/>
+              <a:latin typeface="Helvetica Neue"/>
+            </a:endParaRPr>
+          </a:p>
+        </p:txBody>
+      </p:sp>
+    </p:spTree>
+    <p:extLst>
+      <p:ext uri="{BB962C8B-B14F-4D97-AF65-F5344CB8AC3E}">
+        <p14:creationId xmlns:p14="http://schemas.microsoft.com/office/powerpoint/2010/main" val="836693490"/>
+      </p:ext>
+    </p:extLst>
+  </p:cSld>
+  <p:clrMapOvr>
+    <a:masterClrMapping/>
+  </p:clrMapOvr>
+</p:sld>
+</file>
+
+<file path=ppt/slides/slide7.xml><?xml version="1.0" encoding="utf-8"?>
+<p:sld xmlns:a="http://schemas.openxmlformats.org/drawingml/2006/main" xmlns:r="http://schemas.openxmlformats.org/officeDocument/2006/relationships" xmlns:p="http://schemas.openxmlformats.org/presentationml/2006/main">
+  <p:cSld>
+    <p:spTree>
+      <p:nvGrpSpPr>
+        <p:cNvPr id="1" name=""/>
+        <p:cNvGrpSpPr/>
+        <p:nvPr/>
+      </p:nvGrpSpPr>
+      <p:grpSpPr>
+        <a:xfrm>
+          <a:off x="0" y="0"/>
+          <a:ext cx="0" cy="0"/>
+          <a:chOff x="0" y="0"/>
+          <a:chExt cx="0" cy="0"/>
+        </a:xfrm>
+      </p:grpSpPr>
+      <p:sp>
+        <p:nvSpPr>
+          <p:cNvPr id="2" name="矩形 1">
+            <a:extLst>
+              <a:ext uri="{FF2B5EF4-FFF2-40B4-BE49-F238E27FC236}">
+                <a16:creationId xmlns:a16="http://schemas.microsoft.com/office/drawing/2014/main" id="{A12B30EC-2045-4A4D-A99A-AB67649F7E82}"/>
+              </a:ext>
+            </a:extLst>
+          </p:cNvPr>
+          <p:cNvSpPr/>
+          <p:nvPr/>
+        </p:nvSpPr>
+        <p:spPr>
+          <a:xfrm>
+            <a:off x="709612" y="399961"/>
+            <a:ext cx="10772775" cy="646331"/>
+          </a:xfrm>
+          <a:prstGeom prst="rect">
+            <a:avLst/>
+          </a:prstGeom>
+        </p:spPr>
+        <p:txBody>
+          <a:bodyPr wrap="square">
+            <a:spAutoFit/>
+          </a:bodyPr>
+          <a:lstStyle/>
+          <a:p>
+            <a:r>
+              <a:rPr lang="en-US" altLang="zh-CN" dirty="0">
+                <a:solidFill>
+                  <a:srgbClr val="3C484E"/>
+                </a:solidFill>
+                <a:latin typeface="Helvetica Neue"/>
+              </a:rPr>
+              <a:t>Linux </a:t>
+            </a:r>
+            <a:r>
+              <a:rPr lang="en-US" altLang="zh-CN" dirty="0" err="1">
+                <a:solidFill>
+                  <a:srgbClr val="3C484E"/>
+                </a:solidFill>
+                <a:latin typeface="Helvetica Neue"/>
+              </a:rPr>
+              <a:t>cgroups</a:t>
+            </a:r>
+            <a:r>
+              <a:rPr lang="en-US" altLang="zh-CN" dirty="0">
+                <a:solidFill>
+                  <a:srgbClr val="3C484E"/>
+                </a:solidFill>
+                <a:latin typeface="Helvetica Neue"/>
+              </a:rPr>
+              <a:t> </a:t>
+            </a:r>
+            <a:r>
+              <a:rPr lang="zh-CN" altLang="en-US" dirty="0">
+                <a:solidFill>
+                  <a:srgbClr val="3C484E"/>
+                </a:solidFill>
+                <a:latin typeface="Helvetica Neue"/>
+              </a:rPr>
+              <a:t>的全称是 </a:t>
+            </a:r>
+            <a:r>
+              <a:rPr lang="en-US" altLang="zh-CN" dirty="0">
+                <a:solidFill>
+                  <a:srgbClr val="3C484E"/>
+                </a:solidFill>
+                <a:latin typeface="Helvetica Neue"/>
+              </a:rPr>
+              <a:t>Linux Control Groups</a:t>
+            </a:r>
+            <a:r>
+              <a:rPr lang="zh-CN" altLang="en-US" dirty="0">
+                <a:solidFill>
+                  <a:srgbClr val="3C484E"/>
+                </a:solidFill>
+                <a:latin typeface="Helvetica Neue"/>
+              </a:rPr>
+              <a:t>，它是 </a:t>
+            </a:r>
+            <a:r>
+              <a:rPr lang="en-US" altLang="zh-CN" dirty="0">
+                <a:solidFill>
+                  <a:srgbClr val="3C484E"/>
+                </a:solidFill>
+                <a:latin typeface="Helvetica Neue"/>
+              </a:rPr>
+              <a:t>Linux </a:t>
+            </a:r>
+            <a:r>
+              <a:rPr lang="zh-CN" altLang="en-US" dirty="0">
+                <a:solidFill>
+                  <a:srgbClr val="3C484E"/>
+                </a:solidFill>
+                <a:latin typeface="Helvetica Neue"/>
+              </a:rPr>
+              <a:t>内核的特性，主要作用是</a:t>
+            </a:r>
+            <a:r>
+              <a:rPr lang="zh-CN" altLang="en-US" b="1" dirty="0">
+                <a:solidFill>
+                  <a:srgbClr val="090A0B"/>
+                </a:solidFill>
+                <a:latin typeface="Helvetica Neue"/>
+              </a:rPr>
+              <a:t>限制、记录和隔离进程组（</a:t>
+            </a:r>
+            <a:r>
+              <a:rPr lang="en-US" altLang="zh-CN" b="1" dirty="0">
+                <a:solidFill>
+                  <a:srgbClr val="090A0B"/>
+                </a:solidFill>
+                <a:latin typeface="Helvetica Neue"/>
+              </a:rPr>
+              <a:t>process groups</a:t>
+            </a:r>
+            <a:r>
+              <a:rPr lang="zh-CN" altLang="en-US" b="1" dirty="0">
+                <a:solidFill>
+                  <a:srgbClr val="090A0B"/>
+                </a:solidFill>
+                <a:latin typeface="Helvetica Neue"/>
+              </a:rPr>
+              <a:t>）使用的物理资源（</a:t>
+            </a:r>
+            <a:r>
+              <a:rPr lang="en-US" altLang="zh-CN" b="1" dirty="0" err="1">
+                <a:solidFill>
+                  <a:srgbClr val="090A0B"/>
+                </a:solidFill>
+                <a:latin typeface="Helvetica Neue"/>
+              </a:rPr>
+              <a:t>cpu</a:t>
+            </a:r>
+            <a:r>
+              <a:rPr lang="zh-CN" altLang="en-US" b="1" dirty="0">
+                <a:solidFill>
+                  <a:srgbClr val="090A0B"/>
+                </a:solidFill>
+                <a:latin typeface="Helvetica Neue"/>
+              </a:rPr>
+              <a:t>、</a:t>
+            </a:r>
+            <a:r>
+              <a:rPr lang="en-US" altLang="zh-CN" b="1" dirty="0">
+                <a:solidFill>
+                  <a:srgbClr val="090A0B"/>
+                </a:solidFill>
+                <a:latin typeface="Helvetica Neue"/>
+              </a:rPr>
+              <a:t>memory</a:t>
+            </a:r>
+            <a:r>
+              <a:rPr lang="zh-CN" altLang="en-US" b="1" dirty="0">
+                <a:solidFill>
+                  <a:srgbClr val="090A0B"/>
+                </a:solidFill>
+                <a:latin typeface="Helvetica Neue"/>
+              </a:rPr>
+              <a:t>、</a:t>
+            </a:r>
+            <a:r>
+              <a:rPr lang="en-US" altLang="zh-CN" b="1" dirty="0">
+                <a:solidFill>
+                  <a:srgbClr val="090A0B"/>
+                </a:solidFill>
+                <a:latin typeface="Helvetica Neue"/>
+              </a:rPr>
+              <a:t>IO </a:t>
+            </a:r>
+            <a:r>
+              <a:rPr lang="zh-CN" altLang="en-US" b="1" dirty="0">
+                <a:solidFill>
+                  <a:srgbClr val="090A0B"/>
+                </a:solidFill>
+                <a:latin typeface="Helvetica Neue"/>
+              </a:rPr>
+              <a:t>等）</a:t>
+            </a:r>
+            <a:r>
+              <a:rPr lang="zh-CN" altLang="en-US" dirty="0">
+                <a:solidFill>
+                  <a:srgbClr val="3C484E"/>
+                </a:solidFill>
+                <a:latin typeface="Helvetica Neue"/>
+              </a:rPr>
+              <a:t>。</a:t>
+            </a:r>
+            <a:endParaRPr lang="zh-CN" altLang="en-US" dirty="0"/>
+          </a:p>
+        </p:txBody>
+      </p:sp>
+      <p:sp>
+        <p:nvSpPr>
+          <p:cNvPr id="3" name="矩形 2">
+            <a:extLst>
+              <a:ext uri="{FF2B5EF4-FFF2-40B4-BE49-F238E27FC236}">
+                <a16:creationId xmlns:a16="http://schemas.microsoft.com/office/drawing/2014/main" id="{C8D2937A-730D-4CD8-947E-B20FA1D5B5DB}"/>
+              </a:ext>
+            </a:extLst>
+          </p:cNvPr>
+          <p:cNvSpPr/>
+          <p:nvPr/>
+        </p:nvSpPr>
+        <p:spPr>
+          <a:xfrm>
+            <a:off x="1047750" y="1827163"/>
+            <a:ext cx="10001250" cy="1477328"/>
+          </a:xfrm>
+          <a:prstGeom prst="rect">
+            <a:avLst/>
+          </a:prstGeom>
+        </p:spPr>
+        <p:txBody>
+          <a:bodyPr wrap="square">
+            <a:spAutoFit/>
+          </a:bodyPr>
+          <a:lstStyle/>
+          <a:p>
+            <a:pPr algn="just" fontAlgn="base"/>
+            <a:r>
+              <a:rPr lang="en-US" altLang="zh-CN" dirty="0" err="1">
+                <a:solidFill>
+                  <a:srgbClr val="3C484E"/>
+                </a:solidFill>
+                <a:latin typeface="Helvetica Neue"/>
+              </a:rPr>
+              <a:t>cgroups</a:t>
+            </a:r>
+            <a:r>
+              <a:rPr lang="en-US" altLang="zh-CN" dirty="0">
+                <a:solidFill>
+                  <a:srgbClr val="3C484E"/>
+                </a:solidFill>
+                <a:latin typeface="Helvetica Neue"/>
+              </a:rPr>
+              <a:t> </a:t>
+            </a:r>
+            <a:r>
+              <a:rPr lang="zh-CN" altLang="en-US" dirty="0">
+                <a:solidFill>
+                  <a:srgbClr val="3C484E"/>
+                </a:solidFill>
+                <a:latin typeface="Helvetica Neue"/>
+              </a:rPr>
+              <a:t>从设计之初使命就很明确，为进程提供资源控制，它主要的功能包括：</a:t>
+            </a:r>
+          </a:p>
+          <a:p>
+            <a:pPr algn="just" fontAlgn="base">
+              <a:buFont typeface="Arial" panose="020B0604020202020204" pitchFamily="34" charset="0"/>
+              <a:buChar char="•"/>
+            </a:pPr>
+            <a:r>
+              <a:rPr lang="zh-CN" altLang="en-US" b="1" dirty="0">
+                <a:solidFill>
+                  <a:srgbClr val="090A0B"/>
+                </a:solidFill>
+                <a:latin typeface="inherit"/>
+              </a:rPr>
+              <a:t>资源限制</a:t>
+            </a:r>
+            <a:r>
+              <a:rPr lang="zh-CN" altLang="en-US" dirty="0">
+                <a:solidFill>
+                  <a:srgbClr val="3C484E"/>
+                </a:solidFill>
+                <a:latin typeface="inherit"/>
+              </a:rPr>
+              <a:t>：限制进程使用的资源上限，比如最大内存、文件系统缓存使用限制</a:t>
+            </a:r>
+          </a:p>
+          <a:p>
+            <a:pPr algn="just" fontAlgn="base">
+              <a:buFont typeface="Arial" panose="020B0604020202020204" pitchFamily="34" charset="0"/>
+              <a:buChar char="•"/>
+            </a:pPr>
+            <a:r>
+              <a:rPr lang="zh-CN" altLang="en-US" b="1" dirty="0">
+                <a:solidFill>
+                  <a:srgbClr val="090A0B"/>
+                </a:solidFill>
+                <a:latin typeface="inherit"/>
+              </a:rPr>
+              <a:t>优先级控制</a:t>
+            </a:r>
+            <a:r>
+              <a:rPr lang="zh-CN" altLang="en-US" dirty="0">
+                <a:solidFill>
+                  <a:srgbClr val="3C484E"/>
+                </a:solidFill>
+                <a:latin typeface="inherit"/>
+              </a:rPr>
+              <a:t>：不同的组可以有不同的优先级，比如 </a:t>
+            </a:r>
+            <a:r>
+              <a:rPr lang="en-US" altLang="zh-CN" dirty="0">
+                <a:solidFill>
+                  <a:srgbClr val="3C484E"/>
+                </a:solidFill>
+                <a:latin typeface="inherit"/>
+              </a:rPr>
+              <a:t>CPU </a:t>
+            </a:r>
+            <a:r>
+              <a:rPr lang="zh-CN" altLang="en-US" dirty="0">
+                <a:solidFill>
+                  <a:srgbClr val="3C484E"/>
+                </a:solidFill>
+                <a:latin typeface="inherit"/>
+              </a:rPr>
+              <a:t>使用和磁盘 </a:t>
+            </a:r>
+            <a:r>
+              <a:rPr lang="en-US" altLang="zh-CN" dirty="0">
+                <a:solidFill>
+                  <a:srgbClr val="3C484E"/>
+                </a:solidFill>
+                <a:latin typeface="inherit"/>
+              </a:rPr>
+              <a:t>IO </a:t>
+            </a:r>
+            <a:r>
+              <a:rPr lang="zh-CN" altLang="en-US" dirty="0">
+                <a:solidFill>
+                  <a:srgbClr val="3C484E"/>
+                </a:solidFill>
+                <a:latin typeface="inherit"/>
+              </a:rPr>
+              <a:t>吞吐</a:t>
+            </a:r>
+          </a:p>
+          <a:p>
+            <a:pPr algn="just" fontAlgn="base">
+              <a:buFont typeface="Arial" panose="020B0604020202020204" pitchFamily="34" charset="0"/>
+              <a:buChar char="•"/>
+            </a:pPr>
+            <a:r>
+              <a:rPr lang="zh-CN" altLang="en-US" b="1" dirty="0">
+                <a:solidFill>
+                  <a:srgbClr val="090A0B"/>
+                </a:solidFill>
+                <a:latin typeface="inherit"/>
+              </a:rPr>
+              <a:t>审计</a:t>
+            </a:r>
+            <a:r>
+              <a:rPr lang="zh-CN" altLang="en-US" dirty="0">
+                <a:solidFill>
+                  <a:srgbClr val="3C484E"/>
+                </a:solidFill>
+                <a:latin typeface="inherit"/>
+              </a:rPr>
+              <a:t>：计算 </a:t>
+            </a:r>
+            <a:r>
+              <a:rPr lang="en-US" altLang="zh-CN" dirty="0">
+                <a:solidFill>
+                  <a:srgbClr val="3C484E"/>
+                </a:solidFill>
+                <a:latin typeface="inherit"/>
+              </a:rPr>
+              <a:t>group </a:t>
+            </a:r>
+            <a:r>
+              <a:rPr lang="zh-CN" altLang="en-US" dirty="0">
+                <a:solidFill>
+                  <a:srgbClr val="3C484E"/>
+                </a:solidFill>
+                <a:latin typeface="inherit"/>
+              </a:rPr>
+              <a:t>的资源使用情况，可以用来计费</a:t>
+            </a:r>
+          </a:p>
+          <a:p>
+            <a:pPr algn="just" fontAlgn="base">
+              <a:buFont typeface="Arial" panose="020B0604020202020204" pitchFamily="34" charset="0"/>
+              <a:buChar char="•"/>
+            </a:pPr>
+            <a:r>
+              <a:rPr lang="zh-CN" altLang="en-US" b="1" dirty="0">
+                <a:solidFill>
+                  <a:srgbClr val="090A0B"/>
+                </a:solidFill>
+                <a:latin typeface="inherit"/>
+              </a:rPr>
+              <a:t>控制</a:t>
+            </a:r>
+            <a:r>
+              <a:rPr lang="zh-CN" altLang="en-US" dirty="0">
+                <a:solidFill>
+                  <a:srgbClr val="3C484E"/>
+                </a:solidFill>
+                <a:latin typeface="inherit"/>
+              </a:rPr>
+              <a:t>：挂起一组进程，或者重启一组进程</a:t>
+            </a:r>
+            <a:endParaRPr lang="zh-CN" altLang="en-US" b="0" i="0" dirty="0">
+              <a:solidFill>
+                <a:srgbClr val="3C484E"/>
+              </a:solidFill>
+              <a:effectLst/>
+              <a:latin typeface="inherit"/>
+            </a:endParaRPr>
+          </a:p>
+        </p:txBody>
+      </p:sp>
+    </p:spTree>
+    <p:extLst>
+      <p:ext uri="{BB962C8B-B14F-4D97-AF65-F5344CB8AC3E}">
+        <p14:creationId xmlns:p14="http://schemas.microsoft.com/office/powerpoint/2010/main" val="2405360492"/>
+      </p:ext>
+    </p:extLst>
+  </p:cSld>
+  <p:clrMapOvr>
+    <a:masterClrMapping/>
+  </p:clrMapOvr>
+</p:sld>
+</file>
+
+<file path=ppt/slides/slide8.xml><?xml version="1.0" encoding="utf-8"?>
+<p:sld xmlns:a="http://schemas.openxmlformats.org/drawingml/2006/main" xmlns:r="http://schemas.openxmlformats.org/officeDocument/2006/relationships" xmlns:p="http://schemas.openxmlformats.org/presentationml/2006/main">
+  <p:cSld>
+    <p:spTree>
+      <p:nvGrpSpPr>
+        <p:cNvPr id="1" name=""/>
+        <p:cNvGrpSpPr/>
+        <p:nvPr/>
+      </p:nvGrpSpPr>
+      <p:grpSpPr>
+        <a:xfrm>
+          <a:off x="0" y="0"/>
+          <a:ext cx="0" cy="0"/>
+          <a:chOff x="0" y="0"/>
+          <a:chExt cx="0" cy="0"/>
+        </a:xfrm>
+      </p:grpSpPr>
+      <p:sp>
+        <p:nvSpPr>
+          <p:cNvPr id="2" name="Rectangle 1">
+            <a:extLst>
+              <a:ext uri="{FF2B5EF4-FFF2-40B4-BE49-F238E27FC236}">
+                <a16:creationId xmlns:a16="http://schemas.microsoft.com/office/drawing/2014/main" id="{4198487D-FC8F-468D-87EC-D570751BCB5B}"/>
+              </a:ext>
+            </a:extLst>
+          </p:cNvPr>
+          <p:cNvSpPr>
+            <a:spLocks noChangeArrowheads="1"/>
+          </p:cNvSpPr>
+          <p:nvPr/>
+        </p:nvSpPr>
+        <p:spPr bwMode="auto">
+          <a:xfrm>
+            <a:off x="676275" y="987265"/>
+            <a:ext cx="10563225" cy="3877985"/>
+          </a:xfrm>
+          <a:prstGeom prst="rect">
+            <a:avLst/>
+          </a:prstGeom>
+          <a:solidFill>
+            <a:srgbClr val="FFFFFF"/>
+          </a:solidFill>
+          <a:ln>
+            <a:noFill/>
+          </a:ln>
+          <a:effectLst/>
+          <a:extLst>
+            <a:ext uri="{91240B29-F687-4F45-9708-019B960494DF}">
+              <a14:hiddenLine xmlns:a14="http://schemas.microsoft.com/office/drawing/2010/main" w="9525">
+                <a:solidFill>
+                  <a:schemeClr val="tx1"/>
+                </a:solidFill>
+                <a:miter lim="800000"/>
+                <a:headEnd/>
+                <a:tailEnd/>
+              </a14:hiddenLine>
+            </a:ext>
+            <a:ext uri="{AF507438-7753-43E0-B8FC-AC1667EBCBE1}">
+              <a14:hiddenEffects xmlns:a14="http://schemas.microsoft.com/office/drawing/2010/main">
+                <a:effectLst>
+                  <a:outerShdw dist="35921" dir="2700000" algn="ctr" rotWithShape="0">
+                    <a:schemeClr val="bg2"/>
+                  </a:outerShdw>
+                </a:effectLst>
+              </a14:hiddenEffects>
+            </a:ext>
+          </a:extLst>
+        </p:spPr>
+        <p:txBody>
+          <a:bodyPr vert="horz" wrap="square" lIns="0" tIns="0" rIns="0" bIns="0" numCol="1" anchor="ctr" anchorCtr="0" compatLnSpc="1">
+            <a:prstTxWarp prst="textNoShape">
+              <a:avLst/>
+            </a:prstTxWarp>
+            <a:spAutoFit/>
+          </a:bodyPr>
+          <a:lstStyle/>
+          <a:p>
+            <a:pPr marL="0" marR="0" lvl="0" indent="0" algn="l" defTabSz="914400" rtl="0" eaLnBrk="0" fontAlgn="base" latinLnBrk="0" hangingPunct="0">
+              <a:lnSpc>
+                <a:spcPct val="100000"/>
+              </a:lnSpc>
+              <a:spcBef>
+                <a:spcPct val="0"/>
+              </a:spcBef>
+              <a:spcAft>
+                <a:spcPct val="0"/>
+              </a:spcAft>
+              <a:buClrTx/>
+              <a:buSzTx/>
+              <a:buFontTx/>
+              <a:buNone/>
+              <a:tabLst/>
+            </a:pPr>
+            <a:r>
+              <a:rPr kumimoji="0" lang="zh-CN" altLang="zh-CN" b="0" i="0" u="none" strike="noStrike" cap="none" normalizeH="0" baseline="0" dirty="0">
+                <a:ln>
+                  <a:noFill/>
+                </a:ln>
+                <a:solidFill>
+                  <a:srgbClr val="3C484E"/>
+                </a:solidFill>
+                <a:effectLst/>
+                <a:latin typeface="Arial" panose="020B0604020202020204" pitchFamily="34" charset="0"/>
+                <a:ea typeface="Helvetica Neue"/>
+              </a:rPr>
+              <a:t>目前有下面这些资源子系统：</a:t>
+            </a:r>
+            <a:endParaRPr kumimoji="0" lang="en-US" altLang="zh-CN" b="0" i="0" u="none" strike="noStrike" cap="none" normalizeH="0" baseline="0" dirty="0">
+              <a:ln>
+                <a:noFill/>
+              </a:ln>
+              <a:solidFill>
+                <a:srgbClr val="3C484E"/>
+              </a:solidFill>
+              <a:effectLst/>
+              <a:latin typeface="Arial" panose="020B0604020202020204" pitchFamily="34" charset="0"/>
+              <a:ea typeface="Helvetica Neue"/>
+            </a:endParaRPr>
+          </a:p>
+          <a:p>
+            <a:pPr marL="0" marR="0" lvl="0" indent="0" algn="l" defTabSz="914400" rtl="0" eaLnBrk="0" fontAlgn="base" latinLnBrk="0" hangingPunct="0">
+              <a:lnSpc>
+                <a:spcPct val="100000"/>
+              </a:lnSpc>
+              <a:spcBef>
+                <a:spcPct val="0"/>
+              </a:spcBef>
+              <a:spcAft>
+                <a:spcPct val="0"/>
+              </a:spcAft>
+              <a:buClrTx/>
+              <a:buSzTx/>
+              <a:buFontTx/>
+              <a:buNone/>
+              <a:tabLst/>
+            </a:pPr>
+            <a:endParaRPr kumimoji="0" lang="zh-CN" altLang="zh-CN" b="0" i="0" u="none" strike="noStrike" cap="none" normalizeH="0" baseline="0" dirty="0">
+              <a:ln>
+                <a:noFill/>
+              </a:ln>
+              <a:solidFill>
+                <a:schemeClr val="tx1"/>
+              </a:solidFill>
+              <a:effectLst/>
+              <a:latin typeface="Arial" panose="020B0604020202020204" pitchFamily="34" charset="0"/>
+            </a:endParaRPr>
+          </a:p>
+          <a:p>
+            <a:pPr marL="0" marR="0" lvl="0" indent="0" algn="l" defTabSz="914400" rtl="0" eaLnBrk="0" fontAlgn="base" latinLnBrk="0" hangingPunct="0">
+              <a:lnSpc>
+                <a:spcPct val="100000"/>
+              </a:lnSpc>
+              <a:spcBef>
+                <a:spcPct val="0"/>
+              </a:spcBef>
+              <a:spcAft>
+                <a:spcPct val="0"/>
+              </a:spcAft>
+              <a:buClrTx/>
+              <a:buSzTx/>
+              <a:buFontTx/>
+              <a:buChar char="•"/>
+              <a:tabLst/>
+            </a:pPr>
+            <a:r>
+              <a:rPr kumimoji="0" lang="zh-CN" altLang="zh-CN" b="0" i="0" u="none" strike="noStrike" cap="none" normalizeH="0" baseline="0" dirty="0">
+                <a:ln>
+                  <a:noFill/>
+                </a:ln>
+                <a:solidFill>
+                  <a:srgbClr val="3C484E"/>
+                </a:solidFill>
+                <a:effectLst/>
+                <a:latin typeface="Arial" panose="020B0604020202020204" pitchFamily="34" charset="0"/>
+                <a:ea typeface="inherit"/>
+              </a:rPr>
+              <a:t>Block IO（</a:t>
+            </a:r>
+            <a:r>
+              <a:rPr kumimoji="0" lang="zh-CN" altLang="zh-CN" b="0" i="0" u="none" strike="noStrike" cap="none" normalizeH="0" baseline="0" dirty="0">
+                <a:ln>
+                  <a:noFill/>
+                </a:ln>
+                <a:solidFill>
+                  <a:srgbClr val="3C484E"/>
+                </a:solidFill>
+                <a:effectLst/>
+                <a:latin typeface="Courier New" panose="02070309020205020404" pitchFamily="49" charset="0"/>
+                <a:ea typeface="inherit"/>
+                <a:cs typeface="Courier New" panose="02070309020205020404" pitchFamily="49" charset="0"/>
+              </a:rPr>
+              <a:t>blkio</a:t>
+            </a:r>
+            <a:r>
+              <a:rPr kumimoji="0" lang="zh-CN" altLang="zh-CN" b="0" i="0" u="none" strike="noStrike" cap="none" normalizeH="0" baseline="0" dirty="0">
+                <a:ln>
+                  <a:noFill/>
+                </a:ln>
+                <a:solidFill>
+                  <a:srgbClr val="3C484E"/>
+                </a:solidFill>
+                <a:effectLst/>
+                <a:ea typeface="inherit"/>
+              </a:rPr>
+              <a:t>)：限制块设备（磁盘、SSD、USB 等）的 IO 速率</a:t>
+            </a:r>
+            <a:endParaRPr kumimoji="0" lang="zh-CN" altLang="zh-CN" b="0" i="0" u="none" strike="noStrike" cap="none" normalizeH="0" baseline="0" dirty="0">
+              <a:ln>
+                <a:noFill/>
+              </a:ln>
+              <a:solidFill>
+                <a:srgbClr val="3C484E"/>
+              </a:solidFill>
+              <a:effectLst/>
+              <a:latin typeface="Arial" panose="020B0604020202020204" pitchFamily="34" charset="0"/>
+              <a:ea typeface="inherit"/>
+            </a:endParaRPr>
+          </a:p>
+          <a:p>
+            <a:pPr marL="0" marR="0" lvl="0" indent="0" algn="l" defTabSz="914400" rtl="0" eaLnBrk="0" fontAlgn="base" latinLnBrk="0" hangingPunct="0">
+              <a:lnSpc>
+                <a:spcPct val="100000"/>
+              </a:lnSpc>
+              <a:spcBef>
+                <a:spcPct val="0"/>
+              </a:spcBef>
+              <a:spcAft>
+                <a:spcPct val="0"/>
+              </a:spcAft>
+              <a:buClrTx/>
+              <a:buSzTx/>
+              <a:buFontTx/>
+              <a:buChar char="•"/>
+              <a:tabLst/>
+            </a:pPr>
+            <a:r>
+              <a:rPr kumimoji="0" lang="zh-CN" altLang="zh-CN" b="0" i="0" u="none" strike="noStrike" cap="none" normalizeH="0" baseline="0" dirty="0">
+                <a:ln>
+                  <a:noFill/>
+                </a:ln>
+                <a:solidFill>
+                  <a:srgbClr val="3C484E"/>
+                </a:solidFill>
+                <a:effectLst/>
+                <a:latin typeface="Arial" panose="020B0604020202020204" pitchFamily="34" charset="0"/>
+                <a:ea typeface="inherit"/>
+              </a:rPr>
+              <a:t>CPU Set(</a:t>
+            </a:r>
+            <a:r>
+              <a:rPr kumimoji="0" lang="zh-CN" altLang="zh-CN" b="0" i="0" u="none" strike="noStrike" cap="none" normalizeH="0" baseline="0" dirty="0">
+                <a:ln>
+                  <a:noFill/>
+                </a:ln>
+                <a:solidFill>
+                  <a:srgbClr val="3C484E"/>
+                </a:solidFill>
+                <a:effectLst/>
+                <a:latin typeface="Courier New" panose="02070309020205020404" pitchFamily="49" charset="0"/>
+                <a:ea typeface="inherit"/>
+                <a:cs typeface="Courier New" panose="02070309020205020404" pitchFamily="49" charset="0"/>
+              </a:rPr>
+              <a:t>cpuset</a:t>
+            </a:r>
+            <a:r>
+              <a:rPr kumimoji="0" lang="zh-CN" altLang="zh-CN" b="0" i="0" u="none" strike="noStrike" cap="none" normalizeH="0" baseline="0" dirty="0">
+                <a:ln>
+                  <a:noFill/>
+                </a:ln>
+                <a:solidFill>
+                  <a:srgbClr val="3C484E"/>
+                </a:solidFill>
+                <a:effectLst/>
+                <a:ea typeface="inherit"/>
+              </a:rPr>
+              <a:t>)：限制任务能运行在哪些 CPU 核上</a:t>
+            </a:r>
+            <a:endParaRPr kumimoji="0" lang="zh-CN" altLang="zh-CN" b="0" i="0" u="none" strike="noStrike" cap="none" normalizeH="0" baseline="0" dirty="0">
+              <a:ln>
+                <a:noFill/>
+              </a:ln>
+              <a:solidFill>
+                <a:srgbClr val="3C484E"/>
+              </a:solidFill>
+              <a:effectLst/>
+              <a:latin typeface="Arial" panose="020B0604020202020204" pitchFamily="34" charset="0"/>
+              <a:ea typeface="inherit"/>
+            </a:endParaRPr>
+          </a:p>
+          <a:p>
+            <a:pPr marL="0" marR="0" lvl="0" indent="0" algn="l" defTabSz="914400" rtl="0" eaLnBrk="0" fontAlgn="base" latinLnBrk="0" hangingPunct="0">
+              <a:lnSpc>
+                <a:spcPct val="100000"/>
+              </a:lnSpc>
+              <a:spcBef>
+                <a:spcPct val="0"/>
+              </a:spcBef>
+              <a:spcAft>
+                <a:spcPct val="0"/>
+              </a:spcAft>
+              <a:buClrTx/>
+              <a:buSzTx/>
+              <a:buFontTx/>
+              <a:buChar char="•"/>
+              <a:tabLst/>
+            </a:pPr>
+            <a:r>
+              <a:rPr kumimoji="0" lang="zh-CN" altLang="zh-CN" b="0" i="0" u="none" strike="noStrike" cap="none" normalizeH="0" baseline="0" dirty="0">
+                <a:ln>
+                  <a:noFill/>
+                </a:ln>
+                <a:solidFill>
+                  <a:srgbClr val="3C484E"/>
+                </a:solidFill>
+                <a:effectLst/>
+                <a:latin typeface="Arial" panose="020B0604020202020204" pitchFamily="34" charset="0"/>
+                <a:ea typeface="inherit"/>
+              </a:rPr>
+              <a:t>CPU Accounting(</a:t>
+            </a:r>
+            <a:r>
+              <a:rPr kumimoji="0" lang="zh-CN" altLang="zh-CN" b="0" i="0" u="none" strike="noStrike" cap="none" normalizeH="0" baseline="0" dirty="0">
+                <a:ln>
+                  <a:noFill/>
+                </a:ln>
+                <a:solidFill>
+                  <a:srgbClr val="3C484E"/>
+                </a:solidFill>
+                <a:effectLst/>
+                <a:latin typeface="Courier New" panose="02070309020205020404" pitchFamily="49" charset="0"/>
+                <a:ea typeface="inherit"/>
+                <a:cs typeface="Courier New" panose="02070309020205020404" pitchFamily="49" charset="0"/>
+              </a:rPr>
+              <a:t>cpuacct</a:t>
+            </a:r>
+            <a:r>
+              <a:rPr kumimoji="0" lang="zh-CN" altLang="zh-CN" b="0" i="0" u="none" strike="noStrike" cap="none" normalizeH="0" baseline="0" dirty="0">
+                <a:ln>
+                  <a:noFill/>
+                </a:ln>
+                <a:solidFill>
+                  <a:srgbClr val="3C484E"/>
+                </a:solidFill>
+                <a:effectLst/>
+                <a:ea typeface="inherit"/>
+              </a:rPr>
+              <a:t>)：生成 cgroup 中任务使用 CPU 的报告</a:t>
+            </a:r>
+            <a:endParaRPr kumimoji="0" lang="zh-CN" altLang="zh-CN" b="0" i="0" u="none" strike="noStrike" cap="none" normalizeH="0" baseline="0" dirty="0">
+              <a:ln>
+                <a:noFill/>
+              </a:ln>
+              <a:solidFill>
+                <a:srgbClr val="3C484E"/>
+              </a:solidFill>
+              <a:effectLst/>
+              <a:latin typeface="Arial" panose="020B0604020202020204" pitchFamily="34" charset="0"/>
+              <a:ea typeface="inherit"/>
+            </a:endParaRPr>
+          </a:p>
+          <a:p>
+            <a:pPr marL="0" marR="0" lvl="0" indent="0" algn="l" defTabSz="914400" rtl="0" eaLnBrk="0" fontAlgn="base" latinLnBrk="0" hangingPunct="0">
+              <a:lnSpc>
+                <a:spcPct val="100000"/>
+              </a:lnSpc>
+              <a:spcBef>
+                <a:spcPct val="0"/>
+              </a:spcBef>
+              <a:spcAft>
+                <a:spcPct val="0"/>
+              </a:spcAft>
+              <a:buClrTx/>
+              <a:buSzTx/>
+              <a:buFontTx/>
+              <a:buChar char="•"/>
+              <a:tabLst/>
+            </a:pPr>
+            <a:r>
+              <a:rPr kumimoji="0" lang="zh-CN" altLang="zh-CN" b="0" i="0" u="none" strike="noStrike" cap="none" normalizeH="0" baseline="0" dirty="0">
+                <a:ln>
+                  <a:noFill/>
+                </a:ln>
+                <a:solidFill>
+                  <a:srgbClr val="3C484E"/>
+                </a:solidFill>
+                <a:effectLst/>
+                <a:latin typeface="Arial" panose="020B0604020202020204" pitchFamily="34" charset="0"/>
+                <a:ea typeface="inherit"/>
+              </a:rPr>
+              <a:t>CPU (</a:t>
+            </a:r>
+            <a:r>
+              <a:rPr kumimoji="0" lang="zh-CN" altLang="zh-CN" b="0" i="0" u="none" strike="noStrike" cap="none" normalizeH="0" baseline="0" dirty="0">
+                <a:ln>
+                  <a:noFill/>
+                </a:ln>
+                <a:solidFill>
+                  <a:srgbClr val="3C484E"/>
+                </a:solidFill>
+                <a:effectLst/>
+                <a:latin typeface="Courier New" panose="02070309020205020404" pitchFamily="49" charset="0"/>
+                <a:ea typeface="inherit"/>
+                <a:cs typeface="Courier New" panose="02070309020205020404" pitchFamily="49" charset="0"/>
+              </a:rPr>
+              <a:t>CPU</a:t>
+            </a:r>
+            <a:r>
+              <a:rPr kumimoji="0" lang="zh-CN" altLang="zh-CN" b="0" i="0" u="none" strike="noStrike" cap="none" normalizeH="0" baseline="0" dirty="0">
+                <a:ln>
+                  <a:noFill/>
+                </a:ln>
+                <a:solidFill>
+                  <a:srgbClr val="3C484E"/>
+                </a:solidFill>
+                <a:effectLst/>
+                <a:ea typeface="inherit"/>
+              </a:rPr>
+              <a:t>)：限制调度器分配的 CPU 时间</a:t>
+            </a:r>
+            <a:endParaRPr kumimoji="0" lang="zh-CN" altLang="zh-CN" b="0" i="0" u="none" strike="noStrike" cap="none" normalizeH="0" baseline="0" dirty="0">
+              <a:ln>
+                <a:noFill/>
+              </a:ln>
+              <a:solidFill>
+                <a:srgbClr val="3C484E"/>
+              </a:solidFill>
+              <a:effectLst/>
+              <a:latin typeface="Arial" panose="020B0604020202020204" pitchFamily="34" charset="0"/>
+              <a:ea typeface="inherit"/>
+            </a:endParaRPr>
+          </a:p>
+          <a:p>
+            <a:pPr marL="0" marR="0" lvl="0" indent="0" algn="l" defTabSz="914400" rtl="0" eaLnBrk="0" fontAlgn="base" latinLnBrk="0" hangingPunct="0">
+              <a:lnSpc>
+                <a:spcPct val="100000"/>
+              </a:lnSpc>
+              <a:spcBef>
+                <a:spcPct val="0"/>
+              </a:spcBef>
+              <a:spcAft>
+                <a:spcPct val="0"/>
+              </a:spcAft>
+              <a:buClrTx/>
+              <a:buSzTx/>
+              <a:buFontTx/>
+              <a:buChar char="•"/>
+              <a:tabLst/>
+            </a:pPr>
+            <a:r>
+              <a:rPr kumimoji="0" lang="zh-CN" altLang="zh-CN" b="0" i="0" u="none" strike="noStrike" cap="none" normalizeH="0" baseline="0" dirty="0">
+                <a:ln>
+                  <a:noFill/>
+                </a:ln>
+                <a:solidFill>
+                  <a:srgbClr val="3C484E"/>
+                </a:solidFill>
+                <a:effectLst/>
+                <a:latin typeface="Arial" panose="020B0604020202020204" pitchFamily="34" charset="0"/>
+                <a:ea typeface="inherit"/>
+              </a:rPr>
+              <a:t>Devices (</a:t>
+            </a:r>
+            <a:r>
+              <a:rPr kumimoji="0" lang="zh-CN" altLang="zh-CN" b="0" i="0" u="none" strike="noStrike" cap="none" normalizeH="0" baseline="0" dirty="0">
+                <a:ln>
+                  <a:noFill/>
+                </a:ln>
+                <a:solidFill>
+                  <a:srgbClr val="3C484E"/>
+                </a:solidFill>
+                <a:effectLst/>
+                <a:latin typeface="Courier New" panose="02070309020205020404" pitchFamily="49" charset="0"/>
+                <a:ea typeface="inherit"/>
+                <a:cs typeface="Courier New" panose="02070309020205020404" pitchFamily="49" charset="0"/>
+              </a:rPr>
+              <a:t>devices</a:t>
+            </a:r>
+            <a:r>
+              <a:rPr kumimoji="0" lang="zh-CN" altLang="zh-CN" b="0" i="0" u="none" strike="noStrike" cap="none" normalizeH="0" baseline="0" dirty="0">
+                <a:ln>
+                  <a:noFill/>
+                </a:ln>
+                <a:solidFill>
+                  <a:srgbClr val="3C484E"/>
+                </a:solidFill>
+                <a:effectLst/>
+                <a:ea typeface="inherit"/>
+              </a:rPr>
+              <a:t>)：允许或者拒绝 cgroup 中任务对设备的访问</a:t>
+            </a:r>
+            <a:endParaRPr kumimoji="0" lang="zh-CN" altLang="zh-CN" b="0" i="0" u="none" strike="noStrike" cap="none" normalizeH="0" baseline="0" dirty="0">
+              <a:ln>
+                <a:noFill/>
+              </a:ln>
+              <a:solidFill>
+                <a:srgbClr val="3C484E"/>
+              </a:solidFill>
+              <a:effectLst/>
+              <a:latin typeface="Arial" panose="020B0604020202020204" pitchFamily="34" charset="0"/>
+              <a:ea typeface="inherit"/>
+            </a:endParaRPr>
+          </a:p>
+          <a:p>
+            <a:pPr marL="0" marR="0" lvl="0" indent="0" algn="l" defTabSz="914400" rtl="0" eaLnBrk="0" fontAlgn="base" latinLnBrk="0" hangingPunct="0">
+              <a:lnSpc>
+                <a:spcPct val="100000"/>
+              </a:lnSpc>
+              <a:spcBef>
+                <a:spcPct val="0"/>
+              </a:spcBef>
+              <a:spcAft>
+                <a:spcPct val="0"/>
+              </a:spcAft>
+              <a:buClrTx/>
+              <a:buSzTx/>
+              <a:buFontTx/>
+              <a:buChar char="•"/>
+              <a:tabLst/>
+            </a:pPr>
+            <a:r>
+              <a:rPr kumimoji="0" lang="zh-CN" altLang="zh-CN" b="0" i="0" u="none" strike="noStrike" cap="none" normalizeH="0" baseline="0" dirty="0">
+                <a:ln>
+                  <a:noFill/>
+                </a:ln>
+                <a:solidFill>
+                  <a:srgbClr val="3C484E"/>
+                </a:solidFill>
+                <a:effectLst/>
+                <a:latin typeface="Arial" panose="020B0604020202020204" pitchFamily="34" charset="0"/>
+                <a:ea typeface="inherit"/>
+              </a:rPr>
+              <a:t>Freezer (</a:t>
+            </a:r>
+            <a:r>
+              <a:rPr kumimoji="0" lang="zh-CN" altLang="zh-CN" b="0" i="0" u="none" strike="noStrike" cap="none" normalizeH="0" baseline="0" dirty="0">
+                <a:ln>
+                  <a:noFill/>
+                </a:ln>
+                <a:solidFill>
+                  <a:srgbClr val="3C484E"/>
+                </a:solidFill>
+                <a:effectLst/>
+                <a:latin typeface="Courier New" panose="02070309020205020404" pitchFamily="49" charset="0"/>
+                <a:ea typeface="inherit"/>
+                <a:cs typeface="Courier New" panose="02070309020205020404" pitchFamily="49" charset="0"/>
+              </a:rPr>
+              <a:t>freezer</a:t>
+            </a:r>
+            <a:r>
+              <a:rPr kumimoji="0" lang="zh-CN" altLang="zh-CN" b="0" i="0" u="none" strike="noStrike" cap="none" normalizeH="0" baseline="0" dirty="0">
+                <a:ln>
+                  <a:noFill/>
+                </a:ln>
+                <a:solidFill>
+                  <a:srgbClr val="3C484E"/>
+                </a:solidFill>
+                <a:effectLst/>
+                <a:ea typeface="inherit"/>
+              </a:rPr>
+              <a:t>)：挂起或者重启 cgroup 中的任务</a:t>
+            </a:r>
+            <a:endParaRPr kumimoji="0" lang="zh-CN" altLang="zh-CN" b="0" i="0" u="none" strike="noStrike" cap="none" normalizeH="0" baseline="0" dirty="0">
+              <a:ln>
+                <a:noFill/>
+              </a:ln>
+              <a:solidFill>
+                <a:srgbClr val="3C484E"/>
+              </a:solidFill>
+              <a:effectLst/>
+              <a:latin typeface="Arial" panose="020B0604020202020204" pitchFamily="34" charset="0"/>
+              <a:ea typeface="inherit"/>
+            </a:endParaRPr>
+          </a:p>
+          <a:p>
+            <a:pPr marL="0" marR="0" lvl="0" indent="0" algn="l" defTabSz="914400" rtl="0" eaLnBrk="0" fontAlgn="base" latinLnBrk="0" hangingPunct="0">
+              <a:lnSpc>
+                <a:spcPct val="100000"/>
+              </a:lnSpc>
+              <a:spcBef>
+                <a:spcPct val="0"/>
+              </a:spcBef>
+              <a:spcAft>
+                <a:spcPct val="0"/>
+              </a:spcAft>
+              <a:buClrTx/>
+              <a:buSzTx/>
+              <a:buFontTx/>
+              <a:buChar char="•"/>
+              <a:tabLst/>
+            </a:pPr>
+            <a:r>
+              <a:rPr kumimoji="0" lang="zh-CN" altLang="zh-CN" b="0" i="0" u="none" strike="noStrike" cap="none" normalizeH="0" baseline="0" dirty="0">
+                <a:ln>
+                  <a:noFill/>
+                </a:ln>
+                <a:solidFill>
+                  <a:srgbClr val="3C484E"/>
+                </a:solidFill>
+                <a:effectLst/>
+                <a:latin typeface="Arial" panose="020B0604020202020204" pitchFamily="34" charset="0"/>
+                <a:ea typeface="inherit"/>
+              </a:rPr>
+              <a:t>Memory (</a:t>
+            </a:r>
+            <a:r>
+              <a:rPr kumimoji="0" lang="zh-CN" altLang="zh-CN" b="0" i="0" u="none" strike="noStrike" cap="none" normalizeH="0" baseline="0" dirty="0">
+                <a:ln>
+                  <a:noFill/>
+                </a:ln>
+                <a:solidFill>
+                  <a:srgbClr val="3C484E"/>
+                </a:solidFill>
+                <a:effectLst/>
+                <a:latin typeface="Courier New" panose="02070309020205020404" pitchFamily="49" charset="0"/>
+                <a:ea typeface="inherit"/>
+                <a:cs typeface="Courier New" panose="02070309020205020404" pitchFamily="49" charset="0"/>
+              </a:rPr>
+              <a:t>memory</a:t>
+            </a:r>
+            <a:r>
+              <a:rPr kumimoji="0" lang="zh-CN" altLang="zh-CN" b="0" i="0" u="none" strike="noStrike" cap="none" normalizeH="0" baseline="0" dirty="0">
+                <a:ln>
+                  <a:noFill/>
+                </a:ln>
+                <a:solidFill>
+                  <a:srgbClr val="3C484E"/>
+                </a:solidFill>
+                <a:effectLst/>
+                <a:ea typeface="inherit"/>
+              </a:rPr>
+              <a:t>)：限制 cgroup 中任务使用内存的量，并生成任务当前内存的使用情况报告</a:t>
+            </a:r>
+            <a:endParaRPr kumimoji="0" lang="zh-CN" altLang="zh-CN" b="0" i="0" u="none" strike="noStrike" cap="none" normalizeH="0" baseline="0" dirty="0">
+              <a:ln>
+                <a:noFill/>
+              </a:ln>
+              <a:solidFill>
+                <a:srgbClr val="3C484E"/>
+              </a:solidFill>
+              <a:effectLst/>
+              <a:latin typeface="Arial" panose="020B0604020202020204" pitchFamily="34" charset="0"/>
+              <a:ea typeface="inherit"/>
+            </a:endParaRPr>
+          </a:p>
+          <a:p>
+            <a:pPr marL="0" marR="0" lvl="0" indent="0" algn="l" defTabSz="914400" rtl="0" eaLnBrk="0" fontAlgn="base" latinLnBrk="0" hangingPunct="0">
+              <a:lnSpc>
+                <a:spcPct val="100000"/>
+              </a:lnSpc>
+              <a:spcBef>
+                <a:spcPct val="0"/>
+              </a:spcBef>
+              <a:spcAft>
+                <a:spcPct val="0"/>
+              </a:spcAft>
+              <a:buClrTx/>
+              <a:buSzTx/>
+              <a:buFontTx/>
+              <a:buChar char="•"/>
+              <a:tabLst/>
+            </a:pPr>
+            <a:r>
+              <a:rPr kumimoji="0" lang="zh-CN" altLang="zh-CN" b="0" i="0" u="none" strike="noStrike" cap="none" normalizeH="0" baseline="0" dirty="0">
+                <a:ln>
+                  <a:noFill/>
+                </a:ln>
+                <a:solidFill>
+                  <a:srgbClr val="3C484E"/>
+                </a:solidFill>
+                <a:effectLst/>
+                <a:latin typeface="Arial" panose="020B0604020202020204" pitchFamily="34" charset="0"/>
+                <a:ea typeface="inherit"/>
+              </a:rPr>
+              <a:t>Network Classifier(</a:t>
+            </a:r>
+            <a:r>
+              <a:rPr kumimoji="0" lang="zh-CN" altLang="zh-CN" b="0" i="0" u="none" strike="noStrike" cap="none" normalizeH="0" baseline="0" dirty="0">
+                <a:ln>
+                  <a:noFill/>
+                </a:ln>
+                <a:solidFill>
+                  <a:srgbClr val="3C484E"/>
+                </a:solidFill>
+                <a:effectLst/>
+                <a:latin typeface="Courier New" panose="02070309020205020404" pitchFamily="49" charset="0"/>
+                <a:ea typeface="inherit"/>
+                <a:cs typeface="Courier New" panose="02070309020205020404" pitchFamily="49" charset="0"/>
+              </a:rPr>
+              <a:t>net_cls</a:t>
+            </a:r>
+            <a:r>
+              <a:rPr kumimoji="0" lang="zh-CN" altLang="zh-CN" b="0" i="0" u="none" strike="noStrike" cap="none" normalizeH="0" baseline="0" dirty="0">
+                <a:ln>
+                  <a:noFill/>
+                </a:ln>
+                <a:solidFill>
+                  <a:srgbClr val="3C484E"/>
+                </a:solidFill>
+                <a:effectLst/>
+                <a:ea typeface="inherit"/>
+              </a:rPr>
+              <a:t>)：为 cgroup 中的报文设置上特定的 classid 标志，这样 tc 等工具就能根据标记对网络进行配置</a:t>
+            </a:r>
+            <a:endParaRPr kumimoji="0" lang="zh-CN" altLang="zh-CN" b="0" i="0" u="none" strike="noStrike" cap="none" normalizeH="0" baseline="0" dirty="0">
+              <a:ln>
+                <a:noFill/>
+              </a:ln>
+              <a:solidFill>
+                <a:srgbClr val="3C484E"/>
+              </a:solidFill>
+              <a:effectLst/>
+              <a:latin typeface="Arial" panose="020B0604020202020204" pitchFamily="34" charset="0"/>
+              <a:ea typeface="inherit"/>
+            </a:endParaRPr>
+          </a:p>
+          <a:p>
+            <a:pPr marL="0" marR="0" lvl="0" indent="0" algn="l" defTabSz="914400" rtl="0" eaLnBrk="0" fontAlgn="base" latinLnBrk="0" hangingPunct="0">
+              <a:lnSpc>
+                <a:spcPct val="100000"/>
+              </a:lnSpc>
+              <a:spcBef>
+                <a:spcPct val="0"/>
+              </a:spcBef>
+              <a:spcAft>
+                <a:spcPct val="0"/>
+              </a:spcAft>
+              <a:buClrTx/>
+              <a:buSzTx/>
+              <a:buFontTx/>
+              <a:buChar char="•"/>
+              <a:tabLst/>
+            </a:pPr>
+            <a:r>
+              <a:rPr kumimoji="0" lang="zh-CN" altLang="zh-CN" b="0" i="0" u="none" strike="noStrike" cap="none" normalizeH="0" baseline="0" dirty="0">
+                <a:ln>
+                  <a:noFill/>
+                </a:ln>
+                <a:solidFill>
+                  <a:srgbClr val="3C484E"/>
+                </a:solidFill>
+                <a:effectLst/>
+                <a:latin typeface="Arial" panose="020B0604020202020204" pitchFamily="34" charset="0"/>
+                <a:ea typeface="inherit"/>
+              </a:rPr>
+              <a:t>Network Priority (</a:t>
+            </a:r>
+            <a:r>
+              <a:rPr kumimoji="0" lang="zh-CN" altLang="zh-CN" b="0" i="0" u="none" strike="noStrike" cap="none" normalizeH="0" baseline="0" dirty="0">
+                <a:ln>
+                  <a:noFill/>
+                </a:ln>
+                <a:solidFill>
+                  <a:srgbClr val="3C484E"/>
+                </a:solidFill>
+                <a:effectLst/>
+                <a:latin typeface="Courier New" panose="02070309020205020404" pitchFamily="49" charset="0"/>
+                <a:ea typeface="inherit"/>
+                <a:cs typeface="Courier New" panose="02070309020205020404" pitchFamily="49" charset="0"/>
+              </a:rPr>
+              <a:t>net_prio</a:t>
+            </a:r>
+            <a:r>
+              <a:rPr kumimoji="0" lang="zh-CN" altLang="zh-CN" b="0" i="0" u="none" strike="noStrike" cap="none" normalizeH="0" baseline="0" dirty="0">
+                <a:ln>
+                  <a:noFill/>
+                </a:ln>
+                <a:solidFill>
+                  <a:srgbClr val="3C484E"/>
+                </a:solidFill>
+                <a:effectLst/>
+                <a:ea typeface="inherit"/>
+              </a:rPr>
+              <a:t>)：对每个网络接口设置报文的优先级</a:t>
+            </a:r>
+            <a:endParaRPr kumimoji="0" lang="zh-CN" altLang="zh-CN" b="0" i="0" u="none" strike="noStrike" cap="none" normalizeH="0" baseline="0" dirty="0">
+              <a:ln>
+                <a:noFill/>
+              </a:ln>
+              <a:solidFill>
+                <a:srgbClr val="3C484E"/>
+              </a:solidFill>
+              <a:effectLst/>
+              <a:latin typeface="Arial" panose="020B0604020202020204" pitchFamily="34" charset="0"/>
+              <a:ea typeface="inherit"/>
+            </a:endParaRPr>
+          </a:p>
+          <a:p>
+            <a:pPr marL="0" marR="0" lvl="0" indent="0" algn="l" defTabSz="914400" rtl="0" eaLnBrk="0" fontAlgn="base" latinLnBrk="0" hangingPunct="0">
+              <a:lnSpc>
+                <a:spcPct val="100000"/>
+              </a:lnSpc>
+              <a:spcBef>
+                <a:spcPct val="0"/>
+              </a:spcBef>
+              <a:spcAft>
+                <a:spcPct val="0"/>
+              </a:spcAft>
+              <a:buClrTx/>
+              <a:buSzTx/>
+              <a:buFontTx/>
+              <a:buChar char="•"/>
+              <a:tabLst/>
+            </a:pPr>
+            <a:r>
+              <a:rPr kumimoji="0" lang="zh-CN" altLang="zh-CN" b="0" i="0" u="none" strike="noStrike" cap="none" normalizeH="0" baseline="0" dirty="0">
+                <a:ln>
+                  <a:noFill/>
+                </a:ln>
+                <a:solidFill>
+                  <a:srgbClr val="3C484E"/>
+                </a:solidFill>
+                <a:effectLst/>
+                <a:latin typeface="Courier New" panose="02070309020205020404" pitchFamily="49" charset="0"/>
+                <a:ea typeface="inherit"/>
+                <a:cs typeface="Courier New" panose="02070309020205020404" pitchFamily="49" charset="0"/>
+              </a:rPr>
+              <a:t>perf_event</a:t>
+            </a:r>
+            <a:r>
+              <a:rPr kumimoji="0" lang="zh-CN" altLang="zh-CN" b="0" i="0" u="none" strike="noStrike" cap="none" normalizeH="0" baseline="0" dirty="0">
+                <a:ln>
+                  <a:noFill/>
+                </a:ln>
+                <a:solidFill>
+                  <a:srgbClr val="3C484E"/>
+                </a:solidFill>
+                <a:effectLst/>
+                <a:ea typeface="inherit"/>
+              </a:rPr>
+              <a:t>：识别任务的 cgroup 成员，可以用来做性能分析</a:t>
+            </a:r>
+            <a:endParaRPr kumimoji="0" lang="zh-CN" altLang="zh-CN" b="0" i="0" u="none" strike="noStrike" cap="none" normalizeH="0" baseline="0" dirty="0">
+              <a:ln>
+                <a:noFill/>
+              </a:ln>
+              <a:solidFill>
+                <a:srgbClr val="3C484E"/>
+              </a:solidFill>
+              <a:effectLst/>
+              <a:latin typeface="Arial" panose="020B0604020202020204" pitchFamily="34" charset="0"/>
+              <a:ea typeface="Helvetica Neue"/>
+            </a:endParaRPr>
+          </a:p>
+          <a:p>
+            <a:pPr marL="0" marR="0" lvl="0" indent="0" algn="l" defTabSz="914400" rtl="0" eaLnBrk="0" fontAlgn="base" latinLnBrk="0" hangingPunct="0">
+              <a:lnSpc>
+                <a:spcPct val="100000"/>
+              </a:lnSpc>
+              <a:spcBef>
+                <a:spcPct val="0"/>
+              </a:spcBef>
+              <a:spcAft>
+                <a:spcPct val="0"/>
+              </a:spcAft>
+              <a:buClrTx/>
+              <a:buSzTx/>
+              <a:buFontTx/>
+              <a:buNone/>
+              <a:tabLst/>
+            </a:pPr>
+            <a:endParaRPr kumimoji="0" lang="zh-CN" altLang="zh-CN" b="0" i="0" u="none" strike="noStrike" cap="none" normalizeH="0" baseline="0" dirty="0">
+              <a:ln>
+                <a:noFill/>
+              </a:ln>
+              <a:solidFill>
+                <a:schemeClr val="tx1"/>
+              </a:solidFill>
+              <a:effectLst/>
+              <a:latin typeface="Arial" panose="020B0604020202020204" pitchFamily="34" charset="0"/>
+            </a:endParaRPr>
+          </a:p>
+        </p:txBody>
+      </p:sp>
+    </p:spTree>
+    <p:extLst>
+      <p:ext uri="{BB962C8B-B14F-4D97-AF65-F5344CB8AC3E}">
+        <p14:creationId xmlns:p14="http://schemas.microsoft.com/office/powerpoint/2010/main" val="1873494620"/>
+      </p:ext>
+    </p:extLst>
+  </p:cSld>
+  <p:clrMapOvr>
+    <a:masterClrMapping/>
+  </p:clrMapOvr>
+</p:sld>
+</file>
+
+<file path=ppt/slides/slide9.xml><?xml version="1.0" encoding="utf-8"?>
+<p:sld xmlns:a="http://schemas.openxmlformats.org/drawingml/2006/main" xmlns:r="http://schemas.openxmlformats.org/officeDocument/2006/relationships" xmlns:p="http://schemas.openxmlformats.org/presentationml/2006/main">
+  <p:cSld>
+    <p:spTree>
+      <p:nvGrpSpPr>
+        <p:cNvPr id="1" name=""/>
+        <p:cNvGrpSpPr/>
+        <p:nvPr/>
+      </p:nvGrpSpPr>
+      <p:grpSpPr>
+        <a:xfrm>
+          <a:off x="0" y="0"/>
+          <a:ext cx="0" cy="0"/>
+          <a:chOff x="0" y="0"/>
+          <a:chExt cx="0" cy="0"/>
+        </a:xfrm>
+      </p:grpSpPr>
+      <p:sp>
+        <p:nvSpPr>
+          <p:cNvPr id="4" name="Rectangle 2">
+            <a:extLst>
+              <a:ext uri="{FF2B5EF4-FFF2-40B4-BE49-F238E27FC236}">
+                <a16:creationId xmlns:a16="http://schemas.microsoft.com/office/drawing/2014/main" id="{9E3CDC07-C597-4001-A6B5-90409419A79C}"/>
+              </a:ext>
+            </a:extLst>
+          </p:cNvPr>
+          <p:cNvSpPr>
+            <a:spLocks noChangeArrowheads="1"/>
+          </p:cNvSpPr>
+          <p:nvPr/>
+        </p:nvSpPr>
+        <p:spPr bwMode="auto">
+          <a:xfrm>
+            <a:off x="280555" y="503268"/>
+            <a:ext cx="11344940" cy="3939540"/>
+          </a:xfrm>
+          <a:prstGeom prst="rect">
+            <a:avLst/>
+          </a:prstGeom>
+          <a:solidFill>
+            <a:srgbClr val="FFFFFF"/>
+          </a:solidFill>
+          <a:ln>
+            <a:noFill/>
+          </a:ln>
+          <a:effectLst/>
+          <a:extLst>
+            <a:ext uri="{91240B29-F687-4F45-9708-019B960494DF}">
+              <a14:hiddenLine xmlns:a14="http://schemas.microsoft.com/office/drawing/2010/main" w="9525">
+                <a:solidFill>
+                  <a:schemeClr val="tx1"/>
+                </a:solidFill>
+                <a:miter lim="800000"/>
+                <a:headEnd/>
+                <a:tailEnd/>
+              </a14:hiddenLine>
+            </a:ext>
+            <a:ext uri="{AF507438-7753-43E0-B8FC-AC1667EBCBE1}">
+              <a14:hiddenEffects xmlns:a14="http://schemas.microsoft.com/office/drawing/2010/main">
+                <a:effectLst>
+                  <a:outerShdw dist="35921" dir="2700000" algn="ctr" rotWithShape="0">
+                    <a:schemeClr val="bg2"/>
+                  </a:outerShdw>
+                </a:effectLst>
+              </a14:hiddenEffects>
+            </a:ext>
+          </a:extLst>
+        </p:spPr>
+        <p:txBody>
+          <a:bodyPr vert="horz" wrap="square" lIns="0" tIns="0" rIns="0" bIns="0" numCol="1" anchor="ctr" anchorCtr="0" compatLnSpc="1">
+            <a:prstTxWarp prst="textNoShape">
+              <a:avLst/>
+            </a:prstTxWarp>
+            <a:spAutoFit/>
+          </a:bodyPr>
+          <a:lstStyle>
+            <a:lvl1pPr eaLnBrk="0" fontAlgn="base" hangingPunct="0">
+              <a:spcBef>
+                <a:spcPct val="0"/>
+              </a:spcBef>
+              <a:spcAft>
+                <a:spcPct val="0"/>
+              </a:spcAft>
+              <a:defRPr>
+                <a:solidFill>
+                  <a:schemeClr val="tx1"/>
+                </a:solidFill>
+                <a:latin typeface="Arial" panose="020B0604020202020204" pitchFamily="34" charset="0"/>
+              </a:defRPr>
+            </a:lvl1pPr>
+            <a:lvl2pPr eaLnBrk="0" fontAlgn="base" hangingPunct="0">
+              <a:spcBef>
+                <a:spcPct val="0"/>
+              </a:spcBef>
+              <a:spcAft>
+                <a:spcPct val="0"/>
+              </a:spcAft>
+              <a:defRPr>
+                <a:solidFill>
+                  <a:schemeClr val="tx1"/>
+                </a:solidFill>
+                <a:latin typeface="Arial" panose="020B0604020202020204" pitchFamily="34" charset="0"/>
+              </a:defRPr>
+            </a:lvl2pPr>
+            <a:lvl3pPr eaLnBrk="0" fontAlgn="base" hangingPunct="0">
+              <a:spcBef>
+                <a:spcPct val="0"/>
+              </a:spcBef>
+              <a:spcAft>
+                <a:spcPct val="0"/>
+              </a:spcAft>
+              <a:defRPr>
+                <a:solidFill>
+                  <a:schemeClr val="tx1"/>
+                </a:solidFill>
+                <a:latin typeface="Arial" panose="020B0604020202020204" pitchFamily="34" charset="0"/>
+              </a:defRPr>
+            </a:lvl3pPr>
+            <a:lvl4pPr eaLnBrk="0" fontAlgn="base" hangingPunct="0">
+              <a:spcBef>
+                <a:spcPct val="0"/>
+              </a:spcBef>
+              <a:spcAft>
+                <a:spcPct val="0"/>
+              </a:spcAft>
+              <a:defRPr>
+                <a:solidFill>
+                  <a:schemeClr val="tx1"/>
+                </a:solidFill>
+                <a:latin typeface="Arial" panose="020B0604020202020204" pitchFamily="34" charset="0"/>
+              </a:defRPr>
+            </a:lvl4pPr>
+            <a:lvl5pPr eaLnBrk="0" fontAlgn="base" hangingPunct="0">
+              <a:spcBef>
+                <a:spcPct val="0"/>
+              </a:spcBef>
+              <a:spcAft>
+                <a:spcPct val="0"/>
+              </a:spcAft>
+              <a:defRPr>
+                <a:solidFill>
+                  <a:schemeClr val="tx1"/>
+                </a:solidFill>
+                <a:latin typeface="Arial" panose="020B0604020202020204" pitchFamily="34" charset="0"/>
+              </a:defRPr>
+            </a:lvl5pPr>
+            <a:lvl6pPr eaLnBrk="0" fontAlgn="base" hangingPunct="0">
+              <a:spcBef>
+                <a:spcPct val="0"/>
+              </a:spcBef>
+              <a:spcAft>
+                <a:spcPct val="0"/>
+              </a:spcAft>
+              <a:defRPr>
+                <a:solidFill>
+                  <a:schemeClr val="tx1"/>
+                </a:solidFill>
+                <a:latin typeface="Arial" panose="020B0604020202020204" pitchFamily="34" charset="0"/>
+              </a:defRPr>
+            </a:lvl6pPr>
+            <a:lvl7pPr eaLnBrk="0" fontAlgn="base" hangingPunct="0">
+              <a:spcBef>
+                <a:spcPct val="0"/>
+              </a:spcBef>
+              <a:spcAft>
+                <a:spcPct val="0"/>
+              </a:spcAft>
+              <a:defRPr>
+                <a:solidFill>
+                  <a:schemeClr val="tx1"/>
+                </a:solidFill>
+                <a:latin typeface="Arial" panose="020B0604020202020204" pitchFamily="34" charset="0"/>
+              </a:defRPr>
+            </a:lvl7pPr>
+            <a:lvl8pPr eaLnBrk="0" fontAlgn="base" hangingPunct="0">
+              <a:spcBef>
+                <a:spcPct val="0"/>
+              </a:spcBef>
+              <a:spcAft>
+                <a:spcPct val="0"/>
+              </a:spcAft>
+              <a:defRPr>
+                <a:solidFill>
+                  <a:schemeClr val="tx1"/>
+                </a:solidFill>
+                <a:latin typeface="Arial" panose="020B0604020202020204" pitchFamily="34" charset="0"/>
+              </a:defRPr>
+            </a:lvl8pPr>
+            <a:lvl9pPr eaLnBrk="0" fontAlgn="base" hangingPunct="0">
+              <a:spcBef>
+                <a:spcPct val="0"/>
+              </a:spcBef>
+              <a:spcAft>
+                <a:spcPct val="0"/>
+              </a:spcAft>
+              <a:defRPr>
+                <a:solidFill>
+                  <a:schemeClr val="tx1"/>
+                </a:solidFill>
+                <a:latin typeface="Arial" panose="020B0604020202020204" pitchFamily="34" charset="0"/>
+              </a:defRPr>
+            </a:lvl9pPr>
+          </a:lstStyle>
+          <a:p>
+            <a:pPr marL="0" marR="0" lvl="0" indent="0" algn="l" defTabSz="914400" rtl="0" eaLnBrk="0" fontAlgn="base" latinLnBrk="0" hangingPunct="0">
+              <a:lnSpc>
+                <a:spcPct val="100000"/>
+              </a:lnSpc>
+              <a:spcBef>
+                <a:spcPct val="0"/>
+              </a:spcBef>
+              <a:spcAft>
+                <a:spcPct val="0"/>
+              </a:spcAft>
+              <a:buClrTx/>
+              <a:buSzTx/>
+              <a:buFontTx/>
+              <a:buNone/>
+              <a:tabLst/>
+            </a:pPr>
+            <a:r>
+              <a:rPr kumimoji="0" lang="zh-CN" altLang="zh-CN" sz="1600" b="1" i="0" u="none" strike="noStrike" cap="none" normalizeH="0" baseline="0" dirty="0">
+                <a:ln>
+                  <a:noFill/>
+                </a:ln>
+                <a:solidFill>
+                  <a:srgbClr val="090A0B"/>
+                </a:solidFill>
+                <a:effectLst/>
+                <a:latin typeface="Arial" panose="020B0604020202020204" pitchFamily="34" charset="0"/>
+                <a:ea typeface="-apple-system"/>
+              </a:rPr>
+              <a:t>setns：让进程加入已经存在 namespace</a:t>
+            </a:r>
+          </a:p>
+          <a:p>
+            <a:pPr marL="0" marR="0" lvl="0" indent="0" algn="l" defTabSz="914400" rtl="0" eaLnBrk="0" fontAlgn="base" latinLnBrk="0" hangingPunct="0">
+              <a:lnSpc>
+                <a:spcPct val="100000"/>
+              </a:lnSpc>
+              <a:spcBef>
+                <a:spcPct val="0"/>
+              </a:spcBef>
+              <a:spcAft>
+                <a:spcPct val="0"/>
+              </a:spcAft>
+              <a:buClrTx/>
+              <a:buSzTx/>
+              <a:buFontTx/>
+              <a:buNone/>
+              <a:tabLst/>
+            </a:pPr>
+            <a:r>
+              <a:rPr kumimoji="0" lang="zh-CN" altLang="zh-CN" sz="1600" b="0" i="0" u="none" strike="noStrike" cap="none" normalizeH="0" baseline="0" dirty="0">
+                <a:ln>
+                  <a:noFill/>
+                </a:ln>
+                <a:solidFill>
+                  <a:srgbClr val="3C484E"/>
+                </a:solidFill>
+                <a:effectLst/>
+                <a:latin typeface="Courier New" panose="02070309020205020404" pitchFamily="49" charset="0"/>
+                <a:ea typeface="Helvetica Neue"/>
+                <a:cs typeface="Courier New" panose="02070309020205020404" pitchFamily="49" charset="0"/>
+              </a:rPr>
+              <a:t>setns</a:t>
+            </a:r>
+            <a:r>
+              <a:rPr kumimoji="0" lang="zh-CN" altLang="zh-CN" sz="1600" b="0" i="0" u="none" strike="noStrike" cap="none" normalizeH="0" baseline="0" dirty="0">
+                <a:ln>
+                  <a:noFill/>
+                </a:ln>
+                <a:solidFill>
+                  <a:srgbClr val="3C484E"/>
+                </a:solidFill>
+                <a:effectLst/>
+                <a:ea typeface="Helvetica Neue"/>
+              </a:rPr>
+              <a:t> </a:t>
+            </a:r>
+            <a:r>
+              <a:rPr kumimoji="0" lang="zh-CN" altLang="zh-CN" sz="1600" b="0" i="0" u="none" strike="noStrike" cap="none" normalizeH="0" baseline="0" dirty="0">
+                <a:ln>
+                  <a:noFill/>
+                </a:ln>
+                <a:solidFill>
+                  <a:srgbClr val="3C484E"/>
+                </a:solidFill>
+                <a:effectLst/>
+                <a:latin typeface="Arial" panose="020B0604020202020204" pitchFamily="34" charset="0"/>
+                <a:ea typeface="Helvetica Neue"/>
+              </a:rPr>
+              <a:t>能够把某个进程加入到给定的 namespace，它的定义是这样的：</a:t>
+            </a:r>
+            <a:endParaRPr kumimoji="0" lang="zh-CN" altLang="zh-CN" sz="1600" b="0" i="0" u="none" strike="noStrike" cap="none" normalizeH="0" baseline="0" dirty="0">
+              <a:ln>
+                <a:noFill/>
+              </a:ln>
+              <a:solidFill>
+                <a:srgbClr val="A626A4"/>
+              </a:solidFill>
+              <a:effectLst/>
+              <a:latin typeface="Courier New" panose="02070309020205020404" pitchFamily="49" charset="0"/>
+              <a:ea typeface="inherit"/>
+              <a:cs typeface="Courier New" panose="02070309020205020404" pitchFamily="49" charset="0"/>
+            </a:endParaRPr>
+          </a:p>
+          <a:p>
+            <a:pPr marL="0" marR="0" lvl="0" indent="0" algn="l" defTabSz="914400" rtl="0" eaLnBrk="0" fontAlgn="base" latinLnBrk="0" hangingPunct="0">
+              <a:lnSpc>
+                <a:spcPct val="100000"/>
+              </a:lnSpc>
+              <a:spcBef>
+                <a:spcPct val="0"/>
+              </a:spcBef>
+              <a:spcAft>
+                <a:spcPct val="0"/>
+              </a:spcAft>
+              <a:buClrTx/>
+              <a:buSzTx/>
+              <a:buFontTx/>
+              <a:buNone/>
+              <a:tabLst/>
+            </a:pPr>
+            <a:r>
+              <a:rPr kumimoji="0" lang="zh-CN" altLang="zh-CN" sz="1600" b="0" i="0" u="none" strike="noStrike" cap="none" normalizeH="0" baseline="0" dirty="0">
+                <a:ln>
+                  <a:noFill/>
+                </a:ln>
+                <a:solidFill>
+                  <a:srgbClr val="A626A4"/>
+                </a:solidFill>
+                <a:effectLst/>
+                <a:latin typeface="Courier New" panose="02070309020205020404" pitchFamily="49" charset="0"/>
+                <a:ea typeface="inherit"/>
+                <a:cs typeface="Courier New" panose="02070309020205020404" pitchFamily="49" charset="0"/>
+              </a:rPr>
+              <a:t>int</a:t>
+            </a:r>
+            <a:r>
+              <a:rPr kumimoji="0" lang="zh-CN" altLang="zh-CN" sz="1600" b="0" i="0" u="none" strike="noStrike" cap="none" normalizeH="0" baseline="0" dirty="0">
+                <a:ln>
+                  <a:noFill/>
+                </a:ln>
+                <a:solidFill>
+                  <a:srgbClr val="383A42"/>
+                </a:solidFill>
+                <a:effectLst/>
+                <a:latin typeface="Courier New" panose="02070309020205020404" pitchFamily="49" charset="0"/>
+                <a:ea typeface="inherit"/>
+                <a:cs typeface="Courier New" panose="02070309020205020404" pitchFamily="49" charset="0"/>
+              </a:rPr>
+              <a:t> </a:t>
+            </a:r>
+            <a:r>
+              <a:rPr kumimoji="0" lang="zh-CN" altLang="zh-CN" sz="1600" b="0" i="0" u="none" strike="noStrike" cap="none" normalizeH="0" baseline="0" dirty="0">
+                <a:ln>
+                  <a:noFill/>
+                </a:ln>
+                <a:solidFill>
+                  <a:srgbClr val="4078F2"/>
+                </a:solidFill>
+                <a:effectLst/>
+                <a:latin typeface="Courier New" panose="02070309020205020404" pitchFamily="49" charset="0"/>
+                <a:ea typeface="inherit"/>
+                <a:cs typeface="Courier New" panose="02070309020205020404" pitchFamily="49" charset="0"/>
+              </a:rPr>
+              <a:t>setns</a:t>
+            </a:r>
+            <a:r>
+              <a:rPr kumimoji="0" lang="zh-CN" altLang="zh-CN" sz="1600" b="0" i="0" u="none" strike="noStrike" cap="none" normalizeH="0" baseline="0" dirty="0">
+                <a:ln>
+                  <a:noFill/>
+                </a:ln>
+                <a:solidFill>
+                  <a:srgbClr val="383A42"/>
+                </a:solidFill>
+                <a:effectLst/>
+                <a:latin typeface="Courier New" panose="02070309020205020404" pitchFamily="49" charset="0"/>
+                <a:ea typeface="inherit"/>
+                <a:cs typeface="Courier New" panose="02070309020205020404" pitchFamily="49" charset="0"/>
+              </a:rPr>
+              <a:t>(</a:t>
+            </a:r>
+            <a:r>
+              <a:rPr kumimoji="0" lang="zh-CN" altLang="zh-CN" sz="1600" b="0" i="0" u="none" strike="noStrike" cap="none" normalizeH="0" baseline="0" dirty="0">
+                <a:ln>
+                  <a:noFill/>
+                </a:ln>
+                <a:solidFill>
+                  <a:srgbClr val="A626A4"/>
+                </a:solidFill>
+                <a:effectLst/>
+                <a:latin typeface="Courier New" panose="02070309020205020404" pitchFamily="49" charset="0"/>
+                <a:ea typeface="inherit"/>
+                <a:cs typeface="Courier New" panose="02070309020205020404" pitchFamily="49" charset="0"/>
+              </a:rPr>
+              <a:t>int</a:t>
+            </a:r>
+            <a:r>
+              <a:rPr kumimoji="0" lang="zh-CN" altLang="zh-CN" sz="1600" b="0" i="0" u="none" strike="noStrike" cap="none" normalizeH="0" baseline="0" dirty="0">
+                <a:ln>
+                  <a:noFill/>
+                </a:ln>
+                <a:solidFill>
+                  <a:srgbClr val="383A42"/>
+                </a:solidFill>
+                <a:effectLst/>
+                <a:latin typeface="Courier New" panose="02070309020205020404" pitchFamily="49" charset="0"/>
+                <a:ea typeface="inherit"/>
+                <a:cs typeface="Courier New" panose="02070309020205020404" pitchFamily="49" charset="0"/>
+              </a:rPr>
+              <a:t> fd, </a:t>
+            </a:r>
+            <a:r>
+              <a:rPr kumimoji="0" lang="zh-CN" altLang="zh-CN" sz="1600" b="0" i="0" u="none" strike="noStrike" cap="none" normalizeH="0" baseline="0" dirty="0">
+                <a:ln>
+                  <a:noFill/>
+                </a:ln>
+                <a:solidFill>
+                  <a:srgbClr val="A626A4"/>
+                </a:solidFill>
+                <a:effectLst/>
+                <a:latin typeface="Courier New" panose="02070309020205020404" pitchFamily="49" charset="0"/>
+                <a:ea typeface="inherit"/>
+                <a:cs typeface="Courier New" panose="02070309020205020404" pitchFamily="49" charset="0"/>
+              </a:rPr>
+              <a:t>int</a:t>
+            </a:r>
+            <a:r>
+              <a:rPr kumimoji="0" lang="zh-CN" altLang="zh-CN" sz="1600" b="0" i="0" u="none" strike="noStrike" cap="none" normalizeH="0" baseline="0" dirty="0">
+                <a:ln>
+                  <a:noFill/>
+                </a:ln>
+                <a:solidFill>
+                  <a:srgbClr val="383A42"/>
+                </a:solidFill>
+                <a:effectLst/>
+                <a:latin typeface="Courier New" panose="02070309020205020404" pitchFamily="49" charset="0"/>
+                <a:ea typeface="inherit"/>
+                <a:cs typeface="Courier New" panose="02070309020205020404" pitchFamily="49" charset="0"/>
+              </a:rPr>
+              <a:t> nstype)</a:t>
+            </a:r>
+            <a:r>
+              <a:rPr kumimoji="0" lang="zh-CN" altLang="zh-CN" sz="1600" b="0" i="0" u="none" strike="noStrike" cap="none" normalizeH="0" baseline="0" dirty="0">
+                <a:ln>
+                  <a:noFill/>
+                </a:ln>
+                <a:solidFill>
+                  <a:srgbClr val="383A42"/>
+                </a:solidFill>
+                <a:effectLst/>
+                <a:latin typeface="Courier New" panose="02070309020205020404" pitchFamily="49" charset="0"/>
+                <a:cs typeface="Courier New" panose="02070309020205020404" pitchFamily="49" charset="0"/>
+              </a:rPr>
+              <a:t>; </a:t>
+            </a:r>
+            <a:endParaRPr kumimoji="0" lang="zh-CN" altLang="zh-CN" sz="1600" b="0" i="0" u="none" strike="noStrike" cap="none" normalizeH="0" baseline="0" dirty="0">
+              <a:ln>
+                <a:noFill/>
+              </a:ln>
+              <a:solidFill>
+                <a:schemeClr val="tx1"/>
+              </a:solidFill>
+              <a:effectLst/>
+            </a:endParaRPr>
+          </a:p>
+          <a:p>
+            <a:pPr marL="0" marR="0" lvl="0" indent="0" algn="l" defTabSz="914400" rtl="0" eaLnBrk="0" fontAlgn="base" latinLnBrk="0" hangingPunct="0">
+              <a:lnSpc>
+                <a:spcPct val="100000"/>
+              </a:lnSpc>
+              <a:spcBef>
+                <a:spcPct val="0"/>
+              </a:spcBef>
+              <a:spcAft>
+                <a:spcPct val="0"/>
+              </a:spcAft>
+              <a:buClrTx/>
+              <a:buSzTx/>
+              <a:buFontTx/>
+              <a:buNone/>
+              <a:tabLst/>
+            </a:pPr>
+            <a:endParaRPr kumimoji="0" lang="en-US" altLang="zh-CN" sz="1600" b="0" i="0" u="none" strike="noStrike" cap="none" normalizeH="0" baseline="0" dirty="0">
+              <a:ln>
+                <a:noFill/>
+              </a:ln>
+              <a:solidFill>
+                <a:srgbClr val="3C484E"/>
+              </a:solidFill>
+              <a:effectLst/>
+              <a:latin typeface="Courier New" panose="02070309020205020404" pitchFamily="49" charset="0"/>
+              <a:ea typeface="Helvetica Neue"/>
+              <a:cs typeface="Courier New" panose="02070309020205020404" pitchFamily="49" charset="0"/>
+            </a:endParaRPr>
+          </a:p>
+          <a:p>
+            <a:pPr marL="0" marR="0" lvl="0" indent="0" algn="l" defTabSz="914400" rtl="0" eaLnBrk="0" fontAlgn="base" latinLnBrk="0" hangingPunct="0">
+              <a:lnSpc>
+                <a:spcPct val="100000"/>
+              </a:lnSpc>
+              <a:spcBef>
+                <a:spcPct val="0"/>
+              </a:spcBef>
+              <a:spcAft>
+                <a:spcPct val="0"/>
+              </a:spcAft>
+              <a:buClrTx/>
+              <a:buSzTx/>
+              <a:buFontTx/>
+              <a:buNone/>
+              <a:tabLst/>
+            </a:pPr>
+            <a:r>
+              <a:rPr kumimoji="0" lang="zh-CN" altLang="zh-CN" sz="1600" b="0" i="0" u="none" strike="noStrike" cap="none" normalizeH="0" baseline="0" dirty="0">
+                <a:ln>
+                  <a:noFill/>
+                </a:ln>
+                <a:solidFill>
+                  <a:srgbClr val="3C484E"/>
+                </a:solidFill>
+                <a:effectLst/>
+                <a:latin typeface="Courier New" panose="02070309020205020404" pitchFamily="49" charset="0"/>
+                <a:ea typeface="Helvetica Neue"/>
+                <a:cs typeface="Courier New" panose="02070309020205020404" pitchFamily="49" charset="0"/>
+              </a:rPr>
+              <a:t>fd</a:t>
+            </a:r>
+            <a:r>
+              <a:rPr kumimoji="0" lang="zh-CN" altLang="zh-CN" sz="1600" b="0" i="0" u="none" strike="noStrike" cap="none" normalizeH="0" baseline="0" dirty="0">
+                <a:ln>
+                  <a:noFill/>
+                </a:ln>
+                <a:solidFill>
+                  <a:srgbClr val="3C484E"/>
+                </a:solidFill>
+                <a:effectLst/>
+                <a:ea typeface="Helvetica Neue"/>
+              </a:rPr>
+              <a:t> </a:t>
+            </a:r>
+            <a:r>
+              <a:rPr kumimoji="0" lang="zh-CN" altLang="zh-CN" sz="1600" b="0" i="0" u="none" strike="noStrike" cap="none" normalizeH="0" baseline="0" dirty="0">
+                <a:ln>
+                  <a:noFill/>
+                </a:ln>
+                <a:solidFill>
+                  <a:srgbClr val="3C484E"/>
+                </a:solidFill>
+                <a:effectLst/>
+                <a:latin typeface="Arial" panose="020B0604020202020204" pitchFamily="34" charset="0"/>
+                <a:ea typeface="Helvetica Neue"/>
+              </a:rPr>
+              <a:t>参数是一个文件描述符，指向 </a:t>
+            </a:r>
+            <a:r>
+              <a:rPr kumimoji="0" lang="zh-CN" altLang="zh-CN" sz="1600" b="0" i="0" u="none" strike="noStrike" cap="none" normalizeH="0" baseline="0" dirty="0">
+                <a:ln>
+                  <a:noFill/>
+                </a:ln>
+                <a:solidFill>
+                  <a:srgbClr val="3C484E"/>
+                </a:solidFill>
+                <a:effectLst/>
+                <a:latin typeface="Courier New" panose="02070309020205020404" pitchFamily="49" charset="0"/>
+                <a:ea typeface="Helvetica Neue"/>
+                <a:cs typeface="Courier New" panose="02070309020205020404" pitchFamily="49" charset="0"/>
+              </a:rPr>
+              <a:t>/proc/[pid]/ns/</a:t>
+            </a:r>
+            <a:r>
+              <a:rPr kumimoji="0" lang="zh-CN" altLang="zh-CN" sz="1600" b="0" i="0" u="none" strike="noStrike" cap="none" normalizeH="0" baseline="0" dirty="0">
+                <a:ln>
+                  <a:noFill/>
+                </a:ln>
+                <a:solidFill>
+                  <a:srgbClr val="3C484E"/>
+                </a:solidFill>
+                <a:effectLst/>
+                <a:ea typeface="Helvetica Neue"/>
+              </a:rPr>
+              <a:t> </a:t>
+            </a:r>
+            <a:r>
+              <a:rPr kumimoji="0" lang="zh-CN" altLang="zh-CN" sz="1600" b="0" i="0" u="none" strike="noStrike" cap="none" normalizeH="0" baseline="0" dirty="0">
+                <a:ln>
+                  <a:noFill/>
+                </a:ln>
+                <a:solidFill>
+                  <a:srgbClr val="3C484E"/>
+                </a:solidFill>
+                <a:effectLst/>
+                <a:latin typeface="Arial" panose="020B0604020202020204" pitchFamily="34" charset="0"/>
+                <a:ea typeface="Helvetica Neue"/>
+              </a:rPr>
+              <a:t>目录下的某个 namespace，调用这个函数的进程就会被加入到 </a:t>
+            </a:r>
+            <a:r>
+              <a:rPr kumimoji="0" lang="zh-CN" altLang="zh-CN" sz="1600" b="0" i="0" u="none" strike="noStrike" cap="none" normalizeH="0" baseline="0" dirty="0">
+                <a:ln>
+                  <a:noFill/>
+                </a:ln>
+                <a:solidFill>
+                  <a:srgbClr val="3C484E"/>
+                </a:solidFill>
+                <a:effectLst/>
+                <a:latin typeface="Courier New" panose="02070309020205020404" pitchFamily="49" charset="0"/>
+                <a:ea typeface="Helvetica Neue"/>
+                <a:cs typeface="Courier New" panose="02070309020205020404" pitchFamily="49" charset="0"/>
+              </a:rPr>
+              <a:t>fd</a:t>
+            </a:r>
+            <a:r>
+              <a:rPr kumimoji="0" lang="zh-CN" altLang="zh-CN" sz="1600" b="0" i="0" u="none" strike="noStrike" cap="none" normalizeH="0" baseline="0" dirty="0">
+                <a:ln>
+                  <a:noFill/>
+                </a:ln>
+                <a:solidFill>
+                  <a:srgbClr val="3C484E"/>
+                </a:solidFill>
+                <a:effectLst/>
+                <a:ea typeface="Helvetica Neue"/>
+              </a:rPr>
+              <a:t> </a:t>
+            </a:r>
+            <a:r>
+              <a:rPr kumimoji="0" lang="zh-CN" altLang="zh-CN" sz="1600" b="0" i="0" u="none" strike="noStrike" cap="none" normalizeH="0" baseline="0" dirty="0">
+                <a:ln>
+                  <a:noFill/>
+                </a:ln>
+                <a:solidFill>
+                  <a:srgbClr val="3C484E"/>
+                </a:solidFill>
+                <a:effectLst/>
+                <a:latin typeface="Arial" panose="020B0604020202020204" pitchFamily="34" charset="0"/>
+                <a:ea typeface="Helvetica Neue"/>
+              </a:rPr>
+              <a:t>指向文件所代表的 namespace，</a:t>
+            </a:r>
+            <a:r>
+              <a:rPr kumimoji="0" lang="zh-CN" altLang="zh-CN" sz="1600" b="0" i="0" u="none" strike="noStrike" cap="none" normalizeH="0" baseline="0" dirty="0">
+                <a:ln>
+                  <a:noFill/>
+                </a:ln>
+                <a:solidFill>
+                  <a:srgbClr val="3C484E"/>
+                </a:solidFill>
+                <a:effectLst/>
+                <a:latin typeface="Courier New" panose="02070309020205020404" pitchFamily="49" charset="0"/>
+                <a:ea typeface="Helvetica Neue"/>
+                <a:cs typeface="Courier New" panose="02070309020205020404" pitchFamily="49" charset="0"/>
+              </a:rPr>
+              <a:t>fd</a:t>
+            </a:r>
+            <a:r>
+              <a:rPr kumimoji="0" lang="zh-CN" altLang="zh-CN" sz="1600" b="0" i="0" u="none" strike="noStrike" cap="none" normalizeH="0" baseline="0" dirty="0">
+                <a:ln>
+                  <a:noFill/>
+                </a:ln>
+                <a:solidFill>
+                  <a:srgbClr val="3C484E"/>
+                </a:solidFill>
+                <a:effectLst/>
+                <a:ea typeface="Helvetica Neue"/>
+              </a:rPr>
+              <a:t> </a:t>
+            </a:r>
+            <a:r>
+              <a:rPr kumimoji="0" lang="zh-CN" altLang="zh-CN" sz="1600" b="0" i="0" u="none" strike="noStrike" cap="none" normalizeH="0" baseline="0" dirty="0">
+                <a:ln>
+                  <a:noFill/>
+                </a:ln>
+                <a:solidFill>
+                  <a:srgbClr val="3C484E"/>
+                </a:solidFill>
+                <a:effectLst/>
+                <a:latin typeface="Arial" panose="020B0604020202020204" pitchFamily="34" charset="0"/>
+                <a:ea typeface="Helvetica Neue"/>
+              </a:rPr>
+              <a:t>可以通过打开 namespace 对应的文件获取。</a:t>
+            </a:r>
+            <a:endParaRPr kumimoji="0" lang="zh-CN" altLang="zh-CN" sz="1600" b="0" i="0" u="none" strike="noStrike" cap="none" normalizeH="0" baseline="0" dirty="0">
+              <a:ln>
+                <a:noFill/>
+              </a:ln>
+              <a:solidFill>
+                <a:schemeClr val="tx1"/>
+              </a:solidFill>
+              <a:effectLst/>
+              <a:latin typeface="Arial" panose="020B0604020202020204" pitchFamily="34" charset="0"/>
+            </a:endParaRPr>
+          </a:p>
+          <a:p>
+            <a:pPr marL="0" marR="0" lvl="0" indent="0" algn="l" defTabSz="914400" rtl="0" eaLnBrk="0" fontAlgn="base" latinLnBrk="0" hangingPunct="0">
+              <a:lnSpc>
+                <a:spcPct val="100000"/>
+              </a:lnSpc>
+              <a:spcBef>
+                <a:spcPct val="0"/>
+              </a:spcBef>
+              <a:spcAft>
+                <a:spcPct val="0"/>
+              </a:spcAft>
+              <a:buClrTx/>
+              <a:buSzTx/>
+              <a:buFontTx/>
+              <a:buNone/>
+              <a:tabLst/>
+            </a:pPr>
+            <a:r>
+              <a:rPr kumimoji="0" lang="zh-CN" altLang="zh-CN" sz="1600" b="0" i="0" u="none" strike="noStrike" cap="none" normalizeH="0" baseline="0" dirty="0">
+                <a:ln>
+                  <a:noFill/>
+                </a:ln>
+                <a:solidFill>
+                  <a:srgbClr val="3C484E"/>
+                </a:solidFill>
+                <a:effectLst/>
+                <a:latin typeface="Courier New" panose="02070309020205020404" pitchFamily="49" charset="0"/>
+                <a:ea typeface="Helvetica Neue"/>
+                <a:cs typeface="Courier New" panose="02070309020205020404" pitchFamily="49" charset="0"/>
+              </a:rPr>
+              <a:t>nstype</a:t>
+            </a:r>
+            <a:r>
+              <a:rPr kumimoji="0" lang="zh-CN" altLang="zh-CN" sz="1600" b="0" i="0" u="none" strike="noStrike" cap="none" normalizeH="0" baseline="0" dirty="0">
+                <a:ln>
+                  <a:noFill/>
+                </a:ln>
+                <a:solidFill>
+                  <a:srgbClr val="3C484E"/>
+                </a:solidFill>
+                <a:effectLst/>
+                <a:ea typeface="Helvetica Neue"/>
+              </a:rPr>
+              <a:t> </a:t>
+            </a:r>
+            <a:r>
+              <a:rPr kumimoji="0" lang="zh-CN" altLang="zh-CN" sz="1600" b="0" i="0" u="none" strike="noStrike" cap="none" normalizeH="0" baseline="0" dirty="0">
+                <a:ln>
+                  <a:noFill/>
+                </a:ln>
+                <a:solidFill>
+                  <a:srgbClr val="3C484E"/>
+                </a:solidFill>
+                <a:effectLst/>
+                <a:latin typeface="Arial" panose="020B0604020202020204" pitchFamily="34" charset="0"/>
+                <a:ea typeface="Helvetica Neue"/>
+              </a:rPr>
+              <a:t>限定进程可以加入的 namespaces，可能的取值是：</a:t>
+            </a:r>
+            <a:endParaRPr kumimoji="0" lang="zh-CN" altLang="zh-CN" sz="1600" b="0" i="0" u="none" strike="noStrike" cap="none" normalizeH="0" baseline="0" dirty="0">
+              <a:ln>
+                <a:noFill/>
+              </a:ln>
+              <a:solidFill>
+                <a:schemeClr val="tx1"/>
+              </a:solidFill>
+              <a:effectLst/>
+              <a:latin typeface="Arial" panose="020B0604020202020204" pitchFamily="34" charset="0"/>
+            </a:endParaRPr>
+          </a:p>
+          <a:p>
+            <a:pPr marL="0" marR="0" lvl="0" indent="0" algn="l" defTabSz="914400" rtl="0" eaLnBrk="0" fontAlgn="base" latinLnBrk="0" hangingPunct="0">
+              <a:lnSpc>
+                <a:spcPct val="100000"/>
+              </a:lnSpc>
+              <a:spcBef>
+                <a:spcPct val="0"/>
+              </a:spcBef>
+              <a:spcAft>
+                <a:spcPct val="0"/>
+              </a:spcAft>
+              <a:buClrTx/>
+              <a:buSzTx/>
+              <a:buFontTx/>
+              <a:buChar char="•"/>
+              <a:tabLst/>
+            </a:pPr>
+            <a:r>
+              <a:rPr kumimoji="0" lang="zh-CN" altLang="zh-CN" sz="1600" b="0" i="0" u="none" strike="noStrike" cap="none" normalizeH="0" baseline="0" dirty="0">
+                <a:ln>
+                  <a:noFill/>
+                </a:ln>
+                <a:solidFill>
+                  <a:srgbClr val="3C484E"/>
+                </a:solidFill>
+                <a:effectLst/>
+                <a:latin typeface="Arial" panose="020B0604020202020204" pitchFamily="34" charset="0"/>
+                <a:ea typeface="inherit"/>
+              </a:rPr>
+              <a:t>0: 可以加入任意的 namespaces</a:t>
+            </a:r>
+          </a:p>
+          <a:p>
+            <a:pPr marL="0" marR="0" lvl="0" indent="0" algn="l" defTabSz="914400" rtl="0" eaLnBrk="0" fontAlgn="base" latinLnBrk="0" hangingPunct="0">
+              <a:lnSpc>
+                <a:spcPct val="100000"/>
+              </a:lnSpc>
+              <a:spcBef>
+                <a:spcPct val="0"/>
+              </a:spcBef>
+              <a:spcAft>
+                <a:spcPct val="0"/>
+              </a:spcAft>
+              <a:buClrTx/>
+              <a:buSzTx/>
+              <a:buFontTx/>
+              <a:buChar char="•"/>
+              <a:tabLst/>
+            </a:pPr>
+            <a:r>
+              <a:rPr kumimoji="0" lang="zh-CN" altLang="zh-CN" sz="1600" b="0" i="0" u="none" strike="noStrike" cap="none" normalizeH="0" baseline="0" dirty="0">
+                <a:ln>
+                  <a:noFill/>
+                </a:ln>
+                <a:solidFill>
+                  <a:srgbClr val="3C484E"/>
+                </a:solidFill>
+                <a:effectLst/>
+                <a:latin typeface="Courier New" panose="02070309020205020404" pitchFamily="49" charset="0"/>
+                <a:ea typeface="inherit"/>
+                <a:cs typeface="Courier New" panose="02070309020205020404" pitchFamily="49" charset="0"/>
+              </a:rPr>
+              <a:t>CLONE_NEWIPC</a:t>
+            </a:r>
+            <a:r>
+              <a:rPr kumimoji="0" lang="zh-CN" altLang="zh-CN" sz="1600" b="0" i="0" u="none" strike="noStrike" cap="none" normalizeH="0" baseline="0" dirty="0">
+                <a:ln>
+                  <a:noFill/>
+                </a:ln>
+                <a:solidFill>
+                  <a:srgbClr val="3C484E"/>
+                </a:solidFill>
+                <a:effectLst/>
+                <a:ea typeface="inherit"/>
+              </a:rPr>
+              <a:t>：fd 必须指向 ipc namespace</a:t>
+            </a:r>
+            <a:endParaRPr kumimoji="0" lang="zh-CN" altLang="zh-CN" sz="1600" b="0" i="0" u="none" strike="noStrike" cap="none" normalizeH="0" baseline="0" dirty="0">
+              <a:ln>
+                <a:noFill/>
+              </a:ln>
+              <a:solidFill>
+                <a:srgbClr val="3C484E"/>
+              </a:solidFill>
+              <a:effectLst/>
+              <a:latin typeface="Arial" panose="020B0604020202020204" pitchFamily="34" charset="0"/>
+              <a:ea typeface="inherit"/>
+            </a:endParaRPr>
+          </a:p>
+          <a:p>
+            <a:pPr marL="0" marR="0" lvl="0" indent="0" algn="l" defTabSz="914400" rtl="0" eaLnBrk="0" fontAlgn="base" latinLnBrk="0" hangingPunct="0">
+              <a:lnSpc>
+                <a:spcPct val="100000"/>
+              </a:lnSpc>
+              <a:spcBef>
+                <a:spcPct val="0"/>
+              </a:spcBef>
+              <a:spcAft>
+                <a:spcPct val="0"/>
+              </a:spcAft>
+              <a:buClrTx/>
+              <a:buSzTx/>
+              <a:buFontTx/>
+              <a:buChar char="•"/>
+              <a:tabLst/>
+            </a:pPr>
+            <a:r>
+              <a:rPr kumimoji="0" lang="zh-CN" altLang="zh-CN" sz="1600" b="0" i="0" u="none" strike="noStrike" cap="none" normalizeH="0" baseline="0" dirty="0">
+                <a:ln>
+                  <a:noFill/>
+                </a:ln>
+                <a:solidFill>
+                  <a:srgbClr val="3C484E"/>
+                </a:solidFill>
+                <a:effectLst/>
+                <a:latin typeface="Courier New" panose="02070309020205020404" pitchFamily="49" charset="0"/>
+                <a:ea typeface="inherit"/>
+                <a:cs typeface="Courier New" panose="02070309020205020404" pitchFamily="49" charset="0"/>
+              </a:rPr>
+              <a:t>CLONE_NEWNET</a:t>
+            </a:r>
+            <a:r>
+              <a:rPr kumimoji="0" lang="zh-CN" altLang="zh-CN" sz="1600" b="0" i="0" u="none" strike="noStrike" cap="none" normalizeH="0" baseline="0" dirty="0">
+                <a:ln>
+                  <a:noFill/>
+                </a:ln>
+                <a:solidFill>
+                  <a:srgbClr val="3C484E"/>
+                </a:solidFill>
+                <a:effectLst/>
+                <a:ea typeface="inherit"/>
+              </a:rPr>
+              <a:t>：fd 必须指向 network namespace</a:t>
+            </a:r>
+            <a:endParaRPr kumimoji="0" lang="zh-CN" altLang="zh-CN" sz="1600" b="0" i="0" u="none" strike="noStrike" cap="none" normalizeH="0" baseline="0" dirty="0">
+              <a:ln>
+                <a:noFill/>
+              </a:ln>
+              <a:solidFill>
+                <a:srgbClr val="3C484E"/>
+              </a:solidFill>
+              <a:effectLst/>
+              <a:latin typeface="Arial" panose="020B0604020202020204" pitchFamily="34" charset="0"/>
+              <a:ea typeface="inherit"/>
+            </a:endParaRPr>
+          </a:p>
+          <a:p>
+            <a:pPr marL="0" marR="0" lvl="0" indent="0" algn="l" defTabSz="914400" rtl="0" eaLnBrk="0" fontAlgn="base" latinLnBrk="0" hangingPunct="0">
+              <a:lnSpc>
+                <a:spcPct val="100000"/>
+              </a:lnSpc>
+              <a:spcBef>
+                <a:spcPct val="0"/>
+              </a:spcBef>
+              <a:spcAft>
+                <a:spcPct val="0"/>
+              </a:spcAft>
+              <a:buClrTx/>
+              <a:buSzTx/>
+              <a:buFontTx/>
+              <a:buChar char="•"/>
+              <a:tabLst/>
+            </a:pPr>
+            <a:r>
+              <a:rPr kumimoji="0" lang="zh-CN" altLang="zh-CN" sz="1600" b="0" i="0" u="none" strike="noStrike" cap="none" normalizeH="0" baseline="0" dirty="0">
+                <a:ln>
+                  <a:noFill/>
+                </a:ln>
+                <a:solidFill>
+                  <a:srgbClr val="3C484E"/>
+                </a:solidFill>
+                <a:effectLst/>
+                <a:latin typeface="Courier New" panose="02070309020205020404" pitchFamily="49" charset="0"/>
+                <a:ea typeface="inherit"/>
+                <a:cs typeface="Courier New" panose="02070309020205020404" pitchFamily="49" charset="0"/>
+              </a:rPr>
+              <a:t>CLONE_NEWNS</a:t>
+            </a:r>
+            <a:r>
+              <a:rPr kumimoji="0" lang="zh-CN" altLang="zh-CN" sz="1600" b="0" i="0" u="none" strike="noStrike" cap="none" normalizeH="0" baseline="0" dirty="0">
+                <a:ln>
+                  <a:noFill/>
+                </a:ln>
+                <a:solidFill>
+                  <a:srgbClr val="3C484E"/>
+                </a:solidFill>
+                <a:effectLst/>
+                <a:ea typeface="inherit"/>
+              </a:rPr>
+              <a:t>：fd 必须指向 mount namespace</a:t>
+            </a:r>
+            <a:endParaRPr kumimoji="0" lang="zh-CN" altLang="zh-CN" sz="1600" b="0" i="0" u="none" strike="noStrike" cap="none" normalizeH="0" baseline="0" dirty="0">
+              <a:ln>
+                <a:noFill/>
+              </a:ln>
+              <a:solidFill>
+                <a:srgbClr val="3C484E"/>
+              </a:solidFill>
+              <a:effectLst/>
+              <a:latin typeface="Arial" panose="020B0604020202020204" pitchFamily="34" charset="0"/>
+              <a:ea typeface="inherit"/>
+            </a:endParaRPr>
+          </a:p>
+          <a:p>
+            <a:pPr marL="0" marR="0" lvl="0" indent="0" algn="l" defTabSz="914400" rtl="0" eaLnBrk="0" fontAlgn="base" latinLnBrk="0" hangingPunct="0">
+              <a:lnSpc>
+                <a:spcPct val="100000"/>
+              </a:lnSpc>
+              <a:spcBef>
+                <a:spcPct val="0"/>
+              </a:spcBef>
+              <a:spcAft>
+                <a:spcPct val="0"/>
+              </a:spcAft>
+              <a:buClrTx/>
+              <a:buSzTx/>
+              <a:buFontTx/>
+              <a:buChar char="•"/>
+              <a:tabLst/>
+            </a:pPr>
+            <a:r>
+              <a:rPr kumimoji="0" lang="zh-CN" altLang="zh-CN" sz="1600" b="0" i="0" u="none" strike="noStrike" cap="none" normalizeH="0" baseline="0" dirty="0">
+                <a:ln>
+                  <a:noFill/>
+                </a:ln>
+                <a:solidFill>
+                  <a:srgbClr val="3C484E"/>
+                </a:solidFill>
+                <a:effectLst/>
+                <a:latin typeface="Courier New" panose="02070309020205020404" pitchFamily="49" charset="0"/>
+                <a:ea typeface="inherit"/>
+                <a:cs typeface="Courier New" panose="02070309020205020404" pitchFamily="49" charset="0"/>
+              </a:rPr>
+              <a:t>CLONE_NEWPID</a:t>
+            </a:r>
+            <a:r>
+              <a:rPr kumimoji="0" lang="zh-CN" altLang="zh-CN" sz="1600" b="0" i="0" u="none" strike="noStrike" cap="none" normalizeH="0" baseline="0" dirty="0">
+                <a:ln>
+                  <a:noFill/>
+                </a:ln>
+                <a:solidFill>
+                  <a:srgbClr val="3C484E"/>
+                </a:solidFill>
+                <a:effectLst/>
+                <a:ea typeface="inherit"/>
+              </a:rPr>
+              <a:t>：fd 必须指向 PID namespace</a:t>
+            </a:r>
+            <a:endParaRPr kumimoji="0" lang="zh-CN" altLang="zh-CN" sz="1600" b="0" i="0" u="none" strike="noStrike" cap="none" normalizeH="0" baseline="0" dirty="0">
+              <a:ln>
+                <a:noFill/>
+              </a:ln>
+              <a:solidFill>
+                <a:srgbClr val="3C484E"/>
+              </a:solidFill>
+              <a:effectLst/>
+              <a:latin typeface="Arial" panose="020B0604020202020204" pitchFamily="34" charset="0"/>
+              <a:ea typeface="inherit"/>
+            </a:endParaRPr>
+          </a:p>
+          <a:p>
+            <a:pPr marL="0" marR="0" lvl="0" indent="0" algn="l" defTabSz="914400" rtl="0" eaLnBrk="0" fontAlgn="base" latinLnBrk="0" hangingPunct="0">
+              <a:lnSpc>
+                <a:spcPct val="100000"/>
+              </a:lnSpc>
+              <a:spcBef>
+                <a:spcPct val="0"/>
+              </a:spcBef>
+              <a:spcAft>
+                <a:spcPct val="0"/>
+              </a:spcAft>
+              <a:buClrTx/>
+              <a:buSzTx/>
+              <a:buFontTx/>
+              <a:buChar char="•"/>
+              <a:tabLst/>
+            </a:pPr>
+            <a:r>
+              <a:rPr kumimoji="0" lang="zh-CN" altLang="zh-CN" sz="1600" b="0" i="0" u="none" strike="noStrike" cap="none" normalizeH="0" baseline="0" dirty="0">
+                <a:ln>
+                  <a:noFill/>
+                </a:ln>
+                <a:solidFill>
+                  <a:srgbClr val="3C484E"/>
+                </a:solidFill>
+                <a:effectLst/>
+                <a:latin typeface="Courier New" panose="02070309020205020404" pitchFamily="49" charset="0"/>
+                <a:ea typeface="inherit"/>
+                <a:cs typeface="Courier New" panose="02070309020205020404" pitchFamily="49" charset="0"/>
+              </a:rPr>
+              <a:t>CLONE_NEWUSER</a:t>
+            </a:r>
+            <a:r>
+              <a:rPr kumimoji="0" lang="zh-CN" altLang="zh-CN" sz="1600" b="0" i="0" u="none" strike="noStrike" cap="none" normalizeH="0" baseline="0" dirty="0">
+                <a:ln>
+                  <a:noFill/>
+                </a:ln>
+                <a:solidFill>
+                  <a:srgbClr val="3C484E"/>
+                </a:solidFill>
+                <a:effectLst/>
+                <a:ea typeface="inherit"/>
+              </a:rPr>
+              <a:t>： fd 必须指向 user namespace</a:t>
+            </a:r>
+            <a:endParaRPr kumimoji="0" lang="zh-CN" altLang="zh-CN" sz="1600" b="0" i="0" u="none" strike="noStrike" cap="none" normalizeH="0" baseline="0" dirty="0">
+              <a:ln>
+                <a:noFill/>
+              </a:ln>
+              <a:solidFill>
+                <a:srgbClr val="3C484E"/>
+              </a:solidFill>
+              <a:effectLst/>
+              <a:latin typeface="Arial" panose="020B0604020202020204" pitchFamily="34" charset="0"/>
+              <a:ea typeface="inherit"/>
+            </a:endParaRPr>
+          </a:p>
+          <a:p>
+            <a:pPr marL="0" marR="0" lvl="0" indent="0" algn="l" defTabSz="914400" rtl="0" eaLnBrk="0" fontAlgn="base" latinLnBrk="0" hangingPunct="0">
+              <a:lnSpc>
+                <a:spcPct val="100000"/>
+              </a:lnSpc>
+              <a:spcBef>
+                <a:spcPct val="0"/>
+              </a:spcBef>
+              <a:spcAft>
+                <a:spcPct val="0"/>
+              </a:spcAft>
+              <a:buClrTx/>
+              <a:buSzTx/>
+              <a:buFontTx/>
+              <a:buChar char="•"/>
+              <a:tabLst/>
+            </a:pPr>
+            <a:r>
+              <a:rPr kumimoji="0" lang="zh-CN" altLang="zh-CN" sz="1600" b="0" i="0" u="none" strike="noStrike" cap="none" normalizeH="0" baseline="0" dirty="0">
+                <a:ln>
+                  <a:noFill/>
+                </a:ln>
+                <a:solidFill>
+                  <a:srgbClr val="3C484E"/>
+                </a:solidFill>
+                <a:effectLst/>
+                <a:latin typeface="Courier New" panose="02070309020205020404" pitchFamily="49" charset="0"/>
+                <a:ea typeface="inherit"/>
+                <a:cs typeface="Courier New" panose="02070309020205020404" pitchFamily="49" charset="0"/>
+              </a:rPr>
+              <a:t>CLONE_NEWUTS</a:t>
+            </a:r>
+            <a:r>
+              <a:rPr kumimoji="0" lang="zh-CN" altLang="zh-CN" sz="1600" b="0" i="0" u="none" strike="noStrike" cap="none" normalizeH="0" baseline="0" dirty="0">
+                <a:ln>
+                  <a:noFill/>
+                </a:ln>
+                <a:solidFill>
+                  <a:srgbClr val="3C484E"/>
+                </a:solidFill>
+                <a:effectLst/>
+                <a:ea typeface="inherit"/>
+              </a:rPr>
+              <a:t>： fd 必须指向 UTS namespace</a:t>
+            </a:r>
+            <a:endParaRPr kumimoji="0" lang="zh-CN" altLang="zh-CN" sz="1600" b="0" i="0" u="none" strike="noStrike" cap="none" normalizeH="0" baseline="0" dirty="0">
+              <a:ln>
+                <a:noFill/>
+              </a:ln>
+              <a:solidFill>
+                <a:srgbClr val="3C484E"/>
+              </a:solidFill>
+              <a:effectLst/>
+              <a:latin typeface="Arial" panose="020B0604020202020204" pitchFamily="34" charset="0"/>
+              <a:ea typeface="Helvetica Neue"/>
+            </a:endParaRPr>
+          </a:p>
+          <a:p>
+            <a:pPr marL="0" marR="0" lvl="0" indent="0" algn="l" defTabSz="914400" rtl="0" eaLnBrk="0" fontAlgn="base" latinLnBrk="0" hangingPunct="0">
+              <a:lnSpc>
+                <a:spcPct val="100000"/>
+              </a:lnSpc>
+              <a:spcBef>
+                <a:spcPct val="0"/>
+              </a:spcBef>
+              <a:spcAft>
+                <a:spcPct val="0"/>
+              </a:spcAft>
+              <a:buClrTx/>
+              <a:buSzTx/>
+              <a:buFontTx/>
+              <a:buNone/>
+              <a:tabLst/>
+            </a:pPr>
+            <a:endParaRPr kumimoji="0" lang="en-US" altLang="zh-CN" sz="1600" b="0" i="0" u="none" strike="noStrike" cap="none" normalizeH="0" baseline="0" dirty="0">
+              <a:ln>
+                <a:noFill/>
+              </a:ln>
+              <a:solidFill>
+                <a:schemeClr val="tx1"/>
+              </a:solidFill>
+              <a:effectLst/>
+              <a:latin typeface="Arial" panose="020B0604020202020204" pitchFamily="34" charset="0"/>
+            </a:endParaRPr>
+          </a:p>
+          <a:p>
+            <a:pPr marL="0" marR="0" lvl="0" indent="0" algn="l" defTabSz="914400" rtl="0" eaLnBrk="0" fontAlgn="base" latinLnBrk="0" hangingPunct="0">
+              <a:lnSpc>
+                <a:spcPct val="100000"/>
+              </a:lnSpc>
+              <a:spcBef>
+                <a:spcPct val="0"/>
+              </a:spcBef>
+              <a:spcAft>
+                <a:spcPct val="0"/>
+              </a:spcAft>
+              <a:buClrTx/>
+              <a:buSzTx/>
+              <a:buFontTx/>
+              <a:buNone/>
+              <a:tabLst/>
+            </a:pPr>
+            <a:endParaRPr kumimoji="0" lang="zh-CN" altLang="zh-CN" sz="1600" b="0" i="0" u="none" strike="noStrike" cap="none" normalizeH="0" baseline="0" dirty="0">
+              <a:ln>
+                <a:noFill/>
+              </a:ln>
+              <a:solidFill>
+                <a:schemeClr val="tx1"/>
+              </a:solidFill>
+              <a:effectLst/>
+              <a:latin typeface="Arial" panose="020B0604020202020204" pitchFamily="34" charset="0"/>
+            </a:endParaRPr>
+          </a:p>
+        </p:txBody>
+      </p:sp>
+      <p:sp>
+        <p:nvSpPr>
+          <p:cNvPr id="5" name="Rectangle 3">
+            <a:extLst>
+              <a:ext uri="{FF2B5EF4-FFF2-40B4-BE49-F238E27FC236}">
+                <a16:creationId xmlns:a16="http://schemas.microsoft.com/office/drawing/2014/main" id="{70C2740F-A585-4A35-9E98-B5CA502EB147}"/>
+              </a:ext>
+            </a:extLst>
+          </p:cNvPr>
+          <p:cNvSpPr>
+            <a:spLocks noChangeArrowheads="1"/>
+          </p:cNvSpPr>
+          <p:nvPr/>
+        </p:nvSpPr>
+        <p:spPr bwMode="auto">
+          <a:xfrm>
+            <a:off x="166253" y="5031776"/>
+            <a:ext cx="11606647" cy="1077218"/>
+          </a:xfrm>
+          <a:prstGeom prst="rect">
+            <a:avLst/>
+          </a:prstGeom>
+          <a:solidFill>
+            <a:srgbClr val="FFFFFF"/>
+          </a:solidFill>
+          <a:ln>
+            <a:noFill/>
+          </a:ln>
+          <a:effectLst/>
+          <a:extLst>
+            <a:ext uri="{91240B29-F687-4F45-9708-019B960494DF}">
+              <a14:hiddenLine xmlns:a14="http://schemas.microsoft.com/office/drawing/2010/main" w="9525">
+                <a:solidFill>
+                  <a:schemeClr val="tx1"/>
+                </a:solidFill>
+                <a:miter lim="800000"/>
+                <a:headEnd/>
+                <a:tailEnd/>
+              </a14:hiddenLine>
+            </a:ext>
+            <a:ext uri="{AF507438-7753-43E0-B8FC-AC1667EBCBE1}">
+              <a14:hiddenEffects xmlns:a14="http://schemas.microsoft.com/office/drawing/2010/main">
+                <a:effectLst>
+                  <a:outerShdw dist="35921" dir="2700000" algn="ctr" rotWithShape="0">
+                    <a:schemeClr val="bg2"/>
+                  </a:outerShdw>
+                </a:effectLst>
+              </a14:hiddenEffects>
+            </a:ext>
+          </a:extLst>
+        </p:spPr>
+        <p:txBody>
+          <a:bodyPr vert="horz" wrap="square" lIns="0" tIns="0" rIns="0" bIns="0" numCol="1" anchor="ctr" anchorCtr="0" compatLnSpc="1">
+            <a:prstTxWarp prst="textNoShape">
+              <a:avLst/>
+            </a:prstTxWarp>
+            <a:spAutoFit/>
+          </a:bodyPr>
+          <a:lstStyle>
+            <a:lvl1pPr eaLnBrk="0" fontAlgn="base" hangingPunct="0">
+              <a:spcBef>
+                <a:spcPct val="0"/>
+              </a:spcBef>
+              <a:spcAft>
+                <a:spcPct val="0"/>
+              </a:spcAft>
+              <a:defRPr>
+                <a:solidFill>
+                  <a:schemeClr val="tx1"/>
+                </a:solidFill>
+                <a:latin typeface="Arial" panose="020B0604020202020204" pitchFamily="34" charset="0"/>
+              </a:defRPr>
+            </a:lvl1pPr>
+            <a:lvl2pPr eaLnBrk="0" fontAlgn="base" hangingPunct="0">
+              <a:spcBef>
+                <a:spcPct val="0"/>
+              </a:spcBef>
+              <a:spcAft>
+                <a:spcPct val="0"/>
+              </a:spcAft>
+              <a:defRPr>
+                <a:solidFill>
+                  <a:schemeClr val="tx1"/>
+                </a:solidFill>
+                <a:latin typeface="Arial" panose="020B0604020202020204" pitchFamily="34" charset="0"/>
+              </a:defRPr>
+            </a:lvl2pPr>
+            <a:lvl3pPr eaLnBrk="0" fontAlgn="base" hangingPunct="0">
+              <a:spcBef>
+                <a:spcPct val="0"/>
+              </a:spcBef>
+              <a:spcAft>
+                <a:spcPct val="0"/>
+              </a:spcAft>
+              <a:defRPr>
+                <a:solidFill>
+                  <a:schemeClr val="tx1"/>
+                </a:solidFill>
+                <a:latin typeface="Arial" panose="020B0604020202020204" pitchFamily="34" charset="0"/>
+              </a:defRPr>
+            </a:lvl3pPr>
+            <a:lvl4pPr eaLnBrk="0" fontAlgn="base" hangingPunct="0">
+              <a:spcBef>
+                <a:spcPct val="0"/>
+              </a:spcBef>
+              <a:spcAft>
+                <a:spcPct val="0"/>
+              </a:spcAft>
+              <a:defRPr>
+                <a:solidFill>
+                  <a:schemeClr val="tx1"/>
+                </a:solidFill>
+                <a:latin typeface="Arial" panose="020B0604020202020204" pitchFamily="34" charset="0"/>
+              </a:defRPr>
+            </a:lvl4pPr>
+            <a:lvl5pPr eaLnBrk="0" fontAlgn="base" hangingPunct="0">
+              <a:spcBef>
+                <a:spcPct val="0"/>
+              </a:spcBef>
+              <a:spcAft>
+                <a:spcPct val="0"/>
+              </a:spcAft>
+              <a:defRPr>
+                <a:solidFill>
+                  <a:schemeClr val="tx1"/>
+                </a:solidFill>
+                <a:latin typeface="Arial" panose="020B0604020202020204" pitchFamily="34" charset="0"/>
+              </a:defRPr>
+            </a:lvl5pPr>
+            <a:lvl6pPr eaLnBrk="0" fontAlgn="base" hangingPunct="0">
+              <a:spcBef>
+                <a:spcPct val="0"/>
+              </a:spcBef>
+              <a:spcAft>
+                <a:spcPct val="0"/>
+              </a:spcAft>
+              <a:defRPr>
+                <a:solidFill>
+                  <a:schemeClr val="tx1"/>
+                </a:solidFill>
+                <a:latin typeface="Arial" panose="020B0604020202020204" pitchFamily="34" charset="0"/>
+              </a:defRPr>
+            </a:lvl6pPr>
+            <a:lvl7pPr eaLnBrk="0" fontAlgn="base" hangingPunct="0">
+              <a:spcBef>
+                <a:spcPct val="0"/>
+              </a:spcBef>
+              <a:spcAft>
+                <a:spcPct val="0"/>
+              </a:spcAft>
+              <a:defRPr>
+                <a:solidFill>
+                  <a:schemeClr val="tx1"/>
+                </a:solidFill>
+                <a:latin typeface="Arial" panose="020B0604020202020204" pitchFamily="34" charset="0"/>
+              </a:defRPr>
+            </a:lvl7pPr>
+            <a:lvl8pPr eaLnBrk="0" fontAlgn="base" hangingPunct="0">
+              <a:spcBef>
+                <a:spcPct val="0"/>
+              </a:spcBef>
+              <a:spcAft>
+                <a:spcPct val="0"/>
+              </a:spcAft>
+              <a:defRPr>
+                <a:solidFill>
+                  <a:schemeClr val="tx1"/>
+                </a:solidFill>
+                <a:latin typeface="Arial" panose="020B0604020202020204" pitchFamily="34" charset="0"/>
+              </a:defRPr>
+            </a:lvl8pPr>
+            <a:lvl9pPr eaLnBrk="0" fontAlgn="base" hangingPunct="0">
+              <a:spcBef>
+                <a:spcPct val="0"/>
+              </a:spcBef>
+              <a:spcAft>
+                <a:spcPct val="0"/>
+              </a:spcAft>
+              <a:defRPr>
+                <a:solidFill>
+                  <a:schemeClr val="tx1"/>
+                </a:solidFill>
+                <a:latin typeface="Arial" panose="020B0604020202020204" pitchFamily="34" charset="0"/>
+              </a:defRPr>
+            </a:lvl9pPr>
+          </a:lstStyle>
+          <a:p>
+            <a:pPr marL="0" marR="0" lvl="0" indent="0" algn="just" defTabSz="914400" rtl="0" eaLnBrk="0" fontAlgn="base" latinLnBrk="0" hangingPunct="0">
+              <a:lnSpc>
+                <a:spcPct val="100000"/>
+              </a:lnSpc>
+              <a:spcBef>
+                <a:spcPct val="0"/>
+              </a:spcBef>
+              <a:spcAft>
+                <a:spcPct val="0"/>
+              </a:spcAft>
+              <a:buClrTx/>
+              <a:buSzTx/>
+              <a:buFontTx/>
+              <a:buNone/>
+              <a:tabLst/>
+            </a:pPr>
+            <a:r>
+              <a:rPr kumimoji="0" lang="zh-CN" altLang="en-US" sz="1400" b="0" i="0" u="none" strike="noStrike" cap="none" normalizeH="0" baseline="0" dirty="0">
+                <a:ln>
+                  <a:noFill/>
+                </a:ln>
+                <a:solidFill>
+                  <a:srgbClr val="3C484E"/>
+                </a:solidFill>
+                <a:effectLst/>
+                <a:latin typeface="Arial" panose="020B0604020202020204" pitchFamily="34" charset="0"/>
+                <a:ea typeface="Helvetica Neue"/>
+              </a:rPr>
+              <a:t>如</a:t>
+            </a:r>
+            <a:r>
+              <a:rPr kumimoji="0" lang="zh-CN" altLang="zh-CN" sz="1400" b="0" i="0" u="none" strike="noStrike" cap="none" normalizeH="0" baseline="0" dirty="0">
+                <a:ln>
+                  <a:noFill/>
+                </a:ln>
+                <a:solidFill>
+                  <a:srgbClr val="3C484E"/>
+                </a:solidFill>
+                <a:effectLst/>
+                <a:latin typeface="Arial" panose="020B0604020202020204" pitchFamily="34" charset="0"/>
+                <a:ea typeface="Helvetica Neue"/>
+              </a:rPr>
+              <a:t>果不知道 </a:t>
+            </a:r>
+            <a:r>
+              <a:rPr kumimoji="0" lang="zh-CN" altLang="zh-CN" sz="1200" b="0" i="0" u="none" strike="noStrike" cap="none" normalizeH="0" baseline="0" dirty="0">
+                <a:ln>
+                  <a:noFill/>
+                </a:ln>
+                <a:solidFill>
+                  <a:srgbClr val="3C484E"/>
+                </a:solidFill>
+                <a:effectLst/>
+                <a:latin typeface="Courier New" panose="02070309020205020404" pitchFamily="49" charset="0"/>
+                <a:ea typeface="Helvetica Neue"/>
+                <a:cs typeface="Courier New" panose="02070309020205020404" pitchFamily="49" charset="0"/>
+              </a:rPr>
+              <a:t>fd</a:t>
+            </a:r>
+            <a:r>
+              <a:rPr kumimoji="0" lang="zh-CN" altLang="zh-CN" sz="1400" b="0" i="0" u="none" strike="noStrike" cap="none" normalizeH="0" baseline="0" dirty="0">
+                <a:ln>
+                  <a:noFill/>
+                </a:ln>
+                <a:solidFill>
+                  <a:srgbClr val="3C484E"/>
+                </a:solidFill>
+                <a:effectLst/>
+                <a:ea typeface="Helvetica Neue"/>
+              </a:rPr>
+              <a:t> </a:t>
+            </a:r>
+            <a:r>
+              <a:rPr kumimoji="0" lang="zh-CN" altLang="zh-CN" sz="1400" b="0" i="0" u="none" strike="noStrike" cap="none" normalizeH="0" baseline="0" dirty="0">
+                <a:ln>
+                  <a:noFill/>
+                </a:ln>
+                <a:solidFill>
+                  <a:srgbClr val="3C484E"/>
+                </a:solidFill>
+                <a:effectLst/>
+                <a:latin typeface="Arial" panose="020B0604020202020204" pitchFamily="34" charset="0"/>
+                <a:ea typeface="Helvetica Neue"/>
+              </a:rPr>
+              <a:t>指向的 namespace 类型（比如 fd 是其他进程打开的，然后通过参数传递过来），然后在应用中希望明确指定特种类型的 </a:t>
+            </a:r>
+            <a:r>
+              <a:rPr kumimoji="0" lang="zh-CN" altLang="zh-CN" sz="1200" b="0" i="0" u="none" strike="noStrike" cap="none" normalizeH="0" baseline="0" dirty="0">
+                <a:ln>
+                  <a:noFill/>
+                </a:ln>
+                <a:solidFill>
+                  <a:srgbClr val="3C484E"/>
+                </a:solidFill>
+                <a:effectLst/>
+                <a:latin typeface="Courier New" panose="02070309020205020404" pitchFamily="49" charset="0"/>
+                <a:ea typeface="Helvetica Neue"/>
+                <a:cs typeface="Courier New" panose="02070309020205020404" pitchFamily="49" charset="0"/>
+              </a:rPr>
+              <a:t>namespace</a:t>
+            </a:r>
+            <a:r>
+              <a:rPr kumimoji="0" lang="zh-CN" altLang="zh-CN" sz="1400" b="0" i="0" u="none" strike="noStrike" cap="none" normalizeH="0" baseline="0" dirty="0">
+                <a:ln>
+                  <a:noFill/>
+                </a:ln>
+                <a:solidFill>
+                  <a:srgbClr val="3C484E"/>
+                </a:solidFill>
+                <a:effectLst/>
+                <a:ea typeface="Helvetica Neue"/>
+              </a:rPr>
+              <a:t>，</a:t>
+            </a:r>
+            <a:r>
+              <a:rPr kumimoji="0" lang="zh-CN" altLang="zh-CN" sz="1200" b="0" i="0" u="none" strike="noStrike" cap="none" normalizeH="0" baseline="0" dirty="0">
+                <a:ln>
+                  <a:noFill/>
+                </a:ln>
+                <a:solidFill>
+                  <a:srgbClr val="3C484E"/>
+                </a:solidFill>
+                <a:effectLst/>
+                <a:latin typeface="Courier New" panose="02070309020205020404" pitchFamily="49" charset="0"/>
+                <a:ea typeface="Helvetica Neue"/>
+                <a:cs typeface="Courier New" panose="02070309020205020404" pitchFamily="49" charset="0"/>
+              </a:rPr>
+              <a:t>nstype</a:t>
+            </a:r>
+            <a:r>
+              <a:rPr kumimoji="0" lang="zh-CN" altLang="zh-CN" sz="1400" b="0" i="0" u="none" strike="noStrike" cap="none" normalizeH="0" baseline="0" dirty="0">
+                <a:ln>
+                  <a:noFill/>
+                </a:ln>
+                <a:solidFill>
+                  <a:srgbClr val="3C484E"/>
+                </a:solidFill>
+                <a:effectLst/>
+                <a:ea typeface="Helvetica Neue"/>
+              </a:rPr>
+              <a:t> </a:t>
+            </a:r>
+            <a:r>
+              <a:rPr kumimoji="0" lang="zh-CN" altLang="zh-CN" sz="1400" b="0" i="0" u="none" strike="noStrike" cap="none" normalizeH="0" baseline="0" dirty="0">
+                <a:ln>
+                  <a:noFill/>
+                </a:ln>
+                <a:solidFill>
+                  <a:srgbClr val="3C484E"/>
+                </a:solidFill>
+                <a:effectLst/>
+                <a:latin typeface="Arial" panose="020B0604020202020204" pitchFamily="34" charset="0"/>
+                <a:ea typeface="Helvetica Neue"/>
+              </a:rPr>
+              <a:t>就非常有用。</a:t>
+            </a:r>
+            <a:endParaRPr kumimoji="0" lang="zh-CN" altLang="zh-CN" sz="800" b="0" i="0" u="none" strike="noStrike" cap="none" normalizeH="0" baseline="0" dirty="0">
+              <a:ln>
+                <a:noFill/>
+              </a:ln>
+              <a:solidFill>
+                <a:schemeClr val="tx1"/>
+              </a:solidFill>
+              <a:effectLst/>
+              <a:latin typeface="Arial" panose="020B0604020202020204" pitchFamily="34" charset="0"/>
+            </a:endParaRPr>
+          </a:p>
+          <a:p>
+            <a:pPr marL="0" marR="0" lvl="0" indent="0" algn="just" defTabSz="914400" rtl="0" eaLnBrk="0" fontAlgn="base" latinLnBrk="0" hangingPunct="0">
+              <a:lnSpc>
+                <a:spcPct val="100000"/>
+              </a:lnSpc>
+              <a:spcBef>
+                <a:spcPct val="0"/>
+              </a:spcBef>
+              <a:spcAft>
+                <a:spcPct val="0"/>
+              </a:spcAft>
+              <a:buClrTx/>
+              <a:buSzTx/>
+              <a:buFontTx/>
+              <a:buNone/>
+              <a:tabLst/>
+            </a:pPr>
+            <a:r>
+              <a:rPr kumimoji="0" lang="zh-CN" altLang="zh-CN" sz="1400" b="0" i="0" u="none" strike="noStrike" cap="none" normalizeH="0" baseline="0" dirty="0">
+                <a:ln>
+                  <a:noFill/>
+                </a:ln>
+                <a:solidFill>
+                  <a:srgbClr val="3C484E"/>
+                </a:solidFill>
+                <a:effectLst/>
+                <a:latin typeface="Arial" panose="020B0604020202020204" pitchFamily="34" charset="0"/>
+                <a:ea typeface="Helvetica Neue"/>
+              </a:rPr>
+              <a:t>更详细地说，setns 能够让进程离开现在所在的某个特性的 namespace，加入到另外一个同类型的已经存在的 namespace。</a:t>
+            </a:r>
+            <a:endParaRPr kumimoji="0" lang="zh-CN" altLang="zh-CN" sz="800" b="0" i="0" u="none" strike="noStrike" cap="none" normalizeH="0" baseline="0" dirty="0">
+              <a:ln>
+                <a:noFill/>
+              </a:ln>
+              <a:solidFill>
+                <a:schemeClr val="tx1"/>
+              </a:solidFill>
+              <a:effectLst/>
+              <a:latin typeface="Arial" panose="020B0604020202020204" pitchFamily="34" charset="0"/>
+            </a:endParaRPr>
+          </a:p>
+          <a:p>
+            <a:pPr marL="0" marR="0" lvl="0" indent="0" algn="just" defTabSz="914400" rtl="0" eaLnBrk="0" fontAlgn="base" latinLnBrk="0" hangingPunct="0">
+              <a:lnSpc>
+                <a:spcPct val="100000"/>
+              </a:lnSpc>
+              <a:spcBef>
+                <a:spcPct val="0"/>
+              </a:spcBef>
+              <a:spcAft>
+                <a:spcPct val="0"/>
+              </a:spcAft>
+              <a:buClrTx/>
+              <a:buSzTx/>
+              <a:buFontTx/>
+              <a:buNone/>
+              <a:tabLst/>
+            </a:pPr>
+            <a:r>
+              <a:rPr kumimoji="0" lang="zh-CN" altLang="zh-CN" sz="1400" b="0" i="0" u="none" strike="noStrike" cap="none" normalizeH="0" baseline="0" dirty="0">
+                <a:ln>
+                  <a:noFill/>
+                </a:ln>
+                <a:solidFill>
+                  <a:srgbClr val="3C484E"/>
+                </a:solidFill>
+                <a:effectLst/>
+                <a:latin typeface="Arial" panose="020B0604020202020204" pitchFamily="34" charset="0"/>
+                <a:ea typeface="Helvetica Neue"/>
+              </a:rPr>
+              <a:t>需要注意的是：</a:t>
+            </a:r>
+            <a:r>
+              <a:rPr kumimoji="0" lang="zh-CN" altLang="zh-CN" sz="1200" b="0" i="0" u="none" strike="noStrike" cap="none" normalizeH="0" baseline="0" dirty="0">
+                <a:ln>
+                  <a:noFill/>
+                </a:ln>
+                <a:solidFill>
+                  <a:srgbClr val="3C484E"/>
+                </a:solidFill>
+                <a:effectLst/>
+                <a:latin typeface="Courier New" panose="02070309020205020404" pitchFamily="49" charset="0"/>
+                <a:ea typeface="Helvetica Neue"/>
+                <a:cs typeface="Courier New" panose="02070309020205020404" pitchFamily="49" charset="0"/>
+              </a:rPr>
+              <a:t>CLONE_NEWPID</a:t>
+            </a:r>
+            <a:r>
+              <a:rPr kumimoji="0" lang="zh-CN" altLang="zh-CN" sz="1400" b="0" i="0" u="none" strike="noStrike" cap="none" normalizeH="0" baseline="0" dirty="0">
+                <a:ln>
+                  <a:noFill/>
+                </a:ln>
+                <a:solidFill>
+                  <a:srgbClr val="3C484E"/>
+                </a:solidFill>
+                <a:effectLst/>
+                <a:ea typeface="Helvetica Neue"/>
+              </a:rPr>
+              <a:t> </a:t>
+            </a:r>
+            <a:r>
+              <a:rPr kumimoji="0" lang="zh-CN" altLang="zh-CN" sz="1400" b="0" i="0" u="none" strike="noStrike" cap="none" normalizeH="0" baseline="0" dirty="0">
+                <a:ln>
+                  <a:noFill/>
+                </a:ln>
+                <a:solidFill>
+                  <a:srgbClr val="3C484E"/>
+                </a:solidFill>
+                <a:effectLst/>
+                <a:latin typeface="Arial" panose="020B0604020202020204" pitchFamily="34" charset="0"/>
+                <a:ea typeface="Helvetica Neue"/>
+              </a:rPr>
+              <a:t>和其他 namespace 不同，把进程加入到</a:t>
+            </a:r>
+            <a:br>
+              <a:rPr kumimoji="0" lang="zh-CN" altLang="zh-CN" sz="1400" b="0" i="0" u="none" strike="noStrike" cap="none" normalizeH="0" baseline="0" dirty="0">
+                <a:ln>
+                  <a:noFill/>
+                </a:ln>
+                <a:solidFill>
+                  <a:srgbClr val="3C484E"/>
+                </a:solidFill>
+                <a:effectLst/>
+                <a:latin typeface="Arial" panose="020B0604020202020204" pitchFamily="34" charset="0"/>
+                <a:ea typeface="Helvetica Neue"/>
+              </a:rPr>
+            </a:br>
+            <a:r>
+              <a:rPr kumimoji="0" lang="zh-CN" altLang="zh-CN" sz="1400" b="0" i="0" u="none" strike="noStrike" cap="none" normalizeH="0" baseline="0" dirty="0">
+                <a:ln>
+                  <a:noFill/>
+                </a:ln>
+                <a:solidFill>
+                  <a:srgbClr val="3C484E"/>
+                </a:solidFill>
+                <a:effectLst/>
+                <a:latin typeface="Arial" panose="020B0604020202020204" pitchFamily="34" charset="0"/>
+                <a:ea typeface="Helvetica Neue"/>
+              </a:rPr>
+              <a:t>PID namespace 并不会修改该进程的 PID namespace，而只修改它所有子进程的 PID namespace。</a:t>
+            </a:r>
+            <a:endParaRPr kumimoji="0" lang="zh-CN" altLang="zh-CN" sz="1800" b="0" i="0" u="none" strike="noStrike" cap="none" normalizeH="0" baseline="0" dirty="0">
+              <a:ln>
+                <a:noFill/>
+              </a:ln>
+              <a:solidFill>
+                <a:schemeClr val="tx1"/>
+              </a:solidFill>
+              <a:effectLst/>
+              <a:latin typeface="Arial" panose="020B0604020202020204" pitchFamily="34" charset="0"/>
+            </a:endParaRPr>
+          </a:p>
+        </p:txBody>
+      </p:sp>
+    </p:spTree>
+    <p:extLst>
+      <p:ext uri="{BB962C8B-B14F-4D97-AF65-F5344CB8AC3E}">
+        <p14:creationId xmlns:p14="http://schemas.microsoft.com/office/powerpoint/2010/main" val="2707577008"/>
       </p:ext>
     </p:extLst>
   </p:cSld>
@@ -4138,4 +12897,299 @@
     </a:ext>
   </a:extLst>
 </a:theme>
+</file>
+
+<file path=ppt/theme/theme2.xml><?xml version="1.0" encoding="utf-8"?>
+<a:theme xmlns:a="http://schemas.openxmlformats.org/drawingml/2006/main" name="Office 主题​​">
+  <a:themeElements>
+    <a:clrScheme name="Office">
+      <a:dk1>
+        <a:sysClr val="windowText" lastClr="000000"/>
+      </a:dk1>
+      <a:lt1>
+        <a:sysClr val="window" lastClr="FFFFFF"/>
+      </a:lt1>
+      <a:dk2>
+        <a:srgbClr val="44546A"/>
+      </a:dk2>
+      <a:lt2>
+        <a:srgbClr val="E7E6E6"/>
+      </a:lt2>
+      <a:accent1>
+        <a:srgbClr val="4472C4"/>
+      </a:accent1>
+      <a:accent2>
+        <a:srgbClr val="ED7D31"/>
+      </a:accent2>
+      <a:accent3>
+        <a:srgbClr val="A5A5A5"/>
+      </a:accent3>
+      <a:accent4>
+        <a:srgbClr val="FFC000"/>
+      </a:accent4>
+      <a:accent5>
+        <a:srgbClr val="5B9BD5"/>
+      </a:accent5>
+      <a:accent6>
+        <a:srgbClr val="70AD47"/>
+      </a:accent6>
+      <a:hlink>
+        <a:srgbClr val="0563C1"/>
+      </a:hlink>
+      <a:folHlink>
+        <a:srgbClr val="954F72"/>
+      </a:folHlink>
+    </a:clrScheme>
+    <a:fontScheme name="Office">
+      <a:majorFont>
+        <a:latin typeface="等线 Light" panose="020F0302020204030204"/>
+        <a:ea typeface=""/>
+        <a:cs typeface=""/>
+        <a:font script="Jpan" typeface="游ゴシック Light"/>
+        <a:font script="Hang" typeface="맑은 고딕"/>
+        <a:font script="Hans" typeface="等线 Light"/>
+        <a:font script="Hant" typeface="新細明體"/>
+        <a:font script="Arab" typeface="Times New Roman"/>
+        <a:font script="Hebr" typeface="Times New Roman"/>
+        <a:font script="Thai" typeface="Angsana New"/>
+        <a:font script="Ethi" typeface="Nyala"/>
+        <a:font script="Beng" typeface="Vrinda"/>
+        <a:font script="Gujr" typeface="Shruti"/>
+        <a:font script="Khmr" typeface="MoolBoran"/>
+        <a:font script="Knda" typeface="Tunga"/>
+        <a:font script="Guru" typeface="Raavi"/>
+        <a:font script="Cans" typeface="Euphemia"/>
+        <a:font script="Cher" typeface="Plantagenet Cherokee"/>
+        <a:font script="Yiii" typeface="Microsoft Yi Baiti"/>
+        <a:font script="Tibt" typeface="Microsoft Himalaya"/>
+        <a:font script="Thaa" typeface="MV Boli"/>
+        <a:font script="Deva" typeface="Mangal"/>
+        <a:font script="Telu" typeface="Gautami"/>
+        <a:font script="Taml" typeface="Latha"/>
+        <a:font script="Syrc" typeface="Estrangelo Edessa"/>
+        <a:font script="Orya" typeface="Kalinga"/>
+        <a:font script="Mlym" typeface="Kartika"/>
+        <a:font script="Laoo" typeface="DokChampa"/>
+        <a:font script="Sinh" typeface="Iskoola Pota"/>
+        <a:font script="Mong" typeface="Mongolian Baiti"/>
+        <a:font script="Viet" typeface="Times New Roman"/>
+        <a:font script="Uigh" typeface="Microsoft Uighur"/>
+        <a:font script="Geor" typeface="Sylfaen"/>
+        <a:font script="Armn" typeface="Arial"/>
+        <a:font script="Bugi" typeface="Leelawadee UI"/>
+        <a:font script="Bopo" typeface="Microsoft JhengHei"/>
+        <a:font script="Java" typeface="Javanese Text"/>
+        <a:font script="Lisu" typeface="Segoe UI"/>
+        <a:font script="Mymr" typeface="Myanmar Text"/>
+        <a:font script="Nkoo" typeface="Ebrima"/>
+        <a:font script="Olck" typeface="Nirmala UI"/>
+        <a:font script="Osma" typeface="Ebrima"/>
+        <a:font script="Phag" typeface="Phagspa"/>
+        <a:font script="Syrn" typeface="Estrangelo Edessa"/>
+        <a:font script="Syrj" typeface="Estrangelo Edessa"/>
+        <a:font script="Syre" typeface="Estrangelo Edessa"/>
+        <a:font script="Sora" typeface="Nirmala UI"/>
+        <a:font script="Tale" typeface="Microsoft Tai Le"/>
+        <a:font script="Talu" typeface="Microsoft New Tai Lue"/>
+        <a:font script="Tfng" typeface="Ebrima"/>
+      </a:majorFont>
+      <a:minorFont>
+        <a:latin typeface="等线" panose="020F0502020204030204"/>
+        <a:ea typeface=""/>
+        <a:cs typeface=""/>
+        <a:font script="Jpan" typeface="游ゴシック"/>
+        <a:font script="Hang" typeface="맑은 고딕"/>
+        <a:font script="Hans" typeface="等线"/>
+        <a:font script="Hant" typeface="新細明體"/>
+        <a:font script="Arab" typeface="Arial"/>
+        <a:font script="Hebr" typeface="Arial"/>
+        <a:font script="Thai" typeface="Cordia New"/>
+        <a:font script="Ethi" typeface="Nyala"/>
+        <a:font script="Beng" typeface="Vrinda"/>
+        <a:font script="Gujr" typeface="Shruti"/>
+        <a:font script="Khmr" typeface="DaunPenh"/>
+        <a:font script="Knda" typeface="Tunga"/>
+        <a:font script="Guru" typeface="Raavi"/>
+        <a:font script="Cans" typeface="Euphemia"/>
+        <a:font script="Cher" typeface="Plantagenet Cherokee"/>
+        <a:font script="Yiii" typeface="Microsoft Yi Baiti"/>
+        <a:font script="Tibt" typeface="Microsoft Himalaya"/>
+        <a:font script="Thaa" typeface="MV Boli"/>
+        <a:font script="Deva" typeface="Mangal"/>
+        <a:font script="Telu" typeface="Gautami"/>
+        <a:font script="Taml" typeface="Latha"/>
+        <a:font script="Syrc" typeface="Estrangelo Edessa"/>
+        <a:font script="Orya" typeface="Kalinga"/>
+        <a:font script="Mlym" typeface="Kartika"/>
+        <a:font script="Laoo" typeface="DokChampa"/>
+        <a:font script="Sinh" typeface="Iskoola Pota"/>
+        <a:font script="Mong" typeface="Mongolian Baiti"/>
+        <a:font script="Viet" typeface="Arial"/>
+        <a:font script="Uigh" typeface="Microsoft Uighur"/>
+        <a:font script="Geor" typeface="Sylfaen"/>
+        <a:font script="Armn" typeface="Arial"/>
+        <a:font script="Bugi" typeface="Leelawadee UI"/>
+        <a:font script="Bopo" typeface="Microsoft JhengHei"/>
+        <a:font script="Java" typeface="Javanese Text"/>
+        <a:font script="Lisu" typeface="Segoe UI"/>
+        <a:font script="Mymr" typeface="Myanmar Text"/>
+        <a:font script="Nkoo" typeface="Ebrima"/>
+        <a:font script="Olck" typeface="Nirmala UI"/>
+        <a:font script="Osma" typeface="Ebrima"/>
+        <a:font script="Phag" typeface="Phagspa"/>
+        <a:font script="Syrn" typeface="Estrangelo Edessa"/>
+        <a:font script="Syrj" typeface="Estrangelo Edessa"/>
+        <a:font script="Syre" typeface="Estrangelo Edessa"/>
+        <a:font script="Sora" typeface="Nirmala UI"/>
+        <a:font script="Tale" typeface="Microsoft Tai Le"/>
+        <a:font script="Talu" typeface="Microsoft New Tai Lue"/>
+        <a:font script="Tfng" typeface="Ebrima"/>
+      </a:minorFont>
+    </a:fontScheme>
+    <a:fmtScheme name="Office">
+      <a:fillStyleLst>
+        <a:solidFill>
+          <a:schemeClr val="phClr"/>
+        </a:solidFill>
+        <a:gradFill rotWithShape="1">
+          <a:gsLst>
+            <a:gs pos="0">
+              <a:schemeClr val="phClr">
+                <a:lumMod val="110000"/>
+                <a:satMod val="105000"/>
+                <a:tint val="67000"/>
+              </a:schemeClr>
+            </a:gs>
+            <a:gs pos="50000">
+              <a:schemeClr val="phClr">
+                <a:lumMod val="105000"/>
+                <a:satMod val="103000"/>
+                <a:tint val="73000"/>
+              </a:schemeClr>
+            </a:gs>
+            <a:gs pos="100000">
+              <a:schemeClr val="phClr">
+                <a:lumMod val="105000"/>
+                <a:satMod val="109000"/>
+                <a:tint val="81000"/>
+              </a:schemeClr>
+            </a:gs>
+          </a:gsLst>
+          <a:lin ang="5400000" scaled="0"/>
+        </a:gradFill>
+        <a:gradFill rotWithShape="1">
+          <a:gsLst>
+            <a:gs pos="0">
+              <a:schemeClr val="phClr">
+                <a:satMod val="103000"/>
+                <a:lumMod val="102000"/>
+                <a:tint val="94000"/>
+              </a:schemeClr>
+            </a:gs>
+            <a:gs pos="50000">
+              <a:schemeClr val="phClr">
+                <a:satMod val="110000"/>
+                <a:lumMod val="100000"/>
+                <a:shade val="100000"/>
+              </a:schemeClr>
+            </a:gs>
+            <a:gs pos="100000">
+              <a:schemeClr val="phClr">
+                <a:lumMod val="99000"/>
+                <a:satMod val="120000"/>
+                <a:shade val="78000"/>
+              </a:schemeClr>
+            </a:gs>
+          </a:gsLst>
+          <a:lin ang="5400000" scaled="0"/>
+        </a:gradFill>
+      </a:fillStyleLst>
+      <a:lnStyleLst>
+        <a:ln w="6350" cap="flat" cmpd="sng" algn="ctr">
+          <a:solidFill>
+            <a:schemeClr val="phClr"/>
+          </a:solidFill>
+          <a:prstDash val="solid"/>
+          <a:miter lim="800000"/>
+        </a:ln>
+        <a:ln w="12700" cap="flat" cmpd="sng" algn="ctr">
+          <a:solidFill>
+            <a:schemeClr val="phClr"/>
+          </a:solidFill>
+          <a:prstDash val="solid"/>
+          <a:miter lim="800000"/>
+        </a:ln>
+        <a:ln w="19050" cap="flat" cmpd="sng" algn="ctr">
+          <a:solidFill>
+            <a:schemeClr val="phClr"/>
+          </a:solidFill>
+          <a:prstDash val="solid"/>
+          <a:miter lim="800000"/>
+        </a:ln>
+      </a:lnStyleLst>
+      <a:effectStyleLst>
+        <a:effectStyle>
+          <a:effectLst/>
+        </a:effectStyle>
+        <a:effectStyle>
+          <a:effectLst/>
+        </a:effectStyle>
+        <a:effectStyle>
+          <a:effectLst>
+            <a:outerShdw blurRad="57150" dist="19050" dir="5400000" algn="ctr" rotWithShape="0">
+              <a:srgbClr val="000000">
+                <a:alpha val="63000"/>
+              </a:srgbClr>
+            </a:outerShdw>
+          </a:effectLst>
+        </a:effectStyle>
+      </a:effectStyleLst>
+      <a:bgFillStyleLst>
+        <a:solidFill>
+          <a:schemeClr val="phClr"/>
+        </a:solidFill>
+        <a:solidFill>
+          <a:schemeClr val="phClr">
+            <a:tint val="95000"/>
+            <a:satMod val="170000"/>
+          </a:schemeClr>
+        </a:solidFill>
+        <a:gradFill rotWithShape="1">
+          <a:gsLst>
+            <a:gs pos="0">
+              <a:schemeClr val="phClr">
+                <a:tint val="93000"/>
+                <a:satMod val="150000"/>
+                <a:shade val="98000"/>
+                <a:lumMod val="102000"/>
+              </a:schemeClr>
+            </a:gs>
+            <a:gs pos="50000">
+              <a:schemeClr val="phClr">
+                <a:tint val="98000"/>
+                <a:satMod val="130000"/>
+                <a:shade val="90000"/>
+                <a:lumMod val="103000"/>
+              </a:schemeClr>
+            </a:gs>
+            <a:gs pos="100000">
+              <a:schemeClr val="phClr">
+                <a:shade val="63000"/>
+                <a:satMod val="120000"/>
+              </a:schemeClr>
+            </a:gs>
+          </a:gsLst>
+          <a:lin ang="5400000" scaled="0"/>
+        </a:gradFill>
+      </a:bgFillStyleLst>
+    </a:fmtScheme>
+  </a:themeElements>
+  <a:objectDefaults/>
+  <a:extraClrSchemeLst/>
+  <a:extLst>
+    <a:ext uri="{05A4C25C-085E-4340-85A3-A5531E510DB2}">
+      <thm15:themeFamily xmlns:thm15="http://schemas.microsoft.com/office/thememl/2012/main" name="Office Theme" id="{62F939B6-93AF-4DB8-9C6B-D6C7DFDC589F}" vid="{4A3C46E8-61CC-4603-A589-7422A47A8E4A}"/>
+    </a:ext>
+  </a:extLst>
+</a:theme>
 </file>
--- a/Asp.NetCoreExperiment/kubernetes/kubernetes.pptx
+++ b/Asp.NetCoreExperiment/kubernetes/kubernetes.pptx
@@ -5,7 +5,7 @@
     <p:sldMasterId id="2147483648" r:id="rId1"/>
   </p:sldMasterIdLst>
   <p:notesMasterIdLst>
-    <p:notesMasterId r:id="rId16"/>
+    <p:notesMasterId r:id="rId30"/>
   </p:notesMasterIdLst>
   <p:sldIdLst>
     <p:sldId id="256" r:id="rId2"/>
@@ -19,9 +19,23 @@
     <p:sldId id="261" r:id="rId10"/>
     <p:sldId id="262" r:id="rId11"/>
     <p:sldId id="269" r:id="rId12"/>
-    <p:sldId id="270" r:id="rId13"/>
-    <p:sldId id="258" r:id="rId14"/>
-    <p:sldId id="257" r:id="rId15"/>
+    <p:sldId id="271" r:id="rId13"/>
+    <p:sldId id="270" r:id="rId14"/>
+    <p:sldId id="272" r:id="rId15"/>
+    <p:sldId id="273" r:id="rId16"/>
+    <p:sldId id="274" r:id="rId17"/>
+    <p:sldId id="275" r:id="rId18"/>
+    <p:sldId id="276" r:id="rId19"/>
+    <p:sldId id="282" r:id="rId20"/>
+    <p:sldId id="281" r:id="rId21"/>
+    <p:sldId id="280" r:id="rId22"/>
+    <p:sldId id="279" r:id="rId23"/>
+    <p:sldId id="278" r:id="rId24"/>
+    <p:sldId id="277" r:id="rId25"/>
+    <p:sldId id="283" r:id="rId26"/>
+    <p:sldId id="284" r:id="rId27"/>
+    <p:sldId id="258" r:id="rId28"/>
+    <p:sldId id="257" r:id="rId29"/>
   </p:sldIdLst>
   <p:sldSz cx="12192000" cy="6858000"/>
   <p:notesSz cx="6858000" cy="9144000"/>
@@ -128,6 +142,2881 @@
 </p:presentation>
 </file>
 
+<file path=ppt/diagrams/colors1.xml><?xml version="1.0" encoding="utf-8"?>
+<dgm:colorsDef xmlns:dgm="http://schemas.openxmlformats.org/drawingml/2006/diagram" xmlns:a="http://schemas.openxmlformats.org/drawingml/2006/main" uniqueId="urn:microsoft.com/office/officeart/2005/8/colors/colorful4">
+  <dgm:title val=""/>
+  <dgm:desc val=""/>
+  <dgm:catLst>
+    <dgm:cat type="colorful" pri="10400"/>
+  </dgm:catLst>
+  <dgm:styleLbl name="node0">
+    <dgm:fillClrLst meth="repeat">
+      <a:schemeClr val="accent3"/>
+    </dgm:fillClrLst>
+    <dgm:linClrLst meth="repeat">
+      <a:schemeClr val="lt1"/>
+    </dgm:linClrLst>
+    <dgm:effectClrLst/>
+    <dgm:txLinClrLst/>
+    <dgm:txFillClrLst/>
+    <dgm:txEffectClrLst/>
+  </dgm:styleLbl>
+  <dgm:styleLbl name="node1">
+    <dgm:fillClrLst>
+      <a:schemeClr val="accent4"/>
+      <a:schemeClr val="accent5"/>
+    </dgm:fillClrLst>
+    <dgm:linClrLst meth="repeat">
+      <a:schemeClr val="lt1"/>
+    </dgm:linClrLst>
+    <dgm:effectClrLst/>
+    <dgm:txLinClrLst/>
+    <dgm:txFillClrLst/>
+    <dgm:txEffectClrLst/>
+  </dgm:styleLbl>
+  <dgm:styleLbl name="alignNode1">
+    <dgm:fillClrLst>
+      <a:schemeClr val="accent4"/>
+      <a:schemeClr val="accent5"/>
+    </dgm:fillClrLst>
+    <dgm:linClrLst>
+      <a:schemeClr val="accent4"/>
+      <a:schemeClr val="accent5"/>
+    </dgm:linClrLst>
+    <dgm:effectClrLst/>
+    <dgm:txLinClrLst/>
+    <dgm:txFillClrLst/>
+    <dgm:txEffectClrLst/>
+  </dgm:styleLbl>
+  <dgm:styleLbl name="lnNode1">
+    <dgm:fillClrLst>
+      <a:schemeClr val="accent4"/>
+      <a:schemeClr val="accent5"/>
+    </dgm:fillClrLst>
+    <dgm:linClrLst meth="repeat">
+      <a:schemeClr val="lt1"/>
+    </dgm:linClrLst>
+    <dgm:effectClrLst/>
+    <dgm:txLinClrLst/>
+    <dgm:txFillClrLst/>
+    <dgm:txEffectClrLst/>
+  </dgm:styleLbl>
+  <dgm:styleLbl name="vennNode1">
+    <dgm:fillClrLst>
+      <a:schemeClr val="accent4">
+        <a:alpha val="50000"/>
+      </a:schemeClr>
+      <a:schemeClr val="accent5">
+        <a:alpha val="50000"/>
+      </a:schemeClr>
+    </dgm:fillClrLst>
+    <dgm:linClrLst meth="repeat">
+      <a:schemeClr val="lt1"/>
+    </dgm:linClrLst>
+    <dgm:effectClrLst/>
+    <dgm:txLinClrLst/>
+    <dgm:txFillClrLst/>
+    <dgm:txEffectClrLst/>
+  </dgm:styleLbl>
+  <dgm:styleLbl name="node2">
+    <dgm:fillClrLst>
+      <a:schemeClr val="accent5"/>
+    </dgm:fillClrLst>
+    <dgm:linClrLst meth="repeat">
+      <a:schemeClr val="lt1"/>
+    </dgm:linClrLst>
+    <dgm:effectClrLst/>
+    <dgm:txLinClrLst/>
+    <dgm:txFillClrLst/>
+    <dgm:txEffectClrLst/>
+  </dgm:styleLbl>
+  <dgm:styleLbl name="node3">
+    <dgm:fillClrLst>
+      <a:schemeClr val="accent6"/>
+    </dgm:fillClrLst>
+    <dgm:linClrLst meth="repeat">
+      <a:schemeClr val="lt1"/>
+    </dgm:linClrLst>
+    <dgm:effectClrLst/>
+    <dgm:txLinClrLst/>
+    <dgm:txFillClrLst/>
+    <dgm:txEffectClrLst/>
+  </dgm:styleLbl>
+  <dgm:styleLbl name="node4">
+    <dgm:fillClrLst>
+      <a:schemeClr val="accent1"/>
+    </dgm:fillClrLst>
+    <dgm:linClrLst meth="repeat">
+      <a:schemeClr val="lt1"/>
+    </dgm:linClrLst>
+    <dgm:effectClrLst/>
+    <dgm:txLinClrLst/>
+    <dgm:txFillClrLst/>
+    <dgm:txEffectClrLst/>
+  </dgm:styleLbl>
+  <dgm:styleLbl name="fgImgPlace1">
+    <dgm:fillClrLst>
+      <a:schemeClr val="accent4">
+        <a:tint val="50000"/>
+      </a:schemeClr>
+      <a:schemeClr val="accent5">
+        <a:tint val="50000"/>
+      </a:schemeClr>
+    </dgm:fillClrLst>
+    <dgm:linClrLst meth="repeat">
+      <a:schemeClr val="lt1"/>
+    </dgm:linClrLst>
+    <dgm:effectClrLst/>
+    <dgm:txLinClrLst/>
+    <dgm:txFillClrLst meth="repeat">
+      <a:schemeClr val="lt1"/>
+    </dgm:txFillClrLst>
+    <dgm:txEffectClrLst/>
+  </dgm:styleLbl>
+  <dgm:styleLbl name="alignImgPlace1">
+    <dgm:fillClrLst>
+      <a:schemeClr val="accent4">
+        <a:tint val="50000"/>
+      </a:schemeClr>
+      <a:schemeClr val="accent5">
+        <a:tint val="20000"/>
+      </a:schemeClr>
+    </dgm:fillClrLst>
+    <dgm:linClrLst meth="repeat">
+      <a:schemeClr val="lt1"/>
+    </dgm:linClrLst>
+    <dgm:effectClrLst/>
+    <dgm:txLinClrLst/>
+    <dgm:txFillClrLst meth="repeat">
+      <a:schemeClr val="lt1"/>
+    </dgm:txFillClrLst>
+    <dgm:txEffectClrLst/>
+  </dgm:styleLbl>
+  <dgm:styleLbl name="bgImgPlace1">
+    <dgm:fillClrLst>
+      <a:schemeClr val="accent4">
+        <a:tint val="50000"/>
+      </a:schemeClr>
+      <a:schemeClr val="accent5">
+        <a:tint val="20000"/>
+      </a:schemeClr>
+    </dgm:fillClrLst>
+    <dgm:linClrLst meth="repeat">
+      <a:schemeClr val="lt1"/>
+    </dgm:linClrLst>
+    <dgm:effectClrLst/>
+    <dgm:txLinClrLst/>
+    <dgm:txFillClrLst meth="repeat">
+      <a:schemeClr val="lt1"/>
+    </dgm:txFillClrLst>
+    <dgm:txEffectClrLst/>
+  </dgm:styleLbl>
+  <dgm:styleLbl name="sibTrans2D1">
+    <dgm:fillClrLst>
+      <a:schemeClr val="accent4"/>
+      <a:schemeClr val="accent5"/>
+    </dgm:fillClrLst>
+    <dgm:linClrLst meth="repeat">
+      <a:schemeClr val="lt1"/>
+    </dgm:linClrLst>
+    <dgm:effectClrLst/>
+    <dgm:txLinClrLst/>
+    <dgm:txFillClrLst/>
+    <dgm:txEffectClrLst/>
+  </dgm:styleLbl>
+  <dgm:styleLbl name="fgSibTrans2D1">
+    <dgm:fillClrLst>
+      <a:schemeClr val="accent4"/>
+      <a:schemeClr val="accent5"/>
+    </dgm:fillClrLst>
+    <dgm:linClrLst meth="repeat">
+      <a:schemeClr val="lt1"/>
+    </dgm:linClrLst>
+    <dgm:effectClrLst/>
+    <dgm:txLinClrLst/>
+    <dgm:txFillClrLst meth="repeat">
+      <a:schemeClr val="lt1"/>
+    </dgm:txFillClrLst>
+    <dgm:txEffectClrLst/>
+  </dgm:styleLbl>
+  <dgm:styleLbl name="bgSibTrans2D1">
+    <dgm:fillClrLst>
+      <a:schemeClr val="accent4"/>
+      <a:schemeClr val="accent5"/>
+    </dgm:fillClrLst>
+    <dgm:linClrLst meth="repeat">
+      <a:schemeClr val="lt1"/>
+    </dgm:linClrLst>
+    <dgm:effectClrLst/>
+    <dgm:txLinClrLst/>
+    <dgm:txFillClrLst meth="repeat">
+      <a:schemeClr val="lt1"/>
+    </dgm:txFillClrLst>
+    <dgm:txEffectClrLst/>
+  </dgm:styleLbl>
+  <dgm:styleLbl name="sibTrans1D1">
+    <dgm:fillClrLst/>
+    <dgm:linClrLst>
+      <a:schemeClr val="accent4"/>
+      <a:schemeClr val="accent5"/>
+    </dgm:linClrLst>
+    <dgm:effectClrLst/>
+    <dgm:txLinClrLst/>
+    <dgm:txFillClrLst meth="repeat">
+      <a:schemeClr val="tx1"/>
+    </dgm:txFillClrLst>
+    <dgm:txEffectClrLst/>
+  </dgm:styleLbl>
+  <dgm:styleLbl name="callout">
+    <dgm:fillClrLst meth="repeat">
+      <a:schemeClr val="accent4"/>
+    </dgm:fillClrLst>
+    <dgm:linClrLst meth="repeat">
+      <a:schemeClr val="accent4">
+        <a:tint val="50000"/>
+      </a:schemeClr>
+    </dgm:linClrLst>
+    <dgm:effectClrLst/>
+    <dgm:txLinClrLst/>
+    <dgm:txFillClrLst meth="repeat">
+      <a:schemeClr val="tx1"/>
+    </dgm:txFillClrLst>
+    <dgm:txEffectClrLst/>
+  </dgm:styleLbl>
+  <dgm:styleLbl name="asst0">
+    <dgm:fillClrLst meth="repeat">
+      <a:schemeClr val="accent4"/>
+    </dgm:fillClrLst>
+    <dgm:linClrLst meth="repeat">
+      <a:schemeClr val="lt1">
+        <a:shade val="80000"/>
+      </a:schemeClr>
+    </dgm:linClrLst>
+    <dgm:effectClrLst/>
+    <dgm:txLinClrLst/>
+    <dgm:txFillClrLst/>
+    <dgm:txEffectClrLst/>
+  </dgm:styleLbl>
+  <dgm:styleLbl name="asst1">
+    <dgm:fillClrLst meth="repeat">
+      <a:schemeClr val="accent5"/>
+    </dgm:fillClrLst>
+    <dgm:linClrLst meth="repeat">
+      <a:schemeClr val="lt1">
+        <a:shade val="80000"/>
+      </a:schemeClr>
+    </dgm:linClrLst>
+    <dgm:effectClrLst/>
+    <dgm:txLinClrLst/>
+    <dgm:txFillClrLst/>
+    <dgm:txEffectClrLst/>
+  </dgm:styleLbl>
+  <dgm:styleLbl name="asst2">
+    <dgm:fillClrLst>
+      <a:schemeClr val="accent6"/>
+    </dgm:fillClrLst>
+    <dgm:linClrLst meth="repeat">
+      <a:schemeClr val="lt1"/>
+    </dgm:linClrLst>
+    <dgm:effectClrLst/>
+    <dgm:txLinClrLst/>
+    <dgm:txFillClrLst/>
+    <dgm:txEffectClrLst/>
+  </dgm:styleLbl>
+  <dgm:styleLbl name="asst3">
+    <dgm:fillClrLst>
+      <a:schemeClr val="accent1"/>
+    </dgm:fillClrLst>
+    <dgm:linClrLst meth="repeat">
+      <a:schemeClr val="lt1"/>
+    </dgm:linClrLst>
+    <dgm:effectClrLst/>
+    <dgm:txLinClrLst/>
+    <dgm:txFillClrLst/>
+    <dgm:txEffectClrLst/>
+  </dgm:styleLbl>
+  <dgm:styleLbl name="asst4">
+    <dgm:fillClrLst>
+      <a:schemeClr val="accent2"/>
+    </dgm:fillClrLst>
+    <dgm:linClrLst meth="repeat">
+      <a:schemeClr val="lt1"/>
+    </dgm:linClrLst>
+    <dgm:effectClrLst/>
+    <dgm:txLinClrLst/>
+    <dgm:txFillClrLst/>
+    <dgm:txEffectClrLst/>
+  </dgm:styleLbl>
+  <dgm:styleLbl name="parChTrans2D1">
+    <dgm:fillClrLst meth="repeat">
+      <a:schemeClr val="accent4"/>
+    </dgm:fillClrLst>
+    <dgm:linClrLst meth="repeat">
+      <a:schemeClr val="lt1"/>
+    </dgm:linClrLst>
+    <dgm:effectClrLst/>
+    <dgm:txLinClrLst/>
+    <dgm:txFillClrLst meth="repeat">
+      <a:schemeClr val="lt1"/>
+    </dgm:txFillClrLst>
+    <dgm:txEffectClrLst/>
+  </dgm:styleLbl>
+  <dgm:styleLbl name="parChTrans2D2">
+    <dgm:fillClrLst meth="repeat">
+      <a:schemeClr val="accent5"/>
+    </dgm:fillClrLst>
+    <dgm:linClrLst meth="repeat">
+      <a:schemeClr val="lt1"/>
+    </dgm:linClrLst>
+    <dgm:effectClrLst/>
+    <dgm:txLinClrLst/>
+    <dgm:txFillClrLst/>
+    <dgm:txEffectClrLst/>
+  </dgm:styleLbl>
+  <dgm:styleLbl name="parChTrans2D3">
+    <dgm:fillClrLst meth="repeat">
+      <a:schemeClr val="accent5"/>
+    </dgm:fillClrLst>
+    <dgm:linClrLst meth="repeat">
+      <a:schemeClr val="lt1"/>
+    </dgm:linClrLst>
+    <dgm:effectClrLst/>
+    <dgm:txLinClrLst/>
+    <dgm:txFillClrLst/>
+    <dgm:txEffectClrLst/>
+  </dgm:styleLbl>
+  <dgm:styleLbl name="parChTrans2D4">
+    <dgm:fillClrLst meth="repeat">
+      <a:schemeClr val="accent6"/>
+    </dgm:fillClrLst>
+    <dgm:linClrLst meth="repeat">
+      <a:schemeClr val="lt1"/>
+    </dgm:linClrLst>
+    <dgm:effectClrLst/>
+    <dgm:txLinClrLst/>
+    <dgm:txFillClrLst meth="repeat">
+      <a:schemeClr val="lt1"/>
+    </dgm:txFillClrLst>
+    <dgm:txEffectClrLst/>
+  </dgm:styleLbl>
+  <dgm:styleLbl name="parChTrans1D1">
+    <dgm:fillClrLst meth="repeat">
+      <a:schemeClr val="accent4"/>
+    </dgm:fillClrLst>
+    <dgm:linClrLst meth="repeat">
+      <a:schemeClr val="accent4"/>
+    </dgm:linClrLst>
+    <dgm:effectClrLst/>
+    <dgm:txLinClrLst/>
+    <dgm:txFillClrLst meth="repeat">
+      <a:schemeClr val="tx1"/>
+    </dgm:txFillClrLst>
+    <dgm:txEffectClrLst/>
+  </dgm:styleLbl>
+  <dgm:styleLbl name="parChTrans1D2">
+    <dgm:fillClrLst meth="repeat">
+      <a:schemeClr val="accent4">
+        <a:tint val="90000"/>
+      </a:schemeClr>
+    </dgm:fillClrLst>
+    <dgm:linClrLst meth="repeat">
+      <a:schemeClr val="accent5"/>
+    </dgm:linClrLst>
+    <dgm:effectClrLst/>
+    <dgm:txLinClrLst/>
+    <dgm:txFillClrLst meth="repeat">
+      <a:schemeClr val="tx1"/>
+    </dgm:txFillClrLst>
+    <dgm:txEffectClrLst/>
+  </dgm:styleLbl>
+  <dgm:styleLbl name="parChTrans1D3">
+    <dgm:fillClrLst meth="repeat">
+      <a:schemeClr val="accent4">
+        <a:tint val="70000"/>
+      </a:schemeClr>
+    </dgm:fillClrLst>
+    <dgm:linClrLst meth="repeat">
+      <a:schemeClr val="accent6"/>
+    </dgm:linClrLst>
+    <dgm:effectClrLst/>
+    <dgm:txLinClrLst/>
+    <dgm:txFillClrLst meth="repeat">
+      <a:schemeClr val="tx1"/>
+    </dgm:txFillClrLst>
+    <dgm:txEffectClrLst/>
+  </dgm:styleLbl>
+  <dgm:styleLbl name="parChTrans1D4">
+    <dgm:fillClrLst meth="repeat">
+      <a:schemeClr val="accent4">
+        <a:tint val="50000"/>
+      </a:schemeClr>
+    </dgm:fillClrLst>
+    <dgm:linClrLst meth="repeat">
+      <a:schemeClr val="accent1"/>
+    </dgm:linClrLst>
+    <dgm:effectClrLst/>
+    <dgm:txLinClrLst/>
+    <dgm:txFillClrLst meth="repeat">
+      <a:schemeClr val="tx1"/>
+    </dgm:txFillClrLst>
+    <dgm:txEffectClrLst/>
+  </dgm:styleLbl>
+  <dgm:styleLbl name="fgAcc1">
+    <dgm:fillClrLst meth="repeat">
+      <a:schemeClr val="lt1">
+        <a:alpha val="90000"/>
+      </a:schemeClr>
+    </dgm:fillClrLst>
+    <dgm:linClrLst>
+      <a:schemeClr val="accent4"/>
+      <a:schemeClr val="accent5"/>
+    </dgm:linClrLst>
+    <dgm:effectClrLst/>
+    <dgm:txLinClrLst/>
+    <dgm:txFillClrLst meth="repeat">
+      <a:schemeClr val="dk1"/>
+    </dgm:txFillClrLst>
+    <dgm:txEffectClrLst/>
+  </dgm:styleLbl>
+  <dgm:styleLbl name="conFgAcc1">
+    <dgm:fillClrLst meth="repeat">
+      <a:schemeClr val="lt1">
+        <a:alpha val="90000"/>
+      </a:schemeClr>
+    </dgm:fillClrLst>
+    <dgm:linClrLst>
+      <a:schemeClr val="accent4"/>
+      <a:schemeClr val="accent5"/>
+    </dgm:linClrLst>
+    <dgm:effectClrLst/>
+    <dgm:txLinClrLst/>
+    <dgm:txFillClrLst meth="repeat">
+      <a:schemeClr val="dk1"/>
+    </dgm:txFillClrLst>
+    <dgm:txEffectClrLst/>
+  </dgm:styleLbl>
+  <dgm:styleLbl name="alignAcc1">
+    <dgm:fillClrLst meth="repeat">
+      <a:schemeClr val="lt1">
+        <a:alpha val="90000"/>
+      </a:schemeClr>
+    </dgm:fillClrLst>
+    <dgm:linClrLst>
+      <a:schemeClr val="accent4"/>
+      <a:schemeClr val="accent5"/>
+    </dgm:linClrLst>
+    <dgm:effectClrLst/>
+    <dgm:txLinClrLst/>
+    <dgm:txFillClrLst meth="repeat">
+      <a:schemeClr val="dk1"/>
+    </dgm:txFillClrLst>
+    <dgm:txEffectClrLst/>
+  </dgm:styleLbl>
+  <dgm:styleLbl name="trAlignAcc1">
+    <dgm:fillClrLst meth="repeat">
+      <a:schemeClr val="lt1">
+        <a:alpha val="40000"/>
+      </a:schemeClr>
+    </dgm:fillClrLst>
+    <dgm:linClrLst meth="repeat">
+      <a:schemeClr val="accent4"/>
+    </dgm:linClrLst>
+    <dgm:effectClrLst/>
+    <dgm:txLinClrLst/>
+    <dgm:txFillClrLst meth="repeat">
+      <a:schemeClr val="dk1"/>
+    </dgm:txFillClrLst>
+    <dgm:txEffectClrLst/>
+  </dgm:styleLbl>
+  <dgm:styleLbl name="bgAcc1">
+    <dgm:fillClrLst meth="repeat">
+      <a:schemeClr val="lt1">
+        <a:alpha val="90000"/>
+      </a:schemeClr>
+    </dgm:fillClrLst>
+    <dgm:linClrLst>
+      <a:schemeClr val="accent4"/>
+      <a:schemeClr val="accent5"/>
+    </dgm:linClrLst>
+    <dgm:effectClrLst/>
+    <dgm:txLinClrLst/>
+    <dgm:txFillClrLst meth="repeat">
+      <a:schemeClr val="dk1"/>
+    </dgm:txFillClrLst>
+    <dgm:txEffectClrLst/>
+  </dgm:styleLbl>
+  <dgm:styleLbl name="solidFgAcc1">
+    <dgm:fillClrLst meth="repeat">
+      <a:schemeClr val="lt1"/>
+    </dgm:fillClrLst>
+    <dgm:linClrLst>
+      <a:schemeClr val="accent4"/>
+      <a:schemeClr val="accent5"/>
+    </dgm:linClrLst>
+    <dgm:effectClrLst/>
+    <dgm:txLinClrLst/>
+    <dgm:txFillClrLst meth="repeat">
+      <a:schemeClr val="dk1"/>
+    </dgm:txFillClrLst>
+    <dgm:txEffectClrLst/>
+  </dgm:styleLbl>
+  <dgm:styleLbl name="solidAlignAcc1">
+    <dgm:fillClrLst meth="repeat">
+      <a:schemeClr val="lt1"/>
+    </dgm:fillClrLst>
+    <dgm:linClrLst>
+      <a:schemeClr val="accent4"/>
+      <a:schemeClr val="accent5"/>
+    </dgm:linClrLst>
+    <dgm:effectClrLst/>
+    <dgm:txLinClrLst/>
+    <dgm:txFillClrLst meth="repeat">
+      <a:schemeClr val="dk1"/>
+    </dgm:txFillClrLst>
+    <dgm:txEffectClrLst/>
+  </dgm:styleLbl>
+  <dgm:styleLbl name="solidBgAcc1">
+    <dgm:fillClrLst meth="repeat">
+      <a:schemeClr val="lt1"/>
+    </dgm:fillClrLst>
+    <dgm:linClrLst>
+      <a:schemeClr val="accent4"/>
+      <a:schemeClr val="accent5"/>
+    </dgm:linClrLst>
+    <dgm:effectClrLst/>
+    <dgm:txLinClrLst/>
+    <dgm:txFillClrLst meth="repeat">
+      <a:schemeClr val="dk1"/>
+    </dgm:txFillClrLst>
+    <dgm:txEffectClrLst/>
+  </dgm:styleLbl>
+  <dgm:styleLbl name="fgAccFollowNode1">
+    <dgm:fillClrLst>
+      <a:schemeClr val="accent4">
+        <a:tint val="40000"/>
+        <a:alpha val="90000"/>
+      </a:schemeClr>
+      <a:schemeClr val="accent5">
+        <a:tint val="40000"/>
+        <a:alpha val="90000"/>
+      </a:schemeClr>
+    </dgm:fillClrLst>
+    <dgm:linClrLst>
+      <a:schemeClr val="accent4">
+        <a:tint val="40000"/>
+        <a:alpha val="90000"/>
+      </a:schemeClr>
+      <a:schemeClr val="accent5">
+        <a:tint val="40000"/>
+        <a:alpha val="90000"/>
+      </a:schemeClr>
+    </dgm:linClrLst>
+    <dgm:effectClrLst/>
+    <dgm:txLinClrLst/>
+    <dgm:txFillClrLst meth="repeat">
+      <a:schemeClr val="dk1"/>
+    </dgm:txFillClrLst>
+    <dgm:txEffectClrLst/>
+  </dgm:styleLbl>
+  <dgm:styleLbl name="alignAccFollowNode1">
+    <dgm:fillClrLst>
+      <a:schemeClr val="accent4">
+        <a:tint val="40000"/>
+        <a:alpha val="90000"/>
+      </a:schemeClr>
+      <a:schemeClr val="accent5">
+        <a:tint val="40000"/>
+        <a:alpha val="90000"/>
+      </a:schemeClr>
+    </dgm:fillClrLst>
+    <dgm:linClrLst>
+      <a:schemeClr val="accent4">
+        <a:tint val="40000"/>
+        <a:alpha val="90000"/>
+      </a:schemeClr>
+      <a:schemeClr val="accent5">
+        <a:tint val="40000"/>
+        <a:alpha val="90000"/>
+      </a:schemeClr>
+    </dgm:linClrLst>
+    <dgm:effectClrLst/>
+    <dgm:txLinClrLst/>
+    <dgm:txFillClrLst meth="repeat">
+      <a:schemeClr val="dk1"/>
+    </dgm:txFillClrLst>
+    <dgm:txEffectClrLst/>
+  </dgm:styleLbl>
+  <dgm:styleLbl name="bgAccFollowNode1">
+    <dgm:fillClrLst>
+      <a:schemeClr val="accent4">
+        <a:tint val="40000"/>
+        <a:alpha val="90000"/>
+      </a:schemeClr>
+      <a:schemeClr val="accent5">
+        <a:tint val="40000"/>
+        <a:alpha val="90000"/>
+      </a:schemeClr>
+    </dgm:fillClrLst>
+    <dgm:linClrLst>
+      <a:schemeClr val="accent4">
+        <a:tint val="40000"/>
+        <a:alpha val="90000"/>
+      </a:schemeClr>
+      <a:schemeClr val="accent5">
+        <a:tint val="40000"/>
+        <a:alpha val="90000"/>
+      </a:schemeClr>
+    </dgm:linClrLst>
+    <dgm:effectClrLst/>
+    <dgm:txLinClrLst/>
+    <dgm:txFillClrLst meth="repeat">
+      <a:schemeClr val="dk1"/>
+    </dgm:txFillClrLst>
+    <dgm:txEffectClrLst/>
+  </dgm:styleLbl>
+  <dgm:styleLbl name="fgAcc0">
+    <dgm:fillClrLst meth="repeat">
+      <a:schemeClr val="lt1">
+        <a:alpha val="90000"/>
+      </a:schemeClr>
+    </dgm:fillClrLst>
+    <dgm:linClrLst>
+      <a:schemeClr val="accent3"/>
+    </dgm:linClrLst>
+    <dgm:effectClrLst/>
+    <dgm:txLinClrLst/>
+    <dgm:txFillClrLst meth="repeat">
+      <a:schemeClr val="dk1"/>
+    </dgm:txFillClrLst>
+    <dgm:txEffectClrLst/>
+  </dgm:styleLbl>
+  <dgm:styleLbl name="fgAcc2">
+    <dgm:fillClrLst meth="repeat">
+      <a:schemeClr val="lt1">
+        <a:alpha val="90000"/>
+      </a:schemeClr>
+    </dgm:fillClrLst>
+    <dgm:linClrLst>
+      <a:schemeClr val="accent5"/>
+    </dgm:linClrLst>
+    <dgm:effectClrLst/>
+    <dgm:txLinClrLst/>
+    <dgm:txFillClrLst meth="repeat">
+      <a:schemeClr val="dk1"/>
+    </dgm:txFillClrLst>
+    <dgm:txEffectClrLst/>
+  </dgm:styleLbl>
+  <dgm:styleLbl name="fgAcc3">
+    <dgm:fillClrLst meth="repeat">
+      <a:schemeClr val="lt1">
+        <a:alpha val="90000"/>
+      </a:schemeClr>
+    </dgm:fillClrLst>
+    <dgm:linClrLst>
+      <a:schemeClr val="accent6"/>
+    </dgm:linClrLst>
+    <dgm:effectClrLst/>
+    <dgm:txLinClrLst/>
+    <dgm:txFillClrLst meth="repeat">
+      <a:schemeClr val="dk1"/>
+    </dgm:txFillClrLst>
+    <dgm:txEffectClrLst/>
+  </dgm:styleLbl>
+  <dgm:styleLbl name="fgAcc4">
+    <dgm:fillClrLst meth="repeat">
+      <a:schemeClr val="lt1">
+        <a:alpha val="90000"/>
+      </a:schemeClr>
+    </dgm:fillClrLst>
+    <dgm:linClrLst>
+      <a:schemeClr val="accent1"/>
+    </dgm:linClrLst>
+    <dgm:effectClrLst/>
+    <dgm:txLinClrLst/>
+    <dgm:txFillClrLst meth="repeat">
+      <a:schemeClr val="dk1"/>
+    </dgm:txFillClrLst>
+    <dgm:txEffectClrLst/>
+  </dgm:styleLbl>
+  <dgm:styleLbl name="bgShp">
+    <dgm:fillClrLst meth="repeat">
+      <a:schemeClr val="accent4">
+        <a:tint val="40000"/>
+      </a:schemeClr>
+    </dgm:fillClrLst>
+    <dgm:linClrLst meth="repeat">
+      <a:schemeClr val="dk1"/>
+    </dgm:linClrLst>
+    <dgm:effectClrLst/>
+    <dgm:txLinClrLst/>
+    <dgm:txFillClrLst meth="repeat">
+      <a:schemeClr val="dk1"/>
+    </dgm:txFillClrLst>
+    <dgm:txEffectClrLst/>
+  </dgm:styleLbl>
+  <dgm:styleLbl name="dkBgShp">
+    <dgm:fillClrLst meth="repeat">
+      <a:schemeClr val="accent4">
+        <a:shade val="90000"/>
+      </a:schemeClr>
+    </dgm:fillClrLst>
+    <dgm:linClrLst meth="repeat">
+      <a:schemeClr val="dk1"/>
+    </dgm:linClrLst>
+    <dgm:effectClrLst/>
+    <dgm:txLinClrLst/>
+    <dgm:txFillClrLst meth="repeat">
+      <a:schemeClr val="lt1"/>
+    </dgm:txFillClrLst>
+    <dgm:txEffectClrLst/>
+  </dgm:styleLbl>
+  <dgm:styleLbl name="trBgShp">
+    <dgm:fillClrLst meth="repeat">
+      <a:schemeClr val="accent4">
+        <a:tint val="50000"/>
+        <a:alpha val="40000"/>
+      </a:schemeClr>
+    </dgm:fillClrLst>
+    <dgm:linClrLst meth="repeat">
+      <a:schemeClr val="accent4"/>
+    </dgm:linClrLst>
+    <dgm:effectClrLst/>
+    <dgm:txLinClrLst/>
+    <dgm:txFillClrLst meth="repeat">
+      <a:schemeClr val="lt1"/>
+    </dgm:txFillClrLst>
+    <dgm:txEffectClrLst/>
+  </dgm:styleLbl>
+  <dgm:styleLbl name="fgShp">
+    <dgm:fillClrLst meth="repeat">
+      <a:schemeClr val="accent4">
+        <a:tint val="40000"/>
+      </a:schemeClr>
+    </dgm:fillClrLst>
+    <dgm:linClrLst meth="repeat">
+      <a:schemeClr val="lt1"/>
+    </dgm:linClrLst>
+    <dgm:effectClrLst/>
+    <dgm:txLinClrLst/>
+    <dgm:txFillClrLst meth="repeat">
+      <a:schemeClr val="dk1"/>
+    </dgm:txFillClrLst>
+    <dgm:txEffectClrLst/>
+  </dgm:styleLbl>
+  <dgm:styleLbl name="revTx">
+    <dgm:fillClrLst meth="repeat">
+      <a:schemeClr val="lt1">
+        <a:alpha val="0"/>
+      </a:schemeClr>
+    </dgm:fillClrLst>
+    <dgm:linClrLst meth="repeat">
+      <a:schemeClr val="dk1">
+        <a:alpha val="0"/>
+      </a:schemeClr>
+    </dgm:linClrLst>
+    <dgm:effectClrLst/>
+    <dgm:txLinClrLst/>
+    <dgm:txFillClrLst meth="repeat">
+      <a:schemeClr val="tx1"/>
+    </dgm:txFillClrLst>
+    <dgm:txEffectClrLst/>
+  </dgm:styleLbl>
+</dgm:colorsDef>
+</file>
+
+<file path=ppt/diagrams/data1.xml><?xml version="1.0" encoding="utf-8"?>
+<dgm:dataModel xmlns:dgm="http://schemas.openxmlformats.org/drawingml/2006/diagram" xmlns:a="http://schemas.openxmlformats.org/drawingml/2006/main">
+  <dgm:ptLst>
+    <dgm:pt modelId="{6E2A034A-61D1-479E-8096-F00D61E9FA5C}" type="doc">
+      <dgm:prSet loTypeId="urn:microsoft.com/office/officeart/2005/8/layout/funnel1" loCatId="process" qsTypeId="urn:microsoft.com/office/officeart/2005/8/quickstyle/simple1" qsCatId="simple" csTypeId="urn:microsoft.com/office/officeart/2005/8/colors/colorful4" csCatId="colorful" phldr="1"/>
+      <dgm:spPr/>
+      <dgm:t>
+        <a:bodyPr/>
+        <a:lstStyle/>
+        <a:p>
+          <a:endParaRPr lang="zh-CN" altLang="en-US"/>
+        </a:p>
+      </dgm:t>
+    </dgm:pt>
+    <dgm:pt modelId="{A227F97D-D832-4BCE-A818-59B0A7A071F8}">
+      <dgm:prSet phldrT="[文本]" custT="1"/>
+      <dgm:spPr/>
+      <dgm:t>
+        <a:bodyPr/>
+        <a:lstStyle/>
+        <a:p>
+          <a:r>
+            <a:rPr lang="en-US" altLang="zh-CN" sz="1400" b="1" dirty="0">
+              <a:solidFill>
+                <a:schemeClr val="tx1"/>
+              </a:solidFill>
+            </a:rPr>
+            <a:t>Namespace</a:t>
+          </a:r>
+          <a:endParaRPr lang="zh-CN" altLang="en-US" sz="1400" b="1" dirty="0">
+            <a:solidFill>
+              <a:schemeClr val="tx1"/>
+            </a:solidFill>
+          </a:endParaRPr>
+        </a:p>
+      </dgm:t>
+    </dgm:pt>
+    <dgm:pt modelId="{E10F5524-5099-4766-9C3E-398A2BF372B9}" type="parTrans" cxnId="{4658827F-2BA3-4B73-B41F-1AEF511416D9}">
+      <dgm:prSet/>
+      <dgm:spPr/>
+      <dgm:t>
+        <a:bodyPr/>
+        <a:lstStyle/>
+        <a:p>
+          <a:endParaRPr lang="zh-CN" altLang="en-US"/>
+        </a:p>
+      </dgm:t>
+    </dgm:pt>
+    <dgm:pt modelId="{4FDF0B76-23D0-479E-9C2C-E818326FF2B4}" type="sibTrans" cxnId="{4658827F-2BA3-4B73-B41F-1AEF511416D9}">
+      <dgm:prSet/>
+      <dgm:spPr/>
+      <dgm:t>
+        <a:bodyPr/>
+        <a:lstStyle/>
+        <a:p>
+          <a:endParaRPr lang="zh-CN" altLang="en-US"/>
+        </a:p>
+      </dgm:t>
+    </dgm:pt>
+    <dgm:pt modelId="{38A966DA-E4DB-4723-B236-DC4908C5F2C5}">
+      <dgm:prSet phldrT="[文本]" custT="1"/>
+      <dgm:spPr/>
+      <dgm:t>
+        <a:bodyPr/>
+        <a:lstStyle/>
+        <a:p>
+          <a:r>
+            <a:rPr lang="en-US" altLang="zh-CN" sz="2400" dirty="0" err="1">
+              <a:solidFill>
+                <a:schemeClr val="tx1"/>
+              </a:solidFill>
+            </a:rPr>
+            <a:t>CGroup</a:t>
+          </a:r>
+          <a:endParaRPr lang="zh-CN" altLang="en-US" sz="2400" dirty="0">
+            <a:solidFill>
+              <a:schemeClr val="tx1"/>
+            </a:solidFill>
+          </a:endParaRPr>
+        </a:p>
+      </dgm:t>
+    </dgm:pt>
+    <dgm:pt modelId="{9A40CB32-2F1F-4B44-AE4F-91DD6D48B4A0}" type="parTrans" cxnId="{ADCF0A94-ED14-4209-A187-866EF5DC623E}">
+      <dgm:prSet/>
+      <dgm:spPr/>
+      <dgm:t>
+        <a:bodyPr/>
+        <a:lstStyle/>
+        <a:p>
+          <a:endParaRPr lang="zh-CN" altLang="en-US"/>
+        </a:p>
+      </dgm:t>
+    </dgm:pt>
+    <dgm:pt modelId="{17E42B5E-E4ED-4C5B-AD71-2AD68FA94F97}" type="sibTrans" cxnId="{ADCF0A94-ED14-4209-A187-866EF5DC623E}">
+      <dgm:prSet/>
+      <dgm:spPr/>
+      <dgm:t>
+        <a:bodyPr/>
+        <a:lstStyle/>
+        <a:p>
+          <a:endParaRPr lang="zh-CN" altLang="en-US"/>
+        </a:p>
+      </dgm:t>
+    </dgm:pt>
+    <dgm:pt modelId="{40DA7778-8D3A-41B2-A504-C15F9C74BA9D}">
+      <dgm:prSet phldrT="[文本]"/>
+      <dgm:spPr/>
+      <dgm:t>
+        <a:bodyPr/>
+        <a:lstStyle/>
+        <a:p>
+          <a:r>
+            <a:rPr lang="en-US" altLang="zh-CN" dirty="0" err="1">
+              <a:solidFill>
+                <a:schemeClr val="tx1"/>
+              </a:solidFill>
+            </a:rPr>
+            <a:t>rootfs</a:t>
+          </a:r>
+          <a:endParaRPr lang="zh-CN" altLang="en-US" dirty="0">
+            <a:solidFill>
+              <a:schemeClr val="tx1"/>
+            </a:solidFill>
+          </a:endParaRPr>
+        </a:p>
+      </dgm:t>
+    </dgm:pt>
+    <dgm:pt modelId="{C99E5FB0-CD4E-4668-BEE6-6A630F5D926B}" type="parTrans" cxnId="{3DE5D7B3-7B36-44CC-90EF-45C51025E062}">
+      <dgm:prSet/>
+      <dgm:spPr/>
+      <dgm:t>
+        <a:bodyPr/>
+        <a:lstStyle/>
+        <a:p>
+          <a:endParaRPr lang="zh-CN" altLang="en-US"/>
+        </a:p>
+      </dgm:t>
+    </dgm:pt>
+    <dgm:pt modelId="{286464A5-06E1-44A1-8D99-C09CCD36280D}" type="sibTrans" cxnId="{3DE5D7B3-7B36-44CC-90EF-45C51025E062}">
+      <dgm:prSet/>
+      <dgm:spPr/>
+      <dgm:t>
+        <a:bodyPr/>
+        <a:lstStyle/>
+        <a:p>
+          <a:endParaRPr lang="zh-CN" altLang="en-US"/>
+        </a:p>
+      </dgm:t>
+    </dgm:pt>
+    <dgm:pt modelId="{2D1F97F0-4C8B-45C7-8E98-E252476590DD}">
+      <dgm:prSet phldrT="[文本]"/>
+      <dgm:spPr/>
+      <dgm:t>
+        <a:bodyPr/>
+        <a:lstStyle/>
+        <a:p>
+          <a:r>
+            <a:rPr lang="en-US" altLang="zh-CN" dirty="0"/>
+            <a:t>Docker</a:t>
+          </a:r>
+          <a:endParaRPr lang="zh-CN" altLang="en-US" dirty="0"/>
+        </a:p>
+      </dgm:t>
+    </dgm:pt>
+    <dgm:pt modelId="{6AEDEA9A-73E7-4CA9-BE35-8A9BB7AF6880}" type="parTrans" cxnId="{AF4656EA-E58B-442A-B294-F509E0A4B8FB}">
+      <dgm:prSet/>
+      <dgm:spPr/>
+      <dgm:t>
+        <a:bodyPr/>
+        <a:lstStyle/>
+        <a:p>
+          <a:endParaRPr lang="zh-CN" altLang="en-US"/>
+        </a:p>
+      </dgm:t>
+    </dgm:pt>
+    <dgm:pt modelId="{8F50CFE9-C714-4FA0-A2B5-4AE96D9D9E2F}" type="sibTrans" cxnId="{AF4656EA-E58B-442A-B294-F509E0A4B8FB}">
+      <dgm:prSet/>
+      <dgm:spPr/>
+      <dgm:t>
+        <a:bodyPr/>
+        <a:lstStyle/>
+        <a:p>
+          <a:endParaRPr lang="zh-CN" altLang="en-US"/>
+        </a:p>
+      </dgm:t>
+    </dgm:pt>
+    <dgm:pt modelId="{99F24981-DB4C-4065-8C32-FA977486DE51}" type="pres">
+      <dgm:prSet presAssocID="{6E2A034A-61D1-479E-8096-F00D61E9FA5C}" presName="Name0" presStyleCnt="0">
+        <dgm:presLayoutVars>
+          <dgm:chMax val="4"/>
+          <dgm:resizeHandles val="exact"/>
+        </dgm:presLayoutVars>
+      </dgm:prSet>
+      <dgm:spPr/>
+    </dgm:pt>
+    <dgm:pt modelId="{556B191A-8588-4826-888F-DBDA47CC3617}" type="pres">
+      <dgm:prSet presAssocID="{6E2A034A-61D1-479E-8096-F00D61E9FA5C}" presName="ellipse" presStyleLbl="trBgShp" presStyleIdx="0" presStyleCnt="1"/>
+      <dgm:spPr/>
+    </dgm:pt>
+    <dgm:pt modelId="{F2CF3334-39F8-42D5-B65D-621F80C78468}" type="pres">
+      <dgm:prSet presAssocID="{6E2A034A-61D1-479E-8096-F00D61E9FA5C}" presName="arrow1" presStyleLbl="fgShp" presStyleIdx="0" presStyleCnt="1"/>
+      <dgm:spPr/>
+    </dgm:pt>
+    <dgm:pt modelId="{0C8BB037-3492-4263-BBF7-C831CC362556}" type="pres">
+      <dgm:prSet presAssocID="{6E2A034A-61D1-479E-8096-F00D61E9FA5C}" presName="rectangle" presStyleLbl="revTx" presStyleIdx="0" presStyleCnt="1">
+        <dgm:presLayoutVars>
+          <dgm:bulletEnabled val="1"/>
+        </dgm:presLayoutVars>
+      </dgm:prSet>
+      <dgm:spPr/>
+    </dgm:pt>
+    <dgm:pt modelId="{3EF56476-CA11-46ED-9E6C-6E3AB783ADAE}" type="pres">
+      <dgm:prSet presAssocID="{38A966DA-E4DB-4723-B236-DC4908C5F2C5}" presName="item1" presStyleLbl="node1" presStyleIdx="0" presStyleCnt="3">
+        <dgm:presLayoutVars>
+          <dgm:bulletEnabled val="1"/>
+        </dgm:presLayoutVars>
+      </dgm:prSet>
+      <dgm:spPr/>
+    </dgm:pt>
+    <dgm:pt modelId="{D44C6546-CF5A-4DDD-97D2-D3FCAFA5D229}" type="pres">
+      <dgm:prSet presAssocID="{40DA7778-8D3A-41B2-A504-C15F9C74BA9D}" presName="item2" presStyleLbl="node1" presStyleIdx="1" presStyleCnt="3">
+        <dgm:presLayoutVars>
+          <dgm:bulletEnabled val="1"/>
+        </dgm:presLayoutVars>
+      </dgm:prSet>
+      <dgm:spPr/>
+    </dgm:pt>
+    <dgm:pt modelId="{A2A0A105-0301-47E7-84FE-B61DF3F076E6}" type="pres">
+      <dgm:prSet presAssocID="{2D1F97F0-4C8B-45C7-8E98-E252476590DD}" presName="item3" presStyleLbl="node1" presStyleIdx="2" presStyleCnt="3">
+        <dgm:presLayoutVars>
+          <dgm:bulletEnabled val="1"/>
+        </dgm:presLayoutVars>
+      </dgm:prSet>
+      <dgm:spPr/>
+    </dgm:pt>
+    <dgm:pt modelId="{B00B66A3-0CD1-48D3-9DE3-B4044B297380}" type="pres">
+      <dgm:prSet presAssocID="{6E2A034A-61D1-479E-8096-F00D61E9FA5C}" presName="funnel" presStyleLbl="trAlignAcc1" presStyleIdx="0" presStyleCnt="1"/>
+      <dgm:spPr/>
+    </dgm:pt>
+  </dgm:ptLst>
+  <dgm:cxnLst>
+    <dgm:cxn modelId="{A1A4CE0D-8FFB-4D1D-BFC4-86570841FCA2}" type="presOf" srcId="{2D1F97F0-4C8B-45C7-8E98-E252476590DD}" destId="{0C8BB037-3492-4263-BBF7-C831CC362556}" srcOrd="0" destOrd="0" presId="urn:microsoft.com/office/officeart/2005/8/layout/funnel1"/>
+    <dgm:cxn modelId="{4658827F-2BA3-4B73-B41F-1AEF511416D9}" srcId="{6E2A034A-61D1-479E-8096-F00D61E9FA5C}" destId="{A227F97D-D832-4BCE-A818-59B0A7A071F8}" srcOrd="0" destOrd="0" parTransId="{E10F5524-5099-4766-9C3E-398A2BF372B9}" sibTransId="{4FDF0B76-23D0-479E-9C2C-E818326FF2B4}"/>
+    <dgm:cxn modelId="{ADCF0A94-ED14-4209-A187-866EF5DC623E}" srcId="{6E2A034A-61D1-479E-8096-F00D61E9FA5C}" destId="{38A966DA-E4DB-4723-B236-DC4908C5F2C5}" srcOrd="1" destOrd="0" parTransId="{9A40CB32-2F1F-4B44-AE4F-91DD6D48B4A0}" sibTransId="{17E42B5E-E4ED-4C5B-AD71-2AD68FA94F97}"/>
+    <dgm:cxn modelId="{A2EC609D-97AE-4CFF-A0B1-02EB281B141A}" type="presOf" srcId="{A227F97D-D832-4BCE-A818-59B0A7A071F8}" destId="{A2A0A105-0301-47E7-84FE-B61DF3F076E6}" srcOrd="0" destOrd="0" presId="urn:microsoft.com/office/officeart/2005/8/layout/funnel1"/>
+    <dgm:cxn modelId="{3DE5D7B3-7B36-44CC-90EF-45C51025E062}" srcId="{6E2A034A-61D1-479E-8096-F00D61E9FA5C}" destId="{40DA7778-8D3A-41B2-A504-C15F9C74BA9D}" srcOrd="2" destOrd="0" parTransId="{C99E5FB0-CD4E-4668-BEE6-6A630F5D926B}" sibTransId="{286464A5-06E1-44A1-8D99-C09CCD36280D}"/>
+    <dgm:cxn modelId="{83C8F4BD-447D-404B-B1EB-93DC7331379E}" type="presOf" srcId="{38A966DA-E4DB-4723-B236-DC4908C5F2C5}" destId="{D44C6546-CF5A-4DDD-97D2-D3FCAFA5D229}" srcOrd="0" destOrd="0" presId="urn:microsoft.com/office/officeart/2005/8/layout/funnel1"/>
+    <dgm:cxn modelId="{AF4656EA-E58B-442A-B294-F509E0A4B8FB}" srcId="{6E2A034A-61D1-479E-8096-F00D61E9FA5C}" destId="{2D1F97F0-4C8B-45C7-8E98-E252476590DD}" srcOrd="3" destOrd="0" parTransId="{6AEDEA9A-73E7-4CA9-BE35-8A9BB7AF6880}" sibTransId="{8F50CFE9-C714-4FA0-A2B5-4AE96D9D9E2F}"/>
+    <dgm:cxn modelId="{C758DAFD-71EA-43E0-9163-E666E75021A8}" type="presOf" srcId="{6E2A034A-61D1-479E-8096-F00D61E9FA5C}" destId="{99F24981-DB4C-4065-8C32-FA977486DE51}" srcOrd="0" destOrd="0" presId="urn:microsoft.com/office/officeart/2005/8/layout/funnel1"/>
+    <dgm:cxn modelId="{DB4DF6FE-C2DB-4C35-AB5F-C11E3F533BD8}" type="presOf" srcId="{40DA7778-8D3A-41B2-A504-C15F9C74BA9D}" destId="{3EF56476-CA11-46ED-9E6C-6E3AB783ADAE}" srcOrd="0" destOrd="0" presId="urn:microsoft.com/office/officeart/2005/8/layout/funnel1"/>
+    <dgm:cxn modelId="{CAF959BE-51BE-4CEE-BF74-E77162A8EB00}" type="presParOf" srcId="{99F24981-DB4C-4065-8C32-FA977486DE51}" destId="{556B191A-8588-4826-888F-DBDA47CC3617}" srcOrd="0" destOrd="0" presId="urn:microsoft.com/office/officeart/2005/8/layout/funnel1"/>
+    <dgm:cxn modelId="{82416971-6DCE-408E-A91E-D3E62D46C7B5}" type="presParOf" srcId="{99F24981-DB4C-4065-8C32-FA977486DE51}" destId="{F2CF3334-39F8-42D5-B65D-621F80C78468}" srcOrd="1" destOrd="0" presId="urn:microsoft.com/office/officeart/2005/8/layout/funnel1"/>
+    <dgm:cxn modelId="{E509EF6F-D15D-406F-A974-CF63666F6977}" type="presParOf" srcId="{99F24981-DB4C-4065-8C32-FA977486DE51}" destId="{0C8BB037-3492-4263-BBF7-C831CC362556}" srcOrd="2" destOrd="0" presId="urn:microsoft.com/office/officeart/2005/8/layout/funnel1"/>
+    <dgm:cxn modelId="{6C565F24-AB12-4DA8-BC97-F8F285B6E605}" type="presParOf" srcId="{99F24981-DB4C-4065-8C32-FA977486DE51}" destId="{3EF56476-CA11-46ED-9E6C-6E3AB783ADAE}" srcOrd="3" destOrd="0" presId="urn:microsoft.com/office/officeart/2005/8/layout/funnel1"/>
+    <dgm:cxn modelId="{F0E40892-5DFC-42BE-9C27-8ABBE19352D4}" type="presParOf" srcId="{99F24981-DB4C-4065-8C32-FA977486DE51}" destId="{D44C6546-CF5A-4DDD-97D2-D3FCAFA5D229}" srcOrd="4" destOrd="0" presId="urn:microsoft.com/office/officeart/2005/8/layout/funnel1"/>
+    <dgm:cxn modelId="{FA66AAD6-518B-46E0-8E05-98986EBD0F0C}" type="presParOf" srcId="{99F24981-DB4C-4065-8C32-FA977486DE51}" destId="{A2A0A105-0301-47E7-84FE-B61DF3F076E6}" srcOrd="5" destOrd="0" presId="urn:microsoft.com/office/officeart/2005/8/layout/funnel1"/>
+    <dgm:cxn modelId="{BC2E13EF-9497-45C3-89FD-5E3614BC1015}" type="presParOf" srcId="{99F24981-DB4C-4065-8C32-FA977486DE51}" destId="{B00B66A3-0CD1-48D3-9DE3-B4044B297380}" srcOrd="6" destOrd="0" presId="urn:microsoft.com/office/officeart/2005/8/layout/funnel1"/>
+  </dgm:cxnLst>
+  <dgm:bg/>
+  <dgm:whole/>
+  <dgm:extLst>
+    <a:ext uri="http://schemas.microsoft.com/office/drawing/2008/diagram">
+      <dsp:dataModelExt xmlns:dsp="http://schemas.microsoft.com/office/drawing/2008/diagram" relId="rId6" minVer="http://schemas.openxmlformats.org/drawingml/2006/diagram"/>
+    </a:ext>
+  </dgm:extLst>
+</dgm:dataModel>
+</file>
+
+<file path=ppt/diagrams/drawing1.xml><?xml version="1.0" encoding="utf-8"?>
+<dsp:drawing xmlns:dgm="http://schemas.openxmlformats.org/drawingml/2006/diagram" xmlns:dsp="http://schemas.microsoft.com/office/drawing/2008/diagram" xmlns:a="http://schemas.openxmlformats.org/drawingml/2006/main">
+  <dsp:spTree>
+    <dsp:nvGrpSpPr>
+      <dsp:cNvPr id="0" name=""/>
+      <dsp:cNvGrpSpPr/>
+    </dsp:nvGrpSpPr>
+    <dsp:grpSpPr/>
+    <dsp:sp modelId="{556B191A-8588-4826-888F-DBDA47CC3617}">
+      <dsp:nvSpPr>
+        <dsp:cNvPr id="0" name=""/>
+        <dsp:cNvSpPr/>
+      </dsp:nvSpPr>
+      <dsp:spPr>
+        <a:xfrm>
+          <a:off x="1872826" y="220133"/>
+          <a:ext cx="4368800" cy="1517226"/>
+        </a:xfrm>
+        <a:prstGeom prst="ellipse">
+          <a:avLst/>
+        </a:prstGeom>
+        <a:solidFill>
+          <a:schemeClr val="accent4">
+            <a:tint val="50000"/>
+            <a:alpha val="40000"/>
+            <a:hueOff val="0"/>
+            <a:satOff val="0"/>
+            <a:lumOff val="0"/>
+            <a:alphaOff val="0"/>
+          </a:schemeClr>
+        </a:solidFill>
+        <a:ln>
+          <a:noFill/>
+        </a:ln>
+        <a:effectLst/>
+      </dsp:spPr>
+      <dsp:style>
+        <a:lnRef idx="0">
+          <a:scrgbClr r="0" g="0" b="0"/>
+        </a:lnRef>
+        <a:fillRef idx="1">
+          <a:scrgbClr r="0" g="0" b="0"/>
+        </a:fillRef>
+        <a:effectRef idx="0">
+          <a:scrgbClr r="0" g="0" b="0"/>
+        </a:effectRef>
+        <a:fontRef idx="minor"/>
+      </dsp:style>
+    </dsp:sp>
+    <dsp:sp modelId="{F2CF3334-39F8-42D5-B65D-621F80C78468}">
+      <dsp:nvSpPr>
+        <dsp:cNvPr id="0" name=""/>
+        <dsp:cNvSpPr/>
+      </dsp:nvSpPr>
+      <dsp:spPr>
+        <a:xfrm>
+          <a:off x="3640666" y="3935306"/>
+          <a:ext cx="846666" cy="541866"/>
+        </a:xfrm>
+        <a:prstGeom prst="downArrow">
+          <a:avLst/>
+        </a:prstGeom>
+        <a:solidFill>
+          <a:schemeClr val="accent4">
+            <a:tint val="40000"/>
+            <a:hueOff val="0"/>
+            <a:satOff val="0"/>
+            <a:lumOff val="0"/>
+            <a:alphaOff val="0"/>
+          </a:schemeClr>
+        </a:solidFill>
+        <a:ln w="12700" cap="flat" cmpd="sng" algn="ctr">
+          <a:solidFill>
+            <a:schemeClr val="lt1">
+              <a:hueOff val="0"/>
+              <a:satOff val="0"/>
+              <a:lumOff val="0"/>
+              <a:alphaOff val="0"/>
+            </a:schemeClr>
+          </a:solidFill>
+          <a:prstDash val="solid"/>
+          <a:miter lim="800000"/>
+        </a:ln>
+        <a:effectLst/>
+      </dsp:spPr>
+      <dsp:style>
+        <a:lnRef idx="2">
+          <a:scrgbClr r="0" g="0" b="0"/>
+        </a:lnRef>
+        <a:fillRef idx="1">
+          <a:scrgbClr r="0" g="0" b="0"/>
+        </a:fillRef>
+        <a:effectRef idx="0">
+          <a:scrgbClr r="0" g="0" b="0"/>
+        </a:effectRef>
+        <a:fontRef idx="minor"/>
+      </dsp:style>
+    </dsp:sp>
+    <dsp:sp modelId="{0C8BB037-3492-4263-BBF7-C831CC362556}">
+      <dsp:nvSpPr>
+        <dsp:cNvPr id="0" name=""/>
+        <dsp:cNvSpPr/>
+      </dsp:nvSpPr>
+      <dsp:spPr>
+        <a:xfrm>
+          <a:off x="2031999" y="4368800"/>
+          <a:ext cx="4064000" cy="1016000"/>
+        </a:xfrm>
+        <a:prstGeom prst="rect">
+          <a:avLst/>
+        </a:prstGeom>
+        <a:noFill/>
+        <a:ln>
+          <a:noFill/>
+        </a:ln>
+        <a:effectLst/>
+      </dsp:spPr>
+      <dsp:style>
+        <a:lnRef idx="0">
+          <a:scrgbClr r="0" g="0" b="0"/>
+        </a:lnRef>
+        <a:fillRef idx="0">
+          <a:scrgbClr r="0" g="0" b="0"/>
+        </a:fillRef>
+        <a:effectRef idx="0">
+          <a:scrgbClr r="0" g="0" b="0"/>
+        </a:effectRef>
+        <a:fontRef idx="minor"/>
+      </dsp:style>
+      <dsp:txBody>
+        <a:bodyPr spcFirstLastPara="0" vert="horz" wrap="square" lIns="234696" tIns="234696" rIns="234696" bIns="234696" numCol="1" spcCol="1270" anchor="ctr" anchorCtr="0">
+          <a:noAutofit/>
+        </a:bodyPr>
+        <a:lstStyle/>
+        <a:p>
+          <a:pPr marL="0" lvl="0" indent="0" algn="ctr" defTabSz="1466850">
+            <a:lnSpc>
+              <a:spcPct val="90000"/>
+            </a:lnSpc>
+            <a:spcBef>
+              <a:spcPct val="0"/>
+            </a:spcBef>
+            <a:spcAft>
+              <a:spcPct val="35000"/>
+            </a:spcAft>
+            <a:buNone/>
+          </a:pPr>
+          <a:r>
+            <a:rPr lang="en-US" altLang="zh-CN" sz="3300" kern="1200" dirty="0"/>
+            <a:t>Docker</a:t>
+          </a:r>
+          <a:endParaRPr lang="zh-CN" altLang="en-US" sz="3300" kern="1200" dirty="0"/>
+        </a:p>
+      </dsp:txBody>
+      <dsp:txXfrm>
+        <a:off x="2031999" y="4368800"/>
+        <a:ext cx="4064000" cy="1016000"/>
+      </dsp:txXfrm>
+    </dsp:sp>
+    <dsp:sp modelId="{3EF56476-CA11-46ED-9E6C-6E3AB783ADAE}">
+      <dsp:nvSpPr>
+        <dsp:cNvPr id="0" name=""/>
+        <dsp:cNvSpPr/>
+      </dsp:nvSpPr>
+      <dsp:spPr>
+        <a:xfrm>
+          <a:off x="3461173" y="1854538"/>
+          <a:ext cx="1524000" cy="1524000"/>
+        </a:xfrm>
+        <a:prstGeom prst="ellipse">
+          <a:avLst/>
+        </a:prstGeom>
+        <a:solidFill>
+          <a:schemeClr val="accent4">
+            <a:hueOff val="0"/>
+            <a:satOff val="0"/>
+            <a:lumOff val="0"/>
+            <a:alphaOff val="0"/>
+          </a:schemeClr>
+        </a:solidFill>
+        <a:ln w="12700" cap="flat" cmpd="sng" algn="ctr">
+          <a:solidFill>
+            <a:schemeClr val="lt1">
+              <a:hueOff val="0"/>
+              <a:satOff val="0"/>
+              <a:lumOff val="0"/>
+              <a:alphaOff val="0"/>
+            </a:schemeClr>
+          </a:solidFill>
+          <a:prstDash val="solid"/>
+          <a:miter lim="800000"/>
+        </a:ln>
+        <a:effectLst/>
+      </dsp:spPr>
+      <dsp:style>
+        <a:lnRef idx="2">
+          <a:scrgbClr r="0" g="0" b="0"/>
+        </a:lnRef>
+        <a:fillRef idx="1">
+          <a:scrgbClr r="0" g="0" b="0"/>
+        </a:fillRef>
+        <a:effectRef idx="0">
+          <a:scrgbClr r="0" g="0" b="0"/>
+        </a:effectRef>
+        <a:fontRef idx="minor">
+          <a:schemeClr val="lt1"/>
+        </a:fontRef>
+      </dsp:style>
+      <dsp:txBody>
+        <a:bodyPr spcFirstLastPara="0" vert="horz" wrap="square" lIns="39370" tIns="39370" rIns="39370" bIns="39370" numCol="1" spcCol="1270" anchor="ctr" anchorCtr="0">
+          <a:noAutofit/>
+        </a:bodyPr>
+        <a:lstStyle/>
+        <a:p>
+          <a:pPr marL="0" lvl="0" indent="0" algn="ctr" defTabSz="1377950">
+            <a:lnSpc>
+              <a:spcPct val="90000"/>
+            </a:lnSpc>
+            <a:spcBef>
+              <a:spcPct val="0"/>
+            </a:spcBef>
+            <a:spcAft>
+              <a:spcPct val="35000"/>
+            </a:spcAft>
+            <a:buNone/>
+          </a:pPr>
+          <a:r>
+            <a:rPr lang="en-US" altLang="zh-CN" sz="3100" kern="1200" dirty="0" err="1">
+              <a:solidFill>
+                <a:schemeClr val="tx1"/>
+              </a:solidFill>
+            </a:rPr>
+            <a:t>rootfs</a:t>
+          </a:r>
+          <a:endParaRPr lang="zh-CN" altLang="en-US" sz="3100" kern="1200" dirty="0">
+            <a:solidFill>
+              <a:schemeClr val="tx1"/>
+            </a:solidFill>
+          </a:endParaRPr>
+        </a:p>
+      </dsp:txBody>
+      <dsp:txXfrm>
+        <a:off x="3684358" y="2077723"/>
+        <a:ext cx="1077630" cy="1077630"/>
+      </dsp:txXfrm>
+    </dsp:sp>
+    <dsp:sp modelId="{D44C6546-CF5A-4DDD-97D2-D3FCAFA5D229}">
+      <dsp:nvSpPr>
+        <dsp:cNvPr id="0" name=""/>
+        <dsp:cNvSpPr/>
+      </dsp:nvSpPr>
+      <dsp:spPr>
+        <a:xfrm>
+          <a:off x="2370666" y="711200"/>
+          <a:ext cx="1524000" cy="1524000"/>
+        </a:xfrm>
+        <a:prstGeom prst="ellipse">
+          <a:avLst/>
+        </a:prstGeom>
+        <a:solidFill>
+          <a:schemeClr val="accent4">
+            <a:hueOff val="4900445"/>
+            <a:satOff val="-20388"/>
+            <a:lumOff val="4804"/>
+            <a:alphaOff val="0"/>
+          </a:schemeClr>
+        </a:solidFill>
+        <a:ln w="12700" cap="flat" cmpd="sng" algn="ctr">
+          <a:solidFill>
+            <a:schemeClr val="lt1">
+              <a:hueOff val="0"/>
+              <a:satOff val="0"/>
+              <a:lumOff val="0"/>
+              <a:alphaOff val="0"/>
+            </a:schemeClr>
+          </a:solidFill>
+          <a:prstDash val="solid"/>
+          <a:miter lim="800000"/>
+        </a:ln>
+        <a:effectLst/>
+      </dsp:spPr>
+      <dsp:style>
+        <a:lnRef idx="2">
+          <a:scrgbClr r="0" g="0" b="0"/>
+        </a:lnRef>
+        <a:fillRef idx="1">
+          <a:scrgbClr r="0" g="0" b="0"/>
+        </a:fillRef>
+        <a:effectRef idx="0">
+          <a:scrgbClr r="0" g="0" b="0"/>
+        </a:effectRef>
+        <a:fontRef idx="minor">
+          <a:schemeClr val="lt1"/>
+        </a:fontRef>
+      </dsp:style>
+      <dsp:txBody>
+        <a:bodyPr spcFirstLastPara="0" vert="horz" wrap="square" lIns="30480" tIns="30480" rIns="30480" bIns="30480" numCol="1" spcCol="1270" anchor="ctr" anchorCtr="0">
+          <a:noAutofit/>
+        </a:bodyPr>
+        <a:lstStyle/>
+        <a:p>
+          <a:pPr marL="0" lvl="0" indent="0" algn="ctr" defTabSz="1066800">
+            <a:lnSpc>
+              <a:spcPct val="90000"/>
+            </a:lnSpc>
+            <a:spcBef>
+              <a:spcPct val="0"/>
+            </a:spcBef>
+            <a:spcAft>
+              <a:spcPct val="35000"/>
+            </a:spcAft>
+            <a:buNone/>
+          </a:pPr>
+          <a:r>
+            <a:rPr lang="en-US" altLang="zh-CN" sz="2400" kern="1200" dirty="0" err="1">
+              <a:solidFill>
+                <a:schemeClr val="tx1"/>
+              </a:solidFill>
+            </a:rPr>
+            <a:t>CGroup</a:t>
+          </a:r>
+          <a:endParaRPr lang="zh-CN" altLang="en-US" sz="2400" kern="1200" dirty="0">
+            <a:solidFill>
+              <a:schemeClr val="tx1"/>
+            </a:solidFill>
+          </a:endParaRPr>
+        </a:p>
+      </dsp:txBody>
+      <dsp:txXfrm>
+        <a:off x="2593851" y="934385"/>
+        <a:ext cx="1077630" cy="1077630"/>
+      </dsp:txXfrm>
+    </dsp:sp>
+    <dsp:sp modelId="{A2A0A105-0301-47E7-84FE-B61DF3F076E6}">
+      <dsp:nvSpPr>
+        <dsp:cNvPr id="0" name=""/>
+        <dsp:cNvSpPr/>
+      </dsp:nvSpPr>
+      <dsp:spPr>
+        <a:xfrm>
+          <a:off x="3928533" y="342730"/>
+          <a:ext cx="1524000" cy="1524000"/>
+        </a:xfrm>
+        <a:prstGeom prst="ellipse">
+          <a:avLst/>
+        </a:prstGeom>
+        <a:solidFill>
+          <a:schemeClr val="accent4">
+            <a:hueOff val="9800891"/>
+            <a:satOff val="-40777"/>
+            <a:lumOff val="9608"/>
+            <a:alphaOff val="0"/>
+          </a:schemeClr>
+        </a:solidFill>
+        <a:ln w="12700" cap="flat" cmpd="sng" algn="ctr">
+          <a:solidFill>
+            <a:schemeClr val="lt1">
+              <a:hueOff val="0"/>
+              <a:satOff val="0"/>
+              <a:lumOff val="0"/>
+              <a:alphaOff val="0"/>
+            </a:schemeClr>
+          </a:solidFill>
+          <a:prstDash val="solid"/>
+          <a:miter lim="800000"/>
+        </a:ln>
+        <a:effectLst/>
+      </dsp:spPr>
+      <dsp:style>
+        <a:lnRef idx="2">
+          <a:scrgbClr r="0" g="0" b="0"/>
+        </a:lnRef>
+        <a:fillRef idx="1">
+          <a:scrgbClr r="0" g="0" b="0"/>
+        </a:fillRef>
+        <a:effectRef idx="0">
+          <a:scrgbClr r="0" g="0" b="0"/>
+        </a:effectRef>
+        <a:fontRef idx="minor">
+          <a:schemeClr val="lt1"/>
+        </a:fontRef>
+      </dsp:style>
+      <dsp:txBody>
+        <a:bodyPr spcFirstLastPara="0" vert="horz" wrap="square" lIns="17780" tIns="17780" rIns="17780" bIns="17780" numCol="1" spcCol="1270" anchor="ctr" anchorCtr="0">
+          <a:noAutofit/>
+        </a:bodyPr>
+        <a:lstStyle/>
+        <a:p>
+          <a:pPr marL="0" lvl="0" indent="0" algn="ctr" defTabSz="622300">
+            <a:lnSpc>
+              <a:spcPct val="90000"/>
+            </a:lnSpc>
+            <a:spcBef>
+              <a:spcPct val="0"/>
+            </a:spcBef>
+            <a:spcAft>
+              <a:spcPct val="35000"/>
+            </a:spcAft>
+            <a:buNone/>
+          </a:pPr>
+          <a:r>
+            <a:rPr lang="en-US" altLang="zh-CN" sz="1400" b="1" kern="1200" dirty="0">
+              <a:solidFill>
+                <a:schemeClr val="tx1"/>
+              </a:solidFill>
+            </a:rPr>
+            <a:t>Namespace</a:t>
+          </a:r>
+          <a:endParaRPr lang="zh-CN" altLang="en-US" sz="1400" b="1" kern="1200" dirty="0">
+            <a:solidFill>
+              <a:schemeClr val="tx1"/>
+            </a:solidFill>
+          </a:endParaRPr>
+        </a:p>
+      </dsp:txBody>
+      <dsp:txXfrm>
+        <a:off x="4151718" y="565915"/>
+        <a:ext cx="1077630" cy="1077630"/>
+      </dsp:txXfrm>
+    </dsp:sp>
+    <dsp:sp modelId="{B00B66A3-0CD1-48D3-9DE3-B4044B297380}">
+      <dsp:nvSpPr>
+        <dsp:cNvPr id="0" name=""/>
+        <dsp:cNvSpPr/>
+      </dsp:nvSpPr>
+      <dsp:spPr>
+        <a:xfrm>
+          <a:off x="1693333" y="33866"/>
+          <a:ext cx="4741333" cy="3793066"/>
+        </a:xfrm>
+        <a:prstGeom prst="funnel">
+          <a:avLst/>
+        </a:prstGeom>
+        <a:solidFill>
+          <a:schemeClr val="lt1">
+            <a:alpha val="40000"/>
+            <a:hueOff val="0"/>
+            <a:satOff val="0"/>
+            <a:lumOff val="0"/>
+            <a:alphaOff val="0"/>
+          </a:schemeClr>
+        </a:solidFill>
+        <a:ln w="6350" cap="flat" cmpd="sng" algn="ctr">
+          <a:solidFill>
+            <a:schemeClr val="accent4">
+              <a:hueOff val="0"/>
+              <a:satOff val="0"/>
+              <a:lumOff val="0"/>
+              <a:alphaOff val="0"/>
+            </a:schemeClr>
+          </a:solidFill>
+          <a:prstDash val="solid"/>
+          <a:miter lim="800000"/>
+        </a:ln>
+        <a:effectLst/>
+      </dsp:spPr>
+      <dsp:style>
+        <a:lnRef idx="1">
+          <a:scrgbClr r="0" g="0" b="0"/>
+        </a:lnRef>
+        <a:fillRef idx="1">
+          <a:scrgbClr r="0" g="0" b="0"/>
+        </a:fillRef>
+        <a:effectRef idx="0">
+          <a:scrgbClr r="0" g="0" b="0"/>
+        </a:effectRef>
+        <a:fontRef idx="minor"/>
+      </dsp:style>
+    </dsp:sp>
+  </dsp:spTree>
+</dsp:drawing>
+</file>
+
+<file path=ppt/diagrams/layout1.xml><?xml version="1.0" encoding="utf-8"?>
+<dgm:layoutDef xmlns:dgm="http://schemas.openxmlformats.org/drawingml/2006/diagram" xmlns:a="http://schemas.openxmlformats.org/drawingml/2006/main" uniqueId="urn:microsoft.com/office/officeart/2005/8/layout/funnel1">
+  <dgm:title val=""/>
+  <dgm:desc val=""/>
+  <dgm:catLst>
+    <dgm:cat type="relationship" pri="2000"/>
+    <dgm:cat type="process" pri="27000"/>
+  </dgm:catLst>
+  <dgm:sampData>
+    <dgm:dataModel>
+      <dgm:ptLst>
+        <dgm:pt modelId="0" type="doc"/>
+        <dgm:pt modelId="1">
+          <dgm:prSet phldr="1"/>
+        </dgm:pt>
+        <dgm:pt modelId="2">
+          <dgm:prSet phldr="1"/>
+        </dgm:pt>
+        <dgm:pt modelId="3">
+          <dgm:prSet phldr="1"/>
+        </dgm:pt>
+        <dgm:pt modelId="4">
+          <dgm:prSet phldr="1"/>
+        </dgm:pt>
+      </dgm:ptLst>
+      <dgm:cxnLst>
+        <dgm:cxn modelId="5" srcId="0" destId="1" srcOrd="0" destOrd="0"/>
+        <dgm:cxn modelId="6" srcId="0" destId="2" srcOrd="1" destOrd="0"/>
+        <dgm:cxn modelId="7" srcId="0" destId="3" srcOrd="2" destOrd="0"/>
+        <dgm:cxn modelId="8" srcId="0" destId="4" srcOrd="3" destOrd="0"/>
+      </dgm:cxnLst>
+      <dgm:bg/>
+      <dgm:whole/>
+    </dgm:dataModel>
+  </dgm:sampData>
+  <dgm:styleData>
+    <dgm:dataModel>
+      <dgm:ptLst>
+        <dgm:pt modelId="0" type="doc"/>
+        <dgm:pt modelId="1"/>
+        <dgm:pt modelId="2"/>
+      </dgm:ptLst>
+      <dgm:cxnLst>
+        <dgm:cxn modelId="3" srcId="0" destId="1" srcOrd="0" destOrd="0"/>
+        <dgm:cxn modelId="4" srcId="0" destId="2" srcOrd="1" destOrd="0"/>
+      </dgm:cxnLst>
+      <dgm:bg/>
+      <dgm:whole/>
+    </dgm:dataModel>
+  </dgm:styleData>
+  <dgm:clrData>
+    <dgm:dataModel>
+      <dgm:ptLst>
+        <dgm:pt modelId="0" type="doc"/>
+        <dgm:pt modelId="1"/>
+        <dgm:pt modelId="2"/>
+        <dgm:pt modelId="3"/>
+        <dgm:pt modelId="4"/>
+      </dgm:ptLst>
+      <dgm:cxnLst>
+        <dgm:cxn modelId="5" srcId="0" destId="1" srcOrd="0" destOrd="0"/>
+        <dgm:cxn modelId="6" srcId="0" destId="2" srcOrd="1" destOrd="0"/>
+        <dgm:cxn modelId="7" srcId="0" destId="3" srcOrd="2" destOrd="0"/>
+        <dgm:cxn modelId="8" srcId="0" destId="4" srcOrd="3" destOrd="0"/>
+      </dgm:cxnLst>
+      <dgm:bg/>
+      <dgm:whole/>
+    </dgm:dataModel>
+  </dgm:clrData>
+  <dgm:layoutNode name="Name0">
+    <dgm:varLst>
+      <dgm:chMax val="4"/>
+      <dgm:resizeHandles val="exact"/>
+    </dgm:varLst>
+    <dgm:alg type="composite">
+      <dgm:param type="ar" val="1.25"/>
+    </dgm:alg>
+    <dgm:shape xmlns:r="http://schemas.openxmlformats.org/officeDocument/2006/relationships" r:blip="">
+      <dgm:adjLst/>
+    </dgm:shape>
+    <dgm:presOf/>
+    <dgm:choose name="Name1">
+      <dgm:if name="Name2" axis="ch" ptType="node" func="cnt" op="equ" val="2">
+        <dgm:constrLst>
+          <dgm:constr type="w" for="ch" forName="ellipse" refType="w" fact="0.645"/>
+          <dgm:constr type="h" for="ch" forName="ellipse" refType="h" fact="0.28"/>
+          <dgm:constr type="t" for="ch" forName="ellipse" refType="w" fact="0.0275"/>
+          <dgm:constr type="l" for="ch" forName="ellipse" refType="w" fact="0.0265"/>
+          <dgm:constr type="w" for="ch" forName="arrow1" refType="w" fact="0.125"/>
+          <dgm:constr type="h" for="ch" forName="arrow1" refType="h" fact="0.1"/>
+          <dgm:constr type="t" for="ch" forName="arrow1" refType="h" fact="0.72"/>
+          <dgm:constr type="l" for="ch" forName="arrow1" refType="w" fact="0.2875"/>
+          <dgm:constr type="w" for="ch" forName="rectangle" refType="w" fact="0.6"/>
+          <dgm:constr type="h" for="ch" forName="rectangle" refType="w" refFor="ch" refForName="rectangle" fact="0.25"/>
+          <dgm:constr type="t" for="ch" forName="rectangle" refType="h" fact="0.8"/>
+          <dgm:constr type="l" for="ch" forName="rectangle" refType="w" fact="0.05"/>
+          <dgm:constr type="w" for="ch" forName="item1" refType="w" fact="0.35"/>
+          <dgm:constr type="h" for="ch" forName="item1" refType="w" fact="0.35"/>
+          <dgm:constr type="t" for="ch" forName="item1" refType="h" fact="0.05"/>
+          <dgm:constr type="l" for="ch" forName="item1" refType="w" fact="0.125"/>
+          <dgm:constr type="primFontSz" for="ch" forName="item1" op="equ" val="65"/>
+          <dgm:constr type="w" for="ch" forName="funnel" refType="w" fact="0.7"/>
+          <dgm:constr type="h" for="ch" forName="funnel" refType="h" fact="0.7"/>
+          <dgm:constr type="t" for="ch" forName="funnel"/>
+          <dgm:constr type="l" for="ch" forName="funnel"/>
+        </dgm:constrLst>
+      </dgm:if>
+      <dgm:else name="Name3">
+        <dgm:constrLst>
+          <dgm:constr type="w" for="ch" forName="ellipse" refType="w" fact="0.645"/>
+          <dgm:constr type="h" for="ch" forName="ellipse" refType="h" fact="0.28"/>
+          <dgm:constr type="t" for="ch" forName="ellipse" refType="w" fact="0.0275"/>
+          <dgm:constr type="l" for="ch" forName="ellipse" refType="w" fact="0.0265"/>
+          <dgm:constr type="w" for="ch" forName="arrow1" refType="w" fact="0.125"/>
+          <dgm:constr type="h" for="ch" forName="arrow1" refType="h" fact="0.1"/>
+          <dgm:constr type="t" for="ch" forName="arrow1" refType="h" fact="0.72"/>
+          <dgm:constr type="l" for="ch" forName="arrow1" refType="w" fact="0.2875"/>
+          <dgm:constr type="w" for="ch" forName="rectangle" refType="w" fact="0.6"/>
+          <dgm:constr type="h" for="ch" forName="rectangle" refType="w" refFor="ch" refForName="rectangle" fact="0.25"/>
+          <dgm:constr type="t" for="ch" forName="rectangle" refType="h" fact="0.8"/>
+          <dgm:constr type="l" for="ch" forName="rectangle" refType="w" fact="0.05"/>
+          <dgm:constr type="primFontSz" for="ch" forName="rectangle" val="65"/>
+          <dgm:constr type="w" for="ch" forName="item1" refType="w" fact="0.225"/>
+          <dgm:constr type="h" for="ch" forName="item1" refType="w" fact="0.225"/>
+          <dgm:constr type="t" for="ch" forName="item1" refType="h" fact="0.336"/>
+          <dgm:constr type="l" for="ch" forName="item1" refType="w" fact="0.261"/>
+          <dgm:constr type="primFontSz" for="ch" forName="item1" val="65"/>
+          <dgm:constr type="w" for="ch" forName="item2" refType="w" fact="0.225"/>
+          <dgm:constr type="h" for="ch" forName="item2" refType="w" fact="0.225"/>
+          <dgm:constr type="t" for="ch" forName="item2" refType="h" fact="0.125"/>
+          <dgm:constr type="l" for="ch" forName="item2" refType="w" fact="0.1"/>
+          <dgm:constr type="primFontSz" for="ch" forName="item2" refType="primFontSz" refFor="ch" refForName="item1" op="equ"/>
+          <dgm:constr type="w" for="ch" forName="item3" refType="w" fact="0.225"/>
+          <dgm:constr type="h" for="ch" forName="item3" refType="w" fact="0.225"/>
+          <dgm:constr type="t" for="ch" forName="item3" refType="h" fact="0.057"/>
+          <dgm:constr type="l" for="ch" forName="item3" refType="w" fact="0.33"/>
+          <dgm:constr type="primFontSz" for="ch" forName="item3" refType="primFontSz" refFor="ch" refForName="item1" op="equ"/>
+          <dgm:constr type="w" for="ch" forName="funnel" refType="w" fact="0.7"/>
+          <dgm:constr type="h" for="ch" forName="funnel" refType="h" fact="0.7"/>
+          <dgm:constr type="t" for="ch" forName="funnel"/>
+          <dgm:constr type="l" for="ch" forName="funnel"/>
+        </dgm:constrLst>
+      </dgm:else>
+    </dgm:choose>
+    <dgm:ruleLst/>
+    <dgm:choose name="Name4">
+      <dgm:if name="Name5" axis="ch" ptType="node" func="cnt" op="gte" val="1">
+        <dgm:layoutNode name="ellipse" styleLbl="trBgShp">
+          <dgm:alg type="sp"/>
+          <dgm:shape xmlns:r="http://schemas.openxmlformats.org/officeDocument/2006/relationships" type="ellipse" r:blip="">
+            <dgm:adjLst/>
+          </dgm:shape>
+          <dgm:presOf/>
+          <dgm:constrLst/>
+          <dgm:ruleLst/>
+        </dgm:layoutNode>
+        <dgm:layoutNode name="arrow1" styleLbl="fgShp">
+          <dgm:alg type="sp"/>
+          <dgm:shape xmlns:r="http://schemas.openxmlformats.org/officeDocument/2006/relationships" type="downArrow" r:blip="">
+            <dgm:adjLst/>
+          </dgm:shape>
+          <dgm:presOf/>
+          <dgm:constrLst/>
+          <dgm:ruleLst/>
+        </dgm:layoutNode>
+        <dgm:layoutNode name="rectangle" styleLbl="revTx">
+          <dgm:varLst>
+            <dgm:bulletEnabled val="1"/>
+          </dgm:varLst>
+          <dgm:alg type="tx">
+            <dgm:param type="txAnchorHorzCh" val="ctr"/>
+          </dgm:alg>
+          <dgm:shape xmlns:r="http://schemas.openxmlformats.org/officeDocument/2006/relationships" type="rect" r:blip="">
+            <dgm:adjLst/>
+          </dgm:shape>
+          <dgm:choose name="Name6">
+            <dgm:if name="Name7" axis="ch" ptType="node" func="cnt" op="equ" val="1">
+              <dgm:presOf axis="ch desOrSelf" ptType="node node" st="1 1" cnt="1 0"/>
+            </dgm:if>
+            <dgm:if name="Name8" axis="ch" ptType="node" func="cnt" op="equ" val="2">
+              <dgm:presOf axis="ch desOrSelf" ptType="node node" st="2 1" cnt="1 0"/>
+            </dgm:if>
+            <dgm:if name="Name9" axis="ch" ptType="node" func="cnt" op="equ" val="3">
+              <dgm:presOf axis="ch desOrSelf" ptType="node node" st="3 1" cnt="1 0"/>
+            </dgm:if>
+            <dgm:else name="Name10">
+              <dgm:presOf axis="ch desOrSelf" ptType="node node" st="4 1" cnt="1 0"/>
+            </dgm:else>
+          </dgm:choose>
+          <dgm:constrLst/>
+          <dgm:ruleLst>
+            <dgm:rule type="primFontSz" val="5" fact="NaN" max="NaN"/>
+          </dgm:ruleLst>
+        </dgm:layoutNode>
+        <dgm:forEach name="Name11" axis="ch" ptType="node" st="2" cnt="1">
+          <dgm:layoutNode name="item1" styleLbl="node1">
+            <dgm:varLst>
+              <dgm:bulletEnabled val="1"/>
+            </dgm:varLst>
+            <dgm:alg type="tx">
+              <dgm:param type="txAnchorVertCh" val="mid"/>
+            </dgm:alg>
+            <dgm:shape xmlns:r="http://schemas.openxmlformats.org/officeDocument/2006/relationships" type="ellipse" r:blip="">
+              <dgm:adjLst/>
+            </dgm:shape>
+            <dgm:choose name="Name12">
+              <dgm:if name="Name13" axis="root ch" ptType="all node" func="cnt" op="equ" val="1">
+                <dgm:presOf/>
+              </dgm:if>
+              <dgm:if name="Name14" axis="root ch" ptType="all node" func="cnt" op="equ" val="2">
+                <dgm:presOf axis="root ch desOrSelf" ptType="all node node" st="1 1 1" cnt="0 1 0"/>
+              </dgm:if>
+              <dgm:if name="Name15" axis="root ch" ptType="all node" func="cnt" op="equ" val="3">
+                <dgm:presOf axis="root ch desOrSelf" ptType="all node node" st="1 2 1" cnt="0 1 0"/>
+              </dgm:if>
+              <dgm:else name="Name16">
+                <dgm:presOf axis="root ch desOrSelf" ptType="all node node" st="1 3 1" cnt="0 1 0"/>
+              </dgm:else>
+            </dgm:choose>
+            <dgm:constrLst>
+              <dgm:constr type="tMarg" refType="primFontSz" fact="0.1"/>
+              <dgm:constr type="bMarg" refType="primFontSz" fact="0.1"/>
+              <dgm:constr type="lMarg" refType="primFontSz" fact="0.1"/>
+              <dgm:constr type="rMarg" refType="primFontSz" fact="0.1"/>
+            </dgm:constrLst>
+            <dgm:ruleLst>
+              <dgm:rule type="primFontSz" val="5" fact="NaN" max="NaN"/>
+            </dgm:ruleLst>
+          </dgm:layoutNode>
+        </dgm:forEach>
+        <dgm:forEach name="Name17" axis="ch" ptType="node" st="3" cnt="1">
+          <dgm:layoutNode name="item2" styleLbl="node1">
+            <dgm:varLst>
+              <dgm:bulletEnabled val="1"/>
+            </dgm:varLst>
+            <dgm:alg type="tx">
+              <dgm:param type="txAnchorVertCh" val="mid"/>
+            </dgm:alg>
+            <dgm:shape xmlns:r="http://schemas.openxmlformats.org/officeDocument/2006/relationships" type="ellipse" r:blip="">
+              <dgm:adjLst/>
+            </dgm:shape>
+            <dgm:choose name="Name18">
+              <dgm:if name="Name19" axis="root ch" ptType="all node" func="cnt" op="equ" val="1">
+                <dgm:presOf/>
+              </dgm:if>
+              <dgm:if name="Name20" axis="root ch" ptType="all node" func="cnt" op="equ" val="2">
+                <dgm:presOf/>
+              </dgm:if>
+              <dgm:if name="Name21" axis="root ch" ptType="all node" func="cnt" op="equ" val="3">
+                <dgm:presOf axis="root ch desOrSelf" ptType="all node node" st="1 1 1" cnt="0 1 0"/>
+              </dgm:if>
+              <dgm:else name="Name22">
+                <dgm:presOf axis="root ch desOrSelf" ptType="all node node" st="1 2 1" cnt="0 1 0"/>
+              </dgm:else>
+            </dgm:choose>
+            <dgm:constrLst>
+              <dgm:constr type="tMarg" refType="primFontSz" fact="0.1"/>
+              <dgm:constr type="bMarg" refType="primFontSz" fact="0.1"/>
+              <dgm:constr type="lMarg" refType="primFontSz" fact="0.1"/>
+              <dgm:constr type="rMarg" refType="primFontSz" fact="0.1"/>
+            </dgm:constrLst>
+            <dgm:ruleLst>
+              <dgm:rule type="primFontSz" val="5" fact="NaN" max="NaN"/>
+            </dgm:ruleLst>
+          </dgm:layoutNode>
+        </dgm:forEach>
+        <dgm:forEach name="Name23" axis="ch" ptType="node" st="4" cnt="1">
+          <dgm:layoutNode name="item3" styleLbl="node1">
+            <dgm:varLst>
+              <dgm:bulletEnabled val="1"/>
+            </dgm:varLst>
+            <dgm:alg type="tx">
+              <dgm:param type="txAnchorVertCh" val="mid"/>
+            </dgm:alg>
+            <dgm:shape xmlns:r="http://schemas.openxmlformats.org/officeDocument/2006/relationships" type="ellipse" r:blip="">
+              <dgm:adjLst/>
+            </dgm:shape>
+            <dgm:choose name="Name24">
+              <dgm:if name="Name25" axis="root ch" ptType="all node" func="cnt" op="equ" val="1">
+                <dgm:presOf/>
+              </dgm:if>
+              <dgm:if name="Name26" axis="root ch" ptType="all node" func="cnt" op="equ" val="2">
+                <dgm:presOf/>
+              </dgm:if>
+              <dgm:if name="Name27" axis="root ch" ptType="all node" func="cnt" op="equ" val="3">
+                <dgm:presOf/>
+              </dgm:if>
+              <dgm:else name="Name28">
+                <dgm:presOf axis="root ch desOrSelf" ptType="all node node" st="1 1 1" cnt="0 1 0"/>
+              </dgm:else>
+            </dgm:choose>
+            <dgm:constrLst>
+              <dgm:constr type="tMarg" refType="primFontSz" fact="0.1"/>
+              <dgm:constr type="bMarg" refType="primFontSz" fact="0.1"/>
+              <dgm:constr type="lMarg" refType="primFontSz" fact="0.1"/>
+              <dgm:constr type="rMarg" refType="primFontSz" fact="0.1"/>
+            </dgm:constrLst>
+            <dgm:ruleLst>
+              <dgm:rule type="primFontSz" val="5" fact="NaN" max="NaN"/>
+            </dgm:ruleLst>
+          </dgm:layoutNode>
+        </dgm:forEach>
+        <dgm:layoutNode name="funnel" styleLbl="trAlignAcc1">
+          <dgm:alg type="sp"/>
+          <dgm:shape xmlns:r="http://schemas.openxmlformats.org/officeDocument/2006/relationships" type="funnel" r:blip="">
+            <dgm:adjLst/>
+          </dgm:shape>
+          <dgm:presOf/>
+          <dgm:constrLst/>
+          <dgm:ruleLst/>
+        </dgm:layoutNode>
+      </dgm:if>
+      <dgm:else name="Name29"/>
+    </dgm:choose>
+  </dgm:layoutNode>
+</dgm:layoutDef>
+</file>
+
+<file path=ppt/diagrams/quickStyle1.xml><?xml version="1.0" encoding="utf-8"?>
+<dgm:styleDef xmlns:dgm="http://schemas.openxmlformats.org/drawingml/2006/diagram" xmlns:a="http://schemas.openxmlformats.org/drawingml/2006/main" uniqueId="urn:microsoft.com/office/officeart/2005/8/quickstyle/simple1">
+  <dgm:title val=""/>
+  <dgm:desc val=""/>
+  <dgm:catLst>
+    <dgm:cat type="simple" pri="10100"/>
+  </dgm:catLst>
+  <dgm:scene3d>
+    <a:camera prst="orthographicFront"/>
+    <a:lightRig rig="threePt" dir="t"/>
+  </dgm:scene3d>
+  <dgm:styleLbl name="node0">
+    <dgm:scene3d>
+      <a:camera prst="orthographicFront"/>
+      <a:lightRig rig="threePt" dir="t"/>
+    </dgm:scene3d>
+    <dgm:sp3d/>
+    <dgm:txPr/>
+    <dgm:style>
+      <a:lnRef idx="2">
+        <a:scrgbClr r="0" g="0" b="0"/>
+      </a:lnRef>
+      <a:fillRef idx="1">
+        <a:scrgbClr r="0" g="0" b="0"/>
+      </a:fillRef>
+      <a:effectRef idx="0">
+        <a:scrgbClr r="0" g="0" b="0"/>
+      </a:effectRef>
+      <a:fontRef idx="minor">
+        <a:schemeClr val="lt1"/>
+      </a:fontRef>
+    </dgm:style>
+  </dgm:styleLbl>
+  <dgm:styleLbl name="lnNode1">
+    <dgm:scene3d>
+      <a:camera prst="orthographicFront"/>
+      <a:lightRig rig="threePt" dir="t"/>
+    </dgm:scene3d>
+    <dgm:sp3d/>
+    <dgm:txPr/>
+    <dgm:style>
+      <a:lnRef idx="2">
+        <a:scrgbClr r="0" g="0" b="0"/>
+      </a:lnRef>
+      <a:fillRef idx="1">
+        <a:scrgbClr r="0" g="0" b="0"/>
+      </a:fillRef>
+      <a:effectRef idx="0">
+        <a:scrgbClr r="0" g="0" b="0"/>
+      </a:effectRef>
+      <a:fontRef idx="minor">
+        <a:schemeClr val="lt1"/>
+      </a:fontRef>
+    </dgm:style>
+  </dgm:styleLbl>
+  <dgm:styleLbl name="vennNode1">
+    <dgm:scene3d>
+      <a:camera prst="orthographicFront"/>
+      <a:lightRig rig="threePt" dir="t"/>
+    </dgm:scene3d>
+    <dgm:sp3d/>
+    <dgm:txPr/>
+    <dgm:style>
+      <a:lnRef idx="2">
+        <a:scrgbClr r="0" g="0" b="0"/>
+      </a:lnRef>
+      <a:fillRef idx="1">
+        <a:scrgbClr r="0" g="0" b="0"/>
+      </a:fillRef>
+      <a:effectRef idx="0">
+        <a:scrgbClr r="0" g="0" b="0"/>
+      </a:effectRef>
+      <a:fontRef idx="minor">
+        <a:schemeClr val="tx1"/>
+      </a:fontRef>
+    </dgm:style>
+  </dgm:styleLbl>
+  <dgm:styleLbl name="alignNode1">
+    <dgm:scene3d>
+      <a:camera prst="orthographicFront"/>
+      <a:lightRig rig="threePt" dir="t"/>
+    </dgm:scene3d>
+    <dgm:sp3d/>
+    <dgm:txPr/>
+    <dgm:style>
+      <a:lnRef idx="2">
+        <a:scrgbClr r="0" g="0" b="0"/>
+      </a:lnRef>
+      <a:fillRef idx="1">
+        <a:scrgbClr r="0" g="0" b="0"/>
+      </a:fillRef>
+      <a:effectRef idx="0">
+        <a:scrgbClr r="0" g="0" b="0"/>
+      </a:effectRef>
+      <a:fontRef idx="minor">
+        <a:schemeClr val="lt1"/>
+      </a:fontRef>
+    </dgm:style>
+  </dgm:styleLbl>
+  <dgm:styleLbl name="node1">
+    <dgm:scene3d>
+      <a:camera prst="orthographicFront"/>
+      <a:lightRig rig="threePt" dir="t"/>
+    </dgm:scene3d>
+    <dgm:sp3d/>
+    <dgm:txPr/>
+    <dgm:style>
+      <a:lnRef idx="2">
+        <a:scrgbClr r="0" g="0" b="0"/>
+      </a:lnRef>
+      <a:fillRef idx="1">
+        <a:scrgbClr r="0" g="0" b="0"/>
+      </a:fillRef>
+      <a:effectRef idx="0">
+        <a:scrgbClr r="0" g="0" b="0"/>
+      </a:effectRef>
+      <a:fontRef idx="minor">
+        <a:schemeClr val="lt1"/>
+      </a:fontRef>
+    </dgm:style>
+  </dgm:styleLbl>
+  <dgm:styleLbl name="node2">
+    <dgm:scene3d>
+      <a:camera prst="orthographicFront"/>
+      <a:lightRig rig="threePt" dir="t"/>
+    </dgm:scene3d>
+    <dgm:sp3d/>
+    <dgm:txPr/>
+    <dgm:style>
+      <a:lnRef idx="2">
+        <a:scrgbClr r="0" g="0" b="0"/>
+      </a:lnRef>
+      <a:fillRef idx="1">
+        <a:scrgbClr r="0" g="0" b="0"/>
+      </a:fillRef>
+      <a:effectRef idx="0">
+        <a:scrgbClr r="0" g="0" b="0"/>
+      </a:effectRef>
+      <a:fontRef idx="minor">
+        <a:schemeClr val="lt1"/>
+      </a:fontRef>
+    </dgm:style>
+  </dgm:styleLbl>
+  <dgm:styleLbl name="node3">
+    <dgm:scene3d>
+      <a:camera prst="orthographicFront"/>
+      <a:lightRig rig="threePt" dir="t"/>
+    </dgm:scene3d>
+    <dgm:sp3d/>
+    <dgm:txPr/>
+    <dgm:style>
+      <a:lnRef idx="2">
+        <a:scrgbClr r="0" g="0" b="0"/>
+      </a:lnRef>
+      <a:fillRef idx="1">
+        <a:scrgbClr r="0" g="0" b="0"/>
+      </a:fillRef>
+      <a:effectRef idx="0">
+        <a:scrgbClr r="0" g="0" b="0"/>
+      </a:effectRef>
+      <a:fontRef idx="minor">
+        <a:schemeClr val="lt1"/>
+      </a:fontRef>
+    </dgm:style>
+  </dgm:styleLbl>
+  <dgm:styleLbl name="node4">
+    <dgm:scene3d>
+      <a:camera prst="orthographicFront"/>
+      <a:lightRig rig="threePt" dir="t"/>
+    </dgm:scene3d>
+    <dgm:sp3d/>
+    <dgm:txPr/>
+    <dgm:style>
+      <a:lnRef idx="2">
+        <a:scrgbClr r="0" g="0" b="0"/>
+      </a:lnRef>
+      <a:fillRef idx="1">
+        <a:scrgbClr r="0" g="0" b="0"/>
+      </a:fillRef>
+      <a:effectRef idx="0">
+        <a:scrgbClr r="0" g="0" b="0"/>
+      </a:effectRef>
+      <a:fontRef idx="minor">
+        <a:schemeClr val="lt1"/>
+      </a:fontRef>
+    </dgm:style>
+  </dgm:styleLbl>
+  <dgm:styleLbl name="fgImgPlace1">
+    <dgm:scene3d>
+      <a:camera prst="orthographicFront"/>
+      <a:lightRig rig="threePt" dir="t"/>
+    </dgm:scene3d>
+    <dgm:sp3d/>
+    <dgm:txPr/>
+    <dgm:style>
+      <a:lnRef idx="2">
+        <a:scrgbClr r="0" g="0" b="0"/>
+      </a:lnRef>
+      <a:fillRef idx="1">
+        <a:scrgbClr r="0" g="0" b="0"/>
+      </a:fillRef>
+      <a:effectRef idx="0">
+        <a:scrgbClr r="0" g="0" b="0"/>
+      </a:effectRef>
+      <a:fontRef idx="minor"/>
+    </dgm:style>
+  </dgm:styleLbl>
+  <dgm:styleLbl name="alignImgPlace1">
+    <dgm:scene3d>
+      <a:camera prst="orthographicFront"/>
+      <a:lightRig rig="threePt" dir="t"/>
+    </dgm:scene3d>
+    <dgm:sp3d/>
+    <dgm:txPr/>
+    <dgm:style>
+      <a:lnRef idx="2">
+        <a:scrgbClr r="0" g="0" b="0"/>
+      </a:lnRef>
+      <a:fillRef idx="1">
+        <a:scrgbClr r="0" g="0" b="0"/>
+      </a:fillRef>
+      <a:effectRef idx="0">
+        <a:scrgbClr r="0" g="0" b="0"/>
+      </a:effectRef>
+      <a:fontRef idx="minor"/>
+    </dgm:style>
+  </dgm:styleLbl>
+  <dgm:styleLbl name="bgImgPlace1">
+    <dgm:scene3d>
+      <a:camera prst="orthographicFront"/>
+      <a:lightRig rig="threePt" dir="t"/>
+    </dgm:scene3d>
+    <dgm:sp3d/>
+    <dgm:txPr/>
+    <dgm:style>
+      <a:lnRef idx="2">
+        <a:scrgbClr r="0" g="0" b="0"/>
+      </a:lnRef>
+      <a:fillRef idx="1">
+        <a:scrgbClr r="0" g="0" b="0"/>
+      </a:fillRef>
+      <a:effectRef idx="0">
+        <a:scrgbClr r="0" g="0" b="0"/>
+      </a:effectRef>
+      <a:fontRef idx="minor"/>
+    </dgm:style>
+  </dgm:styleLbl>
+  <dgm:styleLbl name="sibTrans2D1">
+    <dgm:scene3d>
+      <a:camera prst="orthographicFront"/>
+      <a:lightRig rig="threePt" dir="t"/>
+    </dgm:scene3d>
+    <dgm:sp3d/>
+    <dgm:txPr/>
+    <dgm:style>
+      <a:lnRef idx="0">
+        <a:scrgbClr r="0" g="0" b="0"/>
+      </a:lnRef>
+      <a:fillRef idx="1">
+        <a:scrgbClr r="0" g="0" b="0"/>
+      </a:fillRef>
+      <a:effectRef idx="0">
+        <a:scrgbClr r="0" g="0" b="0"/>
+      </a:effectRef>
+      <a:fontRef idx="minor">
+        <a:schemeClr val="lt1"/>
+      </a:fontRef>
+    </dgm:style>
+  </dgm:styleLbl>
+  <dgm:styleLbl name="fgSibTrans2D1">
+    <dgm:scene3d>
+      <a:camera prst="orthographicFront"/>
+      <a:lightRig rig="threePt" dir="t"/>
+    </dgm:scene3d>
+    <dgm:sp3d/>
+    <dgm:txPr/>
+    <dgm:style>
+      <a:lnRef idx="0">
+        <a:scrgbClr r="0" g="0" b="0"/>
+      </a:lnRef>
+      <a:fillRef idx="1">
+        <a:scrgbClr r="0" g="0" b="0"/>
+      </a:fillRef>
+      <a:effectRef idx="0">
+        <a:scrgbClr r="0" g="0" b="0"/>
+      </a:effectRef>
+      <a:fontRef idx="minor">
+        <a:schemeClr val="lt1"/>
+      </a:fontRef>
+    </dgm:style>
+  </dgm:styleLbl>
+  <dgm:styleLbl name="bgSibTrans2D1">
+    <dgm:scene3d>
+      <a:camera prst="orthographicFront"/>
+      <a:lightRig rig="threePt" dir="t"/>
+    </dgm:scene3d>
+    <dgm:sp3d/>
+    <dgm:txPr/>
+    <dgm:style>
+      <a:lnRef idx="0">
+        <a:scrgbClr r="0" g="0" b="0"/>
+      </a:lnRef>
+      <a:fillRef idx="1">
+        <a:scrgbClr r="0" g="0" b="0"/>
+      </a:fillRef>
+      <a:effectRef idx="0">
+        <a:scrgbClr r="0" g="0" b="0"/>
+      </a:effectRef>
+      <a:fontRef idx="minor">
+        <a:schemeClr val="lt1"/>
+      </a:fontRef>
+    </dgm:style>
+  </dgm:styleLbl>
+  <dgm:styleLbl name="sibTrans1D1">
+    <dgm:scene3d>
+      <a:camera prst="orthographicFront"/>
+      <a:lightRig rig="threePt" dir="t"/>
+    </dgm:scene3d>
+    <dgm:sp3d/>
+    <dgm:txPr/>
+    <dgm:style>
+      <a:lnRef idx="1">
+        <a:scrgbClr r="0" g="0" b="0"/>
+      </a:lnRef>
+      <a:fillRef idx="0">
+        <a:scrgbClr r="0" g="0" b="0"/>
+      </a:fillRef>
+      <a:effectRef idx="0">
+        <a:scrgbClr r="0" g="0" b="0"/>
+      </a:effectRef>
+      <a:fontRef idx="minor"/>
+    </dgm:style>
+  </dgm:styleLbl>
+  <dgm:styleLbl name="callout">
+    <dgm:scene3d>
+      <a:camera prst="orthographicFront"/>
+      <a:lightRig rig="threePt" dir="t"/>
+    </dgm:scene3d>
+    <dgm:sp3d/>
+    <dgm:txPr/>
+    <dgm:style>
+      <a:lnRef idx="2">
+        <a:scrgbClr r="0" g="0" b="0"/>
+      </a:lnRef>
+      <a:fillRef idx="1">
+        <a:scrgbClr r="0" g="0" b="0"/>
+      </a:fillRef>
+      <a:effectRef idx="0">
+        <a:scrgbClr r="0" g="0" b="0"/>
+      </a:effectRef>
+      <a:fontRef idx="minor"/>
+    </dgm:style>
+  </dgm:styleLbl>
+  <dgm:styleLbl name="asst0">
+    <dgm:scene3d>
+      <a:camera prst="orthographicFront"/>
+      <a:lightRig rig="threePt" dir="t"/>
+    </dgm:scene3d>
+    <dgm:sp3d/>
+    <dgm:txPr/>
+    <dgm:style>
+      <a:lnRef idx="2">
+        <a:scrgbClr r="0" g="0" b="0"/>
+      </a:lnRef>
+      <a:fillRef idx="1">
+        <a:scrgbClr r="0" g="0" b="0"/>
+      </a:fillRef>
+      <a:effectRef idx="0">
+        <a:scrgbClr r="0" g="0" b="0"/>
+      </a:effectRef>
+      <a:fontRef idx="minor">
+        <a:schemeClr val="lt1"/>
+      </a:fontRef>
+    </dgm:style>
+  </dgm:styleLbl>
+  <dgm:styleLbl name="asst1">
+    <dgm:scene3d>
+      <a:camera prst="orthographicFront"/>
+      <a:lightRig rig="threePt" dir="t"/>
+    </dgm:scene3d>
+    <dgm:sp3d/>
+    <dgm:txPr/>
+    <dgm:style>
+      <a:lnRef idx="2">
+        <a:scrgbClr r="0" g="0" b="0"/>
+      </a:lnRef>
+      <a:fillRef idx="1">
+        <a:scrgbClr r="0" g="0" b="0"/>
+      </a:fillRef>
+      <a:effectRef idx="0">
+        <a:scrgbClr r="0" g="0" b="0"/>
+      </a:effectRef>
+      <a:fontRef idx="minor">
+        <a:schemeClr val="lt1"/>
+      </a:fontRef>
+    </dgm:style>
+  </dgm:styleLbl>
+  <dgm:styleLbl name="asst2">
+    <dgm:scene3d>
+      <a:camera prst="orthographicFront"/>
+      <a:lightRig rig="threePt" dir="t"/>
+    </dgm:scene3d>
+    <dgm:sp3d/>
+    <dgm:txPr/>
+    <dgm:style>
+      <a:lnRef idx="2">
+        <a:scrgbClr r="0" g="0" b="0"/>
+      </a:lnRef>
+      <a:fillRef idx="1">
+        <a:scrgbClr r="0" g="0" b="0"/>
+      </a:fillRef>
+      <a:effectRef idx="0">
+        <a:scrgbClr r="0" g="0" b="0"/>
+      </a:effectRef>
+      <a:fontRef idx="minor">
+        <a:schemeClr val="lt1"/>
+      </a:fontRef>
+    </dgm:style>
+  </dgm:styleLbl>
+  <dgm:styleLbl name="asst3">
+    <dgm:scene3d>
+      <a:camera prst="orthographicFront"/>
+      <a:lightRig rig="threePt" dir="t"/>
+    </dgm:scene3d>
+    <dgm:sp3d/>
+    <dgm:txPr/>
+    <dgm:style>
+      <a:lnRef idx="2">
+        <a:scrgbClr r="0" g="0" b="0"/>
+      </a:lnRef>
+      <a:fillRef idx="1">
+        <a:scrgbClr r="0" g="0" b="0"/>
+      </a:fillRef>
+      <a:effectRef idx="0">
+        <a:scrgbClr r="0" g="0" b="0"/>
+      </a:effectRef>
+      <a:fontRef idx="minor">
+        <a:schemeClr val="lt1"/>
+      </a:fontRef>
+    </dgm:style>
+  </dgm:styleLbl>
+  <dgm:styleLbl name="asst4">
+    <dgm:scene3d>
+      <a:camera prst="orthographicFront"/>
+      <a:lightRig rig="threePt" dir="t"/>
+    </dgm:scene3d>
+    <dgm:sp3d/>
+    <dgm:txPr/>
+    <dgm:style>
+      <a:lnRef idx="2">
+        <a:scrgbClr r="0" g="0" b="0"/>
+      </a:lnRef>
+      <a:fillRef idx="1">
+        <a:scrgbClr r="0" g="0" b="0"/>
+      </a:fillRef>
+      <a:effectRef idx="0">
+        <a:scrgbClr r="0" g="0" b="0"/>
+      </a:effectRef>
+      <a:fontRef idx="minor">
+        <a:schemeClr val="lt1"/>
+      </a:fontRef>
+    </dgm:style>
+  </dgm:styleLbl>
+  <dgm:styleLbl name="parChTrans2D1">
+    <dgm:scene3d>
+      <a:camera prst="orthographicFront"/>
+      <a:lightRig rig="threePt" dir="t"/>
+    </dgm:scene3d>
+    <dgm:sp3d/>
+    <dgm:txPr/>
+    <dgm:style>
+      <a:lnRef idx="2">
+        <a:scrgbClr r="0" g="0" b="0"/>
+      </a:lnRef>
+      <a:fillRef idx="1">
+        <a:scrgbClr r="0" g="0" b="0"/>
+      </a:fillRef>
+      <a:effectRef idx="0">
+        <a:scrgbClr r="0" g="0" b="0"/>
+      </a:effectRef>
+      <a:fontRef idx="minor">
+        <a:schemeClr val="lt1"/>
+      </a:fontRef>
+    </dgm:style>
+  </dgm:styleLbl>
+  <dgm:styleLbl name="parChTrans2D2">
+    <dgm:scene3d>
+      <a:camera prst="orthographicFront"/>
+      <a:lightRig rig="threePt" dir="t"/>
+    </dgm:scene3d>
+    <dgm:sp3d/>
+    <dgm:txPr/>
+    <dgm:style>
+      <a:lnRef idx="2">
+        <a:scrgbClr r="0" g="0" b="0"/>
+      </a:lnRef>
+      <a:fillRef idx="1">
+        <a:scrgbClr r="0" g="0" b="0"/>
+      </a:fillRef>
+      <a:effectRef idx="0">
+        <a:scrgbClr r="0" g="0" b="0"/>
+      </a:effectRef>
+      <a:fontRef idx="minor">
+        <a:schemeClr val="lt1"/>
+      </a:fontRef>
+    </dgm:style>
+  </dgm:styleLbl>
+  <dgm:styleLbl name="parChTrans2D3">
+    <dgm:scene3d>
+      <a:camera prst="orthographicFront"/>
+      <a:lightRig rig="threePt" dir="t"/>
+    </dgm:scene3d>
+    <dgm:sp3d/>
+    <dgm:txPr/>
+    <dgm:style>
+      <a:lnRef idx="2">
+        <a:scrgbClr r="0" g="0" b="0"/>
+      </a:lnRef>
+      <a:fillRef idx="1">
+        <a:scrgbClr r="0" g="0" b="0"/>
+      </a:fillRef>
+      <a:effectRef idx="0">
+        <a:scrgbClr r="0" g="0" b="0"/>
+      </a:effectRef>
+      <a:fontRef idx="minor">
+        <a:schemeClr val="lt1"/>
+      </a:fontRef>
+    </dgm:style>
+  </dgm:styleLbl>
+  <dgm:styleLbl name="parChTrans2D4">
+    <dgm:scene3d>
+      <a:camera prst="orthographicFront"/>
+      <a:lightRig rig="threePt" dir="t"/>
+    </dgm:scene3d>
+    <dgm:sp3d/>
+    <dgm:txPr/>
+    <dgm:style>
+      <a:lnRef idx="2">
+        <a:scrgbClr r="0" g="0" b="0"/>
+      </a:lnRef>
+      <a:fillRef idx="1">
+        <a:scrgbClr r="0" g="0" b="0"/>
+      </a:fillRef>
+      <a:effectRef idx="0">
+        <a:scrgbClr r="0" g="0" b="0"/>
+      </a:effectRef>
+      <a:fontRef idx="minor">
+        <a:schemeClr val="lt1"/>
+      </a:fontRef>
+    </dgm:style>
+  </dgm:styleLbl>
+  <dgm:styleLbl name="parChTrans1D1">
+    <dgm:scene3d>
+      <a:camera prst="orthographicFront"/>
+      <a:lightRig rig="threePt" dir="t"/>
+    </dgm:scene3d>
+    <dgm:sp3d/>
+    <dgm:txPr/>
+    <dgm:style>
+      <a:lnRef idx="2">
+        <a:scrgbClr r="0" g="0" b="0"/>
+      </a:lnRef>
+      <a:fillRef idx="0">
+        <a:scrgbClr r="0" g="0" b="0"/>
+      </a:fillRef>
+      <a:effectRef idx="0">
+        <a:scrgbClr r="0" g="0" b="0"/>
+      </a:effectRef>
+      <a:fontRef idx="minor"/>
+    </dgm:style>
+  </dgm:styleLbl>
+  <dgm:styleLbl name="parChTrans1D2">
+    <dgm:scene3d>
+      <a:camera prst="orthographicFront"/>
+      <a:lightRig rig="threePt" dir="t"/>
+    </dgm:scene3d>
+    <dgm:sp3d/>
+    <dgm:txPr/>
+    <dgm:style>
+      <a:lnRef idx="2">
+        <a:scrgbClr r="0" g="0" b="0"/>
+      </a:lnRef>
+      <a:fillRef idx="0">
+        <a:scrgbClr r="0" g="0" b="0"/>
+      </a:fillRef>
+      <a:effectRef idx="0">
+        <a:scrgbClr r="0" g="0" b="0"/>
+      </a:effectRef>
+      <a:fontRef idx="minor"/>
+    </dgm:style>
+  </dgm:styleLbl>
+  <dgm:styleLbl name="parChTrans1D3">
+    <dgm:scene3d>
+      <a:camera prst="orthographicFront"/>
+      <a:lightRig rig="threePt" dir="t"/>
+    </dgm:scene3d>
+    <dgm:sp3d/>
+    <dgm:txPr/>
+    <dgm:style>
+      <a:lnRef idx="2">
+        <a:scrgbClr r="0" g="0" b="0"/>
+      </a:lnRef>
+      <a:fillRef idx="0">
+        <a:scrgbClr r="0" g="0" b="0"/>
+      </a:fillRef>
+      <a:effectRef idx="0">
+        <a:scrgbClr r="0" g="0" b="0"/>
+      </a:effectRef>
+      <a:fontRef idx="minor"/>
+    </dgm:style>
+  </dgm:styleLbl>
+  <dgm:styleLbl name="parChTrans1D4">
+    <dgm:scene3d>
+      <a:camera prst="orthographicFront"/>
+      <a:lightRig rig="threePt" dir="t"/>
+    </dgm:scene3d>
+    <dgm:sp3d/>
+    <dgm:txPr/>
+    <dgm:style>
+      <a:lnRef idx="2">
+        <a:scrgbClr r="0" g="0" b="0"/>
+      </a:lnRef>
+      <a:fillRef idx="0">
+        <a:scrgbClr r="0" g="0" b="0"/>
+      </a:fillRef>
+      <a:effectRef idx="0">
+        <a:scrgbClr r="0" g="0" b="0"/>
+      </a:effectRef>
+      <a:fontRef idx="minor"/>
+    </dgm:style>
+  </dgm:styleLbl>
+  <dgm:styleLbl name="fgAcc1">
+    <dgm:scene3d>
+      <a:camera prst="orthographicFront"/>
+      <a:lightRig rig="threePt" dir="t"/>
+    </dgm:scene3d>
+    <dgm:sp3d/>
+    <dgm:txPr/>
+    <dgm:style>
+      <a:lnRef idx="2">
+        <a:scrgbClr r="0" g="0" b="0"/>
+      </a:lnRef>
+      <a:fillRef idx="1">
+        <a:scrgbClr r="0" g="0" b="0"/>
+      </a:fillRef>
+      <a:effectRef idx="0">
+        <a:scrgbClr r="0" g="0" b="0"/>
+      </a:effectRef>
+      <a:fontRef idx="minor"/>
+    </dgm:style>
+  </dgm:styleLbl>
+  <dgm:styleLbl name="conFgAcc1">
+    <dgm:scene3d>
+      <a:camera prst="orthographicFront"/>
+      <a:lightRig rig="threePt" dir="t"/>
+    </dgm:scene3d>
+    <dgm:sp3d/>
+    <dgm:txPr/>
+    <dgm:style>
+      <a:lnRef idx="2">
+        <a:scrgbClr r="0" g="0" b="0"/>
+      </a:lnRef>
+      <a:fillRef idx="1">
+        <a:scrgbClr r="0" g="0" b="0"/>
+      </a:fillRef>
+      <a:effectRef idx="0">
+        <a:scrgbClr r="0" g="0" b="0"/>
+      </a:effectRef>
+      <a:fontRef idx="minor"/>
+    </dgm:style>
+  </dgm:styleLbl>
+  <dgm:styleLbl name="alignAcc1">
+    <dgm:scene3d>
+      <a:camera prst="orthographicFront"/>
+      <a:lightRig rig="threePt" dir="t"/>
+    </dgm:scene3d>
+    <dgm:sp3d/>
+    <dgm:txPr/>
+    <dgm:style>
+      <a:lnRef idx="2">
+        <a:scrgbClr r="0" g="0" b="0"/>
+      </a:lnRef>
+      <a:fillRef idx="1">
+        <a:scrgbClr r="0" g="0" b="0"/>
+      </a:fillRef>
+      <a:effectRef idx="0">
+        <a:scrgbClr r="0" g="0" b="0"/>
+      </a:effectRef>
+      <a:fontRef idx="minor"/>
+    </dgm:style>
+  </dgm:styleLbl>
+  <dgm:styleLbl name="trAlignAcc1">
+    <dgm:scene3d>
+      <a:camera prst="orthographicFront"/>
+      <a:lightRig rig="threePt" dir="t"/>
+    </dgm:scene3d>
+    <dgm:sp3d/>
+    <dgm:txPr/>
+    <dgm:style>
+      <a:lnRef idx="1">
+        <a:scrgbClr r="0" g="0" b="0"/>
+      </a:lnRef>
+      <a:fillRef idx="1">
+        <a:scrgbClr r="0" g="0" b="0"/>
+      </a:fillRef>
+      <a:effectRef idx="0">
+        <a:scrgbClr r="0" g="0" b="0"/>
+      </a:effectRef>
+      <a:fontRef idx="minor"/>
+    </dgm:style>
+  </dgm:styleLbl>
+  <dgm:styleLbl name="bgAcc1">
+    <dgm:scene3d>
+      <a:camera prst="orthographicFront"/>
+      <a:lightRig rig="threePt" dir="t"/>
+    </dgm:scene3d>
+    <dgm:sp3d/>
+    <dgm:txPr/>
+    <dgm:style>
+      <a:lnRef idx="2">
+        <a:scrgbClr r="0" g="0" b="0"/>
+      </a:lnRef>
+      <a:fillRef idx="1">
+        <a:scrgbClr r="0" g="0" b="0"/>
+      </a:fillRef>
+      <a:effectRef idx="0">
+        <a:scrgbClr r="0" g="0" b="0"/>
+      </a:effectRef>
+      <a:fontRef idx="minor"/>
+    </dgm:style>
+  </dgm:styleLbl>
+  <dgm:styleLbl name="solidFgAcc1">
+    <dgm:scene3d>
+      <a:camera prst="orthographicFront"/>
+      <a:lightRig rig="threePt" dir="t"/>
+    </dgm:scene3d>
+    <dgm:sp3d/>
+    <dgm:txPr/>
+    <dgm:style>
+      <a:lnRef idx="2">
+        <a:scrgbClr r="0" g="0" b="0"/>
+      </a:lnRef>
+      <a:fillRef idx="1">
+        <a:scrgbClr r="0" g="0" b="0"/>
+      </a:fillRef>
+      <a:effectRef idx="0">
+        <a:scrgbClr r="0" g="0" b="0"/>
+      </a:effectRef>
+      <a:fontRef idx="minor"/>
+    </dgm:style>
+  </dgm:styleLbl>
+  <dgm:styleLbl name="solidAlignAcc1">
+    <dgm:scene3d>
+      <a:camera prst="orthographicFront"/>
+      <a:lightRig rig="threePt" dir="t"/>
+    </dgm:scene3d>
+    <dgm:sp3d/>
+    <dgm:txPr/>
+    <dgm:style>
+      <a:lnRef idx="2">
+        <a:scrgbClr r="0" g="0" b="0"/>
+      </a:lnRef>
+      <a:fillRef idx="1">
+        <a:scrgbClr r="0" g="0" b="0"/>
+      </a:fillRef>
+      <a:effectRef idx="0">
+        <a:scrgbClr r="0" g="0" b="0"/>
+      </a:effectRef>
+      <a:fontRef idx="minor"/>
+    </dgm:style>
+  </dgm:styleLbl>
+  <dgm:styleLbl name="solidBgAcc1">
+    <dgm:scene3d>
+      <a:camera prst="orthographicFront"/>
+      <a:lightRig rig="threePt" dir="t"/>
+    </dgm:scene3d>
+    <dgm:sp3d/>
+    <dgm:txPr/>
+    <dgm:style>
+      <a:lnRef idx="2">
+        <a:scrgbClr r="0" g="0" b="0"/>
+      </a:lnRef>
+      <a:fillRef idx="1">
+        <a:scrgbClr r="0" g="0" b="0"/>
+      </a:fillRef>
+      <a:effectRef idx="0">
+        <a:scrgbClr r="0" g="0" b="0"/>
+      </a:effectRef>
+      <a:fontRef idx="minor"/>
+    </dgm:style>
+  </dgm:styleLbl>
+  <dgm:styleLbl name="fgAccFollowNode1">
+    <dgm:scene3d>
+      <a:camera prst="orthographicFront"/>
+      <a:lightRig rig="threePt" dir="t"/>
+    </dgm:scene3d>
+    <dgm:sp3d/>
+    <dgm:txPr/>
+    <dgm:style>
+      <a:lnRef idx="2">
+        <a:scrgbClr r="0" g="0" b="0"/>
+      </a:lnRef>
+      <a:fillRef idx="1">
+        <a:scrgbClr r="0" g="0" b="0"/>
+      </a:fillRef>
+      <a:effectRef idx="0">
+        <a:scrgbClr r="0" g="0" b="0"/>
+      </a:effectRef>
+      <a:fontRef idx="minor"/>
+    </dgm:style>
+  </dgm:styleLbl>
+  <dgm:styleLbl name="alignAccFollowNode1">
+    <dgm:scene3d>
+      <a:camera prst="orthographicFront"/>
+      <a:lightRig rig="threePt" dir="t"/>
+    </dgm:scene3d>
+    <dgm:sp3d/>
+    <dgm:txPr/>
+    <dgm:style>
+      <a:lnRef idx="2">
+        <a:scrgbClr r="0" g="0" b="0"/>
+      </a:lnRef>
+      <a:fillRef idx="1">
+        <a:scrgbClr r="0" g="0" b="0"/>
+      </a:fillRef>
+      <a:effectRef idx="0">
+        <a:scrgbClr r="0" g="0" b="0"/>
+      </a:effectRef>
+      <a:fontRef idx="minor"/>
+    </dgm:style>
+  </dgm:styleLbl>
+  <dgm:styleLbl name="bgAccFollowNode1">
+    <dgm:scene3d>
+      <a:camera prst="orthographicFront"/>
+      <a:lightRig rig="threePt" dir="t"/>
+    </dgm:scene3d>
+    <dgm:sp3d/>
+    <dgm:txPr/>
+    <dgm:style>
+      <a:lnRef idx="2">
+        <a:scrgbClr r="0" g="0" b="0"/>
+      </a:lnRef>
+      <a:fillRef idx="1">
+        <a:scrgbClr r="0" g="0" b="0"/>
+      </a:fillRef>
+      <a:effectRef idx="0">
+        <a:scrgbClr r="0" g="0" b="0"/>
+      </a:effectRef>
+      <a:fontRef idx="minor"/>
+    </dgm:style>
+  </dgm:styleLbl>
+  <dgm:styleLbl name="fgAcc0">
+    <dgm:scene3d>
+      <a:camera prst="orthographicFront"/>
+      <a:lightRig rig="threePt" dir="t"/>
+    </dgm:scene3d>
+    <dgm:sp3d/>
+    <dgm:txPr/>
+    <dgm:style>
+      <a:lnRef idx="2">
+        <a:scrgbClr r="0" g="0" b="0"/>
+      </a:lnRef>
+      <a:fillRef idx="1">
+        <a:scrgbClr r="0" g="0" b="0"/>
+      </a:fillRef>
+      <a:effectRef idx="0">
+        <a:scrgbClr r="0" g="0" b="0"/>
+      </a:effectRef>
+      <a:fontRef idx="minor"/>
+    </dgm:style>
+  </dgm:styleLbl>
+  <dgm:styleLbl name="fgAcc2">
+    <dgm:scene3d>
+      <a:camera prst="orthographicFront"/>
+      <a:lightRig rig="threePt" dir="t"/>
+    </dgm:scene3d>
+    <dgm:sp3d/>
+    <dgm:txPr/>
+    <dgm:style>
+      <a:lnRef idx="2">
+        <a:scrgbClr r="0" g="0" b="0"/>
+      </a:lnRef>
+      <a:fillRef idx="1">
+        <a:scrgbClr r="0" g="0" b="0"/>
+      </a:fillRef>
+      <a:effectRef idx="0">
+        <a:scrgbClr r="0" g="0" b="0"/>
+      </a:effectRef>
+      <a:fontRef idx="minor"/>
+    </dgm:style>
+  </dgm:styleLbl>
+  <dgm:styleLbl name="fgAcc3">
+    <dgm:scene3d>
+      <a:camera prst="orthographicFront"/>
+      <a:lightRig rig="threePt" dir="t"/>
+    </dgm:scene3d>
+    <dgm:sp3d/>
+    <dgm:txPr/>
+    <dgm:style>
+      <a:lnRef idx="2">
+        <a:scrgbClr r="0" g="0" b="0"/>
+      </a:lnRef>
+      <a:fillRef idx="1">
+        <a:scrgbClr r="0" g="0" b="0"/>
+      </a:fillRef>
+      <a:effectRef idx="0">
+        <a:scrgbClr r="0" g="0" b="0"/>
+      </a:effectRef>
+      <a:fontRef idx="minor"/>
+    </dgm:style>
+  </dgm:styleLbl>
+  <dgm:styleLbl name="fgAcc4">
+    <dgm:scene3d>
+      <a:camera prst="orthographicFront"/>
+      <a:lightRig rig="threePt" dir="t"/>
+    </dgm:scene3d>
+    <dgm:sp3d/>
+    <dgm:txPr/>
+    <dgm:style>
+      <a:lnRef idx="2">
+        <a:scrgbClr r="0" g="0" b="0"/>
+      </a:lnRef>
+      <a:fillRef idx="1">
+        <a:scrgbClr r="0" g="0" b="0"/>
+      </a:fillRef>
+      <a:effectRef idx="0">
+        <a:scrgbClr r="0" g="0" b="0"/>
+      </a:effectRef>
+      <a:fontRef idx="minor"/>
+    </dgm:style>
+  </dgm:styleLbl>
+  <dgm:styleLbl name="bgShp">
+    <dgm:scene3d>
+      <a:camera prst="orthographicFront"/>
+      <a:lightRig rig="threePt" dir="t"/>
+    </dgm:scene3d>
+    <dgm:sp3d/>
+    <dgm:txPr/>
+    <dgm:style>
+      <a:lnRef idx="0">
+        <a:scrgbClr r="0" g="0" b="0"/>
+      </a:lnRef>
+      <a:fillRef idx="1">
+        <a:scrgbClr r="0" g="0" b="0"/>
+      </a:fillRef>
+      <a:effectRef idx="0">
+        <a:scrgbClr r="0" g="0" b="0"/>
+      </a:effectRef>
+      <a:fontRef idx="minor"/>
+    </dgm:style>
+  </dgm:styleLbl>
+  <dgm:styleLbl name="dkBgShp">
+    <dgm:scene3d>
+      <a:camera prst="orthographicFront"/>
+      <a:lightRig rig="threePt" dir="t"/>
+    </dgm:scene3d>
+    <dgm:sp3d/>
+    <dgm:txPr/>
+    <dgm:style>
+      <a:lnRef idx="0">
+        <a:scrgbClr r="0" g="0" b="0"/>
+      </a:lnRef>
+      <a:fillRef idx="1">
+        <a:scrgbClr r="0" g="0" b="0"/>
+      </a:fillRef>
+      <a:effectRef idx="0">
+        <a:scrgbClr r="0" g="0" b="0"/>
+      </a:effectRef>
+      <a:fontRef idx="minor"/>
+    </dgm:style>
+  </dgm:styleLbl>
+  <dgm:styleLbl name="trBgShp">
+    <dgm:scene3d>
+      <a:camera prst="orthographicFront"/>
+      <a:lightRig rig="threePt" dir="t"/>
+    </dgm:scene3d>
+    <dgm:sp3d/>
+    <dgm:txPr/>
+    <dgm:style>
+      <a:lnRef idx="0">
+        <a:scrgbClr r="0" g="0" b="0"/>
+      </a:lnRef>
+      <a:fillRef idx="1">
+        <a:scrgbClr r="0" g="0" b="0"/>
+      </a:fillRef>
+      <a:effectRef idx="0">
+        <a:scrgbClr r="0" g="0" b="0"/>
+      </a:effectRef>
+      <a:fontRef idx="minor"/>
+    </dgm:style>
+  </dgm:styleLbl>
+  <dgm:styleLbl name="fgShp">
+    <dgm:scene3d>
+      <a:camera prst="orthographicFront"/>
+      <a:lightRig rig="threePt" dir="t"/>
+    </dgm:scene3d>
+    <dgm:sp3d/>
+    <dgm:txPr/>
+    <dgm:style>
+      <a:lnRef idx="2">
+        <a:scrgbClr r="0" g="0" b="0"/>
+      </a:lnRef>
+      <a:fillRef idx="1">
+        <a:scrgbClr r="0" g="0" b="0"/>
+      </a:fillRef>
+      <a:effectRef idx="0">
+        <a:scrgbClr r="0" g="0" b="0"/>
+      </a:effectRef>
+      <a:fontRef idx="minor"/>
+    </dgm:style>
+  </dgm:styleLbl>
+  <dgm:styleLbl name="revTx">
+    <dgm:scene3d>
+      <a:camera prst="orthographicFront"/>
+      <a:lightRig rig="threePt" dir="t"/>
+    </dgm:scene3d>
+    <dgm:sp3d/>
+    <dgm:txPr/>
+    <dgm:style>
+      <a:lnRef idx="0">
+        <a:scrgbClr r="0" g="0" b="0"/>
+      </a:lnRef>
+      <a:fillRef idx="0">
+        <a:scrgbClr r="0" g="0" b="0"/>
+      </a:fillRef>
+      <a:effectRef idx="0">
+        <a:scrgbClr r="0" g="0" b="0"/>
+      </a:effectRef>
+      <a:fontRef idx="minor"/>
+    </dgm:style>
+  </dgm:styleLbl>
+</dgm:styleDef>
+</file>
+
 <file path=ppt/notesMasters/notesMaster1.xml><?xml version="1.0" encoding="utf-8"?>
 <p:notesMaster xmlns:a="http://schemas.openxmlformats.org/drawingml/2006/main" xmlns:r="http://schemas.openxmlformats.org/officeDocument/2006/relationships" xmlns:p="http://schemas.openxmlformats.org/presentationml/2006/main">
   <p:cSld>
@@ -210,7 +3099,7 @@
           <a:p>
             <a:fld id="{EB3586D1-9A9B-4A13-8983-B7906950C648}" type="datetimeFigureOut">
               <a:rPr lang="zh-CN" altLang="en-US" smtClean="0"/>
-              <a:t>2019/2/20</a:t>
+              <a:t>2019/2/22</a:t>
             </a:fld>
             <a:endParaRPr lang="zh-CN" altLang="en-US"/>
           </a:p>
@@ -865,6 +3754,174 @@
 </p:notes>
 </file>
 
+<file path=ppt/notesSlides/notesSlide5.xml><?xml version="1.0" encoding="utf-8"?>
+<p:notes xmlns:a="http://schemas.openxmlformats.org/drawingml/2006/main" xmlns:r="http://schemas.openxmlformats.org/officeDocument/2006/relationships" xmlns:p="http://schemas.openxmlformats.org/presentationml/2006/main">
+  <p:cSld>
+    <p:spTree>
+      <p:nvGrpSpPr>
+        <p:cNvPr id="1" name=""/>
+        <p:cNvGrpSpPr/>
+        <p:nvPr/>
+      </p:nvGrpSpPr>
+      <p:grpSpPr>
+        <a:xfrm>
+          <a:off x="0" y="0"/>
+          <a:ext cx="0" cy="0"/>
+          <a:chOff x="0" y="0"/>
+          <a:chExt cx="0" cy="0"/>
+        </a:xfrm>
+      </p:grpSpPr>
+      <p:sp>
+        <p:nvSpPr>
+          <p:cNvPr id="2" name="幻灯片图像占位符 1"/>
+          <p:cNvSpPr>
+            <a:spLocks noGrp="1" noRot="1" noChangeAspect="1"/>
+          </p:cNvSpPr>
+          <p:nvPr>
+            <p:ph type="sldImg"/>
+          </p:nvPr>
+        </p:nvSpPr>
+        <p:spPr/>
+      </p:sp>
+      <p:sp>
+        <p:nvSpPr>
+          <p:cNvPr id="3" name="备注占位符 2"/>
+          <p:cNvSpPr>
+            <a:spLocks noGrp="1"/>
+          </p:cNvSpPr>
+          <p:nvPr>
+            <p:ph type="body" idx="1"/>
+          </p:nvPr>
+        </p:nvSpPr>
+        <p:spPr/>
+        <p:txBody>
+          <a:bodyPr/>
+          <a:lstStyle/>
+          <a:p>
+            <a:endParaRPr lang="zh-CN" altLang="en-US" dirty="0"/>
+          </a:p>
+        </p:txBody>
+      </p:sp>
+      <p:sp>
+        <p:nvSpPr>
+          <p:cNvPr id="4" name="灯片编号占位符 3"/>
+          <p:cNvSpPr>
+            <a:spLocks noGrp="1"/>
+          </p:cNvSpPr>
+          <p:nvPr>
+            <p:ph type="sldNum" sz="quarter" idx="5"/>
+          </p:nvPr>
+        </p:nvSpPr>
+        <p:spPr/>
+        <p:txBody>
+          <a:bodyPr/>
+          <a:lstStyle/>
+          <a:p>
+            <a:fld id="{C78FF40C-989A-452E-8004-E7D0455BC254}" type="slidenum">
+              <a:rPr lang="zh-CN" altLang="en-US" smtClean="0"/>
+              <a:t>15</a:t>
+            </a:fld>
+            <a:endParaRPr lang="zh-CN" altLang="en-US"/>
+          </a:p>
+        </p:txBody>
+      </p:sp>
+    </p:spTree>
+    <p:extLst>
+      <p:ext uri="{BB962C8B-B14F-4D97-AF65-F5344CB8AC3E}">
+        <p14:creationId xmlns:p14="http://schemas.microsoft.com/office/powerpoint/2010/main" val="2477907078"/>
+      </p:ext>
+    </p:extLst>
+  </p:cSld>
+  <p:clrMapOvr>
+    <a:masterClrMapping/>
+  </p:clrMapOvr>
+</p:notes>
+</file>
+
+<file path=ppt/notesSlides/notesSlide6.xml><?xml version="1.0" encoding="utf-8"?>
+<p:notes xmlns:a="http://schemas.openxmlformats.org/drawingml/2006/main" xmlns:r="http://schemas.openxmlformats.org/officeDocument/2006/relationships" xmlns:p="http://schemas.openxmlformats.org/presentationml/2006/main">
+  <p:cSld>
+    <p:spTree>
+      <p:nvGrpSpPr>
+        <p:cNvPr id="1" name=""/>
+        <p:cNvGrpSpPr/>
+        <p:nvPr/>
+      </p:nvGrpSpPr>
+      <p:grpSpPr>
+        <a:xfrm>
+          <a:off x="0" y="0"/>
+          <a:ext cx="0" cy="0"/>
+          <a:chOff x="0" y="0"/>
+          <a:chExt cx="0" cy="0"/>
+        </a:xfrm>
+      </p:grpSpPr>
+      <p:sp>
+        <p:nvSpPr>
+          <p:cNvPr id="2" name="幻灯片图像占位符 1"/>
+          <p:cNvSpPr>
+            <a:spLocks noGrp="1" noRot="1" noChangeAspect="1"/>
+          </p:cNvSpPr>
+          <p:nvPr>
+            <p:ph type="sldImg"/>
+          </p:nvPr>
+        </p:nvSpPr>
+        <p:spPr/>
+      </p:sp>
+      <p:sp>
+        <p:nvSpPr>
+          <p:cNvPr id="3" name="备注占位符 2"/>
+          <p:cNvSpPr>
+            <a:spLocks noGrp="1"/>
+          </p:cNvSpPr>
+          <p:nvPr>
+            <p:ph type="body" idx="1"/>
+          </p:nvPr>
+        </p:nvSpPr>
+        <p:spPr/>
+        <p:txBody>
+          <a:bodyPr/>
+          <a:lstStyle/>
+          <a:p>
+            <a:endParaRPr lang="zh-CN" altLang="en-US" dirty="0"/>
+          </a:p>
+        </p:txBody>
+      </p:sp>
+      <p:sp>
+        <p:nvSpPr>
+          <p:cNvPr id="4" name="灯片编号占位符 3"/>
+          <p:cNvSpPr>
+            <a:spLocks noGrp="1"/>
+          </p:cNvSpPr>
+          <p:nvPr>
+            <p:ph type="sldNum" sz="quarter" idx="5"/>
+          </p:nvPr>
+        </p:nvSpPr>
+        <p:spPr/>
+        <p:txBody>
+          <a:bodyPr/>
+          <a:lstStyle/>
+          <a:p>
+            <a:fld id="{C78FF40C-989A-452E-8004-E7D0455BC254}" type="slidenum">
+              <a:rPr lang="zh-CN" altLang="en-US" smtClean="0"/>
+              <a:t>16</a:t>
+            </a:fld>
+            <a:endParaRPr lang="zh-CN" altLang="en-US"/>
+          </a:p>
+        </p:txBody>
+      </p:sp>
+    </p:spTree>
+    <p:extLst>
+      <p:ext uri="{BB962C8B-B14F-4D97-AF65-F5344CB8AC3E}">
+        <p14:creationId xmlns:p14="http://schemas.microsoft.com/office/powerpoint/2010/main" val="1355384780"/>
+      </p:ext>
+    </p:extLst>
+  </p:cSld>
+  <p:clrMapOvr>
+    <a:masterClrMapping/>
+  </p:clrMapOvr>
+</p:notes>
+</file>
+
 <file path=ppt/slideLayouts/slideLayout1.xml><?xml version="1.0" encoding="utf-8"?>
 <p:sldLayout xmlns:a="http://schemas.openxmlformats.org/drawingml/2006/main" xmlns:r="http://schemas.openxmlformats.org/officeDocument/2006/relationships" xmlns:p="http://schemas.openxmlformats.org/presentationml/2006/main" type="title" preserve="1">
   <p:cSld name="标题幻灯片">
@@ -1012,7 +4069,7 @@
           <a:p>
             <a:fld id="{2328C41B-48A3-47AC-B18B-81A9BC6A6005}" type="datetimeFigureOut">
               <a:rPr lang="zh-CN" altLang="en-US" smtClean="0"/>
-              <a:t>2019/2/20</a:t>
+              <a:t>2019/2/22</a:t>
             </a:fld>
             <a:endParaRPr lang="zh-CN" altLang="en-US"/>
           </a:p>
@@ -1210,7 +4267,7 @@
           <a:p>
             <a:fld id="{2328C41B-48A3-47AC-B18B-81A9BC6A6005}" type="datetimeFigureOut">
               <a:rPr lang="zh-CN" altLang="en-US" smtClean="0"/>
-              <a:t>2019/2/20</a:t>
+              <a:t>2019/2/22</a:t>
             </a:fld>
             <a:endParaRPr lang="zh-CN" altLang="en-US"/>
           </a:p>
@@ -1418,7 +4475,7 @@
           <a:p>
             <a:fld id="{2328C41B-48A3-47AC-B18B-81A9BC6A6005}" type="datetimeFigureOut">
               <a:rPr lang="zh-CN" altLang="en-US" smtClean="0"/>
-              <a:t>2019/2/20</a:t>
+              <a:t>2019/2/22</a:t>
             </a:fld>
             <a:endParaRPr lang="zh-CN" altLang="en-US"/>
           </a:p>
@@ -1616,7 +4673,7 @@
           <a:p>
             <a:fld id="{2328C41B-48A3-47AC-B18B-81A9BC6A6005}" type="datetimeFigureOut">
               <a:rPr lang="zh-CN" altLang="en-US" smtClean="0"/>
-              <a:t>2019/2/20</a:t>
+              <a:t>2019/2/22</a:t>
             </a:fld>
             <a:endParaRPr lang="zh-CN" altLang="en-US"/>
           </a:p>
@@ -1891,7 +4948,7 @@
           <a:p>
             <a:fld id="{2328C41B-48A3-47AC-B18B-81A9BC6A6005}" type="datetimeFigureOut">
               <a:rPr lang="zh-CN" altLang="en-US" smtClean="0"/>
-              <a:t>2019/2/20</a:t>
+              <a:t>2019/2/22</a:t>
             </a:fld>
             <a:endParaRPr lang="zh-CN" altLang="en-US"/>
           </a:p>
@@ -2156,7 +5213,7 @@
           <a:p>
             <a:fld id="{2328C41B-48A3-47AC-B18B-81A9BC6A6005}" type="datetimeFigureOut">
               <a:rPr lang="zh-CN" altLang="en-US" smtClean="0"/>
-              <a:t>2019/2/20</a:t>
+              <a:t>2019/2/22</a:t>
             </a:fld>
             <a:endParaRPr lang="zh-CN" altLang="en-US"/>
           </a:p>
@@ -2568,7 +5625,7 @@
           <a:p>
             <a:fld id="{2328C41B-48A3-47AC-B18B-81A9BC6A6005}" type="datetimeFigureOut">
               <a:rPr lang="zh-CN" altLang="en-US" smtClean="0"/>
-              <a:t>2019/2/20</a:t>
+              <a:t>2019/2/22</a:t>
             </a:fld>
             <a:endParaRPr lang="zh-CN" altLang="en-US"/>
           </a:p>
@@ -2709,7 +5766,7 @@
           <a:p>
             <a:fld id="{2328C41B-48A3-47AC-B18B-81A9BC6A6005}" type="datetimeFigureOut">
               <a:rPr lang="zh-CN" altLang="en-US" smtClean="0"/>
-              <a:t>2019/2/20</a:t>
+              <a:t>2019/2/22</a:t>
             </a:fld>
             <a:endParaRPr lang="zh-CN" altLang="en-US"/>
           </a:p>
@@ -2822,7 +5879,7 @@
           <a:p>
             <a:fld id="{2328C41B-48A3-47AC-B18B-81A9BC6A6005}" type="datetimeFigureOut">
               <a:rPr lang="zh-CN" altLang="en-US" smtClean="0"/>
-              <a:t>2019/2/20</a:t>
+              <a:t>2019/2/22</a:t>
             </a:fld>
             <a:endParaRPr lang="zh-CN" altLang="en-US"/>
           </a:p>
@@ -3133,7 +6190,7 @@
           <a:p>
             <a:fld id="{2328C41B-48A3-47AC-B18B-81A9BC6A6005}" type="datetimeFigureOut">
               <a:rPr lang="zh-CN" altLang="en-US" smtClean="0"/>
-              <a:t>2019/2/20</a:t>
+              <a:t>2019/2/22</a:t>
             </a:fld>
             <a:endParaRPr lang="zh-CN" altLang="en-US"/>
           </a:p>
@@ -3421,7 +6478,7 @@
           <a:p>
             <a:fld id="{2328C41B-48A3-47AC-B18B-81A9BC6A6005}" type="datetimeFigureOut">
               <a:rPr lang="zh-CN" altLang="en-US" smtClean="0"/>
-              <a:t>2019/2/20</a:t>
+              <a:t>2019/2/22</a:t>
             </a:fld>
             <a:endParaRPr lang="zh-CN" altLang="en-US"/>
           </a:p>
@@ -3662,7 +6719,7 @@
           <a:p>
             <a:fld id="{2328C41B-48A3-47AC-B18B-81A9BC6A6005}" type="datetimeFigureOut">
               <a:rPr lang="zh-CN" altLang="en-US" smtClean="0"/>
-              <a:t>2019/2/20</a:t>
+              <a:t>2019/2/22</a:t>
             </a:fld>
             <a:endParaRPr lang="zh-CN" altLang="en-US"/>
           </a:p>
@@ -5119,7 +8176,7 @@
         <p:spPr>
           <a:xfrm>
             <a:off x="581025" y="504736"/>
-            <a:ext cx="10001250" cy="2308324"/>
+            <a:ext cx="10001250" cy="3508653"/>
           </a:xfrm>
           <a:prstGeom prst="rect">
             <a:avLst/>
@@ -5132,6 +8189,23 @@
           <a:lstStyle/>
           <a:p>
             <a:r>
+              <a:rPr lang="en-US" altLang="zh-CN" sz="2400" b="1" dirty="0" err="1">
+                <a:solidFill>
+                  <a:srgbClr val="333333"/>
+                </a:solidFill>
+                <a:latin typeface="PingFang SC"/>
+              </a:rPr>
+              <a:t>rootfs</a:t>
+            </a:r>
+            <a:endParaRPr lang="en-US" altLang="zh-CN" sz="2400" b="1" dirty="0">
+              <a:solidFill>
+                <a:srgbClr val="333333"/>
+              </a:solidFill>
+              <a:latin typeface="PingFang SC"/>
+            </a:endParaRPr>
+          </a:p>
+          <a:p>
+            <a:r>
               <a:rPr lang="zh-CN" altLang="en-US" dirty="0">
                 <a:solidFill>
                   <a:srgbClr val="333333"/>
@@ -5295,6 +8369,121 @@
                 <a:latin typeface="PingFang SC"/>
               </a:rPr>
               <a:t>里打包的不只应用，而是整个操作系统的文件和目录，也就是意味着，应用以及它运行所需要的所有依赖，都被封装在了一起</a:t>
+            </a:r>
+            <a:endParaRPr lang="en-US" altLang="zh-CN" dirty="0">
+              <a:solidFill>
+                <a:srgbClr val="333333"/>
+              </a:solidFill>
+              <a:latin typeface="PingFang SC"/>
+            </a:endParaRPr>
+          </a:p>
+          <a:p>
+            <a:endParaRPr lang="en-US" altLang="zh-CN" dirty="0">
+              <a:solidFill>
+                <a:srgbClr val="333333"/>
+              </a:solidFill>
+              <a:latin typeface="PingFang SC"/>
+            </a:endParaRPr>
+          </a:p>
+          <a:p>
+            <a:r>
+              <a:rPr lang="zh-CN" altLang="en-US" dirty="0">
+                <a:solidFill>
+                  <a:srgbClr val="333333"/>
+                </a:solidFill>
+                <a:latin typeface="PingFang SC"/>
+              </a:rPr>
+              <a:t>镜像的各层保存在</a:t>
+            </a:r>
+            <a:r>
+              <a:rPr lang="en-US" altLang="zh-CN" dirty="0">
+                <a:solidFill>
+                  <a:srgbClr val="333333"/>
+                </a:solidFill>
+                <a:latin typeface="PingFang SC"/>
+              </a:rPr>
+              <a:t>/var/lib/docker/</a:t>
+            </a:r>
+            <a:r>
+              <a:rPr lang="en-US" altLang="zh-CN" dirty="0" err="1">
+                <a:solidFill>
+                  <a:srgbClr val="333333"/>
+                </a:solidFill>
+                <a:latin typeface="PingFang SC"/>
+              </a:rPr>
+              <a:t>aufs</a:t>
+            </a:r>
+            <a:r>
+              <a:rPr lang="en-US" altLang="zh-CN" dirty="0">
+                <a:solidFill>
+                  <a:srgbClr val="333333"/>
+                </a:solidFill>
+                <a:latin typeface="PingFang SC"/>
+              </a:rPr>
+              <a:t>/diff</a:t>
+            </a:r>
+            <a:r>
+              <a:rPr lang="zh-CN" altLang="en-US" dirty="0">
+                <a:solidFill>
+                  <a:srgbClr val="333333"/>
+                </a:solidFill>
+                <a:latin typeface="PingFang SC"/>
+              </a:rPr>
+              <a:t>目录下，容器启动后会被联合挂载在</a:t>
+            </a:r>
+            <a:r>
+              <a:rPr lang="en-US" altLang="zh-CN" dirty="0">
+                <a:solidFill>
+                  <a:srgbClr val="333333"/>
+                </a:solidFill>
+                <a:latin typeface="PingFang SC"/>
+              </a:rPr>
+              <a:t>/var/lib/docker/</a:t>
+            </a:r>
+            <a:r>
+              <a:rPr lang="en-US" altLang="zh-CN" dirty="0" err="1">
+                <a:solidFill>
+                  <a:srgbClr val="333333"/>
+                </a:solidFill>
+                <a:latin typeface="PingFang SC"/>
+              </a:rPr>
+              <a:t>aufs</a:t>
+            </a:r>
+            <a:r>
+              <a:rPr lang="en-US" altLang="zh-CN" dirty="0">
+                <a:solidFill>
+                  <a:srgbClr val="333333"/>
+                </a:solidFill>
+                <a:latin typeface="PingFang SC"/>
+              </a:rPr>
+              <a:t>/</a:t>
+            </a:r>
+            <a:r>
+              <a:rPr lang="en-US" altLang="zh-CN" dirty="0" err="1">
+                <a:solidFill>
+                  <a:srgbClr val="333333"/>
+                </a:solidFill>
+                <a:latin typeface="PingFang SC"/>
+              </a:rPr>
+              <a:t>mnt</a:t>
+            </a:r>
+            <a:r>
+              <a:rPr lang="zh-CN" altLang="en-US" dirty="0">
+                <a:solidFill>
+                  <a:srgbClr val="333333"/>
+                </a:solidFill>
+                <a:latin typeface="PingFang SC"/>
+              </a:rPr>
+              <a:t>下，这就是容顺运行所需的</a:t>
+            </a:r>
+            <a:r>
+              <a:rPr lang="en-US" altLang="zh-CN" dirty="0" err="1">
+                <a:solidFill>
+                  <a:srgbClr val="333333"/>
+                </a:solidFill>
+                <a:latin typeface="PingFang SC"/>
+              </a:rPr>
+              <a:t>rootfs</a:t>
             </a:r>
             <a:endParaRPr lang="en-US" altLang="zh-CN" dirty="0">
               <a:solidFill>
@@ -5344,6 +8533,64 @@
           <a:chExt cx="0" cy="0"/>
         </a:xfrm>
       </p:grpSpPr>
+      <p:graphicFrame>
+        <p:nvGraphicFramePr>
+          <p:cNvPr id="2" name="图示 1">
+            <a:extLst>
+              <a:ext uri="{FF2B5EF4-FFF2-40B4-BE49-F238E27FC236}">
+                <a16:creationId xmlns:a16="http://schemas.microsoft.com/office/drawing/2014/main" id="{F8173CDF-FD6F-4988-B0B7-AB5529D2C9EE}"/>
+              </a:ext>
+            </a:extLst>
+          </p:cNvPr>
+          <p:cNvGraphicFramePr/>
+          <p:nvPr>
+            <p:extLst>
+              <p:ext uri="{D42A27DB-BD31-4B8C-83A1-F6EECF244321}">
+                <p14:modId xmlns:p14="http://schemas.microsoft.com/office/powerpoint/2010/main" val="3537426681"/>
+              </p:ext>
+            </p:extLst>
+          </p:nvPr>
+        </p:nvGraphicFramePr>
+        <p:xfrm>
+          <a:off x="2032000" y="719666"/>
+          <a:ext cx="8128000" cy="5418667"/>
+        </p:xfrm>
+        <a:graphic>
+          <a:graphicData uri="http://schemas.openxmlformats.org/drawingml/2006/diagram">
+            <dgm:relIds xmlns:dgm="http://schemas.openxmlformats.org/drawingml/2006/diagram" xmlns:r="http://schemas.openxmlformats.org/officeDocument/2006/relationships" r:dm="rId2" r:lo="rId3" r:qs="rId4" r:cs="rId5"/>
+          </a:graphicData>
+        </a:graphic>
+      </p:graphicFrame>
+    </p:spTree>
+    <p:extLst>
+      <p:ext uri="{BB962C8B-B14F-4D97-AF65-F5344CB8AC3E}">
+        <p14:creationId xmlns:p14="http://schemas.microsoft.com/office/powerpoint/2010/main" val="4121768025"/>
+      </p:ext>
+    </p:extLst>
+  </p:cSld>
+  <p:clrMapOvr>
+    <a:masterClrMapping/>
+  </p:clrMapOvr>
+</p:sld>
+</file>
+
+<file path=ppt/slides/slide13.xml><?xml version="1.0" encoding="utf-8"?>
+<p:sld xmlns:a="http://schemas.openxmlformats.org/drawingml/2006/main" xmlns:r="http://schemas.openxmlformats.org/officeDocument/2006/relationships" xmlns:p="http://schemas.openxmlformats.org/presentationml/2006/main">
+  <p:cSld>
+    <p:spTree>
+      <p:nvGrpSpPr>
+        <p:cNvPr id="1" name=""/>
+        <p:cNvGrpSpPr/>
+        <p:nvPr/>
+      </p:nvGrpSpPr>
+      <p:grpSpPr>
+        <a:xfrm>
+          <a:off x="0" y="0"/>
+          <a:ext cx="0" cy="0"/>
+          <a:chOff x="0" y="0"/>
+          <a:chExt cx="0" cy="0"/>
+        </a:xfrm>
+      </p:grpSpPr>
       <p:sp>
         <p:nvSpPr>
           <p:cNvPr id="2" name="矩形 1">
@@ -5359,7 +8606,7 @@
         <p:spPr>
           <a:xfrm>
             <a:off x="612923" y="1129219"/>
-            <a:ext cx="6011161" cy="3970318"/>
+            <a:ext cx="6011161" cy="4524315"/>
           </a:xfrm>
           <a:prstGeom prst="rect">
             <a:avLst/>
@@ -5422,13 +8669,19 @@
           </a:p>
           <a:p>
             <a:r>
+              <a:rPr lang="zh-CN" altLang="en-US" b="1" dirty="0">
+                <a:latin typeface="PingFang SC"/>
+              </a:rPr>
+              <a:t>只读层</a:t>
+            </a:r>
+            <a:r>
               <a:rPr lang="zh-CN" altLang="en-US" dirty="0">
                 <a:solidFill>
                   <a:srgbClr val="333333"/>
                 </a:solidFill>
                 <a:latin typeface="PingFang SC"/>
               </a:rPr>
-              <a:t>只读层：</a:t>
+              <a:t>：</a:t>
             </a:r>
             <a:endParaRPr lang="en-US" altLang="zh-CN" dirty="0">
               <a:solidFill>
@@ -5454,7 +8707,7 @@
                 </a:solidFill>
                 <a:latin typeface="PingFang SC"/>
               </a:rPr>
-              <a:t>readonly+whiteout</a:t>
+              <a:t>readonly+w</a:t>
             </a:r>
             <a:r>
               <a:rPr lang="en-US" altLang="zh-CN" dirty="0">
@@ -5463,6 +8716,24 @@
                 </a:solidFill>
                 <a:latin typeface="PingFang SC"/>
               </a:rPr>
+              <a:t> </a:t>
+            </a:r>
+            <a:r>
+              <a:rPr lang="en-US" altLang="zh-CN" dirty="0" err="1">
+                <a:solidFill>
+                  <a:srgbClr val="333333"/>
+                </a:solidFill>
+                <a:latin typeface="PingFang SC"/>
+              </a:rPr>
+              <a:t>hiteout</a:t>
+            </a:r>
+            <a:r>
+              <a:rPr lang="en-US" altLang="zh-CN" dirty="0">
+                <a:solidFill>
+                  <a:srgbClr val="333333"/>
+                </a:solidFill>
+                <a:latin typeface="PingFang SC"/>
+              </a:rPr>
               <a:t>(</a:t>
             </a:r>
             <a:r>
@@ -5485,15 +8756,6 @@
             </a:r>
           </a:p>
           <a:p>
-            <a:r>
-              <a:rPr lang="zh-CN" altLang="en-US" dirty="0">
-                <a:solidFill>
-                  <a:srgbClr val="333333"/>
-                </a:solidFill>
-                <a:latin typeface="PingFang SC"/>
-              </a:rPr>
-              <a:t>可读写层：</a:t>
-            </a:r>
             <a:endParaRPr lang="en-US" altLang="zh-CN" dirty="0">
               <a:solidFill>
                 <a:srgbClr val="333333"/>
@@ -5503,12 +8765,38 @@
           </a:p>
           <a:p>
             <a:r>
+              <a:rPr lang="zh-CN" altLang="en-US" b="1" dirty="0">
+                <a:solidFill>
+                  <a:srgbClr val="333333"/>
+                </a:solidFill>
+                <a:latin typeface="PingFang SC"/>
+              </a:rPr>
+              <a:t>可读写层</a:t>
+            </a:r>
+            <a:r>
               <a:rPr lang="zh-CN" altLang="en-US" dirty="0">
                 <a:solidFill>
                   <a:srgbClr val="333333"/>
                 </a:solidFill>
                 <a:latin typeface="PingFang SC"/>
               </a:rPr>
+              <a:t>：</a:t>
+            </a:r>
+            <a:endParaRPr lang="en-US" altLang="zh-CN" dirty="0">
+              <a:solidFill>
+                <a:srgbClr val="333333"/>
+              </a:solidFill>
+              <a:latin typeface="PingFang SC"/>
+            </a:endParaRPr>
+          </a:p>
+          <a:p>
+            <a:r>
+              <a:rPr lang="zh-CN" altLang="en-US" dirty="0">
+                <a:solidFill>
+                  <a:srgbClr val="333333"/>
+                </a:solidFill>
+                <a:latin typeface="PingFang SC"/>
+              </a:rPr>
               <a:t>就是自己的应用，或对只读层的</a:t>
             </a:r>
             <a:r>
@@ -5522,8 +8810,16 @@
             </a:r>
           </a:p>
           <a:p>
-            <a:r>
-              <a:rPr lang="en-US" altLang="zh-CN" dirty="0">
+            <a:endParaRPr lang="en-US" altLang="zh-CN" dirty="0">
+              <a:solidFill>
+                <a:srgbClr val="333333"/>
+              </a:solidFill>
+              <a:latin typeface="PingFang SC"/>
+            </a:endParaRPr>
+          </a:p>
+          <a:p>
+            <a:r>
+              <a:rPr lang="en-US" altLang="zh-CN" b="1" dirty="0">
                 <a:solidFill>
                   <a:srgbClr val="333333"/>
                 </a:solidFill>
@@ -5532,13 +8828,22 @@
               <a:t>Init</a:t>
             </a:r>
             <a:r>
+              <a:rPr lang="zh-CN" altLang="en-US" b="1" dirty="0">
+                <a:solidFill>
+                  <a:srgbClr val="333333"/>
+                </a:solidFill>
+                <a:latin typeface="PingFang SC"/>
+              </a:rPr>
+              <a:t>层</a:t>
+            </a:r>
+            <a:r>
               <a:rPr lang="zh-CN" altLang="en-US" dirty="0">
                 <a:solidFill>
                   <a:srgbClr val="333333"/>
                 </a:solidFill>
                 <a:latin typeface="PingFang SC"/>
               </a:rPr>
-              <a:t>层：</a:t>
+              <a:t>：</a:t>
             </a:r>
             <a:endParaRPr lang="en-US" altLang="zh-CN" dirty="0">
               <a:solidFill>
@@ -5644,144 +8949,6 @@
 </p:sld>
 </file>
 
-<file path=ppt/slides/slide13.xml><?xml version="1.0" encoding="utf-8"?>
-<p:sld xmlns:a="http://schemas.openxmlformats.org/drawingml/2006/main" xmlns:r="http://schemas.openxmlformats.org/officeDocument/2006/relationships" xmlns:p="http://schemas.openxmlformats.org/presentationml/2006/main">
-  <p:cSld>
-    <p:spTree>
-      <p:nvGrpSpPr>
-        <p:cNvPr id="1" name=""/>
-        <p:cNvGrpSpPr/>
-        <p:nvPr/>
-      </p:nvGrpSpPr>
-      <p:grpSpPr>
-        <a:xfrm>
-          <a:off x="0" y="0"/>
-          <a:ext cx="0" cy="0"/>
-          <a:chOff x="0" y="0"/>
-          <a:chExt cx="0" cy="0"/>
-        </a:xfrm>
-      </p:grpSpPr>
-      <p:sp>
-        <p:nvSpPr>
-          <p:cNvPr id="4" name="矩形 3">
-            <a:extLst>
-              <a:ext uri="{FF2B5EF4-FFF2-40B4-BE49-F238E27FC236}">
-                <a16:creationId xmlns:a16="http://schemas.microsoft.com/office/drawing/2014/main" id="{2E696C1D-19CC-478A-8AA8-77AF59AFB67B}"/>
-              </a:ext>
-            </a:extLst>
-          </p:cNvPr>
-          <p:cNvSpPr/>
-          <p:nvPr/>
-        </p:nvSpPr>
-        <p:spPr>
-          <a:xfrm>
-            <a:off x="1502674" y="802975"/>
-            <a:ext cx="1459054" cy="3139321"/>
-          </a:xfrm>
-          <a:prstGeom prst="rect">
-            <a:avLst/>
-          </a:prstGeom>
-        </p:spPr>
-        <p:txBody>
-          <a:bodyPr wrap="none">
-            <a:spAutoFit/>
-          </a:bodyPr>
-          <a:lstStyle/>
-          <a:p>
-            <a:r>
-              <a:rPr lang="en-US" altLang="zh-CN" dirty="0">
-                <a:solidFill>
-                  <a:srgbClr val="333333"/>
-                </a:solidFill>
-                <a:latin typeface="arial" panose="020B0604020202020204" pitchFamily="34" charset="0"/>
-              </a:rPr>
-              <a:t>NFS</a:t>
-            </a:r>
-          </a:p>
-          <a:p>
-            <a:r>
-              <a:rPr lang="en-US" altLang="zh-CN" dirty="0" err="1"/>
-              <a:t>GlusterFS</a:t>
-            </a:r>
-            <a:endParaRPr lang="en-US" altLang="zh-CN" dirty="0"/>
-          </a:p>
-          <a:p>
-            <a:r>
-              <a:rPr lang="en-US" altLang="zh-CN" dirty="0" err="1">
-                <a:solidFill>
-                  <a:srgbClr val="333333"/>
-                </a:solidFill>
-                <a:latin typeface="arial" panose="020B0604020202020204" pitchFamily="34" charset="0"/>
-              </a:rPr>
-              <a:t>Ceph</a:t>
-            </a:r>
-            <a:endParaRPr lang="en-US" altLang="zh-CN" dirty="0">
-              <a:solidFill>
-                <a:srgbClr val="333333"/>
-              </a:solidFill>
-              <a:latin typeface="arial" panose="020B0604020202020204" pitchFamily="34" charset="0"/>
-            </a:endParaRPr>
-          </a:p>
-          <a:p>
-            <a:r>
-              <a:rPr lang="en-US" altLang="zh-CN" dirty="0" err="1"/>
-              <a:t>DigitalOcean</a:t>
-            </a:r>
-            <a:endParaRPr lang="en-US" altLang="zh-CN" dirty="0"/>
-          </a:p>
-          <a:p>
-            <a:r>
-              <a:rPr lang="en-US" altLang="zh-CN" dirty="0"/>
-              <a:t>Flannel</a:t>
-            </a:r>
-          </a:p>
-          <a:p>
-            <a:r>
-              <a:rPr lang="en-US" altLang="zh-CN" dirty="0"/>
-              <a:t>Calico</a:t>
-            </a:r>
-          </a:p>
-          <a:p>
-            <a:r>
-              <a:rPr lang="en-US" altLang="zh-CN" dirty="0"/>
-              <a:t>Prometheus</a:t>
-            </a:r>
-          </a:p>
-          <a:p>
-            <a:r>
-              <a:rPr lang="en-US" altLang="zh-CN" dirty="0" err="1"/>
-              <a:t>DaemonSet</a:t>
-            </a:r>
-            <a:endParaRPr lang="en-US" altLang="zh-CN" dirty="0"/>
-          </a:p>
-          <a:p>
-            <a:r>
-              <a:rPr lang="en-US" altLang="zh-CN" dirty="0" err="1"/>
-              <a:t>Fluentd</a:t>
-            </a:r>
-            <a:endParaRPr lang="en-US" altLang="zh-CN" dirty="0"/>
-          </a:p>
-          <a:p>
-            <a:endParaRPr lang="en-US" altLang="zh-CN" dirty="0"/>
-          </a:p>
-          <a:p>
-            <a:endParaRPr lang="zh-CN" altLang="en-US" dirty="0"/>
-          </a:p>
-        </p:txBody>
-      </p:sp>
-    </p:spTree>
-    <p:extLst>
-      <p:ext uri="{BB962C8B-B14F-4D97-AF65-F5344CB8AC3E}">
-        <p14:creationId xmlns:p14="http://schemas.microsoft.com/office/powerpoint/2010/main" val="464234432"/>
-      </p:ext>
-    </p:extLst>
-  </p:cSld>
-  <p:clrMapOvr>
-    <a:masterClrMapping/>
-  </p:clrMapOvr>
-</p:sld>
-</file>
-
 <file path=ppt/slides/slide14.xml><?xml version="1.0" encoding="utf-8"?>
 <p:sld xmlns:a="http://schemas.openxmlformats.org/drawingml/2006/main" xmlns:r="http://schemas.openxmlformats.org/officeDocument/2006/relationships" xmlns:p="http://schemas.openxmlformats.org/presentationml/2006/main">
   <p:cSld>
@@ -5804,7 +8971,7 @@
           <p:cNvPr id="2" name="矩形 1">
             <a:extLst>
               <a:ext uri="{FF2B5EF4-FFF2-40B4-BE49-F238E27FC236}">
-                <a16:creationId xmlns:a16="http://schemas.microsoft.com/office/drawing/2014/main" id="{F04B66D7-5DEA-44AF-BF8F-4F46F41BD139}"/>
+                <a16:creationId xmlns:a16="http://schemas.microsoft.com/office/drawing/2014/main" id="{D404E363-E856-420E-A9CD-1D6D4D208B69}"/>
               </a:ext>
             </a:extLst>
           </p:cNvPr>
@@ -5813,8 +8980,8 @@
         </p:nvSpPr>
         <p:spPr>
           <a:xfrm>
-            <a:off x="1059402" y="925470"/>
-            <a:ext cx="10721266" cy="646331"/>
+            <a:off x="612923" y="1129219"/>
+            <a:ext cx="11019096" cy="2862322"/>
           </a:xfrm>
           <a:prstGeom prst="rect">
             <a:avLst/>
@@ -5827,19 +8994,240 @@
           <a:lstStyle/>
           <a:p>
             <a:r>
-              <a:rPr lang="zh-CN" altLang="en-US"/>
-              <a:t>Linux Cgroups 的全称是 Linux Control Group。它最主要的作用，就是限制一个进程组能够使用的资源上限，包括 CPU、内存、磁盘、网络带宽等等。</a:t>
-            </a:r>
-            <a:endParaRPr lang="zh-CN" altLang="en-US" dirty="0"/>
+              <a:rPr lang="zh-CN" altLang="en-US" dirty="0">
+                <a:solidFill>
+                  <a:srgbClr val="333333"/>
+                </a:solidFill>
+                <a:latin typeface="PingFang SC"/>
+              </a:rPr>
+              <a:t>数据卷（</a:t>
+            </a:r>
+            <a:r>
+              <a:rPr lang="en-US" altLang="zh-CN" dirty="0">
+                <a:solidFill>
+                  <a:srgbClr val="333333"/>
+                </a:solidFill>
+                <a:latin typeface="PingFang SC"/>
+              </a:rPr>
+              <a:t>Volume</a:t>
+            </a:r>
+            <a:r>
+              <a:rPr lang="zh-CN" altLang="en-US" dirty="0">
+                <a:solidFill>
+                  <a:srgbClr val="333333"/>
+                </a:solidFill>
+                <a:latin typeface="PingFang SC"/>
+              </a:rPr>
+              <a:t>）</a:t>
+            </a:r>
+            <a:endParaRPr lang="en-US" altLang="zh-CN" dirty="0">
+              <a:solidFill>
+                <a:srgbClr val="333333"/>
+              </a:solidFill>
+              <a:latin typeface="PingFang SC"/>
+            </a:endParaRPr>
+          </a:p>
+          <a:p>
+            <a:r>
+              <a:rPr lang="zh-CN" altLang="en-US" dirty="0">
+                <a:solidFill>
+                  <a:srgbClr val="333333"/>
+                </a:solidFill>
+                <a:latin typeface="PingFang SC"/>
+              </a:rPr>
+              <a:t>允许你将宿主机上指定的目录或者文件，挂载到容器里面进行读取和修改操作。</a:t>
+            </a:r>
+            <a:endParaRPr lang="en-US" altLang="zh-CN" dirty="0">
+              <a:solidFill>
+                <a:srgbClr val="333333"/>
+              </a:solidFill>
+              <a:latin typeface="PingFang SC"/>
+            </a:endParaRPr>
+          </a:p>
+          <a:p>
+            <a:endParaRPr lang="en-US" altLang="zh-CN" b="0" i="0" dirty="0">
+              <a:solidFill>
+                <a:srgbClr val="333333"/>
+              </a:solidFill>
+              <a:effectLst/>
+              <a:latin typeface="PingFang SC"/>
+            </a:endParaRPr>
+          </a:p>
+          <a:p>
+            <a:r>
+              <a:rPr lang="en-US" altLang="zh-CN" dirty="0">
+                <a:solidFill>
+                  <a:srgbClr val="333333"/>
+                </a:solidFill>
+                <a:latin typeface="PingFang SC"/>
+              </a:rPr>
+              <a:t>$ docker run -v /test ...</a:t>
+            </a:r>
+          </a:p>
+          <a:p>
+            <a:endParaRPr lang="en-US" altLang="zh-CN" dirty="0">
+              <a:solidFill>
+                <a:srgbClr val="333333"/>
+              </a:solidFill>
+              <a:latin typeface="PingFang SC"/>
+            </a:endParaRPr>
+          </a:p>
+          <a:p>
+            <a:r>
+              <a:rPr lang="zh-CN" altLang="en-US" dirty="0"/>
+              <a:t>会在宿主机上创建一个目录</a:t>
+            </a:r>
+            <a:r>
+              <a:rPr lang="en-US" altLang="zh-CN" dirty="0"/>
+              <a:t>/var/lib/docker/volumes/[</a:t>
+            </a:r>
+            <a:r>
+              <a:rPr lang="en-US" altLang="zh-CN" dirty="0" err="1"/>
+              <a:t>VOLUME_ID</a:t>
+            </a:r>
+            <a:r>
+              <a:rPr lang="en-US" altLang="zh-CN" dirty="0"/>
+              <a:t>]/_data</a:t>
+            </a:r>
+            <a:r>
+              <a:rPr lang="zh-CN" altLang="en-US" dirty="0"/>
+              <a:t>，并挂载到</a:t>
+            </a:r>
+            <a:r>
+              <a:rPr lang="en-US" altLang="zh-CN" dirty="0"/>
+              <a:t>/test</a:t>
+            </a:r>
+            <a:r>
+              <a:rPr lang="zh-CN" altLang="en-US" dirty="0"/>
+              <a:t>上</a:t>
+            </a:r>
+            <a:endParaRPr lang="en-US" altLang="zh-CN" dirty="0"/>
+          </a:p>
+          <a:p>
+            <a:endParaRPr lang="en-US" altLang="zh-CN" dirty="0">
+              <a:solidFill>
+                <a:srgbClr val="333333"/>
+              </a:solidFill>
+              <a:latin typeface="PingFang SC"/>
+            </a:endParaRPr>
+          </a:p>
+          <a:p>
+            <a:r>
+              <a:rPr lang="en-US" altLang="zh-CN" dirty="0">
+                <a:solidFill>
+                  <a:srgbClr val="333333"/>
+                </a:solidFill>
+                <a:latin typeface="PingFang SC"/>
+              </a:rPr>
+              <a:t>$ docker run -v /home:/test ...</a:t>
+            </a:r>
+          </a:p>
+          <a:p>
+            <a:endParaRPr lang="en-US" altLang="zh-CN" b="0" i="0" dirty="0">
+              <a:solidFill>
+                <a:srgbClr val="333333"/>
+              </a:solidFill>
+              <a:effectLst/>
+              <a:latin typeface="PingFang SC"/>
+            </a:endParaRPr>
+          </a:p>
+          <a:p>
+            <a:r>
+              <a:rPr lang="zh-CN" altLang="en-US" b="0" i="0" dirty="0">
+                <a:solidFill>
+                  <a:srgbClr val="333333"/>
+                </a:solidFill>
+                <a:effectLst/>
+                <a:latin typeface="PingFang SC"/>
+              </a:rPr>
+              <a:t>把宿主机的</a:t>
+            </a:r>
+            <a:r>
+              <a:rPr lang="en-US" altLang="zh-CN" b="0" i="0" dirty="0">
+                <a:solidFill>
+                  <a:srgbClr val="333333"/>
+                </a:solidFill>
+                <a:effectLst/>
+                <a:latin typeface="PingFang SC"/>
+              </a:rPr>
+              <a:t>/home</a:t>
+            </a:r>
+            <a:r>
+              <a:rPr lang="zh-CN" altLang="en-US" b="0" i="0" dirty="0">
+                <a:solidFill>
+                  <a:srgbClr val="333333"/>
+                </a:solidFill>
+                <a:effectLst/>
+                <a:latin typeface="PingFang SC"/>
+              </a:rPr>
+              <a:t>挂载到</a:t>
+            </a:r>
+            <a:r>
+              <a:rPr lang="en-US" altLang="zh-CN" b="0" i="0" dirty="0">
+                <a:solidFill>
+                  <a:srgbClr val="333333"/>
+                </a:solidFill>
+                <a:effectLst/>
+                <a:latin typeface="PingFang SC"/>
+              </a:rPr>
+              <a:t>/test</a:t>
+            </a:r>
+            <a:r>
+              <a:rPr lang="zh-CN" altLang="en-US" b="0" i="0" dirty="0">
+                <a:solidFill>
+                  <a:srgbClr val="333333"/>
+                </a:solidFill>
+                <a:effectLst/>
+                <a:latin typeface="PingFang SC"/>
+              </a:rPr>
+              <a:t>上</a:t>
+            </a:r>
+            <a:endParaRPr lang="en-US" altLang="zh-CN" b="0" i="0" dirty="0">
+              <a:solidFill>
+                <a:srgbClr val="333333"/>
+              </a:solidFill>
+              <a:effectLst/>
+              <a:latin typeface="PingFang SC"/>
+            </a:endParaRPr>
           </a:p>
         </p:txBody>
       </p:sp>
+    </p:spTree>
+    <p:extLst>
+      <p:ext uri="{BB962C8B-B14F-4D97-AF65-F5344CB8AC3E}">
+        <p14:creationId xmlns:p14="http://schemas.microsoft.com/office/powerpoint/2010/main" val="2725473859"/>
+      </p:ext>
+    </p:extLst>
+  </p:cSld>
+  <p:clrMapOvr>
+    <a:masterClrMapping/>
+  </p:clrMapOvr>
+</p:sld>
+</file>
+
+<file path=ppt/slides/slide15.xml><?xml version="1.0" encoding="utf-8"?>
+<p:sld xmlns:a="http://schemas.openxmlformats.org/drawingml/2006/main" xmlns:r="http://schemas.openxmlformats.org/officeDocument/2006/relationships" xmlns:p="http://schemas.openxmlformats.org/presentationml/2006/main">
+  <p:cSld>
+    <p:spTree>
+      <p:nvGrpSpPr>
+        <p:cNvPr id="1" name=""/>
+        <p:cNvGrpSpPr/>
+        <p:nvPr/>
+      </p:nvGrpSpPr>
+      <p:grpSpPr>
+        <a:xfrm>
+          <a:off x="0" y="0"/>
+          <a:ext cx="0" cy="0"/>
+          <a:chOff x="0" y="0"/>
+          <a:chExt cx="0" cy="0"/>
+        </a:xfrm>
+      </p:grpSpPr>
       <p:sp>
         <p:nvSpPr>
           <p:cNvPr id="3" name="矩形 2">
             <a:extLst>
               <a:ext uri="{FF2B5EF4-FFF2-40B4-BE49-F238E27FC236}">
-                <a16:creationId xmlns:a16="http://schemas.microsoft.com/office/drawing/2014/main" id="{7CB65F6E-C07D-47F7-B027-B2FBB134E56C}"/>
+                <a16:creationId xmlns:a16="http://schemas.microsoft.com/office/drawing/2014/main" id="{8BD75D38-826C-4BAA-93D9-5018211AD639}"/>
               </a:ext>
             </a:extLst>
           </p:cNvPr>
@@ -5848,8 +9236,8 @@
         </p:nvSpPr>
         <p:spPr>
           <a:xfrm>
-            <a:off x="921508" y="1921561"/>
-            <a:ext cx="4578497" cy="369332"/>
+            <a:off x="568249" y="345270"/>
+            <a:ext cx="1479892" cy="369332"/>
           </a:xfrm>
           <a:prstGeom prst="rect">
             <a:avLst/>
@@ -5862,18 +9250,69 @@
           <a:lstStyle/>
           <a:p>
             <a:r>
-              <a:rPr lang="zh-CN" altLang="en-US" dirty="0"/>
-              <a:t>Namespace是用来修改进程视图的主要方法</a:t>
-            </a:r>
+              <a:rPr lang="en-US" altLang="zh-CN" b="1" dirty="0" err="1">
+                <a:solidFill>
+                  <a:srgbClr val="3C484E"/>
+                </a:solidFill>
+                <a:latin typeface="Helvetica Neue"/>
+              </a:rPr>
+              <a:t>kubernetes</a:t>
+            </a:r>
+            <a:r>
+              <a:rPr lang="en-US" altLang="zh-CN" b="1" dirty="0">
+                <a:solidFill>
+                  <a:srgbClr val="3C484E"/>
+                </a:solidFill>
+                <a:latin typeface="Helvetica Neue"/>
+              </a:rPr>
+              <a:t> </a:t>
+            </a:r>
+            <a:endParaRPr lang="zh-CN" altLang="en-US" b="1" dirty="0"/>
           </a:p>
         </p:txBody>
       </p:sp>
+      <p:pic>
+        <p:nvPicPr>
+          <p:cNvPr id="4" name="图片 3" descr="图片包含 屏幕截图&#10;&#10;自动生成的说明">
+            <a:extLst>
+              <a:ext uri="{FF2B5EF4-FFF2-40B4-BE49-F238E27FC236}">
+                <a16:creationId xmlns:a16="http://schemas.microsoft.com/office/drawing/2014/main" id="{364FD4B4-FDA7-4EE4-984F-AC6C1DF4DC4A}"/>
+              </a:ext>
+            </a:extLst>
+          </p:cNvPr>
+          <p:cNvPicPr>
+            <a:picLocks noChangeAspect="1"/>
+          </p:cNvPicPr>
+          <p:nvPr/>
+        </p:nvPicPr>
+        <p:blipFill>
+          <a:blip r:embed="rId3">
+            <a:extLst>
+              <a:ext uri="{28A0092B-C50C-407E-A947-70E740481C1C}">
+                <a14:useLocalDpi xmlns:a14="http://schemas.microsoft.com/office/drawing/2010/main" val="0"/>
+              </a:ext>
+            </a:extLst>
+          </a:blip>
+          <a:stretch>
+            <a:fillRect/>
+          </a:stretch>
+        </p:blipFill>
+        <p:spPr>
+          <a:xfrm>
+            <a:off x="5660733" y="602513"/>
+            <a:ext cx="6207567" cy="5652973"/>
+          </a:xfrm>
+          <a:prstGeom prst="rect">
+            <a:avLst/>
+          </a:prstGeom>
+        </p:spPr>
+      </p:pic>
       <p:sp>
         <p:nvSpPr>
-          <p:cNvPr id="4" name="矩形 3">
+          <p:cNvPr id="6" name="矩形 5">
             <a:extLst>
               <a:ext uri="{FF2B5EF4-FFF2-40B4-BE49-F238E27FC236}">
-                <a16:creationId xmlns:a16="http://schemas.microsoft.com/office/drawing/2014/main" id="{55765BC9-69DA-426E-BE89-AA4C8E848029}"/>
+                <a16:creationId xmlns:a16="http://schemas.microsoft.com/office/drawing/2014/main" id="{10126FE7-A150-43A3-957F-5E7E0ED57F32}"/>
               </a:ext>
             </a:extLst>
           </p:cNvPr>
@@ -5882,42 +9321,8 @@
         </p:nvSpPr>
         <p:spPr>
           <a:xfrm>
-            <a:off x="921508" y="2640653"/>
-            <a:ext cx="2486578" cy="369332"/>
-          </a:xfrm>
-          <a:prstGeom prst="rect">
-            <a:avLst/>
-          </a:prstGeom>
-        </p:spPr>
-        <p:txBody>
-          <a:bodyPr wrap="none">
-            <a:spAutoFit/>
-          </a:bodyPr>
-          <a:lstStyle/>
-          <a:p>
-            <a:r>
-              <a:rPr lang="zh-CN" altLang="en-US" dirty="0"/>
-              <a:t>会话黏连 session sticky</a:t>
-            </a:r>
-          </a:p>
-        </p:txBody>
-      </p:sp>
-      <p:sp>
-        <p:nvSpPr>
-          <p:cNvPr id="5" name="矩形 4">
-            <a:extLst>
-              <a:ext uri="{FF2B5EF4-FFF2-40B4-BE49-F238E27FC236}">
-                <a16:creationId xmlns:a16="http://schemas.microsoft.com/office/drawing/2014/main" id="{F28C96AC-6D2D-42ED-BA4F-AA1F266D37CE}"/>
-              </a:ext>
-            </a:extLst>
-          </p:cNvPr>
-          <p:cNvSpPr/>
-          <p:nvPr/>
-        </p:nvSpPr>
-        <p:spPr>
-          <a:xfrm>
-            <a:off x="921508" y="3713871"/>
-            <a:ext cx="10721266" cy="1200329"/>
+            <a:off x="474700" y="1107954"/>
+            <a:ext cx="5186033" cy="4524315"/>
           </a:xfrm>
           <a:prstGeom prst="rect">
             <a:avLst/>
@@ -5930,62 +9335,23 @@
           <a:lstStyle/>
           <a:p>
             <a:r>
+              <a:rPr lang="en-US" altLang="zh-CN" dirty="0">
+                <a:solidFill>
+                  <a:srgbClr val="333333"/>
+                </a:solidFill>
+                <a:latin typeface="PingFang SC"/>
+              </a:rPr>
+              <a:t>Master</a:t>
+            </a:r>
+            <a:r>
               <a:rPr lang="zh-CN" altLang="en-US" dirty="0">
                 <a:solidFill>
                   <a:srgbClr val="333333"/>
                 </a:solidFill>
                 <a:latin typeface="PingFang SC"/>
               </a:rPr>
-              <a:t>在 </a:t>
-            </a:r>
-            <a:r>
-              <a:rPr lang="en-US" altLang="zh-CN" dirty="0">
-                <a:solidFill>
-                  <a:srgbClr val="333333"/>
-                </a:solidFill>
-                <a:latin typeface="PingFang SC"/>
-              </a:rPr>
-              <a:t>Kubernetes </a:t>
-            </a:r>
-            <a:r>
-              <a:rPr lang="zh-CN" altLang="en-US" dirty="0">
-                <a:solidFill>
-                  <a:srgbClr val="333333"/>
-                </a:solidFill>
-                <a:latin typeface="PingFang SC"/>
-              </a:rPr>
-              <a:t>项目中，负责完成授权（</a:t>
-            </a:r>
-            <a:r>
-              <a:rPr lang="en-US" altLang="zh-CN" dirty="0"/>
-              <a:t>Authorization</a:t>
-            </a:r>
-            <a:r>
-              <a:rPr lang="zh-CN" altLang="en-US" dirty="0"/>
-              <a:t>）工作的机制，就是 </a:t>
-            </a:r>
-            <a:r>
-              <a:rPr lang="en-US" altLang="zh-CN" dirty="0" err="1"/>
-              <a:t>RBAC</a:t>
-            </a:r>
-            <a:r>
-              <a:rPr lang="zh-CN" altLang="en-US" dirty="0"/>
-              <a:t>：基于角色的访问控制（</a:t>
-            </a:r>
-            <a:r>
-              <a:rPr lang="en-US" altLang="zh-CN" dirty="0"/>
-              <a:t>Role-Based Access Control</a:t>
-            </a:r>
-            <a:r>
-              <a:rPr lang="zh-CN" altLang="en-US" dirty="0"/>
-              <a:t>）</a:t>
-            </a:r>
-            <a:endParaRPr lang="en-US" altLang="zh-CN" dirty="0"/>
-          </a:p>
-          <a:p>
-            <a:endParaRPr lang="en-US" altLang="zh-CN" dirty="0"/>
-          </a:p>
-          <a:p>
+              <a:t>：控制节点</a:t>
+            </a:r>
             <a:endParaRPr lang="en-US" altLang="zh-CN" dirty="0">
               <a:solidFill>
                 <a:srgbClr val="333333"/>
@@ -5993,98 +9359,844 @@
               <a:latin typeface="PingFang SC"/>
             </a:endParaRPr>
           </a:p>
+          <a:p>
+            <a:pPr lvl="1"/>
+            <a:r>
+              <a:rPr lang="en-US" altLang="zh-CN" dirty="0" err="1">
+                <a:solidFill>
+                  <a:srgbClr val="333333"/>
+                </a:solidFill>
+                <a:latin typeface="PingFang SC"/>
+              </a:rPr>
+              <a:t>Kube-apiserver</a:t>
+            </a:r>
+            <a:r>
+              <a:rPr lang="zh-CN" altLang="en-US" dirty="0">
+                <a:solidFill>
+                  <a:srgbClr val="333333"/>
+                </a:solidFill>
+                <a:latin typeface="PingFang SC"/>
+              </a:rPr>
+              <a:t>：负责</a:t>
+            </a:r>
+            <a:r>
+              <a:rPr lang="en-US" altLang="zh-CN" dirty="0" err="1">
+                <a:solidFill>
+                  <a:srgbClr val="333333"/>
+                </a:solidFill>
+                <a:latin typeface="PingFang SC"/>
+              </a:rPr>
+              <a:t>api</a:t>
+            </a:r>
+            <a:r>
+              <a:rPr lang="zh-CN" altLang="en-US" dirty="0">
+                <a:solidFill>
+                  <a:srgbClr val="333333"/>
+                </a:solidFill>
+                <a:latin typeface="PingFang SC"/>
+              </a:rPr>
+              <a:t>服务</a:t>
+            </a:r>
+            <a:endParaRPr lang="en-US" altLang="zh-CN" dirty="0">
+              <a:solidFill>
+                <a:srgbClr val="333333"/>
+              </a:solidFill>
+              <a:latin typeface="PingFang SC"/>
+            </a:endParaRPr>
+          </a:p>
+          <a:p>
+            <a:pPr lvl="1"/>
+            <a:r>
+              <a:rPr lang="en-US" altLang="zh-CN" dirty="0" err="1">
+                <a:solidFill>
+                  <a:srgbClr val="333333"/>
+                </a:solidFill>
+                <a:latin typeface="PingFang SC"/>
+              </a:rPr>
+              <a:t>Kube</a:t>
+            </a:r>
+            <a:r>
+              <a:rPr lang="en-US" altLang="zh-CN" dirty="0">
+                <a:solidFill>
+                  <a:srgbClr val="333333"/>
+                </a:solidFill>
+                <a:latin typeface="PingFang SC"/>
+              </a:rPr>
+              <a:t>-scheduler</a:t>
+            </a:r>
+            <a:r>
+              <a:rPr lang="zh-CN" altLang="en-US" dirty="0">
+                <a:solidFill>
+                  <a:srgbClr val="333333"/>
+                </a:solidFill>
+                <a:latin typeface="PingFang SC"/>
+              </a:rPr>
+              <a:t>：负责调度</a:t>
+            </a:r>
+            <a:endParaRPr lang="en-US" altLang="zh-CN" dirty="0">
+              <a:solidFill>
+                <a:srgbClr val="333333"/>
+              </a:solidFill>
+              <a:latin typeface="PingFang SC"/>
+            </a:endParaRPr>
+          </a:p>
+          <a:p>
+            <a:pPr lvl="1"/>
+            <a:r>
+              <a:rPr lang="en-US" altLang="zh-CN" dirty="0" err="1">
+                <a:solidFill>
+                  <a:srgbClr val="333333"/>
+                </a:solidFill>
+                <a:latin typeface="PingFang SC"/>
+              </a:rPr>
+              <a:t>Kube</a:t>
+            </a:r>
+            <a:r>
+              <a:rPr lang="en-US" altLang="zh-CN" dirty="0">
+                <a:solidFill>
+                  <a:srgbClr val="333333"/>
+                </a:solidFill>
+                <a:latin typeface="PingFang SC"/>
+              </a:rPr>
+              <a:t>-controller-manager:</a:t>
+            </a:r>
+            <a:r>
+              <a:rPr lang="zh-CN" altLang="en-US" dirty="0">
+                <a:solidFill>
+                  <a:srgbClr val="333333"/>
+                </a:solidFill>
+                <a:latin typeface="PingFang SC"/>
+              </a:rPr>
+              <a:t>负责容器编排</a:t>
+            </a:r>
+            <a:endParaRPr lang="en-US" altLang="zh-CN" dirty="0">
+              <a:solidFill>
+                <a:srgbClr val="333333"/>
+              </a:solidFill>
+              <a:latin typeface="PingFang SC"/>
+            </a:endParaRPr>
+          </a:p>
+          <a:p>
+            <a:pPr lvl="1"/>
+            <a:endParaRPr lang="en-US" altLang="zh-CN" dirty="0">
+              <a:solidFill>
+                <a:srgbClr val="333333"/>
+              </a:solidFill>
+              <a:latin typeface="PingFang SC"/>
+            </a:endParaRPr>
+          </a:p>
+          <a:p>
+            <a:pPr lvl="1"/>
+            <a:r>
+              <a:rPr lang="en-US" altLang="zh-CN" dirty="0" err="1">
+                <a:solidFill>
+                  <a:srgbClr val="333333"/>
+                </a:solidFill>
+                <a:latin typeface="PingFang SC"/>
+              </a:rPr>
+              <a:t>Etcd</a:t>
+            </a:r>
+            <a:r>
+              <a:rPr lang="zh-CN" altLang="en-US" dirty="0">
+                <a:solidFill>
+                  <a:srgbClr val="333333"/>
+                </a:solidFill>
+                <a:latin typeface="PingFang SC"/>
+              </a:rPr>
+              <a:t>：负责处理</a:t>
+            </a:r>
+            <a:r>
+              <a:rPr lang="en-US" altLang="zh-CN" dirty="0" err="1">
+                <a:solidFill>
+                  <a:srgbClr val="333333"/>
+                </a:solidFill>
+                <a:latin typeface="PingFang SC"/>
+              </a:rPr>
+              <a:t>kube-apiserver</a:t>
+            </a:r>
+            <a:r>
+              <a:rPr lang="zh-CN" altLang="en-US" dirty="0">
+                <a:solidFill>
+                  <a:srgbClr val="333333"/>
+                </a:solidFill>
+                <a:latin typeface="PingFang SC"/>
+              </a:rPr>
+              <a:t>处理后持久化数据</a:t>
+            </a:r>
+            <a:endParaRPr lang="en-US" altLang="zh-CN" dirty="0">
+              <a:solidFill>
+                <a:srgbClr val="333333"/>
+              </a:solidFill>
+              <a:latin typeface="PingFang SC"/>
+            </a:endParaRPr>
+          </a:p>
+          <a:p>
+            <a:r>
+              <a:rPr lang="en-US" altLang="zh-CN" dirty="0">
+                <a:solidFill>
+                  <a:srgbClr val="333333"/>
+                </a:solidFill>
+                <a:latin typeface="PingFang SC"/>
+              </a:rPr>
+              <a:t>Node</a:t>
+            </a:r>
+            <a:r>
+              <a:rPr lang="zh-CN" altLang="en-US" dirty="0">
+                <a:solidFill>
+                  <a:srgbClr val="333333"/>
+                </a:solidFill>
+                <a:latin typeface="PingFang SC"/>
+              </a:rPr>
+              <a:t>：计算节点</a:t>
+            </a:r>
+            <a:endParaRPr lang="en-US" altLang="zh-CN" dirty="0">
+              <a:solidFill>
+                <a:srgbClr val="333333"/>
+              </a:solidFill>
+              <a:latin typeface="PingFang SC"/>
+            </a:endParaRPr>
+          </a:p>
+          <a:p>
+            <a:pPr lvl="1"/>
+            <a:r>
+              <a:rPr lang="en-US" altLang="zh-CN" b="0" i="0" dirty="0" err="1">
+                <a:solidFill>
+                  <a:srgbClr val="333333"/>
+                </a:solidFill>
+                <a:effectLst/>
+                <a:latin typeface="PingFang SC"/>
+              </a:rPr>
+              <a:t>kube</a:t>
+            </a:r>
+            <a:r>
+              <a:rPr lang="en-US" altLang="zh-CN" dirty="0" err="1">
+                <a:solidFill>
+                  <a:srgbClr val="333333"/>
+                </a:solidFill>
+                <a:latin typeface="PingFang SC"/>
+              </a:rPr>
+              <a:t>let</a:t>
+            </a:r>
+            <a:r>
+              <a:rPr lang="zh-CN" altLang="en-US" dirty="0">
+                <a:solidFill>
+                  <a:srgbClr val="333333"/>
+                </a:solidFill>
+                <a:latin typeface="PingFang SC"/>
+              </a:rPr>
+              <a:t>：负责通过</a:t>
+            </a:r>
+            <a:r>
+              <a:rPr lang="en-US" altLang="zh-CN" dirty="0">
+                <a:solidFill>
+                  <a:srgbClr val="333333"/>
+                </a:solidFill>
+                <a:latin typeface="PingFang SC"/>
+              </a:rPr>
+              <a:t>CRI</a:t>
+            </a:r>
+            <a:r>
+              <a:rPr lang="zh-CN" altLang="en-US" dirty="0">
+                <a:solidFill>
+                  <a:srgbClr val="333333"/>
+                </a:solidFill>
+                <a:latin typeface="PingFang SC"/>
+              </a:rPr>
+              <a:t>（</a:t>
+            </a:r>
+            <a:r>
+              <a:rPr lang="en-US" altLang="zh-CN" dirty="0">
+                <a:solidFill>
+                  <a:srgbClr val="333333"/>
+                </a:solidFill>
+                <a:latin typeface="PingFang SC"/>
+              </a:rPr>
+              <a:t>Container Runtime Interface</a:t>
+            </a:r>
+            <a:r>
+              <a:rPr lang="zh-CN" altLang="en-US" dirty="0">
+                <a:solidFill>
+                  <a:srgbClr val="333333"/>
+                </a:solidFill>
+                <a:latin typeface="PingFang SC"/>
+              </a:rPr>
+              <a:t>）同容器运行时打交道，</a:t>
+            </a:r>
+            <a:r>
+              <a:rPr lang="en-US" altLang="zh-CN" dirty="0" err="1">
+                <a:solidFill>
+                  <a:srgbClr val="333333"/>
+                </a:solidFill>
+                <a:latin typeface="PingFang SC"/>
+              </a:rPr>
+              <a:t>OCI</a:t>
+            </a:r>
+            <a:r>
+              <a:rPr lang="zh-CN" altLang="en-US" dirty="0">
+                <a:solidFill>
+                  <a:srgbClr val="333333"/>
+                </a:solidFill>
+                <a:latin typeface="PingFang SC"/>
+              </a:rPr>
+              <a:t>把</a:t>
+            </a:r>
+            <a:r>
+              <a:rPr lang="en-US" altLang="zh-CN" dirty="0">
+                <a:solidFill>
+                  <a:srgbClr val="333333"/>
+                </a:solidFill>
+                <a:latin typeface="PingFang SC"/>
+              </a:rPr>
+              <a:t>CRI</a:t>
+            </a:r>
+            <a:r>
+              <a:rPr lang="zh-CN" altLang="en-US" dirty="0">
+                <a:solidFill>
+                  <a:srgbClr val="333333"/>
+                </a:solidFill>
+                <a:latin typeface="PingFang SC"/>
+              </a:rPr>
+              <a:t>请求转换成对</a:t>
+            </a:r>
+            <a:r>
+              <a:rPr lang="en-US" altLang="zh-CN" dirty="0">
+                <a:solidFill>
+                  <a:srgbClr val="333333"/>
+                </a:solidFill>
+                <a:latin typeface="PingFang SC"/>
+              </a:rPr>
+              <a:t>Linux</a:t>
+            </a:r>
+            <a:r>
+              <a:rPr lang="zh-CN" altLang="en-US" dirty="0">
+                <a:solidFill>
+                  <a:srgbClr val="333333"/>
+                </a:solidFill>
+                <a:latin typeface="PingFang SC"/>
+              </a:rPr>
+              <a:t>操作系统的调用，</a:t>
+            </a:r>
+            <a:r>
+              <a:rPr lang="en-US" altLang="zh-CN" dirty="0" err="1">
+                <a:solidFill>
+                  <a:srgbClr val="333333"/>
+                </a:solidFill>
+                <a:latin typeface="PingFang SC"/>
+              </a:rPr>
+              <a:t>CNI</a:t>
+            </a:r>
+            <a:r>
+              <a:rPr lang="zh-CN" altLang="en-US" dirty="0">
+                <a:solidFill>
+                  <a:srgbClr val="333333"/>
+                </a:solidFill>
+                <a:latin typeface="PingFang SC"/>
+              </a:rPr>
+              <a:t>（</a:t>
+            </a:r>
+            <a:r>
+              <a:rPr lang="en-US" altLang="zh-CN" dirty="0">
+                <a:solidFill>
+                  <a:srgbClr val="333333"/>
+                </a:solidFill>
+                <a:latin typeface="PingFang SC"/>
+              </a:rPr>
+              <a:t>Container Networking Interface)</a:t>
+            </a:r>
+            <a:r>
+              <a:rPr lang="zh-CN" altLang="en-US" dirty="0">
+                <a:solidFill>
+                  <a:srgbClr val="333333"/>
+                </a:solidFill>
+                <a:latin typeface="PingFang SC"/>
+              </a:rPr>
+              <a:t>配置网络，</a:t>
+            </a:r>
+            <a:r>
+              <a:rPr lang="en-US" altLang="zh-CN" dirty="0">
+                <a:solidFill>
+                  <a:srgbClr val="333333"/>
+                </a:solidFill>
+                <a:latin typeface="PingFang SC"/>
+              </a:rPr>
+              <a:t>CSI</a:t>
+            </a:r>
+            <a:r>
+              <a:rPr lang="zh-CN" altLang="en-US" dirty="0">
+                <a:solidFill>
+                  <a:srgbClr val="333333"/>
+                </a:solidFill>
+                <a:latin typeface="PingFang SC"/>
+              </a:rPr>
+              <a:t>（</a:t>
+            </a:r>
+            <a:r>
+              <a:rPr lang="en-US" altLang="zh-CN" dirty="0">
+                <a:solidFill>
+                  <a:srgbClr val="333333"/>
+                </a:solidFill>
+                <a:latin typeface="PingFang SC"/>
+              </a:rPr>
+              <a:t>Container Storage </a:t>
+            </a:r>
+            <a:r>
+              <a:rPr lang="en-US" altLang="zh-CN" dirty="0" err="1">
+                <a:solidFill>
+                  <a:srgbClr val="333333"/>
+                </a:solidFill>
+                <a:latin typeface="PingFang SC"/>
+              </a:rPr>
+              <a:t>Inferface</a:t>
+            </a:r>
+            <a:r>
+              <a:rPr lang="en-US" altLang="zh-CN" dirty="0">
+                <a:solidFill>
+                  <a:srgbClr val="333333"/>
+                </a:solidFill>
+                <a:latin typeface="PingFang SC"/>
+              </a:rPr>
+              <a:t>)</a:t>
+            </a:r>
+            <a:r>
+              <a:rPr lang="zh-CN" altLang="en-US" dirty="0">
+                <a:solidFill>
+                  <a:srgbClr val="333333"/>
+                </a:solidFill>
+                <a:latin typeface="PingFang SC"/>
+              </a:rPr>
+              <a:t>持久化存储，</a:t>
+            </a:r>
+            <a:r>
+              <a:rPr lang="en-US" altLang="zh-CN" dirty="0" err="1">
+                <a:solidFill>
+                  <a:srgbClr val="333333"/>
+                </a:solidFill>
+                <a:latin typeface="PingFang SC"/>
+              </a:rPr>
+              <a:t>gRPC</a:t>
+            </a:r>
+            <a:r>
+              <a:rPr lang="zh-CN" altLang="en-US" dirty="0">
+                <a:solidFill>
+                  <a:srgbClr val="333333"/>
+                </a:solidFill>
+                <a:latin typeface="PingFang SC"/>
+              </a:rPr>
+              <a:t>是与</a:t>
+            </a:r>
+            <a:r>
+              <a:rPr lang="en-US" altLang="zh-CN" dirty="0">
+                <a:solidFill>
+                  <a:srgbClr val="333333"/>
+                </a:solidFill>
+                <a:latin typeface="PingFang SC"/>
+              </a:rPr>
+              <a:t>Device Plugin</a:t>
+            </a:r>
+            <a:r>
+              <a:rPr lang="zh-CN" altLang="en-US" dirty="0">
+                <a:solidFill>
+                  <a:srgbClr val="333333"/>
+                </a:solidFill>
+                <a:latin typeface="PingFang SC"/>
+              </a:rPr>
+              <a:t>交互，管理</a:t>
+            </a:r>
+            <a:r>
+              <a:rPr lang="en-US" altLang="zh-CN" dirty="0">
+                <a:solidFill>
+                  <a:srgbClr val="333333"/>
+                </a:solidFill>
+                <a:latin typeface="PingFang SC"/>
+              </a:rPr>
+              <a:t>GPU</a:t>
+            </a:r>
+            <a:r>
+              <a:rPr lang="zh-CN" altLang="en-US" dirty="0">
+                <a:solidFill>
+                  <a:srgbClr val="333333"/>
+                </a:solidFill>
+                <a:latin typeface="PingFang SC"/>
+              </a:rPr>
+              <a:t>等宿主机物理设备的组件</a:t>
+            </a:r>
+            <a:endParaRPr lang="en-US" altLang="zh-CN" b="0" i="0" dirty="0">
+              <a:solidFill>
+                <a:srgbClr val="333333"/>
+              </a:solidFill>
+              <a:effectLst/>
+              <a:latin typeface="PingFang SC"/>
+            </a:endParaRPr>
+          </a:p>
+          <a:p>
+            <a:endParaRPr lang="en-US" altLang="zh-CN" b="0" i="0" dirty="0">
+              <a:solidFill>
+                <a:srgbClr val="333333"/>
+              </a:solidFill>
+              <a:effectLst/>
+              <a:latin typeface="PingFang SC"/>
+            </a:endParaRPr>
+          </a:p>
         </p:txBody>
       </p:sp>
-      <p:sp>
-        <p:nvSpPr>
-          <p:cNvPr id="6" name="矩形 5">
+    </p:spTree>
+    <p:extLst>
+      <p:ext uri="{BB962C8B-B14F-4D97-AF65-F5344CB8AC3E}">
+        <p14:creationId xmlns:p14="http://schemas.microsoft.com/office/powerpoint/2010/main" val="4238473842"/>
+      </p:ext>
+    </p:extLst>
+  </p:cSld>
+  <p:clrMapOvr>
+    <a:masterClrMapping/>
+  </p:clrMapOvr>
+</p:sld>
+</file>
+
+<file path=ppt/slides/slide16.xml><?xml version="1.0" encoding="utf-8"?>
+<p:sld xmlns:a="http://schemas.openxmlformats.org/drawingml/2006/main" xmlns:r="http://schemas.openxmlformats.org/officeDocument/2006/relationships" xmlns:p="http://schemas.openxmlformats.org/presentationml/2006/main">
+  <p:cSld>
+    <p:spTree>
+      <p:nvGrpSpPr>
+        <p:cNvPr id="1" name=""/>
+        <p:cNvGrpSpPr/>
+        <p:nvPr/>
+      </p:nvGrpSpPr>
+      <p:grpSpPr>
+        <a:xfrm>
+          <a:off x="0" y="0"/>
+          <a:ext cx="0" cy="0"/>
+          <a:chOff x="0" y="0"/>
+          <a:chExt cx="0" cy="0"/>
+        </a:xfrm>
+      </p:grpSpPr>
+      <p:pic>
+        <p:nvPicPr>
+          <p:cNvPr id="3" name="图片 2" descr="图片包含 文字, 地图&#10;&#10;自动生成的说明">
             <a:extLst>
               <a:ext uri="{FF2B5EF4-FFF2-40B4-BE49-F238E27FC236}">
-                <a16:creationId xmlns:a16="http://schemas.microsoft.com/office/drawing/2014/main" id="{463DC33F-044B-4AE4-A258-58C1E8E687A8}"/>
+                <a16:creationId xmlns:a16="http://schemas.microsoft.com/office/drawing/2014/main" id="{7DD7E735-F0C9-4629-A3B3-BE192B7128D2}"/>
               </a:ext>
             </a:extLst>
           </p:cNvPr>
-          <p:cNvSpPr/>
+          <p:cNvPicPr>
+            <a:picLocks noChangeAspect="1"/>
+          </p:cNvPicPr>
           <p:nvPr/>
-        </p:nvSpPr>
+        </p:nvPicPr>
+        <p:blipFill>
+          <a:blip r:embed="rId3">
+            <a:extLst>
+              <a:ext uri="{28A0092B-C50C-407E-A947-70E740481C1C}">
+                <a14:useLocalDpi xmlns:a14="http://schemas.microsoft.com/office/drawing/2010/main" val="0"/>
+              </a:ext>
+            </a:extLst>
+          </a:blip>
+          <a:stretch>
+            <a:fillRect/>
+          </a:stretch>
+        </p:blipFill>
         <p:spPr>
           <a:xfrm>
-            <a:off x="1059403" y="4800968"/>
-            <a:ext cx="9997804" cy="923330"/>
+            <a:off x="1504115" y="1152710"/>
+            <a:ext cx="9408648" cy="4787027"/>
           </a:xfrm>
           <a:prstGeom prst="rect">
             <a:avLst/>
           </a:prstGeom>
         </p:spPr>
+      </p:pic>
+    </p:spTree>
+    <p:extLst>
+      <p:ext uri="{BB962C8B-B14F-4D97-AF65-F5344CB8AC3E}">
+        <p14:creationId xmlns:p14="http://schemas.microsoft.com/office/powerpoint/2010/main" val="2130290802"/>
+      </p:ext>
+    </p:extLst>
+  </p:cSld>
+  <p:clrMapOvr>
+    <a:masterClrMapping/>
+  </p:clrMapOvr>
+</p:sld>
+</file>
+
+<file path=ppt/slides/slide17.xml><?xml version="1.0" encoding="utf-8"?>
+<p:sld xmlns:a="http://schemas.openxmlformats.org/drawingml/2006/main" xmlns:r="http://schemas.openxmlformats.org/officeDocument/2006/relationships" xmlns:p="http://schemas.openxmlformats.org/presentationml/2006/main">
+  <p:cSld>
+    <p:spTree>
+      <p:nvGrpSpPr>
+        <p:cNvPr id="1" name=""/>
+        <p:cNvGrpSpPr/>
+        <p:nvPr/>
+      </p:nvGrpSpPr>
+      <p:grpSpPr>
+        <a:xfrm>
+          <a:off x="0" y="0"/>
+          <a:ext cx="0" cy="0"/>
+          <a:chOff x="0" y="0"/>
+          <a:chExt cx="0" cy="0"/>
+        </a:xfrm>
+      </p:grpSpPr>
+      <p:sp>
+        <p:nvSpPr>
+          <p:cNvPr id="2" name="标题 1">
+            <a:extLst>
+              <a:ext uri="{FF2B5EF4-FFF2-40B4-BE49-F238E27FC236}">
+                <a16:creationId xmlns:a16="http://schemas.microsoft.com/office/drawing/2014/main" id="{EAE9FAA8-C318-4695-A8C8-CA1E97AE07C6}"/>
+              </a:ext>
+            </a:extLst>
+          </p:cNvPr>
+          <p:cNvSpPr>
+            <a:spLocks noGrp="1"/>
+          </p:cNvSpPr>
+          <p:nvPr>
+            <p:ph type="title"/>
+          </p:nvPr>
+        </p:nvSpPr>
+        <p:spPr>
+          <a:xfrm>
+            <a:off x="838200" y="365126"/>
+            <a:ext cx="10515600" cy="644968"/>
+          </a:xfrm>
+        </p:spPr>
         <p:txBody>
-          <a:bodyPr wrap="square">
-            <a:spAutoFit/>
+          <a:bodyPr>
+            <a:normAutofit/>
           </a:bodyPr>
           <a:lstStyle/>
           <a:p>
             <a:r>
-              <a:rPr lang="en-US" altLang="zh-CN" dirty="0"/>
-              <a:t>Operator</a:t>
-            </a:r>
-            <a:r>
-              <a:rPr lang="zh-CN" altLang="en-US" dirty="0"/>
-              <a:t>的工作原理，实际上是利用了</a:t>
-            </a:r>
-            <a:r>
-              <a:rPr lang="en-US" altLang="zh-CN" dirty="0"/>
-              <a:t>Kubernetes</a:t>
-            </a:r>
-            <a:r>
-              <a:rPr lang="zh-CN" altLang="en-US" dirty="0"/>
-              <a:t>的自定义</a:t>
-            </a:r>
-            <a:r>
-              <a:rPr lang="en-US" altLang="zh-CN" dirty="0"/>
-              <a:t>API</a:t>
-            </a:r>
-            <a:r>
-              <a:rPr lang="zh-CN" altLang="en-US" dirty="0"/>
-              <a:t>资源（</a:t>
-            </a:r>
-            <a:r>
-              <a:rPr lang="en-US" altLang="zh-CN" dirty="0" err="1"/>
-              <a:t>CRD</a:t>
-            </a:r>
-            <a:r>
-              <a:rPr lang="zh-CN" altLang="en-US" dirty="0"/>
-              <a:t>）</a:t>
-            </a:r>
-            <a:r>
-              <a:rPr lang="en-US" altLang="zh-CN" dirty="0"/>
-              <a:t>,</a:t>
-            </a:r>
-            <a:r>
-              <a:rPr lang="zh-CN" altLang="en-US" dirty="0"/>
-              <a:t>来描述我们想要部署的</a:t>
-            </a:r>
-            <a:r>
-              <a:rPr lang="zh-CN" altLang="en-US"/>
-              <a:t>“有状态应用”；然后</a:t>
-            </a:r>
-            <a:r>
-              <a:rPr lang="zh-CN" altLang="en-US" dirty="0"/>
-              <a:t>在自定义控制器里，根据自定义</a:t>
-            </a:r>
-            <a:r>
-              <a:rPr lang="en-US" altLang="zh-CN" dirty="0"/>
-              <a:t>API</a:t>
-            </a:r>
-            <a:r>
-              <a:rPr lang="zh-CN" altLang="en-US" dirty="0"/>
-              <a:t>对象的变化，来完成具体的部署和运维工作</a:t>
-            </a:r>
+              <a:rPr lang="en-US" altLang="zh-CN" sz="3000" dirty="0"/>
+              <a:t>Pod</a:t>
+            </a:r>
+            <a:endParaRPr lang="zh-CN" altLang="en-US" sz="3000" dirty="0"/>
+          </a:p>
+        </p:txBody>
+      </p:sp>
+      <p:sp>
+        <p:nvSpPr>
+          <p:cNvPr id="3" name="内容占位符 2">
+            <a:extLst>
+              <a:ext uri="{FF2B5EF4-FFF2-40B4-BE49-F238E27FC236}">
+                <a16:creationId xmlns:a16="http://schemas.microsoft.com/office/drawing/2014/main" id="{6CA78E39-E363-42D1-BE9D-BB96C903EDB2}"/>
+              </a:ext>
+            </a:extLst>
+          </p:cNvPr>
+          <p:cNvSpPr>
+            <a:spLocks noGrp="1"/>
+          </p:cNvSpPr>
+          <p:nvPr>
+            <p:ph idx="1"/>
+          </p:nvPr>
+        </p:nvSpPr>
+        <p:spPr>
+          <a:xfrm>
+            <a:off x="838200" y="1010094"/>
+            <a:ext cx="10515600" cy="5166869"/>
+          </a:xfrm>
+        </p:spPr>
+        <p:txBody>
+          <a:bodyPr/>
+          <a:lstStyle/>
+          <a:p>
+            <a:endParaRPr lang="zh-CN" altLang="en-US" dirty="0"/>
           </a:p>
         </p:txBody>
       </p:sp>
     </p:spTree>
     <p:extLst>
       <p:ext uri="{BB962C8B-B14F-4D97-AF65-F5344CB8AC3E}">
-        <p14:creationId xmlns:p14="http://schemas.microsoft.com/office/powerpoint/2010/main" val="116615380"/>
+        <p14:creationId xmlns:p14="http://schemas.microsoft.com/office/powerpoint/2010/main" val="2103957857"/>
+      </p:ext>
+    </p:extLst>
+  </p:cSld>
+  <p:clrMapOvr>
+    <a:masterClrMapping/>
+  </p:clrMapOvr>
+</p:sld>
+</file>
+
+<file path=ppt/slides/slide18.xml><?xml version="1.0" encoding="utf-8"?>
+<p:sld xmlns:a="http://schemas.openxmlformats.org/drawingml/2006/main" xmlns:r="http://schemas.openxmlformats.org/officeDocument/2006/relationships" xmlns:p="http://schemas.openxmlformats.org/presentationml/2006/main">
+  <p:cSld>
+    <p:spTree>
+      <p:nvGrpSpPr>
+        <p:cNvPr id="1" name=""/>
+        <p:cNvGrpSpPr/>
+        <p:nvPr/>
+      </p:nvGrpSpPr>
+      <p:grpSpPr>
+        <a:xfrm>
+          <a:off x="0" y="0"/>
+          <a:ext cx="0" cy="0"/>
+          <a:chOff x="0" y="0"/>
+          <a:chExt cx="0" cy="0"/>
+        </a:xfrm>
+      </p:grpSpPr>
+      <p:sp>
+        <p:nvSpPr>
+          <p:cNvPr id="2" name="标题 1">
+            <a:extLst>
+              <a:ext uri="{FF2B5EF4-FFF2-40B4-BE49-F238E27FC236}">
+                <a16:creationId xmlns:a16="http://schemas.microsoft.com/office/drawing/2014/main" id="{EAE9FAA8-C318-4695-A8C8-CA1E97AE07C6}"/>
+              </a:ext>
+            </a:extLst>
+          </p:cNvPr>
+          <p:cNvSpPr>
+            <a:spLocks noGrp="1"/>
+          </p:cNvSpPr>
+          <p:nvPr>
+            <p:ph type="title"/>
+          </p:nvPr>
+        </p:nvSpPr>
+        <p:spPr>
+          <a:xfrm>
+            <a:off x="838200" y="365126"/>
+            <a:ext cx="10515600" cy="644968"/>
+          </a:xfrm>
+        </p:spPr>
+        <p:txBody>
+          <a:bodyPr>
+            <a:normAutofit/>
+          </a:bodyPr>
+          <a:lstStyle/>
+          <a:p>
+            <a:r>
+              <a:rPr lang="en-US" altLang="zh-CN" sz="3000" dirty="0" err="1"/>
+              <a:t>CronJob</a:t>
+            </a:r>
+            <a:endParaRPr lang="zh-CN" altLang="en-US" sz="3000" dirty="0"/>
+          </a:p>
+        </p:txBody>
+      </p:sp>
+      <p:sp>
+        <p:nvSpPr>
+          <p:cNvPr id="3" name="内容占位符 2">
+            <a:extLst>
+              <a:ext uri="{FF2B5EF4-FFF2-40B4-BE49-F238E27FC236}">
+                <a16:creationId xmlns:a16="http://schemas.microsoft.com/office/drawing/2014/main" id="{6CA78E39-E363-42D1-BE9D-BB96C903EDB2}"/>
+              </a:ext>
+            </a:extLst>
+          </p:cNvPr>
+          <p:cNvSpPr>
+            <a:spLocks noGrp="1"/>
+          </p:cNvSpPr>
+          <p:nvPr>
+            <p:ph idx="1"/>
+          </p:nvPr>
+        </p:nvSpPr>
+        <p:spPr>
+          <a:xfrm>
+            <a:off x="838200" y="1010094"/>
+            <a:ext cx="10515600" cy="5166869"/>
+          </a:xfrm>
+        </p:spPr>
+        <p:txBody>
+          <a:bodyPr/>
+          <a:lstStyle/>
+          <a:p>
+            <a:endParaRPr lang="zh-CN" altLang="en-US" dirty="0"/>
+          </a:p>
+        </p:txBody>
+      </p:sp>
+    </p:spTree>
+    <p:extLst>
+      <p:ext uri="{BB962C8B-B14F-4D97-AF65-F5344CB8AC3E}">
+        <p14:creationId xmlns:p14="http://schemas.microsoft.com/office/powerpoint/2010/main" val="3892234774"/>
+      </p:ext>
+    </p:extLst>
+  </p:cSld>
+  <p:clrMapOvr>
+    <a:masterClrMapping/>
+  </p:clrMapOvr>
+</p:sld>
+</file>
+
+<file path=ppt/slides/slide19.xml><?xml version="1.0" encoding="utf-8"?>
+<p:sld xmlns:a="http://schemas.openxmlformats.org/drawingml/2006/main" xmlns:r="http://schemas.openxmlformats.org/officeDocument/2006/relationships" xmlns:p="http://schemas.openxmlformats.org/presentationml/2006/main">
+  <p:cSld>
+    <p:spTree>
+      <p:nvGrpSpPr>
+        <p:cNvPr id="1" name=""/>
+        <p:cNvGrpSpPr/>
+        <p:nvPr/>
+      </p:nvGrpSpPr>
+      <p:grpSpPr>
+        <a:xfrm>
+          <a:off x="0" y="0"/>
+          <a:ext cx="0" cy="0"/>
+          <a:chOff x="0" y="0"/>
+          <a:chExt cx="0" cy="0"/>
+        </a:xfrm>
+      </p:grpSpPr>
+      <p:sp>
+        <p:nvSpPr>
+          <p:cNvPr id="2" name="标题 1">
+            <a:extLst>
+              <a:ext uri="{FF2B5EF4-FFF2-40B4-BE49-F238E27FC236}">
+                <a16:creationId xmlns:a16="http://schemas.microsoft.com/office/drawing/2014/main" id="{EAE9FAA8-C318-4695-A8C8-CA1E97AE07C6}"/>
+              </a:ext>
+            </a:extLst>
+          </p:cNvPr>
+          <p:cNvSpPr>
+            <a:spLocks noGrp="1"/>
+          </p:cNvSpPr>
+          <p:nvPr>
+            <p:ph type="title"/>
+          </p:nvPr>
+        </p:nvSpPr>
+        <p:spPr>
+          <a:xfrm>
+            <a:off x="838200" y="365126"/>
+            <a:ext cx="10515600" cy="644968"/>
+          </a:xfrm>
+        </p:spPr>
+        <p:txBody>
+          <a:bodyPr>
+            <a:normAutofit/>
+          </a:bodyPr>
+          <a:lstStyle/>
+          <a:p>
+            <a:r>
+              <a:rPr lang="en-US" altLang="zh-CN" sz="3000" dirty="0"/>
+              <a:t>Job</a:t>
+            </a:r>
+            <a:endParaRPr lang="zh-CN" altLang="en-US" sz="3000" dirty="0"/>
+          </a:p>
+        </p:txBody>
+      </p:sp>
+      <p:sp>
+        <p:nvSpPr>
+          <p:cNvPr id="3" name="内容占位符 2">
+            <a:extLst>
+              <a:ext uri="{FF2B5EF4-FFF2-40B4-BE49-F238E27FC236}">
+                <a16:creationId xmlns:a16="http://schemas.microsoft.com/office/drawing/2014/main" id="{6CA78E39-E363-42D1-BE9D-BB96C903EDB2}"/>
+              </a:ext>
+            </a:extLst>
+          </p:cNvPr>
+          <p:cNvSpPr>
+            <a:spLocks noGrp="1"/>
+          </p:cNvSpPr>
+          <p:nvPr>
+            <p:ph idx="1"/>
+          </p:nvPr>
+        </p:nvSpPr>
+        <p:spPr>
+          <a:xfrm>
+            <a:off x="838200" y="1010094"/>
+            <a:ext cx="10515600" cy="5166869"/>
+          </a:xfrm>
+        </p:spPr>
+        <p:txBody>
+          <a:bodyPr/>
+          <a:lstStyle/>
+          <a:p>
+            <a:endParaRPr lang="zh-CN" altLang="en-US" dirty="0"/>
+          </a:p>
+        </p:txBody>
+      </p:sp>
+    </p:spTree>
+    <p:extLst>
+      <p:ext uri="{BB962C8B-B14F-4D97-AF65-F5344CB8AC3E}">
+        <p14:creationId xmlns:p14="http://schemas.microsoft.com/office/powerpoint/2010/main" val="2829438646"/>
       </p:ext>
     </p:extLst>
   </p:cSld>
@@ -6845,6 +10957,1128 @@
 </p:sld>
 </file>
 
+<file path=ppt/slides/slide20.xml><?xml version="1.0" encoding="utf-8"?>
+<p:sld xmlns:a="http://schemas.openxmlformats.org/drawingml/2006/main" xmlns:r="http://schemas.openxmlformats.org/officeDocument/2006/relationships" xmlns:p="http://schemas.openxmlformats.org/presentationml/2006/main">
+  <p:cSld>
+    <p:spTree>
+      <p:nvGrpSpPr>
+        <p:cNvPr id="1" name=""/>
+        <p:cNvGrpSpPr/>
+        <p:nvPr/>
+      </p:nvGrpSpPr>
+      <p:grpSpPr>
+        <a:xfrm>
+          <a:off x="0" y="0"/>
+          <a:ext cx="0" cy="0"/>
+          <a:chOff x="0" y="0"/>
+          <a:chExt cx="0" cy="0"/>
+        </a:xfrm>
+      </p:grpSpPr>
+      <p:sp>
+        <p:nvSpPr>
+          <p:cNvPr id="2" name="标题 1">
+            <a:extLst>
+              <a:ext uri="{FF2B5EF4-FFF2-40B4-BE49-F238E27FC236}">
+                <a16:creationId xmlns:a16="http://schemas.microsoft.com/office/drawing/2014/main" id="{EAE9FAA8-C318-4695-A8C8-CA1E97AE07C6}"/>
+              </a:ext>
+            </a:extLst>
+          </p:cNvPr>
+          <p:cNvSpPr>
+            <a:spLocks noGrp="1"/>
+          </p:cNvSpPr>
+          <p:nvPr>
+            <p:ph type="title"/>
+          </p:nvPr>
+        </p:nvSpPr>
+        <p:spPr>
+          <a:xfrm>
+            <a:off x="838200" y="365126"/>
+            <a:ext cx="10515600" cy="644968"/>
+          </a:xfrm>
+        </p:spPr>
+        <p:txBody>
+          <a:bodyPr>
+            <a:normAutofit/>
+          </a:bodyPr>
+          <a:lstStyle/>
+          <a:p>
+            <a:r>
+              <a:rPr lang="en-US" altLang="zh-CN" sz="3000" dirty="0" err="1"/>
+              <a:t>HorizontalPodAutoscaler</a:t>
+            </a:r>
+            <a:endParaRPr lang="zh-CN" altLang="en-US" sz="3000" dirty="0"/>
+          </a:p>
+        </p:txBody>
+      </p:sp>
+      <p:sp>
+        <p:nvSpPr>
+          <p:cNvPr id="3" name="内容占位符 2">
+            <a:extLst>
+              <a:ext uri="{FF2B5EF4-FFF2-40B4-BE49-F238E27FC236}">
+                <a16:creationId xmlns:a16="http://schemas.microsoft.com/office/drawing/2014/main" id="{6CA78E39-E363-42D1-BE9D-BB96C903EDB2}"/>
+              </a:ext>
+            </a:extLst>
+          </p:cNvPr>
+          <p:cNvSpPr>
+            <a:spLocks noGrp="1"/>
+          </p:cNvSpPr>
+          <p:nvPr>
+            <p:ph idx="1"/>
+          </p:nvPr>
+        </p:nvSpPr>
+        <p:spPr>
+          <a:xfrm>
+            <a:off x="838200" y="1010094"/>
+            <a:ext cx="10515600" cy="5166869"/>
+          </a:xfrm>
+        </p:spPr>
+        <p:txBody>
+          <a:bodyPr/>
+          <a:lstStyle/>
+          <a:p>
+            <a:endParaRPr lang="zh-CN" altLang="en-US" dirty="0"/>
+          </a:p>
+        </p:txBody>
+      </p:sp>
+    </p:spTree>
+    <p:extLst>
+      <p:ext uri="{BB962C8B-B14F-4D97-AF65-F5344CB8AC3E}">
+        <p14:creationId xmlns:p14="http://schemas.microsoft.com/office/powerpoint/2010/main" val="3680961571"/>
+      </p:ext>
+    </p:extLst>
+  </p:cSld>
+  <p:clrMapOvr>
+    <a:masterClrMapping/>
+  </p:clrMapOvr>
+</p:sld>
+</file>
+
+<file path=ppt/slides/slide21.xml><?xml version="1.0" encoding="utf-8"?>
+<p:sld xmlns:a="http://schemas.openxmlformats.org/drawingml/2006/main" xmlns:r="http://schemas.openxmlformats.org/officeDocument/2006/relationships" xmlns:p="http://schemas.openxmlformats.org/presentationml/2006/main">
+  <p:cSld>
+    <p:spTree>
+      <p:nvGrpSpPr>
+        <p:cNvPr id="1" name=""/>
+        <p:cNvGrpSpPr/>
+        <p:nvPr/>
+      </p:nvGrpSpPr>
+      <p:grpSpPr>
+        <a:xfrm>
+          <a:off x="0" y="0"/>
+          <a:ext cx="0" cy="0"/>
+          <a:chOff x="0" y="0"/>
+          <a:chExt cx="0" cy="0"/>
+        </a:xfrm>
+      </p:grpSpPr>
+      <p:sp>
+        <p:nvSpPr>
+          <p:cNvPr id="2" name="标题 1">
+            <a:extLst>
+              <a:ext uri="{FF2B5EF4-FFF2-40B4-BE49-F238E27FC236}">
+                <a16:creationId xmlns:a16="http://schemas.microsoft.com/office/drawing/2014/main" id="{EAE9FAA8-C318-4695-A8C8-CA1E97AE07C6}"/>
+              </a:ext>
+            </a:extLst>
+          </p:cNvPr>
+          <p:cNvSpPr>
+            <a:spLocks noGrp="1"/>
+          </p:cNvSpPr>
+          <p:nvPr>
+            <p:ph type="title"/>
+          </p:nvPr>
+        </p:nvSpPr>
+        <p:spPr>
+          <a:xfrm>
+            <a:off x="838200" y="365126"/>
+            <a:ext cx="10515600" cy="644968"/>
+          </a:xfrm>
+        </p:spPr>
+        <p:txBody>
+          <a:bodyPr>
+            <a:normAutofit/>
+          </a:bodyPr>
+          <a:lstStyle/>
+          <a:p>
+            <a:r>
+              <a:rPr lang="en-US" altLang="zh-CN" sz="3000" dirty="0" err="1"/>
+              <a:t>ConfigMap</a:t>
+            </a:r>
+            <a:endParaRPr lang="zh-CN" altLang="en-US" sz="3000" dirty="0"/>
+          </a:p>
+        </p:txBody>
+      </p:sp>
+      <p:sp>
+        <p:nvSpPr>
+          <p:cNvPr id="3" name="内容占位符 2">
+            <a:extLst>
+              <a:ext uri="{FF2B5EF4-FFF2-40B4-BE49-F238E27FC236}">
+                <a16:creationId xmlns:a16="http://schemas.microsoft.com/office/drawing/2014/main" id="{6CA78E39-E363-42D1-BE9D-BB96C903EDB2}"/>
+              </a:ext>
+            </a:extLst>
+          </p:cNvPr>
+          <p:cNvSpPr>
+            <a:spLocks noGrp="1"/>
+          </p:cNvSpPr>
+          <p:nvPr>
+            <p:ph idx="1"/>
+          </p:nvPr>
+        </p:nvSpPr>
+        <p:spPr>
+          <a:xfrm>
+            <a:off x="838200" y="1010094"/>
+            <a:ext cx="10515600" cy="5166869"/>
+          </a:xfrm>
+        </p:spPr>
+        <p:txBody>
+          <a:bodyPr/>
+          <a:lstStyle/>
+          <a:p>
+            <a:endParaRPr lang="zh-CN" altLang="en-US" dirty="0"/>
+          </a:p>
+        </p:txBody>
+      </p:sp>
+    </p:spTree>
+    <p:extLst>
+      <p:ext uri="{BB962C8B-B14F-4D97-AF65-F5344CB8AC3E}">
+        <p14:creationId xmlns:p14="http://schemas.microsoft.com/office/powerpoint/2010/main" val="27142358"/>
+      </p:ext>
+    </p:extLst>
+  </p:cSld>
+  <p:clrMapOvr>
+    <a:masterClrMapping/>
+  </p:clrMapOvr>
+</p:sld>
+</file>
+
+<file path=ppt/slides/slide22.xml><?xml version="1.0" encoding="utf-8"?>
+<p:sld xmlns:a="http://schemas.openxmlformats.org/drawingml/2006/main" xmlns:r="http://schemas.openxmlformats.org/officeDocument/2006/relationships" xmlns:p="http://schemas.openxmlformats.org/presentationml/2006/main">
+  <p:cSld>
+    <p:spTree>
+      <p:nvGrpSpPr>
+        <p:cNvPr id="1" name=""/>
+        <p:cNvGrpSpPr/>
+        <p:nvPr/>
+      </p:nvGrpSpPr>
+      <p:grpSpPr>
+        <a:xfrm>
+          <a:off x="0" y="0"/>
+          <a:ext cx="0" cy="0"/>
+          <a:chOff x="0" y="0"/>
+          <a:chExt cx="0" cy="0"/>
+        </a:xfrm>
+      </p:grpSpPr>
+      <p:sp>
+        <p:nvSpPr>
+          <p:cNvPr id="2" name="标题 1">
+            <a:extLst>
+              <a:ext uri="{FF2B5EF4-FFF2-40B4-BE49-F238E27FC236}">
+                <a16:creationId xmlns:a16="http://schemas.microsoft.com/office/drawing/2014/main" id="{EAE9FAA8-C318-4695-A8C8-CA1E97AE07C6}"/>
+              </a:ext>
+            </a:extLst>
+          </p:cNvPr>
+          <p:cNvSpPr>
+            <a:spLocks noGrp="1"/>
+          </p:cNvSpPr>
+          <p:nvPr>
+            <p:ph type="title"/>
+          </p:nvPr>
+        </p:nvSpPr>
+        <p:spPr>
+          <a:xfrm>
+            <a:off x="838200" y="365126"/>
+            <a:ext cx="10515600" cy="644968"/>
+          </a:xfrm>
+        </p:spPr>
+        <p:txBody>
+          <a:bodyPr>
+            <a:normAutofit/>
+          </a:bodyPr>
+          <a:lstStyle/>
+          <a:p>
+            <a:r>
+              <a:rPr lang="en-US" altLang="zh-CN" sz="3000" dirty="0"/>
+              <a:t>Secret</a:t>
+            </a:r>
+            <a:endParaRPr lang="zh-CN" altLang="en-US" sz="3000" dirty="0"/>
+          </a:p>
+        </p:txBody>
+      </p:sp>
+      <p:sp>
+        <p:nvSpPr>
+          <p:cNvPr id="3" name="内容占位符 2">
+            <a:extLst>
+              <a:ext uri="{FF2B5EF4-FFF2-40B4-BE49-F238E27FC236}">
+                <a16:creationId xmlns:a16="http://schemas.microsoft.com/office/drawing/2014/main" id="{6CA78E39-E363-42D1-BE9D-BB96C903EDB2}"/>
+              </a:ext>
+            </a:extLst>
+          </p:cNvPr>
+          <p:cNvSpPr>
+            <a:spLocks noGrp="1"/>
+          </p:cNvSpPr>
+          <p:nvPr>
+            <p:ph idx="1"/>
+          </p:nvPr>
+        </p:nvSpPr>
+        <p:spPr>
+          <a:xfrm>
+            <a:off x="838200" y="1010094"/>
+            <a:ext cx="10515600" cy="5166869"/>
+          </a:xfrm>
+        </p:spPr>
+        <p:txBody>
+          <a:bodyPr/>
+          <a:lstStyle/>
+          <a:p>
+            <a:endParaRPr lang="zh-CN" altLang="en-US" dirty="0"/>
+          </a:p>
+        </p:txBody>
+      </p:sp>
+    </p:spTree>
+    <p:extLst>
+      <p:ext uri="{BB962C8B-B14F-4D97-AF65-F5344CB8AC3E}">
+        <p14:creationId xmlns:p14="http://schemas.microsoft.com/office/powerpoint/2010/main" val="683582217"/>
+      </p:ext>
+    </p:extLst>
+  </p:cSld>
+  <p:clrMapOvr>
+    <a:masterClrMapping/>
+  </p:clrMapOvr>
+</p:sld>
+</file>
+
+<file path=ppt/slides/slide23.xml><?xml version="1.0" encoding="utf-8"?>
+<p:sld xmlns:a="http://schemas.openxmlformats.org/drawingml/2006/main" xmlns:r="http://schemas.openxmlformats.org/officeDocument/2006/relationships" xmlns:p="http://schemas.openxmlformats.org/presentationml/2006/main">
+  <p:cSld>
+    <p:spTree>
+      <p:nvGrpSpPr>
+        <p:cNvPr id="1" name=""/>
+        <p:cNvGrpSpPr/>
+        <p:nvPr/>
+      </p:nvGrpSpPr>
+      <p:grpSpPr>
+        <a:xfrm>
+          <a:off x="0" y="0"/>
+          <a:ext cx="0" cy="0"/>
+          <a:chOff x="0" y="0"/>
+          <a:chExt cx="0" cy="0"/>
+        </a:xfrm>
+      </p:grpSpPr>
+      <p:sp>
+        <p:nvSpPr>
+          <p:cNvPr id="2" name="标题 1">
+            <a:extLst>
+              <a:ext uri="{FF2B5EF4-FFF2-40B4-BE49-F238E27FC236}">
+                <a16:creationId xmlns:a16="http://schemas.microsoft.com/office/drawing/2014/main" id="{EAE9FAA8-C318-4695-A8C8-CA1E97AE07C6}"/>
+              </a:ext>
+            </a:extLst>
+          </p:cNvPr>
+          <p:cNvSpPr>
+            <a:spLocks noGrp="1"/>
+          </p:cNvSpPr>
+          <p:nvPr>
+            <p:ph type="title"/>
+          </p:nvPr>
+        </p:nvSpPr>
+        <p:spPr>
+          <a:xfrm>
+            <a:off x="838200" y="365126"/>
+            <a:ext cx="10515600" cy="644968"/>
+          </a:xfrm>
+        </p:spPr>
+        <p:txBody>
+          <a:bodyPr>
+            <a:normAutofit/>
+          </a:bodyPr>
+          <a:lstStyle/>
+          <a:p>
+            <a:r>
+              <a:rPr lang="en-US" altLang="zh-CN" sz="3000" dirty="0" err="1"/>
+              <a:t>StatefulSet</a:t>
+            </a:r>
+            <a:endParaRPr lang="zh-CN" altLang="en-US" sz="3000" dirty="0"/>
+          </a:p>
+        </p:txBody>
+      </p:sp>
+      <p:sp>
+        <p:nvSpPr>
+          <p:cNvPr id="3" name="内容占位符 2">
+            <a:extLst>
+              <a:ext uri="{FF2B5EF4-FFF2-40B4-BE49-F238E27FC236}">
+                <a16:creationId xmlns:a16="http://schemas.microsoft.com/office/drawing/2014/main" id="{6CA78E39-E363-42D1-BE9D-BB96C903EDB2}"/>
+              </a:ext>
+            </a:extLst>
+          </p:cNvPr>
+          <p:cNvSpPr>
+            <a:spLocks noGrp="1"/>
+          </p:cNvSpPr>
+          <p:nvPr>
+            <p:ph idx="1"/>
+          </p:nvPr>
+        </p:nvSpPr>
+        <p:spPr>
+          <a:xfrm>
+            <a:off x="838200" y="1010094"/>
+            <a:ext cx="10515600" cy="5166869"/>
+          </a:xfrm>
+        </p:spPr>
+        <p:txBody>
+          <a:bodyPr/>
+          <a:lstStyle/>
+          <a:p>
+            <a:endParaRPr lang="zh-CN" altLang="en-US" dirty="0"/>
+          </a:p>
+        </p:txBody>
+      </p:sp>
+    </p:spTree>
+    <p:extLst>
+      <p:ext uri="{BB962C8B-B14F-4D97-AF65-F5344CB8AC3E}">
+        <p14:creationId xmlns:p14="http://schemas.microsoft.com/office/powerpoint/2010/main" val="1328722284"/>
+      </p:ext>
+    </p:extLst>
+  </p:cSld>
+  <p:clrMapOvr>
+    <a:masterClrMapping/>
+  </p:clrMapOvr>
+</p:sld>
+</file>
+
+<file path=ppt/slides/slide24.xml><?xml version="1.0" encoding="utf-8"?>
+<p:sld xmlns:a="http://schemas.openxmlformats.org/drawingml/2006/main" xmlns:r="http://schemas.openxmlformats.org/officeDocument/2006/relationships" xmlns:p="http://schemas.openxmlformats.org/presentationml/2006/main">
+  <p:cSld>
+    <p:spTree>
+      <p:nvGrpSpPr>
+        <p:cNvPr id="1" name=""/>
+        <p:cNvGrpSpPr/>
+        <p:nvPr/>
+      </p:nvGrpSpPr>
+      <p:grpSpPr>
+        <a:xfrm>
+          <a:off x="0" y="0"/>
+          <a:ext cx="0" cy="0"/>
+          <a:chOff x="0" y="0"/>
+          <a:chExt cx="0" cy="0"/>
+        </a:xfrm>
+      </p:grpSpPr>
+      <p:sp>
+        <p:nvSpPr>
+          <p:cNvPr id="2" name="标题 1">
+            <a:extLst>
+              <a:ext uri="{FF2B5EF4-FFF2-40B4-BE49-F238E27FC236}">
+                <a16:creationId xmlns:a16="http://schemas.microsoft.com/office/drawing/2014/main" id="{EAE9FAA8-C318-4695-A8C8-CA1E97AE07C6}"/>
+              </a:ext>
+            </a:extLst>
+          </p:cNvPr>
+          <p:cNvSpPr>
+            <a:spLocks noGrp="1"/>
+          </p:cNvSpPr>
+          <p:nvPr>
+            <p:ph type="title"/>
+          </p:nvPr>
+        </p:nvSpPr>
+        <p:spPr>
+          <a:xfrm>
+            <a:off x="838200" y="365126"/>
+            <a:ext cx="10515600" cy="644968"/>
+          </a:xfrm>
+        </p:spPr>
+        <p:txBody>
+          <a:bodyPr>
+            <a:normAutofit/>
+          </a:bodyPr>
+          <a:lstStyle/>
+          <a:p>
+            <a:r>
+              <a:rPr lang="en-US" altLang="zh-CN" sz="3000" dirty="0" err="1"/>
+              <a:t>DaemonSet</a:t>
+            </a:r>
+            <a:endParaRPr lang="zh-CN" altLang="en-US" sz="3000" dirty="0"/>
+          </a:p>
+        </p:txBody>
+      </p:sp>
+      <p:sp>
+        <p:nvSpPr>
+          <p:cNvPr id="3" name="内容占位符 2">
+            <a:extLst>
+              <a:ext uri="{FF2B5EF4-FFF2-40B4-BE49-F238E27FC236}">
+                <a16:creationId xmlns:a16="http://schemas.microsoft.com/office/drawing/2014/main" id="{6CA78E39-E363-42D1-BE9D-BB96C903EDB2}"/>
+              </a:ext>
+            </a:extLst>
+          </p:cNvPr>
+          <p:cNvSpPr>
+            <a:spLocks noGrp="1"/>
+          </p:cNvSpPr>
+          <p:nvPr>
+            <p:ph idx="1"/>
+          </p:nvPr>
+        </p:nvSpPr>
+        <p:spPr>
+          <a:xfrm>
+            <a:off x="838200" y="1010094"/>
+            <a:ext cx="10515600" cy="5166869"/>
+          </a:xfrm>
+        </p:spPr>
+        <p:txBody>
+          <a:bodyPr/>
+          <a:lstStyle/>
+          <a:p>
+            <a:endParaRPr lang="zh-CN" altLang="en-US" dirty="0"/>
+          </a:p>
+        </p:txBody>
+      </p:sp>
+    </p:spTree>
+    <p:extLst>
+      <p:ext uri="{BB962C8B-B14F-4D97-AF65-F5344CB8AC3E}">
+        <p14:creationId xmlns:p14="http://schemas.microsoft.com/office/powerpoint/2010/main" val="205566881"/>
+      </p:ext>
+    </p:extLst>
+  </p:cSld>
+  <p:clrMapOvr>
+    <a:masterClrMapping/>
+  </p:clrMapOvr>
+</p:sld>
+</file>
+
+<file path=ppt/slides/slide25.xml><?xml version="1.0" encoding="utf-8"?>
+<p:sld xmlns:a="http://schemas.openxmlformats.org/drawingml/2006/main" xmlns:r="http://schemas.openxmlformats.org/officeDocument/2006/relationships" xmlns:p="http://schemas.openxmlformats.org/presentationml/2006/main">
+  <p:cSld>
+    <p:spTree>
+      <p:nvGrpSpPr>
+        <p:cNvPr id="1" name=""/>
+        <p:cNvGrpSpPr/>
+        <p:nvPr/>
+      </p:nvGrpSpPr>
+      <p:grpSpPr>
+        <a:xfrm>
+          <a:off x="0" y="0"/>
+          <a:ext cx="0" cy="0"/>
+          <a:chOff x="0" y="0"/>
+          <a:chExt cx="0" cy="0"/>
+        </a:xfrm>
+      </p:grpSpPr>
+      <p:sp>
+        <p:nvSpPr>
+          <p:cNvPr id="2" name="标题 1">
+            <a:extLst>
+              <a:ext uri="{FF2B5EF4-FFF2-40B4-BE49-F238E27FC236}">
+                <a16:creationId xmlns:a16="http://schemas.microsoft.com/office/drawing/2014/main" id="{EAE9FAA8-C318-4695-A8C8-CA1E97AE07C6}"/>
+              </a:ext>
+            </a:extLst>
+          </p:cNvPr>
+          <p:cNvSpPr>
+            <a:spLocks noGrp="1"/>
+          </p:cNvSpPr>
+          <p:nvPr>
+            <p:ph type="title"/>
+          </p:nvPr>
+        </p:nvSpPr>
+        <p:spPr>
+          <a:xfrm>
+            <a:off x="838200" y="365126"/>
+            <a:ext cx="10515600" cy="644968"/>
+          </a:xfrm>
+        </p:spPr>
+        <p:txBody>
+          <a:bodyPr>
+            <a:normAutofit/>
+          </a:bodyPr>
+          <a:lstStyle/>
+          <a:p>
+            <a:r>
+              <a:rPr lang="en-US" altLang="zh-CN" sz="3000" dirty="0"/>
+              <a:t>Deployment</a:t>
+            </a:r>
+            <a:endParaRPr lang="zh-CN" altLang="en-US" sz="3000" dirty="0"/>
+          </a:p>
+        </p:txBody>
+      </p:sp>
+      <p:sp>
+        <p:nvSpPr>
+          <p:cNvPr id="3" name="内容占位符 2">
+            <a:extLst>
+              <a:ext uri="{FF2B5EF4-FFF2-40B4-BE49-F238E27FC236}">
+                <a16:creationId xmlns:a16="http://schemas.microsoft.com/office/drawing/2014/main" id="{6CA78E39-E363-42D1-BE9D-BB96C903EDB2}"/>
+              </a:ext>
+            </a:extLst>
+          </p:cNvPr>
+          <p:cNvSpPr>
+            <a:spLocks noGrp="1"/>
+          </p:cNvSpPr>
+          <p:nvPr>
+            <p:ph idx="1"/>
+          </p:nvPr>
+        </p:nvSpPr>
+        <p:spPr>
+          <a:xfrm>
+            <a:off x="838200" y="1010094"/>
+            <a:ext cx="10515600" cy="5166869"/>
+          </a:xfrm>
+        </p:spPr>
+        <p:txBody>
+          <a:bodyPr/>
+          <a:lstStyle/>
+          <a:p>
+            <a:endParaRPr lang="zh-CN" altLang="en-US" dirty="0"/>
+          </a:p>
+        </p:txBody>
+      </p:sp>
+    </p:spTree>
+    <p:extLst>
+      <p:ext uri="{BB962C8B-B14F-4D97-AF65-F5344CB8AC3E}">
+        <p14:creationId xmlns:p14="http://schemas.microsoft.com/office/powerpoint/2010/main" val="2453502414"/>
+      </p:ext>
+    </p:extLst>
+  </p:cSld>
+  <p:clrMapOvr>
+    <a:masterClrMapping/>
+  </p:clrMapOvr>
+</p:sld>
+</file>
+
+<file path=ppt/slides/slide26.xml><?xml version="1.0" encoding="utf-8"?>
+<p:sld xmlns:a="http://schemas.openxmlformats.org/drawingml/2006/main" xmlns:r="http://schemas.openxmlformats.org/officeDocument/2006/relationships" xmlns:p="http://schemas.openxmlformats.org/presentationml/2006/main">
+  <p:cSld>
+    <p:spTree>
+      <p:nvGrpSpPr>
+        <p:cNvPr id="1" name=""/>
+        <p:cNvGrpSpPr/>
+        <p:nvPr/>
+      </p:nvGrpSpPr>
+      <p:grpSpPr>
+        <a:xfrm>
+          <a:off x="0" y="0"/>
+          <a:ext cx="0" cy="0"/>
+          <a:chOff x="0" y="0"/>
+          <a:chExt cx="0" cy="0"/>
+        </a:xfrm>
+      </p:grpSpPr>
+      <p:sp>
+        <p:nvSpPr>
+          <p:cNvPr id="2" name="标题 1">
+            <a:extLst>
+              <a:ext uri="{FF2B5EF4-FFF2-40B4-BE49-F238E27FC236}">
+                <a16:creationId xmlns:a16="http://schemas.microsoft.com/office/drawing/2014/main" id="{EAE9FAA8-C318-4695-A8C8-CA1E97AE07C6}"/>
+              </a:ext>
+            </a:extLst>
+          </p:cNvPr>
+          <p:cNvSpPr>
+            <a:spLocks noGrp="1"/>
+          </p:cNvSpPr>
+          <p:nvPr>
+            <p:ph type="title"/>
+          </p:nvPr>
+        </p:nvSpPr>
+        <p:spPr>
+          <a:xfrm>
+            <a:off x="838200" y="365126"/>
+            <a:ext cx="10515600" cy="644968"/>
+          </a:xfrm>
+        </p:spPr>
+        <p:txBody>
+          <a:bodyPr>
+            <a:normAutofit/>
+          </a:bodyPr>
+          <a:lstStyle/>
+          <a:p>
+            <a:r>
+              <a:rPr lang="en-US" altLang="zh-CN" sz="3000" dirty="0"/>
+              <a:t>Service</a:t>
+            </a:r>
+            <a:endParaRPr lang="zh-CN" altLang="en-US" sz="3000" dirty="0"/>
+          </a:p>
+        </p:txBody>
+      </p:sp>
+      <p:sp>
+        <p:nvSpPr>
+          <p:cNvPr id="3" name="内容占位符 2">
+            <a:extLst>
+              <a:ext uri="{FF2B5EF4-FFF2-40B4-BE49-F238E27FC236}">
+                <a16:creationId xmlns:a16="http://schemas.microsoft.com/office/drawing/2014/main" id="{6CA78E39-E363-42D1-BE9D-BB96C903EDB2}"/>
+              </a:ext>
+            </a:extLst>
+          </p:cNvPr>
+          <p:cNvSpPr>
+            <a:spLocks noGrp="1"/>
+          </p:cNvSpPr>
+          <p:nvPr>
+            <p:ph idx="1"/>
+          </p:nvPr>
+        </p:nvSpPr>
+        <p:spPr>
+          <a:xfrm>
+            <a:off x="838200" y="1010094"/>
+            <a:ext cx="10515600" cy="5166869"/>
+          </a:xfrm>
+        </p:spPr>
+        <p:txBody>
+          <a:bodyPr/>
+          <a:lstStyle/>
+          <a:p>
+            <a:endParaRPr lang="zh-CN" altLang="en-US" dirty="0"/>
+          </a:p>
+        </p:txBody>
+      </p:sp>
+    </p:spTree>
+    <p:extLst>
+      <p:ext uri="{BB962C8B-B14F-4D97-AF65-F5344CB8AC3E}">
+        <p14:creationId xmlns:p14="http://schemas.microsoft.com/office/powerpoint/2010/main" val="3729071191"/>
+      </p:ext>
+    </p:extLst>
+  </p:cSld>
+  <p:clrMapOvr>
+    <a:masterClrMapping/>
+  </p:clrMapOvr>
+</p:sld>
+</file>
+
+<file path=ppt/slides/slide27.xml><?xml version="1.0" encoding="utf-8"?>
+<p:sld xmlns:a="http://schemas.openxmlformats.org/drawingml/2006/main" xmlns:r="http://schemas.openxmlformats.org/officeDocument/2006/relationships" xmlns:p="http://schemas.openxmlformats.org/presentationml/2006/main">
+  <p:cSld>
+    <p:spTree>
+      <p:nvGrpSpPr>
+        <p:cNvPr id="1" name=""/>
+        <p:cNvGrpSpPr/>
+        <p:nvPr/>
+      </p:nvGrpSpPr>
+      <p:grpSpPr>
+        <a:xfrm>
+          <a:off x="0" y="0"/>
+          <a:ext cx="0" cy="0"/>
+          <a:chOff x="0" y="0"/>
+          <a:chExt cx="0" cy="0"/>
+        </a:xfrm>
+      </p:grpSpPr>
+      <p:sp>
+        <p:nvSpPr>
+          <p:cNvPr id="4" name="矩形 3">
+            <a:extLst>
+              <a:ext uri="{FF2B5EF4-FFF2-40B4-BE49-F238E27FC236}">
+                <a16:creationId xmlns:a16="http://schemas.microsoft.com/office/drawing/2014/main" id="{2E696C1D-19CC-478A-8AA8-77AF59AFB67B}"/>
+              </a:ext>
+            </a:extLst>
+          </p:cNvPr>
+          <p:cNvSpPr/>
+          <p:nvPr/>
+        </p:nvSpPr>
+        <p:spPr>
+          <a:xfrm>
+            <a:off x="1502674" y="802975"/>
+            <a:ext cx="1459054" cy="3139321"/>
+          </a:xfrm>
+          <a:prstGeom prst="rect">
+            <a:avLst/>
+          </a:prstGeom>
+        </p:spPr>
+        <p:txBody>
+          <a:bodyPr wrap="none">
+            <a:spAutoFit/>
+          </a:bodyPr>
+          <a:lstStyle/>
+          <a:p>
+            <a:r>
+              <a:rPr lang="en-US" altLang="zh-CN" dirty="0">
+                <a:solidFill>
+                  <a:srgbClr val="333333"/>
+                </a:solidFill>
+                <a:latin typeface="arial" panose="020B0604020202020204" pitchFamily="34" charset="0"/>
+              </a:rPr>
+              <a:t>NFS</a:t>
+            </a:r>
+          </a:p>
+          <a:p>
+            <a:r>
+              <a:rPr lang="en-US" altLang="zh-CN" dirty="0" err="1"/>
+              <a:t>GlusterFS</a:t>
+            </a:r>
+            <a:endParaRPr lang="en-US" altLang="zh-CN" dirty="0"/>
+          </a:p>
+          <a:p>
+            <a:r>
+              <a:rPr lang="en-US" altLang="zh-CN" dirty="0" err="1">
+                <a:solidFill>
+                  <a:srgbClr val="333333"/>
+                </a:solidFill>
+                <a:latin typeface="arial" panose="020B0604020202020204" pitchFamily="34" charset="0"/>
+              </a:rPr>
+              <a:t>Ceph</a:t>
+            </a:r>
+            <a:endParaRPr lang="en-US" altLang="zh-CN" dirty="0">
+              <a:solidFill>
+                <a:srgbClr val="333333"/>
+              </a:solidFill>
+              <a:latin typeface="arial" panose="020B0604020202020204" pitchFamily="34" charset="0"/>
+            </a:endParaRPr>
+          </a:p>
+          <a:p>
+            <a:r>
+              <a:rPr lang="en-US" altLang="zh-CN" dirty="0" err="1"/>
+              <a:t>DigitalOcean</a:t>
+            </a:r>
+            <a:endParaRPr lang="en-US" altLang="zh-CN" dirty="0"/>
+          </a:p>
+          <a:p>
+            <a:r>
+              <a:rPr lang="en-US" altLang="zh-CN" dirty="0"/>
+              <a:t>Flannel</a:t>
+            </a:r>
+          </a:p>
+          <a:p>
+            <a:r>
+              <a:rPr lang="en-US" altLang="zh-CN" dirty="0"/>
+              <a:t>Calico</a:t>
+            </a:r>
+          </a:p>
+          <a:p>
+            <a:r>
+              <a:rPr lang="en-US" altLang="zh-CN" dirty="0"/>
+              <a:t>Prometheus</a:t>
+            </a:r>
+          </a:p>
+          <a:p>
+            <a:r>
+              <a:rPr lang="en-US" altLang="zh-CN" dirty="0" err="1"/>
+              <a:t>DaemonSet</a:t>
+            </a:r>
+            <a:endParaRPr lang="en-US" altLang="zh-CN" dirty="0"/>
+          </a:p>
+          <a:p>
+            <a:r>
+              <a:rPr lang="en-US" altLang="zh-CN" dirty="0" err="1"/>
+              <a:t>Fluentd</a:t>
+            </a:r>
+            <a:endParaRPr lang="en-US" altLang="zh-CN" dirty="0"/>
+          </a:p>
+          <a:p>
+            <a:endParaRPr lang="en-US" altLang="zh-CN" dirty="0"/>
+          </a:p>
+          <a:p>
+            <a:endParaRPr lang="zh-CN" altLang="en-US" dirty="0"/>
+          </a:p>
+        </p:txBody>
+      </p:sp>
+    </p:spTree>
+    <p:extLst>
+      <p:ext uri="{BB962C8B-B14F-4D97-AF65-F5344CB8AC3E}">
+        <p14:creationId xmlns:p14="http://schemas.microsoft.com/office/powerpoint/2010/main" val="464234432"/>
+      </p:ext>
+    </p:extLst>
+  </p:cSld>
+  <p:clrMapOvr>
+    <a:masterClrMapping/>
+  </p:clrMapOvr>
+</p:sld>
+</file>
+
+<file path=ppt/slides/slide28.xml><?xml version="1.0" encoding="utf-8"?>
+<p:sld xmlns:a="http://schemas.openxmlformats.org/drawingml/2006/main" xmlns:r="http://schemas.openxmlformats.org/officeDocument/2006/relationships" xmlns:p="http://schemas.openxmlformats.org/presentationml/2006/main">
+  <p:cSld>
+    <p:spTree>
+      <p:nvGrpSpPr>
+        <p:cNvPr id="1" name=""/>
+        <p:cNvGrpSpPr/>
+        <p:nvPr/>
+      </p:nvGrpSpPr>
+      <p:grpSpPr>
+        <a:xfrm>
+          <a:off x="0" y="0"/>
+          <a:ext cx="0" cy="0"/>
+          <a:chOff x="0" y="0"/>
+          <a:chExt cx="0" cy="0"/>
+        </a:xfrm>
+      </p:grpSpPr>
+      <p:sp>
+        <p:nvSpPr>
+          <p:cNvPr id="2" name="矩形 1">
+            <a:extLst>
+              <a:ext uri="{FF2B5EF4-FFF2-40B4-BE49-F238E27FC236}">
+                <a16:creationId xmlns:a16="http://schemas.microsoft.com/office/drawing/2014/main" id="{F04B66D7-5DEA-44AF-BF8F-4F46F41BD139}"/>
+              </a:ext>
+            </a:extLst>
+          </p:cNvPr>
+          <p:cNvSpPr/>
+          <p:nvPr/>
+        </p:nvSpPr>
+        <p:spPr>
+          <a:xfrm>
+            <a:off x="1059402" y="925470"/>
+            <a:ext cx="10721266" cy="646331"/>
+          </a:xfrm>
+          <a:prstGeom prst="rect">
+            <a:avLst/>
+          </a:prstGeom>
+        </p:spPr>
+        <p:txBody>
+          <a:bodyPr wrap="square">
+            <a:spAutoFit/>
+          </a:bodyPr>
+          <a:lstStyle/>
+          <a:p>
+            <a:r>
+              <a:rPr lang="zh-CN" altLang="en-US"/>
+              <a:t>Linux Cgroups 的全称是 Linux Control Group。它最主要的作用，就是限制一个进程组能够使用的资源上限，包括 CPU、内存、磁盘、网络带宽等等。</a:t>
+            </a:r>
+            <a:endParaRPr lang="zh-CN" altLang="en-US" dirty="0"/>
+          </a:p>
+        </p:txBody>
+      </p:sp>
+      <p:sp>
+        <p:nvSpPr>
+          <p:cNvPr id="3" name="矩形 2">
+            <a:extLst>
+              <a:ext uri="{FF2B5EF4-FFF2-40B4-BE49-F238E27FC236}">
+                <a16:creationId xmlns:a16="http://schemas.microsoft.com/office/drawing/2014/main" id="{7CB65F6E-C07D-47F7-B027-B2FBB134E56C}"/>
+              </a:ext>
+            </a:extLst>
+          </p:cNvPr>
+          <p:cNvSpPr/>
+          <p:nvPr/>
+        </p:nvSpPr>
+        <p:spPr>
+          <a:xfrm>
+            <a:off x="921508" y="1921561"/>
+            <a:ext cx="4578497" cy="369332"/>
+          </a:xfrm>
+          <a:prstGeom prst="rect">
+            <a:avLst/>
+          </a:prstGeom>
+        </p:spPr>
+        <p:txBody>
+          <a:bodyPr wrap="none">
+            <a:spAutoFit/>
+          </a:bodyPr>
+          <a:lstStyle/>
+          <a:p>
+            <a:r>
+              <a:rPr lang="zh-CN" altLang="en-US" dirty="0"/>
+              <a:t>Namespace是用来修改进程视图的主要方法</a:t>
+            </a:r>
+          </a:p>
+        </p:txBody>
+      </p:sp>
+      <p:sp>
+        <p:nvSpPr>
+          <p:cNvPr id="4" name="矩形 3">
+            <a:extLst>
+              <a:ext uri="{FF2B5EF4-FFF2-40B4-BE49-F238E27FC236}">
+                <a16:creationId xmlns:a16="http://schemas.microsoft.com/office/drawing/2014/main" id="{55765BC9-69DA-426E-BE89-AA4C8E848029}"/>
+              </a:ext>
+            </a:extLst>
+          </p:cNvPr>
+          <p:cNvSpPr/>
+          <p:nvPr/>
+        </p:nvSpPr>
+        <p:spPr>
+          <a:xfrm>
+            <a:off x="921508" y="2640653"/>
+            <a:ext cx="2486578" cy="369332"/>
+          </a:xfrm>
+          <a:prstGeom prst="rect">
+            <a:avLst/>
+          </a:prstGeom>
+        </p:spPr>
+        <p:txBody>
+          <a:bodyPr wrap="none">
+            <a:spAutoFit/>
+          </a:bodyPr>
+          <a:lstStyle/>
+          <a:p>
+            <a:r>
+              <a:rPr lang="zh-CN" altLang="en-US" dirty="0"/>
+              <a:t>会话黏连 session sticky</a:t>
+            </a:r>
+          </a:p>
+        </p:txBody>
+      </p:sp>
+      <p:sp>
+        <p:nvSpPr>
+          <p:cNvPr id="5" name="矩形 4">
+            <a:extLst>
+              <a:ext uri="{FF2B5EF4-FFF2-40B4-BE49-F238E27FC236}">
+                <a16:creationId xmlns:a16="http://schemas.microsoft.com/office/drawing/2014/main" id="{F28C96AC-6D2D-42ED-BA4F-AA1F266D37CE}"/>
+              </a:ext>
+            </a:extLst>
+          </p:cNvPr>
+          <p:cNvSpPr/>
+          <p:nvPr/>
+        </p:nvSpPr>
+        <p:spPr>
+          <a:xfrm>
+            <a:off x="921508" y="3713871"/>
+            <a:ext cx="10721266" cy="1200329"/>
+          </a:xfrm>
+          <a:prstGeom prst="rect">
+            <a:avLst/>
+          </a:prstGeom>
+        </p:spPr>
+        <p:txBody>
+          <a:bodyPr wrap="square">
+            <a:spAutoFit/>
+          </a:bodyPr>
+          <a:lstStyle/>
+          <a:p>
+            <a:r>
+              <a:rPr lang="zh-CN" altLang="en-US" dirty="0">
+                <a:solidFill>
+                  <a:srgbClr val="333333"/>
+                </a:solidFill>
+                <a:latin typeface="PingFang SC"/>
+              </a:rPr>
+              <a:t>在 </a:t>
+            </a:r>
+            <a:r>
+              <a:rPr lang="en-US" altLang="zh-CN" dirty="0">
+                <a:solidFill>
+                  <a:srgbClr val="333333"/>
+                </a:solidFill>
+                <a:latin typeface="PingFang SC"/>
+              </a:rPr>
+              <a:t>Kubernetes </a:t>
+            </a:r>
+            <a:r>
+              <a:rPr lang="zh-CN" altLang="en-US" dirty="0">
+                <a:solidFill>
+                  <a:srgbClr val="333333"/>
+                </a:solidFill>
+                <a:latin typeface="PingFang SC"/>
+              </a:rPr>
+              <a:t>项目中，负责完成授权（</a:t>
+            </a:r>
+            <a:r>
+              <a:rPr lang="en-US" altLang="zh-CN" dirty="0"/>
+              <a:t>Authorization</a:t>
+            </a:r>
+            <a:r>
+              <a:rPr lang="zh-CN" altLang="en-US" dirty="0"/>
+              <a:t>）工作的机制，就是 </a:t>
+            </a:r>
+            <a:r>
+              <a:rPr lang="en-US" altLang="zh-CN" dirty="0" err="1"/>
+              <a:t>RBAC</a:t>
+            </a:r>
+            <a:r>
+              <a:rPr lang="zh-CN" altLang="en-US" dirty="0"/>
+              <a:t>：基于角色的访问控制（</a:t>
+            </a:r>
+            <a:r>
+              <a:rPr lang="en-US" altLang="zh-CN" dirty="0"/>
+              <a:t>Role-Based Access Control</a:t>
+            </a:r>
+            <a:r>
+              <a:rPr lang="zh-CN" altLang="en-US" dirty="0"/>
+              <a:t>）</a:t>
+            </a:r>
+            <a:endParaRPr lang="en-US" altLang="zh-CN" dirty="0"/>
+          </a:p>
+          <a:p>
+            <a:endParaRPr lang="en-US" altLang="zh-CN" dirty="0"/>
+          </a:p>
+          <a:p>
+            <a:endParaRPr lang="en-US" altLang="zh-CN" dirty="0">
+              <a:solidFill>
+                <a:srgbClr val="333333"/>
+              </a:solidFill>
+              <a:latin typeface="PingFang SC"/>
+            </a:endParaRPr>
+          </a:p>
+        </p:txBody>
+      </p:sp>
+      <p:sp>
+        <p:nvSpPr>
+          <p:cNvPr id="6" name="矩形 5">
+            <a:extLst>
+              <a:ext uri="{FF2B5EF4-FFF2-40B4-BE49-F238E27FC236}">
+                <a16:creationId xmlns:a16="http://schemas.microsoft.com/office/drawing/2014/main" id="{463DC33F-044B-4AE4-A258-58C1E8E687A8}"/>
+              </a:ext>
+            </a:extLst>
+          </p:cNvPr>
+          <p:cNvSpPr/>
+          <p:nvPr/>
+        </p:nvSpPr>
+        <p:spPr>
+          <a:xfrm>
+            <a:off x="1059403" y="4800968"/>
+            <a:ext cx="9997804" cy="923330"/>
+          </a:xfrm>
+          <a:prstGeom prst="rect">
+            <a:avLst/>
+          </a:prstGeom>
+        </p:spPr>
+        <p:txBody>
+          <a:bodyPr wrap="square">
+            <a:spAutoFit/>
+          </a:bodyPr>
+          <a:lstStyle/>
+          <a:p>
+            <a:r>
+              <a:rPr lang="en-US" altLang="zh-CN" dirty="0"/>
+              <a:t>Operator</a:t>
+            </a:r>
+            <a:r>
+              <a:rPr lang="zh-CN" altLang="en-US" dirty="0"/>
+              <a:t>的工作原理，实际上是利用了</a:t>
+            </a:r>
+            <a:r>
+              <a:rPr lang="en-US" altLang="zh-CN" dirty="0"/>
+              <a:t>Kubernetes</a:t>
+            </a:r>
+            <a:r>
+              <a:rPr lang="zh-CN" altLang="en-US" dirty="0"/>
+              <a:t>的自定义</a:t>
+            </a:r>
+            <a:r>
+              <a:rPr lang="en-US" altLang="zh-CN" dirty="0"/>
+              <a:t>API</a:t>
+            </a:r>
+            <a:r>
+              <a:rPr lang="zh-CN" altLang="en-US" dirty="0"/>
+              <a:t>资源（</a:t>
+            </a:r>
+            <a:r>
+              <a:rPr lang="en-US" altLang="zh-CN" dirty="0" err="1"/>
+              <a:t>CRD</a:t>
+            </a:r>
+            <a:r>
+              <a:rPr lang="zh-CN" altLang="en-US" dirty="0"/>
+              <a:t>）</a:t>
+            </a:r>
+            <a:r>
+              <a:rPr lang="en-US" altLang="zh-CN" dirty="0"/>
+              <a:t>,</a:t>
+            </a:r>
+            <a:r>
+              <a:rPr lang="zh-CN" altLang="en-US" dirty="0"/>
+              <a:t>来描述我们想要部署的</a:t>
+            </a:r>
+            <a:r>
+              <a:rPr lang="zh-CN" altLang="en-US"/>
+              <a:t>“有状态应用”；然后</a:t>
+            </a:r>
+            <a:r>
+              <a:rPr lang="zh-CN" altLang="en-US" dirty="0"/>
+              <a:t>在自定义控制器里，根据自定义</a:t>
+            </a:r>
+            <a:r>
+              <a:rPr lang="en-US" altLang="zh-CN" dirty="0"/>
+              <a:t>API</a:t>
+            </a:r>
+            <a:r>
+              <a:rPr lang="zh-CN" altLang="en-US" dirty="0"/>
+              <a:t>对象的变化，来完成具体的部署和运维工作</a:t>
+            </a:r>
+          </a:p>
+        </p:txBody>
+      </p:sp>
+    </p:spTree>
+    <p:extLst>
+      <p:ext uri="{BB962C8B-B14F-4D97-AF65-F5344CB8AC3E}">
+        <p14:creationId xmlns:p14="http://schemas.microsoft.com/office/powerpoint/2010/main" val="116615380"/>
+      </p:ext>
+    </p:extLst>
+  </p:cSld>
+  <p:clrMapOvr>
+    <a:masterClrMapping/>
+  </p:clrMapOvr>
+</p:sld>
+</file>
+
 <file path=ppt/slides/slide3.xml><?xml version="1.0" encoding="utf-8"?>
 <p:sld xmlns:a="http://schemas.openxmlformats.org/drawingml/2006/main" xmlns:r="http://schemas.openxmlformats.org/officeDocument/2006/relationships" xmlns:p="http://schemas.openxmlformats.org/presentationml/2006/main">
   <p:cSld>
@@ -8356,8 +13590,8 @@
         </p:nvSpPr>
         <p:spPr bwMode="auto">
           <a:xfrm>
-            <a:off x="536721" y="977622"/>
-            <a:ext cx="11302853" cy="4678204"/>
+            <a:off x="536721" y="900678"/>
+            <a:ext cx="11302853" cy="4832092"/>
           </a:xfrm>
           <a:prstGeom prst="rect">
             <a:avLst/>
@@ -8552,7 +13786,7 @@
                   <a:srgbClr val="090A0B"/>
                 </a:solidFill>
                 <a:effectLst/>
-                <a:latin typeface="Arial" panose="020B0604020202020204" pitchFamily="34" charset="0"/>
+                <a:latin typeface="+mn-lt"/>
                 <a:ea typeface="-apple-system"/>
               </a:rPr>
               <a:t>Net namespace</a:t>
@@ -8584,7 +13818,7 @@
                   <a:srgbClr val="3C484E"/>
                 </a:solidFill>
                 <a:effectLst/>
-                <a:latin typeface="Arial" panose="020B0604020202020204" pitchFamily="34" charset="0"/>
+                <a:latin typeface="+mn-lt"/>
                 <a:ea typeface="Helvetica Neue"/>
               </a:rPr>
               <a:t>Net namespace 隔离的是和网络相关的资源，包括网络设备、路由表、防火墙(iptables)、socket（ss、netstat）、 </a:t>
@@ -8598,7 +13832,7 @@
                   <a:srgbClr val="3C484E"/>
                 </a:solidFill>
                 <a:effectLst/>
-                <a:latin typeface="Courier New" panose="02070309020205020404" pitchFamily="49" charset="0"/>
+                <a:latin typeface="+mn-lt"/>
                 <a:ea typeface="Helvetica Neue"/>
                 <a:cs typeface="Courier New" panose="02070309020205020404" pitchFamily="49" charset="0"/>
               </a:rPr>
@@ -8613,9 +13847,10 @@
                   <a:srgbClr val="3C484E"/>
                 </a:solidFill>
                 <a:effectLst/>
+                <a:latin typeface="+mn-lt"/>
                 <a:ea typeface="Helvetica Neue"/>
               </a:rPr>
-              <a:t> </a:t>
+              <a:t> 目录、</a:t>
             </a:r>
             <a:r>
               <a:rPr kumimoji="0" lang="zh-CN" altLang="zh-CN" b="0" i="0" u="none" strike="noStrike" cap="none" normalizeH="0" baseline="0" dirty="0">
@@ -8626,10 +13861,11 @@
                   <a:srgbClr val="3C484E"/>
                 </a:solidFill>
                 <a:effectLst/>
-                <a:latin typeface="Arial" panose="020B0604020202020204" pitchFamily="34" charset="0"/>
+                <a:latin typeface="+mn-lt"/>
                 <a:ea typeface="Helvetica Neue"/>
-              </a:rPr>
-              <a:t>目录、</a:t>
+                <a:cs typeface="Courier New" panose="02070309020205020404" pitchFamily="49" charset="0"/>
+              </a:rPr>
+              <a:t>/sys/class/net</a:t>
             </a:r>
             <a:r>
               <a:rPr kumimoji="0" lang="zh-CN" altLang="zh-CN" b="0" i="0" u="none" strike="noStrike" cap="none" normalizeH="0" baseline="0" dirty="0">
@@ -8640,38 +13876,10 @@
                   <a:srgbClr val="3C484E"/>
                 </a:solidFill>
                 <a:effectLst/>
-                <a:latin typeface="Courier New" panose="02070309020205020404" pitchFamily="49" charset="0"/>
+                <a:latin typeface="+mn-lt"/>
                 <a:ea typeface="Helvetica Neue"/>
-                <a:cs typeface="Courier New" panose="02070309020205020404" pitchFamily="49" charset="0"/>
-              </a:rPr>
-              <a:t>/sys/class/net</a:t>
-            </a:r>
-            <a:r>
-              <a:rPr kumimoji="0" lang="zh-CN" altLang="zh-CN" b="0" i="0" u="none" strike="noStrike" cap="none" normalizeH="0" baseline="0" dirty="0">
-                <a:ln>
-                  <a:noFill/>
-                </a:ln>
-                <a:solidFill>
-                  <a:srgbClr val="3C484E"/>
-                </a:solidFill>
-                <a:effectLst/>
-                <a:ea typeface="Helvetica Neue"/>
-              </a:rPr>
-              <a:t> </a:t>
-            </a:r>
-            <a:r>
-              <a:rPr kumimoji="0" lang="zh-CN" altLang="zh-CN" b="0" i="0" u="none" strike="noStrike" cap="none" normalizeH="0" baseline="0" dirty="0">
-                <a:ln>
-                  <a:noFill/>
-                </a:ln>
-                <a:solidFill>
-                  <a:srgbClr val="3C484E"/>
-                </a:solidFill>
-                <a:effectLst/>
-                <a:latin typeface="Arial" panose="020B0604020202020204" pitchFamily="34" charset="0"/>
-                <a:ea typeface="Helvetica Neue"/>
-              </a:rPr>
-              <a:t>目录、网络端口(network interfaces)等等。</a:t>
+              </a:rPr>
+              <a:t> 目录、网络端口(network interfaces)等等。</a:t>
             </a:r>
             <a:endParaRPr kumimoji="0" lang="zh-CN" altLang="zh-CN" b="0" i="0" u="none" strike="noStrike" cap="none" normalizeH="0" baseline="0" dirty="0">
               <a:ln>
@@ -8681,7 +13889,7 @@
                 <a:schemeClr val="tx1"/>
               </a:solidFill>
               <a:effectLst/>
-              <a:latin typeface="Arial" panose="020B0604020202020204" pitchFamily="34" charset="0"/>
+              <a:latin typeface="+mn-lt"/>
             </a:endParaRPr>
           </a:p>
           <a:p>
@@ -8710,7 +13918,7 @@
                   <a:srgbClr val="3C484E"/>
                 </a:solidFill>
                 <a:effectLst/>
-                <a:latin typeface="Arial" panose="020B0604020202020204" pitchFamily="34" charset="0"/>
+                <a:latin typeface="+mn-lt"/>
                 <a:ea typeface="Helvetica Neue"/>
               </a:rPr>
               <a:t>一个物理网络设备只能出现在最多一个网络 namespace 中，不同网络 namespace 之间可以通过创建 veth pair 提供类似管道的通信。</a:t>
@@ -8723,7 +13931,7 @@
                 <a:srgbClr val="3C484E"/>
               </a:solidFill>
               <a:effectLst/>
-              <a:latin typeface="Arial" panose="020B0604020202020204" pitchFamily="34" charset="0"/>
+              <a:latin typeface="+mn-lt"/>
               <a:ea typeface="Helvetica Neue"/>
             </a:endParaRPr>
           </a:p>
@@ -8748,20 +13956,27 @@
               <a:solidFill>
                 <a:srgbClr val="3C484E"/>
               </a:solidFill>
+              <a:latin typeface="+mn-lt"/>
             </a:endParaRPr>
           </a:p>
           <a:p>
             <a:pPr algn="just"/>
             <a:r>
-              <a:rPr lang="zh-CN" altLang="en-US" dirty="0"/>
+              <a:rPr lang="zh-CN" altLang="en-US" dirty="0">
+                <a:latin typeface="+mn-lt"/>
+              </a:rPr>
               <a:t>有了不同 </a:t>
             </a:r>
             <a:r>
-              <a:rPr lang="en-US" altLang="zh-CN" dirty="0"/>
+              <a:rPr lang="en-US" altLang="zh-CN" dirty="0">
+                <a:latin typeface="+mn-lt"/>
+              </a:rPr>
               <a:t>network namespace </a:t>
             </a:r>
             <a:r>
-              <a:rPr lang="zh-CN" altLang="en-US" dirty="0"/>
+              <a:rPr lang="zh-CN" altLang="en-US" dirty="0">
+                <a:latin typeface="+mn-lt"/>
+              </a:rPr>
               <a:t>之后，也就有了网络的隔离，但是如果它们之间没有办法通信，</a:t>
             </a:r>
             <a:r>
@@ -8769,6 +13984,7 @@
                 <a:solidFill>
                   <a:srgbClr val="3C484E"/>
                 </a:solidFill>
+                <a:latin typeface="+mn-lt"/>
                 <a:ea typeface="Helvetica Neue"/>
               </a:rPr>
               <a:t>也没有实际用处。要把两个网络连接起来，linux 提供了 </a:t>
@@ -8778,7 +13994,7 @@
                 <a:solidFill>
                   <a:srgbClr val="3C484E"/>
                 </a:solidFill>
-                <a:latin typeface="Courier New" panose="02070309020205020404" pitchFamily="49" charset="0"/>
+                <a:latin typeface="+mn-lt"/>
                 <a:cs typeface="Courier New" panose="02070309020205020404" pitchFamily="49" charset="0"/>
               </a:rPr>
               <a:t>veth pair</a:t>
@@ -8788,6 +14004,7 @@
                 <a:solidFill>
                   <a:srgbClr val="3C484E"/>
                 </a:solidFill>
+                <a:latin typeface="+mn-lt"/>
                 <a:ea typeface="Helvetica Neue"/>
               </a:rPr>
               <a:t> 。可以把 </a:t>
@@ -8797,7 +14014,7 @@
                 <a:solidFill>
                   <a:srgbClr val="3C484E"/>
                 </a:solidFill>
-                <a:latin typeface="Courier New" panose="02070309020205020404" pitchFamily="49" charset="0"/>
+                <a:latin typeface="+mn-lt"/>
                 <a:cs typeface="Courier New" panose="02070309020205020404" pitchFamily="49" charset="0"/>
               </a:rPr>
               <a:t>veth pair</a:t>
@@ -8807,23 +14024,32 @@
                 <a:solidFill>
                   <a:srgbClr val="3C484E"/>
                 </a:solidFill>
+                <a:latin typeface="+mn-lt"/>
                 <a:ea typeface="Helvetica Neue"/>
               </a:rPr>
               <a:t> 当做是双向的 pipe（管道），从一个方向发送的网络数据，可以直接被另外一端接收到；或者也可以想象成两个 namespace 直接通过一个特殊的虚拟网卡连接起来，可以直接通信。</a:t>
             </a:r>
             <a:r>
-              <a:rPr lang="zh-CN" altLang="zh-CN" sz="1000" dirty="0"/>
+              <a:rPr lang="zh-CN" altLang="zh-CN" sz="1000" dirty="0">
+                <a:latin typeface="+mn-lt"/>
+              </a:rPr>
               <a:t> </a:t>
             </a:r>
-            <a:endParaRPr lang="en-US" altLang="zh-CN" sz="1000" dirty="0"/>
+            <a:endParaRPr lang="en-US" altLang="zh-CN" sz="1000" dirty="0">
+              <a:latin typeface="+mn-lt"/>
+            </a:endParaRPr>
           </a:p>
           <a:p>
             <a:pPr algn="just"/>
-            <a:endParaRPr lang="en-US" altLang="zh-CN" sz="1000" dirty="0"/>
+            <a:endParaRPr lang="en-US" altLang="zh-CN" sz="1000" dirty="0">
+              <a:latin typeface="+mn-lt"/>
+            </a:endParaRPr>
           </a:p>
           <a:p>
             <a:pPr algn="just"/>
-            <a:endParaRPr lang="zh-CN" altLang="zh-CN" sz="2400" dirty="0"/>
+            <a:endParaRPr lang="zh-CN" altLang="zh-CN" sz="2400" dirty="0">
+              <a:latin typeface="+mn-lt"/>
+            </a:endParaRPr>
           </a:p>
           <a:p>
             <a:pPr algn="just"/>
@@ -8832,18 +14058,22 @@
                 <a:solidFill>
                   <a:srgbClr val="3C484E"/>
                 </a:solidFill>
+                <a:latin typeface="+mn-lt"/>
                 <a:ea typeface="Helvetica Neue"/>
               </a:rPr>
               <a:t>虽然 veth pair 可以实现两个 network namespace 之间的通信，但是当多个 namespace 需要通信的时候，就无能为力了。</a:t>
             </a:r>
             <a:br>
-              <a:rPr lang="zh-CN" altLang="zh-CN" sz="1000" dirty="0"/>
+              <a:rPr lang="zh-CN" altLang="zh-CN" sz="1000" dirty="0">
+                <a:latin typeface="+mn-lt"/>
+              </a:rPr>
             </a:br>
             <a:r>
               <a:rPr lang="zh-CN" altLang="zh-CN" dirty="0">
                 <a:solidFill>
                   <a:srgbClr val="3C484E"/>
                 </a:solidFill>
+                <a:latin typeface="+mn-lt"/>
                 <a:ea typeface="Helvetica Neue"/>
               </a:rPr>
               <a:t>讲到多个网络设备通信，我们首先想到的交换机和路由器。因为这里要考虑的只是同个网络，所以只用到交换机的功能。linux 当然也提供了虚拟交换机的功能，我们还是用 </a:t>
@@ -8853,7 +14083,7 @@
                 <a:solidFill>
                   <a:srgbClr val="3C484E"/>
                 </a:solidFill>
-                <a:latin typeface="Courier New" panose="02070309020205020404" pitchFamily="49" charset="0"/>
+                <a:latin typeface="+mn-lt"/>
                 <a:cs typeface="Courier New" panose="02070309020205020404" pitchFamily="49" charset="0"/>
               </a:rPr>
               <a:t>ip</a:t>
@@ -8863,15 +14093,20 @@
                 <a:solidFill>
                   <a:srgbClr val="3C484E"/>
                 </a:solidFill>
+                <a:latin typeface="+mn-lt"/>
                 <a:ea typeface="Helvetica Neue"/>
               </a:rPr>
               <a:t> 命令来完成所有的操作。</a:t>
             </a:r>
             <a:r>
-              <a:rPr lang="zh-CN" altLang="zh-CN" sz="1000" dirty="0"/>
+              <a:rPr lang="zh-CN" altLang="zh-CN" sz="1000" dirty="0">
+                <a:latin typeface="+mn-lt"/>
+              </a:rPr>
               <a:t> </a:t>
             </a:r>
-            <a:endParaRPr lang="zh-CN" altLang="zh-CN" sz="2400" dirty="0"/>
+            <a:endParaRPr lang="zh-CN" altLang="zh-CN" sz="2400" dirty="0">
+              <a:latin typeface="+mn-lt"/>
+            </a:endParaRPr>
           </a:p>
           <a:p>
             <a:pPr marL="0" marR="0" lvl="0" indent="0" algn="just" defTabSz="914400" rtl="0" eaLnBrk="0" fontAlgn="base" latinLnBrk="0" hangingPunct="0">
@@ -8898,7 +14133,7 @@
                 <a:schemeClr val="tx1"/>
               </a:solidFill>
               <a:effectLst/>
-              <a:latin typeface="Arial" panose="020B0604020202020204" pitchFamily="34" charset="0"/>
+              <a:latin typeface="+mn-lt"/>
             </a:endParaRPr>
           </a:p>
         </p:txBody>

--- a/Asp.NetCoreExperiment/kubernetes/kubernetes.pptx
+++ b/Asp.NetCoreExperiment/kubernetes/kubernetes.pptx
@@ -5,7 +5,7 @@
     <p:sldMasterId id="2147483648" r:id="rId1"/>
   </p:sldMasterIdLst>
   <p:notesMasterIdLst>
-    <p:notesMasterId r:id="rId30"/>
+    <p:notesMasterId r:id="rId31"/>
   </p:notesMasterIdLst>
   <p:sldIdLst>
     <p:sldId id="256" r:id="rId2"/>
@@ -25,17 +25,18 @@
     <p:sldId id="273" r:id="rId16"/>
     <p:sldId id="274" r:id="rId17"/>
     <p:sldId id="275" r:id="rId18"/>
-    <p:sldId id="276" r:id="rId19"/>
-    <p:sldId id="282" r:id="rId20"/>
-    <p:sldId id="281" r:id="rId21"/>
-    <p:sldId id="280" r:id="rId22"/>
-    <p:sldId id="279" r:id="rId23"/>
-    <p:sldId id="278" r:id="rId24"/>
-    <p:sldId id="277" r:id="rId25"/>
-    <p:sldId id="283" r:id="rId26"/>
-    <p:sldId id="284" r:id="rId27"/>
-    <p:sldId id="258" r:id="rId28"/>
-    <p:sldId id="257" r:id="rId29"/>
+    <p:sldId id="285" r:id="rId19"/>
+    <p:sldId id="283" r:id="rId20"/>
+    <p:sldId id="276" r:id="rId21"/>
+    <p:sldId id="282" r:id="rId22"/>
+    <p:sldId id="281" r:id="rId23"/>
+    <p:sldId id="280" r:id="rId24"/>
+    <p:sldId id="279" r:id="rId25"/>
+    <p:sldId id="278" r:id="rId26"/>
+    <p:sldId id="277" r:id="rId27"/>
+    <p:sldId id="284" r:id="rId28"/>
+    <p:sldId id="258" r:id="rId29"/>
+    <p:sldId id="257" r:id="rId30"/>
   </p:sldIdLst>
   <p:sldSz cx="12192000" cy="6858000"/>
   <p:notesSz cx="6858000" cy="9144000"/>
@@ -3099,7 +3100,7 @@
           <a:p>
             <a:fld id="{EB3586D1-9A9B-4A13-8983-B7906950C648}" type="datetimeFigureOut">
               <a:rPr lang="zh-CN" altLang="en-US" smtClean="0"/>
-              <a:t>2019/2/22</a:t>
+              <a:t>2019/2/24</a:t>
             </a:fld>
             <a:endParaRPr lang="zh-CN" altLang="en-US"/>
           </a:p>
@@ -4069,7 +4070,7 @@
           <a:p>
             <a:fld id="{2328C41B-48A3-47AC-B18B-81A9BC6A6005}" type="datetimeFigureOut">
               <a:rPr lang="zh-CN" altLang="en-US" smtClean="0"/>
-              <a:t>2019/2/22</a:t>
+              <a:t>2019/2/24</a:t>
             </a:fld>
             <a:endParaRPr lang="zh-CN" altLang="en-US"/>
           </a:p>
@@ -4267,7 +4268,7 @@
           <a:p>
             <a:fld id="{2328C41B-48A3-47AC-B18B-81A9BC6A6005}" type="datetimeFigureOut">
               <a:rPr lang="zh-CN" altLang="en-US" smtClean="0"/>
-              <a:t>2019/2/22</a:t>
+              <a:t>2019/2/24</a:t>
             </a:fld>
             <a:endParaRPr lang="zh-CN" altLang="en-US"/>
           </a:p>
@@ -4475,7 +4476,7 @@
           <a:p>
             <a:fld id="{2328C41B-48A3-47AC-B18B-81A9BC6A6005}" type="datetimeFigureOut">
               <a:rPr lang="zh-CN" altLang="en-US" smtClean="0"/>
-              <a:t>2019/2/22</a:t>
+              <a:t>2019/2/24</a:t>
             </a:fld>
             <a:endParaRPr lang="zh-CN" altLang="en-US"/>
           </a:p>
@@ -4673,7 +4674,7 @@
           <a:p>
             <a:fld id="{2328C41B-48A3-47AC-B18B-81A9BC6A6005}" type="datetimeFigureOut">
               <a:rPr lang="zh-CN" altLang="en-US" smtClean="0"/>
-              <a:t>2019/2/22</a:t>
+              <a:t>2019/2/24</a:t>
             </a:fld>
             <a:endParaRPr lang="zh-CN" altLang="en-US"/>
           </a:p>
@@ -4948,7 +4949,7 @@
           <a:p>
             <a:fld id="{2328C41B-48A3-47AC-B18B-81A9BC6A6005}" type="datetimeFigureOut">
               <a:rPr lang="zh-CN" altLang="en-US" smtClean="0"/>
-              <a:t>2019/2/22</a:t>
+              <a:t>2019/2/24</a:t>
             </a:fld>
             <a:endParaRPr lang="zh-CN" altLang="en-US"/>
           </a:p>
@@ -5213,7 +5214,7 @@
           <a:p>
             <a:fld id="{2328C41B-48A3-47AC-B18B-81A9BC6A6005}" type="datetimeFigureOut">
               <a:rPr lang="zh-CN" altLang="en-US" smtClean="0"/>
-              <a:t>2019/2/22</a:t>
+              <a:t>2019/2/24</a:t>
             </a:fld>
             <a:endParaRPr lang="zh-CN" altLang="en-US"/>
           </a:p>
@@ -5625,7 +5626,7 @@
           <a:p>
             <a:fld id="{2328C41B-48A3-47AC-B18B-81A9BC6A6005}" type="datetimeFigureOut">
               <a:rPr lang="zh-CN" altLang="en-US" smtClean="0"/>
-              <a:t>2019/2/22</a:t>
+              <a:t>2019/2/24</a:t>
             </a:fld>
             <a:endParaRPr lang="zh-CN" altLang="en-US"/>
           </a:p>
@@ -5766,7 +5767,7 @@
           <a:p>
             <a:fld id="{2328C41B-48A3-47AC-B18B-81A9BC6A6005}" type="datetimeFigureOut">
               <a:rPr lang="zh-CN" altLang="en-US" smtClean="0"/>
-              <a:t>2019/2/22</a:t>
+              <a:t>2019/2/24</a:t>
             </a:fld>
             <a:endParaRPr lang="zh-CN" altLang="en-US"/>
           </a:p>
@@ -5879,7 +5880,7 @@
           <a:p>
             <a:fld id="{2328C41B-48A3-47AC-B18B-81A9BC6A6005}" type="datetimeFigureOut">
               <a:rPr lang="zh-CN" altLang="en-US" smtClean="0"/>
-              <a:t>2019/2/22</a:t>
+              <a:t>2019/2/24</a:t>
             </a:fld>
             <a:endParaRPr lang="zh-CN" altLang="en-US"/>
           </a:p>
@@ -6190,7 +6191,7 @@
           <a:p>
             <a:fld id="{2328C41B-48A3-47AC-B18B-81A9BC6A6005}" type="datetimeFigureOut">
               <a:rPr lang="zh-CN" altLang="en-US" smtClean="0"/>
-              <a:t>2019/2/22</a:t>
+              <a:t>2019/2/24</a:t>
             </a:fld>
             <a:endParaRPr lang="zh-CN" altLang="en-US"/>
           </a:p>
@@ -6478,7 +6479,7 @@
           <a:p>
             <a:fld id="{2328C41B-48A3-47AC-B18B-81A9BC6A6005}" type="datetimeFigureOut">
               <a:rPr lang="zh-CN" altLang="en-US" smtClean="0"/>
-              <a:t>2019/2/22</a:t>
+              <a:t>2019/2/24</a:t>
             </a:fld>
             <a:endParaRPr lang="zh-CN" altLang="en-US"/>
           </a:p>
@@ -6719,7 +6720,7 @@
           <a:p>
             <a:fld id="{2328C41B-48A3-47AC-B18B-81A9BC6A6005}" type="datetimeFigureOut">
               <a:rPr lang="zh-CN" altLang="en-US" smtClean="0"/>
-              <a:t>2019/2/22</a:t>
+              <a:t>2019/2/24</a:t>
             </a:fld>
             <a:endParaRPr lang="zh-CN" altLang="en-US"/>
           </a:p>
@@ -9994,8 +9995,219 @@
           </a:xfrm>
         </p:spPr>
         <p:txBody>
-          <a:bodyPr/>
+          <a:bodyPr>
+            <a:normAutofit fontScale="92500" lnSpcReduction="20000"/>
+          </a:bodyPr>
           <a:lstStyle/>
+          <a:p>
+            <a:pPr marL="0" indent="0" fontAlgn="base">
+              <a:buNone/>
+            </a:pPr>
+            <a:r>
+              <a:rPr lang="en-US" altLang="zh-CN" dirty="0"/>
+              <a:t>Pod</a:t>
+            </a:r>
+            <a:r>
+              <a:rPr lang="zh-CN" altLang="en-US" dirty="0"/>
+              <a:t>是</a:t>
+            </a:r>
+            <a:r>
+              <a:rPr lang="en-US" altLang="zh-CN" dirty="0"/>
+              <a:t>Kubernetes</a:t>
+            </a:r>
+            <a:r>
+              <a:rPr lang="zh-CN" altLang="en-US" dirty="0"/>
+              <a:t>创建或部署的最小</a:t>
+            </a:r>
+            <a:r>
+              <a:rPr lang="en-US" altLang="zh-CN" dirty="0"/>
+              <a:t>/</a:t>
+            </a:r>
+            <a:r>
+              <a:rPr lang="zh-CN" altLang="en-US" dirty="0"/>
+              <a:t>最简单的基本单位，一个</a:t>
+            </a:r>
+            <a:r>
+              <a:rPr lang="en-US" altLang="zh-CN" dirty="0"/>
+              <a:t>Pod</a:t>
+            </a:r>
+            <a:r>
+              <a:rPr lang="zh-CN" altLang="en-US" dirty="0"/>
+              <a:t>代表集群上正在运行的一个进程。</a:t>
+            </a:r>
+          </a:p>
+          <a:p>
+            <a:pPr marL="0" indent="0" fontAlgn="base">
+              <a:buNone/>
+            </a:pPr>
+            <a:r>
+              <a:rPr lang="zh-CN" altLang="en-US" dirty="0"/>
+              <a:t>一个</a:t>
+            </a:r>
+            <a:r>
+              <a:rPr lang="en-US" altLang="zh-CN" dirty="0"/>
+              <a:t>Pod</a:t>
+            </a:r>
+            <a:r>
+              <a:rPr lang="zh-CN" altLang="en-US" dirty="0"/>
+              <a:t>封装一个应用容器（也可以有多个容器），存储资源、一个独立的网络</a:t>
+            </a:r>
+            <a:r>
+              <a:rPr lang="en-US" altLang="zh-CN" dirty="0"/>
+              <a:t>IP</a:t>
+            </a:r>
+            <a:r>
+              <a:rPr lang="zh-CN" altLang="en-US" dirty="0"/>
+              <a:t>以及管理控制容器运行方式的策略选项。</a:t>
+            </a:r>
+            <a:r>
+              <a:rPr lang="en-US" altLang="zh-CN" dirty="0"/>
+              <a:t>Pod</a:t>
+            </a:r>
+            <a:r>
+              <a:rPr lang="zh-CN" altLang="en-US" dirty="0"/>
+              <a:t>代表部署的一个单位：</a:t>
+            </a:r>
+            <a:r>
+              <a:rPr lang="en-US" altLang="zh-CN" dirty="0"/>
+              <a:t>Kubernetes</a:t>
+            </a:r>
+            <a:r>
+              <a:rPr lang="zh-CN" altLang="en-US" dirty="0"/>
+              <a:t>中单个应用的实例，它可能由单个容器或多个容器共享组成的资源。</a:t>
+            </a:r>
+          </a:p>
+          <a:p>
+            <a:pPr marL="0" indent="0" fontAlgn="base">
+              <a:buNone/>
+            </a:pPr>
+            <a:r>
+              <a:rPr lang="en-US" altLang="zh-CN" dirty="0"/>
+              <a:t>Kubernetes</a:t>
+            </a:r>
+            <a:r>
+              <a:rPr lang="zh-CN" altLang="en-US" dirty="0"/>
+              <a:t>中的</a:t>
+            </a:r>
+            <a:r>
+              <a:rPr lang="en-US" altLang="zh-CN" dirty="0"/>
+              <a:t>Pod</a:t>
+            </a:r>
+            <a:r>
+              <a:rPr lang="zh-CN" altLang="en-US" dirty="0"/>
+              <a:t>使用可分两种主要方式：</a:t>
+            </a:r>
+          </a:p>
+          <a:p>
+            <a:pPr fontAlgn="base"/>
+            <a:r>
+              <a:rPr lang="en-US" altLang="zh-CN" dirty="0"/>
+              <a:t>Pod</a:t>
+            </a:r>
+            <a:r>
+              <a:rPr lang="zh-CN" altLang="en-US" dirty="0"/>
+              <a:t>中运行一个容器。“</a:t>
+            </a:r>
+            <a:r>
+              <a:rPr lang="en-US" altLang="zh-CN" dirty="0"/>
+              <a:t>one-container-per-Pod”</a:t>
+            </a:r>
+            <a:r>
+              <a:rPr lang="zh-CN" altLang="en-US" dirty="0"/>
+              <a:t>模式是</a:t>
+            </a:r>
+            <a:r>
+              <a:rPr lang="en-US" altLang="zh-CN" dirty="0"/>
+              <a:t>Kubernetes</a:t>
+            </a:r>
+            <a:r>
+              <a:rPr lang="zh-CN" altLang="en-US" dirty="0"/>
+              <a:t>最常见的用法</a:t>
+            </a:r>
+            <a:r>
+              <a:rPr lang="en-US" altLang="zh-CN" dirty="0"/>
+              <a:t>; </a:t>
+            </a:r>
+            <a:r>
+              <a:rPr lang="zh-CN" altLang="en-US" dirty="0"/>
+              <a:t>在这种情况下，你可以将</a:t>
+            </a:r>
+            <a:r>
+              <a:rPr lang="en-US" altLang="zh-CN" dirty="0"/>
+              <a:t>Pod</a:t>
+            </a:r>
+            <a:r>
+              <a:rPr lang="zh-CN" altLang="en-US" dirty="0"/>
+              <a:t>视为单个封装的容器，但是</a:t>
+            </a:r>
+            <a:r>
+              <a:rPr lang="en-US" altLang="zh-CN" dirty="0"/>
+              <a:t>Kubernetes</a:t>
+            </a:r>
+            <a:r>
+              <a:rPr lang="zh-CN" altLang="en-US" dirty="0"/>
+              <a:t>是直接管理</a:t>
+            </a:r>
+            <a:r>
+              <a:rPr lang="en-US" altLang="zh-CN" dirty="0"/>
+              <a:t>Pod</a:t>
+            </a:r>
+            <a:r>
+              <a:rPr lang="zh-CN" altLang="en-US" dirty="0"/>
+              <a:t>而不是容器。</a:t>
+            </a:r>
+          </a:p>
+          <a:p>
+            <a:pPr fontAlgn="base"/>
+            <a:r>
+              <a:rPr lang="en-US" altLang="zh-CN" dirty="0"/>
+              <a:t>Pods</a:t>
+            </a:r>
+            <a:r>
+              <a:rPr lang="zh-CN" altLang="en-US" dirty="0"/>
+              <a:t>中运行多个需要一起工作的容器。</a:t>
+            </a:r>
+            <a:r>
+              <a:rPr lang="en-US" altLang="zh-CN" dirty="0"/>
+              <a:t>Pod</a:t>
+            </a:r>
+            <a:r>
+              <a:rPr lang="zh-CN" altLang="en-US" dirty="0"/>
+              <a:t>可以封装紧密耦合的应用，它们需要由多个容器组成，它们之间能够共享资源，这些容器可以形成一个单一的内部</a:t>
+            </a:r>
+            <a:r>
+              <a:rPr lang="en-US" altLang="zh-CN" dirty="0"/>
+              <a:t>service</a:t>
+            </a:r>
+            <a:r>
+              <a:rPr lang="zh-CN" altLang="en-US" dirty="0"/>
+              <a:t>单位 </a:t>
+            </a:r>
+            <a:r>
+              <a:rPr lang="en-US" altLang="zh-CN" dirty="0"/>
+              <a:t>- </a:t>
+            </a:r>
+            <a:r>
+              <a:rPr lang="zh-CN" altLang="en-US" dirty="0"/>
+              <a:t>一个容器共享文件，另一个“</a:t>
+            </a:r>
+            <a:r>
+              <a:rPr lang="en-US" altLang="zh-CN" dirty="0"/>
+              <a:t>sidecar”</a:t>
+            </a:r>
+            <a:r>
+              <a:rPr lang="zh-CN" altLang="en-US" dirty="0"/>
+              <a:t>容器来更新这些文件。</a:t>
+            </a:r>
+            <a:r>
+              <a:rPr lang="en-US" altLang="zh-CN" dirty="0"/>
+              <a:t>Pod</a:t>
+            </a:r>
+            <a:r>
+              <a:rPr lang="zh-CN" altLang="en-US" dirty="0"/>
+              <a:t>将这些容器的存储资源作为一个实体来管理。</a:t>
+            </a:r>
+          </a:p>
           <a:p>
             <a:endParaRPr lang="zh-CN" altLang="en-US" dirty="0"/>
           </a:p>
@@ -10061,7 +10273,7 @@
           <a:p>
             <a:r>
               <a:rPr lang="en-US" altLang="zh-CN" sz="3000" dirty="0" err="1"/>
-              <a:t>CronJob</a:t>
+              <a:t>ReplicaSet</a:t>
             </a:r>
             <a:endParaRPr lang="zh-CN" altLang="en-US" sz="3000" dirty="0"/>
           </a:p>
@@ -10090,9 +10302,295 @@
           </a:xfrm>
         </p:spPr>
         <p:txBody>
-          <a:bodyPr/>
+          <a:bodyPr>
+            <a:normAutofit fontScale="92500"/>
+          </a:bodyPr>
           <a:lstStyle/>
           <a:p>
+            <a:pPr marL="0" indent="0">
+              <a:buNone/>
+            </a:pPr>
+            <a:r>
+              <a:rPr lang="en-US" altLang="zh-CN" dirty="0" err="1"/>
+              <a:t>ReplicaSet</a:t>
+            </a:r>
+            <a:r>
+              <a:rPr lang="zh-CN" altLang="en-US" dirty="0"/>
+              <a:t>是下一代复本控制器。</a:t>
+            </a:r>
+            <a:r>
+              <a:rPr lang="en-US" altLang="zh-CN" dirty="0" err="1"/>
+              <a:t>ReplicaSet</a:t>
+            </a:r>
+            <a:r>
+              <a:rPr lang="zh-CN" altLang="en-US" dirty="0"/>
+              <a:t>和 </a:t>
+            </a:r>
+            <a:r>
+              <a:rPr lang="en-US" altLang="zh-CN" i="1" dirty="0">
+                <a:hlinkClick r:id="rId2"/>
+              </a:rPr>
+              <a:t>Replication Controller</a:t>
+            </a:r>
+            <a:r>
+              <a:rPr lang="zh-CN" altLang="en-US" dirty="0"/>
+              <a:t>之间的唯一区别是现在的选择器支持。</a:t>
+            </a:r>
+            <a:r>
+              <a:rPr lang="en-US" altLang="zh-CN" i="1" dirty="0"/>
+              <a:t>Replication Controller</a:t>
+            </a:r>
+            <a:r>
+              <a:rPr lang="zh-CN" altLang="en-US" dirty="0"/>
+              <a:t>只支持基于等式的</a:t>
+            </a:r>
+            <a:r>
+              <a:rPr lang="en-US" altLang="zh-CN" dirty="0"/>
+              <a:t>selector</a:t>
+            </a:r>
+            <a:r>
+              <a:rPr lang="zh-CN" altLang="en-US" dirty="0"/>
+              <a:t>（</a:t>
+            </a:r>
+            <a:r>
+              <a:rPr lang="en-US" altLang="zh-CN" dirty="0"/>
+              <a:t>env=dev</a:t>
+            </a:r>
+            <a:r>
+              <a:rPr lang="zh-CN" altLang="en-US" dirty="0"/>
+              <a:t>或</a:t>
+            </a:r>
+            <a:r>
+              <a:rPr lang="en-US" altLang="zh-CN" dirty="0"/>
+              <a:t>environment!=</a:t>
+            </a:r>
+            <a:r>
+              <a:rPr lang="en-US" altLang="zh-CN" dirty="0" err="1"/>
+              <a:t>qa</a:t>
+            </a:r>
+            <a:r>
+              <a:rPr lang="zh-CN" altLang="en-US" dirty="0"/>
+              <a:t>），但</a:t>
+            </a:r>
+            <a:r>
+              <a:rPr lang="en-US" altLang="zh-CN" dirty="0" err="1"/>
+              <a:t>ReplicaSet</a:t>
+            </a:r>
+            <a:r>
+              <a:rPr lang="zh-CN" altLang="en-US" dirty="0"/>
+              <a:t>还支持新的，基于集合的</a:t>
+            </a:r>
+            <a:r>
+              <a:rPr lang="en-US" altLang="zh-CN" dirty="0"/>
+              <a:t>selector</a:t>
+            </a:r>
+            <a:r>
+              <a:rPr lang="zh-CN" altLang="en-US" dirty="0"/>
+              <a:t>（</a:t>
+            </a:r>
+            <a:r>
+              <a:rPr lang="en-US" altLang="zh-CN" dirty="0"/>
+              <a:t>version in (v1.0, v2.0)</a:t>
+            </a:r>
+            <a:r>
+              <a:rPr lang="zh-CN" altLang="en-US" dirty="0"/>
+              <a:t>或</a:t>
+            </a:r>
+            <a:r>
+              <a:rPr lang="en-US" altLang="zh-CN" dirty="0"/>
+              <a:t>env </a:t>
+            </a:r>
+            <a:r>
+              <a:rPr lang="en-US" altLang="zh-CN" dirty="0" err="1"/>
+              <a:t>notin</a:t>
+            </a:r>
+            <a:r>
+              <a:rPr lang="en-US" altLang="zh-CN" dirty="0"/>
+              <a:t> (dev, </a:t>
+            </a:r>
+            <a:r>
+              <a:rPr lang="en-US" altLang="zh-CN" dirty="0" err="1"/>
+              <a:t>qa</a:t>
+            </a:r>
+            <a:r>
+              <a:rPr lang="en-US" altLang="zh-CN" dirty="0"/>
+              <a:t>)</a:t>
+            </a:r>
+            <a:r>
+              <a:rPr lang="zh-CN" altLang="en-US" dirty="0"/>
+              <a:t>）。在试用时官方推荐</a:t>
+            </a:r>
+            <a:r>
+              <a:rPr lang="en-US" altLang="zh-CN" dirty="0" err="1"/>
+              <a:t>ReplicaSet</a:t>
+            </a:r>
+            <a:r>
+              <a:rPr lang="zh-CN" altLang="en-US" dirty="0"/>
+              <a:t>。</a:t>
+            </a:r>
+          </a:p>
+          <a:p>
+            <a:pPr marL="0" indent="0">
+              <a:buNone/>
+            </a:pPr>
+            <a:r>
+              <a:rPr lang="zh-CN" altLang="en-US" dirty="0"/>
+              <a:t>大多数</a:t>
+            </a:r>
+            <a:r>
+              <a:rPr lang="en-US" altLang="zh-CN" dirty="0" err="1">
+                <a:hlinkClick r:id="rId3"/>
+              </a:rPr>
+              <a:t>kubectl</a:t>
+            </a:r>
+            <a:r>
+              <a:rPr lang="zh-CN" altLang="en-US" dirty="0"/>
+              <a:t>支持</a:t>
+            </a:r>
+            <a:r>
+              <a:rPr lang="en-US" altLang="zh-CN" i="1" dirty="0"/>
+              <a:t>Replication Controller</a:t>
+            </a:r>
+            <a:r>
+              <a:rPr lang="zh-CN" altLang="en-US" dirty="0"/>
+              <a:t>的命令也支持</a:t>
+            </a:r>
+            <a:r>
+              <a:rPr lang="en-US" altLang="zh-CN" dirty="0" err="1"/>
+              <a:t>ReplicaSets</a:t>
+            </a:r>
+            <a:r>
+              <a:rPr lang="zh-CN" altLang="en-US" dirty="0"/>
+              <a:t>。</a:t>
+            </a:r>
+            <a:r>
+              <a:rPr lang="en-US" altLang="zh-CN" dirty="0">
+                <a:hlinkClick r:id="rId4"/>
+              </a:rPr>
+              <a:t>rolling-update</a:t>
+            </a:r>
+            <a:r>
+              <a:rPr lang="zh-CN" altLang="en-US" dirty="0"/>
+              <a:t>命令有一个例外 。如果您想要滚动更新功能，请考虑使用</a:t>
+            </a:r>
+            <a:r>
+              <a:rPr lang="en-US" altLang="zh-CN" dirty="0"/>
+              <a:t>Deployments</a:t>
+            </a:r>
+            <a:r>
+              <a:rPr lang="zh-CN" altLang="en-US" dirty="0"/>
+              <a:t>。此外， </a:t>
+            </a:r>
+            <a:r>
+              <a:rPr lang="en-US" altLang="zh-CN" dirty="0"/>
+              <a:t>rolling-update</a:t>
+            </a:r>
+            <a:r>
+              <a:rPr lang="zh-CN" altLang="en-US" dirty="0"/>
+              <a:t>命令是必须的，而</a:t>
+            </a:r>
+            <a:r>
+              <a:rPr lang="en-US" altLang="zh-CN" dirty="0"/>
+              <a:t>Deployments</a:t>
+            </a:r>
+            <a:r>
+              <a:rPr lang="zh-CN" altLang="en-US" dirty="0"/>
+              <a:t>是声明式的，因此我们建议通过</a:t>
+            </a:r>
+            <a:r>
+              <a:rPr lang="en-US" altLang="zh-CN" dirty="0"/>
+              <a:t>rollout</a:t>
+            </a:r>
+            <a:r>
+              <a:rPr lang="zh-CN" altLang="en-US" dirty="0"/>
+              <a:t>命令使用</a:t>
+            </a:r>
+            <a:r>
+              <a:rPr lang="en-US" altLang="zh-CN" dirty="0"/>
+              <a:t>Deployments</a:t>
+            </a:r>
+            <a:r>
+              <a:rPr lang="zh-CN" altLang="en-US" dirty="0"/>
+              <a:t>。</a:t>
+            </a:r>
+          </a:p>
+          <a:p>
+            <a:pPr marL="0" indent="0">
+              <a:buNone/>
+            </a:pPr>
+            <a:r>
+              <a:rPr lang="zh-CN" altLang="en-US" dirty="0"/>
+              <a:t>虽然</a:t>
+            </a:r>
+            <a:r>
+              <a:rPr lang="en-US" altLang="zh-CN" dirty="0" err="1"/>
+              <a:t>ReplicaSets</a:t>
+            </a:r>
+            <a:r>
+              <a:rPr lang="zh-CN" altLang="en-US" dirty="0"/>
+              <a:t>可以独立使用，但是今天它主要被 </a:t>
+            </a:r>
+            <a:r>
+              <a:rPr lang="en-US" altLang="zh-CN" dirty="0">
+                <a:hlinkClick r:id="rId5"/>
+              </a:rPr>
+              <a:t>Deployments</a:t>
+            </a:r>
+            <a:r>
+              <a:rPr lang="en-US" altLang="zh-CN" dirty="0"/>
+              <a:t> </a:t>
+            </a:r>
+            <a:r>
+              <a:rPr lang="zh-CN" altLang="en-US" dirty="0"/>
+              <a:t>作为协调</a:t>
+            </a:r>
+            <a:r>
+              <a:rPr lang="en-US" altLang="zh-CN" dirty="0">
+                <a:hlinkClick r:id="rId6"/>
+              </a:rPr>
+              <a:t>pod</a:t>
+            </a:r>
+            <a:r>
+              <a:rPr lang="zh-CN" altLang="en-US" dirty="0"/>
+              <a:t>创建，删除和更新的机制。当您使用</a:t>
+            </a:r>
+            <a:r>
+              <a:rPr lang="en-US" altLang="zh-CN" dirty="0"/>
+              <a:t>Deployments</a:t>
+            </a:r>
+            <a:r>
+              <a:rPr lang="zh-CN" altLang="en-US" dirty="0"/>
+              <a:t>时，您不必担心管理他们创建的</a:t>
+            </a:r>
+            <a:r>
+              <a:rPr lang="en-US" altLang="zh-CN" dirty="0" err="1"/>
+              <a:t>ReplicaSets</a:t>
+            </a:r>
+            <a:r>
+              <a:rPr lang="zh-CN" altLang="en-US" dirty="0"/>
+              <a:t>。</a:t>
+            </a:r>
+            <a:r>
+              <a:rPr lang="en-US" altLang="zh-CN" dirty="0"/>
+              <a:t>Deployments</a:t>
+            </a:r>
+            <a:r>
+              <a:rPr lang="zh-CN" altLang="en-US" dirty="0"/>
+              <a:t>拥有并管理其</a:t>
+            </a:r>
+            <a:r>
+              <a:rPr lang="en-US" altLang="zh-CN" dirty="0" err="1"/>
+              <a:t>ReplicaSets</a:t>
+            </a:r>
+            <a:r>
+              <a:rPr lang="zh-CN" altLang="en-US" dirty="0"/>
+              <a:t>。</a:t>
+            </a:r>
+          </a:p>
+          <a:p>
+            <a:pPr marL="0" indent="0">
+              <a:buNone/>
+            </a:pPr>
             <a:endParaRPr lang="zh-CN" altLang="en-US" dirty="0"/>
           </a:p>
         </p:txBody>
@@ -10100,7 +10598,7 @@
     </p:spTree>
     <p:extLst>
       <p:ext uri="{BB962C8B-B14F-4D97-AF65-F5344CB8AC3E}">
-        <p14:creationId xmlns:p14="http://schemas.microsoft.com/office/powerpoint/2010/main" val="3892234774"/>
+        <p14:creationId xmlns:p14="http://schemas.microsoft.com/office/powerpoint/2010/main" val="270914154"/>
       </p:ext>
     </p:extLst>
   </p:cSld>
@@ -10157,7 +10655,7 @@
           <a:p>
             <a:r>
               <a:rPr lang="en-US" altLang="zh-CN" sz="3000" dirty="0"/>
-              <a:t>Job</a:t>
+              <a:t>Deployment</a:t>
             </a:r>
             <a:endParaRPr lang="zh-CN" altLang="en-US" sz="3000" dirty="0"/>
           </a:p>
@@ -10186,8 +10684,323 @@
           </a:xfrm>
         </p:spPr>
         <p:txBody>
-          <a:bodyPr/>
+          <a:bodyPr>
+            <a:normAutofit fontScale="77500" lnSpcReduction="20000"/>
+          </a:bodyPr>
           <a:lstStyle/>
+          <a:p>
+            <a:pPr marL="0" indent="0">
+              <a:buNone/>
+            </a:pPr>
+            <a:r>
+              <a:rPr lang="en-US" altLang="zh-CN" dirty="0"/>
+              <a:t>Deployment</a:t>
+            </a:r>
+            <a:r>
+              <a:rPr lang="zh-CN" altLang="en-US" dirty="0"/>
+              <a:t>为</a:t>
+            </a:r>
+            <a:r>
+              <a:rPr lang="en-US" altLang="zh-CN" dirty="0"/>
+              <a:t>Pod</a:t>
+            </a:r>
+            <a:r>
+              <a:rPr lang="zh-CN" altLang="en-US" dirty="0"/>
+              <a:t>和</a:t>
+            </a:r>
+            <a:r>
+              <a:rPr lang="en-US" altLang="zh-CN" dirty="0"/>
+              <a:t>Replica Set</a:t>
+            </a:r>
+            <a:r>
+              <a:rPr lang="zh-CN" altLang="en-US" dirty="0"/>
+              <a:t>（下一代</a:t>
+            </a:r>
+            <a:r>
+              <a:rPr lang="en-US" altLang="zh-CN" dirty="0"/>
+              <a:t>Replication Controller</a:t>
+            </a:r>
+            <a:r>
+              <a:rPr lang="zh-CN" altLang="en-US" dirty="0"/>
+              <a:t>）提供声明式更新。</a:t>
+            </a:r>
+          </a:p>
+          <a:p>
+            <a:pPr marL="0" indent="0">
+              <a:buNone/>
+            </a:pPr>
+            <a:r>
+              <a:rPr lang="zh-CN" altLang="en-US" dirty="0"/>
+              <a:t>你只需要在</a:t>
+            </a:r>
+            <a:r>
+              <a:rPr lang="en-US" altLang="zh-CN" dirty="0"/>
+              <a:t>Deployment</a:t>
+            </a:r>
+            <a:r>
+              <a:rPr lang="zh-CN" altLang="en-US" dirty="0"/>
+              <a:t>中描述你想要的目标状态是什么，</a:t>
+            </a:r>
+            <a:r>
+              <a:rPr lang="en-US" altLang="zh-CN" dirty="0"/>
+              <a:t>Deployment controller</a:t>
+            </a:r>
+            <a:r>
+              <a:rPr lang="zh-CN" altLang="en-US" dirty="0"/>
+              <a:t>就会帮你将</a:t>
+            </a:r>
+            <a:r>
+              <a:rPr lang="en-US" altLang="zh-CN" dirty="0"/>
+              <a:t>Pod</a:t>
+            </a:r>
+            <a:r>
+              <a:rPr lang="zh-CN" altLang="en-US" dirty="0"/>
+              <a:t>和</a:t>
+            </a:r>
+            <a:r>
+              <a:rPr lang="en-US" altLang="zh-CN" dirty="0"/>
+              <a:t>Replica Set</a:t>
+            </a:r>
+            <a:r>
+              <a:rPr lang="zh-CN" altLang="en-US" dirty="0"/>
+              <a:t>的实际状态改变到你的目标状态。你可以定义一个全新的</a:t>
+            </a:r>
+            <a:r>
+              <a:rPr lang="en-US" altLang="zh-CN" dirty="0"/>
+              <a:t>Deployment</a:t>
+            </a:r>
+            <a:r>
+              <a:rPr lang="zh-CN" altLang="en-US" dirty="0"/>
+              <a:t>，也可以创建一个新的替换旧的</a:t>
+            </a:r>
+            <a:r>
+              <a:rPr lang="en-US" altLang="zh-CN" dirty="0"/>
+              <a:t>Deployment</a:t>
+            </a:r>
+            <a:r>
+              <a:rPr lang="zh-CN" altLang="en-US" dirty="0"/>
+              <a:t>。</a:t>
+            </a:r>
+          </a:p>
+          <a:p>
+            <a:pPr marL="0" indent="0">
+              <a:buNone/>
+            </a:pPr>
+            <a:r>
+              <a:rPr lang="zh-CN" altLang="en-US" dirty="0"/>
+              <a:t>一个典型的用例如下：</a:t>
+            </a:r>
+          </a:p>
+          <a:p>
+            <a:r>
+              <a:rPr lang="zh-CN" altLang="en-US" dirty="0"/>
+              <a:t>使用</a:t>
+            </a:r>
+            <a:r>
+              <a:rPr lang="en-US" altLang="zh-CN" dirty="0"/>
+              <a:t>Deployment</a:t>
+            </a:r>
+            <a:r>
+              <a:rPr lang="zh-CN" altLang="en-US" dirty="0"/>
+              <a:t>来创建</a:t>
+            </a:r>
+            <a:r>
+              <a:rPr lang="en-US" altLang="zh-CN" dirty="0" err="1"/>
+              <a:t>ReplicaSet</a:t>
+            </a:r>
+            <a:r>
+              <a:rPr lang="zh-CN" altLang="en-US" dirty="0"/>
+              <a:t>。</a:t>
+            </a:r>
+            <a:r>
+              <a:rPr lang="en-US" altLang="zh-CN" dirty="0" err="1"/>
+              <a:t>ReplicaSet</a:t>
+            </a:r>
+            <a:r>
+              <a:rPr lang="zh-CN" altLang="en-US" dirty="0"/>
+              <a:t>在后台创建</a:t>
+            </a:r>
+            <a:r>
+              <a:rPr lang="en-US" altLang="zh-CN" dirty="0"/>
+              <a:t>pod</a:t>
+            </a:r>
+            <a:r>
+              <a:rPr lang="zh-CN" altLang="en-US" dirty="0"/>
+              <a:t>。检查启动状态，看它是成功还是失败。</a:t>
+            </a:r>
+          </a:p>
+          <a:p>
+            <a:r>
+              <a:rPr lang="zh-CN" altLang="en-US" dirty="0"/>
+              <a:t>然后，通过更新</a:t>
+            </a:r>
+            <a:r>
+              <a:rPr lang="en-US" altLang="zh-CN" dirty="0"/>
+              <a:t>Deployment</a:t>
+            </a:r>
+            <a:r>
+              <a:rPr lang="zh-CN" altLang="en-US" dirty="0"/>
+              <a:t>的</a:t>
+            </a:r>
+            <a:r>
+              <a:rPr lang="en-US" altLang="zh-CN" dirty="0" err="1"/>
+              <a:t>PodTemplateSpec</a:t>
+            </a:r>
+            <a:r>
+              <a:rPr lang="zh-CN" altLang="en-US" dirty="0"/>
+              <a:t>字段来声明</a:t>
+            </a:r>
+            <a:r>
+              <a:rPr lang="en-US" altLang="zh-CN" dirty="0"/>
+              <a:t>Pod</a:t>
+            </a:r>
+            <a:r>
+              <a:rPr lang="zh-CN" altLang="en-US" dirty="0"/>
+              <a:t>的新状态。这会创建一个新的</a:t>
+            </a:r>
+            <a:r>
+              <a:rPr lang="en-US" altLang="zh-CN" dirty="0" err="1"/>
+              <a:t>ReplicaSet</a:t>
+            </a:r>
+            <a:r>
+              <a:rPr lang="zh-CN" altLang="en-US" dirty="0"/>
+              <a:t>，</a:t>
+            </a:r>
+            <a:r>
+              <a:rPr lang="en-US" altLang="zh-CN" dirty="0"/>
+              <a:t>Deployment</a:t>
+            </a:r>
+            <a:r>
+              <a:rPr lang="zh-CN" altLang="en-US" dirty="0"/>
+              <a:t>会按照控制的速率将</a:t>
+            </a:r>
+            <a:r>
+              <a:rPr lang="en-US" altLang="zh-CN" dirty="0"/>
+              <a:t>pod</a:t>
+            </a:r>
+            <a:r>
+              <a:rPr lang="zh-CN" altLang="en-US" dirty="0"/>
+              <a:t>从旧的</a:t>
+            </a:r>
+            <a:r>
+              <a:rPr lang="en-US" altLang="zh-CN" dirty="0" err="1"/>
+              <a:t>ReplicaSet</a:t>
+            </a:r>
+            <a:r>
+              <a:rPr lang="zh-CN" altLang="en-US" dirty="0"/>
+              <a:t>移动到新的</a:t>
+            </a:r>
+            <a:r>
+              <a:rPr lang="en-US" altLang="zh-CN" dirty="0" err="1"/>
+              <a:t>ReplicaSet</a:t>
+            </a:r>
+            <a:r>
+              <a:rPr lang="zh-CN" altLang="en-US" dirty="0"/>
+              <a:t>中。</a:t>
+            </a:r>
+          </a:p>
+          <a:p>
+            <a:r>
+              <a:rPr lang="zh-CN" altLang="en-US" dirty="0"/>
+              <a:t>如果当前状态不稳定，回滚到之前的</a:t>
+            </a:r>
+            <a:r>
+              <a:rPr lang="en-US" altLang="zh-CN" dirty="0"/>
+              <a:t>Deployment revision</a:t>
+            </a:r>
+            <a:r>
+              <a:rPr lang="zh-CN" altLang="en-US" dirty="0"/>
+              <a:t>。每次回滚都会更新</a:t>
+            </a:r>
+            <a:r>
+              <a:rPr lang="en-US" altLang="zh-CN" dirty="0"/>
+              <a:t>Deployment</a:t>
+            </a:r>
+            <a:r>
+              <a:rPr lang="zh-CN" altLang="en-US" dirty="0"/>
+              <a:t>的</a:t>
+            </a:r>
+            <a:r>
+              <a:rPr lang="en-US" altLang="zh-CN" dirty="0"/>
+              <a:t>revision</a:t>
+            </a:r>
+            <a:r>
+              <a:rPr lang="zh-CN" altLang="en-US" dirty="0"/>
+              <a:t>。</a:t>
+            </a:r>
+          </a:p>
+          <a:p>
+            <a:r>
+              <a:rPr lang="zh-CN" altLang="en-US" dirty="0"/>
+              <a:t>扩容</a:t>
+            </a:r>
+            <a:r>
+              <a:rPr lang="en-US" altLang="zh-CN" dirty="0"/>
+              <a:t>Deployment</a:t>
+            </a:r>
+            <a:r>
+              <a:rPr lang="zh-CN" altLang="en-US" dirty="0"/>
+              <a:t>以满足更高的负载。</a:t>
+            </a:r>
+          </a:p>
+          <a:p>
+            <a:r>
+              <a:rPr lang="zh-CN" altLang="en-US" dirty="0"/>
+              <a:t>暂停</a:t>
+            </a:r>
+            <a:r>
+              <a:rPr lang="en-US" altLang="zh-CN" dirty="0"/>
+              <a:t>Deployment</a:t>
+            </a:r>
+            <a:r>
+              <a:rPr lang="zh-CN" altLang="en-US" dirty="0"/>
+              <a:t>来应用</a:t>
+            </a:r>
+            <a:r>
+              <a:rPr lang="en-US" altLang="zh-CN" dirty="0" err="1"/>
+              <a:t>PodTemplateSpec</a:t>
+            </a:r>
+            <a:r>
+              <a:rPr lang="zh-CN" altLang="en-US" dirty="0"/>
+              <a:t>的多个修复，然后恢复上线。</a:t>
+            </a:r>
+          </a:p>
+          <a:p>
+            <a:r>
+              <a:rPr lang="zh-CN" altLang="en-US" dirty="0"/>
+              <a:t>根据</a:t>
+            </a:r>
+            <a:r>
+              <a:rPr lang="en-US" altLang="zh-CN" dirty="0"/>
+              <a:t>Deployment </a:t>
+            </a:r>
+            <a:r>
+              <a:rPr lang="zh-CN" altLang="en-US" dirty="0"/>
+              <a:t>的状态判断上线是否</a:t>
+            </a:r>
+            <a:r>
+              <a:rPr lang="en-US" altLang="zh-CN" dirty="0"/>
+              <a:t>hang</a:t>
+            </a:r>
+            <a:r>
+              <a:rPr lang="zh-CN" altLang="en-US" dirty="0"/>
+              <a:t>住了。</a:t>
+            </a:r>
+          </a:p>
+          <a:p>
+            <a:r>
+              <a:rPr lang="zh-CN" altLang="en-US" dirty="0"/>
+              <a:t>清除旧的不必要的</a:t>
+            </a:r>
+            <a:r>
+              <a:rPr lang="en-US" altLang="zh-CN" dirty="0" err="1"/>
+              <a:t>ReplicaSet</a:t>
+            </a:r>
+            <a:r>
+              <a:rPr lang="zh-CN" altLang="en-US" dirty="0"/>
+              <a:t>。</a:t>
+            </a:r>
+          </a:p>
           <a:p>
             <a:endParaRPr lang="zh-CN" altLang="en-US" dirty="0"/>
           </a:p>
@@ -10196,7 +11009,7 @@
     </p:spTree>
     <p:extLst>
       <p:ext uri="{BB962C8B-B14F-4D97-AF65-F5344CB8AC3E}">
-        <p14:creationId xmlns:p14="http://schemas.microsoft.com/office/powerpoint/2010/main" val="2829438646"/>
+        <p14:creationId xmlns:p14="http://schemas.microsoft.com/office/powerpoint/2010/main" val="2453502414"/>
       </p:ext>
     </p:extLst>
   </p:cSld>
@@ -11004,7 +11817,7 @@
           <a:p>
             <a:r>
               <a:rPr lang="en-US" altLang="zh-CN" sz="3000" dirty="0" err="1"/>
-              <a:t>HorizontalPodAutoscaler</a:t>
+              <a:t>CronJob</a:t>
             </a:r>
             <a:endParaRPr lang="zh-CN" altLang="en-US" sz="3000" dirty="0"/>
           </a:p>
@@ -11043,7 +11856,7 @@
     </p:spTree>
     <p:extLst>
       <p:ext uri="{BB962C8B-B14F-4D97-AF65-F5344CB8AC3E}">
-        <p14:creationId xmlns:p14="http://schemas.microsoft.com/office/powerpoint/2010/main" val="3680961571"/>
+        <p14:creationId xmlns:p14="http://schemas.microsoft.com/office/powerpoint/2010/main" val="3892234774"/>
       </p:ext>
     </p:extLst>
   </p:cSld>
@@ -11099,8 +11912,8 @@
           <a:lstStyle/>
           <a:p>
             <a:r>
-              <a:rPr lang="en-US" altLang="zh-CN" sz="3000" dirty="0" err="1"/>
-              <a:t>ConfigMap</a:t>
+              <a:rPr lang="en-US" altLang="zh-CN" sz="3000" dirty="0"/>
+              <a:t>Job</a:t>
             </a:r>
             <a:endParaRPr lang="zh-CN" altLang="en-US" sz="3000" dirty="0"/>
           </a:p>
@@ -11139,7 +11952,7 @@
     </p:spTree>
     <p:extLst>
       <p:ext uri="{BB962C8B-B14F-4D97-AF65-F5344CB8AC3E}">
-        <p14:creationId xmlns:p14="http://schemas.microsoft.com/office/powerpoint/2010/main" val="27142358"/>
+        <p14:creationId xmlns:p14="http://schemas.microsoft.com/office/powerpoint/2010/main" val="2829438646"/>
       </p:ext>
     </p:extLst>
   </p:cSld>
@@ -11195,8 +12008,8 @@
           <a:lstStyle/>
           <a:p>
             <a:r>
-              <a:rPr lang="en-US" altLang="zh-CN" sz="3000" dirty="0"/>
-              <a:t>Secret</a:t>
+              <a:rPr lang="en-US" altLang="zh-CN" sz="3000" dirty="0" err="1"/>
+              <a:t>HorizontalPodAutoscaler</a:t>
             </a:r>
             <a:endParaRPr lang="zh-CN" altLang="en-US" sz="3000" dirty="0"/>
           </a:p>
@@ -11235,7 +12048,7 @@
     </p:spTree>
     <p:extLst>
       <p:ext uri="{BB962C8B-B14F-4D97-AF65-F5344CB8AC3E}">
-        <p14:creationId xmlns:p14="http://schemas.microsoft.com/office/powerpoint/2010/main" val="683582217"/>
+        <p14:creationId xmlns:p14="http://schemas.microsoft.com/office/powerpoint/2010/main" val="3680961571"/>
       </p:ext>
     </p:extLst>
   </p:cSld>
@@ -11292,7 +12105,7 @@
           <a:p>
             <a:r>
               <a:rPr lang="en-US" altLang="zh-CN" sz="3000" dirty="0" err="1"/>
-              <a:t>StatefulSet</a:t>
+              <a:t>ConfigMap</a:t>
             </a:r>
             <a:endParaRPr lang="zh-CN" altLang="en-US" sz="3000" dirty="0"/>
           </a:p>
@@ -11331,7 +12144,7 @@
     </p:spTree>
     <p:extLst>
       <p:ext uri="{BB962C8B-B14F-4D97-AF65-F5344CB8AC3E}">
-        <p14:creationId xmlns:p14="http://schemas.microsoft.com/office/powerpoint/2010/main" val="1328722284"/>
+        <p14:creationId xmlns:p14="http://schemas.microsoft.com/office/powerpoint/2010/main" val="27142358"/>
       </p:ext>
     </p:extLst>
   </p:cSld>
@@ -11387,8 +12200,8 @@
           <a:lstStyle/>
           <a:p>
             <a:r>
-              <a:rPr lang="en-US" altLang="zh-CN" sz="3000" dirty="0" err="1"/>
-              <a:t>DaemonSet</a:t>
+              <a:rPr lang="en-US" altLang="zh-CN" sz="3000" dirty="0"/>
+              <a:t>Secret</a:t>
             </a:r>
             <a:endParaRPr lang="zh-CN" altLang="en-US" sz="3000" dirty="0"/>
           </a:p>
@@ -11427,7 +12240,7 @@
     </p:spTree>
     <p:extLst>
       <p:ext uri="{BB962C8B-B14F-4D97-AF65-F5344CB8AC3E}">
-        <p14:creationId xmlns:p14="http://schemas.microsoft.com/office/powerpoint/2010/main" val="205566881"/>
+        <p14:creationId xmlns:p14="http://schemas.microsoft.com/office/powerpoint/2010/main" val="683582217"/>
       </p:ext>
     </p:extLst>
   </p:cSld>
@@ -11483,8 +12296,8 @@
           <a:lstStyle/>
           <a:p>
             <a:r>
-              <a:rPr lang="en-US" altLang="zh-CN" sz="3000" dirty="0"/>
-              <a:t>Deployment</a:t>
+              <a:rPr lang="en-US" altLang="zh-CN" sz="3000" dirty="0" err="1"/>
+              <a:t>StatefulSet</a:t>
             </a:r>
             <a:endParaRPr lang="zh-CN" altLang="en-US" sz="3000" dirty="0"/>
           </a:p>
@@ -11523,7 +12336,7 @@
     </p:spTree>
     <p:extLst>
       <p:ext uri="{BB962C8B-B14F-4D97-AF65-F5344CB8AC3E}">
-        <p14:creationId xmlns:p14="http://schemas.microsoft.com/office/powerpoint/2010/main" val="2453502414"/>
+        <p14:creationId xmlns:p14="http://schemas.microsoft.com/office/powerpoint/2010/main" val="1328722284"/>
       </p:ext>
     </p:extLst>
   </p:cSld>
@@ -11579,8 +12392,8 @@
           <a:lstStyle/>
           <a:p>
             <a:r>
-              <a:rPr lang="en-US" altLang="zh-CN" sz="3000" dirty="0"/>
-              <a:t>Service</a:t>
+              <a:rPr lang="en-US" altLang="zh-CN" sz="3000" dirty="0" err="1"/>
+              <a:t>DaemonSet</a:t>
             </a:r>
             <a:endParaRPr lang="zh-CN" altLang="en-US" sz="3000" dirty="0"/>
           </a:p>
@@ -11619,6 +12432,102 @@
     </p:spTree>
     <p:extLst>
       <p:ext uri="{BB962C8B-B14F-4D97-AF65-F5344CB8AC3E}">
+        <p14:creationId xmlns:p14="http://schemas.microsoft.com/office/powerpoint/2010/main" val="205566881"/>
+      </p:ext>
+    </p:extLst>
+  </p:cSld>
+  <p:clrMapOvr>
+    <a:masterClrMapping/>
+  </p:clrMapOvr>
+</p:sld>
+</file>
+
+<file path=ppt/slides/slide27.xml><?xml version="1.0" encoding="utf-8"?>
+<p:sld xmlns:a="http://schemas.openxmlformats.org/drawingml/2006/main" xmlns:r="http://schemas.openxmlformats.org/officeDocument/2006/relationships" xmlns:p="http://schemas.openxmlformats.org/presentationml/2006/main">
+  <p:cSld>
+    <p:spTree>
+      <p:nvGrpSpPr>
+        <p:cNvPr id="1" name=""/>
+        <p:cNvGrpSpPr/>
+        <p:nvPr/>
+      </p:nvGrpSpPr>
+      <p:grpSpPr>
+        <a:xfrm>
+          <a:off x="0" y="0"/>
+          <a:ext cx="0" cy="0"/>
+          <a:chOff x="0" y="0"/>
+          <a:chExt cx="0" cy="0"/>
+        </a:xfrm>
+      </p:grpSpPr>
+      <p:sp>
+        <p:nvSpPr>
+          <p:cNvPr id="2" name="标题 1">
+            <a:extLst>
+              <a:ext uri="{FF2B5EF4-FFF2-40B4-BE49-F238E27FC236}">
+                <a16:creationId xmlns:a16="http://schemas.microsoft.com/office/drawing/2014/main" id="{EAE9FAA8-C318-4695-A8C8-CA1E97AE07C6}"/>
+              </a:ext>
+            </a:extLst>
+          </p:cNvPr>
+          <p:cNvSpPr>
+            <a:spLocks noGrp="1"/>
+          </p:cNvSpPr>
+          <p:nvPr>
+            <p:ph type="title"/>
+          </p:nvPr>
+        </p:nvSpPr>
+        <p:spPr>
+          <a:xfrm>
+            <a:off x="838200" y="365126"/>
+            <a:ext cx="10515600" cy="644968"/>
+          </a:xfrm>
+        </p:spPr>
+        <p:txBody>
+          <a:bodyPr>
+            <a:normAutofit/>
+          </a:bodyPr>
+          <a:lstStyle/>
+          <a:p>
+            <a:r>
+              <a:rPr lang="en-US" altLang="zh-CN" sz="3000" dirty="0"/>
+              <a:t>Service</a:t>
+            </a:r>
+            <a:endParaRPr lang="zh-CN" altLang="en-US" sz="3000" dirty="0"/>
+          </a:p>
+        </p:txBody>
+      </p:sp>
+      <p:sp>
+        <p:nvSpPr>
+          <p:cNvPr id="3" name="内容占位符 2">
+            <a:extLst>
+              <a:ext uri="{FF2B5EF4-FFF2-40B4-BE49-F238E27FC236}">
+                <a16:creationId xmlns:a16="http://schemas.microsoft.com/office/drawing/2014/main" id="{6CA78E39-E363-42D1-BE9D-BB96C903EDB2}"/>
+              </a:ext>
+            </a:extLst>
+          </p:cNvPr>
+          <p:cNvSpPr>
+            <a:spLocks noGrp="1"/>
+          </p:cNvSpPr>
+          <p:nvPr>
+            <p:ph idx="1"/>
+          </p:nvPr>
+        </p:nvSpPr>
+        <p:spPr>
+          <a:xfrm>
+            <a:off x="838200" y="1010094"/>
+            <a:ext cx="10515600" cy="5166869"/>
+          </a:xfrm>
+        </p:spPr>
+        <p:txBody>
+          <a:bodyPr/>
+          <a:lstStyle/>
+          <a:p>
+            <a:endParaRPr lang="zh-CN" altLang="en-US" dirty="0"/>
+          </a:p>
+        </p:txBody>
+      </p:sp>
+    </p:spTree>
+    <p:extLst>
+      <p:ext uri="{BB962C8B-B14F-4D97-AF65-F5344CB8AC3E}">
         <p14:creationId xmlns:p14="http://schemas.microsoft.com/office/powerpoint/2010/main" val="3729071191"/>
       </p:ext>
     </p:extLst>
@@ -11629,7 +12538,7 @@
 </p:sld>
 </file>
 
-<file path=ppt/slides/slide27.xml><?xml version="1.0" encoding="utf-8"?>
+<file path=ppt/slides/slide28.xml><?xml version="1.0" encoding="utf-8"?>
 <p:sld xmlns:a="http://schemas.openxmlformats.org/drawingml/2006/main" xmlns:r="http://schemas.openxmlformats.org/officeDocument/2006/relationships" xmlns:p="http://schemas.openxmlformats.org/presentationml/2006/main">
   <p:cSld>
     <p:spTree>
@@ -11767,7 +12676,7 @@
 </p:sld>
 </file>
 
-<file path=ppt/slides/slide28.xml><?xml version="1.0" encoding="utf-8"?>
+<file path=ppt/slides/slide29.xml><?xml version="1.0" encoding="utf-8"?>
 <p:sld xmlns:a="http://schemas.openxmlformats.org/drawingml/2006/main" xmlns:r="http://schemas.openxmlformats.org/officeDocument/2006/relationships" xmlns:p="http://schemas.openxmlformats.org/presentationml/2006/main">
   <p:cSld>
     <p:spTree>

--- a/Asp.NetCoreExperiment/kubernetes/kubernetes.pptx
+++ b/Asp.NetCoreExperiment/kubernetes/kubernetes.pptx
@@ -5,7 +5,7 @@
     <p:sldMasterId id="2147483648" r:id="rId1"/>
   </p:sldMasterIdLst>
   <p:notesMasterIdLst>
-    <p:notesMasterId r:id="rId31"/>
+    <p:notesMasterId r:id="rId35"/>
   </p:notesMasterIdLst>
   <p:sldIdLst>
     <p:sldId id="256" r:id="rId2"/>
@@ -35,8 +35,12 @@
     <p:sldId id="278" r:id="rId26"/>
     <p:sldId id="277" r:id="rId27"/>
     <p:sldId id="284" r:id="rId28"/>
-    <p:sldId id="258" r:id="rId29"/>
-    <p:sldId id="257" r:id="rId30"/>
+    <p:sldId id="287" r:id="rId29"/>
+    <p:sldId id="286" r:id="rId30"/>
+    <p:sldId id="288" r:id="rId31"/>
+    <p:sldId id="289" r:id="rId32"/>
+    <p:sldId id="258" r:id="rId33"/>
+    <p:sldId id="257" r:id="rId34"/>
   </p:sldIdLst>
   <p:sldSz cx="12192000" cy="6858000"/>
   <p:notesSz cx="6858000" cy="9144000"/>
@@ -3100,7 +3104,7 @@
           <a:p>
             <a:fld id="{EB3586D1-9A9B-4A13-8983-B7906950C648}" type="datetimeFigureOut">
               <a:rPr lang="zh-CN" altLang="en-US" smtClean="0"/>
-              <a:t>2019/2/24</a:t>
+              <a:t>2019/2/26</a:t>
             </a:fld>
             <a:endParaRPr lang="zh-CN" altLang="en-US"/>
           </a:p>
@@ -4070,7 +4074,7 @@
           <a:p>
             <a:fld id="{2328C41B-48A3-47AC-B18B-81A9BC6A6005}" type="datetimeFigureOut">
               <a:rPr lang="zh-CN" altLang="en-US" smtClean="0"/>
-              <a:t>2019/2/24</a:t>
+              <a:t>2019/2/26</a:t>
             </a:fld>
             <a:endParaRPr lang="zh-CN" altLang="en-US"/>
           </a:p>
@@ -4268,7 +4272,7 @@
           <a:p>
             <a:fld id="{2328C41B-48A3-47AC-B18B-81A9BC6A6005}" type="datetimeFigureOut">
               <a:rPr lang="zh-CN" altLang="en-US" smtClean="0"/>
-              <a:t>2019/2/24</a:t>
+              <a:t>2019/2/26</a:t>
             </a:fld>
             <a:endParaRPr lang="zh-CN" altLang="en-US"/>
           </a:p>
@@ -4476,7 +4480,7 @@
           <a:p>
             <a:fld id="{2328C41B-48A3-47AC-B18B-81A9BC6A6005}" type="datetimeFigureOut">
               <a:rPr lang="zh-CN" altLang="en-US" smtClean="0"/>
-              <a:t>2019/2/24</a:t>
+              <a:t>2019/2/26</a:t>
             </a:fld>
             <a:endParaRPr lang="zh-CN" altLang="en-US"/>
           </a:p>
@@ -4674,7 +4678,7 @@
           <a:p>
             <a:fld id="{2328C41B-48A3-47AC-B18B-81A9BC6A6005}" type="datetimeFigureOut">
               <a:rPr lang="zh-CN" altLang="en-US" smtClean="0"/>
-              <a:t>2019/2/24</a:t>
+              <a:t>2019/2/26</a:t>
             </a:fld>
             <a:endParaRPr lang="zh-CN" altLang="en-US"/>
           </a:p>
@@ -4949,7 +4953,7 @@
           <a:p>
             <a:fld id="{2328C41B-48A3-47AC-B18B-81A9BC6A6005}" type="datetimeFigureOut">
               <a:rPr lang="zh-CN" altLang="en-US" smtClean="0"/>
-              <a:t>2019/2/24</a:t>
+              <a:t>2019/2/26</a:t>
             </a:fld>
             <a:endParaRPr lang="zh-CN" altLang="en-US"/>
           </a:p>
@@ -5214,7 +5218,7 @@
           <a:p>
             <a:fld id="{2328C41B-48A3-47AC-B18B-81A9BC6A6005}" type="datetimeFigureOut">
               <a:rPr lang="zh-CN" altLang="en-US" smtClean="0"/>
-              <a:t>2019/2/24</a:t>
+              <a:t>2019/2/26</a:t>
             </a:fld>
             <a:endParaRPr lang="zh-CN" altLang="en-US"/>
           </a:p>
@@ -5626,7 +5630,7 @@
           <a:p>
             <a:fld id="{2328C41B-48A3-47AC-B18B-81A9BC6A6005}" type="datetimeFigureOut">
               <a:rPr lang="zh-CN" altLang="en-US" smtClean="0"/>
-              <a:t>2019/2/24</a:t>
+              <a:t>2019/2/26</a:t>
             </a:fld>
             <a:endParaRPr lang="zh-CN" altLang="en-US"/>
           </a:p>
@@ -5767,7 +5771,7 @@
           <a:p>
             <a:fld id="{2328C41B-48A3-47AC-B18B-81A9BC6A6005}" type="datetimeFigureOut">
               <a:rPr lang="zh-CN" altLang="en-US" smtClean="0"/>
-              <a:t>2019/2/24</a:t>
+              <a:t>2019/2/26</a:t>
             </a:fld>
             <a:endParaRPr lang="zh-CN" altLang="en-US"/>
           </a:p>
@@ -5880,7 +5884,7 @@
           <a:p>
             <a:fld id="{2328C41B-48A3-47AC-B18B-81A9BC6A6005}" type="datetimeFigureOut">
               <a:rPr lang="zh-CN" altLang="en-US" smtClean="0"/>
-              <a:t>2019/2/24</a:t>
+              <a:t>2019/2/26</a:t>
             </a:fld>
             <a:endParaRPr lang="zh-CN" altLang="en-US"/>
           </a:p>
@@ -6191,7 +6195,7 @@
           <a:p>
             <a:fld id="{2328C41B-48A3-47AC-B18B-81A9BC6A6005}" type="datetimeFigureOut">
               <a:rPr lang="zh-CN" altLang="en-US" smtClean="0"/>
-              <a:t>2019/2/24</a:t>
+              <a:t>2019/2/26</a:t>
             </a:fld>
             <a:endParaRPr lang="zh-CN" altLang="en-US"/>
           </a:p>
@@ -6479,7 +6483,7 @@
           <a:p>
             <a:fld id="{2328C41B-48A3-47AC-B18B-81A9BC6A6005}" type="datetimeFigureOut">
               <a:rPr lang="zh-CN" altLang="en-US" smtClean="0"/>
-              <a:t>2019/2/24</a:t>
+              <a:t>2019/2/26</a:t>
             </a:fld>
             <a:endParaRPr lang="zh-CN" altLang="en-US"/>
           </a:p>
@@ -6720,7 +6724,7 @@
           <a:p>
             <a:fld id="{2328C41B-48A3-47AC-B18B-81A9BC6A6005}" type="datetimeFigureOut">
               <a:rPr lang="zh-CN" altLang="en-US" smtClean="0"/>
-              <a:t>2019/2/24</a:t>
+              <a:t>2019/2/26</a:t>
             </a:fld>
             <a:endParaRPr lang="zh-CN" altLang="en-US"/>
           </a:p>
@@ -12521,7 +12525,89 @@
           <a:bodyPr/>
           <a:lstStyle/>
           <a:p>
-            <a:endParaRPr lang="zh-CN" altLang="en-US" dirty="0"/>
+            <a:pPr marL="0" indent="0">
+              <a:buNone/>
+            </a:pPr>
+            <a:r>
+              <a:rPr lang="en-US" altLang="zh-CN" dirty="0" err="1"/>
+              <a:t>Kubernete</a:t>
+            </a:r>
+            <a:r>
+              <a:rPr lang="en-US" altLang="zh-CN" dirty="0"/>
+              <a:t> Service </a:t>
+            </a:r>
+            <a:r>
+              <a:rPr lang="zh-CN" altLang="en-US" dirty="0"/>
+              <a:t>是一个定义了一组</a:t>
+            </a:r>
+            <a:r>
+              <a:rPr lang="en-US" altLang="zh-CN" b="1" dirty="0">
+                <a:hlinkClick r:id="rId2"/>
+              </a:rPr>
+              <a:t>Pod</a:t>
+            </a:r>
+            <a:r>
+              <a:rPr lang="zh-CN" altLang="en-US" dirty="0"/>
+              <a:t>的策略的抽象，我们也有时候叫做宏观服务。这些被服务标记的</a:t>
+            </a:r>
+            <a:r>
+              <a:rPr lang="en-US" altLang="zh-CN" dirty="0"/>
+              <a:t>Pod</a:t>
+            </a:r>
+            <a:r>
+              <a:rPr lang="zh-CN" altLang="en-US" dirty="0"/>
+              <a:t>都是（一般）通过</a:t>
+            </a:r>
+            <a:r>
+              <a:rPr lang="en-US" altLang="zh-CN" dirty="0"/>
+              <a:t>label Selector</a:t>
+            </a:r>
+            <a:r>
+              <a:rPr lang="zh-CN" altLang="en-US" dirty="0"/>
+              <a:t>决定的（下面我们会讲到我们为什么需要一个没有</a:t>
+            </a:r>
+            <a:r>
+              <a:rPr lang="en-US" altLang="zh-CN" dirty="0"/>
+              <a:t>label selector</a:t>
+            </a:r>
+            <a:r>
+              <a:rPr lang="zh-CN" altLang="en-US" dirty="0"/>
+              <a:t>的服务）</a:t>
+            </a:r>
+            <a:endParaRPr lang="en-US" altLang="zh-CN" dirty="0"/>
+          </a:p>
+          <a:p>
+            <a:pPr marL="0" indent="0">
+              <a:buNone/>
+            </a:pPr>
+            <a:r>
+              <a:rPr lang="zh-CN" altLang="en-US" dirty="0"/>
+              <a:t>举个例子，我们假设后台是一个图形处理的后台，并且由</a:t>
+            </a:r>
+            <a:r>
+              <a:rPr lang="en-US" altLang="zh-CN" dirty="0"/>
+              <a:t>3</a:t>
+            </a:r>
+            <a:r>
+              <a:rPr lang="zh-CN" altLang="en-US" dirty="0"/>
+              <a:t>个副本。这些副本是可以相互替代的，并且前台并需要关心使用的哪一个后台</a:t>
+            </a:r>
+            <a:r>
+              <a:rPr lang="en-US" altLang="zh-CN" dirty="0"/>
+              <a:t>Pod</a:t>
+            </a:r>
+            <a:r>
+              <a:rPr lang="zh-CN" altLang="en-US" dirty="0"/>
+              <a:t>，当这个承载前台请求的</a:t>
+            </a:r>
+            <a:r>
+              <a:rPr lang="en-US" altLang="zh-CN" dirty="0"/>
+              <a:t>pod</a:t>
+            </a:r>
+            <a:r>
+              <a:rPr lang="zh-CN" altLang="en-US" dirty="0"/>
+              <a:t>发生变化时，前台并不需要知道这些变化，或者追踪后台的这些副本，服务是这些去耦合的关键所在。</a:t>
+            </a:r>
           </a:p>
         </p:txBody>
       </p:sp>
@@ -12557,10 +12643,10 @@
       </p:grpSpPr>
       <p:sp>
         <p:nvSpPr>
-          <p:cNvPr id="4" name="矩形 3">
+          <p:cNvPr id="2" name="矩形 1">
             <a:extLst>
               <a:ext uri="{FF2B5EF4-FFF2-40B4-BE49-F238E27FC236}">
-                <a16:creationId xmlns:a16="http://schemas.microsoft.com/office/drawing/2014/main" id="{2E696C1D-19CC-478A-8AA8-77AF59AFB67B}"/>
+                <a16:creationId xmlns:a16="http://schemas.microsoft.com/office/drawing/2014/main" id="{570B805E-2386-44BF-84AB-22D4701C7E3F}"/>
               </a:ext>
             </a:extLst>
           </p:cNvPr>
@@ -12569,104 +12655,60 @@
         </p:nvSpPr>
         <p:spPr>
           <a:xfrm>
-            <a:off x="1502674" y="802975"/>
-            <a:ext cx="1459054" cy="3139321"/>
+            <a:off x="1378689" y="860985"/>
+            <a:ext cx="9264502" cy="1754326"/>
           </a:xfrm>
           <a:prstGeom prst="rect">
             <a:avLst/>
           </a:prstGeom>
         </p:spPr>
         <p:txBody>
-          <a:bodyPr wrap="none">
+          <a:bodyPr wrap="square">
             <a:spAutoFit/>
           </a:bodyPr>
           <a:lstStyle/>
           <a:p>
             <a:r>
-              <a:rPr lang="en-US" altLang="zh-CN" dirty="0">
-                <a:solidFill>
-                  <a:srgbClr val="333333"/>
-                </a:solidFill>
-                <a:latin typeface="arial" panose="020B0604020202020204" pitchFamily="34" charset="0"/>
-              </a:rPr>
-              <a:t>NFS</a:t>
-            </a:r>
-          </a:p>
-          <a:p>
-            <a:r>
-              <a:rPr lang="en-US" altLang="zh-CN" dirty="0" err="1"/>
-              <a:t>GlusterFS</a:t>
-            </a:r>
-            <a:endParaRPr lang="en-US" altLang="zh-CN" dirty="0"/>
-          </a:p>
-          <a:p>
-            <a:r>
-              <a:rPr lang="en-US" altLang="zh-CN" dirty="0" err="1">
-                <a:solidFill>
-                  <a:srgbClr val="333333"/>
-                </a:solidFill>
-                <a:latin typeface="arial" panose="020B0604020202020204" pitchFamily="34" charset="0"/>
-              </a:rPr>
-              <a:t>Ceph</a:t>
-            </a:r>
-            <a:endParaRPr lang="en-US" altLang="zh-CN" dirty="0">
-              <a:solidFill>
-                <a:srgbClr val="333333"/>
-              </a:solidFill>
-              <a:latin typeface="arial" panose="020B0604020202020204" pitchFamily="34" charset="0"/>
-            </a:endParaRPr>
-          </a:p>
-          <a:p>
-            <a:r>
-              <a:rPr lang="en-US" altLang="zh-CN" dirty="0" err="1"/>
-              <a:t>DigitalOcean</a:t>
-            </a:r>
-            <a:endParaRPr lang="en-US" altLang="zh-CN" dirty="0"/>
-          </a:p>
-          <a:p>
-            <a:r>
-              <a:rPr lang="en-US" altLang="zh-CN" dirty="0"/>
-              <a:t>Flannel</a:t>
-            </a:r>
-          </a:p>
-          <a:p>
-            <a:r>
-              <a:rPr lang="en-US" altLang="zh-CN" dirty="0"/>
-              <a:t>Calico</a:t>
-            </a:r>
-          </a:p>
-          <a:p>
-            <a:r>
-              <a:rPr lang="en-US" altLang="zh-CN" dirty="0"/>
-              <a:t>Prometheus</a:t>
-            </a:r>
-          </a:p>
-          <a:p>
-            <a:r>
-              <a:rPr lang="en-US" altLang="zh-CN" dirty="0" err="1"/>
-              <a:t>DaemonSet</a:t>
-            </a:r>
-            <a:endParaRPr lang="en-US" altLang="zh-CN" dirty="0"/>
-          </a:p>
-          <a:p>
-            <a:r>
-              <a:rPr lang="en-US" altLang="zh-CN" dirty="0" err="1"/>
-              <a:t>Fluentd</a:t>
-            </a:r>
-            <a:endParaRPr lang="en-US" altLang="zh-CN" dirty="0"/>
-          </a:p>
-          <a:p>
-            <a:endParaRPr lang="en-US" altLang="zh-CN" dirty="0"/>
-          </a:p>
-          <a:p>
-            <a:endParaRPr lang="zh-CN" altLang="en-US" dirty="0"/>
+              <a:rPr lang="zh-CN" altLang="en-US" dirty="0"/>
+              <a:t>$ curl -s https://packages.cloud.google.com/apt/doc/apt-key.gpg | apt-key add -</a:t>
+            </a:r>
+          </a:p>
+          <a:p>
+            <a:r>
+              <a:rPr lang="zh-CN" altLang="en-US" dirty="0"/>
+              <a:t>$ cat &lt;&lt;EOF &gt; /etc/apt/sources.list.d/kubernetes.list</a:t>
+            </a:r>
+          </a:p>
+          <a:p>
+            <a:r>
+              <a:rPr lang="zh-CN" altLang="en-US" dirty="0"/>
+              <a:t>deb http://apt.kubernetes.io/ kubernetes-xenial main</a:t>
+            </a:r>
+          </a:p>
+          <a:p>
+            <a:r>
+              <a:rPr lang="zh-CN" altLang="en-US" dirty="0"/>
+              <a:t>EOF</a:t>
+            </a:r>
+          </a:p>
+          <a:p>
+            <a:r>
+              <a:rPr lang="zh-CN" altLang="en-US" dirty="0"/>
+              <a:t>$ apt-get update</a:t>
+            </a:r>
+          </a:p>
+          <a:p>
+            <a:r>
+              <a:rPr lang="zh-CN" altLang="en-US" dirty="0"/>
+              <a:t>$ apt-get install -y docker.io kubeadm</a:t>
+            </a:r>
           </a:p>
         </p:txBody>
       </p:sp>
     </p:spTree>
     <p:extLst>
       <p:ext uri="{BB962C8B-B14F-4D97-AF65-F5344CB8AC3E}">
-        <p14:creationId xmlns:p14="http://schemas.microsoft.com/office/powerpoint/2010/main" val="464234432"/>
+        <p14:creationId xmlns:p14="http://schemas.microsoft.com/office/powerpoint/2010/main" val="2072790874"/>
       </p:ext>
     </p:extLst>
   </p:cSld>
@@ -12698,7 +12740,7 @@
           <p:cNvPr id="2" name="矩形 1">
             <a:extLst>
               <a:ext uri="{FF2B5EF4-FFF2-40B4-BE49-F238E27FC236}">
-                <a16:creationId xmlns:a16="http://schemas.microsoft.com/office/drawing/2014/main" id="{F04B66D7-5DEA-44AF-BF8F-4F46F41BD139}"/>
+                <a16:creationId xmlns:a16="http://schemas.microsoft.com/office/drawing/2014/main" id="{58B3FFDA-51C8-4CB8-AF16-A6BADDABD434}"/>
               </a:ext>
             </a:extLst>
           </p:cNvPr>
@@ -12707,8 +12749,8 @@
         </p:nvSpPr>
         <p:spPr>
           <a:xfrm>
-            <a:off x="1059402" y="925470"/>
-            <a:ext cx="10721266" cy="646331"/>
+            <a:off x="616689" y="786810"/>
+            <a:ext cx="11302410" cy="6247864"/>
           </a:xfrm>
           <a:prstGeom prst="rect">
             <a:avLst/>
@@ -12721,19 +12763,272 @@
           <a:lstStyle/>
           <a:p>
             <a:r>
-              <a:rPr lang="zh-CN" altLang="en-US"/>
-              <a:t>Linux Cgroups 的全称是 Linux Control Group。它最主要的作用，就是限制一个进程组能够使用的资源上限，包括 CPU、内存、磁盘、网络带宽等等。</a:t>
-            </a:r>
-            <a:endParaRPr lang="zh-CN" altLang="en-US" dirty="0"/>
+              <a:rPr lang="zh-CN" altLang="en-US" sz="1000" dirty="0"/>
+              <a:t>复原</a:t>
+            </a:r>
+          </a:p>
+          <a:p>
+            <a:r>
+              <a:rPr lang="zh-CN" altLang="en-US" sz="1000" dirty="0"/>
+              <a:t>sudo kubeadm reset</a:t>
+            </a:r>
+          </a:p>
+          <a:p>
+            <a:r>
+              <a:rPr lang="zh-CN" altLang="en-US" sz="1000" dirty="0"/>
+              <a:t>初始化</a:t>
+            </a:r>
+          </a:p>
+          <a:p>
+            <a:r>
+              <a:rPr lang="zh-CN" altLang="en-US" sz="1000" dirty="0"/>
+              <a:t>sudo kubeadm init --config kubeadm.yaml --ignore-preflight-errors=swap</a:t>
+            </a:r>
+          </a:p>
+          <a:p>
+            <a:endParaRPr lang="zh-CN" altLang="en-US" sz="1000" dirty="0"/>
+          </a:p>
+          <a:p>
+            <a:r>
+              <a:rPr lang="zh-CN" altLang="en-US" sz="1000" dirty="0"/>
+              <a:t>生成如下：</a:t>
+            </a:r>
+          </a:p>
+          <a:p>
+            <a:r>
+              <a:rPr lang="zh-CN" altLang="en-US" sz="1000" dirty="0"/>
+              <a:t>   kubeadm join 192.168.252.54:6443 --token t6d36c.6p2ebr5mhxqk195c --discovery-token-ca-cert-hash sha256:60106a5cedd2ba984f87fea112286b09a5a98ebf5958c6027480aa64a3392ee8</a:t>
+            </a:r>
+          </a:p>
+          <a:p>
+            <a:endParaRPr lang="zh-CN" altLang="en-US" sz="1000" dirty="0"/>
+          </a:p>
+          <a:p>
+            <a:r>
+              <a:rPr lang="zh-CN" altLang="en-US" sz="1000" dirty="0"/>
+              <a:t>修改/etc/systemd/system/kubelet.service.d/10-kubeadm.conf</a:t>
+            </a:r>
+          </a:p>
+          <a:p>
+            <a:r>
+              <a:rPr lang="zh-CN" altLang="en-US" sz="1000" dirty="0"/>
+              <a:t>Environment="KUBELET_KUBECONFIG_ARGS=--bootstrap-kubeconfig=/etc/kubernetes/bootstrap-kubelet.conf --kubeconfig=/etc/kubernetes/kubelet.conf --fail-swap-on=false"</a:t>
+            </a:r>
+          </a:p>
+          <a:p>
+            <a:endParaRPr lang="zh-CN" altLang="en-US" sz="1000" dirty="0"/>
+          </a:p>
+          <a:p>
+            <a:r>
+              <a:rPr lang="zh-CN" altLang="en-US" sz="1000" dirty="0"/>
+              <a:t>sudo kubectl get nodes</a:t>
+            </a:r>
+          </a:p>
+          <a:p>
+            <a:r>
+              <a:rPr lang="zh-CN" altLang="en-US" sz="1000" dirty="0"/>
+              <a:t>如果报错</a:t>
+            </a:r>
+          </a:p>
+          <a:p>
+            <a:r>
+              <a:rPr lang="zh-CN" altLang="en-US" sz="1000" dirty="0"/>
+              <a:t>The connection to the server localhost:8080 was refused - did you specify the right host or port?</a:t>
+            </a:r>
+          </a:p>
+          <a:p>
+            <a:r>
+              <a:rPr lang="zh-CN" altLang="en-US" sz="1000" dirty="0"/>
+              <a:t>执行</a:t>
+            </a:r>
+          </a:p>
+          <a:p>
+            <a:r>
+              <a:rPr lang="zh-CN" altLang="en-US" sz="1000" dirty="0"/>
+              <a:t>mkdir -p $HOME/.kube</a:t>
+            </a:r>
+          </a:p>
+          <a:p>
+            <a:r>
+              <a:rPr lang="zh-CN" altLang="en-US" sz="1000" dirty="0"/>
+              <a:t>sudo cp -i /etc/kubernetes/admin.conf $HOME/.kube/config</a:t>
+            </a:r>
+          </a:p>
+          <a:p>
+            <a:r>
+              <a:rPr lang="zh-CN" altLang="en-US" sz="1000" dirty="0"/>
+              <a:t>sudo chown $(id -u):$(id -g) $HOME/.kube/config</a:t>
+            </a:r>
+          </a:p>
+          <a:p>
+            <a:endParaRPr lang="zh-CN" altLang="en-US" sz="1000" dirty="0"/>
+          </a:p>
+          <a:p>
+            <a:r>
+              <a:rPr lang="zh-CN" altLang="en-US" sz="1000" dirty="0"/>
+              <a:t>当sudo kubectl get pods -n kube-system</a:t>
+            </a:r>
+          </a:p>
+          <a:p>
+            <a:endParaRPr lang="zh-CN" altLang="en-US" sz="1000" dirty="0"/>
+          </a:p>
+          <a:p>
+            <a:r>
+              <a:rPr lang="zh-CN" altLang="en-US" sz="1000" dirty="0"/>
+              <a:t>coredns pods have CrashLoopBackOff or Error state</a:t>
+            </a:r>
+          </a:p>
+          <a:p>
+            <a:endParaRPr lang="zh-CN" altLang="en-US" sz="1000" dirty="0"/>
+          </a:p>
+          <a:p>
+            <a:r>
+              <a:rPr lang="zh-CN" altLang="en-US" sz="1000" dirty="0"/>
+              <a:t>Hacky solution: Disable the CoreDNS loop detection</a:t>
+            </a:r>
+          </a:p>
+          <a:p>
+            <a:endParaRPr lang="zh-CN" altLang="en-US" sz="1000" dirty="0"/>
+          </a:p>
+          <a:p>
+            <a:r>
+              <a:rPr lang="zh-CN" altLang="en-US" sz="1000" dirty="0"/>
+              <a:t>Edit the CoreDNS configmap:</a:t>
+            </a:r>
+          </a:p>
+          <a:p>
+            <a:endParaRPr lang="zh-CN" altLang="en-US" sz="1000" dirty="0"/>
+          </a:p>
+          <a:p>
+            <a:r>
+              <a:rPr lang="zh-CN" altLang="en-US" sz="1000" dirty="0"/>
+              <a:t>   命令  kubectl -n kube-system edit configmap coredns</a:t>
+            </a:r>
+          </a:p>
+          <a:p>
+            <a:r>
+              <a:rPr lang="zh-CN" altLang="en-US" sz="1000" dirty="0"/>
+              <a:t>   Remove or comment out the line with loop, save and exit.</a:t>
+            </a:r>
+          </a:p>
+          <a:p>
+            <a:endParaRPr lang="zh-CN" altLang="en-US" sz="1000" dirty="0"/>
+          </a:p>
+          <a:p>
+            <a:r>
+              <a:rPr lang="zh-CN" altLang="en-US" sz="1000" dirty="0"/>
+              <a:t>Then remove the CoreDNS pods, so new ones can be created with new config:</a:t>
+            </a:r>
+          </a:p>
+          <a:p>
+            <a:endParaRPr lang="zh-CN" altLang="en-US" sz="1000" dirty="0"/>
+          </a:p>
+          <a:p>
+            <a:r>
+              <a:rPr lang="zh-CN" altLang="en-US" sz="1000" dirty="0"/>
+              <a:t>   命令   kubectl -n kube-system delete pod -l k8s-app=kube-dns</a:t>
+            </a:r>
+          </a:p>
+          <a:p>
+            <a:endParaRPr lang="en-US" altLang="zh-CN" sz="1000" dirty="0"/>
+          </a:p>
+          <a:p>
+            <a:r>
+              <a:rPr lang="zh-CN" altLang="en-US" sz="1000" dirty="0"/>
+              <a:t>安装网络插件</a:t>
+            </a:r>
+          </a:p>
+          <a:p>
+            <a:r>
+              <a:rPr lang="zh-CN" altLang="en-US" sz="1000" dirty="0"/>
+              <a:t>$ kubectl apply -f https://git.io/weave-kube-1.6</a:t>
+            </a:r>
+          </a:p>
+          <a:p>
+            <a:endParaRPr lang="zh-CN" altLang="en-US" sz="1000" dirty="0"/>
+          </a:p>
+          <a:p>
+            <a:r>
+              <a:rPr lang="zh-CN" altLang="en-US" sz="1000" dirty="0"/>
+              <a:t>查看pods运行状态</a:t>
+            </a:r>
+          </a:p>
+          <a:p>
+            <a:r>
+              <a:rPr lang="zh-CN" altLang="en-US" sz="1000" dirty="0"/>
+              <a:t>sudo kubectl get pods -n kube-system</a:t>
+            </a:r>
           </a:p>
         </p:txBody>
       </p:sp>
       <p:sp>
         <p:nvSpPr>
-          <p:cNvPr id="3" name="矩形 2">
+          <p:cNvPr id="3" name="标题 1">
             <a:extLst>
               <a:ext uri="{FF2B5EF4-FFF2-40B4-BE49-F238E27FC236}">
-                <a16:creationId xmlns:a16="http://schemas.microsoft.com/office/drawing/2014/main" id="{7CB65F6E-C07D-47F7-B027-B2FBB134E56C}"/>
+                <a16:creationId xmlns:a16="http://schemas.microsoft.com/office/drawing/2014/main" id="{0F70AA5B-6447-4832-9EA4-277A3E84D12C}"/>
+              </a:ext>
+            </a:extLst>
+          </p:cNvPr>
+          <p:cNvSpPr txBox="1">
+            <a:spLocks/>
+          </p:cNvSpPr>
+          <p:nvPr/>
+        </p:nvSpPr>
+        <p:spPr>
+          <a:xfrm>
+            <a:off x="466060" y="141842"/>
+            <a:ext cx="10515600" cy="644968"/>
+          </a:xfrm>
+          <a:prstGeom prst="rect">
+            <a:avLst/>
+          </a:prstGeom>
+        </p:spPr>
+        <p:txBody>
+          <a:bodyPr>
+            <a:normAutofit/>
+          </a:bodyPr>
+          <a:lstStyle>
+            <a:lvl1pPr algn="l" defTabSz="914400" rtl="0" eaLnBrk="1" latinLnBrk="0" hangingPunct="1">
+              <a:lnSpc>
+                <a:spcPct val="90000"/>
+              </a:lnSpc>
+              <a:spcBef>
+                <a:spcPct val="0"/>
+              </a:spcBef>
+              <a:buNone/>
+              <a:defRPr sz="4400" kern="1200">
+                <a:solidFill>
+                  <a:schemeClr val="tx1"/>
+                </a:solidFill>
+                <a:latin typeface="+mj-lt"/>
+                <a:ea typeface="+mj-ea"/>
+                <a:cs typeface="+mj-cs"/>
+              </a:defRPr>
+            </a:lvl1pPr>
+          </a:lstStyle>
+          <a:p>
+            <a:r>
+              <a:rPr lang="zh-CN" altLang="en-US" sz="3000" dirty="0"/>
+              <a:t>创建</a:t>
+            </a:r>
+            <a:r>
+              <a:rPr lang="en-US" altLang="zh-CN" sz="3000" dirty="0"/>
+              <a:t>Master</a:t>
+            </a:r>
+            <a:r>
+              <a:rPr lang="zh-CN" altLang="en-US" sz="3000" dirty="0"/>
+              <a:t>节点</a:t>
+            </a:r>
+          </a:p>
+        </p:txBody>
+      </p:sp>
+      <p:sp>
+        <p:nvSpPr>
+          <p:cNvPr id="4" name="矩形 3">
+            <a:extLst>
+              <a:ext uri="{FF2B5EF4-FFF2-40B4-BE49-F238E27FC236}">
+                <a16:creationId xmlns:a16="http://schemas.microsoft.com/office/drawing/2014/main" id="{DBDE7990-2671-4ACC-8818-6427BF4441DF}"/>
               </a:ext>
             </a:extLst>
           </p:cNvPr>
@@ -12742,243 +13037,305 @@
         </p:nvSpPr>
         <p:spPr>
           <a:xfrm>
-            <a:off x="921508" y="1921561"/>
-            <a:ext cx="4578497" cy="369332"/>
+            <a:off x="5723860" y="3299838"/>
+            <a:ext cx="6096000" cy="3416320"/>
           </a:xfrm>
           <a:prstGeom prst="rect">
             <a:avLst/>
           </a:prstGeom>
         </p:spPr>
+        <p:style>
+          <a:lnRef idx="2">
+            <a:schemeClr val="accent6">
+              <a:shade val="50000"/>
+            </a:schemeClr>
+          </a:lnRef>
+          <a:fillRef idx="1">
+            <a:schemeClr val="accent6"/>
+          </a:fillRef>
+          <a:effectRef idx="0">
+            <a:schemeClr val="accent6"/>
+          </a:effectRef>
+          <a:fontRef idx="minor">
+            <a:schemeClr val="lt1"/>
+          </a:fontRef>
+        </p:style>
         <p:txBody>
-          <a:bodyPr wrap="none">
+          <a:bodyPr>
             <a:spAutoFit/>
           </a:bodyPr>
           <a:lstStyle/>
           <a:p>
             <a:r>
-              <a:rPr lang="zh-CN" altLang="en-US" dirty="0"/>
-              <a:t>Namespace是用来修改进程视图的主要方法</a:t>
-            </a:r>
-          </a:p>
-        </p:txBody>
-      </p:sp>
-      <p:sp>
-        <p:nvSpPr>
-          <p:cNvPr id="4" name="矩形 3">
-            <a:extLst>
-              <a:ext uri="{FF2B5EF4-FFF2-40B4-BE49-F238E27FC236}">
-                <a16:creationId xmlns:a16="http://schemas.microsoft.com/office/drawing/2014/main" id="{55765BC9-69DA-426E-BE89-AA4C8E848029}"/>
-              </a:ext>
-            </a:extLst>
-          </p:cNvPr>
-          <p:cNvSpPr/>
-          <p:nvPr/>
-        </p:nvSpPr>
-        <p:spPr>
-          <a:xfrm>
-            <a:off x="921508" y="2640653"/>
-            <a:ext cx="2486578" cy="369332"/>
-          </a:xfrm>
-          <a:prstGeom prst="rect">
-            <a:avLst/>
-          </a:prstGeom>
-        </p:spPr>
-        <p:txBody>
-          <a:bodyPr wrap="none">
-            <a:spAutoFit/>
-          </a:bodyPr>
-          <a:lstStyle/>
-          <a:p>
-            <a:r>
-              <a:rPr lang="zh-CN" altLang="en-US" dirty="0"/>
-              <a:t>会话黏连 session sticky</a:t>
-            </a:r>
-          </a:p>
-        </p:txBody>
-      </p:sp>
-      <p:sp>
-        <p:nvSpPr>
-          <p:cNvPr id="5" name="矩形 4">
-            <a:extLst>
-              <a:ext uri="{FF2B5EF4-FFF2-40B4-BE49-F238E27FC236}">
-                <a16:creationId xmlns:a16="http://schemas.microsoft.com/office/drawing/2014/main" id="{F28C96AC-6D2D-42ED-BA4F-AA1F266D37CE}"/>
-              </a:ext>
-            </a:extLst>
-          </p:cNvPr>
-          <p:cNvSpPr/>
-          <p:nvPr/>
-        </p:nvSpPr>
-        <p:spPr>
-          <a:xfrm>
-            <a:off x="921508" y="3713871"/>
-            <a:ext cx="10721266" cy="1200329"/>
-          </a:xfrm>
-          <a:prstGeom prst="rect">
-            <a:avLst/>
-          </a:prstGeom>
-        </p:spPr>
-        <p:txBody>
-          <a:bodyPr wrap="square">
-            <a:spAutoFit/>
-          </a:bodyPr>
-          <a:lstStyle/>
-          <a:p>
+              <a:rPr lang="en-US" altLang="zh-CN" dirty="0" err="1">
+                <a:latin typeface="Consolas" panose="020B0609020204030204" pitchFamily="49" charset="0"/>
+              </a:rPr>
+              <a:t>Kubeadm.yaml</a:t>
+            </a:r>
             <a:r>
               <a:rPr lang="zh-CN" altLang="en-US" dirty="0">
-                <a:solidFill>
-                  <a:srgbClr val="333333"/>
-                </a:solidFill>
-                <a:latin typeface="PingFang SC"/>
-              </a:rPr>
-              <a:t>在 </a:t>
+                <a:latin typeface="Consolas" panose="020B0609020204030204" pitchFamily="49" charset="0"/>
+              </a:rPr>
+              <a:t>文件：</a:t>
+            </a:r>
+            <a:endParaRPr lang="en-US" altLang="zh-CN" dirty="0">
+              <a:latin typeface="Consolas" panose="020B0609020204030204" pitchFamily="49" charset="0"/>
+            </a:endParaRPr>
+          </a:p>
+          <a:p>
+            <a:endParaRPr lang="en-US" altLang="zh-CN" dirty="0">
+              <a:latin typeface="Consolas" panose="020B0609020204030204" pitchFamily="49" charset="0"/>
+            </a:endParaRPr>
+          </a:p>
+          <a:p>
+            <a:r>
+              <a:rPr lang="en-US" altLang="zh-CN" dirty="0" err="1">
+                <a:latin typeface="Consolas" panose="020B0609020204030204" pitchFamily="49" charset="0"/>
+              </a:rPr>
+              <a:t>apiVersion</a:t>
             </a:r>
             <a:r>
               <a:rPr lang="en-US" altLang="zh-CN" dirty="0">
-                <a:solidFill>
-                  <a:srgbClr val="333333"/>
-                </a:solidFill>
-                <a:latin typeface="PingFang SC"/>
-              </a:rPr>
-              <a:t>Kubernetes </a:t>
-            </a:r>
+                <a:latin typeface="Consolas" panose="020B0609020204030204" pitchFamily="49" charset="0"/>
+              </a:rPr>
+              <a:t>: </a:t>
+            </a:r>
+            <a:r>
+              <a:rPr lang="en-US" altLang="zh-CN" dirty="0" err="1">
+                <a:latin typeface="Consolas" panose="020B0609020204030204" pitchFamily="49" charset="0"/>
+              </a:rPr>
+              <a:t>kubeadm.k8s.io</a:t>
+            </a:r>
+            <a:r>
+              <a:rPr lang="en-US" altLang="zh-CN" dirty="0">
+                <a:latin typeface="Consolas" panose="020B0609020204030204" pitchFamily="49" charset="0"/>
+              </a:rPr>
+              <a:t>/</a:t>
+            </a:r>
+            <a:r>
+              <a:rPr lang="en-US" altLang="zh-CN" dirty="0" err="1">
+                <a:latin typeface="Consolas" panose="020B0609020204030204" pitchFamily="49" charset="0"/>
+              </a:rPr>
+              <a:t>v1beta1</a:t>
+            </a:r>
+            <a:endParaRPr lang="zh-CN" altLang="en-US" dirty="0">
+              <a:latin typeface="Consolas" panose="020B0609020204030204" pitchFamily="49" charset="0"/>
+            </a:endParaRPr>
+          </a:p>
+          <a:p>
+            <a:r>
+              <a:rPr lang="en-US" altLang="zh-CN" dirty="0">
+                <a:latin typeface="Consolas" panose="020B0609020204030204" pitchFamily="49" charset="0"/>
+              </a:rPr>
+              <a:t>kind: </a:t>
+            </a:r>
+            <a:r>
+              <a:rPr lang="en-US" altLang="zh-CN" dirty="0" err="1">
+                <a:latin typeface="Consolas" panose="020B0609020204030204" pitchFamily="49" charset="0"/>
+              </a:rPr>
+              <a:t>InitConfiguration</a:t>
+            </a:r>
+            <a:endParaRPr lang="zh-CN" altLang="en-US" dirty="0">
+              <a:latin typeface="Consolas" panose="020B0609020204030204" pitchFamily="49" charset="0"/>
+            </a:endParaRPr>
+          </a:p>
+          <a:p>
+            <a:r>
+              <a:rPr lang="en-US" altLang="zh-CN" dirty="0" err="1">
+                <a:latin typeface="Consolas" panose="020B0609020204030204" pitchFamily="49" charset="0"/>
+              </a:rPr>
+              <a:t>controllerManagerExtraArgs</a:t>
+            </a:r>
+            <a:r>
+              <a:rPr lang="en-US" altLang="zh-CN" dirty="0">
+                <a:latin typeface="Consolas" panose="020B0609020204030204" pitchFamily="49" charset="0"/>
+              </a:rPr>
+              <a:t>:</a:t>
+            </a:r>
+            <a:endParaRPr lang="zh-CN" altLang="en-US" dirty="0">
+              <a:latin typeface="Consolas" panose="020B0609020204030204" pitchFamily="49" charset="0"/>
+            </a:endParaRPr>
+          </a:p>
+          <a:p>
             <a:r>
               <a:rPr lang="zh-CN" altLang="en-US" dirty="0">
-                <a:solidFill>
-                  <a:srgbClr val="333333"/>
-                </a:solidFill>
-                <a:latin typeface="PingFang SC"/>
-              </a:rPr>
-              <a:t>项目中，负责完成授权（</a:t>
-            </a:r>
-            <a:r>
-              <a:rPr lang="en-US" altLang="zh-CN" dirty="0"/>
-              <a:t>Authorization</a:t>
-            </a:r>
-            <a:r>
-              <a:rPr lang="zh-CN" altLang="en-US" dirty="0"/>
-              <a:t>）工作的机制，就是 </a:t>
-            </a:r>
-            <a:r>
-              <a:rPr lang="en-US" altLang="zh-CN" dirty="0" err="1"/>
-              <a:t>RBAC</a:t>
-            </a:r>
-            <a:r>
-              <a:rPr lang="zh-CN" altLang="en-US" dirty="0"/>
-              <a:t>：基于角色的访问控制（</a:t>
-            </a:r>
-            <a:r>
-              <a:rPr lang="en-US" altLang="zh-CN" dirty="0"/>
-              <a:t>Role-Based Access Control</a:t>
-            </a:r>
-            <a:r>
-              <a:rPr lang="zh-CN" altLang="en-US" dirty="0"/>
-              <a:t>）</a:t>
-            </a:r>
-            <a:endParaRPr lang="en-US" altLang="zh-CN" dirty="0"/>
-          </a:p>
-          <a:p>
-            <a:endParaRPr lang="en-US" altLang="zh-CN" dirty="0"/>
-          </a:p>
-          <a:p>
-            <a:endParaRPr lang="en-US" altLang="zh-CN" dirty="0">
-              <a:solidFill>
-                <a:srgbClr val="333333"/>
-              </a:solidFill>
-              <a:latin typeface="PingFang SC"/>
+                <a:latin typeface="Consolas" panose="020B0609020204030204" pitchFamily="49" charset="0"/>
+              </a:rPr>
+              <a:t>  </a:t>
+            </a:r>
+            <a:r>
+              <a:rPr lang="en-US" altLang="zh-CN" dirty="0">
+                <a:latin typeface="Consolas" panose="020B0609020204030204" pitchFamily="49" charset="0"/>
+              </a:rPr>
+              <a:t>horizontal-pod-</a:t>
+            </a:r>
+            <a:r>
+              <a:rPr lang="en-US" altLang="zh-CN" dirty="0" err="1">
+                <a:latin typeface="Consolas" panose="020B0609020204030204" pitchFamily="49" charset="0"/>
+              </a:rPr>
+              <a:t>autoscaler</a:t>
+            </a:r>
+            <a:r>
+              <a:rPr lang="en-US" altLang="zh-CN" dirty="0">
+                <a:latin typeface="Consolas" panose="020B0609020204030204" pitchFamily="49" charset="0"/>
+              </a:rPr>
+              <a:t>-use-rest-clients: "true"</a:t>
+            </a:r>
+            <a:endParaRPr lang="zh-CN" altLang="en-US" dirty="0">
+              <a:latin typeface="Consolas" panose="020B0609020204030204" pitchFamily="49" charset="0"/>
             </a:endParaRPr>
           </a:p>
-        </p:txBody>
-      </p:sp>
-      <p:sp>
-        <p:nvSpPr>
-          <p:cNvPr id="6" name="矩形 5">
-            <a:extLst>
-              <a:ext uri="{FF2B5EF4-FFF2-40B4-BE49-F238E27FC236}">
-                <a16:creationId xmlns:a16="http://schemas.microsoft.com/office/drawing/2014/main" id="{463DC33F-044B-4AE4-A258-58C1E8E687A8}"/>
-              </a:ext>
-            </a:extLst>
-          </p:cNvPr>
-          <p:cNvSpPr/>
-          <p:nvPr/>
-        </p:nvSpPr>
-        <p:spPr>
-          <a:xfrm>
-            <a:off x="1059403" y="4800968"/>
-            <a:ext cx="9997804" cy="923330"/>
-          </a:xfrm>
-          <a:prstGeom prst="rect">
-            <a:avLst/>
-          </a:prstGeom>
-        </p:spPr>
-        <p:txBody>
-          <a:bodyPr wrap="square">
-            <a:spAutoFit/>
-          </a:bodyPr>
-          <a:lstStyle/>
-          <a:p>
-            <a:r>
-              <a:rPr lang="en-US" altLang="zh-CN" dirty="0"/>
-              <a:t>Operator</a:t>
-            </a:r>
-            <a:r>
-              <a:rPr lang="zh-CN" altLang="en-US" dirty="0"/>
-              <a:t>的工作原理，实际上是利用了</a:t>
-            </a:r>
-            <a:r>
-              <a:rPr lang="en-US" altLang="zh-CN" dirty="0"/>
-              <a:t>Kubernetes</a:t>
-            </a:r>
-            <a:r>
-              <a:rPr lang="zh-CN" altLang="en-US" dirty="0"/>
-              <a:t>的自定义</a:t>
-            </a:r>
-            <a:r>
-              <a:rPr lang="en-US" altLang="zh-CN" dirty="0"/>
-              <a:t>API</a:t>
-            </a:r>
-            <a:r>
-              <a:rPr lang="zh-CN" altLang="en-US" dirty="0"/>
-              <a:t>资源（</a:t>
-            </a:r>
-            <a:r>
-              <a:rPr lang="en-US" altLang="zh-CN" dirty="0" err="1"/>
-              <a:t>CRD</a:t>
-            </a:r>
-            <a:r>
-              <a:rPr lang="zh-CN" altLang="en-US" dirty="0"/>
-              <a:t>）</a:t>
-            </a:r>
-            <a:r>
-              <a:rPr lang="en-US" altLang="zh-CN" dirty="0"/>
-              <a:t>,</a:t>
-            </a:r>
-            <a:r>
-              <a:rPr lang="zh-CN" altLang="en-US" dirty="0"/>
-              <a:t>来描述我们想要部署的</a:t>
-            </a:r>
-            <a:r>
-              <a:rPr lang="zh-CN" altLang="en-US"/>
-              <a:t>“有状态应用”；然后</a:t>
-            </a:r>
-            <a:r>
-              <a:rPr lang="zh-CN" altLang="en-US" dirty="0"/>
-              <a:t>在自定义控制器里，根据自定义</a:t>
-            </a:r>
-            <a:r>
-              <a:rPr lang="en-US" altLang="zh-CN" dirty="0"/>
-              <a:t>API</a:t>
-            </a:r>
-            <a:r>
-              <a:rPr lang="zh-CN" altLang="en-US" dirty="0"/>
-              <a:t>对象的变化，来完成具体的部署和运维工作</a:t>
-            </a:r>
+          <a:p>
+            <a:r>
+              <a:rPr lang="zh-CN" altLang="en-US" dirty="0">
+                <a:latin typeface="Consolas" panose="020B0609020204030204" pitchFamily="49" charset="0"/>
+              </a:rPr>
+              <a:t>  </a:t>
+            </a:r>
+            <a:r>
+              <a:rPr lang="en-US" altLang="zh-CN" dirty="0">
+                <a:latin typeface="Consolas" panose="020B0609020204030204" pitchFamily="49" charset="0"/>
+              </a:rPr>
+              <a:t>horizontal-pod-</a:t>
+            </a:r>
+            <a:r>
+              <a:rPr lang="en-US" altLang="zh-CN" dirty="0" err="1">
+                <a:latin typeface="Consolas" panose="020B0609020204030204" pitchFamily="49" charset="0"/>
+              </a:rPr>
+              <a:t>autoscaler</a:t>
+            </a:r>
+            <a:r>
+              <a:rPr lang="en-US" altLang="zh-CN" dirty="0">
+                <a:latin typeface="Consolas" panose="020B0609020204030204" pitchFamily="49" charset="0"/>
+              </a:rPr>
+              <a:t>-sync-period: "</a:t>
+            </a:r>
+            <a:r>
+              <a:rPr lang="en-US" altLang="zh-CN" dirty="0" err="1">
+                <a:latin typeface="Consolas" panose="020B0609020204030204" pitchFamily="49" charset="0"/>
+              </a:rPr>
+              <a:t>10s</a:t>
+            </a:r>
+            <a:r>
+              <a:rPr lang="en-US" altLang="zh-CN" dirty="0">
+                <a:latin typeface="Consolas" panose="020B0609020204030204" pitchFamily="49" charset="0"/>
+              </a:rPr>
+              <a:t>"</a:t>
+            </a:r>
+            <a:endParaRPr lang="zh-CN" altLang="en-US" dirty="0">
+              <a:latin typeface="Consolas" panose="020B0609020204030204" pitchFamily="49" charset="0"/>
+            </a:endParaRPr>
+          </a:p>
+          <a:p>
+            <a:r>
+              <a:rPr lang="zh-CN" altLang="en-US" dirty="0">
+                <a:latin typeface="Consolas" panose="020B0609020204030204" pitchFamily="49" charset="0"/>
+              </a:rPr>
+              <a:t>  </a:t>
+            </a:r>
+            <a:r>
+              <a:rPr lang="en-US" altLang="zh-CN" dirty="0">
+                <a:latin typeface="Consolas" panose="020B0609020204030204" pitchFamily="49" charset="0"/>
+              </a:rPr>
+              <a:t>node-monitor-grace-period: "</a:t>
+            </a:r>
+            <a:r>
+              <a:rPr lang="en-US" altLang="zh-CN" dirty="0" err="1">
+                <a:latin typeface="Consolas" panose="020B0609020204030204" pitchFamily="49" charset="0"/>
+              </a:rPr>
+              <a:t>10s</a:t>
+            </a:r>
+            <a:r>
+              <a:rPr lang="en-US" altLang="zh-CN" dirty="0">
+                <a:latin typeface="Consolas" panose="020B0609020204030204" pitchFamily="49" charset="0"/>
+              </a:rPr>
+              <a:t>"</a:t>
+            </a:r>
+            <a:endParaRPr lang="zh-CN" altLang="en-US" dirty="0">
+              <a:latin typeface="Consolas" panose="020B0609020204030204" pitchFamily="49" charset="0"/>
+            </a:endParaRPr>
+          </a:p>
+          <a:p>
+            <a:r>
+              <a:rPr lang="en-US" altLang="zh-CN" dirty="0" err="1">
+                <a:latin typeface="Consolas" panose="020B0609020204030204" pitchFamily="49" charset="0"/>
+              </a:rPr>
+              <a:t>apiServerExtraArgs</a:t>
+            </a:r>
+            <a:r>
+              <a:rPr lang="en-US" altLang="zh-CN" dirty="0">
+                <a:latin typeface="Consolas" panose="020B0609020204030204" pitchFamily="49" charset="0"/>
+              </a:rPr>
+              <a:t>:</a:t>
+            </a:r>
+            <a:endParaRPr lang="zh-CN" altLang="en-US" dirty="0">
+              <a:latin typeface="Consolas" panose="020B0609020204030204" pitchFamily="49" charset="0"/>
+            </a:endParaRPr>
+          </a:p>
+          <a:p>
+            <a:r>
+              <a:rPr lang="zh-CN" altLang="en-US" dirty="0">
+                <a:latin typeface="Consolas" panose="020B0609020204030204" pitchFamily="49" charset="0"/>
+              </a:rPr>
+              <a:t>  </a:t>
+            </a:r>
+            <a:r>
+              <a:rPr lang="en-US" altLang="zh-CN" dirty="0">
+                <a:latin typeface="Consolas" panose="020B0609020204030204" pitchFamily="49" charset="0"/>
+              </a:rPr>
+              <a:t>runtime-config: "</a:t>
+            </a:r>
+            <a:r>
+              <a:rPr lang="en-US" altLang="zh-CN" dirty="0" err="1">
+                <a:latin typeface="Consolas" panose="020B0609020204030204" pitchFamily="49" charset="0"/>
+              </a:rPr>
+              <a:t>api</a:t>
+            </a:r>
+            <a:r>
+              <a:rPr lang="en-US" altLang="zh-CN" dirty="0">
+                <a:latin typeface="Consolas" panose="020B0609020204030204" pitchFamily="49" charset="0"/>
+              </a:rPr>
+              <a:t>/all=true"</a:t>
+            </a:r>
+            <a:endParaRPr lang="zh-CN" altLang="en-US" dirty="0">
+              <a:latin typeface="Consolas" panose="020B0609020204030204" pitchFamily="49" charset="0"/>
+            </a:endParaRPr>
+          </a:p>
+          <a:p>
+            <a:r>
+              <a:rPr lang="en-US" altLang="zh-CN" dirty="0" err="1">
+                <a:latin typeface="Consolas" panose="020B0609020204030204" pitchFamily="49" charset="0"/>
+              </a:rPr>
+              <a:t>kubernetesVersion</a:t>
+            </a:r>
+            <a:r>
+              <a:rPr lang="en-US" altLang="zh-CN" dirty="0">
+                <a:latin typeface="Consolas" panose="020B0609020204030204" pitchFamily="49" charset="0"/>
+              </a:rPr>
+              <a:t>: "</a:t>
+            </a:r>
+            <a:r>
+              <a:rPr lang="en-US" altLang="zh-CN" dirty="0" err="1">
+                <a:latin typeface="Consolas" panose="020B0609020204030204" pitchFamily="49" charset="0"/>
+              </a:rPr>
+              <a:t>v1.13.2</a:t>
+            </a:r>
+            <a:r>
+              <a:rPr lang="en-US" altLang="zh-CN" dirty="0">
+                <a:latin typeface="Consolas" panose="020B0609020204030204" pitchFamily="49" charset="0"/>
+              </a:rPr>
+              <a:t>"</a:t>
+            </a:r>
+            <a:endParaRPr lang="zh-CN" altLang="en-US" dirty="0">
+              <a:latin typeface="Consolas" panose="020B0609020204030204" pitchFamily="49" charset="0"/>
+            </a:endParaRPr>
           </a:p>
         </p:txBody>
       </p:sp>
     </p:spTree>
     <p:extLst>
       <p:ext uri="{BB962C8B-B14F-4D97-AF65-F5344CB8AC3E}">
-        <p14:creationId xmlns:p14="http://schemas.microsoft.com/office/powerpoint/2010/main" val="116615380"/>
+        <p14:creationId xmlns:p14="http://schemas.microsoft.com/office/powerpoint/2010/main" val="1678444044"/>
       </p:ext>
     </p:extLst>
   </p:cSld>
@@ -13693,6 +14050,1402 @@
     <p:extLst>
       <p:ext uri="{BB962C8B-B14F-4D97-AF65-F5344CB8AC3E}">
         <p14:creationId xmlns:p14="http://schemas.microsoft.com/office/powerpoint/2010/main" val="2989113339"/>
+      </p:ext>
+    </p:extLst>
+  </p:cSld>
+  <p:clrMapOvr>
+    <a:masterClrMapping/>
+  </p:clrMapOvr>
+</p:sld>
+</file>
+
+<file path=ppt/slides/slide30.xml><?xml version="1.0" encoding="utf-8"?>
+<p:sld xmlns:a="http://schemas.openxmlformats.org/drawingml/2006/main" xmlns:r="http://schemas.openxmlformats.org/officeDocument/2006/relationships" xmlns:p="http://schemas.openxmlformats.org/presentationml/2006/main">
+  <p:cSld>
+    <p:spTree>
+      <p:nvGrpSpPr>
+        <p:cNvPr id="1" name=""/>
+        <p:cNvGrpSpPr/>
+        <p:nvPr/>
+      </p:nvGrpSpPr>
+      <p:grpSpPr>
+        <a:xfrm>
+          <a:off x="0" y="0"/>
+          <a:ext cx="0" cy="0"/>
+          <a:chOff x="0" y="0"/>
+          <a:chExt cx="0" cy="0"/>
+        </a:xfrm>
+      </p:grpSpPr>
+      <p:sp>
+        <p:nvSpPr>
+          <p:cNvPr id="2" name="矩形 1">
+            <a:extLst>
+              <a:ext uri="{FF2B5EF4-FFF2-40B4-BE49-F238E27FC236}">
+                <a16:creationId xmlns:a16="http://schemas.microsoft.com/office/drawing/2014/main" id="{58B3FFDA-51C8-4CB8-AF16-A6BADDABD434}"/>
+              </a:ext>
+            </a:extLst>
+          </p:cNvPr>
+          <p:cNvSpPr/>
+          <p:nvPr/>
+        </p:nvSpPr>
+        <p:spPr>
+          <a:xfrm>
+            <a:off x="616689" y="786810"/>
+            <a:ext cx="11302410" cy="553998"/>
+          </a:xfrm>
+          <a:prstGeom prst="rect">
+            <a:avLst/>
+          </a:prstGeom>
+        </p:spPr>
+        <p:txBody>
+          <a:bodyPr wrap="square">
+            <a:spAutoFit/>
+          </a:bodyPr>
+          <a:lstStyle/>
+          <a:p>
+            <a:r>
+              <a:rPr lang="zh-CN" altLang="en-US" sz="1000" dirty="0"/>
+              <a:t>安装</a:t>
+            </a:r>
+            <a:r>
+              <a:rPr lang="en-US" altLang="zh-CN" sz="1000" dirty="0"/>
+              <a:t>Dashboard</a:t>
+            </a:r>
+          </a:p>
+          <a:p>
+            <a:endParaRPr lang="en-US" altLang="zh-CN" sz="1000" dirty="0"/>
+          </a:p>
+          <a:p>
+            <a:r>
+              <a:rPr lang="en-US" altLang="zh-CN" sz="1000" dirty="0" err="1"/>
+              <a:t>sudo</a:t>
+            </a:r>
+            <a:r>
+              <a:rPr lang="en-US" altLang="zh-CN" sz="1000" dirty="0"/>
+              <a:t> </a:t>
+            </a:r>
+            <a:r>
+              <a:rPr lang="en-US" altLang="zh-CN" sz="1000" dirty="0" err="1"/>
+              <a:t>kubectl</a:t>
+            </a:r>
+            <a:r>
+              <a:rPr lang="en-US" altLang="zh-CN" sz="1000" dirty="0"/>
+              <a:t> apply -f https://</a:t>
+            </a:r>
+            <a:r>
+              <a:rPr lang="en-US" altLang="zh-CN" sz="1000" dirty="0" err="1"/>
+              <a:t>raw.githubusercontent.com</a:t>
+            </a:r>
+            <a:r>
+              <a:rPr lang="en-US" altLang="zh-CN" sz="1000" dirty="0"/>
+              <a:t>/</a:t>
+            </a:r>
+            <a:r>
+              <a:rPr lang="en-US" altLang="zh-CN" sz="1000" dirty="0" err="1"/>
+              <a:t>kubernetes</a:t>
+            </a:r>
+            <a:r>
+              <a:rPr lang="en-US" altLang="zh-CN" sz="1000" dirty="0"/>
+              <a:t>/dashboard/master/</a:t>
+            </a:r>
+            <a:r>
+              <a:rPr lang="en-US" altLang="zh-CN" sz="1000" dirty="0" err="1"/>
+              <a:t>aio</a:t>
+            </a:r>
+            <a:r>
+              <a:rPr lang="en-US" altLang="zh-CN" sz="1000" dirty="0"/>
+              <a:t>/deploy/recommended/</a:t>
+            </a:r>
+            <a:r>
+              <a:rPr lang="en-US" altLang="zh-CN" sz="1000" dirty="0" err="1"/>
+              <a:t>kubernetes-dashboard.yaml</a:t>
+            </a:r>
+            <a:endParaRPr lang="zh-CN" altLang="en-US" sz="1000" dirty="0"/>
+          </a:p>
+        </p:txBody>
+      </p:sp>
+      <p:sp>
+        <p:nvSpPr>
+          <p:cNvPr id="3" name="标题 1">
+            <a:extLst>
+              <a:ext uri="{FF2B5EF4-FFF2-40B4-BE49-F238E27FC236}">
+                <a16:creationId xmlns:a16="http://schemas.microsoft.com/office/drawing/2014/main" id="{0F70AA5B-6447-4832-9EA4-277A3E84D12C}"/>
+              </a:ext>
+            </a:extLst>
+          </p:cNvPr>
+          <p:cNvSpPr txBox="1">
+            <a:spLocks/>
+          </p:cNvSpPr>
+          <p:nvPr/>
+        </p:nvSpPr>
+        <p:spPr>
+          <a:xfrm>
+            <a:off x="466060" y="141842"/>
+            <a:ext cx="10515600" cy="644968"/>
+          </a:xfrm>
+          <a:prstGeom prst="rect">
+            <a:avLst/>
+          </a:prstGeom>
+        </p:spPr>
+        <p:txBody>
+          <a:bodyPr>
+            <a:normAutofit/>
+          </a:bodyPr>
+          <a:lstStyle>
+            <a:lvl1pPr algn="l" defTabSz="914400" rtl="0" eaLnBrk="1" latinLnBrk="0" hangingPunct="1">
+              <a:lnSpc>
+                <a:spcPct val="90000"/>
+              </a:lnSpc>
+              <a:spcBef>
+                <a:spcPct val="0"/>
+              </a:spcBef>
+              <a:buNone/>
+              <a:defRPr sz="4400" kern="1200">
+                <a:solidFill>
+                  <a:schemeClr val="tx1"/>
+                </a:solidFill>
+                <a:latin typeface="+mj-lt"/>
+                <a:ea typeface="+mj-ea"/>
+                <a:cs typeface="+mj-cs"/>
+              </a:defRPr>
+            </a:lvl1pPr>
+          </a:lstStyle>
+          <a:p>
+            <a:r>
+              <a:rPr lang="zh-CN" altLang="en-US" sz="3000" dirty="0"/>
+              <a:t>创建</a:t>
+            </a:r>
+            <a:r>
+              <a:rPr lang="en-US" altLang="zh-CN" sz="3000" dirty="0"/>
+              <a:t>Master</a:t>
+            </a:r>
+            <a:r>
+              <a:rPr lang="zh-CN" altLang="en-US" sz="3000" dirty="0"/>
+              <a:t>节点</a:t>
+            </a:r>
+          </a:p>
+        </p:txBody>
+      </p:sp>
+      <p:sp>
+        <p:nvSpPr>
+          <p:cNvPr id="5" name="矩形 4">
+            <a:extLst>
+              <a:ext uri="{FF2B5EF4-FFF2-40B4-BE49-F238E27FC236}">
+                <a16:creationId xmlns:a16="http://schemas.microsoft.com/office/drawing/2014/main" id="{9A19F96C-B5D5-4081-9F3C-553857F52B69}"/>
+              </a:ext>
+            </a:extLst>
+          </p:cNvPr>
+          <p:cNvSpPr/>
+          <p:nvPr/>
+        </p:nvSpPr>
+        <p:spPr>
+          <a:xfrm>
+            <a:off x="795669" y="1871956"/>
+            <a:ext cx="6096000" cy="900246"/>
+          </a:xfrm>
+          <a:prstGeom prst="rect">
+            <a:avLst/>
+          </a:prstGeom>
+        </p:spPr>
+        <p:style>
+          <a:lnRef idx="2">
+            <a:schemeClr val="accent6">
+              <a:shade val="50000"/>
+            </a:schemeClr>
+          </a:lnRef>
+          <a:fillRef idx="1">
+            <a:schemeClr val="accent6"/>
+          </a:fillRef>
+          <a:effectRef idx="0">
+            <a:schemeClr val="accent6"/>
+          </a:effectRef>
+          <a:fontRef idx="minor">
+            <a:schemeClr val="lt1"/>
+          </a:fontRef>
+        </p:style>
+        <p:txBody>
+          <a:bodyPr>
+            <a:spAutoFit/>
+          </a:bodyPr>
+          <a:lstStyle/>
+          <a:p>
+            <a:r>
+              <a:rPr lang="en-US" altLang="zh-CN" sz="1050" dirty="0" err="1">
+                <a:latin typeface="Consolas" panose="020B0609020204030204" pitchFamily="49" charset="0"/>
+              </a:rPr>
+              <a:t>apiVersion</a:t>
+            </a:r>
+            <a:r>
+              <a:rPr lang="en-US" altLang="zh-CN" sz="1050" dirty="0">
+                <a:latin typeface="Consolas" panose="020B0609020204030204" pitchFamily="49" charset="0"/>
+              </a:rPr>
+              <a:t>: </a:t>
+            </a:r>
+            <a:r>
+              <a:rPr lang="en-US" altLang="zh-CN" sz="1050" dirty="0" err="1">
+                <a:latin typeface="Consolas" panose="020B0609020204030204" pitchFamily="49" charset="0"/>
+              </a:rPr>
+              <a:t>v1</a:t>
+            </a:r>
+            <a:endParaRPr lang="en-US" altLang="zh-CN" sz="1050" dirty="0">
+              <a:latin typeface="Consolas" panose="020B0609020204030204" pitchFamily="49" charset="0"/>
+            </a:endParaRPr>
+          </a:p>
+          <a:p>
+            <a:r>
+              <a:rPr lang="en-US" altLang="zh-CN" sz="1050" dirty="0">
+                <a:latin typeface="Consolas" panose="020B0609020204030204" pitchFamily="49" charset="0"/>
+              </a:rPr>
+              <a:t>kind: </a:t>
+            </a:r>
+            <a:r>
+              <a:rPr lang="en-US" altLang="zh-CN" sz="1050" dirty="0" err="1">
+                <a:latin typeface="Consolas" panose="020B0609020204030204" pitchFamily="49" charset="0"/>
+              </a:rPr>
+              <a:t>ServiceAccount</a:t>
+            </a:r>
+            <a:endParaRPr lang="en-US" altLang="zh-CN" sz="1050" dirty="0">
+              <a:latin typeface="Consolas" panose="020B0609020204030204" pitchFamily="49" charset="0"/>
+            </a:endParaRPr>
+          </a:p>
+          <a:p>
+            <a:r>
+              <a:rPr lang="en-US" altLang="zh-CN" sz="1050" dirty="0">
+                <a:latin typeface="Consolas" panose="020B0609020204030204" pitchFamily="49" charset="0"/>
+              </a:rPr>
+              <a:t>metadata:</a:t>
+            </a:r>
+          </a:p>
+          <a:p>
+            <a:r>
+              <a:rPr lang="en-US" altLang="zh-CN" sz="1050" dirty="0">
+                <a:latin typeface="Consolas" panose="020B0609020204030204" pitchFamily="49" charset="0"/>
+              </a:rPr>
+              <a:t>  name: admin-user</a:t>
+            </a:r>
+          </a:p>
+          <a:p>
+            <a:r>
+              <a:rPr lang="en-US" altLang="zh-CN" sz="1050" dirty="0">
+                <a:latin typeface="Consolas" panose="020B0609020204030204" pitchFamily="49" charset="0"/>
+              </a:rPr>
+              <a:t>  namespace: </a:t>
+            </a:r>
+            <a:r>
+              <a:rPr lang="en-US" altLang="zh-CN" sz="1050" dirty="0" err="1">
+                <a:latin typeface="Consolas" panose="020B0609020204030204" pitchFamily="49" charset="0"/>
+              </a:rPr>
+              <a:t>kube</a:t>
+            </a:r>
+            <a:r>
+              <a:rPr lang="en-US" altLang="zh-CN" sz="1050" dirty="0">
+                <a:latin typeface="Consolas" panose="020B0609020204030204" pitchFamily="49" charset="0"/>
+              </a:rPr>
+              <a:t>-system</a:t>
+            </a:r>
+            <a:endParaRPr lang="zh-CN" altLang="en-US" sz="1050" dirty="0">
+              <a:latin typeface="Consolas" panose="020B0609020204030204" pitchFamily="49" charset="0"/>
+            </a:endParaRPr>
+          </a:p>
+        </p:txBody>
+      </p:sp>
+      <p:sp>
+        <p:nvSpPr>
+          <p:cNvPr id="7" name="矩形 6">
+            <a:extLst>
+              <a:ext uri="{FF2B5EF4-FFF2-40B4-BE49-F238E27FC236}">
+                <a16:creationId xmlns:a16="http://schemas.microsoft.com/office/drawing/2014/main" id="{F244B7F8-61D1-4130-B69B-9EA5C1B712B1}"/>
+              </a:ext>
+            </a:extLst>
+          </p:cNvPr>
+          <p:cNvSpPr/>
+          <p:nvPr/>
+        </p:nvSpPr>
+        <p:spPr>
+          <a:xfrm>
+            <a:off x="686843" y="1514833"/>
+            <a:ext cx="3156826" cy="369332"/>
+          </a:xfrm>
+          <a:prstGeom prst="rect">
+            <a:avLst/>
+          </a:prstGeom>
+        </p:spPr>
+        <p:txBody>
+          <a:bodyPr wrap="none">
+            <a:spAutoFit/>
+          </a:bodyPr>
+          <a:lstStyle/>
+          <a:p>
+            <a:r>
+              <a:rPr lang="en-US" altLang="zh-CN" dirty="0" err="1">
+                <a:solidFill>
+                  <a:srgbClr val="24292E"/>
+                </a:solidFill>
+                <a:latin typeface="SFMono-Regular"/>
+              </a:rPr>
+              <a:t>kubectl</a:t>
+            </a:r>
+            <a:r>
+              <a:rPr lang="en-US" altLang="zh-CN" dirty="0">
+                <a:solidFill>
+                  <a:srgbClr val="24292E"/>
+                </a:solidFill>
+                <a:latin typeface="SFMono-Regular"/>
+              </a:rPr>
+              <a:t> apply -f </a:t>
+            </a:r>
+            <a:r>
+              <a:rPr lang="en-US" altLang="zh-CN" dirty="0" err="1">
+                <a:solidFill>
+                  <a:srgbClr val="24292E"/>
+                </a:solidFill>
+                <a:latin typeface="SFMono-Regular"/>
+              </a:rPr>
+              <a:t>adminuser.yaml</a:t>
+            </a:r>
+            <a:endParaRPr lang="zh-CN" altLang="en-US" dirty="0"/>
+          </a:p>
+        </p:txBody>
+      </p:sp>
+      <p:sp>
+        <p:nvSpPr>
+          <p:cNvPr id="8" name="矩形 7">
+            <a:extLst>
+              <a:ext uri="{FF2B5EF4-FFF2-40B4-BE49-F238E27FC236}">
+                <a16:creationId xmlns:a16="http://schemas.microsoft.com/office/drawing/2014/main" id="{764DE107-E635-4C69-8ADC-A4D9E6B9C11A}"/>
+              </a:ext>
+            </a:extLst>
+          </p:cNvPr>
+          <p:cNvSpPr/>
+          <p:nvPr/>
+        </p:nvSpPr>
+        <p:spPr>
+          <a:xfrm>
+            <a:off x="795669" y="3385274"/>
+            <a:ext cx="6096000" cy="2031325"/>
+          </a:xfrm>
+          <a:prstGeom prst="rect">
+            <a:avLst/>
+          </a:prstGeom>
+        </p:spPr>
+        <p:style>
+          <a:lnRef idx="2">
+            <a:schemeClr val="accent6">
+              <a:shade val="50000"/>
+            </a:schemeClr>
+          </a:lnRef>
+          <a:fillRef idx="1">
+            <a:schemeClr val="accent6"/>
+          </a:fillRef>
+          <a:effectRef idx="0">
+            <a:schemeClr val="accent6"/>
+          </a:effectRef>
+          <a:fontRef idx="minor">
+            <a:schemeClr val="lt1"/>
+          </a:fontRef>
+        </p:style>
+        <p:txBody>
+          <a:bodyPr>
+            <a:spAutoFit/>
+          </a:bodyPr>
+          <a:lstStyle/>
+          <a:p>
+            <a:r>
+              <a:rPr lang="en-US" altLang="zh-CN" sz="1050" dirty="0" err="1">
+                <a:latin typeface="Consolas" panose="020B0609020204030204" pitchFamily="49" charset="0"/>
+              </a:rPr>
+              <a:t>apiVersion</a:t>
+            </a:r>
+            <a:r>
+              <a:rPr lang="en-US" altLang="zh-CN" sz="1050" dirty="0">
+                <a:latin typeface="Consolas" panose="020B0609020204030204" pitchFamily="49" charset="0"/>
+              </a:rPr>
+              <a:t>: </a:t>
+            </a:r>
+            <a:r>
+              <a:rPr lang="en-US" altLang="zh-CN" sz="1050" dirty="0" err="1">
+                <a:latin typeface="Consolas" panose="020B0609020204030204" pitchFamily="49" charset="0"/>
+              </a:rPr>
+              <a:t>rbac.authorization.k8s.io</a:t>
+            </a:r>
+            <a:r>
+              <a:rPr lang="en-US" altLang="zh-CN" sz="1050" dirty="0">
+                <a:latin typeface="Consolas" panose="020B0609020204030204" pitchFamily="49" charset="0"/>
+              </a:rPr>
+              <a:t>/</a:t>
+            </a:r>
+            <a:r>
+              <a:rPr lang="en-US" altLang="zh-CN" sz="1050" dirty="0" err="1">
+                <a:latin typeface="Consolas" panose="020B0609020204030204" pitchFamily="49" charset="0"/>
+              </a:rPr>
+              <a:t>v1</a:t>
+            </a:r>
+            <a:endParaRPr lang="en-US" altLang="zh-CN" sz="1050" dirty="0">
+              <a:latin typeface="Consolas" panose="020B0609020204030204" pitchFamily="49" charset="0"/>
+            </a:endParaRPr>
+          </a:p>
+          <a:p>
+            <a:r>
+              <a:rPr lang="en-US" altLang="zh-CN" sz="1050" dirty="0">
+                <a:latin typeface="Consolas" panose="020B0609020204030204" pitchFamily="49" charset="0"/>
+              </a:rPr>
+              <a:t>kind: </a:t>
+            </a:r>
+            <a:r>
+              <a:rPr lang="en-US" altLang="zh-CN" sz="1050" dirty="0" err="1">
+                <a:latin typeface="Consolas" panose="020B0609020204030204" pitchFamily="49" charset="0"/>
+              </a:rPr>
+              <a:t>ClusterRoleBinding</a:t>
+            </a:r>
+            <a:endParaRPr lang="en-US" altLang="zh-CN" sz="1050" dirty="0">
+              <a:latin typeface="Consolas" panose="020B0609020204030204" pitchFamily="49" charset="0"/>
+            </a:endParaRPr>
+          </a:p>
+          <a:p>
+            <a:r>
+              <a:rPr lang="en-US" altLang="zh-CN" sz="1050" dirty="0">
+                <a:latin typeface="Consolas" panose="020B0609020204030204" pitchFamily="49" charset="0"/>
+              </a:rPr>
+              <a:t>metadata:</a:t>
+            </a:r>
+          </a:p>
+          <a:p>
+            <a:r>
+              <a:rPr lang="en-US" altLang="zh-CN" sz="1050" dirty="0">
+                <a:latin typeface="Consolas" panose="020B0609020204030204" pitchFamily="49" charset="0"/>
+              </a:rPr>
+              <a:t>  name: admin-user</a:t>
+            </a:r>
+          </a:p>
+          <a:p>
+            <a:r>
+              <a:rPr lang="en-US" altLang="zh-CN" sz="1050" dirty="0" err="1">
+                <a:latin typeface="Consolas" panose="020B0609020204030204" pitchFamily="49" charset="0"/>
+              </a:rPr>
+              <a:t>roleRef</a:t>
+            </a:r>
+            <a:r>
+              <a:rPr lang="en-US" altLang="zh-CN" sz="1050" dirty="0">
+                <a:latin typeface="Consolas" panose="020B0609020204030204" pitchFamily="49" charset="0"/>
+              </a:rPr>
+              <a:t>:</a:t>
+            </a:r>
+          </a:p>
+          <a:p>
+            <a:r>
+              <a:rPr lang="en-US" altLang="zh-CN" sz="1050" dirty="0">
+                <a:latin typeface="Consolas" panose="020B0609020204030204" pitchFamily="49" charset="0"/>
+              </a:rPr>
+              <a:t>  </a:t>
+            </a:r>
+            <a:r>
+              <a:rPr lang="en-US" altLang="zh-CN" sz="1050" dirty="0" err="1">
+                <a:latin typeface="Consolas" panose="020B0609020204030204" pitchFamily="49" charset="0"/>
+              </a:rPr>
+              <a:t>apiGroup</a:t>
+            </a:r>
+            <a:r>
+              <a:rPr lang="en-US" altLang="zh-CN" sz="1050" dirty="0">
+                <a:latin typeface="Consolas" panose="020B0609020204030204" pitchFamily="49" charset="0"/>
+              </a:rPr>
+              <a:t>: </a:t>
+            </a:r>
+            <a:r>
+              <a:rPr lang="en-US" altLang="zh-CN" sz="1050" dirty="0" err="1">
+                <a:latin typeface="Consolas" panose="020B0609020204030204" pitchFamily="49" charset="0"/>
+              </a:rPr>
+              <a:t>rbac.authorization.k8s.io</a:t>
+            </a:r>
+            <a:endParaRPr lang="en-US" altLang="zh-CN" sz="1050" dirty="0">
+              <a:latin typeface="Consolas" panose="020B0609020204030204" pitchFamily="49" charset="0"/>
+            </a:endParaRPr>
+          </a:p>
+          <a:p>
+            <a:r>
+              <a:rPr lang="en-US" altLang="zh-CN" sz="1050" dirty="0">
+                <a:latin typeface="Consolas" panose="020B0609020204030204" pitchFamily="49" charset="0"/>
+              </a:rPr>
+              <a:t>  kind: </a:t>
+            </a:r>
+            <a:r>
+              <a:rPr lang="en-US" altLang="zh-CN" sz="1050" dirty="0" err="1">
+                <a:latin typeface="Consolas" panose="020B0609020204030204" pitchFamily="49" charset="0"/>
+              </a:rPr>
+              <a:t>ClusterRole</a:t>
+            </a:r>
+            <a:endParaRPr lang="en-US" altLang="zh-CN" sz="1050" dirty="0">
+              <a:latin typeface="Consolas" panose="020B0609020204030204" pitchFamily="49" charset="0"/>
+            </a:endParaRPr>
+          </a:p>
+          <a:p>
+            <a:r>
+              <a:rPr lang="en-US" altLang="zh-CN" sz="1050" dirty="0">
+                <a:latin typeface="Consolas" panose="020B0609020204030204" pitchFamily="49" charset="0"/>
+              </a:rPr>
+              <a:t>  name: cluster-admin</a:t>
+            </a:r>
+          </a:p>
+          <a:p>
+            <a:r>
+              <a:rPr lang="en-US" altLang="zh-CN" sz="1050" dirty="0">
+                <a:latin typeface="Consolas" panose="020B0609020204030204" pitchFamily="49" charset="0"/>
+              </a:rPr>
+              <a:t>subjects:</a:t>
+            </a:r>
+          </a:p>
+          <a:p>
+            <a:r>
+              <a:rPr lang="en-US" altLang="zh-CN" sz="1050" dirty="0">
+                <a:latin typeface="Consolas" panose="020B0609020204030204" pitchFamily="49" charset="0"/>
+              </a:rPr>
+              <a:t>- kind: </a:t>
+            </a:r>
+            <a:r>
+              <a:rPr lang="en-US" altLang="zh-CN" sz="1050" dirty="0" err="1">
+                <a:latin typeface="Consolas" panose="020B0609020204030204" pitchFamily="49" charset="0"/>
+              </a:rPr>
+              <a:t>ServiceAccount</a:t>
+            </a:r>
+            <a:endParaRPr lang="en-US" altLang="zh-CN" sz="1050" dirty="0">
+              <a:latin typeface="Consolas" panose="020B0609020204030204" pitchFamily="49" charset="0"/>
+            </a:endParaRPr>
+          </a:p>
+          <a:p>
+            <a:r>
+              <a:rPr lang="en-US" altLang="zh-CN" sz="1050" dirty="0">
+                <a:latin typeface="Consolas" panose="020B0609020204030204" pitchFamily="49" charset="0"/>
+              </a:rPr>
+              <a:t>  name: admin-user</a:t>
+            </a:r>
+          </a:p>
+          <a:p>
+            <a:r>
+              <a:rPr lang="en-US" altLang="zh-CN" sz="1050" dirty="0">
+                <a:latin typeface="Consolas" panose="020B0609020204030204" pitchFamily="49" charset="0"/>
+              </a:rPr>
+              <a:t>  namespace: </a:t>
+            </a:r>
+            <a:r>
+              <a:rPr lang="en-US" altLang="zh-CN" sz="1050" dirty="0" err="1">
+                <a:latin typeface="Consolas" panose="020B0609020204030204" pitchFamily="49" charset="0"/>
+              </a:rPr>
+              <a:t>kube</a:t>
+            </a:r>
+            <a:r>
+              <a:rPr lang="en-US" altLang="zh-CN" sz="1050" dirty="0">
+                <a:latin typeface="Consolas" panose="020B0609020204030204" pitchFamily="49" charset="0"/>
+              </a:rPr>
+              <a:t>-system</a:t>
+            </a:r>
+            <a:endParaRPr lang="zh-CN" altLang="en-US" sz="1050" dirty="0">
+              <a:latin typeface="Consolas" panose="020B0609020204030204" pitchFamily="49" charset="0"/>
+            </a:endParaRPr>
+          </a:p>
+        </p:txBody>
+      </p:sp>
+      <p:sp>
+        <p:nvSpPr>
+          <p:cNvPr id="9" name="矩形 8">
+            <a:extLst>
+              <a:ext uri="{FF2B5EF4-FFF2-40B4-BE49-F238E27FC236}">
+                <a16:creationId xmlns:a16="http://schemas.microsoft.com/office/drawing/2014/main" id="{BF357B58-A1D6-4FEB-BF01-A5BB9C512297}"/>
+              </a:ext>
+            </a:extLst>
+          </p:cNvPr>
+          <p:cNvSpPr/>
+          <p:nvPr/>
+        </p:nvSpPr>
+        <p:spPr>
+          <a:xfrm>
+            <a:off x="870097" y="2967932"/>
+            <a:ext cx="3139449" cy="369332"/>
+          </a:xfrm>
+          <a:prstGeom prst="rect">
+            <a:avLst/>
+          </a:prstGeom>
+        </p:spPr>
+        <p:txBody>
+          <a:bodyPr wrap="none">
+            <a:spAutoFit/>
+          </a:bodyPr>
+          <a:lstStyle/>
+          <a:p>
+            <a:r>
+              <a:rPr lang="en-US" altLang="zh-CN" dirty="0" err="1">
+                <a:solidFill>
+                  <a:srgbClr val="24292E"/>
+                </a:solidFill>
+                <a:latin typeface="SFMono-Regular"/>
+              </a:rPr>
+              <a:t>kubectl</a:t>
+            </a:r>
+            <a:r>
+              <a:rPr lang="en-US" altLang="zh-CN" dirty="0">
+                <a:solidFill>
+                  <a:srgbClr val="24292E"/>
+                </a:solidFill>
+                <a:latin typeface="SFMono-Regular"/>
+              </a:rPr>
+              <a:t> apply -f </a:t>
+            </a:r>
+            <a:r>
+              <a:rPr lang="en-US" altLang="zh-CN" dirty="0" err="1">
+                <a:solidFill>
+                  <a:srgbClr val="24292E"/>
+                </a:solidFill>
+                <a:latin typeface="SFMono-Regular"/>
+              </a:rPr>
+              <a:t>adminrole.yaml</a:t>
+            </a:r>
+            <a:endParaRPr lang="zh-CN" altLang="en-US" dirty="0"/>
+          </a:p>
+        </p:txBody>
+      </p:sp>
+      <p:sp>
+        <p:nvSpPr>
+          <p:cNvPr id="13" name="矩形 12">
+            <a:extLst>
+              <a:ext uri="{FF2B5EF4-FFF2-40B4-BE49-F238E27FC236}">
+                <a16:creationId xmlns:a16="http://schemas.microsoft.com/office/drawing/2014/main" id="{DCAB4DC0-B702-4346-BB5B-684296BACFBD}"/>
+              </a:ext>
+            </a:extLst>
+          </p:cNvPr>
+          <p:cNvSpPr/>
+          <p:nvPr/>
+        </p:nvSpPr>
+        <p:spPr>
+          <a:xfrm>
+            <a:off x="704220" y="5845005"/>
+            <a:ext cx="10660354" cy="369332"/>
+          </a:xfrm>
+          <a:prstGeom prst="rect">
+            <a:avLst/>
+          </a:prstGeom>
+        </p:spPr>
+        <p:txBody>
+          <a:bodyPr wrap="none">
+            <a:spAutoFit/>
+          </a:bodyPr>
+          <a:lstStyle/>
+          <a:p>
+            <a:r>
+              <a:rPr lang="en-US" altLang="zh-CN" dirty="0" err="1">
+                <a:solidFill>
+                  <a:srgbClr val="24292E"/>
+                </a:solidFill>
+                <a:latin typeface="SFMono-Regular"/>
+              </a:rPr>
+              <a:t>kubectl</a:t>
+            </a:r>
+            <a:r>
+              <a:rPr lang="en-US" altLang="zh-CN" dirty="0">
+                <a:solidFill>
+                  <a:srgbClr val="24292E"/>
+                </a:solidFill>
+                <a:latin typeface="SFMono-Regular"/>
+              </a:rPr>
+              <a:t> -n </a:t>
+            </a:r>
+            <a:r>
+              <a:rPr lang="en-US" altLang="zh-CN" dirty="0" err="1">
+                <a:solidFill>
+                  <a:srgbClr val="24292E"/>
+                </a:solidFill>
+                <a:latin typeface="SFMono-Regular"/>
+              </a:rPr>
+              <a:t>kube</a:t>
+            </a:r>
+            <a:r>
+              <a:rPr lang="en-US" altLang="zh-CN" dirty="0">
+                <a:solidFill>
+                  <a:srgbClr val="24292E"/>
+                </a:solidFill>
+                <a:latin typeface="SFMono-Regular"/>
+              </a:rPr>
+              <a:t>-system describe secret $(</a:t>
+            </a:r>
+            <a:r>
+              <a:rPr lang="en-US" altLang="zh-CN" dirty="0" err="1">
+                <a:solidFill>
+                  <a:srgbClr val="24292E"/>
+                </a:solidFill>
+                <a:latin typeface="SFMono-Regular"/>
+              </a:rPr>
+              <a:t>kubectl</a:t>
+            </a:r>
+            <a:r>
+              <a:rPr lang="en-US" altLang="zh-CN" dirty="0">
+                <a:solidFill>
+                  <a:srgbClr val="24292E"/>
+                </a:solidFill>
+                <a:latin typeface="SFMono-Regular"/>
+              </a:rPr>
+              <a:t> -n </a:t>
+            </a:r>
+            <a:r>
+              <a:rPr lang="en-US" altLang="zh-CN" dirty="0" err="1">
+                <a:solidFill>
+                  <a:srgbClr val="24292E"/>
+                </a:solidFill>
+                <a:latin typeface="SFMono-Regular"/>
+              </a:rPr>
+              <a:t>kube</a:t>
+            </a:r>
+            <a:r>
+              <a:rPr lang="en-US" altLang="zh-CN" dirty="0">
+                <a:solidFill>
+                  <a:srgbClr val="24292E"/>
+                </a:solidFill>
+                <a:latin typeface="SFMono-Regular"/>
+              </a:rPr>
+              <a:t>-system get secret | grep admin-user | </a:t>
+            </a:r>
+            <a:r>
+              <a:rPr lang="en-US" altLang="zh-CN" dirty="0" err="1">
+                <a:solidFill>
+                  <a:srgbClr val="24292E"/>
+                </a:solidFill>
+                <a:latin typeface="SFMono-Regular"/>
+              </a:rPr>
+              <a:t>awk</a:t>
+            </a:r>
+            <a:r>
+              <a:rPr lang="en-US" altLang="zh-CN" dirty="0">
+                <a:solidFill>
+                  <a:srgbClr val="24292E"/>
+                </a:solidFill>
+                <a:latin typeface="SFMono-Regular"/>
+              </a:rPr>
+              <a:t> '{print $1}')</a:t>
+            </a:r>
+            <a:endParaRPr lang="zh-CN" altLang="en-US" dirty="0"/>
+          </a:p>
+        </p:txBody>
+      </p:sp>
+    </p:spTree>
+    <p:extLst>
+      <p:ext uri="{BB962C8B-B14F-4D97-AF65-F5344CB8AC3E}">
+        <p14:creationId xmlns:p14="http://schemas.microsoft.com/office/powerpoint/2010/main" val="339502182"/>
+      </p:ext>
+    </p:extLst>
+  </p:cSld>
+  <p:clrMapOvr>
+    <a:masterClrMapping/>
+  </p:clrMapOvr>
+</p:sld>
+</file>
+
+<file path=ppt/slides/slide31.xml><?xml version="1.0" encoding="utf-8"?>
+<p:sld xmlns:a="http://schemas.openxmlformats.org/drawingml/2006/main" xmlns:r="http://schemas.openxmlformats.org/officeDocument/2006/relationships" xmlns:p="http://schemas.openxmlformats.org/presentationml/2006/main">
+  <p:cSld>
+    <p:spTree>
+      <p:nvGrpSpPr>
+        <p:cNvPr id="1" name=""/>
+        <p:cNvGrpSpPr/>
+        <p:nvPr/>
+      </p:nvGrpSpPr>
+      <p:grpSpPr>
+        <a:xfrm>
+          <a:off x="0" y="0"/>
+          <a:ext cx="0" cy="0"/>
+          <a:chOff x="0" y="0"/>
+          <a:chExt cx="0" cy="0"/>
+        </a:xfrm>
+      </p:grpSpPr>
+      <p:pic>
+        <p:nvPicPr>
+          <p:cNvPr id="2050" name="Picture 2" descr="zrzut ekranu z 2017-08-31 13-28-38">
+            <a:extLst>
+              <a:ext uri="{FF2B5EF4-FFF2-40B4-BE49-F238E27FC236}">
+                <a16:creationId xmlns:a16="http://schemas.microsoft.com/office/drawing/2014/main" id="{A2442679-CC47-42AE-B056-BDC55085864B}"/>
+              </a:ext>
+            </a:extLst>
+          </p:cNvPr>
+          <p:cNvPicPr>
+            <a:picLocks noChangeAspect="1" noChangeArrowheads="1"/>
+          </p:cNvPicPr>
+          <p:nvPr/>
+        </p:nvPicPr>
+        <p:blipFill rotWithShape="1">
+          <a:blip r:embed="rId2">
+            <a:extLst>
+              <a:ext uri="{28A0092B-C50C-407E-A947-70E740481C1C}">
+                <a14:useLocalDpi xmlns:a14="http://schemas.microsoft.com/office/drawing/2010/main" val="0"/>
+              </a:ext>
+            </a:extLst>
+          </a:blip>
+          <a:srcRect l="9942" t="17859" r="16453" b="21528"/>
+          <a:stretch/>
+        </p:blipFill>
+        <p:spPr bwMode="auto">
+          <a:xfrm>
+            <a:off x="855195" y="1020726"/>
+            <a:ext cx="4731488" cy="2023777"/>
+          </a:xfrm>
+          <a:prstGeom prst="rect">
+            <a:avLst/>
+          </a:prstGeom>
+          <a:extLst>
+            <a:ext uri="{909E8E84-426E-40DD-AFC4-6F175D3DCCD1}">
+              <a14:hiddenFill xmlns:a14="http://schemas.microsoft.com/office/drawing/2010/main">
+                <a:solidFill>
+                  <a:srgbClr val="FFFFFF"/>
+                </a:solidFill>
+              </a14:hiddenFill>
+            </a:ext>
+          </a:extLst>
+        </p:spPr>
+      </p:pic>
+      <p:sp>
+        <p:nvSpPr>
+          <p:cNvPr id="3" name="矩形 2">
+            <a:extLst>
+              <a:ext uri="{FF2B5EF4-FFF2-40B4-BE49-F238E27FC236}">
+                <a16:creationId xmlns:a16="http://schemas.microsoft.com/office/drawing/2014/main" id="{D51722C1-7F72-443D-BC8E-5D64CC445A78}"/>
+              </a:ext>
+            </a:extLst>
+          </p:cNvPr>
+          <p:cNvSpPr/>
+          <p:nvPr/>
+        </p:nvSpPr>
+        <p:spPr>
+          <a:xfrm>
+            <a:off x="1073889" y="460007"/>
+            <a:ext cx="2578847" cy="369332"/>
+          </a:xfrm>
+          <a:prstGeom prst="rect">
+            <a:avLst/>
+          </a:prstGeom>
+        </p:spPr>
+        <p:txBody>
+          <a:bodyPr wrap="none">
+            <a:spAutoFit/>
+          </a:bodyPr>
+          <a:lstStyle/>
+          <a:p>
+            <a:r>
+              <a:rPr lang="zh-CN" altLang="en-US" dirty="0">
+                <a:solidFill>
+                  <a:srgbClr val="24292E"/>
+                </a:solidFill>
+                <a:latin typeface="SFMono-Regular"/>
+              </a:rPr>
+              <a:t>输入上面命令中的</a:t>
+            </a:r>
+            <a:r>
+              <a:rPr lang="en-US" altLang="zh-CN" dirty="0">
+                <a:solidFill>
+                  <a:srgbClr val="24292E"/>
+                </a:solidFill>
+                <a:latin typeface="SFMono-Regular"/>
+              </a:rPr>
+              <a:t>Token</a:t>
+            </a:r>
+            <a:endParaRPr lang="zh-CN" altLang="en-US" dirty="0"/>
+          </a:p>
+        </p:txBody>
+      </p:sp>
+      <p:pic>
+        <p:nvPicPr>
+          <p:cNvPr id="2052" name="Picture 4" descr="Dashboard UI workloads page">
+            <a:extLst>
+              <a:ext uri="{FF2B5EF4-FFF2-40B4-BE49-F238E27FC236}">
+                <a16:creationId xmlns:a16="http://schemas.microsoft.com/office/drawing/2014/main" id="{9C3BEB8C-3194-4BBE-A5DC-3744465450A4}"/>
+              </a:ext>
+            </a:extLst>
+          </p:cNvPr>
+          <p:cNvPicPr>
+            <a:picLocks noChangeAspect="1" noChangeArrowheads="1"/>
+          </p:cNvPicPr>
+          <p:nvPr/>
+        </p:nvPicPr>
+        <p:blipFill>
+          <a:blip r:embed="rId3">
+            <a:extLst>
+              <a:ext uri="{28A0092B-C50C-407E-A947-70E740481C1C}">
+                <a14:useLocalDpi xmlns:a14="http://schemas.microsoft.com/office/drawing/2010/main" val="0"/>
+              </a:ext>
+            </a:extLst>
+          </a:blip>
+          <a:srcRect/>
+          <a:stretch>
+            <a:fillRect/>
+          </a:stretch>
+        </p:blipFill>
+        <p:spPr bwMode="auto">
+          <a:xfrm>
+            <a:off x="5586683" y="2892056"/>
+            <a:ext cx="6605317" cy="3965944"/>
+          </a:xfrm>
+          <a:prstGeom prst="rect">
+            <a:avLst/>
+          </a:prstGeom>
+          <a:noFill/>
+          <a:extLst>
+            <a:ext uri="{909E8E84-426E-40DD-AFC4-6F175D3DCCD1}">
+              <a14:hiddenFill xmlns:a14="http://schemas.microsoft.com/office/drawing/2010/main">
+                <a:solidFill>
+                  <a:srgbClr val="FFFFFF"/>
+                </a:solidFill>
+              </a14:hiddenFill>
+            </a:ext>
+          </a:extLst>
+        </p:spPr>
+      </p:pic>
+    </p:spTree>
+    <p:extLst>
+      <p:ext uri="{BB962C8B-B14F-4D97-AF65-F5344CB8AC3E}">
+        <p14:creationId xmlns:p14="http://schemas.microsoft.com/office/powerpoint/2010/main" val="2006799991"/>
+      </p:ext>
+    </p:extLst>
+  </p:cSld>
+  <p:clrMapOvr>
+    <a:masterClrMapping/>
+  </p:clrMapOvr>
+</p:sld>
+</file>
+
+<file path=ppt/slides/slide32.xml><?xml version="1.0" encoding="utf-8"?>
+<p:sld xmlns:a="http://schemas.openxmlformats.org/drawingml/2006/main" xmlns:r="http://schemas.openxmlformats.org/officeDocument/2006/relationships" xmlns:p="http://schemas.openxmlformats.org/presentationml/2006/main">
+  <p:cSld>
+    <p:spTree>
+      <p:nvGrpSpPr>
+        <p:cNvPr id="1" name=""/>
+        <p:cNvGrpSpPr/>
+        <p:nvPr/>
+      </p:nvGrpSpPr>
+      <p:grpSpPr>
+        <a:xfrm>
+          <a:off x="0" y="0"/>
+          <a:ext cx="0" cy="0"/>
+          <a:chOff x="0" y="0"/>
+          <a:chExt cx="0" cy="0"/>
+        </a:xfrm>
+      </p:grpSpPr>
+      <p:sp>
+        <p:nvSpPr>
+          <p:cNvPr id="4" name="矩形 3">
+            <a:extLst>
+              <a:ext uri="{FF2B5EF4-FFF2-40B4-BE49-F238E27FC236}">
+                <a16:creationId xmlns:a16="http://schemas.microsoft.com/office/drawing/2014/main" id="{2E696C1D-19CC-478A-8AA8-77AF59AFB67B}"/>
+              </a:ext>
+            </a:extLst>
+          </p:cNvPr>
+          <p:cNvSpPr/>
+          <p:nvPr/>
+        </p:nvSpPr>
+        <p:spPr>
+          <a:xfrm>
+            <a:off x="1502674" y="802975"/>
+            <a:ext cx="1459054" cy="3139321"/>
+          </a:xfrm>
+          <a:prstGeom prst="rect">
+            <a:avLst/>
+          </a:prstGeom>
+        </p:spPr>
+        <p:txBody>
+          <a:bodyPr wrap="none">
+            <a:spAutoFit/>
+          </a:bodyPr>
+          <a:lstStyle/>
+          <a:p>
+            <a:r>
+              <a:rPr lang="en-US" altLang="zh-CN" dirty="0">
+                <a:solidFill>
+                  <a:srgbClr val="333333"/>
+                </a:solidFill>
+                <a:latin typeface="arial" panose="020B0604020202020204" pitchFamily="34" charset="0"/>
+              </a:rPr>
+              <a:t>NFS</a:t>
+            </a:r>
+          </a:p>
+          <a:p>
+            <a:r>
+              <a:rPr lang="en-US" altLang="zh-CN" dirty="0" err="1"/>
+              <a:t>GlusterFS</a:t>
+            </a:r>
+            <a:endParaRPr lang="en-US" altLang="zh-CN" dirty="0"/>
+          </a:p>
+          <a:p>
+            <a:r>
+              <a:rPr lang="en-US" altLang="zh-CN" dirty="0" err="1">
+                <a:solidFill>
+                  <a:srgbClr val="333333"/>
+                </a:solidFill>
+                <a:latin typeface="arial" panose="020B0604020202020204" pitchFamily="34" charset="0"/>
+              </a:rPr>
+              <a:t>Ceph</a:t>
+            </a:r>
+            <a:endParaRPr lang="en-US" altLang="zh-CN" dirty="0">
+              <a:solidFill>
+                <a:srgbClr val="333333"/>
+              </a:solidFill>
+              <a:latin typeface="arial" panose="020B0604020202020204" pitchFamily="34" charset="0"/>
+            </a:endParaRPr>
+          </a:p>
+          <a:p>
+            <a:r>
+              <a:rPr lang="en-US" altLang="zh-CN" dirty="0" err="1"/>
+              <a:t>DigitalOcean</a:t>
+            </a:r>
+            <a:endParaRPr lang="en-US" altLang="zh-CN" dirty="0"/>
+          </a:p>
+          <a:p>
+            <a:r>
+              <a:rPr lang="en-US" altLang="zh-CN" dirty="0"/>
+              <a:t>Flannel</a:t>
+            </a:r>
+          </a:p>
+          <a:p>
+            <a:r>
+              <a:rPr lang="en-US" altLang="zh-CN" dirty="0"/>
+              <a:t>Calico</a:t>
+            </a:r>
+          </a:p>
+          <a:p>
+            <a:r>
+              <a:rPr lang="en-US" altLang="zh-CN" dirty="0"/>
+              <a:t>Prometheus</a:t>
+            </a:r>
+          </a:p>
+          <a:p>
+            <a:r>
+              <a:rPr lang="en-US" altLang="zh-CN" dirty="0" err="1"/>
+              <a:t>DaemonSet</a:t>
+            </a:r>
+            <a:endParaRPr lang="en-US" altLang="zh-CN" dirty="0"/>
+          </a:p>
+          <a:p>
+            <a:r>
+              <a:rPr lang="en-US" altLang="zh-CN" dirty="0" err="1"/>
+              <a:t>Fluentd</a:t>
+            </a:r>
+            <a:endParaRPr lang="en-US" altLang="zh-CN" dirty="0"/>
+          </a:p>
+          <a:p>
+            <a:endParaRPr lang="en-US" altLang="zh-CN" dirty="0"/>
+          </a:p>
+          <a:p>
+            <a:endParaRPr lang="zh-CN" altLang="en-US" dirty="0"/>
+          </a:p>
+        </p:txBody>
+      </p:sp>
+    </p:spTree>
+    <p:extLst>
+      <p:ext uri="{BB962C8B-B14F-4D97-AF65-F5344CB8AC3E}">
+        <p14:creationId xmlns:p14="http://schemas.microsoft.com/office/powerpoint/2010/main" val="464234432"/>
+      </p:ext>
+    </p:extLst>
+  </p:cSld>
+  <p:clrMapOvr>
+    <a:masterClrMapping/>
+  </p:clrMapOvr>
+</p:sld>
+</file>
+
+<file path=ppt/slides/slide33.xml><?xml version="1.0" encoding="utf-8"?>
+<p:sld xmlns:a="http://schemas.openxmlformats.org/drawingml/2006/main" xmlns:r="http://schemas.openxmlformats.org/officeDocument/2006/relationships" xmlns:p="http://schemas.openxmlformats.org/presentationml/2006/main">
+  <p:cSld>
+    <p:spTree>
+      <p:nvGrpSpPr>
+        <p:cNvPr id="1" name=""/>
+        <p:cNvGrpSpPr/>
+        <p:nvPr/>
+      </p:nvGrpSpPr>
+      <p:grpSpPr>
+        <a:xfrm>
+          <a:off x="0" y="0"/>
+          <a:ext cx="0" cy="0"/>
+          <a:chOff x="0" y="0"/>
+          <a:chExt cx="0" cy="0"/>
+        </a:xfrm>
+      </p:grpSpPr>
+      <p:sp>
+        <p:nvSpPr>
+          <p:cNvPr id="2" name="矩形 1">
+            <a:extLst>
+              <a:ext uri="{FF2B5EF4-FFF2-40B4-BE49-F238E27FC236}">
+                <a16:creationId xmlns:a16="http://schemas.microsoft.com/office/drawing/2014/main" id="{F04B66D7-5DEA-44AF-BF8F-4F46F41BD139}"/>
+              </a:ext>
+            </a:extLst>
+          </p:cNvPr>
+          <p:cNvSpPr/>
+          <p:nvPr/>
+        </p:nvSpPr>
+        <p:spPr>
+          <a:xfrm>
+            <a:off x="1059402" y="925470"/>
+            <a:ext cx="10721266" cy="646331"/>
+          </a:xfrm>
+          <a:prstGeom prst="rect">
+            <a:avLst/>
+          </a:prstGeom>
+        </p:spPr>
+        <p:txBody>
+          <a:bodyPr wrap="square">
+            <a:spAutoFit/>
+          </a:bodyPr>
+          <a:lstStyle/>
+          <a:p>
+            <a:r>
+              <a:rPr lang="zh-CN" altLang="en-US"/>
+              <a:t>Linux Cgroups 的全称是 Linux Control Group。它最主要的作用，就是限制一个进程组能够使用的资源上限，包括 CPU、内存、磁盘、网络带宽等等。</a:t>
+            </a:r>
+            <a:endParaRPr lang="zh-CN" altLang="en-US" dirty="0"/>
+          </a:p>
+        </p:txBody>
+      </p:sp>
+      <p:sp>
+        <p:nvSpPr>
+          <p:cNvPr id="3" name="矩形 2">
+            <a:extLst>
+              <a:ext uri="{FF2B5EF4-FFF2-40B4-BE49-F238E27FC236}">
+                <a16:creationId xmlns:a16="http://schemas.microsoft.com/office/drawing/2014/main" id="{7CB65F6E-C07D-47F7-B027-B2FBB134E56C}"/>
+              </a:ext>
+            </a:extLst>
+          </p:cNvPr>
+          <p:cNvSpPr/>
+          <p:nvPr/>
+        </p:nvSpPr>
+        <p:spPr>
+          <a:xfrm>
+            <a:off x="921508" y="1921561"/>
+            <a:ext cx="4578497" cy="369332"/>
+          </a:xfrm>
+          <a:prstGeom prst="rect">
+            <a:avLst/>
+          </a:prstGeom>
+        </p:spPr>
+        <p:txBody>
+          <a:bodyPr wrap="none">
+            <a:spAutoFit/>
+          </a:bodyPr>
+          <a:lstStyle/>
+          <a:p>
+            <a:r>
+              <a:rPr lang="zh-CN" altLang="en-US" dirty="0"/>
+              <a:t>Namespace是用来修改进程视图的主要方法</a:t>
+            </a:r>
+          </a:p>
+        </p:txBody>
+      </p:sp>
+      <p:sp>
+        <p:nvSpPr>
+          <p:cNvPr id="4" name="矩形 3">
+            <a:extLst>
+              <a:ext uri="{FF2B5EF4-FFF2-40B4-BE49-F238E27FC236}">
+                <a16:creationId xmlns:a16="http://schemas.microsoft.com/office/drawing/2014/main" id="{55765BC9-69DA-426E-BE89-AA4C8E848029}"/>
+              </a:ext>
+            </a:extLst>
+          </p:cNvPr>
+          <p:cNvSpPr/>
+          <p:nvPr/>
+        </p:nvSpPr>
+        <p:spPr>
+          <a:xfrm>
+            <a:off x="921508" y="2640653"/>
+            <a:ext cx="2486578" cy="369332"/>
+          </a:xfrm>
+          <a:prstGeom prst="rect">
+            <a:avLst/>
+          </a:prstGeom>
+        </p:spPr>
+        <p:txBody>
+          <a:bodyPr wrap="none">
+            <a:spAutoFit/>
+          </a:bodyPr>
+          <a:lstStyle/>
+          <a:p>
+            <a:r>
+              <a:rPr lang="zh-CN" altLang="en-US" dirty="0"/>
+              <a:t>会话黏连 session sticky</a:t>
+            </a:r>
+          </a:p>
+        </p:txBody>
+      </p:sp>
+      <p:sp>
+        <p:nvSpPr>
+          <p:cNvPr id="5" name="矩形 4">
+            <a:extLst>
+              <a:ext uri="{FF2B5EF4-FFF2-40B4-BE49-F238E27FC236}">
+                <a16:creationId xmlns:a16="http://schemas.microsoft.com/office/drawing/2014/main" id="{F28C96AC-6D2D-42ED-BA4F-AA1F266D37CE}"/>
+              </a:ext>
+            </a:extLst>
+          </p:cNvPr>
+          <p:cNvSpPr/>
+          <p:nvPr/>
+        </p:nvSpPr>
+        <p:spPr>
+          <a:xfrm>
+            <a:off x="921508" y="3713871"/>
+            <a:ext cx="10721266" cy="1200329"/>
+          </a:xfrm>
+          <a:prstGeom prst="rect">
+            <a:avLst/>
+          </a:prstGeom>
+        </p:spPr>
+        <p:txBody>
+          <a:bodyPr wrap="square">
+            <a:spAutoFit/>
+          </a:bodyPr>
+          <a:lstStyle/>
+          <a:p>
+            <a:r>
+              <a:rPr lang="zh-CN" altLang="en-US" dirty="0">
+                <a:solidFill>
+                  <a:srgbClr val="333333"/>
+                </a:solidFill>
+                <a:latin typeface="PingFang SC"/>
+              </a:rPr>
+              <a:t>在 </a:t>
+            </a:r>
+            <a:r>
+              <a:rPr lang="en-US" altLang="zh-CN" dirty="0">
+                <a:solidFill>
+                  <a:srgbClr val="333333"/>
+                </a:solidFill>
+                <a:latin typeface="PingFang SC"/>
+              </a:rPr>
+              <a:t>Kubernetes </a:t>
+            </a:r>
+            <a:r>
+              <a:rPr lang="zh-CN" altLang="en-US" dirty="0">
+                <a:solidFill>
+                  <a:srgbClr val="333333"/>
+                </a:solidFill>
+                <a:latin typeface="PingFang SC"/>
+              </a:rPr>
+              <a:t>项目中，负责完成授权（</a:t>
+            </a:r>
+            <a:r>
+              <a:rPr lang="en-US" altLang="zh-CN" dirty="0"/>
+              <a:t>Authorization</a:t>
+            </a:r>
+            <a:r>
+              <a:rPr lang="zh-CN" altLang="en-US" dirty="0"/>
+              <a:t>）工作的机制，就是 </a:t>
+            </a:r>
+            <a:r>
+              <a:rPr lang="en-US" altLang="zh-CN" dirty="0" err="1"/>
+              <a:t>RBAC</a:t>
+            </a:r>
+            <a:r>
+              <a:rPr lang="zh-CN" altLang="en-US" dirty="0"/>
+              <a:t>：基于角色的访问控制（</a:t>
+            </a:r>
+            <a:r>
+              <a:rPr lang="en-US" altLang="zh-CN" dirty="0"/>
+              <a:t>Role-Based Access Control</a:t>
+            </a:r>
+            <a:r>
+              <a:rPr lang="zh-CN" altLang="en-US" dirty="0"/>
+              <a:t>）</a:t>
+            </a:r>
+            <a:endParaRPr lang="en-US" altLang="zh-CN" dirty="0"/>
+          </a:p>
+          <a:p>
+            <a:endParaRPr lang="en-US" altLang="zh-CN" dirty="0"/>
+          </a:p>
+          <a:p>
+            <a:endParaRPr lang="en-US" altLang="zh-CN" dirty="0">
+              <a:solidFill>
+                <a:srgbClr val="333333"/>
+              </a:solidFill>
+              <a:latin typeface="PingFang SC"/>
+            </a:endParaRPr>
+          </a:p>
+        </p:txBody>
+      </p:sp>
+      <p:sp>
+        <p:nvSpPr>
+          <p:cNvPr id="6" name="矩形 5">
+            <a:extLst>
+              <a:ext uri="{FF2B5EF4-FFF2-40B4-BE49-F238E27FC236}">
+                <a16:creationId xmlns:a16="http://schemas.microsoft.com/office/drawing/2014/main" id="{463DC33F-044B-4AE4-A258-58C1E8E687A8}"/>
+              </a:ext>
+            </a:extLst>
+          </p:cNvPr>
+          <p:cNvSpPr/>
+          <p:nvPr/>
+        </p:nvSpPr>
+        <p:spPr>
+          <a:xfrm>
+            <a:off x="1059403" y="4800968"/>
+            <a:ext cx="9997804" cy="923330"/>
+          </a:xfrm>
+          <a:prstGeom prst="rect">
+            <a:avLst/>
+          </a:prstGeom>
+        </p:spPr>
+        <p:txBody>
+          <a:bodyPr wrap="square">
+            <a:spAutoFit/>
+          </a:bodyPr>
+          <a:lstStyle/>
+          <a:p>
+            <a:r>
+              <a:rPr lang="en-US" altLang="zh-CN" dirty="0"/>
+              <a:t>Operator</a:t>
+            </a:r>
+            <a:r>
+              <a:rPr lang="zh-CN" altLang="en-US" dirty="0"/>
+              <a:t>的工作原理，实际上是利用了</a:t>
+            </a:r>
+            <a:r>
+              <a:rPr lang="en-US" altLang="zh-CN" dirty="0"/>
+              <a:t>Kubernetes</a:t>
+            </a:r>
+            <a:r>
+              <a:rPr lang="zh-CN" altLang="en-US" dirty="0"/>
+              <a:t>的自定义</a:t>
+            </a:r>
+            <a:r>
+              <a:rPr lang="en-US" altLang="zh-CN" dirty="0"/>
+              <a:t>API</a:t>
+            </a:r>
+            <a:r>
+              <a:rPr lang="zh-CN" altLang="en-US" dirty="0"/>
+              <a:t>资源（</a:t>
+            </a:r>
+            <a:r>
+              <a:rPr lang="en-US" altLang="zh-CN" dirty="0" err="1"/>
+              <a:t>CRD</a:t>
+            </a:r>
+            <a:r>
+              <a:rPr lang="zh-CN" altLang="en-US" dirty="0"/>
+              <a:t>）</a:t>
+            </a:r>
+            <a:r>
+              <a:rPr lang="en-US" altLang="zh-CN" dirty="0"/>
+              <a:t>,</a:t>
+            </a:r>
+            <a:r>
+              <a:rPr lang="zh-CN" altLang="en-US" dirty="0"/>
+              <a:t>来描述我们想要部署的</a:t>
+            </a:r>
+            <a:r>
+              <a:rPr lang="zh-CN" altLang="en-US"/>
+              <a:t>“有状态应用”；然后</a:t>
+            </a:r>
+            <a:r>
+              <a:rPr lang="zh-CN" altLang="en-US" dirty="0"/>
+              <a:t>在自定义控制器里，根据自定义</a:t>
+            </a:r>
+            <a:r>
+              <a:rPr lang="en-US" altLang="zh-CN" dirty="0"/>
+              <a:t>API</a:t>
+            </a:r>
+            <a:r>
+              <a:rPr lang="zh-CN" altLang="en-US" dirty="0"/>
+              <a:t>对象的变化，来完成具体的部署和运维工作</a:t>
+            </a:r>
+          </a:p>
+        </p:txBody>
+      </p:sp>
+    </p:spTree>
+    <p:extLst>
+      <p:ext uri="{BB962C8B-B14F-4D97-AF65-F5344CB8AC3E}">
+        <p14:creationId xmlns:p14="http://schemas.microsoft.com/office/powerpoint/2010/main" val="116615380"/>
       </p:ext>
     </p:extLst>
   </p:cSld>

--- a/Asp.NetCoreExperiment/kubernetes/kubernetes.pptx
+++ b/Asp.NetCoreExperiment/kubernetes/kubernetes.pptx
@@ -14879,7 +14879,7 @@
         </p:blipFill>
         <p:spPr bwMode="auto">
           <a:xfrm>
-            <a:off x="855195" y="1020726"/>
+            <a:off x="664695" y="2417111"/>
             <a:ext cx="4731488" cy="2023777"/>
           </a:xfrm>
           <a:prstGeom prst="rect">
@@ -14910,18 +14910,201 @@
         </p:nvSpPr>
         <p:spPr>
           <a:xfrm>
-            <a:off x="1073889" y="460007"/>
-            <a:ext cx="2578847" cy="369332"/>
+            <a:off x="575794" y="256807"/>
+            <a:ext cx="10790706" cy="2031325"/>
           </a:xfrm>
           <a:prstGeom prst="rect">
             <a:avLst/>
           </a:prstGeom>
         </p:spPr>
         <p:txBody>
-          <a:bodyPr wrap="none">
+          <a:bodyPr wrap="square">
             <a:spAutoFit/>
           </a:bodyPr>
           <a:lstStyle/>
+          <a:p>
+            <a:r>
+              <a:rPr lang="zh-CN" altLang="en-US" dirty="0">
+                <a:solidFill>
+                  <a:srgbClr val="24292E"/>
+                </a:solidFill>
+                <a:latin typeface="SFMono-Regular"/>
+              </a:rPr>
+              <a:t>启动</a:t>
+            </a:r>
+            <a:r>
+              <a:rPr lang="en-US" altLang="zh-CN" dirty="0">
+                <a:solidFill>
+                  <a:srgbClr val="24292E"/>
+                </a:solidFill>
+                <a:latin typeface="SFMono-Regular"/>
+              </a:rPr>
+              <a:t>Dashboard</a:t>
+            </a:r>
+          </a:p>
+          <a:p>
+            <a:r>
+              <a:rPr lang="en-US" altLang="zh-CN" dirty="0" err="1">
+                <a:solidFill>
+                  <a:srgbClr val="24292E"/>
+                </a:solidFill>
+                <a:latin typeface="SFMono-Regular"/>
+              </a:rPr>
+              <a:t>Sudo</a:t>
+            </a:r>
+            <a:r>
+              <a:rPr lang="en-US" altLang="zh-CN" dirty="0">
+                <a:solidFill>
+                  <a:srgbClr val="24292E"/>
+                </a:solidFill>
+                <a:latin typeface="SFMono-Regular"/>
+              </a:rPr>
+              <a:t> </a:t>
+            </a:r>
+            <a:r>
+              <a:rPr lang="en-US" altLang="zh-CN" dirty="0" err="1">
+                <a:solidFill>
+                  <a:srgbClr val="24292E"/>
+                </a:solidFill>
+                <a:latin typeface="SFMono-Regular"/>
+              </a:rPr>
+              <a:t>kubectl</a:t>
+            </a:r>
+            <a:r>
+              <a:rPr lang="en-US" altLang="zh-CN" dirty="0">
+                <a:solidFill>
+                  <a:srgbClr val="24292E"/>
+                </a:solidFill>
+                <a:latin typeface="SFMono-Regular"/>
+              </a:rPr>
+              <a:t> proxy</a:t>
+            </a:r>
+          </a:p>
+          <a:p>
+            <a:endParaRPr lang="en-US" altLang="zh-CN" dirty="0">
+              <a:solidFill>
+                <a:srgbClr val="24292E"/>
+              </a:solidFill>
+              <a:latin typeface="SFMono-Regular"/>
+            </a:endParaRPr>
+          </a:p>
+          <a:p>
+            <a:endParaRPr lang="en-US" altLang="zh-CN" dirty="0">
+              <a:solidFill>
+                <a:srgbClr val="24292E"/>
+              </a:solidFill>
+              <a:latin typeface="SFMono-Regular"/>
+            </a:endParaRPr>
+          </a:p>
+          <a:p>
+            <a:r>
+              <a:rPr lang="en-US" altLang="zh-CN" dirty="0">
+                <a:solidFill>
+                  <a:srgbClr val="24292E"/>
+                </a:solidFill>
+                <a:latin typeface="SFMono-Regular"/>
+              </a:rPr>
+              <a:t>http://</a:t>
+            </a:r>
+            <a:r>
+              <a:rPr lang="en-US" altLang="zh-CN" dirty="0" err="1">
+                <a:solidFill>
+                  <a:srgbClr val="24292E"/>
+                </a:solidFill>
+                <a:latin typeface="SFMono-Regular"/>
+              </a:rPr>
+              <a:t>localhost:8001</a:t>
+            </a:r>
+            <a:r>
+              <a:rPr lang="en-US" altLang="zh-CN" dirty="0">
+                <a:solidFill>
+                  <a:srgbClr val="24292E"/>
+                </a:solidFill>
+                <a:latin typeface="SFMono-Regular"/>
+              </a:rPr>
+              <a:t>/</a:t>
+            </a:r>
+            <a:r>
+              <a:rPr lang="en-US" altLang="zh-CN" dirty="0" err="1">
+                <a:solidFill>
+                  <a:srgbClr val="24292E"/>
+                </a:solidFill>
+                <a:latin typeface="SFMono-Regular"/>
+              </a:rPr>
+              <a:t>api</a:t>
+            </a:r>
+            <a:r>
+              <a:rPr lang="en-US" altLang="zh-CN" dirty="0">
+                <a:solidFill>
+                  <a:srgbClr val="24292E"/>
+                </a:solidFill>
+                <a:latin typeface="SFMono-Regular"/>
+              </a:rPr>
+              <a:t>/</a:t>
+            </a:r>
+            <a:r>
+              <a:rPr lang="en-US" altLang="zh-CN" dirty="0" err="1">
+                <a:solidFill>
+                  <a:srgbClr val="24292E"/>
+                </a:solidFill>
+                <a:latin typeface="SFMono-Regular"/>
+              </a:rPr>
+              <a:t>v1</a:t>
+            </a:r>
+            <a:r>
+              <a:rPr lang="en-US" altLang="zh-CN" dirty="0">
+                <a:solidFill>
+                  <a:srgbClr val="24292E"/>
+                </a:solidFill>
+                <a:latin typeface="SFMono-Regular"/>
+              </a:rPr>
+              <a:t>/namespaces/</a:t>
+            </a:r>
+            <a:r>
+              <a:rPr lang="en-US" altLang="zh-CN" dirty="0" err="1">
+                <a:solidFill>
+                  <a:srgbClr val="24292E"/>
+                </a:solidFill>
+                <a:latin typeface="SFMono-Regular"/>
+              </a:rPr>
+              <a:t>kube</a:t>
+            </a:r>
+            <a:r>
+              <a:rPr lang="en-US" altLang="zh-CN" dirty="0">
+                <a:solidFill>
+                  <a:srgbClr val="24292E"/>
+                </a:solidFill>
+                <a:latin typeface="SFMono-Regular"/>
+              </a:rPr>
+              <a:t>-system/services/</a:t>
+            </a:r>
+            <a:r>
+              <a:rPr lang="en-US" altLang="zh-CN" dirty="0" err="1">
+                <a:solidFill>
+                  <a:srgbClr val="24292E"/>
+                </a:solidFill>
+                <a:latin typeface="SFMono-Regular"/>
+              </a:rPr>
+              <a:t>https:kubernetes-dashboard</a:t>
+            </a:r>
+            <a:r>
+              <a:rPr lang="en-US" altLang="zh-CN" dirty="0">
+                <a:solidFill>
+                  <a:srgbClr val="24292E"/>
+                </a:solidFill>
+                <a:latin typeface="SFMono-Regular"/>
+              </a:rPr>
+              <a:t>:/proxy/</a:t>
+            </a:r>
+          </a:p>
+          <a:p>
+            <a:endParaRPr lang="en-US" altLang="zh-CN" dirty="0">
+              <a:solidFill>
+                <a:srgbClr val="24292E"/>
+              </a:solidFill>
+              <a:latin typeface="SFMono-Regular"/>
+            </a:endParaRPr>
+          </a:p>
           <a:p>
             <a:r>
               <a:rPr lang="zh-CN" altLang="en-US" dirty="0">

--- a/Asp.NetCoreExperiment/kubernetes/kubernetes.pptx
+++ b/Asp.NetCoreExperiment/kubernetes/kubernetes.pptx
@@ -5,7 +5,7 @@
     <p:sldMasterId id="2147483648" r:id="rId1"/>
   </p:sldMasterIdLst>
   <p:notesMasterIdLst>
-    <p:notesMasterId r:id="rId35"/>
+    <p:notesMasterId r:id="rId40"/>
   </p:notesMasterIdLst>
   <p:sldIdLst>
     <p:sldId id="256" r:id="rId2"/>
@@ -25,22 +25,27 @@
     <p:sldId id="273" r:id="rId16"/>
     <p:sldId id="274" r:id="rId17"/>
     <p:sldId id="275" r:id="rId18"/>
-    <p:sldId id="285" r:id="rId19"/>
-    <p:sldId id="283" r:id="rId20"/>
-    <p:sldId id="276" r:id="rId21"/>
-    <p:sldId id="282" r:id="rId22"/>
-    <p:sldId id="281" r:id="rId23"/>
-    <p:sldId id="280" r:id="rId24"/>
-    <p:sldId id="279" r:id="rId25"/>
-    <p:sldId id="278" r:id="rId26"/>
-    <p:sldId id="277" r:id="rId27"/>
-    <p:sldId id="284" r:id="rId28"/>
-    <p:sldId id="287" r:id="rId29"/>
-    <p:sldId id="286" r:id="rId30"/>
-    <p:sldId id="288" r:id="rId31"/>
-    <p:sldId id="289" r:id="rId32"/>
-    <p:sldId id="258" r:id="rId33"/>
-    <p:sldId id="257" r:id="rId34"/>
+    <p:sldId id="292" r:id="rId19"/>
+    <p:sldId id="293" r:id="rId20"/>
+    <p:sldId id="294" r:id="rId21"/>
+    <p:sldId id="285" r:id="rId22"/>
+    <p:sldId id="283" r:id="rId23"/>
+    <p:sldId id="276" r:id="rId24"/>
+    <p:sldId id="282" r:id="rId25"/>
+    <p:sldId id="281" r:id="rId26"/>
+    <p:sldId id="280" r:id="rId27"/>
+    <p:sldId id="279" r:id="rId28"/>
+    <p:sldId id="278" r:id="rId29"/>
+    <p:sldId id="277" r:id="rId30"/>
+    <p:sldId id="284" r:id="rId31"/>
+    <p:sldId id="287" r:id="rId32"/>
+    <p:sldId id="286" r:id="rId33"/>
+    <p:sldId id="288" r:id="rId34"/>
+    <p:sldId id="289" r:id="rId35"/>
+    <p:sldId id="290" r:id="rId36"/>
+    <p:sldId id="291" r:id="rId37"/>
+    <p:sldId id="258" r:id="rId38"/>
+    <p:sldId id="257" r:id="rId39"/>
   </p:sldIdLst>
   <p:sldSz cx="12192000" cy="6858000"/>
   <p:notesSz cx="6858000" cy="9144000"/>
@@ -10249,360 +10254,391 @@
       </p:grpSpPr>
       <p:sp>
         <p:nvSpPr>
-          <p:cNvPr id="2" name="标题 1">
+          <p:cNvPr id="2" name="内容占位符 2">
             <a:extLst>
               <a:ext uri="{FF2B5EF4-FFF2-40B4-BE49-F238E27FC236}">
-                <a16:creationId xmlns:a16="http://schemas.microsoft.com/office/drawing/2014/main" id="{EAE9FAA8-C318-4695-A8C8-CA1E97AE07C6}"/>
+                <a16:creationId xmlns:a16="http://schemas.microsoft.com/office/drawing/2014/main" id="{4DA2E1BB-8060-4FF7-9767-E7D531F29246}"/>
               </a:ext>
             </a:extLst>
           </p:cNvPr>
-          <p:cNvSpPr>
-            <a:spLocks noGrp="1"/>
+          <p:cNvSpPr txBox="1">
+            <a:spLocks/>
           </p:cNvSpPr>
-          <p:nvPr>
-            <p:ph type="title"/>
-          </p:nvPr>
+          <p:nvPr/>
         </p:nvSpPr>
         <p:spPr>
           <a:xfrm>
-            <a:off x="838200" y="365126"/>
-            <a:ext cx="10515600" cy="644968"/>
+            <a:off x="752141" y="679894"/>
+            <a:ext cx="6654800" cy="5632006"/>
           </a:xfrm>
+          <a:prstGeom prst="rect">
+            <a:avLst/>
+          </a:prstGeom>
         </p:spPr>
         <p:txBody>
           <a:bodyPr>
             <a:normAutofit/>
           </a:bodyPr>
-          <a:lstStyle/>
-          <a:p>
-            <a:r>
-              <a:rPr lang="en-US" altLang="zh-CN" sz="3000" dirty="0" err="1"/>
-              <a:t>ReplicaSet</a:t>
-            </a:r>
-            <a:endParaRPr lang="zh-CN" altLang="en-US" sz="3000" dirty="0"/>
+          <a:lstStyle>
+            <a:lvl1pPr marL="228600" indent="-228600" algn="l" defTabSz="914400" rtl="0" eaLnBrk="1" latinLnBrk="0" hangingPunct="1">
+              <a:lnSpc>
+                <a:spcPct val="90000"/>
+              </a:lnSpc>
+              <a:spcBef>
+                <a:spcPts val="1000"/>
+              </a:spcBef>
+              <a:buFont typeface="Arial" panose="020B0604020202020204" pitchFamily="34" charset="0"/>
+              <a:buChar char="•"/>
+              <a:defRPr sz="2800" kern="1200">
+                <a:solidFill>
+                  <a:schemeClr val="tx1"/>
+                </a:solidFill>
+                <a:latin typeface="+mn-lt"/>
+                <a:ea typeface="+mn-ea"/>
+                <a:cs typeface="+mn-cs"/>
+              </a:defRPr>
+            </a:lvl1pPr>
+            <a:lvl2pPr marL="685800" indent="-228600" algn="l" defTabSz="914400" rtl="0" eaLnBrk="1" latinLnBrk="0" hangingPunct="1">
+              <a:lnSpc>
+                <a:spcPct val="90000"/>
+              </a:lnSpc>
+              <a:spcBef>
+                <a:spcPts val="500"/>
+              </a:spcBef>
+              <a:buFont typeface="Arial" panose="020B0604020202020204" pitchFamily="34" charset="0"/>
+              <a:buChar char="•"/>
+              <a:defRPr sz="2400" kern="1200">
+                <a:solidFill>
+                  <a:schemeClr val="tx1"/>
+                </a:solidFill>
+                <a:latin typeface="+mn-lt"/>
+                <a:ea typeface="+mn-ea"/>
+                <a:cs typeface="+mn-cs"/>
+              </a:defRPr>
+            </a:lvl2pPr>
+            <a:lvl3pPr marL="1143000" indent="-228600" algn="l" defTabSz="914400" rtl="0" eaLnBrk="1" latinLnBrk="0" hangingPunct="1">
+              <a:lnSpc>
+                <a:spcPct val="90000"/>
+              </a:lnSpc>
+              <a:spcBef>
+                <a:spcPts val="500"/>
+              </a:spcBef>
+              <a:buFont typeface="Arial" panose="020B0604020202020204" pitchFamily="34" charset="0"/>
+              <a:buChar char="•"/>
+              <a:defRPr sz="2000" kern="1200">
+                <a:solidFill>
+                  <a:schemeClr val="tx1"/>
+                </a:solidFill>
+                <a:latin typeface="+mn-lt"/>
+                <a:ea typeface="+mn-ea"/>
+                <a:cs typeface="+mn-cs"/>
+              </a:defRPr>
+            </a:lvl3pPr>
+            <a:lvl4pPr marL="1600200" indent="-228600" algn="l" defTabSz="914400" rtl="0" eaLnBrk="1" latinLnBrk="0" hangingPunct="1">
+              <a:lnSpc>
+                <a:spcPct val="90000"/>
+              </a:lnSpc>
+              <a:spcBef>
+                <a:spcPts val="500"/>
+              </a:spcBef>
+              <a:buFont typeface="Arial" panose="020B0604020202020204" pitchFamily="34" charset="0"/>
+              <a:buChar char="•"/>
+              <a:defRPr sz="1800" kern="1200">
+                <a:solidFill>
+                  <a:schemeClr val="tx1"/>
+                </a:solidFill>
+                <a:latin typeface="+mn-lt"/>
+                <a:ea typeface="+mn-ea"/>
+                <a:cs typeface="+mn-cs"/>
+              </a:defRPr>
+            </a:lvl4pPr>
+            <a:lvl5pPr marL="2057400" indent="-228600" algn="l" defTabSz="914400" rtl="0" eaLnBrk="1" latinLnBrk="0" hangingPunct="1">
+              <a:lnSpc>
+                <a:spcPct val="90000"/>
+              </a:lnSpc>
+              <a:spcBef>
+                <a:spcPts val="500"/>
+              </a:spcBef>
+              <a:buFont typeface="Arial" panose="020B0604020202020204" pitchFamily="34" charset="0"/>
+              <a:buChar char="•"/>
+              <a:defRPr sz="1800" kern="1200">
+                <a:solidFill>
+                  <a:schemeClr val="tx1"/>
+                </a:solidFill>
+                <a:latin typeface="+mn-lt"/>
+                <a:ea typeface="+mn-ea"/>
+                <a:cs typeface="+mn-cs"/>
+              </a:defRPr>
+            </a:lvl5pPr>
+            <a:lvl6pPr marL="2514600" indent="-228600" algn="l" defTabSz="914400" rtl="0" eaLnBrk="1" latinLnBrk="0" hangingPunct="1">
+              <a:lnSpc>
+                <a:spcPct val="90000"/>
+              </a:lnSpc>
+              <a:spcBef>
+                <a:spcPts val="500"/>
+              </a:spcBef>
+              <a:buFont typeface="Arial" panose="020B0604020202020204" pitchFamily="34" charset="0"/>
+              <a:buChar char="•"/>
+              <a:defRPr sz="1800" kern="1200">
+                <a:solidFill>
+                  <a:schemeClr val="tx1"/>
+                </a:solidFill>
+                <a:latin typeface="+mn-lt"/>
+                <a:ea typeface="+mn-ea"/>
+                <a:cs typeface="+mn-cs"/>
+              </a:defRPr>
+            </a:lvl6pPr>
+            <a:lvl7pPr marL="2971800" indent="-228600" algn="l" defTabSz="914400" rtl="0" eaLnBrk="1" latinLnBrk="0" hangingPunct="1">
+              <a:lnSpc>
+                <a:spcPct val="90000"/>
+              </a:lnSpc>
+              <a:spcBef>
+                <a:spcPts val="500"/>
+              </a:spcBef>
+              <a:buFont typeface="Arial" panose="020B0604020202020204" pitchFamily="34" charset="0"/>
+              <a:buChar char="•"/>
+              <a:defRPr sz="1800" kern="1200">
+                <a:solidFill>
+                  <a:schemeClr val="tx1"/>
+                </a:solidFill>
+                <a:latin typeface="+mn-lt"/>
+                <a:ea typeface="+mn-ea"/>
+                <a:cs typeface="+mn-cs"/>
+              </a:defRPr>
+            </a:lvl7pPr>
+            <a:lvl8pPr marL="3429000" indent="-228600" algn="l" defTabSz="914400" rtl="0" eaLnBrk="1" latinLnBrk="0" hangingPunct="1">
+              <a:lnSpc>
+                <a:spcPct val="90000"/>
+              </a:lnSpc>
+              <a:spcBef>
+                <a:spcPts val="500"/>
+              </a:spcBef>
+              <a:buFont typeface="Arial" panose="020B0604020202020204" pitchFamily="34" charset="0"/>
+              <a:buChar char="•"/>
+              <a:defRPr sz="1800" kern="1200">
+                <a:solidFill>
+                  <a:schemeClr val="tx1"/>
+                </a:solidFill>
+                <a:latin typeface="+mn-lt"/>
+                <a:ea typeface="+mn-ea"/>
+                <a:cs typeface="+mn-cs"/>
+              </a:defRPr>
+            </a:lvl8pPr>
+            <a:lvl9pPr marL="3886200" indent="-228600" algn="l" defTabSz="914400" rtl="0" eaLnBrk="1" latinLnBrk="0" hangingPunct="1">
+              <a:lnSpc>
+                <a:spcPct val="90000"/>
+              </a:lnSpc>
+              <a:spcBef>
+                <a:spcPts val="500"/>
+              </a:spcBef>
+              <a:buFont typeface="Arial" panose="020B0604020202020204" pitchFamily="34" charset="0"/>
+              <a:buChar char="•"/>
+              <a:defRPr sz="1800" kern="1200">
+                <a:solidFill>
+                  <a:schemeClr val="tx1"/>
+                </a:solidFill>
+                <a:latin typeface="+mn-lt"/>
+                <a:ea typeface="+mn-ea"/>
+                <a:cs typeface="+mn-cs"/>
+              </a:defRPr>
+            </a:lvl9pPr>
+          </a:lstStyle>
+          <a:p>
+            <a:pPr marL="0" indent="0" fontAlgn="base">
+              <a:buFont typeface="Arial" panose="020B0604020202020204" pitchFamily="34" charset="0"/>
+              <a:buNone/>
+            </a:pPr>
+            <a:r>
+              <a:rPr lang="en-US" altLang="zh-CN" sz="2000" dirty="0"/>
+              <a:t>Pod</a:t>
+            </a:r>
+            <a:r>
+              <a:rPr lang="zh-CN" altLang="en-US" sz="2000" dirty="0"/>
+              <a:t>是一个逻辑概念</a:t>
+            </a:r>
+            <a:endParaRPr lang="en-US" altLang="zh-CN" sz="2000" dirty="0"/>
+          </a:p>
+          <a:p>
+            <a:pPr marL="0" indent="0" fontAlgn="base">
+              <a:buFont typeface="Arial" panose="020B0604020202020204" pitchFamily="34" charset="0"/>
+              <a:buNone/>
+            </a:pPr>
+            <a:r>
+              <a:rPr lang="en-US" altLang="zh-CN" sz="2000" dirty="0"/>
+              <a:t>Pod</a:t>
+            </a:r>
+            <a:r>
+              <a:rPr lang="zh-CN" altLang="en-US" sz="2000" dirty="0"/>
+              <a:t>里所有容器共享同一个</a:t>
+            </a:r>
+            <a:r>
+              <a:rPr lang="en-US" altLang="zh-CN" sz="2000" dirty="0"/>
+              <a:t>Network Namespace</a:t>
+            </a:r>
+            <a:r>
+              <a:rPr lang="zh-CN" altLang="en-US" sz="2000" dirty="0"/>
+              <a:t>，共享同一个</a:t>
+            </a:r>
+            <a:r>
+              <a:rPr lang="en-US" altLang="zh-CN" sz="2000" dirty="0"/>
+              <a:t>Volume</a:t>
+            </a:r>
+          </a:p>
+          <a:p>
+            <a:pPr marL="0" indent="0" fontAlgn="base">
+              <a:buFont typeface="Arial" panose="020B0604020202020204" pitchFamily="34" charset="0"/>
+              <a:buNone/>
+            </a:pPr>
+            <a:r>
+              <a:rPr lang="en-US" altLang="zh-CN" sz="2000" dirty="0"/>
+              <a:t>Pod</a:t>
+            </a:r>
+            <a:r>
+              <a:rPr lang="zh-CN" altLang="en-US" sz="2000" dirty="0"/>
+              <a:t>里的容器：</a:t>
+            </a:r>
+            <a:endParaRPr lang="en-US" altLang="zh-CN" sz="2000" dirty="0"/>
+          </a:p>
+          <a:p>
+            <a:pPr fontAlgn="base"/>
+            <a:r>
+              <a:rPr lang="zh-CN" altLang="en-US" sz="2000" dirty="0"/>
+              <a:t>可以直接使用</a:t>
+            </a:r>
+            <a:r>
+              <a:rPr lang="en-US" altLang="zh-CN" sz="2000" dirty="0"/>
+              <a:t>localhost</a:t>
+            </a:r>
+            <a:r>
+              <a:rPr lang="zh-CN" altLang="en-US" sz="2000" dirty="0"/>
+              <a:t>进行通信</a:t>
+            </a:r>
+            <a:endParaRPr lang="en-US" altLang="zh-CN" sz="2000" dirty="0"/>
+          </a:p>
+          <a:p>
+            <a:pPr fontAlgn="base"/>
+            <a:r>
+              <a:rPr lang="zh-CN" altLang="en-US" sz="2000" dirty="0"/>
+              <a:t>看到的网络设备和</a:t>
+            </a:r>
+            <a:r>
+              <a:rPr lang="en-US" altLang="zh-CN" sz="2000" dirty="0"/>
+              <a:t>Infra</a:t>
+            </a:r>
+            <a:r>
+              <a:rPr lang="zh-CN" altLang="en-US" sz="2000" dirty="0"/>
+              <a:t>一样</a:t>
+            </a:r>
+            <a:endParaRPr lang="en-US" altLang="zh-CN" sz="2000" dirty="0"/>
+          </a:p>
+          <a:p>
+            <a:pPr fontAlgn="base"/>
+            <a:r>
+              <a:rPr lang="zh-CN" altLang="en-US" sz="2000" dirty="0"/>
+              <a:t>一个</a:t>
+            </a:r>
+            <a:r>
+              <a:rPr lang="en-US" altLang="zh-CN" sz="2000" dirty="0"/>
+              <a:t>Pod</a:t>
+            </a:r>
+            <a:r>
+              <a:rPr lang="zh-CN" altLang="en-US" sz="2000" dirty="0"/>
+              <a:t>只有一个</a:t>
+            </a:r>
+            <a:r>
+              <a:rPr lang="en-US" altLang="zh-CN" sz="2000" dirty="0"/>
+              <a:t>IP</a:t>
+            </a:r>
+            <a:r>
+              <a:rPr lang="zh-CN" altLang="en-US" sz="2000" dirty="0"/>
+              <a:t>地址，即</a:t>
+            </a:r>
+            <a:r>
+              <a:rPr lang="en-US" altLang="zh-CN" sz="2000" dirty="0"/>
+              <a:t>Network Namespace</a:t>
+            </a:r>
+            <a:r>
+              <a:rPr lang="zh-CN" altLang="en-US" sz="2000" dirty="0"/>
+              <a:t>对应的</a:t>
+            </a:r>
+            <a:r>
+              <a:rPr lang="en-US" altLang="zh-CN" sz="2000" dirty="0"/>
+              <a:t>IP</a:t>
+            </a:r>
+          </a:p>
+          <a:p>
+            <a:pPr fontAlgn="base"/>
+            <a:r>
+              <a:rPr lang="en-US" altLang="zh-CN" sz="2000" dirty="0"/>
+              <a:t>Pod</a:t>
+            </a:r>
+            <a:r>
+              <a:rPr lang="zh-CN" altLang="en-US" sz="2000" dirty="0"/>
+              <a:t>的生命周期与</a:t>
+            </a:r>
+            <a:r>
+              <a:rPr lang="en-US" altLang="zh-CN" sz="2000" dirty="0"/>
+              <a:t>Infra</a:t>
+            </a:r>
+            <a:r>
+              <a:rPr lang="zh-CN" altLang="en-US" sz="2000" dirty="0"/>
+              <a:t>容器一致，与其他容器无关</a:t>
+            </a:r>
+            <a:endParaRPr lang="en-US" altLang="zh-CN" sz="2000" dirty="0"/>
           </a:p>
         </p:txBody>
       </p:sp>
-      <p:sp>
-        <p:nvSpPr>
-          <p:cNvPr id="3" name="内容占位符 2">
+      <p:pic>
+        <p:nvPicPr>
+          <p:cNvPr id="2050" name="Picture 2" descr="https://static001.geekbang.org/resource/image/8c/cf/8c016391b4b17923f38547c498e434cf.png">
             <a:extLst>
               <a:ext uri="{FF2B5EF4-FFF2-40B4-BE49-F238E27FC236}">
-                <a16:creationId xmlns:a16="http://schemas.microsoft.com/office/drawing/2014/main" id="{6CA78E39-E363-42D1-BE9D-BB96C903EDB2}"/>
+                <a16:creationId xmlns:a16="http://schemas.microsoft.com/office/drawing/2014/main" id="{04202E7C-299F-41A5-A266-04E05735AB47}"/>
               </a:ext>
             </a:extLst>
           </p:cNvPr>
-          <p:cNvSpPr>
-            <a:spLocks noGrp="1"/>
-          </p:cNvSpPr>
-          <p:nvPr>
-            <p:ph idx="1"/>
-          </p:nvPr>
-        </p:nvSpPr>
-        <p:spPr>
+          <p:cNvPicPr>
+            <a:picLocks noChangeAspect="1" noChangeArrowheads="1"/>
+          </p:cNvPicPr>
+          <p:nvPr/>
+        </p:nvPicPr>
+        <p:blipFill>
+          <a:blip r:embed="rId2">
+            <a:extLst>
+              <a:ext uri="{28A0092B-C50C-407E-A947-70E740481C1C}">
+                <a14:useLocalDpi xmlns:a14="http://schemas.microsoft.com/office/drawing/2010/main" val="0"/>
+              </a:ext>
+            </a:extLst>
+          </a:blip>
+          <a:srcRect/>
+          <a:stretch>
+            <a:fillRect/>
+          </a:stretch>
+        </p:blipFill>
+        <p:spPr bwMode="auto">
           <a:xfrm>
-            <a:off x="838200" y="1010094"/>
-            <a:ext cx="10515600" cy="5166869"/>
+            <a:off x="7848600" y="1229518"/>
+            <a:ext cx="3241341" cy="4398963"/>
           </a:xfrm>
+          <a:prstGeom prst="rect">
+            <a:avLst/>
+          </a:prstGeom>
+          <a:noFill/>
+          <a:extLst>
+            <a:ext uri="{909E8E84-426E-40DD-AFC4-6F175D3DCCD1}">
+              <a14:hiddenFill xmlns:a14="http://schemas.microsoft.com/office/drawing/2010/main">
+                <a:solidFill>
+                  <a:srgbClr val="FFFFFF"/>
+                </a:solidFill>
+              </a14:hiddenFill>
+            </a:ext>
+          </a:extLst>
         </p:spPr>
-        <p:txBody>
-          <a:bodyPr>
-            <a:normAutofit fontScale="92500"/>
-          </a:bodyPr>
-          <a:lstStyle/>
-          <a:p>
-            <a:pPr marL="0" indent="0">
-              <a:buNone/>
-            </a:pPr>
-            <a:r>
-              <a:rPr lang="en-US" altLang="zh-CN" dirty="0" err="1"/>
-              <a:t>ReplicaSet</a:t>
-            </a:r>
-            <a:r>
-              <a:rPr lang="zh-CN" altLang="en-US" dirty="0"/>
-              <a:t>是下一代复本控制器。</a:t>
-            </a:r>
-            <a:r>
-              <a:rPr lang="en-US" altLang="zh-CN" dirty="0" err="1"/>
-              <a:t>ReplicaSet</a:t>
-            </a:r>
-            <a:r>
-              <a:rPr lang="zh-CN" altLang="en-US" dirty="0"/>
-              <a:t>和 </a:t>
-            </a:r>
-            <a:r>
-              <a:rPr lang="en-US" altLang="zh-CN" i="1" dirty="0">
-                <a:hlinkClick r:id="rId2"/>
-              </a:rPr>
-              <a:t>Replication Controller</a:t>
-            </a:r>
-            <a:r>
-              <a:rPr lang="zh-CN" altLang="en-US" dirty="0"/>
-              <a:t>之间的唯一区别是现在的选择器支持。</a:t>
-            </a:r>
-            <a:r>
-              <a:rPr lang="en-US" altLang="zh-CN" i="1" dirty="0"/>
-              <a:t>Replication Controller</a:t>
-            </a:r>
-            <a:r>
-              <a:rPr lang="zh-CN" altLang="en-US" dirty="0"/>
-              <a:t>只支持基于等式的</a:t>
-            </a:r>
-            <a:r>
-              <a:rPr lang="en-US" altLang="zh-CN" dirty="0"/>
-              <a:t>selector</a:t>
-            </a:r>
-            <a:r>
-              <a:rPr lang="zh-CN" altLang="en-US" dirty="0"/>
-              <a:t>（</a:t>
-            </a:r>
-            <a:r>
-              <a:rPr lang="en-US" altLang="zh-CN" dirty="0"/>
-              <a:t>env=dev</a:t>
-            </a:r>
-            <a:r>
-              <a:rPr lang="zh-CN" altLang="en-US" dirty="0"/>
-              <a:t>或</a:t>
-            </a:r>
-            <a:r>
-              <a:rPr lang="en-US" altLang="zh-CN" dirty="0"/>
-              <a:t>environment!=</a:t>
-            </a:r>
-            <a:r>
-              <a:rPr lang="en-US" altLang="zh-CN" dirty="0" err="1"/>
-              <a:t>qa</a:t>
-            </a:r>
-            <a:r>
-              <a:rPr lang="zh-CN" altLang="en-US" dirty="0"/>
-              <a:t>），但</a:t>
-            </a:r>
-            <a:r>
-              <a:rPr lang="en-US" altLang="zh-CN" dirty="0" err="1"/>
-              <a:t>ReplicaSet</a:t>
-            </a:r>
-            <a:r>
-              <a:rPr lang="zh-CN" altLang="en-US" dirty="0"/>
-              <a:t>还支持新的，基于集合的</a:t>
-            </a:r>
-            <a:r>
-              <a:rPr lang="en-US" altLang="zh-CN" dirty="0"/>
-              <a:t>selector</a:t>
-            </a:r>
-            <a:r>
-              <a:rPr lang="zh-CN" altLang="en-US" dirty="0"/>
-              <a:t>（</a:t>
-            </a:r>
-            <a:r>
-              <a:rPr lang="en-US" altLang="zh-CN" dirty="0"/>
-              <a:t>version in (v1.0, v2.0)</a:t>
-            </a:r>
-            <a:r>
-              <a:rPr lang="zh-CN" altLang="en-US" dirty="0"/>
-              <a:t>或</a:t>
-            </a:r>
-            <a:r>
-              <a:rPr lang="en-US" altLang="zh-CN" dirty="0"/>
-              <a:t>env </a:t>
-            </a:r>
-            <a:r>
-              <a:rPr lang="en-US" altLang="zh-CN" dirty="0" err="1"/>
-              <a:t>notin</a:t>
-            </a:r>
-            <a:r>
-              <a:rPr lang="en-US" altLang="zh-CN" dirty="0"/>
-              <a:t> (dev, </a:t>
-            </a:r>
-            <a:r>
-              <a:rPr lang="en-US" altLang="zh-CN" dirty="0" err="1"/>
-              <a:t>qa</a:t>
-            </a:r>
-            <a:r>
-              <a:rPr lang="en-US" altLang="zh-CN" dirty="0"/>
-              <a:t>)</a:t>
-            </a:r>
-            <a:r>
-              <a:rPr lang="zh-CN" altLang="en-US" dirty="0"/>
-              <a:t>）。在试用时官方推荐</a:t>
-            </a:r>
-            <a:r>
-              <a:rPr lang="en-US" altLang="zh-CN" dirty="0" err="1"/>
-              <a:t>ReplicaSet</a:t>
-            </a:r>
-            <a:r>
-              <a:rPr lang="zh-CN" altLang="en-US" dirty="0"/>
-              <a:t>。</a:t>
-            </a:r>
-          </a:p>
-          <a:p>
-            <a:pPr marL="0" indent="0">
-              <a:buNone/>
-            </a:pPr>
-            <a:r>
-              <a:rPr lang="zh-CN" altLang="en-US" dirty="0"/>
-              <a:t>大多数</a:t>
-            </a:r>
-            <a:r>
-              <a:rPr lang="en-US" altLang="zh-CN" dirty="0" err="1">
-                <a:hlinkClick r:id="rId3"/>
-              </a:rPr>
-              <a:t>kubectl</a:t>
-            </a:r>
-            <a:r>
-              <a:rPr lang="zh-CN" altLang="en-US" dirty="0"/>
-              <a:t>支持</a:t>
-            </a:r>
-            <a:r>
-              <a:rPr lang="en-US" altLang="zh-CN" i="1" dirty="0"/>
-              <a:t>Replication Controller</a:t>
-            </a:r>
-            <a:r>
-              <a:rPr lang="zh-CN" altLang="en-US" dirty="0"/>
-              <a:t>的命令也支持</a:t>
-            </a:r>
-            <a:r>
-              <a:rPr lang="en-US" altLang="zh-CN" dirty="0" err="1"/>
-              <a:t>ReplicaSets</a:t>
-            </a:r>
-            <a:r>
-              <a:rPr lang="zh-CN" altLang="en-US" dirty="0"/>
-              <a:t>。</a:t>
-            </a:r>
-            <a:r>
-              <a:rPr lang="en-US" altLang="zh-CN" dirty="0">
-                <a:hlinkClick r:id="rId4"/>
-              </a:rPr>
-              <a:t>rolling-update</a:t>
-            </a:r>
-            <a:r>
-              <a:rPr lang="zh-CN" altLang="en-US" dirty="0"/>
-              <a:t>命令有一个例外 。如果您想要滚动更新功能，请考虑使用</a:t>
-            </a:r>
-            <a:r>
-              <a:rPr lang="en-US" altLang="zh-CN" dirty="0"/>
-              <a:t>Deployments</a:t>
-            </a:r>
-            <a:r>
-              <a:rPr lang="zh-CN" altLang="en-US" dirty="0"/>
-              <a:t>。此外， </a:t>
-            </a:r>
-            <a:r>
-              <a:rPr lang="en-US" altLang="zh-CN" dirty="0"/>
-              <a:t>rolling-update</a:t>
-            </a:r>
-            <a:r>
-              <a:rPr lang="zh-CN" altLang="en-US" dirty="0"/>
-              <a:t>命令是必须的，而</a:t>
-            </a:r>
-            <a:r>
-              <a:rPr lang="en-US" altLang="zh-CN" dirty="0"/>
-              <a:t>Deployments</a:t>
-            </a:r>
-            <a:r>
-              <a:rPr lang="zh-CN" altLang="en-US" dirty="0"/>
-              <a:t>是声明式的，因此我们建议通过</a:t>
-            </a:r>
-            <a:r>
-              <a:rPr lang="en-US" altLang="zh-CN" dirty="0"/>
-              <a:t>rollout</a:t>
-            </a:r>
-            <a:r>
-              <a:rPr lang="zh-CN" altLang="en-US" dirty="0"/>
-              <a:t>命令使用</a:t>
-            </a:r>
-            <a:r>
-              <a:rPr lang="en-US" altLang="zh-CN" dirty="0"/>
-              <a:t>Deployments</a:t>
-            </a:r>
-            <a:r>
-              <a:rPr lang="zh-CN" altLang="en-US" dirty="0"/>
-              <a:t>。</a:t>
-            </a:r>
-          </a:p>
-          <a:p>
-            <a:pPr marL="0" indent="0">
-              <a:buNone/>
-            </a:pPr>
-            <a:r>
-              <a:rPr lang="zh-CN" altLang="en-US" dirty="0"/>
-              <a:t>虽然</a:t>
-            </a:r>
-            <a:r>
-              <a:rPr lang="en-US" altLang="zh-CN" dirty="0" err="1"/>
-              <a:t>ReplicaSets</a:t>
-            </a:r>
-            <a:r>
-              <a:rPr lang="zh-CN" altLang="en-US" dirty="0"/>
-              <a:t>可以独立使用，但是今天它主要被 </a:t>
-            </a:r>
-            <a:r>
-              <a:rPr lang="en-US" altLang="zh-CN" dirty="0">
-                <a:hlinkClick r:id="rId5"/>
-              </a:rPr>
-              <a:t>Deployments</a:t>
-            </a:r>
-            <a:r>
-              <a:rPr lang="en-US" altLang="zh-CN" dirty="0"/>
-              <a:t> </a:t>
-            </a:r>
-            <a:r>
-              <a:rPr lang="zh-CN" altLang="en-US" dirty="0"/>
-              <a:t>作为协调</a:t>
-            </a:r>
-            <a:r>
-              <a:rPr lang="en-US" altLang="zh-CN" dirty="0">
-                <a:hlinkClick r:id="rId6"/>
-              </a:rPr>
-              <a:t>pod</a:t>
-            </a:r>
-            <a:r>
-              <a:rPr lang="zh-CN" altLang="en-US" dirty="0"/>
-              <a:t>创建，删除和更新的机制。当您使用</a:t>
-            </a:r>
-            <a:r>
-              <a:rPr lang="en-US" altLang="zh-CN" dirty="0"/>
-              <a:t>Deployments</a:t>
-            </a:r>
-            <a:r>
-              <a:rPr lang="zh-CN" altLang="en-US" dirty="0"/>
-              <a:t>时，您不必担心管理他们创建的</a:t>
-            </a:r>
-            <a:r>
-              <a:rPr lang="en-US" altLang="zh-CN" dirty="0" err="1"/>
-              <a:t>ReplicaSets</a:t>
-            </a:r>
-            <a:r>
-              <a:rPr lang="zh-CN" altLang="en-US" dirty="0"/>
-              <a:t>。</a:t>
-            </a:r>
-            <a:r>
-              <a:rPr lang="en-US" altLang="zh-CN" dirty="0"/>
-              <a:t>Deployments</a:t>
-            </a:r>
-            <a:r>
-              <a:rPr lang="zh-CN" altLang="en-US" dirty="0"/>
-              <a:t>拥有并管理其</a:t>
-            </a:r>
-            <a:r>
-              <a:rPr lang="en-US" altLang="zh-CN" dirty="0" err="1"/>
-              <a:t>ReplicaSets</a:t>
-            </a:r>
-            <a:r>
-              <a:rPr lang="zh-CN" altLang="en-US" dirty="0"/>
-              <a:t>。</a:t>
-            </a:r>
-          </a:p>
-          <a:p>
-            <a:pPr marL="0" indent="0">
-              <a:buNone/>
-            </a:pPr>
-            <a:endParaRPr lang="zh-CN" altLang="en-US" dirty="0"/>
-          </a:p>
-        </p:txBody>
-      </p:sp>
+      </p:pic>
     </p:spTree>
     <p:extLst>
       <p:ext uri="{BB962C8B-B14F-4D97-AF65-F5344CB8AC3E}">
-        <p14:creationId xmlns:p14="http://schemas.microsoft.com/office/powerpoint/2010/main" val="270914154"/>
+        <p14:creationId xmlns:p14="http://schemas.microsoft.com/office/powerpoint/2010/main" val="3758034380"/>
       </p:ext>
     </p:extLst>
   </p:cSld>
@@ -10631,389 +10667,349 @@
       </p:grpSpPr>
       <p:sp>
         <p:nvSpPr>
-          <p:cNvPr id="2" name="标题 1">
+          <p:cNvPr id="2" name="内容占位符 2">
             <a:extLst>
               <a:ext uri="{FF2B5EF4-FFF2-40B4-BE49-F238E27FC236}">
-                <a16:creationId xmlns:a16="http://schemas.microsoft.com/office/drawing/2014/main" id="{EAE9FAA8-C318-4695-A8C8-CA1E97AE07C6}"/>
+                <a16:creationId xmlns:a16="http://schemas.microsoft.com/office/drawing/2014/main" id="{4DA2E1BB-8060-4FF7-9767-E7D531F29246}"/>
               </a:ext>
             </a:extLst>
           </p:cNvPr>
-          <p:cNvSpPr>
-            <a:spLocks noGrp="1"/>
+          <p:cNvSpPr txBox="1">
+            <a:spLocks/>
           </p:cNvSpPr>
-          <p:nvPr>
-            <p:ph type="title"/>
-          </p:nvPr>
+          <p:nvPr/>
         </p:nvSpPr>
         <p:spPr>
           <a:xfrm>
-            <a:off x="838200" y="365126"/>
-            <a:ext cx="10515600" cy="644968"/>
+            <a:off x="752140" y="679894"/>
+            <a:ext cx="10906459" cy="5632006"/>
           </a:xfrm>
+          <a:prstGeom prst="rect">
+            <a:avLst/>
+          </a:prstGeom>
         </p:spPr>
         <p:txBody>
           <a:bodyPr>
             <a:normAutofit/>
           </a:bodyPr>
-          <a:lstStyle/>
-          <a:p>
-            <a:r>
-              <a:rPr lang="en-US" altLang="zh-CN" sz="3000" dirty="0"/>
-              <a:t>Deployment</a:t>
-            </a:r>
-            <a:endParaRPr lang="zh-CN" altLang="en-US" sz="3000" dirty="0"/>
-          </a:p>
-        </p:txBody>
-      </p:sp>
-      <p:sp>
-        <p:nvSpPr>
-          <p:cNvPr id="3" name="内容占位符 2">
-            <a:extLst>
-              <a:ext uri="{FF2B5EF4-FFF2-40B4-BE49-F238E27FC236}">
-                <a16:creationId xmlns:a16="http://schemas.microsoft.com/office/drawing/2014/main" id="{6CA78E39-E363-42D1-BE9D-BB96C903EDB2}"/>
-              </a:ext>
-            </a:extLst>
-          </p:cNvPr>
-          <p:cNvSpPr>
-            <a:spLocks noGrp="1"/>
-          </p:cNvSpPr>
-          <p:nvPr>
-            <p:ph idx="1"/>
-          </p:nvPr>
-        </p:nvSpPr>
-        <p:spPr>
-          <a:xfrm>
-            <a:off x="838200" y="1010094"/>
-            <a:ext cx="10515600" cy="5166869"/>
-          </a:xfrm>
-        </p:spPr>
-        <p:txBody>
-          <a:bodyPr>
-            <a:normAutofit fontScale="77500" lnSpcReduction="20000"/>
-          </a:bodyPr>
-          <a:lstStyle/>
-          <a:p>
-            <a:pPr marL="0" indent="0">
+          <a:lstStyle>
+            <a:lvl1pPr marL="228600" indent="-228600" algn="l" defTabSz="914400" rtl="0" eaLnBrk="1" latinLnBrk="0" hangingPunct="1">
+              <a:lnSpc>
+                <a:spcPct val="90000"/>
+              </a:lnSpc>
+              <a:spcBef>
+                <a:spcPts val="1000"/>
+              </a:spcBef>
+              <a:buFont typeface="Arial" panose="020B0604020202020204" pitchFamily="34" charset="0"/>
+              <a:buChar char="•"/>
+              <a:defRPr sz="2800" kern="1200">
+                <a:solidFill>
+                  <a:schemeClr val="tx1"/>
+                </a:solidFill>
+                <a:latin typeface="+mn-lt"/>
+                <a:ea typeface="+mn-ea"/>
+                <a:cs typeface="+mn-cs"/>
+              </a:defRPr>
+            </a:lvl1pPr>
+            <a:lvl2pPr marL="685800" indent="-228600" algn="l" defTabSz="914400" rtl="0" eaLnBrk="1" latinLnBrk="0" hangingPunct="1">
+              <a:lnSpc>
+                <a:spcPct val="90000"/>
+              </a:lnSpc>
+              <a:spcBef>
+                <a:spcPts val="500"/>
+              </a:spcBef>
+              <a:buFont typeface="Arial" panose="020B0604020202020204" pitchFamily="34" charset="0"/>
+              <a:buChar char="•"/>
+              <a:defRPr sz="2400" kern="1200">
+                <a:solidFill>
+                  <a:schemeClr val="tx1"/>
+                </a:solidFill>
+                <a:latin typeface="+mn-lt"/>
+                <a:ea typeface="+mn-ea"/>
+                <a:cs typeface="+mn-cs"/>
+              </a:defRPr>
+            </a:lvl2pPr>
+            <a:lvl3pPr marL="1143000" indent="-228600" algn="l" defTabSz="914400" rtl="0" eaLnBrk="1" latinLnBrk="0" hangingPunct="1">
+              <a:lnSpc>
+                <a:spcPct val="90000"/>
+              </a:lnSpc>
+              <a:spcBef>
+                <a:spcPts val="500"/>
+              </a:spcBef>
+              <a:buFont typeface="Arial" panose="020B0604020202020204" pitchFamily="34" charset="0"/>
+              <a:buChar char="•"/>
+              <a:defRPr sz="2000" kern="1200">
+                <a:solidFill>
+                  <a:schemeClr val="tx1"/>
+                </a:solidFill>
+                <a:latin typeface="+mn-lt"/>
+                <a:ea typeface="+mn-ea"/>
+                <a:cs typeface="+mn-cs"/>
+              </a:defRPr>
+            </a:lvl3pPr>
+            <a:lvl4pPr marL="1600200" indent="-228600" algn="l" defTabSz="914400" rtl="0" eaLnBrk="1" latinLnBrk="0" hangingPunct="1">
+              <a:lnSpc>
+                <a:spcPct val="90000"/>
+              </a:lnSpc>
+              <a:spcBef>
+                <a:spcPts val="500"/>
+              </a:spcBef>
+              <a:buFont typeface="Arial" panose="020B0604020202020204" pitchFamily="34" charset="0"/>
+              <a:buChar char="•"/>
+              <a:defRPr sz="1800" kern="1200">
+                <a:solidFill>
+                  <a:schemeClr val="tx1"/>
+                </a:solidFill>
+                <a:latin typeface="+mn-lt"/>
+                <a:ea typeface="+mn-ea"/>
+                <a:cs typeface="+mn-cs"/>
+              </a:defRPr>
+            </a:lvl4pPr>
+            <a:lvl5pPr marL="2057400" indent="-228600" algn="l" defTabSz="914400" rtl="0" eaLnBrk="1" latinLnBrk="0" hangingPunct="1">
+              <a:lnSpc>
+                <a:spcPct val="90000"/>
+              </a:lnSpc>
+              <a:spcBef>
+                <a:spcPts val="500"/>
+              </a:spcBef>
+              <a:buFont typeface="Arial" panose="020B0604020202020204" pitchFamily="34" charset="0"/>
+              <a:buChar char="•"/>
+              <a:defRPr sz="1800" kern="1200">
+                <a:solidFill>
+                  <a:schemeClr val="tx1"/>
+                </a:solidFill>
+                <a:latin typeface="+mn-lt"/>
+                <a:ea typeface="+mn-ea"/>
+                <a:cs typeface="+mn-cs"/>
+              </a:defRPr>
+            </a:lvl5pPr>
+            <a:lvl6pPr marL="2514600" indent="-228600" algn="l" defTabSz="914400" rtl="0" eaLnBrk="1" latinLnBrk="0" hangingPunct="1">
+              <a:lnSpc>
+                <a:spcPct val="90000"/>
+              </a:lnSpc>
+              <a:spcBef>
+                <a:spcPts val="500"/>
+              </a:spcBef>
+              <a:buFont typeface="Arial" panose="020B0604020202020204" pitchFamily="34" charset="0"/>
+              <a:buChar char="•"/>
+              <a:defRPr sz="1800" kern="1200">
+                <a:solidFill>
+                  <a:schemeClr val="tx1"/>
+                </a:solidFill>
+                <a:latin typeface="+mn-lt"/>
+                <a:ea typeface="+mn-ea"/>
+                <a:cs typeface="+mn-cs"/>
+              </a:defRPr>
+            </a:lvl6pPr>
+            <a:lvl7pPr marL="2971800" indent="-228600" algn="l" defTabSz="914400" rtl="0" eaLnBrk="1" latinLnBrk="0" hangingPunct="1">
+              <a:lnSpc>
+                <a:spcPct val="90000"/>
+              </a:lnSpc>
+              <a:spcBef>
+                <a:spcPts val="500"/>
+              </a:spcBef>
+              <a:buFont typeface="Arial" panose="020B0604020202020204" pitchFamily="34" charset="0"/>
+              <a:buChar char="•"/>
+              <a:defRPr sz="1800" kern="1200">
+                <a:solidFill>
+                  <a:schemeClr val="tx1"/>
+                </a:solidFill>
+                <a:latin typeface="+mn-lt"/>
+                <a:ea typeface="+mn-ea"/>
+                <a:cs typeface="+mn-cs"/>
+              </a:defRPr>
+            </a:lvl7pPr>
+            <a:lvl8pPr marL="3429000" indent="-228600" algn="l" defTabSz="914400" rtl="0" eaLnBrk="1" latinLnBrk="0" hangingPunct="1">
+              <a:lnSpc>
+                <a:spcPct val="90000"/>
+              </a:lnSpc>
+              <a:spcBef>
+                <a:spcPts val="500"/>
+              </a:spcBef>
+              <a:buFont typeface="Arial" panose="020B0604020202020204" pitchFamily="34" charset="0"/>
+              <a:buChar char="•"/>
+              <a:defRPr sz="1800" kern="1200">
+                <a:solidFill>
+                  <a:schemeClr val="tx1"/>
+                </a:solidFill>
+                <a:latin typeface="+mn-lt"/>
+                <a:ea typeface="+mn-ea"/>
+                <a:cs typeface="+mn-cs"/>
+              </a:defRPr>
+            </a:lvl8pPr>
+            <a:lvl9pPr marL="3886200" indent="-228600" algn="l" defTabSz="914400" rtl="0" eaLnBrk="1" latinLnBrk="0" hangingPunct="1">
+              <a:lnSpc>
+                <a:spcPct val="90000"/>
+              </a:lnSpc>
+              <a:spcBef>
+                <a:spcPts val="500"/>
+              </a:spcBef>
+              <a:buFont typeface="Arial" panose="020B0604020202020204" pitchFamily="34" charset="0"/>
+              <a:buChar char="•"/>
+              <a:defRPr sz="1800" kern="1200">
+                <a:solidFill>
+                  <a:schemeClr val="tx1"/>
+                </a:solidFill>
+                <a:latin typeface="+mn-lt"/>
+                <a:ea typeface="+mn-ea"/>
+                <a:cs typeface="+mn-cs"/>
+              </a:defRPr>
+            </a:lvl9pPr>
+          </a:lstStyle>
+          <a:p>
+            <a:pPr marL="0" indent="0" fontAlgn="base">
+              <a:buFont typeface="Arial" panose="020B0604020202020204" pitchFamily="34" charset="0"/>
               <a:buNone/>
             </a:pPr>
             <a:r>
-              <a:rPr lang="en-US" altLang="zh-CN" dirty="0"/>
-              <a:t>Deployment</a:t>
-            </a:r>
-            <a:r>
-              <a:rPr lang="zh-CN" altLang="en-US" dirty="0"/>
-              <a:t>为</a:t>
-            </a:r>
-            <a:r>
-              <a:rPr lang="en-US" altLang="zh-CN" dirty="0"/>
+              <a:rPr lang="zh-CN" altLang="en-US" sz="2000" dirty="0"/>
+              <a:t>凡是高度，网络，存储，以及安全相关的属性，基本上是</a:t>
+            </a:r>
+            <a:r>
+              <a:rPr lang="en-US" altLang="zh-CN" sz="2000" dirty="0"/>
               <a:t>Pod</a:t>
             </a:r>
             <a:r>
-              <a:rPr lang="zh-CN" altLang="en-US" dirty="0"/>
-              <a:t>和</a:t>
-            </a:r>
-            <a:r>
-              <a:rPr lang="en-US" altLang="zh-CN" dirty="0"/>
-              <a:t>Replica Set</a:t>
-            </a:r>
-            <a:r>
-              <a:rPr lang="zh-CN" altLang="en-US" dirty="0"/>
-              <a:t>（下一代</a:t>
-            </a:r>
-            <a:r>
-              <a:rPr lang="en-US" altLang="zh-CN" dirty="0"/>
-              <a:t>Replication Controller</a:t>
-            </a:r>
-            <a:r>
-              <a:rPr lang="zh-CN" altLang="en-US" dirty="0"/>
-              <a:t>）提供声明式更新。</a:t>
-            </a:r>
-          </a:p>
-          <a:p>
-            <a:pPr marL="0" indent="0">
+              <a:rPr lang="zh-CN" altLang="en-US" sz="2000" dirty="0"/>
+              <a:t>级别的</a:t>
+            </a:r>
+            <a:endParaRPr lang="en-US" altLang="zh-CN" sz="2000" dirty="0"/>
+          </a:p>
+          <a:p>
+            <a:pPr marL="0" indent="0" fontAlgn="base">
+              <a:buFont typeface="Arial" panose="020B0604020202020204" pitchFamily="34" charset="0"/>
               <a:buNone/>
             </a:pPr>
             <a:r>
-              <a:rPr lang="zh-CN" altLang="en-US" dirty="0"/>
-              <a:t>你只需要在</a:t>
-            </a:r>
-            <a:r>
-              <a:rPr lang="en-US" altLang="zh-CN" dirty="0"/>
-              <a:t>Deployment</a:t>
-            </a:r>
-            <a:r>
-              <a:rPr lang="zh-CN" altLang="en-US" dirty="0"/>
-              <a:t>中描述你想要的目标状态是什么，</a:t>
-            </a:r>
-            <a:r>
-              <a:rPr lang="en-US" altLang="zh-CN" dirty="0"/>
-              <a:t>Deployment controller</a:t>
-            </a:r>
-            <a:r>
-              <a:rPr lang="zh-CN" altLang="en-US" dirty="0"/>
-              <a:t>就会帮你将</a:t>
-            </a:r>
-            <a:r>
-              <a:rPr lang="en-US" altLang="zh-CN" dirty="0"/>
-              <a:t>Pod</a:t>
-            </a:r>
-            <a:r>
-              <a:rPr lang="zh-CN" altLang="en-US" dirty="0"/>
-              <a:t>和</a:t>
-            </a:r>
-            <a:r>
-              <a:rPr lang="en-US" altLang="zh-CN" dirty="0"/>
-              <a:t>Replica Set</a:t>
-            </a:r>
-            <a:r>
-              <a:rPr lang="zh-CN" altLang="en-US" dirty="0"/>
-              <a:t>的实际状态改变到你的目标状态。你可以定义一个全新的</a:t>
-            </a:r>
-            <a:r>
-              <a:rPr lang="en-US" altLang="zh-CN" dirty="0"/>
-              <a:t>Deployment</a:t>
-            </a:r>
-            <a:r>
-              <a:rPr lang="zh-CN" altLang="en-US" dirty="0"/>
-              <a:t>，也可以创建一个新的替换旧的</a:t>
-            </a:r>
-            <a:r>
-              <a:rPr lang="en-US" altLang="zh-CN" dirty="0"/>
-              <a:t>Deployment</a:t>
-            </a:r>
-            <a:r>
-              <a:rPr lang="zh-CN" altLang="en-US" dirty="0"/>
-              <a:t>。</a:t>
-            </a:r>
-          </a:p>
-          <a:p>
-            <a:pPr marL="0" indent="0">
+              <a:rPr lang="en-US" altLang="zh-CN" sz="2000" dirty="0"/>
+              <a:t>Pod API</a:t>
+            </a:r>
+            <a:r>
+              <a:rPr lang="zh-CN" altLang="en-US" sz="2000" dirty="0"/>
+              <a:t>对象属性：</a:t>
+            </a:r>
+            <a:endParaRPr lang="en-US" altLang="zh-CN" sz="2000" dirty="0"/>
+          </a:p>
+          <a:p>
+            <a:pPr marL="0" indent="0" fontAlgn="base">
+              <a:buFont typeface="Arial" panose="020B0604020202020204" pitchFamily="34" charset="0"/>
               <a:buNone/>
             </a:pPr>
             <a:r>
-              <a:rPr lang="zh-CN" altLang="en-US" dirty="0"/>
-              <a:t>一个典型的用例如下：</a:t>
-            </a:r>
-          </a:p>
-          <a:p>
-            <a:r>
-              <a:rPr lang="zh-CN" altLang="en-US" dirty="0"/>
-              <a:t>使用</a:t>
-            </a:r>
-            <a:r>
-              <a:rPr lang="en-US" altLang="zh-CN" dirty="0"/>
-              <a:t>Deployment</a:t>
-            </a:r>
-            <a:r>
-              <a:rPr lang="zh-CN" altLang="en-US" dirty="0"/>
-              <a:t>来创建</a:t>
-            </a:r>
-            <a:r>
-              <a:rPr lang="en-US" altLang="zh-CN" dirty="0" err="1"/>
-              <a:t>ReplicaSet</a:t>
-            </a:r>
-            <a:r>
-              <a:rPr lang="zh-CN" altLang="en-US" dirty="0"/>
-              <a:t>。</a:t>
-            </a:r>
-            <a:r>
-              <a:rPr lang="en-US" altLang="zh-CN" dirty="0" err="1"/>
-              <a:t>ReplicaSet</a:t>
-            </a:r>
-            <a:r>
-              <a:rPr lang="zh-CN" altLang="en-US" dirty="0"/>
-              <a:t>在后台创建</a:t>
-            </a:r>
-            <a:r>
-              <a:rPr lang="en-US" altLang="zh-CN" dirty="0"/>
-              <a:t>pod</a:t>
-            </a:r>
-            <a:r>
-              <a:rPr lang="zh-CN" altLang="en-US" dirty="0"/>
-              <a:t>。检查启动状态，看它是成功还是失败。</a:t>
-            </a:r>
-          </a:p>
-          <a:p>
-            <a:r>
-              <a:rPr lang="zh-CN" altLang="en-US" dirty="0"/>
-              <a:t>然后，通过更新</a:t>
-            </a:r>
-            <a:r>
-              <a:rPr lang="en-US" altLang="zh-CN" dirty="0"/>
-              <a:t>Deployment</a:t>
-            </a:r>
-            <a:r>
-              <a:rPr lang="zh-CN" altLang="en-US" dirty="0"/>
+              <a:rPr lang="en-US" altLang="zh-CN" sz="2000" dirty="0" err="1"/>
+              <a:t>NodeSelector</a:t>
+            </a:r>
+            <a:r>
+              <a:rPr lang="zh-CN" altLang="en-US" sz="2000" dirty="0"/>
+              <a:t>：是一个供用户将</a:t>
+            </a:r>
+            <a:r>
+              <a:rPr lang="en-US" altLang="zh-CN" sz="2000" dirty="0"/>
+              <a:t>Pod</a:t>
+            </a:r>
+            <a:r>
+              <a:rPr lang="zh-CN" altLang="en-US" sz="2000" dirty="0"/>
+              <a:t>与</a:t>
+            </a:r>
+            <a:r>
+              <a:rPr lang="en-US" altLang="zh-CN" sz="2000" dirty="0"/>
+              <a:t>Node</a:t>
+            </a:r>
+            <a:r>
+              <a:rPr lang="zh-CN" altLang="en-US" sz="2000" dirty="0"/>
+              <a:t>进行绑定的字段</a:t>
+            </a:r>
+            <a:endParaRPr lang="en-US" altLang="zh-CN" sz="2000" dirty="0"/>
+          </a:p>
+          <a:p>
+            <a:pPr marL="0" indent="0" fontAlgn="base">
+              <a:buFont typeface="Arial" panose="020B0604020202020204" pitchFamily="34" charset="0"/>
+              <a:buNone/>
+            </a:pPr>
+            <a:r>
+              <a:rPr lang="en-US" altLang="zh-CN" sz="2000" dirty="0" err="1"/>
+              <a:t>NodeName</a:t>
+            </a:r>
+            <a:r>
+              <a:rPr lang="zh-CN" altLang="en-US" sz="2000" dirty="0"/>
+              <a:t>：一般是自动赋值</a:t>
+            </a:r>
+            <a:endParaRPr lang="en-US" altLang="zh-CN" sz="2000" dirty="0"/>
+          </a:p>
+          <a:p>
+            <a:pPr marL="0" indent="0" fontAlgn="base">
+              <a:buFont typeface="Arial" panose="020B0604020202020204" pitchFamily="34" charset="0"/>
+              <a:buNone/>
+            </a:pPr>
+            <a:r>
+              <a:rPr lang="en-US" altLang="zh-CN" sz="2000" dirty="0" err="1"/>
+              <a:t>HostAliases</a:t>
+            </a:r>
+            <a:r>
+              <a:rPr lang="zh-CN" altLang="en-US" sz="2000" dirty="0"/>
+              <a:t>：定义了</a:t>
+            </a:r>
+            <a:r>
+              <a:rPr lang="en-US" altLang="zh-CN" sz="2000" dirty="0"/>
+              <a:t>Pod</a:t>
+            </a:r>
+            <a:r>
+              <a:rPr lang="zh-CN" altLang="en-US" sz="2000" dirty="0"/>
               <a:t>的</a:t>
             </a:r>
             <a:r>
-              <a:rPr lang="en-US" altLang="zh-CN" dirty="0" err="1"/>
-              <a:t>PodTemplateSpec</a:t>
-            </a:r>
-            <a:r>
-              <a:rPr lang="zh-CN" altLang="en-US" dirty="0"/>
-              <a:t>字段来声明</a:t>
-            </a:r>
-            <a:r>
-              <a:rPr lang="en-US" altLang="zh-CN" dirty="0"/>
-              <a:t>Pod</a:t>
-            </a:r>
-            <a:r>
-              <a:rPr lang="zh-CN" altLang="en-US" dirty="0"/>
-              <a:t>的新状态。这会创建一个新的</a:t>
-            </a:r>
-            <a:r>
-              <a:rPr lang="en-US" altLang="zh-CN" dirty="0" err="1"/>
-              <a:t>ReplicaSet</a:t>
-            </a:r>
-            <a:r>
-              <a:rPr lang="zh-CN" altLang="en-US" dirty="0"/>
-              <a:t>，</a:t>
-            </a:r>
-            <a:r>
-              <a:rPr lang="en-US" altLang="zh-CN" dirty="0"/>
-              <a:t>Deployment</a:t>
-            </a:r>
-            <a:r>
-              <a:rPr lang="zh-CN" altLang="en-US" dirty="0"/>
-              <a:t>会按照控制的速率将</a:t>
-            </a:r>
-            <a:r>
-              <a:rPr lang="en-US" altLang="zh-CN" dirty="0"/>
-              <a:t>pod</a:t>
-            </a:r>
-            <a:r>
-              <a:rPr lang="zh-CN" altLang="en-US" dirty="0"/>
-              <a:t>从旧的</a:t>
-            </a:r>
-            <a:r>
-              <a:rPr lang="en-US" altLang="zh-CN" dirty="0" err="1"/>
-              <a:t>ReplicaSet</a:t>
-            </a:r>
-            <a:r>
-              <a:rPr lang="zh-CN" altLang="en-US" dirty="0"/>
-              <a:t>移动到新的</a:t>
-            </a:r>
-            <a:r>
-              <a:rPr lang="en-US" altLang="zh-CN" dirty="0" err="1"/>
-              <a:t>ReplicaSet</a:t>
-            </a:r>
-            <a:r>
-              <a:rPr lang="zh-CN" altLang="en-US" dirty="0"/>
-              <a:t>中。</a:t>
-            </a:r>
-          </a:p>
-          <a:p>
-            <a:r>
-              <a:rPr lang="zh-CN" altLang="en-US" dirty="0"/>
-              <a:t>如果当前状态不稳定，回滚到之前的</a:t>
-            </a:r>
-            <a:r>
-              <a:rPr lang="en-US" altLang="zh-CN" dirty="0"/>
-              <a:t>Deployment revision</a:t>
-            </a:r>
-            <a:r>
-              <a:rPr lang="zh-CN" altLang="en-US" dirty="0"/>
-              <a:t>。每次回滚都会更新</a:t>
-            </a:r>
-            <a:r>
-              <a:rPr lang="en-US" altLang="zh-CN" dirty="0"/>
-              <a:t>Deployment</a:t>
-            </a:r>
-            <a:r>
-              <a:rPr lang="zh-CN" altLang="en-US" dirty="0"/>
-              <a:t>的</a:t>
-            </a:r>
-            <a:r>
-              <a:rPr lang="en-US" altLang="zh-CN" dirty="0"/>
-              <a:t>revision</a:t>
-            </a:r>
-            <a:r>
-              <a:rPr lang="zh-CN" altLang="en-US" dirty="0"/>
-              <a:t>。</a:t>
-            </a:r>
-          </a:p>
-          <a:p>
-            <a:r>
-              <a:rPr lang="zh-CN" altLang="en-US" dirty="0"/>
-              <a:t>扩容</a:t>
-            </a:r>
-            <a:r>
-              <a:rPr lang="en-US" altLang="zh-CN" dirty="0"/>
-              <a:t>Deployment</a:t>
-            </a:r>
-            <a:r>
-              <a:rPr lang="zh-CN" altLang="en-US" dirty="0"/>
-              <a:t>以满足更高的负载。</a:t>
-            </a:r>
-          </a:p>
-          <a:p>
-            <a:r>
-              <a:rPr lang="zh-CN" altLang="en-US" dirty="0"/>
-              <a:t>暂停</a:t>
-            </a:r>
-            <a:r>
-              <a:rPr lang="en-US" altLang="zh-CN" dirty="0"/>
-              <a:t>Deployment</a:t>
-            </a:r>
-            <a:r>
-              <a:rPr lang="zh-CN" altLang="en-US" dirty="0"/>
-              <a:t>来应用</a:t>
-            </a:r>
-            <a:r>
-              <a:rPr lang="en-US" altLang="zh-CN" dirty="0" err="1"/>
-              <a:t>PodTemplateSpec</a:t>
-            </a:r>
-            <a:r>
-              <a:rPr lang="zh-CN" altLang="en-US" dirty="0"/>
-              <a:t>的多个修复，然后恢复上线。</a:t>
-            </a:r>
-          </a:p>
-          <a:p>
-            <a:r>
-              <a:rPr lang="zh-CN" altLang="en-US" dirty="0"/>
-              <a:t>根据</a:t>
-            </a:r>
-            <a:r>
-              <a:rPr lang="en-US" altLang="zh-CN" dirty="0"/>
-              <a:t>Deployment </a:t>
-            </a:r>
-            <a:r>
-              <a:rPr lang="zh-CN" altLang="en-US" dirty="0"/>
-              <a:t>的状态判断上线是否</a:t>
-            </a:r>
-            <a:r>
-              <a:rPr lang="en-US" altLang="zh-CN" dirty="0"/>
-              <a:t>hang</a:t>
-            </a:r>
-            <a:r>
-              <a:rPr lang="zh-CN" altLang="en-US" dirty="0"/>
-              <a:t>住了。</a:t>
-            </a:r>
-          </a:p>
-          <a:p>
-            <a:r>
-              <a:rPr lang="zh-CN" altLang="en-US" dirty="0"/>
-              <a:t>清除旧的不必要的</a:t>
-            </a:r>
-            <a:r>
-              <a:rPr lang="en-US" altLang="zh-CN" dirty="0" err="1"/>
-              <a:t>ReplicaSet</a:t>
-            </a:r>
-            <a:r>
-              <a:rPr lang="zh-CN" altLang="en-US" dirty="0"/>
-              <a:t>。</a:t>
-            </a:r>
-          </a:p>
-          <a:p>
-            <a:endParaRPr lang="zh-CN" altLang="en-US" dirty="0"/>
+              <a:rPr lang="en-US" altLang="zh-CN" sz="2000" dirty="0"/>
+              <a:t>Hosts</a:t>
+            </a:r>
+            <a:r>
+              <a:rPr lang="zh-CN" altLang="en-US" sz="2000" dirty="0"/>
+              <a:t>文件里的内容</a:t>
+            </a:r>
+            <a:endParaRPr lang="en-US" altLang="zh-CN" sz="2000" dirty="0"/>
+          </a:p>
+          <a:p>
+            <a:pPr marL="0" indent="0" fontAlgn="base">
+              <a:buFont typeface="Arial" panose="020B0604020202020204" pitchFamily="34" charset="0"/>
+              <a:buNone/>
+            </a:pPr>
+            <a:endParaRPr lang="en-US" altLang="zh-CN" sz="2000" dirty="0"/>
+          </a:p>
+          <a:p>
+            <a:pPr marL="0" indent="0" fontAlgn="base">
+              <a:buFont typeface="Arial" panose="020B0604020202020204" pitchFamily="34" charset="0"/>
+              <a:buNone/>
+            </a:pPr>
+            <a:r>
+              <a:rPr lang="en-US" altLang="zh-CN" sz="2000" dirty="0" err="1"/>
+              <a:t>ImagePullPolicy</a:t>
+            </a:r>
+            <a:r>
+              <a:rPr lang="zh-CN" altLang="en-US" sz="2000" dirty="0"/>
+              <a:t>：定义镜像拉取的策略</a:t>
+            </a:r>
+            <a:endParaRPr lang="en-US" altLang="zh-CN" sz="2000" dirty="0"/>
+          </a:p>
+          <a:p>
+            <a:pPr marL="0" indent="0" fontAlgn="base">
+              <a:buFont typeface="Arial" panose="020B0604020202020204" pitchFamily="34" charset="0"/>
+              <a:buNone/>
+            </a:pPr>
+            <a:r>
+              <a:rPr lang="en-US" altLang="zh-CN" sz="2000" dirty="0"/>
+              <a:t>Lifecycle</a:t>
+            </a:r>
+            <a:r>
+              <a:rPr lang="zh-CN" altLang="en-US" sz="2000" dirty="0"/>
+              <a:t>：容器状态变化时触发一系列“构子”</a:t>
+            </a:r>
+            <a:endParaRPr lang="en-US" altLang="zh-CN" sz="2000" dirty="0"/>
           </a:p>
         </p:txBody>
       </p:sp>
     </p:spTree>
     <p:extLst>
       <p:ext uri="{BB962C8B-B14F-4D97-AF65-F5344CB8AC3E}">
-        <p14:creationId xmlns:p14="http://schemas.microsoft.com/office/powerpoint/2010/main" val="2453502414"/>
+        <p14:creationId xmlns:p14="http://schemas.microsoft.com/office/powerpoint/2010/main" val="2485392606"/>
       </p:ext>
     </p:extLst>
   </p:cSld>
@@ -11793,74 +11789,468 @@
       </p:grpSpPr>
       <p:sp>
         <p:nvSpPr>
-          <p:cNvPr id="2" name="标题 1">
+          <p:cNvPr id="3" name="矩形 2">
             <a:extLst>
               <a:ext uri="{FF2B5EF4-FFF2-40B4-BE49-F238E27FC236}">
-                <a16:creationId xmlns:a16="http://schemas.microsoft.com/office/drawing/2014/main" id="{EAE9FAA8-C318-4695-A8C8-CA1E97AE07C6}"/>
+                <a16:creationId xmlns:a16="http://schemas.microsoft.com/office/drawing/2014/main" id="{4310F949-821F-4183-8AB1-8A23BB122751}"/>
               </a:ext>
             </a:extLst>
           </p:cNvPr>
-          <p:cNvSpPr>
-            <a:spLocks noGrp="1"/>
-          </p:cNvSpPr>
-          <p:nvPr>
-            <p:ph type="title"/>
-          </p:nvPr>
+          <p:cNvSpPr/>
+          <p:nvPr/>
         </p:nvSpPr>
         <p:spPr>
           <a:xfrm>
-            <a:off x="838200" y="365126"/>
-            <a:ext cx="10515600" cy="644968"/>
+            <a:off x="335280" y="182880"/>
+            <a:ext cx="9174480" cy="13858458"/>
           </a:xfrm>
+          <a:prstGeom prst="rect">
+            <a:avLst/>
+          </a:prstGeom>
         </p:spPr>
         <p:txBody>
-          <a:bodyPr>
-            <a:normAutofit/>
+          <a:bodyPr wrap="square">
+            <a:spAutoFit/>
           </a:bodyPr>
           <a:lstStyle/>
           <a:p>
             <a:r>
-              <a:rPr lang="en-US" altLang="zh-CN" sz="3000" dirty="0" err="1"/>
-              <a:t>CronJob</a:t>
-            </a:r>
-            <a:endParaRPr lang="zh-CN" altLang="en-US" sz="3000" dirty="0"/>
-          </a:p>
-        </p:txBody>
-      </p:sp>
-      <p:sp>
-        <p:nvSpPr>
-          <p:cNvPr id="3" name="内容占位符 2">
-            <a:extLst>
-              <a:ext uri="{FF2B5EF4-FFF2-40B4-BE49-F238E27FC236}">
-                <a16:creationId xmlns:a16="http://schemas.microsoft.com/office/drawing/2014/main" id="{6CA78E39-E363-42D1-BE9D-BB96C903EDB2}"/>
-              </a:ext>
-            </a:extLst>
-          </p:cNvPr>
-          <p:cNvSpPr>
-            <a:spLocks noGrp="1"/>
-          </p:cNvSpPr>
-          <p:nvPr>
-            <p:ph idx="1"/>
-          </p:nvPr>
-        </p:nvSpPr>
-        <p:spPr>
-          <a:xfrm>
-            <a:off x="838200" y="1010094"/>
-            <a:ext cx="10515600" cy="5166869"/>
-          </a:xfrm>
-        </p:spPr>
-        <p:txBody>
-          <a:bodyPr/>
-          <a:lstStyle/>
-          <a:p>
-            <a:endParaRPr lang="zh-CN" altLang="en-US" dirty="0"/>
+              <a:rPr lang="zh-CN" altLang="en-US" sz="1200" dirty="0"/>
+              <a:t>apiVersion: v1 #指定api版本，此值必须在kubectl apiversion中  </a:t>
+            </a:r>
+          </a:p>
+          <a:p>
+            <a:r>
+              <a:rPr lang="zh-CN" altLang="en-US" sz="1200" dirty="0"/>
+              <a:t>kind: Pod #指定创建资源的角色/类型  </a:t>
+            </a:r>
+          </a:p>
+          <a:p>
+            <a:r>
+              <a:rPr lang="zh-CN" altLang="en-US" sz="1200" dirty="0"/>
+              <a:t>metadata: #资源的元数据/属性  </a:t>
+            </a:r>
+          </a:p>
+          <a:p>
+            <a:r>
+              <a:rPr lang="zh-CN" altLang="en-US" sz="1200" dirty="0"/>
+              <a:t>  name: web04-pod #资源的名字，在同一个namespace中必须唯一  </a:t>
+            </a:r>
+          </a:p>
+          <a:p>
+            <a:r>
+              <a:rPr lang="zh-CN" altLang="en-US" sz="1200" dirty="0"/>
+              <a:t>  labels: #设定资源的标签，详情请见http://blog.csdn.net/liyingke112/article/details/77482384</a:t>
+            </a:r>
+          </a:p>
+          <a:p>
+            <a:r>
+              <a:rPr lang="zh-CN" altLang="en-US" sz="1200" dirty="0"/>
+              <a:t>    k8s-app: apache  </a:t>
+            </a:r>
+          </a:p>
+          <a:p>
+            <a:r>
+              <a:rPr lang="zh-CN" altLang="en-US" sz="1200" dirty="0"/>
+              <a:t>    version: v1  </a:t>
+            </a:r>
+          </a:p>
+          <a:p>
+            <a:r>
+              <a:rPr lang="zh-CN" altLang="en-US" sz="1200" dirty="0"/>
+              <a:t>    kubernetes.io/cluster-service: "true"  </a:t>
+            </a:r>
+          </a:p>
+          <a:p>
+            <a:r>
+              <a:rPr lang="zh-CN" altLang="en-US" sz="1200" dirty="0"/>
+              <a:t>  annotations:            #自定义注解列表  </a:t>
+            </a:r>
+          </a:p>
+          <a:p>
+            <a:r>
+              <a:rPr lang="zh-CN" altLang="en-US" sz="1200" dirty="0"/>
+              <a:t>    - name: String        #自定义注解名字  </a:t>
+            </a:r>
+          </a:p>
+          <a:p>
+            <a:r>
+              <a:rPr lang="zh-CN" altLang="en-US" sz="1200" dirty="0"/>
+              <a:t>spec:#specification of the resource content 指定该资源的内容  </a:t>
+            </a:r>
+          </a:p>
+          <a:p>
+            <a:r>
+              <a:rPr lang="zh-CN" altLang="en-US" sz="1200" dirty="0"/>
+              <a:t>  restartPolicy: Always #表明该容器一直运行，默认k8s的策略，在此容器退出后，会立即创建一个相同的容器  </a:t>
+            </a:r>
+          </a:p>
+          <a:p>
+            <a:r>
+              <a:rPr lang="zh-CN" altLang="en-US" sz="1200" dirty="0"/>
+              <a:t>  nodeSelector:     #节点选择，先给主机打标签kubectl label nodes kube-node1 zone=node1  </a:t>
+            </a:r>
+          </a:p>
+          <a:p>
+            <a:r>
+              <a:rPr lang="zh-CN" altLang="en-US" sz="1200" dirty="0"/>
+              <a:t>    zone: node1  </a:t>
+            </a:r>
+          </a:p>
+          <a:p>
+            <a:r>
+              <a:rPr lang="zh-CN" altLang="en-US" sz="1200" dirty="0"/>
+              <a:t>  containers:  </a:t>
+            </a:r>
+          </a:p>
+          <a:p>
+            <a:r>
+              <a:rPr lang="zh-CN" altLang="en-US" sz="1200" dirty="0"/>
+              <a:t>  - name: web04-pod #容器的名字  </a:t>
+            </a:r>
+          </a:p>
+          <a:p>
+            <a:r>
+              <a:rPr lang="zh-CN" altLang="en-US" sz="1200" dirty="0"/>
+              <a:t>    image: web:apache #容器使用的镜像地址  </a:t>
+            </a:r>
+          </a:p>
+          <a:p>
+            <a:r>
+              <a:rPr lang="zh-CN" altLang="en-US" sz="1200" dirty="0"/>
+              <a:t>    imagePullPolicy: Never #三个选择Always、Never、IfNotPresent，每次启动时检查和更新（从registery）images的策略，</a:t>
+            </a:r>
+          </a:p>
+          <a:p>
+            <a:r>
+              <a:rPr lang="zh-CN" altLang="en-US" sz="1200" dirty="0"/>
+              <a:t>                           # Always，每次都检查</a:t>
+            </a:r>
+          </a:p>
+          <a:p>
+            <a:r>
+              <a:rPr lang="zh-CN" altLang="en-US" sz="1200" dirty="0"/>
+              <a:t>                           # Never，每次都不检查（不管本地是否有）</a:t>
+            </a:r>
+          </a:p>
+          <a:p>
+            <a:r>
+              <a:rPr lang="zh-CN" altLang="en-US" sz="1200" dirty="0"/>
+              <a:t>                           # IfNotPresent，如果本地有就不检查，如果没有就拉取</a:t>
+            </a:r>
+          </a:p>
+          <a:p>
+            <a:r>
+              <a:rPr lang="zh-CN" altLang="en-US" sz="1200" dirty="0"/>
+              <a:t>    command: ['sh'] #启动容器的运行命令，将覆盖容器中的Entrypoint,对应Dockefile中的ENTRYPOINT  </a:t>
+            </a:r>
+          </a:p>
+          <a:p>
+            <a:r>
+              <a:rPr lang="zh-CN" altLang="en-US" sz="1200" dirty="0"/>
+              <a:t>    args: ["$(str)"] #启动容器的命令参数，对应Dockerfile中CMD参数  </a:t>
+            </a:r>
+          </a:p>
+          <a:p>
+            <a:r>
+              <a:rPr lang="zh-CN" altLang="en-US" sz="1200" dirty="0"/>
+              <a:t>    env: #指定容器中的环境变量  </a:t>
+            </a:r>
+          </a:p>
+          <a:p>
+            <a:r>
+              <a:rPr lang="zh-CN" altLang="en-US" sz="1200" dirty="0"/>
+              <a:t>    - name: str #变量的名字  </a:t>
+            </a:r>
+          </a:p>
+          <a:p>
+            <a:r>
+              <a:rPr lang="zh-CN" altLang="en-US" sz="1200" dirty="0"/>
+              <a:t>      value: "/etc/run.sh" #变量的值  </a:t>
+            </a:r>
+          </a:p>
+          <a:p>
+            <a:r>
+              <a:rPr lang="zh-CN" altLang="en-US" sz="1200" dirty="0"/>
+              <a:t>    resources: #资源管理，请求请见http://blog.csdn.net/liyingke112/article/details/77452630</a:t>
+            </a:r>
+          </a:p>
+          <a:p>
+            <a:r>
+              <a:rPr lang="zh-CN" altLang="en-US" sz="1200" dirty="0"/>
+              <a:t>      requests: #容器运行时，最低资源需求，也就是说最少需要多少资源容器才能正常运行  </a:t>
+            </a:r>
+          </a:p>
+          <a:p>
+            <a:r>
+              <a:rPr lang="zh-CN" altLang="en-US" sz="1200" dirty="0"/>
+              <a:t>        cpu: 0.1 #CPU资源（核数），两种方式，浮点数或者是整数+m，0.1=100m，最少值为0.001核（1m）</a:t>
+            </a:r>
+          </a:p>
+          <a:p>
+            <a:r>
+              <a:rPr lang="zh-CN" altLang="en-US" sz="1200" dirty="0"/>
+              <a:t>        memory: 32Mi #内存使用量  </a:t>
+            </a:r>
+          </a:p>
+          <a:p>
+            <a:r>
+              <a:rPr lang="zh-CN" altLang="en-US" sz="1200" dirty="0"/>
+              <a:t>      limits: #资源限制  </a:t>
+            </a:r>
+          </a:p>
+          <a:p>
+            <a:r>
+              <a:rPr lang="zh-CN" altLang="en-US" sz="1200" dirty="0"/>
+              <a:t>        cpu: 0.5  </a:t>
+            </a:r>
+          </a:p>
+          <a:p>
+            <a:r>
+              <a:rPr lang="zh-CN" altLang="en-US" sz="1200" dirty="0"/>
+              <a:t>        memory: 32Mi  </a:t>
+            </a:r>
+          </a:p>
+          <a:p>
+            <a:r>
+              <a:rPr lang="zh-CN" altLang="en-US" sz="1200" dirty="0"/>
+              <a:t>    ports:  </a:t>
+            </a:r>
+          </a:p>
+          <a:p>
+            <a:r>
+              <a:rPr lang="zh-CN" altLang="en-US" sz="1200" dirty="0"/>
+              <a:t>    - containerPort: 80 #容器开发对外的端口</a:t>
+            </a:r>
+          </a:p>
+          <a:p>
+            <a:r>
+              <a:rPr lang="zh-CN" altLang="en-US" sz="1200" dirty="0"/>
+              <a:t>      name: httpd  #名称</a:t>
+            </a:r>
+          </a:p>
+          <a:p>
+            <a:r>
+              <a:rPr lang="zh-CN" altLang="en-US" sz="1200" dirty="0"/>
+              <a:t>      protocol: TCP  </a:t>
+            </a:r>
+          </a:p>
+          <a:p>
+            <a:r>
+              <a:rPr lang="zh-CN" altLang="en-US" sz="1200" dirty="0"/>
+              <a:t>    livenessProbe: #pod内容器健康检查的设置，详情请见http://blog.csdn.net/liyingke112/article/details/77531584</a:t>
+            </a:r>
+          </a:p>
+          <a:p>
+            <a:r>
+              <a:rPr lang="zh-CN" altLang="en-US" sz="1200" dirty="0"/>
+              <a:t>      httpGet: #通过httpget检查健康，返回200-399之间，则认为容器正常  </a:t>
+            </a:r>
+          </a:p>
+          <a:p>
+            <a:r>
+              <a:rPr lang="zh-CN" altLang="en-US" sz="1200" dirty="0"/>
+              <a:t>        path: / #URI地址  </a:t>
+            </a:r>
+          </a:p>
+          <a:p>
+            <a:r>
+              <a:rPr lang="zh-CN" altLang="en-US" sz="1200" dirty="0"/>
+              <a:t>        port: 80  </a:t>
+            </a:r>
+          </a:p>
+          <a:p>
+            <a:r>
+              <a:rPr lang="zh-CN" altLang="en-US" sz="1200" dirty="0"/>
+              <a:t>        #host: 127.0.0.1 #主机地址  </a:t>
+            </a:r>
+          </a:p>
+          <a:p>
+            <a:r>
+              <a:rPr lang="zh-CN" altLang="en-US" sz="1200" dirty="0"/>
+              <a:t>        scheme: HTTP  </a:t>
+            </a:r>
+          </a:p>
+          <a:p>
+            <a:r>
+              <a:rPr lang="zh-CN" altLang="en-US" sz="1200" dirty="0"/>
+              <a:t>      initialDelaySeconds: 180 #表明第一次检测在容器启动后多长时间后开始  </a:t>
+            </a:r>
+          </a:p>
+          <a:p>
+            <a:r>
+              <a:rPr lang="zh-CN" altLang="en-US" sz="1200" dirty="0"/>
+              <a:t>      timeoutSeconds: 5 #检测的超时时间  </a:t>
+            </a:r>
+          </a:p>
+          <a:p>
+            <a:r>
+              <a:rPr lang="zh-CN" altLang="en-US" sz="1200" dirty="0"/>
+              <a:t>      periodSeconds: 15  #检查间隔时间  </a:t>
+            </a:r>
+          </a:p>
+          <a:p>
+            <a:r>
+              <a:rPr lang="zh-CN" altLang="en-US" sz="1200" dirty="0"/>
+              <a:t>      #也可以用这种方法  </a:t>
+            </a:r>
+          </a:p>
+          <a:p>
+            <a:r>
+              <a:rPr lang="zh-CN" altLang="en-US" sz="1200" dirty="0"/>
+              <a:t>      #exec: 执行命令的方法进行监测，如果其退出码不为0，则认为容器正常  </a:t>
+            </a:r>
+          </a:p>
+          <a:p>
+            <a:r>
+              <a:rPr lang="zh-CN" altLang="en-US" sz="1200" dirty="0"/>
+              <a:t>      #  command:  </a:t>
+            </a:r>
+          </a:p>
+          <a:p>
+            <a:r>
+              <a:rPr lang="zh-CN" altLang="en-US" sz="1200" dirty="0"/>
+              <a:t>      #    - cat  </a:t>
+            </a:r>
+          </a:p>
+          <a:p>
+            <a:r>
+              <a:rPr lang="zh-CN" altLang="en-US" sz="1200" dirty="0"/>
+              <a:t>      #    - /tmp/health  </a:t>
+            </a:r>
+          </a:p>
+          <a:p>
+            <a:r>
+              <a:rPr lang="zh-CN" altLang="en-US" sz="1200" dirty="0"/>
+              <a:t>      #也可以用这种方法  </a:t>
+            </a:r>
+          </a:p>
+          <a:p>
+            <a:r>
+              <a:rPr lang="zh-CN" altLang="en-US" sz="1200" dirty="0"/>
+              <a:t>      #tcpSocket: //通过tcpSocket检查健康   </a:t>
+            </a:r>
+          </a:p>
+          <a:p>
+            <a:r>
+              <a:rPr lang="zh-CN" altLang="en-US" sz="1200" dirty="0"/>
+              <a:t>      #  port: number   </a:t>
+            </a:r>
+          </a:p>
+          <a:p>
+            <a:r>
+              <a:rPr lang="zh-CN" altLang="en-US" sz="1200" dirty="0"/>
+              <a:t>    lifecycle: #生命周期管理  </a:t>
+            </a:r>
+          </a:p>
+          <a:p>
+            <a:r>
+              <a:rPr lang="zh-CN" altLang="en-US" sz="1200" dirty="0"/>
+              <a:t>      postStart: #容器运行之前运行的任务  </a:t>
+            </a:r>
+          </a:p>
+          <a:p>
+            <a:r>
+              <a:rPr lang="zh-CN" altLang="en-US" sz="1200" dirty="0"/>
+              <a:t>        exec:  </a:t>
+            </a:r>
+          </a:p>
+          <a:p>
+            <a:r>
+              <a:rPr lang="zh-CN" altLang="en-US" sz="1200" dirty="0"/>
+              <a:t>          command:  </a:t>
+            </a:r>
+          </a:p>
+          <a:p>
+            <a:r>
+              <a:rPr lang="zh-CN" altLang="en-US" sz="1200" dirty="0"/>
+              <a:t>            - 'sh'  </a:t>
+            </a:r>
+          </a:p>
+          <a:p>
+            <a:r>
+              <a:rPr lang="zh-CN" altLang="en-US" sz="1200" dirty="0"/>
+              <a:t>            - 'yum upgrade -y'  </a:t>
+            </a:r>
+          </a:p>
+          <a:p>
+            <a:r>
+              <a:rPr lang="zh-CN" altLang="en-US" sz="1200" dirty="0"/>
+              <a:t>      preStop:#容器关闭之前运行的任务  </a:t>
+            </a:r>
+          </a:p>
+          <a:p>
+            <a:r>
+              <a:rPr lang="zh-CN" altLang="en-US" sz="1200" dirty="0"/>
+              <a:t>        exec:  </a:t>
+            </a:r>
+          </a:p>
+          <a:p>
+            <a:r>
+              <a:rPr lang="zh-CN" altLang="en-US" sz="1200" dirty="0"/>
+              <a:t>          command: ['service httpd stop']  </a:t>
+            </a:r>
+          </a:p>
+          <a:p>
+            <a:r>
+              <a:rPr lang="zh-CN" altLang="en-US" sz="1200" dirty="0"/>
+              <a:t>    volumeMounts:  #详情请见http://blog.csdn.net/liyingke112/article/details/76577520</a:t>
+            </a:r>
+          </a:p>
+          <a:p>
+            <a:r>
+              <a:rPr lang="zh-CN" altLang="en-US" sz="1200" dirty="0"/>
+              <a:t>    - name: volume #挂载设备的名字，与volumes[*].name 需要对应    </a:t>
+            </a:r>
+          </a:p>
+          <a:p>
+            <a:r>
+              <a:rPr lang="zh-CN" altLang="en-US" sz="1200" dirty="0"/>
+              <a:t>      mountPath: /data #挂载到容器的某个路径下  </a:t>
+            </a:r>
+          </a:p>
+          <a:p>
+            <a:r>
+              <a:rPr lang="zh-CN" altLang="en-US" sz="1200" dirty="0"/>
+              <a:t>      readOnly: True  </a:t>
+            </a:r>
+          </a:p>
+          <a:p>
+            <a:r>
+              <a:rPr lang="zh-CN" altLang="en-US" sz="1200" dirty="0"/>
+              <a:t>  volumes: #定义一组挂载设备  </a:t>
+            </a:r>
+          </a:p>
+          <a:p>
+            <a:r>
+              <a:rPr lang="zh-CN" altLang="en-US" sz="1200" dirty="0"/>
+              <a:t>  - name: volume #定义一个挂载设备的名字  </a:t>
+            </a:r>
+          </a:p>
+          <a:p>
+            <a:r>
+              <a:rPr lang="zh-CN" altLang="en-US" sz="1200" dirty="0"/>
+              <a:t>    #meptyDir: {}  </a:t>
+            </a:r>
+          </a:p>
+          <a:p>
+            <a:r>
+              <a:rPr lang="zh-CN" altLang="en-US" sz="1200" dirty="0"/>
+              <a:t>    hostPath:  </a:t>
+            </a:r>
+          </a:p>
+          <a:p>
+            <a:r>
+              <a:rPr lang="zh-CN" altLang="en-US" sz="1200" dirty="0"/>
+              <a:t>      path: /opt #挂载设备类型为hostPath，路径为宿主机下的/opt,这里设备类型支持很多种 </a:t>
+            </a:r>
           </a:p>
         </p:txBody>
       </p:sp>
     </p:spTree>
     <p:extLst>
       <p:ext uri="{BB962C8B-B14F-4D97-AF65-F5344CB8AC3E}">
-        <p14:creationId xmlns:p14="http://schemas.microsoft.com/office/powerpoint/2010/main" val="3892234774"/>
+        <p14:creationId xmlns:p14="http://schemas.microsoft.com/office/powerpoint/2010/main" val="1672891432"/>
       </p:ext>
     </p:extLst>
   </p:cSld>
@@ -11916,8 +12306,8 @@
           <a:lstStyle/>
           <a:p>
             <a:r>
-              <a:rPr lang="en-US" altLang="zh-CN" sz="3000" dirty="0"/>
-              <a:t>Job</a:t>
+              <a:rPr lang="en-US" altLang="zh-CN" sz="3000" dirty="0" err="1"/>
+              <a:t>ReplicaSet</a:t>
             </a:r>
             <a:endParaRPr lang="zh-CN" altLang="en-US" sz="3000" dirty="0"/>
           </a:p>
@@ -11946,9 +12336,295 @@
           </a:xfrm>
         </p:spPr>
         <p:txBody>
-          <a:bodyPr/>
+          <a:bodyPr>
+            <a:normAutofit fontScale="92500"/>
+          </a:bodyPr>
           <a:lstStyle/>
           <a:p>
+            <a:pPr marL="0" indent="0">
+              <a:buNone/>
+            </a:pPr>
+            <a:r>
+              <a:rPr lang="en-US" altLang="zh-CN" dirty="0" err="1"/>
+              <a:t>ReplicaSet</a:t>
+            </a:r>
+            <a:r>
+              <a:rPr lang="zh-CN" altLang="en-US" dirty="0"/>
+              <a:t>是下一代复本控制器。</a:t>
+            </a:r>
+            <a:r>
+              <a:rPr lang="en-US" altLang="zh-CN" dirty="0" err="1"/>
+              <a:t>ReplicaSet</a:t>
+            </a:r>
+            <a:r>
+              <a:rPr lang="zh-CN" altLang="en-US" dirty="0"/>
+              <a:t>和 </a:t>
+            </a:r>
+            <a:r>
+              <a:rPr lang="en-US" altLang="zh-CN" i="1" dirty="0">
+                <a:hlinkClick r:id="rId2"/>
+              </a:rPr>
+              <a:t>Replication Controller</a:t>
+            </a:r>
+            <a:r>
+              <a:rPr lang="zh-CN" altLang="en-US" dirty="0"/>
+              <a:t>之间的唯一区别是现在的选择器支持。</a:t>
+            </a:r>
+            <a:r>
+              <a:rPr lang="en-US" altLang="zh-CN" i="1" dirty="0"/>
+              <a:t>Replication Controller</a:t>
+            </a:r>
+            <a:r>
+              <a:rPr lang="zh-CN" altLang="en-US" dirty="0"/>
+              <a:t>只支持基于等式的</a:t>
+            </a:r>
+            <a:r>
+              <a:rPr lang="en-US" altLang="zh-CN" dirty="0"/>
+              <a:t>selector</a:t>
+            </a:r>
+            <a:r>
+              <a:rPr lang="zh-CN" altLang="en-US" dirty="0"/>
+              <a:t>（</a:t>
+            </a:r>
+            <a:r>
+              <a:rPr lang="en-US" altLang="zh-CN" dirty="0"/>
+              <a:t>env=dev</a:t>
+            </a:r>
+            <a:r>
+              <a:rPr lang="zh-CN" altLang="en-US" dirty="0"/>
+              <a:t>或</a:t>
+            </a:r>
+            <a:r>
+              <a:rPr lang="en-US" altLang="zh-CN" dirty="0"/>
+              <a:t>environment!=</a:t>
+            </a:r>
+            <a:r>
+              <a:rPr lang="en-US" altLang="zh-CN" dirty="0" err="1"/>
+              <a:t>qa</a:t>
+            </a:r>
+            <a:r>
+              <a:rPr lang="zh-CN" altLang="en-US" dirty="0"/>
+              <a:t>），但</a:t>
+            </a:r>
+            <a:r>
+              <a:rPr lang="en-US" altLang="zh-CN" dirty="0" err="1"/>
+              <a:t>ReplicaSet</a:t>
+            </a:r>
+            <a:r>
+              <a:rPr lang="zh-CN" altLang="en-US" dirty="0"/>
+              <a:t>还支持新的，基于集合的</a:t>
+            </a:r>
+            <a:r>
+              <a:rPr lang="en-US" altLang="zh-CN" dirty="0"/>
+              <a:t>selector</a:t>
+            </a:r>
+            <a:r>
+              <a:rPr lang="zh-CN" altLang="en-US" dirty="0"/>
+              <a:t>（</a:t>
+            </a:r>
+            <a:r>
+              <a:rPr lang="en-US" altLang="zh-CN" dirty="0"/>
+              <a:t>version in (v1.0, v2.0)</a:t>
+            </a:r>
+            <a:r>
+              <a:rPr lang="zh-CN" altLang="en-US" dirty="0"/>
+              <a:t>或</a:t>
+            </a:r>
+            <a:r>
+              <a:rPr lang="en-US" altLang="zh-CN" dirty="0"/>
+              <a:t>env </a:t>
+            </a:r>
+            <a:r>
+              <a:rPr lang="en-US" altLang="zh-CN" dirty="0" err="1"/>
+              <a:t>notin</a:t>
+            </a:r>
+            <a:r>
+              <a:rPr lang="en-US" altLang="zh-CN" dirty="0"/>
+              <a:t> (dev, </a:t>
+            </a:r>
+            <a:r>
+              <a:rPr lang="en-US" altLang="zh-CN" dirty="0" err="1"/>
+              <a:t>qa</a:t>
+            </a:r>
+            <a:r>
+              <a:rPr lang="en-US" altLang="zh-CN" dirty="0"/>
+              <a:t>)</a:t>
+            </a:r>
+            <a:r>
+              <a:rPr lang="zh-CN" altLang="en-US" dirty="0"/>
+              <a:t>）。在试用时官方推荐</a:t>
+            </a:r>
+            <a:r>
+              <a:rPr lang="en-US" altLang="zh-CN" dirty="0" err="1"/>
+              <a:t>ReplicaSet</a:t>
+            </a:r>
+            <a:r>
+              <a:rPr lang="zh-CN" altLang="en-US" dirty="0"/>
+              <a:t>。</a:t>
+            </a:r>
+          </a:p>
+          <a:p>
+            <a:pPr marL="0" indent="0">
+              <a:buNone/>
+            </a:pPr>
+            <a:r>
+              <a:rPr lang="zh-CN" altLang="en-US" dirty="0"/>
+              <a:t>大多数</a:t>
+            </a:r>
+            <a:r>
+              <a:rPr lang="en-US" altLang="zh-CN" dirty="0" err="1">
+                <a:hlinkClick r:id="rId3"/>
+              </a:rPr>
+              <a:t>kubectl</a:t>
+            </a:r>
+            <a:r>
+              <a:rPr lang="zh-CN" altLang="en-US" dirty="0"/>
+              <a:t>支持</a:t>
+            </a:r>
+            <a:r>
+              <a:rPr lang="en-US" altLang="zh-CN" i="1" dirty="0"/>
+              <a:t>Replication Controller</a:t>
+            </a:r>
+            <a:r>
+              <a:rPr lang="zh-CN" altLang="en-US" dirty="0"/>
+              <a:t>的命令也支持</a:t>
+            </a:r>
+            <a:r>
+              <a:rPr lang="en-US" altLang="zh-CN" dirty="0" err="1"/>
+              <a:t>ReplicaSets</a:t>
+            </a:r>
+            <a:r>
+              <a:rPr lang="zh-CN" altLang="en-US" dirty="0"/>
+              <a:t>。</a:t>
+            </a:r>
+            <a:r>
+              <a:rPr lang="en-US" altLang="zh-CN" dirty="0">
+                <a:hlinkClick r:id="rId4"/>
+              </a:rPr>
+              <a:t>rolling-update</a:t>
+            </a:r>
+            <a:r>
+              <a:rPr lang="zh-CN" altLang="en-US" dirty="0"/>
+              <a:t>命令有一个例外 。如果您想要滚动更新功能，请考虑使用</a:t>
+            </a:r>
+            <a:r>
+              <a:rPr lang="en-US" altLang="zh-CN" dirty="0"/>
+              <a:t>Deployments</a:t>
+            </a:r>
+            <a:r>
+              <a:rPr lang="zh-CN" altLang="en-US" dirty="0"/>
+              <a:t>。此外， </a:t>
+            </a:r>
+            <a:r>
+              <a:rPr lang="en-US" altLang="zh-CN" dirty="0"/>
+              <a:t>rolling-update</a:t>
+            </a:r>
+            <a:r>
+              <a:rPr lang="zh-CN" altLang="en-US" dirty="0"/>
+              <a:t>命令是必须的，而</a:t>
+            </a:r>
+            <a:r>
+              <a:rPr lang="en-US" altLang="zh-CN" dirty="0"/>
+              <a:t>Deployments</a:t>
+            </a:r>
+            <a:r>
+              <a:rPr lang="zh-CN" altLang="en-US" dirty="0"/>
+              <a:t>是声明式的，因此我们建议通过</a:t>
+            </a:r>
+            <a:r>
+              <a:rPr lang="en-US" altLang="zh-CN" dirty="0"/>
+              <a:t>rollout</a:t>
+            </a:r>
+            <a:r>
+              <a:rPr lang="zh-CN" altLang="en-US" dirty="0"/>
+              <a:t>命令使用</a:t>
+            </a:r>
+            <a:r>
+              <a:rPr lang="en-US" altLang="zh-CN" dirty="0"/>
+              <a:t>Deployments</a:t>
+            </a:r>
+            <a:r>
+              <a:rPr lang="zh-CN" altLang="en-US" dirty="0"/>
+              <a:t>。</a:t>
+            </a:r>
+          </a:p>
+          <a:p>
+            <a:pPr marL="0" indent="0">
+              <a:buNone/>
+            </a:pPr>
+            <a:r>
+              <a:rPr lang="zh-CN" altLang="en-US" dirty="0"/>
+              <a:t>虽然</a:t>
+            </a:r>
+            <a:r>
+              <a:rPr lang="en-US" altLang="zh-CN" dirty="0" err="1"/>
+              <a:t>ReplicaSets</a:t>
+            </a:r>
+            <a:r>
+              <a:rPr lang="zh-CN" altLang="en-US" dirty="0"/>
+              <a:t>可以独立使用，但是今天它主要被 </a:t>
+            </a:r>
+            <a:r>
+              <a:rPr lang="en-US" altLang="zh-CN" dirty="0">
+                <a:hlinkClick r:id="rId5"/>
+              </a:rPr>
+              <a:t>Deployments</a:t>
+            </a:r>
+            <a:r>
+              <a:rPr lang="en-US" altLang="zh-CN" dirty="0"/>
+              <a:t> </a:t>
+            </a:r>
+            <a:r>
+              <a:rPr lang="zh-CN" altLang="en-US" dirty="0"/>
+              <a:t>作为协调</a:t>
+            </a:r>
+            <a:r>
+              <a:rPr lang="en-US" altLang="zh-CN" dirty="0">
+                <a:hlinkClick r:id="rId6"/>
+              </a:rPr>
+              <a:t>pod</a:t>
+            </a:r>
+            <a:r>
+              <a:rPr lang="zh-CN" altLang="en-US" dirty="0"/>
+              <a:t>创建，删除和更新的机制。当您使用</a:t>
+            </a:r>
+            <a:r>
+              <a:rPr lang="en-US" altLang="zh-CN" dirty="0"/>
+              <a:t>Deployments</a:t>
+            </a:r>
+            <a:r>
+              <a:rPr lang="zh-CN" altLang="en-US" dirty="0"/>
+              <a:t>时，您不必担心管理他们创建的</a:t>
+            </a:r>
+            <a:r>
+              <a:rPr lang="en-US" altLang="zh-CN" dirty="0" err="1"/>
+              <a:t>ReplicaSets</a:t>
+            </a:r>
+            <a:r>
+              <a:rPr lang="zh-CN" altLang="en-US" dirty="0"/>
+              <a:t>。</a:t>
+            </a:r>
+            <a:r>
+              <a:rPr lang="en-US" altLang="zh-CN" dirty="0"/>
+              <a:t>Deployments</a:t>
+            </a:r>
+            <a:r>
+              <a:rPr lang="zh-CN" altLang="en-US" dirty="0"/>
+              <a:t>拥有并管理其</a:t>
+            </a:r>
+            <a:r>
+              <a:rPr lang="en-US" altLang="zh-CN" dirty="0" err="1"/>
+              <a:t>ReplicaSets</a:t>
+            </a:r>
+            <a:r>
+              <a:rPr lang="zh-CN" altLang="en-US" dirty="0"/>
+              <a:t>。</a:t>
+            </a:r>
+          </a:p>
+          <a:p>
+            <a:pPr marL="0" indent="0">
+              <a:buNone/>
+            </a:pPr>
             <a:endParaRPr lang="zh-CN" altLang="en-US" dirty="0"/>
           </a:p>
         </p:txBody>
@@ -11956,7 +12632,7 @@
     </p:spTree>
     <p:extLst>
       <p:ext uri="{BB962C8B-B14F-4D97-AF65-F5344CB8AC3E}">
-        <p14:creationId xmlns:p14="http://schemas.microsoft.com/office/powerpoint/2010/main" val="2829438646"/>
+        <p14:creationId xmlns:p14="http://schemas.microsoft.com/office/powerpoint/2010/main" val="270914154"/>
       </p:ext>
     </p:extLst>
   </p:cSld>
@@ -12012,8 +12688,8 @@
           <a:lstStyle/>
           <a:p>
             <a:r>
-              <a:rPr lang="en-US" altLang="zh-CN" sz="3000" dirty="0" err="1"/>
-              <a:t>HorizontalPodAutoscaler</a:t>
+              <a:rPr lang="en-US" altLang="zh-CN" sz="3000" dirty="0"/>
+              <a:t>Deployment</a:t>
             </a:r>
             <a:endParaRPr lang="zh-CN" altLang="en-US" sz="3000" dirty="0"/>
           </a:p>
@@ -12042,8 +12718,323 @@
           </a:xfrm>
         </p:spPr>
         <p:txBody>
-          <a:bodyPr/>
+          <a:bodyPr>
+            <a:normAutofit fontScale="77500" lnSpcReduction="20000"/>
+          </a:bodyPr>
           <a:lstStyle/>
+          <a:p>
+            <a:pPr marL="0" indent="0">
+              <a:buNone/>
+            </a:pPr>
+            <a:r>
+              <a:rPr lang="en-US" altLang="zh-CN" dirty="0"/>
+              <a:t>Deployment</a:t>
+            </a:r>
+            <a:r>
+              <a:rPr lang="zh-CN" altLang="en-US" dirty="0"/>
+              <a:t>为</a:t>
+            </a:r>
+            <a:r>
+              <a:rPr lang="en-US" altLang="zh-CN" dirty="0"/>
+              <a:t>Pod</a:t>
+            </a:r>
+            <a:r>
+              <a:rPr lang="zh-CN" altLang="en-US" dirty="0"/>
+              <a:t>和</a:t>
+            </a:r>
+            <a:r>
+              <a:rPr lang="en-US" altLang="zh-CN" dirty="0"/>
+              <a:t>Replica Set</a:t>
+            </a:r>
+            <a:r>
+              <a:rPr lang="zh-CN" altLang="en-US" dirty="0"/>
+              <a:t>（下一代</a:t>
+            </a:r>
+            <a:r>
+              <a:rPr lang="en-US" altLang="zh-CN" dirty="0"/>
+              <a:t>Replication Controller</a:t>
+            </a:r>
+            <a:r>
+              <a:rPr lang="zh-CN" altLang="en-US" dirty="0"/>
+              <a:t>）提供声明式更新。</a:t>
+            </a:r>
+          </a:p>
+          <a:p>
+            <a:pPr marL="0" indent="0">
+              <a:buNone/>
+            </a:pPr>
+            <a:r>
+              <a:rPr lang="zh-CN" altLang="en-US" dirty="0"/>
+              <a:t>你只需要在</a:t>
+            </a:r>
+            <a:r>
+              <a:rPr lang="en-US" altLang="zh-CN" dirty="0"/>
+              <a:t>Deployment</a:t>
+            </a:r>
+            <a:r>
+              <a:rPr lang="zh-CN" altLang="en-US" dirty="0"/>
+              <a:t>中描述你想要的目标状态是什么，</a:t>
+            </a:r>
+            <a:r>
+              <a:rPr lang="en-US" altLang="zh-CN" dirty="0"/>
+              <a:t>Deployment controller</a:t>
+            </a:r>
+            <a:r>
+              <a:rPr lang="zh-CN" altLang="en-US" dirty="0"/>
+              <a:t>就会帮你将</a:t>
+            </a:r>
+            <a:r>
+              <a:rPr lang="en-US" altLang="zh-CN" dirty="0"/>
+              <a:t>Pod</a:t>
+            </a:r>
+            <a:r>
+              <a:rPr lang="zh-CN" altLang="en-US" dirty="0"/>
+              <a:t>和</a:t>
+            </a:r>
+            <a:r>
+              <a:rPr lang="en-US" altLang="zh-CN" dirty="0"/>
+              <a:t>Replica Set</a:t>
+            </a:r>
+            <a:r>
+              <a:rPr lang="zh-CN" altLang="en-US" dirty="0"/>
+              <a:t>的实际状态改变到你的目标状态。你可以定义一个全新的</a:t>
+            </a:r>
+            <a:r>
+              <a:rPr lang="en-US" altLang="zh-CN" dirty="0"/>
+              <a:t>Deployment</a:t>
+            </a:r>
+            <a:r>
+              <a:rPr lang="zh-CN" altLang="en-US" dirty="0"/>
+              <a:t>，也可以创建一个新的替换旧的</a:t>
+            </a:r>
+            <a:r>
+              <a:rPr lang="en-US" altLang="zh-CN" dirty="0"/>
+              <a:t>Deployment</a:t>
+            </a:r>
+            <a:r>
+              <a:rPr lang="zh-CN" altLang="en-US" dirty="0"/>
+              <a:t>。</a:t>
+            </a:r>
+          </a:p>
+          <a:p>
+            <a:pPr marL="0" indent="0">
+              <a:buNone/>
+            </a:pPr>
+            <a:r>
+              <a:rPr lang="zh-CN" altLang="en-US" dirty="0"/>
+              <a:t>一个典型的用例如下：</a:t>
+            </a:r>
+          </a:p>
+          <a:p>
+            <a:r>
+              <a:rPr lang="zh-CN" altLang="en-US" dirty="0"/>
+              <a:t>使用</a:t>
+            </a:r>
+            <a:r>
+              <a:rPr lang="en-US" altLang="zh-CN" dirty="0"/>
+              <a:t>Deployment</a:t>
+            </a:r>
+            <a:r>
+              <a:rPr lang="zh-CN" altLang="en-US" dirty="0"/>
+              <a:t>来创建</a:t>
+            </a:r>
+            <a:r>
+              <a:rPr lang="en-US" altLang="zh-CN" dirty="0" err="1"/>
+              <a:t>ReplicaSet</a:t>
+            </a:r>
+            <a:r>
+              <a:rPr lang="zh-CN" altLang="en-US" dirty="0"/>
+              <a:t>。</a:t>
+            </a:r>
+            <a:r>
+              <a:rPr lang="en-US" altLang="zh-CN" dirty="0" err="1"/>
+              <a:t>ReplicaSet</a:t>
+            </a:r>
+            <a:r>
+              <a:rPr lang="zh-CN" altLang="en-US" dirty="0"/>
+              <a:t>在后台创建</a:t>
+            </a:r>
+            <a:r>
+              <a:rPr lang="en-US" altLang="zh-CN" dirty="0"/>
+              <a:t>pod</a:t>
+            </a:r>
+            <a:r>
+              <a:rPr lang="zh-CN" altLang="en-US" dirty="0"/>
+              <a:t>。检查启动状态，看它是成功还是失败。</a:t>
+            </a:r>
+          </a:p>
+          <a:p>
+            <a:r>
+              <a:rPr lang="zh-CN" altLang="en-US" dirty="0"/>
+              <a:t>然后，通过更新</a:t>
+            </a:r>
+            <a:r>
+              <a:rPr lang="en-US" altLang="zh-CN" dirty="0"/>
+              <a:t>Deployment</a:t>
+            </a:r>
+            <a:r>
+              <a:rPr lang="zh-CN" altLang="en-US" dirty="0"/>
+              <a:t>的</a:t>
+            </a:r>
+            <a:r>
+              <a:rPr lang="en-US" altLang="zh-CN" dirty="0" err="1"/>
+              <a:t>PodTemplateSpec</a:t>
+            </a:r>
+            <a:r>
+              <a:rPr lang="zh-CN" altLang="en-US" dirty="0"/>
+              <a:t>字段来声明</a:t>
+            </a:r>
+            <a:r>
+              <a:rPr lang="en-US" altLang="zh-CN" dirty="0"/>
+              <a:t>Pod</a:t>
+            </a:r>
+            <a:r>
+              <a:rPr lang="zh-CN" altLang="en-US" dirty="0"/>
+              <a:t>的新状态。这会创建一个新的</a:t>
+            </a:r>
+            <a:r>
+              <a:rPr lang="en-US" altLang="zh-CN" dirty="0" err="1"/>
+              <a:t>ReplicaSet</a:t>
+            </a:r>
+            <a:r>
+              <a:rPr lang="zh-CN" altLang="en-US" dirty="0"/>
+              <a:t>，</a:t>
+            </a:r>
+            <a:r>
+              <a:rPr lang="en-US" altLang="zh-CN" dirty="0"/>
+              <a:t>Deployment</a:t>
+            </a:r>
+            <a:r>
+              <a:rPr lang="zh-CN" altLang="en-US" dirty="0"/>
+              <a:t>会按照控制的速率将</a:t>
+            </a:r>
+            <a:r>
+              <a:rPr lang="en-US" altLang="zh-CN" dirty="0"/>
+              <a:t>pod</a:t>
+            </a:r>
+            <a:r>
+              <a:rPr lang="zh-CN" altLang="en-US" dirty="0"/>
+              <a:t>从旧的</a:t>
+            </a:r>
+            <a:r>
+              <a:rPr lang="en-US" altLang="zh-CN" dirty="0" err="1"/>
+              <a:t>ReplicaSet</a:t>
+            </a:r>
+            <a:r>
+              <a:rPr lang="zh-CN" altLang="en-US" dirty="0"/>
+              <a:t>移动到新的</a:t>
+            </a:r>
+            <a:r>
+              <a:rPr lang="en-US" altLang="zh-CN" dirty="0" err="1"/>
+              <a:t>ReplicaSet</a:t>
+            </a:r>
+            <a:r>
+              <a:rPr lang="zh-CN" altLang="en-US" dirty="0"/>
+              <a:t>中。</a:t>
+            </a:r>
+          </a:p>
+          <a:p>
+            <a:r>
+              <a:rPr lang="zh-CN" altLang="en-US" dirty="0"/>
+              <a:t>如果当前状态不稳定，回滚到之前的</a:t>
+            </a:r>
+            <a:r>
+              <a:rPr lang="en-US" altLang="zh-CN" dirty="0"/>
+              <a:t>Deployment revision</a:t>
+            </a:r>
+            <a:r>
+              <a:rPr lang="zh-CN" altLang="en-US" dirty="0"/>
+              <a:t>。每次回滚都会更新</a:t>
+            </a:r>
+            <a:r>
+              <a:rPr lang="en-US" altLang="zh-CN" dirty="0"/>
+              <a:t>Deployment</a:t>
+            </a:r>
+            <a:r>
+              <a:rPr lang="zh-CN" altLang="en-US" dirty="0"/>
+              <a:t>的</a:t>
+            </a:r>
+            <a:r>
+              <a:rPr lang="en-US" altLang="zh-CN" dirty="0"/>
+              <a:t>revision</a:t>
+            </a:r>
+            <a:r>
+              <a:rPr lang="zh-CN" altLang="en-US" dirty="0"/>
+              <a:t>。</a:t>
+            </a:r>
+          </a:p>
+          <a:p>
+            <a:r>
+              <a:rPr lang="zh-CN" altLang="en-US" dirty="0"/>
+              <a:t>扩容</a:t>
+            </a:r>
+            <a:r>
+              <a:rPr lang="en-US" altLang="zh-CN" dirty="0"/>
+              <a:t>Deployment</a:t>
+            </a:r>
+            <a:r>
+              <a:rPr lang="zh-CN" altLang="en-US" dirty="0"/>
+              <a:t>以满足更高的负载。</a:t>
+            </a:r>
+          </a:p>
+          <a:p>
+            <a:r>
+              <a:rPr lang="zh-CN" altLang="en-US" dirty="0"/>
+              <a:t>暂停</a:t>
+            </a:r>
+            <a:r>
+              <a:rPr lang="en-US" altLang="zh-CN" dirty="0"/>
+              <a:t>Deployment</a:t>
+            </a:r>
+            <a:r>
+              <a:rPr lang="zh-CN" altLang="en-US" dirty="0"/>
+              <a:t>来应用</a:t>
+            </a:r>
+            <a:r>
+              <a:rPr lang="en-US" altLang="zh-CN" dirty="0" err="1"/>
+              <a:t>PodTemplateSpec</a:t>
+            </a:r>
+            <a:r>
+              <a:rPr lang="zh-CN" altLang="en-US" dirty="0"/>
+              <a:t>的多个修复，然后恢复上线。</a:t>
+            </a:r>
+          </a:p>
+          <a:p>
+            <a:r>
+              <a:rPr lang="zh-CN" altLang="en-US" dirty="0"/>
+              <a:t>根据</a:t>
+            </a:r>
+            <a:r>
+              <a:rPr lang="en-US" altLang="zh-CN" dirty="0"/>
+              <a:t>Deployment </a:t>
+            </a:r>
+            <a:r>
+              <a:rPr lang="zh-CN" altLang="en-US" dirty="0"/>
+              <a:t>的状态判断上线是否</a:t>
+            </a:r>
+            <a:r>
+              <a:rPr lang="en-US" altLang="zh-CN" dirty="0"/>
+              <a:t>hang</a:t>
+            </a:r>
+            <a:r>
+              <a:rPr lang="zh-CN" altLang="en-US" dirty="0"/>
+              <a:t>住了。</a:t>
+            </a:r>
+          </a:p>
+          <a:p>
+            <a:r>
+              <a:rPr lang="zh-CN" altLang="en-US" dirty="0"/>
+              <a:t>清除旧的不必要的</a:t>
+            </a:r>
+            <a:r>
+              <a:rPr lang="en-US" altLang="zh-CN" dirty="0" err="1"/>
+              <a:t>ReplicaSet</a:t>
+            </a:r>
+            <a:r>
+              <a:rPr lang="zh-CN" altLang="en-US" dirty="0"/>
+              <a:t>。</a:t>
+            </a:r>
+          </a:p>
           <a:p>
             <a:endParaRPr lang="zh-CN" altLang="en-US" dirty="0"/>
           </a:p>
@@ -12052,7 +13043,7 @@
     </p:spTree>
     <p:extLst>
       <p:ext uri="{BB962C8B-B14F-4D97-AF65-F5344CB8AC3E}">
-        <p14:creationId xmlns:p14="http://schemas.microsoft.com/office/powerpoint/2010/main" val="3680961571"/>
+        <p14:creationId xmlns:p14="http://schemas.microsoft.com/office/powerpoint/2010/main" val="2453502414"/>
       </p:ext>
     </p:extLst>
   </p:cSld>
@@ -12109,7 +13100,7 @@
           <a:p>
             <a:r>
               <a:rPr lang="en-US" altLang="zh-CN" sz="3000" dirty="0" err="1"/>
-              <a:t>ConfigMap</a:t>
+              <a:t>CronJob</a:t>
             </a:r>
             <a:endParaRPr lang="zh-CN" altLang="en-US" sz="3000" dirty="0"/>
           </a:p>
@@ -12148,7 +13139,7 @@
     </p:spTree>
     <p:extLst>
       <p:ext uri="{BB962C8B-B14F-4D97-AF65-F5344CB8AC3E}">
-        <p14:creationId xmlns:p14="http://schemas.microsoft.com/office/powerpoint/2010/main" val="27142358"/>
+        <p14:creationId xmlns:p14="http://schemas.microsoft.com/office/powerpoint/2010/main" val="3892234774"/>
       </p:ext>
     </p:extLst>
   </p:cSld>
@@ -12205,7 +13196,7 @@
           <a:p>
             <a:r>
               <a:rPr lang="en-US" altLang="zh-CN" sz="3000" dirty="0"/>
-              <a:t>Secret</a:t>
+              <a:t>Job</a:t>
             </a:r>
             <a:endParaRPr lang="zh-CN" altLang="en-US" sz="3000" dirty="0"/>
           </a:p>
@@ -12244,7 +13235,7 @@
     </p:spTree>
     <p:extLst>
       <p:ext uri="{BB962C8B-B14F-4D97-AF65-F5344CB8AC3E}">
-        <p14:creationId xmlns:p14="http://schemas.microsoft.com/office/powerpoint/2010/main" val="683582217"/>
+        <p14:creationId xmlns:p14="http://schemas.microsoft.com/office/powerpoint/2010/main" val="2829438646"/>
       </p:ext>
     </p:extLst>
   </p:cSld>
@@ -12301,7 +13292,7 @@
           <a:p>
             <a:r>
               <a:rPr lang="en-US" altLang="zh-CN" sz="3000" dirty="0" err="1"/>
-              <a:t>StatefulSet</a:t>
+              <a:t>HorizontalPodAutoscaler</a:t>
             </a:r>
             <a:endParaRPr lang="zh-CN" altLang="en-US" sz="3000" dirty="0"/>
           </a:p>
@@ -12340,7 +13331,7 @@
     </p:spTree>
     <p:extLst>
       <p:ext uri="{BB962C8B-B14F-4D97-AF65-F5344CB8AC3E}">
-        <p14:creationId xmlns:p14="http://schemas.microsoft.com/office/powerpoint/2010/main" val="1328722284"/>
+        <p14:creationId xmlns:p14="http://schemas.microsoft.com/office/powerpoint/2010/main" val="3680961571"/>
       </p:ext>
     </p:extLst>
   </p:cSld>
@@ -12397,7 +13388,7 @@
           <a:p>
             <a:r>
               <a:rPr lang="en-US" altLang="zh-CN" sz="3000" dirty="0" err="1"/>
-              <a:t>DaemonSet</a:t>
+              <a:t>ConfigMap</a:t>
             </a:r>
             <a:endParaRPr lang="zh-CN" altLang="en-US" sz="3000" dirty="0"/>
           </a:p>
@@ -12436,7 +13427,7 @@
     </p:spTree>
     <p:extLst>
       <p:ext uri="{BB962C8B-B14F-4D97-AF65-F5344CB8AC3E}">
-        <p14:creationId xmlns:p14="http://schemas.microsoft.com/office/powerpoint/2010/main" val="205566881"/>
+        <p14:creationId xmlns:p14="http://schemas.microsoft.com/office/powerpoint/2010/main" val="27142358"/>
       </p:ext>
     </p:extLst>
   </p:cSld>
@@ -12493,7 +13484,7 @@
           <a:p>
             <a:r>
               <a:rPr lang="en-US" altLang="zh-CN" sz="3000" dirty="0"/>
-              <a:t>Service</a:t>
+              <a:t>Secret</a:t>
             </a:r>
             <a:endParaRPr lang="zh-CN" altLang="en-US" sz="3000" dirty="0"/>
           </a:p>
@@ -12525,96 +13516,14 @@
           <a:bodyPr/>
           <a:lstStyle/>
           <a:p>
-            <a:pPr marL="0" indent="0">
-              <a:buNone/>
-            </a:pPr>
-            <a:r>
-              <a:rPr lang="en-US" altLang="zh-CN" dirty="0" err="1"/>
-              <a:t>Kubernete</a:t>
-            </a:r>
-            <a:r>
-              <a:rPr lang="en-US" altLang="zh-CN" dirty="0"/>
-              <a:t> Service </a:t>
-            </a:r>
-            <a:r>
-              <a:rPr lang="zh-CN" altLang="en-US" dirty="0"/>
-              <a:t>是一个定义了一组</a:t>
-            </a:r>
-            <a:r>
-              <a:rPr lang="en-US" altLang="zh-CN" b="1" dirty="0">
-                <a:hlinkClick r:id="rId2"/>
-              </a:rPr>
-              <a:t>Pod</a:t>
-            </a:r>
-            <a:r>
-              <a:rPr lang="zh-CN" altLang="en-US" dirty="0"/>
-              <a:t>的策略的抽象，我们也有时候叫做宏观服务。这些被服务标记的</a:t>
-            </a:r>
-            <a:r>
-              <a:rPr lang="en-US" altLang="zh-CN" dirty="0"/>
-              <a:t>Pod</a:t>
-            </a:r>
-            <a:r>
-              <a:rPr lang="zh-CN" altLang="en-US" dirty="0"/>
-              <a:t>都是（一般）通过</a:t>
-            </a:r>
-            <a:r>
-              <a:rPr lang="en-US" altLang="zh-CN" dirty="0"/>
-              <a:t>label Selector</a:t>
-            </a:r>
-            <a:r>
-              <a:rPr lang="zh-CN" altLang="en-US" dirty="0"/>
-              <a:t>决定的（下面我们会讲到我们为什么需要一个没有</a:t>
-            </a:r>
-            <a:r>
-              <a:rPr lang="en-US" altLang="zh-CN" dirty="0"/>
-              <a:t>label selector</a:t>
-            </a:r>
-            <a:r>
-              <a:rPr lang="zh-CN" altLang="en-US" dirty="0"/>
-              <a:t>的服务）</a:t>
-            </a:r>
-            <a:endParaRPr lang="en-US" altLang="zh-CN" dirty="0"/>
-          </a:p>
-          <a:p>
-            <a:pPr marL="0" indent="0">
-              <a:buNone/>
-            </a:pPr>
-            <a:r>
-              <a:rPr lang="zh-CN" altLang="en-US" dirty="0"/>
-              <a:t>举个例子，我们假设后台是一个图形处理的后台，并且由</a:t>
-            </a:r>
-            <a:r>
-              <a:rPr lang="en-US" altLang="zh-CN" dirty="0"/>
-              <a:t>3</a:t>
-            </a:r>
-            <a:r>
-              <a:rPr lang="zh-CN" altLang="en-US" dirty="0"/>
-              <a:t>个副本。这些副本是可以相互替代的，并且前台并需要关心使用的哪一个后台</a:t>
-            </a:r>
-            <a:r>
-              <a:rPr lang="en-US" altLang="zh-CN" dirty="0"/>
-              <a:t>Pod</a:t>
-            </a:r>
-            <a:r>
-              <a:rPr lang="zh-CN" altLang="en-US" dirty="0"/>
-              <a:t>，当这个承载前台请求的</a:t>
-            </a:r>
-            <a:r>
-              <a:rPr lang="en-US" altLang="zh-CN" dirty="0"/>
-              <a:t>pod</a:t>
-            </a:r>
-            <a:r>
-              <a:rPr lang="zh-CN" altLang="en-US" dirty="0"/>
-              <a:t>发生变化时，前台并不需要知道这些变化，或者追踪后台的这些副本，服务是这些去耦合的关键所在。</a:t>
-            </a:r>
+            <a:endParaRPr lang="zh-CN" altLang="en-US" dirty="0"/>
           </a:p>
         </p:txBody>
       </p:sp>
     </p:spTree>
     <p:extLst>
       <p:ext uri="{BB962C8B-B14F-4D97-AF65-F5344CB8AC3E}">
-        <p14:creationId xmlns:p14="http://schemas.microsoft.com/office/powerpoint/2010/main" val="3729071191"/>
+        <p14:creationId xmlns:p14="http://schemas.microsoft.com/office/powerpoint/2010/main" val="683582217"/>
       </p:ext>
     </p:extLst>
   </p:cSld>
@@ -12643,72 +13552,74 @@
       </p:grpSpPr>
       <p:sp>
         <p:nvSpPr>
-          <p:cNvPr id="2" name="矩形 1">
+          <p:cNvPr id="2" name="标题 1">
             <a:extLst>
               <a:ext uri="{FF2B5EF4-FFF2-40B4-BE49-F238E27FC236}">
-                <a16:creationId xmlns:a16="http://schemas.microsoft.com/office/drawing/2014/main" id="{570B805E-2386-44BF-84AB-22D4701C7E3F}"/>
+                <a16:creationId xmlns:a16="http://schemas.microsoft.com/office/drawing/2014/main" id="{EAE9FAA8-C318-4695-A8C8-CA1E97AE07C6}"/>
               </a:ext>
             </a:extLst>
           </p:cNvPr>
-          <p:cNvSpPr/>
-          <p:nvPr/>
+          <p:cNvSpPr>
+            <a:spLocks noGrp="1"/>
+          </p:cNvSpPr>
+          <p:nvPr>
+            <p:ph type="title"/>
+          </p:nvPr>
         </p:nvSpPr>
         <p:spPr>
           <a:xfrm>
-            <a:off x="1378689" y="860985"/>
-            <a:ext cx="9264502" cy="1754326"/>
+            <a:off x="838200" y="365126"/>
+            <a:ext cx="10515600" cy="644968"/>
           </a:xfrm>
-          <a:prstGeom prst="rect">
-            <a:avLst/>
-          </a:prstGeom>
         </p:spPr>
         <p:txBody>
-          <a:bodyPr wrap="square">
-            <a:spAutoFit/>
+          <a:bodyPr>
+            <a:normAutofit/>
           </a:bodyPr>
           <a:lstStyle/>
           <a:p>
             <a:r>
-              <a:rPr lang="zh-CN" altLang="en-US" dirty="0"/>
-              <a:t>$ curl -s https://packages.cloud.google.com/apt/doc/apt-key.gpg | apt-key add -</a:t>
-            </a:r>
-          </a:p>
-          <a:p>
-            <a:r>
-              <a:rPr lang="zh-CN" altLang="en-US" dirty="0"/>
-              <a:t>$ cat &lt;&lt;EOF &gt; /etc/apt/sources.list.d/kubernetes.list</a:t>
-            </a:r>
-          </a:p>
-          <a:p>
-            <a:r>
-              <a:rPr lang="zh-CN" altLang="en-US" dirty="0"/>
-              <a:t>deb http://apt.kubernetes.io/ kubernetes-xenial main</a:t>
-            </a:r>
-          </a:p>
-          <a:p>
-            <a:r>
-              <a:rPr lang="zh-CN" altLang="en-US" dirty="0"/>
-              <a:t>EOF</a:t>
-            </a:r>
-          </a:p>
-          <a:p>
-            <a:r>
-              <a:rPr lang="zh-CN" altLang="en-US" dirty="0"/>
-              <a:t>$ apt-get update</a:t>
-            </a:r>
-          </a:p>
-          <a:p>
-            <a:r>
-              <a:rPr lang="zh-CN" altLang="en-US" dirty="0"/>
-              <a:t>$ apt-get install -y docker.io kubeadm</a:t>
-            </a:r>
+              <a:rPr lang="en-US" altLang="zh-CN" sz="3000" dirty="0" err="1"/>
+              <a:t>StatefulSet</a:t>
+            </a:r>
+            <a:endParaRPr lang="zh-CN" altLang="en-US" sz="3000" dirty="0"/>
+          </a:p>
+        </p:txBody>
+      </p:sp>
+      <p:sp>
+        <p:nvSpPr>
+          <p:cNvPr id="3" name="内容占位符 2">
+            <a:extLst>
+              <a:ext uri="{FF2B5EF4-FFF2-40B4-BE49-F238E27FC236}">
+                <a16:creationId xmlns:a16="http://schemas.microsoft.com/office/drawing/2014/main" id="{6CA78E39-E363-42D1-BE9D-BB96C903EDB2}"/>
+              </a:ext>
+            </a:extLst>
+          </p:cNvPr>
+          <p:cNvSpPr>
+            <a:spLocks noGrp="1"/>
+          </p:cNvSpPr>
+          <p:nvPr>
+            <p:ph idx="1"/>
+          </p:nvPr>
+        </p:nvSpPr>
+        <p:spPr>
+          <a:xfrm>
+            <a:off x="838200" y="1010094"/>
+            <a:ext cx="10515600" cy="5166869"/>
+          </a:xfrm>
+        </p:spPr>
+        <p:txBody>
+          <a:bodyPr/>
+          <a:lstStyle/>
+          <a:p>
+            <a:endParaRPr lang="zh-CN" altLang="en-US" dirty="0"/>
           </a:p>
         </p:txBody>
       </p:sp>
     </p:spTree>
     <p:extLst>
       <p:ext uri="{BB962C8B-B14F-4D97-AF65-F5344CB8AC3E}">
-        <p14:creationId xmlns:p14="http://schemas.microsoft.com/office/powerpoint/2010/main" val="2072790874"/>
+        <p14:creationId xmlns:p14="http://schemas.microsoft.com/office/powerpoint/2010/main" val="1328722284"/>
       </p:ext>
     </p:extLst>
   </p:cSld>
@@ -12737,605 +13648,74 @@
       </p:grpSpPr>
       <p:sp>
         <p:nvSpPr>
-          <p:cNvPr id="2" name="矩形 1">
+          <p:cNvPr id="2" name="标题 1">
             <a:extLst>
               <a:ext uri="{FF2B5EF4-FFF2-40B4-BE49-F238E27FC236}">
-                <a16:creationId xmlns:a16="http://schemas.microsoft.com/office/drawing/2014/main" id="{58B3FFDA-51C8-4CB8-AF16-A6BADDABD434}"/>
+                <a16:creationId xmlns:a16="http://schemas.microsoft.com/office/drawing/2014/main" id="{EAE9FAA8-C318-4695-A8C8-CA1E97AE07C6}"/>
               </a:ext>
             </a:extLst>
           </p:cNvPr>
-          <p:cNvSpPr/>
-          <p:nvPr/>
+          <p:cNvSpPr>
+            <a:spLocks noGrp="1"/>
+          </p:cNvSpPr>
+          <p:nvPr>
+            <p:ph type="title"/>
+          </p:nvPr>
         </p:nvSpPr>
         <p:spPr>
           <a:xfrm>
-            <a:off x="616689" y="786810"/>
-            <a:ext cx="11302410" cy="6247864"/>
-          </a:xfrm>
-          <a:prstGeom prst="rect">
-            <a:avLst/>
-          </a:prstGeom>
-        </p:spPr>
-        <p:txBody>
-          <a:bodyPr wrap="square">
-            <a:spAutoFit/>
-          </a:bodyPr>
-          <a:lstStyle/>
-          <a:p>
-            <a:r>
-              <a:rPr lang="zh-CN" altLang="en-US" sz="1000" dirty="0"/>
-              <a:t>复原</a:t>
-            </a:r>
-          </a:p>
-          <a:p>
-            <a:r>
-              <a:rPr lang="zh-CN" altLang="en-US" sz="1000" dirty="0"/>
-              <a:t>sudo kubeadm reset</a:t>
-            </a:r>
-          </a:p>
-          <a:p>
-            <a:r>
-              <a:rPr lang="zh-CN" altLang="en-US" sz="1000" dirty="0"/>
-              <a:t>初始化</a:t>
-            </a:r>
-          </a:p>
-          <a:p>
-            <a:r>
-              <a:rPr lang="zh-CN" altLang="en-US" sz="1000" dirty="0"/>
-              <a:t>sudo kubeadm init --config kubeadm.yaml --ignore-preflight-errors=swap</a:t>
-            </a:r>
-          </a:p>
-          <a:p>
-            <a:endParaRPr lang="zh-CN" altLang="en-US" sz="1000" dirty="0"/>
-          </a:p>
-          <a:p>
-            <a:r>
-              <a:rPr lang="zh-CN" altLang="en-US" sz="1000" dirty="0"/>
-              <a:t>生成如下：</a:t>
-            </a:r>
-          </a:p>
-          <a:p>
-            <a:r>
-              <a:rPr lang="zh-CN" altLang="en-US" sz="1000" dirty="0"/>
-              <a:t>   kubeadm join 192.168.252.54:6443 --token t6d36c.6p2ebr5mhxqk195c --discovery-token-ca-cert-hash sha256:60106a5cedd2ba984f87fea112286b09a5a98ebf5958c6027480aa64a3392ee8</a:t>
-            </a:r>
-          </a:p>
-          <a:p>
-            <a:endParaRPr lang="zh-CN" altLang="en-US" sz="1000" dirty="0"/>
-          </a:p>
-          <a:p>
-            <a:r>
-              <a:rPr lang="zh-CN" altLang="en-US" sz="1000" dirty="0"/>
-              <a:t>修改/etc/systemd/system/kubelet.service.d/10-kubeadm.conf</a:t>
-            </a:r>
-          </a:p>
-          <a:p>
-            <a:r>
-              <a:rPr lang="zh-CN" altLang="en-US" sz="1000" dirty="0"/>
-              <a:t>Environment="KUBELET_KUBECONFIG_ARGS=--bootstrap-kubeconfig=/etc/kubernetes/bootstrap-kubelet.conf --kubeconfig=/etc/kubernetes/kubelet.conf --fail-swap-on=false"</a:t>
-            </a:r>
-          </a:p>
-          <a:p>
-            <a:endParaRPr lang="zh-CN" altLang="en-US" sz="1000" dirty="0"/>
-          </a:p>
-          <a:p>
-            <a:r>
-              <a:rPr lang="zh-CN" altLang="en-US" sz="1000" dirty="0"/>
-              <a:t>sudo kubectl get nodes</a:t>
-            </a:r>
-          </a:p>
-          <a:p>
-            <a:r>
-              <a:rPr lang="zh-CN" altLang="en-US" sz="1000" dirty="0"/>
-              <a:t>如果报错</a:t>
-            </a:r>
-          </a:p>
-          <a:p>
-            <a:r>
-              <a:rPr lang="zh-CN" altLang="en-US" sz="1000" dirty="0"/>
-              <a:t>The connection to the server localhost:8080 was refused - did you specify the right host or port?</a:t>
-            </a:r>
-          </a:p>
-          <a:p>
-            <a:r>
-              <a:rPr lang="zh-CN" altLang="en-US" sz="1000" dirty="0"/>
-              <a:t>执行</a:t>
-            </a:r>
-          </a:p>
-          <a:p>
-            <a:r>
-              <a:rPr lang="zh-CN" altLang="en-US" sz="1000" dirty="0"/>
-              <a:t>mkdir -p $HOME/.kube</a:t>
-            </a:r>
-          </a:p>
-          <a:p>
-            <a:r>
-              <a:rPr lang="zh-CN" altLang="en-US" sz="1000" dirty="0"/>
-              <a:t>sudo cp -i /etc/kubernetes/admin.conf $HOME/.kube/config</a:t>
-            </a:r>
-          </a:p>
-          <a:p>
-            <a:r>
-              <a:rPr lang="zh-CN" altLang="en-US" sz="1000" dirty="0"/>
-              <a:t>sudo chown $(id -u):$(id -g) $HOME/.kube/config</a:t>
-            </a:r>
-          </a:p>
-          <a:p>
-            <a:endParaRPr lang="zh-CN" altLang="en-US" sz="1000" dirty="0"/>
-          </a:p>
-          <a:p>
-            <a:r>
-              <a:rPr lang="zh-CN" altLang="en-US" sz="1000" dirty="0"/>
-              <a:t>当sudo kubectl get pods -n kube-system</a:t>
-            </a:r>
-          </a:p>
-          <a:p>
-            <a:endParaRPr lang="zh-CN" altLang="en-US" sz="1000" dirty="0"/>
-          </a:p>
-          <a:p>
-            <a:r>
-              <a:rPr lang="zh-CN" altLang="en-US" sz="1000" dirty="0"/>
-              <a:t>coredns pods have CrashLoopBackOff or Error state</a:t>
-            </a:r>
-          </a:p>
-          <a:p>
-            <a:endParaRPr lang="zh-CN" altLang="en-US" sz="1000" dirty="0"/>
-          </a:p>
-          <a:p>
-            <a:r>
-              <a:rPr lang="zh-CN" altLang="en-US" sz="1000" dirty="0"/>
-              <a:t>Hacky solution: Disable the CoreDNS loop detection</a:t>
-            </a:r>
-          </a:p>
-          <a:p>
-            <a:endParaRPr lang="zh-CN" altLang="en-US" sz="1000" dirty="0"/>
-          </a:p>
-          <a:p>
-            <a:r>
-              <a:rPr lang="zh-CN" altLang="en-US" sz="1000" dirty="0"/>
-              <a:t>Edit the CoreDNS configmap:</a:t>
-            </a:r>
-          </a:p>
-          <a:p>
-            <a:endParaRPr lang="zh-CN" altLang="en-US" sz="1000" dirty="0"/>
-          </a:p>
-          <a:p>
-            <a:r>
-              <a:rPr lang="zh-CN" altLang="en-US" sz="1000" dirty="0"/>
-              <a:t>   命令  kubectl -n kube-system edit configmap coredns</a:t>
-            </a:r>
-          </a:p>
-          <a:p>
-            <a:r>
-              <a:rPr lang="zh-CN" altLang="en-US" sz="1000" dirty="0"/>
-              <a:t>   Remove or comment out the line with loop, save and exit.</a:t>
-            </a:r>
-          </a:p>
-          <a:p>
-            <a:endParaRPr lang="zh-CN" altLang="en-US" sz="1000" dirty="0"/>
-          </a:p>
-          <a:p>
-            <a:r>
-              <a:rPr lang="zh-CN" altLang="en-US" sz="1000" dirty="0"/>
-              <a:t>Then remove the CoreDNS pods, so new ones can be created with new config:</a:t>
-            </a:r>
-          </a:p>
-          <a:p>
-            <a:endParaRPr lang="zh-CN" altLang="en-US" sz="1000" dirty="0"/>
-          </a:p>
-          <a:p>
-            <a:r>
-              <a:rPr lang="zh-CN" altLang="en-US" sz="1000" dirty="0"/>
-              <a:t>   命令   kubectl -n kube-system delete pod -l k8s-app=kube-dns</a:t>
-            </a:r>
-          </a:p>
-          <a:p>
-            <a:endParaRPr lang="en-US" altLang="zh-CN" sz="1000" dirty="0"/>
-          </a:p>
-          <a:p>
-            <a:r>
-              <a:rPr lang="zh-CN" altLang="en-US" sz="1000" dirty="0"/>
-              <a:t>安装网络插件</a:t>
-            </a:r>
-          </a:p>
-          <a:p>
-            <a:r>
-              <a:rPr lang="zh-CN" altLang="en-US" sz="1000" dirty="0"/>
-              <a:t>$ kubectl apply -f https://git.io/weave-kube-1.6</a:t>
-            </a:r>
-          </a:p>
-          <a:p>
-            <a:endParaRPr lang="zh-CN" altLang="en-US" sz="1000" dirty="0"/>
-          </a:p>
-          <a:p>
-            <a:r>
-              <a:rPr lang="zh-CN" altLang="en-US" sz="1000" dirty="0"/>
-              <a:t>查看pods运行状态</a:t>
-            </a:r>
-          </a:p>
-          <a:p>
-            <a:r>
-              <a:rPr lang="zh-CN" altLang="en-US" sz="1000" dirty="0"/>
-              <a:t>sudo kubectl get pods -n kube-system</a:t>
-            </a:r>
-          </a:p>
-        </p:txBody>
-      </p:sp>
-      <p:sp>
-        <p:nvSpPr>
-          <p:cNvPr id="3" name="标题 1">
-            <a:extLst>
-              <a:ext uri="{FF2B5EF4-FFF2-40B4-BE49-F238E27FC236}">
-                <a16:creationId xmlns:a16="http://schemas.microsoft.com/office/drawing/2014/main" id="{0F70AA5B-6447-4832-9EA4-277A3E84D12C}"/>
-              </a:ext>
-            </a:extLst>
-          </p:cNvPr>
-          <p:cNvSpPr txBox="1">
-            <a:spLocks/>
-          </p:cNvSpPr>
-          <p:nvPr/>
-        </p:nvSpPr>
-        <p:spPr>
-          <a:xfrm>
-            <a:off x="466060" y="141842"/>
+            <a:off x="838200" y="365126"/>
             <a:ext cx="10515600" cy="644968"/>
           </a:xfrm>
-          <a:prstGeom prst="rect">
-            <a:avLst/>
-          </a:prstGeom>
         </p:spPr>
         <p:txBody>
           <a:bodyPr>
             <a:normAutofit/>
           </a:bodyPr>
-          <a:lstStyle>
-            <a:lvl1pPr algn="l" defTabSz="914400" rtl="0" eaLnBrk="1" latinLnBrk="0" hangingPunct="1">
-              <a:lnSpc>
-                <a:spcPct val="90000"/>
-              </a:lnSpc>
-              <a:spcBef>
-                <a:spcPct val="0"/>
-              </a:spcBef>
-              <a:buNone/>
-              <a:defRPr sz="4400" kern="1200">
-                <a:solidFill>
-                  <a:schemeClr val="tx1"/>
-                </a:solidFill>
-                <a:latin typeface="+mj-lt"/>
-                <a:ea typeface="+mj-ea"/>
-                <a:cs typeface="+mj-cs"/>
-              </a:defRPr>
-            </a:lvl1pPr>
-          </a:lstStyle>
-          <a:p>
-            <a:r>
-              <a:rPr lang="zh-CN" altLang="en-US" sz="3000" dirty="0"/>
-              <a:t>创建</a:t>
-            </a:r>
-            <a:r>
-              <a:rPr lang="en-US" altLang="zh-CN" sz="3000" dirty="0"/>
-              <a:t>Master</a:t>
-            </a:r>
-            <a:r>
-              <a:rPr lang="zh-CN" altLang="en-US" sz="3000" dirty="0"/>
-              <a:t>节点</a:t>
-            </a:r>
+          <a:lstStyle/>
+          <a:p>
+            <a:r>
+              <a:rPr lang="en-US" altLang="zh-CN" sz="3000" dirty="0" err="1"/>
+              <a:t>DaemonSet</a:t>
+            </a:r>
+            <a:endParaRPr lang="zh-CN" altLang="en-US" sz="3000" dirty="0"/>
           </a:p>
         </p:txBody>
       </p:sp>
       <p:sp>
         <p:nvSpPr>
-          <p:cNvPr id="4" name="矩形 3">
+          <p:cNvPr id="3" name="内容占位符 2">
             <a:extLst>
               <a:ext uri="{FF2B5EF4-FFF2-40B4-BE49-F238E27FC236}">
-                <a16:creationId xmlns:a16="http://schemas.microsoft.com/office/drawing/2014/main" id="{DBDE7990-2671-4ACC-8818-6427BF4441DF}"/>
+                <a16:creationId xmlns:a16="http://schemas.microsoft.com/office/drawing/2014/main" id="{6CA78E39-E363-42D1-BE9D-BB96C903EDB2}"/>
               </a:ext>
             </a:extLst>
           </p:cNvPr>
-          <p:cNvSpPr/>
-          <p:nvPr/>
+          <p:cNvSpPr>
+            <a:spLocks noGrp="1"/>
+          </p:cNvSpPr>
+          <p:nvPr>
+            <p:ph idx="1"/>
+          </p:nvPr>
         </p:nvSpPr>
         <p:spPr>
           <a:xfrm>
-            <a:off x="5723860" y="3299838"/>
-            <a:ext cx="6096000" cy="3416320"/>
+            <a:off x="838200" y="1010094"/>
+            <a:ext cx="10515600" cy="5166869"/>
           </a:xfrm>
-          <a:prstGeom prst="rect">
-            <a:avLst/>
-          </a:prstGeom>
         </p:spPr>
-        <p:style>
-          <a:lnRef idx="2">
-            <a:schemeClr val="accent6">
-              <a:shade val="50000"/>
-            </a:schemeClr>
-          </a:lnRef>
-          <a:fillRef idx="1">
-            <a:schemeClr val="accent6"/>
-          </a:fillRef>
-          <a:effectRef idx="0">
-            <a:schemeClr val="accent6"/>
-          </a:effectRef>
-          <a:fontRef idx="minor">
-            <a:schemeClr val="lt1"/>
-          </a:fontRef>
-        </p:style>
         <p:txBody>
-          <a:bodyPr>
-            <a:spAutoFit/>
-          </a:bodyPr>
+          <a:bodyPr/>
           <a:lstStyle/>
           <a:p>
-            <a:r>
-              <a:rPr lang="en-US" altLang="zh-CN" dirty="0" err="1">
-                <a:latin typeface="Consolas" panose="020B0609020204030204" pitchFamily="49" charset="0"/>
-              </a:rPr>
-              <a:t>Kubeadm.yaml</a:t>
-            </a:r>
-            <a:r>
-              <a:rPr lang="zh-CN" altLang="en-US" dirty="0">
-                <a:latin typeface="Consolas" panose="020B0609020204030204" pitchFamily="49" charset="0"/>
-              </a:rPr>
-              <a:t>文件：</a:t>
-            </a:r>
-            <a:endParaRPr lang="en-US" altLang="zh-CN" dirty="0">
-              <a:latin typeface="Consolas" panose="020B0609020204030204" pitchFamily="49" charset="0"/>
-            </a:endParaRPr>
-          </a:p>
-          <a:p>
-            <a:endParaRPr lang="en-US" altLang="zh-CN" dirty="0">
-              <a:latin typeface="Consolas" panose="020B0609020204030204" pitchFamily="49" charset="0"/>
-            </a:endParaRPr>
-          </a:p>
-          <a:p>
-            <a:r>
-              <a:rPr lang="en-US" altLang="zh-CN" dirty="0" err="1">
-                <a:latin typeface="Consolas" panose="020B0609020204030204" pitchFamily="49" charset="0"/>
-              </a:rPr>
-              <a:t>apiVersion</a:t>
-            </a:r>
-            <a:r>
-              <a:rPr lang="en-US" altLang="zh-CN" dirty="0">
-                <a:latin typeface="Consolas" panose="020B0609020204030204" pitchFamily="49" charset="0"/>
-              </a:rPr>
-              <a:t>: </a:t>
-            </a:r>
-            <a:r>
-              <a:rPr lang="en-US" altLang="zh-CN" dirty="0" err="1">
-                <a:latin typeface="Consolas" panose="020B0609020204030204" pitchFamily="49" charset="0"/>
-              </a:rPr>
-              <a:t>kubeadm.k8s.io</a:t>
-            </a:r>
-            <a:r>
-              <a:rPr lang="en-US" altLang="zh-CN" dirty="0">
-                <a:latin typeface="Consolas" panose="020B0609020204030204" pitchFamily="49" charset="0"/>
-              </a:rPr>
-              <a:t>/</a:t>
-            </a:r>
-            <a:r>
-              <a:rPr lang="en-US" altLang="zh-CN" dirty="0" err="1">
-                <a:latin typeface="Consolas" panose="020B0609020204030204" pitchFamily="49" charset="0"/>
-              </a:rPr>
-              <a:t>v1beta1</a:t>
-            </a:r>
-            <a:endParaRPr lang="zh-CN" altLang="en-US" dirty="0">
-              <a:latin typeface="Consolas" panose="020B0609020204030204" pitchFamily="49" charset="0"/>
-            </a:endParaRPr>
-          </a:p>
-          <a:p>
-            <a:r>
-              <a:rPr lang="en-US" altLang="zh-CN" dirty="0">
-                <a:latin typeface="Consolas" panose="020B0609020204030204" pitchFamily="49" charset="0"/>
-              </a:rPr>
-              <a:t>kind: </a:t>
-            </a:r>
-            <a:r>
-              <a:rPr lang="en-US" altLang="zh-CN" dirty="0" err="1">
-                <a:latin typeface="Consolas" panose="020B0609020204030204" pitchFamily="49" charset="0"/>
-              </a:rPr>
-              <a:t>InitConfiguration</a:t>
-            </a:r>
-            <a:endParaRPr lang="zh-CN" altLang="en-US" dirty="0">
-              <a:latin typeface="Consolas" panose="020B0609020204030204" pitchFamily="49" charset="0"/>
-            </a:endParaRPr>
-          </a:p>
-          <a:p>
-            <a:r>
-              <a:rPr lang="en-US" altLang="zh-CN" dirty="0" err="1">
-                <a:latin typeface="Consolas" panose="020B0609020204030204" pitchFamily="49" charset="0"/>
-              </a:rPr>
-              <a:t>controllerManagerExtraArgs</a:t>
-            </a:r>
-            <a:r>
-              <a:rPr lang="en-US" altLang="zh-CN" dirty="0">
-                <a:latin typeface="Consolas" panose="020B0609020204030204" pitchFamily="49" charset="0"/>
-              </a:rPr>
-              <a:t>:</a:t>
-            </a:r>
-            <a:endParaRPr lang="zh-CN" altLang="en-US" dirty="0">
-              <a:latin typeface="Consolas" panose="020B0609020204030204" pitchFamily="49" charset="0"/>
-            </a:endParaRPr>
-          </a:p>
-          <a:p>
-            <a:r>
-              <a:rPr lang="zh-CN" altLang="en-US" dirty="0">
-                <a:latin typeface="Consolas" panose="020B0609020204030204" pitchFamily="49" charset="0"/>
-              </a:rPr>
-              <a:t>  </a:t>
-            </a:r>
-            <a:r>
-              <a:rPr lang="en-US" altLang="zh-CN" dirty="0">
-                <a:latin typeface="Consolas" panose="020B0609020204030204" pitchFamily="49" charset="0"/>
-              </a:rPr>
-              <a:t>horizontal-pod-</a:t>
-            </a:r>
-            <a:r>
-              <a:rPr lang="en-US" altLang="zh-CN" dirty="0" err="1">
-                <a:latin typeface="Consolas" panose="020B0609020204030204" pitchFamily="49" charset="0"/>
-              </a:rPr>
-              <a:t>autoscaler</a:t>
-            </a:r>
-            <a:r>
-              <a:rPr lang="en-US" altLang="zh-CN" dirty="0">
-                <a:latin typeface="Consolas" panose="020B0609020204030204" pitchFamily="49" charset="0"/>
-              </a:rPr>
-              <a:t>-use-rest-clients: "true"</a:t>
-            </a:r>
-            <a:endParaRPr lang="zh-CN" altLang="en-US" dirty="0">
-              <a:latin typeface="Consolas" panose="020B0609020204030204" pitchFamily="49" charset="0"/>
-            </a:endParaRPr>
-          </a:p>
-          <a:p>
-            <a:r>
-              <a:rPr lang="zh-CN" altLang="en-US" dirty="0">
-                <a:latin typeface="Consolas" panose="020B0609020204030204" pitchFamily="49" charset="0"/>
-              </a:rPr>
-              <a:t>  </a:t>
-            </a:r>
-            <a:r>
-              <a:rPr lang="en-US" altLang="zh-CN" dirty="0">
-                <a:latin typeface="Consolas" panose="020B0609020204030204" pitchFamily="49" charset="0"/>
-              </a:rPr>
-              <a:t>horizontal-pod-</a:t>
-            </a:r>
-            <a:r>
-              <a:rPr lang="en-US" altLang="zh-CN" dirty="0" err="1">
-                <a:latin typeface="Consolas" panose="020B0609020204030204" pitchFamily="49" charset="0"/>
-              </a:rPr>
-              <a:t>autoscaler</a:t>
-            </a:r>
-            <a:r>
-              <a:rPr lang="en-US" altLang="zh-CN" dirty="0">
-                <a:latin typeface="Consolas" panose="020B0609020204030204" pitchFamily="49" charset="0"/>
-              </a:rPr>
-              <a:t>-sync-period: "</a:t>
-            </a:r>
-            <a:r>
-              <a:rPr lang="en-US" altLang="zh-CN" dirty="0" err="1">
-                <a:latin typeface="Consolas" panose="020B0609020204030204" pitchFamily="49" charset="0"/>
-              </a:rPr>
-              <a:t>10s</a:t>
-            </a:r>
-            <a:r>
-              <a:rPr lang="en-US" altLang="zh-CN" dirty="0">
-                <a:latin typeface="Consolas" panose="020B0609020204030204" pitchFamily="49" charset="0"/>
-              </a:rPr>
-              <a:t>"</a:t>
-            </a:r>
-            <a:endParaRPr lang="zh-CN" altLang="en-US" dirty="0">
-              <a:latin typeface="Consolas" panose="020B0609020204030204" pitchFamily="49" charset="0"/>
-            </a:endParaRPr>
-          </a:p>
-          <a:p>
-            <a:r>
-              <a:rPr lang="zh-CN" altLang="en-US" dirty="0">
-                <a:latin typeface="Consolas" panose="020B0609020204030204" pitchFamily="49" charset="0"/>
-              </a:rPr>
-              <a:t>  </a:t>
-            </a:r>
-            <a:r>
-              <a:rPr lang="en-US" altLang="zh-CN" dirty="0">
-                <a:latin typeface="Consolas" panose="020B0609020204030204" pitchFamily="49" charset="0"/>
-              </a:rPr>
-              <a:t>node-monitor-grace-period: "</a:t>
-            </a:r>
-            <a:r>
-              <a:rPr lang="en-US" altLang="zh-CN" dirty="0" err="1">
-                <a:latin typeface="Consolas" panose="020B0609020204030204" pitchFamily="49" charset="0"/>
-              </a:rPr>
-              <a:t>10s</a:t>
-            </a:r>
-            <a:r>
-              <a:rPr lang="en-US" altLang="zh-CN" dirty="0">
-                <a:latin typeface="Consolas" panose="020B0609020204030204" pitchFamily="49" charset="0"/>
-              </a:rPr>
-              <a:t>"</a:t>
-            </a:r>
-            <a:endParaRPr lang="zh-CN" altLang="en-US" dirty="0">
-              <a:latin typeface="Consolas" panose="020B0609020204030204" pitchFamily="49" charset="0"/>
-            </a:endParaRPr>
-          </a:p>
-          <a:p>
-            <a:r>
-              <a:rPr lang="en-US" altLang="zh-CN" dirty="0" err="1">
-                <a:latin typeface="Consolas" panose="020B0609020204030204" pitchFamily="49" charset="0"/>
-              </a:rPr>
-              <a:t>apiServerExtraArgs</a:t>
-            </a:r>
-            <a:r>
-              <a:rPr lang="en-US" altLang="zh-CN" dirty="0">
-                <a:latin typeface="Consolas" panose="020B0609020204030204" pitchFamily="49" charset="0"/>
-              </a:rPr>
-              <a:t>:</a:t>
-            </a:r>
-            <a:endParaRPr lang="zh-CN" altLang="en-US" dirty="0">
-              <a:latin typeface="Consolas" panose="020B0609020204030204" pitchFamily="49" charset="0"/>
-            </a:endParaRPr>
-          </a:p>
-          <a:p>
-            <a:r>
-              <a:rPr lang="zh-CN" altLang="en-US" dirty="0">
-                <a:latin typeface="Consolas" panose="020B0609020204030204" pitchFamily="49" charset="0"/>
-              </a:rPr>
-              <a:t>  </a:t>
-            </a:r>
-            <a:r>
-              <a:rPr lang="en-US" altLang="zh-CN" dirty="0">
-                <a:latin typeface="Consolas" panose="020B0609020204030204" pitchFamily="49" charset="0"/>
-              </a:rPr>
-              <a:t>runtime-config: "</a:t>
-            </a:r>
-            <a:r>
-              <a:rPr lang="en-US" altLang="zh-CN" dirty="0" err="1">
-                <a:latin typeface="Consolas" panose="020B0609020204030204" pitchFamily="49" charset="0"/>
-              </a:rPr>
-              <a:t>api</a:t>
-            </a:r>
-            <a:r>
-              <a:rPr lang="en-US" altLang="zh-CN" dirty="0">
-                <a:latin typeface="Consolas" panose="020B0609020204030204" pitchFamily="49" charset="0"/>
-              </a:rPr>
-              <a:t>/all=true"</a:t>
-            </a:r>
-            <a:endParaRPr lang="zh-CN" altLang="en-US" dirty="0">
-              <a:latin typeface="Consolas" panose="020B0609020204030204" pitchFamily="49" charset="0"/>
-            </a:endParaRPr>
-          </a:p>
-          <a:p>
-            <a:r>
-              <a:rPr lang="en-US" altLang="zh-CN" dirty="0" err="1">
-                <a:latin typeface="Consolas" panose="020B0609020204030204" pitchFamily="49" charset="0"/>
-              </a:rPr>
-              <a:t>kubernetesVersion</a:t>
-            </a:r>
-            <a:r>
-              <a:rPr lang="en-US" altLang="zh-CN" dirty="0">
-                <a:latin typeface="Consolas" panose="020B0609020204030204" pitchFamily="49" charset="0"/>
-              </a:rPr>
-              <a:t>: "</a:t>
-            </a:r>
-            <a:r>
-              <a:rPr lang="en-US" altLang="zh-CN" dirty="0" err="1">
-                <a:latin typeface="Consolas" panose="020B0609020204030204" pitchFamily="49" charset="0"/>
-              </a:rPr>
-              <a:t>v1.13.2</a:t>
-            </a:r>
-            <a:r>
-              <a:rPr lang="en-US" altLang="zh-CN" dirty="0">
-                <a:latin typeface="Consolas" panose="020B0609020204030204" pitchFamily="49" charset="0"/>
-              </a:rPr>
-              <a:t>"</a:t>
-            </a:r>
-            <a:endParaRPr lang="zh-CN" altLang="en-US" dirty="0">
-              <a:latin typeface="Consolas" panose="020B0609020204030204" pitchFamily="49" charset="0"/>
-            </a:endParaRPr>
+            <a:endParaRPr lang="zh-CN" altLang="en-US" dirty="0"/>
           </a:p>
         </p:txBody>
       </p:sp>
     </p:spTree>
     <p:extLst>
       <p:ext uri="{BB962C8B-B14F-4D97-AF65-F5344CB8AC3E}">
-        <p14:creationId xmlns:p14="http://schemas.microsoft.com/office/powerpoint/2010/main" val="1678444044"/>
+        <p14:creationId xmlns:p14="http://schemas.microsoft.com/office/powerpoint/2010/main" val="205566881"/>
       </p:ext>
     </p:extLst>
   </p:cSld>
@@ -14078,6 +14458,905 @@
       </p:grpSpPr>
       <p:sp>
         <p:nvSpPr>
+          <p:cNvPr id="2" name="标题 1">
+            <a:extLst>
+              <a:ext uri="{FF2B5EF4-FFF2-40B4-BE49-F238E27FC236}">
+                <a16:creationId xmlns:a16="http://schemas.microsoft.com/office/drawing/2014/main" id="{EAE9FAA8-C318-4695-A8C8-CA1E97AE07C6}"/>
+              </a:ext>
+            </a:extLst>
+          </p:cNvPr>
+          <p:cNvSpPr>
+            <a:spLocks noGrp="1"/>
+          </p:cNvSpPr>
+          <p:nvPr>
+            <p:ph type="title"/>
+          </p:nvPr>
+        </p:nvSpPr>
+        <p:spPr>
+          <a:xfrm>
+            <a:off x="838200" y="365126"/>
+            <a:ext cx="10515600" cy="644968"/>
+          </a:xfrm>
+        </p:spPr>
+        <p:txBody>
+          <a:bodyPr>
+            <a:normAutofit/>
+          </a:bodyPr>
+          <a:lstStyle/>
+          <a:p>
+            <a:r>
+              <a:rPr lang="en-US" altLang="zh-CN" sz="3000" dirty="0"/>
+              <a:t>Service</a:t>
+            </a:r>
+            <a:endParaRPr lang="zh-CN" altLang="en-US" sz="3000" dirty="0"/>
+          </a:p>
+        </p:txBody>
+      </p:sp>
+      <p:sp>
+        <p:nvSpPr>
+          <p:cNvPr id="3" name="内容占位符 2">
+            <a:extLst>
+              <a:ext uri="{FF2B5EF4-FFF2-40B4-BE49-F238E27FC236}">
+                <a16:creationId xmlns:a16="http://schemas.microsoft.com/office/drawing/2014/main" id="{6CA78E39-E363-42D1-BE9D-BB96C903EDB2}"/>
+              </a:ext>
+            </a:extLst>
+          </p:cNvPr>
+          <p:cNvSpPr>
+            <a:spLocks noGrp="1"/>
+          </p:cNvSpPr>
+          <p:nvPr>
+            <p:ph idx="1"/>
+          </p:nvPr>
+        </p:nvSpPr>
+        <p:spPr>
+          <a:xfrm>
+            <a:off x="838200" y="1010094"/>
+            <a:ext cx="10515600" cy="5166869"/>
+          </a:xfrm>
+        </p:spPr>
+        <p:txBody>
+          <a:bodyPr/>
+          <a:lstStyle/>
+          <a:p>
+            <a:pPr marL="0" indent="0">
+              <a:buNone/>
+            </a:pPr>
+            <a:r>
+              <a:rPr lang="en-US" altLang="zh-CN" dirty="0" err="1"/>
+              <a:t>Kubernete</a:t>
+            </a:r>
+            <a:r>
+              <a:rPr lang="en-US" altLang="zh-CN" dirty="0"/>
+              <a:t> Service </a:t>
+            </a:r>
+            <a:r>
+              <a:rPr lang="zh-CN" altLang="en-US" dirty="0"/>
+              <a:t>是一个定义了一组</a:t>
+            </a:r>
+            <a:r>
+              <a:rPr lang="en-US" altLang="zh-CN" b="1" dirty="0">
+                <a:hlinkClick r:id="rId2"/>
+              </a:rPr>
+              <a:t>Pod</a:t>
+            </a:r>
+            <a:r>
+              <a:rPr lang="zh-CN" altLang="en-US" dirty="0"/>
+              <a:t>的策略的抽象，我们也有时候叫做宏观服务。这些被服务标记的</a:t>
+            </a:r>
+            <a:r>
+              <a:rPr lang="en-US" altLang="zh-CN" dirty="0"/>
+              <a:t>Pod</a:t>
+            </a:r>
+            <a:r>
+              <a:rPr lang="zh-CN" altLang="en-US" dirty="0"/>
+              <a:t>都是（一般）通过</a:t>
+            </a:r>
+            <a:r>
+              <a:rPr lang="en-US" altLang="zh-CN" dirty="0"/>
+              <a:t>label Selector</a:t>
+            </a:r>
+            <a:r>
+              <a:rPr lang="zh-CN" altLang="en-US" dirty="0"/>
+              <a:t>决定的（下面我们会讲到我们为什么需要一个没有</a:t>
+            </a:r>
+            <a:r>
+              <a:rPr lang="en-US" altLang="zh-CN" dirty="0"/>
+              <a:t>label selector</a:t>
+            </a:r>
+            <a:r>
+              <a:rPr lang="zh-CN" altLang="en-US" dirty="0"/>
+              <a:t>的服务）</a:t>
+            </a:r>
+            <a:endParaRPr lang="en-US" altLang="zh-CN" dirty="0"/>
+          </a:p>
+          <a:p>
+            <a:pPr marL="0" indent="0">
+              <a:buNone/>
+            </a:pPr>
+            <a:r>
+              <a:rPr lang="zh-CN" altLang="en-US" dirty="0"/>
+              <a:t>举个例子，我们假设后台是一个图形处理的后台，并且由</a:t>
+            </a:r>
+            <a:r>
+              <a:rPr lang="en-US" altLang="zh-CN" dirty="0"/>
+              <a:t>3</a:t>
+            </a:r>
+            <a:r>
+              <a:rPr lang="zh-CN" altLang="en-US" dirty="0"/>
+              <a:t>个副本。这些副本是可以相互替代的，并且前台并需要关心使用的哪一个后台</a:t>
+            </a:r>
+            <a:r>
+              <a:rPr lang="en-US" altLang="zh-CN" dirty="0"/>
+              <a:t>Pod</a:t>
+            </a:r>
+            <a:r>
+              <a:rPr lang="zh-CN" altLang="en-US" dirty="0"/>
+              <a:t>，当这个承载前台请求的</a:t>
+            </a:r>
+            <a:r>
+              <a:rPr lang="en-US" altLang="zh-CN" dirty="0"/>
+              <a:t>pod</a:t>
+            </a:r>
+            <a:r>
+              <a:rPr lang="zh-CN" altLang="en-US" dirty="0"/>
+              <a:t>发生变化时，前台并不需要知道这些变化，或者追踪后台的这些副本，服务是这些去耦合的关键所在。</a:t>
+            </a:r>
+          </a:p>
+        </p:txBody>
+      </p:sp>
+    </p:spTree>
+    <p:extLst>
+      <p:ext uri="{BB962C8B-B14F-4D97-AF65-F5344CB8AC3E}">
+        <p14:creationId xmlns:p14="http://schemas.microsoft.com/office/powerpoint/2010/main" val="3729071191"/>
+      </p:ext>
+    </p:extLst>
+  </p:cSld>
+  <p:clrMapOvr>
+    <a:masterClrMapping/>
+  </p:clrMapOvr>
+</p:sld>
+</file>
+
+<file path=ppt/slides/slide31.xml><?xml version="1.0" encoding="utf-8"?>
+<p:sld xmlns:a="http://schemas.openxmlformats.org/drawingml/2006/main" xmlns:r="http://schemas.openxmlformats.org/officeDocument/2006/relationships" xmlns:p="http://schemas.openxmlformats.org/presentationml/2006/main">
+  <p:cSld>
+    <p:spTree>
+      <p:nvGrpSpPr>
+        <p:cNvPr id="1" name=""/>
+        <p:cNvGrpSpPr/>
+        <p:nvPr/>
+      </p:nvGrpSpPr>
+      <p:grpSpPr>
+        <a:xfrm>
+          <a:off x="0" y="0"/>
+          <a:ext cx="0" cy="0"/>
+          <a:chOff x="0" y="0"/>
+          <a:chExt cx="0" cy="0"/>
+        </a:xfrm>
+      </p:grpSpPr>
+      <p:sp>
+        <p:nvSpPr>
+          <p:cNvPr id="2" name="矩形 1">
+            <a:extLst>
+              <a:ext uri="{FF2B5EF4-FFF2-40B4-BE49-F238E27FC236}">
+                <a16:creationId xmlns:a16="http://schemas.microsoft.com/office/drawing/2014/main" id="{570B805E-2386-44BF-84AB-22D4701C7E3F}"/>
+              </a:ext>
+            </a:extLst>
+          </p:cNvPr>
+          <p:cNvSpPr/>
+          <p:nvPr/>
+        </p:nvSpPr>
+        <p:spPr>
+          <a:xfrm>
+            <a:off x="1378689" y="860985"/>
+            <a:ext cx="9264502" cy="1754326"/>
+          </a:xfrm>
+          <a:prstGeom prst="rect">
+            <a:avLst/>
+          </a:prstGeom>
+        </p:spPr>
+        <p:txBody>
+          <a:bodyPr wrap="square">
+            <a:spAutoFit/>
+          </a:bodyPr>
+          <a:lstStyle/>
+          <a:p>
+            <a:r>
+              <a:rPr lang="zh-CN" altLang="en-US" dirty="0"/>
+              <a:t>$ curl -s https://packages.cloud.google.com/apt/doc/apt-key.gpg | apt-key add -</a:t>
+            </a:r>
+          </a:p>
+          <a:p>
+            <a:r>
+              <a:rPr lang="zh-CN" altLang="en-US" dirty="0"/>
+              <a:t>$ cat &lt;&lt;EOF &gt; /etc/apt/sources.list.d/kubernetes.list</a:t>
+            </a:r>
+          </a:p>
+          <a:p>
+            <a:r>
+              <a:rPr lang="zh-CN" altLang="en-US" dirty="0"/>
+              <a:t>deb http://apt.kubernetes.io/ kubernetes-xenial main</a:t>
+            </a:r>
+          </a:p>
+          <a:p>
+            <a:r>
+              <a:rPr lang="zh-CN" altLang="en-US" dirty="0"/>
+              <a:t>EOF</a:t>
+            </a:r>
+          </a:p>
+          <a:p>
+            <a:r>
+              <a:rPr lang="zh-CN" altLang="en-US" dirty="0"/>
+              <a:t>$ apt-get update</a:t>
+            </a:r>
+          </a:p>
+          <a:p>
+            <a:r>
+              <a:rPr lang="zh-CN" altLang="en-US" dirty="0"/>
+              <a:t>$ apt-get install -y docker.io kubeadm</a:t>
+            </a:r>
+          </a:p>
+        </p:txBody>
+      </p:sp>
+    </p:spTree>
+    <p:extLst>
+      <p:ext uri="{BB962C8B-B14F-4D97-AF65-F5344CB8AC3E}">
+        <p14:creationId xmlns:p14="http://schemas.microsoft.com/office/powerpoint/2010/main" val="2072790874"/>
+      </p:ext>
+    </p:extLst>
+  </p:cSld>
+  <p:clrMapOvr>
+    <a:masterClrMapping/>
+  </p:clrMapOvr>
+</p:sld>
+</file>
+
+<file path=ppt/slides/slide32.xml><?xml version="1.0" encoding="utf-8"?>
+<p:sld xmlns:a="http://schemas.openxmlformats.org/drawingml/2006/main" xmlns:r="http://schemas.openxmlformats.org/officeDocument/2006/relationships" xmlns:p="http://schemas.openxmlformats.org/presentationml/2006/main">
+  <p:cSld>
+    <p:spTree>
+      <p:nvGrpSpPr>
+        <p:cNvPr id="1" name=""/>
+        <p:cNvGrpSpPr/>
+        <p:nvPr/>
+      </p:nvGrpSpPr>
+      <p:grpSpPr>
+        <a:xfrm>
+          <a:off x="0" y="0"/>
+          <a:ext cx="0" cy="0"/>
+          <a:chOff x="0" y="0"/>
+          <a:chExt cx="0" cy="0"/>
+        </a:xfrm>
+      </p:grpSpPr>
+      <p:sp>
+        <p:nvSpPr>
+          <p:cNvPr id="2" name="矩形 1">
+            <a:extLst>
+              <a:ext uri="{FF2B5EF4-FFF2-40B4-BE49-F238E27FC236}">
+                <a16:creationId xmlns:a16="http://schemas.microsoft.com/office/drawing/2014/main" id="{58B3FFDA-51C8-4CB8-AF16-A6BADDABD434}"/>
+              </a:ext>
+            </a:extLst>
+          </p:cNvPr>
+          <p:cNvSpPr/>
+          <p:nvPr/>
+        </p:nvSpPr>
+        <p:spPr>
+          <a:xfrm>
+            <a:off x="616689" y="786810"/>
+            <a:ext cx="11302410" cy="6247864"/>
+          </a:xfrm>
+          <a:prstGeom prst="rect">
+            <a:avLst/>
+          </a:prstGeom>
+        </p:spPr>
+        <p:txBody>
+          <a:bodyPr wrap="square">
+            <a:spAutoFit/>
+          </a:bodyPr>
+          <a:lstStyle/>
+          <a:p>
+            <a:r>
+              <a:rPr lang="zh-CN" altLang="en-US" sz="1000" dirty="0"/>
+              <a:t>复原</a:t>
+            </a:r>
+          </a:p>
+          <a:p>
+            <a:r>
+              <a:rPr lang="zh-CN" altLang="en-US" sz="1000" dirty="0"/>
+              <a:t>sudo kubeadm reset</a:t>
+            </a:r>
+          </a:p>
+          <a:p>
+            <a:r>
+              <a:rPr lang="zh-CN" altLang="en-US" sz="1000" dirty="0"/>
+              <a:t>初始化</a:t>
+            </a:r>
+          </a:p>
+          <a:p>
+            <a:r>
+              <a:rPr lang="zh-CN" altLang="en-US" sz="1000" dirty="0"/>
+              <a:t>sudo kubeadm init --config kubeadm.yaml --ignore-preflight-errors=swap</a:t>
+            </a:r>
+          </a:p>
+          <a:p>
+            <a:endParaRPr lang="zh-CN" altLang="en-US" sz="1000" dirty="0"/>
+          </a:p>
+          <a:p>
+            <a:r>
+              <a:rPr lang="zh-CN" altLang="en-US" sz="1000" dirty="0"/>
+              <a:t>生成如下：</a:t>
+            </a:r>
+          </a:p>
+          <a:p>
+            <a:r>
+              <a:rPr lang="zh-CN" altLang="en-US" sz="1000" dirty="0"/>
+              <a:t>   kubeadm join 192.168.252.54:6443 --token t6d36c.6p2ebr5mhxqk195c --discovery-token-ca-cert-hash sha256:60106a5cedd2ba984f87fea112286b09a5a98ebf5958c6027480aa64a3392ee8</a:t>
+            </a:r>
+          </a:p>
+          <a:p>
+            <a:endParaRPr lang="zh-CN" altLang="en-US" sz="1000" dirty="0"/>
+          </a:p>
+          <a:p>
+            <a:r>
+              <a:rPr lang="zh-CN" altLang="en-US" sz="1000" dirty="0"/>
+              <a:t>修改/etc/systemd/system/kubelet.service.d/10-kubeadm.conf</a:t>
+            </a:r>
+          </a:p>
+          <a:p>
+            <a:r>
+              <a:rPr lang="zh-CN" altLang="en-US" sz="1000" dirty="0"/>
+              <a:t>Environment="KUBELET_KUBECONFIG_ARGS=--bootstrap-kubeconfig=/etc/kubernetes/bootstrap-kubelet.conf --kubeconfig=/etc/kubernetes/kubelet.conf --fail-swap-on=false"</a:t>
+            </a:r>
+          </a:p>
+          <a:p>
+            <a:endParaRPr lang="zh-CN" altLang="en-US" sz="1000" dirty="0"/>
+          </a:p>
+          <a:p>
+            <a:r>
+              <a:rPr lang="zh-CN" altLang="en-US" sz="1000" dirty="0"/>
+              <a:t>sudo kubectl get nodes</a:t>
+            </a:r>
+          </a:p>
+          <a:p>
+            <a:r>
+              <a:rPr lang="zh-CN" altLang="en-US" sz="1000" dirty="0"/>
+              <a:t>如果报错</a:t>
+            </a:r>
+          </a:p>
+          <a:p>
+            <a:r>
+              <a:rPr lang="zh-CN" altLang="en-US" sz="1000" dirty="0"/>
+              <a:t>The connection to the server localhost:8080 was refused - did you specify the right host or port?</a:t>
+            </a:r>
+          </a:p>
+          <a:p>
+            <a:r>
+              <a:rPr lang="zh-CN" altLang="en-US" sz="1000" dirty="0"/>
+              <a:t>执行</a:t>
+            </a:r>
+          </a:p>
+          <a:p>
+            <a:r>
+              <a:rPr lang="zh-CN" altLang="en-US" sz="1000" dirty="0"/>
+              <a:t>mkdir -p $HOME/.kube</a:t>
+            </a:r>
+          </a:p>
+          <a:p>
+            <a:r>
+              <a:rPr lang="zh-CN" altLang="en-US" sz="1000" dirty="0"/>
+              <a:t>sudo cp -i /etc/kubernetes/admin.conf $HOME/.kube/config</a:t>
+            </a:r>
+          </a:p>
+          <a:p>
+            <a:r>
+              <a:rPr lang="zh-CN" altLang="en-US" sz="1000" dirty="0"/>
+              <a:t>sudo chown $(id -u):$(id -g) $HOME/.kube/config</a:t>
+            </a:r>
+          </a:p>
+          <a:p>
+            <a:endParaRPr lang="zh-CN" altLang="en-US" sz="1000" dirty="0"/>
+          </a:p>
+          <a:p>
+            <a:r>
+              <a:rPr lang="zh-CN" altLang="en-US" sz="1000" dirty="0"/>
+              <a:t>当sudo kubectl get pods -n kube-system</a:t>
+            </a:r>
+          </a:p>
+          <a:p>
+            <a:endParaRPr lang="zh-CN" altLang="en-US" sz="1000" dirty="0"/>
+          </a:p>
+          <a:p>
+            <a:r>
+              <a:rPr lang="zh-CN" altLang="en-US" sz="1000" dirty="0"/>
+              <a:t>coredns pods have CrashLoopBackOff or Error state</a:t>
+            </a:r>
+          </a:p>
+          <a:p>
+            <a:endParaRPr lang="zh-CN" altLang="en-US" sz="1000" dirty="0"/>
+          </a:p>
+          <a:p>
+            <a:r>
+              <a:rPr lang="zh-CN" altLang="en-US" sz="1000" dirty="0"/>
+              <a:t>Hacky solution: Disable the CoreDNS loop detection</a:t>
+            </a:r>
+          </a:p>
+          <a:p>
+            <a:endParaRPr lang="zh-CN" altLang="en-US" sz="1000" dirty="0"/>
+          </a:p>
+          <a:p>
+            <a:r>
+              <a:rPr lang="zh-CN" altLang="en-US" sz="1000" dirty="0"/>
+              <a:t>Edit the CoreDNS configmap:</a:t>
+            </a:r>
+          </a:p>
+          <a:p>
+            <a:endParaRPr lang="zh-CN" altLang="en-US" sz="1000" dirty="0"/>
+          </a:p>
+          <a:p>
+            <a:r>
+              <a:rPr lang="zh-CN" altLang="en-US" sz="1000" dirty="0"/>
+              <a:t>   命令  kubectl -n kube-system edit configmap coredns</a:t>
+            </a:r>
+          </a:p>
+          <a:p>
+            <a:r>
+              <a:rPr lang="zh-CN" altLang="en-US" sz="1000" dirty="0"/>
+              <a:t>   Remove or comment out the line with loop, save and exit.</a:t>
+            </a:r>
+          </a:p>
+          <a:p>
+            <a:endParaRPr lang="zh-CN" altLang="en-US" sz="1000" dirty="0"/>
+          </a:p>
+          <a:p>
+            <a:r>
+              <a:rPr lang="zh-CN" altLang="en-US" sz="1000" dirty="0"/>
+              <a:t>Then remove the CoreDNS pods, so new ones can be created with new config:</a:t>
+            </a:r>
+          </a:p>
+          <a:p>
+            <a:endParaRPr lang="zh-CN" altLang="en-US" sz="1000" dirty="0"/>
+          </a:p>
+          <a:p>
+            <a:r>
+              <a:rPr lang="zh-CN" altLang="en-US" sz="1000" dirty="0"/>
+              <a:t>   命令   kubectl -n kube-system delete pod -l k8s-app=kube-dns</a:t>
+            </a:r>
+          </a:p>
+          <a:p>
+            <a:endParaRPr lang="en-US" altLang="zh-CN" sz="1000" dirty="0"/>
+          </a:p>
+          <a:p>
+            <a:r>
+              <a:rPr lang="zh-CN" altLang="en-US" sz="1000" dirty="0"/>
+              <a:t>安装网络插件</a:t>
+            </a:r>
+          </a:p>
+          <a:p>
+            <a:r>
+              <a:rPr lang="zh-CN" altLang="en-US" sz="1000" dirty="0"/>
+              <a:t>$ kubectl apply -f https://git.io/weave-kube-1.6</a:t>
+            </a:r>
+          </a:p>
+          <a:p>
+            <a:endParaRPr lang="zh-CN" altLang="en-US" sz="1000" dirty="0"/>
+          </a:p>
+          <a:p>
+            <a:r>
+              <a:rPr lang="zh-CN" altLang="en-US" sz="1000" dirty="0"/>
+              <a:t>查看pods运行状态</a:t>
+            </a:r>
+          </a:p>
+          <a:p>
+            <a:r>
+              <a:rPr lang="zh-CN" altLang="en-US" sz="1000" dirty="0"/>
+              <a:t>sudo kubectl get pods -n kube-system</a:t>
+            </a:r>
+          </a:p>
+        </p:txBody>
+      </p:sp>
+      <p:sp>
+        <p:nvSpPr>
+          <p:cNvPr id="3" name="标题 1">
+            <a:extLst>
+              <a:ext uri="{FF2B5EF4-FFF2-40B4-BE49-F238E27FC236}">
+                <a16:creationId xmlns:a16="http://schemas.microsoft.com/office/drawing/2014/main" id="{0F70AA5B-6447-4832-9EA4-277A3E84D12C}"/>
+              </a:ext>
+            </a:extLst>
+          </p:cNvPr>
+          <p:cNvSpPr txBox="1">
+            <a:spLocks/>
+          </p:cNvSpPr>
+          <p:nvPr/>
+        </p:nvSpPr>
+        <p:spPr>
+          <a:xfrm>
+            <a:off x="466060" y="141842"/>
+            <a:ext cx="10515600" cy="644968"/>
+          </a:xfrm>
+          <a:prstGeom prst="rect">
+            <a:avLst/>
+          </a:prstGeom>
+        </p:spPr>
+        <p:txBody>
+          <a:bodyPr>
+            <a:normAutofit/>
+          </a:bodyPr>
+          <a:lstStyle>
+            <a:lvl1pPr algn="l" defTabSz="914400" rtl="0" eaLnBrk="1" latinLnBrk="0" hangingPunct="1">
+              <a:lnSpc>
+                <a:spcPct val="90000"/>
+              </a:lnSpc>
+              <a:spcBef>
+                <a:spcPct val="0"/>
+              </a:spcBef>
+              <a:buNone/>
+              <a:defRPr sz="4400" kern="1200">
+                <a:solidFill>
+                  <a:schemeClr val="tx1"/>
+                </a:solidFill>
+                <a:latin typeface="+mj-lt"/>
+                <a:ea typeface="+mj-ea"/>
+                <a:cs typeface="+mj-cs"/>
+              </a:defRPr>
+            </a:lvl1pPr>
+          </a:lstStyle>
+          <a:p>
+            <a:r>
+              <a:rPr lang="zh-CN" altLang="en-US" sz="3000" dirty="0"/>
+              <a:t>创建</a:t>
+            </a:r>
+            <a:r>
+              <a:rPr lang="en-US" altLang="zh-CN" sz="3000" dirty="0"/>
+              <a:t>Master</a:t>
+            </a:r>
+            <a:r>
+              <a:rPr lang="zh-CN" altLang="en-US" sz="3000" dirty="0"/>
+              <a:t>节点</a:t>
+            </a:r>
+          </a:p>
+        </p:txBody>
+      </p:sp>
+      <p:sp>
+        <p:nvSpPr>
+          <p:cNvPr id="4" name="矩形 3">
+            <a:extLst>
+              <a:ext uri="{FF2B5EF4-FFF2-40B4-BE49-F238E27FC236}">
+                <a16:creationId xmlns:a16="http://schemas.microsoft.com/office/drawing/2014/main" id="{DBDE7990-2671-4ACC-8818-6427BF4441DF}"/>
+              </a:ext>
+            </a:extLst>
+          </p:cNvPr>
+          <p:cNvSpPr/>
+          <p:nvPr/>
+        </p:nvSpPr>
+        <p:spPr>
+          <a:xfrm>
+            <a:off x="5723860" y="3299838"/>
+            <a:ext cx="6096000" cy="3416320"/>
+          </a:xfrm>
+          <a:prstGeom prst="rect">
+            <a:avLst/>
+          </a:prstGeom>
+        </p:spPr>
+        <p:style>
+          <a:lnRef idx="2">
+            <a:schemeClr val="accent6">
+              <a:shade val="50000"/>
+            </a:schemeClr>
+          </a:lnRef>
+          <a:fillRef idx="1">
+            <a:schemeClr val="accent6"/>
+          </a:fillRef>
+          <a:effectRef idx="0">
+            <a:schemeClr val="accent6"/>
+          </a:effectRef>
+          <a:fontRef idx="minor">
+            <a:schemeClr val="lt1"/>
+          </a:fontRef>
+        </p:style>
+        <p:txBody>
+          <a:bodyPr>
+            <a:spAutoFit/>
+          </a:bodyPr>
+          <a:lstStyle/>
+          <a:p>
+            <a:r>
+              <a:rPr lang="en-US" altLang="zh-CN" dirty="0" err="1">
+                <a:latin typeface="Consolas" panose="020B0609020204030204" pitchFamily="49" charset="0"/>
+              </a:rPr>
+              <a:t>Kubeadm.yaml</a:t>
+            </a:r>
+            <a:r>
+              <a:rPr lang="zh-CN" altLang="en-US" dirty="0">
+                <a:latin typeface="Consolas" panose="020B0609020204030204" pitchFamily="49" charset="0"/>
+              </a:rPr>
+              <a:t>文件：</a:t>
+            </a:r>
+            <a:endParaRPr lang="en-US" altLang="zh-CN" dirty="0">
+              <a:latin typeface="Consolas" panose="020B0609020204030204" pitchFamily="49" charset="0"/>
+            </a:endParaRPr>
+          </a:p>
+          <a:p>
+            <a:endParaRPr lang="en-US" altLang="zh-CN" dirty="0">
+              <a:latin typeface="Consolas" panose="020B0609020204030204" pitchFamily="49" charset="0"/>
+            </a:endParaRPr>
+          </a:p>
+          <a:p>
+            <a:r>
+              <a:rPr lang="en-US" altLang="zh-CN" dirty="0" err="1">
+                <a:latin typeface="Consolas" panose="020B0609020204030204" pitchFamily="49" charset="0"/>
+              </a:rPr>
+              <a:t>apiVersion</a:t>
+            </a:r>
+            <a:r>
+              <a:rPr lang="en-US" altLang="zh-CN" dirty="0">
+                <a:latin typeface="Consolas" panose="020B0609020204030204" pitchFamily="49" charset="0"/>
+              </a:rPr>
+              <a:t>: </a:t>
+            </a:r>
+            <a:r>
+              <a:rPr lang="en-US" altLang="zh-CN" dirty="0" err="1">
+                <a:latin typeface="Consolas" panose="020B0609020204030204" pitchFamily="49" charset="0"/>
+              </a:rPr>
+              <a:t>kubeadm.k8s.io</a:t>
+            </a:r>
+            <a:r>
+              <a:rPr lang="en-US" altLang="zh-CN" dirty="0">
+                <a:latin typeface="Consolas" panose="020B0609020204030204" pitchFamily="49" charset="0"/>
+              </a:rPr>
+              <a:t>/</a:t>
+            </a:r>
+            <a:r>
+              <a:rPr lang="en-US" altLang="zh-CN" dirty="0" err="1">
+                <a:latin typeface="Consolas" panose="020B0609020204030204" pitchFamily="49" charset="0"/>
+              </a:rPr>
+              <a:t>v1beta1</a:t>
+            </a:r>
+            <a:endParaRPr lang="zh-CN" altLang="en-US" dirty="0">
+              <a:latin typeface="Consolas" panose="020B0609020204030204" pitchFamily="49" charset="0"/>
+            </a:endParaRPr>
+          </a:p>
+          <a:p>
+            <a:r>
+              <a:rPr lang="en-US" altLang="zh-CN" dirty="0">
+                <a:latin typeface="Consolas" panose="020B0609020204030204" pitchFamily="49" charset="0"/>
+              </a:rPr>
+              <a:t>kind: </a:t>
+            </a:r>
+            <a:r>
+              <a:rPr lang="en-US" altLang="zh-CN" dirty="0" err="1">
+                <a:latin typeface="Consolas" panose="020B0609020204030204" pitchFamily="49" charset="0"/>
+              </a:rPr>
+              <a:t>InitConfiguration</a:t>
+            </a:r>
+            <a:endParaRPr lang="zh-CN" altLang="en-US" dirty="0">
+              <a:latin typeface="Consolas" panose="020B0609020204030204" pitchFamily="49" charset="0"/>
+            </a:endParaRPr>
+          </a:p>
+          <a:p>
+            <a:r>
+              <a:rPr lang="en-US" altLang="zh-CN" dirty="0" err="1">
+                <a:latin typeface="Consolas" panose="020B0609020204030204" pitchFamily="49" charset="0"/>
+              </a:rPr>
+              <a:t>controllerManagerExtraArgs</a:t>
+            </a:r>
+            <a:r>
+              <a:rPr lang="en-US" altLang="zh-CN" dirty="0">
+                <a:latin typeface="Consolas" panose="020B0609020204030204" pitchFamily="49" charset="0"/>
+              </a:rPr>
+              <a:t>:</a:t>
+            </a:r>
+            <a:endParaRPr lang="zh-CN" altLang="en-US" dirty="0">
+              <a:latin typeface="Consolas" panose="020B0609020204030204" pitchFamily="49" charset="0"/>
+            </a:endParaRPr>
+          </a:p>
+          <a:p>
+            <a:r>
+              <a:rPr lang="zh-CN" altLang="en-US" dirty="0">
+                <a:latin typeface="Consolas" panose="020B0609020204030204" pitchFamily="49" charset="0"/>
+              </a:rPr>
+              <a:t>  </a:t>
+            </a:r>
+            <a:r>
+              <a:rPr lang="en-US" altLang="zh-CN" dirty="0">
+                <a:latin typeface="Consolas" panose="020B0609020204030204" pitchFamily="49" charset="0"/>
+              </a:rPr>
+              <a:t>horizontal-pod-</a:t>
+            </a:r>
+            <a:r>
+              <a:rPr lang="en-US" altLang="zh-CN" dirty="0" err="1">
+                <a:latin typeface="Consolas" panose="020B0609020204030204" pitchFamily="49" charset="0"/>
+              </a:rPr>
+              <a:t>autoscaler</a:t>
+            </a:r>
+            <a:r>
+              <a:rPr lang="en-US" altLang="zh-CN" dirty="0">
+                <a:latin typeface="Consolas" panose="020B0609020204030204" pitchFamily="49" charset="0"/>
+              </a:rPr>
+              <a:t>-use-rest-clients: "true"</a:t>
+            </a:r>
+            <a:endParaRPr lang="zh-CN" altLang="en-US" dirty="0">
+              <a:latin typeface="Consolas" panose="020B0609020204030204" pitchFamily="49" charset="0"/>
+            </a:endParaRPr>
+          </a:p>
+          <a:p>
+            <a:r>
+              <a:rPr lang="zh-CN" altLang="en-US" dirty="0">
+                <a:latin typeface="Consolas" panose="020B0609020204030204" pitchFamily="49" charset="0"/>
+              </a:rPr>
+              <a:t>  </a:t>
+            </a:r>
+            <a:r>
+              <a:rPr lang="en-US" altLang="zh-CN" dirty="0">
+                <a:latin typeface="Consolas" panose="020B0609020204030204" pitchFamily="49" charset="0"/>
+              </a:rPr>
+              <a:t>horizontal-pod-</a:t>
+            </a:r>
+            <a:r>
+              <a:rPr lang="en-US" altLang="zh-CN" dirty="0" err="1">
+                <a:latin typeface="Consolas" panose="020B0609020204030204" pitchFamily="49" charset="0"/>
+              </a:rPr>
+              <a:t>autoscaler</a:t>
+            </a:r>
+            <a:r>
+              <a:rPr lang="en-US" altLang="zh-CN" dirty="0">
+                <a:latin typeface="Consolas" panose="020B0609020204030204" pitchFamily="49" charset="0"/>
+              </a:rPr>
+              <a:t>-sync-period: "</a:t>
+            </a:r>
+            <a:r>
+              <a:rPr lang="en-US" altLang="zh-CN" dirty="0" err="1">
+                <a:latin typeface="Consolas" panose="020B0609020204030204" pitchFamily="49" charset="0"/>
+              </a:rPr>
+              <a:t>10s</a:t>
+            </a:r>
+            <a:r>
+              <a:rPr lang="en-US" altLang="zh-CN" dirty="0">
+                <a:latin typeface="Consolas" panose="020B0609020204030204" pitchFamily="49" charset="0"/>
+              </a:rPr>
+              <a:t>"</a:t>
+            </a:r>
+            <a:endParaRPr lang="zh-CN" altLang="en-US" dirty="0">
+              <a:latin typeface="Consolas" panose="020B0609020204030204" pitchFamily="49" charset="0"/>
+            </a:endParaRPr>
+          </a:p>
+          <a:p>
+            <a:r>
+              <a:rPr lang="zh-CN" altLang="en-US" dirty="0">
+                <a:latin typeface="Consolas" panose="020B0609020204030204" pitchFamily="49" charset="0"/>
+              </a:rPr>
+              <a:t>  </a:t>
+            </a:r>
+            <a:r>
+              <a:rPr lang="en-US" altLang="zh-CN" dirty="0">
+                <a:latin typeface="Consolas" panose="020B0609020204030204" pitchFamily="49" charset="0"/>
+              </a:rPr>
+              <a:t>node-monitor-grace-period: "</a:t>
+            </a:r>
+            <a:r>
+              <a:rPr lang="en-US" altLang="zh-CN" dirty="0" err="1">
+                <a:latin typeface="Consolas" panose="020B0609020204030204" pitchFamily="49" charset="0"/>
+              </a:rPr>
+              <a:t>10s</a:t>
+            </a:r>
+            <a:r>
+              <a:rPr lang="en-US" altLang="zh-CN" dirty="0">
+                <a:latin typeface="Consolas" panose="020B0609020204030204" pitchFamily="49" charset="0"/>
+              </a:rPr>
+              <a:t>"</a:t>
+            </a:r>
+            <a:endParaRPr lang="zh-CN" altLang="en-US" dirty="0">
+              <a:latin typeface="Consolas" panose="020B0609020204030204" pitchFamily="49" charset="0"/>
+            </a:endParaRPr>
+          </a:p>
+          <a:p>
+            <a:r>
+              <a:rPr lang="en-US" altLang="zh-CN" dirty="0" err="1">
+                <a:latin typeface="Consolas" panose="020B0609020204030204" pitchFamily="49" charset="0"/>
+              </a:rPr>
+              <a:t>apiServerExtraArgs</a:t>
+            </a:r>
+            <a:r>
+              <a:rPr lang="en-US" altLang="zh-CN" dirty="0">
+                <a:latin typeface="Consolas" panose="020B0609020204030204" pitchFamily="49" charset="0"/>
+              </a:rPr>
+              <a:t>:</a:t>
+            </a:r>
+            <a:endParaRPr lang="zh-CN" altLang="en-US" dirty="0">
+              <a:latin typeface="Consolas" panose="020B0609020204030204" pitchFamily="49" charset="0"/>
+            </a:endParaRPr>
+          </a:p>
+          <a:p>
+            <a:r>
+              <a:rPr lang="zh-CN" altLang="en-US" dirty="0">
+                <a:latin typeface="Consolas" panose="020B0609020204030204" pitchFamily="49" charset="0"/>
+              </a:rPr>
+              <a:t>  </a:t>
+            </a:r>
+            <a:r>
+              <a:rPr lang="en-US" altLang="zh-CN" dirty="0">
+                <a:latin typeface="Consolas" panose="020B0609020204030204" pitchFamily="49" charset="0"/>
+              </a:rPr>
+              <a:t>runtime-config: "</a:t>
+            </a:r>
+            <a:r>
+              <a:rPr lang="en-US" altLang="zh-CN" dirty="0" err="1">
+                <a:latin typeface="Consolas" panose="020B0609020204030204" pitchFamily="49" charset="0"/>
+              </a:rPr>
+              <a:t>api</a:t>
+            </a:r>
+            <a:r>
+              <a:rPr lang="en-US" altLang="zh-CN" dirty="0">
+                <a:latin typeface="Consolas" panose="020B0609020204030204" pitchFamily="49" charset="0"/>
+              </a:rPr>
+              <a:t>/all=true"</a:t>
+            </a:r>
+            <a:endParaRPr lang="zh-CN" altLang="en-US" dirty="0">
+              <a:latin typeface="Consolas" panose="020B0609020204030204" pitchFamily="49" charset="0"/>
+            </a:endParaRPr>
+          </a:p>
+          <a:p>
+            <a:r>
+              <a:rPr lang="en-US" altLang="zh-CN" dirty="0" err="1">
+                <a:latin typeface="Consolas" panose="020B0609020204030204" pitchFamily="49" charset="0"/>
+              </a:rPr>
+              <a:t>kubernetesVersion</a:t>
+            </a:r>
+            <a:r>
+              <a:rPr lang="en-US" altLang="zh-CN" dirty="0">
+                <a:latin typeface="Consolas" panose="020B0609020204030204" pitchFamily="49" charset="0"/>
+              </a:rPr>
+              <a:t>: "</a:t>
+            </a:r>
+            <a:r>
+              <a:rPr lang="en-US" altLang="zh-CN" dirty="0" err="1">
+                <a:latin typeface="Consolas" panose="020B0609020204030204" pitchFamily="49" charset="0"/>
+              </a:rPr>
+              <a:t>v1.13.2</a:t>
+            </a:r>
+            <a:r>
+              <a:rPr lang="en-US" altLang="zh-CN" dirty="0">
+                <a:latin typeface="Consolas" panose="020B0609020204030204" pitchFamily="49" charset="0"/>
+              </a:rPr>
+              <a:t>"</a:t>
+            </a:r>
+            <a:endParaRPr lang="zh-CN" altLang="en-US" dirty="0">
+              <a:latin typeface="Consolas" panose="020B0609020204030204" pitchFamily="49" charset="0"/>
+            </a:endParaRPr>
+          </a:p>
+        </p:txBody>
+      </p:sp>
+    </p:spTree>
+    <p:extLst>
+      <p:ext uri="{BB962C8B-B14F-4D97-AF65-F5344CB8AC3E}">
+        <p14:creationId xmlns:p14="http://schemas.microsoft.com/office/powerpoint/2010/main" val="1678444044"/>
+      </p:ext>
+    </p:extLst>
+  </p:cSld>
+  <p:clrMapOvr>
+    <a:masterClrMapping/>
+  </p:clrMapOvr>
+</p:sld>
+</file>
+
+<file path=ppt/slides/slide33.xml><?xml version="1.0" encoding="utf-8"?>
+<p:sld xmlns:a="http://schemas.openxmlformats.org/drawingml/2006/main" xmlns:r="http://schemas.openxmlformats.org/officeDocument/2006/relationships" xmlns:p="http://schemas.openxmlformats.org/presentationml/2006/main">
+  <p:cSld>
+    <p:spTree>
+      <p:nvGrpSpPr>
+        <p:cNvPr id="1" name=""/>
+        <p:cNvGrpSpPr/>
+        <p:nvPr/>
+      </p:nvGrpSpPr>
+      <p:grpSpPr>
+        <a:xfrm>
+          <a:off x="0" y="0"/>
+          <a:ext cx="0" cy="0"/>
+          <a:chOff x="0" y="0"/>
+          <a:chExt cx="0" cy="0"/>
+        </a:xfrm>
+      </p:grpSpPr>
+      <p:sp>
+        <p:nvSpPr>
           <p:cNvPr id="2" name="矩形 1">
             <a:extLst>
               <a:ext uri="{FF2B5EF4-FFF2-40B4-BE49-F238E27FC236}">
@@ -14835,7 +16114,7 @@
 </p:sld>
 </file>
 
-<file path=ppt/slides/slide31.xml><?xml version="1.0" encoding="utf-8"?>
+<file path=ppt/slides/slide34.xml><?xml version="1.0" encoding="utf-8"?>
 <p:sld xmlns:a="http://schemas.openxmlformats.org/drawingml/2006/main" xmlns:r="http://schemas.openxmlformats.org/officeDocument/2006/relationships" xmlns:p="http://schemas.openxmlformats.org/presentationml/2006/main">
   <p:cSld>
     <p:spTree>
@@ -15188,7 +16467,157 @@
 </p:sld>
 </file>
 
-<file path=ppt/slides/slide32.xml><?xml version="1.0" encoding="utf-8"?>
+<file path=ppt/slides/slide35.xml><?xml version="1.0" encoding="utf-8"?>
+<p:sld xmlns:a="http://schemas.openxmlformats.org/drawingml/2006/main" xmlns:r="http://schemas.openxmlformats.org/officeDocument/2006/relationships" xmlns:p="http://schemas.openxmlformats.org/presentationml/2006/main">
+  <p:cSld>
+    <p:spTree>
+      <p:nvGrpSpPr>
+        <p:cNvPr id="1" name=""/>
+        <p:cNvGrpSpPr/>
+        <p:nvPr/>
+      </p:nvGrpSpPr>
+      <p:grpSpPr>
+        <a:xfrm>
+          <a:off x="0" y="0"/>
+          <a:ext cx="0" cy="0"/>
+          <a:chOff x="0" y="0"/>
+          <a:chExt cx="0" cy="0"/>
+        </a:xfrm>
+      </p:grpSpPr>
+      <p:sp>
+        <p:nvSpPr>
+          <p:cNvPr id="2" name="矩形 1">
+            <a:extLst>
+              <a:ext uri="{FF2B5EF4-FFF2-40B4-BE49-F238E27FC236}">
+                <a16:creationId xmlns:a16="http://schemas.microsoft.com/office/drawing/2014/main" id="{D4B7EE8D-4D12-46B4-AE2D-B33C2424E566}"/>
+              </a:ext>
+            </a:extLst>
+          </p:cNvPr>
+          <p:cNvSpPr/>
+          <p:nvPr/>
+        </p:nvSpPr>
+        <p:spPr>
+          <a:xfrm>
+            <a:off x="590550" y="1802706"/>
+            <a:ext cx="11010900" cy="1477328"/>
+          </a:xfrm>
+          <a:prstGeom prst="rect">
+            <a:avLst/>
+          </a:prstGeom>
+        </p:spPr>
+        <p:txBody>
+          <a:bodyPr wrap="square">
+            <a:spAutoFit/>
+          </a:bodyPr>
+          <a:lstStyle/>
+          <a:p>
+            <a:r>
+              <a:rPr lang="en-US" altLang="zh-CN" dirty="0" err="1"/>
+              <a:t>sudo</a:t>
+            </a:r>
+            <a:r>
+              <a:rPr lang="zh-CN" altLang="en-US" dirty="0"/>
+              <a:t> kubectl apply -f https://raw.githubusercontent.com/rook/rook/master/cluster/examples/kubernetes/ceph/operator.yaml</a:t>
+            </a:r>
+          </a:p>
+          <a:p>
+            <a:endParaRPr lang="zh-CN" altLang="en-US" dirty="0"/>
+          </a:p>
+          <a:p>
+            <a:r>
+              <a:rPr lang="en-US" altLang="zh-CN" dirty="0" err="1"/>
+              <a:t>sudo</a:t>
+            </a:r>
+            <a:r>
+              <a:rPr lang="zh-CN" altLang="en-US" dirty="0"/>
+              <a:t> kubectl apply -f https://raw.githubusercontent.com/rook/rook/master/cluster/examples/kubernetes/ceph/cluster.yaml</a:t>
+            </a:r>
+          </a:p>
+        </p:txBody>
+      </p:sp>
+      <p:sp>
+        <p:nvSpPr>
+          <p:cNvPr id="3" name="矩形 2">
+            <a:extLst>
+              <a:ext uri="{FF2B5EF4-FFF2-40B4-BE49-F238E27FC236}">
+                <a16:creationId xmlns:a16="http://schemas.microsoft.com/office/drawing/2014/main" id="{3E200127-999B-4388-ADA1-9DD953DEE6B5}"/>
+              </a:ext>
+            </a:extLst>
+          </p:cNvPr>
+          <p:cNvSpPr/>
+          <p:nvPr/>
+        </p:nvSpPr>
+        <p:spPr>
+          <a:xfrm>
+            <a:off x="406400" y="249535"/>
+            <a:ext cx="6096000" cy="369332"/>
+          </a:xfrm>
+          <a:prstGeom prst="rect">
+            <a:avLst/>
+          </a:prstGeom>
+        </p:spPr>
+        <p:txBody>
+          <a:bodyPr>
+            <a:spAutoFit/>
+          </a:bodyPr>
+          <a:lstStyle/>
+          <a:p>
+            <a:r>
+              <a:rPr lang="zh-CN" altLang="en-US" dirty="0">
+                <a:solidFill>
+                  <a:srgbClr val="333333"/>
+                </a:solidFill>
+                <a:latin typeface="PingFang SC"/>
+              </a:rPr>
+              <a:t>部署容器存储插件</a:t>
+            </a:r>
+          </a:p>
+        </p:txBody>
+      </p:sp>
+    </p:spTree>
+    <p:extLst>
+      <p:ext uri="{BB962C8B-B14F-4D97-AF65-F5344CB8AC3E}">
+        <p14:creationId xmlns:p14="http://schemas.microsoft.com/office/powerpoint/2010/main" val="2718935960"/>
+      </p:ext>
+    </p:extLst>
+  </p:cSld>
+  <p:clrMapOvr>
+    <a:masterClrMapping/>
+  </p:clrMapOvr>
+</p:sld>
+</file>
+
+<file path=ppt/slides/slide36.xml><?xml version="1.0" encoding="utf-8"?>
+<p:sld xmlns:a="http://schemas.openxmlformats.org/drawingml/2006/main" xmlns:r="http://schemas.openxmlformats.org/officeDocument/2006/relationships" xmlns:p="http://schemas.openxmlformats.org/presentationml/2006/main">
+  <p:cSld>
+    <p:spTree>
+      <p:nvGrpSpPr>
+        <p:cNvPr id="1" name=""/>
+        <p:cNvGrpSpPr/>
+        <p:nvPr/>
+      </p:nvGrpSpPr>
+      <p:grpSpPr>
+        <a:xfrm>
+          <a:off x="0" y="0"/>
+          <a:ext cx="0" cy="0"/>
+          <a:chOff x="0" y="0"/>
+          <a:chExt cx="0" cy="0"/>
+        </a:xfrm>
+      </p:grpSpPr>
+    </p:spTree>
+    <p:extLst>
+      <p:ext uri="{BB962C8B-B14F-4D97-AF65-F5344CB8AC3E}">
+        <p14:creationId xmlns:p14="http://schemas.microsoft.com/office/powerpoint/2010/main" val="3762608029"/>
+      </p:ext>
+    </p:extLst>
+  </p:cSld>
+  <p:clrMapOvr>
+    <a:masterClrMapping/>
+  </p:clrMapOvr>
+</p:sld>
+</file>
+
+<file path=ppt/slides/slide37.xml><?xml version="1.0" encoding="utf-8"?>
 <p:sld xmlns:a="http://schemas.openxmlformats.org/drawingml/2006/main" xmlns:r="http://schemas.openxmlformats.org/officeDocument/2006/relationships" xmlns:p="http://schemas.openxmlformats.org/presentationml/2006/main">
   <p:cSld>
     <p:spTree>
@@ -15326,7 +16755,7 @@
 </p:sld>
 </file>
 
-<file path=ppt/slides/slide33.xml><?xml version="1.0" encoding="utf-8"?>
+<file path=ppt/slides/slide38.xml><?xml version="1.0" encoding="utf-8"?>
 <p:sld xmlns:a="http://schemas.openxmlformats.org/drawingml/2006/main" xmlns:r="http://schemas.openxmlformats.org/officeDocument/2006/relationships" xmlns:p="http://schemas.openxmlformats.org/presentationml/2006/main">
   <p:cSld>
     <p:spTree>

--- a/Asp.NetCoreExperiment/kubernetes/kubernetes.pptx
+++ b/Asp.NetCoreExperiment/kubernetes/kubernetes.pptx
@@ -5,7 +5,7 @@
     <p:sldMasterId id="2147483648" r:id="rId1"/>
   </p:sldMasterIdLst>
   <p:notesMasterIdLst>
-    <p:notesMasterId r:id="rId40"/>
+    <p:notesMasterId r:id="rId41"/>
   </p:notesMasterIdLst>
   <p:sldIdLst>
     <p:sldId id="256" r:id="rId2"/>
@@ -43,9 +43,10 @@
     <p:sldId id="288" r:id="rId34"/>
     <p:sldId id="289" r:id="rId35"/>
     <p:sldId id="290" r:id="rId36"/>
-    <p:sldId id="291" r:id="rId37"/>
-    <p:sldId id="258" r:id="rId38"/>
-    <p:sldId id="257" r:id="rId39"/>
+    <p:sldId id="295" r:id="rId37"/>
+    <p:sldId id="291" r:id="rId38"/>
+    <p:sldId id="258" r:id="rId39"/>
+    <p:sldId id="257" r:id="rId40"/>
   </p:sldIdLst>
   <p:sldSz cx="12192000" cy="6858000"/>
   <p:notesSz cx="6858000" cy="9144000"/>
@@ -13388,7 +13389,7 @@
           <a:p>
             <a:r>
               <a:rPr lang="en-US" altLang="zh-CN" sz="3000" dirty="0" err="1"/>
-              <a:t>ConfigMap</a:t>
+              <a:t>StatefulSet</a:t>
             </a:r>
             <a:endParaRPr lang="zh-CN" altLang="en-US" sz="3000" dirty="0"/>
           </a:p>
@@ -13492,30 +13493,774 @@
       </p:sp>
       <p:sp>
         <p:nvSpPr>
-          <p:cNvPr id="3" name="内容占位符 2">
+          <p:cNvPr id="4" name="矩形 3">
             <a:extLst>
               <a:ext uri="{FF2B5EF4-FFF2-40B4-BE49-F238E27FC236}">
-                <a16:creationId xmlns:a16="http://schemas.microsoft.com/office/drawing/2014/main" id="{6CA78E39-E363-42D1-BE9D-BB96C903EDB2}"/>
+                <a16:creationId xmlns:a16="http://schemas.microsoft.com/office/drawing/2014/main" id="{AF5F7CF5-B0DF-48F6-BFAE-29302588B935}"/>
               </a:ext>
             </a:extLst>
           </p:cNvPr>
-          <p:cNvSpPr>
-            <a:spLocks noGrp="1"/>
-          </p:cNvSpPr>
-          <p:nvPr>
-            <p:ph idx="1"/>
-          </p:nvPr>
+          <p:cNvSpPr/>
+          <p:nvPr/>
         </p:nvSpPr>
         <p:spPr>
           <a:xfrm>
-            <a:off x="838200" y="1010094"/>
-            <a:ext cx="10515600" cy="5166869"/>
+            <a:off x="5893981" y="1010094"/>
+            <a:ext cx="6096000" cy="5632311"/>
           </a:xfrm>
+          <a:prstGeom prst="rect">
+            <a:avLst/>
+          </a:prstGeom>
+        </p:spPr>
+        <p:style>
+          <a:lnRef idx="2">
+            <a:schemeClr val="accent6">
+              <a:shade val="50000"/>
+            </a:schemeClr>
+          </a:lnRef>
+          <a:fillRef idx="1">
+            <a:schemeClr val="accent6"/>
+          </a:fillRef>
+          <a:effectRef idx="0">
+            <a:schemeClr val="accent6"/>
+          </a:effectRef>
+          <a:fontRef idx="minor">
+            <a:schemeClr val="lt1"/>
+          </a:fontRef>
+        </p:style>
+        <p:txBody>
+          <a:bodyPr>
+            <a:spAutoFit/>
+          </a:bodyPr>
+          <a:lstStyle/>
+          <a:p>
+            <a:r>
+              <a:rPr lang="en-US" altLang="zh-CN" sz="1200" dirty="0" err="1">
+                <a:latin typeface="Consolas" panose="020B0609020204030204" pitchFamily="49" charset="0"/>
+              </a:rPr>
+              <a:t>Aspnetcore-deployment.yaml</a:t>
+            </a:r>
+            <a:r>
+              <a:rPr lang="zh-CN" altLang="en-US" sz="1200" dirty="0">
+                <a:latin typeface="Consolas" panose="020B0609020204030204" pitchFamily="49" charset="0"/>
+              </a:rPr>
+              <a:t>文件：</a:t>
+            </a:r>
+            <a:endParaRPr lang="en-US" altLang="zh-CN" sz="1200" dirty="0">
+              <a:latin typeface="Consolas" panose="020B0609020204030204" pitchFamily="49" charset="0"/>
+            </a:endParaRPr>
+          </a:p>
+          <a:p>
+            <a:endParaRPr lang="en-US" altLang="zh-CN" sz="1200" dirty="0">
+              <a:latin typeface="Consolas" panose="020B0609020204030204" pitchFamily="49" charset="0"/>
+            </a:endParaRPr>
+          </a:p>
+          <a:p>
+            <a:r>
+              <a:rPr lang="en-US" altLang="zh-CN" sz="1200" dirty="0" err="1"/>
+              <a:t>apiVersion</a:t>
+            </a:r>
+            <a:r>
+              <a:rPr lang="en-US" altLang="zh-CN" sz="1200" dirty="0"/>
+              <a:t>: apps/</a:t>
+            </a:r>
+            <a:r>
+              <a:rPr lang="en-US" altLang="zh-CN" sz="1200" dirty="0" err="1"/>
+              <a:t>v1</a:t>
+            </a:r>
+            <a:endParaRPr lang="zh-CN" altLang="en-US" sz="1200" dirty="0"/>
+          </a:p>
+          <a:p>
+            <a:r>
+              <a:rPr lang="en-US" altLang="zh-CN" sz="1200" dirty="0"/>
+              <a:t>kind: Deployment</a:t>
+            </a:r>
+            <a:endParaRPr lang="zh-CN" altLang="en-US" sz="1200" dirty="0"/>
+          </a:p>
+          <a:p>
+            <a:r>
+              <a:rPr lang="en-US" altLang="zh-CN" sz="1200" dirty="0"/>
+              <a:t>metadata:</a:t>
+            </a:r>
+            <a:endParaRPr lang="zh-CN" altLang="en-US" sz="1200" dirty="0"/>
+          </a:p>
+          <a:p>
+            <a:r>
+              <a:rPr lang="zh-CN" altLang="en-US" sz="1200" dirty="0"/>
+              <a:t>  </a:t>
+            </a:r>
+            <a:r>
+              <a:rPr lang="en-US" altLang="zh-CN" sz="1200" dirty="0"/>
+              <a:t>name: </a:t>
+            </a:r>
+            <a:r>
+              <a:rPr lang="en-US" altLang="zh-CN" sz="1200" dirty="0" err="1"/>
+              <a:t>k8saspnetcoredemo003</a:t>
+            </a:r>
+            <a:r>
+              <a:rPr lang="en-US" altLang="zh-CN" sz="1200" dirty="0"/>
+              <a:t>-deployment</a:t>
+            </a:r>
+            <a:endParaRPr lang="zh-CN" altLang="en-US" sz="1200" dirty="0"/>
+          </a:p>
+          <a:p>
+            <a:r>
+              <a:rPr lang="en-US" altLang="zh-CN" sz="1200" dirty="0"/>
+              <a:t>spec:</a:t>
+            </a:r>
+            <a:endParaRPr lang="zh-CN" altLang="en-US" sz="1200" dirty="0"/>
+          </a:p>
+          <a:p>
+            <a:r>
+              <a:rPr lang="zh-CN" altLang="en-US" sz="1200" dirty="0"/>
+              <a:t>  </a:t>
+            </a:r>
+            <a:r>
+              <a:rPr lang="en-US" altLang="zh-CN" sz="1200" dirty="0"/>
+              <a:t>selector:</a:t>
+            </a:r>
+            <a:endParaRPr lang="zh-CN" altLang="en-US" sz="1200" dirty="0"/>
+          </a:p>
+          <a:p>
+            <a:r>
+              <a:rPr lang="zh-CN" altLang="en-US" sz="1200" dirty="0"/>
+              <a:t>    </a:t>
+            </a:r>
+            <a:r>
+              <a:rPr lang="en-US" altLang="zh-CN" sz="1200" dirty="0" err="1"/>
+              <a:t>matchLabels</a:t>
+            </a:r>
+            <a:r>
+              <a:rPr lang="en-US" altLang="zh-CN" sz="1200" dirty="0"/>
+              <a:t>:</a:t>
+            </a:r>
+            <a:endParaRPr lang="zh-CN" altLang="en-US" sz="1200" dirty="0"/>
+          </a:p>
+          <a:p>
+            <a:r>
+              <a:rPr lang="zh-CN" altLang="en-US" sz="1200" dirty="0"/>
+              <a:t>      </a:t>
+            </a:r>
+            <a:r>
+              <a:rPr lang="en-US" altLang="zh-CN" sz="1200" dirty="0"/>
+              <a:t>app: </a:t>
+            </a:r>
+            <a:r>
+              <a:rPr lang="en-US" altLang="zh-CN" sz="1200" dirty="0" err="1"/>
+              <a:t>k8saspnetcoredemo003</a:t>
+            </a:r>
+            <a:endParaRPr lang="zh-CN" altLang="en-US" sz="1200" dirty="0"/>
+          </a:p>
+          <a:p>
+            <a:r>
+              <a:rPr lang="zh-CN" altLang="en-US" sz="1200" dirty="0"/>
+              <a:t>  </a:t>
+            </a:r>
+            <a:r>
+              <a:rPr lang="en-US" altLang="zh-CN" sz="1200" dirty="0"/>
+              <a:t>replicas: 2</a:t>
+            </a:r>
+            <a:endParaRPr lang="zh-CN" altLang="en-US" sz="1200" dirty="0"/>
+          </a:p>
+          <a:p>
+            <a:r>
+              <a:rPr lang="zh-CN" altLang="en-US" sz="1200" dirty="0"/>
+              <a:t>  </a:t>
+            </a:r>
+            <a:r>
+              <a:rPr lang="en-US" altLang="zh-CN" sz="1200" dirty="0"/>
+              <a:t>template:</a:t>
+            </a:r>
+            <a:endParaRPr lang="zh-CN" altLang="en-US" sz="1200" dirty="0"/>
+          </a:p>
+          <a:p>
+            <a:r>
+              <a:rPr lang="zh-CN" altLang="en-US" sz="1200" dirty="0"/>
+              <a:t>    </a:t>
+            </a:r>
+            <a:r>
+              <a:rPr lang="en-US" altLang="zh-CN" sz="1200" dirty="0"/>
+              <a:t>metadata:</a:t>
+            </a:r>
+            <a:endParaRPr lang="zh-CN" altLang="en-US" sz="1200" dirty="0"/>
+          </a:p>
+          <a:p>
+            <a:r>
+              <a:rPr lang="zh-CN" altLang="en-US" sz="1200" dirty="0"/>
+              <a:t>      </a:t>
+            </a:r>
+            <a:r>
+              <a:rPr lang="en-US" altLang="zh-CN" sz="1200" dirty="0"/>
+              <a:t>labels:</a:t>
+            </a:r>
+            <a:endParaRPr lang="zh-CN" altLang="en-US" sz="1200" dirty="0"/>
+          </a:p>
+          <a:p>
+            <a:r>
+              <a:rPr lang="zh-CN" altLang="en-US" sz="1200" dirty="0"/>
+              <a:t>        </a:t>
+            </a:r>
+            <a:r>
+              <a:rPr lang="en-US" altLang="zh-CN" sz="1200" dirty="0"/>
+              <a:t>app: </a:t>
+            </a:r>
+            <a:r>
+              <a:rPr lang="en-US" altLang="zh-CN" sz="1200" dirty="0" err="1"/>
+              <a:t>k8saspnetcoredemo003</a:t>
+            </a:r>
+            <a:endParaRPr lang="zh-CN" altLang="en-US" sz="1200" dirty="0"/>
+          </a:p>
+          <a:p>
+            <a:r>
+              <a:rPr lang="zh-CN" altLang="en-US" sz="1200" dirty="0"/>
+              <a:t>    </a:t>
+            </a:r>
+            <a:r>
+              <a:rPr lang="en-US" altLang="zh-CN" sz="1200" dirty="0"/>
+              <a:t>spec:</a:t>
+            </a:r>
+            <a:endParaRPr lang="zh-CN" altLang="en-US" sz="1200" dirty="0"/>
+          </a:p>
+          <a:p>
+            <a:r>
+              <a:rPr lang="zh-CN" altLang="en-US" sz="1200" dirty="0"/>
+              <a:t>      </a:t>
+            </a:r>
+            <a:r>
+              <a:rPr lang="en-US" altLang="zh-CN" sz="1200" dirty="0"/>
+              <a:t>volumes:</a:t>
+            </a:r>
+            <a:endParaRPr lang="zh-CN" altLang="en-US" sz="1200" dirty="0"/>
+          </a:p>
+          <a:p>
+            <a:r>
+              <a:rPr lang="zh-CN" altLang="en-US" sz="1200" dirty="0"/>
+              <a:t>        </a:t>
+            </a:r>
+            <a:r>
+              <a:rPr lang="en-US" altLang="zh-CN" sz="1200" dirty="0"/>
+              <a:t>- name: </a:t>
+            </a:r>
+            <a:r>
+              <a:rPr lang="en-US" altLang="zh-CN" sz="1200" dirty="0" err="1"/>
+              <a:t>postgre</a:t>
+            </a:r>
+            <a:r>
+              <a:rPr lang="en-US" altLang="zh-CN" sz="1200" dirty="0"/>
+              <a:t>-user</a:t>
+            </a:r>
+            <a:endParaRPr lang="zh-CN" altLang="en-US" sz="1200" dirty="0"/>
+          </a:p>
+          <a:p>
+            <a:r>
+              <a:rPr lang="zh-CN" altLang="en-US" sz="1200" dirty="0"/>
+              <a:t>          </a:t>
+            </a:r>
+            <a:r>
+              <a:rPr lang="en-US" altLang="zh-CN" sz="1200" dirty="0"/>
+              <a:t>secret:</a:t>
+            </a:r>
+            <a:endParaRPr lang="zh-CN" altLang="en-US" sz="1200" dirty="0"/>
+          </a:p>
+          <a:p>
+            <a:r>
+              <a:rPr lang="zh-CN" altLang="en-US" sz="1200" dirty="0"/>
+              <a:t>            </a:t>
+            </a:r>
+            <a:r>
+              <a:rPr lang="en-US" altLang="zh-CN" sz="1200" dirty="0" err="1"/>
+              <a:t>secretName</a:t>
+            </a:r>
+            <a:r>
+              <a:rPr lang="en-US" altLang="zh-CN" sz="1200" dirty="0"/>
+              <a:t>: </a:t>
+            </a:r>
+            <a:r>
+              <a:rPr lang="en-US" altLang="zh-CN" sz="1200" dirty="0" err="1"/>
+              <a:t>dbuser</a:t>
+            </a:r>
+            <a:endParaRPr lang="zh-CN" altLang="en-US" sz="1200" dirty="0"/>
+          </a:p>
+          <a:p>
+            <a:r>
+              <a:rPr lang="zh-CN" altLang="en-US" sz="1200" dirty="0"/>
+              <a:t>      </a:t>
+            </a:r>
+            <a:r>
+              <a:rPr lang="en-US" altLang="zh-CN" sz="1200" dirty="0"/>
+              <a:t>containers:</a:t>
+            </a:r>
+            <a:endParaRPr lang="zh-CN" altLang="en-US" sz="1200" dirty="0"/>
+          </a:p>
+          <a:p>
+            <a:r>
+              <a:rPr lang="zh-CN" altLang="en-US" sz="1200" dirty="0"/>
+              <a:t>        </a:t>
+            </a:r>
+            <a:r>
+              <a:rPr lang="en-US" altLang="zh-CN" sz="1200" dirty="0"/>
+              <a:t>- name: </a:t>
+            </a:r>
+            <a:r>
+              <a:rPr lang="en-US" altLang="zh-CN" sz="1200" dirty="0" err="1"/>
+              <a:t>k8saspnetcoredemo003</a:t>
+            </a:r>
+            <a:endParaRPr lang="zh-CN" altLang="en-US" sz="1200" dirty="0"/>
+          </a:p>
+          <a:p>
+            <a:r>
+              <a:rPr lang="zh-CN" altLang="en-US" sz="1200" dirty="0"/>
+              <a:t>          </a:t>
+            </a:r>
+            <a:r>
+              <a:rPr lang="en-US" altLang="zh-CN" sz="1200" dirty="0"/>
+              <a:t>image: </a:t>
+            </a:r>
+            <a:r>
+              <a:rPr lang="en-US" altLang="zh-CN" sz="1200" dirty="0" err="1"/>
+              <a:t>axzxs2001</a:t>
+            </a:r>
+            <a:r>
+              <a:rPr lang="en-US" altLang="zh-CN" sz="1200" dirty="0"/>
+              <a:t>/</a:t>
+            </a:r>
+            <a:r>
+              <a:rPr lang="en-US" altLang="zh-CN" sz="1200" dirty="0" err="1"/>
+              <a:t>k8saspnetcoredemo003:v5</a:t>
+            </a:r>
+            <a:endParaRPr lang="zh-CN" altLang="en-US" sz="1200" dirty="0"/>
+          </a:p>
+          <a:p>
+            <a:r>
+              <a:rPr lang="zh-CN" altLang="en-US" sz="1200" dirty="0"/>
+              <a:t>          </a:t>
+            </a:r>
+            <a:r>
+              <a:rPr lang="en-US" altLang="zh-CN" sz="1200" dirty="0" err="1"/>
+              <a:t>imagePullPolicy</a:t>
+            </a:r>
+            <a:r>
+              <a:rPr lang="en-US" altLang="zh-CN" sz="1200" dirty="0"/>
+              <a:t>: </a:t>
+            </a:r>
+            <a:r>
+              <a:rPr lang="en-US" altLang="zh-CN" sz="1200" dirty="0" err="1"/>
+              <a:t>IfNotPresent</a:t>
+            </a:r>
+            <a:endParaRPr lang="zh-CN" altLang="en-US" sz="1200" dirty="0"/>
+          </a:p>
+          <a:p>
+            <a:r>
+              <a:rPr lang="zh-CN" altLang="en-US" sz="1200" dirty="0"/>
+              <a:t>          </a:t>
+            </a:r>
+            <a:r>
+              <a:rPr lang="en-US" altLang="zh-CN" sz="1200" dirty="0"/>
+              <a:t>ports:</a:t>
+            </a:r>
+            <a:endParaRPr lang="zh-CN" altLang="en-US" sz="1200" dirty="0"/>
+          </a:p>
+          <a:p>
+            <a:r>
+              <a:rPr lang="zh-CN" altLang="en-US" sz="1200" dirty="0"/>
+              <a:t>            </a:t>
+            </a:r>
+            <a:r>
+              <a:rPr lang="en-US" altLang="zh-CN" sz="1200" dirty="0"/>
+              <a:t>- </a:t>
+            </a:r>
+            <a:r>
+              <a:rPr lang="en-US" altLang="zh-CN" sz="1200" dirty="0" err="1"/>
+              <a:t>containerPort</a:t>
+            </a:r>
+            <a:r>
+              <a:rPr lang="en-US" altLang="zh-CN" sz="1200" dirty="0"/>
+              <a:t>: 4045</a:t>
+            </a:r>
+            <a:endParaRPr lang="zh-CN" altLang="en-US" sz="1200" dirty="0"/>
+          </a:p>
+          <a:p>
+            <a:r>
+              <a:rPr lang="zh-CN" altLang="en-US" sz="1200" dirty="0"/>
+              <a:t>          </a:t>
+            </a:r>
+            <a:r>
+              <a:rPr lang="en-US" altLang="zh-CN" sz="1200" dirty="0" err="1"/>
+              <a:t>volumeMounts</a:t>
+            </a:r>
+            <a:r>
+              <a:rPr lang="en-US" altLang="zh-CN" sz="1200" dirty="0"/>
+              <a:t>:</a:t>
+            </a:r>
+            <a:endParaRPr lang="zh-CN" altLang="en-US" sz="1200" dirty="0"/>
+          </a:p>
+          <a:p>
+            <a:r>
+              <a:rPr lang="zh-CN" altLang="en-US" sz="1200" dirty="0"/>
+              <a:t>            </a:t>
+            </a:r>
+            <a:r>
+              <a:rPr lang="en-US" altLang="zh-CN" sz="1200" dirty="0"/>
+              <a:t>- name: </a:t>
+            </a:r>
+            <a:r>
+              <a:rPr lang="en-US" altLang="zh-CN" sz="1200" dirty="0" err="1"/>
+              <a:t>postgre</a:t>
+            </a:r>
+            <a:r>
+              <a:rPr lang="en-US" altLang="zh-CN" sz="1200" dirty="0"/>
+              <a:t>-user</a:t>
+            </a:r>
+            <a:endParaRPr lang="zh-CN" altLang="en-US" sz="1200" dirty="0"/>
+          </a:p>
+          <a:p>
+            <a:r>
+              <a:rPr lang="zh-CN" altLang="en-US" sz="1200" dirty="0"/>
+              <a:t>              </a:t>
+            </a:r>
+            <a:r>
+              <a:rPr lang="en-US" altLang="zh-CN" sz="1200" dirty="0" err="1"/>
+              <a:t>mountPath</a:t>
+            </a:r>
+            <a:r>
+              <a:rPr lang="en-US" altLang="zh-CN" sz="1200" dirty="0"/>
+              <a:t>: "/projected-volume"</a:t>
+            </a:r>
+            <a:endParaRPr lang="zh-CN" altLang="en-US" sz="1200" dirty="0"/>
+          </a:p>
+          <a:p>
+            <a:r>
+              <a:rPr lang="zh-CN" altLang="en-US" sz="1200" dirty="0"/>
+              <a:t>              </a:t>
+            </a:r>
+            <a:r>
+              <a:rPr lang="en-US" altLang="zh-CN" sz="1200" dirty="0" err="1"/>
+              <a:t>readOnly</a:t>
+            </a:r>
+            <a:r>
+              <a:rPr lang="en-US" altLang="zh-CN" sz="1200" dirty="0"/>
+              <a:t>: true</a:t>
+            </a:r>
+            <a:endParaRPr lang="zh-CN" altLang="en-US" sz="1200" dirty="0"/>
+          </a:p>
+        </p:txBody>
+      </p:sp>
+      <p:sp>
+        <p:nvSpPr>
+          <p:cNvPr id="5" name="矩形 4">
+            <a:extLst>
+              <a:ext uri="{FF2B5EF4-FFF2-40B4-BE49-F238E27FC236}">
+                <a16:creationId xmlns:a16="http://schemas.microsoft.com/office/drawing/2014/main" id="{E024F91C-602B-4002-B431-039BC1D38129}"/>
+              </a:ext>
+            </a:extLst>
+          </p:cNvPr>
+          <p:cNvSpPr/>
+          <p:nvPr/>
+        </p:nvSpPr>
+        <p:spPr>
+          <a:xfrm>
+            <a:off x="655675" y="1457511"/>
+            <a:ext cx="4990214" cy="1200329"/>
+          </a:xfrm>
+          <a:prstGeom prst="rect">
+            <a:avLst/>
+          </a:prstGeom>
         </p:spPr>
         <p:txBody>
-          <a:bodyPr/>
+          <a:bodyPr wrap="square">
+            <a:spAutoFit/>
+          </a:bodyPr>
           <a:lstStyle/>
           <a:p>
+            <a:r>
+              <a:rPr lang="zh-CN" altLang="en-US" dirty="0"/>
+              <a:t>生成</a:t>
+            </a:r>
+            <a:r>
+              <a:rPr lang="en-US" altLang="zh-CN" dirty="0"/>
+              <a:t>secret</a:t>
+            </a:r>
+            <a:r>
+              <a:rPr lang="zh-CN" altLang="en-US" dirty="0"/>
+              <a:t>，两个文件合关</a:t>
+            </a:r>
+            <a:endParaRPr lang="en-US" altLang="zh-CN" dirty="0"/>
+          </a:p>
+          <a:p>
+            <a:r>
+              <a:rPr lang="zh-CN" altLang="en-US" dirty="0"/>
+              <a:t>sudo kubectl create secret generic dbuser --from-file=postgre/password.txt --from-file=postgre/username.txt</a:t>
+            </a:r>
+          </a:p>
+        </p:txBody>
+      </p:sp>
+      <p:sp>
+        <p:nvSpPr>
+          <p:cNvPr id="6" name="矩形 5">
+            <a:extLst>
+              <a:ext uri="{FF2B5EF4-FFF2-40B4-BE49-F238E27FC236}">
+                <a16:creationId xmlns:a16="http://schemas.microsoft.com/office/drawing/2014/main" id="{F94F7D82-8C87-438B-A6B3-E4BB195B729D}"/>
+              </a:ext>
+            </a:extLst>
+          </p:cNvPr>
+          <p:cNvSpPr/>
+          <p:nvPr/>
+        </p:nvSpPr>
+        <p:spPr>
+          <a:xfrm>
+            <a:off x="549350" y="3045999"/>
+            <a:ext cx="6096000" cy="2308324"/>
+          </a:xfrm>
+          <a:prstGeom prst="rect">
+            <a:avLst/>
+          </a:prstGeom>
+        </p:spPr>
+        <p:txBody>
+          <a:bodyPr>
+            <a:spAutoFit/>
+          </a:bodyPr>
+          <a:lstStyle/>
+          <a:p>
+            <a:r>
+              <a:rPr lang="en-US" altLang="zh-CN" dirty="0">
+                <a:solidFill>
+                  <a:srgbClr val="000000"/>
+                </a:solidFill>
+                <a:latin typeface="新宋体" panose="02010609030101010101" pitchFamily="49" charset="-122"/>
+                <a:ea typeface="新宋体" panose="02010609030101010101" pitchFamily="49" charset="-122"/>
+              </a:rPr>
+              <a:t>C#</a:t>
+            </a:r>
+            <a:r>
+              <a:rPr lang="zh-CN" altLang="en-US" dirty="0">
+                <a:solidFill>
+                  <a:srgbClr val="000000"/>
+                </a:solidFill>
+                <a:latin typeface="新宋体" panose="02010609030101010101" pitchFamily="49" charset="-122"/>
+                <a:ea typeface="新宋体" panose="02010609030101010101" pitchFamily="49" charset="-122"/>
+              </a:rPr>
+              <a:t>读取方式</a:t>
+            </a:r>
+            <a:endParaRPr lang="en-US" altLang="zh-CN" dirty="0">
+              <a:solidFill>
+                <a:srgbClr val="000000"/>
+              </a:solidFill>
+              <a:latin typeface="新宋体" panose="02010609030101010101" pitchFamily="49" charset="-122"/>
+              <a:ea typeface="新宋体" panose="02010609030101010101" pitchFamily="49" charset="-122"/>
+            </a:endParaRPr>
+          </a:p>
+          <a:p>
+            <a:endParaRPr lang="en-US" altLang="zh-CN" dirty="0">
+              <a:solidFill>
+                <a:srgbClr val="000000"/>
+              </a:solidFill>
+              <a:latin typeface="新宋体" panose="02010609030101010101" pitchFamily="49" charset="-122"/>
+              <a:ea typeface="新宋体" panose="02010609030101010101" pitchFamily="49" charset="-122"/>
+            </a:endParaRPr>
+          </a:p>
+          <a:p>
+            <a:r>
+              <a:rPr lang="en-US" altLang="zh-CN" dirty="0">
+                <a:solidFill>
+                  <a:srgbClr val="000000"/>
+                </a:solidFill>
+                <a:latin typeface="新宋体" panose="02010609030101010101" pitchFamily="49" charset="-122"/>
+                <a:ea typeface="新宋体" panose="02010609030101010101" pitchFamily="49" charset="-122"/>
+              </a:rPr>
+              <a:t> </a:t>
+            </a:r>
+            <a:r>
+              <a:rPr lang="en-US" altLang="zh-CN" dirty="0">
+                <a:solidFill>
+                  <a:srgbClr val="0000FF"/>
+                </a:solidFill>
+                <a:latin typeface="新宋体" panose="02010609030101010101" pitchFamily="49" charset="-122"/>
+                <a:ea typeface="新宋体" panose="02010609030101010101" pitchFamily="49" charset="-122"/>
+              </a:rPr>
+              <a:t>var</a:t>
+            </a:r>
+            <a:r>
+              <a:rPr lang="en-US" altLang="zh-CN" dirty="0">
+                <a:solidFill>
+                  <a:srgbClr val="000000"/>
+                </a:solidFill>
+                <a:latin typeface="新宋体" panose="02010609030101010101" pitchFamily="49" charset="-122"/>
+                <a:ea typeface="新宋体" panose="02010609030101010101" pitchFamily="49" charset="-122"/>
+              </a:rPr>
+              <a:t> </a:t>
+            </a:r>
+            <a:r>
+              <a:rPr lang="en-US" altLang="zh-CN" dirty="0" err="1">
+                <a:solidFill>
+                  <a:srgbClr val="000000"/>
+                </a:solidFill>
+                <a:latin typeface="新宋体" panose="02010609030101010101" pitchFamily="49" charset="-122"/>
+                <a:ea typeface="新宋体" panose="02010609030101010101" pitchFamily="49" charset="-122"/>
+              </a:rPr>
+              <a:t>userName</a:t>
+            </a:r>
+            <a:r>
+              <a:rPr lang="en-US" altLang="zh-CN" dirty="0">
+                <a:solidFill>
+                  <a:srgbClr val="000000"/>
+                </a:solidFill>
+                <a:latin typeface="新宋体" panose="02010609030101010101" pitchFamily="49" charset="-122"/>
+                <a:ea typeface="新宋体" panose="02010609030101010101" pitchFamily="49" charset="-122"/>
+              </a:rPr>
+              <a:t> = </a:t>
+            </a:r>
+            <a:r>
+              <a:rPr lang="en-US" altLang="zh-CN" dirty="0" err="1">
+                <a:solidFill>
+                  <a:srgbClr val="000000"/>
+                </a:solidFill>
+                <a:latin typeface="新宋体" panose="02010609030101010101" pitchFamily="49" charset="-122"/>
+                <a:ea typeface="新宋体" panose="02010609030101010101" pitchFamily="49" charset="-122"/>
+              </a:rPr>
+              <a:t>System.IO.File.ReadAllText</a:t>
+            </a:r>
+            <a:r>
+              <a:rPr lang="en-US" altLang="zh-CN" dirty="0">
+                <a:solidFill>
+                  <a:srgbClr val="000000"/>
+                </a:solidFill>
+                <a:latin typeface="新宋体" panose="02010609030101010101" pitchFamily="49" charset="-122"/>
+                <a:ea typeface="新宋体" panose="02010609030101010101" pitchFamily="49" charset="-122"/>
+              </a:rPr>
+              <a:t>(</a:t>
+            </a:r>
+            <a:r>
+              <a:rPr lang="en-US" altLang="zh-CN" dirty="0">
+                <a:solidFill>
+                  <a:srgbClr val="A31515"/>
+                </a:solidFill>
+                <a:latin typeface="新宋体" panose="02010609030101010101" pitchFamily="49" charset="-122"/>
+                <a:ea typeface="新宋体" panose="02010609030101010101" pitchFamily="49" charset="-122"/>
+              </a:rPr>
+              <a:t>"/projected-volume/</a:t>
+            </a:r>
+            <a:r>
+              <a:rPr lang="en-US" altLang="zh-CN" dirty="0" err="1">
+                <a:solidFill>
+                  <a:srgbClr val="A31515"/>
+                </a:solidFill>
+                <a:latin typeface="新宋体" panose="02010609030101010101" pitchFamily="49" charset="-122"/>
+                <a:ea typeface="新宋体" panose="02010609030101010101" pitchFamily="49" charset="-122"/>
+              </a:rPr>
+              <a:t>username.txt</a:t>
+            </a:r>
+            <a:r>
+              <a:rPr lang="en-US" altLang="zh-CN" dirty="0">
+                <a:solidFill>
+                  <a:srgbClr val="A31515"/>
+                </a:solidFill>
+                <a:latin typeface="新宋体" panose="02010609030101010101" pitchFamily="49" charset="-122"/>
+                <a:ea typeface="新宋体" panose="02010609030101010101" pitchFamily="49" charset="-122"/>
+              </a:rPr>
+              <a:t>"</a:t>
+            </a:r>
+            <a:r>
+              <a:rPr lang="en-US" altLang="zh-CN" dirty="0">
+                <a:solidFill>
+                  <a:srgbClr val="000000"/>
+                </a:solidFill>
+                <a:latin typeface="新宋体" panose="02010609030101010101" pitchFamily="49" charset="-122"/>
+                <a:ea typeface="新宋体" panose="02010609030101010101" pitchFamily="49" charset="-122"/>
+              </a:rPr>
+              <a:t>);</a:t>
+            </a:r>
+          </a:p>
+          <a:p>
+            <a:r>
+              <a:rPr lang="en-US" altLang="zh-CN" dirty="0">
+                <a:solidFill>
+                  <a:srgbClr val="000000"/>
+                </a:solidFill>
+                <a:latin typeface="新宋体" panose="02010609030101010101" pitchFamily="49" charset="-122"/>
+                <a:ea typeface="新宋体" panose="02010609030101010101" pitchFamily="49" charset="-122"/>
+              </a:rPr>
+              <a:t>                </a:t>
+            </a:r>
+            <a:r>
+              <a:rPr lang="en-US" altLang="zh-CN" dirty="0">
+                <a:solidFill>
+                  <a:srgbClr val="0000FF"/>
+                </a:solidFill>
+                <a:latin typeface="新宋体" panose="02010609030101010101" pitchFamily="49" charset="-122"/>
+                <a:ea typeface="新宋体" panose="02010609030101010101" pitchFamily="49" charset="-122"/>
+              </a:rPr>
+              <a:t>var</a:t>
+            </a:r>
+            <a:r>
+              <a:rPr lang="en-US" altLang="zh-CN" dirty="0">
+                <a:solidFill>
+                  <a:srgbClr val="000000"/>
+                </a:solidFill>
+                <a:latin typeface="新宋体" panose="02010609030101010101" pitchFamily="49" charset="-122"/>
+                <a:ea typeface="新宋体" panose="02010609030101010101" pitchFamily="49" charset="-122"/>
+              </a:rPr>
+              <a:t> password = </a:t>
+            </a:r>
+            <a:r>
+              <a:rPr lang="en-US" altLang="zh-CN" dirty="0" err="1">
+                <a:solidFill>
+                  <a:srgbClr val="000000"/>
+                </a:solidFill>
+                <a:latin typeface="新宋体" panose="02010609030101010101" pitchFamily="49" charset="-122"/>
+                <a:ea typeface="新宋体" panose="02010609030101010101" pitchFamily="49" charset="-122"/>
+              </a:rPr>
+              <a:t>System.IO.File.ReadAllText</a:t>
+            </a:r>
+            <a:r>
+              <a:rPr lang="en-US" altLang="zh-CN" dirty="0">
+                <a:solidFill>
+                  <a:srgbClr val="000000"/>
+                </a:solidFill>
+                <a:latin typeface="新宋体" panose="02010609030101010101" pitchFamily="49" charset="-122"/>
+                <a:ea typeface="新宋体" panose="02010609030101010101" pitchFamily="49" charset="-122"/>
+              </a:rPr>
+              <a:t>(</a:t>
+            </a:r>
+            <a:r>
+              <a:rPr lang="en-US" altLang="zh-CN" dirty="0">
+                <a:solidFill>
+                  <a:srgbClr val="A31515"/>
+                </a:solidFill>
+                <a:latin typeface="新宋体" panose="02010609030101010101" pitchFamily="49" charset="-122"/>
+                <a:ea typeface="新宋体" panose="02010609030101010101" pitchFamily="49" charset="-122"/>
+              </a:rPr>
+              <a:t>"/projected-volume/</a:t>
+            </a:r>
+            <a:r>
+              <a:rPr lang="en-US" altLang="zh-CN" dirty="0" err="1">
+                <a:solidFill>
+                  <a:srgbClr val="A31515"/>
+                </a:solidFill>
+                <a:latin typeface="新宋体" panose="02010609030101010101" pitchFamily="49" charset="-122"/>
+                <a:ea typeface="新宋体" panose="02010609030101010101" pitchFamily="49" charset="-122"/>
+              </a:rPr>
+              <a:t>password.txt</a:t>
+            </a:r>
+            <a:r>
+              <a:rPr lang="en-US" altLang="zh-CN" dirty="0">
+                <a:solidFill>
+                  <a:srgbClr val="A31515"/>
+                </a:solidFill>
+                <a:latin typeface="新宋体" panose="02010609030101010101" pitchFamily="49" charset="-122"/>
+                <a:ea typeface="新宋体" panose="02010609030101010101" pitchFamily="49" charset="-122"/>
+              </a:rPr>
+              <a:t>"</a:t>
+            </a:r>
+            <a:r>
+              <a:rPr lang="en-US" altLang="zh-CN" dirty="0">
+                <a:solidFill>
+                  <a:srgbClr val="000000"/>
+                </a:solidFill>
+                <a:latin typeface="新宋体" panose="02010609030101010101" pitchFamily="49" charset="-122"/>
+                <a:ea typeface="新宋体" panose="02010609030101010101" pitchFamily="49" charset="-122"/>
+              </a:rPr>
+              <a:t>);</a:t>
+            </a:r>
             <a:endParaRPr lang="zh-CN" altLang="en-US" dirty="0"/>
           </a:p>
         </p:txBody>
@@ -13580,7 +14325,7 @@
           <a:p>
             <a:r>
               <a:rPr lang="en-US" altLang="zh-CN" sz="3000" dirty="0" err="1"/>
-              <a:t>StatefulSet</a:t>
+              <a:t>ConfigMap</a:t>
             </a:r>
             <a:endParaRPr lang="zh-CN" altLang="en-US" sz="3000" dirty="0"/>
           </a:p>
@@ -13588,30 +14333,784 @@
       </p:sp>
       <p:sp>
         <p:nvSpPr>
-          <p:cNvPr id="3" name="内容占位符 2">
+          <p:cNvPr id="4" name="矩形 3">
             <a:extLst>
               <a:ext uri="{FF2B5EF4-FFF2-40B4-BE49-F238E27FC236}">
-                <a16:creationId xmlns:a16="http://schemas.microsoft.com/office/drawing/2014/main" id="{6CA78E39-E363-42D1-BE9D-BB96C903EDB2}"/>
+                <a16:creationId xmlns:a16="http://schemas.microsoft.com/office/drawing/2014/main" id="{C407AD38-0DD5-4AF3-A5AB-1AAC367ABCD7}"/>
               </a:ext>
             </a:extLst>
           </p:cNvPr>
-          <p:cNvSpPr>
-            <a:spLocks noGrp="1"/>
-          </p:cNvSpPr>
-          <p:nvPr>
-            <p:ph idx="1"/>
-          </p:nvPr>
+          <p:cNvSpPr/>
+          <p:nvPr/>
         </p:nvSpPr>
         <p:spPr>
           <a:xfrm>
-            <a:off x="838200" y="1010094"/>
-            <a:ext cx="10515600" cy="5166869"/>
+            <a:off x="379229" y="1574747"/>
+            <a:ext cx="6096000" cy="1200329"/>
           </a:xfrm>
+          <a:prstGeom prst="rect">
+            <a:avLst/>
+          </a:prstGeom>
         </p:spPr>
         <p:txBody>
-          <a:bodyPr/>
+          <a:bodyPr>
+            <a:spAutoFit/>
+          </a:bodyPr>
           <a:lstStyle/>
           <a:p>
+            <a:r>
+              <a:rPr lang="zh-CN" altLang="en-US" dirty="0"/>
+              <a:t>生成</a:t>
+            </a:r>
+            <a:r>
+              <a:rPr lang="en-US" altLang="zh-CN" dirty="0" err="1"/>
+              <a:t>configMap</a:t>
+            </a:r>
+            <a:endParaRPr lang="en-US" altLang="zh-CN" dirty="0"/>
+          </a:p>
+          <a:p>
+            <a:endParaRPr lang="en-US" altLang="zh-CN" dirty="0"/>
+          </a:p>
+          <a:p>
+            <a:r>
+              <a:rPr lang="zh-CN" altLang="en-US" dirty="0"/>
+              <a:t>sudo kubectl create configmap personcfg --from-file=postgre/data.txt</a:t>
+            </a:r>
+          </a:p>
+        </p:txBody>
+      </p:sp>
+      <p:sp>
+        <p:nvSpPr>
+          <p:cNvPr id="5" name="矩形 4">
+            <a:extLst>
+              <a:ext uri="{FF2B5EF4-FFF2-40B4-BE49-F238E27FC236}">
+                <a16:creationId xmlns:a16="http://schemas.microsoft.com/office/drawing/2014/main" id="{C6A6EA4A-6B6C-445A-BAD6-67F0312855E9}"/>
+              </a:ext>
+            </a:extLst>
+          </p:cNvPr>
+          <p:cNvSpPr/>
+          <p:nvPr/>
+        </p:nvSpPr>
+        <p:spPr>
+          <a:xfrm>
+            <a:off x="7212419" y="535900"/>
+            <a:ext cx="4515293" cy="5786199"/>
+          </a:xfrm>
+          <a:prstGeom prst="rect">
+            <a:avLst/>
+          </a:prstGeom>
+        </p:spPr>
+        <p:style>
+          <a:lnRef idx="2">
+            <a:schemeClr val="accent6">
+              <a:shade val="50000"/>
+            </a:schemeClr>
+          </a:lnRef>
+          <a:fillRef idx="1">
+            <a:schemeClr val="accent6"/>
+          </a:fillRef>
+          <a:effectRef idx="0">
+            <a:schemeClr val="accent6"/>
+          </a:effectRef>
+          <a:fontRef idx="minor">
+            <a:schemeClr val="lt1"/>
+          </a:fontRef>
+        </p:style>
+        <p:txBody>
+          <a:bodyPr wrap="square">
+            <a:spAutoFit/>
+          </a:bodyPr>
+          <a:lstStyle/>
+          <a:p>
+            <a:r>
+              <a:rPr lang="en-US" altLang="zh-CN" sz="1000" dirty="0" err="1">
+                <a:latin typeface="Consolas" panose="020B0609020204030204" pitchFamily="49" charset="0"/>
+              </a:rPr>
+              <a:t>Aspnetcore-deployment.yaml</a:t>
+            </a:r>
+            <a:r>
+              <a:rPr lang="zh-CN" altLang="en-US" sz="1000" dirty="0">
+                <a:latin typeface="Consolas" panose="020B0609020204030204" pitchFamily="49" charset="0"/>
+              </a:rPr>
+              <a:t>文件：</a:t>
+            </a:r>
+            <a:endParaRPr lang="en-US" altLang="zh-CN" sz="1000" dirty="0">
+              <a:latin typeface="Consolas" panose="020B0609020204030204" pitchFamily="49" charset="0"/>
+            </a:endParaRPr>
+          </a:p>
+          <a:p>
+            <a:endParaRPr lang="en-US" altLang="zh-CN" sz="1000" dirty="0">
+              <a:latin typeface="Consolas" panose="020B0609020204030204" pitchFamily="49" charset="0"/>
+            </a:endParaRPr>
+          </a:p>
+          <a:p>
+            <a:r>
+              <a:rPr lang="en-US" altLang="zh-CN" sz="1000" dirty="0" err="1"/>
+              <a:t>apiVersion</a:t>
+            </a:r>
+            <a:r>
+              <a:rPr lang="en-US" altLang="zh-CN" sz="1000" dirty="0"/>
+              <a:t>: apps/</a:t>
+            </a:r>
+            <a:r>
+              <a:rPr lang="en-US" altLang="zh-CN" sz="1000" dirty="0" err="1"/>
+              <a:t>v1</a:t>
+            </a:r>
+            <a:endParaRPr lang="zh-CN" altLang="en-US" sz="1000" dirty="0"/>
+          </a:p>
+          <a:p>
+            <a:r>
+              <a:rPr lang="en-US" altLang="zh-CN" sz="1000" dirty="0"/>
+              <a:t>kind: Deployment</a:t>
+            </a:r>
+            <a:endParaRPr lang="zh-CN" altLang="en-US" sz="1000" dirty="0"/>
+          </a:p>
+          <a:p>
+            <a:r>
+              <a:rPr lang="en-US" altLang="zh-CN" sz="1000" dirty="0"/>
+              <a:t>metadata:</a:t>
+            </a:r>
+            <a:endParaRPr lang="zh-CN" altLang="en-US" sz="1000" dirty="0"/>
+          </a:p>
+          <a:p>
+            <a:r>
+              <a:rPr lang="zh-CN" altLang="en-US" sz="1000" dirty="0"/>
+              <a:t>  </a:t>
+            </a:r>
+            <a:r>
+              <a:rPr lang="en-US" altLang="zh-CN" sz="1000" dirty="0"/>
+              <a:t>name: </a:t>
+            </a:r>
+            <a:r>
+              <a:rPr lang="en-US" altLang="zh-CN" sz="1000" dirty="0" err="1"/>
+              <a:t>k8saspnetcoredemo003</a:t>
+            </a:r>
+            <a:r>
+              <a:rPr lang="en-US" altLang="zh-CN" sz="1000" dirty="0"/>
+              <a:t>-deployment</a:t>
+            </a:r>
+            <a:endParaRPr lang="zh-CN" altLang="en-US" sz="1000" dirty="0"/>
+          </a:p>
+          <a:p>
+            <a:r>
+              <a:rPr lang="en-US" altLang="zh-CN" sz="1000" dirty="0"/>
+              <a:t>spec:</a:t>
+            </a:r>
+            <a:endParaRPr lang="zh-CN" altLang="en-US" sz="1000" dirty="0"/>
+          </a:p>
+          <a:p>
+            <a:r>
+              <a:rPr lang="zh-CN" altLang="en-US" sz="1000" dirty="0"/>
+              <a:t>  </a:t>
+            </a:r>
+            <a:r>
+              <a:rPr lang="en-US" altLang="zh-CN" sz="1000" dirty="0"/>
+              <a:t>selector:</a:t>
+            </a:r>
+            <a:endParaRPr lang="zh-CN" altLang="en-US" sz="1000" dirty="0"/>
+          </a:p>
+          <a:p>
+            <a:r>
+              <a:rPr lang="zh-CN" altLang="en-US" sz="1000" dirty="0"/>
+              <a:t>    </a:t>
+            </a:r>
+            <a:r>
+              <a:rPr lang="en-US" altLang="zh-CN" sz="1000" dirty="0" err="1"/>
+              <a:t>matchLabels</a:t>
+            </a:r>
+            <a:r>
+              <a:rPr lang="en-US" altLang="zh-CN" sz="1000" dirty="0"/>
+              <a:t>:</a:t>
+            </a:r>
+            <a:endParaRPr lang="zh-CN" altLang="en-US" sz="1000" dirty="0"/>
+          </a:p>
+          <a:p>
+            <a:r>
+              <a:rPr lang="zh-CN" altLang="en-US" sz="1000" dirty="0"/>
+              <a:t>      </a:t>
+            </a:r>
+            <a:r>
+              <a:rPr lang="en-US" altLang="zh-CN" sz="1000" dirty="0"/>
+              <a:t>app: </a:t>
+            </a:r>
+            <a:r>
+              <a:rPr lang="en-US" altLang="zh-CN" sz="1000" dirty="0" err="1"/>
+              <a:t>k8saspnetcoredemo003</a:t>
+            </a:r>
+            <a:endParaRPr lang="zh-CN" altLang="en-US" sz="1000" dirty="0"/>
+          </a:p>
+          <a:p>
+            <a:r>
+              <a:rPr lang="zh-CN" altLang="en-US" sz="1000" dirty="0"/>
+              <a:t>  </a:t>
+            </a:r>
+            <a:r>
+              <a:rPr lang="en-US" altLang="zh-CN" sz="1000" dirty="0"/>
+              <a:t>replicas: 2</a:t>
+            </a:r>
+            <a:endParaRPr lang="zh-CN" altLang="en-US" sz="1000" dirty="0"/>
+          </a:p>
+          <a:p>
+            <a:r>
+              <a:rPr lang="zh-CN" altLang="en-US" sz="1000" dirty="0"/>
+              <a:t>  </a:t>
+            </a:r>
+            <a:r>
+              <a:rPr lang="en-US" altLang="zh-CN" sz="1000" dirty="0"/>
+              <a:t>template:</a:t>
+            </a:r>
+            <a:endParaRPr lang="zh-CN" altLang="en-US" sz="1000" dirty="0"/>
+          </a:p>
+          <a:p>
+            <a:r>
+              <a:rPr lang="zh-CN" altLang="en-US" sz="1000" dirty="0"/>
+              <a:t>    </a:t>
+            </a:r>
+            <a:r>
+              <a:rPr lang="en-US" altLang="zh-CN" sz="1000" dirty="0"/>
+              <a:t>metadata:</a:t>
+            </a:r>
+            <a:endParaRPr lang="zh-CN" altLang="en-US" sz="1000" dirty="0"/>
+          </a:p>
+          <a:p>
+            <a:r>
+              <a:rPr lang="zh-CN" altLang="en-US" sz="1000" dirty="0"/>
+              <a:t>      </a:t>
+            </a:r>
+            <a:r>
+              <a:rPr lang="en-US" altLang="zh-CN" sz="1000" dirty="0"/>
+              <a:t>labels:</a:t>
+            </a:r>
+            <a:endParaRPr lang="zh-CN" altLang="en-US" sz="1000" dirty="0"/>
+          </a:p>
+          <a:p>
+            <a:r>
+              <a:rPr lang="zh-CN" altLang="en-US" sz="1000" dirty="0"/>
+              <a:t>        </a:t>
+            </a:r>
+            <a:r>
+              <a:rPr lang="en-US" altLang="zh-CN" sz="1000" dirty="0"/>
+              <a:t>app: </a:t>
+            </a:r>
+            <a:r>
+              <a:rPr lang="en-US" altLang="zh-CN" sz="1000" dirty="0" err="1"/>
+              <a:t>k8saspnetcoredemo003</a:t>
+            </a:r>
+            <a:endParaRPr lang="zh-CN" altLang="en-US" sz="1000" dirty="0"/>
+          </a:p>
+          <a:p>
+            <a:r>
+              <a:rPr lang="zh-CN" altLang="en-US" sz="1000" dirty="0"/>
+              <a:t>    </a:t>
+            </a:r>
+            <a:r>
+              <a:rPr lang="en-US" altLang="zh-CN" sz="1000" dirty="0"/>
+              <a:t>spec:</a:t>
+            </a:r>
+            <a:endParaRPr lang="zh-CN" altLang="en-US" sz="1000" dirty="0"/>
+          </a:p>
+          <a:p>
+            <a:r>
+              <a:rPr lang="zh-CN" altLang="en-US" sz="1000" dirty="0"/>
+              <a:t>      </a:t>
+            </a:r>
+            <a:r>
+              <a:rPr lang="en-US" altLang="zh-CN" sz="1000" dirty="0"/>
+              <a:t>volumes:</a:t>
+            </a:r>
+            <a:endParaRPr lang="zh-CN" altLang="en-US" sz="1000" dirty="0"/>
+          </a:p>
+          <a:p>
+            <a:r>
+              <a:rPr lang="zh-CN" altLang="en-US" sz="1000" dirty="0"/>
+              <a:t>        </a:t>
+            </a:r>
+            <a:r>
+              <a:rPr lang="en-US" altLang="zh-CN" sz="1000" dirty="0"/>
+              <a:t>- name: </a:t>
+            </a:r>
+            <a:r>
+              <a:rPr lang="en-US" altLang="zh-CN" sz="1000" dirty="0" err="1"/>
+              <a:t>postgre</a:t>
+            </a:r>
+            <a:r>
+              <a:rPr lang="en-US" altLang="zh-CN" sz="1000" dirty="0"/>
+              <a:t>-user</a:t>
+            </a:r>
+            <a:endParaRPr lang="zh-CN" altLang="en-US" sz="1000" dirty="0"/>
+          </a:p>
+          <a:p>
+            <a:r>
+              <a:rPr lang="zh-CN" altLang="en-US" sz="1000" dirty="0"/>
+              <a:t>          </a:t>
+            </a:r>
+            <a:r>
+              <a:rPr lang="en-US" altLang="zh-CN" sz="1000" dirty="0"/>
+              <a:t>secret:</a:t>
+            </a:r>
+            <a:endParaRPr lang="zh-CN" altLang="en-US" sz="1000" dirty="0"/>
+          </a:p>
+          <a:p>
+            <a:r>
+              <a:rPr lang="zh-CN" altLang="en-US" sz="1000" dirty="0"/>
+              <a:t>            </a:t>
+            </a:r>
+            <a:r>
+              <a:rPr lang="en-US" altLang="zh-CN" sz="1000" dirty="0" err="1"/>
+              <a:t>secretName</a:t>
+            </a:r>
+            <a:r>
+              <a:rPr lang="en-US" altLang="zh-CN" sz="1000" dirty="0"/>
+              <a:t>: </a:t>
+            </a:r>
+            <a:r>
+              <a:rPr lang="en-US" altLang="zh-CN" sz="1000" dirty="0" err="1"/>
+              <a:t>dbuser</a:t>
+            </a:r>
+            <a:endParaRPr lang="zh-CN" altLang="en-US" sz="1000" dirty="0"/>
+          </a:p>
+          <a:p>
+            <a:r>
+              <a:rPr lang="zh-CN" altLang="en-US" sz="1000" dirty="0"/>
+              <a:t>        </a:t>
+            </a:r>
+            <a:r>
+              <a:rPr lang="en-US" altLang="zh-CN" sz="1000" dirty="0"/>
+              <a:t>- name: person-data</a:t>
+            </a:r>
+            <a:endParaRPr lang="zh-CN" altLang="en-US" sz="1000" dirty="0"/>
+          </a:p>
+          <a:p>
+            <a:r>
+              <a:rPr lang="zh-CN" altLang="en-US" sz="1000" dirty="0"/>
+              <a:t>          </a:t>
+            </a:r>
+            <a:r>
+              <a:rPr lang="en-US" altLang="zh-CN" sz="1000" dirty="0" err="1"/>
+              <a:t>configMap</a:t>
+            </a:r>
+            <a:r>
+              <a:rPr lang="en-US" altLang="zh-CN" sz="1000" dirty="0"/>
+              <a:t>:</a:t>
+            </a:r>
+            <a:endParaRPr lang="zh-CN" altLang="en-US" sz="1000" dirty="0"/>
+          </a:p>
+          <a:p>
+            <a:r>
+              <a:rPr lang="zh-CN" altLang="en-US" sz="1000" dirty="0"/>
+              <a:t>            </a:t>
+            </a:r>
+            <a:r>
+              <a:rPr lang="en-US" altLang="zh-CN" sz="1000" dirty="0"/>
+              <a:t>name: </a:t>
+            </a:r>
+            <a:r>
+              <a:rPr lang="en-US" altLang="zh-CN" sz="1000" dirty="0" err="1"/>
+              <a:t>personcfg</a:t>
+            </a:r>
+            <a:endParaRPr lang="zh-CN" altLang="en-US" sz="1000" dirty="0"/>
+          </a:p>
+          <a:p>
+            <a:r>
+              <a:rPr lang="zh-CN" altLang="en-US" sz="1000" dirty="0"/>
+              <a:t>      </a:t>
+            </a:r>
+            <a:r>
+              <a:rPr lang="en-US" altLang="zh-CN" sz="1000" dirty="0"/>
+              <a:t>containers:</a:t>
+            </a:r>
+            <a:endParaRPr lang="zh-CN" altLang="en-US" sz="1000" dirty="0"/>
+          </a:p>
+          <a:p>
+            <a:r>
+              <a:rPr lang="zh-CN" altLang="en-US" sz="1000" dirty="0"/>
+              <a:t>        </a:t>
+            </a:r>
+            <a:r>
+              <a:rPr lang="en-US" altLang="zh-CN" sz="1000" dirty="0"/>
+              <a:t>- name: </a:t>
+            </a:r>
+            <a:r>
+              <a:rPr lang="en-US" altLang="zh-CN" sz="1000" dirty="0" err="1"/>
+              <a:t>k8saspnetcoredemo003</a:t>
+            </a:r>
+            <a:endParaRPr lang="zh-CN" altLang="en-US" sz="1000" dirty="0"/>
+          </a:p>
+          <a:p>
+            <a:r>
+              <a:rPr lang="zh-CN" altLang="en-US" sz="1000" dirty="0"/>
+              <a:t>          </a:t>
+            </a:r>
+            <a:r>
+              <a:rPr lang="en-US" altLang="zh-CN" sz="1000" dirty="0"/>
+              <a:t>image: </a:t>
+            </a:r>
+            <a:r>
+              <a:rPr lang="en-US" altLang="zh-CN" sz="1000" dirty="0" err="1"/>
+              <a:t>axzxs2001</a:t>
+            </a:r>
+            <a:r>
+              <a:rPr lang="en-US" altLang="zh-CN" sz="1000" dirty="0"/>
+              <a:t>/</a:t>
+            </a:r>
+            <a:r>
+              <a:rPr lang="en-US" altLang="zh-CN" sz="1000" dirty="0" err="1"/>
+              <a:t>k8saspnetcoredemo003:v10</a:t>
+            </a:r>
+            <a:endParaRPr lang="zh-CN" altLang="en-US" sz="1000" dirty="0"/>
+          </a:p>
+          <a:p>
+            <a:r>
+              <a:rPr lang="zh-CN" altLang="en-US" sz="1000" dirty="0"/>
+              <a:t>          </a:t>
+            </a:r>
+            <a:r>
+              <a:rPr lang="en-US" altLang="zh-CN" sz="1000" dirty="0" err="1"/>
+              <a:t>imagePullPolicy</a:t>
+            </a:r>
+            <a:r>
+              <a:rPr lang="en-US" altLang="zh-CN" sz="1000" dirty="0"/>
+              <a:t>: </a:t>
+            </a:r>
+            <a:r>
+              <a:rPr lang="en-US" altLang="zh-CN" sz="1000" dirty="0" err="1"/>
+              <a:t>IfNotPresent</a:t>
+            </a:r>
+            <a:endParaRPr lang="zh-CN" altLang="en-US" sz="1000" dirty="0"/>
+          </a:p>
+          <a:p>
+            <a:r>
+              <a:rPr lang="zh-CN" altLang="en-US" sz="1000" dirty="0"/>
+              <a:t>          </a:t>
+            </a:r>
+            <a:r>
+              <a:rPr lang="en-US" altLang="zh-CN" sz="1000" dirty="0"/>
+              <a:t>ports:</a:t>
+            </a:r>
+            <a:endParaRPr lang="zh-CN" altLang="en-US" sz="1000" dirty="0"/>
+          </a:p>
+          <a:p>
+            <a:r>
+              <a:rPr lang="zh-CN" altLang="en-US" sz="1000" dirty="0"/>
+              <a:t>            </a:t>
+            </a:r>
+            <a:r>
+              <a:rPr lang="en-US" altLang="zh-CN" sz="1000" dirty="0"/>
+              <a:t>- </a:t>
+            </a:r>
+            <a:r>
+              <a:rPr lang="en-US" altLang="zh-CN" sz="1000" dirty="0" err="1"/>
+              <a:t>containerPort</a:t>
+            </a:r>
+            <a:r>
+              <a:rPr lang="en-US" altLang="zh-CN" sz="1000" dirty="0"/>
+              <a:t>: 4045</a:t>
+            </a:r>
+            <a:endParaRPr lang="zh-CN" altLang="en-US" sz="1000" dirty="0"/>
+          </a:p>
+          <a:p>
+            <a:r>
+              <a:rPr lang="zh-CN" altLang="en-US" sz="1000" dirty="0"/>
+              <a:t>          </a:t>
+            </a:r>
+            <a:r>
+              <a:rPr lang="en-US" altLang="zh-CN" sz="1000" dirty="0" err="1"/>
+              <a:t>volumeMounts</a:t>
+            </a:r>
+            <a:r>
+              <a:rPr lang="en-US" altLang="zh-CN" sz="1000" dirty="0"/>
+              <a:t>:</a:t>
+            </a:r>
+            <a:endParaRPr lang="zh-CN" altLang="en-US" sz="1000" dirty="0"/>
+          </a:p>
+          <a:p>
+            <a:r>
+              <a:rPr lang="zh-CN" altLang="en-US" sz="1000" dirty="0"/>
+              <a:t>            </a:t>
+            </a:r>
+            <a:r>
+              <a:rPr lang="en-US" altLang="zh-CN" sz="1000" dirty="0"/>
+              <a:t>- name: </a:t>
+            </a:r>
+            <a:r>
+              <a:rPr lang="en-US" altLang="zh-CN" sz="1000" dirty="0" err="1"/>
+              <a:t>postgre</a:t>
+            </a:r>
+            <a:r>
+              <a:rPr lang="en-US" altLang="zh-CN" sz="1000" dirty="0"/>
+              <a:t>-user</a:t>
+            </a:r>
+            <a:endParaRPr lang="zh-CN" altLang="en-US" sz="1000" dirty="0"/>
+          </a:p>
+          <a:p>
+            <a:r>
+              <a:rPr lang="zh-CN" altLang="en-US" sz="1000" dirty="0"/>
+              <a:t>              </a:t>
+            </a:r>
+            <a:r>
+              <a:rPr lang="en-US" altLang="zh-CN" sz="1000" dirty="0" err="1"/>
+              <a:t>mountPath</a:t>
+            </a:r>
+            <a:r>
+              <a:rPr lang="en-US" altLang="zh-CN" sz="1000" dirty="0"/>
+              <a:t>: "/projected-volume"</a:t>
+            </a:r>
+            <a:endParaRPr lang="zh-CN" altLang="en-US" sz="1000" dirty="0"/>
+          </a:p>
+          <a:p>
+            <a:r>
+              <a:rPr lang="zh-CN" altLang="en-US" sz="1000" dirty="0"/>
+              <a:t>              </a:t>
+            </a:r>
+            <a:r>
+              <a:rPr lang="en-US" altLang="zh-CN" sz="1000" dirty="0" err="1"/>
+              <a:t>readOnly</a:t>
+            </a:r>
+            <a:r>
+              <a:rPr lang="en-US" altLang="zh-CN" sz="1000" dirty="0"/>
+              <a:t>: true</a:t>
+            </a:r>
+            <a:endParaRPr lang="zh-CN" altLang="en-US" sz="1000" dirty="0"/>
+          </a:p>
+          <a:p>
+            <a:r>
+              <a:rPr lang="zh-CN" altLang="en-US" sz="1000" dirty="0"/>
+              <a:t>            </a:t>
+            </a:r>
+            <a:r>
+              <a:rPr lang="en-US" altLang="zh-CN" sz="1000" dirty="0"/>
+              <a:t>- name: person-data</a:t>
+            </a:r>
+            <a:endParaRPr lang="zh-CN" altLang="en-US" sz="1000" dirty="0"/>
+          </a:p>
+          <a:p>
+            <a:r>
+              <a:rPr lang="zh-CN" altLang="en-US" sz="1000" dirty="0"/>
+              <a:t>              </a:t>
+            </a:r>
+            <a:r>
+              <a:rPr lang="en-US" altLang="zh-CN" sz="1000" dirty="0" err="1"/>
+              <a:t>mountPath</a:t>
+            </a:r>
+            <a:r>
+              <a:rPr lang="en-US" altLang="zh-CN" sz="1000" dirty="0"/>
+              <a:t>: "/</a:t>
+            </a:r>
+            <a:r>
+              <a:rPr lang="en-US" altLang="zh-CN" sz="1000" dirty="0" err="1"/>
+              <a:t>persondata</a:t>
+            </a:r>
+            <a:r>
+              <a:rPr lang="en-US" altLang="zh-CN" sz="1000" dirty="0"/>
+              <a:t>"</a:t>
+            </a:r>
+            <a:endParaRPr lang="zh-CN" altLang="en-US" sz="1000" dirty="0"/>
+          </a:p>
+          <a:p>
+            <a:r>
+              <a:rPr lang="zh-CN" altLang="en-US" sz="1000" dirty="0"/>
+              <a:t>              </a:t>
+            </a:r>
+            <a:r>
+              <a:rPr lang="en-US" altLang="zh-CN" sz="1000" dirty="0" err="1"/>
+              <a:t>readOnly</a:t>
+            </a:r>
+            <a:r>
+              <a:rPr lang="en-US" altLang="zh-CN" sz="1000" dirty="0"/>
+              <a:t>: true</a:t>
+            </a:r>
+            <a:endParaRPr lang="zh-CN" altLang="en-US" sz="1000" dirty="0"/>
+          </a:p>
+          <a:p>
+            <a:endParaRPr lang="zh-CN" altLang="en-US" sz="1000" dirty="0"/>
+          </a:p>
+        </p:txBody>
+      </p:sp>
+      <p:sp>
+        <p:nvSpPr>
+          <p:cNvPr id="6" name="矩形 5">
+            <a:extLst>
+              <a:ext uri="{FF2B5EF4-FFF2-40B4-BE49-F238E27FC236}">
+                <a16:creationId xmlns:a16="http://schemas.microsoft.com/office/drawing/2014/main" id="{A96F3217-B87D-4A70-9B87-1FFECFA101E3}"/>
+              </a:ext>
+            </a:extLst>
+          </p:cNvPr>
+          <p:cNvSpPr/>
+          <p:nvPr/>
+        </p:nvSpPr>
+        <p:spPr>
+          <a:xfrm>
+            <a:off x="464288" y="3713593"/>
+            <a:ext cx="6096000" cy="1477328"/>
+          </a:xfrm>
+          <a:prstGeom prst="rect">
+            <a:avLst/>
+          </a:prstGeom>
+        </p:spPr>
+        <p:txBody>
+          <a:bodyPr>
+            <a:spAutoFit/>
+          </a:bodyPr>
+          <a:lstStyle/>
+          <a:p>
+            <a:r>
+              <a:rPr lang="en-US" altLang="zh-CN" dirty="0">
+                <a:solidFill>
+                  <a:srgbClr val="000000"/>
+                </a:solidFill>
+                <a:latin typeface="新宋体" panose="02010609030101010101" pitchFamily="49" charset="-122"/>
+                <a:ea typeface="新宋体" panose="02010609030101010101" pitchFamily="49" charset="-122"/>
+              </a:rPr>
+              <a:t>C#</a:t>
+            </a:r>
+            <a:r>
+              <a:rPr lang="zh-CN" altLang="en-US" dirty="0">
+                <a:solidFill>
+                  <a:srgbClr val="000000"/>
+                </a:solidFill>
+                <a:latin typeface="新宋体" panose="02010609030101010101" pitchFamily="49" charset="-122"/>
+                <a:ea typeface="新宋体" panose="02010609030101010101" pitchFamily="49" charset="-122"/>
+              </a:rPr>
+              <a:t>读取方式</a:t>
+            </a:r>
+            <a:endParaRPr lang="en-US" altLang="zh-CN" dirty="0">
+              <a:solidFill>
+                <a:srgbClr val="000000"/>
+              </a:solidFill>
+              <a:latin typeface="新宋体" panose="02010609030101010101" pitchFamily="49" charset="-122"/>
+              <a:ea typeface="新宋体" panose="02010609030101010101" pitchFamily="49" charset="-122"/>
+            </a:endParaRPr>
+          </a:p>
+          <a:p>
+            <a:endParaRPr lang="en-US" altLang="zh-CN" dirty="0">
+              <a:solidFill>
+                <a:srgbClr val="0000FF"/>
+              </a:solidFill>
+              <a:latin typeface="新宋体" panose="02010609030101010101" pitchFamily="49" charset="-122"/>
+              <a:ea typeface="新宋体" panose="02010609030101010101" pitchFamily="49" charset="-122"/>
+            </a:endParaRPr>
+          </a:p>
+          <a:p>
+            <a:r>
+              <a:rPr lang="en-US" altLang="zh-CN" dirty="0">
+                <a:solidFill>
+                  <a:srgbClr val="0000FF"/>
+                </a:solidFill>
+                <a:latin typeface="新宋体" panose="02010609030101010101" pitchFamily="49" charset="-122"/>
+                <a:ea typeface="新宋体" panose="02010609030101010101" pitchFamily="49" charset="-122"/>
+              </a:rPr>
+              <a:t>var</a:t>
+            </a:r>
+            <a:r>
+              <a:rPr lang="en-US" altLang="zh-CN" dirty="0">
+                <a:solidFill>
+                  <a:srgbClr val="000000"/>
+                </a:solidFill>
+                <a:latin typeface="新宋体" panose="02010609030101010101" pitchFamily="49" charset="-122"/>
+                <a:ea typeface="新宋体" panose="02010609030101010101" pitchFamily="49" charset="-122"/>
+              </a:rPr>
+              <a:t> person = </a:t>
+            </a:r>
+            <a:r>
+              <a:rPr lang="en-US" altLang="zh-CN" dirty="0" err="1">
+                <a:solidFill>
+                  <a:srgbClr val="000000"/>
+                </a:solidFill>
+                <a:latin typeface="新宋体" panose="02010609030101010101" pitchFamily="49" charset="-122"/>
+                <a:ea typeface="新宋体" panose="02010609030101010101" pitchFamily="49" charset="-122"/>
+              </a:rPr>
+              <a:t>System.IO.File.ReadAllText</a:t>
+            </a:r>
+            <a:r>
+              <a:rPr lang="en-US" altLang="zh-CN" dirty="0">
+                <a:solidFill>
+                  <a:srgbClr val="000000"/>
+                </a:solidFill>
+                <a:latin typeface="新宋体" panose="02010609030101010101" pitchFamily="49" charset="-122"/>
+                <a:ea typeface="新宋体" panose="02010609030101010101" pitchFamily="49" charset="-122"/>
+              </a:rPr>
+              <a:t>(</a:t>
+            </a:r>
+            <a:r>
+              <a:rPr lang="en-US" altLang="zh-CN" dirty="0">
+                <a:solidFill>
+                  <a:srgbClr val="A31515"/>
+                </a:solidFill>
+                <a:latin typeface="新宋体" panose="02010609030101010101" pitchFamily="49" charset="-122"/>
+                <a:ea typeface="新宋体" panose="02010609030101010101" pitchFamily="49" charset="-122"/>
+              </a:rPr>
+              <a:t>"/</a:t>
+            </a:r>
+            <a:r>
+              <a:rPr lang="en-US" altLang="zh-CN" dirty="0" err="1">
+                <a:solidFill>
+                  <a:srgbClr val="A31515"/>
+                </a:solidFill>
+                <a:latin typeface="新宋体" panose="02010609030101010101" pitchFamily="49" charset="-122"/>
+                <a:ea typeface="新宋体" panose="02010609030101010101" pitchFamily="49" charset="-122"/>
+              </a:rPr>
+              <a:t>persondata</a:t>
+            </a:r>
+            <a:r>
+              <a:rPr lang="en-US" altLang="zh-CN" dirty="0">
+                <a:solidFill>
+                  <a:srgbClr val="A31515"/>
+                </a:solidFill>
+                <a:latin typeface="新宋体" panose="02010609030101010101" pitchFamily="49" charset="-122"/>
+                <a:ea typeface="新宋体" panose="02010609030101010101" pitchFamily="49" charset="-122"/>
+              </a:rPr>
+              <a:t>/</a:t>
+            </a:r>
+            <a:r>
+              <a:rPr lang="en-US" altLang="zh-CN" dirty="0" err="1">
+                <a:solidFill>
+                  <a:srgbClr val="A31515"/>
+                </a:solidFill>
+                <a:latin typeface="新宋体" panose="02010609030101010101" pitchFamily="49" charset="-122"/>
+                <a:ea typeface="新宋体" panose="02010609030101010101" pitchFamily="49" charset="-122"/>
+              </a:rPr>
+              <a:t>data.txt</a:t>
+            </a:r>
+            <a:r>
+              <a:rPr lang="en-US" altLang="zh-CN" dirty="0">
+                <a:solidFill>
+                  <a:srgbClr val="A31515"/>
+                </a:solidFill>
+                <a:latin typeface="新宋体" panose="02010609030101010101" pitchFamily="49" charset="-122"/>
+                <a:ea typeface="新宋体" panose="02010609030101010101" pitchFamily="49" charset="-122"/>
+              </a:rPr>
+              <a:t>"</a:t>
+            </a:r>
+            <a:r>
+              <a:rPr lang="en-US" altLang="zh-CN" dirty="0">
+                <a:solidFill>
+                  <a:srgbClr val="000000"/>
+                </a:solidFill>
+                <a:latin typeface="新宋体" panose="02010609030101010101" pitchFamily="49" charset="-122"/>
+                <a:ea typeface="新宋体" panose="02010609030101010101" pitchFamily="49" charset="-122"/>
+              </a:rPr>
+              <a:t>, </a:t>
+            </a:r>
+            <a:r>
+              <a:rPr lang="en-US" altLang="zh-CN" dirty="0" err="1">
+                <a:solidFill>
+                  <a:srgbClr val="000000"/>
+                </a:solidFill>
+                <a:latin typeface="新宋体" panose="02010609030101010101" pitchFamily="49" charset="-122"/>
+                <a:ea typeface="新宋体" panose="02010609030101010101" pitchFamily="49" charset="-122"/>
+              </a:rPr>
+              <a:t>System.Text.Encoding.UTF8</a:t>
+            </a:r>
+            <a:r>
+              <a:rPr lang="en-US" altLang="zh-CN" dirty="0">
+                <a:solidFill>
+                  <a:srgbClr val="000000"/>
+                </a:solidFill>
+                <a:latin typeface="新宋体" panose="02010609030101010101" pitchFamily="49" charset="-122"/>
+                <a:ea typeface="新宋体" panose="02010609030101010101" pitchFamily="49" charset="-122"/>
+              </a:rPr>
+              <a:t>);</a:t>
+            </a:r>
             <a:endParaRPr lang="zh-CN" altLang="en-US" dirty="0"/>
           </a:p>
         </p:txBody>
@@ -16604,6 +18103,683 @@
           <a:chExt cx="0" cy="0"/>
         </a:xfrm>
       </p:grpSpPr>
+      <p:sp>
+        <p:nvSpPr>
+          <p:cNvPr id="3" name="标题 1">
+            <a:extLst>
+              <a:ext uri="{FF2B5EF4-FFF2-40B4-BE49-F238E27FC236}">
+                <a16:creationId xmlns:a16="http://schemas.microsoft.com/office/drawing/2014/main" id="{0F70AA5B-6447-4832-9EA4-277A3E84D12C}"/>
+              </a:ext>
+            </a:extLst>
+          </p:cNvPr>
+          <p:cNvSpPr txBox="1">
+            <a:spLocks/>
+          </p:cNvSpPr>
+          <p:nvPr/>
+        </p:nvSpPr>
+        <p:spPr>
+          <a:xfrm>
+            <a:off x="466060" y="141842"/>
+            <a:ext cx="10515600" cy="644968"/>
+          </a:xfrm>
+          <a:prstGeom prst="rect">
+            <a:avLst/>
+          </a:prstGeom>
+        </p:spPr>
+        <p:txBody>
+          <a:bodyPr>
+            <a:normAutofit/>
+          </a:bodyPr>
+          <a:lstStyle>
+            <a:lvl1pPr algn="l" defTabSz="914400" rtl="0" eaLnBrk="1" latinLnBrk="0" hangingPunct="1">
+              <a:lnSpc>
+                <a:spcPct val="90000"/>
+              </a:lnSpc>
+              <a:spcBef>
+                <a:spcPct val="0"/>
+              </a:spcBef>
+              <a:buNone/>
+              <a:defRPr sz="4400" kern="1200">
+                <a:solidFill>
+                  <a:schemeClr val="tx1"/>
+                </a:solidFill>
+                <a:latin typeface="+mj-lt"/>
+                <a:ea typeface="+mj-ea"/>
+                <a:cs typeface="+mj-cs"/>
+              </a:defRPr>
+            </a:lvl1pPr>
+          </a:lstStyle>
+          <a:p>
+            <a:r>
+              <a:rPr lang="zh-CN" altLang="en-US" sz="3000" dirty="0"/>
+              <a:t>部署用户应用</a:t>
+            </a:r>
+          </a:p>
+        </p:txBody>
+      </p:sp>
+      <p:sp>
+        <p:nvSpPr>
+          <p:cNvPr id="8" name="矩形 7">
+            <a:extLst>
+              <a:ext uri="{FF2B5EF4-FFF2-40B4-BE49-F238E27FC236}">
+                <a16:creationId xmlns:a16="http://schemas.microsoft.com/office/drawing/2014/main" id="{764DE107-E635-4C69-8ADC-A4D9E6B9C11A}"/>
+              </a:ext>
+            </a:extLst>
+          </p:cNvPr>
+          <p:cNvSpPr/>
+          <p:nvPr/>
+        </p:nvSpPr>
+        <p:spPr>
+          <a:xfrm>
+            <a:off x="565120" y="971476"/>
+            <a:ext cx="6096000" cy="3323987"/>
+          </a:xfrm>
+          <a:prstGeom prst="rect">
+            <a:avLst/>
+          </a:prstGeom>
+        </p:spPr>
+        <p:style>
+          <a:lnRef idx="2">
+            <a:schemeClr val="accent6">
+              <a:shade val="50000"/>
+            </a:schemeClr>
+          </a:lnRef>
+          <a:fillRef idx="1">
+            <a:schemeClr val="accent6"/>
+          </a:fillRef>
+          <a:effectRef idx="0">
+            <a:schemeClr val="accent6"/>
+          </a:effectRef>
+          <a:fontRef idx="minor">
+            <a:schemeClr val="lt1"/>
+          </a:fontRef>
+        </p:style>
+        <p:txBody>
+          <a:bodyPr>
+            <a:spAutoFit/>
+          </a:bodyPr>
+          <a:lstStyle/>
+          <a:p>
+            <a:r>
+              <a:rPr lang="en-US" altLang="zh-CN" sz="1050" dirty="0" err="1">
+                <a:latin typeface="Consolas" panose="020B0609020204030204" pitchFamily="49" charset="0"/>
+              </a:rPr>
+              <a:t>apiVersion</a:t>
+            </a:r>
+            <a:r>
+              <a:rPr lang="en-US" altLang="zh-CN" sz="1050" dirty="0">
+                <a:latin typeface="Consolas" panose="020B0609020204030204" pitchFamily="49" charset="0"/>
+              </a:rPr>
+              <a:t>: apps/</a:t>
+            </a:r>
+            <a:r>
+              <a:rPr lang="en-US" altLang="zh-CN" sz="1050" dirty="0" err="1">
+                <a:latin typeface="Consolas" panose="020B0609020204030204" pitchFamily="49" charset="0"/>
+              </a:rPr>
+              <a:t>v1</a:t>
+            </a:r>
+            <a:endParaRPr lang="en-US" altLang="zh-CN" sz="1050" dirty="0">
+              <a:latin typeface="Consolas" panose="020B0609020204030204" pitchFamily="49" charset="0"/>
+            </a:endParaRPr>
+          </a:p>
+          <a:p>
+            <a:r>
+              <a:rPr lang="en-US" altLang="zh-CN" sz="1050" dirty="0">
+                <a:latin typeface="Consolas" panose="020B0609020204030204" pitchFamily="49" charset="0"/>
+              </a:rPr>
+              <a:t>kind: Deployment</a:t>
+            </a:r>
+          </a:p>
+          <a:p>
+            <a:r>
+              <a:rPr lang="en-US" altLang="zh-CN" sz="1050" dirty="0">
+                <a:latin typeface="Consolas" panose="020B0609020204030204" pitchFamily="49" charset="0"/>
+              </a:rPr>
+              <a:t>metadata:</a:t>
+            </a:r>
+          </a:p>
+          <a:p>
+            <a:r>
+              <a:rPr lang="en-US" altLang="zh-CN" sz="1050" dirty="0">
+                <a:latin typeface="Consolas" panose="020B0609020204030204" pitchFamily="49" charset="0"/>
+              </a:rPr>
+              <a:t>  name: </a:t>
+            </a:r>
+            <a:r>
+              <a:rPr lang="en-US" altLang="zh-CN" sz="1050" dirty="0" err="1">
+                <a:latin typeface="Consolas" panose="020B0609020204030204" pitchFamily="49" charset="0"/>
+              </a:rPr>
+              <a:t>k8saspnetcoredemo003</a:t>
+            </a:r>
+            <a:r>
+              <a:rPr lang="en-US" altLang="zh-CN" sz="1050" dirty="0">
+                <a:latin typeface="Consolas" panose="020B0609020204030204" pitchFamily="49" charset="0"/>
+              </a:rPr>
+              <a:t>-deployment</a:t>
+            </a:r>
+          </a:p>
+          <a:p>
+            <a:r>
+              <a:rPr lang="en-US" altLang="zh-CN" sz="1050" dirty="0">
+                <a:latin typeface="Consolas" panose="020B0609020204030204" pitchFamily="49" charset="0"/>
+              </a:rPr>
+              <a:t>spec:</a:t>
+            </a:r>
+          </a:p>
+          <a:p>
+            <a:r>
+              <a:rPr lang="en-US" altLang="zh-CN" sz="1050" dirty="0">
+                <a:latin typeface="Consolas" panose="020B0609020204030204" pitchFamily="49" charset="0"/>
+              </a:rPr>
+              <a:t>  selector:</a:t>
+            </a:r>
+          </a:p>
+          <a:p>
+            <a:r>
+              <a:rPr lang="en-US" altLang="zh-CN" sz="1050" dirty="0">
+                <a:latin typeface="Consolas" panose="020B0609020204030204" pitchFamily="49" charset="0"/>
+              </a:rPr>
+              <a:t>    </a:t>
+            </a:r>
+            <a:r>
+              <a:rPr lang="en-US" altLang="zh-CN" sz="1050" dirty="0" err="1">
+                <a:latin typeface="Consolas" panose="020B0609020204030204" pitchFamily="49" charset="0"/>
+              </a:rPr>
+              <a:t>matchLabels</a:t>
+            </a:r>
+            <a:r>
+              <a:rPr lang="en-US" altLang="zh-CN" sz="1050" dirty="0">
+                <a:latin typeface="Consolas" panose="020B0609020204030204" pitchFamily="49" charset="0"/>
+              </a:rPr>
+              <a:t>:</a:t>
+            </a:r>
+          </a:p>
+          <a:p>
+            <a:r>
+              <a:rPr lang="en-US" altLang="zh-CN" sz="1050" dirty="0">
+                <a:latin typeface="Consolas" panose="020B0609020204030204" pitchFamily="49" charset="0"/>
+              </a:rPr>
+              <a:t>      app: </a:t>
+            </a:r>
+            <a:r>
+              <a:rPr lang="en-US" altLang="zh-CN" sz="1050" dirty="0" err="1">
+                <a:latin typeface="Consolas" panose="020B0609020204030204" pitchFamily="49" charset="0"/>
+              </a:rPr>
+              <a:t>k8saspnetcoredemo003</a:t>
+            </a:r>
+            <a:endParaRPr lang="en-US" altLang="zh-CN" sz="1050" dirty="0">
+              <a:latin typeface="Consolas" panose="020B0609020204030204" pitchFamily="49" charset="0"/>
+            </a:endParaRPr>
+          </a:p>
+          <a:p>
+            <a:r>
+              <a:rPr lang="en-US" altLang="zh-CN" sz="1050" dirty="0">
+                <a:latin typeface="Consolas" panose="020B0609020204030204" pitchFamily="49" charset="0"/>
+              </a:rPr>
+              <a:t>  replicas: 2</a:t>
+            </a:r>
+          </a:p>
+          <a:p>
+            <a:r>
+              <a:rPr lang="en-US" altLang="zh-CN" sz="1050" dirty="0">
+                <a:latin typeface="Consolas" panose="020B0609020204030204" pitchFamily="49" charset="0"/>
+              </a:rPr>
+              <a:t>  template:</a:t>
+            </a:r>
+          </a:p>
+          <a:p>
+            <a:r>
+              <a:rPr lang="en-US" altLang="zh-CN" sz="1050" dirty="0">
+                <a:latin typeface="Consolas" panose="020B0609020204030204" pitchFamily="49" charset="0"/>
+              </a:rPr>
+              <a:t>    metadata:</a:t>
+            </a:r>
+          </a:p>
+          <a:p>
+            <a:r>
+              <a:rPr lang="en-US" altLang="zh-CN" sz="1050" dirty="0">
+                <a:latin typeface="Consolas" panose="020B0609020204030204" pitchFamily="49" charset="0"/>
+              </a:rPr>
+              <a:t>      labels:</a:t>
+            </a:r>
+          </a:p>
+          <a:p>
+            <a:r>
+              <a:rPr lang="en-US" altLang="zh-CN" sz="1050" dirty="0">
+                <a:latin typeface="Consolas" panose="020B0609020204030204" pitchFamily="49" charset="0"/>
+              </a:rPr>
+              <a:t>        app: </a:t>
+            </a:r>
+            <a:r>
+              <a:rPr lang="en-US" altLang="zh-CN" sz="1050" dirty="0" err="1">
+                <a:latin typeface="Consolas" panose="020B0609020204030204" pitchFamily="49" charset="0"/>
+              </a:rPr>
+              <a:t>k8saspnetcoredemo003</a:t>
+            </a:r>
+            <a:endParaRPr lang="en-US" altLang="zh-CN" sz="1050" dirty="0">
+              <a:latin typeface="Consolas" panose="020B0609020204030204" pitchFamily="49" charset="0"/>
+            </a:endParaRPr>
+          </a:p>
+          <a:p>
+            <a:r>
+              <a:rPr lang="en-US" altLang="zh-CN" sz="1050" dirty="0">
+                <a:latin typeface="Consolas" panose="020B0609020204030204" pitchFamily="49" charset="0"/>
+              </a:rPr>
+              <a:t>    spec:</a:t>
+            </a:r>
+          </a:p>
+          <a:p>
+            <a:r>
+              <a:rPr lang="en-US" altLang="zh-CN" sz="1050" dirty="0">
+                <a:latin typeface="Consolas" panose="020B0609020204030204" pitchFamily="49" charset="0"/>
+              </a:rPr>
+              <a:t>      containers:</a:t>
+            </a:r>
+          </a:p>
+          <a:p>
+            <a:r>
+              <a:rPr lang="en-US" altLang="zh-CN" sz="1050" dirty="0">
+                <a:latin typeface="Consolas" panose="020B0609020204030204" pitchFamily="49" charset="0"/>
+              </a:rPr>
+              <a:t>      - name: </a:t>
+            </a:r>
+            <a:r>
+              <a:rPr lang="en-US" altLang="zh-CN" sz="1050" dirty="0" err="1">
+                <a:latin typeface="Consolas" panose="020B0609020204030204" pitchFamily="49" charset="0"/>
+              </a:rPr>
+              <a:t>k8saspnetcoredemo003</a:t>
+            </a:r>
+            <a:endParaRPr lang="en-US" altLang="zh-CN" sz="1050" dirty="0">
+              <a:latin typeface="Consolas" panose="020B0609020204030204" pitchFamily="49" charset="0"/>
+            </a:endParaRPr>
+          </a:p>
+          <a:p>
+            <a:r>
+              <a:rPr lang="en-US" altLang="zh-CN" sz="1050" dirty="0">
+                <a:latin typeface="Consolas" panose="020B0609020204030204" pitchFamily="49" charset="0"/>
+              </a:rPr>
+              <a:t>        image: </a:t>
+            </a:r>
+            <a:r>
+              <a:rPr lang="en-US" altLang="zh-CN" sz="1050" dirty="0" err="1">
+                <a:latin typeface="Consolas" panose="020B0609020204030204" pitchFamily="49" charset="0"/>
+              </a:rPr>
+              <a:t>axzxs2001</a:t>
+            </a:r>
+            <a:r>
+              <a:rPr lang="en-US" altLang="zh-CN" sz="1050" dirty="0">
+                <a:latin typeface="Consolas" panose="020B0609020204030204" pitchFamily="49" charset="0"/>
+              </a:rPr>
+              <a:t>/</a:t>
+            </a:r>
+            <a:r>
+              <a:rPr lang="en-US" altLang="zh-CN" sz="1050" dirty="0" err="1">
+                <a:latin typeface="Consolas" panose="020B0609020204030204" pitchFamily="49" charset="0"/>
+              </a:rPr>
+              <a:t>k8saspnetcoredemo003</a:t>
+            </a:r>
+            <a:endParaRPr lang="en-US" altLang="zh-CN" sz="1050" dirty="0">
+              <a:latin typeface="Consolas" panose="020B0609020204030204" pitchFamily="49" charset="0"/>
+            </a:endParaRPr>
+          </a:p>
+          <a:p>
+            <a:r>
+              <a:rPr lang="en-US" altLang="zh-CN" sz="1050" dirty="0">
+                <a:latin typeface="Consolas" panose="020B0609020204030204" pitchFamily="49" charset="0"/>
+              </a:rPr>
+              <a:t>        </a:t>
+            </a:r>
+            <a:r>
+              <a:rPr lang="en-US" altLang="zh-CN" sz="1050" dirty="0" err="1">
+                <a:latin typeface="Consolas" panose="020B0609020204030204" pitchFamily="49" charset="0"/>
+              </a:rPr>
+              <a:t>imagePullPolicy</a:t>
+            </a:r>
+            <a:r>
+              <a:rPr lang="en-US" altLang="zh-CN" sz="1050" dirty="0">
+                <a:latin typeface="Consolas" panose="020B0609020204030204" pitchFamily="49" charset="0"/>
+              </a:rPr>
+              <a:t>: </a:t>
+            </a:r>
+            <a:r>
+              <a:rPr lang="en-US" altLang="zh-CN" sz="1050" dirty="0" err="1">
+                <a:latin typeface="Consolas" panose="020B0609020204030204" pitchFamily="49" charset="0"/>
+              </a:rPr>
+              <a:t>IfNotPresent</a:t>
+            </a:r>
+            <a:r>
+              <a:rPr lang="en-US" altLang="zh-CN" sz="1050" dirty="0">
+                <a:latin typeface="Consolas" panose="020B0609020204030204" pitchFamily="49" charset="0"/>
+              </a:rPr>
+              <a:t> #</a:t>
+            </a:r>
+            <a:r>
+              <a:rPr lang="zh-CN" altLang="en-US" sz="1050" dirty="0">
+                <a:latin typeface="Consolas" panose="020B0609020204030204" pitchFamily="49" charset="0"/>
+              </a:rPr>
+              <a:t>从本地镜像里拉取</a:t>
+            </a:r>
+            <a:endParaRPr lang="en-US" altLang="zh-CN" sz="1050" dirty="0">
+              <a:latin typeface="Consolas" panose="020B0609020204030204" pitchFamily="49" charset="0"/>
+            </a:endParaRPr>
+          </a:p>
+          <a:p>
+            <a:r>
+              <a:rPr lang="en-US" altLang="zh-CN" sz="1050" dirty="0">
+                <a:latin typeface="Consolas" panose="020B0609020204030204" pitchFamily="49" charset="0"/>
+              </a:rPr>
+              <a:t>        ports:</a:t>
+            </a:r>
+          </a:p>
+          <a:p>
+            <a:r>
+              <a:rPr lang="en-US" altLang="zh-CN" sz="1050" dirty="0">
+                <a:latin typeface="Consolas" panose="020B0609020204030204" pitchFamily="49" charset="0"/>
+              </a:rPr>
+              <a:t>        - </a:t>
+            </a:r>
+            <a:r>
+              <a:rPr lang="en-US" altLang="zh-CN" sz="1050" dirty="0" err="1">
+                <a:latin typeface="Consolas" panose="020B0609020204030204" pitchFamily="49" charset="0"/>
+              </a:rPr>
+              <a:t>containerPort</a:t>
+            </a:r>
+            <a:r>
+              <a:rPr lang="en-US" altLang="zh-CN" sz="1050" dirty="0">
+                <a:latin typeface="Consolas" panose="020B0609020204030204" pitchFamily="49" charset="0"/>
+              </a:rPr>
+              <a:t>: 4045</a:t>
+            </a:r>
+          </a:p>
+        </p:txBody>
+      </p:sp>
+      <p:sp>
+        <p:nvSpPr>
+          <p:cNvPr id="9" name="矩形 8">
+            <a:extLst>
+              <a:ext uri="{FF2B5EF4-FFF2-40B4-BE49-F238E27FC236}">
+                <a16:creationId xmlns:a16="http://schemas.microsoft.com/office/drawing/2014/main" id="{BF357B58-A1D6-4FEB-BF01-A5BB9C512297}"/>
+              </a:ext>
+            </a:extLst>
+          </p:cNvPr>
+          <p:cNvSpPr/>
+          <p:nvPr/>
+        </p:nvSpPr>
+        <p:spPr>
+          <a:xfrm>
+            <a:off x="466060" y="602144"/>
+            <a:ext cx="4988738" cy="369332"/>
+          </a:xfrm>
+          <a:prstGeom prst="rect">
+            <a:avLst/>
+          </a:prstGeom>
+        </p:spPr>
+        <p:txBody>
+          <a:bodyPr wrap="none">
+            <a:spAutoFit/>
+          </a:bodyPr>
+          <a:lstStyle/>
+          <a:p>
+            <a:r>
+              <a:rPr lang="en-US" altLang="zh-CN" dirty="0">
+                <a:solidFill>
+                  <a:srgbClr val="24292E"/>
+                </a:solidFill>
+                <a:latin typeface="SFMono-Regular"/>
+              </a:rPr>
+              <a:t> </a:t>
+            </a:r>
+            <a:r>
+              <a:rPr lang="en-US" altLang="zh-CN" dirty="0" err="1">
+                <a:solidFill>
+                  <a:srgbClr val="24292E"/>
+                </a:solidFill>
+                <a:latin typeface="SFMono-Regular"/>
+              </a:rPr>
+              <a:t>sudo</a:t>
+            </a:r>
+            <a:r>
+              <a:rPr lang="en-US" altLang="zh-CN" dirty="0">
+                <a:solidFill>
+                  <a:srgbClr val="24292E"/>
+                </a:solidFill>
+                <a:latin typeface="SFMono-Regular"/>
+              </a:rPr>
+              <a:t> </a:t>
+            </a:r>
+            <a:r>
+              <a:rPr lang="en-US" altLang="zh-CN" dirty="0" err="1">
+                <a:solidFill>
+                  <a:srgbClr val="24292E"/>
+                </a:solidFill>
+                <a:latin typeface="SFMono-Regular"/>
+              </a:rPr>
+              <a:t>kubectl</a:t>
+            </a:r>
+            <a:r>
+              <a:rPr lang="en-US" altLang="zh-CN" dirty="0">
+                <a:solidFill>
+                  <a:srgbClr val="24292E"/>
+                </a:solidFill>
+                <a:latin typeface="SFMono-Regular"/>
+              </a:rPr>
+              <a:t> apply -f </a:t>
+            </a:r>
+            <a:r>
+              <a:rPr lang="en-US" altLang="zh-CN" dirty="0" err="1">
+                <a:solidFill>
+                  <a:srgbClr val="24292E"/>
+                </a:solidFill>
+                <a:latin typeface="SFMono-Regular"/>
+              </a:rPr>
+              <a:t>aspnetcore-deployment.yaml</a:t>
+            </a:r>
+            <a:endParaRPr lang="zh-CN" altLang="en-US" dirty="0"/>
+          </a:p>
+        </p:txBody>
+      </p:sp>
+      <p:sp>
+        <p:nvSpPr>
+          <p:cNvPr id="10" name="矩形 9">
+            <a:extLst>
+              <a:ext uri="{FF2B5EF4-FFF2-40B4-BE49-F238E27FC236}">
+                <a16:creationId xmlns:a16="http://schemas.microsoft.com/office/drawing/2014/main" id="{7E2E3D1B-3994-489D-AD22-F210C1949EE3}"/>
+              </a:ext>
+            </a:extLst>
+          </p:cNvPr>
+          <p:cNvSpPr/>
+          <p:nvPr/>
+        </p:nvSpPr>
+        <p:spPr>
+          <a:xfrm>
+            <a:off x="565120" y="4295463"/>
+            <a:ext cx="3813865" cy="1477328"/>
+          </a:xfrm>
+          <a:prstGeom prst="rect">
+            <a:avLst/>
+          </a:prstGeom>
+        </p:spPr>
+        <p:txBody>
+          <a:bodyPr wrap="none">
+            <a:spAutoFit/>
+          </a:bodyPr>
+          <a:lstStyle/>
+          <a:p>
+            <a:r>
+              <a:rPr lang="zh-CN" altLang="en-US" dirty="0">
+                <a:solidFill>
+                  <a:srgbClr val="24292E"/>
+                </a:solidFill>
+                <a:latin typeface="SFMono-Regular"/>
+              </a:rPr>
+              <a:t>查看状态</a:t>
+            </a:r>
+            <a:endParaRPr lang="en-US" altLang="zh-CN" dirty="0">
+              <a:solidFill>
+                <a:srgbClr val="24292E"/>
+              </a:solidFill>
+              <a:latin typeface="SFMono-Regular"/>
+            </a:endParaRPr>
+          </a:p>
+          <a:p>
+            <a:r>
+              <a:rPr lang="en-US" altLang="zh-CN" dirty="0">
+                <a:solidFill>
+                  <a:srgbClr val="24292E"/>
+                </a:solidFill>
+                <a:latin typeface="SFMono-Regular"/>
+              </a:rPr>
+              <a:t> </a:t>
+            </a:r>
+            <a:r>
+              <a:rPr lang="en-US" altLang="zh-CN" dirty="0" err="1">
+                <a:solidFill>
+                  <a:srgbClr val="24292E"/>
+                </a:solidFill>
+                <a:latin typeface="SFMono-Regular"/>
+              </a:rPr>
+              <a:t>sudo</a:t>
+            </a:r>
+            <a:r>
+              <a:rPr lang="en-US" altLang="zh-CN" dirty="0">
+                <a:solidFill>
+                  <a:srgbClr val="24292E"/>
+                </a:solidFill>
+                <a:latin typeface="SFMono-Regular"/>
+              </a:rPr>
+              <a:t> </a:t>
+            </a:r>
+            <a:r>
+              <a:rPr lang="en-US" altLang="zh-CN" dirty="0" err="1">
+                <a:solidFill>
+                  <a:srgbClr val="24292E"/>
+                </a:solidFill>
+                <a:latin typeface="SFMono-Regular"/>
+              </a:rPr>
+              <a:t>kubectl</a:t>
+            </a:r>
+            <a:r>
+              <a:rPr lang="en-US" altLang="zh-CN" dirty="0">
+                <a:solidFill>
+                  <a:srgbClr val="24292E"/>
+                </a:solidFill>
+                <a:latin typeface="SFMono-Regular"/>
+              </a:rPr>
+              <a:t> get pods</a:t>
+            </a:r>
+          </a:p>
+          <a:p>
+            <a:endParaRPr lang="en-US" altLang="zh-CN" dirty="0"/>
+          </a:p>
+          <a:p>
+            <a:r>
+              <a:rPr lang="zh-CN" altLang="en-US" dirty="0"/>
+              <a:t>测试应用</a:t>
+            </a:r>
+            <a:r>
+              <a:rPr lang="en-US" altLang="zh-CN" dirty="0" err="1"/>
+              <a:t>api</a:t>
+            </a:r>
+            <a:endParaRPr lang="en-US" altLang="zh-CN" dirty="0"/>
+          </a:p>
+          <a:p>
+            <a:r>
+              <a:rPr lang="en-US" altLang="zh-CN" dirty="0" err="1"/>
+              <a:t>sudo</a:t>
+            </a:r>
+            <a:r>
+              <a:rPr lang="en-US" altLang="zh-CN" dirty="0"/>
+              <a:t> curl 10.32.0.14:4044/</a:t>
+            </a:r>
+            <a:r>
+              <a:rPr lang="en-US" altLang="zh-CN" dirty="0" err="1"/>
+              <a:t>api</a:t>
+            </a:r>
+            <a:r>
+              <a:rPr lang="en-US" altLang="zh-CN" dirty="0"/>
+              <a:t>/values</a:t>
+            </a:r>
+            <a:endParaRPr lang="zh-CN" altLang="en-US" dirty="0"/>
+          </a:p>
+        </p:txBody>
+      </p:sp>
+    </p:spTree>
+    <p:extLst>
+      <p:ext uri="{BB962C8B-B14F-4D97-AF65-F5344CB8AC3E}">
+        <p14:creationId xmlns:p14="http://schemas.microsoft.com/office/powerpoint/2010/main" val="2698443676"/>
+      </p:ext>
+    </p:extLst>
+  </p:cSld>
+  <p:clrMapOvr>
+    <a:masterClrMapping/>
+  </p:clrMapOvr>
+</p:sld>
+</file>
+
+<file path=ppt/slides/slide37.xml><?xml version="1.0" encoding="utf-8"?>
+<p:sld xmlns:a="http://schemas.openxmlformats.org/drawingml/2006/main" xmlns:r="http://schemas.openxmlformats.org/officeDocument/2006/relationships" xmlns:p="http://schemas.openxmlformats.org/presentationml/2006/main">
+  <p:cSld>
+    <p:spTree>
+      <p:nvGrpSpPr>
+        <p:cNvPr id="1" name=""/>
+        <p:cNvGrpSpPr/>
+        <p:nvPr/>
+      </p:nvGrpSpPr>
+      <p:grpSpPr>
+        <a:xfrm>
+          <a:off x="0" y="0"/>
+          <a:ext cx="0" cy="0"/>
+          <a:chOff x="0" y="0"/>
+          <a:chExt cx="0" cy="0"/>
+        </a:xfrm>
+      </p:grpSpPr>
+      <p:sp>
+        <p:nvSpPr>
+          <p:cNvPr id="2" name="矩形 1">
+            <a:extLst>
+              <a:ext uri="{FF2B5EF4-FFF2-40B4-BE49-F238E27FC236}">
+                <a16:creationId xmlns:a16="http://schemas.microsoft.com/office/drawing/2014/main" id="{C192DA85-7B99-44B5-8D73-D0D77E2603A8}"/>
+              </a:ext>
+            </a:extLst>
+          </p:cNvPr>
+          <p:cNvSpPr/>
+          <p:nvPr/>
+        </p:nvSpPr>
+        <p:spPr>
+          <a:xfrm>
+            <a:off x="712381" y="1393716"/>
+            <a:ext cx="10994065" cy="1200329"/>
+          </a:xfrm>
+          <a:prstGeom prst="rect">
+            <a:avLst/>
+          </a:prstGeom>
+        </p:spPr>
+        <p:txBody>
+          <a:bodyPr wrap="square">
+            <a:spAutoFit/>
+          </a:bodyPr>
+          <a:lstStyle/>
+          <a:p>
+            <a:r>
+              <a:rPr lang="zh-CN" altLang="en-US" dirty="0"/>
+              <a:t>删除失败</a:t>
+            </a:r>
+            <a:r>
+              <a:rPr lang="en-US" altLang="zh-CN" dirty="0"/>
+              <a:t>Pod</a:t>
+            </a:r>
+          </a:p>
+          <a:p>
+            <a:endParaRPr lang="en-US" altLang="zh-CN" dirty="0"/>
+          </a:p>
+          <a:p>
+            <a:r>
+              <a:rPr lang="zh-CN" altLang="en-US" dirty="0"/>
+              <a:t>sudo kubectl delete pod k8saspnetcoredemo003-deployment-d48f9688f-sj95g  -n default --grace-period=0 --force</a:t>
+            </a:r>
+          </a:p>
+        </p:txBody>
+      </p:sp>
     </p:spTree>
     <p:extLst>
       <p:ext uri="{BB962C8B-B14F-4D97-AF65-F5344CB8AC3E}">
@@ -16617,7 +18793,7 @@
 </p:sld>
 </file>
 
-<file path=ppt/slides/slide37.xml><?xml version="1.0" encoding="utf-8"?>
+<file path=ppt/slides/slide38.xml><?xml version="1.0" encoding="utf-8"?>
 <p:sld xmlns:a="http://schemas.openxmlformats.org/drawingml/2006/main" xmlns:r="http://schemas.openxmlformats.org/officeDocument/2006/relationships" xmlns:p="http://schemas.openxmlformats.org/presentationml/2006/main">
   <p:cSld>
     <p:spTree>
@@ -16755,7 +18931,7 @@
 </p:sld>
 </file>
 
-<file path=ppt/slides/slide38.xml><?xml version="1.0" encoding="utf-8"?>
+<file path=ppt/slides/slide39.xml><?xml version="1.0" encoding="utf-8"?>
 <p:sld xmlns:a="http://schemas.openxmlformats.org/drawingml/2006/main" xmlns:r="http://schemas.openxmlformats.org/officeDocument/2006/relationships" xmlns:p="http://schemas.openxmlformats.org/presentationml/2006/main">
   <p:cSld>
     <p:spTree>

--- a/Asp.NetCoreExperiment/kubernetes/kubernetes.pptx
+++ b/Asp.NetCoreExperiment/kubernetes/kubernetes.pptx
@@ -5,7 +5,7 @@
     <p:sldMasterId id="2147483648" r:id="rId1"/>
   </p:sldMasterIdLst>
   <p:notesMasterIdLst>
-    <p:notesMasterId r:id="rId41"/>
+    <p:notesMasterId r:id="rId53"/>
   </p:notesMasterIdLst>
   <p:sldIdLst>
     <p:sldId id="256" r:id="rId2"/>
@@ -38,15 +38,27 @@
     <p:sldId id="278" r:id="rId29"/>
     <p:sldId id="277" r:id="rId30"/>
     <p:sldId id="284" r:id="rId31"/>
-    <p:sldId id="287" r:id="rId32"/>
-    <p:sldId id="286" r:id="rId33"/>
-    <p:sldId id="288" r:id="rId34"/>
-    <p:sldId id="289" r:id="rId35"/>
-    <p:sldId id="290" r:id="rId36"/>
-    <p:sldId id="295" r:id="rId37"/>
-    <p:sldId id="291" r:id="rId38"/>
-    <p:sldId id="258" r:id="rId39"/>
-    <p:sldId id="257" r:id="rId40"/>
+    <p:sldId id="307" r:id="rId32"/>
+    <p:sldId id="306" r:id="rId33"/>
+    <p:sldId id="287" r:id="rId34"/>
+    <p:sldId id="286" r:id="rId35"/>
+    <p:sldId id="288" r:id="rId36"/>
+    <p:sldId id="289" r:id="rId37"/>
+    <p:sldId id="290" r:id="rId38"/>
+    <p:sldId id="295" r:id="rId39"/>
+    <p:sldId id="291" r:id="rId40"/>
+    <p:sldId id="296" r:id="rId41"/>
+    <p:sldId id="297" r:id="rId42"/>
+    <p:sldId id="298" r:id="rId43"/>
+    <p:sldId id="299" r:id="rId44"/>
+    <p:sldId id="300" r:id="rId45"/>
+    <p:sldId id="301" r:id="rId46"/>
+    <p:sldId id="302" r:id="rId47"/>
+    <p:sldId id="303" r:id="rId48"/>
+    <p:sldId id="304" r:id="rId49"/>
+    <p:sldId id="305" r:id="rId50"/>
+    <p:sldId id="258" r:id="rId51"/>
+    <p:sldId id="257" r:id="rId52"/>
   </p:sldIdLst>
   <p:sldSz cx="12192000" cy="6858000"/>
   <p:notesSz cx="6858000" cy="9144000"/>
@@ -16135,6 +16147,1387 @@
       </p:grpSpPr>
       <p:sp>
         <p:nvSpPr>
+          <p:cNvPr id="2" name="标题 1">
+            <a:extLst>
+              <a:ext uri="{FF2B5EF4-FFF2-40B4-BE49-F238E27FC236}">
+                <a16:creationId xmlns:a16="http://schemas.microsoft.com/office/drawing/2014/main" id="{EAE9FAA8-C318-4695-A8C8-CA1E97AE07C6}"/>
+              </a:ext>
+            </a:extLst>
+          </p:cNvPr>
+          <p:cNvSpPr>
+            <a:spLocks noGrp="1"/>
+          </p:cNvSpPr>
+          <p:nvPr>
+            <p:ph type="title"/>
+          </p:nvPr>
+        </p:nvSpPr>
+        <p:spPr>
+          <a:xfrm>
+            <a:off x="838200" y="365126"/>
+            <a:ext cx="10515600" cy="644968"/>
+          </a:xfrm>
+        </p:spPr>
+        <p:txBody>
+          <a:bodyPr>
+            <a:normAutofit/>
+          </a:bodyPr>
+          <a:lstStyle/>
+          <a:p>
+            <a:r>
+              <a:rPr lang="en-US" altLang="zh-CN" sz="3000" dirty="0"/>
+              <a:t>Service</a:t>
+            </a:r>
+            <a:endParaRPr lang="zh-CN" altLang="en-US" sz="3000" dirty="0"/>
+          </a:p>
+        </p:txBody>
+      </p:sp>
+      <p:sp>
+        <p:nvSpPr>
+          <p:cNvPr id="4" name="矩形 3">
+            <a:extLst>
+              <a:ext uri="{FF2B5EF4-FFF2-40B4-BE49-F238E27FC236}">
+                <a16:creationId xmlns:a16="http://schemas.microsoft.com/office/drawing/2014/main" id="{C407AD38-0DD5-4AF3-A5AB-1AAC367ABCD7}"/>
+              </a:ext>
+            </a:extLst>
+          </p:cNvPr>
+          <p:cNvSpPr/>
+          <p:nvPr/>
+        </p:nvSpPr>
+        <p:spPr>
+          <a:xfrm>
+            <a:off x="634410" y="1107754"/>
+            <a:ext cx="6096000" cy="369332"/>
+          </a:xfrm>
+          <a:prstGeom prst="rect">
+            <a:avLst/>
+          </a:prstGeom>
+        </p:spPr>
+        <p:txBody>
+          <a:bodyPr>
+            <a:spAutoFit/>
+          </a:bodyPr>
+          <a:lstStyle/>
+          <a:p>
+            <a:r>
+              <a:rPr lang="en-US" altLang="zh-CN" dirty="0" err="1"/>
+              <a:t>sudo</a:t>
+            </a:r>
+            <a:r>
+              <a:rPr lang="en-US" altLang="zh-CN" dirty="0"/>
+              <a:t> </a:t>
+            </a:r>
+            <a:r>
+              <a:rPr lang="en-US" altLang="zh-CN" dirty="0" err="1"/>
+              <a:t>sudo</a:t>
+            </a:r>
+            <a:r>
+              <a:rPr lang="en-US" altLang="zh-CN" dirty="0"/>
+              <a:t> </a:t>
+            </a:r>
+            <a:r>
+              <a:rPr lang="en-US" altLang="zh-CN" dirty="0" err="1"/>
+              <a:t>kubectl</a:t>
+            </a:r>
+            <a:r>
+              <a:rPr lang="en-US" altLang="zh-CN" dirty="0"/>
+              <a:t> apply -f </a:t>
+            </a:r>
+            <a:r>
+              <a:rPr lang="en-US" altLang="zh-CN" dirty="0" err="1"/>
+              <a:t>k8ssergvice.yaml</a:t>
+            </a:r>
+            <a:endParaRPr lang="zh-CN" altLang="en-US" dirty="0"/>
+          </a:p>
+        </p:txBody>
+      </p:sp>
+      <p:sp>
+        <p:nvSpPr>
+          <p:cNvPr id="5" name="矩形 4">
+            <a:extLst>
+              <a:ext uri="{FF2B5EF4-FFF2-40B4-BE49-F238E27FC236}">
+                <a16:creationId xmlns:a16="http://schemas.microsoft.com/office/drawing/2014/main" id="{C6A6EA4A-6B6C-445A-BAD6-67F0312855E9}"/>
+              </a:ext>
+            </a:extLst>
+          </p:cNvPr>
+          <p:cNvSpPr/>
+          <p:nvPr/>
+        </p:nvSpPr>
+        <p:spPr>
+          <a:xfrm>
+            <a:off x="7212419" y="535900"/>
+            <a:ext cx="4515293" cy="4401205"/>
+          </a:xfrm>
+          <a:prstGeom prst="rect">
+            <a:avLst/>
+          </a:prstGeom>
+        </p:spPr>
+        <p:style>
+          <a:lnRef idx="2">
+            <a:schemeClr val="accent6">
+              <a:shade val="50000"/>
+            </a:schemeClr>
+          </a:lnRef>
+          <a:fillRef idx="1">
+            <a:schemeClr val="accent6"/>
+          </a:fillRef>
+          <a:effectRef idx="0">
+            <a:schemeClr val="accent6"/>
+          </a:effectRef>
+          <a:fontRef idx="minor">
+            <a:schemeClr val="lt1"/>
+          </a:fontRef>
+        </p:style>
+        <p:txBody>
+          <a:bodyPr wrap="square">
+            <a:spAutoFit/>
+          </a:bodyPr>
+          <a:lstStyle/>
+          <a:p>
+            <a:r>
+              <a:rPr lang="en-US" altLang="zh-CN" dirty="0" err="1"/>
+              <a:t>apiVersion</a:t>
+            </a:r>
+            <a:r>
+              <a:rPr lang="en-US" altLang="zh-CN" dirty="0"/>
+              <a:t>: </a:t>
+            </a:r>
+            <a:r>
+              <a:rPr lang="en-US" altLang="zh-CN" dirty="0" err="1"/>
+              <a:t>v1</a:t>
+            </a:r>
+            <a:endParaRPr lang="zh-CN" altLang="en-US" dirty="0"/>
+          </a:p>
+          <a:p>
+            <a:r>
+              <a:rPr lang="en-US" altLang="zh-CN" dirty="0"/>
+              <a:t>kind: Service</a:t>
+            </a:r>
+            <a:endParaRPr lang="zh-CN" altLang="en-US" dirty="0"/>
+          </a:p>
+          <a:p>
+            <a:r>
+              <a:rPr lang="en-US" altLang="zh-CN" dirty="0"/>
+              <a:t>metadata:</a:t>
+            </a:r>
+            <a:endParaRPr lang="zh-CN" altLang="en-US" dirty="0"/>
+          </a:p>
+          <a:p>
+            <a:r>
+              <a:rPr lang="zh-CN" altLang="en-US" dirty="0"/>
+              <a:t>  </a:t>
+            </a:r>
+            <a:r>
+              <a:rPr lang="en-US" altLang="zh-CN" dirty="0"/>
+              <a:t>name: </a:t>
+            </a:r>
+            <a:r>
+              <a:rPr lang="en-US" altLang="zh-CN" dirty="0" err="1"/>
+              <a:t>sev2</a:t>
+            </a:r>
+            <a:endParaRPr lang="zh-CN" altLang="en-US" dirty="0"/>
+          </a:p>
+          <a:p>
+            <a:r>
+              <a:rPr lang="zh-CN" altLang="en-US" dirty="0"/>
+              <a:t>  </a:t>
+            </a:r>
+            <a:r>
+              <a:rPr lang="en-US" altLang="zh-CN" dirty="0"/>
+              <a:t>labels:</a:t>
+            </a:r>
+            <a:endParaRPr lang="zh-CN" altLang="en-US" dirty="0"/>
+          </a:p>
+          <a:p>
+            <a:r>
+              <a:rPr lang="zh-CN" altLang="en-US" dirty="0"/>
+              <a:t>    </a:t>
+            </a:r>
+            <a:r>
+              <a:rPr lang="en-US" altLang="zh-CN" dirty="0"/>
+              <a:t>app: </a:t>
+            </a:r>
+            <a:r>
+              <a:rPr lang="en-US" altLang="zh-CN" dirty="0" err="1"/>
+              <a:t>service2</a:t>
+            </a:r>
+            <a:endParaRPr lang="zh-CN" altLang="en-US" dirty="0"/>
+          </a:p>
+          <a:p>
+            <a:r>
+              <a:rPr lang="en-US" altLang="zh-CN" dirty="0"/>
+              <a:t>spec:</a:t>
+            </a:r>
+            <a:endParaRPr lang="zh-CN" altLang="en-US" dirty="0"/>
+          </a:p>
+          <a:p>
+            <a:r>
+              <a:rPr lang="zh-CN" altLang="en-US" dirty="0"/>
+              <a:t>  </a:t>
+            </a:r>
+            <a:r>
+              <a:rPr lang="en-US" altLang="zh-CN" dirty="0"/>
+              <a:t>type: </a:t>
+            </a:r>
+            <a:r>
+              <a:rPr lang="en-US" altLang="zh-CN" dirty="0" err="1"/>
+              <a:t>NodePort</a:t>
+            </a:r>
+            <a:endParaRPr lang="zh-CN" altLang="en-US" dirty="0"/>
+          </a:p>
+          <a:p>
+            <a:r>
+              <a:rPr lang="zh-CN" altLang="en-US" dirty="0"/>
+              <a:t>  </a:t>
+            </a:r>
+            <a:r>
+              <a:rPr lang="en-US" altLang="zh-CN" dirty="0"/>
+              <a:t>selector:</a:t>
+            </a:r>
+            <a:endParaRPr lang="zh-CN" altLang="en-US" dirty="0"/>
+          </a:p>
+          <a:p>
+            <a:r>
+              <a:rPr lang="zh-CN" altLang="en-US" dirty="0"/>
+              <a:t>    </a:t>
+            </a:r>
+            <a:r>
+              <a:rPr lang="en-US" altLang="zh-CN" dirty="0"/>
+              <a:t>app: </a:t>
+            </a:r>
+            <a:r>
+              <a:rPr lang="en-US" altLang="zh-CN" dirty="0" err="1"/>
+              <a:t>k8saspnetcoredemo002</a:t>
+            </a:r>
+            <a:endParaRPr lang="zh-CN" altLang="en-US" dirty="0"/>
+          </a:p>
+          <a:p>
+            <a:r>
+              <a:rPr lang="zh-CN" altLang="en-US" dirty="0"/>
+              <a:t>  </a:t>
+            </a:r>
+            <a:r>
+              <a:rPr lang="en-US" altLang="zh-CN" dirty="0"/>
+              <a:t>ports:</a:t>
+            </a:r>
+            <a:endParaRPr lang="zh-CN" altLang="en-US" dirty="0"/>
+          </a:p>
+          <a:p>
+            <a:r>
+              <a:rPr lang="zh-CN" altLang="en-US" dirty="0"/>
+              <a:t>    </a:t>
+            </a:r>
+            <a:r>
+              <a:rPr lang="en-US" altLang="zh-CN" dirty="0"/>
+              <a:t>- protocol: TCP</a:t>
+            </a:r>
+            <a:endParaRPr lang="zh-CN" altLang="en-US" dirty="0"/>
+          </a:p>
+          <a:p>
+            <a:r>
+              <a:rPr lang="zh-CN" altLang="en-US" dirty="0"/>
+              <a:t>      </a:t>
+            </a:r>
+            <a:r>
+              <a:rPr lang="en-US" altLang="zh-CN" dirty="0" err="1"/>
+              <a:t>nodePort</a:t>
+            </a:r>
+            <a:r>
+              <a:rPr lang="en-US" altLang="zh-CN" dirty="0"/>
+              <a:t>: 30004</a:t>
+            </a:r>
+            <a:endParaRPr lang="zh-CN" altLang="en-US" dirty="0"/>
+          </a:p>
+          <a:p>
+            <a:r>
+              <a:rPr lang="zh-CN" altLang="en-US" dirty="0"/>
+              <a:t>      </a:t>
+            </a:r>
+            <a:r>
+              <a:rPr lang="en-US" altLang="zh-CN" dirty="0"/>
+              <a:t>port: 4044</a:t>
+            </a:r>
+            <a:endParaRPr lang="zh-CN" altLang="en-US" dirty="0"/>
+          </a:p>
+          <a:p>
+            <a:r>
+              <a:rPr lang="zh-CN" altLang="en-US" dirty="0"/>
+              <a:t>      </a:t>
+            </a:r>
+            <a:r>
+              <a:rPr lang="en-US" altLang="zh-CN" dirty="0" err="1"/>
+              <a:t>targetPort</a:t>
+            </a:r>
+            <a:r>
+              <a:rPr lang="en-US" altLang="zh-CN" dirty="0"/>
+              <a:t>: 4044</a:t>
+            </a:r>
+            <a:endParaRPr lang="zh-CN" altLang="en-US" dirty="0"/>
+          </a:p>
+          <a:p>
+            <a:endParaRPr lang="zh-CN" altLang="en-US" sz="1000" dirty="0"/>
+          </a:p>
+        </p:txBody>
+      </p:sp>
+      <p:sp>
+        <p:nvSpPr>
+          <p:cNvPr id="7" name="矩形 6">
+            <a:extLst>
+              <a:ext uri="{FF2B5EF4-FFF2-40B4-BE49-F238E27FC236}">
+                <a16:creationId xmlns:a16="http://schemas.microsoft.com/office/drawing/2014/main" id="{559822D3-2383-4906-88AB-D6A968682571}"/>
+              </a:ext>
+            </a:extLst>
+          </p:cNvPr>
+          <p:cNvSpPr/>
+          <p:nvPr/>
+        </p:nvSpPr>
+        <p:spPr>
+          <a:xfrm>
+            <a:off x="751368" y="1779928"/>
+            <a:ext cx="6096000" cy="3970318"/>
+          </a:xfrm>
+          <a:prstGeom prst="rect">
+            <a:avLst/>
+          </a:prstGeom>
+        </p:spPr>
+        <p:style>
+          <a:lnRef idx="2">
+            <a:schemeClr val="accent1"/>
+          </a:lnRef>
+          <a:fillRef idx="1">
+            <a:schemeClr val="lt1"/>
+          </a:fillRef>
+          <a:effectRef idx="0">
+            <a:schemeClr val="accent1"/>
+          </a:effectRef>
+          <a:fontRef idx="minor">
+            <a:schemeClr val="dk1"/>
+          </a:fontRef>
+        </p:style>
+        <p:txBody>
+          <a:bodyPr>
+            <a:spAutoFit/>
+          </a:bodyPr>
+          <a:lstStyle/>
+          <a:p>
+            <a:r>
+              <a:rPr lang="en-US" altLang="zh-CN" sz="1200" dirty="0" err="1">
+                <a:solidFill>
+                  <a:srgbClr val="569CD6"/>
+                </a:solidFill>
+                <a:latin typeface="Consolas" panose="020B0609020204030204" pitchFamily="49" charset="0"/>
+              </a:rPr>
+              <a:t>apiVersion</a:t>
+            </a:r>
+            <a:r>
+              <a:rPr lang="en-US" altLang="zh-CN" sz="1200" dirty="0">
+                <a:solidFill>
+                  <a:srgbClr val="D4D4D4"/>
+                </a:solidFill>
+                <a:latin typeface="Consolas" panose="020B0609020204030204" pitchFamily="49" charset="0"/>
+              </a:rPr>
+              <a:t>: </a:t>
+            </a:r>
+            <a:r>
+              <a:rPr lang="en-US" altLang="zh-CN" sz="1200" dirty="0" err="1">
+                <a:solidFill>
+                  <a:srgbClr val="CE9178"/>
+                </a:solidFill>
+                <a:latin typeface="Consolas" panose="020B0609020204030204" pitchFamily="49" charset="0"/>
+              </a:rPr>
+              <a:t>v1</a:t>
+            </a:r>
+            <a:endParaRPr lang="en-US" altLang="zh-CN" sz="1200" dirty="0">
+              <a:solidFill>
+                <a:srgbClr val="D4D4D4"/>
+              </a:solidFill>
+              <a:latin typeface="Consolas" panose="020B0609020204030204" pitchFamily="49" charset="0"/>
+            </a:endParaRPr>
+          </a:p>
+          <a:p>
+            <a:r>
+              <a:rPr lang="en-US" altLang="zh-CN" sz="1200" dirty="0">
+                <a:solidFill>
+                  <a:srgbClr val="569CD6"/>
+                </a:solidFill>
+                <a:latin typeface="Consolas" panose="020B0609020204030204" pitchFamily="49" charset="0"/>
+              </a:rPr>
+              <a:t>kind</a:t>
+            </a:r>
+            <a:r>
+              <a:rPr lang="en-US" altLang="zh-CN" sz="1200" dirty="0">
+                <a:solidFill>
+                  <a:srgbClr val="D4D4D4"/>
+                </a:solidFill>
+                <a:latin typeface="Consolas" panose="020B0609020204030204" pitchFamily="49" charset="0"/>
+              </a:rPr>
+              <a:t>: </a:t>
+            </a:r>
+            <a:r>
+              <a:rPr lang="en-US" altLang="zh-CN" sz="1200" dirty="0">
+                <a:solidFill>
+                  <a:srgbClr val="CE9178"/>
+                </a:solidFill>
+                <a:latin typeface="Consolas" panose="020B0609020204030204" pitchFamily="49" charset="0"/>
+              </a:rPr>
+              <a:t>Service</a:t>
+            </a:r>
+            <a:endParaRPr lang="en-US" altLang="zh-CN" sz="1200" dirty="0">
+              <a:solidFill>
+                <a:srgbClr val="D4D4D4"/>
+              </a:solidFill>
+              <a:latin typeface="Consolas" panose="020B0609020204030204" pitchFamily="49" charset="0"/>
+            </a:endParaRPr>
+          </a:p>
+          <a:p>
+            <a:r>
+              <a:rPr lang="en-US" altLang="zh-CN" sz="1200" dirty="0">
+                <a:solidFill>
+                  <a:srgbClr val="569CD6"/>
+                </a:solidFill>
+                <a:latin typeface="Consolas" panose="020B0609020204030204" pitchFamily="49" charset="0"/>
+              </a:rPr>
+              <a:t>metadata</a:t>
+            </a:r>
+            <a:r>
+              <a:rPr lang="en-US" altLang="zh-CN" sz="1200" dirty="0">
+                <a:solidFill>
+                  <a:srgbClr val="D4D4D4"/>
+                </a:solidFill>
+                <a:latin typeface="Consolas" panose="020B0609020204030204" pitchFamily="49" charset="0"/>
+              </a:rPr>
+              <a:t>:</a:t>
+            </a:r>
+          </a:p>
+          <a:p>
+            <a:r>
+              <a:rPr lang="en-US" altLang="zh-CN" sz="1200" dirty="0">
+                <a:solidFill>
+                  <a:srgbClr val="569CD6"/>
+                </a:solidFill>
+                <a:latin typeface="Consolas" panose="020B0609020204030204" pitchFamily="49" charset="0"/>
+              </a:rPr>
+              <a:t>name</a:t>
+            </a:r>
+            <a:r>
+              <a:rPr lang="en-US" altLang="zh-CN" sz="1200" dirty="0">
+                <a:solidFill>
+                  <a:srgbClr val="D4D4D4"/>
+                </a:solidFill>
+                <a:latin typeface="Consolas" panose="020B0609020204030204" pitchFamily="49" charset="0"/>
+              </a:rPr>
+              <a:t>: </a:t>
+            </a:r>
+            <a:r>
+              <a:rPr lang="en-US" altLang="zh-CN" sz="1200" dirty="0" err="1">
+                <a:solidFill>
+                  <a:srgbClr val="CE9178"/>
+                </a:solidFill>
+                <a:latin typeface="Consolas" panose="020B0609020204030204" pitchFamily="49" charset="0"/>
+              </a:rPr>
+              <a:t>kube</a:t>
+            </a:r>
+            <a:r>
+              <a:rPr lang="en-US" altLang="zh-CN" sz="1200" dirty="0">
+                <a:solidFill>
+                  <a:srgbClr val="CE9178"/>
+                </a:solidFill>
+                <a:latin typeface="Consolas" panose="020B0609020204030204" pitchFamily="49" charset="0"/>
+              </a:rPr>
+              <a:t>-node-service</a:t>
+            </a:r>
+            <a:endParaRPr lang="en-US" altLang="zh-CN" sz="1200" dirty="0">
+              <a:solidFill>
+                <a:srgbClr val="D4D4D4"/>
+              </a:solidFill>
+              <a:latin typeface="Consolas" panose="020B0609020204030204" pitchFamily="49" charset="0"/>
+            </a:endParaRPr>
+          </a:p>
+          <a:p>
+            <a:r>
+              <a:rPr lang="en-US" altLang="zh-CN" sz="1200" dirty="0">
+                <a:solidFill>
+                  <a:srgbClr val="569CD6"/>
+                </a:solidFill>
+                <a:latin typeface="Consolas" panose="020B0609020204030204" pitchFamily="49" charset="0"/>
+              </a:rPr>
+              <a:t>labels</a:t>
+            </a:r>
+            <a:r>
+              <a:rPr lang="en-US" altLang="zh-CN" sz="1200" dirty="0">
+                <a:solidFill>
+                  <a:srgbClr val="D4D4D4"/>
+                </a:solidFill>
+                <a:latin typeface="Consolas" panose="020B0609020204030204" pitchFamily="49" charset="0"/>
+              </a:rPr>
+              <a:t>:</a:t>
+            </a:r>
+          </a:p>
+          <a:p>
+            <a:r>
+              <a:rPr lang="en-US" altLang="zh-CN" sz="1200" dirty="0">
+                <a:solidFill>
+                  <a:srgbClr val="569CD6"/>
+                </a:solidFill>
+                <a:latin typeface="Consolas" panose="020B0609020204030204" pitchFamily="49" charset="0"/>
+              </a:rPr>
+              <a:t>name</a:t>
+            </a:r>
+            <a:r>
+              <a:rPr lang="en-US" altLang="zh-CN" sz="1200" dirty="0">
+                <a:solidFill>
+                  <a:srgbClr val="D4D4D4"/>
+                </a:solidFill>
+                <a:latin typeface="Consolas" panose="020B0609020204030204" pitchFamily="49" charset="0"/>
+              </a:rPr>
+              <a:t>: </a:t>
+            </a:r>
+            <a:r>
+              <a:rPr lang="en-US" altLang="zh-CN" sz="1200" dirty="0" err="1">
+                <a:solidFill>
+                  <a:srgbClr val="CE9178"/>
+                </a:solidFill>
+                <a:latin typeface="Consolas" panose="020B0609020204030204" pitchFamily="49" charset="0"/>
+              </a:rPr>
+              <a:t>kube</a:t>
+            </a:r>
+            <a:r>
+              <a:rPr lang="en-US" altLang="zh-CN" sz="1200" dirty="0">
+                <a:solidFill>
+                  <a:srgbClr val="CE9178"/>
+                </a:solidFill>
+                <a:latin typeface="Consolas" panose="020B0609020204030204" pitchFamily="49" charset="0"/>
+              </a:rPr>
+              <a:t>-node-service</a:t>
+            </a:r>
+            <a:endParaRPr lang="en-US" altLang="zh-CN" sz="1200" dirty="0">
+              <a:solidFill>
+                <a:srgbClr val="D4D4D4"/>
+              </a:solidFill>
+              <a:latin typeface="Consolas" panose="020B0609020204030204" pitchFamily="49" charset="0"/>
+            </a:endParaRPr>
+          </a:p>
+          <a:p>
+            <a:r>
+              <a:rPr lang="en-US" altLang="zh-CN" sz="1200" dirty="0">
+                <a:solidFill>
+                  <a:srgbClr val="569CD6"/>
+                </a:solidFill>
+                <a:latin typeface="Consolas" panose="020B0609020204030204" pitchFamily="49" charset="0"/>
+              </a:rPr>
+              <a:t>spec</a:t>
+            </a:r>
+            <a:r>
+              <a:rPr lang="en-US" altLang="zh-CN" sz="1200" dirty="0">
+                <a:solidFill>
+                  <a:srgbClr val="D4D4D4"/>
+                </a:solidFill>
+                <a:latin typeface="Consolas" panose="020B0609020204030204" pitchFamily="49" charset="0"/>
+              </a:rPr>
+              <a:t>:</a:t>
+            </a:r>
+          </a:p>
+          <a:p>
+            <a:r>
+              <a:rPr lang="en-US" altLang="zh-CN" sz="1200" dirty="0">
+                <a:solidFill>
+                  <a:srgbClr val="569CD6"/>
+                </a:solidFill>
+                <a:latin typeface="Consolas" panose="020B0609020204030204" pitchFamily="49" charset="0"/>
+              </a:rPr>
+              <a:t>type</a:t>
+            </a:r>
+            <a:r>
+              <a:rPr lang="en-US" altLang="zh-CN" sz="1200" dirty="0">
+                <a:solidFill>
+                  <a:srgbClr val="D4D4D4"/>
+                </a:solidFill>
+                <a:latin typeface="Consolas" panose="020B0609020204030204" pitchFamily="49" charset="0"/>
+              </a:rPr>
+              <a:t>: </a:t>
+            </a:r>
+            <a:r>
+              <a:rPr lang="en-US" altLang="zh-CN" sz="1200" dirty="0" err="1">
+                <a:solidFill>
+                  <a:srgbClr val="CE9178"/>
+                </a:solidFill>
+                <a:latin typeface="Consolas" panose="020B0609020204030204" pitchFamily="49" charset="0"/>
+              </a:rPr>
+              <a:t>NodePort</a:t>
+            </a:r>
+            <a:r>
+              <a:rPr lang="en-US" altLang="zh-CN" sz="1200" dirty="0">
+                <a:solidFill>
+                  <a:srgbClr val="D4D4D4"/>
+                </a:solidFill>
+                <a:latin typeface="Consolas" panose="020B0609020204030204" pitchFamily="49" charset="0"/>
+              </a:rPr>
+              <a:t> </a:t>
+            </a:r>
+            <a:r>
+              <a:rPr lang="en-US" altLang="zh-CN" sz="1200" dirty="0">
+                <a:solidFill>
+                  <a:srgbClr val="6A9955"/>
+                </a:solidFill>
+                <a:latin typeface="Consolas" panose="020B0609020204030204" pitchFamily="49" charset="0"/>
+              </a:rPr>
+              <a:t>#</a:t>
+            </a:r>
+            <a:r>
+              <a:rPr lang="zh-CN" altLang="en-US" sz="1200" dirty="0">
+                <a:solidFill>
+                  <a:srgbClr val="6A9955"/>
+                </a:solidFill>
+                <a:latin typeface="Consolas" panose="020B0609020204030204" pitchFamily="49" charset="0"/>
+              </a:rPr>
+              <a:t>这里代表是</a:t>
+            </a:r>
+            <a:r>
+              <a:rPr lang="en-US" altLang="zh-CN" sz="1200" dirty="0" err="1">
+                <a:solidFill>
+                  <a:srgbClr val="6A9955"/>
+                </a:solidFill>
+                <a:latin typeface="Consolas" panose="020B0609020204030204" pitchFamily="49" charset="0"/>
+              </a:rPr>
+              <a:t>NodePort</a:t>
+            </a:r>
+            <a:r>
+              <a:rPr lang="zh-CN" altLang="en-US" sz="1200" dirty="0">
+                <a:solidFill>
+                  <a:srgbClr val="6A9955"/>
+                </a:solidFill>
+                <a:latin typeface="Consolas" panose="020B0609020204030204" pitchFamily="49" charset="0"/>
+              </a:rPr>
+              <a:t>类型的</a:t>
+            </a:r>
+            <a:endParaRPr lang="zh-CN" altLang="en-US" sz="1200" dirty="0">
+              <a:solidFill>
+                <a:srgbClr val="D4D4D4"/>
+              </a:solidFill>
+              <a:latin typeface="Consolas" panose="020B0609020204030204" pitchFamily="49" charset="0"/>
+            </a:endParaRPr>
+          </a:p>
+          <a:p>
+            <a:r>
+              <a:rPr lang="en-US" altLang="zh-CN" sz="1200" dirty="0">
+                <a:solidFill>
+                  <a:srgbClr val="569CD6"/>
+                </a:solidFill>
+                <a:latin typeface="Consolas" panose="020B0609020204030204" pitchFamily="49" charset="0"/>
+              </a:rPr>
+              <a:t>ports</a:t>
+            </a:r>
+            <a:r>
+              <a:rPr lang="en-US" altLang="zh-CN" sz="1200" dirty="0">
+                <a:solidFill>
+                  <a:srgbClr val="D4D4D4"/>
+                </a:solidFill>
+                <a:latin typeface="Consolas" panose="020B0609020204030204" pitchFamily="49" charset="0"/>
+              </a:rPr>
+              <a:t>:</a:t>
+            </a:r>
+          </a:p>
+          <a:p>
+            <a:r>
+              <a:rPr lang="en-US" altLang="zh-CN" sz="1200" dirty="0">
+                <a:solidFill>
+                  <a:srgbClr val="D4D4D4"/>
+                </a:solidFill>
+                <a:latin typeface="Consolas" panose="020B0609020204030204" pitchFamily="49" charset="0"/>
+              </a:rPr>
+              <a:t>- </a:t>
+            </a:r>
+            <a:r>
+              <a:rPr lang="en-US" altLang="zh-CN" sz="1200" dirty="0">
+                <a:solidFill>
+                  <a:srgbClr val="569CD6"/>
+                </a:solidFill>
+                <a:latin typeface="Consolas" panose="020B0609020204030204" pitchFamily="49" charset="0"/>
+              </a:rPr>
+              <a:t>port</a:t>
+            </a:r>
+            <a:r>
+              <a:rPr lang="en-US" altLang="zh-CN" sz="1200" dirty="0">
+                <a:solidFill>
+                  <a:srgbClr val="D4D4D4"/>
+                </a:solidFill>
+                <a:latin typeface="Consolas" panose="020B0609020204030204" pitchFamily="49" charset="0"/>
+              </a:rPr>
+              <a:t>: </a:t>
+            </a:r>
+            <a:r>
+              <a:rPr lang="en-US" altLang="zh-CN" sz="1200" dirty="0">
+                <a:solidFill>
+                  <a:srgbClr val="B5CEA8"/>
+                </a:solidFill>
+                <a:latin typeface="Consolas" panose="020B0609020204030204" pitchFamily="49" charset="0"/>
+              </a:rPr>
+              <a:t>80</a:t>
+            </a:r>
+            <a:r>
+              <a:rPr lang="en-US" altLang="zh-CN" sz="1200" dirty="0">
+                <a:solidFill>
+                  <a:srgbClr val="D4D4D4"/>
+                </a:solidFill>
+                <a:latin typeface="Consolas" panose="020B0609020204030204" pitchFamily="49" charset="0"/>
+              </a:rPr>
+              <a:t> </a:t>
+            </a:r>
+            <a:r>
+              <a:rPr lang="en-US" altLang="zh-CN" sz="1200" dirty="0">
+                <a:solidFill>
+                  <a:srgbClr val="6A9955"/>
+                </a:solidFill>
+                <a:latin typeface="Consolas" panose="020B0609020204030204" pitchFamily="49" charset="0"/>
+              </a:rPr>
+              <a:t>#</a:t>
+            </a:r>
+            <a:r>
+              <a:rPr lang="zh-CN" altLang="en-US" sz="1200" dirty="0">
+                <a:solidFill>
+                  <a:srgbClr val="6A9955"/>
+                </a:solidFill>
+                <a:latin typeface="Consolas" panose="020B0609020204030204" pitchFamily="49" charset="0"/>
+              </a:rPr>
+              <a:t>这里的端口和</a:t>
+            </a:r>
+            <a:r>
+              <a:rPr lang="en-US" altLang="zh-CN" sz="1200" dirty="0" err="1">
+                <a:solidFill>
+                  <a:srgbClr val="6A9955"/>
+                </a:solidFill>
+                <a:latin typeface="Consolas" panose="020B0609020204030204" pitchFamily="49" charset="0"/>
+              </a:rPr>
+              <a:t>clusterIP</a:t>
+            </a:r>
+            <a:r>
+              <a:rPr lang="en-US" altLang="zh-CN" sz="1200" dirty="0">
+                <a:solidFill>
+                  <a:srgbClr val="6A9955"/>
+                </a:solidFill>
+                <a:latin typeface="Consolas" panose="020B0609020204030204" pitchFamily="49" charset="0"/>
+              </a:rPr>
+              <a:t>(10.97.114.36)</a:t>
+            </a:r>
+            <a:r>
+              <a:rPr lang="zh-CN" altLang="en-US" sz="1200" dirty="0">
+                <a:solidFill>
+                  <a:srgbClr val="6A9955"/>
+                </a:solidFill>
+                <a:latin typeface="Consolas" panose="020B0609020204030204" pitchFamily="49" charset="0"/>
+              </a:rPr>
+              <a:t>对应，即</a:t>
+            </a:r>
+            <a:r>
+              <a:rPr lang="en-US" altLang="zh-CN" sz="1200" dirty="0">
+                <a:solidFill>
+                  <a:srgbClr val="6A9955"/>
+                </a:solidFill>
+                <a:latin typeface="Consolas" panose="020B0609020204030204" pitchFamily="49" charset="0"/>
+              </a:rPr>
+              <a:t>10.97.114.36:80,</a:t>
+            </a:r>
+            <a:r>
+              <a:rPr lang="zh-CN" altLang="en-US" sz="1200" dirty="0">
+                <a:solidFill>
+                  <a:srgbClr val="6A9955"/>
+                </a:solidFill>
+                <a:latin typeface="Consolas" panose="020B0609020204030204" pitchFamily="49" charset="0"/>
+              </a:rPr>
+              <a:t>供内部访问。</a:t>
+            </a:r>
+            <a:endParaRPr lang="zh-CN" altLang="en-US" sz="1200" dirty="0">
+              <a:solidFill>
+                <a:srgbClr val="D4D4D4"/>
+              </a:solidFill>
+              <a:latin typeface="Consolas" panose="020B0609020204030204" pitchFamily="49" charset="0"/>
+            </a:endParaRPr>
+          </a:p>
+          <a:p>
+            <a:r>
+              <a:rPr lang="en-US" altLang="zh-CN" sz="1200" dirty="0" err="1">
+                <a:solidFill>
+                  <a:srgbClr val="569CD6"/>
+                </a:solidFill>
+                <a:latin typeface="Consolas" panose="020B0609020204030204" pitchFamily="49" charset="0"/>
+              </a:rPr>
+              <a:t>targetPort</a:t>
+            </a:r>
+            <a:r>
+              <a:rPr lang="en-US" altLang="zh-CN" sz="1200" dirty="0">
+                <a:solidFill>
+                  <a:srgbClr val="D4D4D4"/>
+                </a:solidFill>
+                <a:latin typeface="Consolas" panose="020B0609020204030204" pitchFamily="49" charset="0"/>
+              </a:rPr>
+              <a:t>: </a:t>
+            </a:r>
+            <a:r>
+              <a:rPr lang="en-US" altLang="zh-CN" sz="1200" dirty="0">
+                <a:solidFill>
+                  <a:srgbClr val="B5CEA8"/>
+                </a:solidFill>
+                <a:latin typeface="Consolas" panose="020B0609020204030204" pitchFamily="49" charset="0"/>
+              </a:rPr>
+              <a:t>8081</a:t>
+            </a:r>
+            <a:r>
+              <a:rPr lang="en-US" altLang="zh-CN" sz="1200" dirty="0">
+                <a:solidFill>
+                  <a:srgbClr val="D4D4D4"/>
+                </a:solidFill>
+                <a:latin typeface="Consolas" panose="020B0609020204030204" pitchFamily="49" charset="0"/>
+              </a:rPr>
+              <a:t> </a:t>
+            </a:r>
+            <a:r>
+              <a:rPr lang="en-US" altLang="zh-CN" sz="1200" dirty="0">
+                <a:solidFill>
+                  <a:srgbClr val="6A9955"/>
+                </a:solidFill>
+                <a:latin typeface="Consolas" panose="020B0609020204030204" pitchFamily="49" charset="0"/>
+              </a:rPr>
+              <a:t>#</a:t>
+            </a:r>
+            <a:r>
+              <a:rPr lang="zh-CN" altLang="en-US" sz="1200" dirty="0">
+                <a:solidFill>
+                  <a:srgbClr val="6A9955"/>
+                </a:solidFill>
+                <a:latin typeface="Consolas" panose="020B0609020204030204" pitchFamily="49" charset="0"/>
+              </a:rPr>
+              <a:t>端口一定要和</a:t>
+            </a:r>
+            <a:r>
+              <a:rPr lang="en-US" altLang="zh-CN" sz="1200" dirty="0">
+                <a:solidFill>
+                  <a:srgbClr val="6A9955"/>
+                </a:solidFill>
+                <a:latin typeface="Consolas" panose="020B0609020204030204" pitchFamily="49" charset="0"/>
+              </a:rPr>
+              <a:t>container</a:t>
+            </a:r>
+            <a:r>
+              <a:rPr lang="zh-CN" altLang="en-US" sz="1200" dirty="0">
+                <a:solidFill>
+                  <a:srgbClr val="6A9955"/>
+                </a:solidFill>
+                <a:latin typeface="Consolas" panose="020B0609020204030204" pitchFamily="49" charset="0"/>
+              </a:rPr>
+              <a:t>暴露出来的端口对应，</a:t>
+            </a:r>
+            <a:r>
+              <a:rPr lang="en-US" altLang="zh-CN" sz="1200" dirty="0" err="1">
+                <a:solidFill>
+                  <a:srgbClr val="6A9955"/>
+                </a:solidFill>
+                <a:latin typeface="Consolas" panose="020B0609020204030204" pitchFamily="49" charset="0"/>
+              </a:rPr>
+              <a:t>nodejs</a:t>
+            </a:r>
+            <a:r>
+              <a:rPr lang="zh-CN" altLang="en-US" sz="1200" dirty="0">
+                <a:solidFill>
+                  <a:srgbClr val="6A9955"/>
+                </a:solidFill>
+                <a:latin typeface="Consolas" panose="020B0609020204030204" pitchFamily="49" charset="0"/>
+              </a:rPr>
+              <a:t>暴露出来的端口是</a:t>
+            </a:r>
+            <a:r>
+              <a:rPr lang="en-US" altLang="zh-CN" sz="1200" dirty="0">
+                <a:solidFill>
+                  <a:srgbClr val="6A9955"/>
+                </a:solidFill>
+                <a:latin typeface="Consolas" panose="020B0609020204030204" pitchFamily="49" charset="0"/>
+              </a:rPr>
+              <a:t>8081</a:t>
+            </a:r>
+            <a:r>
+              <a:rPr lang="zh-CN" altLang="en-US" sz="1200" dirty="0">
+                <a:solidFill>
+                  <a:srgbClr val="6A9955"/>
+                </a:solidFill>
+                <a:latin typeface="Consolas" panose="020B0609020204030204" pitchFamily="49" charset="0"/>
+              </a:rPr>
+              <a:t>，所以这里也应是</a:t>
+            </a:r>
+            <a:r>
+              <a:rPr lang="en-US" altLang="zh-CN" sz="1200" dirty="0">
+                <a:solidFill>
+                  <a:srgbClr val="6A9955"/>
+                </a:solidFill>
+                <a:latin typeface="Consolas" panose="020B0609020204030204" pitchFamily="49" charset="0"/>
+              </a:rPr>
+              <a:t>8081</a:t>
+            </a:r>
+            <a:endParaRPr lang="zh-CN" altLang="en-US" sz="1200" dirty="0">
+              <a:solidFill>
+                <a:srgbClr val="D4D4D4"/>
+              </a:solidFill>
+              <a:latin typeface="Consolas" panose="020B0609020204030204" pitchFamily="49" charset="0"/>
+            </a:endParaRPr>
+          </a:p>
+          <a:p>
+            <a:r>
+              <a:rPr lang="en-US" altLang="zh-CN" sz="1200" dirty="0">
+                <a:solidFill>
+                  <a:srgbClr val="569CD6"/>
+                </a:solidFill>
+                <a:latin typeface="Consolas" panose="020B0609020204030204" pitchFamily="49" charset="0"/>
+              </a:rPr>
+              <a:t>protocol</a:t>
+            </a:r>
+            <a:r>
+              <a:rPr lang="en-US" altLang="zh-CN" sz="1200" dirty="0">
+                <a:solidFill>
+                  <a:srgbClr val="D4D4D4"/>
+                </a:solidFill>
+                <a:latin typeface="Consolas" panose="020B0609020204030204" pitchFamily="49" charset="0"/>
+              </a:rPr>
+              <a:t>: </a:t>
+            </a:r>
+            <a:r>
+              <a:rPr lang="en-US" altLang="zh-CN" sz="1200" dirty="0">
+                <a:solidFill>
+                  <a:srgbClr val="CE9178"/>
+                </a:solidFill>
+                <a:latin typeface="Consolas" panose="020B0609020204030204" pitchFamily="49" charset="0"/>
+              </a:rPr>
+              <a:t>TCP</a:t>
+            </a:r>
+            <a:endParaRPr lang="en-US" altLang="zh-CN" sz="1200" dirty="0">
+              <a:solidFill>
+                <a:srgbClr val="D4D4D4"/>
+              </a:solidFill>
+              <a:latin typeface="Consolas" panose="020B0609020204030204" pitchFamily="49" charset="0"/>
+            </a:endParaRPr>
+          </a:p>
+          <a:p>
+            <a:r>
+              <a:rPr lang="en-US" altLang="zh-CN" sz="1200" dirty="0" err="1">
+                <a:solidFill>
+                  <a:srgbClr val="569CD6"/>
+                </a:solidFill>
+                <a:latin typeface="Consolas" panose="020B0609020204030204" pitchFamily="49" charset="0"/>
+              </a:rPr>
+              <a:t>nodePort</a:t>
+            </a:r>
+            <a:r>
+              <a:rPr lang="en-US" altLang="zh-CN" sz="1200" dirty="0">
+                <a:solidFill>
+                  <a:srgbClr val="D4D4D4"/>
+                </a:solidFill>
+                <a:latin typeface="Consolas" panose="020B0609020204030204" pitchFamily="49" charset="0"/>
+              </a:rPr>
+              <a:t>: </a:t>
+            </a:r>
+            <a:r>
+              <a:rPr lang="en-US" altLang="zh-CN" sz="1200" dirty="0">
+                <a:solidFill>
+                  <a:srgbClr val="B5CEA8"/>
+                </a:solidFill>
+                <a:latin typeface="Consolas" panose="020B0609020204030204" pitchFamily="49" charset="0"/>
+              </a:rPr>
+              <a:t>32143</a:t>
+            </a:r>
+            <a:r>
+              <a:rPr lang="en-US" altLang="zh-CN" sz="1200" dirty="0">
+                <a:solidFill>
+                  <a:srgbClr val="D4D4D4"/>
+                </a:solidFill>
+                <a:latin typeface="Consolas" panose="020B0609020204030204" pitchFamily="49" charset="0"/>
+              </a:rPr>
+              <a:t> </a:t>
+            </a:r>
+            <a:r>
+              <a:rPr lang="en-US" altLang="zh-CN" sz="1200" dirty="0">
+                <a:solidFill>
+                  <a:srgbClr val="6A9955"/>
+                </a:solidFill>
+                <a:latin typeface="Consolas" panose="020B0609020204030204" pitchFamily="49" charset="0"/>
+              </a:rPr>
+              <a:t># </a:t>
+            </a:r>
+            <a:r>
+              <a:rPr lang="zh-CN" altLang="en-US" sz="1200" dirty="0">
+                <a:solidFill>
+                  <a:srgbClr val="6A9955"/>
+                </a:solidFill>
+                <a:latin typeface="Consolas" panose="020B0609020204030204" pitchFamily="49" charset="0"/>
+              </a:rPr>
+              <a:t>所有的节点都会开放此端口，此端口供外部调用。</a:t>
+            </a:r>
+            <a:endParaRPr lang="zh-CN" altLang="en-US" sz="1200" dirty="0">
+              <a:solidFill>
+                <a:srgbClr val="D4D4D4"/>
+              </a:solidFill>
+              <a:latin typeface="Consolas" panose="020B0609020204030204" pitchFamily="49" charset="0"/>
+            </a:endParaRPr>
+          </a:p>
+          <a:p>
+            <a:r>
+              <a:rPr lang="en-US" altLang="zh-CN" sz="1200" dirty="0">
+                <a:solidFill>
+                  <a:srgbClr val="569CD6"/>
+                </a:solidFill>
+                <a:latin typeface="Consolas" panose="020B0609020204030204" pitchFamily="49" charset="0"/>
+              </a:rPr>
+              <a:t>selector</a:t>
+            </a:r>
+            <a:r>
+              <a:rPr lang="en-US" altLang="zh-CN" sz="1200" dirty="0">
+                <a:solidFill>
+                  <a:srgbClr val="D4D4D4"/>
+                </a:solidFill>
+                <a:latin typeface="Consolas" panose="020B0609020204030204" pitchFamily="49" charset="0"/>
+              </a:rPr>
+              <a:t>:</a:t>
+            </a:r>
+          </a:p>
+          <a:p>
+            <a:r>
+              <a:rPr lang="en-US" altLang="zh-CN" sz="1200" dirty="0">
+                <a:solidFill>
+                  <a:srgbClr val="569CD6"/>
+                </a:solidFill>
+                <a:latin typeface="Consolas" panose="020B0609020204030204" pitchFamily="49" charset="0"/>
+              </a:rPr>
+              <a:t>app</a:t>
+            </a:r>
+            <a:r>
+              <a:rPr lang="en-US" altLang="zh-CN" sz="1200" dirty="0">
+                <a:solidFill>
+                  <a:srgbClr val="D4D4D4"/>
+                </a:solidFill>
+                <a:latin typeface="Consolas" panose="020B0609020204030204" pitchFamily="49" charset="0"/>
+              </a:rPr>
+              <a:t>: </a:t>
+            </a:r>
+            <a:r>
+              <a:rPr lang="en-US" altLang="zh-CN" sz="1200" dirty="0">
+                <a:solidFill>
+                  <a:srgbClr val="CE9178"/>
+                </a:solidFill>
+                <a:latin typeface="Consolas" panose="020B0609020204030204" pitchFamily="49" charset="0"/>
+              </a:rPr>
+              <a:t>web</a:t>
+            </a:r>
+            <a:r>
+              <a:rPr lang="en-US" altLang="zh-CN" sz="1200" dirty="0">
+                <a:solidFill>
+                  <a:srgbClr val="D4D4D4"/>
+                </a:solidFill>
+                <a:latin typeface="Consolas" panose="020B0609020204030204" pitchFamily="49" charset="0"/>
+              </a:rPr>
+              <a:t> </a:t>
+            </a:r>
+            <a:r>
+              <a:rPr lang="en-US" altLang="zh-CN" sz="1200" dirty="0">
+                <a:solidFill>
+                  <a:srgbClr val="6A9955"/>
+                </a:solidFill>
+                <a:latin typeface="Consolas" panose="020B0609020204030204" pitchFamily="49" charset="0"/>
+              </a:rPr>
+              <a:t>#</a:t>
+            </a:r>
+            <a:r>
+              <a:rPr lang="zh-CN" altLang="en-US" sz="1200" dirty="0">
+                <a:solidFill>
+                  <a:srgbClr val="6A9955"/>
+                </a:solidFill>
+                <a:latin typeface="Consolas" panose="020B0609020204030204" pitchFamily="49" charset="0"/>
+              </a:rPr>
+              <a:t>这里选择器一定要选择容器的标签，之前写</a:t>
+            </a:r>
+            <a:r>
+              <a:rPr lang="en-US" altLang="zh-CN" sz="1200" dirty="0" err="1">
+                <a:solidFill>
+                  <a:srgbClr val="6A9955"/>
+                </a:solidFill>
+                <a:latin typeface="Consolas" panose="020B0609020204030204" pitchFamily="49" charset="0"/>
+              </a:rPr>
+              <a:t>name:kube-node</a:t>
+            </a:r>
+            <a:r>
+              <a:rPr lang="zh-CN" altLang="en-US" sz="1200" dirty="0">
+                <a:solidFill>
+                  <a:srgbClr val="6A9955"/>
+                </a:solidFill>
+                <a:latin typeface="Consolas" panose="020B0609020204030204" pitchFamily="49" charset="0"/>
+              </a:rPr>
+              <a:t>是错的。</a:t>
+            </a:r>
+            <a:endParaRPr lang="zh-CN" altLang="en-US" sz="1200" dirty="0">
+              <a:solidFill>
+                <a:srgbClr val="D4D4D4"/>
+              </a:solidFill>
+              <a:latin typeface="Consolas" panose="020B0609020204030204" pitchFamily="49" charset="0"/>
+            </a:endParaRPr>
+          </a:p>
+          <a:p>
+            <a:r>
+              <a:rPr lang="en-US" altLang="zh-CN" sz="1200" dirty="0">
+                <a:solidFill>
+                  <a:srgbClr val="569CD6"/>
+                </a:solidFill>
+                <a:latin typeface="Consolas" panose="020B0609020204030204" pitchFamily="49" charset="0"/>
+              </a:rPr>
+              <a:t>status</a:t>
+            </a:r>
+            <a:r>
+              <a:rPr lang="en-US" altLang="zh-CN" sz="1200" dirty="0">
+                <a:solidFill>
+                  <a:srgbClr val="D4D4D4"/>
+                </a:solidFill>
+                <a:latin typeface="Consolas" panose="020B0609020204030204" pitchFamily="49" charset="0"/>
+              </a:rPr>
+              <a:t>:</a:t>
+            </a:r>
+          </a:p>
+          <a:p>
+            <a:r>
+              <a:rPr lang="en-US" altLang="zh-CN" sz="1200" dirty="0" err="1">
+                <a:solidFill>
+                  <a:srgbClr val="569CD6"/>
+                </a:solidFill>
+                <a:latin typeface="Consolas" panose="020B0609020204030204" pitchFamily="49" charset="0"/>
+              </a:rPr>
+              <a:t>loadBalancer</a:t>
+            </a:r>
+            <a:r>
+              <a:rPr lang="en-US" altLang="zh-CN" sz="1200" dirty="0">
+                <a:solidFill>
+                  <a:srgbClr val="D4D4D4"/>
+                </a:solidFill>
+                <a:latin typeface="Consolas" panose="020B0609020204030204" pitchFamily="49" charset="0"/>
+              </a:rPr>
+              <a:t>:</a:t>
+            </a:r>
+          </a:p>
+          <a:p>
+            <a:r>
+              <a:rPr lang="en-US" altLang="zh-CN" sz="1200" dirty="0">
+                <a:solidFill>
+                  <a:srgbClr val="569CD6"/>
+                </a:solidFill>
+                <a:latin typeface="Consolas" panose="020B0609020204030204" pitchFamily="49" charset="0"/>
+              </a:rPr>
+              <a:t>ingress</a:t>
+            </a:r>
+            <a:r>
+              <a:rPr lang="en-US" altLang="zh-CN" sz="1200" dirty="0">
+                <a:solidFill>
+                  <a:srgbClr val="D4D4D4"/>
+                </a:solidFill>
+                <a:latin typeface="Consolas" panose="020B0609020204030204" pitchFamily="49" charset="0"/>
+              </a:rPr>
+              <a:t>:</a:t>
+            </a:r>
+          </a:p>
+          <a:p>
+            <a:r>
+              <a:rPr lang="en-US" altLang="zh-CN" sz="1200" dirty="0">
+                <a:solidFill>
+                  <a:srgbClr val="D4D4D4"/>
+                </a:solidFill>
+                <a:latin typeface="Consolas" panose="020B0609020204030204" pitchFamily="49" charset="0"/>
+              </a:rPr>
+              <a:t>- </a:t>
+            </a:r>
+            <a:r>
+              <a:rPr lang="en-US" altLang="zh-CN" sz="1200" dirty="0" err="1">
+                <a:solidFill>
+                  <a:srgbClr val="569CD6"/>
+                </a:solidFill>
+                <a:latin typeface="Consolas" panose="020B0609020204030204" pitchFamily="49" charset="0"/>
+              </a:rPr>
+              <a:t>ip</a:t>
+            </a:r>
+            <a:r>
+              <a:rPr lang="en-US" altLang="zh-CN" sz="1200" dirty="0">
+                <a:solidFill>
+                  <a:srgbClr val="D4D4D4"/>
+                </a:solidFill>
+                <a:latin typeface="Consolas" panose="020B0609020204030204" pitchFamily="49" charset="0"/>
+              </a:rPr>
+              <a:t>: </a:t>
+            </a:r>
+            <a:r>
+              <a:rPr lang="en-US" altLang="zh-CN" sz="1200" dirty="0">
+                <a:solidFill>
+                  <a:srgbClr val="B5CEA8"/>
+                </a:solidFill>
+                <a:latin typeface="Consolas" panose="020B0609020204030204" pitchFamily="49" charset="0"/>
+              </a:rPr>
+              <a:t>192.168.174.127</a:t>
+            </a:r>
+            <a:r>
+              <a:rPr lang="en-US" altLang="zh-CN" sz="1200" dirty="0">
+                <a:solidFill>
+                  <a:srgbClr val="D4D4D4"/>
+                </a:solidFill>
+                <a:latin typeface="Consolas" panose="020B0609020204030204" pitchFamily="49" charset="0"/>
+              </a:rPr>
+              <a:t> </a:t>
+            </a:r>
+            <a:r>
+              <a:rPr lang="en-US" altLang="zh-CN" sz="1200" dirty="0">
+                <a:solidFill>
+                  <a:srgbClr val="6A9955"/>
+                </a:solidFill>
+                <a:latin typeface="Consolas" panose="020B0609020204030204" pitchFamily="49" charset="0"/>
+              </a:rPr>
+              <a:t>#</a:t>
+            </a:r>
+            <a:r>
+              <a:rPr lang="zh-CN" altLang="en-US" sz="1200" dirty="0">
+                <a:solidFill>
+                  <a:srgbClr val="6A9955"/>
+                </a:solidFill>
+                <a:latin typeface="Consolas" panose="020B0609020204030204" pitchFamily="49" charset="0"/>
+              </a:rPr>
+              <a:t>这里是云服务商提供的负载匀衡器的</a:t>
+            </a:r>
+            <a:r>
+              <a:rPr lang="en-US" altLang="zh-CN" sz="1200" dirty="0">
+                <a:solidFill>
+                  <a:srgbClr val="6A9955"/>
+                </a:solidFill>
+                <a:latin typeface="Consolas" panose="020B0609020204030204" pitchFamily="49" charset="0"/>
+              </a:rPr>
+              <a:t>IP</a:t>
+            </a:r>
+            <a:r>
+              <a:rPr lang="zh-CN" altLang="en-US" sz="1200" dirty="0">
+                <a:solidFill>
+                  <a:srgbClr val="6A9955"/>
+                </a:solidFill>
+                <a:latin typeface="Consolas" panose="020B0609020204030204" pitchFamily="49" charset="0"/>
+              </a:rPr>
+              <a:t>地址</a:t>
+            </a:r>
+            <a:endParaRPr lang="zh-CN" altLang="en-US" sz="1200" b="0" dirty="0">
+              <a:solidFill>
+                <a:srgbClr val="D4D4D4"/>
+              </a:solidFill>
+              <a:effectLst/>
+              <a:latin typeface="Consolas" panose="020B0609020204030204" pitchFamily="49" charset="0"/>
+            </a:endParaRPr>
+          </a:p>
+        </p:txBody>
+      </p:sp>
+    </p:spTree>
+    <p:extLst>
+      <p:ext uri="{BB962C8B-B14F-4D97-AF65-F5344CB8AC3E}">
+        <p14:creationId xmlns:p14="http://schemas.microsoft.com/office/powerpoint/2010/main" val="2470340713"/>
+      </p:ext>
+    </p:extLst>
+  </p:cSld>
+  <p:clrMapOvr>
+    <a:masterClrMapping/>
+  </p:clrMapOvr>
+</p:sld>
+</file>
+
+<file path=ppt/slides/slide32.xml><?xml version="1.0" encoding="utf-8"?>
+<p:sld xmlns:a="http://schemas.openxmlformats.org/drawingml/2006/main" xmlns:r="http://schemas.openxmlformats.org/officeDocument/2006/relationships" xmlns:p="http://schemas.openxmlformats.org/presentationml/2006/main">
+  <p:cSld>
+    <p:spTree>
+      <p:nvGrpSpPr>
+        <p:cNvPr id="1" name=""/>
+        <p:cNvGrpSpPr/>
+        <p:nvPr/>
+      </p:nvGrpSpPr>
+      <p:grpSpPr>
+        <a:xfrm>
+          <a:off x="0" y="0"/>
+          <a:ext cx="0" cy="0"/>
+          <a:chOff x="0" y="0"/>
+          <a:chExt cx="0" cy="0"/>
+        </a:xfrm>
+      </p:grpSpPr>
+      <p:sp>
+        <p:nvSpPr>
+          <p:cNvPr id="2" name="标题 1">
+            <a:extLst>
+              <a:ext uri="{FF2B5EF4-FFF2-40B4-BE49-F238E27FC236}">
+                <a16:creationId xmlns:a16="http://schemas.microsoft.com/office/drawing/2014/main" id="{71E42E59-A04A-4D3E-8563-A40C4440BF1E}"/>
+              </a:ext>
+            </a:extLst>
+          </p:cNvPr>
+          <p:cNvSpPr>
+            <a:spLocks noGrp="1"/>
+          </p:cNvSpPr>
+          <p:nvPr>
+            <p:ph type="title"/>
+          </p:nvPr>
+        </p:nvSpPr>
+        <p:spPr/>
+        <p:txBody>
+          <a:bodyPr/>
+          <a:lstStyle/>
+          <a:p>
+            <a:endParaRPr lang="zh-CN" altLang="en-US"/>
+          </a:p>
+        </p:txBody>
+      </p:sp>
+      <p:sp>
+        <p:nvSpPr>
+          <p:cNvPr id="3" name="内容占位符 2">
+            <a:extLst>
+              <a:ext uri="{FF2B5EF4-FFF2-40B4-BE49-F238E27FC236}">
+                <a16:creationId xmlns:a16="http://schemas.microsoft.com/office/drawing/2014/main" id="{A4EA7D42-E5B8-42B1-B0B8-23BF0854F694}"/>
+              </a:ext>
+            </a:extLst>
+          </p:cNvPr>
+          <p:cNvSpPr>
+            <a:spLocks noGrp="1"/>
+          </p:cNvSpPr>
+          <p:nvPr>
+            <p:ph idx="1"/>
+          </p:nvPr>
+        </p:nvSpPr>
+        <p:spPr/>
+        <p:txBody>
+          <a:bodyPr/>
+          <a:lstStyle/>
+          <a:p>
+            <a:endParaRPr lang="zh-CN" altLang="en-US"/>
+          </a:p>
+        </p:txBody>
+      </p:sp>
+    </p:spTree>
+    <p:extLst>
+      <p:ext uri="{BB962C8B-B14F-4D97-AF65-F5344CB8AC3E}">
+        <p14:creationId xmlns:p14="http://schemas.microsoft.com/office/powerpoint/2010/main" val="1597291502"/>
+      </p:ext>
+    </p:extLst>
+  </p:cSld>
+  <p:clrMapOvr>
+    <a:masterClrMapping/>
+  </p:clrMapOvr>
+</p:sld>
+</file>
+
+<file path=ppt/slides/slide33.xml><?xml version="1.0" encoding="utf-8"?>
+<p:sld xmlns:a="http://schemas.openxmlformats.org/drawingml/2006/main" xmlns:r="http://schemas.openxmlformats.org/officeDocument/2006/relationships" xmlns:p="http://schemas.openxmlformats.org/presentationml/2006/main">
+  <p:cSld>
+    <p:spTree>
+      <p:nvGrpSpPr>
+        <p:cNvPr id="1" name=""/>
+        <p:cNvGrpSpPr/>
+        <p:nvPr/>
+      </p:nvGrpSpPr>
+      <p:grpSpPr>
+        <a:xfrm>
+          <a:off x="0" y="0"/>
+          <a:ext cx="0" cy="0"/>
+          <a:chOff x="0" y="0"/>
+          <a:chExt cx="0" cy="0"/>
+        </a:xfrm>
+      </p:grpSpPr>
+      <p:sp>
+        <p:nvSpPr>
           <p:cNvPr id="2" name="矩形 1">
             <a:extLst>
               <a:ext uri="{FF2B5EF4-FFF2-40B4-BE49-F238E27FC236}">
@@ -16210,7 +17603,7 @@
 </p:sld>
 </file>
 
-<file path=ppt/slides/slide32.xml><?xml version="1.0" encoding="utf-8"?>
+<file path=ppt/slides/slide34.xml><?xml version="1.0" encoding="utf-8"?>
 <p:sld xmlns:a="http://schemas.openxmlformats.org/drawingml/2006/main" xmlns:r="http://schemas.openxmlformats.org/officeDocument/2006/relationships" xmlns:p="http://schemas.openxmlformats.org/presentationml/2006/main">
   <p:cSld>
     <p:spTree>
@@ -16837,7 +18230,7 @@
 </p:sld>
 </file>
 
-<file path=ppt/slides/slide33.xml><?xml version="1.0" encoding="utf-8"?>
+<file path=ppt/slides/slide35.xml><?xml version="1.0" encoding="utf-8"?>
 <p:sld xmlns:a="http://schemas.openxmlformats.org/drawingml/2006/main" xmlns:r="http://schemas.openxmlformats.org/officeDocument/2006/relationships" xmlns:p="http://schemas.openxmlformats.org/presentationml/2006/main">
   <p:cSld>
     <p:spTree>
@@ -17613,7 +19006,7 @@
 </p:sld>
 </file>
 
-<file path=ppt/slides/slide34.xml><?xml version="1.0" encoding="utf-8"?>
+<file path=ppt/slides/slide36.xml><?xml version="1.0" encoding="utf-8"?>
 <p:sld xmlns:a="http://schemas.openxmlformats.org/drawingml/2006/main" xmlns:r="http://schemas.openxmlformats.org/officeDocument/2006/relationships" xmlns:p="http://schemas.openxmlformats.org/presentationml/2006/main">
   <p:cSld>
     <p:spTree>
@@ -17966,7 +19359,7 @@
 </p:sld>
 </file>
 
-<file path=ppt/slides/slide35.xml><?xml version="1.0" encoding="utf-8"?>
+<file path=ppt/slides/slide37.xml><?xml version="1.0" encoding="utf-8"?>
 <p:sld xmlns:a="http://schemas.openxmlformats.org/drawingml/2006/main" xmlns:r="http://schemas.openxmlformats.org/officeDocument/2006/relationships" xmlns:p="http://schemas.openxmlformats.org/presentationml/2006/main">
   <p:cSld>
     <p:spTree>
@@ -18086,7 +19479,7 @@
 </p:sld>
 </file>
 
-<file path=ppt/slides/slide36.xml><?xml version="1.0" encoding="utf-8"?>
+<file path=ppt/slides/slide38.xml><?xml version="1.0" encoding="utf-8"?>
 <p:sld xmlns:a="http://schemas.openxmlformats.org/drawingml/2006/main" xmlns:r="http://schemas.openxmlformats.org/officeDocument/2006/relationships" xmlns:p="http://schemas.openxmlformats.org/presentationml/2006/main">
   <p:cSld>
     <p:spTree>
@@ -18716,7 +20109,7 @@
 </p:sld>
 </file>
 
-<file path=ppt/slides/slide37.xml><?xml version="1.0" encoding="utf-8"?>
+<file path=ppt/slides/slide39.xml><?xml version="1.0" encoding="utf-8"?>
 <p:sld xmlns:a="http://schemas.openxmlformats.org/drawingml/2006/main" xmlns:r="http://schemas.openxmlformats.org/officeDocument/2006/relationships" xmlns:p="http://schemas.openxmlformats.org/presentationml/2006/main">
   <p:cSld>
     <p:spTree>
@@ -18784,456 +20177,6 @@
     <p:extLst>
       <p:ext uri="{BB962C8B-B14F-4D97-AF65-F5344CB8AC3E}">
         <p14:creationId xmlns:p14="http://schemas.microsoft.com/office/powerpoint/2010/main" val="3762608029"/>
-      </p:ext>
-    </p:extLst>
-  </p:cSld>
-  <p:clrMapOvr>
-    <a:masterClrMapping/>
-  </p:clrMapOvr>
-</p:sld>
-</file>
-
-<file path=ppt/slides/slide38.xml><?xml version="1.0" encoding="utf-8"?>
-<p:sld xmlns:a="http://schemas.openxmlformats.org/drawingml/2006/main" xmlns:r="http://schemas.openxmlformats.org/officeDocument/2006/relationships" xmlns:p="http://schemas.openxmlformats.org/presentationml/2006/main">
-  <p:cSld>
-    <p:spTree>
-      <p:nvGrpSpPr>
-        <p:cNvPr id="1" name=""/>
-        <p:cNvGrpSpPr/>
-        <p:nvPr/>
-      </p:nvGrpSpPr>
-      <p:grpSpPr>
-        <a:xfrm>
-          <a:off x="0" y="0"/>
-          <a:ext cx="0" cy="0"/>
-          <a:chOff x="0" y="0"/>
-          <a:chExt cx="0" cy="0"/>
-        </a:xfrm>
-      </p:grpSpPr>
-      <p:sp>
-        <p:nvSpPr>
-          <p:cNvPr id="4" name="矩形 3">
-            <a:extLst>
-              <a:ext uri="{FF2B5EF4-FFF2-40B4-BE49-F238E27FC236}">
-                <a16:creationId xmlns:a16="http://schemas.microsoft.com/office/drawing/2014/main" id="{2E696C1D-19CC-478A-8AA8-77AF59AFB67B}"/>
-              </a:ext>
-            </a:extLst>
-          </p:cNvPr>
-          <p:cNvSpPr/>
-          <p:nvPr/>
-        </p:nvSpPr>
-        <p:spPr>
-          <a:xfrm>
-            <a:off x="1502674" y="802975"/>
-            <a:ext cx="1459054" cy="3139321"/>
-          </a:xfrm>
-          <a:prstGeom prst="rect">
-            <a:avLst/>
-          </a:prstGeom>
-        </p:spPr>
-        <p:txBody>
-          <a:bodyPr wrap="none">
-            <a:spAutoFit/>
-          </a:bodyPr>
-          <a:lstStyle/>
-          <a:p>
-            <a:r>
-              <a:rPr lang="en-US" altLang="zh-CN" dirty="0">
-                <a:solidFill>
-                  <a:srgbClr val="333333"/>
-                </a:solidFill>
-                <a:latin typeface="arial" panose="020B0604020202020204" pitchFamily="34" charset="0"/>
-              </a:rPr>
-              <a:t>NFS</a:t>
-            </a:r>
-          </a:p>
-          <a:p>
-            <a:r>
-              <a:rPr lang="en-US" altLang="zh-CN" dirty="0" err="1"/>
-              <a:t>GlusterFS</a:t>
-            </a:r>
-            <a:endParaRPr lang="en-US" altLang="zh-CN" dirty="0"/>
-          </a:p>
-          <a:p>
-            <a:r>
-              <a:rPr lang="en-US" altLang="zh-CN" dirty="0" err="1">
-                <a:solidFill>
-                  <a:srgbClr val="333333"/>
-                </a:solidFill>
-                <a:latin typeface="arial" panose="020B0604020202020204" pitchFamily="34" charset="0"/>
-              </a:rPr>
-              <a:t>Ceph</a:t>
-            </a:r>
-            <a:endParaRPr lang="en-US" altLang="zh-CN" dirty="0">
-              <a:solidFill>
-                <a:srgbClr val="333333"/>
-              </a:solidFill>
-              <a:latin typeface="arial" panose="020B0604020202020204" pitchFamily="34" charset="0"/>
-            </a:endParaRPr>
-          </a:p>
-          <a:p>
-            <a:r>
-              <a:rPr lang="en-US" altLang="zh-CN" dirty="0" err="1"/>
-              <a:t>DigitalOcean</a:t>
-            </a:r>
-            <a:endParaRPr lang="en-US" altLang="zh-CN" dirty="0"/>
-          </a:p>
-          <a:p>
-            <a:r>
-              <a:rPr lang="en-US" altLang="zh-CN" dirty="0"/>
-              <a:t>Flannel</a:t>
-            </a:r>
-          </a:p>
-          <a:p>
-            <a:r>
-              <a:rPr lang="en-US" altLang="zh-CN" dirty="0"/>
-              <a:t>Calico</a:t>
-            </a:r>
-          </a:p>
-          <a:p>
-            <a:r>
-              <a:rPr lang="en-US" altLang="zh-CN" dirty="0"/>
-              <a:t>Prometheus</a:t>
-            </a:r>
-          </a:p>
-          <a:p>
-            <a:r>
-              <a:rPr lang="en-US" altLang="zh-CN" dirty="0" err="1"/>
-              <a:t>DaemonSet</a:t>
-            </a:r>
-            <a:endParaRPr lang="en-US" altLang="zh-CN" dirty="0"/>
-          </a:p>
-          <a:p>
-            <a:r>
-              <a:rPr lang="en-US" altLang="zh-CN" dirty="0" err="1"/>
-              <a:t>Fluentd</a:t>
-            </a:r>
-            <a:endParaRPr lang="en-US" altLang="zh-CN" dirty="0"/>
-          </a:p>
-          <a:p>
-            <a:endParaRPr lang="en-US" altLang="zh-CN" dirty="0"/>
-          </a:p>
-          <a:p>
-            <a:endParaRPr lang="zh-CN" altLang="en-US" dirty="0"/>
-          </a:p>
-        </p:txBody>
-      </p:sp>
-    </p:spTree>
-    <p:extLst>
-      <p:ext uri="{BB962C8B-B14F-4D97-AF65-F5344CB8AC3E}">
-        <p14:creationId xmlns:p14="http://schemas.microsoft.com/office/powerpoint/2010/main" val="464234432"/>
-      </p:ext>
-    </p:extLst>
-  </p:cSld>
-  <p:clrMapOvr>
-    <a:masterClrMapping/>
-  </p:clrMapOvr>
-</p:sld>
-</file>
-
-<file path=ppt/slides/slide39.xml><?xml version="1.0" encoding="utf-8"?>
-<p:sld xmlns:a="http://schemas.openxmlformats.org/drawingml/2006/main" xmlns:r="http://schemas.openxmlformats.org/officeDocument/2006/relationships" xmlns:p="http://schemas.openxmlformats.org/presentationml/2006/main">
-  <p:cSld>
-    <p:spTree>
-      <p:nvGrpSpPr>
-        <p:cNvPr id="1" name=""/>
-        <p:cNvGrpSpPr/>
-        <p:nvPr/>
-      </p:nvGrpSpPr>
-      <p:grpSpPr>
-        <a:xfrm>
-          <a:off x="0" y="0"/>
-          <a:ext cx="0" cy="0"/>
-          <a:chOff x="0" y="0"/>
-          <a:chExt cx="0" cy="0"/>
-        </a:xfrm>
-      </p:grpSpPr>
-      <p:sp>
-        <p:nvSpPr>
-          <p:cNvPr id="2" name="矩形 1">
-            <a:extLst>
-              <a:ext uri="{FF2B5EF4-FFF2-40B4-BE49-F238E27FC236}">
-                <a16:creationId xmlns:a16="http://schemas.microsoft.com/office/drawing/2014/main" id="{F04B66D7-5DEA-44AF-BF8F-4F46F41BD139}"/>
-              </a:ext>
-            </a:extLst>
-          </p:cNvPr>
-          <p:cNvSpPr/>
-          <p:nvPr/>
-        </p:nvSpPr>
-        <p:spPr>
-          <a:xfrm>
-            <a:off x="1059402" y="925470"/>
-            <a:ext cx="10721266" cy="646331"/>
-          </a:xfrm>
-          <a:prstGeom prst="rect">
-            <a:avLst/>
-          </a:prstGeom>
-        </p:spPr>
-        <p:txBody>
-          <a:bodyPr wrap="square">
-            <a:spAutoFit/>
-          </a:bodyPr>
-          <a:lstStyle/>
-          <a:p>
-            <a:r>
-              <a:rPr lang="zh-CN" altLang="en-US"/>
-              <a:t>Linux Cgroups 的全称是 Linux Control Group。它最主要的作用，就是限制一个进程组能够使用的资源上限，包括 CPU、内存、磁盘、网络带宽等等。</a:t>
-            </a:r>
-            <a:endParaRPr lang="zh-CN" altLang="en-US" dirty="0"/>
-          </a:p>
-        </p:txBody>
-      </p:sp>
-      <p:sp>
-        <p:nvSpPr>
-          <p:cNvPr id="3" name="矩形 2">
-            <a:extLst>
-              <a:ext uri="{FF2B5EF4-FFF2-40B4-BE49-F238E27FC236}">
-                <a16:creationId xmlns:a16="http://schemas.microsoft.com/office/drawing/2014/main" id="{7CB65F6E-C07D-47F7-B027-B2FBB134E56C}"/>
-              </a:ext>
-            </a:extLst>
-          </p:cNvPr>
-          <p:cNvSpPr/>
-          <p:nvPr/>
-        </p:nvSpPr>
-        <p:spPr>
-          <a:xfrm>
-            <a:off x="921508" y="1921561"/>
-            <a:ext cx="4578497" cy="369332"/>
-          </a:xfrm>
-          <a:prstGeom prst="rect">
-            <a:avLst/>
-          </a:prstGeom>
-        </p:spPr>
-        <p:txBody>
-          <a:bodyPr wrap="none">
-            <a:spAutoFit/>
-          </a:bodyPr>
-          <a:lstStyle/>
-          <a:p>
-            <a:r>
-              <a:rPr lang="zh-CN" altLang="en-US" dirty="0"/>
-              <a:t>Namespace是用来修改进程视图的主要方法</a:t>
-            </a:r>
-          </a:p>
-        </p:txBody>
-      </p:sp>
-      <p:sp>
-        <p:nvSpPr>
-          <p:cNvPr id="4" name="矩形 3">
-            <a:extLst>
-              <a:ext uri="{FF2B5EF4-FFF2-40B4-BE49-F238E27FC236}">
-                <a16:creationId xmlns:a16="http://schemas.microsoft.com/office/drawing/2014/main" id="{55765BC9-69DA-426E-BE89-AA4C8E848029}"/>
-              </a:ext>
-            </a:extLst>
-          </p:cNvPr>
-          <p:cNvSpPr/>
-          <p:nvPr/>
-        </p:nvSpPr>
-        <p:spPr>
-          <a:xfrm>
-            <a:off x="921508" y="2640653"/>
-            <a:ext cx="2486578" cy="369332"/>
-          </a:xfrm>
-          <a:prstGeom prst="rect">
-            <a:avLst/>
-          </a:prstGeom>
-        </p:spPr>
-        <p:txBody>
-          <a:bodyPr wrap="none">
-            <a:spAutoFit/>
-          </a:bodyPr>
-          <a:lstStyle/>
-          <a:p>
-            <a:r>
-              <a:rPr lang="zh-CN" altLang="en-US" dirty="0"/>
-              <a:t>会话黏连 session sticky</a:t>
-            </a:r>
-          </a:p>
-        </p:txBody>
-      </p:sp>
-      <p:sp>
-        <p:nvSpPr>
-          <p:cNvPr id="5" name="矩形 4">
-            <a:extLst>
-              <a:ext uri="{FF2B5EF4-FFF2-40B4-BE49-F238E27FC236}">
-                <a16:creationId xmlns:a16="http://schemas.microsoft.com/office/drawing/2014/main" id="{F28C96AC-6D2D-42ED-BA4F-AA1F266D37CE}"/>
-              </a:ext>
-            </a:extLst>
-          </p:cNvPr>
-          <p:cNvSpPr/>
-          <p:nvPr/>
-        </p:nvSpPr>
-        <p:spPr>
-          <a:xfrm>
-            <a:off x="921508" y="3713871"/>
-            <a:ext cx="10721266" cy="1200329"/>
-          </a:xfrm>
-          <a:prstGeom prst="rect">
-            <a:avLst/>
-          </a:prstGeom>
-        </p:spPr>
-        <p:txBody>
-          <a:bodyPr wrap="square">
-            <a:spAutoFit/>
-          </a:bodyPr>
-          <a:lstStyle/>
-          <a:p>
-            <a:r>
-              <a:rPr lang="zh-CN" altLang="en-US" dirty="0">
-                <a:solidFill>
-                  <a:srgbClr val="333333"/>
-                </a:solidFill>
-                <a:latin typeface="PingFang SC"/>
-              </a:rPr>
-              <a:t>在 </a:t>
-            </a:r>
-            <a:r>
-              <a:rPr lang="en-US" altLang="zh-CN" dirty="0">
-                <a:solidFill>
-                  <a:srgbClr val="333333"/>
-                </a:solidFill>
-                <a:latin typeface="PingFang SC"/>
-              </a:rPr>
-              <a:t>Kubernetes </a:t>
-            </a:r>
-            <a:r>
-              <a:rPr lang="zh-CN" altLang="en-US" dirty="0">
-                <a:solidFill>
-                  <a:srgbClr val="333333"/>
-                </a:solidFill>
-                <a:latin typeface="PingFang SC"/>
-              </a:rPr>
-              <a:t>项目中，负责完成授权（</a:t>
-            </a:r>
-            <a:r>
-              <a:rPr lang="en-US" altLang="zh-CN" dirty="0"/>
-              <a:t>Authorization</a:t>
-            </a:r>
-            <a:r>
-              <a:rPr lang="zh-CN" altLang="en-US" dirty="0"/>
-              <a:t>）工作的机制，就是 </a:t>
-            </a:r>
-            <a:r>
-              <a:rPr lang="en-US" altLang="zh-CN" dirty="0" err="1"/>
-              <a:t>RBAC</a:t>
-            </a:r>
-            <a:r>
-              <a:rPr lang="zh-CN" altLang="en-US" dirty="0"/>
-              <a:t>：基于角色的访问控制（</a:t>
-            </a:r>
-            <a:r>
-              <a:rPr lang="en-US" altLang="zh-CN" dirty="0"/>
-              <a:t>Role-Based Access Control</a:t>
-            </a:r>
-            <a:r>
-              <a:rPr lang="zh-CN" altLang="en-US" dirty="0"/>
-              <a:t>）</a:t>
-            </a:r>
-            <a:endParaRPr lang="en-US" altLang="zh-CN" dirty="0"/>
-          </a:p>
-          <a:p>
-            <a:endParaRPr lang="en-US" altLang="zh-CN" dirty="0"/>
-          </a:p>
-          <a:p>
-            <a:endParaRPr lang="en-US" altLang="zh-CN" dirty="0">
-              <a:solidFill>
-                <a:srgbClr val="333333"/>
-              </a:solidFill>
-              <a:latin typeface="PingFang SC"/>
-            </a:endParaRPr>
-          </a:p>
-        </p:txBody>
-      </p:sp>
-      <p:sp>
-        <p:nvSpPr>
-          <p:cNvPr id="6" name="矩形 5">
-            <a:extLst>
-              <a:ext uri="{FF2B5EF4-FFF2-40B4-BE49-F238E27FC236}">
-                <a16:creationId xmlns:a16="http://schemas.microsoft.com/office/drawing/2014/main" id="{463DC33F-044B-4AE4-A258-58C1E8E687A8}"/>
-              </a:ext>
-            </a:extLst>
-          </p:cNvPr>
-          <p:cNvSpPr/>
-          <p:nvPr/>
-        </p:nvSpPr>
-        <p:spPr>
-          <a:xfrm>
-            <a:off x="1059403" y="4800968"/>
-            <a:ext cx="9997804" cy="923330"/>
-          </a:xfrm>
-          <a:prstGeom prst="rect">
-            <a:avLst/>
-          </a:prstGeom>
-        </p:spPr>
-        <p:txBody>
-          <a:bodyPr wrap="square">
-            <a:spAutoFit/>
-          </a:bodyPr>
-          <a:lstStyle/>
-          <a:p>
-            <a:r>
-              <a:rPr lang="en-US" altLang="zh-CN" dirty="0"/>
-              <a:t>Operator</a:t>
-            </a:r>
-            <a:r>
-              <a:rPr lang="zh-CN" altLang="en-US" dirty="0"/>
-              <a:t>的工作原理，实际上是利用了</a:t>
-            </a:r>
-            <a:r>
-              <a:rPr lang="en-US" altLang="zh-CN" dirty="0"/>
-              <a:t>Kubernetes</a:t>
-            </a:r>
-            <a:r>
-              <a:rPr lang="zh-CN" altLang="en-US" dirty="0"/>
-              <a:t>的自定义</a:t>
-            </a:r>
-            <a:r>
-              <a:rPr lang="en-US" altLang="zh-CN" dirty="0"/>
-              <a:t>API</a:t>
-            </a:r>
-            <a:r>
-              <a:rPr lang="zh-CN" altLang="en-US" dirty="0"/>
-              <a:t>资源（</a:t>
-            </a:r>
-            <a:r>
-              <a:rPr lang="en-US" altLang="zh-CN" dirty="0" err="1"/>
-              <a:t>CRD</a:t>
-            </a:r>
-            <a:r>
-              <a:rPr lang="zh-CN" altLang="en-US" dirty="0"/>
-              <a:t>）</a:t>
-            </a:r>
-            <a:r>
-              <a:rPr lang="en-US" altLang="zh-CN" dirty="0"/>
-              <a:t>,</a:t>
-            </a:r>
-            <a:r>
-              <a:rPr lang="zh-CN" altLang="en-US" dirty="0"/>
-              <a:t>来描述我们想要部署的</a:t>
-            </a:r>
-            <a:r>
-              <a:rPr lang="zh-CN" altLang="en-US"/>
-              <a:t>“有状态应用”；然后</a:t>
-            </a:r>
-            <a:r>
-              <a:rPr lang="zh-CN" altLang="en-US" dirty="0"/>
-              <a:t>在自定义控制器里，根据自定义</a:t>
-            </a:r>
-            <a:r>
-              <a:rPr lang="en-US" altLang="zh-CN" dirty="0"/>
-              <a:t>API</a:t>
-            </a:r>
-            <a:r>
-              <a:rPr lang="zh-CN" altLang="en-US" dirty="0"/>
-              <a:t>对象的变化，来完成具体的部署和运维工作</a:t>
-            </a:r>
-          </a:p>
-        </p:txBody>
-      </p:sp>
-    </p:spTree>
-    <p:extLst>
-      <p:ext uri="{BB962C8B-B14F-4D97-AF65-F5344CB8AC3E}">
-        <p14:creationId xmlns:p14="http://schemas.microsoft.com/office/powerpoint/2010/main" val="116615380"/>
       </p:ext>
     </p:extLst>
   </p:cSld>
@@ -20007,6 +20950,508 @@
 </p:sld>
 </file>
 
+<file path=ppt/slides/slide40.xml><?xml version="1.0" encoding="utf-8"?>
+<p:sld xmlns:a="http://schemas.openxmlformats.org/drawingml/2006/main" xmlns:r="http://schemas.openxmlformats.org/officeDocument/2006/relationships" xmlns:p="http://schemas.openxmlformats.org/presentationml/2006/main">
+  <p:cSld>
+    <p:spTree>
+      <p:nvGrpSpPr>
+        <p:cNvPr id="1" name=""/>
+        <p:cNvGrpSpPr/>
+        <p:nvPr/>
+      </p:nvGrpSpPr>
+      <p:grpSpPr>
+        <a:xfrm>
+          <a:off x="0" y="0"/>
+          <a:ext cx="0" cy="0"/>
+          <a:chOff x="0" y="0"/>
+          <a:chExt cx="0" cy="0"/>
+        </a:xfrm>
+      </p:grpSpPr>
+      <p:sp>
+        <p:nvSpPr>
+          <p:cNvPr id="2" name="矩形 1">
+            <a:extLst>
+              <a:ext uri="{FF2B5EF4-FFF2-40B4-BE49-F238E27FC236}">
+                <a16:creationId xmlns:a16="http://schemas.microsoft.com/office/drawing/2014/main" id="{37CECF1A-CB9B-4164-B069-D26D60B542F9}"/>
+              </a:ext>
+            </a:extLst>
+          </p:cNvPr>
+          <p:cNvSpPr/>
+          <p:nvPr/>
+        </p:nvSpPr>
+        <p:spPr>
+          <a:xfrm>
+            <a:off x="510362" y="745130"/>
+            <a:ext cx="10994065" cy="2031325"/>
+          </a:xfrm>
+          <a:prstGeom prst="rect">
+            <a:avLst/>
+          </a:prstGeom>
+        </p:spPr>
+        <p:txBody>
+          <a:bodyPr wrap="square">
+            <a:spAutoFit/>
+          </a:bodyPr>
+          <a:lstStyle/>
+          <a:p>
+            <a:r>
+              <a:rPr lang="en-US" altLang="zh-CN" dirty="0"/>
+              <a:t>Pod</a:t>
+            </a:r>
+            <a:r>
+              <a:rPr lang="zh-CN" altLang="en-US" dirty="0"/>
+              <a:t>是对容器进一步抽象和封装</a:t>
+            </a:r>
+            <a:endParaRPr lang="en-US" altLang="zh-CN" dirty="0"/>
+          </a:p>
+          <a:p>
+            <a:endParaRPr lang="en-US" altLang="zh-CN" dirty="0"/>
+          </a:p>
+          <a:p>
+            <a:r>
+              <a:rPr lang="zh-CN" altLang="en-US" dirty="0"/>
+              <a:t>控制器模式</a:t>
+            </a:r>
+            <a:r>
+              <a:rPr lang="zh-CN" altLang="en-US" dirty="0">
+                <a:sym typeface="Wingdings" panose="05000000000000000000" pitchFamily="2" charset="2"/>
+              </a:rPr>
+              <a:t>：（</a:t>
+            </a:r>
+            <a:r>
+              <a:rPr lang="en-US" altLang="zh-CN" dirty="0">
+                <a:sym typeface="Wingdings" panose="05000000000000000000" pitchFamily="2" charset="2"/>
+              </a:rPr>
+              <a:t>Deployment</a:t>
+            </a:r>
+            <a:r>
+              <a:rPr lang="zh-CN" altLang="en-US" dirty="0">
+                <a:sym typeface="Wingdings" panose="05000000000000000000" pitchFamily="2" charset="2"/>
+              </a:rPr>
+              <a:t>例子）</a:t>
+            </a:r>
+            <a:endParaRPr lang="en-US" altLang="zh-CN" dirty="0"/>
+          </a:p>
+          <a:p>
+            <a:pPr marL="342900" indent="-342900">
+              <a:buFont typeface="+mj-lt"/>
+              <a:buAutoNum type="arabicPeriod"/>
+            </a:pPr>
+            <a:r>
+              <a:rPr lang="en-US" altLang="zh-CN" dirty="0"/>
+              <a:t>Deployment</a:t>
+            </a:r>
+            <a:r>
+              <a:rPr lang="zh-CN" altLang="en-US" dirty="0"/>
+              <a:t>控制器从</a:t>
+            </a:r>
+            <a:r>
+              <a:rPr lang="en-US" altLang="zh-CN" dirty="0" err="1"/>
+              <a:t>Etcd</a:t>
+            </a:r>
+            <a:r>
+              <a:rPr lang="zh-CN" altLang="en-US" dirty="0"/>
+              <a:t>中获取到所有携带固定标签的</a:t>
+            </a:r>
+            <a:r>
+              <a:rPr lang="en-US" altLang="zh-CN" dirty="0"/>
+              <a:t>Pod</a:t>
+            </a:r>
+            <a:r>
+              <a:rPr lang="zh-CN" altLang="en-US" dirty="0"/>
+              <a:t>，然后统计它们的数量，这就是实际状态</a:t>
+            </a:r>
+            <a:r>
+              <a:rPr lang="en-US" altLang="zh-CN" dirty="0"/>
+              <a:t>【</a:t>
+            </a:r>
+            <a:r>
+              <a:rPr lang="zh-CN" altLang="en-US" dirty="0"/>
+              <a:t>实际状态</a:t>
+            </a:r>
+            <a:r>
+              <a:rPr lang="en-US" altLang="zh-CN" dirty="0"/>
+              <a:t>Actual State</a:t>
+            </a:r>
+            <a:r>
+              <a:rPr lang="zh-CN" altLang="en-US" dirty="0"/>
+              <a:t>来自</a:t>
+            </a:r>
+            <a:r>
+              <a:rPr lang="en-US" altLang="zh-CN" dirty="0"/>
+              <a:t>Kubernetes</a:t>
+            </a:r>
+            <a:r>
+              <a:rPr lang="zh-CN" altLang="en-US" dirty="0"/>
+              <a:t>集群本身</a:t>
+            </a:r>
+            <a:r>
+              <a:rPr lang="en-US" altLang="zh-CN" dirty="0"/>
+              <a:t>】</a:t>
+            </a:r>
+          </a:p>
+          <a:p>
+            <a:pPr marL="342900" indent="-342900">
+              <a:buFont typeface="+mj-lt"/>
+              <a:buAutoNum type="arabicPeriod"/>
+            </a:pPr>
+            <a:r>
+              <a:rPr lang="en-US" altLang="zh-CN" dirty="0"/>
+              <a:t>Deployment</a:t>
+            </a:r>
+            <a:r>
+              <a:rPr lang="zh-CN" altLang="en-US" dirty="0"/>
+              <a:t>对象的</a:t>
+            </a:r>
+            <a:r>
+              <a:rPr lang="en-US" altLang="zh-CN" dirty="0"/>
+              <a:t>Replicas</a:t>
+            </a:r>
+            <a:r>
+              <a:rPr lang="zh-CN" altLang="en-US" dirty="0"/>
+              <a:t>字段的值就是期望状态</a:t>
+            </a:r>
+            <a:r>
+              <a:rPr lang="en-US" altLang="zh-CN" dirty="0"/>
+              <a:t>【</a:t>
+            </a:r>
+            <a:r>
+              <a:rPr lang="zh-CN" altLang="en-US" dirty="0"/>
+              <a:t>期望状态</a:t>
+            </a:r>
+            <a:r>
+              <a:rPr lang="en-US" altLang="zh-CN" dirty="0"/>
+              <a:t>Desired State</a:t>
+            </a:r>
+            <a:r>
+              <a:rPr lang="zh-CN" altLang="en-US" dirty="0"/>
+              <a:t>一般来自</a:t>
+            </a:r>
+            <a:r>
+              <a:rPr lang="en-US" altLang="zh-CN" dirty="0" err="1"/>
+              <a:t>yaml</a:t>
+            </a:r>
+            <a:r>
+              <a:rPr lang="zh-CN" altLang="en-US" dirty="0"/>
+              <a:t>文件</a:t>
+            </a:r>
+            <a:r>
+              <a:rPr lang="en-US" altLang="zh-CN" dirty="0"/>
+              <a:t>】</a:t>
+            </a:r>
+          </a:p>
+          <a:p>
+            <a:pPr marL="342900" indent="-342900">
+              <a:buFont typeface="+mj-lt"/>
+              <a:buAutoNum type="arabicPeriod"/>
+            </a:pPr>
+            <a:r>
+              <a:rPr lang="en-US" altLang="zh-CN" dirty="0"/>
+              <a:t>Deployment</a:t>
+            </a:r>
+            <a:r>
+              <a:rPr lang="zh-CN" altLang="en-US" dirty="0"/>
+              <a:t>控制器将两个状态做比较，然后根据比较结果，确定是创建</a:t>
+            </a:r>
+            <a:r>
+              <a:rPr lang="en-US" altLang="zh-CN" dirty="0"/>
+              <a:t>Pod</a:t>
+            </a:r>
+            <a:r>
+              <a:rPr lang="zh-CN" altLang="en-US" dirty="0"/>
+              <a:t>，还是删除已有的</a:t>
+            </a:r>
+            <a:r>
+              <a:rPr lang="en-US" altLang="zh-CN" dirty="0"/>
+              <a:t>Pod</a:t>
+            </a:r>
+            <a:endParaRPr lang="zh-CN" altLang="en-US" dirty="0"/>
+          </a:p>
+        </p:txBody>
+      </p:sp>
+    </p:spTree>
+    <p:extLst>
+      <p:ext uri="{BB962C8B-B14F-4D97-AF65-F5344CB8AC3E}">
+        <p14:creationId xmlns:p14="http://schemas.microsoft.com/office/powerpoint/2010/main" val="2146779601"/>
+      </p:ext>
+    </p:extLst>
+  </p:cSld>
+  <p:clrMapOvr>
+    <a:masterClrMapping/>
+  </p:clrMapOvr>
+</p:sld>
+</file>
+
+<file path=ppt/slides/slide41.xml><?xml version="1.0" encoding="utf-8"?>
+<p:sld xmlns:a="http://schemas.openxmlformats.org/drawingml/2006/main" xmlns:r="http://schemas.openxmlformats.org/officeDocument/2006/relationships" xmlns:p="http://schemas.openxmlformats.org/presentationml/2006/main">
+  <p:cSld>
+    <p:spTree>
+      <p:nvGrpSpPr>
+        <p:cNvPr id="1" name=""/>
+        <p:cNvGrpSpPr/>
+        <p:nvPr/>
+      </p:nvGrpSpPr>
+      <p:grpSpPr>
+        <a:xfrm>
+          <a:off x="0" y="0"/>
+          <a:ext cx="0" cy="0"/>
+          <a:chOff x="0" y="0"/>
+          <a:chExt cx="0" cy="0"/>
+        </a:xfrm>
+      </p:grpSpPr>
+    </p:spTree>
+    <p:extLst>
+      <p:ext uri="{BB962C8B-B14F-4D97-AF65-F5344CB8AC3E}">
+        <p14:creationId xmlns:p14="http://schemas.microsoft.com/office/powerpoint/2010/main" val="2515075996"/>
+      </p:ext>
+    </p:extLst>
+  </p:cSld>
+  <p:clrMapOvr>
+    <a:masterClrMapping/>
+  </p:clrMapOvr>
+</p:sld>
+</file>
+
+<file path=ppt/slides/slide42.xml><?xml version="1.0" encoding="utf-8"?>
+<p:sld xmlns:a="http://schemas.openxmlformats.org/drawingml/2006/main" xmlns:r="http://schemas.openxmlformats.org/officeDocument/2006/relationships" xmlns:p="http://schemas.openxmlformats.org/presentationml/2006/main">
+  <p:cSld>
+    <p:spTree>
+      <p:nvGrpSpPr>
+        <p:cNvPr id="1" name=""/>
+        <p:cNvGrpSpPr/>
+        <p:nvPr/>
+      </p:nvGrpSpPr>
+      <p:grpSpPr>
+        <a:xfrm>
+          <a:off x="0" y="0"/>
+          <a:ext cx="0" cy="0"/>
+          <a:chOff x="0" y="0"/>
+          <a:chExt cx="0" cy="0"/>
+        </a:xfrm>
+      </p:grpSpPr>
+    </p:spTree>
+    <p:extLst>
+      <p:ext uri="{BB962C8B-B14F-4D97-AF65-F5344CB8AC3E}">
+        <p14:creationId xmlns:p14="http://schemas.microsoft.com/office/powerpoint/2010/main" val="3633512171"/>
+      </p:ext>
+    </p:extLst>
+  </p:cSld>
+  <p:clrMapOvr>
+    <a:masterClrMapping/>
+  </p:clrMapOvr>
+</p:sld>
+</file>
+
+<file path=ppt/slides/slide43.xml><?xml version="1.0" encoding="utf-8"?>
+<p:sld xmlns:a="http://schemas.openxmlformats.org/drawingml/2006/main" xmlns:r="http://schemas.openxmlformats.org/officeDocument/2006/relationships" xmlns:p="http://schemas.openxmlformats.org/presentationml/2006/main">
+  <p:cSld>
+    <p:spTree>
+      <p:nvGrpSpPr>
+        <p:cNvPr id="1" name=""/>
+        <p:cNvGrpSpPr/>
+        <p:nvPr/>
+      </p:nvGrpSpPr>
+      <p:grpSpPr>
+        <a:xfrm>
+          <a:off x="0" y="0"/>
+          <a:ext cx="0" cy="0"/>
+          <a:chOff x="0" y="0"/>
+          <a:chExt cx="0" cy="0"/>
+        </a:xfrm>
+      </p:grpSpPr>
+    </p:spTree>
+    <p:extLst>
+      <p:ext uri="{BB962C8B-B14F-4D97-AF65-F5344CB8AC3E}">
+        <p14:creationId xmlns:p14="http://schemas.microsoft.com/office/powerpoint/2010/main" val="680653993"/>
+      </p:ext>
+    </p:extLst>
+  </p:cSld>
+  <p:clrMapOvr>
+    <a:masterClrMapping/>
+  </p:clrMapOvr>
+</p:sld>
+</file>
+
+<file path=ppt/slides/slide44.xml><?xml version="1.0" encoding="utf-8"?>
+<p:sld xmlns:a="http://schemas.openxmlformats.org/drawingml/2006/main" xmlns:r="http://schemas.openxmlformats.org/officeDocument/2006/relationships" xmlns:p="http://schemas.openxmlformats.org/presentationml/2006/main">
+  <p:cSld>
+    <p:spTree>
+      <p:nvGrpSpPr>
+        <p:cNvPr id="1" name=""/>
+        <p:cNvGrpSpPr/>
+        <p:nvPr/>
+      </p:nvGrpSpPr>
+      <p:grpSpPr>
+        <a:xfrm>
+          <a:off x="0" y="0"/>
+          <a:ext cx="0" cy="0"/>
+          <a:chOff x="0" y="0"/>
+          <a:chExt cx="0" cy="0"/>
+        </a:xfrm>
+      </p:grpSpPr>
+    </p:spTree>
+    <p:extLst>
+      <p:ext uri="{BB962C8B-B14F-4D97-AF65-F5344CB8AC3E}">
+        <p14:creationId xmlns:p14="http://schemas.microsoft.com/office/powerpoint/2010/main" val="482969923"/>
+      </p:ext>
+    </p:extLst>
+  </p:cSld>
+  <p:clrMapOvr>
+    <a:masterClrMapping/>
+  </p:clrMapOvr>
+</p:sld>
+</file>
+
+<file path=ppt/slides/slide45.xml><?xml version="1.0" encoding="utf-8"?>
+<p:sld xmlns:a="http://schemas.openxmlformats.org/drawingml/2006/main" xmlns:r="http://schemas.openxmlformats.org/officeDocument/2006/relationships" xmlns:p="http://schemas.openxmlformats.org/presentationml/2006/main">
+  <p:cSld>
+    <p:spTree>
+      <p:nvGrpSpPr>
+        <p:cNvPr id="1" name=""/>
+        <p:cNvGrpSpPr/>
+        <p:nvPr/>
+      </p:nvGrpSpPr>
+      <p:grpSpPr>
+        <a:xfrm>
+          <a:off x="0" y="0"/>
+          <a:ext cx="0" cy="0"/>
+          <a:chOff x="0" y="0"/>
+          <a:chExt cx="0" cy="0"/>
+        </a:xfrm>
+      </p:grpSpPr>
+    </p:spTree>
+    <p:extLst>
+      <p:ext uri="{BB962C8B-B14F-4D97-AF65-F5344CB8AC3E}">
+        <p14:creationId xmlns:p14="http://schemas.microsoft.com/office/powerpoint/2010/main" val="1910072160"/>
+      </p:ext>
+    </p:extLst>
+  </p:cSld>
+  <p:clrMapOvr>
+    <a:masterClrMapping/>
+  </p:clrMapOvr>
+</p:sld>
+</file>
+
+<file path=ppt/slides/slide46.xml><?xml version="1.0" encoding="utf-8"?>
+<p:sld xmlns:a="http://schemas.openxmlformats.org/drawingml/2006/main" xmlns:r="http://schemas.openxmlformats.org/officeDocument/2006/relationships" xmlns:p="http://schemas.openxmlformats.org/presentationml/2006/main">
+  <p:cSld>
+    <p:spTree>
+      <p:nvGrpSpPr>
+        <p:cNvPr id="1" name=""/>
+        <p:cNvGrpSpPr/>
+        <p:nvPr/>
+      </p:nvGrpSpPr>
+      <p:grpSpPr>
+        <a:xfrm>
+          <a:off x="0" y="0"/>
+          <a:ext cx="0" cy="0"/>
+          <a:chOff x="0" y="0"/>
+          <a:chExt cx="0" cy="0"/>
+        </a:xfrm>
+      </p:grpSpPr>
+    </p:spTree>
+    <p:extLst>
+      <p:ext uri="{BB962C8B-B14F-4D97-AF65-F5344CB8AC3E}">
+        <p14:creationId xmlns:p14="http://schemas.microsoft.com/office/powerpoint/2010/main" val="1292539219"/>
+      </p:ext>
+    </p:extLst>
+  </p:cSld>
+  <p:clrMapOvr>
+    <a:masterClrMapping/>
+  </p:clrMapOvr>
+</p:sld>
+</file>
+
+<file path=ppt/slides/slide47.xml><?xml version="1.0" encoding="utf-8"?>
+<p:sld xmlns:a="http://schemas.openxmlformats.org/drawingml/2006/main" xmlns:r="http://schemas.openxmlformats.org/officeDocument/2006/relationships" xmlns:p="http://schemas.openxmlformats.org/presentationml/2006/main">
+  <p:cSld>
+    <p:spTree>
+      <p:nvGrpSpPr>
+        <p:cNvPr id="1" name=""/>
+        <p:cNvGrpSpPr/>
+        <p:nvPr/>
+      </p:nvGrpSpPr>
+      <p:grpSpPr>
+        <a:xfrm>
+          <a:off x="0" y="0"/>
+          <a:ext cx="0" cy="0"/>
+          <a:chOff x="0" y="0"/>
+          <a:chExt cx="0" cy="0"/>
+        </a:xfrm>
+      </p:grpSpPr>
+    </p:spTree>
+    <p:extLst>
+      <p:ext uri="{BB962C8B-B14F-4D97-AF65-F5344CB8AC3E}">
+        <p14:creationId xmlns:p14="http://schemas.microsoft.com/office/powerpoint/2010/main" val="3230507717"/>
+      </p:ext>
+    </p:extLst>
+  </p:cSld>
+  <p:clrMapOvr>
+    <a:masterClrMapping/>
+  </p:clrMapOvr>
+</p:sld>
+</file>
+
+<file path=ppt/slides/slide48.xml><?xml version="1.0" encoding="utf-8"?>
+<p:sld xmlns:a="http://schemas.openxmlformats.org/drawingml/2006/main" xmlns:r="http://schemas.openxmlformats.org/officeDocument/2006/relationships" xmlns:p="http://schemas.openxmlformats.org/presentationml/2006/main">
+  <p:cSld>
+    <p:spTree>
+      <p:nvGrpSpPr>
+        <p:cNvPr id="1" name=""/>
+        <p:cNvGrpSpPr/>
+        <p:nvPr/>
+      </p:nvGrpSpPr>
+      <p:grpSpPr>
+        <a:xfrm>
+          <a:off x="0" y="0"/>
+          <a:ext cx="0" cy="0"/>
+          <a:chOff x="0" y="0"/>
+          <a:chExt cx="0" cy="0"/>
+        </a:xfrm>
+      </p:grpSpPr>
+    </p:spTree>
+    <p:extLst>
+      <p:ext uri="{BB962C8B-B14F-4D97-AF65-F5344CB8AC3E}">
+        <p14:creationId xmlns:p14="http://schemas.microsoft.com/office/powerpoint/2010/main" val="1721265013"/>
+      </p:ext>
+    </p:extLst>
+  </p:cSld>
+  <p:clrMapOvr>
+    <a:masterClrMapping/>
+  </p:clrMapOvr>
+</p:sld>
+</file>
+
+<file path=ppt/slides/slide49.xml><?xml version="1.0" encoding="utf-8"?>
+<p:sld xmlns:a="http://schemas.openxmlformats.org/drawingml/2006/main" xmlns:r="http://schemas.openxmlformats.org/officeDocument/2006/relationships" xmlns:p="http://schemas.openxmlformats.org/presentationml/2006/main">
+  <p:cSld>
+    <p:spTree>
+      <p:nvGrpSpPr>
+        <p:cNvPr id="1" name=""/>
+        <p:cNvGrpSpPr/>
+        <p:nvPr/>
+      </p:nvGrpSpPr>
+      <p:grpSpPr>
+        <a:xfrm>
+          <a:off x="0" y="0"/>
+          <a:ext cx="0" cy="0"/>
+          <a:chOff x="0" y="0"/>
+          <a:chExt cx="0" cy="0"/>
+        </a:xfrm>
+      </p:grpSpPr>
+    </p:spTree>
+    <p:extLst>
+      <p:ext uri="{BB962C8B-B14F-4D97-AF65-F5344CB8AC3E}">
+        <p14:creationId xmlns:p14="http://schemas.microsoft.com/office/powerpoint/2010/main" val="2049219228"/>
+      </p:ext>
+    </p:extLst>
+  </p:cSld>
+  <p:clrMapOvr>
+    <a:masterClrMapping/>
+  </p:clrMapOvr>
+</p:sld>
+</file>
+
 <file path=ppt/slides/slide5.xml><?xml version="1.0" encoding="utf-8"?>
 <p:sld xmlns:a="http://schemas.openxmlformats.org/drawingml/2006/main" xmlns:r="http://schemas.openxmlformats.org/officeDocument/2006/relationships" xmlns:p="http://schemas.openxmlformats.org/presentationml/2006/main">
   <p:cSld>
@@ -20592,6 +22037,456 @@
     <p:extLst>
       <p:ext uri="{BB962C8B-B14F-4D97-AF65-F5344CB8AC3E}">
         <p14:creationId xmlns:p14="http://schemas.microsoft.com/office/powerpoint/2010/main" val="1146921078"/>
+      </p:ext>
+    </p:extLst>
+  </p:cSld>
+  <p:clrMapOvr>
+    <a:masterClrMapping/>
+  </p:clrMapOvr>
+</p:sld>
+</file>
+
+<file path=ppt/slides/slide50.xml><?xml version="1.0" encoding="utf-8"?>
+<p:sld xmlns:a="http://schemas.openxmlformats.org/drawingml/2006/main" xmlns:r="http://schemas.openxmlformats.org/officeDocument/2006/relationships" xmlns:p="http://schemas.openxmlformats.org/presentationml/2006/main">
+  <p:cSld>
+    <p:spTree>
+      <p:nvGrpSpPr>
+        <p:cNvPr id="1" name=""/>
+        <p:cNvGrpSpPr/>
+        <p:nvPr/>
+      </p:nvGrpSpPr>
+      <p:grpSpPr>
+        <a:xfrm>
+          <a:off x="0" y="0"/>
+          <a:ext cx="0" cy="0"/>
+          <a:chOff x="0" y="0"/>
+          <a:chExt cx="0" cy="0"/>
+        </a:xfrm>
+      </p:grpSpPr>
+      <p:sp>
+        <p:nvSpPr>
+          <p:cNvPr id="4" name="矩形 3">
+            <a:extLst>
+              <a:ext uri="{FF2B5EF4-FFF2-40B4-BE49-F238E27FC236}">
+                <a16:creationId xmlns:a16="http://schemas.microsoft.com/office/drawing/2014/main" id="{2E696C1D-19CC-478A-8AA8-77AF59AFB67B}"/>
+              </a:ext>
+            </a:extLst>
+          </p:cNvPr>
+          <p:cNvSpPr/>
+          <p:nvPr/>
+        </p:nvSpPr>
+        <p:spPr>
+          <a:xfrm>
+            <a:off x="1502674" y="802975"/>
+            <a:ext cx="1459054" cy="3139321"/>
+          </a:xfrm>
+          <a:prstGeom prst="rect">
+            <a:avLst/>
+          </a:prstGeom>
+        </p:spPr>
+        <p:txBody>
+          <a:bodyPr wrap="none">
+            <a:spAutoFit/>
+          </a:bodyPr>
+          <a:lstStyle/>
+          <a:p>
+            <a:r>
+              <a:rPr lang="en-US" altLang="zh-CN" dirty="0">
+                <a:solidFill>
+                  <a:srgbClr val="333333"/>
+                </a:solidFill>
+                <a:latin typeface="arial" panose="020B0604020202020204" pitchFamily="34" charset="0"/>
+              </a:rPr>
+              <a:t>NFS</a:t>
+            </a:r>
+          </a:p>
+          <a:p>
+            <a:r>
+              <a:rPr lang="en-US" altLang="zh-CN" dirty="0" err="1"/>
+              <a:t>GlusterFS</a:t>
+            </a:r>
+            <a:endParaRPr lang="en-US" altLang="zh-CN" dirty="0"/>
+          </a:p>
+          <a:p>
+            <a:r>
+              <a:rPr lang="en-US" altLang="zh-CN" dirty="0" err="1">
+                <a:solidFill>
+                  <a:srgbClr val="333333"/>
+                </a:solidFill>
+                <a:latin typeface="arial" panose="020B0604020202020204" pitchFamily="34" charset="0"/>
+              </a:rPr>
+              <a:t>Ceph</a:t>
+            </a:r>
+            <a:endParaRPr lang="en-US" altLang="zh-CN" dirty="0">
+              <a:solidFill>
+                <a:srgbClr val="333333"/>
+              </a:solidFill>
+              <a:latin typeface="arial" panose="020B0604020202020204" pitchFamily="34" charset="0"/>
+            </a:endParaRPr>
+          </a:p>
+          <a:p>
+            <a:r>
+              <a:rPr lang="en-US" altLang="zh-CN" dirty="0" err="1"/>
+              <a:t>DigitalOcean</a:t>
+            </a:r>
+            <a:endParaRPr lang="en-US" altLang="zh-CN" dirty="0"/>
+          </a:p>
+          <a:p>
+            <a:r>
+              <a:rPr lang="en-US" altLang="zh-CN" dirty="0"/>
+              <a:t>Flannel</a:t>
+            </a:r>
+          </a:p>
+          <a:p>
+            <a:r>
+              <a:rPr lang="en-US" altLang="zh-CN" dirty="0"/>
+              <a:t>Calico</a:t>
+            </a:r>
+          </a:p>
+          <a:p>
+            <a:r>
+              <a:rPr lang="en-US" altLang="zh-CN" dirty="0"/>
+              <a:t>Prometheus</a:t>
+            </a:r>
+          </a:p>
+          <a:p>
+            <a:r>
+              <a:rPr lang="en-US" altLang="zh-CN" dirty="0" err="1"/>
+              <a:t>DaemonSet</a:t>
+            </a:r>
+            <a:endParaRPr lang="en-US" altLang="zh-CN" dirty="0"/>
+          </a:p>
+          <a:p>
+            <a:r>
+              <a:rPr lang="en-US" altLang="zh-CN" dirty="0" err="1"/>
+              <a:t>Fluentd</a:t>
+            </a:r>
+            <a:endParaRPr lang="en-US" altLang="zh-CN" dirty="0"/>
+          </a:p>
+          <a:p>
+            <a:endParaRPr lang="en-US" altLang="zh-CN" dirty="0"/>
+          </a:p>
+          <a:p>
+            <a:endParaRPr lang="zh-CN" altLang="en-US" dirty="0"/>
+          </a:p>
+        </p:txBody>
+      </p:sp>
+    </p:spTree>
+    <p:extLst>
+      <p:ext uri="{BB962C8B-B14F-4D97-AF65-F5344CB8AC3E}">
+        <p14:creationId xmlns:p14="http://schemas.microsoft.com/office/powerpoint/2010/main" val="464234432"/>
+      </p:ext>
+    </p:extLst>
+  </p:cSld>
+  <p:clrMapOvr>
+    <a:masterClrMapping/>
+  </p:clrMapOvr>
+</p:sld>
+</file>
+
+<file path=ppt/slides/slide51.xml><?xml version="1.0" encoding="utf-8"?>
+<p:sld xmlns:a="http://schemas.openxmlformats.org/drawingml/2006/main" xmlns:r="http://schemas.openxmlformats.org/officeDocument/2006/relationships" xmlns:p="http://schemas.openxmlformats.org/presentationml/2006/main">
+  <p:cSld>
+    <p:spTree>
+      <p:nvGrpSpPr>
+        <p:cNvPr id="1" name=""/>
+        <p:cNvGrpSpPr/>
+        <p:nvPr/>
+      </p:nvGrpSpPr>
+      <p:grpSpPr>
+        <a:xfrm>
+          <a:off x="0" y="0"/>
+          <a:ext cx="0" cy="0"/>
+          <a:chOff x="0" y="0"/>
+          <a:chExt cx="0" cy="0"/>
+        </a:xfrm>
+      </p:grpSpPr>
+      <p:sp>
+        <p:nvSpPr>
+          <p:cNvPr id="2" name="矩形 1">
+            <a:extLst>
+              <a:ext uri="{FF2B5EF4-FFF2-40B4-BE49-F238E27FC236}">
+                <a16:creationId xmlns:a16="http://schemas.microsoft.com/office/drawing/2014/main" id="{F04B66D7-5DEA-44AF-BF8F-4F46F41BD139}"/>
+              </a:ext>
+            </a:extLst>
+          </p:cNvPr>
+          <p:cNvSpPr/>
+          <p:nvPr/>
+        </p:nvSpPr>
+        <p:spPr>
+          <a:xfrm>
+            <a:off x="1059402" y="925470"/>
+            <a:ext cx="10721266" cy="646331"/>
+          </a:xfrm>
+          <a:prstGeom prst="rect">
+            <a:avLst/>
+          </a:prstGeom>
+        </p:spPr>
+        <p:txBody>
+          <a:bodyPr wrap="square">
+            <a:spAutoFit/>
+          </a:bodyPr>
+          <a:lstStyle/>
+          <a:p>
+            <a:r>
+              <a:rPr lang="zh-CN" altLang="en-US"/>
+              <a:t>Linux Cgroups 的全称是 Linux Control Group。它最主要的作用，就是限制一个进程组能够使用的资源上限，包括 CPU、内存、磁盘、网络带宽等等。</a:t>
+            </a:r>
+            <a:endParaRPr lang="zh-CN" altLang="en-US" dirty="0"/>
+          </a:p>
+        </p:txBody>
+      </p:sp>
+      <p:sp>
+        <p:nvSpPr>
+          <p:cNvPr id="3" name="矩形 2">
+            <a:extLst>
+              <a:ext uri="{FF2B5EF4-FFF2-40B4-BE49-F238E27FC236}">
+                <a16:creationId xmlns:a16="http://schemas.microsoft.com/office/drawing/2014/main" id="{7CB65F6E-C07D-47F7-B027-B2FBB134E56C}"/>
+              </a:ext>
+            </a:extLst>
+          </p:cNvPr>
+          <p:cNvSpPr/>
+          <p:nvPr/>
+        </p:nvSpPr>
+        <p:spPr>
+          <a:xfrm>
+            <a:off x="921508" y="1921561"/>
+            <a:ext cx="4578497" cy="369332"/>
+          </a:xfrm>
+          <a:prstGeom prst="rect">
+            <a:avLst/>
+          </a:prstGeom>
+        </p:spPr>
+        <p:txBody>
+          <a:bodyPr wrap="none">
+            <a:spAutoFit/>
+          </a:bodyPr>
+          <a:lstStyle/>
+          <a:p>
+            <a:r>
+              <a:rPr lang="zh-CN" altLang="en-US" dirty="0"/>
+              <a:t>Namespace是用来修改进程视图的主要方法</a:t>
+            </a:r>
+          </a:p>
+        </p:txBody>
+      </p:sp>
+      <p:sp>
+        <p:nvSpPr>
+          <p:cNvPr id="4" name="矩形 3">
+            <a:extLst>
+              <a:ext uri="{FF2B5EF4-FFF2-40B4-BE49-F238E27FC236}">
+                <a16:creationId xmlns:a16="http://schemas.microsoft.com/office/drawing/2014/main" id="{55765BC9-69DA-426E-BE89-AA4C8E848029}"/>
+              </a:ext>
+            </a:extLst>
+          </p:cNvPr>
+          <p:cNvSpPr/>
+          <p:nvPr/>
+        </p:nvSpPr>
+        <p:spPr>
+          <a:xfrm>
+            <a:off x="921508" y="2640653"/>
+            <a:ext cx="2486578" cy="369332"/>
+          </a:xfrm>
+          <a:prstGeom prst="rect">
+            <a:avLst/>
+          </a:prstGeom>
+        </p:spPr>
+        <p:txBody>
+          <a:bodyPr wrap="none">
+            <a:spAutoFit/>
+          </a:bodyPr>
+          <a:lstStyle/>
+          <a:p>
+            <a:r>
+              <a:rPr lang="zh-CN" altLang="en-US" dirty="0"/>
+              <a:t>会话黏连 session sticky</a:t>
+            </a:r>
+          </a:p>
+        </p:txBody>
+      </p:sp>
+      <p:sp>
+        <p:nvSpPr>
+          <p:cNvPr id="5" name="矩形 4">
+            <a:extLst>
+              <a:ext uri="{FF2B5EF4-FFF2-40B4-BE49-F238E27FC236}">
+                <a16:creationId xmlns:a16="http://schemas.microsoft.com/office/drawing/2014/main" id="{F28C96AC-6D2D-42ED-BA4F-AA1F266D37CE}"/>
+              </a:ext>
+            </a:extLst>
+          </p:cNvPr>
+          <p:cNvSpPr/>
+          <p:nvPr/>
+        </p:nvSpPr>
+        <p:spPr>
+          <a:xfrm>
+            <a:off x="921508" y="3713871"/>
+            <a:ext cx="10721266" cy="1200329"/>
+          </a:xfrm>
+          <a:prstGeom prst="rect">
+            <a:avLst/>
+          </a:prstGeom>
+        </p:spPr>
+        <p:txBody>
+          <a:bodyPr wrap="square">
+            <a:spAutoFit/>
+          </a:bodyPr>
+          <a:lstStyle/>
+          <a:p>
+            <a:r>
+              <a:rPr lang="zh-CN" altLang="en-US" dirty="0">
+                <a:solidFill>
+                  <a:srgbClr val="333333"/>
+                </a:solidFill>
+                <a:latin typeface="PingFang SC"/>
+              </a:rPr>
+              <a:t>在 </a:t>
+            </a:r>
+            <a:r>
+              <a:rPr lang="en-US" altLang="zh-CN" dirty="0">
+                <a:solidFill>
+                  <a:srgbClr val="333333"/>
+                </a:solidFill>
+                <a:latin typeface="PingFang SC"/>
+              </a:rPr>
+              <a:t>Kubernetes </a:t>
+            </a:r>
+            <a:r>
+              <a:rPr lang="zh-CN" altLang="en-US" dirty="0">
+                <a:solidFill>
+                  <a:srgbClr val="333333"/>
+                </a:solidFill>
+                <a:latin typeface="PingFang SC"/>
+              </a:rPr>
+              <a:t>项目中，负责完成授权（</a:t>
+            </a:r>
+            <a:r>
+              <a:rPr lang="en-US" altLang="zh-CN" dirty="0"/>
+              <a:t>Authorization</a:t>
+            </a:r>
+            <a:r>
+              <a:rPr lang="zh-CN" altLang="en-US" dirty="0"/>
+              <a:t>）工作的机制，就是 </a:t>
+            </a:r>
+            <a:r>
+              <a:rPr lang="en-US" altLang="zh-CN" dirty="0" err="1"/>
+              <a:t>RBAC</a:t>
+            </a:r>
+            <a:r>
+              <a:rPr lang="zh-CN" altLang="en-US" dirty="0"/>
+              <a:t>：基于角色的访问控制（</a:t>
+            </a:r>
+            <a:r>
+              <a:rPr lang="en-US" altLang="zh-CN" dirty="0"/>
+              <a:t>Role-Based Access Control</a:t>
+            </a:r>
+            <a:r>
+              <a:rPr lang="zh-CN" altLang="en-US" dirty="0"/>
+              <a:t>）</a:t>
+            </a:r>
+            <a:endParaRPr lang="en-US" altLang="zh-CN" dirty="0"/>
+          </a:p>
+          <a:p>
+            <a:endParaRPr lang="en-US" altLang="zh-CN" dirty="0"/>
+          </a:p>
+          <a:p>
+            <a:endParaRPr lang="en-US" altLang="zh-CN" dirty="0">
+              <a:solidFill>
+                <a:srgbClr val="333333"/>
+              </a:solidFill>
+              <a:latin typeface="PingFang SC"/>
+            </a:endParaRPr>
+          </a:p>
+        </p:txBody>
+      </p:sp>
+      <p:sp>
+        <p:nvSpPr>
+          <p:cNvPr id="6" name="矩形 5">
+            <a:extLst>
+              <a:ext uri="{FF2B5EF4-FFF2-40B4-BE49-F238E27FC236}">
+                <a16:creationId xmlns:a16="http://schemas.microsoft.com/office/drawing/2014/main" id="{463DC33F-044B-4AE4-A258-58C1E8E687A8}"/>
+              </a:ext>
+            </a:extLst>
+          </p:cNvPr>
+          <p:cNvSpPr/>
+          <p:nvPr/>
+        </p:nvSpPr>
+        <p:spPr>
+          <a:xfrm>
+            <a:off x="1059403" y="4800968"/>
+            <a:ext cx="9997804" cy="923330"/>
+          </a:xfrm>
+          <a:prstGeom prst="rect">
+            <a:avLst/>
+          </a:prstGeom>
+        </p:spPr>
+        <p:txBody>
+          <a:bodyPr wrap="square">
+            <a:spAutoFit/>
+          </a:bodyPr>
+          <a:lstStyle/>
+          <a:p>
+            <a:r>
+              <a:rPr lang="en-US" altLang="zh-CN" dirty="0"/>
+              <a:t>Operator</a:t>
+            </a:r>
+            <a:r>
+              <a:rPr lang="zh-CN" altLang="en-US" dirty="0"/>
+              <a:t>的工作原理，实际上是利用了</a:t>
+            </a:r>
+            <a:r>
+              <a:rPr lang="en-US" altLang="zh-CN" dirty="0"/>
+              <a:t>Kubernetes</a:t>
+            </a:r>
+            <a:r>
+              <a:rPr lang="zh-CN" altLang="en-US" dirty="0"/>
+              <a:t>的自定义</a:t>
+            </a:r>
+            <a:r>
+              <a:rPr lang="en-US" altLang="zh-CN" dirty="0"/>
+              <a:t>API</a:t>
+            </a:r>
+            <a:r>
+              <a:rPr lang="zh-CN" altLang="en-US" dirty="0"/>
+              <a:t>资源（</a:t>
+            </a:r>
+            <a:r>
+              <a:rPr lang="en-US" altLang="zh-CN" dirty="0" err="1"/>
+              <a:t>CRD</a:t>
+            </a:r>
+            <a:r>
+              <a:rPr lang="zh-CN" altLang="en-US" dirty="0"/>
+              <a:t>）</a:t>
+            </a:r>
+            <a:r>
+              <a:rPr lang="en-US" altLang="zh-CN" dirty="0"/>
+              <a:t>,</a:t>
+            </a:r>
+            <a:r>
+              <a:rPr lang="zh-CN" altLang="en-US" dirty="0"/>
+              <a:t>来描述我们想要部署的</a:t>
+            </a:r>
+            <a:r>
+              <a:rPr lang="zh-CN" altLang="en-US"/>
+              <a:t>“有状态应用”；然后</a:t>
+            </a:r>
+            <a:r>
+              <a:rPr lang="zh-CN" altLang="en-US" dirty="0"/>
+              <a:t>在自定义控制器里，根据自定义</a:t>
+            </a:r>
+            <a:r>
+              <a:rPr lang="en-US" altLang="zh-CN" dirty="0"/>
+              <a:t>API</a:t>
+            </a:r>
+            <a:r>
+              <a:rPr lang="zh-CN" altLang="en-US" dirty="0"/>
+              <a:t>对象的变化，来完成具体的部署和运维工作</a:t>
+            </a:r>
+          </a:p>
+        </p:txBody>
+      </p:sp>
+    </p:spTree>
+    <p:extLst>
+      <p:ext uri="{BB962C8B-B14F-4D97-AF65-F5344CB8AC3E}">
+        <p14:creationId xmlns:p14="http://schemas.microsoft.com/office/powerpoint/2010/main" val="116615380"/>
       </p:ext>
     </p:extLst>
   </p:cSld>

--- a/Asp.NetCoreExperiment/kubernetes/kubernetes.pptx
+++ b/Asp.NetCoreExperiment/kubernetes/kubernetes.pptx
@@ -3122,7 +3122,7 @@
           <a:p>
             <a:fld id="{EB3586D1-9A9B-4A13-8983-B7906950C648}" type="datetimeFigureOut">
               <a:rPr lang="zh-CN" altLang="en-US" smtClean="0"/>
-              <a:t>2019/2/26</a:t>
+              <a:t>2019/3/2</a:t>
             </a:fld>
             <a:endParaRPr lang="zh-CN" altLang="en-US"/>
           </a:p>
@@ -4092,7 +4092,7 @@
           <a:p>
             <a:fld id="{2328C41B-48A3-47AC-B18B-81A9BC6A6005}" type="datetimeFigureOut">
               <a:rPr lang="zh-CN" altLang="en-US" smtClean="0"/>
-              <a:t>2019/2/26</a:t>
+              <a:t>2019/3/2</a:t>
             </a:fld>
             <a:endParaRPr lang="zh-CN" altLang="en-US"/>
           </a:p>
@@ -4290,7 +4290,7 @@
           <a:p>
             <a:fld id="{2328C41B-48A3-47AC-B18B-81A9BC6A6005}" type="datetimeFigureOut">
               <a:rPr lang="zh-CN" altLang="en-US" smtClean="0"/>
-              <a:t>2019/2/26</a:t>
+              <a:t>2019/3/2</a:t>
             </a:fld>
             <a:endParaRPr lang="zh-CN" altLang="en-US"/>
           </a:p>
@@ -4498,7 +4498,7 @@
           <a:p>
             <a:fld id="{2328C41B-48A3-47AC-B18B-81A9BC6A6005}" type="datetimeFigureOut">
               <a:rPr lang="zh-CN" altLang="en-US" smtClean="0"/>
-              <a:t>2019/2/26</a:t>
+              <a:t>2019/3/2</a:t>
             </a:fld>
             <a:endParaRPr lang="zh-CN" altLang="en-US"/>
           </a:p>
@@ -4696,7 +4696,7 @@
           <a:p>
             <a:fld id="{2328C41B-48A3-47AC-B18B-81A9BC6A6005}" type="datetimeFigureOut">
               <a:rPr lang="zh-CN" altLang="en-US" smtClean="0"/>
-              <a:t>2019/2/26</a:t>
+              <a:t>2019/3/2</a:t>
             </a:fld>
             <a:endParaRPr lang="zh-CN" altLang="en-US"/>
           </a:p>
@@ -4971,7 +4971,7 @@
           <a:p>
             <a:fld id="{2328C41B-48A3-47AC-B18B-81A9BC6A6005}" type="datetimeFigureOut">
               <a:rPr lang="zh-CN" altLang="en-US" smtClean="0"/>
-              <a:t>2019/2/26</a:t>
+              <a:t>2019/3/2</a:t>
             </a:fld>
             <a:endParaRPr lang="zh-CN" altLang="en-US"/>
           </a:p>
@@ -5236,7 +5236,7 @@
           <a:p>
             <a:fld id="{2328C41B-48A3-47AC-B18B-81A9BC6A6005}" type="datetimeFigureOut">
               <a:rPr lang="zh-CN" altLang="en-US" smtClean="0"/>
-              <a:t>2019/2/26</a:t>
+              <a:t>2019/3/2</a:t>
             </a:fld>
             <a:endParaRPr lang="zh-CN" altLang="en-US"/>
           </a:p>
@@ -5648,7 +5648,7 @@
           <a:p>
             <a:fld id="{2328C41B-48A3-47AC-B18B-81A9BC6A6005}" type="datetimeFigureOut">
               <a:rPr lang="zh-CN" altLang="en-US" smtClean="0"/>
-              <a:t>2019/2/26</a:t>
+              <a:t>2019/3/2</a:t>
             </a:fld>
             <a:endParaRPr lang="zh-CN" altLang="en-US"/>
           </a:p>
@@ -5789,7 +5789,7 @@
           <a:p>
             <a:fld id="{2328C41B-48A3-47AC-B18B-81A9BC6A6005}" type="datetimeFigureOut">
               <a:rPr lang="zh-CN" altLang="en-US" smtClean="0"/>
-              <a:t>2019/2/26</a:t>
+              <a:t>2019/3/2</a:t>
             </a:fld>
             <a:endParaRPr lang="zh-CN" altLang="en-US"/>
           </a:p>
@@ -5902,7 +5902,7 @@
           <a:p>
             <a:fld id="{2328C41B-48A3-47AC-B18B-81A9BC6A6005}" type="datetimeFigureOut">
               <a:rPr lang="zh-CN" altLang="en-US" smtClean="0"/>
-              <a:t>2019/2/26</a:t>
+              <a:t>2019/3/2</a:t>
             </a:fld>
             <a:endParaRPr lang="zh-CN" altLang="en-US"/>
           </a:p>
@@ -6213,7 +6213,7 @@
           <a:p>
             <a:fld id="{2328C41B-48A3-47AC-B18B-81A9BC6A6005}" type="datetimeFigureOut">
               <a:rPr lang="zh-CN" altLang="en-US" smtClean="0"/>
-              <a:t>2019/2/26</a:t>
+              <a:t>2019/3/2</a:t>
             </a:fld>
             <a:endParaRPr lang="zh-CN" altLang="en-US"/>
           </a:p>
@@ -6501,7 +6501,7 @@
           <a:p>
             <a:fld id="{2328C41B-48A3-47AC-B18B-81A9BC6A6005}" type="datetimeFigureOut">
               <a:rPr lang="zh-CN" altLang="en-US" smtClean="0"/>
-              <a:t>2019/2/26</a:t>
+              <a:t>2019/3/2</a:t>
             </a:fld>
             <a:endParaRPr lang="zh-CN" altLang="en-US"/>
           </a:p>
@@ -6742,7 +6742,7 @@
           <a:p>
             <a:fld id="{2328C41B-48A3-47AC-B18B-81A9BC6A6005}" type="datetimeFigureOut">
               <a:rPr lang="zh-CN" altLang="en-US" smtClean="0"/>
-              <a:t>2019/2/26</a:t>
+              <a:t>2019/3/2</a:t>
             </a:fld>
             <a:endParaRPr lang="zh-CN" altLang="en-US"/>
           </a:p>
@@ -13433,7 +13433,135 @@
           <a:bodyPr/>
           <a:lstStyle/>
           <a:p>
-            <a:endParaRPr lang="zh-CN" altLang="en-US" dirty="0"/>
+            <a:pPr marL="0" indent="0">
+              <a:buNone/>
+            </a:pPr>
+            <a:r>
+              <a:rPr lang="en-US" altLang="zh-CN" dirty="0" err="1"/>
+              <a:t>StatfulSet</a:t>
+            </a:r>
+            <a:r>
+              <a:rPr lang="zh-CN" altLang="en-US" dirty="0"/>
+              <a:t>是有状态的</a:t>
+            </a:r>
+            <a:r>
+              <a:rPr lang="en-US" altLang="zh-CN" dirty="0"/>
+              <a:t>Deployment</a:t>
+            </a:r>
+            <a:r>
+              <a:rPr lang="zh-CN" altLang="en-US" dirty="0"/>
+              <a:t>，就是通过某种方式记录这些状态，然后在</a:t>
+            </a:r>
+            <a:r>
+              <a:rPr lang="en-US" altLang="zh-CN" dirty="0"/>
+              <a:t>Pod</a:t>
+            </a:r>
+            <a:r>
+              <a:rPr lang="zh-CN" altLang="en-US" dirty="0"/>
+              <a:t>被重新创建时，能够为新</a:t>
+            </a:r>
+            <a:r>
+              <a:rPr lang="en-US" altLang="zh-CN" dirty="0"/>
+              <a:t>Pod</a:t>
+            </a:r>
+            <a:r>
+              <a:rPr lang="zh-CN" altLang="en-US" dirty="0"/>
+              <a:t>恢复这些状态</a:t>
+            </a:r>
+            <a:endParaRPr lang="en-US" altLang="zh-CN" dirty="0"/>
+          </a:p>
+          <a:p>
+            <a:pPr marL="0" indent="0">
+              <a:buNone/>
+            </a:pPr>
+            <a:r>
+              <a:rPr lang="en-US" altLang="zh-CN" dirty="0"/>
+              <a:t>1</a:t>
+            </a:r>
+            <a:r>
+              <a:rPr lang="zh-CN" altLang="en-US" dirty="0"/>
+              <a:t>、拓扑状态</a:t>
+            </a:r>
+            <a:endParaRPr lang="en-US" altLang="zh-CN" dirty="0"/>
+          </a:p>
+          <a:p>
+            <a:pPr marL="0" indent="0">
+              <a:buNone/>
+            </a:pPr>
+            <a:r>
+              <a:rPr lang="en-US" altLang="zh-CN" dirty="0"/>
+              <a:t>Pod</a:t>
+            </a:r>
+            <a:r>
+              <a:rPr lang="zh-CN" altLang="en-US" dirty="0"/>
+              <a:t>按照某些顺序启动，再次启动时也会按照原来的顺序启动才行。</a:t>
+            </a:r>
+            <a:endParaRPr lang="en-US" altLang="zh-CN" dirty="0"/>
+          </a:p>
+          <a:p>
+            <a:pPr marL="0" indent="0">
+              <a:buNone/>
+            </a:pPr>
+            <a:r>
+              <a:rPr lang="zh-CN" altLang="en-US" dirty="0"/>
+              <a:t>通过</a:t>
+            </a:r>
+            <a:r>
+              <a:rPr lang="en-US" altLang="zh-CN" dirty="0"/>
+              <a:t>Headless Service</a:t>
+            </a:r>
+            <a:r>
+              <a:rPr lang="zh-CN" altLang="en-US" dirty="0"/>
+              <a:t>来保证</a:t>
+            </a:r>
+            <a:r>
+              <a:rPr lang="en-US" altLang="zh-CN" dirty="0"/>
+              <a:t>Pod</a:t>
+            </a:r>
+            <a:r>
+              <a:rPr lang="zh-CN" altLang="en-US" dirty="0"/>
+              <a:t>可解析身份</a:t>
+            </a:r>
+            <a:endParaRPr lang="en-US" altLang="zh-CN" dirty="0"/>
+          </a:p>
+          <a:p>
+            <a:pPr marL="0" indent="0">
+              <a:buNone/>
+            </a:pPr>
+            <a:r>
+              <a:rPr lang="en-US" altLang="zh-CN" dirty="0"/>
+              <a:t>2</a:t>
+            </a:r>
+            <a:r>
+              <a:rPr lang="zh-CN" altLang="en-US" dirty="0"/>
+              <a:t>、存储状态</a:t>
+            </a:r>
+            <a:endParaRPr lang="en-US" altLang="zh-CN" dirty="0"/>
+          </a:p>
+          <a:p>
+            <a:pPr marL="0" indent="0">
+              <a:buNone/>
+            </a:pPr>
+            <a:r>
+              <a:rPr lang="zh-CN" altLang="en-US" dirty="0"/>
+              <a:t>各个</a:t>
+            </a:r>
+            <a:r>
+              <a:rPr lang="en-US" altLang="zh-CN" dirty="0"/>
+              <a:t>Pod</a:t>
+            </a:r>
+            <a:r>
+              <a:rPr lang="zh-CN" altLang="en-US" dirty="0"/>
+              <a:t>保存的数据，再次启动后，还能访问到自己的数据，通过</a:t>
+            </a:r>
+            <a:r>
+              <a:rPr lang="en-US" altLang="zh-CN" dirty="0"/>
+              <a:t>PVC,PV</a:t>
+            </a:r>
+            <a:r>
+              <a:rPr lang="zh-CN" altLang="en-US" dirty="0"/>
+              <a:t>方式实现</a:t>
+            </a:r>
           </a:p>
         </p:txBody>
       </p:sp>

--- a/Asp.NetCoreExperiment/kubernetes/kubernetes.pptx
+++ b/Asp.NetCoreExperiment/kubernetes/kubernetes.pptx
@@ -5,7 +5,7 @@
     <p:sldMasterId id="2147483648" r:id="rId1"/>
   </p:sldMasterIdLst>
   <p:notesMasterIdLst>
-    <p:notesMasterId r:id="rId53"/>
+    <p:notesMasterId r:id="rId54"/>
   </p:notesMasterIdLst>
   <p:sldIdLst>
     <p:sldId id="256" r:id="rId2"/>
@@ -34,31 +34,32 @@
     <p:sldId id="282" r:id="rId25"/>
     <p:sldId id="281" r:id="rId26"/>
     <p:sldId id="280" r:id="rId27"/>
-    <p:sldId id="279" r:id="rId28"/>
-    <p:sldId id="278" r:id="rId29"/>
-    <p:sldId id="277" r:id="rId30"/>
-    <p:sldId id="284" r:id="rId31"/>
-    <p:sldId id="307" r:id="rId32"/>
-    <p:sldId id="306" r:id="rId33"/>
-    <p:sldId id="287" r:id="rId34"/>
-    <p:sldId id="286" r:id="rId35"/>
-    <p:sldId id="288" r:id="rId36"/>
-    <p:sldId id="289" r:id="rId37"/>
-    <p:sldId id="290" r:id="rId38"/>
-    <p:sldId id="295" r:id="rId39"/>
-    <p:sldId id="291" r:id="rId40"/>
-    <p:sldId id="296" r:id="rId41"/>
-    <p:sldId id="297" r:id="rId42"/>
-    <p:sldId id="298" r:id="rId43"/>
-    <p:sldId id="299" r:id="rId44"/>
-    <p:sldId id="300" r:id="rId45"/>
-    <p:sldId id="301" r:id="rId46"/>
-    <p:sldId id="302" r:id="rId47"/>
-    <p:sldId id="303" r:id="rId48"/>
-    <p:sldId id="304" r:id="rId49"/>
-    <p:sldId id="305" r:id="rId50"/>
-    <p:sldId id="258" r:id="rId51"/>
-    <p:sldId id="257" r:id="rId52"/>
+    <p:sldId id="308" r:id="rId28"/>
+    <p:sldId id="279" r:id="rId29"/>
+    <p:sldId id="278" r:id="rId30"/>
+    <p:sldId id="277" r:id="rId31"/>
+    <p:sldId id="284" r:id="rId32"/>
+    <p:sldId id="307" r:id="rId33"/>
+    <p:sldId id="306" r:id="rId34"/>
+    <p:sldId id="287" r:id="rId35"/>
+    <p:sldId id="286" r:id="rId36"/>
+    <p:sldId id="288" r:id="rId37"/>
+    <p:sldId id="289" r:id="rId38"/>
+    <p:sldId id="290" r:id="rId39"/>
+    <p:sldId id="295" r:id="rId40"/>
+    <p:sldId id="291" r:id="rId41"/>
+    <p:sldId id="296" r:id="rId42"/>
+    <p:sldId id="297" r:id="rId43"/>
+    <p:sldId id="298" r:id="rId44"/>
+    <p:sldId id="299" r:id="rId45"/>
+    <p:sldId id="300" r:id="rId46"/>
+    <p:sldId id="301" r:id="rId47"/>
+    <p:sldId id="302" r:id="rId48"/>
+    <p:sldId id="303" r:id="rId49"/>
+    <p:sldId id="304" r:id="rId50"/>
+    <p:sldId id="305" r:id="rId51"/>
+    <p:sldId id="258" r:id="rId52"/>
+    <p:sldId id="257" r:id="rId53"/>
   </p:sldIdLst>
   <p:sldSz cx="12192000" cy="6858000"/>
   <p:notesSz cx="6858000" cy="9144000"/>
@@ -3122,7 +3123,7 @@
           <a:p>
             <a:fld id="{EB3586D1-9A9B-4A13-8983-B7906950C648}" type="datetimeFigureOut">
               <a:rPr lang="zh-CN" altLang="en-US" smtClean="0"/>
-              <a:t>2019/3/2</a:t>
+              <a:t>2019/3/3</a:t>
             </a:fld>
             <a:endParaRPr lang="zh-CN" altLang="en-US"/>
           </a:p>
@@ -4092,7 +4093,7 @@
           <a:p>
             <a:fld id="{2328C41B-48A3-47AC-B18B-81A9BC6A6005}" type="datetimeFigureOut">
               <a:rPr lang="zh-CN" altLang="en-US" smtClean="0"/>
-              <a:t>2019/3/2</a:t>
+              <a:t>2019/3/3</a:t>
             </a:fld>
             <a:endParaRPr lang="zh-CN" altLang="en-US"/>
           </a:p>
@@ -4290,7 +4291,7 @@
           <a:p>
             <a:fld id="{2328C41B-48A3-47AC-B18B-81A9BC6A6005}" type="datetimeFigureOut">
               <a:rPr lang="zh-CN" altLang="en-US" smtClean="0"/>
-              <a:t>2019/3/2</a:t>
+              <a:t>2019/3/3</a:t>
             </a:fld>
             <a:endParaRPr lang="zh-CN" altLang="en-US"/>
           </a:p>
@@ -4498,7 +4499,7 @@
           <a:p>
             <a:fld id="{2328C41B-48A3-47AC-B18B-81A9BC6A6005}" type="datetimeFigureOut">
               <a:rPr lang="zh-CN" altLang="en-US" smtClean="0"/>
-              <a:t>2019/3/2</a:t>
+              <a:t>2019/3/3</a:t>
             </a:fld>
             <a:endParaRPr lang="zh-CN" altLang="en-US"/>
           </a:p>
@@ -4696,7 +4697,7 @@
           <a:p>
             <a:fld id="{2328C41B-48A3-47AC-B18B-81A9BC6A6005}" type="datetimeFigureOut">
               <a:rPr lang="zh-CN" altLang="en-US" smtClean="0"/>
-              <a:t>2019/3/2</a:t>
+              <a:t>2019/3/3</a:t>
             </a:fld>
             <a:endParaRPr lang="zh-CN" altLang="en-US"/>
           </a:p>
@@ -4971,7 +4972,7 @@
           <a:p>
             <a:fld id="{2328C41B-48A3-47AC-B18B-81A9BC6A6005}" type="datetimeFigureOut">
               <a:rPr lang="zh-CN" altLang="en-US" smtClean="0"/>
-              <a:t>2019/3/2</a:t>
+              <a:t>2019/3/3</a:t>
             </a:fld>
             <a:endParaRPr lang="zh-CN" altLang="en-US"/>
           </a:p>
@@ -5236,7 +5237,7 @@
           <a:p>
             <a:fld id="{2328C41B-48A3-47AC-B18B-81A9BC6A6005}" type="datetimeFigureOut">
               <a:rPr lang="zh-CN" altLang="en-US" smtClean="0"/>
-              <a:t>2019/3/2</a:t>
+              <a:t>2019/3/3</a:t>
             </a:fld>
             <a:endParaRPr lang="zh-CN" altLang="en-US"/>
           </a:p>
@@ -5648,7 +5649,7 @@
           <a:p>
             <a:fld id="{2328C41B-48A3-47AC-B18B-81A9BC6A6005}" type="datetimeFigureOut">
               <a:rPr lang="zh-CN" altLang="en-US" smtClean="0"/>
-              <a:t>2019/3/2</a:t>
+              <a:t>2019/3/3</a:t>
             </a:fld>
             <a:endParaRPr lang="zh-CN" altLang="en-US"/>
           </a:p>
@@ -5789,7 +5790,7 @@
           <a:p>
             <a:fld id="{2328C41B-48A3-47AC-B18B-81A9BC6A6005}" type="datetimeFigureOut">
               <a:rPr lang="zh-CN" altLang="en-US" smtClean="0"/>
-              <a:t>2019/3/2</a:t>
+              <a:t>2019/3/3</a:t>
             </a:fld>
             <a:endParaRPr lang="zh-CN" altLang="en-US"/>
           </a:p>
@@ -5902,7 +5903,7 @@
           <a:p>
             <a:fld id="{2328C41B-48A3-47AC-B18B-81A9BC6A6005}" type="datetimeFigureOut">
               <a:rPr lang="zh-CN" altLang="en-US" smtClean="0"/>
-              <a:t>2019/3/2</a:t>
+              <a:t>2019/3/3</a:t>
             </a:fld>
             <a:endParaRPr lang="zh-CN" altLang="en-US"/>
           </a:p>
@@ -6213,7 +6214,7 @@
           <a:p>
             <a:fld id="{2328C41B-48A3-47AC-B18B-81A9BC6A6005}" type="datetimeFigureOut">
               <a:rPr lang="zh-CN" altLang="en-US" smtClean="0"/>
-              <a:t>2019/3/2</a:t>
+              <a:t>2019/3/3</a:t>
             </a:fld>
             <a:endParaRPr lang="zh-CN" altLang="en-US"/>
           </a:p>
@@ -6501,7 +6502,7 @@
           <a:p>
             <a:fld id="{2328C41B-48A3-47AC-B18B-81A9BC6A6005}" type="datetimeFigureOut">
               <a:rPr lang="zh-CN" altLang="en-US" smtClean="0"/>
-              <a:t>2019/3/2</a:t>
+              <a:t>2019/3/3</a:t>
             </a:fld>
             <a:endParaRPr lang="zh-CN" altLang="en-US"/>
           </a:p>
@@ -6742,7 +6743,7 @@
           <a:p>
             <a:fld id="{2328C41B-48A3-47AC-B18B-81A9BC6A6005}" type="datetimeFigureOut">
               <a:rPr lang="zh-CN" altLang="en-US" smtClean="0"/>
-              <a:t>2019/3/2</a:t>
+              <a:t>2019/3/3</a:t>
             </a:fld>
             <a:endParaRPr lang="zh-CN" altLang="en-US"/>
           </a:p>
@@ -13215,33 +13216,2070 @@
           </a:p>
         </p:txBody>
       </p:sp>
+      <p:graphicFrame>
+        <p:nvGraphicFramePr>
+          <p:cNvPr id="4" name="内容占位符 3">
+            <a:extLst>
+              <a:ext uri="{FF2B5EF4-FFF2-40B4-BE49-F238E27FC236}">
+                <a16:creationId xmlns:a16="http://schemas.microsoft.com/office/drawing/2014/main" id="{C7611B21-C266-4460-B54B-521A4096D403}"/>
+              </a:ext>
+            </a:extLst>
+          </p:cNvPr>
+          <p:cNvGraphicFramePr>
+            <a:graphicFrameLocks noGrp="1"/>
+          </p:cNvGraphicFramePr>
+          <p:nvPr>
+            <p:ph idx="1"/>
+            <p:extLst>
+              <p:ext uri="{D42A27DB-BD31-4B8C-83A1-F6EECF244321}">
+                <p14:modId xmlns:p14="http://schemas.microsoft.com/office/powerpoint/2010/main" val="1658479286"/>
+              </p:ext>
+            </p:extLst>
+          </p:nvPr>
+        </p:nvGraphicFramePr>
+        <p:xfrm>
+          <a:off x="756356" y="3530480"/>
+          <a:ext cx="10701865" cy="2317426"/>
+        </p:xfrm>
+        <a:graphic>
+          <a:graphicData uri="http://schemas.openxmlformats.org/drawingml/2006/table">
+            <a:tbl>
+              <a:tblPr/>
+              <a:tblGrid>
+                <a:gridCol w="2140373">
+                  <a:extLst>
+                    <a:ext uri="{9D8B030D-6E8A-4147-A177-3AD203B41FA5}">
+                      <a16:colId xmlns:a16="http://schemas.microsoft.com/office/drawing/2014/main" val="2840272133"/>
+                    </a:ext>
+                  </a:extLst>
+                </a:gridCol>
+                <a:gridCol w="2140373">
+                  <a:extLst>
+                    <a:ext uri="{9D8B030D-6E8A-4147-A177-3AD203B41FA5}">
+                      <a16:colId xmlns:a16="http://schemas.microsoft.com/office/drawing/2014/main" val="536369449"/>
+                    </a:ext>
+                  </a:extLst>
+                </a:gridCol>
+                <a:gridCol w="2140373">
+                  <a:extLst>
+                    <a:ext uri="{9D8B030D-6E8A-4147-A177-3AD203B41FA5}">
+                      <a16:colId xmlns:a16="http://schemas.microsoft.com/office/drawing/2014/main" val="262121810"/>
+                    </a:ext>
+                  </a:extLst>
+                </a:gridCol>
+                <a:gridCol w="2140373">
+                  <a:extLst>
+                    <a:ext uri="{9D8B030D-6E8A-4147-A177-3AD203B41FA5}">
+                      <a16:colId xmlns:a16="http://schemas.microsoft.com/office/drawing/2014/main" val="2361163766"/>
+                    </a:ext>
+                  </a:extLst>
+                </a:gridCol>
+                <a:gridCol w="2140373">
+                  <a:extLst>
+                    <a:ext uri="{9D8B030D-6E8A-4147-A177-3AD203B41FA5}">
+                      <a16:colId xmlns:a16="http://schemas.microsoft.com/office/drawing/2014/main" val="719607384"/>
+                    </a:ext>
+                  </a:extLst>
+                </a:gridCol>
+              </a:tblGrid>
+              <a:tr h="188867">
+                <a:tc>
+                  <a:txBody>
+                    <a:bodyPr/>
+                    <a:lstStyle/>
+                    <a:p>
+                      <a:pPr algn="ctr"/>
+                      <a:r>
+                        <a:rPr lang="en-US" sz="1200">
+                          <a:effectLst/>
+                        </a:rPr>
+                        <a:t>Job</a:t>
+                      </a:r>
+                      <a:r>
+                        <a:rPr lang="zh-CN" altLang="en-US" sz="1200">
+                          <a:effectLst/>
+                        </a:rPr>
+                        <a:t>类型</a:t>
+                      </a:r>
+                    </a:p>
+                  </a:txBody>
+                  <a:tcPr marL="52407" marR="52407" marT="26203" marB="26203" anchor="ctr">
+                    <a:lnL w="7620" cap="flat" cmpd="sng" algn="ctr">
+                      <a:solidFill>
+                        <a:srgbClr val="DDDDDD"/>
+                      </a:solidFill>
+                      <a:prstDash val="solid"/>
+                      <a:round/>
+                      <a:headEnd type="none" w="med" len="med"/>
+                      <a:tailEnd type="none" w="med" len="med"/>
+                    </a:lnL>
+                    <a:lnR w="7620" cap="flat" cmpd="sng" algn="ctr">
+                      <a:solidFill>
+                        <a:srgbClr val="DDDDDD"/>
+                      </a:solidFill>
+                      <a:prstDash val="solid"/>
+                      <a:round/>
+                      <a:headEnd type="none" w="med" len="med"/>
+                      <a:tailEnd type="none" w="med" len="med"/>
+                    </a:lnR>
+                    <a:lnT w="7620" cap="flat" cmpd="sng" algn="ctr">
+                      <a:solidFill>
+                        <a:srgbClr val="DDDDDD"/>
+                      </a:solidFill>
+                      <a:prstDash val="solid"/>
+                      <a:round/>
+                      <a:headEnd type="none" w="med" len="med"/>
+                      <a:tailEnd type="none" w="med" len="med"/>
+                    </a:lnT>
+                    <a:lnB w="7620" cap="flat" cmpd="sng" algn="ctr">
+                      <a:solidFill>
+                        <a:srgbClr val="DDDDDD"/>
+                      </a:solidFill>
+                      <a:prstDash val="solid"/>
+                      <a:round/>
+                      <a:headEnd type="none" w="med" len="med"/>
+                      <a:tailEnd type="none" w="med" len="med"/>
+                    </a:lnB>
+                    <a:solidFill>
+                      <a:srgbClr val="F9F9F9"/>
+                    </a:solidFill>
+                  </a:tcPr>
+                </a:tc>
+                <a:tc>
+                  <a:txBody>
+                    <a:bodyPr/>
+                    <a:lstStyle/>
+                    <a:p>
+                      <a:pPr algn="ctr"/>
+                      <a:r>
+                        <a:rPr lang="zh-CN" altLang="en-US" sz="1200" dirty="0">
+                          <a:effectLst/>
+                        </a:rPr>
+                        <a:t>使用示例</a:t>
+                      </a:r>
+                    </a:p>
+                  </a:txBody>
+                  <a:tcPr marL="52407" marR="52407" marT="26203" marB="26203" anchor="ctr">
+                    <a:lnL w="7620" cap="flat" cmpd="sng" algn="ctr">
+                      <a:solidFill>
+                        <a:srgbClr val="DDDDDD"/>
+                      </a:solidFill>
+                      <a:prstDash val="solid"/>
+                      <a:round/>
+                      <a:headEnd type="none" w="med" len="med"/>
+                      <a:tailEnd type="none" w="med" len="med"/>
+                    </a:lnL>
+                    <a:lnR w="7620" cap="flat" cmpd="sng" algn="ctr">
+                      <a:solidFill>
+                        <a:srgbClr val="DDDDDD"/>
+                      </a:solidFill>
+                      <a:prstDash val="solid"/>
+                      <a:round/>
+                      <a:headEnd type="none" w="med" len="med"/>
+                      <a:tailEnd type="none" w="med" len="med"/>
+                    </a:lnR>
+                    <a:lnT w="7620" cap="flat" cmpd="sng" algn="ctr">
+                      <a:solidFill>
+                        <a:srgbClr val="DDDDDD"/>
+                      </a:solidFill>
+                      <a:prstDash val="solid"/>
+                      <a:round/>
+                      <a:headEnd type="none" w="med" len="med"/>
+                      <a:tailEnd type="none" w="med" len="med"/>
+                    </a:lnT>
+                    <a:lnB w="7620" cap="flat" cmpd="sng" algn="ctr">
+                      <a:solidFill>
+                        <a:srgbClr val="DDDDDD"/>
+                      </a:solidFill>
+                      <a:prstDash val="solid"/>
+                      <a:round/>
+                      <a:headEnd type="none" w="med" len="med"/>
+                      <a:tailEnd type="none" w="med" len="med"/>
+                    </a:lnB>
+                    <a:solidFill>
+                      <a:srgbClr val="F9F9F9"/>
+                    </a:solidFill>
+                  </a:tcPr>
+                </a:tc>
+                <a:tc>
+                  <a:txBody>
+                    <a:bodyPr/>
+                    <a:lstStyle/>
+                    <a:p>
+                      <a:pPr algn="ctr"/>
+                      <a:r>
+                        <a:rPr lang="zh-CN" altLang="en-US" sz="1200">
+                          <a:effectLst/>
+                        </a:rPr>
+                        <a:t>行为</a:t>
+                      </a:r>
+                    </a:p>
+                  </a:txBody>
+                  <a:tcPr marL="52407" marR="52407" marT="26203" marB="26203" anchor="ctr">
+                    <a:lnL w="7620" cap="flat" cmpd="sng" algn="ctr">
+                      <a:solidFill>
+                        <a:srgbClr val="DDDDDD"/>
+                      </a:solidFill>
+                      <a:prstDash val="solid"/>
+                      <a:round/>
+                      <a:headEnd type="none" w="med" len="med"/>
+                      <a:tailEnd type="none" w="med" len="med"/>
+                    </a:lnL>
+                    <a:lnR w="7620" cap="flat" cmpd="sng" algn="ctr">
+                      <a:solidFill>
+                        <a:srgbClr val="DDDDDD"/>
+                      </a:solidFill>
+                      <a:prstDash val="solid"/>
+                      <a:round/>
+                      <a:headEnd type="none" w="med" len="med"/>
+                      <a:tailEnd type="none" w="med" len="med"/>
+                    </a:lnR>
+                    <a:lnT w="7620" cap="flat" cmpd="sng" algn="ctr">
+                      <a:solidFill>
+                        <a:srgbClr val="DDDDDD"/>
+                      </a:solidFill>
+                      <a:prstDash val="solid"/>
+                      <a:round/>
+                      <a:headEnd type="none" w="med" len="med"/>
+                      <a:tailEnd type="none" w="med" len="med"/>
+                    </a:lnT>
+                    <a:lnB w="7620" cap="flat" cmpd="sng" algn="ctr">
+                      <a:solidFill>
+                        <a:srgbClr val="DDDDDD"/>
+                      </a:solidFill>
+                      <a:prstDash val="solid"/>
+                      <a:round/>
+                      <a:headEnd type="none" w="med" len="med"/>
+                      <a:tailEnd type="none" w="med" len="med"/>
+                    </a:lnB>
+                    <a:solidFill>
+                      <a:srgbClr val="F9F9F9"/>
+                    </a:solidFill>
+                  </a:tcPr>
+                </a:tc>
+                <a:tc>
+                  <a:txBody>
+                    <a:bodyPr/>
+                    <a:lstStyle/>
+                    <a:p>
+                      <a:pPr algn="ctr"/>
+                      <a:r>
+                        <a:rPr lang="en-US" sz="1200">
+                          <a:effectLst/>
+                        </a:rPr>
+                        <a:t>completions</a:t>
+                      </a:r>
+                    </a:p>
+                  </a:txBody>
+                  <a:tcPr marL="52407" marR="52407" marT="26203" marB="26203" anchor="ctr">
+                    <a:lnL w="7620" cap="flat" cmpd="sng" algn="ctr">
+                      <a:solidFill>
+                        <a:srgbClr val="DDDDDD"/>
+                      </a:solidFill>
+                      <a:prstDash val="solid"/>
+                      <a:round/>
+                      <a:headEnd type="none" w="med" len="med"/>
+                      <a:tailEnd type="none" w="med" len="med"/>
+                    </a:lnL>
+                    <a:lnR w="7620" cap="flat" cmpd="sng" algn="ctr">
+                      <a:solidFill>
+                        <a:srgbClr val="DDDDDD"/>
+                      </a:solidFill>
+                      <a:prstDash val="solid"/>
+                      <a:round/>
+                      <a:headEnd type="none" w="med" len="med"/>
+                      <a:tailEnd type="none" w="med" len="med"/>
+                    </a:lnR>
+                    <a:lnT w="7620" cap="flat" cmpd="sng" algn="ctr">
+                      <a:solidFill>
+                        <a:srgbClr val="DDDDDD"/>
+                      </a:solidFill>
+                      <a:prstDash val="solid"/>
+                      <a:round/>
+                      <a:headEnd type="none" w="med" len="med"/>
+                      <a:tailEnd type="none" w="med" len="med"/>
+                    </a:lnT>
+                    <a:lnB w="7620" cap="flat" cmpd="sng" algn="ctr">
+                      <a:solidFill>
+                        <a:srgbClr val="DDDDDD"/>
+                      </a:solidFill>
+                      <a:prstDash val="solid"/>
+                      <a:round/>
+                      <a:headEnd type="none" w="med" len="med"/>
+                      <a:tailEnd type="none" w="med" len="med"/>
+                    </a:lnB>
+                    <a:solidFill>
+                      <a:srgbClr val="F9F9F9"/>
+                    </a:solidFill>
+                  </a:tcPr>
+                </a:tc>
+                <a:tc>
+                  <a:txBody>
+                    <a:bodyPr/>
+                    <a:lstStyle/>
+                    <a:p>
+                      <a:pPr algn="ctr"/>
+                      <a:r>
+                        <a:rPr lang="en-US" sz="1200">
+                          <a:effectLst/>
+                        </a:rPr>
+                        <a:t>Parallelism</a:t>
+                      </a:r>
+                    </a:p>
+                  </a:txBody>
+                  <a:tcPr marL="52407" marR="52407" marT="26203" marB="26203" anchor="ctr">
+                    <a:lnL w="7620" cap="flat" cmpd="sng" algn="ctr">
+                      <a:solidFill>
+                        <a:srgbClr val="DDDDDD"/>
+                      </a:solidFill>
+                      <a:prstDash val="solid"/>
+                      <a:round/>
+                      <a:headEnd type="none" w="med" len="med"/>
+                      <a:tailEnd type="none" w="med" len="med"/>
+                    </a:lnL>
+                    <a:lnR w="7620" cap="flat" cmpd="sng" algn="ctr">
+                      <a:solidFill>
+                        <a:srgbClr val="DDDDDD"/>
+                      </a:solidFill>
+                      <a:prstDash val="solid"/>
+                      <a:round/>
+                      <a:headEnd type="none" w="med" len="med"/>
+                      <a:tailEnd type="none" w="med" len="med"/>
+                    </a:lnR>
+                    <a:lnT w="7620" cap="flat" cmpd="sng" algn="ctr">
+                      <a:solidFill>
+                        <a:srgbClr val="DDDDDD"/>
+                      </a:solidFill>
+                      <a:prstDash val="solid"/>
+                      <a:round/>
+                      <a:headEnd type="none" w="med" len="med"/>
+                      <a:tailEnd type="none" w="med" len="med"/>
+                    </a:lnT>
+                    <a:lnB w="7620" cap="flat" cmpd="sng" algn="ctr">
+                      <a:solidFill>
+                        <a:srgbClr val="DDDDDD"/>
+                      </a:solidFill>
+                      <a:prstDash val="solid"/>
+                      <a:round/>
+                      <a:headEnd type="none" w="med" len="med"/>
+                      <a:tailEnd type="none" w="med" len="med"/>
+                    </a:lnB>
+                    <a:solidFill>
+                      <a:srgbClr val="F9F9F9"/>
+                    </a:solidFill>
+                  </a:tcPr>
+                </a:tc>
+                <a:extLst>
+                  <a:ext uri="{0D108BD9-81ED-4DB2-BD59-A6C34878D82A}">
+                    <a16:rowId xmlns:a16="http://schemas.microsoft.com/office/drawing/2014/main" val="3969939104"/>
+                  </a:ext>
+                </a:extLst>
+              </a:tr>
+              <a:tr h="354701">
+                <a:tc>
+                  <a:txBody>
+                    <a:bodyPr/>
+                    <a:lstStyle/>
+                    <a:p>
+                      <a:r>
+                        <a:rPr lang="zh-CN" altLang="en-US" sz="1200">
+                          <a:effectLst/>
+                        </a:rPr>
+                        <a:t>一次性</a:t>
+                      </a:r>
+                      <a:r>
+                        <a:rPr lang="en-US" sz="1200">
+                          <a:effectLst/>
+                        </a:rPr>
+                        <a:t>Job</a:t>
+                      </a:r>
+                    </a:p>
+                  </a:txBody>
+                  <a:tcPr marL="52407" marR="52407" marT="26203" marB="26203" anchor="ctr">
+                    <a:lnL w="7620" cap="flat" cmpd="sng" algn="ctr">
+                      <a:solidFill>
+                        <a:srgbClr val="DDDDDD"/>
+                      </a:solidFill>
+                      <a:prstDash val="solid"/>
+                      <a:round/>
+                      <a:headEnd type="none" w="med" len="med"/>
+                      <a:tailEnd type="none" w="med" len="med"/>
+                    </a:lnL>
+                    <a:lnR w="7620" cap="flat" cmpd="sng" algn="ctr">
+                      <a:solidFill>
+                        <a:srgbClr val="DDDDDD"/>
+                      </a:solidFill>
+                      <a:prstDash val="solid"/>
+                      <a:round/>
+                      <a:headEnd type="none" w="med" len="med"/>
+                      <a:tailEnd type="none" w="med" len="med"/>
+                    </a:lnR>
+                    <a:lnT w="7620" cap="flat" cmpd="sng" algn="ctr">
+                      <a:solidFill>
+                        <a:srgbClr val="DDDDDD"/>
+                      </a:solidFill>
+                      <a:prstDash val="solid"/>
+                      <a:round/>
+                      <a:headEnd type="none" w="med" len="med"/>
+                      <a:tailEnd type="none" w="med" len="med"/>
+                    </a:lnT>
+                    <a:lnB w="7620" cap="flat" cmpd="sng" algn="ctr">
+                      <a:solidFill>
+                        <a:srgbClr val="DDDDDD"/>
+                      </a:solidFill>
+                      <a:prstDash val="solid"/>
+                      <a:round/>
+                      <a:headEnd type="none" w="med" len="med"/>
+                      <a:tailEnd type="none" w="med" len="med"/>
+                    </a:lnB>
+                    <a:solidFill>
+                      <a:srgbClr val="FFFFFF"/>
+                    </a:solidFill>
+                  </a:tcPr>
+                </a:tc>
+                <a:tc>
+                  <a:txBody>
+                    <a:bodyPr/>
+                    <a:lstStyle/>
+                    <a:p>
+                      <a:r>
+                        <a:rPr lang="zh-CN" altLang="en-US" sz="1200">
+                          <a:effectLst/>
+                        </a:rPr>
+                        <a:t>数据库迁移</a:t>
+                      </a:r>
+                    </a:p>
+                  </a:txBody>
+                  <a:tcPr marL="52407" marR="52407" marT="26203" marB="26203" anchor="ctr">
+                    <a:lnL w="7620" cap="flat" cmpd="sng" algn="ctr">
+                      <a:solidFill>
+                        <a:srgbClr val="DDDDDD"/>
+                      </a:solidFill>
+                      <a:prstDash val="solid"/>
+                      <a:round/>
+                      <a:headEnd type="none" w="med" len="med"/>
+                      <a:tailEnd type="none" w="med" len="med"/>
+                    </a:lnL>
+                    <a:lnR w="7620" cap="flat" cmpd="sng" algn="ctr">
+                      <a:solidFill>
+                        <a:srgbClr val="DDDDDD"/>
+                      </a:solidFill>
+                      <a:prstDash val="solid"/>
+                      <a:round/>
+                      <a:headEnd type="none" w="med" len="med"/>
+                      <a:tailEnd type="none" w="med" len="med"/>
+                    </a:lnR>
+                    <a:lnT w="7620" cap="flat" cmpd="sng" algn="ctr">
+                      <a:solidFill>
+                        <a:srgbClr val="DDDDDD"/>
+                      </a:solidFill>
+                      <a:prstDash val="solid"/>
+                      <a:round/>
+                      <a:headEnd type="none" w="med" len="med"/>
+                      <a:tailEnd type="none" w="med" len="med"/>
+                    </a:lnT>
+                    <a:lnB w="7620" cap="flat" cmpd="sng" algn="ctr">
+                      <a:solidFill>
+                        <a:srgbClr val="DDDDDD"/>
+                      </a:solidFill>
+                      <a:prstDash val="solid"/>
+                      <a:round/>
+                      <a:headEnd type="none" w="med" len="med"/>
+                      <a:tailEnd type="none" w="med" len="med"/>
+                    </a:lnB>
+                    <a:solidFill>
+                      <a:srgbClr val="FFFFFF"/>
+                    </a:solidFill>
+                  </a:tcPr>
+                </a:tc>
+                <a:tc>
+                  <a:txBody>
+                    <a:bodyPr/>
+                    <a:lstStyle/>
+                    <a:p>
+                      <a:r>
+                        <a:rPr lang="zh-CN" altLang="en-US" sz="1200">
+                          <a:effectLst/>
+                        </a:rPr>
+                        <a:t>创建一个</a:t>
+                      </a:r>
+                      <a:r>
+                        <a:rPr lang="en-US" altLang="zh-CN" sz="1200">
+                          <a:effectLst/>
+                        </a:rPr>
+                        <a:t>Pod</a:t>
+                      </a:r>
+                      <a:r>
+                        <a:rPr lang="zh-CN" altLang="en-US" sz="1200">
+                          <a:effectLst/>
+                        </a:rPr>
+                        <a:t>直至其成功结束</a:t>
+                      </a:r>
+                    </a:p>
+                  </a:txBody>
+                  <a:tcPr marL="52407" marR="52407" marT="26203" marB="26203" anchor="ctr">
+                    <a:lnL w="7620" cap="flat" cmpd="sng" algn="ctr">
+                      <a:solidFill>
+                        <a:srgbClr val="DDDDDD"/>
+                      </a:solidFill>
+                      <a:prstDash val="solid"/>
+                      <a:round/>
+                      <a:headEnd type="none" w="med" len="med"/>
+                      <a:tailEnd type="none" w="med" len="med"/>
+                    </a:lnL>
+                    <a:lnR w="7620" cap="flat" cmpd="sng" algn="ctr">
+                      <a:solidFill>
+                        <a:srgbClr val="DDDDDD"/>
+                      </a:solidFill>
+                      <a:prstDash val="solid"/>
+                      <a:round/>
+                      <a:headEnd type="none" w="med" len="med"/>
+                      <a:tailEnd type="none" w="med" len="med"/>
+                    </a:lnR>
+                    <a:lnT w="7620" cap="flat" cmpd="sng" algn="ctr">
+                      <a:solidFill>
+                        <a:srgbClr val="DDDDDD"/>
+                      </a:solidFill>
+                      <a:prstDash val="solid"/>
+                      <a:round/>
+                      <a:headEnd type="none" w="med" len="med"/>
+                      <a:tailEnd type="none" w="med" len="med"/>
+                    </a:lnT>
+                    <a:lnB w="7620" cap="flat" cmpd="sng" algn="ctr">
+                      <a:solidFill>
+                        <a:srgbClr val="DDDDDD"/>
+                      </a:solidFill>
+                      <a:prstDash val="solid"/>
+                      <a:round/>
+                      <a:headEnd type="none" w="med" len="med"/>
+                      <a:tailEnd type="none" w="med" len="med"/>
+                    </a:lnB>
+                    <a:solidFill>
+                      <a:srgbClr val="FFFFFF"/>
+                    </a:solidFill>
+                  </a:tcPr>
+                </a:tc>
+                <a:tc>
+                  <a:txBody>
+                    <a:bodyPr/>
+                    <a:lstStyle/>
+                    <a:p>
+                      <a:r>
+                        <a:rPr lang="en-US" altLang="zh-CN" sz="1200">
+                          <a:effectLst/>
+                        </a:rPr>
+                        <a:t>1</a:t>
+                      </a:r>
+                    </a:p>
+                  </a:txBody>
+                  <a:tcPr marL="52407" marR="52407" marT="26203" marB="26203" anchor="ctr">
+                    <a:lnL w="7620" cap="flat" cmpd="sng" algn="ctr">
+                      <a:solidFill>
+                        <a:srgbClr val="DDDDDD"/>
+                      </a:solidFill>
+                      <a:prstDash val="solid"/>
+                      <a:round/>
+                      <a:headEnd type="none" w="med" len="med"/>
+                      <a:tailEnd type="none" w="med" len="med"/>
+                    </a:lnL>
+                    <a:lnR w="7620" cap="flat" cmpd="sng" algn="ctr">
+                      <a:solidFill>
+                        <a:srgbClr val="DDDDDD"/>
+                      </a:solidFill>
+                      <a:prstDash val="solid"/>
+                      <a:round/>
+                      <a:headEnd type="none" w="med" len="med"/>
+                      <a:tailEnd type="none" w="med" len="med"/>
+                    </a:lnR>
+                    <a:lnT w="7620" cap="flat" cmpd="sng" algn="ctr">
+                      <a:solidFill>
+                        <a:srgbClr val="DDDDDD"/>
+                      </a:solidFill>
+                      <a:prstDash val="solid"/>
+                      <a:round/>
+                      <a:headEnd type="none" w="med" len="med"/>
+                      <a:tailEnd type="none" w="med" len="med"/>
+                    </a:lnT>
+                    <a:lnB w="7620" cap="flat" cmpd="sng" algn="ctr">
+                      <a:solidFill>
+                        <a:srgbClr val="DDDDDD"/>
+                      </a:solidFill>
+                      <a:prstDash val="solid"/>
+                      <a:round/>
+                      <a:headEnd type="none" w="med" len="med"/>
+                      <a:tailEnd type="none" w="med" len="med"/>
+                    </a:lnB>
+                    <a:solidFill>
+                      <a:srgbClr val="FFFFFF"/>
+                    </a:solidFill>
+                  </a:tcPr>
+                </a:tc>
+                <a:tc>
+                  <a:txBody>
+                    <a:bodyPr/>
+                    <a:lstStyle/>
+                    <a:p>
+                      <a:r>
+                        <a:rPr lang="en-US" altLang="zh-CN" sz="1200">
+                          <a:effectLst/>
+                        </a:rPr>
+                        <a:t>1</a:t>
+                      </a:r>
+                    </a:p>
+                  </a:txBody>
+                  <a:tcPr marL="52407" marR="52407" marT="26203" marB="26203" anchor="ctr">
+                    <a:lnL w="7620" cap="flat" cmpd="sng" algn="ctr">
+                      <a:solidFill>
+                        <a:srgbClr val="DDDDDD"/>
+                      </a:solidFill>
+                      <a:prstDash val="solid"/>
+                      <a:round/>
+                      <a:headEnd type="none" w="med" len="med"/>
+                      <a:tailEnd type="none" w="med" len="med"/>
+                    </a:lnL>
+                    <a:lnR w="7620" cap="flat" cmpd="sng" algn="ctr">
+                      <a:solidFill>
+                        <a:srgbClr val="DDDDDD"/>
+                      </a:solidFill>
+                      <a:prstDash val="solid"/>
+                      <a:round/>
+                      <a:headEnd type="none" w="med" len="med"/>
+                      <a:tailEnd type="none" w="med" len="med"/>
+                    </a:lnR>
+                    <a:lnT w="7620" cap="flat" cmpd="sng" algn="ctr">
+                      <a:solidFill>
+                        <a:srgbClr val="DDDDDD"/>
+                      </a:solidFill>
+                      <a:prstDash val="solid"/>
+                      <a:round/>
+                      <a:headEnd type="none" w="med" len="med"/>
+                      <a:tailEnd type="none" w="med" len="med"/>
+                    </a:lnT>
+                    <a:lnB w="7620" cap="flat" cmpd="sng" algn="ctr">
+                      <a:solidFill>
+                        <a:srgbClr val="DDDDDD"/>
+                      </a:solidFill>
+                      <a:prstDash val="solid"/>
+                      <a:round/>
+                      <a:headEnd type="none" w="med" len="med"/>
+                      <a:tailEnd type="none" w="med" len="med"/>
+                    </a:lnB>
+                    <a:solidFill>
+                      <a:srgbClr val="FFFFFF"/>
+                    </a:solidFill>
+                  </a:tcPr>
+                </a:tc>
+                <a:extLst>
+                  <a:ext uri="{0D108BD9-81ED-4DB2-BD59-A6C34878D82A}">
+                    <a16:rowId xmlns:a16="http://schemas.microsoft.com/office/drawing/2014/main" val="1734024389"/>
+                  </a:ext>
+                </a:extLst>
+              </a:tr>
+              <a:tr h="603452">
+                <a:tc>
+                  <a:txBody>
+                    <a:bodyPr/>
+                    <a:lstStyle/>
+                    <a:p>
+                      <a:r>
+                        <a:rPr lang="zh-CN" altLang="en-US" sz="1200">
+                          <a:effectLst/>
+                        </a:rPr>
+                        <a:t>固定结束次数的</a:t>
+                      </a:r>
+                      <a:r>
+                        <a:rPr lang="en-US" altLang="zh-CN" sz="1200">
+                          <a:effectLst/>
+                        </a:rPr>
+                        <a:t>Job</a:t>
+                      </a:r>
+                    </a:p>
+                  </a:txBody>
+                  <a:tcPr marL="52407" marR="52407" marT="26203" marB="26203" anchor="ctr">
+                    <a:lnL w="7620" cap="flat" cmpd="sng" algn="ctr">
+                      <a:solidFill>
+                        <a:srgbClr val="DDDDDD"/>
+                      </a:solidFill>
+                      <a:prstDash val="solid"/>
+                      <a:round/>
+                      <a:headEnd type="none" w="med" len="med"/>
+                      <a:tailEnd type="none" w="med" len="med"/>
+                    </a:lnL>
+                    <a:lnR w="7620" cap="flat" cmpd="sng" algn="ctr">
+                      <a:solidFill>
+                        <a:srgbClr val="DDDDDD"/>
+                      </a:solidFill>
+                      <a:prstDash val="solid"/>
+                      <a:round/>
+                      <a:headEnd type="none" w="med" len="med"/>
+                      <a:tailEnd type="none" w="med" len="med"/>
+                    </a:lnR>
+                    <a:lnT w="7620" cap="flat" cmpd="sng" algn="ctr">
+                      <a:solidFill>
+                        <a:srgbClr val="DDDDDD"/>
+                      </a:solidFill>
+                      <a:prstDash val="solid"/>
+                      <a:round/>
+                      <a:headEnd type="none" w="med" len="med"/>
+                      <a:tailEnd type="none" w="med" len="med"/>
+                    </a:lnT>
+                    <a:lnB w="7620" cap="flat" cmpd="sng" algn="ctr">
+                      <a:solidFill>
+                        <a:srgbClr val="DDDDDD"/>
+                      </a:solidFill>
+                      <a:prstDash val="solid"/>
+                      <a:round/>
+                      <a:headEnd type="none" w="med" len="med"/>
+                      <a:tailEnd type="none" w="med" len="med"/>
+                    </a:lnB>
+                    <a:solidFill>
+                      <a:srgbClr val="FFFFFF"/>
+                    </a:solidFill>
+                  </a:tcPr>
+                </a:tc>
+                <a:tc>
+                  <a:txBody>
+                    <a:bodyPr/>
+                    <a:lstStyle/>
+                    <a:p>
+                      <a:r>
+                        <a:rPr lang="zh-CN" altLang="en-US" sz="1200">
+                          <a:effectLst/>
+                        </a:rPr>
+                        <a:t>处理工作队列的</a:t>
+                      </a:r>
+                      <a:r>
+                        <a:rPr lang="en-US" altLang="zh-CN" sz="1200">
+                          <a:effectLst/>
+                        </a:rPr>
+                        <a:t>Pod</a:t>
+                      </a:r>
+                    </a:p>
+                  </a:txBody>
+                  <a:tcPr marL="52407" marR="52407" marT="26203" marB="26203" anchor="ctr">
+                    <a:lnL w="7620" cap="flat" cmpd="sng" algn="ctr">
+                      <a:solidFill>
+                        <a:srgbClr val="DDDDDD"/>
+                      </a:solidFill>
+                      <a:prstDash val="solid"/>
+                      <a:round/>
+                      <a:headEnd type="none" w="med" len="med"/>
+                      <a:tailEnd type="none" w="med" len="med"/>
+                    </a:lnL>
+                    <a:lnR w="7620" cap="flat" cmpd="sng" algn="ctr">
+                      <a:solidFill>
+                        <a:srgbClr val="DDDDDD"/>
+                      </a:solidFill>
+                      <a:prstDash val="solid"/>
+                      <a:round/>
+                      <a:headEnd type="none" w="med" len="med"/>
+                      <a:tailEnd type="none" w="med" len="med"/>
+                    </a:lnR>
+                    <a:lnT w="7620" cap="flat" cmpd="sng" algn="ctr">
+                      <a:solidFill>
+                        <a:srgbClr val="DDDDDD"/>
+                      </a:solidFill>
+                      <a:prstDash val="solid"/>
+                      <a:round/>
+                      <a:headEnd type="none" w="med" len="med"/>
+                      <a:tailEnd type="none" w="med" len="med"/>
+                    </a:lnT>
+                    <a:lnB w="7620" cap="flat" cmpd="sng" algn="ctr">
+                      <a:solidFill>
+                        <a:srgbClr val="DDDDDD"/>
+                      </a:solidFill>
+                      <a:prstDash val="solid"/>
+                      <a:round/>
+                      <a:headEnd type="none" w="med" len="med"/>
+                      <a:tailEnd type="none" w="med" len="med"/>
+                    </a:lnB>
+                    <a:solidFill>
+                      <a:srgbClr val="FFFFFF"/>
+                    </a:solidFill>
+                  </a:tcPr>
+                </a:tc>
+                <a:tc>
+                  <a:txBody>
+                    <a:bodyPr/>
+                    <a:lstStyle/>
+                    <a:p>
+                      <a:r>
+                        <a:rPr lang="zh-CN" altLang="en-US" sz="1200">
+                          <a:effectLst/>
+                        </a:rPr>
+                        <a:t>依次创建一个</a:t>
+                      </a:r>
+                      <a:r>
+                        <a:rPr lang="en-US" altLang="zh-CN" sz="1200">
+                          <a:effectLst/>
+                        </a:rPr>
+                        <a:t>Pod</a:t>
+                      </a:r>
+                      <a:r>
+                        <a:rPr lang="zh-CN" altLang="en-US" sz="1200">
+                          <a:effectLst/>
+                        </a:rPr>
+                        <a:t>运行直至</a:t>
+                      </a:r>
+                      <a:r>
+                        <a:rPr lang="en-US" altLang="zh-CN" sz="1200">
+                          <a:effectLst/>
+                        </a:rPr>
+                        <a:t>completions</a:t>
+                      </a:r>
+                      <a:r>
+                        <a:rPr lang="zh-CN" altLang="en-US" sz="1200">
+                          <a:effectLst/>
+                        </a:rPr>
+                        <a:t>个成功结束</a:t>
+                      </a:r>
+                    </a:p>
+                  </a:txBody>
+                  <a:tcPr marL="52407" marR="52407" marT="26203" marB="26203" anchor="ctr">
+                    <a:lnL w="7620" cap="flat" cmpd="sng" algn="ctr">
+                      <a:solidFill>
+                        <a:srgbClr val="DDDDDD"/>
+                      </a:solidFill>
+                      <a:prstDash val="solid"/>
+                      <a:round/>
+                      <a:headEnd type="none" w="med" len="med"/>
+                      <a:tailEnd type="none" w="med" len="med"/>
+                    </a:lnL>
+                    <a:lnR w="7620" cap="flat" cmpd="sng" algn="ctr">
+                      <a:solidFill>
+                        <a:srgbClr val="DDDDDD"/>
+                      </a:solidFill>
+                      <a:prstDash val="solid"/>
+                      <a:round/>
+                      <a:headEnd type="none" w="med" len="med"/>
+                      <a:tailEnd type="none" w="med" len="med"/>
+                    </a:lnR>
+                    <a:lnT w="7620" cap="flat" cmpd="sng" algn="ctr">
+                      <a:solidFill>
+                        <a:srgbClr val="DDDDDD"/>
+                      </a:solidFill>
+                      <a:prstDash val="solid"/>
+                      <a:round/>
+                      <a:headEnd type="none" w="med" len="med"/>
+                      <a:tailEnd type="none" w="med" len="med"/>
+                    </a:lnT>
+                    <a:lnB w="7620" cap="flat" cmpd="sng" algn="ctr">
+                      <a:solidFill>
+                        <a:srgbClr val="DDDDDD"/>
+                      </a:solidFill>
+                      <a:prstDash val="solid"/>
+                      <a:round/>
+                      <a:headEnd type="none" w="med" len="med"/>
+                      <a:tailEnd type="none" w="med" len="med"/>
+                    </a:lnB>
+                    <a:solidFill>
+                      <a:srgbClr val="FFFFFF"/>
+                    </a:solidFill>
+                  </a:tcPr>
+                </a:tc>
+                <a:tc>
+                  <a:txBody>
+                    <a:bodyPr/>
+                    <a:lstStyle/>
+                    <a:p>
+                      <a:r>
+                        <a:rPr lang="en-US" altLang="zh-CN" sz="1200">
+                          <a:effectLst/>
+                        </a:rPr>
+                        <a:t>2+</a:t>
+                      </a:r>
+                    </a:p>
+                  </a:txBody>
+                  <a:tcPr marL="52407" marR="52407" marT="26203" marB="26203" anchor="ctr">
+                    <a:lnL w="7620" cap="flat" cmpd="sng" algn="ctr">
+                      <a:solidFill>
+                        <a:srgbClr val="DDDDDD"/>
+                      </a:solidFill>
+                      <a:prstDash val="solid"/>
+                      <a:round/>
+                      <a:headEnd type="none" w="med" len="med"/>
+                      <a:tailEnd type="none" w="med" len="med"/>
+                    </a:lnL>
+                    <a:lnR w="7620" cap="flat" cmpd="sng" algn="ctr">
+                      <a:solidFill>
+                        <a:srgbClr val="DDDDDD"/>
+                      </a:solidFill>
+                      <a:prstDash val="solid"/>
+                      <a:round/>
+                      <a:headEnd type="none" w="med" len="med"/>
+                      <a:tailEnd type="none" w="med" len="med"/>
+                    </a:lnR>
+                    <a:lnT w="7620" cap="flat" cmpd="sng" algn="ctr">
+                      <a:solidFill>
+                        <a:srgbClr val="DDDDDD"/>
+                      </a:solidFill>
+                      <a:prstDash val="solid"/>
+                      <a:round/>
+                      <a:headEnd type="none" w="med" len="med"/>
+                      <a:tailEnd type="none" w="med" len="med"/>
+                    </a:lnT>
+                    <a:lnB w="7620" cap="flat" cmpd="sng" algn="ctr">
+                      <a:solidFill>
+                        <a:srgbClr val="DDDDDD"/>
+                      </a:solidFill>
+                      <a:prstDash val="solid"/>
+                      <a:round/>
+                      <a:headEnd type="none" w="med" len="med"/>
+                      <a:tailEnd type="none" w="med" len="med"/>
+                    </a:lnB>
+                    <a:solidFill>
+                      <a:srgbClr val="FFFFFF"/>
+                    </a:solidFill>
+                  </a:tcPr>
+                </a:tc>
+                <a:tc>
+                  <a:txBody>
+                    <a:bodyPr/>
+                    <a:lstStyle/>
+                    <a:p>
+                      <a:r>
+                        <a:rPr lang="en-US" altLang="zh-CN" sz="1200" dirty="0">
+                          <a:effectLst/>
+                        </a:rPr>
+                        <a:t>1</a:t>
+                      </a:r>
+                    </a:p>
+                  </a:txBody>
+                  <a:tcPr marL="52407" marR="52407" marT="26203" marB="26203" anchor="ctr">
+                    <a:lnL w="7620" cap="flat" cmpd="sng" algn="ctr">
+                      <a:solidFill>
+                        <a:srgbClr val="DDDDDD"/>
+                      </a:solidFill>
+                      <a:prstDash val="solid"/>
+                      <a:round/>
+                      <a:headEnd type="none" w="med" len="med"/>
+                      <a:tailEnd type="none" w="med" len="med"/>
+                    </a:lnL>
+                    <a:lnR w="7620" cap="flat" cmpd="sng" algn="ctr">
+                      <a:solidFill>
+                        <a:srgbClr val="DDDDDD"/>
+                      </a:solidFill>
+                      <a:prstDash val="solid"/>
+                      <a:round/>
+                      <a:headEnd type="none" w="med" len="med"/>
+                      <a:tailEnd type="none" w="med" len="med"/>
+                    </a:lnR>
+                    <a:lnT w="7620" cap="flat" cmpd="sng" algn="ctr">
+                      <a:solidFill>
+                        <a:srgbClr val="DDDDDD"/>
+                      </a:solidFill>
+                      <a:prstDash val="solid"/>
+                      <a:round/>
+                      <a:headEnd type="none" w="med" len="med"/>
+                      <a:tailEnd type="none" w="med" len="med"/>
+                    </a:lnT>
+                    <a:lnB w="7620" cap="flat" cmpd="sng" algn="ctr">
+                      <a:solidFill>
+                        <a:srgbClr val="DDDDDD"/>
+                      </a:solidFill>
+                      <a:prstDash val="solid"/>
+                      <a:round/>
+                      <a:headEnd type="none" w="med" len="med"/>
+                      <a:tailEnd type="none" w="med" len="med"/>
+                    </a:lnB>
+                    <a:solidFill>
+                      <a:srgbClr val="FFFFFF"/>
+                    </a:solidFill>
+                  </a:tcPr>
+                </a:tc>
+                <a:extLst>
+                  <a:ext uri="{0D108BD9-81ED-4DB2-BD59-A6C34878D82A}">
+                    <a16:rowId xmlns:a16="http://schemas.microsoft.com/office/drawing/2014/main" val="2660657404"/>
+                  </a:ext>
+                </a:extLst>
+              </a:tr>
+              <a:tr h="603452">
+                <a:tc>
+                  <a:txBody>
+                    <a:bodyPr/>
+                    <a:lstStyle/>
+                    <a:p>
+                      <a:r>
+                        <a:rPr lang="zh-CN" altLang="en-US" sz="1200">
+                          <a:effectLst/>
+                        </a:rPr>
+                        <a:t>固定结束次数的并行</a:t>
+                      </a:r>
+                      <a:r>
+                        <a:rPr lang="en-US" altLang="zh-CN" sz="1200">
+                          <a:effectLst/>
+                        </a:rPr>
+                        <a:t>Job</a:t>
+                      </a:r>
+                    </a:p>
+                  </a:txBody>
+                  <a:tcPr marL="52407" marR="52407" marT="26203" marB="26203" anchor="ctr">
+                    <a:lnL w="7620" cap="flat" cmpd="sng" algn="ctr">
+                      <a:solidFill>
+                        <a:srgbClr val="DDDDDD"/>
+                      </a:solidFill>
+                      <a:prstDash val="solid"/>
+                      <a:round/>
+                      <a:headEnd type="none" w="med" len="med"/>
+                      <a:tailEnd type="none" w="med" len="med"/>
+                    </a:lnL>
+                    <a:lnR w="7620" cap="flat" cmpd="sng" algn="ctr">
+                      <a:solidFill>
+                        <a:srgbClr val="DDDDDD"/>
+                      </a:solidFill>
+                      <a:prstDash val="solid"/>
+                      <a:round/>
+                      <a:headEnd type="none" w="med" len="med"/>
+                      <a:tailEnd type="none" w="med" len="med"/>
+                    </a:lnR>
+                    <a:lnT w="7620" cap="flat" cmpd="sng" algn="ctr">
+                      <a:solidFill>
+                        <a:srgbClr val="DDDDDD"/>
+                      </a:solidFill>
+                      <a:prstDash val="solid"/>
+                      <a:round/>
+                      <a:headEnd type="none" w="med" len="med"/>
+                      <a:tailEnd type="none" w="med" len="med"/>
+                    </a:lnT>
+                    <a:lnB w="7620" cap="flat" cmpd="sng" algn="ctr">
+                      <a:solidFill>
+                        <a:srgbClr val="DDDDDD"/>
+                      </a:solidFill>
+                      <a:prstDash val="solid"/>
+                      <a:round/>
+                      <a:headEnd type="none" w="med" len="med"/>
+                      <a:tailEnd type="none" w="med" len="med"/>
+                    </a:lnB>
+                    <a:solidFill>
+                      <a:srgbClr val="FFFFFF"/>
+                    </a:solidFill>
+                  </a:tcPr>
+                </a:tc>
+                <a:tc>
+                  <a:txBody>
+                    <a:bodyPr/>
+                    <a:lstStyle/>
+                    <a:p>
+                      <a:r>
+                        <a:rPr lang="zh-CN" altLang="en-US" sz="1200">
+                          <a:effectLst/>
+                        </a:rPr>
+                        <a:t>多个</a:t>
+                      </a:r>
+                      <a:r>
+                        <a:rPr lang="en-US" altLang="zh-CN" sz="1200">
+                          <a:effectLst/>
+                        </a:rPr>
+                        <a:t>Pod</a:t>
+                      </a:r>
+                      <a:r>
+                        <a:rPr lang="zh-CN" altLang="en-US" sz="1200">
+                          <a:effectLst/>
+                        </a:rPr>
+                        <a:t>同时处理工作队列</a:t>
+                      </a:r>
+                    </a:p>
+                  </a:txBody>
+                  <a:tcPr marL="52407" marR="52407" marT="26203" marB="26203" anchor="ctr">
+                    <a:lnL w="7620" cap="flat" cmpd="sng" algn="ctr">
+                      <a:solidFill>
+                        <a:srgbClr val="DDDDDD"/>
+                      </a:solidFill>
+                      <a:prstDash val="solid"/>
+                      <a:round/>
+                      <a:headEnd type="none" w="med" len="med"/>
+                      <a:tailEnd type="none" w="med" len="med"/>
+                    </a:lnL>
+                    <a:lnR w="7620" cap="flat" cmpd="sng" algn="ctr">
+                      <a:solidFill>
+                        <a:srgbClr val="DDDDDD"/>
+                      </a:solidFill>
+                      <a:prstDash val="solid"/>
+                      <a:round/>
+                      <a:headEnd type="none" w="med" len="med"/>
+                      <a:tailEnd type="none" w="med" len="med"/>
+                    </a:lnR>
+                    <a:lnT w="7620" cap="flat" cmpd="sng" algn="ctr">
+                      <a:solidFill>
+                        <a:srgbClr val="DDDDDD"/>
+                      </a:solidFill>
+                      <a:prstDash val="solid"/>
+                      <a:round/>
+                      <a:headEnd type="none" w="med" len="med"/>
+                      <a:tailEnd type="none" w="med" len="med"/>
+                    </a:lnT>
+                    <a:lnB w="7620" cap="flat" cmpd="sng" algn="ctr">
+                      <a:solidFill>
+                        <a:srgbClr val="DDDDDD"/>
+                      </a:solidFill>
+                      <a:prstDash val="solid"/>
+                      <a:round/>
+                      <a:headEnd type="none" w="med" len="med"/>
+                      <a:tailEnd type="none" w="med" len="med"/>
+                    </a:lnB>
+                    <a:solidFill>
+                      <a:srgbClr val="FFFFFF"/>
+                    </a:solidFill>
+                  </a:tcPr>
+                </a:tc>
+                <a:tc>
+                  <a:txBody>
+                    <a:bodyPr/>
+                    <a:lstStyle/>
+                    <a:p>
+                      <a:r>
+                        <a:rPr lang="zh-CN" altLang="en-US" sz="1200">
+                          <a:effectLst/>
+                        </a:rPr>
+                        <a:t>依次创建多个</a:t>
+                      </a:r>
+                      <a:r>
+                        <a:rPr lang="en-US" altLang="zh-CN" sz="1200">
+                          <a:effectLst/>
+                        </a:rPr>
+                        <a:t>Pod</a:t>
+                      </a:r>
+                      <a:r>
+                        <a:rPr lang="zh-CN" altLang="en-US" sz="1200">
+                          <a:effectLst/>
+                        </a:rPr>
+                        <a:t>运行直至</a:t>
+                      </a:r>
+                      <a:r>
+                        <a:rPr lang="en-US" altLang="zh-CN" sz="1200">
+                          <a:effectLst/>
+                        </a:rPr>
+                        <a:t>completions</a:t>
+                      </a:r>
+                      <a:r>
+                        <a:rPr lang="zh-CN" altLang="en-US" sz="1200">
+                          <a:effectLst/>
+                        </a:rPr>
+                        <a:t>个成功结束</a:t>
+                      </a:r>
+                    </a:p>
+                  </a:txBody>
+                  <a:tcPr marL="52407" marR="52407" marT="26203" marB="26203" anchor="ctr">
+                    <a:lnL w="7620" cap="flat" cmpd="sng" algn="ctr">
+                      <a:solidFill>
+                        <a:srgbClr val="DDDDDD"/>
+                      </a:solidFill>
+                      <a:prstDash val="solid"/>
+                      <a:round/>
+                      <a:headEnd type="none" w="med" len="med"/>
+                      <a:tailEnd type="none" w="med" len="med"/>
+                    </a:lnL>
+                    <a:lnR w="7620" cap="flat" cmpd="sng" algn="ctr">
+                      <a:solidFill>
+                        <a:srgbClr val="DDDDDD"/>
+                      </a:solidFill>
+                      <a:prstDash val="solid"/>
+                      <a:round/>
+                      <a:headEnd type="none" w="med" len="med"/>
+                      <a:tailEnd type="none" w="med" len="med"/>
+                    </a:lnR>
+                    <a:lnT w="7620" cap="flat" cmpd="sng" algn="ctr">
+                      <a:solidFill>
+                        <a:srgbClr val="DDDDDD"/>
+                      </a:solidFill>
+                      <a:prstDash val="solid"/>
+                      <a:round/>
+                      <a:headEnd type="none" w="med" len="med"/>
+                      <a:tailEnd type="none" w="med" len="med"/>
+                    </a:lnT>
+                    <a:lnB w="7620" cap="flat" cmpd="sng" algn="ctr">
+                      <a:solidFill>
+                        <a:srgbClr val="DDDDDD"/>
+                      </a:solidFill>
+                      <a:prstDash val="solid"/>
+                      <a:round/>
+                      <a:headEnd type="none" w="med" len="med"/>
+                      <a:tailEnd type="none" w="med" len="med"/>
+                    </a:lnB>
+                    <a:solidFill>
+                      <a:srgbClr val="FFFFFF"/>
+                    </a:solidFill>
+                  </a:tcPr>
+                </a:tc>
+                <a:tc>
+                  <a:txBody>
+                    <a:bodyPr/>
+                    <a:lstStyle/>
+                    <a:p>
+                      <a:r>
+                        <a:rPr lang="en-US" altLang="zh-CN" sz="1200">
+                          <a:effectLst/>
+                        </a:rPr>
+                        <a:t>2+</a:t>
+                      </a:r>
+                    </a:p>
+                  </a:txBody>
+                  <a:tcPr marL="52407" marR="52407" marT="26203" marB="26203" anchor="ctr">
+                    <a:lnL w="7620" cap="flat" cmpd="sng" algn="ctr">
+                      <a:solidFill>
+                        <a:srgbClr val="DDDDDD"/>
+                      </a:solidFill>
+                      <a:prstDash val="solid"/>
+                      <a:round/>
+                      <a:headEnd type="none" w="med" len="med"/>
+                      <a:tailEnd type="none" w="med" len="med"/>
+                    </a:lnL>
+                    <a:lnR w="7620" cap="flat" cmpd="sng" algn="ctr">
+                      <a:solidFill>
+                        <a:srgbClr val="DDDDDD"/>
+                      </a:solidFill>
+                      <a:prstDash val="solid"/>
+                      <a:round/>
+                      <a:headEnd type="none" w="med" len="med"/>
+                      <a:tailEnd type="none" w="med" len="med"/>
+                    </a:lnR>
+                    <a:lnT w="7620" cap="flat" cmpd="sng" algn="ctr">
+                      <a:solidFill>
+                        <a:srgbClr val="DDDDDD"/>
+                      </a:solidFill>
+                      <a:prstDash val="solid"/>
+                      <a:round/>
+                      <a:headEnd type="none" w="med" len="med"/>
+                      <a:tailEnd type="none" w="med" len="med"/>
+                    </a:lnT>
+                    <a:lnB w="7620" cap="flat" cmpd="sng" algn="ctr">
+                      <a:solidFill>
+                        <a:srgbClr val="DDDDDD"/>
+                      </a:solidFill>
+                      <a:prstDash val="solid"/>
+                      <a:round/>
+                      <a:headEnd type="none" w="med" len="med"/>
+                      <a:tailEnd type="none" w="med" len="med"/>
+                    </a:lnB>
+                    <a:solidFill>
+                      <a:srgbClr val="FFFFFF"/>
+                    </a:solidFill>
+                  </a:tcPr>
+                </a:tc>
+                <a:tc>
+                  <a:txBody>
+                    <a:bodyPr/>
+                    <a:lstStyle/>
+                    <a:p>
+                      <a:r>
+                        <a:rPr lang="en-US" altLang="zh-CN" sz="1200">
+                          <a:effectLst/>
+                        </a:rPr>
+                        <a:t>2+</a:t>
+                      </a:r>
+                    </a:p>
+                  </a:txBody>
+                  <a:tcPr marL="52407" marR="52407" marT="26203" marB="26203" anchor="ctr">
+                    <a:lnL w="7620" cap="flat" cmpd="sng" algn="ctr">
+                      <a:solidFill>
+                        <a:srgbClr val="DDDDDD"/>
+                      </a:solidFill>
+                      <a:prstDash val="solid"/>
+                      <a:round/>
+                      <a:headEnd type="none" w="med" len="med"/>
+                      <a:tailEnd type="none" w="med" len="med"/>
+                    </a:lnL>
+                    <a:lnR w="7620" cap="flat" cmpd="sng" algn="ctr">
+                      <a:solidFill>
+                        <a:srgbClr val="DDDDDD"/>
+                      </a:solidFill>
+                      <a:prstDash val="solid"/>
+                      <a:round/>
+                      <a:headEnd type="none" w="med" len="med"/>
+                      <a:tailEnd type="none" w="med" len="med"/>
+                    </a:lnR>
+                    <a:lnT w="7620" cap="flat" cmpd="sng" algn="ctr">
+                      <a:solidFill>
+                        <a:srgbClr val="DDDDDD"/>
+                      </a:solidFill>
+                      <a:prstDash val="solid"/>
+                      <a:round/>
+                      <a:headEnd type="none" w="med" len="med"/>
+                      <a:tailEnd type="none" w="med" len="med"/>
+                    </a:lnT>
+                    <a:lnB w="7620" cap="flat" cmpd="sng" algn="ctr">
+                      <a:solidFill>
+                        <a:srgbClr val="DDDDDD"/>
+                      </a:solidFill>
+                      <a:prstDash val="solid"/>
+                      <a:round/>
+                      <a:headEnd type="none" w="med" len="med"/>
+                      <a:tailEnd type="none" w="med" len="med"/>
+                    </a:lnB>
+                    <a:solidFill>
+                      <a:srgbClr val="FFFFFF"/>
+                    </a:solidFill>
+                  </a:tcPr>
+                </a:tc>
+                <a:extLst>
+                  <a:ext uri="{0D108BD9-81ED-4DB2-BD59-A6C34878D82A}">
+                    <a16:rowId xmlns:a16="http://schemas.microsoft.com/office/drawing/2014/main" val="2022514840"/>
+                  </a:ext>
+                </a:extLst>
+              </a:tr>
+              <a:tr h="520535">
+                <a:tc>
+                  <a:txBody>
+                    <a:bodyPr/>
+                    <a:lstStyle/>
+                    <a:p>
+                      <a:r>
+                        <a:rPr lang="zh-CN" altLang="en-US" sz="1200">
+                          <a:effectLst/>
+                        </a:rPr>
+                        <a:t>并行</a:t>
+                      </a:r>
+                      <a:r>
+                        <a:rPr lang="en-US" sz="1200">
+                          <a:effectLst/>
+                        </a:rPr>
+                        <a:t>Job</a:t>
+                      </a:r>
+                    </a:p>
+                  </a:txBody>
+                  <a:tcPr marL="52407" marR="52407" marT="26203" marB="26203" anchor="ctr">
+                    <a:lnL w="7620" cap="flat" cmpd="sng" algn="ctr">
+                      <a:solidFill>
+                        <a:srgbClr val="DDDDDD"/>
+                      </a:solidFill>
+                      <a:prstDash val="solid"/>
+                      <a:round/>
+                      <a:headEnd type="none" w="med" len="med"/>
+                      <a:tailEnd type="none" w="med" len="med"/>
+                    </a:lnL>
+                    <a:lnR w="7620" cap="flat" cmpd="sng" algn="ctr">
+                      <a:solidFill>
+                        <a:srgbClr val="DDDDDD"/>
+                      </a:solidFill>
+                      <a:prstDash val="solid"/>
+                      <a:round/>
+                      <a:headEnd type="none" w="med" len="med"/>
+                      <a:tailEnd type="none" w="med" len="med"/>
+                    </a:lnR>
+                    <a:lnT w="7620" cap="flat" cmpd="sng" algn="ctr">
+                      <a:solidFill>
+                        <a:srgbClr val="DDDDDD"/>
+                      </a:solidFill>
+                      <a:prstDash val="solid"/>
+                      <a:round/>
+                      <a:headEnd type="none" w="med" len="med"/>
+                      <a:tailEnd type="none" w="med" len="med"/>
+                    </a:lnT>
+                    <a:lnB w="7620" cap="flat" cmpd="sng" algn="ctr">
+                      <a:solidFill>
+                        <a:srgbClr val="DDDDDD"/>
+                      </a:solidFill>
+                      <a:prstDash val="solid"/>
+                      <a:round/>
+                      <a:headEnd type="none" w="med" len="med"/>
+                      <a:tailEnd type="none" w="med" len="med"/>
+                    </a:lnB>
+                    <a:solidFill>
+                      <a:srgbClr val="FFFFFF"/>
+                    </a:solidFill>
+                  </a:tcPr>
+                </a:tc>
+                <a:tc>
+                  <a:txBody>
+                    <a:bodyPr/>
+                    <a:lstStyle/>
+                    <a:p>
+                      <a:r>
+                        <a:rPr lang="zh-CN" altLang="en-US" sz="1200">
+                          <a:effectLst/>
+                        </a:rPr>
+                        <a:t>多个</a:t>
+                      </a:r>
+                      <a:r>
+                        <a:rPr lang="en-US" altLang="zh-CN" sz="1200">
+                          <a:effectLst/>
+                        </a:rPr>
+                        <a:t>Pod</a:t>
+                      </a:r>
+                      <a:r>
+                        <a:rPr lang="zh-CN" altLang="en-US" sz="1200">
+                          <a:effectLst/>
+                        </a:rPr>
+                        <a:t>同时处理工作队列</a:t>
+                      </a:r>
+                    </a:p>
+                  </a:txBody>
+                  <a:tcPr marL="52407" marR="52407" marT="26203" marB="26203" anchor="ctr">
+                    <a:lnL w="7620" cap="flat" cmpd="sng" algn="ctr">
+                      <a:solidFill>
+                        <a:srgbClr val="DDDDDD"/>
+                      </a:solidFill>
+                      <a:prstDash val="solid"/>
+                      <a:round/>
+                      <a:headEnd type="none" w="med" len="med"/>
+                      <a:tailEnd type="none" w="med" len="med"/>
+                    </a:lnL>
+                    <a:lnR w="7620" cap="flat" cmpd="sng" algn="ctr">
+                      <a:solidFill>
+                        <a:srgbClr val="DDDDDD"/>
+                      </a:solidFill>
+                      <a:prstDash val="solid"/>
+                      <a:round/>
+                      <a:headEnd type="none" w="med" len="med"/>
+                      <a:tailEnd type="none" w="med" len="med"/>
+                    </a:lnR>
+                    <a:lnT w="7620" cap="flat" cmpd="sng" algn="ctr">
+                      <a:solidFill>
+                        <a:srgbClr val="DDDDDD"/>
+                      </a:solidFill>
+                      <a:prstDash val="solid"/>
+                      <a:round/>
+                      <a:headEnd type="none" w="med" len="med"/>
+                      <a:tailEnd type="none" w="med" len="med"/>
+                    </a:lnT>
+                    <a:lnB w="7620" cap="flat" cmpd="sng" algn="ctr">
+                      <a:solidFill>
+                        <a:srgbClr val="DDDDDD"/>
+                      </a:solidFill>
+                      <a:prstDash val="solid"/>
+                      <a:round/>
+                      <a:headEnd type="none" w="med" len="med"/>
+                      <a:tailEnd type="none" w="med" len="med"/>
+                    </a:lnB>
+                    <a:solidFill>
+                      <a:srgbClr val="FFFFFF"/>
+                    </a:solidFill>
+                  </a:tcPr>
+                </a:tc>
+                <a:tc>
+                  <a:txBody>
+                    <a:bodyPr/>
+                    <a:lstStyle/>
+                    <a:p>
+                      <a:r>
+                        <a:rPr lang="zh-CN" altLang="en-US" sz="1200">
+                          <a:effectLst/>
+                        </a:rPr>
+                        <a:t>创建一个或多个</a:t>
+                      </a:r>
+                      <a:r>
+                        <a:rPr lang="en-US" altLang="zh-CN" sz="1200">
+                          <a:effectLst/>
+                        </a:rPr>
+                        <a:t>Pod</a:t>
+                      </a:r>
+                      <a:r>
+                        <a:rPr lang="zh-CN" altLang="en-US" sz="1200">
+                          <a:effectLst/>
+                        </a:rPr>
+                        <a:t>直至有一个成功结束</a:t>
+                      </a:r>
+                    </a:p>
+                  </a:txBody>
+                  <a:tcPr marL="52407" marR="52407" marT="26203" marB="26203" anchor="ctr">
+                    <a:lnL w="7620" cap="flat" cmpd="sng" algn="ctr">
+                      <a:solidFill>
+                        <a:srgbClr val="DDDDDD"/>
+                      </a:solidFill>
+                      <a:prstDash val="solid"/>
+                      <a:round/>
+                      <a:headEnd type="none" w="med" len="med"/>
+                      <a:tailEnd type="none" w="med" len="med"/>
+                    </a:lnL>
+                    <a:lnR w="7620" cap="flat" cmpd="sng" algn="ctr">
+                      <a:solidFill>
+                        <a:srgbClr val="DDDDDD"/>
+                      </a:solidFill>
+                      <a:prstDash val="solid"/>
+                      <a:round/>
+                      <a:headEnd type="none" w="med" len="med"/>
+                      <a:tailEnd type="none" w="med" len="med"/>
+                    </a:lnR>
+                    <a:lnT w="7620" cap="flat" cmpd="sng" algn="ctr">
+                      <a:solidFill>
+                        <a:srgbClr val="DDDDDD"/>
+                      </a:solidFill>
+                      <a:prstDash val="solid"/>
+                      <a:round/>
+                      <a:headEnd type="none" w="med" len="med"/>
+                      <a:tailEnd type="none" w="med" len="med"/>
+                    </a:lnT>
+                    <a:lnB w="7620" cap="flat" cmpd="sng" algn="ctr">
+                      <a:solidFill>
+                        <a:srgbClr val="DDDDDD"/>
+                      </a:solidFill>
+                      <a:prstDash val="solid"/>
+                      <a:round/>
+                      <a:headEnd type="none" w="med" len="med"/>
+                      <a:tailEnd type="none" w="med" len="med"/>
+                    </a:lnB>
+                    <a:solidFill>
+                      <a:srgbClr val="FFFFFF"/>
+                    </a:solidFill>
+                  </a:tcPr>
+                </a:tc>
+                <a:tc>
+                  <a:txBody>
+                    <a:bodyPr/>
+                    <a:lstStyle/>
+                    <a:p>
+                      <a:r>
+                        <a:rPr lang="en-US" altLang="zh-CN" sz="1200">
+                          <a:effectLst/>
+                        </a:rPr>
+                        <a:t>1</a:t>
+                      </a:r>
+                    </a:p>
+                  </a:txBody>
+                  <a:tcPr marL="52407" marR="52407" marT="26203" marB="26203" anchor="ctr">
+                    <a:lnL w="7620" cap="flat" cmpd="sng" algn="ctr">
+                      <a:solidFill>
+                        <a:srgbClr val="DDDDDD"/>
+                      </a:solidFill>
+                      <a:prstDash val="solid"/>
+                      <a:round/>
+                      <a:headEnd type="none" w="med" len="med"/>
+                      <a:tailEnd type="none" w="med" len="med"/>
+                    </a:lnL>
+                    <a:lnR w="7620" cap="flat" cmpd="sng" algn="ctr">
+                      <a:solidFill>
+                        <a:srgbClr val="DDDDDD"/>
+                      </a:solidFill>
+                      <a:prstDash val="solid"/>
+                      <a:round/>
+                      <a:headEnd type="none" w="med" len="med"/>
+                      <a:tailEnd type="none" w="med" len="med"/>
+                    </a:lnR>
+                    <a:lnT w="7620" cap="flat" cmpd="sng" algn="ctr">
+                      <a:solidFill>
+                        <a:srgbClr val="DDDDDD"/>
+                      </a:solidFill>
+                      <a:prstDash val="solid"/>
+                      <a:round/>
+                      <a:headEnd type="none" w="med" len="med"/>
+                      <a:tailEnd type="none" w="med" len="med"/>
+                    </a:lnT>
+                    <a:lnB w="7620" cap="flat" cmpd="sng" algn="ctr">
+                      <a:solidFill>
+                        <a:srgbClr val="DDDDDD"/>
+                      </a:solidFill>
+                      <a:prstDash val="solid"/>
+                      <a:round/>
+                      <a:headEnd type="none" w="med" len="med"/>
+                      <a:tailEnd type="none" w="med" len="med"/>
+                    </a:lnB>
+                    <a:solidFill>
+                      <a:srgbClr val="FFFFFF"/>
+                    </a:solidFill>
+                  </a:tcPr>
+                </a:tc>
+                <a:tc>
+                  <a:txBody>
+                    <a:bodyPr/>
+                    <a:lstStyle/>
+                    <a:p>
+                      <a:r>
+                        <a:rPr lang="en-US" altLang="zh-CN" sz="1200" dirty="0">
+                          <a:effectLst/>
+                        </a:rPr>
+                        <a:t>2+</a:t>
+                      </a:r>
+                    </a:p>
+                  </a:txBody>
+                  <a:tcPr marL="52407" marR="52407" marT="26203" marB="26203" anchor="ctr">
+                    <a:lnL w="7620" cap="flat" cmpd="sng" algn="ctr">
+                      <a:solidFill>
+                        <a:srgbClr val="DDDDDD"/>
+                      </a:solidFill>
+                      <a:prstDash val="solid"/>
+                      <a:round/>
+                      <a:headEnd type="none" w="med" len="med"/>
+                      <a:tailEnd type="none" w="med" len="med"/>
+                    </a:lnL>
+                    <a:lnR w="7620" cap="flat" cmpd="sng" algn="ctr">
+                      <a:solidFill>
+                        <a:srgbClr val="DDDDDD"/>
+                      </a:solidFill>
+                      <a:prstDash val="solid"/>
+                      <a:round/>
+                      <a:headEnd type="none" w="med" len="med"/>
+                      <a:tailEnd type="none" w="med" len="med"/>
+                    </a:lnR>
+                    <a:lnT w="7620" cap="flat" cmpd="sng" algn="ctr">
+                      <a:solidFill>
+                        <a:srgbClr val="DDDDDD"/>
+                      </a:solidFill>
+                      <a:prstDash val="solid"/>
+                      <a:round/>
+                      <a:headEnd type="none" w="med" len="med"/>
+                      <a:tailEnd type="none" w="med" len="med"/>
+                    </a:lnT>
+                    <a:lnB w="7620" cap="flat" cmpd="sng" algn="ctr">
+                      <a:solidFill>
+                        <a:srgbClr val="DDDDDD"/>
+                      </a:solidFill>
+                      <a:prstDash val="solid"/>
+                      <a:round/>
+                      <a:headEnd type="none" w="med" len="med"/>
+                      <a:tailEnd type="none" w="med" len="med"/>
+                    </a:lnB>
+                    <a:solidFill>
+                      <a:srgbClr val="FFFFFF"/>
+                    </a:solidFill>
+                  </a:tcPr>
+                </a:tc>
+                <a:extLst>
+                  <a:ext uri="{0D108BD9-81ED-4DB2-BD59-A6C34878D82A}">
+                    <a16:rowId xmlns:a16="http://schemas.microsoft.com/office/drawing/2014/main" val="2271891689"/>
+                  </a:ext>
+                </a:extLst>
+              </a:tr>
+            </a:tbl>
+          </a:graphicData>
+        </a:graphic>
+      </p:graphicFrame>
       <p:sp>
         <p:nvSpPr>
-          <p:cNvPr id="3" name="内容占位符 2">
+          <p:cNvPr id="5" name="Rectangle 1">
             <a:extLst>
               <a:ext uri="{FF2B5EF4-FFF2-40B4-BE49-F238E27FC236}">
-                <a16:creationId xmlns:a16="http://schemas.microsoft.com/office/drawing/2014/main" id="{6CA78E39-E363-42D1-BE9D-BB96C903EDB2}"/>
+                <a16:creationId xmlns:a16="http://schemas.microsoft.com/office/drawing/2014/main" id="{6186C7BB-EB72-4C83-8DE2-2E874B47772F}"/>
               </a:ext>
             </a:extLst>
           </p:cNvPr>
           <p:cNvSpPr>
-            <a:spLocks noGrp="1"/>
+            <a:spLocks noChangeArrowheads="1"/>
           </p:cNvSpPr>
-          <p:nvPr>
-            <p:ph idx="1"/>
-          </p:nvPr>
+          <p:nvPr/>
         </p:nvSpPr>
-        <p:spPr>
+        <p:spPr bwMode="auto">
           <a:xfrm>
-            <a:off x="838200" y="1010094"/>
-            <a:ext cx="10515600" cy="5166869"/>
+            <a:off x="440267" y="1010094"/>
+            <a:ext cx="10995377" cy="2577592"/>
           </a:xfrm>
+          <a:prstGeom prst="rect">
+            <a:avLst/>
+          </a:prstGeom>
+          <a:solidFill>
+            <a:srgbClr val="FFFFFF"/>
+          </a:solidFill>
+          <a:ln>
+            <a:noFill/>
+          </a:ln>
+          <a:effectLst/>
+          <a:extLst>
+            <a:ext uri="{91240B29-F687-4F45-9708-019B960494DF}">
+              <a14:hiddenLine xmlns:a14="http://schemas.microsoft.com/office/drawing/2010/main" w="9525">
+                <a:solidFill>
+                  <a:schemeClr val="tx1"/>
+                </a:solidFill>
+                <a:miter lim="800000"/>
+                <a:headEnd/>
+                <a:tailEnd/>
+              </a14:hiddenLine>
+            </a:ext>
+            <a:ext uri="{AF507438-7753-43E0-B8FC-AC1667EBCBE1}">
+              <a14:hiddenEffects xmlns:a14="http://schemas.microsoft.com/office/drawing/2010/main">
+                <a:effectLst>
+                  <a:outerShdw dist="35921" dir="2700000" algn="ctr" rotWithShape="0">
+                    <a:schemeClr val="bg2"/>
+                  </a:outerShdw>
+                </a:effectLst>
+              </a14:hiddenEffects>
+            </a:ext>
+          </a:extLst>
         </p:spPr>
         <p:txBody>
-          <a:bodyPr/>
-          <a:lstStyle/>
-          <a:p>
-            <a:endParaRPr lang="zh-CN" altLang="en-US" dirty="0"/>
+          <a:bodyPr vert="horz" wrap="square" lIns="317400" tIns="0" rIns="0" bIns="114264" numCol="1" anchor="ctr" anchorCtr="0" compatLnSpc="1">
+            <a:prstTxWarp prst="textNoShape">
+              <a:avLst/>
+            </a:prstTxWarp>
+            <a:spAutoFit/>
+          </a:bodyPr>
+          <a:lstStyle>
+            <a:lvl1pPr eaLnBrk="0" fontAlgn="base" hangingPunct="0">
+              <a:spcBef>
+                <a:spcPct val="0"/>
+              </a:spcBef>
+              <a:spcAft>
+                <a:spcPct val="0"/>
+              </a:spcAft>
+              <a:defRPr>
+                <a:solidFill>
+                  <a:schemeClr val="tx1"/>
+                </a:solidFill>
+                <a:latin typeface="Arial" panose="020B0604020202020204" pitchFamily="34" charset="0"/>
+              </a:defRPr>
+            </a:lvl1pPr>
+            <a:lvl2pPr eaLnBrk="0" fontAlgn="base" hangingPunct="0">
+              <a:spcBef>
+                <a:spcPct val="0"/>
+              </a:spcBef>
+              <a:spcAft>
+                <a:spcPct val="0"/>
+              </a:spcAft>
+              <a:defRPr>
+                <a:solidFill>
+                  <a:schemeClr val="tx1"/>
+                </a:solidFill>
+                <a:latin typeface="Arial" panose="020B0604020202020204" pitchFamily="34" charset="0"/>
+              </a:defRPr>
+            </a:lvl2pPr>
+            <a:lvl3pPr eaLnBrk="0" fontAlgn="base" hangingPunct="0">
+              <a:spcBef>
+                <a:spcPct val="0"/>
+              </a:spcBef>
+              <a:spcAft>
+                <a:spcPct val="0"/>
+              </a:spcAft>
+              <a:defRPr>
+                <a:solidFill>
+                  <a:schemeClr val="tx1"/>
+                </a:solidFill>
+                <a:latin typeface="Arial" panose="020B0604020202020204" pitchFamily="34" charset="0"/>
+              </a:defRPr>
+            </a:lvl3pPr>
+            <a:lvl4pPr eaLnBrk="0" fontAlgn="base" hangingPunct="0">
+              <a:spcBef>
+                <a:spcPct val="0"/>
+              </a:spcBef>
+              <a:spcAft>
+                <a:spcPct val="0"/>
+              </a:spcAft>
+              <a:defRPr>
+                <a:solidFill>
+                  <a:schemeClr val="tx1"/>
+                </a:solidFill>
+                <a:latin typeface="Arial" panose="020B0604020202020204" pitchFamily="34" charset="0"/>
+              </a:defRPr>
+            </a:lvl4pPr>
+            <a:lvl5pPr eaLnBrk="0" fontAlgn="base" hangingPunct="0">
+              <a:spcBef>
+                <a:spcPct val="0"/>
+              </a:spcBef>
+              <a:spcAft>
+                <a:spcPct val="0"/>
+              </a:spcAft>
+              <a:defRPr>
+                <a:solidFill>
+                  <a:schemeClr val="tx1"/>
+                </a:solidFill>
+                <a:latin typeface="Arial" panose="020B0604020202020204" pitchFamily="34" charset="0"/>
+              </a:defRPr>
+            </a:lvl5pPr>
+            <a:lvl6pPr eaLnBrk="0" fontAlgn="base" hangingPunct="0">
+              <a:spcBef>
+                <a:spcPct val="0"/>
+              </a:spcBef>
+              <a:spcAft>
+                <a:spcPct val="0"/>
+              </a:spcAft>
+              <a:defRPr>
+                <a:solidFill>
+                  <a:schemeClr val="tx1"/>
+                </a:solidFill>
+                <a:latin typeface="Arial" panose="020B0604020202020204" pitchFamily="34" charset="0"/>
+              </a:defRPr>
+            </a:lvl6pPr>
+            <a:lvl7pPr eaLnBrk="0" fontAlgn="base" hangingPunct="0">
+              <a:spcBef>
+                <a:spcPct val="0"/>
+              </a:spcBef>
+              <a:spcAft>
+                <a:spcPct val="0"/>
+              </a:spcAft>
+              <a:defRPr>
+                <a:solidFill>
+                  <a:schemeClr val="tx1"/>
+                </a:solidFill>
+                <a:latin typeface="Arial" panose="020B0604020202020204" pitchFamily="34" charset="0"/>
+              </a:defRPr>
+            </a:lvl7pPr>
+            <a:lvl8pPr eaLnBrk="0" fontAlgn="base" hangingPunct="0">
+              <a:spcBef>
+                <a:spcPct val="0"/>
+              </a:spcBef>
+              <a:spcAft>
+                <a:spcPct val="0"/>
+              </a:spcAft>
+              <a:defRPr>
+                <a:solidFill>
+                  <a:schemeClr val="tx1"/>
+                </a:solidFill>
+                <a:latin typeface="Arial" panose="020B0604020202020204" pitchFamily="34" charset="0"/>
+              </a:defRPr>
+            </a:lvl8pPr>
+            <a:lvl9pPr eaLnBrk="0" fontAlgn="base" hangingPunct="0">
+              <a:spcBef>
+                <a:spcPct val="0"/>
+              </a:spcBef>
+              <a:spcAft>
+                <a:spcPct val="0"/>
+              </a:spcAft>
+              <a:defRPr>
+                <a:solidFill>
+                  <a:schemeClr val="tx1"/>
+                </a:solidFill>
+                <a:latin typeface="Arial" panose="020B0604020202020204" pitchFamily="34" charset="0"/>
+              </a:defRPr>
+            </a:lvl9pPr>
+          </a:lstStyle>
+          <a:p>
+            <a:pPr marL="0" marR="0" lvl="0" indent="0" algn="l" defTabSz="914400" rtl="0" eaLnBrk="0" fontAlgn="base" latinLnBrk="0" hangingPunct="0">
+              <a:lnSpc>
+                <a:spcPct val="100000"/>
+              </a:lnSpc>
+              <a:spcBef>
+                <a:spcPct val="0"/>
+              </a:spcBef>
+              <a:spcAft>
+                <a:spcPct val="0"/>
+              </a:spcAft>
+              <a:buClrTx/>
+              <a:buSzTx/>
+              <a:buFontTx/>
+              <a:buNone/>
+              <a:tabLst/>
+            </a:pPr>
+            <a:r>
+              <a:rPr kumimoji="0" lang="zh-CN" altLang="zh-CN" sz="1600" b="0" i="0" u="none" strike="noStrike" cap="none" normalizeH="0" baseline="0" dirty="0">
+                <a:ln>
+                  <a:noFill/>
+                </a:ln>
+                <a:solidFill>
+                  <a:srgbClr val="555555"/>
+                </a:solidFill>
+                <a:effectLst/>
+                <a:latin typeface="Arial" panose="020B0604020202020204" pitchFamily="34" charset="0"/>
+                <a:ea typeface="Microsoft Yahei" panose="020B0503020204020204" pitchFamily="34" charset="-122"/>
+              </a:rPr>
+              <a:t>Job负责批量处理短暂的一次性任务 (short lived one-off tasks)，即仅执行一次的任务，它保证批处理任务的一个或多个Pod成功结束。</a:t>
+            </a:r>
+            <a:endParaRPr kumimoji="0" lang="zh-CN" altLang="zh-CN" sz="1600" b="0" i="0" u="none" strike="noStrike" cap="none" normalizeH="0" baseline="0" dirty="0">
+              <a:ln>
+                <a:noFill/>
+              </a:ln>
+              <a:solidFill>
+                <a:schemeClr val="tx1"/>
+              </a:solidFill>
+              <a:effectLst/>
+              <a:latin typeface="Arial" panose="020B0604020202020204" pitchFamily="34" charset="0"/>
+            </a:endParaRPr>
+          </a:p>
+          <a:p>
+            <a:pPr marL="0" marR="0" lvl="0" indent="0" algn="l" defTabSz="914400" rtl="0" eaLnBrk="0" fontAlgn="base" latinLnBrk="0" hangingPunct="0">
+              <a:lnSpc>
+                <a:spcPct val="100000"/>
+              </a:lnSpc>
+              <a:spcBef>
+                <a:spcPct val="0"/>
+              </a:spcBef>
+              <a:spcAft>
+                <a:spcPct val="0"/>
+              </a:spcAft>
+              <a:buClrTx/>
+              <a:buSzTx/>
+              <a:buFontTx/>
+              <a:buNone/>
+              <a:tabLst/>
+            </a:pPr>
+            <a:r>
+              <a:rPr kumimoji="0" lang="zh-CN" altLang="zh-CN" sz="1600" b="0" i="0" u="none" strike="noStrike" cap="none" normalizeH="0" baseline="0" dirty="0">
+                <a:ln>
+                  <a:noFill/>
+                </a:ln>
+                <a:solidFill>
+                  <a:srgbClr val="555555"/>
+                </a:solidFill>
+                <a:effectLst/>
+                <a:latin typeface="Arial" panose="020B0604020202020204" pitchFamily="34" charset="0"/>
+                <a:ea typeface="Microsoft Yahei" panose="020B0503020204020204" pitchFamily="34" charset="-122"/>
+              </a:rPr>
+              <a:t>Kubernetes支持以下几种Job：</a:t>
+            </a:r>
+            <a:endParaRPr kumimoji="0" lang="zh-CN" altLang="zh-CN" sz="1600" b="0" i="0" u="none" strike="noStrike" cap="none" normalizeH="0" baseline="0" dirty="0">
+              <a:ln>
+                <a:noFill/>
+              </a:ln>
+              <a:solidFill>
+                <a:schemeClr val="tx1"/>
+              </a:solidFill>
+              <a:effectLst/>
+              <a:latin typeface="Arial" panose="020B0604020202020204" pitchFamily="34" charset="0"/>
+            </a:endParaRPr>
+          </a:p>
+          <a:p>
+            <a:pPr marL="0" marR="0" lvl="0" indent="0" algn="l" defTabSz="914400" rtl="0" eaLnBrk="0" fontAlgn="base" latinLnBrk="0" hangingPunct="0">
+              <a:lnSpc>
+                <a:spcPct val="100000"/>
+              </a:lnSpc>
+              <a:spcBef>
+                <a:spcPct val="0"/>
+              </a:spcBef>
+              <a:spcAft>
+                <a:spcPct val="0"/>
+              </a:spcAft>
+              <a:buClrTx/>
+              <a:buSzTx/>
+              <a:buFontTx/>
+              <a:buChar char="•"/>
+              <a:tabLst/>
+            </a:pPr>
+            <a:r>
+              <a:rPr kumimoji="0" lang="zh-CN" altLang="zh-CN" sz="1600" b="0" i="0" u="none" strike="noStrike" cap="none" normalizeH="0" baseline="0" dirty="0">
+                <a:ln>
+                  <a:noFill/>
+                </a:ln>
+                <a:solidFill>
+                  <a:srgbClr val="555555"/>
+                </a:solidFill>
+                <a:effectLst/>
+                <a:latin typeface="Arial" panose="020B0604020202020204" pitchFamily="34" charset="0"/>
+                <a:ea typeface="Microsoft Yahei" panose="020B0503020204020204" pitchFamily="34" charset="-122"/>
+              </a:rPr>
+              <a:t>非并行Job：通常创建一个Pod直至其成功结束</a:t>
+            </a:r>
+          </a:p>
+          <a:p>
+            <a:pPr marL="0" marR="0" lvl="0" indent="0" algn="l" defTabSz="914400" rtl="0" eaLnBrk="0" fontAlgn="base" latinLnBrk="0" hangingPunct="0">
+              <a:lnSpc>
+                <a:spcPct val="100000"/>
+              </a:lnSpc>
+              <a:spcBef>
+                <a:spcPct val="0"/>
+              </a:spcBef>
+              <a:spcAft>
+                <a:spcPct val="0"/>
+              </a:spcAft>
+              <a:buClrTx/>
+              <a:buSzTx/>
+              <a:buFontTx/>
+              <a:buChar char="•"/>
+              <a:tabLst/>
+            </a:pPr>
+            <a:r>
+              <a:rPr kumimoji="0" lang="zh-CN" altLang="zh-CN" sz="1600" b="0" i="0" u="none" strike="noStrike" cap="none" normalizeH="0" baseline="0" dirty="0">
+                <a:ln>
+                  <a:noFill/>
+                </a:ln>
+                <a:solidFill>
+                  <a:srgbClr val="555555"/>
+                </a:solidFill>
+                <a:effectLst/>
+                <a:latin typeface="Arial" panose="020B0604020202020204" pitchFamily="34" charset="0"/>
+                <a:ea typeface="Microsoft Yahei" panose="020B0503020204020204" pitchFamily="34" charset="-122"/>
+              </a:rPr>
+              <a:t>固定结束次数的Job：设置.spec.completions，创建多个Pod，直到.spec.completions个Pod成功结束</a:t>
+            </a:r>
+          </a:p>
+          <a:p>
+            <a:pPr marL="0" marR="0" lvl="0" indent="0" algn="l" defTabSz="914400" rtl="0" eaLnBrk="0" fontAlgn="base" latinLnBrk="0" hangingPunct="0">
+              <a:lnSpc>
+                <a:spcPct val="100000"/>
+              </a:lnSpc>
+              <a:spcBef>
+                <a:spcPct val="0"/>
+              </a:spcBef>
+              <a:spcAft>
+                <a:spcPct val="0"/>
+              </a:spcAft>
+              <a:buClrTx/>
+              <a:buSzTx/>
+              <a:buFontTx/>
+              <a:buChar char="•"/>
+              <a:tabLst/>
+            </a:pPr>
+            <a:r>
+              <a:rPr kumimoji="0" lang="zh-CN" altLang="zh-CN" sz="1600" b="0" i="0" u="none" strike="noStrike" cap="none" normalizeH="0" baseline="0" dirty="0">
+                <a:ln>
+                  <a:noFill/>
+                </a:ln>
+                <a:solidFill>
+                  <a:srgbClr val="555555"/>
+                </a:solidFill>
+                <a:effectLst/>
+                <a:latin typeface="Arial" panose="020B0604020202020204" pitchFamily="34" charset="0"/>
+                <a:ea typeface="Microsoft Yahei" panose="020B0503020204020204" pitchFamily="34" charset="-122"/>
+              </a:rPr>
+              <a:t>带有工作队列的并行Job：设置.spec.Parallelism但不设置.spec.completions，当所有Pod结束并且至少一个成功时，Job就认为是成功</a:t>
+            </a:r>
+          </a:p>
+          <a:p>
+            <a:pPr marL="0" marR="0" lvl="0" indent="0" algn="l" defTabSz="914400" rtl="0" eaLnBrk="0" fontAlgn="base" latinLnBrk="0" hangingPunct="0">
+              <a:lnSpc>
+                <a:spcPct val="100000"/>
+              </a:lnSpc>
+              <a:spcBef>
+                <a:spcPct val="0"/>
+              </a:spcBef>
+              <a:spcAft>
+                <a:spcPct val="0"/>
+              </a:spcAft>
+              <a:buClrTx/>
+              <a:buSzTx/>
+              <a:buFontTx/>
+              <a:buNone/>
+              <a:tabLst/>
+            </a:pPr>
+            <a:r>
+              <a:rPr kumimoji="0" lang="zh-CN" altLang="zh-CN" sz="1600" b="0" i="0" u="none" strike="noStrike" cap="none" normalizeH="0" baseline="0" dirty="0">
+                <a:ln>
+                  <a:noFill/>
+                </a:ln>
+                <a:solidFill>
+                  <a:srgbClr val="555555"/>
+                </a:solidFill>
+                <a:effectLst/>
+                <a:latin typeface="Arial" panose="020B0604020202020204" pitchFamily="34" charset="0"/>
+                <a:ea typeface="Microsoft Yahei" panose="020B0503020204020204" pitchFamily="34" charset="-122"/>
+              </a:rPr>
+              <a:t>根据.spec.completions和.spec.Parallelism的设置，可以将Job划分为以下几种pattern：</a:t>
+            </a:r>
+            <a:endParaRPr kumimoji="0" lang="zh-CN" altLang="zh-CN" sz="1600" b="0" i="0" u="none" strike="noStrike" cap="none" normalizeH="0" baseline="0" dirty="0">
+              <a:ln>
+                <a:noFill/>
+              </a:ln>
+              <a:solidFill>
+                <a:schemeClr val="tx1"/>
+              </a:solidFill>
+              <a:effectLst/>
+              <a:latin typeface="Arial" panose="020B0604020202020204" pitchFamily="34" charset="0"/>
+            </a:endParaRPr>
+          </a:p>
+          <a:p>
+            <a:pPr marL="0" marR="0" lvl="0" indent="0" algn="l" defTabSz="914400" rtl="0" eaLnBrk="0" fontAlgn="base" latinLnBrk="0" hangingPunct="0">
+              <a:lnSpc>
+                <a:spcPct val="100000"/>
+              </a:lnSpc>
+              <a:spcBef>
+                <a:spcPct val="0"/>
+              </a:spcBef>
+              <a:spcAft>
+                <a:spcPct val="0"/>
+              </a:spcAft>
+              <a:buClrTx/>
+              <a:buSzTx/>
+              <a:buFontTx/>
+              <a:buNone/>
+              <a:tabLst/>
+            </a:pPr>
+            <a:br>
+              <a:rPr kumimoji="0" lang="zh-CN" altLang="zh-CN" sz="1600" b="0" i="0" u="none" strike="noStrike" cap="none" normalizeH="0" baseline="0" dirty="0">
+                <a:ln>
+                  <a:noFill/>
+                </a:ln>
+                <a:solidFill>
+                  <a:schemeClr val="tx1"/>
+                </a:solidFill>
+                <a:effectLst/>
+                <a:latin typeface="Arial" panose="020B0604020202020204" pitchFamily="34" charset="0"/>
+              </a:rPr>
+            </a:br>
+            <a:endParaRPr kumimoji="0" lang="zh-CN" altLang="zh-CN" sz="1600" b="0" i="0" u="none" strike="noStrike" cap="none" normalizeH="0" baseline="0" dirty="0">
+              <a:ln>
+                <a:noFill/>
+              </a:ln>
+              <a:solidFill>
+                <a:schemeClr val="tx1"/>
+              </a:solidFill>
+              <a:effectLst/>
+              <a:latin typeface="Arial" panose="020B0604020202020204" pitchFamily="34" charset="0"/>
+            </a:endParaRPr>
           </a:p>
         </p:txBody>
       </p:sp>
@@ -13430,136 +15468,138 @@
           </a:xfrm>
         </p:spPr>
         <p:txBody>
-          <a:bodyPr/>
+          <a:bodyPr>
+            <a:normAutofit/>
+          </a:bodyPr>
           <a:lstStyle/>
           <a:p>
             <a:pPr marL="0" indent="0">
               <a:buNone/>
             </a:pPr>
             <a:r>
-              <a:rPr lang="en-US" altLang="zh-CN" dirty="0" err="1"/>
+              <a:rPr lang="en-US" altLang="zh-CN" sz="2000" dirty="0" err="1"/>
               <a:t>StatfulSet</a:t>
             </a:r>
             <a:r>
-              <a:rPr lang="zh-CN" altLang="en-US" dirty="0"/>
+              <a:rPr lang="zh-CN" altLang="en-US" sz="2000" dirty="0"/>
               <a:t>是有状态的</a:t>
             </a:r>
             <a:r>
-              <a:rPr lang="en-US" altLang="zh-CN" dirty="0"/>
+              <a:rPr lang="en-US" altLang="zh-CN" sz="2000" dirty="0"/>
               <a:t>Deployment</a:t>
             </a:r>
             <a:r>
-              <a:rPr lang="zh-CN" altLang="en-US" dirty="0"/>
+              <a:rPr lang="zh-CN" altLang="en-US" sz="2000" dirty="0"/>
               <a:t>，就是通过某种方式记录这些状态，然后在</a:t>
             </a:r>
             <a:r>
-              <a:rPr lang="en-US" altLang="zh-CN" dirty="0"/>
+              <a:rPr lang="en-US" altLang="zh-CN" sz="2000" dirty="0"/>
               <a:t>Pod</a:t>
             </a:r>
             <a:r>
-              <a:rPr lang="zh-CN" altLang="en-US" dirty="0"/>
+              <a:rPr lang="zh-CN" altLang="en-US" sz="2000" dirty="0"/>
               <a:t>被重新创建时，能够为新</a:t>
             </a:r>
             <a:r>
-              <a:rPr lang="en-US" altLang="zh-CN" dirty="0"/>
+              <a:rPr lang="en-US" altLang="zh-CN" sz="2000" dirty="0"/>
               <a:t>Pod</a:t>
             </a:r>
             <a:r>
-              <a:rPr lang="zh-CN" altLang="en-US" dirty="0"/>
+              <a:rPr lang="zh-CN" altLang="en-US" sz="2000" dirty="0"/>
               <a:t>恢复这些状态</a:t>
             </a:r>
-            <a:endParaRPr lang="en-US" altLang="zh-CN" dirty="0"/>
+            <a:endParaRPr lang="en-US" altLang="zh-CN" sz="2000" dirty="0"/>
           </a:p>
           <a:p>
             <a:pPr marL="0" indent="0">
               <a:buNone/>
             </a:pPr>
             <a:r>
-              <a:rPr lang="en-US" altLang="zh-CN" dirty="0"/>
+              <a:rPr lang="en-US" altLang="zh-CN" sz="2000" dirty="0"/>
               <a:t>1</a:t>
             </a:r>
             <a:r>
-              <a:rPr lang="zh-CN" altLang="en-US" dirty="0"/>
+              <a:rPr lang="zh-CN" altLang="en-US" sz="2000" dirty="0"/>
               <a:t>、拓扑状态</a:t>
             </a:r>
-            <a:endParaRPr lang="en-US" altLang="zh-CN" dirty="0"/>
+            <a:endParaRPr lang="en-US" altLang="zh-CN" sz="2000" dirty="0"/>
           </a:p>
           <a:p>
             <a:pPr marL="0" indent="0">
               <a:buNone/>
             </a:pPr>
             <a:r>
-              <a:rPr lang="en-US" altLang="zh-CN" dirty="0"/>
+              <a:rPr lang="en-US" altLang="zh-CN" sz="2000" dirty="0"/>
               <a:t>Pod</a:t>
             </a:r>
             <a:r>
-              <a:rPr lang="zh-CN" altLang="en-US" dirty="0"/>
+              <a:rPr lang="zh-CN" altLang="en-US" sz="2000" dirty="0"/>
               <a:t>按照某些顺序启动，再次启动时也会按照原来的顺序启动才行。</a:t>
             </a:r>
-            <a:endParaRPr lang="en-US" altLang="zh-CN" dirty="0"/>
+            <a:endParaRPr lang="en-US" altLang="zh-CN" sz="2000" dirty="0"/>
           </a:p>
           <a:p>
             <a:pPr marL="0" indent="0">
               <a:buNone/>
             </a:pPr>
             <a:r>
-              <a:rPr lang="zh-CN" altLang="en-US" dirty="0"/>
+              <a:rPr lang="zh-CN" altLang="en-US" sz="2000" dirty="0"/>
               <a:t>通过</a:t>
             </a:r>
             <a:r>
-              <a:rPr lang="en-US" altLang="zh-CN" dirty="0"/>
+              <a:rPr lang="en-US" altLang="zh-CN" sz="2000" dirty="0"/>
               <a:t>Headless Service</a:t>
             </a:r>
             <a:r>
-              <a:rPr lang="zh-CN" altLang="en-US" dirty="0"/>
+              <a:rPr lang="zh-CN" altLang="en-US" sz="2000" dirty="0"/>
               <a:t>来保证</a:t>
             </a:r>
             <a:r>
-              <a:rPr lang="en-US" altLang="zh-CN" dirty="0"/>
+              <a:rPr lang="en-US" altLang="zh-CN" sz="2000" dirty="0"/>
               <a:t>Pod</a:t>
             </a:r>
             <a:r>
-              <a:rPr lang="zh-CN" altLang="en-US" dirty="0"/>
+              <a:rPr lang="zh-CN" altLang="en-US" sz="2000" dirty="0"/>
               <a:t>可解析身份</a:t>
             </a:r>
-            <a:endParaRPr lang="en-US" altLang="zh-CN" dirty="0"/>
+            <a:endParaRPr lang="en-US" altLang="zh-CN" sz="2000" dirty="0"/>
           </a:p>
           <a:p>
             <a:pPr marL="0" indent="0">
               <a:buNone/>
             </a:pPr>
             <a:r>
-              <a:rPr lang="en-US" altLang="zh-CN" dirty="0"/>
+              <a:rPr lang="en-US" altLang="zh-CN" sz="2000" dirty="0"/>
               <a:t>2</a:t>
             </a:r>
             <a:r>
-              <a:rPr lang="zh-CN" altLang="en-US" dirty="0"/>
+              <a:rPr lang="zh-CN" altLang="en-US" sz="2000" dirty="0"/>
               <a:t>、存储状态</a:t>
             </a:r>
-            <a:endParaRPr lang="en-US" altLang="zh-CN" dirty="0"/>
+            <a:endParaRPr lang="en-US" altLang="zh-CN" sz="2000" dirty="0"/>
           </a:p>
           <a:p>
             <a:pPr marL="0" indent="0">
               <a:buNone/>
             </a:pPr>
             <a:r>
-              <a:rPr lang="zh-CN" altLang="en-US" dirty="0"/>
+              <a:rPr lang="zh-CN" altLang="en-US" sz="2000" dirty="0"/>
               <a:t>各个</a:t>
             </a:r>
             <a:r>
-              <a:rPr lang="en-US" altLang="zh-CN" dirty="0"/>
+              <a:rPr lang="en-US" altLang="zh-CN" sz="2000" dirty="0"/>
               <a:t>Pod</a:t>
             </a:r>
             <a:r>
-              <a:rPr lang="zh-CN" altLang="en-US" dirty="0"/>
+              <a:rPr lang="zh-CN" altLang="en-US" sz="2000" dirty="0"/>
               <a:t>保存的数据，再次启动后，还能访问到自己的数据，通过</a:t>
             </a:r>
             <a:r>
-              <a:rPr lang="en-US" altLang="zh-CN" dirty="0"/>
+              <a:rPr lang="en-US" altLang="zh-CN" sz="2000" dirty="0"/>
               <a:t>PVC,PV</a:t>
             </a:r>
             <a:r>
-              <a:rPr lang="zh-CN" altLang="en-US" dirty="0"/>
+              <a:rPr lang="zh-CN" altLang="en-US" sz="2000" dirty="0"/>
               <a:t>方式实现</a:t>
             </a:r>
           </a:p>
@@ -13624,8 +15664,8 @@
           <a:lstStyle/>
           <a:p>
             <a:r>
-              <a:rPr lang="en-US" altLang="zh-CN" sz="3000" dirty="0"/>
-              <a:t>Secret</a:t>
+              <a:rPr lang="en-US" altLang="zh-CN" sz="3000" dirty="0" err="1"/>
+              <a:t>StatefulSet</a:t>
             </a:r>
             <a:endParaRPr lang="zh-CN" altLang="en-US" sz="3000" dirty="0"/>
           </a:p>
@@ -13633,782 +15673,940 @@
       </p:sp>
       <p:sp>
         <p:nvSpPr>
-          <p:cNvPr id="4" name="矩形 3">
+          <p:cNvPr id="4" name="Rectangle 1">
             <a:extLst>
               <a:ext uri="{FF2B5EF4-FFF2-40B4-BE49-F238E27FC236}">
-                <a16:creationId xmlns:a16="http://schemas.microsoft.com/office/drawing/2014/main" id="{AF5F7CF5-B0DF-48F6-BFAE-29302588B935}"/>
+                <a16:creationId xmlns:a16="http://schemas.microsoft.com/office/drawing/2014/main" id="{CD28E7E1-A4C0-4636-96A6-4DE97FEC7FD5}"/>
               </a:ext>
             </a:extLst>
           </p:cNvPr>
-          <p:cNvSpPr/>
-          <p:nvPr/>
+          <p:cNvSpPr>
+            <a:spLocks noGrp="1" noChangeArrowheads="1"/>
+          </p:cNvSpPr>
+          <p:nvPr>
+            <p:ph idx="1"/>
+          </p:nvPr>
         </p:nvSpPr>
-        <p:spPr>
+        <p:spPr bwMode="auto">
           <a:xfrm>
-            <a:off x="5893981" y="1010094"/>
-            <a:ext cx="6096000" cy="5632311"/>
+            <a:off x="838200" y="1073405"/>
+            <a:ext cx="11049000" cy="5039805"/>
           </a:xfrm>
           <a:prstGeom prst="rect">
             <a:avLst/>
           </a:prstGeom>
+          <a:noFill/>
+          <a:ln>
+            <a:noFill/>
+          </a:ln>
+          <a:effectLst/>
         </p:spPr>
-        <p:style>
-          <a:lnRef idx="2">
-            <a:schemeClr val="accent6">
-              <a:shade val="50000"/>
-            </a:schemeClr>
-          </a:lnRef>
-          <a:fillRef idx="1">
-            <a:schemeClr val="accent6"/>
-          </a:fillRef>
-          <a:effectRef idx="0">
-            <a:schemeClr val="accent6"/>
-          </a:effectRef>
-          <a:fontRef idx="minor">
-            <a:schemeClr val="lt1"/>
-          </a:fontRef>
-        </p:style>
         <p:txBody>
-          <a:bodyPr>
+          <a:bodyPr vert="horz" wrap="square" lIns="126960" tIns="0" rIns="0" bIns="114264" numCol="1" anchor="ctr" anchorCtr="0" compatLnSpc="1">
+            <a:prstTxWarp prst="textNoShape">
+              <a:avLst/>
+            </a:prstTxWarp>
             <a:spAutoFit/>
           </a:bodyPr>
-          <a:lstStyle/>
-          <a:p>
-            <a:r>
-              <a:rPr lang="en-US" altLang="zh-CN" sz="1200" dirty="0" err="1">
-                <a:latin typeface="Consolas" panose="020B0609020204030204" pitchFamily="49" charset="0"/>
-              </a:rPr>
-              <a:t>Aspnetcore-deployment.yaml</a:t>
-            </a:r>
-            <a:r>
-              <a:rPr lang="zh-CN" altLang="en-US" sz="1200" dirty="0">
-                <a:latin typeface="Consolas" panose="020B0609020204030204" pitchFamily="49" charset="0"/>
-              </a:rPr>
-              <a:t>文件：</a:t>
-            </a:r>
-            <a:endParaRPr lang="en-US" altLang="zh-CN" sz="1200" dirty="0">
-              <a:latin typeface="Consolas" panose="020B0609020204030204" pitchFamily="49" charset="0"/>
+          <a:lstStyle>
+            <a:lvl1pPr eaLnBrk="0" fontAlgn="base" hangingPunct="0">
+              <a:spcBef>
+                <a:spcPct val="0"/>
+              </a:spcBef>
+              <a:spcAft>
+                <a:spcPct val="0"/>
+              </a:spcAft>
+              <a:defRPr>
+                <a:solidFill>
+                  <a:schemeClr val="tx1"/>
+                </a:solidFill>
+                <a:latin typeface="Arial" panose="020B0604020202020204" pitchFamily="34" charset="0"/>
+              </a:defRPr>
+            </a:lvl1pPr>
+            <a:lvl2pPr eaLnBrk="0" fontAlgn="base" hangingPunct="0">
+              <a:spcBef>
+                <a:spcPct val="0"/>
+              </a:spcBef>
+              <a:spcAft>
+                <a:spcPct val="0"/>
+              </a:spcAft>
+              <a:defRPr>
+                <a:solidFill>
+                  <a:schemeClr val="tx1"/>
+                </a:solidFill>
+                <a:latin typeface="Arial" panose="020B0604020202020204" pitchFamily="34" charset="0"/>
+              </a:defRPr>
+            </a:lvl2pPr>
+            <a:lvl3pPr eaLnBrk="0" fontAlgn="base" hangingPunct="0">
+              <a:spcBef>
+                <a:spcPct val="0"/>
+              </a:spcBef>
+              <a:spcAft>
+                <a:spcPct val="0"/>
+              </a:spcAft>
+              <a:defRPr>
+                <a:solidFill>
+                  <a:schemeClr val="tx1"/>
+                </a:solidFill>
+                <a:latin typeface="Arial" panose="020B0604020202020204" pitchFamily="34" charset="0"/>
+              </a:defRPr>
+            </a:lvl3pPr>
+            <a:lvl4pPr eaLnBrk="0" fontAlgn="base" hangingPunct="0">
+              <a:spcBef>
+                <a:spcPct val="0"/>
+              </a:spcBef>
+              <a:spcAft>
+                <a:spcPct val="0"/>
+              </a:spcAft>
+              <a:defRPr>
+                <a:solidFill>
+                  <a:schemeClr val="tx1"/>
+                </a:solidFill>
+                <a:latin typeface="Arial" panose="020B0604020202020204" pitchFamily="34" charset="0"/>
+              </a:defRPr>
+            </a:lvl4pPr>
+            <a:lvl5pPr eaLnBrk="0" fontAlgn="base" hangingPunct="0">
+              <a:spcBef>
+                <a:spcPct val="0"/>
+              </a:spcBef>
+              <a:spcAft>
+                <a:spcPct val="0"/>
+              </a:spcAft>
+              <a:defRPr>
+                <a:solidFill>
+                  <a:schemeClr val="tx1"/>
+                </a:solidFill>
+                <a:latin typeface="Arial" panose="020B0604020202020204" pitchFamily="34" charset="0"/>
+              </a:defRPr>
+            </a:lvl5pPr>
+            <a:lvl6pPr eaLnBrk="0" fontAlgn="base" hangingPunct="0">
+              <a:spcBef>
+                <a:spcPct val="0"/>
+              </a:spcBef>
+              <a:spcAft>
+                <a:spcPct val="0"/>
+              </a:spcAft>
+              <a:defRPr>
+                <a:solidFill>
+                  <a:schemeClr val="tx1"/>
+                </a:solidFill>
+                <a:latin typeface="Arial" panose="020B0604020202020204" pitchFamily="34" charset="0"/>
+              </a:defRPr>
+            </a:lvl6pPr>
+            <a:lvl7pPr eaLnBrk="0" fontAlgn="base" hangingPunct="0">
+              <a:spcBef>
+                <a:spcPct val="0"/>
+              </a:spcBef>
+              <a:spcAft>
+                <a:spcPct val="0"/>
+              </a:spcAft>
+              <a:defRPr>
+                <a:solidFill>
+                  <a:schemeClr val="tx1"/>
+                </a:solidFill>
+                <a:latin typeface="Arial" panose="020B0604020202020204" pitchFamily="34" charset="0"/>
+              </a:defRPr>
+            </a:lvl7pPr>
+            <a:lvl8pPr eaLnBrk="0" fontAlgn="base" hangingPunct="0">
+              <a:spcBef>
+                <a:spcPct val="0"/>
+              </a:spcBef>
+              <a:spcAft>
+                <a:spcPct val="0"/>
+              </a:spcAft>
+              <a:defRPr>
+                <a:solidFill>
+                  <a:schemeClr val="tx1"/>
+                </a:solidFill>
+                <a:latin typeface="Arial" panose="020B0604020202020204" pitchFamily="34" charset="0"/>
+              </a:defRPr>
+            </a:lvl8pPr>
+            <a:lvl9pPr eaLnBrk="0" fontAlgn="base" hangingPunct="0">
+              <a:spcBef>
+                <a:spcPct val="0"/>
+              </a:spcBef>
+              <a:spcAft>
+                <a:spcPct val="0"/>
+              </a:spcAft>
+              <a:defRPr>
+                <a:solidFill>
+                  <a:schemeClr val="tx1"/>
+                </a:solidFill>
+                <a:latin typeface="Arial" panose="020B0604020202020204" pitchFamily="34" charset="0"/>
+              </a:defRPr>
+            </a:lvl9pPr>
+          </a:lstStyle>
+          <a:p>
+            <a:pPr marL="0" marR="0" lvl="0" indent="0" algn="l" defTabSz="914400" rtl="0" eaLnBrk="0" fontAlgn="base" latinLnBrk="0" hangingPunct="0">
+              <a:lnSpc>
+                <a:spcPct val="100000"/>
+              </a:lnSpc>
+              <a:spcBef>
+                <a:spcPct val="0"/>
+              </a:spcBef>
+              <a:spcAft>
+                <a:spcPct val="0"/>
+              </a:spcAft>
+              <a:buClrTx/>
+              <a:buSzTx/>
+              <a:buFontTx/>
+              <a:buNone/>
+              <a:tabLst/>
+            </a:pPr>
+            <a:r>
+              <a:rPr kumimoji="0" lang="zh-CN" altLang="zh-CN" sz="1600" b="0" i="0" u="none" strike="noStrike" cap="none" normalizeH="0" baseline="0" dirty="0">
+                <a:ln>
+                  <a:noFill/>
+                </a:ln>
+                <a:solidFill>
+                  <a:srgbClr val="555555"/>
+                </a:solidFill>
+                <a:effectLst/>
+                <a:latin typeface="Arial" panose="020B0604020202020204" pitchFamily="34" charset="0"/>
+                <a:ea typeface="Microsoft Yahei" panose="020B0503020204020204" pitchFamily="34" charset="-122"/>
+              </a:rPr>
+              <a:t>StatefulSet是为了解决有状态服务的问题（对应Deployments和ReplicaSets是为无状态服务而设计），其应用场景包括</a:t>
+            </a:r>
+            <a:endParaRPr kumimoji="0" lang="zh-CN" altLang="zh-CN" sz="1600" b="0" i="0" u="none" strike="noStrike" cap="none" normalizeH="0" baseline="0" dirty="0">
+              <a:ln>
+                <a:noFill/>
+              </a:ln>
+              <a:solidFill>
+                <a:schemeClr val="tx1"/>
+              </a:solidFill>
+              <a:effectLst/>
+              <a:latin typeface="Arial" panose="020B0604020202020204" pitchFamily="34" charset="0"/>
             </a:endParaRPr>
           </a:p>
           <a:p>
-            <a:endParaRPr lang="en-US" altLang="zh-CN" sz="1200" dirty="0">
-              <a:latin typeface="Consolas" panose="020B0609020204030204" pitchFamily="49" charset="0"/>
+            <a:pPr marL="0" marR="0" lvl="0" indent="0" algn="l" defTabSz="914400" rtl="0" eaLnBrk="0" fontAlgn="base" latinLnBrk="0" hangingPunct="0">
+              <a:lnSpc>
+                <a:spcPct val="100000"/>
+              </a:lnSpc>
+              <a:spcBef>
+                <a:spcPct val="0"/>
+              </a:spcBef>
+              <a:spcAft>
+                <a:spcPct val="0"/>
+              </a:spcAft>
+              <a:buClrTx/>
+              <a:buSzTx/>
+              <a:buFontTx/>
+              <a:buChar char="•"/>
+              <a:tabLst/>
+            </a:pPr>
+            <a:r>
+              <a:rPr kumimoji="0" lang="zh-CN" altLang="zh-CN" sz="1600" b="0" i="0" u="none" strike="noStrike" cap="none" normalizeH="0" baseline="0" dirty="0">
+                <a:ln>
+                  <a:noFill/>
+                </a:ln>
+                <a:solidFill>
+                  <a:srgbClr val="555555"/>
+                </a:solidFill>
+                <a:effectLst/>
+                <a:latin typeface="Arial" panose="020B0604020202020204" pitchFamily="34" charset="0"/>
+                <a:ea typeface="Microsoft Yahei" panose="020B0503020204020204" pitchFamily="34" charset="-122"/>
+              </a:rPr>
+              <a:t>稳定的持久化存储，即Pod重新调度后还是能访问到相同的持久化数据，基于PVC来实现</a:t>
+            </a:r>
+          </a:p>
+          <a:p>
+            <a:pPr marL="0" marR="0" lvl="0" indent="0" algn="l" defTabSz="914400" rtl="0" eaLnBrk="0" fontAlgn="base" latinLnBrk="0" hangingPunct="0">
+              <a:lnSpc>
+                <a:spcPct val="100000"/>
+              </a:lnSpc>
+              <a:spcBef>
+                <a:spcPct val="0"/>
+              </a:spcBef>
+              <a:spcAft>
+                <a:spcPct val="0"/>
+              </a:spcAft>
+              <a:buClrTx/>
+              <a:buSzTx/>
+              <a:buFontTx/>
+              <a:buChar char="•"/>
+              <a:tabLst/>
+            </a:pPr>
+            <a:r>
+              <a:rPr kumimoji="0" lang="zh-CN" altLang="zh-CN" sz="1600" b="0" i="0" u="none" strike="noStrike" cap="none" normalizeH="0" baseline="0" dirty="0">
+                <a:ln>
+                  <a:noFill/>
+                </a:ln>
+                <a:solidFill>
+                  <a:srgbClr val="555555"/>
+                </a:solidFill>
+                <a:effectLst/>
+                <a:latin typeface="Arial" panose="020B0604020202020204" pitchFamily="34" charset="0"/>
+                <a:ea typeface="Microsoft Yahei" panose="020B0503020204020204" pitchFamily="34" charset="-122"/>
+              </a:rPr>
+              <a:t>稳定的网络标志，即Pod重新调度后其PodName和HostName不变，基于Headless Service（即没有Cluster IP的Service）来实现</a:t>
+            </a:r>
+          </a:p>
+          <a:p>
+            <a:pPr marL="0" marR="0" lvl="0" indent="0" algn="l" defTabSz="914400" rtl="0" eaLnBrk="0" fontAlgn="base" latinLnBrk="0" hangingPunct="0">
+              <a:lnSpc>
+                <a:spcPct val="100000"/>
+              </a:lnSpc>
+              <a:spcBef>
+                <a:spcPct val="0"/>
+              </a:spcBef>
+              <a:spcAft>
+                <a:spcPct val="0"/>
+              </a:spcAft>
+              <a:buClrTx/>
+              <a:buSzTx/>
+              <a:buFontTx/>
+              <a:buChar char="•"/>
+              <a:tabLst/>
+            </a:pPr>
+            <a:r>
+              <a:rPr kumimoji="0" lang="zh-CN" altLang="zh-CN" sz="1600" b="0" i="0" u="none" strike="noStrike" cap="none" normalizeH="0" baseline="0" dirty="0">
+                <a:ln>
+                  <a:noFill/>
+                </a:ln>
+                <a:solidFill>
+                  <a:srgbClr val="555555"/>
+                </a:solidFill>
+                <a:effectLst/>
+                <a:latin typeface="Arial" panose="020B0604020202020204" pitchFamily="34" charset="0"/>
+                <a:ea typeface="Microsoft Yahei" panose="020B0503020204020204" pitchFamily="34" charset="-122"/>
+              </a:rPr>
+              <a:t>有序部署，有序扩展，即Pod是有顺序的，在部署或者扩展的时候要依据定义的顺序依次依次进行（即从0到N-1，在下一个Pod运行之前所有之前的Pod必须都是Running和Ready状态），基于init containers来实现</a:t>
+            </a:r>
+          </a:p>
+          <a:p>
+            <a:pPr marL="0" marR="0" lvl="0" indent="0" algn="l" defTabSz="914400" rtl="0" eaLnBrk="0" fontAlgn="base" latinLnBrk="0" hangingPunct="0">
+              <a:lnSpc>
+                <a:spcPct val="100000"/>
+              </a:lnSpc>
+              <a:spcBef>
+                <a:spcPct val="0"/>
+              </a:spcBef>
+              <a:spcAft>
+                <a:spcPct val="0"/>
+              </a:spcAft>
+              <a:buClrTx/>
+              <a:buSzTx/>
+              <a:buFontTx/>
+              <a:buChar char="•"/>
+              <a:tabLst/>
+            </a:pPr>
+            <a:r>
+              <a:rPr kumimoji="0" lang="zh-CN" altLang="zh-CN" sz="1600" b="0" i="0" u="none" strike="noStrike" cap="none" normalizeH="0" baseline="0" dirty="0">
+                <a:ln>
+                  <a:noFill/>
+                </a:ln>
+                <a:solidFill>
+                  <a:srgbClr val="555555"/>
+                </a:solidFill>
+                <a:effectLst/>
+                <a:latin typeface="Arial" panose="020B0604020202020204" pitchFamily="34" charset="0"/>
+                <a:ea typeface="Microsoft Yahei" panose="020B0503020204020204" pitchFamily="34" charset="-122"/>
+              </a:rPr>
+              <a:t>有序收缩，有序删除（即从N-1到0）</a:t>
+            </a:r>
+            <a:endParaRPr kumimoji="0" lang="en-US" altLang="zh-CN" sz="1600" b="0" i="0" u="none" strike="noStrike" cap="none" normalizeH="0" baseline="0" dirty="0">
+              <a:ln>
+                <a:noFill/>
+              </a:ln>
+              <a:solidFill>
+                <a:srgbClr val="555555"/>
+              </a:solidFill>
+              <a:effectLst/>
+              <a:latin typeface="Arial" panose="020B0604020202020204" pitchFamily="34" charset="0"/>
+              <a:ea typeface="Microsoft Yahei" panose="020B0503020204020204" pitchFamily="34" charset="-122"/>
             </a:endParaRPr>
           </a:p>
           <a:p>
-            <a:r>
-              <a:rPr lang="en-US" altLang="zh-CN" sz="1200" dirty="0" err="1"/>
-              <a:t>apiVersion</a:t>
-            </a:r>
-            <a:r>
-              <a:rPr lang="en-US" altLang="zh-CN" sz="1200" dirty="0"/>
-              <a:t>: apps/</a:t>
-            </a:r>
-            <a:r>
-              <a:rPr lang="en-US" altLang="zh-CN" sz="1200" dirty="0" err="1"/>
-              <a:t>v1</a:t>
-            </a:r>
-            <a:endParaRPr lang="zh-CN" altLang="en-US" sz="1200" dirty="0"/>
-          </a:p>
-          <a:p>
-            <a:r>
-              <a:rPr lang="en-US" altLang="zh-CN" sz="1200" dirty="0"/>
-              <a:t>kind: Deployment</a:t>
-            </a:r>
-            <a:endParaRPr lang="zh-CN" altLang="en-US" sz="1200" dirty="0"/>
-          </a:p>
-          <a:p>
-            <a:r>
-              <a:rPr lang="en-US" altLang="zh-CN" sz="1200" dirty="0"/>
-              <a:t>metadata:</a:t>
-            </a:r>
-            <a:endParaRPr lang="zh-CN" altLang="en-US" sz="1200" dirty="0"/>
-          </a:p>
-          <a:p>
-            <a:r>
-              <a:rPr lang="zh-CN" altLang="en-US" sz="1200" dirty="0"/>
-              <a:t>  </a:t>
-            </a:r>
-            <a:r>
-              <a:rPr lang="en-US" altLang="zh-CN" sz="1200" dirty="0"/>
-              <a:t>name: </a:t>
-            </a:r>
-            <a:r>
-              <a:rPr lang="en-US" altLang="zh-CN" sz="1200" dirty="0" err="1"/>
-              <a:t>k8saspnetcoredemo003</a:t>
-            </a:r>
-            <a:r>
-              <a:rPr lang="en-US" altLang="zh-CN" sz="1200" dirty="0"/>
-              <a:t>-deployment</a:t>
-            </a:r>
-            <a:endParaRPr lang="zh-CN" altLang="en-US" sz="1200" dirty="0"/>
-          </a:p>
-          <a:p>
-            <a:r>
-              <a:rPr lang="en-US" altLang="zh-CN" sz="1200" dirty="0"/>
-              <a:t>spec:</a:t>
-            </a:r>
-            <a:endParaRPr lang="zh-CN" altLang="en-US" sz="1200" dirty="0"/>
-          </a:p>
-          <a:p>
-            <a:r>
-              <a:rPr lang="zh-CN" altLang="en-US" sz="1200" dirty="0"/>
-              <a:t>  </a:t>
-            </a:r>
-            <a:r>
-              <a:rPr lang="en-US" altLang="zh-CN" sz="1200" dirty="0"/>
-              <a:t>selector:</a:t>
-            </a:r>
-            <a:endParaRPr lang="zh-CN" altLang="en-US" sz="1200" dirty="0"/>
-          </a:p>
-          <a:p>
-            <a:r>
-              <a:rPr lang="zh-CN" altLang="en-US" sz="1200" dirty="0"/>
-              <a:t>    </a:t>
-            </a:r>
-            <a:r>
-              <a:rPr lang="en-US" altLang="zh-CN" sz="1200" dirty="0" err="1"/>
-              <a:t>matchLabels</a:t>
-            </a:r>
-            <a:r>
-              <a:rPr lang="en-US" altLang="zh-CN" sz="1200" dirty="0"/>
-              <a:t>:</a:t>
-            </a:r>
-            <a:endParaRPr lang="zh-CN" altLang="en-US" sz="1200" dirty="0"/>
-          </a:p>
-          <a:p>
-            <a:r>
-              <a:rPr lang="zh-CN" altLang="en-US" sz="1200" dirty="0"/>
-              <a:t>      </a:t>
-            </a:r>
-            <a:r>
-              <a:rPr lang="en-US" altLang="zh-CN" sz="1200" dirty="0"/>
-              <a:t>app: </a:t>
-            </a:r>
-            <a:r>
-              <a:rPr lang="en-US" altLang="zh-CN" sz="1200" dirty="0" err="1"/>
-              <a:t>k8saspnetcoredemo003</a:t>
-            </a:r>
-            <a:endParaRPr lang="zh-CN" altLang="en-US" sz="1200" dirty="0"/>
-          </a:p>
-          <a:p>
-            <a:r>
-              <a:rPr lang="zh-CN" altLang="en-US" sz="1200" dirty="0"/>
-              <a:t>  </a:t>
-            </a:r>
-            <a:r>
-              <a:rPr lang="en-US" altLang="zh-CN" sz="1200" dirty="0"/>
-              <a:t>replicas: 2</a:t>
-            </a:r>
-            <a:endParaRPr lang="zh-CN" altLang="en-US" sz="1200" dirty="0"/>
-          </a:p>
-          <a:p>
-            <a:r>
-              <a:rPr lang="zh-CN" altLang="en-US" sz="1200" dirty="0"/>
-              <a:t>  </a:t>
-            </a:r>
-            <a:r>
-              <a:rPr lang="en-US" altLang="zh-CN" sz="1200" dirty="0"/>
-              <a:t>template:</a:t>
-            </a:r>
-            <a:endParaRPr lang="zh-CN" altLang="en-US" sz="1200" dirty="0"/>
-          </a:p>
-          <a:p>
-            <a:r>
-              <a:rPr lang="zh-CN" altLang="en-US" sz="1200" dirty="0"/>
-              <a:t>    </a:t>
-            </a:r>
-            <a:r>
-              <a:rPr lang="en-US" altLang="zh-CN" sz="1200" dirty="0"/>
-              <a:t>metadata:</a:t>
-            </a:r>
-            <a:endParaRPr lang="zh-CN" altLang="en-US" sz="1200" dirty="0"/>
-          </a:p>
-          <a:p>
-            <a:r>
-              <a:rPr lang="zh-CN" altLang="en-US" sz="1200" dirty="0"/>
-              <a:t>      </a:t>
-            </a:r>
-            <a:r>
-              <a:rPr lang="en-US" altLang="zh-CN" sz="1200" dirty="0"/>
-              <a:t>labels:</a:t>
-            </a:r>
-            <a:endParaRPr lang="zh-CN" altLang="en-US" sz="1200" dirty="0"/>
-          </a:p>
-          <a:p>
-            <a:r>
-              <a:rPr lang="zh-CN" altLang="en-US" sz="1200" dirty="0"/>
-              <a:t>        </a:t>
-            </a:r>
-            <a:r>
-              <a:rPr lang="en-US" altLang="zh-CN" sz="1200" dirty="0"/>
-              <a:t>app: </a:t>
-            </a:r>
-            <a:r>
-              <a:rPr lang="en-US" altLang="zh-CN" sz="1200" dirty="0" err="1"/>
-              <a:t>k8saspnetcoredemo003</a:t>
-            </a:r>
-            <a:endParaRPr lang="zh-CN" altLang="en-US" sz="1200" dirty="0"/>
-          </a:p>
-          <a:p>
-            <a:r>
-              <a:rPr lang="zh-CN" altLang="en-US" sz="1200" dirty="0"/>
-              <a:t>    </a:t>
-            </a:r>
-            <a:r>
-              <a:rPr lang="en-US" altLang="zh-CN" sz="1200" dirty="0"/>
-              <a:t>spec:</a:t>
-            </a:r>
-            <a:endParaRPr lang="zh-CN" altLang="en-US" sz="1200" dirty="0"/>
-          </a:p>
-          <a:p>
-            <a:r>
-              <a:rPr lang="zh-CN" altLang="en-US" sz="1200" dirty="0"/>
-              <a:t>      </a:t>
-            </a:r>
-            <a:r>
-              <a:rPr lang="en-US" altLang="zh-CN" sz="1200" dirty="0"/>
-              <a:t>volumes:</a:t>
-            </a:r>
-            <a:endParaRPr lang="zh-CN" altLang="en-US" sz="1200" dirty="0"/>
-          </a:p>
-          <a:p>
-            <a:r>
-              <a:rPr lang="zh-CN" altLang="en-US" sz="1200" dirty="0"/>
-              <a:t>        </a:t>
-            </a:r>
-            <a:r>
-              <a:rPr lang="en-US" altLang="zh-CN" sz="1200" dirty="0"/>
-              <a:t>- name: </a:t>
-            </a:r>
-            <a:r>
-              <a:rPr lang="en-US" altLang="zh-CN" sz="1200" dirty="0" err="1"/>
-              <a:t>postgre</a:t>
-            </a:r>
-            <a:r>
-              <a:rPr lang="en-US" altLang="zh-CN" sz="1200" dirty="0"/>
-              <a:t>-user</a:t>
-            </a:r>
-            <a:endParaRPr lang="zh-CN" altLang="en-US" sz="1200" dirty="0"/>
-          </a:p>
-          <a:p>
-            <a:r>
-              <a:rPr lang="zh-CN" altLang="en-US" sz="1200" dirty="0"/>
-              <a:t>          </a:t>
-            </a:r>
-            <a:r>
-              <a:rPr lang="en-US" altLang="zh-CN" sz="1200" dirty="0"/>
-              <a:t>secret:</a:t>
-            </a:r>
-            <a:endParaRPr lang="zh-CN" altLang="en-US" sz="1200" dirty="0"/>
-          </a:p>
-          <a:p>
-            <a:r>
-              <a:rPr lang="zh-CN" altLang="en-US" sz="1200" dirty="0"/>
-              <a:t>            </a:t>
-            </a:r>
-            <a:r>
-              <a:rPr lang="en-US" altLang="zh-CN" sz="1200" dirty="0" err="1"/>
-              <a:t>secretName</a:t>
-            </a:r>
-            <a:r>
-              <a:rPr lang="en-US" altLang="zh-CN" sz="1200" dirty="0"/>
-              <a:t>: </a:t>
-            </a:r>
-            <a:r>
-              <a:rPr lang="en-US" altLang="zh-CN" sz="1200" dirty="0" err="1"/>
-              <a:t>dbuser</a:t>
-            </a:r>
-            <a:endParaRPr lang="zh-CN" altLang="en-US" sz="1200" dirty="0"/>
-          </a:p>
-          <a:p>
-            <a:r>
-              <a:rPr lang="zh-CN" altLang="en-US" sz="1200" dirty="0"/>
-              <a:t>      </a:t>
-            </a:r>
-            <a:r>
-              <a:rPr lang="en-US" altLang="zh-CN" sz="1200" dirty="0"/>
-              <a:t>containers:</a:t>
-            </a:r>
-            <a:endParaRPr lang="zh-CN" altLang="en-US" sz="1200" dirty="0"/>
-          </a:p>
-          <a:p>
-            <a:r>
-              <a:rPr lang="zh-CN" altLang="en-US" sz="1200" dirty="0"/>
-              <a:t>        </a:t>
-            </a:r>
-            <a:r>
-              <a:rPr lang="en-US" altLang="zh-CN" sz="1200" dirty="0"/>
-              <a:t>- name: </a:t>
-            </a:r>
-            <a:r>
-              <a:rPr lang="en-US" altLang="zh-CN" sz="1200" dirty="0" err="1"/>
-              <a:t>k8saspnetcoredemo003</a:t>
-            </a:r>
-            <a:endParaRPr lang="zh-CN" altLang="en-US" sz="1200" dirty="0"/>
-          </a:p>
-          <a:p>
-            <a:r>
-              <a:rPr lang="zh-CN" altLang="en-US" sz="1200" dirty="0"/>
-              <a:t>          </a:t>
-            </a:r>
-            <a:r>
-              <a:rPr lang="en-US" altLang="zh-CN" sz="1200" dirty="0"/>
-              <a:t>image: </a:t>
-            </a:r>
-            <a:r>
-              <a:rPr lang="en-US" altLang="zh-CN" sz="1200" dirty="0" err="1"/>
-              <a:t>axzxs2001</a:t>
-            </a:r>
-            <a:r>
-              <a:rPr lang="en-US" altLang="zh-CN" sz="1200" dirty="0"/>
-              <a:t>/</a:t>
-            </a:r>
-            <a:r>
-              <a:rPr lang="en-US" altLang="zh-CN" sz="1200" dirty="0" err="1"/>
-              <a:t>k8saspnetcoredemo003:v5</a:t>
-            </a:r>
-            <a:endParaRPr lang="zh-CN" altLang="en-US" sz="1200" dirty="0"/>
-          </a:p>
-          <a:p>
-            <a:r>
-              <a:rPr lang="zh-CN" altLang="en-US" sz="1200" dirty="0"/>
-              <a:t>          </a:t>
-            </a:r>
-            <a:r>
-              <a:rPr lang="en-US" altLang="zh-CN" sz="1200" dirty="0" err="1"/>
-              <a:t>imagePullPolicy</a:t>
-            </a:r>
-            <a:r>
-              <a:rPr lang="en-US" altLang="zh-CN" sz="1200" dirty="0"/>
-              <a:t>: </a:t>
-            </a:r>
-            <a:r>
-              <a:rPr lang="en-US" altLang="zh-CN" sz="1200" dirty="0" err="1"/>
-              <a:t>IfNotPresent</a:t>
-            </a:r>
-            <a:endParaRPr lang="zh-CN" altLang="en-US" sz="1200" dirty="0"/>
-          </a:p>
-          <a:p>
-            <a:r>
-              <a:rPr lang="zh-CN" altLang="en-US" sz="1200" dirty="0"/>
-              <a:t>          </a:t>
-            </a:r>
-            <a:r>
-              <a:rPr lang="en-US" altLang="zh-CN" sz="1200" dirty="0"/>
-              <a:t>ports:</a:t>
-            </a:r>
-            <a:endParaRPr lang="zh-CN" altLang="en-US" sz="1200" dirty="0"/>
-          </a:p>
-          <a:p>
-            <a:r>
-              <a:rPr lang="zh-CN" altLang="en-US" sz="1200" dirty="0"/>
-              <a:t>            </a:t>
-            </a:r>
-            <a:r>
-              <a:rPr lang="en-US" altLang="zh-CN" sz="1200" dirty="0"/>
-              <a:t>- </a:t>
-            </a:r>
-            <a:r>
-              <a:rPr lang="en-US" altLang="zh-CN" sz="1200" dirty="0" err="1"/>
-              <a:t>containerPort</a:t>
-            </a:r>
-            <a:r>
-              <a:rPr lang="en-US" altLang="zh-CN" sz="1200" dirty="0"/>
-              <a:t>: 4045</a:t>
-            </a:r>
-            <a:endParaRPr lang="zh-CN" altLang="en-US" sz="1200" dirty="0"/>
-          </a:p>
-          <a:p>
-            <a:r>
-              <a:rPr lang="zh-CN" altLang="en-US" sz="1200" dirty="0"/>
-              <a:t>          </a:t>
-            </a:r>
-            <a:r>
-              <a:rPr lang="en-US" altLang="zh-CN" sz="1200" dirty="0" err="1"/>
-              <a:t>volumeMounts</a:t>
-            </a:r>
-            <a:r>
-              <a:rPr lang="en-US" altLang="zh-CN" sz="1200" dirty="0"/>
-              <a:t>:</a:t>
-            </a:r>
-            <a:endParaRPr lang="zh-CN" altLang="en-US" sz="1200" dirty="0"/>
-          </a:p>
-          <a:p>
-            <a:r>
-              <a:rPr lang="zh-CN" altLang="en-US" sz="1200" dirty="0"/>
-              <a:t>            </a:t>
-            </a:r>
-            <a:r>
-              <a:rPr lang="en-US" altLang="zh-CN" sz="1200" dirty="0"/>
-              <a:t>- name: </a:t>
-            </a:r>
-            <a:r>
-              <a:rPr lang="en-US" altLang="zh-CN" sz="1200" dirty="0" err="1"/>
-              <a:t>postgre</a:t>
-            </a:r>
-            <a:r>
-              <a:rPr lang="en-US" altLang="zh-CN" sz="1200" dirty="0"/>
-              <a:t>-user</a:t>
-            </a:r>
-            <a:endParaRPr lang="zh-CN" altLang="en-US" sz="1200" dirty="0"/>
-          </a:p>
-          <a:p>
-            <a:r>
-              <a:rPr lang="zh-CN" altLang="en-US" sz="1200" dirty="0"/>
-              <a:t>              </a:t>
-            </a:r>
-            <a:r>
-              <a:rPr lang="en-US" altLang="zh-CN" sz="1200" dirty="0" err="1"/>
-              <a:t>mountPath</a:t>
-            </a:r>
-            <a:r>
-              <a:rPr lang="en-US" altLang="zh-CN" sz="1200" dirty="0"/>
-              <a:t>: "/projected-volume"</a:t>
-            </a:r>
-            <a:endParaRPr lang="zh-CN" altLang="en-US" sz="1200" dirty="0"/>
-          </a:p>
-          <a:p>
-            <a:r>
-              <a:rPr lang="zh-CN" altLang="en-US" sz="1200" dirty="0"/>
-              <a:t>              </a:t>
-            </a:r>
-            <a:r>
-              <a:rPr lang="en-US" altLang="zh-CN" sz="1200" dirty="0" err="1"/>
-              <a:t>readOnly</a:t>
-            </a:r>
-            <a:r>
-              <a:rPr lang="en-US" altLang="zh-CN" sz="1200" dirty="0"/>
-              <a:t>: true</a:t>
-            </a:r>
-            <a:endParaRPr lang="zh-CN" altLang="en-US" sz="1200" dirty="0"/>
-          </a:p>
-        </p:txBody>
-      </p:sp>
-      <p:sp>
-        <p:nvSpPr>
-          <p:cNvPr id="5" name="矩形 4">
-            <a:extLst>
-              <a:ext uri="{FF2B5EF4-FFF2-40B4-BE49-F238E27FC236}">
-                <a16:creationId xmlns:a16="http://schemas.microsoft.com/office/drawing/2014/main" id="{E024F91C-602B-4002-B431-039BC1D38129}"/>
-              </a:ext>
-            </a:extLst>
-          </p:cNvPr>
-          <p:cNvSpPr/>
-          <p:nvPr/>
-        </p:nvSpPr>
-        <p:spPr>
-          <a:xfrm>
-            <a:off x="655675" y="1457511"/>
-            <a:ext cx="4990214" cy="1200329"/>
-          </a:xfrm>
-          <a:prstGeom prst="rect">
-            <a:avLst/>
-          </a:prstGeom>
-        </p:spPr>
-        <p:txBody>
-          <a:bodyPr wrap="square">
-            <a:spAutoFit/>
-          </a:bodyPr>
-          <a:lstStyle/>
-          <a:p>
-            <a:r>
-              <a:rPr lang="zh-CN" altLang="en-US" dirty="0"/>
-              <a:t>生成</a:t>
-            </a:r>
-            <a:r>
-              <a:rPr lang="en-US" altLang="zh-CN" dirty="0"/>
-              <a:t>secret</a:t>
-            </a:r>
-            <a:r>
-              <a:rPr lang="zh-CN" altLang="en-US" dirty="0"/>
-              <a:t>，两个文件合关</a:t>
-            </a:r>
-            <a:endParaRPr lang="en-US" altLang="zh-CN" dirty="0"/>
-          </a:p>
-          <a:p>
-            <a:r>
-              <a:rPr lang="zh-CN" altLang="en-US" dirty="0"/>
-              <a:t>sudo kubectl create secret generic dbuser --from-file=postgre/password.txt --from-file=postgre/username.txt</a:t>
-            </a:r>
-          </a:p>
-        </p:txBody>
-      </p:sp>
-      <p:sp>
-        <p:nvSpPr>
-          <p:cNvPr id="6" name="矩形 5">
-            <a:extLst>
-              <a:ext uri="{FF2B5EF4-FFF2-40B4-BE49-F238E27FC236}">
-                <a16:creationId xmlns:a16="http://schemas.microsoft.com/office/drawing/2014/main" id="{F94F7D82-8C87-438B-A6B3-E4BB195B729D}"/>
-              </a:ext>
-            </a:extLst>
-          </p:cNvPr>
-          <p:cNvSpPr/>
-          <p:nvPr/>
-        </p:nvSpPr>
-        <p:spPr>
-          <a:xfrm>
-            <a:off x="549350" y="3045999"/>
-            <a:ext cx="6096000" cy="2308324"/>
-          </a:xfrm>
-          <a:prstGeom prst="rect">
-            <a:avLst/>
-          </a:prstGeom>
-        </p:spPr>
-        <p:txBody>
-          <a:bodyPr>
-            <a:spAutoFit/>
-          </a:bodyPr>
-          <a:lstStyle/>
-          <a:p>
-            <a:r>
-              <a:rPr lang="en-US" altLang="zh-CN" dirty="0">
-                <a:solidFill>
-                  <a:srgbClr val="000000"/>
-                </a:solidFill>
-                <a:latin typeface="新宋体" panose="02010609030101010101" pitchFamily="49" charset="-122"/>
-                <a:ea typeface="新宋体" panose="02010609030101010101" pitchFamily="49" charset="-122"/>
-              </a:rPr>
-              <a:t>C#</a:t>
-            </a:r>
-            <a:r>
-              <a:rPr lang="zh-CN" altLang="en-US" dirty="0">
-                <a:solidFill>
-                  <a:srgbClr val="000000"/>
-                </a:solidFill>
-                <a:latin typeface="新宋体" panose="02010609030101010101" pitchFamily="49" charset="-122"/>
-                <a:ea typeface="新宋体" panose="02010609030101010101" pitchFamily="49" charset="-122"/>
-              </a:rPr>
-              <a:t>读取方式</a:t>
-            </a:r>
-            <a:endParaRPr lang="en-US" altLang="zh-CN" dirty="0">
+            <a:pPr marL="0" marR="0" lvl="0" indent="0" algn="l" defTabSz="914400" rtl="0" eaLnBrk="0" fontAlgn="base" latinLnBrk="0" hangingPunct="0">
+              <a:lnSpc>
+                <a:spcPct val="100000"/>
+              </a:lnSpc>
+              <a:spcBef>
+                <a:spcPct val="0"/>
+              </a:spcBef>
+              <a:spcAft>
+                <a:spcPct val="0"/>
+              </a:spcAft>
+              <a:buClrTx/>
+              <a:buSzTx/>
+              <a:buFontTx/>
+              <a:buChar char="•"/>
+              <a:tabLst/>
+            </a:pPr>
+            <a:endParaRPr kumimoji="0" lang="zh-CN" altLang="zh-CN" sz="1600" b="0" i="0" u="none" strike="noStrike" cap="none" normalizeH="0" baseline="0" dirty="0">
+              <a:ln>
+                <a:noFill/>
+              </a:ln>
               <a:solidFill>
-                <a:srgbClr val="000000"/>
+                <a:srgbClr val="555555"/>
               </a:solidFill>
-              <a:latin typeface="新宋体" panose="02010609030101010101" pitchFamily="49" charset="-122"/>
-              <a:ea typeface="新宋体" panose="02010609030101010101" pitchFamily="49" charset="-122"/>
+              <a:effectLst/>
+              <a:latin typeface="Arial" panose="020B0604020202020204" pitchFamily="34" charset="0"/>
+              <a:ea typeface="Microsoft Yahei" panose="020B0503020204020204" pitchFamily="34" charset="-122"/>
             </a:endParaRPr>
           </a:p>
           <a:p>
-            <a:endParaRPr lang="en-US" altLang="zh-CN" dirty="0">
+            <a:pPr marL="0" marR="0" lvl="0" indent="0" algn="l" defTabSz="914400" rtl="0" eaLnBrk="0" fontAlgn="base" latinLnBrk="0" hangingPunct="0">
+              <a:lnSpc>
+                <a:spcPct val="100000"/>
+              </a:lnSpc>
+              <a:spcBef>
+                <a:spcPct val="0"/>
+              </a:spcBef>
+              <a:spcAft>
+                <a:spcPct val="0"/>
+              </a:spcAft>
+              <a:buClrTx/>
+              <a:buSzTx/>
+              <a:buFontTx/>
+              <a:buNone/>
+              <a:tabLst/>
+            </a:pPr>
+            <a:r>
+              <a:rPr kumimoji="0" lang="zh-CN" altLang="zh-CN" sz="1600" b="0" i="0" u="none" strike="noStrike" cap="none" normalizeH="0" baseline="0" dirty="0">
+                <a:ln>
+                  <a:noFill/>
+                </a:ln>
+                <a:solidFill>
+                  <a:srgbClr val="555555"/>
+                </a:solidFill>
+                <a:effectLst/>
+                <a:latin typeface="Arial" panose="020B0604020202020204" pitchFamily="34" charset="0"/>
+                <a:ea typeface="Microsoft Yahei" panose="020B0503020204020204" pitchFamily="34" charset="-122"/>
+              </a:rPr>
+              <a:t>从上面的应用场景可以发现，StatefulSet由以下几个部分组成：</a:t>
+            </a:r>
+            <a:endParaRPr kumimoji="0" lang="zh-CN" altLang="zh-CN" sz="1600" b="0" i="0" u="none" strike="noStrike" cap="none" normalizeH="0" baseline="0" dirty="0">
+              <a:ln>
+                <a:noFill/>
+              </a:ln>
               <a:solidFill>
-                <a:srgbClr val="000000"/>
+                <a:schemeClr val="tx1"/>
               </a:solidFill>
-              <a:latin typeface="新宋体" panose="02010609030101010101" pitchFamily="49" charset="-122"/>
-              <a:ea typeface="新宋体" panose="02010609030101010101" pitchFamily="49" charset="-122"/>
+              <a:effectLst/>
+              <a:latin typeface="Arial" panose="020B0604020202020204" pitchFamily="34" charset="0"/>
             </a:endParaRPr>
           </a:p>
           <a:p>
-            <a:r>
-              <a:rPr lang="en-US" altLang="zh-CN" dirty="0">
-                <a:solidFill>
-                  <a:srgbClr val="000000"/>
-                </a:solidFill>
-                <a:latin typeface="新宋体" panose="02010609030101010101" pitchFamily="49" charset="-122"/>
-                <a:ea typeface="新宋体" panose="02010609030101010101" pitchFamily="49" charset="-122"/>
-              </a:rPr>
-              <a:t> </a:t>
-            </a:r>
-            <a:r>
-              <a:rPr lang="en-US" altLang="zh-CN" dirty="0">
-                <a:solidFill>
-                  <a:srgbClr val="0000FF"/>
-                </a:solidFill>
-                <a:latin typeface="新宋体" panose="02010609030101010101" pitchFamily="49" charset="-122"/>
-                <a:ea typeface="新宋体" panose="02010609030101010101" pitchFamily="49" charset="-122"/>
-              </a:rPr>
-              <a:t>var</a:t>
-            </a:r>
-            <a:r>
-              <a:rPr lang="en-US" altLang="zh-CN" dirty="0">
-                <a:solidFill>
-                  <a:srgbClr val="000000"/>
-                </a:solidFill>
-                <a:latin typeface="新宋体" panose="02010609030101010101" pitchFamily="49" charset="-122"/>
-                <a:ea typeface="新宋体" panose="02010609030101010101" pitchFamily="49" charset="-122"/>
-              </a:rPr>
-              <a:t> </a:t>
-            </a:r>
-            <a:r>
-              <a:rPr lang="en-US" altLang="zh-CN" dirty="0" err="1">
-                <a:solidFill>
-                  <a:srgbClr val="000000"/>
-                </a:solidFill>
-                <a:latin typeface="新宋体" panose="02010609030101010101" pitchFamily="49" charset="-122"/>
-                <a:ea typeface="新宋体" panose="02010609030101010101" pitchFamily="49" charset="-122"/>
-              </a:rPr>
-              <a:t>userName</a:t>
-            </a:r>
-            <a:r>
-              <a:rPr lang="en-US" altLang="zh-CN" dirty="0">
-                <a:solidFill>
-                  <a:srgbClr val="000000"/>
-                </a:solidFill>
-                <a:latin typeface="新宋体" panose="02010609030101010101" pitchFamily="49" charset="-122"/>
-                <a:ea typeface="新宋体" panose="02010609030101010101" pitchFamily="49" charset="-122"/>
-              </a:rPr>
-              <a:t> = </a:t>
-            </a:r>
-            <a:r>
-              <a:rPr lang="en-US" altLang="zh-CN" dirty="0" err="1">
-                <a:solidFill>
-                  <a:srgbClr val="000000"/>
-                </a:solidFill>
-                <a:latin typeface="新宋体" panose="02010609030101010101" pitchFamily="49" charset="-122"/>
-                <a:ea typeface="新宋体" panose="02010609030101010101" pitchFamily="49" charset="-122"/>
-              </a:rPr>
-              <a:t>System.IO.File.ReadAllText</a:t>
-            </a:r>
-            <a:r>
-              <a:rPr lang="en-US" altLang="zh-CN" dirty="0">
-                <a:solidFill>
-                  <a:srgbClr val="000000"/>
-                </a:solidFill>
-                <a:latin typeface="新宋体" panose="02010609030101010101" pitchFamily="49" charset="-122"/>
-                <a:ea typeface="新宋体" panose="02010609030101010101" pitchFamily="49" charset="-122"/>
-              </a:rPr>
-              <a:t>(</a:t>
-            </a:r>
-            <a:r>
-              <a:rPr lang="en-US" altLang="zh-CN" dirty="0">
-                <a:solidFill>
-                  <a:srgbClr val="A31515"/>
-                </a:solidFill>
-                <a:latin typeface="新宋体" panose="02010609030101010101" pitchFamily="49" charset="-122"/>
-                <a:ea typeface="新宋体" panose="02010609030101010101" pitchFamily="49" charset="-122"/>
-              </a:rPr>
-              <a:t>"/projected-volume/</a:t>
-            </a:r>
-            <a:r>
-              <a:rPr lang="en-US" altLang="zh-CN" dirty="0" err="1">
-                <a:solidFill>
-                  <a:srgbClr val="A31515"/>
-                </a:solidFill>
-                <a:latin typeface="新宋体" panose="02010609030101010101" pitchFamily="49" charset="-122"/>
-                <a:ea typeface="新宋体" panose="02010609030101010101" pitchFamily="49" charset="-122"/>
-              </a:rPr>
-              <a:t>username.txt</a:t>
-            </a:r>
-            <a:r>
-              <a:rPr lang="en-US" altLang="zh-CN" dirty="0">
-                <a:solidFill>
-                  <a:srgbClr val="A31515"/>
-                </a:solidFill>
-                <a:latin typeface="新宋体" panose="02010609030101010101" pitchFamily="49" charset="-122"/>
-                <a:ea typeface="新宋体" panose="02010609030101010101" pitchFamily="49" charset="-122"/>
-              </a:rPr>
-              <a:t>"</a:t>
-            </a:r>
-            <a:r>
-              <a:rPr lang="en-US" altLang="zh-CN" dirty="0">
-                <a:solidFill>
-                  <a:srgbClr val="000000"/>
-                </a:solidFill>
-                <a:latin typeface="新宋体" panose="02010609030101010101" pitchFamily="49" charset="-122"/>
-                <a:ea typeface="新宋体" panose="02010609030101010101" pitchFamily="49" charset="-122"/>
-              </a:rPr>
-              <a:t>);</a:t>
-            </a:r>
-          </a:p>
-          <a:p>
-            <a:r>
-              <a:rPr lang="en-US" altLang="zh-CN" dirty="0">
-                <a:solidFill>
-                  <a:srgbClr val="000000"/>
-                </a:solidFill>
-                <a:latin typeface="新宋体" panose="02010609030101010101" pitchFamily="49" charset="-122"/>
-                <a:ea typeface="新宋体" panose="02010609030101010101" pitchFamily="49" charset="-122"/>
-              </a:rPr>
-              <a:t>                </a:t>
-            </a:r>
-            <a:r>
-              <a:rPr lang="en-US" altLang="zh-CN" dirty="0">
-                <a:solidFill>
-                  <a:srgbClr val="0000FF"/>
-                </a:solidFill>
-                <a:latin typeface="新宋体" panose="02010609030101010101" pitchFamily="49" charset="-122"/>
-                <a:ea typeface="新宋体" panose="02010609030101010101" pitchFamily="49" charset="-122"/>
-              </a:rPr>
-              <a:t>var</a:t>
-            </a:r>
-            <a:r>
-              <a:rPr lang="en-US" altLang="zh-CN" dirty="0">
-                <a:solidFill>
-                  <a:srgbClr val="000000"/>
-                </a:solidFill>
-                <a:latin typeface="新宋体" panose="02010609030101010101" pitchFamily="49" charset="-122"/>
-                <a:ea typeface="新宋体" panose="02010609030101010101" pitchFamily="49" charset="-122"/>
-              </a:rPr>
-              <a:t> password = </a:t>
-            </a:r>
-            <a:r>
-              <a:rPr lang="en-US" altLang="zh-CN" dirty="0" err="1">
-                <a:solidFill>
-                  <a:srgbClr val="000000"/>
-                </a:solidFill>
-                <a:latin typeface="新宋体" panose="02010609030101010101" pitchFamily="49" charset="-122"/>
-                <a:ea typeface="新宋体" panose="02010609030101010101" pitchFamily="49" charset="-122"/>
-              </a:rPr>
-              <a:t>System.IO.File.ReadAllText</a:t>
-            </a:r>
-            <a:r>
-              <a:rPr lang="en-US" altLang="zh-CN" dirty="0">
-                <a:solidFill>
-                  <a:srgbClr val="000000"/>
-                </a:solidFill>
-                <a:latin typeface="新宋体" panose="02010609030101010101" pitchFamily="49" charset="-122"/>
-                <a:ea typeface="新宋体" panose="02010609030101010101" pitchFamily="49" charset="-122"/>
-              </a:rPr>
-              <a:t>(</a:t>
-            </a:r>
-            <a:r>
-              <a:rPr lang="en-US" altLang="zh-CN" dirty="0">
-                <a:solidFill>
-                  <a:srgbClr val="A31515"/>
-                </a:solidFill>
-                <a:latin typeface="新宋体" panose="02010609030101010101" pitchFamily="49" charset="-122"/>
-                <a:ea typeface="新宋体" panose="02010609030101010101" pitchFamily="49" charset="-122"/>
-              </a:rPr>
-              <a:t>"/projected-volume/</a:t>
-            </a:r>
-            <a:r>
-              <a:rPr lang="en-US" altLang="zh-CN" dirty="0" err="1">
-                <a:solidFill>
-                  <a:srgbClr val="A31515"/>
-                </a:solidFill>
-                <a:latin typeface="新宋体" panose="02010609030101010101" pitchFamily="49" charset="-122"/>
-                <a:ea typeface="新宋体" panose="02010609030101010101" pitchFamily="49" charset="-122"/>
-              </a:rPr>
-              <a:t>password.txt</a:t>
-            </a:r>
-            <a:r>
-              <a:rPr lang="en-US" altLang="zh-CN" dirty="0">
-                <a:solidFill>
-                  <a:srgbClr val="A31515"/>
-                </a:solidFill>
-                <a:latin typeface="新宋体" panose="02010609030101010101" pitchFamily="49" charset="-122"/>
-                <a:ea typeface="新宋体" panose="02010609030101010101" pitchFamily="49" charset="-122"/>
-              </a:rPr>
-              <a:t>"</a:t>
-            </a:r>
-            <a:r>
-              <a:rPr lang="en-US" altLang="zh-CN" dirty="0">
-                <a:solidFill>
-                  <a:srgbClr val="000000"/>
-                </a:solidFill>
-                <a:latin typeface="新宋体" panose="02010609030101010101" pitchFamily="49" charset="-122"/>
-                <a:ea typeface="新宋体" panose="02010609030101010101" pitchFamily="49" charset="-122"/>
-              </a:rPr>
-              <a:t>);</a:t>
-            </a:r>
-            <a:endParaRPr lang="zh-CN" altLang="en-US" dirty="0"/>
+            <a:pPr marL="0" marR="0" lvl="0" indent="0" algn="l" defTabSz="914400" rtl="0" eaLnBrk="0" fontAlgn="base" latinLnBrk="0" hangingPunct="0">
+              <a:lnSpc>
+                <a:spcPct val="100000"/>
+              </a:lnSpc>
+              <a:spcBef>
+                <a:spcPct val="0"/>
+              </a:spcBef>
+              <a:spcAft>
+                <a:spcPct val="0"/>
+              </a:spcAft>
+              <a:buClrTx/>
+              <a:buSzTx/>
+              <a:buFontTx/>
+              <a:buChar char="•"/>
+              <a:tabLst/>
+            </a:pPr>
+            <a:r>
+              <a:rPr kumimoji="0" lang="zh-CN" altLang="zh-CN" sz="1600" b="0" i="0" u="none" strike="noStrike" cap="none" normalizeH="0" baseline="0" dirty="0">
+                <a:ln>
+                  <a:noFill/>
+                </a:ln>
+                <a:solidFill>
+                  <a:srgbClr val="555555"/>
+                </a:solidFill>
+                <a:effectLst/>
+                <a:latin typeface="Arial" panose="020B0604020202020204" pitchFamily="34" charset="0"/>
+                <a:ea typeface="Microsoft Yahei" panose="020B0503020204020204" pitchFamily="34" charset="-122"/>
+              </a:rPr>
+              <a:t>用于定义网络标志（DNS domain）的Headless Service</a:t>
+            </a:r>
+          </a:p>
+          <a:p>
+            <a:pPr marL="0" marR="0" lvl="0" indent="0" algn="l" defTabSz="914400" rtl="0" eaLnBrk="0" fontAlgn="base" latinLnBrk="0" hangingPunct="0">
+              <a:lnSpc>
+                <a:spcPct val="100000"/>
+              </a:lnSpc>
+              <a:spcBef>
+                <a:spcPct val="0"/>
+              </a:spcBef>
+              <a:spcAft>
+                <a:spcPct val="0"/>
+              </a:spcAft>
+              <a:buClrTx/>
+              <a:buSzTx/>
+              <a:buFontTx/>
+              <a:buChar char="•"/>
+              <a:tabLst/>
+            </a:pPr>
+            <a:r>
+              <a:rPr kumimoji="0" lang="zh-CN" altLang="zh-CN" sz="1600" b="0" i="0" u="none" strike="noStrike" cap="none" normalizeH="0" baseline="0" dirty="0">
+                <a:ln>
+                  <a:noFill/>
+                </a:ln>
+                <a:solidFill>
+                  <a:srgbClr val="555555"/>
+                </a:solidFill>
+                <a:effectLst/>
+                <a:latin typeface="Arial" panose="020B0604020202020204" pitchFamily="34" charset="0"/>
+                <a:ea typeface="Microsoft Yahei" panose="020B0503020204020204" pitchFamily="34" charset="-122"/>
+              </a:rPr>
+              <a:t>用于创建PersistentVolumes的volumeClaimTemplates</a:t>
+            </a:r>
+          </a:p>
+          <a:p>
+            <a:pPr marL="0" marR="0" lvl="0" indent="0" algn="l" defTabSz="914400" rtl="0" eaLnBrk="0" fontAlgn="base" latinLnBrk="0" hangingPunct="0">
+              <a:lnSpc>
+                <a:spcPct val="100000"/>
+              </a:lnSpc>
+              <a:spcBef>
+                <a:spcPct val="0"/>
+              </a:spcBef>
+              <a:spcAft>
+                <a:spcPct val="0"/>
+              </a:spcAft>
+              <a:buClrTx/>
+              <a:buSzTx/>
+              <a:buFontTx/>
+              <a:buChar char="•"/>
+              <a:tabLst/>
+            </a:pPr>
+            <a:r>
+              <a:rPr kumimoji="0" lang="zh-CN" altLang="zh-CN" sz="1600" b="0" i="0" u="none" strike="noStrike" cap="none" normalizeH="0" baseline="0" dirty="0">
+                <a:ln>
+                  <a:noFill/>
+                </a:ln>
+                <a:solidFill>
+                  <a:srgbClr val="555555"/>
+                </a:solidFill>
+                <a:effectLst/>
+                <a:latin typeface="Arial" panose="020B0604020202020204" pitchFamily="34" charset="0"/>
+                <a:ea typeface="Microsoft Yahei" panose="020B0503020204020204" pitchFamily="34" charset="-122"/>
+              </a:rPr>
+              <a:t>定义具体应用的StatefulSet</a:t>
+            </a:r>
+            <a:endParaRPr kumimoji="0" lang="en-US" altLang="zh-CN" sz="1600" b="0" i="0" u="none" strike="noStrike" cap="none" normalizeH="0" baseline="0" dirty="0">
+              <a:ln>
+                <a:noFill/>
+              </a:ln>
+              <a:solidFill>
+                <a:srgbClr val="555555"/>
+              </a:solidFill>
+              <a:effectLst/>
+              <a:latin typeface="Arial" panose="020B0604020202020204" pitchFamily="34" charset="0"/>
+              <a:ea typeface="Microsoft Yahei" panose="020B0503020204020204" pitchFamily="34" charset="-122"/>
+            </a:endParaRPr>
+          </a:p>
+          <a:p>
+            <a:pPr marL="0" marR="0" lvl="0" indent="0" algn="l" defTabSz="914400" rtl="0" eaLnBrk="0" fontAlgn="base" latinLnBrk="0" hangingPunct="0">
+              <a:lnSpc>
+                <a:spcPct val="100000"/>
+              </a:lnSpc>
+              <a:spcBef>
+                <a:spcPct val="0"/>
+              </a:spcBef>
+              <a:spcAft>
+                <a:spcPct val="0"/>
+              </a:spcAft>
+              <a:buClrTx/>
+              <a:buSzTx/>
+              <a:buFontTx/>
+              <a:buChar char="•"/>
+              <a:tabLst/>
+            </a:pPr>
+            <a:endParaRPr kumimoji="0" lang="zh-CN" altLang="zh-CN" sz="1600" b="0" i="0" u="none" strike="noStrike" cap="none" normalizeH="0" baseline="0" dirty="0">
+              <a:ln>
+                <a:noFill/>
+              </a:ln>
+              <a:solidFill>
+                <a:srgbClr val="555555"/>
+              </a:solidFill>
+              <a:effectLst/>
+              <a:latin typeface="Arial" panose="020B0604020202020204" pitchFamily="34" charset="0"/>
+              <a:ea typeface="Microsoft Yahei" panose="020B0503020204020204" pitchFamily="34" charset="-122"/>
+            </a:endParaRPr>
+          </a:p>
+          <a:p>
+            <a:pPr marL="0" marR="0" lvl="0" indent="0" algn="l" defTabSz="914400" rtl="0" eaLnBrk="0" fontAlgn="base" latinLnBrk="0" hangingPunct="0">
+              <a:lnSpc>
+                <a:spcPct val="100000"/>
+              </a:lnSpc>
+              <a:spcBef>
+                <a:spcPct val="0"/>
+              </a:spcBef>
+              <a:spcAft>
+                <a:spcPct val="0"/>
+              </a:spcAft>
+              <a:buClrTx/>
+              <a:buSzTx/>
+              <a:buFontTx/>
+              <a:buNone/>
+              <a:tabLst/>
+            </a:pPr>
+            <a:r>
+              <a:rPr kumimoji="0" lang="zh-CN" altLang="zh-CN" sz="1600" b="0" i="0" u="none" strike="noStrike" cap="none" normalizeH="0" baseline="0" dirty="0">
+                <a:ln>
+                  <a:noFill/>
+                </a:ln>
+                <a:solidFill>
+                  <a:srgbClr val="555555"/>
+                </a:solidFill>
+                <a:effectLst/>
+                <a:latin typeface="Arial" panose="020B0604020202020204" pitchFamily="34" charset="0"/>
+                <a:ea typeface="Microsoft Yahei" panose="020B0503020204020204" pitchFamily="34" charset="-122"/>
+              </a:rPr>
+              <a:t>StatefulSet中每个Pod的DNS格式为</a:t>
+            </a:r>
+            <a:r>
+              <a:rPr kumimoji="0" lang="zh-CN" altLang="zh-CN" sz="1600" b="0" i="0" u="none" strike="noStrike" cap="none" normalizeH="0" baseline="0" dirty="0">
+                <a:ln>
+                  <a:noFill/>
+                </a:ln>
+                <a:solidFill>
+                  <a:srgbClr val="C7254E"/>
+                </a:solidFill>
+                <a:effectLst/>
+                <a:latin typeface="Arial Unicode MS"/>
+                <a:ea typeface="Menlo"/>
+              </a:rPr>
+              <a:t>statefulSetName-{0..N-1}.serviceName.namespace.svc.cluster.local</a:t>
+            </a:r>
+            <a:r>
+              <a:rPr kumimoji="0" lang="zh-CN" altLang="zh-CN" sz="1600" b="0" i="0" u="none" strike="noStrike" cap="none" normalizeH="0" baseline="0" dirty="0">
+                <a:ln>
+                  <a:noFill/>
+                </a:ln>
+                <a:solidFill>
+                  <a:srgbClr val="555555"/>
+                </a:solidFill>
+                <a:effectLst/>
+                <a:ea typeface="Microsoft Yahei" panose="020B0503020204020204" pitchFamily="34" charset="-122"/>
+              </a:rPr>
+              <a:t>，其中</a:t>
+            </a:r>
+            <a:endParaRPr kumimoji="0" lang="zh-CN" altLang="zh-CN" sz="1600" b="0" i="0" u="none" strike="noStrike" cap="none" normalizeH="0" baseline="0" dirty="0">
+              <a:ln>
+                <a:noFill/>
+              </a:ln>
+              <a:solidFill>
+                <a:schemeClr val="tx1"/>
+              </a:solidFill>
+              <a:effectLst/>
+              <a:latin typeface="Arial" panose="020B0604020202020204" pitchFamily="34" charset="0"/>
+            </a:endParaRPr>
+          </a:p>
+          <a:p>
+            <a:pPr marL="0" marR="0" lvl="0" indent="0" algn="l" defTabSz="914400" rtl="0" eaLnBrk="0" fontAlgn="base" latinLnBrk="0" hangingPunct="0">
+              <a:lnSpc>
+                <a:spcPct val="100000"/>
+              </a:lnSpc>
+              <a:spcBef>
+                <a:spcPct val="0"/>
+              </a:spcBef>
+              <a:spcAft>
+                <a:spcPct val="0"/>
+              </a:spcAft>
+              <a:buClrTx/>
+              <a:buSzTx/>
+              <a:buFontTx/>
+              <a:buChar char="•"/>
+              <a:tabLst/>
+            </a:pPr>
+            <a:r>
+              <a:rPr kumimoji="0" lang="zh-CN" altLang="zh-CN" sz="1600" b="0" i="0" u="none" strike="noStrike" cap="none" normalizeH="0" baseline="0" dirty="0">
+                <a:ln>
+                  <a:noFill/>
+                </a:ln>
+                <a:solidFill>
+                  <a:srgbClr val="C7254E"/>
+                </a:solidFill>
+                <a:effectLst/>
+                <a:latin typeface="Arial Unicode MS"/>
+                <a:ea typeface="Menlo"/>
+              </a:rPr>
+              <a:t>serviceName</a:t>
+            </a:r>
+            <a:r>
+              <a:rPr kumimoji="0" lang="zh-CN" altLang="zh-CN" sz="1600" b="0" i="0" u="none" strike="noStrike" cap="none" normalizeH="0" baseline="0" dirty="0">
+                <a:ln>
+                  <a:noFill/>
+                </a:ln>
+                <a:solidFill>
+                  <a:srgbClr val="555555"/>
+                </a:solidFill>
+                <a:effectLst/>
+                <a:ea typeface="Microsoft Yahei" panose="020B0503020204020204" pitchFamily="34" charset="-122"/>
+              </a:rPr>
+              <a:t>为Headless Service的名字</a:t>
+            </a:r>
+            <a:endParaRPr kumimoji="0" lang="zh-CN" altLang="zh-CN" sz="1600" b="0" i="0" u="none" strike="noStrike" cap="none" normalizeH="0" baseline="0" dirty="0">
+              <a:ln>
+                <a:noFill/>
+              </a:ln>
+              <a:solidFill>
+                <a:srgbClr val="555555"/>
+              </a:solidFill>
+              <a:effectLst/>
+              <a:latin typeface="Arial" panose="020B0604020202020204" pitchFamily="34" charset="0"/>
+              <a:ea typeface="Microsoft Yahei" panose="020B0503020204020204" pitchFamily="34" charset="-122"/>
+            </a:endParaRPr>
+          </a:p>
+          <a:p>
+            <a:pPr marL="0" marR="0" lvl="0" indent="0" algn="l" defTabSz="914400" rtl="0" eaLnBrk="0" fontAlgn="base" latinLnBrk="0" hangingPunct="0">
+              <a:lnSpc>
+                <a:spcPct val="100000"/>
+              </a:lnSpc>
+              <a:spcBef>
+                <a:spcPct val="0"/>
+              </a:spcBef>
+              <a:spcAft>
+                <a:spcPct val="0"/>
+              </a:spcAft>
+              <a:buClrTx/>
+              <a:buSzTx/>
+              <a:buFontTx/>
+              <a:buChar char="•"/>
+              <a:tabLst/>
+            </a:pPr>
+            <a:r>
+              <a:rPr kumimoji="0" lang="zh-CN" altLang="zh-CN" sz="1600" b="0" i="0" u="none" strike="noStrike" cap="none" normalizeH="0" baseline="0" dirty="0">
+                <a:ln>
+                  <a:noFill/>
+                </a:ln>
+                <a:solidFill>
+                  <a:srgbClr val="C7254E"/>
+                </a:solidFill>
+                <a:effectLst/>
+                <a:latin typeface="Arial Unicode MS"/>
+                <a:ea typeface="Menlo"/>
+              </a:rPr>
+              <a:t>0..N-1</a:t>
+            </a:r>
+            <a:r>
+              <a:rPr kumimoji="0" lang="zh-CN" altLang="zh-CN" sz="1600" b="0" i="0" u="none" strike="noStrike" cap="none" normalizeH="0" baseline="0" dirty="0">
+                <a:ln>
+                  <a:noFill/>
+                </a:ln>
+                <a:solidFill>
+                  <a:srgbClr val="555555"/>
+                </a:solidFill>
+                <a:effectLst/>
+                <a:ea typeface="Microsoft Yahei" panose="020B0503020204020204" pitchFamily="34" charset="-122"/>
+              </a:rPr>
+              <a:t>为Pod所在的序号，从0开始到N-1</a:t>
+            </a:r>
+            <a:endParaRPr kumimoji="0" lang="zh-CN" altLang="zh-CN" sz="1600" b="0" i="0" u="none" strike="noStrike" cap="none" normalizeH="0" baseline="0" dirty="0">
+              <a:ln>
+                <a:noFill/>
+              </a:ln>
+              <a:solidFill>
+                <a:srgbClr val="555555"/>
+              </a:solidFill>
+              <a:effectLst/>
+              <a:latin typeface="Arial" panose="020B0604020202020204" pitchFamily="34" charset="0"/>
+              <a:ea typeface="Microsoft Yahei" panose="020B0503020204020204" pitchFamily="34" charset="-122"/>
+            </a:endParaRPr>
+          </a:p>
+          <a:p>
+            <a:pPr marL="0" marR="0" lvl="0" indent="0" algn="l" defTabSz="914400" rtl="0" eaLnBrk="0" fontAlgn="base" latinLnBrk="0" hangingPunct="0">
+              <a:lnSpc>
+                <a:spcPct val="100000"/>
+              </a:lnSpc>
+              <a:spcBef>
+                <a:spcPct val="0"/>
+              </a:spcBef>
+              <a:spcAft>
+                <a:spcPct val="0"/>
+              </a:spcAft>
+              <a:buClrTx/>
+              <a:buSzTx/>
+              <a:buFontTx/>
+              <a:buChar char="•"/>
+              <a:tabLst/>
+            </a:pPr>
+            <a:r>
+              <a:rPr kumimoji="0" lang="zh-CN" altLang="zh-CN" sz="1600" b="0" i="0" u="none" strike="noStrike" cap="none" normalizeH="0" baseline="0" dirty="0">
+                <a:ln>
+                  <a:noFill/>
+                </a:ln>
+                <a:solidFill>
+                  <a:srgbClr val="C7254E"/>
+                </a:solidFill>
+                <a:effectLst/>
+                <a:latin typeface="Arial Unicode MS"/>
+                <a:ea typeface="Menlo"/>
+              </a:rPr>
+              <a:t>statefulSetName</a:t>
+            </a:r>
+            <a:r>
+              <a:rPr kumimoji="0" lang="zh-CN" altLang="zh-CN" sz="1600" b="0" i="0" u="none" strike="noStrike" cap="none" normalizeH="0" baseline="0" dirty="0">
+                <a:ln>
+                  <a:noFill/>
+                </a:ln>
+                <a:solidFill>
+                  <a:srgbClr val="555555"/>
+                </a:solidFill>
+                <a:effectLst/>
+                <a:ea typeface="Microsoft Yahei" panose="020B0503020204020204" pitchFamily="34" charset="-122"/>
+              </a:rPr>
+              <a:t>为StatefulSet的名字</a:t>
+            </a:r>
+            <a:endParaRPr kumimoji="0" lang="zh-CN" altLang="zh-CN" sz="1600" b="0" i="0" u="none" strike="noStrike" cap="none" normalizeH="0" baseline="0" dirty="0">
+              <a:ln>
+                <a:noFill/>
+              </a:ln>
+              <a:solidFill>
+                <a:srgbClr val="555555"/>
+              </a:solidFill>
+              <a:effectLst/>
+              <a:latin typeface="Arial" panose="020B0604020202020204" pitchFamily="34" charset="0"/>
+              <a:ea typeface="Microsoft Yahei" panose="020B0503020204020204" pitchFamily="34" charset="-122"/>
+            </a:endParaRPr>
+          </a:p>
+          <a:p>
+            <a:pPr marL="0" marR="0" lvl="0" indent="0" algn="l" defTabSz="914400" rtl="0" eaLnBrk="0" fontAlgn="base" latinLnBrk="0" hangingPunct="0">
+              <a:lnSpc>
+                <a:spcPct val="100000"/>
+              </a:lnSpc>
+              <a:spcBef>
+                <a:spcPct val="0"/>
+              </a:spcBef>
+              <a:spcAft>
+                <a:spcPct val="0"/>
+              </a:spcAft>
+              <a:buClrTx/>
+              <a:buSzTx/>
+              <a:buFontTx/>
+              <a:buChar char="•"/>
+              <a:tabLst/>
+            </a:pPr>
+            <a:r>
+              <a:rPr kumimoji="0" lang="zh-CN" altLang="zh-CN" sz="1600" b="0" i="0" u="none" strike="noStrike" cap="none" normalizeH="0" baseline="0" dirty="0">
+                <a:ln>
+                  <a:noFill/>
+                </a:ln>
+                <a:solidFill>
+                  <a:srgbClr val="C7254E"/>
+                </a:solidFill>
+                <a:effectLst/>
+                <a:latin typeface="Arial Unicode MS"/>
+                <a:ea typeface="Menlo"/>
+              </a:rPr>
+              <a:t>namespace</a:t>
+            </a:r>
+            <a:r>
+              <a:rPr kumimoji="0" lang="zh-CN" altLang="zh-CN" sz="1600" b="0" i="0" u="none" strike="noStrike" cap="none" normalizeH="0" baseline="0" dirty="0">
+                <a:ln>
+                  <a:noFill/>
+                </a:ln>
+                <a:solidFill>
+                  <a:srgbClr val="555555"/>
+                </a:solidFill>
+                <a:effectLst/>
+                <a:ea typeface="Microsoft Yahei" panose="020B0503020204020204" pitchFamily="34" charset="-122"/>
+              </a:rPr>
+              <a:t>为服务所在的namespace，Headless Servic和StatefulSet必须在相同的namespace</a:t>
+            </a:r>
+            <a:endParaRPr kumimoji="0" lang="zh-CN" altLang="zh-CN" sz="1600" b="0" i="0" u="none" strike="noStrike" cap="none" normalizeH="0" baseline="0" dirty="0">
+              <a:ln>
+                <a:noFill/>
+              </a:ln>
+              <a:solidFill>
+                <a:srgbClr val="555555"/>
+              </a:solidFill>
+              <a:effectLst/>
+              <a:latin typeface="Arial" panose="020B0604020202020204" pitchFamily="34" charset="0"/>
+              <a:ea typeface="Microsoft Yahei" panose="020B0503020204020204" pitchFamily="34" charset="-122"/>
+            </a:endParaRPr>
+          </a:p>
+          <a:p>
+            <a:pPr marL="0" marR="0" lvl="0" indent="0" algn="l" defTabSz="914400" rtl="0" eaLnBrk="0" fontAlgn="base" latinLnBrk="0" hangingPunct="0">
+              <a:lnSpc>
+                <a:spcPct val="100000"/>
+              </a:lnSpc>
+              <a:spcBef>
+                <a:spcPct val="0"/>
+              </a:spcBef>
+              <a:spcAft>
+                <a:spcPct val="0"/>
+              </a:spcAft>
+              <a:buClrTx/>
+              <a:buSzTx/>
+              <a:buFontTx/>
+              <a:buChar char="•"/>
+              <a:tabLst/>
+            </a:pPr>
+            <a:r>
+              <a:rPr kumimoji="0" lang="zh-CN" altLang="zh-CN" sz="1600" b="0" i="0" u="none" strike="noStrike" cap="none" normalizeH="0" baseline="0" dirty="0">
+                <a:ln>
+                  <a:noFill/>
+                </a:ln>
+                <a:solidFill>
+                  <a:srgbClr val="C7254E"/>
+                </a:solidFill>
+                <a:effectLst/>
+                <a:latin typeface="Arial Unicode MS"/>
+                <a:ea typeface="Menlo"/>
+              </a:rPr>
+              <a:t>.cluster.local</a:t>
+            </a:r>
+            <a:r>
+              <a:rPr kumimoji="0" lang="zh-CN" altLang="zh-CN" sz="1600" b="0" i="0" u="none" strike="noStrike" cap="none" normalizeH="0" baseline="0" dirty="0">
+                <a:ln>
+                  <a:noFill/>
+                </a:ln>
+                <a:solidFill>
+                  <a:srgbClr val="555555"/>
+                </a:solidFill>
+                <a:effectLst/>
+                <a:ea typeface="Microsoft Yahei" panose="020B0503020204020204" pitchFamily="34" charset="-122"/>
+              </a:rPr>
+              <a:t>为Cluster Domain，</a:t>
+            </a:r>
+            <a:endParaRPr kumimoji="0" lang="zh-CN" altLang="zh-CN" sz="1600" b="0" i="0" u="none" strike="noStrike" cap="none" normalizeH="0" baseline="0" dirty="0">
+              <a:ln>
+                <a:noFill/>
+              </a:ln>
+              <a:solidFill>
+                <a:srgbClr val="555555"/>
+              </a:solidFill>
+              <a:effectLst/>
+              <a:latin typeface="Arial" panose="020B0604020202020204" pitchFamily="34" charset="0"/>
+              <a:ea typeface="Microsoft Yahei" panose="020B0503020204020204" pitchFamily="34" charset="-122"/>
+            </a:endParaRPr>
+          </a:p>
+          <a:p>
+            <a:pPr marL="0" marR="0" lvl="0" indent="0" algn="l" defTabSz="914400" rtl="0" eaLnBrk="0" fontAlgn="base" latinLnBrk="0" hangingPunct="0">
+              <a:lnSpc>
+                <a:spcPct val="100000"/>
+              </a:lnSpc>
+              <a:spcBef>
+                <a:spcPct val="0"/>
+              </a:spcBef>
+              <a:spcAft>
+                <a:spcPct val="0"/>
+              </a:spcAft>
+              <a:buClrTx/>
+              <a:buSzTx/>
+              <a:buFontTx/>
+              <a:buNone/>
+              <a:tabLst/>
+            </a:pPr>
+            <a:endParaRPr kumimoji="0" lang="zh-CN" altLang="zh-CN" sz="1600" b="0" i="0" u="none" strike="noStrike" cap="none" normalizeH="0" baseline="0" dirty="0">
+              <a:ln>
+                <a:noFill/>
+              </a:ln>
+              <a:solidFill>
+                <a:schemeClr val="tx1"/>
+              </a:solidFill>
+              <a:effectLst/>
+              <a:latin typeface="Arial" panose="020B0604020202020204" pitchFamily="34" charset="0"/>
+            </a:endParaRPr>
           </a:p>
         </p:txBody>
       </p:sp>
     </p:spTree>
     <p:extLst>
       <p:ext uri="{BB962C8B-B14F-4D97-AF65-F5344CB8AC3E}">
-        <p14:creationId xmlns:p14="http://schemas.microsoft.com/office/powerpoint/2010/main" val="683582217"/>
+        <p14:creationId xmlns:p14="http://schemas.microsoft.com/office/powerpoint/2010/main" val="1105172404"/>
       </p:ext>
     </p:extLst>
   </p:cSld>
@@ -14464,8 +16662,8 @@
           <a:lstStyle/>
           <a:p>
             <a:r>
-              <a:rPr lang="en-US" altLang="zh-CN" sz="3000" dirty="0" err="1"/>
-              <a:t>ConfigMap</a:t>
+              <a:rPr lang="en-US" altLang="zh-CN" sz="3000" dirty="0"/>
+              <a:t>Secret</a:t>
             </a:r>
             <a:endParaRPr lang="zh-CN" altLang="en-US" sz="3000" dirty="0"/>
           </a:p>
@@ -14476,7 +16674,7 @@
           <p:cNvPr id="4" name="矩形 3">
             <a:extLst>
               <a:ext uri="{FF2B5EF4-FFF2-40B4-BE49-F238E27FC236}">
-                <a16:creationId xmlns:a16="http://schemas.microsoft.com/office/drawing/2014/main" id="{C407AD38-0DD5-4AF3-A5AB-1AAC367ABCD7}"/>
+                <a16:creationId xmlns:a16="http://schemas.microsoft.com/office/drawing/2014/main" id="{AF5F7CF5-B0DF-48F6-BFAE-29302588B935}"/>
               </a:ext>
             </a:extLst>
           </p:cNvPr>
@@ -14485,56 +16683,8 @@
         </p:nvSpPr>
         <p:spPr>
           <a:xfrm>
-            <a:off x="379229" y="1574747"/>
-            <a:ext cx="6096000" cy="1200329"/>
-          </a:xfrm>
-          <a:prstGeom prst="rect">
-            <a:avLst/>
-          </a:prstGeom>
-        </p:spPr>
-        <p:txBody>
-          <a:bodyPr>
-            <a:spAutoFit/>
-          </a:bodyPr>
-          <a:lstStyle/>
-          <a:p>
-            <a:r>
-              <a:rPr lang="zh-CN" altLang="en-US" dirty="0"/>
-              <a:t>生成</a:t>
-            </a:r>
-            <a:r>
-              <a:rPr lang="en-US" altLang="zh-CN" dirty="0" err="1"/>
-              <a:t>configMap</a:t>
-            </a:r>
-            <a:endParaRPr lang="en-US" altLang="zh-CN" dirty="0"/>
-          </a:p>
-          <a:p>
-            <a:endParaRPr lang="en-US" altLang="zh-CN" dirty="0"/>
-          </a:p>
-          <a:p>
-            <a:r>
-              <a:rPr lang="zh-CN" altLang="en-US" dirty="0"/>
-              <a:t>sudo kubectl create configmap personcfg --from-file=postgre/data.txt</a:t>
-            </a:r>
-          </a:p>
-        </p:txBody>
-      </p:sp>
-      <p:sp>
-        <p:nvSpPr>
-          <p:cNvPr id="5" name="矩形 4">
-            <a:extLst>
-              <a:ext uri="{FF2B5EF4-FFF2-40B4-BE49-F238E27FC236}">
-                <a16:creationId xmlns:a16="http://schemas.microsoft.com/office/drawing/2014/main" id="{C6A6EA4A-6B6C-445A-BAD6-67F0312855E9}"/>
-              </a:ext>
-            </a:extLst>
-          </p:cNvPr>
-          <p:cNvSpPr/>
-          <p:nvPr/>
-        </p:nvSpPr>
-        <p:spPr>
-          <a:xfrm>
-            <a:off x="7212419" y="535900"/>
-            <a:ext cx="4515293" cy="5786199"/>
+            <a:off x="5893981" y="1010094"/>
+            <a:ext cx="6096000" cy="5632311"/>
           </a:xfrm>
           <a:prstGeom prst="rect">
             <a:avLst/>
@@ -14557,521 +16707,428 @@
           </a:fontRef>
         </p:style>
         <p:txBody>
-          <a:bodyPr wrap="square">
+          <a:bodyPr>
             <a:spAutoFit/>
           </a:bodyPr>
           <a:lstStyle/>
           <a:p>
             <a:r>
-              <a:rPr lang="en-US" altLang="zh-CN" sz="1000" dirty="0" err="1">
+              <a:rPr lang="en-US" altLang="zh-CN" sz="1200" dirty="0" err="1">
                 <a:latin typeface="Consolas" panose="020B0609020204030204" pitchFamily="49" charset="0"/>
               </a:rPr>
               <a:t>Aspnetcore-deployment.yaml</a:t>
             </a:r>
             <a:r>
-              <a:rPr lang="zh-CN" altLang="en-US" sz="1000" dirty="0">
+              <a:rPr lang="zh-CN" altLang="en-US" sz="1200" dirty="0">
                 <a:latin typeface="Consolas" panose="020B0609020204030204" pitchFamily="49" charset="0"/>
               </a:rPr>
               <a:t>文件：</a:t>
             </a:r>
-            <a:endParaRPr lang="en-US" altLang="zh-CN" sz="1000" dirty="0">
+            <a:endParaRPr lang="en-US" altLang="zh-CN" sz="1200" dirty="0">
               <a:latin typeface="Consolas" panose="020B0609020204030204" pitchFamily="49" charset="0"/>
             </a:endParaRPr>
           </a:p>
           <a:p>
-            <a:endParaRPr lang="en-US" altLang="zh-CN" sz="1000" dirty="0">
+            <a:endParaRPr lang="en-US" altLang="zh-CN" sz="1200" dirty="0">
               <a:latin typeface="Consolas" panose="020B0609020204030204" pitchFamily="49" charset="0"/>
             </a:endParaRPr>
           </a:p>
           <a:p>
             <a:r>
-              <a:rPr lang="en-US" altLang="zh-CN" sz="1000" dirty="0" err="1"/>
+              <a:rPr lang="en-US" altLang="zh-CN" sz="1200" dirty="0" err="1"/>
               <a:t>apiVersion</a:t>
             </a:r>
             <a:r>
-              <a:rPr lang="en-US" altLang="zh-CN" sz="1000" dirty="0"/>
+              <a:rPr lang="en-US" altLang="zh-CN" sz="1200" dirty="0"/>
               <a:t>: apps/</a:t>
             </a:r>
             <a:r>
-              <a:rPr lang="en-US" altLang="zh-CN" sz="1000" dirty="0" err="1"/>
+              <a:rPr lang="en-US" altLang="zh-CN" sz="1200" dirty="0" err="1"/>
               <a:t>v1</a:t>
             </a:r>
-            <a:endParaRPr lang="zh-CN" altLang="en-US" sz="1000" dirty="0"/>
-          </a:p>
-          <a:p>
-            <a:r>
-              <a:rPr lang="en-US" altLang="zh-CN" sz="1000" dirty="0"/>
+            <a:endParaRPr lang="zh-CN" altLang="en-US" sz="1200" dirty="0"/>
+          </a:p>
+          <a:p>
+            <a:r>
+              <a:rPr lang="en-US" altLang="zh-CN" sz="1200" dirty="0"/>
               <a:t>kind: Deployment</a:t>
             </a:r>
-            <a:endParaRPr lang="zh-CN" altLang="en-US" sz="1000" dirty="0"/>
-          </a:p>
-          <a:p>
-            <a:r>
-              <a:rPr lang="en-US" altLang="zh-CN" sz="1000" dirty="0"/>
+            <a:endParaRPr lang="zh-CN" altLang="en-US" sz="1200" dirty="0"/>
+          </a:p>
+          <a:p>
+            <a:r>
+              <a:rPr lang="en-US" altLang="zh-CN" sz="1200" dirty="0"/>
               <a:t>metadata:</a:t>
             </a:r>
-            <a:endParaRPr lang="zh-CN" altLang="en-US" sz="1000" dirty="0"/>
-          </a:p>
-          <a:p>
-            <a:r>
-              <a:rPr lang="zh-CN" altLang="en-US" sz="1000" dirty="0"/>
+            <a:endParaRPr lang="zh-CN" altLang="en-US" sz="1200" dirty="0"/>
+          </a:p>
+          <a:p>
+            <a:r>
+              <a:rPr lang="zh-CN" altLang="en-US" sz="1200" dirty="0"/>
               <a:t>  </a:t>
             </a:r>
             <a:r>
-              <a:rPr lang="en-US" altLang="zh-CN" sz="1000" dirty="0"/>
+              <a:rPr lang="en-US" altLang="zh-CN" sz="1200" dirty="0"/>
               <a:t>name: </a:t>
             </a:r>
             <a:r>
-              <a:rPr lang="en-US" altLang="zh-CN" sz="1000" dirty="0" err="1"/>
+              <a:rPr lang="en-US" altLang="zh-CN" sz="1200" dirty="0" err="1"/>
               <a:t>k8saspnetcoredemo003</a:t>
             </a:r>
             <a:r>
-              <a:rPr lang="en-US" altLang="zh-CN" sz="1000" dirty="0"/>
+              <a:rPr lang="en-US" altLang="zh-CN" sz="1200" dirty="0"/>
               <a:t>-deployment</a:t>
             </a:r>
-            <a:endParaRPr lang="zh-CN" altLang="en-US" sz="1000" dirty="0"/>
-          </a:p>
-          <a:p>
-            <a:r>
-              <a:rPr lang="en-US" altLang="zh-CN" sz="1000" dirty="0"/>
+            <a:endParaRPr lang="zh-CN" altLang="en-US" sz="1200" dirty="0"/>
+          </a:p>
+          <a:p>
+            <a:r>
+              <a:rPr lang="en-US" altLang="zh-CN" sz="1200" dirty="0"/>
               <a:t>spec:</a:t>
             </a:r>
-            <a:endParaRPr lang="zh-CN" altLang="en-US" sz="1000" dirty="0"/>
-          </a:p>
-          <a:p>
-            <a:r>
-              <a:rPr lang="zh-CN" altLang="en-US" sz="1000" dirty="0"/>
+            <a:endParaRPr lang="zh-CN" altLang="en-US" sz="1200" dirty="0"/>
+          </a:p>
+          <a:p>
+            <a:r>
+              <a:rPr lang="zh-CN" altLang="en-US" sz="1200" dirty="0"/>
               <a:t>  </a:t>
             </a:r>
             <a:r>
-              <a:rPr lang="en-US" altLang="zh-CN" sz="1000" dirty="0"/>
+              <a:rPr lang="en-US" altLang="zh-CN" sz="1200" dirty="0"/>
               <a:t>selector:</a:t>
             </a:r>
-            <a:endParaRPr lang="zh-CN" altLang="en-US" sz="1000" dirty="0"/>
-          </a:p>
-          <a:p>
-            <a:r>
-              <a:rPr lang="zh-CN" altLang="en-US" sz="1000" dirty="0"/>
+            <a:endParaRPr lang="zh-CN" altLang="en-US" sz="1200" dirty="0"/>
+          </a:p>
+          <a:p>
+            <a:r>
+              <a:rPr lang="zh-CN" altLang="en-US" sz="1200" dirty="0"/>
               <a:t>    </a:t>
             </a:r>
             <a:r>
-              <a:rPr lang="en-US" altLang="zh-CN" sz="1000" dirty="0" err="1"/>
+              <a:rPr lang="en-US" altLang="zh-CN" sz="1200" dirty="0" err="1"/>
               <a:t>matchLabels</a:t>
             </a:r>
             <a:r>
-              <a:rPr lang="en-US" altLang="zh-CN" sz="1000" dirty="0"/>
+              <a:rPr lang="en-US" altLang="zh-CN" sz="1200" dirty="0"/>
               <a:t>:</a:t>
             </a:r>
-            <a:endParaRPr lang="zh-CN" altLang="en-US" sz="1000" dirty="0"/>
-          </a:p>
-          <a:p>
-            <a:r>
-              <a:rPr lang="zh-CN" altLang="en-US" sz="1000" dirty="0"/>
+            <a:endParaRPr lang="zh-CN" altLang="en-US" sz="1200" dirty="0"/>
+          </a:p>
+          <a:p>
+            <a:r>
+              <a:rPr lang="zh-CN" altLang="en-US" sz="1200" dirty="0"/>
               <a:t>      </a:t>
             </a:r>
             <a:r>
-              <a:rPr lang="en-US" altLang="zh-CN" sz="1000" dirty="0"/>
+              <a:rPr lang="en-US" altLang="zh-CN" sz="1200" dirty="0"/>
               <a:t>app: </a:t>
             </a:r>
             <a:r>
-              <a:rPr lang="en-US" altLang="zh-CN" sz="1000" dirty="0" err="1"/>
+              <a:rPr lang="en-US" altLang="zh-CN" sz="1200" dirty="0" err="1"/>
               <a:t>k8saspnetcoredemo003</a:t>
             </a:r>
-            <a:endParaRPr lang="zh-CN" altLang="en-US" sz="1000" dirty="0"/>
-          </a:p>
-          <a:p>
-            <a:r>
-              <a:rPr lang="zh-CN" altLang="en-US" sz="1000" dirty="0"/>
+            <a:endParaRPr lang="zh-CN" altLang="en-US" sz="1200" dirty="0"/>
+          </a:p>
+          <a:p>
+            <a:r>
+              <a:rPr lang="zh-CN" altLang="en-US" sz="1200" dirty="0"/>
               <a:t>  </a:t>
             </a:r>
             <a:r>
-              <a:rPr lang="en-US" altLang="zh-CN" sz="1000" dirty="0"/>
+              <a:rPr lang="en-US" altLang="zh-CN" sz="1200" dirty="0"/>
               <a:t>replicas: 2</a:t>
             </a:r>
-            <a:endParaRPr lang="zh-CN" altLang="en-US" sz="1000" dirty="0"/>
-          </a:p>
-          <a:p>
-            <a:r>
-              <a:rPr lang="zh-CN" altLang="en-US" sz="1000" dirty="0"/>
+            <a:endParaRPr lang="zh-CN" altLang="en-US" sz="1200" dirty="0"/>
+          </a:p>
+          <a:p>
+            <a:r>
+              <a:rPr lang="zh-CN" altLang="en-US" sz="1200" dirty="0"/>
               <a:t>  </a:t>
             </a:r>
             <a:r>
-              <a:rPr lang="en-US" altLang="zh-CN" sz="1000" dirty="0"/>
+              <a:rPr lang="en-US" altLang="zh-CN" sz="1200" dirty="0"/>
               <a:t>template:</a:t>
             </a:r>
-            <a:endParaRPr lang="zh-CN" altLang="en-US" sz="1000" dirty="0"/>
-          </a:p>
-          <a:p>
-            <a:r>
-              <a:rPr lang="zh-CN" altLang="en-US" sz="1000" dirty="0"/>
+            <a:endParaRPr lang="zh-CN" altLang="en-US" sz="1200" dirty="0"/>
+          </a:p>
+          <a:p>
+            <a:r>
+              <a:rPr lang="zh-CN" altLang="en-US" sz="1200" dirty="0"/>
               <a:t>    </a:t>
             </a:r>
             <a:r>
-              <a:rPr lang="en-US" altLang="zh-CN" sz="1000" dirty="0"/>
+              <a:rPr lang="en-US" altLang="zh-CN" sz="1200" dirty="0"/>
               <a:t>metadata:</a:t>
             </a:r>
-            <a:endParaRPr lang="zh-CN" altLang="en-US" sz="1000" dirty="0"/>
-          </a:p>
-          <a:p>
-            <a:r>
-              <a:rPr lang="zh-CN" altLang="en-US" sz="1000" dirty="0"/>
+            <a:endParaRPr lang="zh-CN" altLang="en-US" sz="1200" dirty="0"/>
+          </a:p>
+          <a:p>
+            <a:r>
+              <a:rPr lang="zh-CN" altLang="en-US" sz="1200" dirty="0"/>
               <a:t>      </a:t>
             </a:r>
             <a:r>
-              <a:rPr lang="en-US" altLang="zh-CN" sz="1000" dirty="0"/>
+              <a:rPr lang="en-US" altLang="zh-CN" sz="1200" dirty="0"/>
               <a:t>labels:</a:t>
             </a:r>
-            <a:endParaRPr lang="zh-CN" altLang="en-US" sz="1000" dirty="0"/>
-          </a:p>
-          <a:p>
-            <a:r>
-              <a:rPr lang="zh-CN" altLang="en-US" sz="1000" dirty="0"/>
+            <a:endParaRPr lang="zh-CN" altLang="en-US" sz="1200" dirty="0"/>
+          </a:p>
+          <a:p>
+            <a:r>
+              <a:rPr lang="zh-CN" altLang="en-US" sz="1200" dirty="0"/>
               <a:t>        </a:t>
             </a:r>
             <a:r>
-              <a:rPr lang="en-US" altLang="zh-CN" sz="1000" dirty="0"/>
+              <a:rPr lang="en-US" altLang="zh-CN" sz="1200" dirty="0"/>
               <a:t>app: </a:t>
             </a:r>
             <a:r>
-              <a:rPr lang="en-US" altLang="zh-CN" sz="1000" dirty="0" err="1"/>
+              <a:rPr lang="en-US" altLang="zh-CN" sz="1200" dirty="0" err="1"/>
               <a:t>k8saspnetcoredemo003</a:t>
             </a:r>
-            <a:endParaRPr lang="zh-CN" altLang="en-US" sz="1000" dirty="0"/>
-          </a:p>
-          <a:p>
-            <a:r>
-              <a:rPr lang="zh-CN" altLang="en-US" sz="1000" dirty="0"/>
+            <a:endParaRPr lang="zh-CN" altLang="en-US" sz="1200" dirty="0"/>
+          </a:p>
+          <a:p>
+            <a:r>
+              <a:rPr lang="zh-CN" altLang="en-US" sz="1200" dirty="0"/>
               <a:t>    </a:t>
             </a:r>
             <a:r>
-              <a:rPr lang="en-US" altLang="zh-CN" sz="1000" dirty="0"/>
+              <a:rPr lang="en-US" altLang="zh-CN" sz="1200" dirty="0"/>
               <a:t>spec:</a:t>
             </a:r>
-            <a:endParaRPr lang="zh-CN" altLang="en-US" sz="1000" dirty="0"/>
-          </a:p>
-          <a:p>
-            <a:r>
-              <a:rPr lang="zh-CN" altLang="en-US" sz="1000" dirty="0"/>
+            <a:endParaRPr lang="zh-CN" altLang="en-US" sz="1200" dirty="0"/>
+          </a:p>
+          <a:p>
+            <a:r>
+              <a:rPr lang="zh-CN" altLang="en-US" sz="1200" dirty="0"/>
               <a:t>      </a:t>
             </a:r>
             <a:r>
-              <a:rPr lang="en-US" altLang="zh-CN" sz="1000" dirty="0"/>
+              <a:rPr lang="en-US" altLang="zh-CN" sz="1200" dirty="0"/>
               <a:t>volumes:</a:t>
             </a:r>
-            <a:endParaRPr lang="zh-CN" altLang="en-US" sz="1000" dirty="0"/>
-          </a:p>
-          <a:p>
-            <a:r>
-              <a:rPr lang="zh-CN" altLang="en-US" sz="1000" dirty="0"/>
+            <a:endParaRPr lang="zh-CN" altLang="en-US" sz="1200" dirty="0"/>
+          </a:p>
+          <a:p>
+            <a:r>
+              <a:rPr lang="zh-CN" altLang="en-US" sz="1200" dirty="0"/>
               <a:t>        </a:t>
             </a:r>
             <a:r>
-              <a:rPr lang="en-US" altLang="zh-CN" sz="1000" dirty="0"/>
+              <a:rPr lang="en-US" altLang="zh-CN" sz="1200" dirty="0"/>
               <a:t>- name: </a:t>
             </a:r>
             <a:r>
-              <a:rPr lang="en-US" altLang="zh-CN" sz="1000" dirty="0" err="1"/>
+              <a:rPr lang="en-US" altLang="zh-CN" sz="1200" dirty="0" err="1"/>
               <a:t>postgre</a:t>
             </a:r>
             <a:r>
-              <a:rPr lang="en-US" altLang="zh-CN" sz="1000" dirty="0"/>
+              <a:rPr lang="en-US" altLang="zh-CN" sz="1200" dirty="0"/>
               <a:t>-user</a:t>
             </a:r>
-            <a:endParaRPr lang="zh-CN" altLang="en-US" sz="1000" dirty="0"/>
-          </a:p>
-          <a:p>
-            <a:r>
-              <a:rPr lang="zh-CN" altLang="en-US" sz="1000" dirty="0"/>
+            <a:endParaRPr lang="zh-CN" altLang="en-US" sz="1200" dirty="0"/>
+          </a:p>
+          <a:p>
+            <a:r>
+              <a:rPr lang="zh-CN" altLang="en-US" sz="1200" dirty="0"/>
               <a:t>          </a:t>
             </a:r>
             <a:r>
-              <a:rPr lang="en-US" altLang="zh-CN" sz="1000" dirty="0"/>
+              <a:rPr lang="en-US" altLang="zh-CN" sz="1200" dirty="0"/>
               <a:t>secret:</a:t>
             </a:r>
-            <a:endParaRPr lang="zh-CN" altLang="en-US" sz="1000" dirty="0"/>
-          </a:p>
-          <a:p>
-            <a:r>
-              <a:rPr lang="zh-CN" altLang="en-US" sz="1000" dirty="0"/>
+            <a:endParaRPr lang="zh-CN" altLang="en-US" sz="1200" dirty="0"/>
+          </a:p>
+          <a:p>
+            <a:r>
+              <a:rPr lang="zh-CN" altLang="en-US" sz="1200" dirty="0"/>
               <a:t>            </a:t>
             </a:r>
             <a:r>
-              <a:rPr lang="en-US" altLang="zh-CN" sz="1000" dirty="0" err="1"/>
+              <a:rPr lang="en-US" altLang="zh-CN" sz="1200" dirty="0" err="1"/>
               <a:t>secretName</a:t>
             </a:r>
             <a:r>
-              <a:rPr lang="en-US" altLang="zh-CN" sz="1000" dirty="0"/>
+              <a:rPr lang="en-US" altLang="zh-CN" sz="1200" dirty="0"/>
               <a:t>: </a:t>
             </a:r>
             <a:r>
-              <a:rPr lang="en-US" altLang="zh-CN" sz="1000" dirty="0" err="1"/>
+              <a:rPr lang="en-US" altLang="zh-CN" sz="1200" dirty="0" err="1"/>
               <a:t>dbuser</a:t>
             </a:r>
-            <a:endParaRPr lang="zh-CN" altLang="en-US" sz="1000" dirty="0"/>
-          </a:p>
-          <a:p>
-            <a:r>
-              <a:rPr lang="zh-CN" altLang="en-US" sz="1000" dirty="0"/>
+            <a:endParaRPr lang="zh-CN" altLang="en-US" sz="1200" dirty="0"/>
+          </a:p>
+          <a:p>
+            <a:r>
+              <a:rPr lang="zh-CN" altLang="en-US" sz="1200" dirty="0"/>
+              <a:t>      </a:t>
+            </a:r>
+            <a:r>
+              <a:rPr lang="en-US" altLang="zh-CN" sz="1200" dirty="0"/>
+              <a:t>containers:</a:t>
+            </a:r>
+            <a:endParaRPr lang="zh-CN" altLang="en-US" sz="1200" dirty="0"/>
+          </a:p>
+          <a:p>
+            <a:r>
+              <a:rPr lang="zh-CN" altLang="en-US" sz="1200" dirty="0"/>
               <a:t>        </a:t>
             </a:r>
             <a:r>
-              <a:rPr lang="en-US" altLang="zh-CN" sz="1000" dirty="0"/>
-              <a:t>- name: person-data</a:t>
-            </a:r>
-            <a:endParaRPr lang="zh-CN" altLang="en-US" sz="1000" dirty="0"/>
-          </a:p>
-          <a:p>
-            <a:r>
-              <a:rPr lang="zh-CN" altLang="en-US" sz="1000" dirty="0"/>
+              <a:rPr lang="en-US" altLang="zh-CN" sz="1200" dirty="0"/>
+              <a:t>- name: </a:t>
+            </a:r>
+            <a:r>
+              <a:rPr lang="en-US" altLang="zh-CN" sz="1200" dirty="0" err="1"/>
+              <a:t>k8saspnetcoredemo003</a:t>
+            </a:r>
+            <a:endParaRPr lang="zh-CN" altLang="en-US" sz="1200" dirty="0"/>
+          </a:p>
+          <a:p>
+            <a:r>
+              <a:rPr lang="zh-CN" altLang="en-US" sz="1200" dirty="0"/>
               <a:t>          </a:t>
             </a:r>
             <a:r>
-              <a:rPr lang="en-US" altLang="zh-CN" sz="1000" dirty="0" err="1"/>
-              <a:t>configMap</a:t>
-            </a:r>
-            <a:r>
-              <a:rPr lang="en-US" altLang="zh-CN" sz="1000" dirty="0"/>
+              <a:rPr lang="en-US" altLang="zh-CN" sz="1200" dirty="0"/>
+              <a:t>image: </a:t>
+            </a:r>
+            <a:r>
+              <a:rPr lang="en-US" altLang="zh-CN" sz="1200" dirty="0" err="1"/>
+              <a:t>axzxs2001</a:t>
+            </a:r>
+            <a:r>
+              <a:rPr lang="en-US" altLang="zh-CN" sz="1200" dirty="0"/>
+              <a:t>/</a:t>
+            </a:r>
+            <a:r>
+              <a:rPr lang="en-US" altLang="zh-CN" sz="1200" dirty="0" err="1"/>
+              <a:t>k8saspnetcoredemo003:v5</a:t>
+            </a:r>
+            <a:endParaRPr lang="zh-CN" altLang="en-US" sz="1200" dirty="0"/>
+          </a:p>
+          <a:p>
+            <a:r>
+              <a:rPr lang="zh-CN" altLang="en-US" sz="1200" dirty="0"/>
+              <a:t>          </a:t>
+            </a:r>
+            <a:r>
+              <a:rPr lang="en-US" altLang="zh-CN" sz="1200" dirty="0" err="1"/>
+              <a:t>imagePullPolicy</a:t>
+            </a:r>
+            <a:r>
+              <a:rPr lang="en-US" altLang="zh-CN" sz="1200" dirty="0"/>
+              <a:t>: </a:t>
+            </a:r>
+            <a:r>
+              <a:rPr lang="en-US" altLang="zh-CN" sz="1200" dirty="0" err="1"/>
+              <a:t>IfNotPresent</a:t>
+            </a:r>
+            <a:endParaRPr lang="zh-CN" altLang="en-US" sz="1200" dirty="0"/>
+          </a:p>
+          <a:p>
+            <a:r>
+              <a:rPr lang="zh-CN" altLang="en-US" sz="1200" dirty="0"/>
+              <a:t>          </a:t>
+            </a:r>
+            <a:r>
+              <a:rPr lang="en-US" altLang="zh-CN" sz="1200" dirty="0"/>
+              <a:t>ports:</a:t>
+            </a:r>
+            <a:endParaRPr lang="zh-CN" altLang="en-US" sz="1200" dirty="0"/>
+          </a:p>
+          <a:p>
+            <a:r>
+              <a:rPr lang="zh-CN" altLang="en-US" sz="1200" dirty="0"/>
+              <a:t>            </a:t>
+            </a:r>
+            <a:r>
+              <a:rPr lang="en-US" altLang="zh-CN" sz="1200" dirty="0"/>
+              <a:t>- </a:t>
+            </a:r>
+            <a:r>
+              <a:rPr lang="en-US" altLang="zh-CN" sz="1200" dirty="0" err="1"/>
+              <a:t>containerPort</a:t>
+            </a:r>
+            <a:r>
+              <a:rPr lang="en-US" altLang="zh-CN" sz="1200" dirty="0"/>
+              <a:t>: 4045</a:t>
+            </a:r>
+            <a:endParaRPr lang="zh-CN" altLang="en-US" sz="1200" dirty="0"/>
+          </a:p>
+          <a:p>
+            <a:r>
+              <a:rPr lang="zh-CN" altLang="en-US" sz="1200" dirty="0"/>
+              <a:t>          </a:t>
+            </a:r>
+            <a:r>
+              <a:rPr lang="en-US" altLang="zh-CN" sz="1200" dirty="0" err="1"/>
+              <a:t>volumeMounts</a:t>
+            </a:r>
+            <a:r>
+              <a:rPr lang="en-US" altLang="zh-CN" sz="1200" dirty="0"/>
               <a:t>:</a:t>
             </a:r>
-            <a:endParaRPr lang="zh-CN" altLang="en-US" sz="1000" dirty="0"/>
-          </a:p>
-          <a:p>
-            <a:r>
-              <a:rPr lang="zh-CN" altLang="en-US" sz="1000" dirty="0"/>
+            <a:endParaRPr lang="zh-CN" altLang="en-US" sz="1200" dirty="0"/>
+          </a:p>
+          <a:p>
+            <a:r>
+              <a:rPr lang="zh-CN" altLang="en-US" sz="1200" dirty="0"/>
               <a:t>            </a:t>
             </a:r>
             <a:r>
-              <a:rPr lang="en-US" altLang="zh-CN" sz="1000" dirty="0"/>
-              <a:t>name: </a:t>
-            </a:r>
-            <a:r>
-              <a:rPr lang="en-US" altLang="zh-CN" sz="1000" dirty="0" err="1"/>
-              <a:t>personcfg</a:t>
-            </a:r>
-            <a:endParaRPr lang="zh-CN" altLang="en-US" sz="1000" dirty="0"/>
-          </a:p>
-          <a:p>
-            <a:r>
-              <a:rPr lang="zh-CN" altLang="en-US" sz="1000" dirty="0"/>
-              <a:t>      </a:t>
-            </a:r>
-            <a:r>
-              <a:rPr lang="en-US" altLang="zh-CN" sz="1000" dirty="0"/>
-              <a:t>containers:</a:t>
-            </a:r>
-            <a:endParaRPr lang="zh-CN" altLang="en-US" sz="1000" dirty="0"/>
-          </a:p>
-          <a:p>
-            <a:r>
-              <a:rPr lang="zh-CN" altLang="en-US" sz="1000" dirty="0"/>
-              <a:t>        </a:t>
-            </a:r>
-            <a:r>
-              <a:rPr lang="en-US" altLang="zh-CN" sz="1000" dirty="0"/>
+              <a:rPr lang="en-US" altLang="zh-CN" sz="1200" dirty="0"/>
               <a:t>- name: </a:t>
             </a:r>
             <a:r>
-              <a:rPr lang="en-US" altLang="zh-CN" sz="1000" dirty="0" err="1"/>
-              <a:t>k8saspnetcoredemo003</a:t>
-            </a:r>
-            <a:endParaRPr lang="zh-CN" altLang="en-US" sz="1000" dirty="0"/>
-          </a:p>
-          <a:p>
-            <a:r>
-              <a:rPr lang="zh-CN" altLang="en-US" sz="1000" dirty="0"/>
-              <a:t>          </a:t>
-            </a:r>
-            <a:r>
-              <a:rPr lang="en-US" altLang="zh-CN" sz="1000" dirty="0"/>
-              <a:t>image: </a:t>
-            </a:r>
-            <a:r>
-              <a:rPr lang="en-US" altLang="zh-CN" sz="1000" dirty="0" err="1"/>
-              <a:t>axzxs2001</a:t>
-            </a:r>
-            <a:r>
-              <a:rPr lang="en-US" altLang="zh-CN" sz="1000" dirty="0"/>
-              <a:t>/</a:t>
-            </a:r>
-            <a:r>
-              <a:rPr lang="en-US" altLang="zh-CN" sz="1000" dirty="0" err="1"/>
-              <a:t>k8saspnetcoredemo003:v10</a:t>
-            </a:r>
-            <a:endParaRPr lang="zh-CN" altLang="en-US" sz="1000" dirty="0"/>
-          </a:p>
-          <a:p>
-            <a:r>
-              <a:rPr lang="zh-CN" altLang="en-US" sz="1000" dirty="0"/>
-              <a:t>          </a:t>
-            </a:r>
-            <a:r>
-              <a:rPr lang="en-US" altLang="zh-CN" sz="1000" dirty="0" err="1"/>
-              <a:t>imagePullPolicy</a:t>
-            </a:r>
-            <a:r>
-              <a:rPr lang="en-US" altLang="zh-CN" sz="1000" dirty="0"/>
-              <a:t>: </a:t>
-            </a:r>
-            <a:r>
-              <a:rPr lang="en-US" altLang="zh-CN" sz="1000" dirty="0" err="1"/>
-              <a:t>IfNotPresent</a:t>
-            </a:r>
-            <a:endParaRPr lang="zh-CN" altLang="en-US" sz="1000" dirty="0"/>
-          </a:p>
-          <a:p>
-            <a:r>
-              <a:rPr lang="zh-CN" altLang="en-US" sz="1000" dirty="0"/>
-              <a:t>          </a:t>
-            </a:r>
-            <a:r>
-              <a:rPr lang="en-US" altLang="zh-CN" sz="1000" dirty="0"/>
-              <a:t>ports:</a:t>
-            </a:r>
-            <a:endParaRPr lang="zh-CN" altLang="en-US" sz="1000" dirty="0"/>
-          </a:p>
-          <a:p>
-            <a:r>
-              <a:rPr lang="zh-CN" altLang="en-US" sz="1000" dirty="0"/>
-              <a:t>            </a:t>
-            </a:r>
-            <a:r>
-              <a:rPr lang="en-US" altLang="zh-CN" sz="1000" dirty="0"/>
-              <a:t>- </a:t>
-            </a:r>
-            <a:r>
-              <a:rPr lang="en-US" altLang="zh-CN" sz="1000" dirty="0" err="1"/>
-              <a:t>containerPort</a:t>
-            </a:r>
-            <a:r>
-              <a:rPr lang="en-US" altLang="zh-CN" sz="1000" dirty="0"/>
-              <a:t>: 4045</a:t>
-            </a:r>
-            <a:endParaRPr lang="zh-CN" altLang="en-US" sz="1000" dirty="0"/>
-          </a:p>
-          <a:p>
-            <a:r>
-              <a:rPr lang="zh-CN" altLang="en-US" sz="1000" dirty="0"/>
-              <a:t>          </a:t>
-            </a:r>
-            <a:r>
-              <a:rPr lang="en-US" altLang="zh-CN" sz="1000" dirty="0" err="1"/>
-              <a:t>volumeMounts</a:t>
-            </a:r>
-            <a:r>
-              <a:rPr lang="en-US" altLang="zh-CN" sz="1000" dirty="0"/>
-              <a:t>:</a:t>
-            </a:r>
-            <a:endParaRPr lang="zh-CN" altLang="en-US" sz="1000" dirty="0"/>
-          </a:p>
-          <a:p>
-            <a:r>
-              <a:rPr lang="zh-CN" altLang="en-US" sz="1000" dirty="0"/>
-              <a:t>            </a:t>
-            </a:r>
-            <a:r>
-              <a:rPr lang="en-US" altLang="zh-CN" sz="1000" dirty="0"/>
-              <a:t>- name: </a:t>
-            </a:r>
-            <a:r>
-              <a:rPr lang="en-US" altLang="zh-CN" sz="1000" dirty="0" err="1"/>
+              <a:rPr lang="en-US" altLang="zh-CN" sz="1200" dirty="0" err="1"/>
               <a:t>postgre</a:t>
             </a:r>
             <a:r>
-              <a:rPr lang="en-US" altLang="zh-CN" sz="1000" dirty="0"/>
+              <a:rPr lang="en-US" altLang="zh-CN" sz="1200" dirty="0"/>
               <a:t>-user</a:t>
             </a:r>
-            <a:endParaRPr lang="zh-CN" altLang="en-US" sz="1000" dirty="0"/>
-          </a:p>
-          <a:p>
-            <a:r>
-              <a:rPr lang="zh-CN" altLang="en-US" sz="1000" dirty="0"/>
+            <a:endParaRPr lang="zh-CN" altLang="en-US" sz="1200" dirty="0"/>
+          </a:p>
+          <a:p>
+            <a:r>
+              <a:rPr lang="zh-CN" altLang="en-US" sz="1200" dirty="0"/>
               <a:t>              </a:t>
             </a:r>
             <a:r>
-              <a:rPr lang="en-US" altLang="zh-CN" sz="1000" dirty="0" err="1"/>
+              <a:rPr lang="en-US" altLang="zh-CN" sz="1200" dirty="0" err="1"/>
               <a:t>mountPath</a:t>
             </a:r>
             <a:r>
-              <a:rPr lang="en-US" altLang="zh-CN" sz="1000" dirty="0"/>
+              <a:rPr lang="en-US" altLang="zh-CN" sz="1200" dirty="0"/>
               <a:t>: "/projected-volume"</a:t>
             </a:r>
-            <a:endParaRPr lang="zh-CN" altLang="en-US" sz="1000" dirty="0"/>
-          </a:p>
-          <a:p>
-            <a:r>
-              <a:rPr lang="zh-CN" altLang="en-US" sz="1000" dirty="0"/>
+            <a:endParaRPr lang="zh-CN" altLang="en-US" sz="1200" dirty="0"/>
+          </a:p>
+          <a:p>
+            <a:r>
+              <a:rPr lang="zh-CN" altLang="en-US" sz="1200" dirty="0"/>
               <a:t>              </a:t>
             </a:r>
             <a:r>
-              <a:rPr lang="en-US" altLang="zh-CN" sz="1000" dirty="0" err="1"/>
+              <a:rPr lang="en-US" altLang="zh-CN" sz="1200" dirty="0" err="1"/>
               <a:t>readOnly</a:t>
             </a:r>
             <a:r>
-              <a:rPr lang="en-US" altLang="zh-CN" sz="1000" dirty="0"/>
+              <a:rPr lang="en-US" altLang="zh-CN" sz="1200" dirty="0"/>
               <a:t>: true</a:t>
             </a:r>
-            <a:endParaRPr lang="zh-CN" altLang="en-US" sz="1000" dirty="0"/>
-          </a:p>
-          <a:p>
-            <a:r>
-              <a:rPr lang="zh-CN" altLang="en-US" sz="1000" dirty="0"/>
-              <a:t>            </a:t>
-            </a:r>
-            <a:r>
-              <a:rPr lang="en-US" altLang="zh-CN" sz="1000" dirty="0"/>
-              <a:t>- name: person-data</a:t>
-            </a:r>
-            <a:endParaRPr lang="zh-CN" altLang="en-US" sz="1000" dirty="0"/>
-          </a:p>
-          <a:p>
-            <a:r>
-              <a:rPr lang="zh-CN" altLang="en-US" sz="1000" dirty="0"/>
-              <a:t>              </a:t>
-            </a:r>
-            <a:r>
-              <a:rPr lang="en-US" altLang="zh-CN" sz="1000" dirty="0" err="1"/>
-              <a:t>mountPath</a:t>
-            </a:r>
-            <a:r>
-              <a:rPr lang="en-US" altLang="zh-CN" sz="1000" dirty="0"/>
-              <a:t>: "/</a:t>
-            </a:r>
-            <a:r>
-              <a:rPr lang="en-US" altLang="zh-CN" sz="1000" dirty="0" err="1"/>
-              <a:t>persondata</a:t>
-            </a:r>
-            <a:r>
-              <a:rPr lang="en-US" altLang="zh-CN" sz="1000" dirty="0"/>
-              <a:t>"</a:t>
-            </a:r>
-            <a:endParaRPr lang="zh-CN" altLang="en-US" sz="1000" dirty="0"/>
-          </a:p>
-          <a:p>
-            <a:r>
-              <a:rPr lang="zh-CN" altLang="en-US" sz="1000" dirty="0"/>
-              <a:t>              </a:t>
-            </a:r>
-            <a:r>
-              <a:rPr lang="en-US" altLang="zh-CN" sz="1000" dirty="0" err="1"/>
-              <a:t>readOnly</a:t>
-            </a:r>
-            <a:r>
-              <a:rPr lang="en-US" altLang="zh-CN" sz="1000" dirty="0"/>
-              <a:t>: true</a:t>
-            </a:r>
-            <a:endParaRPr lang="zh-CN" altLang="en-US" sz="1000" dirty="0"/>
-          </a:p>
-          <a:p>
-            <a:endParaRPr lang="zh-CN" altLang="en-US" sz="1000" dirty="0"/>
+            <a:endParaRPr lang="zh-CN" altLang="en-US" sz="1200" dirty="0"/>
           </a:p>
         </p:txBody>
       </p:sp>
       <p:sp>
         <p:nvSpPr>
-          <p:cNvPr id="6" name="矩形 5">
+          <p:cNvPr id="5" name="矩形 4">
             <a:extLst>
               <a:ext uri="{FF2B5EF4-FFF2-40B4-BE49-F238E27FC236}">
-                <a16:creationId xmlns:a16="http://schemas.microsoft.com/office/drawing/2014/main" id="{A96F3217-B87D-4A70-9B87-1FFECFA101E3}"/>
+                <a16:creationId xmlns:a16="http://schemas.microsoft.com/office/drawing/2014/main" id="{E024F91C-602B-4002-B431-039BC1D38129}"/>
               </a:ext>
             </a:extLst>
           </p:cNvPr>
@@ -15080,8 +17137,57 @@
         </p:nvSpPr>
         <p:spPr>
           <a:xfrm>
-            <a:off x="464288" y="3713593"/>
-            <a:ext cx="6096000" cy="1477328"/>
+            <a:off x="655675" y="1457511"/>
+            <a:ext cx="4990214" cy="1200329"/>
+          </a:xfrm>
+          <a:prstGeom prst="rect">
+            <a:avLst/>
+          </a:prstGeom>
+        </p:spPr>
+        <p:txBody>
+          <a:bodyPr wrap="square">
+            <a:spAutoFit/>
+          </a:bodyPr>
+          <a:lstStyle/>
+          <a:p>
+            <a:r>
+              <a:rPr lang="zh-CN" altLang="en-US" dirty="0"/>
+              <a:t>生成</a:t>
+            </a:r>
+            <a:r>
+              <a:rPr lang="en-US" altLang="zh-CN" dirty="0"/>
+              <a:t>secret</a:t>
+            </a:r>
+            <a:r>
+              <a:rPr lang="zh-CN" altLang="en-US" dirty="0"/>
+              <a:t>，两个文件合关</a:t>
+            </a:r>
+            <a:endParaRPr lang="en-US" altLang="zh-CN" dirty="0"/>
+          </a:p>
+          <a:p>
+            <a:r>
+              <a:rPr lang="zh-CN" altLang="en-US" dirty="0"/>
+              <a:t>sudo kubectl create secret generic dbuser --from-file=postgre/password.txt --from-file=postgre/username.txt</a:t>
+            </a:r>
+          </a:p>
+        </p:txBody>
+      </p:sp>
+      <p:sp>
+        <p:nvSpPr>
+          <p:cNvPr id="6" name="矩形 5">
+            <a:extLst>
+              <a:ext uri="{FF2B5EF4-FFF2-40B4-BE49-F238E27FC236}">
+                <a16:creationId xmlns:a16="http://schemas.microsoft.com/office/drawing/2014/main" id="{F94F7D82-8C87-438B-A6B3-E4BB195B729D}"/>
+              </a:ext>
+            </a:extLst>
+          </p:cNvPr>
+          <p:cNvSpPr/>
+          <p:nvPr/>
+        </p:nvSpPr>
+        <p:spPr>
+          <a:xfrm>
+            <a:off x="549350" y="3045999"/>
+            <a:ext cx="6096000" cy="2308324"/>
           </a:xfrm>
           <a:prstGeom prst="rect">
             <a:avLst/>
@@ -15124,7 +17230,7 @@
           <a:p>
             <a:endParaRPr lang="en-US" altLang="zh-CN" dirty="0">
               <a:solidFill>
-                <a:srgbClr val="0000FF"/>
+                <a:srgbClr val="000000"/>
               </a:solidFill>
               <a:latin typeface="新宋体" panose="02010609030101010101" pitchFamily="49" charset="-122"/>
               <a:ea typeface="新宋体" panose="02010609030101010101" pitchFamily="49" charset="-122"/>
@@ -15134,112 +17240,194 @@
             <a:r>
               <a:rPr lang="en-US" altLang="zh-CN" dirty="0">
                 <a:solidFill>
-                  <a:srgbClr val="0000FF"/>
+                  <a:srgbClr val="000000"/>
                 </a:solidFill>
                 <a:latin typeface="新宋体" panose="02010609030101010101" pitchFamily="49" charset="-122"/>
                 <a:ea typeface="新宋体" panose="02010609030101010101" pitchFamily="49" charset="-122"/>
               </a:rPr>
-              <a:t>var</a:t>
+              <a:t> </a:t>
             </a:r>
             <a:r>
               <a:rPr lang="en-US" altLang="zh-CN" dirty="0">
                 <a:solidFill>
-                  <a:srgbClr val="000000"/>
+                  <a:srgbClr val="0000FF"/>
                 </a:solidFill>
                 <a:latin typeface="新宋体" panose="02010609030101010101" pitchFamily="49" charset="-122"/>
                 <a:ea typeface="新宋体" panose="02010609030101010101" pitchFamily="49" charset="-122"/>
               </a:rPr>
-              <a:t> person = </a:t>
-            </a:r>
-            <a:r>
-              <a:rPr lang="en-US" altLang="zh-CN" dirty="0" err="1">
+              <a:t>var</a:t>
+            </a:r>
+            <a:r>
+              <a:rPr lang="en-US" altLang="zh-CN" dirty="0">
                 <a:solidFill>
                   <a:srgbClr val="000000"/>
                 </a:solidFill>
                 <a:latin typeface="新宋体" panose="02010609030101010101" pitchFamily="49" charset="-122"/>
                 <a:ea typeface="新宋体" panose="02010609030101010101" pitchFamily="49" charset="-122"/>
               </a:rPr>
-              <a:t>System.IO.File.ReadAllText</a:t>
-            </a:r>
-            <a:r>
-              <a:rPr lang="en-US" altLang="zh-CN" dirty="0">
+              <a:t> </a:t>
+            </a:r>
+            <a:r>
+              <a:rPr lang="en-US" altLang="zh-CN" dirty="0" err="1">
                 <a:solidFill>
                   <a:srgbClr val="000000"/>
                 </a:solidFill>
                 <a:latin typeface="新宋体" panose="02010609030101010101" pitchFamily="49" charset="-122"/>
                 <a:ea typeface="新宋体" panose="02010609030101010101" pitchFamily="49" charset="-122"/>
               </a:rPr>
-              <a:t>(</a:t>
+              <a:t>userName</a:t>
             </a:r>
             <a:r>
               <a:rPr lang="en-US" altLang="zh-CN" dirty="0">
                 <a:solidFill>
-                  <a:srgbClr val="A31515"/>
+                  <a:srgbClr val="000000"/>
                 </a:solidFill>
                 <a:latin typeface="新宋体" panose="02010609030101010101" pitchFamily="49" charset="-122"/>
                 <a:ea typeface="新宋体" panose="02010609030101010101" pitchFamily="49" charset="-122"/>
               </a:rPr>
-              <a:t>"/</a:t>
+              <a:t> = </a:t>
             </a:r>
             <a:r>
               <a:rPr lang="en-US" altLang="zh-CN" dirty="0" err="1">
                 <a:solidFill>
-                  <a:srgbClr val="A31515"/>
+                  <a:srgbClr val="000000"/>
                 </a:solidFill>
                 <a:latin typeface="新宋体" panose="02010609030101010101" pitchFamily="49" charset="-122"/>
                 <a:ea typeface="新宋体" panose="02010609030101010101" pitchFamily="49" charset="-122"/>
               </a:rPr>
-              <a:t>persondata</a:t>
+              <a:t>System.IO.File.ReadAllText</a:t>
             </a:r>
             <a:r>
               <a:rPr lang="en-US" altLang="zh-CN" dirty="0">
                 <a:solidFill>
-                  <a:srgbClr val="A31515"/>
+                  <a:srgbClr val="000000"/>
                 </a:solidFill>
                 <a:latin typeface="新宋体" panose="02010609030101010101" pitchFamily="49" charset="-122"/>
                 <a:ea typeface="新宋体" panose="02010609030101010101" pitchFamily="49" charset="-122"/>
               </a:rPr>
-              <a:t>/</a:t>
-            </a:r>
-            <a:r>
-              <a:rPr lang="en-US" altLang="zh-CN" dirty="0" err="1">
+              <a:t>(</a:t>
+            </a:r>
+            <a:r>
+              <a:rPr lang="en-US" altLang="zh-CN" dirty="0">
                 <a:solidFill>
                   <a:srgbClr val="A31515"/>
                 </a:solidFill>
                 <a:latin typeface="新宋体" panose="02010609030101010101" pitchFamily="49" charset="-122"/>
                 <a:ea typeface="新宋体" panose="02010609030101010101" pitchFamily="49" charset="-122"/>
               </a:rPr>
-              <a:t>data.txt</a:t>
-            </a:r>
-            <a:r>
-              <a:rPr lang="en-US" altLang="zh-CN" dirty="0">
+              <a:t>"/projected-volume/</a:t>
+            </a:r>
+            <a:r>
+              <a:rPr lang="en-US" altLang="zh-CN" dirty="0" err="1">
                 <a:solidFill>
                   <a:srgbClr val="A31515"/>
                 </a:solidFill>
                 <a:latin typeface="新宋体" panose="02010609030101010101" pitchFamily="49" charset="-122"/>
                 <a:ea typeface="新宋体" panose="02010609030101010101" pitchFamily="49" charset="-122"/>
               </a:rPr>
-              <a:t>"</a:t>
+              <a:t>username.txt</a:t>
             </a:r>
             <a:r>
               <a:rPr lang="en-US" altLang="zh-CN" dirty="0">
                 <a:solidFill>
-                  <a:srgbClr val="000000"/>
+                  <a:srgbClr val="A31515"/>
                 </a:solidFill>
                 <a:latin typeface="新宋体" panose="02010609030101010101" pitchFamily="49" charset="-122"/>
                 <a:ea typeface="新宋体" panose="02010609030101010101" pitchFamily="49" charset="-122"/>
               </a:rPr>
-              <a:t>, </a:t>
-            </a:r>
-            <a:r>
-              <a:rPr lang="en-US" altLang="zh-CN" dirty="0" err="1">
+              <a:t>"</a:t>
+            </a:r>
+            <a:r>
+              <a:rPr lang="en-US" altLang="zh-CN" dirty="0">
                 <a:solidFill>
                   <a:srgbClr val="000000"/>
                 </a:solidFill>
                 <a:latin typeface="新宋体" panose="02010609030101010101" pitchFamily="49" charset="-122"/>
                 <a:ea typeface="新宋体" panose="02010609030101010101" pitchFamily="49" charset="-122"/>
               </a:rPr>
-              <a:t>System.Text.Encoding.UTF8</a:t>
+              <a:t>);</a:t>
+            </a:r>
+          </a:p>
+          <a:p>
+            <a:r>
+              <a:rPr lang="en-US" altLang="zh-CN" dirty="0">
+                <a:solidFill>
+                  <a:srgbClr val="000000"/>
+                </a:solidFill>
+                <a:latin typeface="新宋体" panose="02010609030101010101" pitchFamily="49" charset="-122"/>
+                <a:ea typeface="新宋体" panose="02010609030101010101" pitchFamily="49" charset="-122"/>
+              </a:rPr>
+              <a:t>                </a:t>
+            </a:r>
+            <a:r>
+              <a:rPr lang="en-US" altLang="zh-CN" dirty="0">
+                <a:solidFill>
+                  <a:srgbClr val="0000FF"/>
+                </a:solidFill>
+                <a:latin typeface="新宋体" panose="02010609030101010101" pitchFamily="49" charset="-122"/>
+                <a:ea typeface="新宋体" panose="02010609030101010101" pitchFamily="49" charset="-122"/>
+              </a:rPr>
+              <a:t>var</a:t>
+            </a:r>
+            <a:r>
+              <a:rPr lang="en-US" altLang="zh-CN" dirty="0">
+                <a:solidFill>
+                  <a:srgbClr val="000000"/>
+                </a:solidFill>
+                <a:latin typeface="新宋体" panose="02010609030101010101" pitchFamily="49" charset="-122"/>
+                <a:ea typeface="新宋体" panose="02010609030101010101" pitchFamily="49" charset="-122"/>
+              </a:rPr>
+              <a:t> password = </a:t>
+            </a:r>
+            <a:r>
+              <a:rPr lang="en-US" altLang="zh-CN" dirty="0" err="1">
+                <a:solidFill>
+                  <a:srgbClr val="000000"/>
+                </a:solidFill>
+                <a:latin typeface="新宋体" panose="02010609030101010101" pitchFamily="49" charset="-122"/>
+                <a:ea typeface="新宋体" panose="02010609030101010101" pitchFamily="49" charset="-122"/>
+              </a:rPr>
+              <a:t>System.IO.File.ReadAllText</a:t>
+            </a:r>
+            <a:r>
+              <a:rPr lang="en-US" altLang="zh-CN" dirty="0">
+                <a:solidFill>
+                  <a:srgbClr val="000000"/>
+                </a:solidFill>
+                <a:latin typeface="新宋体" panose="02010609030101010101" pitchFamily="49" charset="-122"/>
+                <a:ea typeface="新宋体" panose="02010609030101010101" pitchFamily="49" charset="-122"/>
+              </a:rPr>
+              <a:t>(</a:t>
+            </a:r>
+            <a:r>
+              <a:rPr lang="en-US" altLang="zh-CN" dirty="0">
+                <a:solidFill>
+                  <a:srgbClr val="A31515"/>
+                </a:solidFill>
+                <a:latin typeface="新宋体" panose="02010609030101010101" pitchFamily="49" charset="-122"/>
+                <a:ea typeface="新宋体" panose="02010609030101010101" pitchFamily="49" charset="-122"/>
+              </a:rPr>
+              <a:t>"/projected-volume/</a:t>
+            </a:r>
+            <a:r>
+              <a:rPr lang="en-US" altLang="zh-CN" dirty="0" err="1">
+                <a:solidFill>
+                  <a:srgbClr val="A31515"/>
+                </a:solidFill>
+                <a:latin typeface="新宋体" panose="02010609030101010101" pitchFamily="49" charset="-122"/>
+                <a:ea typeface="新宋体" panose="02010609030101010101" pitchFamily="49" charset="-122"/>
+              </a:rPr>
+              <a:t>password.txt</a:t>
+            </a:r>
+            <a:r>
+              <a:rPr lang="en-US" altLang="zh-CN" dirty="0">
+                <a:solidFill>
+                  <a:srgbClr val="A31515"/>
+                </a:solidFill>
+                <a:latin typeface="新宋体" panose="02010609030101010101" pitchFamily="49" charset="-122"/>
+                <a:ea typeface="新宋体" panose="02010609030101010101" pitchFamily="49" charset="-122"/>
+              </a:rPr>
+              <a:t>"</a:t>
             </a:r>
             <a:r>
               <a:rPr lang="en-US" altLang="zh-CN" dirty="0">
@@ -15258,7 +17446,7 @@
     </p:spTree>
     <p:extLst>
       <p:ext uri="{BB962C8B-B14F-4D97-AF65-F5344CB8AC3E}">
-        <p14:creationId xmlns:p14="http://schemas.microsoft.com/office/powerpoint/2010/main" val="1328722284"/>
+        <p14:creationId xmlns:p14="http://schemas.microsoft.com/office/powerpoint/2010/main" val="683582217"/>
       </p:ext>
     </p:extLst>
   </p:cSld>
@@ -15315,7 +17503,7 @@
           <a:p>
             <a:r>
               <a:rPr lang="en-US" altLang="zh-CN" sz="3000" dirty="0" err="1"/>
-              <a:t>DaemonSet</a:t>
+              <a:t>ConfigMap</a:t>
             </a:r>
             <a:endParaRPr lang="zh-CN" altLang="en-US" sz="3000" dirty="0"/>
           </a:p>
@@ -15323,30 +17511,784 @@
       </p:sp>
       <p:sp>
         <p:nvSpPr>
-          <p:cNvPr id="3" name="内容占位符 2">
+          <p:cNvPr id="4" name="矩形 3">
             <a:extLst>
               <a:ext uri="{FF2B5EF4-FFF2-40B4-BE49-F238E27FC236}">
-                <a16:creationId xmlns:a16="http://schemas.microsoft.com/office/drawing/2014/main" id="{6CA78E39-E363-42D1-BE9D-BB96C903EDB2}"/>
+                <a16:creationId xmlns:a16="http://schemas.microsoft.com/office/drawing/2014/main" id="{C407AD38-0DD5-4AF3-A5AB-1AAC367ABCD7}"/>
               </a:ext>
             </a:extLst>
           </p:cNvPr>
-          <p:cNvSpPr>
-            <a:spLocks noGrp="1"/>
-          </p:cNvSpPr>
-          <p:nvPr>
-            <p:ph idx="1"/>
-          </p:nvPr>
+          <p:cNvSpPr/>
+          <p:nvPr/>
         </p:nvSpPr>
         <p:spPr>
           <a:xfrm>
-            <a:off x="838200" y="1010094"/>
-            <a:ext cx="10515600" cy="5166869"/>
+            <a:off x="379229" y="1574747"/>
+            <a:ext cx="6096000" cy="1200329"/>
           </a:xfrm>
+          <a:prstGeom prst="rect">
+            <a:avLst/>
+          </a:prstGeom>
         </p:spPr>
         <p:txBody>
-          <a:bodyPr/>
+          <a:bodyPr>
+            <a:spAutoFit/>
+          </a:bodyPr>
           <a:lstStyle/>
           <a:p>
+            <a:r>
+              <a:rPr lang="zh-CN" altLang="en-US" dirty="0"/>
+              <a:t>生成</a:t>
+            </a:r>
+            <a:r>
+              <a:rPr lang="en-US" altLang="zh-CN" dirty="0" err="1"/>
+              <a:t>configMap</a:t>
+            </a:r>
+            <a:endParaRPr lang="en-US" altLang="zh-CN" dirty="0"/>
+          </a:p>
+          <a:p>
+            <a:endParaRPr lang="en-US" altLang="zh-CN" dirty="0"/>
+          </a:p>
+          <a:p>
+            <a:r>
+              <a:rPr lang="zh-CN" altLang="en-US" dirty="0"/>
+              <a:t>sudo kubectl create configmap personcfg --from-file=postgre/data.txt</a:t>
+            </a:r>
+          </a:p>
+        </p:txBody>
+      </p:sp>
+      <p:sp>
+        <p:nvSpPr>
+          <p:cNvPr id="5" name="矩形 4">
+            <a:extLst>
+              <a:ext uri="{FF2B5EF4-FFF2-40B4-BE49-F238E27FC236}">
+                <a16:creationId xmlns:a16="http://schemas.microsoft.com/office/drawing/2014/main" id="{C6A6EA4A-6B6C-445A-BAD6-67F0312855E9}"/>
+              </a:ext>
+            </a:extLst>
+          </p:cNvPr>
+          <p:cNvSpPr/>
+          <p:nvPr/>
+        </p:nvSpPr>
+        <p:spPr>
+          <a:xfrm>
+            <a:off x="7212419" y="535900"/>
+            <a:ext cx="4515293" cy="5786199"/>
+          </a:xfrm>
+          <a:prstGeom prst="rect">
+            <a:avLst/>
+          </a:prstGeom>
+        </p:spPr>
+        <p:style>
+          <a:lnRef idx="2">
+            <a:schemeClr val="accent6">
+              <a:shade val="50000"/>
+            </a:schemeClr>
+          </a:lnRef>
+          <a:fillRef idx="1">
+            <a:schemeClr val="accent6"/>
+          </a:fillRef>
+          <a:effectRef idx="0">
+            <a:schemeClr val="accent6"/>
+          </a:effectRef>
+          <a:fontRef idx="minor">
+            <a:schemeClr val="lt1"/>
+          </a:fontRef>
+        </p:style>
+        <p:txBody>
+          <a:bodyPr wrap="square">
+            <a:spAutoFit/>
+          </a:bodyPr>
+          <a:lstStyle/>
+          <a:p>
+            <a:r>
+              <a:rPr lang="en-US" altLang="zh-CN" sz="1000" dirty="0" err="1">
+                <a:latin typeface="Consolas" panose="020B0609020204030204" pitchFamily="49" charset="0"/>
+              </a:rPr>
+              <a:t>Aspnetcore-deployment.yaml</a:t>
+            </a:r>
+            <a:r>
+              <a:rPr lang="zh-CN" altLang="en-US" sz="1000" dirty="0">
+                <a:latin typeface="Consolas" panose="020B0609020204030204" pitchFamily="49" charset="0"/>
+              </a:rPr>
+              <a:t>文件：</a:t>
+            </a:r>
+            <a:endParaRPr lang="en-US" altLang="zh-CN" sz="1000" dirty="0">
+              <a:latin typeface="Consolas" panose="020B0609020204030204" pitchFamily="49" charset="0"/>
+            </a:endParaRPr>
+          </a:p>
+          <a:p>
+            <a:endParaRPr lang="en-US" altLang="zh-CN" sz="1000" dirty="0">
+              <a:latin typeface="Consolas" panose="020B0609020204030204" pitchFamily="49" charset="0"/>
+            </a:endParaRPr>
+          </a:p>
+          <a:p>
+            <a:r>
+              <a:rPr lang="en-US" altLang="zh-CN" sz="1000" dirty="0" err="1"/>
+              <a:t>apiVersion</a:t>
+            </a:r>
+            <a:r>
+              <a:rPr lang="en-US" altLang="zh-CN" sz="1000" dirty="0"/>
+              <a:t>: apps/</a:t>
+            </a:r>
+            <a:r>
+              <a:rPr lang="en-US" altLang="zh-CN" sz="1000" dirty="0" err="1"/>
+              <a:t>v1</a:t>
+            </a:r>
+            <a:endParaRPr lang="zh-CN" altLang="en-US" sz="1000" dirty="0"/>
+          </a:p>
+          <a:p>
+            <a:r>
+              <a:rPr lang="en-US" altLang="zh-CN" sz="1000" dirty="0"/>
+              <a:t>kind: Deployment</a:t>
+            </a:r>
+            <a:endParaRPr lang="zh-CN" altLang="en-US" sz="1000" dirty="0"/>
+          </a:p>
+          <a:p>
+            <a:r>
+              <a:rPr lang="en-US" altLang="zh-CN" sz="1000" dirty="0"/>
+              <a:t>metadata:</a:t>
+            </a:r>
+            <a:endParaRPr lang="zh-CN" altLang="en-US" sz="1000" dirty="0"/>
+          </a:p>
+          <a:p>
+            <a:r>
+              <a:rPr lang="zh-CN" altLang="en-US" sz="1000" dirty="0"/>
+              <a:t>  </a:t>
+            </a:r>
+            <a:r>
+              <a:rPr lang="en-US" altLang="zh-CN" sz="1000" dirty="0"/>
+              <a:t>name: </a:t>
+            </a:r>
+            <a:r>
+              <a:rPr lang="en-US" altLang="zh-CN" sz="1000" dirty="0" err="1"/>
+              <a:t>k8saspnetcoredemo003</a:t>
+            </a:r>
+            <a:r>
+              <a:rPr lang="en-US" altLang="zh-CN" sz="1000" dirty="0"/>
+              <a:t>-deployment</a:t>
+            </a:r>
+            <a:endParaRPr lang="zh-CN" altLang="en-US" sz="1000" dirty="0"/>
+          </a:p>
+          <a:p>
+            <a:r>
+              <a:rPr lang="en-US" altLang="zh-CN" sz="1000" dirty="0"/>
+              <a:t>spec:</a:t>
+            </a:r>
+            <a:endParaRPr lang="zh-CN" altLang="en-US" sz="1000" dirty="0"/>
+          </a:p>
+          <a:p>
+            <a:r>
+              <a:rPr lang="zh-CN" altLang="en-US" sz="1000" dirty="0"/>
+              <a:t>  </a:t>
+            </a:r>
+            <a:r>
+              <a:rPr lang="en-US" altLang="zh-CN" sz="1000" dirty="0"/>
+              <a:t>selector:</a:t>
+            </a:r>
+            <a:endParaRPr lang="zh-CN" altLang="en-US" sz="1000" dirty="0"/>
+          </a:p>
+          <a:p>
+            <a:r>
+              <a:rPr lang="zh-CN" altLang="en-US" sz="1000" dirty="0"/>
+              <a:t>    </a:t>
+            </a:r>
+            <a:r>
+              <a:rPr lang="en-US" altLang="zh-CN" sz="1000" dirty="0" err="1"/>
+              <a:t>matchLabels</a:t>
+            </a:r>
+            <a:r>
+              <a:rPr lang="en-US" altLang="zh-CN" sz="1000" dirty="0"/>
+              <a:t>:</a:t>
+            </a:r>
+            <a:endParaRPr lang="zh-CN" altLang="en-US" sz="1000" dirty="0"/>
+          </a:p>
+          <a:p>
+            <a:r>
+              <a:rPr lang="zh-CN" altLang="en-US" sz="1000" dirty="0"/>
+              <a:t>      </a:t>
+            </a:r>
+            <a:r>
+              <a:rPr lang="en-US" altLang="zh-CN" sz="1000" dirty="0"/>
+              <a:t>app: </a:t>
+            </a:r>
+            <a:r>
+              <a:rPr lang="en-US" altLang="zh-CN" sz="1000" dirty="0" err="1"/>
+              <a:t>k8saspnetcoredemo003</a:t>
+            </a:r>
+            <a:endParaRPr lang="zh-CN" altLang="en-US" sz="1000" dirty="0"/>
+          </a:p>
+          <a:p>
+            <a:r>
+              <a:rPr lang="zh-CN" altLang="en-US" sz="1000" dirty="0"/>
+              <a:t>  </a:t>
+            </a:r>
+            <a:r>
+              <a:rPr lang="en-US" altLang="zh-CN" sz="1000" dirty="0"/>
+              <a:t>replicas: 2</a:t>
+            </a:r>
+            <a:endParaRPr lang="zh-CN" altLang="en-US" sz="1000" dirty="0"/>
+          </a:p>
+          <a:p>
+            <a:r>
+              <a:rPr lang="zh-CN" altLang="en-US" sz="1000" dirty="0"/>
+              <a:t>  </a:t>
+            </a:r>
+            <a:r>
+              <a:rPr lang="en-US" altLang="zh-CN" sz="1000" dirty="0"/>
+              <a:t>template:</a:t>
+            </a:r>
+            <a:endParaRPr lang="zh-CN" altLang="en-US" sz="1000" dirty="0"/>
+          </a:p>
+          <a:p>
+            <a:r>
+              <a:rPr lang="zh-CN" altLang="en-US" sz="1000" dirty="0"/>
+              <a:t>    </a:t>
+            </a:r>
+            <a:r>
+              <a:rPr lang="en-US" altLang="zh-CN" sz="1000" dirty="0"/>
+              <a:t>metadata:</a:t>
+            </a:r>
+            <a:endParaRPr lang="zh-CN" altLang="en-US" sz="1000" dirty="0"/>
+          </a:p>
+          <a:p>
+            <a:r>
+              <a:rPr lang="zh-CN" altLang="en-US" sz="1000" dirty="0"/>
+              <a:t>      </a:t>
+            </a:r>
+            <a:r>
+              <a:rPr lang="en-US" altLang="zh-CN" sz="1000" dirty="0"/>
+              <a:t>labels:</a:t>
+            </a:r>
+            <a:endParaRPr lang="zh-CN" altLang="en-US" sz="1000" dirty="0"/>
+          </a:p>
+          <a:p>
+            <a:r>
+              <a:rPr lang="zh-CN" altLang="en-US" sz="1000" dirty="0"/>
+              <a:t>        </a:t>
+            </a:r>
+            <a:r>
+              <a:rPr lang="en-US" altLang="zh-CN" sz="1000" dirty="0"/>
+              <a:t>app: </a:t>
+            </a:r>
+            <a:r>
+              <a:rPr lang="en-US" altLang="zh-CN" sz="1000" dirty="0" err="1"/>
+              <a:t>k8saspnetcoredemo003</a:t>
+            </a:r>
+            <a:endParaRPr lang="zh-CN" altLang="en-US" sz="1000" dirty="0"/>
+          </a:p>
+          <a:p>
+            <a:r>
+              <a:rPr lang="zh-CN" altLang="en-US" sz="1000" dirty="0"/>
+              <a:t>    </a:t>
+            </a:r>
+            <a:r>
+              <a:rPr lang="en-US" altLang="zh-CN" sz="1000" dirty="0"/>
+              <a:t>spec:</a:t>
+            </a:r>
+            <a:endParaRPr lang="zh-CN" altLang="en-US" sz="1000" dirty="0"/>
+          </a:p>
+          <a:p>
+            <a:r>
+              <a:rPr lang="zh-CN" altLang="en-US" sz="1000" dirty="0"/>
+              <a:t>      </a:t>
+            </a:r>
+            <a:r>
+              <a:rPr lang="en-US" altLang="zh-CN" sz="1000" dirty="0"/>
+              <a:t>volumes:</a:t>
+            </a:r>
+            <a:endParaRPr lang="zh-CN" altLang="en-US" sz="1000" dirty="0"/>
+          </a:p>
+          <a:p>
+            <a:r>
+              <a:rPr lang="zh-CN" altLang="en-US" sz="1000" dirty="0"/>
+              <a:t>        </a:t>
+            </a:r>
+            <a:r>
+              <a:rPr lang="en-US" altLang="zh-CN" sz="1000" dirty="0"/>
+              <a:t>- name: </a:t>
+            </a:r>
+            <a:r>
+              <a:rPr lang="en-US" altLang="zh-CN" sz="1000" dirty="0" err="1"/>
+              <a:t>postgre</a:t>
+            </a:r>
+            <a:r>
+              <a:rPr lang="en-US" altLang="zh-CN" sz="1000" dirty="0"/>
+              <a:t>-user</a:t>
+            </a:r>
+            <a:endParaRPr lang="zh-CN" altLang="en-US" sz="1000" dirty="0"/>
+          </a:p>
+          <a:p>
+            <a:r>
+              <a:rPr lang="zh-CN" altLang="en-US" sz="1000" dirty="0"/>
+              <a:t>          </a:t>
+            </a:r>
+            <a:r>
+              <a:rPr lang="en-US" altLang="zh-CN" sz="1000" dirty="0"/>
+              <a:t>secret:</a:t>
+            </a:r>
+            <a:endParaRPr lang="zh-CN" altLang="en-US" sz="1000" dirty="0"/>
+          </a:p>
+          <a:p>
+            <a:r>
+              <a:rPr lang="zh-CN" altLang="en-US" sz="1000" dirty="0"/>
+              <a:t>            </a:t>
+            </a:r>
+            <a:r>
+              <a:rPr lang="en-US" altLang="zh-CN" sz="1000" dirty="0" err="1"/>
+              <a:t>secretName</a:t>
+            </a:r>
+            <a:r>
+              <a:rPr lang="en-US" altLang="zh-CN" sz="1000" dirty="0"/>
+              <a:t>: </a:t>
+            </a:r>
+            <a:r>
+              <a:rPr lang="en-US" altLang="zh-CN" sz="1000" dirty="0" err="1"/>
+              <a:t>dbuser</a:t>
+            </a:r>
+            <a:endParaRPr lang="zh-CN" altLang="en-US" sz="1000" dirty="0"/>
+          </a:p>
+          <a:p>
+            <a:r>
+              <a:rPr lang="zh-CN" altLang="en-US" sz="1000" dirty="0"/>
+              <a:t>        </a:t>
+            </a:r>
+            <a:r>
+              <a:rPr lang="en-US" altLang="zh-CN" sz="1000" dirty="0"/>
+              <a:t>- name: person-data</a:t>
+            </a:r>
+            <a:endParaRPr lang="zh-CN" altLang="en-US" sz="1000" dirty="0"/>
+          </a:p>
+          <a:p>
+            <a:r>
+              <a:rPr lang="zh-CN" altLang="en-US" sz="1000" dirty="0"/>
+              <a:t>          </a:t>
+            </a:r>
+            <a:r>
+              <a:rPr lang="en-US" altLang="zh-CN" sz="1000" dirty="0" err="1"/>
+              <a:t>configMap</a:t>
+            </a:r>
+            <a:r>
+              <a:rPr lang="en-US" altLang="zh-CN" sz="1000" dirty="0"/>
+              <a:t>:</a:t>
+            </a:r>
+            <a:endParaRPr lang="zh-CN" altLang="en-US" sz="1000" dirty="0"/>
+          </a:p>
+          <a:p>
+            <a:r>
+              <a:rPr lang="zh-CN" altLang="en-US" sz="1000" dirty="0"/>
+              <a:t>            </a:t>
+            </a:r>
+            <a:r>
+              <a:rPr lang="en-US" altLang="zh-CN" sz="1000" dirty="0"/>
+              <a:t>name: </a:t>
+            </a:r>
+            <a:r>
+              <a:rPr lang="en-US" altLang="zh-CN" sz="1000" dirty="0" err="1"/>
+              <a:t>personcfg</a:t>
+            </a:r>
+            <a:endParaRPr lang="zh-CN" altLang="en-US" sz="1000" dirty="0"/>
+          </a:p>
+          <a:p>
+            <a:r>
+              <a:rPr lang="zh-CN" altLang="en-US" sz="1000" dirty="0"/>
+              <a:t>      </a:t>
+            </a:r>
+            <a:r>
+              <a:rPr lang="en-US" altLang="zh-CN" sz="1000" dirty="0"/>
+              <a:t>containers:</a:t>
+            </a:r>
+            <a:endParaRPr lang="zh-CN" altLang="en-US" sz="1000" dirty="0"/>
+          </a:p>
+          <a:p>
+            <a:r>
+              <a:rPr lang="zh-CN" altLang="en-US" sz="1000" dirty="0"/>
+              <a:t>        </a:t>
+            </a:r>
+            <a:r>
+              <a:rPr lang="en-US" altLang="zh-CN" sz="1000" dirty="0"/>
+              <a:t>- name: </a:t>
+            </a:r>
+            <a:r>
+              <a:rPr lang="en-US" altLang="zh-CN" sz="1000" dirty="0" err="1"/>
+              <a:t>k8saspnetcoredemo003</a:t>
+            </a:r>
+            <a:endParaRPr lang="zh-CN" altLang="en-US" sz="1000" dirty="0"/>
+          </a:p>
+          <a:p>
+            <a:r>
+              <a:rPr lang="zh-CN" altLang="en-US" sz="1000" dirty="0"/>
+              <a:t>          </a:t>
+            </a:r>
+            <a:r>
+              <a:rPr lang="en-US" altLang="zh-CN" sz="1000" dirty="0"/>
+              <a:t>image: </a:t>
+            </a:r>
+            <a:r>
+              <a:rPr lang="en-US" altLang="zh-CN" sz="1000" dirty="0" err="1"/>
+              <a:t>axzxs2001</a:t>
+            </a:r>
+            <a:r>
+              <a:rPr lang="en-US" altLang="zh-CN" sz="1000" dirty="0"/>
+              <a:t>/</a:t>
+            </a:r>
+            <a:r>
+              <a:rPr lang="en-US" altLang="zh-CN" sz="1000" dirty="0" err="1"/>
+              <a:t>k8saspnetcoredemo003:v10</a:t>
+            </a:r>
+            <a:endParaRPr lang="zh-CN" altLang="en-US" sz="1000" dirty="0"/>
+          </a:p>
+          <a:p>
+            <a:r>
+              <a:rPr lang="zh-CN" altLang="en-US" sz="1000" dirty="0"/>
+              <a:t>          </a:t>
+            </a:r>
+            <a:r>
+              <a:rPr lang="en-US" altLang="zh-CN" sz="1000" dirty="0" err="1"/>
+              <a:t>imagePullPolicy</a:t>
+            </a:r>
+            <a:r>
+              <a:rPr lang="en-US" altLang="zh-CN" sz="1000" dirty="0"/>
+              <a:t>: </a:t>
+            </a:r>
+            <a:r>
+              <a:rPr lang="en-US" altLang="zh-CN" sz="1000" dirty="0" err="1"/>
+              <a:t>IfNotPresent</a:t>
+            </a:r>
+            <a:endParaRPr lang="zh-CN" altLang="en-US" sz="1000" dirty="0"/>
+          </a:p>
+          <a:p>
+            <a:r>
+              <a:rPr lang="zh-CN" altLang="en-US" sz="1000" dirty="0"/>
+              <a:t>          </a:t>
+            </a:r>
+            <a:r>
+              <a:rPr lang="en-US" altLang="zh-CN" sz="1000" dirty="0"/>
+              <a:t>ports:</a:t>
+            </a:r>
+            <a:endParaRPr lang="zh-CN" altLang="en-US" sz="1000" dirty="0"/>
+          </a:p>
+          <a:p>
+            <a:r>
+              <a:rPr lang="zh-CN" altLang="en-US" sz="1000" dirty="0"/>
+              <a:t>            </a:t>
+            </a:r>
+            <a:r>
+              <a:rPr lang="en-US" altLang="zh-CN" sz="1000" dirty="0"/>
+              <a:t>- </a:t>
+            </a:r>
+            <a:r>
+              <a:rPr lang="en-US" altLang="zh-CN" sz="1000" dirty="0" err="1"/>
+              <a:t>containerPort</a:t>
+            </a:r>
+            <a:r>
+              <a:rPr lang="en-US" altLang="zh-CN" sz="1000" dirty="0"/>
+              <a:t>: 4045</a:t>
+            </a:r>
+            <a:endParaRPr lang="zh-CN" altLang="en-US" sz="1000" dirty="0"/>
+          </a:p>
+          <a:p>
+            <a:r>
+              <a:rPr lang="zh-CN" altLang="en-US" sz="1000" dirty="0"/>
+              <a:t>          </a:t>
+            </a:r>
+            <a:r>
+              <a:rPr lang="en-US" altLang="zh-CN" sz="1000" dirty="0" err="1"/>
+              <a:t>volumeMounts</a:t>
+            </a:r>
+            <a:r>
+              <a:rPr lang="en-US" altLang="zh-CN" sz="1000" dirty="0"/>
+              <a:t>:</a:t>
+            </a:r>
+            <a:endParaRPr lang="zh-CN" altLang="en-US" sz="1000" dirty="0"/>
+          </a:p>
+          <a:p>
+            <a:r>
+              <a:rPr lang="zh-CN" altLang="en-US" sz="1000" dirty="0"/>
+              <a:t>            </a:t>
+            </a:r>
+            <a:r>
+              <a:rPr lang="en-US" altLang="zh-CN" sz="1000" dirty="0"/>
+              <a:t>- name: </a:t>
+            </a:r>
+            <a:r>
+              <a:rPr lang="en-US" altLang="zh-CN" sz="1000" dirty="0" err="1"/>
+              <a:t>postgre</a:t>
+            </a:r>
+            <a:r>
+              <a:rPr lang="en-US" altLang="zh-CN" sz="1000" dirty="0"/>
+              <a:t>-user</a:t>
+            </a:r>
+            <a:endParaRPr lang="zh-CN" altLang="en-US" sz="1000" dirty="0"/>
+          </a:p>
+          <a:p>
+            <a:r>
+              <a:rPr lang="zh-CN" altLang="en-US" sz="1000" dirty="0"/>
+              <a:t>              </a:t>
+            </a:r>
+            <a:r>
+              <a:rPr lang="en-US" altLang="zh-CN" sz="1000" dirty="0" err="1"/>
+              <a:t>mountPath</a:t>
+            </a:r>
+            <a:r>
+              <a:rPr lang="en-US" altLang="zh-CN" sz="1000" dirty="0"/>
+              <a:t>: "/projected-volume"</a:t>
+            </a:r>
+            <a:endParaRPr lang="zh-CN" altLang="en-US" sz="1000" dirty="0"/>
+          </a:p>
+          <a:p>
+            <a:r>
+              <a:rPr lang="zh-CN" altLang="en-US" sz="1000" dirty="0"/>
+              <a:t>              </a:t>
+            </a:r>
+            <a:r>
+              <a:rPr lang="en-US" altLang="zh-CN" sz="1000" dirty="0" err="1"/>
+              <a:t>readOnly</a:t>
+            </a:r>
+            <a:r>
+              <a:rPr lang="en-US" altLang="zh-CN" sz="1000" dirty="0"/>
+              <a:t>: true</a:t>
+            </a:r>
+            <a:endParaRPr lang="zh-CN" altLang="en-US" sz="1000" dirty="0"/>
+          </a:p>
+          <a:p>
+            <a:r>
+              <a:rPr lang="zh-CN" altLang="en-US" sz="1000" dirty="0"/>
+              <a:t>            </a:t>
+            </a:r>
+            <a:r>
+              <a:rPr lang="en-US" altLang="zh-CN" sz="1000" dirty="0"/>
+              <a:t>- name: person-data</a:t>
+            </a:r>
+            <a:endParaRPr lang="zh-CN" altLang="en-US" sz="1000" dirty="0"/>
+          </a:p>
+          <a:p>
+            <a:r>
+              <a:rPr lang="zh-CN" altLang="en-US" sz="1000" dirty="0"/>
+              <a:t>              </a:t>
+            </a:r>
+            <a:r>
+              <a:rPr lang="en-US" altLang="zh-CN" sz="1000" dirty="0" err="1"/>
+              <a:t>mountPath</a:t>
+            </a:r>
+            <a:r>
+              <a:rPr lang="en-US" altLang="zh-CN" sz="1000" dirty="0"/>
+              <a:t>: "/</a:t>
+            </a:r>
+            <a:r>
+              <a:rPr lang="en-US" altLang="zh-CN" sz="1000" dirty="0" err="1"/>
+              <a:t>persondata</a:t>
+            </a:r>
+            <a:r>
+              <a:rPr lang="en-US" altLang="zh-CN" sz="1000" dirty="0"/>
+              <a:t>"</a:t>
+            </a:r>
+            <a:endParaRPr lang="zh-CN" altLang="en-US" sz="1000" dirty="0"/>
+          </a:p>
+          <a:p>
+            <a:r>
+              <a:rPr lang="zh-CN" altLang="en-US" sz="1000" dirty="0"/>
+              <a:t>              </a:t>
+            </a:r>
+            <a:r>
+              <a:rPr lang="en-US" altLang="zh-CN" sz="1000" dirty="0" err="1"/>
+              <a:t>readOnly</a:t>
+            </a:r>
+            <a:r>
+              <a:rPr lang="en-US" altLang="zh-CN" sz="1000" dirty="0"/>
+              <a:t>: true</a:t>
+            </a:r>
+            <a:endParaRPr lang="zh-CN" altLang="en-US" sz="1000" dirty="0"/>
+          </a:p>
+          <a:p>
+            <a:endParaRPr lang="zh-CN" altLang="en-US" sz="1000" dirty="0"/>
+          </a:p>
+        </p:txBody>
+      </p:sp>
+      <p:sp>
+        <p:nvSpPr>
+          <p:cNvPr id="6" name="矩形 5">
+            <a:extLst>
+              <a:ext uri="{FF2B5EF4-FFF2-40B4-BE49-F238E27FC236}">
+                <a16:creationId xmlns:a16="http://schemas.microsoft.com/office/drawing/2014/main" id="{A96F3217-B87D-4A70-9B87-1FFECFA101E3}"/>
+              </a:ext>
+            </a:extLst>
+          </p:cNvPr>
+          <p:cNvSpPr/>
+          <p:nvPr/>
+        </p:nvSpPr>
+        <p:spPr>
+          <a:xfrm>
+            <a:off x="464288" y="3713593"/>
+            <a:ext cx="6096000" cy="1477328"/>
+          </a:xfrm>
+          <a:prstGeom prst="rect">
+            <a:avLst/>
+          </a:prstGeom>
+        </p:spPr>
+        <p:txBody>
+          <a:bodyPr>
+            <a:spAutoFit/>
+          </a:bodyPr>
+          <a:lstStyle/>
+          <a:p>
+            <a:r>
+              <a:rPr lang="en-US" altLang="zh-CN" dirty="0">
+                <a:solidFill>
+                  <a:srgbClr val="000000"/>
+                </a:solidFill>
+                <a:latin typeface="新宋体" panose="02010609030101010101" pitchFamily="49" charset="-122"/>
+                <a:ea typeface="新宋体" panose="02010609030101010101" pitchFamily="49" charset="-122"/>
+              </a:rPr>
+              <a:t>C#</a:t>
+            </a:r>
+            <a:r>
+              <a:rPr lang="zh-CN" altLang="en-US" dirty="0">
+                <a:solidFill>
+                  <a:srgbClr val="000000"/>
+                </a:solidFill>
+                <a:latin typeface="新宋体" panose="02010609030101010101" pitchFamily="49" charset="-122"/>
+                <a:ea typeface="新宋体" panose="02010609030101010101" pitchFamily="49" charset="-122"/>
+              </a:rPr>
+              <a:t>读取方式</a:t>
+            </a:r>
+            <a:endParaRPr lang="en-US" altLang="zh-CN" dirty="0">
+              <a:solidFill>
+                <a:srgbClr val="000000"/>
+              </a:solidFill>
+              <a:latin typeface="新宋体" panose="02010609030101010101" pitchFamily="49" charset="-122"/>
+              <a:ea typeface="新宋体" panose="02010609030101010101" pitchFamily="49" charset="-122"/>
+            </a:endParaRPr>
+          </a:p>
+          <a:p>
+            <a:endParaRPr lang="en-US" altLang="zh-CN" dirty="0">
+              <a:solidFill>
+                <a:srgbClr val="0000FF"/>
+              </a:solidFill>
+              <a:latin typeface="新宋体" panose="02010609030101010101" pitchFamily="49" charset="-122"/>
+              <a:ea typeface="新宋体" panose="02010609030101010101" pitchFamily="49" charset="-122"/>
+            </a:endParaRPr>
+          </a:p>
+          <a:p>
+            <a:r>
+              <a:rPr lang="en-US" altLang="zh-CN" dirty="0">
+                <a:solidFill>
+                  <a:srgbClr val="0000FF"/>
+                </a:solidFill>
+                <a:latin typeface="新宋体" panose="02010609030101010101" pitchFamily="49" charset="-122"/>
+                <a:ea typeface="新宋体" panose="02010609030101010101" pitchFamily="49" charset="-122"/>
+              </a:rPr>
+              <a:t>var</a:t>
+            </a:r>
+            <a:r>
+              <a:rPr lang="en-US" altLang="zh-CN" dirty="0">
+                <a:solidFill>
+                  <a:srgbClr val="000000"/>
+                </a:solidFill>
+                <a:latin typeface="新宋体" panose="02010609030101010101" pitchFamily="49" charset="-122"/>
+                <a:ea typeface="新宋体" panose="02010609030101010101" pitchFamily="49" charset="-122"/>
+              </a:rPr>
+              <a:t> person = </a:t>
+            </a:r>
+            <a:r>
+              <a:rPr lang="en-US" altLang="zh-CN" dirty="0" err="1">
+                <a:solidFill>
+                  <a:srgbClr val="000000"/>
+                </a:solidFill>
+                <a:latin typeface="新宋体" panose="02010609030101010101" pitchFamily="49" charset="-122"/>
+                <a:ea typeface="新宋体" panose="02010609030101010101" pitchFamily="49" charset="-122"/>
+              </a:rPr>
+              <a:t>System.IO.File.ReadAllText</a:t>
+            </a:r>
+            <a:r>
+              <a:rPr lang="en-US" altLang="zh-CN" dirty="0">
+                <a:solidFill>
+                  <a:srgbClr val="000000"/>
+                </a:solidFill>
+                <a:latin typeface="新宋体" panose="02010609030101010101" pitchFamily="49" charset="-122"/>
+                <a:ea typeface="新宋体" panose="02010609030101010101" pitchFamily="49" charset="-122"/>
+              </a:rPr>
+              <a:t>(</a:t>
+            </a:r>
+            <a:r>
+              <a:rPr lang="en-US" altLang="zh-CN" dirty="0">
+                <a:solidFill>
+                  <a:srgbClr val="A31515"/>
+                </a:solidFill>
+                <a:latin typeface="新宋体" panose="02010609030101010101" pitchFamily="49" charset="-122"/>
+                <a:ea typeface="新宋体" panose="02010609030101010101" pitchFamily="49" charset="-122"/>
+              </a:rPr>
+              <a:t>"/</a:t>
+            </a:r>
+            <a:r>
+              <a:rPr lang="en-US" altLang="zh-CN" dirty="0" err="1">
+                <a:solidFill>
+                  <a:srgbClr val="A31515"/>
+                </a:solidFill>
+                <a:latin typeface="新宋体" panose="02010609030101010101" pitchFamily="49" charset="-122"/>
+                <a:ea typeface="新宋体" panose="02010609030101010101" pitchFamily="49" charset="-122"/>
+              </a:rPr>
+              <a:t>persondata</a:t>
+            </a:r>
+            <a:r>
+              <a:rPr lang="en-US" altLang="zh-CN" dirty="0">
+                <a:solidFill>
+                  <a:srgbClr val="A31515"/>
+                </a:solidFill>
+                <a:latin typeface="新宋体" panose="02010609030101010101" pitchFamily="49" charset="-122"/>
+                <a:ea typeface="新宋体" panose="02010609030101010101" pitchFamily="49" charset="-122"/>
+              </a:rPr>
+              <a:t>/</a:t>
+            </a:r>
+            <a:r>
+              <a:rPr lang="en-US" altLang="zh-CN" dirty="0" err="1">
+                <a:solidFill>
+                  <a:srgbClr val="A31515"/>
+                </a:solidFill>
+                <a:latin typeface="新宋体" panose="02010609030101010101" pitchFamily="49" charset="-122"/>
+                <a:ea typeface="新宋体" panose="02010609030101010101" pitchFamily="49" charset="-122"/>
+              </a:rPr>
+              <a:t>data.txt</a:t>
+            </a:r>
+            <a:r>
+              <a:rPr lang="en-US" altLang="zh-CN" dirty="0">
+                <a:solidFill>
+                  <a:srgbClr val="A31515"/>
+                </a:solidFill>
+                <a:latin typeface="新宋体" panose="02010609030101010101" pitchFamily="49" charset="-122"/>
+                <a:ea typeface="新宋体" panose="02010609030101010101" pitchFamily="49" charset="-122"/>
+              </a:rPr>
+              <a:t>"</a:t>
+            </a:r>
+            <a:r>
+              <a:rPr lang="en-US" altLang="zh-CN" dirty="0">
+                <a:solidFill>
+                  <a:srgbClr val="000000"/>
+                </a:solidFill>
+                <a:latin typeface="新宋体" panose="02010609030101010101" pitchFamily="49" charset="-122"/>
+                <a:ea typeface="新宋体" panose="02010609030101010101" pitchFamily="49" charset="-122"/>
+              </a:rPr>
+              <a:t>, </a:t>
+            </a:r>
+            <a:r>
+              <a:rPr lang="en-US" altLang="zh-CN" dirty="0" err="1">
+                <a:solidFill>
+                  <a:srgbClr val="000000"/>
+                </a:solidFill>
+                <a:latin typeface="新宋体" panose="02010609030101010101" pitchFamily="49" charset="-122"/>
+                <a:ea typeface="新宋体" panose="02010609030101010101" pitchFamily="49" charset="-122"/>
+              </a:rPr>
+              <a:t>System.Text.Encoding.UTF8</a:t>
+            </a:r>
+            <a:r>
+              <a:rPr lang="en-US" altLang="zh-CN" dirty="0">
+                <a:solidFill>
+                  <a:srgbClr val="000000"/>
+                </a:solidFill>
+                <a:latin typeface="新宋体" panose="02010609030101010101" pitchFamily="49" charset="-122"/>
+                <a:ea typeface="新宋体" panose="02010609030101010101" pitchFamily="49" charset="-122"/>
+              </a:rPr>
+              <a:t>);</a:t>
+            </a:r>
             <a:endParaRPr lang="zh-CN" altLang="en-US" dirty="0"/>
           </a:p>
         </p:txBody>
@@ -15354,7 +18296,7 @@
     </p:spTree>
     <p:extLst>
       <p:ext uri="{BB962C8B-B14F-4D97-AF65-F5344CB8AC3E}">
-        <p14:creationId xmlns:p14="http://schemas.microsoft.com/office/powerpoint/2010/main" val="205566881"/>
+        <p14:creationId xmlns:p14="http://schemas.microsoft.com/office/powerpoint/2010/main" val="1328722284"/>
       </p:ext>
     </p:extLst>
   </p:cSld>
@@ -16124,8 +19066,8 @@
           <a:lstStyle/>
           <a:p>
             <a:r>
-              <a:rPr lang="en-US" altLang="zh-CN" sz="3000" dirty="0"/>
-              <a:t>Service</a:t>
+              <a:rPr lang="en-US" altLang="zh-CN" sz="3000" dirty="0" err="1"/>
+              <a:t>DaemonSet</a:t>
             </a:r>
             <a:endParaRPr lang="zh-CN" altLang="en-US" sz="3000" dirty="0"/>
           </a:p>
@@ -16154,99 +19096,139 @@
           </a:xfrm>
         </p:spPr>
         <p:txBody>
-          <a:bodyPr/>
+          <a:bodyPr>
+            <a:normAutofit/>
+          </a:bodyPr>
           <a:lstStyle/>
           <a:p>
-            <a:pPr marL="0" indent="0">
-              <a:buNone/>
-            </a:pPr>
-            <a:r>
-              <a:rPr lang="en-US" altLang="zh-CN" dirty="0" err="1"/>
-              <a:t>Kubernete</a:t>
-            </a:r>
-            <a:r>
-              <a:rPr lang="en-US" altLang="zh-CN" dirty="0"/>
-              <a:t> Service </a:t>
-            </a:r>
-            <a:r>
-              <a:rPr lang="zh-CN" altLang="en-US" dirty="0"/>
-              <a:t>是一个定义了一组</a:t>
-            </a:r>
-            <a:r>
-              <a:rPr lang="en-US" altLang="zh-CN" b="1" dirty="0">
-                <a:hlinkClick r:id="rId2"/>
-              </a:rPr>
-              <a:t>Pod</a:t>
-            </a:r>
-            <a:r>
-              <a:rPr lang="zh-CN" altLang="en-US" dirty="0"/>
-              <a:t>的策略的抽象，我们也有时候叫做宏观服务。这些被服务标记的</a:t>
-            </a:r>
-            <a:r>
-              <a:rPr lang="en-US" altLang="zh-CN" dirty="0"/>
-              <a:t>Pod</a:t>
-            </a:r>
-            <a:r>
-              <a:rPr lang="zh-CN" altLang="en-US" dirty="0"/>
-              <a:t>都是（一般）通过</a:t>
-            </a:r>
-            <a:r>
-              <a:rPr lang="en-US" altLang="zh-CN" dirty="0"/>
-              <a:t>label Selector</a:t>
-            </a:r>
-            <a:r>
-              <a:rPr lang="zh-CN" altLang="en-US" dirty="0"/>
-              <a:t>决定的（下面我们会讲到我们为什么需要一个没有</a:t>
-            </a:r>
-            <a:r>
-              <a:rPr lang="en-US" altLang="zh-CN" dirty="0"/>
-              <a:t>label selector</a:t>
-            </a:r>
-            <a:r>
-              <a:rPr lang="zh-CN" altLang="en-US" dirty="0"/>
-              <a:t>的服务）</a:t>
-            </a:r>
-            <a:endParaRPr lang="en-US" altLang="zh-CN" dirty="0"/>
-          </a:p>
-          <a:p>
-            <a:pPr marL="0" indent="0">
-              <a:buNone/>
-            </a:pPr>
-            <a:r>
-              <a:rPr lang="zh-CN" altLang="en-US" dirty="0"/>
-              <a:t>举个例子，我们假设后台是一个图形处理的后台，并且由</a:t>
-            </a:r>
-            <a:r>
-              <a:rPr lang="en-US" altLang="zh-CN" dirty="0"/>
-              <a:t>3</a:t>
-            </a:r>
-            <a:r>
-              <a:rPr lang="zh-CN" altLang="en-US" dirty="0"/>
-              <a:t>个副本。这些副本是可以相互替代的，并且前台并需要关心使用的哪一个后台</a:t>
-            </a:r>
-            <a:r>
-              <a:rPr lang="en-US" altLang="zh-CN" dirty="0"/>
-              <a:t>Pod</a:t>
-            </a:r>
-            <a:r>
-              <a:rPr lang="zh-CN" altLang="en-US" dirty="0"/>
-              <a:t>，当这个承载前台请求的</a:t>
-            </a:r>
-            <a:r>
-              <a:rPr lang="en-US" altLang="zh-CN" dirty="0"/>
-              <a:t>pod</a:t>
-            </a:r>
-            <a:r>
-              <a:rPr lang="zh-CN" altLang="en-US" dirty="0"/>
-              <a:t>发生变化时，前台并不需要知道这些变化，或者追踪后台的这些副本，服务是这些去耦合的关键所在。</a:t>
-            </a:r>
+            <a:r>
+              <a:rPr lang="en-US" altLang="zh-CN" sz="1800" dirty="0" err="1"/>
+              <a:t>DaemonSet</a:t>
+            </a:r>
+            <a:r>
+              <a:rPr lang="zh-CN" altLang="en-US" sz="1800" dirty="0"/>
+              <a:t>保证在每个</a:t>
+            </a:r>
+            <a:r>
+              <a:rPr lang="en-US" altLang="zh-CN" sz="1800" dirty="0"/>
+              <a:t>Node</a:t>
+            </a:r>
+            <a:r>
+              <a:rPr lang="zh-CN" altLang="en-US" sz="1800" dirty="0"/>
+              <a:t>上都运行一个容器副本，常用来部署一些集群的日志、监控或者其他系统管理应用。典型的应用包括：</a:t>
+            </a:r>
+          </a:p>
+          <a:p>
+            <a:r>
+              <a:rPr lang="zh-CN" altLang="en-US" sz="1800" dirty="0"/>
+              <a:t>日志收集，比如</a:t>
+            </a:r>
+            <a:r>
+              <a:rPr lang="en-US" altLang="zh-CN" sz="1800" dirty="0" err="1"/>
+              <a:t>fluentd</a:t>
+            </a:r>
+            <a:r>
+              <a:rPr lang="zh-CN" altLang="en-US" sz="1800" dirty="0"/>
+              <a:t>，</a:t>
+            </a:r>
+            <a:r>
+              <a:rPr lang="en-US" altLang="zh-CN" sz="1800" dirty="0" err="1"/>
+              <a:t>logstash</a:t>
+            </a:r>
+            <a:r>
+              <a:rPr lang="zh-CN" altLang="en-US" sz="1800" dirty="0"/>
+              <a:t>等</a:t>
+            </a:r>
+          </a:p>
+          <a:p>
+            <a:r>
+              <a:rPr lang="zh-CN" altLang="en-US" sz="1800" dirty="0"/>
+              <a:t>系统监控，比如</a:t>
+            </a:r>
+            <a:r>
+              <a:rPr lang="en-US" altLang="zh-CN" sz="1800" dirty="0"/>
+              <a:t>Prometheus Node Exporter</a:t>
+            </a:r>
+            <a:r>
+              <a:rPr lang="zh-CN" altLang="en-US" sz="1800" dirty="0"/>
+              <a:t>，</a:t>
+            </a:r>
+            <a:r>
+              <a:rPr lang="en-US" altLang="zh-CN" sz="1800" dirty="0" err="1"/>
+              <a:t>collectd</a:t>
+            </a:r>
+            <a:r>
+              <a:rPr lang="zh-CN" altLang="en-US" sz="1800" dirty="0"/>
+              <a:t>，</a:t>
+            </a:r>
+            <a:r>
+              <a:rPr lang="en-US" altLang="zh-CN" sz="1800" dirty="0"/>
+              <a:t>New Relic agent</a:t>
+            </a:r>
+            <a:r>
+              <a:rPr lang="zh-CN" altLang="en-US" sz="1800" dirty="0"/>
+              <a:t>，</a:t>
+            </a:r>
+            <a:r>
+              <a:rPr lang="en-US" altLang="zh-CN" sz="1800" dirty="0"/>
+              <a:t>Ganglia </a:t>
+            </a:r>
+            <a:r>
+              <a:rPr lang="en-US" altLang="zh-CN" sz="1800" dirty="0" err="1"/>
+              <a:t>gmond</a:t>
+            </a:r>
+            <a:r>
+              <a:rPr lang="zh-CN" altLang="en-US" sz="1800" dirty="0"/>
+              <a:t>等</a:t>
+            </a:r>
+          </a:p>
+          <a:p>
+            <a:r>
+              <a:rPr lang="zh-CN" altLang="en-US" sz="1800" dirty="0"/>
+              <a:t>系统程序，比如</a:t>
+            </a:r>
+            <a:r>
+              <a:rPr lang="en-US" altLang="zh-CN" sz="1800" dirty="0" err="1"/>
+              <a:t>kube</a:t>
+            </a:r>
+            <a:r>
+              <a:rPr lang="en-US" altLang="zh-CN" sz="1800" dirty="0"/>
+              <a:t>-proxy, </a:t>
+            </a:r>
+            <a:r>
+              <a:rPr lang="en-US" altLang="zh-CN" sz="1800" dirty="0" err="1"/>
+              <a:t>kube-dns</a:t>
+            </a:r>
+            <a:r>
+              <a:rPr lang="en-US" altLang="zh-CN" sz="1800" dirty="0"/>
+              <a:t>, </a:t>
+            </a:r>
+            <a:r>
+              <a:rPr lang="en-US" altLang="zh-CN" sz="1800" dirty="0" err="1"/>
+              <a:t>glusterd</a:t>
+            </a:r>
+            <a:r>
+              <a:rPr lang="en-US" altLang="zh-CN" sz="1800" dirty="0"/>
+              <a:t>, </a:t>
+            </a:r>
+            <a:r>
+              <a:rPr lang="en-US" altLang="zh-CN" sz="1800" dirty="0" err="1"/>
+              <a:t>ceph</a:t>
+            </a:r>
+            <a:r>
+              <a:rPr lang="zh-CN" altLang="en-US" sz="1800" dirty="0"/>
+              <a:t>等</a:t>
+            </a:r>
+          </a:p>
+          <a:p>
+            <a:endParaRPr lang="zh-CN" altLang="en-US" sz="1800" dirty="0"/>
           </a:p>
         </p:txBody>
       </p:sp>
     </p:spTree>
     <p:extLst>
       <p:ext uri="{BB962C8B-B14F-4D97-AF65-F5344CB8AC3E}">
-        <p14:creationId xmlns:p14="http://schemas.microsoft.com/office/powerpoint/2010/main" val="3729071191"/>
+        <p14:creationId xmlns:p14="http://schemas.microsoft.com/office/powerpoint/2010/main" val="205566881"/>
       </p:ext>
     </p:extLst>
   </p:cSld>
@@ -16311,6 +19293,184 @@
       </p:sp>
       <p:sp>
         <p:nvSpPr>
+          <p:cNvPr id="3" name="内容占位符 2">
+            <a:extLst>
+              <a:ext uri="{FF2B5EF4-FFF2-40B4-BE49-F238E27FC236}">
+                <a16:creationId xmlns:a16="http://schemas.microsoft.com/office/drawing/2014/main" id="{6CA78E39-E363-42D1-BE9D-BB96C903EDB2}"/>
+              </a:ext>
+            </a:extLst>
+          </p:cNvPr>
+          <p:cNvSpPr>
+            <a:spLocks noGrp="1"/>
+          </p:cNvSpPr>
+          <p:nvPr>
+            <p:ph idx="1"/>
+          </p:nvPr>
+        </p:nvSpPr>
+        <p:spPr>
+          <a:xfrm>
+            <a:off x="838200" y="1010094"/>
+            <a:ext cx="10515600" cy="5166869"/>
+          </a:xfrm>
+        </p:spPr>
+        <p:txBody>
+          <a:bodyPr/>
+          <a:lstStyle/>
+          <a:p>
+            <a:pPr marL="0" indent="0">
+              <a:buNone/>
+            </a:pPr>
+            <a:r>
+              <a:rPr lang="en-US" altLang="zh-CN" dirty="0" err="1"/>
+              <a:t>Kubernete</a:t>
+            </a:r>
+            <a:r>
+              <a:rPr lang="en-US" altLang="zh-CN" dirty="0"/>
+              <a:t> Service </a:t>
+            </a:r>
+            <a:r>
+              <a:rPr lang="zh-CN" altLang="en-US" dirty="0"/>
+              <a:t>是一个定义了一组</a:t>
+            </a:r>
+            <a:r>
+              <a:rPr lang="en-US" altLang="zh-CN" b="1" dirty="0">
+                <a:hlinkClick r:id="rId2"/>
+              </a:rPr>
+              <a:t>Pod</a:t>
+            </a:r>
+            <a:r>
+              <a:rPr lang="zh-CN" altLang="en-US" dirty="0"/>
+              <a:t>的策略的抽象，我们也有时候叫做宏观服务。这些被服务标记的</a:t>
+            </a:r>
+            <a:r>
+              <a:rPr lang="en-US" altLang="zh-CN" dirty="0"/>
+              <a:t>Pod</a:t>
+            </a:r>
+            <a:r>
+              <a:rPr lang="zh-CN" altLang="en-US" dirty="0"/>
+              <a:t>都是（一般）通过</a:t>
+            </a:r>
+            <a:r>
+              <a:rPr lang="en-US" altLang="zh-CN" dirty="0"/>
+              <a:t>label Selector</a:t>
+            </a:r>
+            <a:r>
+              <a:rPr lang="zh-CN" altLang="en-US" dirty="0"/>
+              <a:t>决定的（下面我们会讲到我们为什么需要一个没有</a:t>
+            </a:r>
+            <a:r>
+              <a:rPr lang="en-US" altLang="zh-CN" dirty="0"/>
+              <a:t>label selector</a:t>
+            </a:r>
+            <a:r>
+              <a:rPr lang="zh-CN" altLang="en-US" dirty="0"/>
+              <a:t>的服务）</a:t>
+            </a:r>
+            <a:endParaRPr lang="en-US" altLang="zh-CN" dirty="0"/>
+          </a:p>
+          <a:p>
+            <a:pPr marL="0" indent="0">
+              <a:buNone/>
+            </a:pPr>
+            <a:r>
+              <a:rPr lang="zh-CN" altLang="en-US" dirty="0"/>
+              <a:t>举个例子，我们假设后台是一个图形处理的后台，并且由</a:t>
+            </a:r>
+            <a:r>
+              <a:rPr lang="en-US" altLang="zh-CN" dirty="0"/>
+              <a:t>3</a:t>
+            </a:r>
+            <a:r>
+              <a:rPr lang="zh-CN" altLang="en-US" dirty="0"/>
+              <a:t>个副本。这些副本是可以相互替代的，并且前台并需要关心使用的哪一个后台</a:t>
+            </a:r>
+            <a:r>
+              <a:rPr lang="en-US" altLang="zh-CN" dirty="0"/>
+              <a:t>Pod</a:t>
+            </a:r>
+            <a:r>
+              <a:rPr lang="zh-CN" altLang="en-US" dirty="0"/>
+              <a:t>，当这个承载前台请求的</a:t>
+            </a:r>
+            <a:r>
+              <a:rPr lang="en-US" altLang="zh-CN" dirty="0"/>
+              <a:t>pod</a:t>
+            </a:r>
+            <a:r>
+              <a:rPr lang="zh-CN" altLang="en-US" dirty="0"/>
+              <a:t>发生变化时，前台并不需要知道这些变化，或者追踪后台的这些副本，服务是这些去耦合的关键所在。</a:t>
+            </a:r>
+          </a:p>
+        </p:txBody>
+      </p:sp>
+    </p:spTree>
+    <p:extLst>
+      <p:ext uri="{BB962C8B-B14F-4D97-AF65-F5344CB8AC3E}">
+        <p14:creationId xmlns:p14="http://schemas.microsoft.com/office/powerpoint/2010/main" val="3729071191"/>
+      </p:ext>
+    </p:extLst>
+  </p:cSld>
+  <p:clrMapOvr>
+    <a:masterClrMapping/>
+  </p:clrMapOvr>
+</p:sld>
+</file>
+
+<file path=ppt/slides/slide32.xml><?xml version="1.0" encoding="utf-8"?>
+<p:sld xmlns:a="http://schemas.openxmlformats.org/drawingml/2006/main" xmlns:r="http://schemas.openxmlformats.org/officeDocument/2006/relationships" xmlns:p="http://schemas.openxmlformats.org/presentationml/2006/main">
+  <p:cSld>
+    <p:spTree>
+      <p:nvGrpSpPr>
+        <p:cNvPr id="1" name=""/>
+        <p:cNvGrpSpPr/>
+        <p:nvPr/>
+      </p:nvGrpSpPr>
+      <p:grpSpPr>
+        <a:xfrm>
+          <a:off x="0" y="0"/>
+          <a:ext cx="0" cy="0"/>
+          <a:chOff x="0" y="0"/>
+          <a:chExt cx="0" cy="0"/>
+        </a:xfrm>
+      </p:grpSpPr>
+      <p:sp>
+        <p:nvSpPr>
+          <p:cNvPr id="2" name="标题 1">
+            <a:extLst>
+              <a:ext uri="{FF2B5EF4-FFF2-40B4-BE49-F238E27FC236}">
+                <a16:creationId xmlns:a16="http://schemas.microsoft.com/office/drawing/2014/main" id="{EAE9FAA8-C318-4695-A8C8-CA1E97AE07C6}"/>
+              </a:ext>
+            </a:extLst>
+          </p:cNvPr>
+          <p:cNvSpPr>
+            <a:spLocks noGrp="1"/>
+          </p:cNvSpPr>
+          <p:nvPr>
+            <p:ph type="title"/>
+          </p:nvPr>
+        </p:nvSpPr>
+        <p:spPr>
+          <a:xfrm>
+            <a:off x="838200" y="365126"/>
+            <a:ext cx="10515600" cy="644968"/>
+          </a:xfrm>
+        </p:spPr>
+        <p:txBody>
+          <a:bodyPr>
+            <a:normAutofit/>
+          </a:bodyPr>
+          <a:lstStyle/>
+          <a:p>
+            <a:r>
+              <a:rPr lang="en-US" altLang="zh-CN" sz="3000" dirty="0"/>
+              <a:t>Service</a:t>
+            </a:r>
+            <a:endParaRPr lang="zh-CN" altLang="en-US" sz="3000" dirty="0"/>
+          </a:p>
+        </p:txBody>
+      </p:sp>
+      <p:sp>
+        <p:nvSpPr>
           <p:cNvPr id="4" name="矩形 3">
             <a:extLst>
               <a:ext uri="{FF2B5EF4-FFF2-40B4-BE49-F238E27FC236}">
@@ -17557,7 +20717,7 @@
 </p:sld>
 </file>
 
-<file path=ppt/slides/slide32.xml><?xml version="1.0" encoding="utf-8"?>
+<file path=ppt/slides/slide33.xml><?xml version="1.0" encoding="utf-8"?>
 <p:sld xmlns:a="http://schemas.openxmlformats.org/drawingml/2006/main" xmlns:r="http://schemas.openxmlformats.org/officeDocument/2006/relationships" xmlns:p="http://schemas.openxmlformats.org/presentationml/2006/main">
   <p:cSld>
     <p:spTree>
@@ -17637,7 +20797,7 @@
 </p:sld>
 </file>
 
-<file path=ppt/slides/slide33.xml><?xml version="1.0" encoding="utf-8"?>
+<file path=ppt/slides/slide34.xml><?xml version="1.0" encoding="utf-8"?>
 <p:sld xmlns:a="http://schemas.openxmlformats.org/drawingml/2006/main" xmlns:r="http://schemas.openxmlformats.org/officeDocument/2006/relationships" xmlns:p="http://schemas.openxmlformats.org/presentationml/2006/main">
   <p:cSld>
     <p:spTree>
@@ -17731,7 +20891,7 @@
 </p:sld>
 </file>
 
-<file path=ppt/slides/slide34.xml><?xml version="1.0" encoding="utf-8"?>
+<file path=ppt/slides/slide35.xml><?xml version="1.0" encoding="utf-8"?>
 <p:sld xmlns:a="http://schemas.openxmlformats.org/drawingml/2006/main" xmlns:r="http://schemas.openxmlformats.org/officeDocument/2006/relationships" xmlns:p="http://schemas.openxmlformats.org/presentationml/2006/main">
   <p:cSld>
     <p:spTree>
@@ -18358,7 +21518,7 @@
 </p:sld>
 </file>
 
-<file path=ppt/slides/slide35.xml><?xml version="1.0" encoding="utf-8"?>
+<file path=ppt/slides/slide36.xml><?xml version="1.0" encoding="utf-8"?>
 <p:sld xmlns:a="http://schemas.openxmlformats.org/drawingml/2006/main" xmlns:r="http://schemas.openxmlformats.org/officeDocument/2006/relationships" xmlns:p="http://schemas.openxmlformats.org/presentationml/2006/main">
   <p:cSld>
     <p:spTree>
@@ -19134,7 +22294,7 @@
 </p:sld>
 </file>
 
-<file path=ppt/slides/slide36.xml><?xml version="1.0" encoding="utf-8"?>
+<file path=ppt/slides/slide37.xml><?xml version="1.0" encoding="utf-8"?>
 <p:sld xmlns:a="http://schemas.openxmlformats.org/drawingml/2006/main" xmlns:r="http://schemas.openxmlformats.org/officeDocument/2006/relationships" xmlns:p="http://schemas.openxmlformats.org/presentationml/2006/main">
   <p:cSld>
     <p:spTree>
@@ -19487,7 +22647,7 @@
 </p:sld>
 </file>
 
-<file path=ppt/slides/slide37.xml><?xml version="1.0" encoding="utf-8"?>
+<file path=ppt/slides/slide38.xml><?xml version="1.0" encoding="utf-8"?>
 <p:sld xmlns:a="http://schemas.openxmlformats.org/drawingml/2006/main" xmlns:r="http://schemas.openxmlformats.org/officeDocument/2006/relationships" xmlns:p="http://schemas.openxmlformats.org/presentationml/2006/main">
   <p:cSld>
     <p:spTree>
@@ -19607,7 +22767,7 @@
 </p:sld>
 </file>
 
-<file path=ppt/slides/slide38.xml><?xml version="1.0" encoding="utf-8"?>
+<file path=ppt/slides/slide39.xml><?xml version="1.0" encoding="utf-8"?>
 <p:sld xmlns:a="http://schemas.openxmlformats.org/drawingml/2006/main" xmlns:r="http://schemas.openxmlformats.org/officeDocument/2006/relationships" xmlns:p="http://schemas.openxmlformats.org/presentationml/2006/main">
   <p:cSld>
     <p:spTree>
@@ -20228,83 +23388,6 @@
     <p:extLst>
       <p:ext uri="{BB962C8B-B14F-4D97-AF65-F5344CB8AC3E}">
         <p14:creationId xmlns:p14="http://schemas.microsoft.com/office/powerpoint/2010/main" val="2698443676"/>
-      </p:ext>
-    </p:extLst>
-  </p:cSld>
-  <p:clrMapOvr>
-    <a:masterClrMapping/>
-  </p:clrMapOvr>
-</p:sld>
-</file>
-
-<file path=ppt/slides/slide39.xml><?xml version="1.0" encoding="utf-8"?>
-<p:sld xmlns:a="http://schemas.openxmlformats.org/drawingml/2006/main" xmlns:r="http://schemas.openxmlformats.org/officeDocument/2006/relationships" xmlns:p="http://schemas.openxmlformats.org/presentationml/2006/main">
-  <p:cSld>
-    <p:spTree>
-      <p:nvGrpSpPr>
-        <p:cNvPr id="1" name=""/>
-        <p:cNvGrpSpPr/>
-        <p:nvPr/>
-      </p:nvGrpSpPr>
-      <p:grpSpPr>
-        <a:xfrm>
-          <a:off x="0" y="0"/>
-          <a:ext cx="0" cy="0"/>
-          <a:chOff x="0" y="0"/>
-          <a:chExt cx="0" cy="0"/>
-        </a:xfrm>
-      </p:grpSpPr>
-      <p:sp>
-        <p:nvSpPr>
-          <p:cNvPr id="2" name="矩形 1">
-            <a:extLst>
-              <a:ext uri="{FF2B5EF4-FFF2-40B4-BE49-F238E27FC236}">
-                <a16:creationId xmlns:a16="http://schemas.microsoft.com/office/drawing/2014/main" id="{C192DA85-7B99-44B5-8D73-D0D77E2603A8}"/>
-              </a:ext>
-            </a:extLst>
-          </p:cNvPr>
-          <p:cNvSpPr/>
-          <p:nvPr/>
-        </p:nvSpPr>
-        <p:spPr>
-          <a:xfrm>
-            <a:off x="712381" y="1393716"/>
-            <a:ext cx="10994065" cy="1200329"/>
-          </a:xfrm>
-          <a:prstGeom prst="rect">
-            <a:avLst/>
-          </a:prstGeom>
-        </p:spPr>
-        <p:txBody>
-          <a:bodyPr wrap="square">
-            <a:spAutoFit/>
-          </a:bodyPr>
-          <a:lstStyle/>
-          <a:p>
-            <a:r>
-              <a:rPr lang="zh-CN" altLang="en-US" dirty="0"/>
-              <a:t>删除失败</a:t>
-            </a:r>
-            <a:r>
-              <a:rPr lang="en-US" altLang="zh-CN" dirty="0"/>
-              <a:t>Pod</a:t>
-            </a:r>
-          </a:p>
-          <a:p>
-            <a:endParaRPr lang="en-US" altLang="zh-CN" dirty="0"/>
-          </a:p>
-          <a:p>
-            <a:r>
-              <a:rPr lang="zh-CN" altLang="en-US" dirty="0"/>
-              <a:t>sudo kubectl delete pod k8saspnetcoredemo003-deployment-d48f9688f-sj95g  -n default --grace-period=0 --force</a:t>
-            </a:r>
-          </a:p>
-        </p:txBody>
-      </p:sp>
-    </p:spTree>
-    <p:extLst>
-      <p:ext uri="{BB962C8B-B14F-4D97-AF65-F5344CB8AC3E}">
-        <p14:creationId xmlns:p14="http://schemas.microsoft.com/office/powerpoint/2010/main" val="3762608029"/>
       </p:ext>
     </p:extLst>
   </p:cSld>
@@ -21100,6 +24183,83 @@
           <p:cNvPr id="2" name="矩形 1">
             <a:extLst>
               <a:ext uri="{FF2B5EF4-FFF2-40B4-BE49-F238E27FC236}">
+                <a16:creationId xmlns:a16="http://schemas.microsoft.com/office/drawing/2014/main" id="{C192DA85-7B99-44B5-8D73-D0D77E2603A8}"/>
+              </a:ext>
+            </a:extLst>
+          </p:cNvPr>
+          <p:cNvSpPr/>
+          <p:nvPr/>
+        </p:nvSpPr>
+        <p:spPr>
+          <a:xfrm>
+            <a:off x="712381" y="1393716"/>
+            <a:ext cx="10994065" cy="1200329"/>
+          </a:xfrm>
+          <a:prstGeom prst="rect">
+            <a:avLst/>
+          </a:prstGeom>
+        </p:spPr>
+        <p:txBody>
+          <a:bodyPr wrap="square">
+            <a:spAutoFit/>
+          </a:bodyPr>
+          <a:lstStyle/>
+          <a:p>
+            <a:r>
+              <a:rPr lang="zh-CN" altLang="en-US" dirty="0"/>
+              <a:t>删除失败</a:t>
+            </a:r>
+            <a:r>
+              <a:rPr lang="en-US" altLang="zh-CN" dirty="0"/>
+              <a:t>Pod</a:t>
+            </a:r>
+          </a:p>
+          <a:p>
+            <a:endParaRPr lang="en-US" altLang="zh-CN" dirty="0"/>
+          </a:p>
+          <a:p>
+            <a:r>
+              <a:rPr lang="zh-CN" altLang="en-US" dirty="0"/>
+              <a:t>sudo kubectl delete pod k8saspnetcoredemo003-deployment-d48f9688f-sj95g  -n default --grace-period=0 --force</a:t>
+            </a:r>
+          </a:p>
+        </p:txBody>
+      </p:sp>
+    </p:spTree>
+    <p:extLst>
+      <p:ext uri="{BB962C8B-B14F-4D97-AF65-F5344CB8AC3E}">
+        <p14:creationId xmlns:p14="http://schemas.microsoft.com/office/powerpoint/2010/main" val="3762608029"/>
+      </p:ext>
+    </p:extLst>
+  </p:cSld>
+  <p:clrMapOvr>
+    <a:masterClrMapping/>
+  </p:clrMapOvr>
+</p:sld>
+</file>
+
+<file path=ppt/slides/slide41.xml><?xml version="1.0" encoding="utf-8"?>
+<p:sld xmlns:a="http://schemas.openxmlformats.org/drawingml/2006/main" xmlns:r="http://schemas.openxmlformats.org/officeDocument/2006/relationships" xmlns:p="http://schemas.openxmlformats.org/presentationml/2006/main">
+  <p:cSld>
+    <p:spTree>
+      <p:nvGrpSpPr>
+        <p:cNvPr id="1" name=""/>
+        <p:cNvGrpSpPr/>
+        <p:nvPr/>
+      </p:nvGrpSpPr>
+      <p:grpSpPr>
+        <a:xfrm>
+          <a:off x="0" y="0"/>
+          <a:ext cx="0" cy="0"/>
+          <a:chOff x="0" y="0"/>
+          <a:chExt cx="0" cy="0"/>
+        </a:xfrm>
+      </p:grpSpPr>
+      <p:sp>
+        <p:nvSpPr>
+          <p:cNvPr id="2" name="矩形 1">
+            <a:extLst>
+              <a:ext uri="{FF2B5EF4-FFF2-40B4-BE49-F238E27FC236}">
                 <a16:creationId xmlns:a16="http://schemas.microsoft.com/office/drawing/2014/main" id="{37CECF1A-CB9B-4164-B069-D26D60B542F9}"/>
               </a:ext>
             </a:extLst>
@@ -21310,7 +24470,7 @@
 </p:sld>
 </file>
 
-<file path=ppt/slides/slide41.xml><?xml version="1.0" encoding="utf-8"?>
+<file path=ppt/slides/slide42.xml><?xml version="1.0" encoding="utf-8"?>
 <p:sld xmlns:a="http://schemas.openxmlformats.org/drawingml/2006/main" xmlns:r="http://schemas.openxmlformats.org/officeDocument/2006/relationships" xmlns:p="http://schemas.openxmlformats.org/presentationml/2006/main">
   <p:cSld>
     <p:spTree>
@@ -21340,7 +24500,7 @@
 </p:sld>
 </file>
 
-<file path=ppt/slides/slide42.xml><?xml version="1.0" encoding="utf-8"?>
+<file path=ppt/slides/slide43.xml><?xml version="1.0" encoding="utf-8"?>
 <p:sld xmlns:a="http://schemas.openxmlformats.org/drawingml/2006/main" xmlns:r="http://schemas.openxmlformats.org/officeDocument/2006/relationships" xmlns:p="http://schemas.openxmlformats.org/presentationml/2006/main">
   <p:cSld>
     <p:spTree>
@@ -21370,7 +24530,7 @@
 </p:sld>
 </file>
 
-<file path=ppt/slides/slide43.xml><?xml version="1.0" encoding="utf-8"?>
+<file path=ppt/slides/slide44.xml><?xml version="1.0" encoding="utf-8"?>
 <p:sld xmlns:a="http://schemas.openxmlformats.org/drawingml/2006/main" xmlns:r="http://schemas.openxmlformats.org/officeDocument/2006/relationships" xmlns:p="http://schemas.openxmlformats.org/presentationml/2006/main">
   <p:cSld>
     <p:spTree>
@@ -21400,7 +24560,7 @@
 </p:sld>
 </file>
 
-<file path=ppt/slides/slide44.xml><?xml version="1.0" encoding="utf-8"?>
+<file path=ppt/slides/slide45.xml><?xml version="1.0" encoding="utf-8"?>
 <p:sld xmlns:a="http://schemas.openxmlformats.org/drawingml/2006/main" xmlns:r="http://schemas.openxmlformats.org/officeDocument/2006/relationships" xmlns:p="http://schemas.openxmlformats.org/presentationml/2006/main">
   <p:cSld>
     <p:spTree>
@@ -21430,7 +24590,7 @@
 </p:sld>
 </file>
 
-<file path=ppt/slides/slide45.xml><?xml version="1.0" encoding="utf-8"?>
+<file path=ppt/slides/slide46.xml><?xml version="1.0" encoding="utf-8"?>
 <p:sld xmlns:a="http://schemas.openxmlformats.org/drawingml/2006/main" xmlns:r="http://schemas.openxmlformats.org/officeDocument/2006/relationships" xmlns:p="http://schemas.openxmlformats.org/presentationml/2006/main">
   <p:cSld>
     <p:spTree>
@@ -21460,7 +24620,7 @@
 </p:sld>
 </file>
 
-<file path=ppt/slides/slide46.xml><?xml version="1.0" encoding="utf-8"?>
+<file path=ppt/slides/slide47.xml><?xml version="1.0" encoding="utf-8"?>
 <p:sld xmlns:a="http://schemas.openxmlformats.org/drawingml/2006/main" xmlns:r="http://schemas.openxmlformats.org/officeDocument/2006/relationships" xmlns:p="http://schemas.openxmlformats.org/presentationml/2006/main">
   <p:cSld>
     <p:spTree>
@@ -21490,7 +24650,7 @@
 </p:sld>
 </file>
 
-<file path=ppt/slides/slide47.xml><?xml version="1.0" encoding="utf-8"?>
+<file path=ppt/slides/slide48.xml><?xml version="1.0" encoding="utf-8"?>
 <p:sld xmlns:a="http://schemas.openxmlformats.org/drawingml/2006/main" xmlns:r="http://schemas.openxmlformats.org/officeDocument/2006/relationships" xmlns:p="http://schemas.openxmlformats.org/presentationml/2006/main">
   <p:cSld>
     <p:spTree>
@@ -21520,7 +24680,7 @@
 </p:sld>
 </file>
 
-<file path=ppt/slides/slide48.xml><?xml version="1.0" encoding="utf-8"?>
+<file path=ppt/slides/slide49.xml><?xml version="1.0" encoding="utf-8"?>
 <p:sld xmlns:a="http://schemas.openxmlformats.org/drawingml/2006/main" xmlns:r="http://schemas.openxmlformats.org/officeDocument/2006/relationships" xmlns:p="http://schemas.openxmlformats.org/presentationml/2006/main">
   <p:cSld>
     <p:spTree>
@@ -21541,36 +24701,6 @@
     <p:extLst>
       <p:ext uri="{BB962C8B-B14F-4D97-AF65-F5344CB8AC3E}">
         <p14:creationId xmlns:p14="http://schemas.microsoft.com/office/powerpoint/2010/main" val="1721265013"/>
-      </p:ext>
-    </p:extLst>
-  </p:cSld>
-  <p:clrMapOvr>
-    <a:masterClrMapping/>
-  </p:clrMapOvr>
-</p:sld>
-</file>
-
-<file path=ppt/slides/slide49.xml><?xml version="1.0" encoding="utf-8"?>
-<p:sld xmlns:a="http://schemas.openxmlformats.org/drawingml/2006/main" xmlns:r="http://schemas.openxmlformats.org/officeDocument/2006/relationships" xmlns:p="http://schemas.openxmlformats.org/presentationml/2006/main">
-  <p:cSld>
-    <p:spTree>
-      <p:nvGrpSpPr>
-        <p:cNvPr id="1" name=""/>
-        <p:cNvGrpSpPr/>
-        <p:nvPr/>
-      </p:nvGrpSpPr>
-      <p:grpSpPr>
-        <a:xfrm>
-          <a:off x="0" y="0"/>
-          <a:ext cx="0" cy="0"/>
-          <a:chOff x="0" y="0"/>
-          <a:chExt cx="0" cy="0"/>
-        </a:xfrm>
-      </p:grpSpPr>
-    </p:spTree>
-    <p:extLst>
-      <p:ext uri="{BB962C8B-B14F-4D97-AF65-F5344CB8AC3E}">
-        <p14:creationId xmlns:p14="http://schemas.microsoft.com/office/powerpoint/2010/main" val="2049219228"/>
       </p:ext>
     </p:extLst>
   </p:cSld>
@@ -22191,6 +25321,36 @@
           <a:chExt cx="0" cy="0"/>
         </a:xfrm>
       </p:grpSpPr>
+    </p:spTree>
+    <p:extLst>
+      <p:ext uri="{BB962C8B-B14F-4D97-AF65-F5344CB8AC3E}">
+        <p14:creationId xmlns:p14="http://schemas.microsoft.com/office/powerpoint/2010/main" val="2049219228"/>
+      </p:ext>
+    </p:extLst>
+  </p:cSld>
+  <p:clrMapOvr>
+    <a:masterClrMapping/>
+  </p:clrMapOvr>
+</p:sld>
+</file>
+
+<file path=ppt/slides/slide51.xml><?xml version="1.0" encoding="utf-8"?>
+<p:sld xmlns:a="http://schemas.openxmlformats.org/drawingml/2006/main" xmlns:r="http://schemas.openxmlformats.org/officeDocument/2006/relationships" xmlns:p="http://schemas.openxmlformats.org/presentationml/2006/main">
+  <p:cSld>
+    <p:spTree>
+      <p:nvGrpSpPr>
+        <p:cNvPr id="1" name=""/>
+        <p:cNvGrpSpPr/>
+        <p:nvPr/>
+      </p:nvGrpSpPr>
+      <p:grpSpPr>
+        <a:xfrm>
+          <a:off x="0" y="0"/>
+          <a:ext cx="0" cy="0"/>
+          <a:chOff x="0" y="0"/>
+          <a:chExt cx="0" cy="0"/>
+        </a:xfrm>
+      </p:grpSpPr>
       <p:sp>
         <p:nvSpPr>
           <p:cNvPr id="4" name="矩形 3">
@@ -22312,7 +25472,7 @@
 </p:sld>
 </file>
 
-<file path=ppt/slides/slide51.xml><?xml version="1.0" encoding="utf-8"?>
+<file path=ppt/slides/slide52.xml><?xml version="1.0" encoding="utf-8"?>
 <p:sld xmlns:a="http://schemas.openxmlformats.org/drawingml/2006/main" xmlns:r="http://schemas.openxmlformats.org/officeDocument/2006/relationships" xmlns:p="http://schemas.openxmlformats.org/presentationml/2006/main">
   <p:cSld>
     <p:spTree>

--- a/Asp.NetCoreExperiment/kubernetes/kubernetes.pptx
+++ b/Asp.NetCoreExperiment/kubernetes/kubernetes.pptx
@@ -3123,7 +3123,7 @@
           <a:p>
             <a:fld id="{EB3586D1-9A9B-4A13-8983-B7906950C648}" type="datetimeFigureOut">
               <a:rPr lang="zh-CN" altLang="en-US" smtClean="0"/>
-              <a:t>2019/3/3</a:t>
+              <a:t>2019/3/4</a:t>
             </a:fld>
             <a:endParaRPr lang="zh-CN" altLang="en-US"/>
           </a:p>
@@ -4093,7 +4093,7 @@
           <a:p>
             <a:fld id="{2328C41B-48A3-47AC-B18B-81A9BC6A6005}" type="datetimeFigureOut">
               <a:rPr lang="zh-CN" altLang="en-US" smtClean="0"/>
-              <a:t>2019/3/3</a:t>
+              <a:t>2019/3/4</a:t>
             </a:fld>
             <a:endParaRPr lang="zh-CN" altLang="en-US"/>
           </a:p>
@@ -4291,7 +4291,7 @@
           <a:p>
             <a:fld id="{2328C41B-48A3-47AC-B18B-81A9BC6A6005}" type="datetimeFigureOut">
               <a:rPr lang="zh-CN" altLang="en-US" smtClean="0"/>
-              <a:t>2019/3/3</a:t>
+              <a:t>2019/3/4</a:t>
             </a:fld>
             <a:endParaRPr lang="zh-CN" altLang="en-US"/>
           </a:p>
@@ -4499,7 +4499,7 @@
           <a:p>
             <a:fld id="{2328C41B-48A3-47AC-B18B-81A9BC6A6005}" type="datetimeFigureOut">
               <a:rPr lang="zh-CN" altLang="en-US" smtClean="0"/>
-              <a:t>2019/3/3</a:t>
+              <a:t>2019/3/4</a:t>
             </a:fld>
             <a:endParaRPr lang="zh-CN" altLang="en-US"/>
           </a:p>
@@ -4697,7 +4697,7 @@
           <a:p>
             <a:fld id="{2328C41B-48A3-47AC-B18B-81A9BC6A6005}" type="datetimeFigureOut">
               <a:rPr lang="zh-CN" altLang="en-US" smtClean="0"/>
-              <a:t>2019/3/3</a:t>
+              <a:t>2019/3/4</a:t>
             </a:fld>
             <a:endParaRPr lang="zh-CN" altLang="en-US"/>
           </a:p>
@@ -4972,7 +4972,7 @@
           <a:p>
             <a:fld id="{2328C41B-48A3-47AC-B18B-81A9BC6A6005}" type="datetimeFigureOut">
               <a:rPr lang="zh-CN" altLang="en-US" smtClean="0"/>
-              <a:t>2019/3/3</a:t>
+              <a:t>2019/3/4</a:t>
             </a:fld>
             <a:endParaRPr lang="zh-CN" altLang="en-US"/>
           </a:p>
@@ -5237,7 +5237,7 @@
           <a:p>
             <a:fld id="{2328C41B-48A3-47AC-B18B-81A9BC6A6005}" type="datetimeFigureOut">
               <a:rPr lang="zh-CN" altLang="en-US" smtClean="0"/>
-              <a:t>2019/3/3</a:t>
+              <a:t>2019/3/4</a:t>
             </a:fld>
             <a:endParaRPr lang="zh-CN" altLang="en-US"/>
           </a:p>
@@ -5649,7 +5649,7 @@
           <a:p>
             <a:fld id="{2328C41B-48A3-47AC-B18B-81A9BC6A6005}" type="datetimeFigureOut">
               <a:rPr lang="zh-CN" altLang="en-US" smtClean="0"/>
-              <a:t>2019/3/3</a:t>
+              <a:t>2019/3/4</a:t>
             </a:fld>
             <a:endParaRPr lang="zh-CN" altLang="en-US"/>
           </a:p>
@@ -5790,7 +5790,7 @@
           <a:p>
             <a:fld id="{2328C41B-48A3-47AC-B18B-81A9BC6A6005}" type="datetimeFigureOut">
               <a:rPr lang="zh-CN" altLang="en-US" smtClean="0"/>
-              <a:t>2019/3/3</a:t>
+              <a:t>2019/3/4</a:t>
             </a:fld>
             <a:endParaRPr lang="zh-CN" altLang="en-US"/>
           </a:p>
@@ -5903,7 +5903,7 @@
           <a:p>
             <a:fld id="{2328C41B-48A3-47AC-B18B-81A9BC6A6005}" type="datetimeFigureOut">
               <a:rPr lang="zh-CN" altLang="en-US" smtClean="0"/>
-              <a:t>2019/3/3</a:t>
+              <a:t>2019/3/4</a:t>
             </a:fld>
             <a:endParaRPr lang="zh-CN" altLang="en-US"/>
           </a:p>
@@ -6214,7 +6214,7 @@
           <a:p>
             <a:fld id="{2328C41B-48A3-47AC-B18B-81A9BC6A6005}" type="datetimeFigureOut">
               <a:rPr lang="zh-CN" altLang="en-US" smtClean="0"/>
-              <a:t>2019/3/3</a:t>
+              <a:t>2019/3/4</a:t>
             </a:fld>
             <a:endParaRPr lang="zh-CN" altLang="en-US"/>
           </a:p>
@@ -6502,7 +6502,7 @@
           <a:p>
             <a:fld id="{2328C41B-48A3-47AC-B18B-81A9BC6A6005}" type="datetimeFigureOut">
               <a:rPr lang="zh-CN" altLang="en-US" smtClean="0"/>
-              <a:t>2019/3/3</a:t>
+              <a:t>2019/3/4</a:t>
             </a:fld>
             <a:endParaRPr lang="zh-CN" altLang="en-US"/>
           </a:p>
@@ -6743,7 +6743,7 @@
           <a:p>
             <a:fld id="{2328C41B-48A3-47AC-B18B-81A9BC6A6005}" type="datetimeFigureOut">
               <a:rPr lang="zh-CN" altLang="en-US" smtClean="0"/>
-              <a:t>2019/3/3</a:t>
+              <a:t>2019/3/4</a:t>
             </a:fld>
             <a:endParaRPr lang="zh-CN" altLang="en-US"/>
           </a:p>
@@ -22852,7 +22852,7 @@
         </p:nvSpPr>
         <p:spPr>
           <a:xfrm>
-            <a:off x="565120" y="971476"/>
+            <a:off x="565120" y="2034732"/>
             <a:ext cx="6096000" cy="3323987"/>
           </a:xfrm>
           <a:prstGeom prst="rect">
@@ -22930,7 +22930,7 @@
               <a:rPr lang="en-US" altLang="zh-CN" sz="1050" dirty="0" err="1">
                 <a:latin typeface="Consolas" panose="020B0609020204030204" pitchFamily="49" charset="0"/>
               </a:rPr>
-              <a:t>k8saspnetcoredemo003</a:t>
+              <a:t>k8saspnetcoredemo005</a:t>
             </a:r>
             <a:r>
               <a:rPr lang="en-US" altLang="zh-CN" sz="1050" dirty="0">
@@ -22986,7 +22986,7 @@
               <a:rPr lang="en-US" altLang="zh-CN" sz="1050" dirty="0" err="1">
                 <a:latin typeface="Consolas" panose="020B0609020204030204" pitchFamily="49" charset="0"/>
               </a:rPr>
-              <a:t>k8saspnetcoredemo003</a:t>
+              <a:t>k8saspnetcoredemo005</a:t>
             </a:r>
             <a:endParaRPr lang="en-US" altLang="zh-CN" sz="1050" dirty="0">
               <a:latin typeface="Consolas" panose="020B0609020204030204" pitchFamily="49" charset="0"/>
@@ -23035,7 +23035,7 @@
               <a:rPr lang="en-US" altLang="zh-CN" sz="1050" dirty="0" err="1">
                 <a:latin typeface="Consolas" panose="020B0609020204030204" pitchFamily="49" charset="0"/>
               </a:rPr>
-              <a:t>k8saspnetcoredemo003</a:t>
+              <a:t>k8saspnetcoredemo005</a:t>
             </a:r>
             <a:endParaRPr lang="en-US" altLang="zh-CN" sz="1050" dirty="0">
               <a:latin typeface="Consolas" panose="020B0609020204030204" pitchFamily="49" charset="0"/>
@@ -23068,7 +23068,7 @@
               <a:rPr lang="en-US" altLang="zh-CN" sz="1050" dirty="0" err="1">
                 <a:latin typeface="Consolas" panose="020B0609020204030204" pitchFamily="49" charset="0"/>
               </a:rPr>
-              <a:t>k8saspnetcoredemo003</a:t>
+              <a:t>k8saspnetcoredemo005</a:t>
             </a:r>
             <a:endParaRPr lang="en-US" altLang="zh-CN" sz="1050" dirty="0">
               <a:latin typeface="Consolas" panose="020B0609020204030204" pitchFamily="49" charset="0"/>
@@ -23097,7 +23097,7 @@
               <a:rPr lang="en-US" altLang="zh-CN" sz="1050" dirty="0" err="1">
                 <a:latin typeface="Consolas" panose="020B0609020204030204" pitchFamily="49" charset="0"/>
               </a:rPr>
-              <a:t>k8saspnetcoredemo003</a:t>
+              <a:t>k8saspnetcoredemo005:v1</a:t>
             </a:r>
             <a:endParaRPr lang="en-US" altLang="zh-CN" sz="1050" dirty="0">
               <a:latin typeface="Consolas" panose="020B0609020204030204" pitchFamily="49" charset="0"/>
@@ -23169,7 +23169,7 @@
               <a:rPr lang="en-US" altLang="zh-CN" sz="1050" dirty="0">
                 <a:latin typeface="Consolas" panose="020B0609020204030204" pitchFamily="49" charset="0"/>
               </a:rPr>
-              <a:t>: 4045</a:t>
+              <a:t>: 4048</a:t>
             </a:r>
           </a:p>
         </p:txBody>
@@ -23188,7 +23188,7 @@
         </p:nvSpPr>
         <p:spPr>
           <a:xfrm>
-            <a:off x="466060" y="602144"/>
+            <a:off x="565120" y="1562619"/>
             <a:ext cx="4988738" cy="369332"/>
           </a:xfrm>
           <a:prstGeom prst="rect">
@@ -23273,7 +23273,7 @@
         </p:nvSpPr>
         <p:spPr>
           <a:xfrm>
-            <a:off x="565120" y="4295463"/>
+            <a:off x="565120" y="5358719"/>
             <a:ext cx="3813865" cy="1477328"/>
           </a:xfrm>
           <a:prstGeom prst="rect">
@@ -23381,6 +23381,47 @@
               <a:t>/values</a:t>
             </a:r>
             <a:endParaRPr lang="zh-CN" altLang="en-US" dirty="0"/>
+          </a:p>
+        </p:txBody>
+      </p:sp>
+      <p:sp>
+        <p:nvSpPr>
+          <p:cNvPr id="2" name="矩形 1">
+            <a:extLst>
+              <a:ext uri="{FF2B5EF4-FFF2-40B4-BE49-F238E27FC236}">
+                <a16:creationId xmlns:a16="http://schemas.microsoft.com/office/drawing/2014/main" id="{67EC7EBE-EC74-482D-8D81-3F44EEA79CFE}"/>
+              </a:ext>
+            </a:extLst>
+          </p:cNvPr>
+          <p:cNvSpPr/>
+          <p:nvPr/>
+        </p:nvSpPr>
+        <p:spPr>
+          <a:xfrm>
+            <a:off x="565120" y="764439"/>
+            <a:ext cx="6135013" cy="646331"/>
+          </a:xfrm>
+          <a:prstGeom prst="rect">
+            <a:avLst/>
+          </a:prstGeom>
+        </p:spPr>
+        <p:txBody>
+          <a:bodyPr wrap="none">
+            <a:spAutoFit/>
+          </a:bodyPr>
+          <a:lstStyle/>
+          <a:p>
+            <a:r>
+              <a:rPr lang="zh-CN" altLang="en-US" dirty="0"/>
+              <a:t>构建容器</a:t>
+            </a:r>
+            <a:endParaRPr lang="en-US" altLang="zh-CN" dirty="0"/>
+          </a:p>
+          <a:p>
+            <a:r>
+              <a:rPr lang="zh-CN" altLang="en-US" dirty="0"/>
+              <a:t>sudo docker build -t axzxs2001/k8saspnetcoredemo005:v1 .</a:t>
+            </a:r>
           </a:p>
         </p:txBody>
       </p:sp>

--- a/Asp.NetCoreExperiment/kubernetes/kubernetes.pptx
+++ b/Asp.NetCoreExperiment/kubernetes/kubernetes.pptx
@@ -13146,7 +13146,46 @@
           <a:bodyPr/>
           <a:lstStyle/>
           <a:p>
-            <a:endParaRPr lang="zh-CN" altLang="en-US" dirty="0"/>
+            <a:r>
+              <a:rPr lang="en-US" altLang="zh-CN" dirty="0" err="1"/>
+              <a:t>CronJob</a:t>
+            </a:r>
+            <a:r>
+              <a:rPr lang="zh-CN" altLang="en-US" dirty="0"/>
+              <a:t>是用来专门管理</a:t>
+            </a:r>
+            <a:r>
+              <a:rPr lang="en-US" altLang="zh-CN" dirty="0"/>
+              <a:t>Job</a:t>
+            </a:r>
+            <a:r>
+              <a:rPr lang="zh-CN" altLang="en-US" dirty="0"/>
+              <a:t>对象的控制器</a:t>
+            </a:r>
+            <a:endParaRPr lang="en-US" altLang="zh-CN" dirty="0"/>
+          </a:p>
+          <a:p>
+            <a:r>
+              <a:rPr lang="zh-CN" altLang="en-US" dirty="0"/>
+              <a:t>用</a:t>
+            </a:r>
+            <a:r>
+              <a:rPr lang="en-US" altLang="zh-CN" dirty="0"/>
+              <a:t>Cron</a:t>
+            </a:r>
+            <a:r>
+              <a:rPr lang="zh-CN" altLang="en-US" dirty="0"/>
+              <a:t>表达式来控制：</a:t>
+            </a:r>
+            <a:r>
+              <a:rPr lang="en-US" altLang="zh-CN" dirty="0"/>
+              <a:t>* * * * *,</a:t>
+            </a:r>
+            <a:r>
+              <a:rPr lang="zh-CN" altLang="en-US" dirty="0"/>
+              <a:t>分钟，小时，日，月，星期</a:t>
+            </a:r>
+            <a:endParaRPr lang="en-US" altLang="zh-CN" dirty="0"/>
           </a:p>
         </p:txBody>
       </p:sp>
@@ -23415,7 +23454,6 @@
               <a:rPr lang="zh-CN" altLang="en-US" dirty="0"/>
               <a:t>构建容器</a:t>
             </a:r>
-            <a:endParaRPr lang="en-US" altLang="zh-CN" dirty="0"/>
           </a:p>
           <a:p>
             <a:r>

--- a/Asp.NetCoreExperiment/kubernetes/kubernetes.pptx
+++ b/Asp.NetCoreExperiment/kubernetes/kubernetes.pptx
@@ -47,9 +47,9 @@
     <p:sldId id="289" r:id="rId38"/>
     <p:sldId id="290" r:id="rId39"/>
     <p:sldId id="295" r:id="rId40"/>
-    <p:sldId id="291" r:id="rId41"/>
-    <p:sldId id="296" r:id="rId42"/>
-    <p:sldId id="297" r:id="rId43"/>
+    <p:sldId id="297" r:id="rId41"/>
+    <p:sldId id="291" r:id="rId42"/>
+    <p:sldId id="296" r:id="rId43"/>
     <p:sldId id="298" r:id="rId44"/>
     <p:sldId id="299" r:id="rId45"/>
     <p:sldId id="300" r:id="rId46"/>
@@ -3123,7 +3123,7 @@
           <a:p>
             <a:fld id="{EB3586D1-9A9B-4A13-8983-B7906950C648}" type="datetimeFigureOut">
               <a:rPr lang="zh-CN" altLang="en-US" smtClean="0"/>
-              <a:t>2019/3/4</a:t>
+              <a:t>2019/3/6</a:t>
             </a:fld>
             <a:endParaRPr lang="zh-CN" altLang="en-US"/>
           </a:p>
@@ -4093,7 +4093,7 @@
           <a:p>
             <a:fld id="{2328C41B-48A3-47AC-B18B-81A9BC6A6005}" type="datetimeFigureOut">
               <a:rPr lang="zh-CN" altLang="en-US" smtClean="0"/>
-              <a:t>2019/3/4</a:t>
+              <a:t>2019/3/6</a:t>
             </a:fld>
             <a:endParaRPr lang="zh-CN" altLang="en-US"/>
           </a:p>
@@ -4291,7 +4291,7 @@
           <a:p>
             <a:fld id="{2328C41B-48A3-47AC-B18B-81A9BC6A6005}" type="datetimeFigureOut">
               <a:rPr lang="zh-CN" altLang="en-US" smtClean="0"/>
-              <a:t>2019/3/4</a:t>
+              <a:t>2019/3/6</a:t>
             </a:fld>
             <a:endParaRPr lang="zh-CN" altLang="en-US"/>
           </a:p>
@@ -4499,7 +4499,7 @@
           <a:p>
             <a:fld id="{2328C41B-48A3-47AC-B18B-81A9BC6A6005}" type="datetimeFigureOut">
               <a:rPr lang="zh-CN" altLang="en-US" smtClean="0"/>
-              <a:t>2019/3/4</a:t>
+              <a:t>2019/3/6</a:t>
             </a:fld>
             <a:endParaRPr lang="zh-CN" altLang="en-US"/>
           </a:p>
@@ -4697,7 +4697,7 @@
           <a:p>
             <a:fld id="{2328C41B-48A3-47AC-B18B-81A9BC6A6005}" type="datetimeFigureOut">
               <a:rPr lang="zh-CN" altLang="en-US" smtClean="0"/>
-              <a:t>2019/3/4</a:t>
+              <a:t>2019/3/6</a:t>
             </a:fld>
             <a:endParaRPr lang="zh-CN" altLang="en-US"/>
           </a:p>
@@ -4972,7 +4972,7 @@
           <a:p>
             <a:fld id="{2328C41B-48A3-47AC-B18B-81A9BC6A6005}" type="datetimeFigureOut">
               <a:rPr lang="zh-CN" altLang="en-US" smtClean="0"/>
-              <a:t>2019/3/4</a:t>
+              <a:t>2019/3/6</a:t>
             </a:fld>
             <a:endParaRPr lang="zh-CN" altLang="en-US"/>
           </a:p>
@@ -5237,7 +5237,7 @@
           <a:p>
             <a:fld id="{2328C41B-48A3-47AC-B18B-81A9BC6A6005}" type="datetimeFigureOut">
               <a:rPr lang="zh-CN" altLang="en-US" smtClean="0"/>
-              <a:t>2019/3/4</a:t>
+              <a:t>2019/3/6</a:t>
             </a:fld>
             <a:endParaRPr lang="zh-CN" altLang="en-US"/>
           </a:p>
@@ -5649,7 +5649,7 @@
           <a:p>
             <a:fld id="{2328C41B-48A3-47AC-B18B-81A9BC6A6005}" type="datetimeFigureOut">
               <a:rPr lang="zh-CN" altLang="en-US" smtClean="0"/>
-              <a:t>2019/3/4</a:t>
+              <a:t>2019/3/6</a:t>
             </a:fld>
             <a:endParaRPr lang="zh-CN" altLang="en-US"/>
           </a:p>
@@ -5790,7 +5790,7 @@
           <a:p>
             <a:fld id="{2328C41B-48A3-47AC-B18B-81A9BC6A6005}" type="datetimeFigureOut">
               <a:rPr lang="zh-CN" altLang="en-US" smtClean="0"/>
-              <a:t>2019/3/4</a:t>
+              <a:t>2019/3/6</a:t>
             </a:fld>
             <a:endParaRPr lang="zh-CN" altLang="en-US"/>
           </a:p>
@@ -5903,7 +5903,7 @@
           <a:p>
             <a:fld id="{2328C41B-48A3-47AC-B18B-81A9BC6A6005}" type="datetimeFigureOut">
               <a:rPr lang="zh-CN" altLang="en-US" smtClean="0"/>
-              <a:t>2019/3/4</a:t>
+              <a:t>2019/3/6</a:t>
             </a:fld>
             <a:endParaRPr lang="zh-CN" altLang="en-US"/>
           </a:p>
@@ -6214,7 +6214,7 @@
           <a:p>
             <a:fld id="{2328C41B-48A3-47AC-B18B-81A9BC6A6005}" type="datetimeFigureOut">
               <a:rPr lang="zh-CN" altLang="en-US" smtClean="0"/>
-              <a:t>2019/3/4</a:t>
+              <a:t>2019/3/6</a:t>
             </a:fld>
             <a:endParaRPr lang="zh-CN" altLang="en-US"/>
           </a:p>
@@ -6502,7 +6502,7 @@
           <a:p>
             <a:fld id="{2328C41B-48A3-47AC-B18B-81A9BC6A6005}" type="datetimeFigureOut">
               <a:rPr lang="zh-CN" altLang="en-US" smtClean="0"/>
-              <a:t>2019/3/4</a:t>
+              <a:t>2019/3/6</a:t>
             </a:fld>
             <a:endParaRPr lang="zh-CN" altLang="en-US"/>
           </a:p>
@@ -6743,7 +6743,7 @@
           <a:p>
             <a:fld id="{2328C41B-48A3-47AC-B18B-81A9BC6A6005}" type="datetimeFigureOut">
               <a:rPr lang="zh-CN" altLang="en-US" smtClean="0"/>
-              <a:t>2019/3/4</a:t>
+              <a:t>2019/3/6</a:t>
             </a:fld>
             <a:endParaRPr lang="zh-CN" altLang="en-US"/>
           </a:p>
@@ -21009,11 +21009,30 @@
           <a:p>
             <a:r>
               <a:rPr lang="zh-CN" altLang="en-US" sz="1000" dirty="0"/>
-              <a:t>   kubeadm join 192.168.252.54:6443 --token t6d36c.6p2ebr5mhxqk195c --discovery-token-ca-cert-hash sha256:60106a5cedd2ba984f87fea112286b09a5a98ebf5958c6027480aa64a3392ee8</a:t>
-            </a:r>
-          </a:p>
-          <a:p>
-            <a:endParaRPr lang="zh-CN" altLang="en-US" sz="1000" dirty="0"/>
+              <a:t>   </a:t>
+            </a:r>
+            <a:r>
+              <a:rPr lang="en-US" altLang="zh-CN" sz="1000" dirty="0" err="1"/>
+              <a:t>kubeadm</a:t>
+            </a:r>
+            <a:r>
+              <a:rPr lang="en-US" altLang="zh-CN" sz="1000" dirty="0"/>
+              <a:t> join 192.168.252.54:6443 --token </a:t>
+            </a:r>
+            <a:r>
+              <a:rPr lang="en-US" altLang="zh-CN" sz="1000" dirty="0" err="1"/>
+              <a:t>jetzdj.7ycrb79mihrlrggq</a:t>
+            </a:r>
+            <a:r>
+              <a:rPr lang="en-US" altLang="zh-CN" sz="1000" dirty="0"/>
+              <a:t> --discovery-token-ca-cert-hash sha256:f8a25957a41d187587a46a0af43c9b715e7e2d903473a9d4e0cad5009a5031bc</a:t>
+            </a:r>
+          </a:p>
+          <a:p>
+            <a:endParaRPr lang="en-US" altLang="zh-CN" sz="1000" dirty="0"/>
+          </a:p>
+          <a:p>
+            <a:endParaRPr lang="en-US" altLang="zh-CN" sz="1000" dirty="0"/>
           </a:p>
           <a:p>
             <a:r>
@@ -22213,8 +22232,8 @@
         </p:nvSpPr>
         <p:spPr>
           <a:xfrm>
-            <a:off x="704220" y="5845005"/>
-            <a:ext cx="10660354" cy="369332"/>
+            <a:off x="686843" y="5748024"/>
+            <a:ext cx="10660354" cy="646331"/>
           </a:xfrm>
           <a:prstGeom prst="rect">
             <a:avLst/>
@@ -22225,6 +22244,26 @@
             <a:spAutoFit/>
           </a:bodyPr>
           <a:lstStyle/>
+          <a:p>
+            <a:r>
+              <a:rPr lang="zh-CN" altLang="en-US" dirty="0">
+                <a:solidFill>
+                  <a:srgbClr val="24292E"/>
+                </a:solidFill>
+                <a:latin typeface="SFMono-Regular"/>
+              </a:rPr>
+              <a:t>获取登录</a:t>
+            </a:r>
+            <a:r>
+              <a:rPr lang="en-US" altLang="zh-CN" dirty="0">
+                <a:solidFill>
+                  <a:srgbClr val="24292E"/>
+                </a:solidFill>
+                <a:latin typeface="SFMono-Regular"/>
+              </a:rPr>
+              <a:t>Token</a:t>
+            </a:r>
+          </a:p>
           <a:p>
             <a:r>
               <a:rPr lang="en-US" altLang="zh-CN" dirty="0" err="1">
@@ -22655,7 +22694,7 @@
         </p:blipFill>
         <p:spPr bwMode="auto">
           <a:xfrm>
-            <a:off x="5586683" y="2892056"/>
+            <a:off x="5971147" y="2181843"/>
             <a:ext cx="6605317" cy="3965944"/>
           </a:xfrm>
           <a:prstGeom prst="rect">
@@ -22673,6 +22712,47 @@
           </a:extLst>
         </p:spPr>
       </p:pic>
+      <p:sp>
+        <p:nvSpPr>
+          <p:cNvPr id="2" name="矩形 1">
+            <a:extLst>
+              <a:ext uri="{FF2B5EF4-FFF2-40B4-BE49-F238E27FC236}">
+                <a16:creationId xmlns:a16="http://schemas.microsoft.com/office/drawing/2014/main" id="{38FCFB81-DD98-44D6-AA39-F6B3FBC33A26}"/>
+              </a:ext>
+            </a:extLst>
+          </p:cNvPr>
+          <p:cNvSpPr/>
+          <p:nvPr/>
+        </p:nvSpPr>
+        <p:spPr>
+          <a:xfrm>
+            <a:off x="373146" y="5824621"/>
+            <a:ext cx="6101350" cy="646331"/>
+          </a:xfrm>
+          <a:prstGeom prst="rect">
+            <a:avLst/>
+          </a:prstGeom>
+        </p:spPr>
+        <p:txBody>
+          <a:bodyPr wrap="none">
+            <a:spAutoFit/>
+          </a:bodyPr>
+          <a:lstStyle/>
+          <a:p>
+            <a:r>
+              <a:rPr lang="zh-CN" altLang="en-US" dirty="0"/>
+              <a:t>单节点部署</a:t>
+            </a:r>
+            <a:endParaRPr lang="en-US" altLang="zh-CN" dirty="0"/>
+          </a:p>
+          <a:p>
+            <a:r>
+              <a:rPr lang="zh-CN" altLang="en-US" dirty="0"/>
+              <a:t>$ kubectl taint nodes --all node-role.kubernetes.io/master-</a:t>
+            </a:r>
+          </a:p>
+        </p:txBody>
+      </p:sp>
     </p:spTree>
     <p:extLst>
       <p:ext uri="{BB962C8B-B14F-4D97-AF65-F5344CB8AC3E}">
@@ -24259,6 +24339,738 @@
       </p:grpSpPr>
       <p:sp>
         <p:nvSpPr>
+          <p:cNvPr id="3" name="Rectangle 1">
+            <a:extLst>
+              <a:ext uri="{FF2B5EF4-FFF2-40B4-BE49-F238E27FC236}">
+                <a16:creationId xmlns:a16="http://schemas.microsoft.com/office/drawing/2014/main" id="{31731F39-3040-4F1A-A24A-03446A59E581}"/>
+              </a:ext>
+            </a:extLst>
+          </p:cNvPr>
+          <p:cNvSpPr>
+            <a:spLocks noChangeArrowheads="1"/>
+          </p:cNvSpPr>
+          <p:nvPr/>
+        </p:nvSpPr>
+        <p:spPr bwMode="auto">
+          <a:xfrm>
+            <a:off x="524525" y="770701"/>
+            <a:ext cx="8654985" cy="3231654"/>
+          </a:xfrm>
+          <a:prstGeom prst="rect">
+            <a:avLst/>
+          </a:prstGeom>
+          <a:ln/>
+          <a:extLst>
+            <a:ext uri="{91240B29-F687-4F45-9708-019B960494DF}">
+              <a14:hiddenLine xmlns:a14="http://schemas.microsoft.com/office/drawing/2010/main" w="9525">
+                <a:solidFill>
+                  <a:schemeClr val="tx1"/>
+                </a:solidFill>
+                <a:miter lim="800000"/>
+                <a:headEnd/>
+                <a:tailEnd/>
+              </a14:hiddenLine>
+            </a:ext>
+            <a:ext uri="{AF507438-7753-43E0-B8FC-AC1667EBCBE1}">
+              <a14:hiddenEffects xmlns:a14="http://schemas.microsoft.com/office/drawing/2010/main">
+                <a:effectLst>
+                  <a:outerShdw dist="35921" dir="2700000" algn="ctr" rotWithShape="0">
+                    <a:schemeClr val="bg2"/>
+                  </a:outerShdw>
+                </a:effectLst>
+              </a14:hiddenEffects>
+            </a:ext>
+          </a:extLst>
+        </p:spPr>
+        <p:style>
+          <a:lnRef idx="2">
+            <a:schemeClr val="accent3"/>
+          </a:lnRef>
+          <a:fillRef idx="1">
+            <a:schemeClr val="lt1"/>
+          </a:fillRef>
+          <a:effectRef idx="0">
+            <a:schemeClr val="accent3"/>
+          </a:effectRef>
+          <a:fontRef idx="minor">
+            <a:schemeClr val="dk1"/>
+          </a:fontRef>
+        </p:style>
+        <p:txBody>
+          <a:bodyPr vert="horz" wrap="square" lIns="0" tIns="0" rIns="0" bIns="0" numCol="1" anchor="ctr" anchorCtr="0" compatLnSpc="1">
+            <a:prstTxWarp prst="textNoShape">
+              <a:avLst/>
+            </a:prstTxWarp>
+            <a:spAutoFit/>
+          </a:bodyPr>
+          <a:lstStyle/>
+          <a:p>
+            <a:pPr marL="0" marR="0" lvl="0" indent="0" algn="l" defTabSz="914400" rtl="0" eaLnBrk="0" fontAlgn="base" latinLnBrk="0" hangingPunct="0">
+              <a:lnSpc>
+                <a:spcPct val="100000"/>
+              </a:lnSpc>
+              <a:spcBef>
+                <a:spcPct val="0"/>
+              </a:spcBef>
+              <a:spcAft>
+                <a:spcPct val="0"/>
+              </a:spcAft>
+              <a:buClrTx/>
+              <a:buSzTx/>
+              <a:buFontTx/>
+              <a:buNone/>
+              <a:tabLst/>
+            </a:pPr>
+            <a:r>
+              <a:rPr lang="en-US" altLang="zh-CN" sz="1400" dirty="0">
+                <a:latin typeface="Consolas" panose="020B0609020204030204" pitchFamily="49" charset="0"/>
+              </a:rPr>
+              <a:t>Rook-</a:t>
+            </a:r>
+            <a:r>
+              <a:rPr lang="en-US" altLang="zh-CN" sz="1400" dirty="0" err="1">
+                <a:latin typeface="Consolas" panose="020B0609020204030204" pitchFamily="49" charset="0"/>
+              </a:rPr>
+              <a:t>ceph</a:t>
+            </a:r>
+            <a:r>
+              <a:rPr lang="zh-CN" altLang="en-US" sz="1400" dirty="0">
+                <a:latin typeface="Consolas" panose="020B0609020204030204" pitchFamily="49" charset="0"/>
+              </a:rPr>
+              <a:t>部署</a:t>
+            </a:r>
+            <a:endParaRPr lang="en-US" altLang="zh-CN" sz="1400" dirty="0">
+              <a:latin typeface="Consolas" panose="020B0609020204030204" pitchFamily="49" charset="0"/>
+            </a:endParaRPr>
+          </a:p>
+          <a:p>
+            <a:pPr marL="0" marR="0" lvl="0" indent="0" algn="l" defTabSz="914400" rtl="0" eaLnBrk="0" fontAlgn="base" latinLnBrk="0" hangingPunct="0">
+              <a:lnSpc>
+                <a:spcPct val="100000"/>
+              </a:lnSpc>
+              <a:spcBef>
+                <a:spcPct val="0"/>
+              </a:spcBef>
+              <a:spcAft>
+                <a:spcPct val="0"/>
+              </a:spcAft>
+              <a:buClrTx/>
+              <a:buSzTx/>
+              <a:buFontTx/>
+              <a:buNone/>
+              <a:tabLst/>
+            </a:pPr>
+            <a:r>
+              <a:rPr lang="zh-CN" altLang="en-US" sz="1400" dirty="0">
+                <a:latin typeface="Consolas" panose="020B0609020204030204" pitchFamily="49" charset="0"/>
+              </a:rPr>
+              <a:t>部署</a:t>
+            </a:r>
+            <a:r>
+              <a:rPr lang="en-US" altLang="zh-CN" sz="1400" dirty="0">
+                <a:latin typeface="Consolas" panose="020B0609020204030204" pitchFamily="49" charset="0"/>
+              </a:rPr>
+              <a:t>dashboard</a:t>
+            </a:r>
+          </a:p>
+          <a:p>
+            <a:pPr eaLnBrk="0" fontAlgn="base" hangingPunct="0">
+              <a:spcBef>
+                <a:spcPct val="0"/>
+              </a:spcBef>
+              <a:spcAft>
+                <a:spcPct val="0"/>
+              </a:spcAft>
+            </a:pPr>
+            <a:r>
+              <a:rPr lang="en-US" altLang="zh-CN" sz="1400" dirty="0" err="1">
+                <a:solidFill>
+                  <a:srgbClr val="333333"/>
+                </a:solidFill>
+                <a:latin typeface="Consolas" panose="020B0609020204030204" pitchFamily="49" charset="0"/>
+              </a:rPr>
+              <a:t>sudo</a:t>
+            </a:r>
+            <a:r>
+              <a:rPr lang="en-US" altLang="zh-CN" sz="1400" dirty="0">
+                <a:solidFill>
+                  <a:srgbClr val="333333"/>
+                </a:solidFill>
+                <a:latin typeface="Consolas" panose="020B0609020204030204" pitchFamily="49" charset="0"/>
+              </a:rPr>
+              <a:t> </a:t>
+            </a:r>
+            <a:r>
+              <a:rPr lang="zh-CN" altLang="zh-CN" sz="1400" dirty="0">
+                <a:solidFill>
+                  <a:srgbClr val="333333"/>
+                </a:solidFill>
+                <a:latin typeface="Consolas" panose="020B0609020204030204" pitchFamily="49" charset="0"/>
+              </a:rPr>
+              <a:t>kubectl apply </a:t>
+            </a:r>
+            <a:r>
+              <a:rPr lang="zh-CN" altLang="zh-CN" sz="1400" dirty="0">
+                <a:solidFill>
+                  <a:srgbClr val="333333"/>
+                </a:solidFill>
+                <a:latin typeface="Consolas" panose="020B0609020204030204" pitchFamily="49" charset="0"/>
+                <a:ea typeface="-apple-system"/>
+              </a:rPr>
+              <a:t>-f</a:t>
+            </a:r>
+            <a:r>
+              <a:rPr lang="zh-CN" altLang="zh-CN" sz="1400" dirty="0">
+                <a:solidFill>
+                  <a:srgbClr val="333333"/>
+                </a:solidFill>
+                <a:latin typeface="Consolas" panose="020B0609020204030204" pitchFamily="49" charset="0"/>
+              </a:rPr>
+              <a:t> dashboard-external-https.yaml</a:t>
+            </a:r>
+            <a:r>
+              <a:rPr lang="zh-CN" altLang="zh-CN" sz="1400" dirty="0">
+                <a:solidFill>
+                  <a:schemeClr val="tx1"/>
+                </a:solidFill>
+              </a:rPr>
+              <a:t> </a:t>
+            </a:r>
+            <a:endParaRPr lang="zh-CN" altLang="zh-CN" sz="1400" dirty="0">
+              <a:solidFill>
+                <a:schemeClr val="tx1"/>
+              </a:solidFill>
+              <a:latin typeface="Arial" panose="020B0604020202020204" pitchFamily="34" charset="0"/>
+            </a:endParaRPr>
+          </a:p>
+          <a:p>
+            <a:pPr marL="0" marR="0" lvl="0" indent="0" algn="l" defTabSz="914400" rtl="0" eaLnBrk="0" fontAlgn="base" latinLnBrk="0" hangingPunct="0">
+              <a:lnSpc>
+                <a:spcPct val="100000"/>
+              </a:lnSpc>
+              <a:spcBef>
+                <a:spcPct val="0"/>
+              </a:spcBef>
+              <a:spcAft>
+                <a:spcPct val="0"/>
+              </a:spcAft>
+              <a:buClrTx/>
+              <a:buSzTx/>
+              <a:buFontTx/>
+              <a:buNone/>
+              <a:tabLst/>
+            </a:pPr>
+            <a:endParaRPr lang="en-US" altLang="zh-CN" sz="1400" dirty="0">
+              <a:latin typeface="Consolas" panose="020B0609020204030204" pitchFamily="49" charset="0"/>
+            </a:endParaRPr>
+          </a:p>
+          <a:p>
+            <a:pPr marL="0" marR="0" lvl="0" indent="0" algn="l" defTabSz="914400" rtl="0" eaLnBrk="0" fontAlgn="base" latinLnBrk="0" hangingPunct="0">
+              <a:lnSpc>
+                <a:spcPct val="100000"/>
+              </a:lnSpc>
+              <a:spcBef>
+                <a:spcPct val="0"/>
+              </a:spcBef>
+              <a:spcAft>
+                <a:spcPct val="0"/>
+              </a:spcAft>
+              <a:buClrTx/>
+              <a:buSzTx/>
+              <a:buFontTx/>
+              <a:buNone/>
+              <a:tabLst/>
+            </a:pPr>
+            <a:r>
+              <a:rPr lang="zh-CN" altLang="en-US" sz="1400" dirty="0">
+                <a:latin typeface="Consolas" panose="020B0609020204030204" pitchFamily="49" charset="0"/>
+              </a:rPr>
+              <a:t>查看端口</a:t>
+            </a:r>
+            <a:endParaRPr lang="en-US" altLang="zh-CN" sz="1400" dirty="0">
+              <a:latin typeface="Consolas" panose="020B0609020204030204" pitchFamily="49" charset="0"/>
+            </a:endParaRPr>
+          </a:p>
+          <a:p>
+            <a:pPr eaLnBrk="0" fontAlgn="base" hangingPunct="0">
+              <a:spcBef>
+                <a:spcPct val="0"/>
+              </a:spcBef>
+              <a:spcAft>
+                <a:spcPct val="0"/>
+              </a:spcAft>
+            </a:pPr>
+            <a:r>
+              <a:rPr lang="en-US" altLang="zh-CN" sz="1400" dirty="0" err="1">
+                <a:solidFill>
+                  <a:srgbClr val="333333"/>
+                </a:solidFill>
+                <a:latin typeface="Consolas" panose="020B0609020204030204" pitchFamily="49" charset="0"/>
+              </a:rPr>
+              <a:t>sudo</a:t>
+            </a:r>
+            <a:r>
+              <a:rPr lang="en-US" altLang="zh-CN" sz="1400" dirty="0">
+                <a:solidFill>
+                  <a:srgbClr val="333333"/>
+                </a:solidFill>
+                <a:latin typeface="Consolas" panose="020B0609020204030204" pitchFamily="49" charset="0"/>
+              </a:rPr>
+              <a:t> </a:t>
+            </a:r>
+            <a:r>
+              <a:rPr lang="zh-CN" altLang="zh-CN" sz="1400" dirty="0">
+                <a:solidFill>
+                  <a:srgbClr val="333333"/>
+                </a:solidFill>
+                <a:latin typeface="Consolas" panose="020B0609020204030204" pitchFamily="49" charset="0"/>
+              </a:rPr>
+              <a:t>kubectl -n rook-ceph get service</a:t>
+            </a:r>
+            <a:r>
+              <a:rPr lang="zh-CN" altLang="zh-CN" sz="1400" dirty="0">
+                <a:solidFill>
+                  <a:schemeClr val="tx1"/>
+                </a:solidFill>
+              </a:rPr>
+              <a:t> </a:t>
+            </a:r>
+            <a:endParaRPr lang="en-US" altLang="zh-CN" sz="1400" dirty="0">
+              <a:latin typeface="Consolas" panose="020B0609020204030204" pitchFamily="49" charset="0"/>
+            </a:endParaRPr>
+          </a:p>
+          <a:p>
+            <a:pPr marL="0" marR="0" lvl="0" indent="0" algn="l" defTabSz="914400" rtl="0" eaLnBrk="0" fontAlgn="base" latinLnBrk="0" hangingPunct="0">
+              <a:lnSpc>
+                <a:spcPct val="100000"/>
+              </a:lnSpc>
+              <a:spcBef>
+                <a:spcPct val="0"/>
+              </a:spcBef>
+              <a:spcAft>
+                <a:spcPct val="0"/>
+              </a:spcAft>
+              <a:buClrTx/>
+              <a:buSzTx/>
+              <a:buFontTx/>
+              <a:buNone/>
+              <a:tabLst/>
+            </a:pPr>
+            <a:endParaRPr lang="en-US" altLang="zh-CN" sz="1400" dirty="0">
+              <a:latin typeface="Consolas" panose="020B0609020204030204" pitchFamily="49" charset="0"/>
+            </a:endParaRPr>
+          </a:p>
+          <a:p>
+            <a:pPr marL="0" marR="0" lvl="0" indent="0" algn="l" defTabSz="914400" rtl="0" eaLnBrk="0" fontAlgn="base" latinLnBrk="0" hangingPunct="0">
+              <a:lnSpc>
+                <a:spcPct val="100000"/>
+              </a:lnSpc>
+              <a:spcBef>
+                <a:spcPct val="0"/>
+              </a:spcBef>
+              <a:spcAft>
+                <a:spcPct val="0"/>
+              </a:spcAft>
+              <a:buClrTx/>
+              <a:buSzTx/>
+              <a:buFontTx/>
+              <a:buNone/>
+              <a:tabLst/>
+            </a:pPr>
+            <a:r>
+              <a:rPr lang="zh-CN" altLang="en-US" sz="1400" dirty="0">
+                <a:latin typeface="Consolas" panose="020B0609020204030204" pitchFamily="49" charset="0"/>
+              </a:rPr>
+              <a:t>获取</a:t>
+            </a:r>
+            <a:r>
+              <a:rPr lang="en-US" altLang="zh-CN" sz="1400" dirty="0">
+                <a:latin typeface="Consolas" panose="020B0609020204030204" pitchFamily="49" charset="0"/>
+              </a:rPr>
+              <a:t>Rook-</a:t>
+            </a:r>
+            <a:r>
+              <a:rPr lang="en-US" altLang="zh-CN" sz="1400" dirty="0" err="1">
+                <a:latin typeface="Consolas" panose="020B0609020204030204" pitchFamily="49" charset="0"/>
+              </a:rPr>
+              <a:t>ceph</a:t>
+            </a:r>
+            <a:r>
+              <a:rPr lang="zh-CN" altLang="en-US" sz="1400" dirty="0">
+                <a:latin typeface="Consolas" panose="020B0609020204030204" pitchFamily="49" charset="0"/>
+              </a:rPr>
+              <a:t>帐号密码</a:t>
+            </a:r>
+            <a:endParaRPr kumimoji="0" lang="en-US" altLang="zh-CN" sz="1400" b="0" i="0" u="none" strike="noStrike" cap="none" normalizeH="0" baseline="0" dirty="0">
+              <a:ln>
+                <a:noFill/>
+              </a:ln>
+              <a:effectLst/>
+              <a:latin typeface="Consolas" panose="020B0609020204030204" pitchFamily="49" charset="0"/>
+            </a:endParaRPr>
+          </a:p>
+          <a:p>
+            <a:pPr marL="0" marR="0" lvl="0" indent="0" algn="l" defTabSz="914400" rtl="0" eaLnBrk="0" fontAlgn="base" latinLnBrk="0" hangingPunct="0">
+              <a:lnSpc>
+                <a:spcPct val="100000"/>
+              </a:lnSpc>
+              <a:spcBef>
+                <a:spcPct val="0"/>
+              </a:spcBef>
+              <a:spcAft>
+                <a:spcPct val="0"/>
+              </a:spcAft>
+              <a:buClrTx/>
+              <a:buSzTx/>
+              <a:buFontTx/>
+              <a:buNone/>
+              <a:tabLst/>
+            </a:pPr>
+            <a:r>
+              <a:rPr kumimoji="0" lang="zh-CN" altLang="zh-CN" sz="1400" b="0" i="0" u="none" strike="noStrike" cap="none" normalizeH="0" baseline="0" dirty="0">
+                <a:ln>
+                  <a:noFill/>
+                </a:ln>
+                <a:effectLst/>
+                <a:latin typeface="Consolas" panose="020B0609020204030204" pitchFamily="49" charset="0"/>
+              </a:rPr>
+              <a:t>MGR_POD=</a:t>
+            </a:r>
+            <a:r>
+              <a:rPr kumimoji="0" lang="zh-CN" altLang="zh-CN" sz="1400" b="0" i="0" u="none" strike="noStrike" cap="none" normalizeH="0" baseline="0" dirty="0">
+                <a:ln>
+                  <a:noFill/>
+                </a:ln>
+                <a:effectLst/>
+                <a:latin typeface="Consolas" panose="020B0609020204030204" pitchFamily="49" charset="0"/>
+                <a:ea typeface="-apple-system"/>
+              </a:rPr>
+              <a:t>`kubectl get pod -n rook-ceph | grep mgr | awk '{print $1}</a:t>
+            </a:r>
+            <a:r>
+              <a:rPr kumimoji="0" lang="zh-CN" altLang="en-US" sz="1400" b="0" i="0" u="none" strike="noStrike" cap="none" normalizeH="0" baseline="0" dirty="0">
+                <a:ln>
+                  <a:noFill/>
+                </a:ln>
+                <a:effectLst/>
+                <a:latin typeface="Consolas" panose="020B0609020204030204" pitchFamily="49" charset="0"/>
+                <a:ea typeface="-apple-system"/>
+              </a:rPr>
+              <a:t>’</a:t>
+            </a:r>
+            <a:r>
+              <a:rPr kumimoji="0" lang="zh-CN" altLang="zh-CN" sz="1400" b="0" i="0" u="none" strike="noStrike" cap="none" normalizeH="0" baseline="0" dirty="0">
+                <a:ln>
+                  <a:noFill/>
+                </a:ln>
+                <a:effectLst/>
+                <a:latin typeface="Consolas" panose="020B0609020204030204" pitchFamily="49" charset="0"/>
+                <a:ea typeface="-apple-system"/>
+              </a:rPr>
+              <a:t>`</a:t>
+            </a:r>
+            <a:endParaRPr lang="en-US" altLang="zh-CN" sz="1400" dirty="0">
+              <a:latin typeface="Consolas" panose="020B0609020204030204" pitchFamily="49" charset="0"/>
+            </a:endParaRPr>
+          </a:p>
+          <a:p>
+            <a:pPr eaLnBrk="0" fontAlgn="base" hangingPunct="0">
+              <a:spcBef>
+                <a:spcPct val="0"/>
+              </a:spcBef>
+              <a:spcAft>
+                <a:spcPct val="0"/>
+              </a:spcAft>
+            </a:pPr>
+            <a:r>
+              <a:rPr lang="en-US" altLang="zh-CN" sz="1400" dirty="0" err="1">
+                <a:solidFill>
+                  <a:srgbClr val="333333"/>
+                </a:solidFill>
+                <a:latin typeface="Consolas" panose="020B0609020204030204" pitchFamily="49" charset="0"/>
+              </a:rPr>
+              <a:t>sudo</a:t>
+            </a:r>
+            <a:r>
+              <a:rPr lang="en-US" altLang="zh-CN" sz="1400" dirty="0">
+                <a:solidFill>
+                  <a:srgbClr val="333333"/>
+                </a:solidFill>
+                <a:latin typeface="Consolas" panose="020B0609020204030204" pitchFamily="49" charset="0"/>
+              </a:rPr>
+              <a:t> </a:t>
+            </a:r>
+            <a:r>
+              <a:rPr lang="zh-CN" altLang="zh-CN" sz="1400" dirty="0">
+                <a:solidFill>
+                  <a:srgbClr val="333333"/>
+                </a:solidFill>
+                <a:latin typeface="Consolas" panose="020B0609020204030204" pitchFamily="49" charset="0"/>
+              </a:rPr>
+              <a:t>kubectl -n rook-ceph logs $MGR_POD | </a:t>
+            </a:r>
+            <a:r>
+              <a:rPr lang="zh-CN" altLang="zh-CN" sz="1400" b="1" dirty="0">
+                <a:solidFill>
+                  <a:srgbClr val="333333"/>
+                </a:solidFill>
+                <a:latin typeface="Consolas" panose="020B0609020204030204" pitchFamily="49" charset="0"/>
+                <a:ea typeface="-apple-system"/>
+              </a:rPr>
+              <a:t>grep</a:t>
+            </a:r>
+            <a:r>
+              <a:rPr lang="zh-CN" altLang="zh-CN" sz="1400" dirty="0">
+                <a:solidFill>
+                  <a:srgbClr val="333333"/>
+                </a:solidFill>
+                <a:latin typeface="Consolas" panose="020B0609020204030204" pitchFamily="49" charset="0"/>
+              </a:rPr>
+              <a:t> password</a:t>
+            </a:r>
+            <a:r>
+              <a:rPr lang="zh-CN" altLang="zh-CN" sz="1400" dirty="0">
+                <a:solidFill>
+                  <a:schemeClr val="tx1"/>
+                </a:solidFill>
+              </a:rPr>
+              <a:t> </a:t>
+            </a:r>
+            <a:endParaRPr lang="en-US" altLang="zh-CN" sz="1400" dirty="0">
+              <a:solidFill>
+                <a:schemeClr val="tx1"/>
+              </a:solidFill>
+            </a:endParaRPr>
+          </a:p>
+          <a:p>
+            <a:pPr eaLnBrk="0" fontAlgn="base" hangingPunct="0">
+              <a:spcBef>
+                <a:spcPct val="0"/>
+              </a:spcBef>
+              <a:spcAft>
+                <a:spcPct val="0"/>
+              </a:spcAft>
+            </a:pPr>
+            <a:endParaRPr lang="en-US" altLang="zh-CN" sz="1400" dirty="0">
+              <a:solidFill>
+                <a:schemeClr val="tx1"/>
+              </a:solidFill>
+              <a:latin typeface="Arial" panose="020B0604020202020204" pitchFamily="34" charset="0"/>
+            </a:endParaRPr>
+          </a:p>
+          <a:p>
+            <a:pPr eaLnBrk="0" fontAlgn="base" hangingPunct="0">
+              <a:spcBef>
+                <a:spcPct val="0"/>
+              </a:spcBef>
+              <a:spcAft>
+                <a:spcPct val="0"/>
+              </a:spcAft>
+            </a:pPr>
+            <a:r>
+              <a:rPr lang="zh-CN" altLang="en-US" sz="1400" dirty="0">
+                <a:solidFill>
+                  <a:schemeClr val="tx1"/>
+                </a:solidFill>
+                <a:latin typeface="Arial" panose="020B0604020202020204" pitchFamily="34" charset="0"/>
+              </a:rPr>
+              <a:t>登录</a:t>
+            </a:r>
+            <a:endParaRPr lang="en-US" altLang="zh-CN" sz="1400" dirty="0">
+              <a:solidFill>
+                <a:schemeClr val="tx1"/>
+              </a:solidFill>
+              <a:latin typeface="Arial" panose="020B0604020202020204" pitchFamily="34" charset="0"/>
+            </a:endParaRPr>
+          </a:p>
+          <a:p>
+            <a:pPr eaLnBrk="0" fontAlgn="base" hangingPunct="0">
+              <a:spcBef>
+                <a:spcPct val="0"/>
+              </a:spcBef>
+              <a:spcAft>
+                <a:spcPct val="0"/>
+              </a:spcAft>
+            </a:pPr>
+            <a:r>
+              <a:rPr lang="en-US" altLang="zh-CN" sz="1400" dirty="0">
+                <a:solidFill>
+                  <a:schemeClr val="tx1"/>
+                </a:solidFill>
+                <a:latin typeface="Arial" panose="020B0604020202020204" pitchFamily="34" charset="0"/>
+              </a:rPr>
+              <a:t>https://</a:t>
+            </a:r>
+            <a:r>
+              <a:rPr lang="zh-CN" altLang="en-US" sz="1400" dirty="0">
+                <a:solidFill>
+                  <a:schemeClr val="tx1"/>
+                </a:solidFill>
+                <a:latin typeface="Arial" panose="020B0604020202020204" pitchFamily="34" charset="0"/>
+              </a:rPr>
+              <a:t>节点主机</a:t>
+            </a:r>
+            <a:r>
+              <a:rPr lang="en-US" altLang="zh-CN" sz="1400" dirty="0">
+                <a:solidFill>
+                  <a:schemeClr val="tx1"/>
+                </a:solidFill>
+                <a:latin typeface="Arial" panose="020B0604020202020204" pitchFamily="34" charset="0"/>
+              </a:rPr>
+              <a:t>IP:</a:t>
+            </a:r>
+            <a:r>
+              <a:rPr lang="zh-CN" altLang="en-US" sz="1400" dirty="0">
+                <a:solidFill>
+                  <a:schemeClr val="tx1"/>
+                </a:solidFill>
+                <a:latin typeface="Arial" panose="020B0604020202020204" pitchFamily="34" charset="0"/>
+              </a:rPr>
+              <a:t>查询到端口</a:t>
+            </a:r>
+            <a:endParaRPr lang="zh-CN" altLang="zh-CN" sz="1400" dirty="0">
+              <a:solidFill>
+                <a:schemeClr val="tx1"/>
+              </a:solidFill>
+              <a:latin typeface="Arial" panose="020B0604020202020204" pitchFamily="34" charset="0"/>
+            </a:endParaRPr>
+          </a:p>
+          <a:p>
+            <a:pPr marL="0" marR="0" lvl="0" indent="0" algn="l" defTabSz="914400" rtl="0" eaLnBrk="0" fontAlgn="base" latinLnBrk="0" hangingPunct="0">
+              <a:lnSpc>
+                <a:spcPct val="100000"/>
+              </a:lnSpc>
+              <a:spcBef>
+                <a:spcPct val="0"/>
+              </a:spcBef>
+              <a:spcAft>
+                <a:spcPct val="0"/>
+              </a:spcAft>
+              <a:buClrTx/>
+              <a:buSzTx/>
+              <a:buFontTx/>
+              <a:buNone/>
+              <a:tabLst/>
+            </a:pPr>
+            <a:endParaRPr lang="en-US" altLang="zh-CN" sz="1400" dirty="0">
+              <a:latin typeface="Consolas" panose="020B0609020204030204" pitchFamily="49" charset="0"/>
+            </a:endParaRPr>
+          </a:p>
+          <a:p>
+            <a:pPr marL="0" marR="0" lvl="0" indent="0" algn="l" defTabSz="914400" rtl="0" eaLnBrk="0" fontAlgn="base" latinLnBrk="0" hangingPunct="0">
+              <a:lnSpc>
+                <a:spcPct val="100000"/>
+              </a:lnSpc>
+              <a:spcBef>
+                <a:spcPct val="0"/>
+              </a:spcBef>
+              <a:spcAft>
+                <a:spcPct val="0"/>
+              </a:spcAft>
+              <a:buClrTx/>
+              <a:buSzTx/>
+              <a:buFontTx/>
+              <a:buNone/>
+              <a:tabLst/>
+            </a:pPr>
+            <a:r>
+              <a:rPr kumimoji="0" lang="zh-CN" altLang="zh-CN" sz="1400" b="0" i="0" u="none" strike="noStrike" cap="none" normalizeH="0" baseline="0" dirty="0">
+                <a:ln>
+                  <a:noFill/>
+                </a:ln>
+                <a:effectLst/>
+              </a:rPr>
+              <a:t> </a:t>
+            </a:r>
+            <a:endParaRPr kumimoji="0" lang="zh-CN" altLang="zh-CN" sz="1400" b="0" i="0" u="none" strike="noStrike" cap="none" normalizeH="0" baseline="0" dirty="0">
+              <a:ln>
+                <a:noFill/>
+              </a:ln>
+              <a:effectLst/>
+              <a:latin typeface="Arial" panose="020B0604020202020204" pitchFamily="34" charset="0"/>
+            </a:endParaRPr>
+          </a:p>
+        </p:txBody>
+      </p:sp>
+      <p:pic>
+        <p:nvPicPr>
+          <p:cNvPr id="1031" name="Picture 7" descr="kubernetesæ­å»ºrook-ceph">
+            <a:extLst>
+              <a:ext uri="{FF2B5EF4-FFF2-40B4-BE49-F238E27FC236}">
+                <a16:creationId xmlns:a16="http://schemas.microsoft.com/office/drawing/2014/main" id="{44DA602A-0DF5-4525-8B88-E38329C1E85D}"/>
+              </a:ext>
+            </a:extLst>
+          </p:cNvPr>
+          <p:cNvPicPr>
+            <a:picLocks noChangeAspect="1" noChangeArrowheads="1"/>
+          </p:cNvPicPr>
+          <p:nvPr/>
+        </p:nvPicPr>
+        <p:blipFill>
+          <a:blip r:embed="rId2">
+            <a:extLst>
+              <a:ext uri="{28A0092B-C50C-407E-A947-70E740481C1C}">
+                <a14:useLocalDpi xmlns:a14="http://schemas.microsoft.com/office/drawing/2010/main" val="0"/>
+              </a:ext>
+            </a:extLst>
+          </a:blip>
+          <a:srcRect/>
+          <a:stretch>
+            <a:fillRect/>
+          </a:stretch>
+        </p:blipFill>
+        <p:spPr bwMode="auto">
+          <a:xfrm>
+            <a:off x="5663953" y="3262357"/>
+            <a:ext cx="5681710" cy="3071675"/>
+          </a:xfrm>
+          <a:prstGeom prst="rect">
+            <a:avLst/>
+          </a:prstGeom>
+          <a:noFill/>
+          <a:extLst>
+            <a:ext uri="{909E8E84-426E-40DD-AFC4-6F175D3DCCD1}">
+              <a14:hiddenFill xmlns:a14="http://schemas.microsoft.com/office/drawing/2010/main">
+                <a:solidFill>
+                  <a:srgbClr val="FFFFFF"/>
+                </a:solidFill>
+              </a14:hiddenFill>
+            </a:ext>
+          </a:extLst>
+        </p:spPr>
+      </p:pic>
+    </p:spTree>
+    <p:extLst>
+      <p:ext uri="{BB962C8B-B14F-4D97-AF65-F5344CB8AC3E}">
+        <p14:creationId xmlns:p14="http://schemas.microsoft.com/office/powerpoint/2010/main" val="2515075996"/>
+      </p:ext>
+    </p:extLst>
+  </p:cSld>
+  <p:clrMapOvr>
+    <a:masterClrMapping/>
+  </p:clrMapOvr>
+</p:sld>
+</file>
+
+<file path=ppt/slides/slide41.xml><?xml version="1.0" encoding="utf-8"?>
+<p:sld xmlns:a="http://schemas.openxmlformats.org/drawingml/2006/main" xmlns:r="http://schemas.openxmlformats.org/officeDocument/2006/relationships" xmlns:p="http://schemas.openxmlformats.org/presentationml/2006/main">
+  <p:cSld>
+    <p:spTree>
+      <p:nvGrpSpPr>
+        <p:cNvPr id="1" name=""/>
+        <p:cNvGrpSpPr/>
+        <p:nvPr/>
+      </p:nvGrpSpPr>
+      <p:grpSpPr>
+        <a:xfrm>
+          <a:off x="0" y="0"/>
+          <a:ext cx="0" cy="0"/>
+          <a:chOff x="0" y="0"/>
+          <a:chExt cx="0" cy="0"/>
+        </a:xfrm>
+      </p:grpSpPr>
+      <p:sp>
+        <p:nvSpPr>
           <p:cNvPr id="2" name="矩形 1">
             <a:extLst>
               <a:ext uri="{FF2B5EF4-FFF2-40B4-BE49-F238E27FC236}">
@@ -24317,7 +25129,7 @@
 </p:sld>
 </file>
 
-<file path=ppt/slides/slide41.xml><?xml version="1.0" encoding="utf-8"?>
+<file path=ppt/slides/slide42.xml><?xml version="1.0" encoding="utf-8"?>
 <p:sld xmlns:a="http://schemas.openxmlformats.org/drawingml/2006/main" xmlns:r="http://schemas.openxmlformats.org/officeDocument/2006/relationships" xmlns:p="http://schemas.openxmlformats.org/presentationml/2006/main">
   <p:cSld>
     <p:spTree>
@@ -24540,36 +25352,6 @@
     <p:extLst>
       <p:ext uri="{BB962C8B-B14F-4D97-AF65-F5344CB8AC3E}">
         <p14:creationId xmlns:p14="http://schemas.microsoft.com/office/powerpoint/2010/main" val="2146779601"/>
-      </p:ext>
-    </p:extLst>
-  </p:cSld>
-  <p:clrMapOvr>
-    <a:masterClrMapping/>
-  </p:clrMapOvr>
-</p:sld>
-</file>
-
-<file path=ppt/slides/slide42.xml><?xml version="1.0" encoding="utf-8"?>
-<p:sld xmlns:a="http://schemas.openxmlformats.org/drawingml/2006/main" xmlns:r="http://schemas.openxmlformats.org/officeDocument/2006/relationships" xmlns:p="http://schemas.openxmlformats.org/presentationml/2006/main">
-  <p:cSld>
-    <p:spTree>
-      <p:nvGrpSpPr>
-        <p:cNvPr id="1" name=""/>
-        <p:cNvGrpSpPr/>
-        <p:nvPr/>
-      </p:nvGrpSpPr>
-      <p:grpSpPr>
-        <a:xfrm>
-          <a:off x="0" y="0"/>
-          <a:ext cx="0" cy="0"/>
-          <a:chOff x="0" y="0"/>
-          <a:chExt cx="0" cy="0"/>
-        </a:xfrm>
-      </p:grpSpPr>
-    </p:spTree>
-    <p:extLst>
-      <p:ext uri="{BB962C8B-B14F-4D97-AF65-F5344CB8AC3E}">
-        <p14:creationId xmlns:p14="http://schemas.microsoft.com/office/powerpoint/2010/main" val="2515075996"/>
       </p:ext>
     </p:extLst>
   </p:cSld>

--- a/Asp.NetCoreExperiment/kubernetes/kubernetes.pptx
+++ b/Asp.NetCoreExperiment/kubernetes/kubernetes.pptx
@@ -46,8 +46,8 @@
     <p:sldId id="288" r:id="rId37"/>
     <p:sldId id="289" r:id="rId38"/>
     <p:sldId id="290" r:id="rId39"/>
-    <p:sldId id="295" r:id="rId40"/>
-    <p:sldId id="297" r:id="rId41"/>
+    <p:sldId id="297" r:id="rId40"/>
+    <p:sldId id="295" r:id="rId41"/>
     <p:sldId id="291" r:id="rId42"/>
     <p:sldId id="296" r:id="rId43"/>
     <p:sldId id="298" r:id="rId44"/>
@@ -3123,7 +3123,7 @@
           <a:p>
             <a:fld id="{EB3586D1-9A9B-4A13-8983-B7906950C648}" type="datetimeFigureOut">
               <a:rPr lang="zh-CN" altLang="en-US" smtClean="0"/>
-              <a:t>2019/3/6</a:t>
+              <a:t>2019/3/8</a:t>
             </a:fld>
             <a:endParaRPr lang="zh-CN" altLang="en-US"/>
           </a:p>
@@ -4093,7 +4093,7 @@
           <a:p>
             <a:fld id="{2328C41B-48A3-47AC-B18B-81A9BC6A6005}" type="datetimeFigureOut">
               <a:rPr lang="zh-CN" altLang="en-US" smtClean="0"/>
-              <a:t>2019/3/6</a:t>
+              <a:t>2019/3/8</a:t>
             </a:fld>
             <a:endParaRPr lang="zh-CN" altLang="en-US"/>
           </a:p>
@@ -4291,7 +4291,7 @@
           <a:p>
             <a:fld id="{2328C41B-48A3-47AC-B18B-81A9BC6A6005}" type="datetimeFigureOut">
               <a:rPr lang="zh-CN" altLang="en-US" smtClean="0"/>
-              <a:t>2019/3/6</a:t>
+              <a:t>2019/3/8</a:t>
             </a:fld>
             <a:endParaRPr lang="zh-CN" altLang="en-US"/>
           </a:p>
@@ -4499,7 +4499,7 @@
           <a:p>
             <a:fld id="{2328C41B-48A3-47AC-B18B-81A9BC6A6005}" type="datetimeFigureOut">
               <a:rPr lang="zh-CN" altLang="en-US" smtClean="0"/>
-              <a:t>2019/3/6</a:t>
+              <a:t>2019/3/8</a:t>
             </a:fld>
             <a:endParaRPr lang="zh-CN" altLang="en-US"/>
           </a:p>
@@ -4697,7 +4697,7 @@
           <a:p>
             <a:fld id="{2328C41B-48A3-47AC-B18B-81A9BC6A6005}" type="datetimeFigureOut">
               <a:rPr lang="zh-CN" altLang="en-US" smtClean="0"/>
-              <a:t>2019/3/6</a:t>
+              <a:t>2019/3/8</a:t>
             </a:fld>
             <a:endParaRPr lang="zh-CN" altLang="en-US"/>
           </a:p>
@@ -4972,7 +4972,7 @@
           <a:p>
             <a:fld id="{2328C41B-48A3-47AC-B18B-81A9BC6A6005}" type="datetimeFigureOut">
               <a:rPr lang="zh-CN" altLang="en-US" smtClean="0"/>
-              <a:t>2019/3/6</a:t>
+              <a:t>2019/3/8</a:t>
             </a:fld>
             <a:endParaRPr lang="zh-CN" altLang="en-US"/>
           </a:p>
@@ -5237,7 +5237,7 @@
           <a:p>
             <a:fld id="{2328C41B-48A3-47AC-B18B-81A9BC6A6005}" type="datetimeFigureOut">
               <a:rPr lang="zh-CN" altLang="en-US" smtClean="0"/>
-              <a:t>2019/3/6</a:t>
+              <a:t>2019/3/8</a:t>
             </a:fld>
             <a:endParaRPr lang="zh-CN" altLang="en-US"/>
           </a:p>
@@ -5649,7 +5649,7 @@
           <a:p>
             <a:fld id="{2328C41B-48A3-47AC-B18B-81A9BC6A6005}" type="datetimeFigureOut">
               <a:rPr lang="zh-CN" altLang="en-US" smtClean="0"/>
-              <a:t>2019/3/6</a:t>
+              <a:t>2019/3/8</a:t>
             </a:fld>
             <a:endParaRPr lang="zh-CN" altLang="en-US"/>
           </a:p>
@@ -5790,7 +5790,7 @@
           <a:p>
             <a:fld id="{2328C41B-48A3-47AC-B18B-81A9BC6A6005}" type="datetimeFigureOut">
               <a:rPr lang="zh-CN" altLang="en-US" smtClean="0"/>
-              <a:t>2019/3/6</a:t>
+              <a:t>2019/3/8</a:t>
             </a:fld>
             <a:endParaRPr lang="zh-CN" altLang="en-US"/>
           </a:p>
@@ -5903,7 +5903,7 @@
           <a:p>
             <a:fld id="{2328C41B-48A3-47AC-B18B-81A9BC6A6005}" type="datetimeFigureOut">
               <a:rPr lang="zh-CN" altLang="en-US" smtClean="0"/>
-              <a:t>2019/3/6</a:t>
+              <a:t>2019/3/8</a:t>
             </a:fld>
             <a:endParaRPr lang="zh-CN" altLang="en-US"/>
           </a:p>
@@ -6214,7 +6214,7 @@
           <a:p>
             <a:fld id="{2328C41B-48A3-47AC-B18B-81A9BC6A6005}" type="datetimeFigureOut">
               <a:rPr lang="zh-CN" altLang="en-US" smtClean="0"/>
-              <a:t>2019/3/6</a:t>
+              <a:t>2019/3/8</a:t>
             </a:fld>
             <a:endParaRPr lang="zh-CN" altLang="en-US"/>
           </a:p>
@@ -6502,7 +6502,7 @@
           <a:p>
             <a:fld id="{2328C41B-48A3-47AC-B18B-81A9BC6A6005}" type="datetimeFigureOut">
               <a:rPr lang="zh-CN" altLang="en-US" smtClean="0"/>
-              <a:t>2019/3/6</a:t>
+              <a:t>2019/3/8</a:t>
             </a:fld>
             <a:endParaRPr lang="zh-CN" altLang="en-US"/>
           </a:p>
@@ -6743,7 +6743,7 @@
           <a:p>
             <a:fld id="{2328C41B-48A3-47AC-B18B-81A9BC6A6005}" type="datetimeFigureOut">
               <a:rPr lang="zh-CN" altLang="en-US" smtClean="0"/>
-              <a:t>2019/3/6</a:t>
+              <a:t>2019/3/8</a:t>
             </a:fld>
             <a:endParaRPr lang="zh-CN" altLang="en-US"/>
           </a:p>
@@ -22905,648 +22905,863 @@
       </p:grpSpPr>
       <p:sp>
         <p:nvSpPr>
-          <p:cNvPr id="3" name="标题 1">
+          <p:cNvPr id="3" name="Rectangle 1">
             <a:extLst>
               <a:ext uri="{FF2B5EF4-FFF2-40B4-BE49-F238E27FC236}">
-                <a16:creationId xmlns:a16="http://schemas.microsoft.com/office/drawing/2014/main" id="{0F70AA5B-6447-4832-9EA4-277A3E84D12C}"/>
+                <a16:creationId xmlns:a16="http://schemas.microsoft.com/office/drawing/2014/main" id="{31731F39-3040-4F1A-A24A-03446A59E581}"/>
               </a:ext>
             </a:extLst>
           </p:cNvPr>
-          <p:cNvSpPr txBox="1">
-            <a:spLocks/>
+          <p:cNvSpPr>
+            <a:spLocks noChangeArrowheads="1"/>
           </p:cNvSpPr>
           <p:nvPr/>
         </p:nvSpPr>
-        <p:spPr>
+        <p:spPr bwMode="auto">
           <a:xfrm>
-            <a:off x="466060" y="141842"/>
-            <a:ext cx="10515600" cy="644968"/>
+            <a:off x="846337" y="308525"/>
+            <a:ext cx="8654985" cy="3662541"/>
           </a:xfrm>
           <a:prstGeom prst="rect">
             <a:avLst/>
           </a:prstGeom>
+          <a:ln/>
+          <a:extLst>
+            <a:ext uri="{91240B29-F687-4F45-9708-019B960494DF}">
+              <a14:hiddenLine xmlns:a14="http://schemas.microsoft.com/office/drawing/2010/main" w="9525">
+                <a:solidFill>
+                  <a:schemeClr val="tx1"/>
+                </a:solidFill>
+                <a:miter lim="800000"/>
+                <a:headEnd/>
+                <a:tailEnd/>
+              </a14:hiddenLine>
+            </a:ext>
+            <a:ext uri="{AF507438-7753-43E0-B8FC-AC1667EBCBE1}">
+              <a14:hiddenEffects xmlns:a14="http://schemas.microsoft.com/office/drawing/2010/main">
+                <a:effectLst>
+                  <a:outerShdw dist="35921" dir="2700000" algn="ctr" rotWithShape="0">
+                    <a:schemeClr val="bg2"/>
+                  </a:outerShdw>
+                </a:effectLst>
+              </a14:hiddenEffects>
+            </a:ext>
+          </a:extLst>
         </p:spPr>
+        <p:style>
+          <a:lnRef idx="2">
+            <a:schemeClr val="accent3"/>
+          </a:lnRef>
+          <a:fillRef idx="1">
+            <a:schemeClr val="lt1"/>
+          </a:fillRef>
+          <a:effectRef idx="0">
+            <a:schemeClr val="accent3"/>
+          </a:effectRef>
+          <a:fontRef idx="minor">
+            <a:schemeClr val="dk1"/>
+          </a:fontRef>
+        </p:style>
         <p:txBody>
-          <a:bodyPr>
-            <a:normAutofit/>
+          <a:bodyPr vert="horz" wrap="square" lIns="0" tIns="0" rIns="0" bIns="0" numCol="1" anchor="ctr" anchorCtr="0" compatLnSpc="1">
+            <a:prstTxWarp prst="textNoShape">
+              <a:avLst/>
+            </a:prstTxWarp>
+            <a:spAutoFit/>
           </a:bodyPr>
-          <a:lstStyle>
-            <a:lvl1pPr algn="l" defTabSz="914400" rtl="0" eaLnBrk="1" latinLnBrk="0" hangingPunct="1">
+          <a:lstStyle/>
+          <a:p>
+            <a:pPr marL="0" marR="0" lvl="0" indent="0" algn="l" defTabSz="914400" rtl="0" eaLnBrk="0" fontAlgn="base" latinLnBrk="0" hangingPunct="0">
               <a:lnSpc>
-                <a:spcPct val="90000"/>
+                <a:spcPct val="100000"/>
               </a:lnSpc>
               <a:spcBef>
                 <a:spcPct val="0"/>
               </a:spcBef>
+              <a:spcAft>
+                <a:spcPct val="0"/>
+              </a:spcAft>
+              <a:buClrTx/>
+              <a:buSzTx/>
+              <a:buFontTx/>
               <a:buNone/>
-              <a:defRPr sz="4400" kern="1200">
+              <a:tabLst/>
+            </a:pPr>
+            <a:r>
+              <a:rPr lang="en-US" altLang="zh-CN" sz="1400" dirty="0">
+                <a:latin typeface="Consolas" panose="020B0609020204030204" pitchFamily="49" charset="0"/>
+              </a:rPr>
+              <a:t>Rook-</a:t>
+            </a:r>
+            <a:r>
+              <a:rPr lang="en-US" altLang="zh-CN" sz="1400" dirty="0" err="1">
+                <a:latin typeface="Consolas" panose="020B0609020204030204" pitchFamily="49" charset="0"/>
+              </a:rPr>
+              <a:t>ceph</a:t>
+            </a:r>
+            <a:r>
+              <a:rPr lang="zh-CN" altLang="en-US" sz="1400" dirty="0">
+                <a:latin typeface="Consolas" panose="020B0609020204030204" pitchFamily="49" charset="0"/>
+              </a:rPr>
+              <a:t>部署</a:t>
+            </a:r>
+            <a:endParaRPr lang="en-US" altLang="zh-CN" sz="1400" dirty="0">
+              <a:latin typeface="Consolas" panose="020B0609020204030204" pitchFamily="49" charset="0"/>
+            </a:endParaRPr>
+          </a:p>
+          <a:p>
+            <a:pPr marL="0" marR="0" lvl="0" indent="0" algn="l" defTabSz="914400" rtl="0" eaLnBrk="0" fontAlgn="base" latinLnBrk="0" hangingPunct="0">
+              <a:lnSpc>
+                <a:spcPct val="100000"/>
+              </a:lnSpc>
+              <a:spcBef>
+                <a:spcPct val="0"/>
+              </a:spcBef>
+              <a:spcAft>
+                <a:spcPct val="0"/>
+              </a:spcAft>
+              <a:buClrTx/>
+              <a:buSzTx/>
+              <a:buFontTx/>
+              <a:buNone/>
+              <a:tabLst/>
+            </a:pPr>
+            <a:r>
+              <a:rPr lang="zh-CN" altLang="en-US" sz="1400" dirty="0">
+                <a:latin typeface="Consolas" panose="020B0609020204030204" pitchFamily="49" charset="0"/>
+              </a:rPr>
+              <a:t>部署</a:t>
+            </a:r>
+            <a:r>
+              <a:rPr lang="en-US" altLang="zh-CN" sz="1400" dirty="0">
+                <a:latin typeface="Consolas" panose="020B0609020204030204" pitchFamily="49" charset="0"/>
+              </a:rPr>
+              <a:t>dashboard</a:t>
+            </a:r>
+          </a:p>
+          <a:p>
+            <a:pPr eaLnBrk="0" fontAlgn="base" hangingPunct="0">
+              <a:spcBef>
+                <a:spcPct val="0"/>
+              </a:spcBef>
+              <a:spcAft>
+                <a:spcPct val="0"/>
+              </a:spcAft>
+            </a:pPr>
+            <a:r>
+              <a:rPr lang="en-US" altLang="zh-CN" sz="1400" dirty="0" err="1">
+                <a:solidFill>
+                  <a:srgbClr val="333333"/>
+                </a:solidFill>
+                <a:latin typeface="Consolas" panose="020B0609020204030204" pitchFamily="49" charset="0"/>
+              </a:rPr>
+              <a:t>sudo</a:t>
+            </a:r>
+            <a:r>
+              <a:rPr lang="en-US" altLang="zh-CN" sz="1400" dirty="0">
+                <a:solidFill>
+                  <a:srgbClr val="333333"/>
+                </a:solidFill>
+                <a:latin typeface="Consolas" panose="020B0609020204030204" pitchFamily="49" charset="0"/>
+              </a:rPr>
+              <a:t> </a:t>
+            </a:r>
+            <a:r>
+              <a:rPr lang="zh-CN" altLang="zh-CN" sz="1400" dirty="0">
+                <a:solidFill>
+                  <a:srgbClr val="333333"/>
+                </a:solidFill>
+                <a:latin typeface="Consolas" panose="020B0609020204030204" pitchFamily="49" charset="0"/>
+              </a:rPr>
+              <a:t>kubectl apply </a:t>
+            </a:r>
+            <a:r>
+              <a:rPr lang="zh-CN" altLang="zh-CN" sz="1400" dirty="0">
+                <a:solidFill>
+                  <a:srgbClr val="333333"/>
+                </a:solidFill>
+                <a:latin typeface="Consolas" panose="020B0609020204030204" pitchFamily="49" charset="0"/>
+                <a:ea typeface="-apple-system"/>
+              </a:rPr>
+              <a:t>-f</a:t>
+            </a:r>
+            <a:r>
+              <a:rPr lang="zh-CN" altLang="zh-CN" sz="1400" dirty="0">
+                <a:solidFill>
+                  <a:srgbClr val="333333"/>
+                </a:solidFill>
+                <a:latin typeface="Consolas" panose="020B0609020204030204" pitchFamily="49" charset="0"/>
+              </a:rPr>
+              <a:t> </a:t>
+            </a:r>
+            <a:r>
+              <a:rPr lang="en-US" altLang="zh-CN" sz="1400" dirty="0">
+                <a:solidFill>
+                  <a:srgbClr val="333333"/>
+                </a:solidFill>
+                <a:latin typeface="Consolas" panose="020B0609020204030204" pitchFamily="49" charset="0"/>
+              </a:rPr>
+              <a:t>rook-</a:t>
+            </a:r>
+            <a:r>
+              <a:rPr lang="zh-CN" altLang="zh-CN" sz="1400" dirty="0">
+                <a:solidFill>
+                  <a:srgbClr val="333333"/>
+                </a:solidFill>
+                <a:latin typeface="Consolas" panose="020B0609020204030204" pitchFamily="49" charset="0"/>
+              </a:rPr>
+              <a:t>dashboard-external-https.yaml</a:t>
+            </a:r>
+            <a:r>
+              <a:rPr lang="zh-CN" altLang="zh-CN" sz="1400" dirty="0">
                 <a:solidFill>
                   <a:schemeClr val="tx1"/>
                 </a:solidFill>
-                <a:latin typeface="+mj-lt"/>
-                <a:ea typeface="+mj-ea"/>
-                <a:cs typeface="+mj-cs"/>
-              </a:defRPr>
-            </a:lvl1pPr>
-          </a:lstStyle>
-          <a:p>
-            <a:r>
-              <a:rPr lang="zh-CN" altLang="en-US" sz="3000" dirty="0"/>
-              <a:t>部署用户应用</a:t>
-            </a:r>
+              </a:rPr>
+              <a:t> </a:t>
+            </a:r>
+            <a:endParaRPr lang="zh-CN" altLang="zh-CN" sz="1400" dirty="0">
+              <a:solidFill>
+                <a:schemeClr val="tx1"/>
+              </a:solidFill>
+              <a:latin typeface="Arial" panose="020B0604020202020204" pitchFamily="34" charset="0"/>
+            </a:endParaRPr>
+          </a:p>
+          <a:p>
+            <a:pPr marL="0" marR="0" lvl="0" indent="0" algn="l" defTabSz="914400" rtl="0" eaLnBrk="0" fontAlgn="base" latinLnBrk="0" hangingPunct="0">
+              <a:lnSpc>
+                <a:spcPct val="100000"/>
+              </a:lnSpc>
+              <a:spcBef>
+                <a:spcPct val="0"/>
+              </a:spcBef>
+              <a:spcAft>
+                <a:spcPct val="0"/>
+              </a:spcAft>
+              <a:buClrTx/>
+              <a:buSzTx/>
+              <a:buFontTx/>
+              <a:buNone/>
+              <a:tabLst/>
+            </a:pPr>
+            <a:endParaRPr lang="en-US" altLang="zh-CN" sz="1400" dirty="0">
+              <a:latin typeface="Consolas" panose="020B0609020204030204" pitchFamily="49" charset="0"/>
+            </a:endParaRPr>
+          </a:p>
+          <a:p>
+            <a:pPr marL="0" marR="0" lvl="0" indent="0" algn="l" defTabSz="914400" rtl="0" eaLnBrk="0" fontAlgn="base" latinLnBrk="0" hangingPunct="0">
+              <a:lnSpc>
+                <a:spcPct val="100000"/>
+              </a:lnSpc>
+              <a:spcBef>
+                <a:spcPct val="0"/>
+              </a:spcBef>
+              <a:spcAft>
+                <a:spcPct val="0"/>
+              </a:spcAft>
+              <a:buClrTx/>
+              <a:buSzTx/>
+              <a:buFontTx/>
+              <a:buNone/>
+              <a:tabLst/>
+            </a:pPr>
+            <a:r>
+              <a:rPr lang="zh-CN" altLang="en-US" sz="1400" dirty="0">
+                <a:latin typeface="Consolas" panose="020B0609020204030204" pitchFamily="49" charset="0"/>
+              </a:rPr>
+              <a:t>查看端口</a:t>
+            </a:r>
+            <a:endParaRPr lang="en-US" altLang="zh-CN" sz="1400" dirty="0">
+              <a:latin typeface="Consolas" panose="020B0609020204030204" pitchFamily="49" charset="0"/>
+            </a:endParaRPr>
+          </a:p>
+          <a:p>
+            <a:pPr eaLnBrk="0" fontAlgn="base" hangingPunct="0">
+              <a:spcBef>
+                <a:spcPct val="0"/>
+              </a:spcBef>
+              <a:spcAft>
+                <a:spcPct val="0"/>
+              </a:spcAft>
+            </a:pPr>
+            <a:r>
+              <a:rPr lang="en-US" altLang="zh-CN" sz="1400" dirty="0" err="1">
+                <a:solidFill>
+                  <a:srgbClr val="333333"/>
+                </a:solidFill>
+                <a:latin typeface="Consolas" panose="020B0609020204030204" pitchFamily="49" charset="0"/>
+              </a:rPr>
+              <a:t>sudo</a:t>
+            </a:r>
+            <a:r>
+              <a:rPr lang="en-US" altLang="zh-CN" sz="1400" dirty="0">
+                <a:solidFill>
+                  <a:srgbClr val="333333"/>
+                </a:solidFill>
+                <a:latin typeface="Consolas" panose="020B0609020204030204" pitchFamily="49" charset="0"/>
+              </a:rPr>
+              <a:t> </a:t>
+            </a:r>
+            <a:r>
+              <a:rPr lang="zh-CN" altLang="zh-CN" sz="1400" dirty="0">
+                <a:solidFill>
+                  <a:srgbClr val="333333"/>
+                </a:solidFill>
+                <a:latin typeface="Consolas" panose="020B0609020204030204" pitchFamily="49" charset="0"/>
+              </a:rPr>
+              <a:t>kubectl -n rook-ceph get service</a:t>
+            </a:r>
+            <a:r>
+              <a:rPr lang="zh-CN" altLang="zh-CN" sz="1400" dirty="0">
+                <a:solidFill>
+                  <a:schemeClr val="tx1"/>
+                </a:solidFill>
+              </a:rPr>
+              <a:t> </a:t>
+            </a:r>
+            <a:endParaRPr lang="en-US" altLang="zh-CN" sz="1400" dirty="0">
+              <a:latin typeface="Consolas" panose="020B0609020204030204" pitchFamily="49" charset="0"/>
+            </a:endParaRPr>
+          </a:p>
+          <a:p>
+            <a:pPr marL="0" marR="0" lvl="0" indent="0" algn="l" defTabSz="914400" rtl="0" eaLnBrk="0" fontAlgn="base" latinLnBrk="0" hangingPunct="0">
+              <a:lnSpc>
+                <a:spcPct val="100000"/>
+              </a:lnSpc>
+              <a:spcBef>
+                <a:spcPct val="0"/>
+              </a:spcBef>
+              <a:spcAft>
+                <a:spcPct val="0"/>
+              </a:spcAft>
+              <a:buClrTx/>
+              <a:buSzTx/>
+              <a:buFontTx/>
+              <a:buNone/>
+              <a:tabLst/>
+            </a:pPr>
+            <a:endParaRPr lang="en-US" altLang="zh-CN" sz="1400" dirty="0">
+              <a:latin typeface="Consolas" panose="020B0609020204030204" pitchFamily="49" charset="0"/>
+            </a:endParaRPr>
+          </a:p>
+          <a:p>
+            <a:pPr marL="0" marR="0" lvl="0" indent="0" algn="l" defTabSz="914400" rtl="0" eaLnBrk="0" fontAlgn="base" latinLnBrk="0" hangingPunct="0">
+              <a:lnSpc>
+                <a:spcPct val="100000"/>
+              </a:lnSpc>
+              <a:spcBef>
+                <a:spcPct val="0"/>
+              </a:spcBef>
+              <a:spcAft>
+                <a:spcPct val="0"/>
+              </a:spcAft>
+              <a:buClrTx/>
+              <a:buSzTx/>
+              <a:buFontTx/>
+              <a:buNone/>
+              <a:tabLst/>
+            </a:pPr>
+            <a:r>
+              <a:rPr lang="zh-CN" altLang="en-US" sz="1400" dirty="0">
+                <a:latin typeface="Consolas" panose="020B0609020204030204" pitchFamily="49" charset="0"/>
+              </a:rPr>
+              <a:t>获取</a:t>
+            </a:r>
+            <a:r>
+              <a:rPr lang="en-US" altLang="zh-CN" sz="1400" dirty="0">
+                <a:latin typeface="Consolas" panose="020B0609020204030204" pitchFamily="49" charset="0"/>
+              </a:rPr>
+              <a:t>Rook-</a:t>
+            </a:r>
+            <a:r>
+              <a:rPr lang="en-US" altLang="zh-CN" sz="1400" dirty="0" err="1">
+                <a:latin typeface="Consolas" panose="020B0609020204030204" pitchFamily="49" charset="0"/>
+              </a:rPr>
+              <a:t>ceph</a:t>
+            </a:r>
+            <a:r>
+              <a:rPr lang="zh-CN" altLang="en-US" sz="1400" dirty="0">
+                <a:latin typeface="Consolas" panose="020B0609020204030204" pitchFamily="49" charset="0"/>
+              </a:rPr>
+              <a:t>帐号密码</a:t>
+            </a:r>
+            <a:endParaRPr kumimoji="0" lang="en-US" altLang="zh-CN" sz="1400" b="0" i="0" u="none" strike="noStrike" cap="none" normalizeH="0" baseline="0" dirty="0">
+              <a:ln>
+                <a:noFill/>
+              </a:ln>
+              <a:effectLst/>
+              <a:latin typeface="Consolas" panose="020B0609020204030204" pitchFamily="49" charset="0"/>
+            </a:endParaRPr>
+          </a:p>
+          <a:p>
+            <a:pPr marL="0" marR="0" lvl="0" indent="0" algn="l" defTabSz="914400" rtl="0" eaLnBrk="0" fontAlgn="base" latinLnBrk="0" hangingPunct="0">
+              <a:lnSpc>
+                <a:spcPct val="100000"/>
+              </a:lnSpc>
+              <a:spcBef>
+                <a:spcPct val="0"/>
+              </a:spcBef>
+              <a:spcAft>
+                <a:spcPct val="0"/>
+              </a:spcAft>
+              <a:buClrTx/>
+              <a:buSzTx/>
+              <a:buFontTx/>
+              <a:buNone/>
+              <a:tabLst/>
+            </a:pPr>
+            <a:endParaRPr kumimoji="0" lang="en-US" altLang="zh-CN" sz="1400" b="0" i="0" u="none" strike="noStrike" cap="none" normalizeH="0" baseline="0" dirty="0">
+              <a:ln>
+                <a:noFill/>
+              </a:ln>
+              <a:effectLst/>
+              <a:latin typeface="Consolas" panose="020B0609020204030204" pitchFamily="49" charset="0"/>
+            </a:endParaRPr>
+          </a:p>
+          <a:p>
+            <a:pPr marL="0" marR="0" lvl="0" indent="0" algn="l" defTabSz="914400" rtl="0" eaLnBrk="0" fontAlgn="base" latinLnBrk="0" hangingPunct="0">
+              <a:lnSpc>
+                <a:spcPct val="100000"/>
+              </a:lnSpc>
+              <a:spcBef>
+                <a:spcPct val="0"/>
+              </a:spcBef>
+              <a:spcAft>
+                <a:spcPct val="0"/>
+              </a:spcAft>
+              <a:buClrTx/>
+              <a:buSzTx/>
+              <a:buFontTx/>
+              <a:buNone/>
+              <a:tabLst/>
+            </a:pPr>
+            <a:endParaRPr lang="en-US" altLang="zh-CN" sz="1400" dirty="0">
+              <a:latin typeface="Consolas" panose="020B0609020204030204" pitchFamily="49" charset="0"/>
+            </a:endParaRPr>
+          </a:p>
+          <a:p>
+            <a:pPr marL="0" marR="0" lvl="0" indent="0" algn="l" defTabSz="914400" rtl="0" eaLnBrk="0" fontAlgn="base" latinLnBrk="0" hangingPunct="0">
+              <a:lnSpc>
+                <a:spcPct val="100000"/>
+              </a:lnSpc>
+              <a:spcBef>
+                <a:spcPct val="0"/>
+              </a:spcBef>
+              <a:spcAft>
+                <a:spcPct val="0"/>
+              </a:spcAft>
+              <a:buClrTx/>
+              <a:buSzTx/>
+              <a:buFontTx/>
+              <a:buNone/>
+              <a:tabLst/>
+            </a:pPr>
+            <a:endParaRPr kumimoji="0" lang="en-US" altLang="zh-CN" sz="1400" b="0" i="0" u="none" strike="noStrike" cap="none" normalizeH="0" baseline="0" dirty="0">
+              <a:ln>
+                <a:noFill/>
+              </a:ln>
+              <a:effectLst/>
+              <a:latin typeface="Consolas" panose="020B0609020204030204" pitchFamily="49" charset="0"/>
+            </a:endParaRPr>
+          </a:p>
+          <a:p>
+            <a:pPr eaLnBrk="0" fontAlgn="base" hangingPunct="0">
+              <a:spcBef>
+                <a:spcPct val="0"/>
+              </a:spcBef>
+              <a:spcAft>
+                <a:spcPct val="0"/>
+              </a:spcAft>
+            </a:pPr>
+            <a:r>
+              <a:rPr lang="en-US" altLang="zh-CN" sz="1400" dirty="0" err="1">
+                <a:solidFill>
+                  <a:srgbClr val="333333"/>
+                </a:solidFill>
+                <a:latin typeface="Consolas" panose="020B0609020204030204" pitchFamily="49" charset="0"/>
+              </a:rPr>
+              <a:t>sudo</a:t>
+            </a:r>
+            <a:r>
+              <a:rPr lang="en-US" altLang="zh-CN" sz="1400" dirty="0">
+                <a:solidFill>
+                  <a:srgbClr val="333333"/>
+                </a:solidFill>
+                <a:latin typeface="Consolas" panose="020B0609020204030204" pitchFamily="49" charset="0"/>
+              </a:rPr>
+              <a:t> </a:t>
+            </a:r>
+            <a:r>
+              <a:rPr lang="zh-CN" altLang="zh-CN" sz="1400" dirty="0">
+                <a:solidFill>
+                  <a:srgbClr val="333333"/>
+                </a:solidFill>
+                <a:latin typeface="Consolas" panose="020B0609020204030204" pitchFamily="49" charset="0"/>
+              </a:rPr>
+              <a:t>kubectl -n rook-ceph logs $MGR_POD | </a:t>
+            </a:r>
+            <a:r>
+              <a:rPr lang="zh-CN" altLang="zh-CN" sz="1400" b="1" dirty="0">
+                <a:solidFill>
+                  <a:srgbClr val="333333"/>
+                </a:solidFill>
+                <a:latin typeface="Consolas" panose="020B0609020204030204" pitchFamily="49" charset="0"/>
+                <a:ea typeface="-apple-system"/>
+              </a:rPr>
+              <a:t>grep</a:t>
+            </a:r>
+            <a:r>
+              <a:rPr lang="zh-CN" altLang="zh-CN" sz="1400" dirty="0">
+                <a:solidFill>
+                  <a:srgbClr val="333333"/>
+                </a:solidFill>
+                <a:latin typeface="Consolas" panose="020B0609020204030204" pitchFamily="49" charset="0"/>
+              </a:rPr>
+              <a:t> password</a:t>
+            </a:r>
+            <a:r>
+              <a:rPr lang="zh-CN" altLang="zh-CN" sz="1400" dirty="0">
+                <a:solidFill>
+                  <a:schemeClr val="tx1"/>
+                </a:solidFill>
+              </a:rPr>
+              <a:t> </a:t>
+            </a:r>
+            <a:endParaRPr lang="en-US" altLang="zh-CN" sz="1400" dirty="0">
+              <a:solidFill>
+                <a:schemeClr val="tx1"/>
+              </a:solidFill>
+            </a:endParaRPr>
+          </a:p>
+          <a:p>
+            <a:pPr eaLnBrk="0" fontAlgn="base" hangingPunct="0">
+              <a:spcBef>
+                <a:spcPct val="0"/>
+              </a:spcBef>
+              <a:spcAft>
+                <a:spcPct val="0"/>
+              </a:spcAft>
+            </a:pPr>
+            <a:endParaRPr lang="en-US" altLang="zh-CN" sz="1400" dirty="0">
+              <a:solidFill>
+                <a:schemeClr val="tx1"/>
+              </a:solidFill>
+              <a:latin typeface="Arial" panose="020B0604020202020204" pitchFamily="34" charset="0"/>
+            </a:endParaRPr>
+          </a:p>
+          <a:p>
+            <a:pPr eaLnBrk="0" fontAlgn="base" hangingPunct="0">
+              <a:spcBef>
+                <a:spcPct val="0"/>
+              </a:spcBef>
+              <a:spcAft>
+                <a:spcPct val="0"/>
+              </a:spcAft>
+            </a:pPr>
+            <a:r>
+              <a:rPr lang="zh-CN" altLang="en-US" sz="1400" dirty="0">
+                <a:solidFill>
+                  <a:schemeClr val="tx1"/>
+                </a:solidFill>
+                <a:latin typeface="Arial" panose="020B0604020202020204" pitchFamily="34" charset="0"/>
+              </a:rPr>
+              <a:t>登录</a:t>
+            </a:r>
+            <a:endParaRPr lang="en-US" altLang="zh-CN" sz="1400" dirty="0">
+              <a:solidFill>
+                <a:schemeClr val="tx1"/>
+              </a:solidFill>
+              <a:latin typeface="Arial" panose="020B0604020202020204" pitchFamily="34" charset="0"/>
+            </a:endParaRPr>
+          </a:p>
+          <a:p>
+            <a:pPr eaLnBrk="0" fontAlgn="base" hangingPunct="0">
+              <a:spcBef>
+                <a:spcPct val="0"/>
+              </a:spcBef>
+              <a:spcAft>
+                <a:spcPct val="0"/>
+              </a:spcAft>
+            </a:pPr>
+            <a:r>
+              <a:rPr lang="en-US" altLang="zh-CN" sz="1400" dirty="0">
+                <a:solidFill>
+                  <a:schemeClr val="tx1"/>
+                </a:solidFill>
+                <a:latin typeface="Arial" panose="020B0604020202020204" pitchFamily="34" charset="0"/>
+              </a:rPr>
+              <a:t>https://</a:t>
+            </a:r>
+            <a:r>
+              <a:rPr lang="zh-CN" altLang="en-US" sz="1400" dirty="0">
+                <a:solidFill>
+                  <a:schemeClr val="tx1"/>
+                </a:solidFill>
+                <a:latin typeface="Arial" panose="020B0604020202020204" pitchFamily="34" charset="0"/>
+              </a:rPr>
+              <a:t>节点主机</a:t>
+            </a:r>
+            <a:r>
+              <a:rPr lang="en-US" altLang="zh-CN" sz="1400" dirty="0">
+                <a:solidFill>
+                  <a:schemeClr val="tx1"/>
+                </a:solidFill>
+                <a:latin typeface="Arial" panose="020B0604020202020204" pitchFamily="34" charset="0"/>
+              </a:rPr>
+              <a:t>IP:</a:t>
+            </a:r>
+            <a:r>
+              <a:rPr lang="zh-CN" altLang="en-US" sz="1400" dirty="0">
+                <a:solidFill>
+                  <a:schemeClr val="tx1"/>
+                </a:solidFill>
+                <a:latin typeface="Arial" panose="020B0604020202020204" pitchFamily="34" charset="0"/>
+              </a:rPr>
+              <a:t>查询到端口</a:t>
+            </a:r>
+            <a:endParaRPr lang="zh-CN" altLang="zh-CN" sz="1400" dirty="0">
+              <a:solidFill>
+                <a:schemeClr val="tx1"/>
+              </a:solidFill>
+              <a:latin typeface="Arial" panose="020B0604020202020204" pitchFamily="34" charset="0"/>
+            </a:endParaRPr>
+          </a:p>
+          <a:p>
+            <a:pPr marL="0" marR="0" lvl="0" indent="0" algn="l" defTabSz="914400" rtl="0" eaLnBrk="0" fontAlgn="base" latinLnBrk="0" hangingPunct="0">
+              <a:lnSpc>
+                <a:spcPct val="100000"/>
+              </a:lnSpc>
+              <a:spcBef>
+                <a:spcPct val="0"/>
+              </a:spcBef>
+              <a:spcAft>
+                <a:spcPct val="0"/>
+              </a:spcAft>
+              <a:buClrTx/>
+              <a:buSzTx/>
+              <a:buFontTx/>
+              <a:buNone/>
+              <a:tabLst/>
+            </a:pPr>
+            <a:endParaRPr lang="en-US" altLang="zh-CN" sz="1400" dirty="0">
+              <a:latin typeface="Consolas" panose="020B0609020204030204" pitchFamily="49" charset="0"/>
+            </a:endParaRPr>
+          </a:p>
+          <a:p>
+            <a:pPr marL="0" marR="0" lvl="0" indent="0" algn="l" defTabSz="914400" rtl="0" eaLnBrk="0" fontAlgn="base" latinLnBrk="0" hangingPunct="0">
+              <a:lnSpc>
+                <a:spcPct val="100000"/>
+              </a:lnSpc>
+              <a:spcBef>
+                <a:spcPct val="0"/>
+              </a:spcBef>
+              <a:spcAft>
+                <a:spcPct val="0"/>
+              </a:spcAft>
+              <a:buClrTx/>
+              <a:buSzTx/>
+              <a:buFontTx/>
+              <a:buNone/>
+              <a:tabLst/>
+            </a:pPr>
+            <a:r>
+              <a:rPr kumimoji="0" lang="zh-CN" altLang="zh-CN" sz="1400" b="0" i="0" u="none" strike="noStrike" cap="none" normalizeH="0" baseline="0" dirty="0">
+                <a:ln>
+                  <a:noFill/>
+                </a:ln>
+                <a:effectLst/>
+              </a:rPr>
+              <a:t> </a:t>
+            </a:r>
+            <a:endParaRPr kumimoji="0" lang="zh-CN" altLang="zh-CN" sz="1400" b="0" i="0" u="none" strike="noStrike" cap="none" normalizeH="0" baseline="0" dirty="0">
+              <a:ln>
+                <a:noFill/>
+              </a:ln>
+              <a:effectLst/>
+              <a:latin typeface="Arial" panose="020B0604020202020204" pitchFamily="34" charset="0"/>
+            </a:endParaRPr>
           </a:p>
         </p:txBody>
       </p:sp>
-      <p:sp>
-        <p:nvSpPr>
-          <p:cNvPr id="8" name="矩形 7">
+      <p:pic>
+        <p:nvPicPr>
+          <p:cNvPr id="1031" name="Picture 7" descr="kubernetesæ­å»ºrook-ceph">
             <a:extLst>
               <a:ext uri="{FF2B5EF4-FFF2-40B4-BE49-F238E27FC236}">
-                <a16:creationId xmlns:a16="http://schemas.microsoft.com/office/drawing/2014/main" id="{764DE107-E635-4C69-8ADC-A4D9E6B9C11A}"/>
+                <a16:creationId xmlns:a16="http://schemas.microsoft.com/office/drawing/2014/main" id="{44DA602A-0DF5-4525-8B88-E38329C1E85D}"/>
               </a:ext>
             </a:extLst>
           </p:cNvPr>
-          <p:cNvSpPr/>
+          <p:cNvPicPr>
+            <a:picLocks noChangeAspect="1" noChangeArrowheads="1"/>
+          </p:cNvPicPr>
           <p:nvPr/>
-        </p:nvSpPr>
-        <p:spPr>
+        </p:nvPicPr>
+        <p:blipFill>
+          <a:blip r:embed="rId2">
+            <a:extLst>
+              <a:ext uri="{28A0092B-C50C-407E-A947-70E740481C1C}">
+                <a14:useLocalDpi xmlns:a14="http://schemas.microsoft.com/office/drawing/2010/main" val="0"/>
+              </a:ext>
+            </a:extLst>
+          </a:blip>
+          <a:srcRect/>
+          <a:stretch>
+            <a:fillRect/>
+          </a:stretch>
+        </p:blipFill>
+        <p:spPr bwMode="auto">
           <a:xfrm>
-            <a:off x="565120" y="2034732"/>
-            <a:ext cx="6096000" cy="3323987"/>
+            <a:off x="5663953" y="3262357"/>
+            <a:ext cx="5681710" cy="3071675"/>
           </a:xfrm>
           <a:prstGeom prst="rect">
             <a:avLst/>
           </a:prstGeom>
+          <a:noFill/>
+          <a:extLst>
+            <a:ext uri="{909E8E84-426E-40DD-AFC4-6F175D3DCCD1}">
+              <a14:hiddenFill xmlns:a14="http://schemas.microsoft.com/office/drawing/2010/main">
+                <a:solidFill>
+                  <a:srgbClr val="FFFFFF"/>
+                </a:solidFill>
+              </a14:hiddenFill>
+            </a:ext>
+          </a:extLst>
         </p:spPr>
-        <p:style>
-          <a:lnRef idx="2">
-            <a:schemeClr val="accent6">
-              <a:shade val="50000"/>
-            </a:schemeClr>
-          </a:lnRef>
-          <a:fillRef idx="1">
-            <a:schemeClr val="accent6"/>
-          </a:fillRef>
-          <a:effectRef idx="0">
-            <a:schemeClr val="accent6"/>
-          </a:effectRef>
-          <a:fontRef idx="minor">
-            <a:schemeClr val="lt1"/>
-          </a:fontRef>
-        </p:style>
-        <p:txBody>
-          <a:bodyPr>
-            <a:spAutoFit/>
-          </a:bodyPr>
-          <a:lstStyle/>
-          <a:p>
-            <a:r>
-              <a:rPr lang="en-US" altLang="zh-CN" sz="1050" dirty="0" err="1">
-                <a:latin typeface="Consolas" panose="020B0609020204030204" pitchFamily="49" charset="0"/>
-              </a:rPr>
-              <a:t>apiVersion</a:t>
-            </a:r>
-            <a:r>
-              <a:rPr lang="en-US" altLang="zh-CN" sz="1050" dirty="0">
-                <a:latin typeface="Consolas" panose="020B0609020204030204" pitchFamily="49" charset="0"/>
-              </a:rPr>
-              <a:t>: apps/</a:t>
-            </a:r>
-            <a:r>
-              <a:rPr lang="en-US" altLang="zh-CN" sz="1050" dirty="0" err="1">
-                <a:latin typeface="Consolas" panose="020B0609020204030204" pitchFamily="49" charset="0"/>
-              </a:rPr>
-              <a:t>v1</a:t>
-            </a:r>
-            <a:endParaRPr lang="en-US" altLang="zh-CN" sz="1050" dirty="0">
-              <a:latin typeface="Consolas" panose="020B0609020204030204" pitchFamily="49" charset="0"/>
-            </a:endParaRPr>
-          </a:p>
-          <a:p>
-            <a:r>
-              <a:rPr lang="en-US" altLang="zh-CN" sz="1050" dirty="0">
-                <a:latin typeface="Consolas" panose="020B0609020204030204" pitchFamily="49" charset="0"/>
-              </a:rPr>
-              <a:t>kind: Deployment</a:t>
-            </a:r>
-          </a:p>
-          <a:p>
-            <a:r>
-              <a:rPr lang="en-US" altLang="zh-CN" sz="1050" dirty="0">
-                <a:latin typeface="Consolas" panose="020B0609020204030204" pitchFamily="49" charset="0"/>
-              </a:rPr>
-              <a:t>metadata:</a:t>
-            </a:r>
-          </a:p>
-          <a:p>
-            <a:r>
-              <a:rPr lang="en-US" altLang="zh-CN" sz="1050" dirty="0">
-                <a:latin typeface="Consolas" panose="020B0609020204030204" pitchFamily="49" charset="0"/>
-              </a:rPr>
-              <a:t>  name: </a:t>
-            </a:r>
-            <a:r>
-              <a:rPr lang="en-US" altLang="zh-CN" sz="1050" dirty="0" err="1">
-                <a:latin typeface="Consolas" panose="020B0609020204030204" pitchFamily="49" charset="0"/>
-              </a:rPr>
-              <a:t>k8saspnetcoredemo005</a:t>
-            </a:r>
-            <a:r>
-              <a:rPr lang="en-US" altLang="zh-CN" sz="1050" dirty="0">
-                <a:latin typeface="Consolas" panose="020B0609020204030204" pitchFamily="49" charset="0"/>
-              </a:rPr>
-              <a:t>-deployment</a:t>
-            </a:r>
-          </a:p>
-          <a:p>
-            <a:r>
-              <a:rPr lang="en-US" altLang="zh-CN" sz="1050" dirty="0">
-                <a:latin typeface="Consolas" panose="020B0609020204030204" pitchFamily="49" charset="0"/>
-              </a:rPr>
-              <a:t>spec:</a:t>
-            </a:r>
-          </a:p>
-          <a:p>
-            <a:r>
-              <a:rPr lang="en-US" altLang="zh-CN" sz="1050" dirty="0">
-                <a:latin typeface="Consolas" panose="020B0609020204030204" pitchFamily="49" charset="0"/>
-              </a:rPr>
-              <a:t>  selector:</a:t>
-            </a:r>
-          </a:p>
-          <a:p>
-            <a:r>
-              <a:rPr lang="en-US" altLang="zh-CN" sz="1050" dirty="0">
-                <a:latin typeface="Consolas" panose="020B0609020204030204" pitchFamily="49" charset="0"/>
-              </a:rPr>
-              <a:t>    </a:t>
-            </a:r>
-            <a:r>
-              <a:rPr lang="en-US" altLang="zh-CN" sz="1050" dirty="0" err="1">
-                <a:latin typeface="Consolas" panose="020B0609020204030204" pitchFamily="49" charset="0"/>
-              </a:rPr>
-              <a:t>matchLabels</a:t>
-            </a:r>
-            <a:r>
-              <a:rPr lang="en-US" altLang="zh-CN" sz="1050" dirty="0">
-                <a:latin typeface="Consolas" panose="020B0609020204030204" pitchFamily="49" charset="0"/>
-              </a:rPr>
-              <a:t>:</a:t>
-            </a:r>
-          </a:p>
-          <a:p>
-            <a:r>
-              <a:rPr lang="en-US" altLang="zh-CN" sz="1050" dirty="0">
-                <a:latin typeface="Consolas" panose="020B0609020204030204" pitchFamily="49" charset="0"/>
-              </a:rPr>
-              <a:t>      app: </a:t>
-            </a:r>
-            <a:r>
-              <a:rPr lang="en-US" altLang="zh-CN" sz="1050" dirty="0" err="1">
-                <a:latin typeface="Consolas" panose="020B0609020204030204" pitchFamily="49" charset="0"/>
-              </a:rPr>
-              <a:t>k8saspnetcoredemo005</a:t>
-            </a:r>
-            <a:endParaRPr lang="en-US" altLang="zh-CN" sz="1050" dirty="0">
-              <a:latin typeface="Consolas" panose="020B0609020204030204" pitchFamily="49" charset="0"/>
-            </a:endParaRPr>
-          </a:p>
-          <a:p>
-            <a:r>
-              <a:rPr lang="en-US" altLang="zh-CN" sz="1050" dirty="0">
-                <a:latin typeface="Consolas" panose="020B0609020204030204" pitchFamily="49" charset="0"/>
-              </a:rPr>
-              <a:t>  replicas: 2</a:t>
-            </a:r>
-          </a:p>
-          <a:p>
-            <a:r>
-              <a:rPr lang="en-US" altLang="zh-CN" sz="1050" dirty="0">
-                <a:latin typeface="Consolas" panose="020B0609020204030204" pitchFamily="49" charset="0"/>
-              </a:rPr>
-              <a:t>  template:</a:t>
-            </a:r>
-          </a:p>
-          <a:p>
-            <a:r>
-              <a:rPr lang="en-US" altLang="zh-CN" sz="1050" dirty="0">
-                <a:latin typeface="Consolas" panose="020B0609020204030204" pitchFamily="49" charset="0"/>
-              </a:rPr>
-              <a:t>    metadata:</a:t>
-            </a:r>
-          </a:p>
-          <a:p>
-            <a:r>
-              <a:rPr lang="en-US" altLang="zh-CN" sz="1050" dirty="0">
-                <a:latin typeface="Consolas" panose="020B0609020204030204" pitchFamily="49" charset="0"/>
-              </a:rPr>
-              <a:t>      labels:</a:t>
-            </a:r>
-          </a:p>
-          <a:p>
-            <a:r>
-              <a:rPr lang="en-US" altLang="zh-CN" sz="1050" dirty="0">
-                <a:latin typeface="Consolas" panose="020B0609020204030204" pitchFamily="49" charset="0"/>
-              </a:rPr>
-              <a:t>        app: </a:t>
-            </a:r>
-            <a:r>
-              <a:rPr lang="en-US" altLang="zh-CN" sz="1050" dirty="0" err="1">
-                <a:latin typeface="Consolas" panose="020B0609020204030204" pitchFamily="49" charset="0"/>
-              </a:rPr>
-              <a:t>k8saspnetcoredemo005</a:t>
-            </a:r>
-            <a:endParaRPr lang="en-US" altLang="zh-CN" sz="1050" dirty="0">
-              <a:latin typeface="Consolas" panose="020B0609020204030204" pitchFamily="49" charset="0"/>
-            </a:endParaRPr>
-          </a:p>
-          <a:p>
-            <a:r>
-              <a:rPr lang="en-US" altLang="zh-CN" sz="1050" dirty="0">
-                <a:latin typeface="Consolas" panose="020B0609020204030204" pitchFamily="49" charset="0"/>
-              </a:rPr>
-              <a:t>    spec:</a:t>
-            </a:r>
-          </a:p>
-          <a:p>
-            <a:r>
-              <a:rPr lang="en-US" altLang="zh-CN" sz="1050" dirty="0">
-                <a:latin typeface="Consolas" panose="020B0609020204030204" pitchFamily="49" charset="0"/>
-              </a:rPr>
-              <a:t>      containers:</a:t>
-            </a:r>
-          </a:p>
-          <a:p>
-            <a:r>
-              <a:rPr lang="en-US" altLang="zh-CN" sz="1050" dirty="0">
-                <a:latin typeface="Consolas" panose="020B0609020204030204" pitchFamily="49" charset="0"/>
-              </a:rPr>
-              <a:t>      - name: </a:t>
-            </a:r>
-            <a:r>
-              <a:rPr lang="en-US" altLang="zh-CN" sz="1050" dirty="0" err="1">
-                <a:latin typeface="Consolas" panose="020B0609020204030204" pitchFamily="49" charset="0"/>
-              </a:rPr>
-              <a:t>k8saspnetcoredemo005</a:t>
-            </a:r>
-            <a:endParaRPr lang="en-US" altLang="zh-CN" sz="1050" dirty="0">
-              <a:latin typeface="Consolas" panose="020B0609020204030204" pitchFamily="49" charset="0"/>
-            </a:endParaRPr>
-          </a:p>
-          <a:p>
-            <a:r>
-              <a:rPr lang="en-US" altLang="zh-CN" sz="1050" dirty="0">
-                <a:latin typeface="Consolas" panose="020B0609020204030204" pitchFamily="49" charset="0"/>
-              </a:rPr>
-              <a:t>        image: </a:t>
-            </a:r>
-            <a:r>
-              <a:rPr lang="en-US" altLang="zh-CN" sz="1050" dirty="0" err="1">
-                <a:latin typeface="Consolas" panose="020B0609020204030204" pitchFamily="49" charset="0"/>
-              </a:rPr>
-              <a:t>axzxs2001</a:t>
-            </a:r>
-            <a:r>
-              <a:rPr lang="en-US" altLang="zh-CN" sz="1050" dirty="0">
-                <a:latin typeface="Consolas" panose="020B0609020204030204" pitchFamily="49" charset="0"/>
-              </a:rPr>
-              <a:t>/</a:t>
-            </a:r>
-            <a:r>
-              <a:rPr lang="en-US" altLang="zh-CN" sz="1050" dirty="0" err="1">
-                <a:latin typeface="Consolas" panose="020B0609020204030204" pitchFamily="49" charset="0"/>
-              </a:rPr>
-              <a:t>k8saspnetcoredemo005:v1</a:t>
-            </a:r>
-            <a:endParaRPr lang="en-US" altLang="zh-CN" sz="1050" dirty="0">
-              <a:latin typeface="Consolas" panose="020B0609020204030204" pitchFamily="49" charset="0"/>
-            </a:endParaRPr>
-          </a:p>
-          <a:p>
-            <a:r>
-              <a:rPr lang="en-US" altLang="zh-CN" sz="1050" dirty="0">
-                <a:latin typeface="Consolas" panose="020B0609020204030204" pitchFamily="49" charset="0"/>
-              </a:rPr>
-              <a:t>        </a:t>
-            </a:r>
-            <a:r>
-              <a:rPr lang="en-US" altLang="zh-CN" sz="1050" dirty="0" err="1">
-                <a:latin typeface="Consolas" panose="020B0609020204030204" pitchFamily="49" charset="0"/>
-              </a:rPr>
-              <a:t>imagePullPolicy</a:t>
-            </a:r>
-            <a:r>
-              <a:rPr lang="en-US" altLang="zh-CN" sz="1050" dirty="0">
-                <a:latin typeface="Consolas" panose="020B0609020204030204" pitchFamily="49" charset="0"/>
-              </a:rPr>
-              <a:t>: </a:t>
-            </a:r>
-            <a:r>
-              <a:rPr lang="en-US" altLang="zh-CN" sz="1050" dirty="0" err="1">
-                <a:latin typeface="Consolas" panose="020B0609020204030204" pitchFamily="49" charset="0"/>
-              </a:rPr>
-              <a:t>IfNotPresent</a:t>
-            </a:r>
-            <a:r>
-              <a:rPr lang="en-US" altLang="zh-CN" sz="1050" dirty="0">
-                <a:latin typeface="Consolas" panose="020B0609020204030204" pitchFamily="49" charset="0"/>
-              </a:rPr>
-              <a:t> #</a:t>
-            </a:r>
-            <a:r>
-              <a:rPr lang="zh-CN" altLang="en-US" sz="1050" dirty="0">
-                <a:latin typeface="Consolas" panose="020B0609020204030204" pitchFamily="49" charset="0"/>
-              </a:rPr>
-              <a:t>从本地镜像里拉取</a:t>
-            </a:r>
-            <a:endParaRPr lang="en-US" altLang="zh-CN" sz="1050" dirty="0">
-              <a:latin typeface="Consolas" panose="020B0609020204030204" pitchFamily="49" charset="0"/>
-            </a:endParaRPr>
-          </a:p>
-          <a:p>
-            <a:r>
-              <a:rPr lang="en-US" altLang="zh-CN" sz="1050" dirty="0">
-                <a:latin typeface="Consolas" panose="020B0609020204030204" pitchFamily="49" charset="0"/>
-              </a:rPr>
-              <a:t>        ports:</a:t>
-            </a:r>
-          </a:p>
-          <a:p>
-            <a:r>
-              <a:rPr lang="en-US" altLang="zh-CN" sz="1050" dirty="0">
-                <a:latin typeface="Consolas" panose="020B0609020204030204" pitchFamily="49" charset="0"/>
-              </a:rPr>
-              <a:t>        - </a:t>
-            </a:r>
-            <a:r>
-              <a:rPr lang="en-US" altLang="zh-CN" sz="1050" dirty="0" err="1">
-                <a:latin typeface="Consolas" panose="020B0609020204030204" pitchFamily="49" charset="0"/>
-              </a:rPr>
-              <a:t>containerPort</a:t>
-            </a:r>
-            <a:r>
-              <a:rPr lang="en-US" altLang="zh-CN" sz="1050" dirty="0">
-                <a:latin typeface="Consolas" panose="020B0609020204030204" pitchFamily="49" charset="0"/>
-              </a:rPr>
-              <a:t>: 4048</a:t>
-            </a:r>
-          </a:p>
-        </p:txBody>
-      </p:sp>
+      </p:pic>
       <p:sp>
         <p:nvSpPr>
-          <p:cNvPr id="9" name="矩形 8">
+          <p:cNvPr id="2" name="Rectangle 1">
             <a:extLst>
               <a:ext uri="{FF2B5EF4-FFF2-40B4-BE49-F238E27FC236}">
-                <a16:creationId xmlns:a16="http://schemas.microsoft.com/office/drawing/2014/main" id="{BF357B58-A1D6-4FEB-BF01-A5BB9C512297}"/>
+                <a16:creationId xmlns:a16="http://schemas.microsoft.com/office/drawing/2014/main" id="{7CC9BED5-F285-4364-A380-F26B3D399827}"/>
               </a:ext>
             </a:extLst>
           </p:cNvPr>
-          <p:cNvSpPr/>
+          <p:cNvSpPr>
+            <a:spLocks noChangeArrowheads="1"/>
+          </p:cNvSpPr>
           <p:nvPr/>
         </p:nvSpPr>
-        <p:spPr>
+        <p:spPr bwMode="auto">
           <a:xfrm>
-            <a:off x="565120" y="1562619"/>
-            <a:ext cx="4988738" cy="369332"/>
+            <a:off x="950653" y="2291451"/>
+            <a:ext cx="5414636" cy="153888"/>
           </a:xfrm>
           <a:prstGeom prst="rect">
             <a:avLst/>
           </a:prstGeom>
+          <a:solidFill>
+            <a:srgbClr val="F2F5F9"/>
+          </a:solidFill>
+          <a:ln>
+            <a:noFill/>
+          </a:ln>
+          <a:effectLst/>
+          <a:extLst>
+            <a:ext uri="{91240B29-F687-4F45-9708-019B960494DF}">
+              <a14:hiddenLine xmlns:a14="http://schemas.microsoft.com/office/drawing/2010/main" w="9525">
+                <a:solidFill>
+                  <a:schemeClr val="tx1"/>
+                </a:solidFill>
+                <a:miter lim="800000"/>
+                <a:headEnd/>
+                <a:tailEnd/>
+              </a14:hiddenLine>
+            </a:ext>
+            <a:ext uri="{AF507438-7753-43E0-B8FC-AC1667EBCBE1}">
+              <a14:hiddenEffects xmlns:a14="http://schemas.microsoft.com/office/drawing/2010/main">
+                <a:effectLst>
+                  <a:outerShdw dist="35921" dir="2700000" algn="ctr" rotWithShape="0">
+                    <a:schemeClr val="bg2"/>
+                  </a:outerShdw>
+                </a:effectLst>
+              </a14:hiddenEffects>
+            </a:ext>
+          </a:extLst>
         </p:spPr>
         <p:txBody>
-          <a:bodyPr wrap="none">
+          <a:bodyPr vert="horz" wrap="square" lIns="0" tIns="0" rIns="0" bIns="0" numCol="1" anchor="ctr" anchorCtr="0" compatLnSpc="1">
+            <a:prstTxWarp prst="textNoShape">
+              <a:avLst/>
+            </a:prstTxWarp>
             <a:spAutoFit/>
           </a:bodyPr>
           <a:lstStyle/>
           <a:p>
-            <a:r>
-              <a:rPr lang="en-US" altLang="zh-CN" dirty="0">
-                <a:solidFill>
-                  <a:srgbClr val="24292E"/>
-                </a:solidFill>
-                <a:latin typeface="SFMono-Regular"/>
+            <a:pPr marL="0" marR="0" lvl="0" indent="0" algn="l" defTabSz="914400" rtl="0" eaLnBrk="0" fontAlgn="base" latinLnBrk="0" hangingPunct="0">
+              <a:lnSpc>
+                <a:spcPct val="100000"/>
+              </a:lnSpc>
+              <a:spcBef>
+                <a:spcPct val="0"/>
+              </a:spcBef>
+              <a:spcAft>
+                <a:spcPct val="0"/>
+              </a:spcAft>
+              <a:buClrTx/>
+              <a:buSzTx/>
+              <a:buFontTx/>
+              <a:buNone/>
+              <a:tabLst/>
+            </a:pPr>
+            <a:r>
+              <a:rPr kumimoji="0" lang="zh-CN" altLang="zh-CN" sz="1000" b="0" i="0" u="none" strike="noStrike" cap="none" normalizeH="0" baseline="0" dirty="0">
+                <a:ln>
+                  <a:noFill/>
+                </a:ln>
+                <a:solidFill>
+                  <a:srgbClr val="333333"/>
+                </a:solidFill>
+                <a:effectLst/>
+                <a:latin typeface="Consolas" panose="020B0609020204030204" pitchFamily="49" charset="0"/>
+              </a:rPr>
+              <a:t>MGR_POD=</a:t>
+            </a:r>
+            <a:r>
+              <a:rPr kumimoji="0" lang="zh-CN" altLang="zh-CN" sz="1000" b="0" i="0" u="none" strike="noStrike" cap="none" normalizeH="0" baseline="0" dirty="0">
+                <a:ln>
+                  <a:noFill/>
+                </a:ln>
+                <a:solidFill>
+                  <a:srgbClr val="DD1144"/>
+                </a:solidFill>
+                <a:effectLst/>
+                <a:latin typeface="Consolas" panose="020B0609020204030204" pitchFamily="49" charset="0"/>
+                <a:ea typeface="-apple-system"/>
+              </a:rPr>
+              <a:t>`kubectl get pod -n rook-ceph | grep mgr | awk '{print $1}'`</a:t>
+            </a:r>
+            <a:r>
+              <a:rPr kumimoji="0" lang="zh-CN" altLang="zh-CN" sz="800" b="0" i="0" u="none" strike="noStrike" cap="none" normalizeH="0" baseline="0" dirty="0">
+                <a:ln>
+                  <a:noFill/>
+                </a:ln>
+                <a:solidFill>
+                  <a:schemeClr val="tx1"/>
+                </a:solidFill>
+                <a:effectLst/>
               </a:rPr>
               <a:t> </a:t>
             </a:r>
-            <a:r>
-              <a:rPr lang="en-US" altLang="zh-CN" dirty="0" err="1">
-                <a:solidFill>
-                  <a:srgbClr val="24292E"/>
-                </a:solidFill>
-                <a:latin typeface="SFMono-Regular"/>
-              </a:rPr>
-              <a:t>sudo</a:t>
-            </a:r>
-            <a:r>
-              <a:rPr lang="en-US" altLang="zh-CN" dirty="0">
-                <a:solidFill>
-                  <a:srgbClr val="24292E"/>
-                </a:solidFill>
-                <a:latin typeface="SFMono-Regular"/>
-              </a:rPr>
-              <a:t> </a:t>
-            </a:r>
-            <a:r>
-              <a:rPr lang="en-US" altLang="zh-CN" dirty="0" err="1">
-                <a:solidFill>
-                  <a:srgbClr val="24292E"/>
-                </a:solidFill>
-                <a:latin typeface="SFMono-Regular"/>
-              </a:rPr>
-              <a:t>kubectl</a:t>
-            </a:r>
-            <a:r>
-              <a:rPr lang="en-US" altLang="zh-CN" dirty="0">
-                <a:solidFill>
-                  <a:srgbClr val="24292E"/>
-                </a:solidFill>
-                <a:latin typeface="SFMono-Regular"/>
-              </a:rPr>
-              <a:t> apply -f </a:t>
-            </a:r>
-            <a:r>
-              <a:rPr lang="en-US" altLang="zh-CN" dirty="0" err="1">
-                <a:solidFill>
-                  <a:srgbClr val="24292E"/>
-                </a:solidFill>
-                <a:latin typeface="SFMono-Regular"/>
-              </a:rPr>
-              <a:t>aspnetcore-deployment.yaml</a:t>
-            </a:r>
-            <a:endParaRPr lang="zh-CN" altLang="en-US" dirty="0"/>
-          </a:p>
-        </p:txBody>
-      </p:sp>
-      <p:sp>
-        <p:nvSpPr>
-          <p:cNvPr id="10" name="矩形 9">
-            <a:extLst>
-              <a:ext uri="{FF2B5EF4-FFF2-40B4-BE49-F238E27FC236}">
-                <a16:creationId xmlns:a16="http://schemas.microsoft.com/office/drawing/2014/main" id="{7E2E3D1B-3994-489D-AD22-F210C1949EE3}"/>
-              </a:ext>
-            </a:extLst>
-          </p:cNvPr>
-          <p:cNvSpPr/>
-          <p:nvPr/>
-        </p:nvSpPr>
-        <p:spPr>
-          <a:xfrm>
-            <a:off x="565120" y="5358719"/>
-            <a:ext cx="3813865" cy="1477328"/>
-          </a:xfrm>
-          <a:prstGeom prst="rect">
-            <a:avLst/>
-          </a:prstGeom>
-        </p:spPr>
-        <p:txBody>
-          <a:bodyPr wrap="none">
-            <a:spAutoFit/>
-          </a:bodyPr>
-          <a:lstStyle/>
-          <a:p>
-            <a:r>
-              <a:rPr lang="zh-CN" altLang="en-US" dirty="0">
-                <a:solidFill>
-                  <a:srgbClr val="24292E"/>
-                </a:solidFill>
-                <a:latin typeface="SFMono-Regular"/>
-              </a:rPr>
-              <a:t>查看状态</a:t>
-            </a:r>
-            <a:endParaRPr lang="en-US" altLang="zh-CN" dirty="0">
+            <a:endParaRPr kumimoji="0" lang="zh-CN" altLang="zh-CN" sz="1800" b="0" i="0" u="none" strike="noStrike" cap="none" normalizeH="0" baseline="0" dirty="0">
+              <a:ln>
+                <a:noFill/>
+              </a:ln>
               <a:solidFill>
-                <a:srgbClr val="24292E"/>
+                <a:schemeClr val="tx1"/>
               </a:solidFill>
-              <a:latin typeface="SFMono-Regular"/>
+              <a:effectLst/>
+              <a:latin typeface="Arial" panose="020B0604020202020204" pitchFamily="34" charset="0"/>
             </a:endParaRPr>
-          </a:p>
-          <a:p>
-            <a:r>
-              <a:rPr lang="en-US" altLang="zh-CN" dirty="0">
-                <a:solidFill>
-                  <a:srgbClr val="24292E"/>
-                </a:solidFill>
-                <a:latin typeface="SFMono-Regular"/>
-              </a:rPr>
-              <a:t> </a:t>
-            </a:r>
-            <a:r>
-              <a:rPr lang="en-US" altLang="zh-CN" dirty="0" err="1">
-                <a:solidFill>
-                  <a:srgbClr val="24292E"/>
-                </a:solidFill>
-                <a:latin typeface="SFMono-Regular"/>
-              </a:rPr>
-              <a:t>sudo</a:t>
-            </a:r>
-            <a:r>
-              <a:rPr lang="en-US" altLang="zh-CN" dirty="0">
-                <a:solidFill>
-                  <a:srgbClr val="24292E"/>
-                </a:solidFill>
-                <a:latin typeface="SFMono-Regular"/>
-              </a:rPr>
-              <a:t> </a:t>
-            </a:r>
-            <a:r>
-              <a:rPr lang="en-US" altLang="zh-CN" dirty="0" err="1">
-                <a:solidFill>
-                  <a:srgbClr val="24292E"/>
-                </a:solidFill>
-                <a:latin typeface="SFMono-Regular"/>
-              </a:rPr>
-              <a:t>kubectl</a:t>
-            </a:r>
-            <a:r>
-              <a:rPr lang="en-US" altLang="zh-CN" dirty="0">
-                <a:solidFill>
-                  <a:srgbClr val="24292E"/>
-                </a:solidFill>
-                <a:latin typeface="SFMono-Regular"/>
-              </a:rPr>
-              <a:t> get pods</a:t>
-            </a:r>
-          </a:p>
-          <a:p>
-            <a:endParaRPr lang="en-US" altLang="zh-CN" dirty="0"/>
-          </a:p>
-          <a:p>
-            <a:r>
-              <a:rPr lang="zh-CN" altLang="en-US" dirty="0"/>
-              <a:t>测试应用</a:t>
-            </a:r>
-            <a:r>
-              <a:rPr lang="en-US" altLang="zh-CN" dirty="0" err="1"/>
-              <a:t>api</a:t>
-            </a:r>
-            <a:endParaRPr lang="en-US" altLang="zh-CN" dirty="0"/>
-          </a:p>
-          <a:p>
-            <a:r>
-              <a:rPr lang="en-US" altLang="zh-CN" dirty="0" err="1"/>
-              <a:t>sudo</a:t>
-            </a:r>
-            <a:r>
-              <a:rPr lang="en-US" altLang="zh-CN" dirty="0"/>
-              <a:t> curl 10.32.0.14:4044/</a:t>
-            </a:r>
-            <a:r>
-              <a:rPr lang="en-US" altLang="zh-CN" dirty="0" err="1"/>
-              <a:t>api</a:t>
-            </a:r>
-            <a:r>
-              <a:rPr lang="en-US" altLang="zh-CN" dirty="0"/>
-              <a:t>/values</a:t>
-            </a:r>
-            <a:endParaRPr lang="zh-CN" altLang="en-US" dirty="0"/>
-          </a:p>
-        </p:txBody>
-      </p:sp>
-      <p:sp>
-        <p:nvSpPr>
-          <p:cNvPr id="2" name="矩形 1">
-            <a:extLst>
-              <a:ext uri="{FF2B5EF4-FFF2-40B4-BE49-F238E27FC236}">
-                <a16:creationId xmlns:a16="http://schemas.microsoft.com/office/drawing/2014/main" id="{67EC7EBE-EC74-482D-8D81-3F44EEA79CFE}"/>
-              </a:ext>
-            </a:extLst>
-          </p:cNvPr>
-          <p:cNvSpPr/>
-          <p:nvPr/>
-        </p:nvSpPr>
-        <p:spPr>
-          <a:xfrm>
-            <a:off x="565120" y="764439"/>
-            <a:ext cx="6135013" cy="646331"/>
-          </a:xfrm>
-          <a:prstGeom prst="rect">
-            <a:avLst/>
-          </a:prstGeom>
-        </p:spPr>
-        <p:txBody>
-          <a:bodyPr wrap="none">
-            <a:spAutoFit/>
-          </a:bodyPr>
-          <a:lstStyle/>
-          <a:p>
-            <a:r>
-              <a:rPr lang="zh-CN" altLang="en-US" dirty="0"/>
-              <a:t>构建容器</a:t>
-            </a:r>
-          </a:p>
-          <a:p>
-            <a:r>
-              <a:rPr lang="zh-CN" altLang="en-US" dirty="0"/>
-              <a:t>sudo docker build -t axzxs2001/k8saspnetcoredemo005:v1 .</a:t>
-            </a:r>
           </a:p>
         </p:txBody>
       </p:sp>
     </p:spTree>
     <p:extLst>
       <p:ext uri="{BB962C8B-B14F-4D97-AF65-F5344CB8AC3E}">
-        <p14:creationId xmlns:p14="http://schemas.microsoft.com/office/powerpoint/2010/main" val="2698443676"/>
+        <p14:creationId xmlns:p14="http://schemas.microsoft.com/office/powerpoint/2010/main" val="2515075996"/>
       </p:ext>
     </p:extLst>
   </p:cSld>
@@ -24339,710 +24554,648 @@
       </p:grpSpPr>
       <p:sp>
         <p:nvSpPr>
-          <p:cNvPr id="3" name="Rectangle 1">
+          <p:cNvPr id="3" name="标题 1">
             <a:extLst>
               <a:ext uri="{FF2B5EF4-FFF2-40B4-BE49-F238E27FC236}">
-                <a16:creationId xmlns:a16="http://schemas.microsoft.com/office/drawing/2014/main" id="{31731F39-3040-4F1A-A24A-03446A59E581}"/>
+                <a16:creationId xmlns:a16="http://schemas.microsoft.com/office/drawing/2014/main" id="{0F70AA5B-6447-4832-9EA4-277A3E84D12C}"/>
               </a:ext>
             </a:extLst>
           </p:cNvPr>
-          <p:cNvSpPr>
-            <a:spLocks noChangeArrowheads="1"/>
+          <p:cNvSpPr txBox="1">
+            <a:spLocks/>
           </p:cNvSpPr>
           <p:nvPr/>
         </p:nvSpPr>
-        <p:spPr bwMode="auto">
+        <p:spPr>
           <a:xfrm>
-            <a:off x="524525" y="770701"/>
-            <a:ext cx="8654985" cy="3231654"/>
+            <a:off x="466060" y="141842"/>
+            <a:ext cx="10515600" cy="644968"/>
           </a:xfrm>
           <a:prstGeom prst="rect">
             <a:avLst/>
           </a:prstGeom>
-          <a:ln/>
-          <a:extLst>
-            <a:ext uri="{91240B29-F687-4F45-9708-019B960494DF}">
-              <a14:hiddenLine xmlns:a14="http://schemas.microsoft.com/office/drawing/2010/main" w="9525">
-                <a:solidFill>
-                  <a:schemeClr val="tx1"/>
-                </a:solidFill>
-                <a:miter lim="800000"/>
-                <a:headEnd/>
-                <a:tailEnd/>
-              </a14:hiddenLine>
-            </a:ext>
-            <a:ext uri="{AF507438-7753-43E0-B8FC-AC1667EBCBE1}">
-              <a14:hiddenEffects xmlns:a14="http://schemas.microsoft.com/office/drawing/2010/main">
-                <a:effectLst>
-                  <a:outerShdw dist="35921" dir="2700000" algn="ctr" rotWithShape="0">
-                    <a:schemeClr val="bg2"/>
-                  </a:outerShdw>
-                </a:effectLst>
-              </a14:hiddenEffects>
-            </a:ext>
-          </a:extLst>
         </p:spPr>
-        <p:style>
-          <a:lnRef idx="2">
-            <a:schemeClr val="accent3"/>
-          </a:lnRef>
-          <a:fillRef idx="1">
-            <a:schemeClr val="lt1"/>
-          </a:fillRef>
-          <a:effectRef idx="0">
-            <a:schemeClr val="accent3"/>
-          </a:effectRef>
-          <a:fontRef idx="minor">
-            <a:schemeClr val="dk1"/>
-          </a:fontRef>
-        </p:style>
         <p:txBody>
-          <a:bodyPr vert="horz" wrap="square" lIns="0" tIns="0" rIns="0" bIns="0" numCol="1" anchor="ctr" anchorCtr="0" compatLnSpc="1">
-            <a:prstTxWarp prst="textNoShape">
-              <a:avLst/>
-            </a:prstTxWarp>
-            <a:spAutoFit/>
+          <a:bodyPr>
+            <a:normAutofit/>
           </a:bodyPr>
-          <a:lstStyle/>
-          <a:p>
-            <a:pPr marL="0" marR="0" lvl="0" indent="0" algn="l" defTabSz="914400" rtl="0" eaLnBrk="0" fontAlgn="base" latinLnBrk="0" hangingPunct="0">
+          <a:lstStyle>
+            <a:lvl1pPr algn="l" defTabSz="914400" rtl="0" eaLnBrk="1" latinLnBrk="0" hangingPunct="1">
               <a:lnSpc>
-                <a:spcPct val="100000"/>
+                <a:spcPct val="90000"/>
               </a:lnSpc>
               <a:spcBef>
                 <a:spcPct val="0"/>
               </a:spcBef>
-              <a:spcAft>
-                <a:spcPct val="0"/>
-              </a:spcAft>
-              <a:buClrTx/>
-              <a:buSzTx/>
-              <a:buFontTx/>
               <a:buNone/>
-              <a:tabLst/>
-            </a:pPr>
-            <a:r>
-              <a:rPr lang="en-US" altLang="zh-CN" sz="1400" dirty="0">
-                <a:latin typeface="Consolas" panose="020B0609020204030204" pitchFamily="49" charset="0"/>
-              </a:rPr>
-              <a:t>Rook-</a:t>
-            </a:r>
-            <a:r>
-              <a:rPr lang="en-US" altLang="zh-CN" sz="1400" dirty="0" err="1">
-                <a:latin typeface="Consolas" panose="020B0609020204030204" pitchFamily="49" charset="0"/>
-              </a:rPr>
-              <a:t>ceph</a:t>
-            </a:r>
-            <a:r>
-              <a:rPr lang="zh-CN" altLang="en-US" sz="1400" dirty="0">
-                <a:latin typeface="Consolas" panose="020B0609020204030204" pitchFamily="49" charset="0"/>
-              </a:rPr>
-              <a:t>部署</a:t>
-            </a:r>
-            <a:endParaRPr lang="en-US" altLang="zh-CN" sz="1400" dirty="0">
-              <a:latin typeface="Consolas" panose="020B0609020204030204" pitchFamily="49" charset="0"/>
-            </a:endParaRPr>
-          </a:p>
-          <a:p>
-            <a:pPr marL="0" marR="0" lvl="0" indent="0" algn="l" defTabSz="914400" rtl="0" eaLnBrk="0" fontAlgn="base" latinLnBrk="0" hangingPunct="0">
-              <a:lnSpc>
-                <a:spcPct val="100000"/>
-              </a:lnSpc>
-              <a:spcBef>
-                <a:spcPct val="0"/>
-              </a:spcBef>
-              <a:spcAft>
-                <a:spcPct val="0"/>
-              </a:spcAft>
-              <a:buClrTx/>
-              <a:buSzTx/>
-              <a:buFontTx/>
-              <a:buNone/>
-              <a:tabLst/>
-            </a:pPr>
-            <a:r>
-              <a:rPr lang="zh-CN" altLang="en-US" sz="1400" dirty="0">
-                <a:latin typeface="Consolas" panose="020B0609020204030204" pitchFamily="49" charset="0"/>
-              </a:rPr>
-              <a:t>部署</a:t>
-            </a:r>
-            <a:r>
-              <a:rPr lang="en-US" altLang="zh-CN" sz="1400" dirty="0">
-                <a:latin typeface="Consolas" panose="020B0609020204030204" pitchFamily="49" charset="0"/>
-              </a:rPr>
-              <a:t>dashboard</a:t>
-            </a:r>
-          </a:p>
-          <a:p>
-            <a:pPr eaLnBrk="0" fontAlgn="base" hangingPunct="0">
-              <a:spcBef>
-                <a:spcPct val="0"/>
-              </a:spcBef>
-              <a:spcAft>
-                <a:spcPct val="0"/>
-              </a:spcAft>
-            </a:pPr>
-            <a:r>
-              <a:rPr lang="en-US" altLang="zh-CN" sz="1400" dirty="0" err="1">
-                <a:solidFill>
-                  <a:srgbClr val="333333"/>
-                </a:solidFill>
-                <a:latin typeface="Consolas" panose="020B0609020204030204" pitchFamily="49" charset="0"/>
-              </a:rPr>
-              <a:t>sudo</a:t>
-            </a:r>
-            <a:r>
-              <a:rPr lang="en-US" altLang="zh-CN" sz="1400" dirty="0">
-                <a:solidFill>
-                  <a:srgbClr val="333333"/>
-                </a:solidFill>
-                <a:latin typeface="Consolas" panose="020B0609020204030204" pitchFamily="49" charset="0"/>
-              </a:rPr>
-              <a:t> </a:t>
-            </a:r>
-            <a:r>
-              <a:rPr lang="zh-CN" altLang="zh-CN" sz="1400" dirty="0">
-                <a:solidFill>
-                  <a:srgbClr val="333333"/>
-                </a:solidFill>
-                <a:latin typeface="Consolas" panose="020B0609020204030204" pitchFamily="49" charset="0"/>
-              </a:rPr>
-              <a:t>kubectl apply </a:t>
-            </a:r>
-            <a:r>
-              <a:rPr lang="zh-CN" altLang="zh-CN" sz="1400" dirty="0">
-                <a:solidFill>
-                  <a:srgbClr val="333333"/>
-                </a:solidFill>
-                <a:latin typeface="Consolas" panose="020B0609020204030204" pitchFamily="49" charset="0"/>
-                <a:ea typeface="-apple-system"/>
-              </a:rPr>
-              <a:t>-f</a:t>
-            </a:r>
-            <a:r>
-              <a:rPr lang="zh-CN" altLang="zh-CN" sz="1400" dirty="0">
-                <a:solidFill>
-                  <a:srgbClr val="333333"/>
-                </a:solidFill>
-                <a:latin typeface="Consolas" panose="020B0609020204030204" pitchFamily="49" charset="0"/>
-              </a:rPr>
-              <a:t> dashboard-external-https.yaml</a:t>
-            </a:r>
-            <a:r>
-              <a:rPr lang="zh-CN" altLang="zh-CN" sz="1400" dirty="0">
+              <a:defRPr sz="4400" kern="1200">
                 <a:solidFill>
                   <a:schemeClr val="tx1"/>
                 </a:solidFill>
-              </a:rPr>
-              <a:t> </a:t>
-            </a:r>
-            <a:endParaRPr lang="zh-CN" altLang="zh-CN" sz="1400" dirty="0">
-              <a:solidFill>
-                <a:schemeClr val="tx1"/>
-              </a:solidFill>
-              <a:latin typeface="Arial" panose="020B0604020202020204" pitchFamily="34" charset="0"/>
-            </a:endParaRPr>
-          </a:p>
-          <a:p>
-            <a:pPr marL="0" marR="0" lvl="0" indent="0" algn="l" defTabSz="914400" rtl="0" eaLnBrk="0" fontAlgn="base" latinLnBrk="0" hangingPunct="0">
-              <a:lnSpc>
-                <a:spcPct val="100000"/>
-              </a:lnSpc>
-              <a:spcBef>
-                <a:spcPct val="0"/>
-              </a:spcBef>
-              <a:spcAft>
-                <a:spcPct val="0"/>
-              </a:spcAft>
-              <a:buClrTx/>
-              <a:buSzTx/>
-              <a:buFontTx/>
-              <a:buNone/>
-              <a:tabLst/>
-            </a:pPr>
-            <a:endParaRPr lang="en-US" altLang="zh-CN" sz="1400" dirty="0">
-              <a:latin typeface="Consolas" panose="020B0609020204030204" pitchFamily="49" charset="0"/>
-            </a:endParaRPr>
-          </a:p>
-          <a:p>
-            <a:pPr marL="0" marR="0" lvl="0" indent="0" algn="l" defTabSz="914400" rtl="0" eaLnBrk="0" fontAlgn="base" latinLnBrk="0" hangingPunct="0">
-              <a:lnSpc>
-                <a:spcPct val="100000"/>
-              </a:lnSpc>
-              <a:spcBef>
-                <a:spcPct val="0"/>
-              </a:spcBef>
-              <a:spcAft>
-                <a:spcPct val="0"/>
-              </a:spcAft>
-              <a:buClrTx/>
-              <a:buSzTx/>
-              <a:buFontTx/>
-              <a:buNone/>
-              <a:tabLst/>
-            </a:pPr>
-            <a:r>
-              <a:rPr lang="zh-CN" altLang="en-US" sz="1400" dirty="0">
-                <a:latin typeface="Consolas" panose="020B0609020204030204" pitchFamily="49" charset="0"/>
-              </a:rPr>
-              <a:t>查看端口</a:t>
-            </a:r>
-            <a:endParaRPr lang="en-US" altLang="zh-CN" sz="1400" dirty="0">
-              <a:latin typeface="Consolas" panose="020B0609020204030204" pitchFamily="49" charset="0"/>
-            </a:endParaRPr>
-          </a:p>
-          <a:p>
-            <a:pPr eaLnBrk="0" fontAlgn="base" hangingPunct="0">
-              <a:spcBef>
-                <a:spcPct val="0"/>
-              </a:spcBef>
-              <a:spcAft>
-                <a:spcPct val="0"/>
-              </a:spcAft>
-            </a:pPr>
-            <a:r>
-              <a:rPr lang="en-US" altLang="zh-CN" sz="1400" dirty="0" err="1">
-                <a:solidFill>
-                  <a:srgbClr val="333333"/>
-                </a:solidFill>
-                <a:latin typeface="Consolas" panose="020B0609020204030204" pitchFamily="49" charset="0"/>
-              </a:rPr>
-              <a:t>sudo</a:t>
-            </a:r>
-            <a:r>
-              <a:rPr lang="en-US" altLang="zh-CN" sz="1400" dirty="0">
-                <a:solidFill>
-                  <a:srgbClr val="333333"/>
-                </a:solidFill>
-                <a:latin typeface="Consolas" panose="020B0609020204030204" pitchFamily="49" charset="0"/>
-              </a:rPr>
-              <a:t> </a:t>
-            </a:r>
-            <a:r>
-              <a:rPr lang="zh-CN" altLang="zh-CN" sz="1400" dirty="0">
-                <a:solidFill>
-                  <a:srgbClr val="333333"/>
-                </a:solidFill>
-                <a:latin typeface="Consolas" panose="020B0609020204030204" pitchFamily="49" charset="0"/>
-              </a:rPr>
-              <a:t>kubectl -n rook-ceph get service</a:t>
-            </a:r>
-            <a:r>
-              <a:rPr lang="zh-CN" altLang="zh-CN" sz="1400" dirty="0">
-                <a:solidFill>
-                  <a:schemeClr val="tx1"/>
-                </a:solidFill>
-              </a:rPr>
-              <a:t> </a:t>
-            </a:r>
-            <a:endParaRPr lang="en-US" altLang="zh-CN" sz="1400" dirty="0">
-              <a:latin typeface="Consolas" panose="020B0609020204030204" pitchFamily="49" charset="0"/>
-            </a:endParaRPr>
-          </a:p>
-          <a:p>
-            <a:pPr marL="0" marR="0" lvl="0" indent="0" algn="l" defTabSz="914400" rtl="0" eaLnBrk="0" fontAlgn="base" latinLnBrk="0" hangingPunct="0">
-              <a:lnSpc>
-                <a:spcPct val="100000"/>
-              </a:lnSpc>
-              <a:spcBef>
-                <a:spcPct val="0"/>
-              </a:spcBef>
-              <a:spcAft>
-                <a:spcPct val="0"/>
-              </a:spcAft>
-              <a:buClrTx/>
-              <a:buSzTx/>
-              <a:buFontTx/>
-              <a:buNone/>
-              <a:tabLst/>
-            </a:pPr>
-            <a:endParaRPr lang="en-US" altLang="zh-CN" sz="1400" dirty="0">
-              <a:latin typeface="Consolas" panose="020B0609020204030204" pitchFamily="49" charset="0"/>
-            </a:endParaRPr>
-          </a:p>
-          <a:p>
-            <a:pPr marL="0" marR="0" lvl="0" indent="0" algn="l" defTabSz="914400" rtl="0" eaLnBrk="0" fontAlgn="base" latinLnBrk="0" hangingPunct="0">
-              <a:lnSpc>
-                <a:spcPct val="100000"/>
-              </a:lnSpc>
-              <a:spcBef>
-                <a:spcPct val="0"/>
-              </a:spcBef>
-              <a:spcAft>
-                <a:spcPct val="0"/>
-              </a:spcAft>
-              <a:buClrTx/>
-              <a:buSzTx/>
-              <a:buFontTx/>
-              <a:buNone/>
-              <a:tabLst/>
-            </a:pPr>
-            <a:r>
-              <a:rPr lang="zh-CN" altLang="en-US" sz="1400" dirty="0">
-                <a:latin typeface="Consolas" panose="020B0609020204030204" pitchFamily="49" charset="0"/>
-              </a:rPr>
-              <a:t>获取</a:t>
-            </a:r>
-            <a:r>
-              <a:rPr lang="en-US" altLang="zh-CN" sz="1400" dirty="0">
-                <a:latin typeface="Consolas" panose="020B0609020204030204" pitchFamily="49" charset="0"/>
-              </a:rPr>
-              <a:t>Rook-</a:t>
-            </a:r>
-            <a:r>
-              <a:rPr lang="en-US" altLang="zh-CN" sz="1400" dirty="0" err="1">
-                <a:latin typeface="Consolas" panose="020B0609020204030204" pitchFamily="49" charset="0"/>
-              </a:rPr>
-              <a:t>ceph</a:t>
-            </a:r>
-            <a:r>
-              <a:rPr lang="zh-CN" altLang="en-US" sz="1400" dirty="0">
-                <a:latin typeface="Consolas" panose="020B0609020204030204" pitchFamily="49" charset="0"/>
-              </a:rPr>
-              <a:t>帐号密码</a:t>
-            </a:r>
-            <a:endParaRPr kumimoji="0" lang="en-US" altLang="zh-CN" sz="1400" b="0" i="0" u="none" strike="noStrike" cap="none" normalizeH="0" baseline="0" dirty="0">
-              <a:ln>
-                <a:noFill/>
-              </a:ln>
-              <a:effectLst/>
-              <a:latin typeface="Consolas" panose="020B0609020204030204" pitchFamily="49" charset="0"/>
-            </a:endParaRPr>
-          </a:p>
-          <a:p>
-            <a:pPr marL="0" marR="0" lvl="0" indent="0" algn="l" defTabSz="914400" rtl="0" eaLnBrk="0" fontAlgn="base" latinLnBrk="0" hangingPunct="0">
-              <a:lnSpc>
-                <a:spcPct val="100000"/>
-              </a:lnSpc>
-              <a:spcBef>
-                <a:spcPct val="0"/>
-              </a:spcBef>
-              <a:spcAft>
-                <a:spcPct val="0"/>
-              </a:spcAft>
-              <a:buClrTx/>
-              <a:buSzTx/>
-              <a:buFontTx/>
-              <a:buNone/>
-              <a:tabLst/>
-            </a:pPr>
-            <a:r>
-              <a:rPr kumimoji="0" lang="zh-CN" altLang="zh-CN" sz="1400" b="0" i="0" u="none" strike="noStrike" cap="none" normalizeH="0" baseline="0" dirty="0">
-                <a:ln>
-                  <a:noFill/>
-                </a:ln>
-                <a:effectLst/>
-                <a:latin typeface="Consolas" panose="020B0609020204030204" pitchFamily="49" charset="0"/>
-              </a:rPr>
-              <a:t>MGR_POD=</a:t>
-            </a:r>
-            <a:r>
-              <a:rPr kumimoji="0" lang="zh-CN" altLang="zh-CN" sz="1400" b="0" i="0" u="none" strike="noStrike" cap="none" normalizeH="0" baseline="0" dirty="0">
-                <a:ln>
-                  <a:noFill/>
-                </a:ln>
-                <a:effectLst/>
-                <a:latin typeface="Consolas" panose="020B0609020204030204" pitchFamily="49" charset="0"/>
-                <a:ea typeface="-apple-system"/>
-              </a:rPr>
-              <a:t>`kubectl get pod -n rook-ceph | grep mgr | awk '{print $1}</a:t>
-            </a:r>
-            <a:r>
-              <a:rPr kumimoji="0" lang="zh-CN" altLang="en-US" sz="1400" b="0" i="0" u="none" strike="noStrike" cap="none" normalizeH="0" baseline="0" dirty="0">
-                <a:ln>
-                  <a:noFill/>
-                </a:ln>
-                <a:effectLst/>
-                <a:latin typeface="Consolas" panose="020B0609020204030204" pitchFamily="49" charset="0"/>
-                <a:ea typeface="-apple-system"/>
-              </a:rPr>
-              <a:t>’</a:t>
-            </a:r>
-            <a:r>
-              <a:rPr kumimoji="0" lang="zh-CN" altLang="zh-CN" sz="1400" b="0" i="0" u="none" strike="noStrike" cap="none" normalizeH="0" baseline="0" dirty="0">
-                <a:ln>
-                  <a:noFill/>
-                </a:ln>
-                <a:effectLst/>
-                <a:latin typeface="Consolas" panose="020B0609020204030204" pitchFamily="49" charset="0"/>
-                <a:ea typeface="-apple-system"/>
-              </a:rPr>
-              <a:t>`</a:t>
-            </a:r>
-            <a:endParaRPr lang="en-US" altLang="zh-CN" sz="1400" dirty="0">
-              <a:latin typeface="Consolas" panose="020B0609020204030204" pitchFamily="49" charset="0"/>
-            </a:endParaRPr>
-          </a:p>
-          <a:p>
-            <a:pPr eaLnBrk="0" fontAlgn="base" hangingPunct="0">
-              <a:spcBef>
-                <a:spcPct val="0"/>
-              </a:spcBef>
-              <a:spcAft>
-                <a:spcPct val="0"/>
-              </a:spcAft>
-            </a:pPr>
-            <a:r>
-              <a:rPr lang="en-US" altLang="zh-CN" sz="1400" dirty="0" err="1">
-                <a:solidFill>
-                  <a:srgbClr val="333333"/>
-                </a:solidFill>
-                <a:latin typeface="Consolas" panose="020B0609020204030204" pitchFamily="49" charset="0"/>
-              </a:rPr>
-              <a:t>sudo</a:t>
-            </a:r>
-            <a:r>
-              <a:rPr lang="en-US" altLang="zh-CN" sz="1400" dirty="0">
-                <a:solidFill>
-                  <a:srgbClr val="333333"/>
-                </a:solidFill>
-                <a:latin typeface="Consolas" panose="020B0609020204030204" pitchFamily="49" charset="0"/>
-              </a:rPr>
-              <a:t> </a:t>
-            </a:r>
-            <a:r>
-              <a:rPr lang="zh-CN" altLang="zh-CN" sz="1400" dirty="0">
-                <a:solidFill>
-                  <a:srgbClr val="333333"/>
-                </a:solidFill>
-                <a:latin typeface="Consolas" panose="020B0609020204030204" pitchFamily="49" charset="0"/>
-              </a:rPr>
-              <a:t>kubectl -n rook-ceph logs $MGR_POD | </a:t>
-            </a:r>
-            <a:r>
-              <a:rPr lang="zh-CN" altLang="zh-CN" sz="1400" b="1" dirty="0">
-                <a:solidFill>
-                  <a:srgbClr val="333333"/>
-                </a:solidFill>
-                <a:latin typeface="Consolas" panose="020B0609020204030204" pitchFamily="49" charset="0"/>
-                <a:ea typeface="-apple-system"/>
-              </a:rPr>
-              <a:t>grep</a:t>
-            </a:r>
-            <a:r>
-              <a:rPr lang="zh-CN" altLang="zh-CN" sz="1400" dirty="0">
-                <a:solidFill>
-                  <a:srgbClr val="333333"/>
-                </a:solidFill>
-                <a:latin typeface="Consolas" panose="020B0609020204030204" pitchFamily="49" charset="0"/>
-              </a:rPr>
-              <a:t> password</a:t>
-            </a:r>
-            <a:r>
-              <a:rPr lang="zh-CN" altLang="zh-CN" sz="1400" dirty="0">
-                <a:solidFill>
-                  <a:schemeClr val="tx1"/>
-                </a:solidFill>
-              </a:rPr>
-              <a:t> </a:t>
-            </a:r>
-            <a:endParaRPr lang="en-US" altLang="zh-CN" sz="1400" dirty="0">
-              <a:solidFill>
-                <a:schemeClr val="tx1"/>
-              </a:solidFill>
-            </a:endParaRPr>
-          </a:p>
-          <a:p>
-            <a:pPr eaLnBrk="0" fontAlgn="base" hangingPunct="0">
-              <a:spcBef>
-                <a:spcPct val="0"/>
-              </a:spcBef>
-              <a:spcAft>
-                <a:spcPct val="0"/>
-              </a:spcAft>
-            </a:pPr>
-            <a:endParaRPr lang="en-US" altLang="zh-CN" sz="1400" dirty="0">
-              <a:solidFill>
-                <a:schemeClr val="tx1"/>
-              </a:solidFill>
-              <a:latin typeface="Arial" panose="020B0604020202020204" pitchFamily="34" charset="0"/>
-            </a:endParaRPr>
-          </a:p>
-          <a:p>
-            <a:pPr eaLnBrk="0" fontAlgn="base" hangingPunct="0">
-              <a:spcBef>
-                <a:spcPct val="0"/>
-              </a:spcBef>
-              <a:spcAft>
-                <a:spcPct val="0"/>
-              </a:spcAft>
-            </a:pPr>
-            <a:r>
-              <a:rPr lang="zh-CN" altLang="en-US" sz="1400" dirty="0">
-                <a:solidFill>
-                  <a:schemeClr val="tx1"/>
-                </a:solidFill>
-                <a:latin typeface="Arial" panose="020B0604020202020204" pitchFamily="34" charset="0"/>
-              </a:rPr>
-              <a:t>登录</a:t>
-            </a:r>
-            <a:endParaRPr lang="en-US" altLang="zh-CN" sz="1400" dirty="0">
-              <a:solidFill>
-                <a:schemeClr val="tx1"/>
-              </a:solidFill>
-              <a:latin typeface="Arial" panose="020B0604020202020204" pitchFamily="34" charset="0"/>
-            </a:endParaRPr>
-          </a:p>
-          <a:p>
-            <a:pPr eaLnBrk="0" fontAlgn="base" hangingPunct="0">
-              <a:spcBef>
-                <a:spcPct val="0"/>
-              </a:spcBef>
-              <a:spcAft>
-                <a:spcPct val="0"/>
-              </a:spcAft>
-            </a:pPr>
-            <a:r>
-              <a:rPr lang="en-US" altLang="zh-CN" sz="1400" dirty="0">
-                <a:solidFill>
-                  <a:schemeClr val="tx1"/>
-                </a:solidFill>
-                <a:latin typeface="Arial" panose="020B0604020202020204" pitchFamily="34" charset="0"/>
-              </a:rPr>
-              <a:t>https://</a:t>
-            </a:r>
-            <a:r>
-              <a:rPr lang="zh-CN" altLang="en-US" sz="1400" dirty="0">
-                <a:solidFill>
-                  <a:schemeClr val="tx1"/>
-                </a:solidFill>
-                <a:latin typeface="Arial" panose="020B0604020202020204" pitchFamily="34" charset="0"/>
-              </a:rPr>
-              <a:t>节点主机</a:t>
-            </a:r>
-            <a:r>
-              <a:rPr lang="en-US" altLang="zh-CN" sz="1400" dirty="0">
-                <a:solidFill>
-                  <a:schemeClr val="tx1"/>
-                </a:solidFill>
-                <a:latin typeface="Arial" panose="020B0604020202020204" pitchFamily="34" charset="0"/>
-              </a:rPr>
-              <a:t>IP:</a:t>
-            </a:r>
-            <a:r>
-              <a:rPr lang="zh-CN" altLang="en-US" sz="1400" dirty="0">
-                <a:solidFill>
-                  <a:schemeClr val="tx1"/>
-                </a:solidFill>
-                <a:latin typeface="Arial" panose="020B0604020202020204" pitchFamily="34" charset="0"/>
-              </a:rPr>
-              <a:t>查询到端口</a:t>
-            </a:r>
-            <a:endParaRPr lang="zh-CN" altLang="zh-CN" sz="1400" dirty="0">
-              <a:solidFill>
-                <a:schemeClr val="tx1"/>
-              </a:solidFill>
-              <a:latin typeface="Arial" panose="020B0604020202020204" pitchFamily="34" charset="0"/>
-            </a:endParaRPr>
-          </a:p>
-          <a:p>
-            <a:pPr marL="0" marR="0" lvl="0" indent="0" algn="l" defTabSz="914400" rtl="0" eaLnBrk="0" fontAlgn="base" latinLnBrk="0" hangingPunct="0">
-              <a:lnSpc>
-                <a:spcPct val="100000"/>
-              </a:lnSpc>
-              <a:spcBef>
-                <a:spcPct val="0"/>
-              </a:spcBef>
-              <a:spcAft>
-                <a:spcPct val="0"/>
-              </a:spcAft>
-              <a:buClrTx/>
-              <a:buSzTx/>
-              <a:buFontTx/>
-              <a:buNone/>
-              <a:tabLst/>
-            </a:pPr>
-            <a:endParaRPr lang="en-US" altLang="zh-CN" sz="1400" dirty="0">
-              <a:latin typeface="Consolas" panose="020B0609020204030204" pitchFamily="49" charset="0"/>
-            </a:endParaRPr>
-          </a:p>
-          <a:p>
-            <a:pPr marL="0" marR="0" lvl="0" indent="0" algn="l" defTabSz="914400" rtl="0" eaLnBrk="0" fontAlgn="base" latinLnBrk="0" hangingPunct="0">
-              <a:lnSpc>
-                <a:spcPct val="100000"/>
-              </a:lnSpc>
-              <a:spcBef>
-                <a:spcPct val="0"/>
-              </a:spcBef>
-              <a:spcAft>
-                <a:spcPct val="0"/>
-              </a:spcAft>
-              <a:buClrTx/>
-              <a:buSzTx/>
-              <a:buFontTx/>
-              <a:buNone/>
-              <a:tabLst/>
-            </a:pPr>
-            <a:r>
-              <a:rPr kumimoji="0" lang="zh-CN" altLang="zh-CN" sz="1400" b="0" i="0" u="none" strike="noStrike" cap="none" normalizeH="0" baseline="0" dirty="0">
-                <a:ln>
-                  <a:noFill/>
-                </a:ln>
-                <a:effectLst/>
-              </a:rPr>
-              <a:t> </a:t>
-            </a:r>
-            <a:endParaRPr kumimoji="0" lang="zh-CN" altLang="zh-CN" sz="1400" b="0" i="0" u="none" strike="noStrike" cap="none" normalizeH="0" baseline="0" dirty="0">
-              <a:ln>
-                <a:noFill/>
-              </a:ln>
-              <a:effectLst/>
-              <a:latin typeface="Arial" panose="020B0604020202020204" pitchFamily="34" charset="0"/>
-            </a:endParaRPr>
+                <a:latin typeface="+mj-lt"/>
+                <a:ea typeface="+mj-ea"/>
+                <a:cs typeface="+mj-cs"/>
+              </a:defRPr>
+            </a:lvl1pPr>
+          </a:lstStyle>
+          <a:p>
+            <a:r>
+              <a:rPr lang="zh-CN" altLang="en-US" sz="3000" dirty="0"/>
+              <a:t>部署用户应用</a:t>
+            </a:r>
           </a:p>
         </p:txBody>
       </p:sp>
-      <p:pic>
-        <p:nvPicPr>
-          <p:cNvPr id="1031" name="Picture 7" descr="kubernetesæ­å»ºrook-ceph">
+      <p:sp>
+        <p:nvSpPr>
+          <p:cNvPr id="8" name="矩形 7">
             <a:extLst>
               <a:ext uri="{FF2B5EF4-FFF2-40B4-BE49-F238E27FC236}">
-                <a16:creationId xmlns:a16="http://schemas.microsoft.com/office/drawing/2014/main" id="{44DA602A-0DF5-4525-8B88-E38329C1E85D}"/>
+                <a16:creationId xmlns:a16="http://schemas.microsoft.com/office/drawing/2014/main" id="{764DE107-E635-4C69-8ADC-A4D9E6B9C11A}"/>
               </a:ext>
             </a:extLst>
           </p:cNvPr>
-          <p:cNvPicPr>
-            <a:picLocks noChangeAspect="1" noChangeArrowheads="1"/>
-          </p:cNvPicPr>
+          <p:cNvSpPr/>
           <p:nvPr/>
-        </p:nvPicPr>
-        <p:blipFill>
-          <a:blip r:embed="rId2">
-            <a:extLst>
-              <a:ext uri="{28A0092B-C50C-407E-A947-70E740481C1C}">
-                <a14:useLocalDpi xmlns:a14="http://schemas.microsoft.com/office/drawing/2010/main" val="0"/>
-              </a:ext>
-            </a:extLst>
-          </a:blip>
-          <a:srcRect/>
-          <a:stretch>
-            <a:fillRect/>
-          </a:stretch>
-        </p:blipFill>
-        <p:spPr bwMode="auto">
+        </p:nvSpPr>
+        <p:spPr>
           <a:xfrm>
-            <a:off x="5663953" y="3262357"/>
-            <a:ext cx="5681710" cy="3071675"/>
+            <a:off x="565120" y="2034732"/>
+            <a:ext cx="6096000" cy="3323987"/>
           </a:xfrm>
           <a:prstGeom prst="rect">
             <a:avLst/>
           </a:prstGeom>
-          <a:noFill/>
-          <a:extLst>
-            <a:ext uri="{909E8E84-426E-40DD-AFC4-6F175D3DCCD1}">
-              <a14:hiddenFill xmlns:a14="http://schemas.microsoft.com/office/drawing/2010/main">
-                <a:solidFill>
-                  <a:srgbClr val="FFFFFF"/>
-                </a:solidFill>
-              </a14:hiddenFill>
-            </a:ext>
-          </a:extLst>
         </p:spPr>
-      </p:pic>
+        <p:style>
+          <a:lnRef idx="2">
+            <a:schemeClr val="accent6">
+              <a:shade val="50000"/>
+            </a:schemeClr>
+          </a:lnRef>
+          <a:fillRef idx="1">
+            <a:schemeClr val="accent6"/>
+          </a:fillRef>
+          <a:effectRef idx="0">
+            <a:schemeClr val="accent6"/>
+          </a:effectRef>
+          <a:fontRef idx="minor">
+            <a:schemeClr val="lt1"/>
+          </a:fontRef>
+        </p:style>
+        <p:txBody>
+          <a:bodyPr>
+            <a:spAutoFit/>
+          </a:bodyPr>
+          <a:lstStyle/>
+          <a:p>
+            <a:r>
+              <a:rPr lang="en-US" altLang="zh-CN" sz="1050" dirty="0" err="1">
+                <a:latin typeface="Consolas" panose="020B0609020204030204" pitchFamily="49" charset="0"/>
+              </a:rPr>
+              <a:t>apiVersion</a:t>
+            </a:r>
+            <a:r>
+              <a:rPr lang="en-US" altLang="zh-CN" sz="1050" dirty="0">
+                <a:latin typeface="Consolas" panose="020B0609020204030204" pitchFamily="49" charset="0"/>
+              </a:rPr>
+              <a:t>: apps/</a:t>
+            </a:r>
+            <a:r>
+              <a:rPr lang="en-US" altLang="zh-CN" sz="1050" dirty="0" err="1">
+                <a:latin typeface="Consolas" panose="020B0609020204030204" pitchFamily="49" charset="0"/>
+              </a:rPr>
+              <a:t>v1</a:t>
+            </a:r>
+            <a:endParaRPr lang="en-US" altLang="zh-CN" sz="1050" dirty="0">
+              <a:latin typeface="Consolas" panose="020B0609020204030204" pitchFamily="49" charset="0"/>
+            </a:endParaRPr>
+          </a:p>
+          <a:p>
+            <a:r>
+              <a:rPr lang="en-US" altLang="zh-CN" sz="1050" dirty="0">
+                <a:latin typeface="Consolas" panose="020B0609020204030204" pitchFamily="49" charset="0"/>
+              </a:rPr>
+              <a:t>kind: Deployment</a:t>
+            </a:r>
+          </a:p>
+          <a:p>
+            <a:r>
+              <a:rPr lang="en-US" altLang="zh-CN" sz="1050" dirty="0">
+                <a:latin typeface="Consolas" panose="020B0609020204030204" pitchFamily="49" charset="0"/>
+              </a:rPr>
+              <a:t>metadata:</a:t>
+            </a:r>
+          </a:p>
+          <a:p>
+            <a:r>
+              <a:rPr lang="en-US" altLang="zh-CN" sz="1050" dirty="0">
+                <a:latin typeface="Consolas" panose="020B0609020204030204" pitchFamily="49" charset="0"/>
+              </a:rPr>
+              <a:t>  name: </a:t>
+            </a:r>
+            <a:r>
+              <a:rPr lang="en-US" altLang="zh-CN" sz="1050" dirty="0" err="1">
+                <a:latin typeface="Consolas" panose="020B0609020204030204" pitchFamily="49" charset="0"/>
+              </a:rPr>
+              <a:t>k8saspnetcoredemo005</a:t>
+            </a:r>
+            <a:r>
+              <a:rPr lang="en-US" altLang="zh-CN" sz="1050" dirty="0">
+                <a:latin typeface="Consolas" panose="020B0609020204030204" pitchFamily="49" charset="0"/>
+              </a:rPr>
+              <a:t>-deployment</a:t>
+            </a:r>
+          </a:p>
+          <a:p>
+            <a:r>
+              <a:rPr lang="en-US" altLang="zh-CN" sz="1050" dirty="0">
+                <a:latin typeface="Consolas" panose="020B0609020204030204" pitchFamily="49" charset="0"/>
+              </a:rPr>
+              <a:t>spec:</a:t>
+            </a:r>
+          </a:p>
+          <a:p>
+            <a:r>
+              <a:rPr lang="en-US" altLang="zh-CN" sz="1050" dirty="0">
+                <a:latin typeface="Consolas" panose="020B0609020204030204" pitchFamily="49" charset="0"/>
+              </a:rPr>
+              <a:t>  selector:</a:t>
+            </a:r>
+          </a:p>
+          <a:p>
+            <a:r>
+              <a:rPr lang="en-US" altLang="zh-CN" sz="1050" dirty="0">
+                <a:latin typeface="Consolas" panose="020B0609020204030204" pitchFamily="49" charset="0"/>
+              </a:rPr>
+              <a:t>    </a:t>
+            </a:r>
+            <a:r>
+              <a:rPr lang="en-US" altLang="zh-CN" sz="1050" dirty="0" err="1">
+                <a:latin typeface="Consolas" panose="020B0609020204030204" pitchFamily="49" charset="0"/>
+              </a:rPr>
+              <a:t>matchLabels</a:t>
+            </a:r>
+            <a:r>
+              <a:rPr lang="en-US" altLang="zh-CN" sz="1050" dirty="0">
+                <a:latin typeface="Consolas" panose="020B0609020204030204" pitchFamily="49" charset="0"/>
+              </a:rPr>
+              <a:t>:</a:t>
+            </a:r>
+          </a:p>
+          <a:p>
+            <a:r>
+              <a:rPr lang="en-US" altLang="zh-CN" sz="1050" dirty="0">
+                <a:latin typeface="Consolas" panose="020B0609020204030204" pitchFamily="49" charset="0"/>
+              </a:rPr>
+              <a:t>      app: </a:t>
+            </a:r>
+            <a:r>
+              <a:rPr lang="en-US" altLang="zh-CN" sz="1050" dirty="0" err="1">
+                <a:latin typeface="Consolas" panose="020B0609020204030204" pitchFamily="49" charset="0"/>
+              </a:rPr>
+              <a:t>k8saspnetcoredemo005</a:t>
+            </a:r>
+            <a:endParaRPr lang="en-US" altLang="zh-CN" sz="1050" dirty="0">
+              <a:latin typeface="Consolas" panose="020B0609020204030204" pitchFamily="49" charset="0"/>
+            </a:endParaRPr>
+          </a:p>
+          <a:p>
+            <a:r>
+              <a:rPr lang="en-US" altLang="zh-CN" sz="1050" dirty="0">
+                <a:latin typeface="Consolas" panose="020B0609020204030204" pitchFamily="49" charset="0"/>
+              </a:rPr>
+              <a:t>  replicas: 2</a:t>
+            </a:r>
+          </a:p>
+          <a:p>
+            <a:r>
+              <a:rPr lang="en-US" altLang="zh-CN" sz="1050" dirty="0">
+                <a:latin typeface="Consolas" panose="020B0609020204030204" pitchFamily="49" charset="0"/>
+              </a:rPr>
+              <a:t>  template:</a:t>
+            </a:r>
+          </a:p>
+          <a:p>
+            <a:r>
+              <a:rPr lang="en-US" altLang="zh-CN" sz="1050" dirty="0">
+                <a:latin typeface="Consolas" panose="020B0609020204030204" pitchFamily="49" charset="0"/>
+              </a:rPr>
+              <a:t>    metadata:</a:t>
+            </a:r>
+          </a:p>
+          <a:p>
+            <a:r>
+              <a:rPr lang="en-US" altLang="zh-CN" sz="1050" dirty="0">
+                <a:latin typeface="Consolas" panose="020B0609020204030204" pitchFamily="49" charset="0"/>
+              </a:rPr>
+              <a:t>      labels:</a:t>
+            </a:r>
+          </a:p>
+          <a:p>
+            <a:r>
+              <a:rPr lang="en-US" altLang="zh-CN" sz="1050" dirty="0">
+                <a:latin typeface="Consolas" panose="020B0609020204030204" pitchFamily="49" charset="0"/>
+              </a:rPr>
+              <a:t>        app: </a:t>
+            </a:r>
+            <a:r>
+              <a:rPr lang="en-US" altLang="zh-CN" sz="1050" dirty="0" err="1">
+                <a:latin typeface="Consolas" panose="020B0609020204030204" pitchFamily="49" charset="0"/>
+              </a:rPr>
+              <a:t>k8saspnetcoredemo005</a:t>
+            </a:r>
+            <a:endParaRPr lang="en-US" altLang="zh-CN" sz="1050" dirty="0">
+              <a:latin typeface="Consolas" panose="020B0609020204030204" pitchFamily="49" charset="0"/>
+            </a:endParaRPr>
+          </a:p>
+          <a:p>
+            <a:r>
+              <a:rPr lang="en-US" altLang="zh-CN" sz="1050" dirty="0">
+                <a:latin typeface="Consolas" panose="020B0609020204030204" pitchFamily="49" charset="0"/>
+              </a:rPr>
+              <a:t>    spec:</a:t>
+            </a:r>
+          </a:p>
+          <a:p>
+            <a:r>
+              <a:rPr lang="en-US" altLang="zh-CN" sz="1050" dirty="0">
+                <a:latin typeface="Consolas" panose="020B0609020204030204" pitchFamily="49" charset="0"/>
+              </a:rPr>
+              <a:t>      containers:</a:t>
+            </a:r>
+          </a:p>
+          <a:p>
+            <a:r>
+              <a:rPr lang="en-US" altLang="zh-CN" sz="1050" dirty="0">
+                <a:latin typeface="Consolas" panose="020B0609020204030204" pitchFamily="49" charset="0"/>
+              </a:rPr>
+              <a:t>      - name: </a:t>
+            </a:r>
+            <a:r>
+              <a:rPr lang="en-US" altLang="zh-CN" sz="1050" dirty="0" err="1">
+                <a:latin typeface="Consolas" panose="020B0609020204030204" pitchFamily="49" charset="0"/>
+              </a:rPr>
+              <a:t>k8saspnetcoredemo005</a:t>
+            </a:r>
+            <a:endParaRPr lang="en-US" altLang="zh-CN" sz="1050" dirty="0">
+              <a:latin typeface="Consolas" panose="020B0609020204030204" pitchFamily="49" charset="0"/>
+            </a:endParaRPr>
+          </a:p>
+          <a:p>
+            <a:r>
+              <a:rPr lang="en-US" altLang="zh-CN" sz="1050" dirty="0">
+                <a:latin typeface="Consolas" panose="020B0609020204030204" pitchFamily="49" charset="0"/>
+              </a:rPr>
+              <a:t>        image: </a:t>
+            </a:r>
+            <a:r>
+              <a:rPr lang="en-US" altLang="zh-CN" sz="1050" dirty="0" err="1">
+                <a:latin typeface="Consolas" panose="020B0609020204030204" pitchFamily="49" charset="0"/>
+              </a:rPr>
+              <a:t>axzxs2001</a:t>
+            </a:r>
+            <a:r>
+              <a:rPr lang="en-US" altLang="zh-CN" sz="1050" dirty="0">
+                <a:latin typeface="Consolas" panose="020B0609020204030204" pitchFamily="49" charset="0"/>
+              </a:rPr>
+              <a:t>/</a:t>
+            </a:r>
+            <a:r>
+              <a:rPr lang="en-US" altLang="zh-CN" sz="1050" dirty="0" err="1">
+                <a:latin typeface="Consolas" panose="020B0609020204030204" pitchFamily="49" charset="0"/>
+              </a:rPr>
+              <a:t>k8saspnetcoredemo005:v1</a:t>
+            </a:r>
+            <a:endParaRPr lang="en-US" altLang="zh-CN" sz="1050" dirty="0">
+              <a:latin typeface="Consolas" panose="020B0609020204030204" pitchFamily="49" charset="0"/>
+            </a:endParaRPr>
+          </a:p>
+          <a:p>
+            <a:r>
+              <a:rPr lang="en-US" altLang="zh-CN" sz="1050" dirty="0">
+                <a:latin typeface="Consolas" panose="020B0609020204030204" pitchFamily="49" charset="0"/>
+              </a:rPr>
+              <a:t>        </a:t>
+            </a:r>
+            <a:r>
+              <a:rPr lang="en-US" altLang="zh-CN" sz="1050" dirty="0" err="1">
+                <a:latin typeface="Consolas" panose="020B0609020204030204" pitchFamily="49" charset="0"/>
+              </a:rPr>
+              <a:t>imagePullPolicy</a:t>
+            </a:r>
+            <a:r>
+              <a:rPr lang="en-US" altLang="zh-CN" sz="1050" dirty="0">
+                <a:latin typeface="Consolas" panose="020B0609020204030204" pitchFamily="49" charset="0"/>
+              </a:rPr>
+              <a:t>: </a:t>
+            </a:r>
+            <a:r>
+              <a:rPr lang="en-US" altLang="zh-CN" sz="1050" dirty="0" err="1">
+                <a:latin typeface="Consolas" panose="020B0609020204030204" pitchFamily="49" charset="0"/>
+              </a:rPr>
+              <a:t>IfNotPresent</a:t>
+            </a:r>
+            <a:r>
+              <a:rPr lang="en-US" altLang="zh-CN" sz="1050" dirty="0">
+                <a:latin typeface="Consolas" panose="020B0609020204030204" pitchFamily="49" charset="0"/>
+              </a:rPr>
+              <a:t> #</a:t>
+            </a:r>
+            <a:r>
+              <a:rPr lang="zh-CN" altLang="en-US" sz="1050" dirty="0">
+                <a:latin typeface="Consolas" panose="020B0609020204030204" pitchFamily="49" charset="0"/>
+              </a:rPr>
+              <a:t>从本地镜像里拉取</a:t>
+            </a:r>
+            <a:endParaRPr lang="en-US" altLang="zh-CN" sz="1050" dirty="0">
+              <a:latin typeface="Consolas" panose="020B0609020204030204" pitchFamily="49" charset="0"/>
+            </a:endParaRPr>
+          </a:p>
+          <a:p>
+            <a:r>
+              <a:rPr lang="en-US" altLang="zh-CN" sz="1050" dirty="0">
+                <a:latin typeface="Consolas" panose="020B0609020204030204" pitchFamily="49" charset="0"/>
+              </a:rPr>
+              <a:t>        ports:</a:t>
+            </a:r>
+          </a:p>
+          <a:p>
+            <a:r>
+              <a:rPr lang="en-US" altLang="zh-CN" sz="1050" dirty="0">
+                <a:latin typeface="Consolas" panose="020B0609020204030204" pitchFamily="49" charset="0"/>
+              </a:rPr>
+              <a:t>        - </a:t>
+            </a:r>
+            <a:r>
+              <a:rPr lang="en-US" altLang="zh-CN" sz="1050" dirty="0" err="1">
+                <a:latin typeface="Consolas" panose="020B0609020204030204" pitchFamily="49" charset="0"/>
+              </a:rPr>
+              <a:t>containerPort</a:t>
+            </a:r>
+            <a:r>
+              <a:rPr lang="en-US" altLang="zh-CN" sz="1050" dirty="0">
+                <a:latin typeface="Consolas" panose="020B0609020204030204" pitchFamily="49" charset="0"/>
+              </a:rPr>
+              <a:t>: 4048</a:t>
+            </a:r>
+          </a:p>
+        </p:txBody>
+      </p:sp>
+      <p:sp>
+        <p:nvSpPr>
+          <p:cNvPr id="9" name="矩形 8">
+            <a:extLst>
+              <a:ext uri="{FF2B5EF4-FFF2-40B4-BE49-F238E27FC236}">
+                <a16:creationId xmlns:a16="http://schemas.microsoft.com/office/drawing/2014/main" id="{BF357B58-A1D6-4FEB-BF01-A5BB9C512297}"/>
+              </a:ext>
+            </a:extLst>
+          </p:cNvPr>
+          <p:cNvSpPr/>
+          <p:nvPr/>
+        </p:nvSpPr>
+        <p:spPr>
+          <a:xfrm>
+            <a:off x="565120" y="1562619"/>
+            <a:ext cx="4988738" cy="369332"/>
+          </a:xfrm>
+          <a:prstGeom prst="rect">
+            <a:avLst/>
+          </a:prstGeom>
+        </p:spPr>
+        <p:txBody>
+          <a:bodyPr wrap="none">
+            <a:spAutoFit/>
+          </a:bodyPr>
+          <a:lstStyle/>
+          <a:p>
+            <a:r>
+              <a:rPr lang="en-US" altLang="zh-CN" dirty="0">
+                <a:solidFill>
+                  <a:srgbClr val="24292E"/>
+                </a:solidFill>
+                <a:latin typeface="SFMono-Regular"/>
+              </a:rPr>
+              <a:t> </a:t>
+            </a:r>
+            <a:r>
+              <a:rPr lang="en-US" altLang="zh-CN" dirty="0" err="1">
+                <a:solidFill>
+                  <a:srgbClr val="24292E"/>
+                </a:solidFill>
+                <a:latin typeface="SFMono-Regular"/>
+              </a:rPr>
+              <a:t>sudo</a:t>
+            </a:r>
+            <a:r>
+              <a:rPr lang="en-US" altLang="zh-CN" dirty="0">
+                <a:solidFill>
+                  <a:srgbClr val="24292E"/>
+                </a:solidFill>
+                <a:latin typeface="SFMono-Regular"/>
+              </a:rPr>
+              <a:t> </a:t>
+            </a:r>
+            <a:r>
+              <a:rPr lang="en-US" altLang="zh-CN" dirty="0" err="1">
+                <a:solidFill>
+                  <a:srgbClr val="24292E"/>
+                </a:solidFill>
+                <a:latin typeface="SFMono-Regular"/>
+              </a:rPr>
+              <a:t>kubectl</a:t>
+            </a:r>
+            <a:r>
+              <a:rPr lang="en-US" altLang="zh-CN" dirty="0">
+                <a:solidFill>
+                  <a:srgbClr val="24292E"/>
+                </a:solidFill>
+                <a:latin typeface="SFMono-Regular"/>
+              </a:rPr>
+              <a:t> apply -f </a:t>
+            </a:r>
+            <a:r>
+              <a:rPr lang="en-US" altLang="zh-CN" dirty="0" err="1">
+                <a:solidFill>
+                  <a:srgbClr val="24292E"/>
+                </a:solidFill>
+                <a:latin typeface="SFMono-Regular"/>
+              </a:rPr>
+              <a:t>aspnetcore-deployment.yaml</a:t>
+            </a:r>
+            <a:endParaRPr lang="zh-CN" altLang="en-US" dirty="0"/>
+          </a:p>
+        </p:txBody>
+      </p:sp>
+      <p:sp>
+        <p:nvSpPr>
+          <p:cNvPr id="10" name="矩形 9">
+            <a:extLst>
+              <a:ext uri="{FF2B5EF4-FFF2-40B4-BE49-F238E27FC236}">
+                <a16:creationId xmlns:a16="http://schemas.microsoft.com/office/drawing/2014/main" id="{7E2E3D1B-3994-489D-AD22-F210C1949EE3}"/>
+              </a:ext>
+            </a:extLst>
+          </p:cNvPr>
+          <p:cNvSpPr/>
+          <p:nvPr/>
+        </p:nvSpPr>
+        <p:spPr>
+          <a:xfrm>
+            <a:off x="565120" y="5358719"/>
+            <a:ext cx="3813865" cy="1477328"/>
+          </a:xfrm>
+          <a:prstGeom prst="rect">
+            <a:avLst/>
+          </a:prstGeom>
+        </p:spPr>
+        <p:txBody>
+          <a:bodyPr wrap="none">
+            <a:spAutoFit/>
+          </a:bodyPr>
+          <a:lstStyle/>
+          <a:p>
+            <a:r>
+              <a:rPr lang="zh-CN" altLang="en-US" dirty="0">
+                <a:solidFill>
+                  <a:srgbClr val="24292E"/>
+                </a:solidFill>
+                <a:latin typeface="SFMono-Regular"/>
+              </a:rPr>
+              <a:t>查看状态</a:t>
+            </a:r>
+            <a:endParaRPr lang="en-US" altLang="zh-CN" dirty="0">
+              <a:solidFill>
+                <a:srgbClr val="24292E"/>
+              </a:solidFill>
+              <a:latin typeface="SFMono-Regular"/>
+            </a:endParaRPr>
+          </a:p>
+          <a:p>
+            <a:r>
+              <a:rPr lang="en-US" altLang="zh-CN" dirty="0">
+                <a:solidFill>
+                  <a:srgbClr val="24292E"/>
+                </a:solidFill>
+                <a:latin typeface="SFMono-Regular"/>
+              </a:rPr>
+              <a:t> </a:t>
+            </a:r>
+            <a:r>
+              <a:rPr lang="en-US" altLang="zh-CN" dirty="0" err="1">
+                <a:solidFill>
+                  <a:srgbClr val="24292E"/>
+                </a:solidFill>
+                <a:latin typeface="SFMono-Regular"/>
+              </a:rPr>
+              <a:t>sudo</a:t>
+            </a:r>
+            <a:r>
+              <a:rPr lang="en-US" altLang="zh-CN" dirty="0">
+                <a:solidFill>
+                  <a:srgbClr val="24292E"/>
+                </a:solidFill>
+                <a:latin typeface="SFMono-Regular"/>
+              </a:rPr>
+              <a:t> </a:t>
+            </a:r>
+            <a:r>
+              <a:rPr lang="en-US" altLang="zh-CN" dirty="0" err="1">
+                <a:solidFill>
+                  <a:srgbClr val="24292E"/>
+                </a:solidFill>
+                <a:latin typeface="SFMono-Regular"/>
+              </a:rPr>
+              <a:t>kubectl</a:t>
+            </a:r>
+            <a:r>
+              <a:rPr lang="en-US" altLang="zh-CN" dirty="0">
+                <a:solidFill>
+                  <a:srgbClr val="24292E"/>
+                </a:solidFill>
+                <a:latin typeface="SFMono-Regular"/>
+              </a:rPr>
+              <a:t> get pods</a:t>
+            </a:r>
+          </a:p>
+          <a:p>
+            <a:endParaRPr lang="en-US" altLang="zh-CN" dirty="0"/>
+          </a:p>
+          <a:p>
+            <a:r>
+              <a:rPr lang="zh-CN" altLang="en-US" dirty="0"/>
+              <a:t>测试应用</a:t>
+            </a:r>
+            <a:r>
+              <a:rPr lang="en-US" altLang="zh-CN" dirty="0" err="1"/>
+              <a:t>api</a:t>
+            </a:r>
+            <a:endParaRPr lang="en-US" altLang="zh-CN" dirty="0"/>
+          </a:p>
+          <a:p>
+            <a:r>
+              <a:rPr lang="en-US" altLang="zh-CN" dirty="0" err="1"/>
+              <a:t>sudo</a:t>
+            </a:r>
+            <a:r>
+              <a:rPr lang="en-US" altLang="zh-CN" dirty="0"/>
+              <a:t> curl 10.32.0.14:4044/</a:t>
+            </a:r>
+            <a:r>
+              <a:rPr lang="en-US" altLang="zh-CN" dirty="0" err="1"/>
+              <a:t>api</a:t>
+            </a:r>
+            <a:r>
+              <a:rPr lang="en-US" altLang="zh-CN" dirty="0"/>
+              <a:t>/values</a:t>
+            </a:r>
+            <a:endParaRPr lang="zh-CN" altLang="en-US" dirty="0"/>
+          </a:p>
+        </p:txBody>
+      </p:sp>
+      <p:sp>
+        <p:nvSpPr>
+          <p:cNvPr id="2" name="矩形 1">
+            <a:extLst>
+              <a:ext uri="{FF2B5EF4-FFF2-40B4-BE49-F238E27FC236}">
+                <a16:creationId xmlns:a16="http://schemas.microsoft.com/office/drawing/2014/main" id="{67EC7EBE-EC74-482D-8D81-3F44EEA79CFE}"/>
+              </a:ext>
+            </a:extLst>
+          </p:cNvPr>
+          <p:cNvSpPr/>
+          <p:nvPr/>
+        </p:nvSpPr>
+        <p:spPr>
+          <a:xfrm>
+            <a:off x="565120" y="764439"/>
+            <a:ext cx="6135013" cy="646331"/>
+          </a:xfrm>
+          <a:prstGeom prst="rect">
+            <a:avLst/>
+          </a:prstGeom>
+        </p:spPr>
+        <p:txBody>
+          <a:bodyPr wrap="none">
+            <a:spAutoFit/>
+          </a:bodyPr>
+          <a:lstStyle/>
+          <a:p>
+            <a:r>
+              <a:rPr lang="zh-CN" altLang="en-US" dirty="0"/>
+              <a:t>构建容器</a:t>
+            </a:r>
+          </a:p>
+          <a:p>
+            <a:r>
+              <a:rPr lang="zh-CN" altLang="en-US" dirty="0"/>
+              <a:t>sudo docker build -t axzxs2001/k8saspnetcoredemo005:v1 .</a:t>
+            </a:r>
+          </a:p>
+        </p:txBody>
+      </p:sp>
     </p:spTree>
     <p:extLst>
       <p:ext uri="{BB962C8B-B14F-4D97-AF65-F5344CB8AC3E}">
-        <p14:creationId xmlns:p14="http://schemas.microsoft.com/office/powerpoint/2010/main" val="2515075996"/>
+        <p14:creationId xmlns:p14="http://schemas.microsoft.com/office/powerpoint/2010/main" val="2698443676"/>
       </p:ext>
     </p:extLst>
   </p:cSld>

--- a/Asp.NetCoreExperiment/kubernetes/kubernetes.pptx
+++ b/Asp.NetCoreExperiment/kubernetes/kubernetes.pptx
@@ -3123,7 +3123,7 @@
           <a:p>
             <a:fld id="{EB3586D1-9A9B-4A13-8983-B7906950C648}" type="datetimeFigureOut">
               <a:rPr lang="zh-CN" altLang="en-US" smtClean="0"/>
-              <a:t>2019/3/8</a:t>
+              <a:t>2019/3/11</a:t>
             </a:fld>
             <a:endParaRPr lang="zh-CN" altLang="en-US"/>
           </a:p>
@@ -4093,7 +4093,7 @@
           <a:p>
             <a:fld id="{2328C41B-48A3-47AC-B18B-81A9BC6A6005}" type="datetimeFigureOut">
               <a:rPr lang="zh-CN" altLang="en-US" smtClean="0"/>
-              <a:t>2019/3/8</a:t>
+              <a:t>2019/3/11</a:t>
             </a:fld>
             <a:endParaRPr lang="zh-CN" altLang="en-US"/>
           </a:p>
@@ -4291,7 +4291,7 @@
           <a:p>
             <a:fld id="{2328C41B-48A3-47AC-B18B-81A9BC6A6005}" type="datetimeFigureOut">
               <a:rPr lang="zh-CN" altLang="en-US" smtClean="0"/>
-              <a:t>2019/3/8</a:t>
+              <a:t>2019/3/11</a:t>
             </a:fld>
             <a:endParaRPr lang="zh-CN" altLang="en-US"/>
           </a:p>
@@ -4499,7 +4499,7 @@
           <a:p>
             <a:fld id="{2328C41B-48A3-47AC-B18B-81A9BC6A6005}" type="datetimeFigureOut">
               <a:rPr lang="zh-CN" altLang="en-US" smtClean="0"/>
-              <a:t>2019/3/8</a:t>
+              <a:t>2019/3/11</a:t>
             </a:fld>
             <a:endParaRPr lang="zh-CN" altLang="en-US"/>
           </a:p>
@@ -4697,7 +4697,7 @@
           <a:p>
             <a:fld id="{2328C41B-48A3-47AC-B18B-81A9BC6A6005}" type="datetimeFigureOut">
               <a:rPr lang="zh-CN" altLang="en-US" smtClean="0"/>
-              <a:t>2019/3/8</a:t>
+              <a:t>2019/3/11</a:t>
             </a:fld>
             <a:endParaRPr lang="zh-CN" altLang="en-US"/>
           </a:p>
@@ -4972,7 +4972,7 @@
           <a:p>
             <a:fld id="{2328C41B-48A3-47AC-B18B-81A9BC6A6005}" type="datetimeFigureOut">
               <a:rPr lang="zh-CN" altLang="en-US" smtClean="0"/>
-              <a:t>2019/3/8</a:t>
+              <a:t>2019/3/11</a:t>
             </a:fld>
             <a:endParaRPr lang="zh-CN" altLang="en-US"/>
           </a:p>
@@ -5237,7 +5237,7 @@
           <a:p>
             <a:fld id="{2328C41B-48A3-47AC-B18B-81A9BC6A6005}" type="datetimeFigureOut">
               <a:rPr lang="zh-CN" altLang="en-US" smtClean="0"/>
-              <a:t>2019/3/8</a:t>
+              <a:t>2019/3/11</a:t>
             </a:fld>
             <a:endParaRPr lang="zh-CN" altLang="en-US"/>
           </a:p>
@@ -5649,7 +5649,7 @@
           <a:p>
             <a:fld id="{2328C41B-48A3-47AC-B18B-81A9BC6A6005}" type="datetimeFigureOut">
               <a:rPr lang="zh-CN" altLang="en-US" smtClean="0"/>
-              <a:t>2019/3/8</a:t>
+              <a:t>2019/3/11</a:t>
             </a:fld>
             <a:endParaRPr lang="zh-CN" altLang="en-US"/>
           </a:p>
@@ -5790,7 +5790,7 @@
           <a:p>
             <a:fld id="{2328C41B-48A3-47AC-B18B-81A9BC6A6005}" type="datetimeFigureOut">
               <a:rPr lang="zh-CN" altLang="en-US" smtClean="0"/>
-              <a:t>2019/3/8</a:t>
+              <a:t>2019/3/11</a:t>
             </a:fld>
             <a:endParaRPr lang="zh-CN" altLang="en-US"/>
           </a:p>
@@ -5903,7 +5903,7 @@
           <a:p>
             <a:fld id="{2328C41B-48A3-47AC-B18B-81A9BC6A6005}" type="datetimeFigureOut">
               <a:rPr lang="zh-CN" altLang="en-US" smtClean="0"/>
-              <a:t>2019/3/8</a:t>
+              <a:t>2019/3/11</a:t>
             </a:fld>
             <a:endParaRPr lang="zh-CN" altLang="en-US"/>
           </a:p>
@@ -6214,7 +6214,7 @@
           <a:p>
             <a:fld id="{2328C41B-48A3-47AC-B18B-81A9BC6A6005}" type="datetimeFigureOut">
               <a:rPr lang="zh-CN" altLang="en-US" smtClean="0"/>
-              <a:t>2019/3/8</a:t>
+              <a:t>2019/3/11</a:t>
             </a:fld>
             <a:endParaRPr lang="zh-CN" altLang="en-US"/>
           </a:p>
@@ -6502,7 +6502,7 @@
           <a:p>
             <a:fld id="{2328C41B-48A3-47AC-B18B-81A9BC6A6005}" type="datetimeFigureOut">
               <a:rPr lang="zh-CN" altLang="en-US" smtClean="0"/>
-              <a:t>2019/3/8</a:t>
+              <a:t>2019/3/11</a:t>
             </a:fld>
             <a:endParaRPr lang="zh-CN" altLang="en-US"/>
           </a:p>
@@ -6743,7 +6743,7 @@
           <a:p>
             <a:fld id="{2328C41B-48A3-47AC-B18B-81A9BC6A6005}" type="datetimeFigureOut">
               <a:rPr lang="zh-CN" altLang="en-US" smtClean="0"/>
-              <a:t>2019/3/8</a:t>
+              <a:t>2019/3/11</a:t>
             </a:fld>
             <a:endParaRPr lang="zh-CN" altLang="en-US"/>
           </a:p>

--- a/Asp.NetCoreExperiment/kubernetes/kubernetes.pptx
+++ b/Asp.NetCoreExperiment/kubernetes/kubernetes.pptx
@@ -3123,7 +3123,7 @@
           <a:p>
             <a:fld id="{EB3586D1-9A9B-4A13-8983-B7906950C648}" type="datetimeFigureOut">
               <a:rPr lang="zh-CN" altLang="en-US" smtClean="0"/>
-              <a:t>2019/3/11</a:t>
+              <a:t>2019/3/12</a:t>
             </a:fld>
             <a:endParaRPr lang="zh-CN" altLang="en-US"/>
           </a:p>
@@ -4093,7 +4093,7 @@
           <a:p>
             <a:fld id="{2328C41B-48A3-47AC-B18B-81A9BC6A6005}" type="datetimeFigureOut">
               <a:rPr lang="zh-CN" altLang="en-US" smtClean="0"/>
-              <a:t>2019/3/11</a:t>
+              <a:t>2019/3/12</a:t>
             </a:fld>
             <a:endParaRPr lang="zh-CN" altLang="en-US"/>
           </a:p>
@@ -4291,7 +4291,7 @@
           <a:p>
             <a:fld id="{2328C41B-48A3-47AC-B18B-81A9BC6A6005}" type="datetimeFigureOut">
               <a:rPr lang="zh-CN" altLang="en-US" smtClean="0"/>
-              <a:t>2019/3/11</a:t>
+              <a:t>2019/3/12</a:t>
             </a:fld>
             <a:endParaRPr lang="zh-CN" altLang="en-US"/>
           </a:p>
@@ -4499,7 +4499,7 @@
           <a:p>
             <a:fld id="{2328C41B-48A3-47AC-B18B-81A9BC6A6005}" type="datetimeFigureOut">
               <a:rPr lang="zh-CN" altLang="en-US" smtClean="0"/>
-              <a:t>2019/3/11</a:t>
+              <a:t>2019/3/12</a:t>
             </a:fld>
             <a:endParaRPr lang="zh-CN" altLang="en-US"/>
           </a:p>
@@ -4697,7 +4697,7 @@
           <a:p>
             <a:fld id="{2328C41B-48A3-47AC-B18B-81A9BC6A6005}" type="datetimeFigureOut">
               <a:rPr lang="zh-CN" altLang="en-US" smtClean="0"/>
-              <a:t>2019/3/11</a:t>
+              <a:t>2019/3/12</a:t>
             </a:fld>
             <a:endParaRPr lang="zh-CN" altLang="en-US"/>
           </a:p>
@@ -4972,7 +4972,7 @@
           <a:p>
             <a:fld id="{2328C41B-48A3-47AC-B18B-81A9BC6A6005}" type="datetimeFigureOut">
               <a:rPr lang="zh-CN" altLang="en-US" smtClean="0"/>
-              <a:t>2019/3/11</a:t>
+              <a:t>2019/3/12</a:t>
             </a:fld>
             <a:endParaRPr lang="zh-CN" altLang="en-US"/>
           </a:p>
@@ -5237,7 +5237,7 @@
           <a:p>
             <a:fld id="{2328C41B-48A3-47AC-B18B-81A9BC6A6005}" type="datetimeFigureOut">
               <a:rPr lang="zh-CN" altLang="en-US" smtClean="0"/>
-              <a:t>2019/3/11</a:t>
+              <a:t>2019/3/12</a:t>
             </a:fld>
             <a:endParaRPr lang="zh-CN" altLang="en-US"/>
           </a:p>
@@ -5649,7 +5649,7 @@
           <a:p>
             <a:fld id="{2328C41B-48A3-47AC-B18B-81A9BC6A6005}" type="datetimeFigureOut">
               <a:rPr lang="zh-CN" altLang="en-US" smtClean="0"/>
-              <a:t>2019/3/11</a:t>
+              <a:t>2019/3/12</a:t>
             </a:fld>
             <a:endParaRPr lang="zh-CN" altLang="en-US"/>
           </a:p>
@@ -5790,7 +5790,7 @@
           <a:p>
             <a:fld id="{2328C41B-48A3-47AC-B18B-81A9BC6A6005}" type="datetimeFigureOut">
               <a:rPr lang="zh-CN" altLang="en-US" smtClean="0"/>
-              <a:t>2019/3/11</a:t>
+              <a:t>2019/3/12</a:t>
             </a:fld>
             <a:endParaRPr lang="zh-CN" altLang="en-US"/>
           </a:p>
@@ -5903,7 +5903,7 @@
           <a:p>
             <a:fld id="{2328C41B-48A3-47AC-B18B-81A9BC6A6005}" type="datetimeFigureOut">
               <a:rPr lang="zh-CN" altLang="en-US" smtClean="0"/>
-              <a:t>2019/3/11</a:t>
+              <a:t>2019/3/12</a:t>
             </a:fld>
             <a:endParaRPr lang="zh-CN" altLang="en-US"/>
           </a:p>
@@ -6214,7 +6214,7 @@
           <a:p>
             <a:fld id="{2328C41B-48A3-47AC-B18B-81A9BC6A6005}" type="datetimeFigureOut">
               <a:rPr lang="zh-CN" altLang="en-US" smtClean="0"/>
-              <a:t>2019/3/11</a:t>
+              <a:t>2019/3/12</a:t>
             </a:fld>
             <a:endParaRPr lang="zh-CN" altLang="en-US"/>
           </a:p>
@@ -6502,7 +6502,7 @@
           <a:p>
             <a:fld id="{2328C41B-48A3-47AC-B18B-81A9BC6A6005}" type="datetimeFigureOut">
               <a:rPr lang="zh-CN" altLang="en-US" smtClean="0"/>
-              <a:t>2019/3/11</a:t>
+              <a:t>2019/3/12</a:t>
             </a:fld>
             <a:endParaRPr lang="zh-CN" altLang="en-US"/>
           </a:p>
@@ -6743,7 +6743,7 @@
           <a:p>
             <a:fld id="{2328C41B-48A3-47AC-B18B-81A9BC6A6005}" type="datetimeFigureOut">
               <a:rPr lang="zh-CN" altLang="en-US" smtClean="0"/>
-              <a:t>2019/3/11</a:t>
+              <a:t>2019/3/12</a:t>
             </a:fld>
             <a:endParaRPr lang="zh-CN" altLang="en-US"/>
           </a:p>
@@ -15414,6 +15414,232 @@
           <a:bodyPr/>
           <a:lstStyle/>
           <a:p>
+            <a:pPr marL="0" indent="0">
+              <a:buNone/>
+            </a:pPr>
+            <a:r>
+              <a:rPr lang="en-US" altLang="zh-CN" dirty="0"/>
+              <a:t>Horizontal Pod Autoscaling</a:t>
+            </a:r>
+            <a:r>
+              <a:rPr lang="zh-CN" altLang="en-US" dirty="0"/>
+              <a:t>可以根据</a:t>
+            </a:r>
+            <a:r>
+              <a:rPr lang="en-US" altLang="zh-CN" dirty="0"/>
+              <a:t>CPU</a:t>
+            </a:r>
+            <a:r>
+              <a:rPr lang="zh-CN" altLang="en-US" dirty="0"/>
+              <a:t>使用率或应用自定义</a:t>
+            </a:r>
+            <a:r>
+              <a:rPr lang="en-US" altLang="zh-CN" dirty="0"/>
+              <a:t>metrics</a:t>
+            </a:r>
+            <a:r>
+              <a:rPr lang="zh-CN" altLang="en-US" dirty="0"/>
+              <a:t>自动扩展</a:t>
+            </a:r>
+            <a:r>
+              <a:rPr lang="en-US" altLang="zh-CN" dirty="0"/>
+              <a:t>Pod</a:t>
+            </a:r>
+            <a:r>
+              <a:rPr lang="zh-CN" altLang="en-US" dirty="0"/>
+              <a:t>数量（支持</a:t>
+            </a:r>
+            <a:r>
+              <a:rPr lang="en-US" altLang="zh-CN" dirty="0"/>
+              <a:t>replication controller</a:t>
+            </a:r>
+            <a:r>
+              <a:rPr lang="zh-CN" altLang="en-US" dirty="0"/>
+              <a:t>、</a:t>
+            </a:r>
+            <a:r>
+              <a:rPr lang="en-US" altLang="zh-CN" dirty="0"/>
+              <a:t>deployment</a:t>
+            </a:r>
+            <a:r>
+              <a:rPr lang="zh-CN" altLang="en-US" dirty="0"/>
+              <a:t>和</a:t>
+            </a:r>
+            <a:r>
+              <a:rPr lang="en-US" altLang="zh-CN" dirty="0"/>
+              <a:t>replica set</a:t>
+            </a:r>
+            <a:r>
+              <a:rPr lang="zh-CN" altLang="en-US" dirty="0"/>
+              <a:t>）。</a:t>
+            </a:r>
+          </a:p>
+          <a:p>
+            <a:pPr marL="0" indent="0">
+              <a:buNone/>
+            </a:pPr>
+            <a:r>
+              <a:rPr lang="zh-CN" altLang="en-US" dirty="0"/>
+              <a:t>控制管理器每隔</a:t>
+            </a:r>
+            <a:r>
+              <a:rPr lang="en-US" altLang="zh-CN" dirty="0" err="1"/>
+              <a:t>30s</a:t>
+            </a:r>
+            <a:r>
+              <a:rPr lang="zh-CN" altLang="en-US" dirty="0"/>
+              <a:t>（可以通过</a:t>
+            </a:r>
+            <a:r>
+              <a:rPr lang="en-US" altLang="zh-CN" dirty="0"/>
+              <a:t>–horizontal-pod-</a:t>
+            </a:r>
+            <a:r>
+              <a:rPr lang="en-US" altLang="zh-CN" dirty="0" err="1"/>
+              <a:t>autoscaler</a:t>
+            </a:r>
+            <a:r>
+              <a:rPr lang="en-US" altLang="zh-CN" dirty="0"/>
+              <a:t>-sync-period</a:t>
+            </a:r>
+            <a:r>
+              <a:rPr lang="zh-CN" altLang="en-US" dirty="0"/>
+              <a:t>修改）查询</a:t>
+            </a:r>
+            <a:r>
+              <a:rPr lang="en-US" altLang="zh-CN" dirty="0"/>
+              <a:t>metrics</a:t>
+            </a:r>
+            <a:r>
+              <a:rPr lang="zh-CN" altLang="en-US" dirty="0"/>
+              <a:t>的资源使用情况</a:t>
+            </a:r>
+          </a:p>
+          <a:p>
+            <a:pPr marL="0" indent="0">
+              <a:buNone/>
+            </a:pPr>
+            <a:r>
+              <a:rPr lang="zh-CN" altLang="en-US" dirty="0"/>
+              <a:t>支持三种</a:t>
+            </a:r>
+            <a:r>
+              <a:rPr lang="en-US" altLang="zh-CN" dirty="0"/>
+              <a:t>metrics</a:t>
+            </a:r>
+            <a:r>
+              <a:rPr lang="zh-CN" altLang="en-US" dirty="0"/>
+              <a:t>类型</a:t>
+            </a:r>
+          </a:p>
+          <a:p>
+            <a:pPr lvl="1"/>
+            <a:r>
+              <a:rPr lang="zh-CN" altLang="en-US" dirty="0"/>
+              <a:t>预定义</a:t>
+            </a:r>
+            <a:r>
+              <a:rPr lang="en-US" altLang="zh-CN" dirty="0"/>
+              <a:t>metrics</a:t>
+            </a:r>
+            <a:r>
+              <a:rPr lang="zh-CN" altLang="en-US" dirty="0"/>
+              <a:t>（比如</a:t>
+            </a:r>
+            <a:r>
+              <a:rPr lang="en-US" altLang="zh-CN" dirty="0"/>
+              <a:t>Pod</a:t>
+            </a:r>
+            <a:r>
+              <a:rPr lang="zh-CN" altLang="en-US" dirty="0"/>
+              <a:t>的</a:t>
+            </a:r>
+            <a:r>
+              <a:rPr lang="en-US" altLang="zh-CN" dirty="0"/>
+              <a:t>CPU</a:t>
+            </a:r>
+            <a:r>
+              <a:rPr lang="zh-CN" altLang="en-US" dirty="0"/>
+              <a:t>）以利用率的方式计算</a:t>
+            </a:r>
+          </a:p>
+          <a:p>
+            <a:pPr lvl="1"/>
+            <a:r>
+              <a:rPr lang="zh-CN" altLang="en-US" dirty="0"/>
+              <a:t>自定义的</a:t>
+            </a:r>
+            <a:r>
+              <a:rPr lang="en-US" altLang="zh-CN" dirty="0"/>
+              <a:t>Pod metrics</a:t>
+            </a:r>
+            <a:r>
+              <a:rPr lang="zh-CN" altLang="en-US" dirty="0"/>
+              <a:t>，以原始值（</a:t>
+            </a:r>
+            <a:r>
+              <a:rPr lang="en-US" altLang="zh-CN" dirty="0"/>
+              <a:t>raw value</a:t>
+            </a:r>
+            <a:r>
+              <a:rPr lang="zh-CN" altLang="en-US" dirty="0"/>
+              <a:t>）的方式计算</a:t>
+            </a:r>
+          </a:p>
+          <a:p>
+            <a:pPr lvl="1"/>
+            <a:r>
+              <a:rPr lang="zh-CN" altLang="en-US" dirty="0"/>
+              <a:t>自定义的</a:t>
+            </a:r>
+            <a:r>
+              <a:rPr lang="en-US" altLang="zh-CN" dirty="0"/>
+              <a:t>object metrics</a:t>
+            </a:r>
+          </a:p>
+          <a:p>
+            <a:pPr marL="0" indent="0">
+              <a:buNone/>
+            </a:pPr>
+            <a:r>
+              <a:rPr lang="zh-CN" altLang="en-US" dirty="0"/>
+              <a:t>支持两种</a:t>
+            </a:r>
+            <a:r>
+              <a:rPr lang="en-US" altLang="zh-CN" dirty="0"/>
+              <a:t>metrics</a:t>
+            </a:r>
+            <a:r>
+              <a:rPr lang="zh-CN" altLang="en-US" dirty="0"/>
+              <a:t>查询方式：</a:t>
+            </a:r>
+            <a:r>
+              <a:rPr lang="en-US" altLang="zh-CN" dirty="0" err="1"/>
+              <a:t>Heapster</a:t>
+            </a:r>
+            <a:r>
+              <a:rPr lang="zh-CN" altLang="en-US" dirty="0"/>
+              <a:t>和自定义的</a:t>
+            </a:r>
+            <a:r>
+              <a:rPr lang="en-US" altLang="zh-CN" dirty="0"/>
+              <a:t>REST API</a:t>
+            </a:r>
+          </a:p>
+          <a:p>
+            <a:pPr marL="0" indent="0">
+              <a:buNone/>
+            </a:pPr>
+            <a:r>
+              <a:rPr lang="zh-CN" altLang="en-US" dirty="0"/>
+              <a:t>支持多</a:t>
+            </a:r>
+            <a:r>
+              <a:rPr lang="en-US" altLang="zh-CN" dirty="0"/>
+              <a:t>metrics</a:t>
+            </a:r>
+          </a:p>
+          <a:p>
             <a:endParaRPr lang="zh-CN" altLang="en-US" dirty="0"/>
           </a:p>
         </p:txBody>

--- a/Asp.NetCoreExperiment/kubernetes/kubernetes.pptx
+++ b/Asp.NetCoreExperiment/kubernetes/kubernetes.pptx
@@ -14053,10 +14053,64 @@
             <a:r>
               <a:rPr lang="en-US" altLang="zh-CN" dirty="0">
                 <a:solidFill>
+                  <a:srgbClr val="FF0000"/>
+                </a:solidFill>
+                <a:latin typeface="PingFang SC"/>
+              </a:rPr>
+              <a:t>CRI</a:t>
+            </a:r>
+            <a:r>
+              <a:rPr lang="zh-CN" altLang="en-US" dirty="0">
+                <a:solidFill>
                   <a:srgbClr val="333333"/>
                 </a:solidFill>
                 <a:latin typeface="PingFang SC"/>
               </a:rPr>
+              <a:t>（</a:t>
+            </a:r>
+            <a:r>
+              <a:rPr lang="en-US" altLang="zh-CN" dirty="0">
+                <a:solidFill>
+                  <a:srgbClr val="333333"/>
+                </a:solidFill>
+                <a:latin typeface="PingFang SC"/>
+              </a:rPr>
+              <a:t>Container Runtime Interface</a:t>
+            </a:r>
+            <a:r>
+              <a:rPr lang="zh-CN" altLang="en-US" dirty="0">
+                <a:solidFill>
+                  <a:srgbClr val="333333"/>
+                </a:solidFill>
+                <a:latin typeface="PingFang SC"/>
+              </a:rPr>
+              <a:t>）同容器运行时打交道，</a:t>
+            </a:r>
+            <a:r>
+              <a:rPr lang="en-US" altLang="zh-CN" dirty="0" err="1">
+                <a:solidFill>
+                  <a:srgbClr val="FF0000"/>
+                </a:solidFill>
+                <a:latin typeface="PingFang SC"/>
+              </a:rPr>
+              <a:t>OCI</a:t>
+            </a:r>
+            <a:r>
+              <a:rPr lang="zh-CN" altLang="en-US" dirty="0">
+                <a:solidFill>
+                  <a:srgbClr val="333333"/>
+                </a:solidFill>
+                <a:latin typeface="PingFang SC"/>
+              </a:rPr>
+              <a:t>把</a:t>
+            </a:r>
+            <a:r>
+              <a:rPr lang="en-US" altLang="zh-CN" dirty="0">
+                <a:solidFill>
+                  <a:srgbClr val="333333"/>
+                </a:solidFill>
+                <a:latin typeface="PingFang SC"/>
+              </a:rPr>
               <a:t>CRI</a:t>
             </a:r>
             <a:r>
@@ -14066,6 +14120,42 @@
                 </a:solidFill>
                 <a:latin typeface="PingFang SC"/>
               </a:rPr>
+              <a:t>请求转换成对</a:t>
+            </a:r>
+            <a:r>
+              <a:rPr lang="en-US" altLang="zh-CN" dirty="0">
+                <a:solidFill>
+                  <a:srgbClr val="333333"/>
+                </a:solidFill>
+                <a:latin typeface="PingFang SC"/>
+              </a:rPr>
+              <a:t>Linux</a:t>
+            </a:r>
+            <a:r>
+              <a:rPr lang="zh-CN" altLang="en-US" dirty="0">
+                <a:solidFill>
+                  <a:srgbClr val="333333"/>
+                </a:solidFill>
+                <a:latin typeface="PingFang SC"/>
+              </a:rPr>
+              <a:t>操作系统的调用，</a:t>
+            </a:r>
+            <a:r>
+              <a:rPr lang="en-US" altLang="zh-CN" dirty="0" err="1">
+                <a:solidFill>
+                  <a:srgbClr val="FF0000"/>
+                </a:solidFill>
+                <a:latin typeface="PingFang SC"/>
+              </a:rPr>
+              <a:t>CNI</a:t>
+            </a:r>
+            <a:r>
+              <a:rPr lang="zh-CN" altLang="en-US" dirty="0">
+                <a:solidFill>
+                  <a:srgbClr val="333333"/>
+                </a:solidFill>
+                <a:latin typeface="PingFang SC"/>
+              </a:rPr>
               <a:t>（</a:t>
             </a:r>
             <a:r>
@@ -14075,7 +14165,7 @@
                 </a:solidFill>
                 <a:latin typeface="PingFang SC"/>
               </a:rPr>
-              <a:t>Container Runtime Interface</a:t>
+              <a:t>Container Networking Interface)</a:t>
             </a:r>
             <a:r>
               <a:rPr lang="zh-CN" altLang="en-US" dirty="0">
@@ -14084,7 +14174,34 @@
                 </a:solidFill>
                 <a:latin typeface="PingFang SC"/>
               </a:rPr>
-              <a:t>）同容器运行时打交道，</a:t>
+              <a:t>配置网络，</a:t>
+            </a:r>
+            <a:r>
+              <a:rPr lang="en-US" altLang="zh-CN" dirty="0">
+                <a:solidFill>
+                  <a:srgbClr val="FF0000"/>
+                </a:solidFill>
+                <a:latin typeface="PingFang SC"/>
+              </a:rPr>
+              <a:t>CSI</a:t>
+            </a:r>
+            <a:r>
+              <a:rPr lang="zh-CN" altLang="en-US" dirty="0">
+                <a:solidFill>
+                  <a:srgbClr val="333333"/>
+                </a:solidFill>
+                <a:latin typeface="PingFang SC"/>
+              </a:rPr>
+              <a:t>（</a:t>
+            </a:r>
+            <a:r>
+              <a:rPr lang="en-US" altLang="zh-CN" dirty="0">
+                <a:solidFill>
+                  <a:srgbClr val="333333"/>
+                </a:solidFill>
+                <a:latin typeface="PingFang SC"/>
+              </a:rPr>
+              <a:t>Container Storage </a:t>
             </a:r>
             <a:r>
               <a:rPr lang="en-US" altLang="zh-CN" dirty="0" err="1">
@@ -14093,7 +14210,16 @@
                 </a:solidFill>
                 <a:latin typeface="PingFang SC"/>
               </a:rPr>
-              <a:t>OCI</a:t>
+              <a:t>Inferface</a:t>
+            </a:r>
+            <a:r>
+              <a:rPr lang="en-US" altLang="zh-CN" dirty="0">
+                <a:solidFill>
+                  <a:srgbClr val="333333"/>
+                </a:solidFill>
+                <a:latin typeface="PingFang SC"/>
+              </a:rPr>
+              <a:t>)</a:t>
             </a:r>
             <a:r>
               <a:rPr lang="zh-CN" altLang="en-US" dirty="0">
@@ -14102,138 +14228,12 @@
                 </a:solidFill>
                 <a:latin typeface="PingFang SC"/>
               </a:rPr>
-              <a:t>把</a:t>
-            </a:r>
-            <a:r>
-              <a:rPr lang="en-US" altLang="zh-CN" dirty="0">
-                <a:solidFill>
-                  <a:srgbClr val="333333"/>
-                </a:solidFill>
-                <a:latin typeface="PingFang SC"/>
-              </a:rPr>
-              <a:t>CRI</a:t>
-            </a:r>
-            <a:r>
-              <a:rPr lang="zh-CN" altLang="en-US" dirty="0">
-                <a:solidFill>
-                  <a:srgbClr val="333333"/>
-                </a:solidFill>
-                <a:latin typeface="PingFang SC"/>
-              </a:rPr>
-              <a:t>请求转换成对</a:t>
-            </a:r>
-            <a:r>
-              <a:rPr lang="en-US" altLang="zh-CN" dirty="0">
-                <a:solidFill>
-                  <a:srgbClr val="333333"/>
-                </a:solidFill>
-                <a:latin typeface="PingFang SC"/>
-              </a:rPr>
-              <a:t>Linux</a:t>
-            </a:r>
-            <a:r>
-              <a:rPr lang="zh-CN" altLang="en-US" dirty="0">
-                <a:solidFill>
-                  <a:srgbClr val="333333"/>
-                </a:solidFill>
-                <a:latin typeface="PingFang SC"/>
-              </a:rPr>
-              <a:t>操作系统的调用，</a:t>
+              <a:t>持久化存储，</a:t>
             </a:r>
             <a:r>
               <a:rPr lang="en-US" altLang="zh-CN" dirty="0" err="1">
                 <a:solidFill>
-                  <a:srgbClr val="333333"/>
-                </a:solidFill>
-                <a:latin typeface="PingFang SC"/>
-              </a:rPr>
-              <a:t>CNI</a:t>
-            </a:r>
-            <a:r>
-              <a:rPr lang="zh-CN" altLang="en-US" dirty="0">
-                <a:solidFill>
-                  <a:srgbClr val="333333"/>
-                </a:solidFill>
-                <a:latin typeface="PingFang SC"/>
-              </a:rPr>
-              <a:t>（</a:t>
-            </a:r>
-            <a:r>
-              <a:rPr lang="en-US" altLang="zh-CN" dirty="0">
-                <a:solidFill>
-                  <a:srgbClr val="333333"/>
-                </a:solidFill>
-                <a:latin typeface="PingFang SC"/>
-              </a:rPr>
-              <a:t>Container Networking Interface)</a:t>
-            </a:r>
-            <a:r>
-              <a:rPr lang="zh-CN" altLang="en-US" dirty="0">
-                <a:solidFill>
-                  <a:srgbClr val="333333"/>
-                </a:solidFill>
-                <a:latin typeface="PingFang SC"/>
-              </a:rPr>
-              <a:t>配置网络，</a:t>
-            </a:r>
-            <a:r>
-              <a:rPr lang="en-US" altLang="zh-CN" dirty="0">
-                <a:solidFill>
-                  <a:srgbClr val="333333"/>
-                </a:solidFill>
-                <a:latin typeface="PingFang SC"/>
-              </a:rPr>
-              <a:t>CSI</a:t>
-            </a:r>
-            <a:r>
-              <a:rPr lang="zh-CN" altLang="en-US" dirty="0">
-                <a:solidFill>
-                  <a:srgbClr val="333333"/>
-                </a:solidFill>
-                <a:latin typeface="PingFang SC"/>
-              </a:rPr>
-              <a:t>（</a:t>
-            </a:r>
-            <a:r>
-              <a:rPr lang="en-US" altLang="zh-CN" dirty="0">
-                <a:solidFill>
-                  <a:srgbClr val="333333"/>
-                </a:solidFill>
-                <a:latin typeface="PingFang SC"/>
-              </a:rPr>
-              <a:t>Container Storage </a:t>
-            </a:r>
-            <a:r>
-              <a:rPr lang="en-US" altLang="zh-CN" dirty="0" err="1">
-                <a:solidFill>
-                  <a:srgbClr val="333333"/>
-                </a:solidFill>
-                <a:latin typeface="PingFang SC"/>
-              </a:rPr>
-              <a:t>Inferface</a:t>
-            </a:r>
-            <a:r>
-              <a:rPr lang="en-US" altLang="zh-CN" dirty="0">
-                <a:solidFill>
-                  <a:srgbClr val="333333"/>
-                </a:solidFill>
-                <a:latin typeface="PingFang SC"/>
-              </a:rPr>
-              <a:t>)</a:t>
-            </a:r>
-            <a:r>
-              <a:rPr lang="zh-CN" altLang="en-US" dirty="0">
-                <a:solidFill>
-                  <a:srgbClr val="333333"/>
-                </a:solidFill>
-                <a:latin typeface="PingFang SC"/>
-              </a:rPr>
-              <a:t>持久化存储，</a:t>
-            </a:r>
-            <a:r>
-              <a:rPr lang="en-US" altLang="zh-CN" dirty="0" err="1">
-                <a:solidFill>
-                  <a:srgbClr val="333333"/>
+                  <a:srgbClr val="FF0000"/>
                 </a:solidFill>
                 <a:latin typeface="PingFang SC"/>
               </a:rPr>
@@ -14390,14 +14390,54 @@
         </p:blipFill>
         <p:spPr>
           <a:xfrm>
-            <a:off x="1504115" y="1152710"/>
-            <a:ext cx="9408648" cy="4787027"/>
+            <a:off x="1812026" y="1875248"/>
+            <a:ext cx="8880856" cy="4518492"/>
           </a:xfrm>
           <a:prstGeom prst="rect">
             <a:avLst/>
           </a:prstGeom>
         </p:spPr>
       </p:pic>
+      <p:sp>
+        <p:nvSpPr>
+          <p:cNvPr id="2" name="标题 1">
+            <a:extLst>
+              <a:ext uri="{FF2B5EF4-FFF2-40B4-BE49-F238E27FC236}">
+                <a16:creationId xmlns:a16="http://schemas.microsoft.com/office/drawing/2014/main" id="{C402E8E3-F039-414B-9D79-7545853A1486}"/>
+              </a:ext>
+            </a:extLst>
+          </p:cNvPr>
+          <p:cNvSpPr>
+            <a:spLocks noGrp="1"/>
+          </p:cNvSpPr>
+          <p:nvPr>
+            <p:ph type="title"/>
+          </p:nvPr>
+        </p:nvSpPr>
+        <p:spPr/>
+        <p:txBody>
+          <a:bodyPr/>
+          <a:lstStyle/>
+          <a:p>
+            <a:r>
+              <a:rPr lang="en-US" altLang="zh-CN" dirty="0"/>
+              <a:t>Kubernetes</a:t>
+            </a:r>
+            <a:r>
+              <a:rPr lang="zh-CN" altLang="en-US" dirty="0"/>
+              <a:t>中的</a:t>
+            </a:r>
+            <a:r>
+              <a:rPr lang="en-US" altLang="zh-CN" dirty="0" err="1"/>
+              <a:t>api</a:t>
+            </a:r>
+            <a:r>
+              <a:rPr lang="zh-CN" altLang="en-US" dirty="0"/>
+              <a:t>对象</a:t>
+            </a:r>
+          </a:p>
+        </p:txBody>
+      </p:sp>
     </p:spTree>
     <p:extLst>
       <p:ext uri="{BB962C8B-B14F-4D97-AF65-F5344CB8AC3E}">
@@ -14444,12 +14484,7 @@
             <p:ph type="title"/>
           </p:nvPr>
         </p:nvSpPr>
-        <p:spPr>
-          <a:xfrm>
-            <a:off x="838200" y="365126"/>
-            <a:ext cx="10515600" cy="644968"/>
-          </a:xfrm>
-        </p:spPr>
+        <p:spPr/>
         <p:txBody>
           <a:bodyPr>
             <a:normAutofit/>
@@ -14457,10 +14492,10 @@
           <a:lstStyle/>
           <a:p>
             <a:r>
-              <a:rPr lang="en-US" altLang="zh-CN" sz="3000" dirty="0"/>
+              <a:rPr lang="en-US" altLang="zh-CN" dirty="0"/>
               <a:t>Pod</a:t>
             </a:r>
-            <a:endParaRPr lang="zh-CN" altLang="en-US" sz="3000" dirty="0"/>
+            <a:endParaRPr lang="zh-CN" altLang="en-US" dirty="0"/>
           </a:p>
         </p:txBody>
       </p:sp>
@@ -14482,13 +14517,13 @@
         </p:nvSpPr>
         <p:spPr>
           <a:xfrm>
-            <a:off x="838200" y="1010094"/>
-            <a:ext cx="10515600" cy="5166869"/>
+            <a:off x="838200" y="1810139"/>
+            <a:ext cx="10515600" cy="4842587"/>
           </a:xfrm>
         </p:spPr>
         <p:txBody>
           <a:bodyPr>
-            <a:normAutofit fontScale="92500" lnSpcReduction="20000"/>
+            <a:noAutofit/>
           </a:bodyPr>
           <a:lstStyle/>
           <a:p>
@@ -14496,35 +14531,51 @@
               <a:buNone/>
             </a:pPr>
             <a:r>
-              <a:rPr lang="en-US" altLang="zh-CN" dirty="0"/>
+              <a:rPr lang="en-US" altLang="zh-CN" sz="2200" dirty="0">
+                <a:latin typeface="+mn-ea"/>
+              </a:rPr>
               <a:t>Pod</a:t>
             </a:r>
             <a:r>
-              <a:rPr lang="zh-CN" altLang="en-US" dirty="0"/>
+              <a:rPr lang="zh-CN" altLang="en-US" sz="2200" dirty="0">
+                <a:latin typeface="+mn-ea"/>
+              </a:rPr>
               <a:t>是</a:t>
             </a:r>
             <a:r>
-              <a:rPr lang="en-US" altLang="zh-CN" dirty="0"/>
+              <a:rPr lang="en-US" altLang="zh-CN" sz="2200" dirty="0">
+                <a:latin typeface="+mn-ea"/>
+              </a:rPr>
               <a:t>Kubernetes</a:t>
             </a:r>
             <a:r>
-              <a:rPr lang="zh-CN" altLang="en-US" dirty="0"/>
+              <a:rPr lang="zh-CN" altLang="en-US" sz="2200" dirty="0">
+                <a:latin typeface="+mn-ea"/>
+              </a:rPr>
               <a:t>创建或部署的最小</a:t>
             </a:r>
             <a:r>
-              <a:rPr lang="en-US" altLang="zh-CN" dirty="0"/>
+              <a:rPr lang="en-US" altLang="zh-CN" sz="2200" dirty="0">
+                <a:latin typeface="+mn-ea"/>
+              </a:rPr>
               <a:t>/</a:t>
             </a:r>
             <a:r>
-              <a:rPr lang="zh-CN" altLang="en-US" dirty="0"/>
+              <a:rPr lang="zh-CN" altLang="en-US" sz="2200" dirty="0">
+                <a:latin typeface="+mn-ea"/>
+              </a:rPr>
               <a:t>最简单的基本单位，一个</a:t>
             </a:r>
             <a:r>
-              <a:rPr lang="en-US" altLang="zh-CN" dirty="0"/>
+              <a:rPr lang="en-US" altLang="zh-CN" sz="2200" dirty="0">
+                <a:latin typeface="+mn-ea"/>
+              </a:rPr>
               <a:t>Pod</a:t>
             </a:r>
             <a:r>
-              <a:rPr lang="zh-CN" altLang="en-US" dirty="0"/>
+              <a:rPr lang="zh-CN" altLang="en-US" sz="2200" dirty="0">
+                <a:latin typeface="+mn-ea"/>
+              </a:rPr>
               <a:t>代表集群上正在运行的一个进程。</a:t>
             </a:r>
           </a:p>
@@ -14533,39 +14584,57 @@
               <a:buNone/>
             </a:pPr>
             <a:r>
-              <a:rPr lang="zh-CN" altLang="en-US" dirty="0"/>
+              <a:rPr lang="zh-CN" altLang="en-US" sz="2200" dirty="0">
+                <a:latin typeface="+mn-ea"/>
+              </a:rPr>
               <a:t>一个</a:t>
             </a:r>
             <a:r>
-              <a:rPr lang="en-US" altLang="zh-CN" dirty="0"/>
+              <a:rPr lang="en-US" altLang="zh-CN" sz="2200" dirty="0">
+                <a:latin typeface="+mn-ea"/>
+              </a:rPr>
               <a:t>Pod</a:t>
             </a:r>
             <a:r>
-              <a:rPr lang="zh-CN" altLang="en-US" dirty="0"/>
+              <a:rPr lang="zh-CN" altLang="en-US" sz="2200" dirty="0">
+                <a:latin typeface="+mn-ea"/>
+              </a:rPr>
               <a:t>封装一个应用容器（也可以有多个容器），存储资源、一个独立的网络</a:t>
             </a:r>
             <a:r>
-              <a:rPr lang="en-US" altLang="zh-CN" dirty="0"/>
+              <a:rPr lang="en-US" altLang="zh-CN" sz="2200" dirty="0">
+                <a:latin typeface="+mn-ea"/>
+              </a:rPr>
               <a:t>IP</a:t>
             </a:r>
             <a:r>
-              <a:rPr lang="zh-CN" altLang="en-US" dirty="0"/>
+              <a:rPr lang="zh-CN" altLang="en-US" sz="2200" dirty="0">
+                <a:latin typeface="+mn-ea"/>
+              </a:rPr>
               <a:t>以及管理控制容器运行方式的策略选项。</a:t>
             </a:r>
             <a:r>
-              <a:rPr lang="en-US" altLang="zh-CN" dirty="0"/>
+              <a:rPr lang="en-US" altLang="zh-CN" sz="2200" dirty="0">
+                <a:latin typeface="+mn-ea"/>
+              </a:rPr>
               <a:t>Pod</a:t>
             </a:r>
             <a:r>
-              <a:rPr lang="zh-CN" altLang="en-US" dirty="0"/>
+              <a:rPr lang="zh-CN" altLang="en-US" sz="2200" dirty="0">
+                <a:latin typeface="+mn-ea"/>
+              </a:rPr>
               <a:t>代表部署的一个单位：</a:t>
             </a:r>
             <a:r>
-              <a:rPr lang="en-US" altLang="zh-CN" dirty="0"/>
+              <a:rPr lang="en-US" altLang="zh-CN" sz="2200" dirty="0">
+                <a:latin typeface="+mn-ea"/>
+              </a:rPr>
               <a:t>Kubernetes</a:t>
             </a:r>
             <a:r>
-              <a:rPr lang="zh-CN" altLang="en-US" dirty="0"/>
+              <a:rPr lang="zh-CN" altLang="en-US" sz="2200" dirty="0">
+                <a:latin typeface="+mn-ea"/>
+              </a:rPr>
               <a:t>中单个应用的实例，它可能由单个容器或多个容器共享组成的资源。</a:t>
             </a:r>
           </a:p>
@@ -14574,134 +14643,196 @@
               <a:buNone/>
             </a:pPr>
             <a:r>
-              <a:rPr lang="en-US" altLang="zh-CN" dirty="0"/>
+              <a:rPr lang="en-US" altLang="zh-CN" sz="2200" b="1" dirty="0">
+                <a:latin typeface="+mn-ea"/>
+              </a:rPr>
               <a:t>Kubernetes</a:t>
             </a:r>
             <a:r>
-              <a:rPr lang="zh-CN" altLang="en-US" dirty="0"/>
+              <a:rPr lang="zh-CN" altLang="en-US" sz="2200" b="1" dirty="0">
+                <a:latin typeface="+mn-ea"/>
+              </a:rPr>
               <a:t>中的</a:t>
             </a:r>
             <a:r>
-              <a:rPr lang="en-US" altLang="zh-CN" dirty="0"/>
+              <a:rPr lang="en-US" altLang="zh-CN" sz="2200" b="1" dirty="0">
+                <a:latin typeface="+mn-ea"/>
+              </a:rPr>
               <a:t>Pod</a:t>
             </a:r>
             <a:r>
-              <a:rPr lang="zh-CN" altLang="en-US" dirty="0"/>
+              <a:rPr lang="zh-CN" altLang="en-US" sz="2200" b="1" dirty="0">
+                <a:latin typeface="+mn-ea"/>
+              </a:rPr>
               <a:t>使用可分两种主要方式：</a:t>
             </a:r>
           </a:p>
           <a:p>
             <a:pPr fontAlgn="base"/>
             <a:r>
-              <a:rPr lang="en-US" altLang="zh-CN" dirty="0"/>
+              <a:rPr lang="en-US" altLang="zh-CN" sz="2200" dirty="0">
+                <a:latin typeface="+mn-ea"/>
+              </a:rPr>
               <a:t>Pod</a:t>
             </a:r>
             <a:r>
-              <a:rPr lang="zh-CN" altLang="en-US" dirty="0"/>
+              <a:rPr lang="zh-CN" altLang="en-US" sz="2200" dirty="0">
+                <a:latin typeface="+mn-ea"/>
+              </a:rPr>
               <a:t>中运行一个容器。“</a:t>
             </a:r>
             <a:r>
-              <a:rPr lang="en-US" altLang="zh-CN" dirty="0"/>
+              <a:rPr lang="en-US" altLang="zh-CN" sz="2200" dirty="0">
+                <a:latin typeface="+mn-ea"/>
+              </a:rPr>
               <a:t>one-container-per-Pod”</a:t>
             </a:r>
             <a:r>
-              <a:rPr lang="zh-CN" altLang="en-US" dirty="0"/>
+              <a:rPr lang="zh-CN" altLang="en-US" sz="2200" dirty="0">
+                <a:latin typeface="+mn-ea"/>
+              </a:rPr>
               <a:t>模式是</a:t>
             </a:r>
             <a:r>
-              <a:rPr lang="en-US" altLang="zh-CN" dirty="0"/>
+              <a:rPr lang="en-US" altLang="zh-CN" sz="2200" dirty="0">
+                <a:latin typeface="+mn-ea"/>
+              </a:rPr>
               <a:t>Kubernetes</a:t>
             </a:r>
             <a:r>
-              <a:rPr lang="zh-CN" altLang="en-US" dirty="0"/>
+              <a:rPr lang="zh-CN" altLang="en-US" sz="2200" dirty="0">
+                <a:latin typeface="+mn-ea"/>
+              </a:rPr>
               <a:t>最常见的用法</a:t>
             </a:r>
             <a:r>
-              <a:rPr lang="en-US" altLang="zh-CN" dirty="0"/>
+              <a:rPr lang="en-US" altLang="zh-CN" sz="2200" dirty="0">
+                <a:latin typeface="+mn-ea"/>
+              </a:rPr>
               <a:t>; </a:t>
             </a:r>
             <a:r>
-              <a:rPr lang="zh-CN" altLang="en-US" dirty="0"/>
+              <a:rPr lang="zh-CN" altLang="en-US" sz="2200" dirty="0">
+                <a:latin typeface="+mn-ea"/>
+              </a:rPr>
               <a:t>在这种情况下，你可以将</a:t>
             </a:r>
             <a:r>
-              <a:rPr lang="en-US" altLang="zh-CN" dirty="0"/>
+              <a:rPr lang="en-US" altLang="zh-CN" sz="2200" dirty="0">
+                <a:latin typeface="+mn-ea"/>
+              </a:rPr>
               <a:t>Pod</a:t>
             </a:r>
             <a:r>
-              <a:rPr lang="zh-CN" altLang="en-US" dirty="0"/>
+              <a:rPr lang="zh-CN" altLang="en-US" sz="2200" dirty="0">
+                <a:latin typeface="+mn-ea"/>
+              </a:rPr>
               <a:t>视为单个封装的容器，但是</a:t>
             </a:r>
             <a:r>
-              <a:rPr lang="en-US" altLang="zh-CN" dirty="0"/>
+              <a:rPr lang="en-US" altLang="zh-CN" sz="2200" dirty="0">
+                <a:latin typeface="+mn-ea"/>
+              </a:rPr>
               <a:t>Kubernetes</a:t>
             </a:r>
             <a:r>
-              <a:rPr lang="zh-CN" altLang="en-US" dirty="0"/>
+              <a:rPr lang="zh-CN" altLang="en-US" sz="2200" dirty="0">
+                <a:latin typeface="+mn-ea"/>
+              </a:rPr>
               <a:t>是直接管理</a:t>
             </a:r>
             <a:r>
-              <a:rPr lang="en-US" altLang="zh-CN" dirty="0"/>
+              <a:rPr lang="en-US" altLang="zh-CN" sz="2200" dirty="0">
+                <a:latin typeface="+mn-ea"/>
+              </a:rPr>
               <a:t>Pod</a:t>
             </a:r>
             <a:r>
-              <a:rPr lang="zh-CN" altLang="en-US" dirty="0"/>
+              <a:rPr lang="zh-CN" altLang="en-US" sz="2200" dirty="0">
+                <a:latin typeface="+mn-ea"/>
+              </a:rPr>
               <a:t>而不是容器。</a:t>
             </a:r>
           </a:p>
           <a:p>
             <a:pPr fontAlgn="base"/>
             <a:r>
-              <a:rPr lang="en-US" altLang="zh-CN" dirty="0"/>
+              <a:rPr lang="en-US" altLang="zh-CN" sz="2200" dirty="0">
+                <a:latin typeface="+mn-ea"/>
+              </a:rPr>
               <a:t>Pods</a:t>
             </a:r>
             <a:r>
-              <a:rPr lang="zh-CN" altLang="en-US" dirty="0"/>
+              <a:rPr lang="zh-CN" altLang="en-US" sz="2200" dirty="0">
+                <a:latin typeface="+mn-ea"/>
+              </a:rPr>
               <a:t>中运行多个需要一起工作的容器。</a:t>
             </a:r>
             <a:r>
-              <a:rPr lang="en-US" altLang="zh-CN" dirty="0"/>
+              <a:rPr lang="en-US" altLang="zh-CN" sz="2200" dirty="0">
+                <a:latin typeface="+mn-ea"/>
+              </a:rPr>
               <a:t>Pod</a:t>
             </a:r>
             <a:r>
-              <a:rPr lang="zh-CN" altLang="en-US" dirty="0"/>
+              <a:rPr lang="zh-CN" altLang="en-US" sz="2200" dirty="0">
+                <a:latin typeface="+mn-ea"/>
+              </a:rPr>
               <a:t>可以封装紧密耦合的应用，它们需要由多个容器组成，它们之间能够共享资源，这些容器可以形成一个单一的内部</a:t>
             </a:r>
             <a:r>
-              <a:rPr lang="en-US" altLang="zh-CN" dirty="0"/>
+              <a:rPr lang="en-US" altLang="zh-CN" sz="2200" dirty="0">
+                <a:latin typeface="+mn-ea"/>
+              </a:rPr>
               <a:t>service</a:t>
             </a:r>
             <a:r>
-              <a:rPr lang="zh-CN" altLang="en-US" dirty="0"/>
+              <a:rPr lang="zh-CN" altLang="en-US" sz="2200" dirty="0">
+                <a:latin typeface="+mn-ea"/>
+              </a:rPr>
               <a:t>单位 </a:t>
             </a:r>
             <a:r>
-              <a:rPr lang="en-US" altLang="zh-CN" dirty="0"/>
+              <a:rPr lang="en-US" altLang="zh-CN" sz="2200" dirty="0">
+                <a:latin typeface="+mn-ea"/>
+              </a:rPr>
               <a:t>- </a:t>
             </a:r>
             <a:r>
-              <a:rPr lang="zh-CN" altLang="en-US" dirty="0"/>
+              <a:rPr lang="zh-CN" altLang="en-US" sz="2200" dirty="0">
+                <a:latin typeface="+mn-ea"/>
+              </a:rPr>
               <a:t>一个容器共享文件，另一个“</a:t>
             </a:r>
             <a:r>
-              <a:rPr lang="en-US" altLang="zh-CN" dirty="0"/>
+              <a:rPr lang="en-US" altLang="zh-CN" sz="2200" dirty="0">
+                <a:latin typeface="+mn-ea"/>
+              </a:rPr>
               <a:t>sidecar”</a:t>
             </a:r>
             <a:r>
-              <a:rPr lang="zh-CN" altLang="en-US" dirty="0"/>
+              <a:rPr lang="zh-CN" altLang="en-US" sz="2200" dirty="0">
+                <a:latin typeface="+mn-ea"/>
+              </a:rPr>
               <a:t>容器来更新这些文件。</a:t>
             </a:r>
             <a:r>
-              <a:rPr lang="en-US" altLang="zh-CN" dirty="0"/>
+              <a:rPr lang="en-US" altLang="zh-CN" sz="2200" dirty="0">
+                <a:latin typeface="+mn-ea"/>
+              </a:rPr>
               <a:t>Pod</a:t>
             </a:r>
             <a:r>
-              <a:rPr lang="zh-CN" altLang="en-US" dirty="0"/>
+              <a:rPr lang="zh-CN" altLang="en-US" sz="2200" dirty="0">
+                <a:latin typeface="+mn-ea"/>
+              </a:rPr>
               <a:t>将这些容器的存储资源作为一个实体来管理。</a:t>
             </a:r>
           </a:p>
           <a:p>
-            <a:endParaRPr lang="zh-CN" altLang="en-US" dirty="0"/>
+            <a:endParaRPr lang="zh-CN" altLang="en-US" sz="2200" dirty="0">
+              <a:latin typeface="+mn-ea"/>
+            </a:endParaRPr>
           </a:p>
         </p:txBody>
       </p:sp>
@@ -14751,8 +14882,8 @@
         </p:nvSpPr>
         <p:spPr>
           <a:xfrm>
-            <a:off x="752141" y="679894"/>
-            <a:ext cx="6654800" cy="5632006"/>
+            <a:off x="752141" y="1819470"/>
+            <a:ext cx="6654800" cy="4492430"/>
           </a:xfrm>
           <a:prstGeom prst="rect">
             <a:avLst/>
@@ -15100,8 +15231,8 @@
         </p:blipFill>
         <p:spPr bwMode="auto">
           <a:xfrm>
-            <a:off x="7848600" y="1229518"/>
-            <a:ext cx="3241341" cy="4398963"/>
+            <a:off x="7913914" y="1604866"/>
+            <a:ext cx="3264159" cy="4429930"/>
           </a:xfrm>
           <a:prstGeom prst="rect">
             <a:avLst/>
@@ -15118,6 +15249,35 @@
           </a:extLst>
         </p:spPr>
       </p:pic>
+      <p:sp>
+        <p:nvSpPr>
+          <p:cNvPr id="3" name="标题 2">
+            <a:extLst>
+              <a:ext uri="{FF2B5EF4-FFF2-40B4-BE49-F238E27FC236}">
+                <a16:creationId xmlns:a16="http://schemas.microsoft.com/office/drawing/2014/main" id="{48A9EB48-5EEC-4379-8C15-7EEF9A1E9438}"/>
+              </a:ext>
+            </a:extLst>
+          </p:cNvPr>
+          <p:cNvSpPr>
+            <a:spLocks noGrp="1"/>
+          </p:cNvSpPr>
+          <p:nvPr>
+            <p:ph type="title"/>
+          </p:nvPr>
+        </p:nvSpPr>
+        <p:spPr/>
+        <p:txBody>
+          <a:bodyPr/>
+          <a:lstStyle/>
+          <a:p>
+            <a:r>
+              <a:rPr lang="en-US" altLang="zh-CN" dirty="0"/>
+              <a:t>Pod</a:t>
+            </a:r>
+            <a:endParaRPr lang="zh-CN" altLang="en-US" dirty="0"/>
+          </a:p>
+        </p:txBody>
+      </p:sp>
     </p:spTree>
     <p:extLst>
       <p:ext uri="{BB962C8B-B14F-4D97-AF65-F5344CB8AC3E}">
@@ -15164,8 +15324,8 @@
         </p:nvSpPr>
         <p:spPr>
           <a:xfrm>
-            <a:off x="752140" y="679894"/>
-            <a:ext cx="10906459" cy="5632006"/>
+            <a:off x="838200" y="1690688"/>
+            <a:ext cx="10906459" cy="4725696"/>
           </a:xfrm>
           <a:prstGeom prst="rect">
             <a:avLst/>
@@ -15345,33 +15505,35 @@
               <a:buNone/>
             </a:pPr>
             <a:r>
-              <a:rPr lang="zh-CN" altLang="en-US" sz="2000" dirty="0"/>
-              <a:t>凡是高度，网络，存储，以及安全相关的属性，基本上是</a:t>
-            </a:r>
-            <a:r>
-              <a:rPr lang="en-US" altLang="zh-CN" sz="2000" dirty="0"/>
+              <a:rPr lang="zh-CN" altLang="en-US" sz="2000" dirty="0">
+                <a:latin typeface="+mn-ea"/>
+              </a:rPr>
+              <a:t>凡是调度，网络，存储，以及安全相关的属性，基本上是</a:t>
+            </a:r>
+            <a:r>
+              <a:rPr lang="en-US" altLang="zh-CN" sz="2000" dirty="0">
+                <a:latin typeface="+mn-ea"/>
+              </a:rPr>
               <a:t>Pod</a:t>
             </a:r>
             <a:r>
-              <a:rPr lang="zh-CN" altLang="en-US" sz="2000" dirty="0"/>
+              <a:rPr lang="zh-CN" altLang="en-US" sz="2000" dirty="0">
+                <a:latin typeface="+mn-ea"/>
+              </a:rPr>
               <a:t>级别的</a:t>
             </a:r>
-            <a:endParaRPr lang="en-US" altLang="zh-CN" sz="2000" dirty="0"/>
+            <a:endParaRPr lang="en-US" altLang="zh-CN" sz="2000" dirty="0">
+              <a:latin typeface="+mn-ea"/>
+            </a:endParaRPr>
           </a:p>
           <a:p>
             <a:pPr marL="0" indent="0" fontAlgn="base">
               <a:buFont typeface="Arial" panose="020B0604020202020204" pitchFamily="34" charset="0"/>
               <a:buNone/>
             </a:pPr>
-            <a:r>
-              <a:rPr lang="en-US" altLang="zh-CN" sz="2000" dirty="0"/>
-              <a:t>Pod API</a:t>
-            </a:r>
-            <a:r>
-              <a:rPr lang="zh-CN" altLang="en-US" sz="2000" dirty="0"/>
-              <a:t>对象属性：</a:t>
-            </a:r>
-            <a:endParaRPr lang="en-US" altLang="zh-CN" sz="2000" dirty="0"/>
+            <a:endParaRPr lang="en-US" altLang="zh-CN" sz="2000" dirty="0">
+              <a:latin typeface="+mn-ea"/>
+            </a:endParaRPr>
           </a:p>
           <a:p>
             <a:pPr marL="0" indent="0" fontAlgn="base">
@@ -15379,113 +15541,187 @@
               <a:buNone/>
             </a:pPr>
             <a:r>
-              <a:rPr lang="en-US" altLang="zh-CN" sz="2000" dirty="0" err="1"/>
+              <a:rPr lang="en-US" altLang="zh-CN" sz="2000" dirty="0">
+                <a:latin typeface="+mn-ea"/>
+              </a:rPr>
+              <a:t>Pod API</a:t>
+            </a:r>
+            <a:r>
+              <a:rPr lang="zh-CN" altLang="en-US" sz="2000" dirty="0">
+                <a:latin typeface="+mn-ea"/>
+              </a:rPr>
+              <a:t>对象属性：</a:t>
+            </a:r>
+            <a:endParaRPr lang="en-US" altLang="zh-CN" sz="2000" dirty="0">
+              <a:latin typeface="+mn-ea"/>
+            </a:endParaRPr>
+          </a:p>
+          <a:p>
+            <a:pPr fontAlgn="base"/>
+            <a:r>
+              <a:rPr lang="en-US" altLang="zh-CN" sz="2000" dirty="0" err="1">
+                <a:latin typeface="+mn-ea"/>
+              </a:rPr>
               <a:t>NodeSelector</a:t>
             </a:r>
             <a:r>
-              <a:rPr lang="zh-CN" altLang="en-US" sz="2000" dirty="0"/>
+              <a:rPr lang="zh-CN" altLang="en-US" sz="2000" dirty="0">
+                <a:latin typeface="+mn-ea"/>
+              </a:rPr>
               <a:t>：是一个供用户将</a:t>
             </a:r>
             <a:r>
-              <a:rPr lang="en-US" altLang="zh-CN" sz="2000" dirty="0"/>
+              <a:rPr lang="en-US" altLang="zh-CN" sz="2000" dirty="0">
+                <a:latin typeface="+mn-ea"/>
+              </a:rPr>
               <a:t>Pod</a:t>
             </a:r>
             <a:r>
-              <a:rPr lang="zh-CN" altLang="en-US" sz="2000" dirty="0"/>
+              <a:rPr lang="zh-CN" altLang="en-US" sz="2000" dirty="0">
+                <a:latin typeface="+mn-ea"/>
+              </a:rPr>
               <a:t>与</a:t>
             </a:r>
             <a:r>
-              <a:rPr lang="en-US" altLang="zh-CN" sz="2000" dirty="0"/>
+              <a:rPr lang="en-US" altLang="zh-CN" sz="2000" dirty="0">
+                <a:latin typeface="+mn-ea"/>
+              </a:rPr>
               <a:t>Node</a:t>
             </a:r>
             <a:r>
-              <a:rPr lang="zh-CN" altLang="en-US" sz="2000" dirty="0"/>
+              <a:rPr lang="zh-CN" altLang="en-US" sz="2000" dirty="0">
+                <a:latin typeface="+mn-ea"/>
+              </a:rPr>
               <a:t>进行绑定的字段</a:t>
             </a:r>
-            <a:endParaRPr lang="en-US" altLang="zh-CN" sz="2000" dirty="0"/>
-          </a:p>
-          <a:p>
-            <a:pPr marL="0" indent="0" fontAlgn="base">
-              <a:buFont typeface="Arial" panose="020B0604020202020204" pitchFamily="34" charset="0"/>
-              <a:buNone/>
-            </a:pPr>
-            <a:r>
-              <a:rPr lang="en-US" altLang="zh-CN" sz="2000" dirty="0" err="1"/>
+            <a:endParaRPr lang="en-US" altLang="zh-CN" sz="2000" dirty="0">
+              <a:latin typeface="+mn-ea"/>
+            </a:endParaRPr>
+          </a:p>
+          <a:p>
+            <a:pPr fontAlgn="base"/>
+            <a:r>
+              <a:rPr lang="en-US" altLang="zh-CN" sz="2000" dirty="0" err="1">
+                <a:latin typeface="+mn-ea"/>
+              </a:rPr>
               <a:t>NodeName</a:t>
             </a:r>
             <a:r>
-              <a:rPr lang="zh-CN" altLang="en-US" sz="2000" dirty="0"/>
+              <a:rPr lang="zh-CN" altLang="en-US" sz="2000" dirty="0">
+                <a:latin typeface="+mn-ea"/>
+              </a:rPr>
               <a:t>：一般是自动赋值</a:t>
             </a:r>
-            <a:endParaRPr lang="en-US" altLang="zh-CN" sz="2000" dirty="0"/>
-          </a:p>
-          <a:p>
-            <a:pPr marL="0" indent="0" fontAlgn="base">
-              <a:buFont typeface="Arial" panose="020B0604020202020204" pitchFamily="34" charset="0"/>
-              <a:buNone/>
-            </a:pPr>
-            <a:r>
-              <a:rPr lang="en-US" altLang="zh-CN" sz="2000" dirty="0" err="1"/>
+            <a:endParaRPr lang="en-US" altLang="zh-CN" sz="2000" dirty="0">
+              <a:latin typeface="+mn-ea"/>
+            </a:endParaRPr>
+          </a:p>
+          <a:p>
+            <a:pPr fontAlgn="base"/>
+            <a:r>
+              <a:rPr lang="en-US" altLang="zh-CN" sz="2000" dirty="0" err="1">
+                <a:latin typeface="+mn-ea"/>
+              </a:rPr>
               <a:t>HostAliases</a:t>
             </a:r>
             <a:r>
-              <a:rPr lang="zh-CN" altLang="en-US" sz="2000" dirty="0"/>
+              <a:rPr lang="zh-CN" altLang="en-US" sz="2000" dirty="0">
+                <a:latin typeface="+mn-ea"/>
+              </a:rPr>
               <a:t>：定义了</a:t>
             </a:r>
             <a:r>
-              <a:rPr lang="en-US" altLang="zh-CN" sz="2000" dirty="0"/>
+              <a:rPr lang="en-US" altLang="zh-CN" sz="2000" dirty="0">
+                <a:latin typeface="+mn-ea"/>
+              </a:rPr>
               <a:t>Pod</a:t>
             </a:r>
             <a:r>
-              <a:rPr lang="zh-CN" altLang="en-US" sz="2000" dirty="0"/>
+              <a:rPr lang="zh-CN" altLang="en-US" sz="2000" dirty="0">
+                <a:latin typeface="+mn-ea"/>
+              </a:rPr>
               <a:t>的</a:t>
             </a:r>
             <a:r>
-              <a:rPr lang="en-US" altLang="zh-CN" sz="2000" dirty="0"/>
+              <a:rPr lang="en-US" altLang="zh-CN" sz="2000" dirty="0">
+                <a:latin typeface="+mn-ea"/>
+              </a:rPr>
               <a:t>Hosts</a:t>
             </a:r>
             <a:r>
-              <a:rPr lang="zh-CN" altLang="en-US" sz="2000" dirty="0"/>
+              <a:rPr lang="zh-CN" altLang="en-US" sz="2000" dirty="0">
+                <a:latin typeface="+mn-ea"/>
+              </a:rPr>
               <a:t>文件里的内容</a:t>
             </a:r>
-            <a:endParaRPr lang="en-US" altLang="zh-CN" sz="2000" dirty="0"/>
-          </a:p>
-          <a:p>
-            <a:pPr marL="0" indent="0" fontAlgn="base">
-              <a:buFont typeface="Arial" panose="020B0604020202020204" pitchFamily="34" charset="0"/>
-              <a:buNone/>
-            </a:pPr>
-            <a:endParaRPr lang="en-US" altLang="zh-CN" sz="2000" dirty="0"/>
-          </a:p>
-          <a:p>
-            <a:pPr marL="0" indent="0" fontAlgn="base">
-              <a:buFont typeface="Arial" panose="020B0604020202020204" pitchFamily="34" charset="0"/>
-              <a:buNone/>
-            </a:pPr>
-            <a:r>
-              <a:rPr lang="en-US" altLang="zh-CN" sz="2000" dirty="0" err="1"/>
+            <a:endParaRPr lang="en-US" altLang="zh-CN" sz="2000" dirty="0">
+              <a:latin typeface="+mn-ea"/>
+            </a:endParaRPr>
+          </a:p>
+          <a:p>
+            <a:pPr fontAlgn="base"/>
+            <a:r>
+              <a:rPr lang="en-US" altLang="zh-CN" sz="2000" dirty="0" err="1">
+                <a:latin typeface="+mn-ea"/>
+              </a:rPr>
               <a:t>ImagePullPolicy</a:t>
             </a:r>
             <a:r>
-              <a:rPr lang="zh-CN" altLang="en-US" sz="2000" dirty="0"/>
+              <a:rPr lang="zh-CN" altLang="en-US" sz="2000" dirty="0">
+                <a:latin typeface="+mn-ea"/>
+              </a:rPr>
               <a:t>：定义镜像拉取的策略</a:t>
             </a:r>
-            <a:endParaRPr lang="en-US" altLang="zh-CN" sz="2000" dirty="0"/>
-          </a:p>
-          <a:p>
-            <a:pPr marL="0" indent="0" fontAlgn="base">
-              <a:buFont typeface="Arial" panose="020B0604020202020204" pitchFamily="34" charset="0"/>
-              <a:buNone/>
-            </a:pPr>
-            <a:r>
-              <a:rPr lang="en-US" altLang="zh-CN" sz="2000" dirty="0"/>
+            <a:endParaRPr lang="en-US" altLang="zh-CN" sz="2000" dirty="0">
+              <a:latin typeface="+mn-ea"/>
+            </a:endParaRPr>
+          </a:p>
+          <a:p>
+            <a:pPr fontAlgn="base"/>
+            <a:r>
+              <a:rPr lang="en-US" altLang="zh-CN" sz="2000" dirty="0">
+                <a:latin typeface="+mn-ea"/>
+              </a:rPr>
               <a:t>Lifecycle</a:t>
             </a:r>
             <a:r>
-              <a:rPr lang="zh-CN" altLang="en-US" sz="2000" dirty="0"/>
+              <a:rPr lang="zh-CN" altLang="en-US" sz="2000" dirty="0">
+                <a:latin typeface="+mn-ea"/>
+              </a:rPr>
               <a:t>：容器状态变化时触发一系列“构子”</a:t>
             </a:r>
-            <a:endParaRPr lang="en-US" altLang="zh-CN" sz="2000" dirty="0"/>
+            <a:endParaRPr lang="en-US" altLang="zh-CN" sz="2000" dirty="0">
+              <a:latin typeface="+mn-ea"/>
+            </a:endParaRPr>
+          </a:p>
+        </p:txBody>
+      </p:sp>
+      <p:sp>
+        <p:nvSpPr>
+          <p:cNvPr id="3" name="标题 2">
+            <a:extLst>
+              <a:ext uri="{FF2B5EF4-FFF2-40B4-BE49-F238E27FC236}">
+                <a16:creationId xmlns:a16="http://schemas.microsoft.com/office/drawing/2014/main" id="{A457E824-B10E-4A35-B9E9-A66BCC20604C}"/>
+              </a:ext>
+            </a:extLst>
+          </p:cNvPr>
+          <p:cNvSpPr>
+            <a:spLocks noGrp="1"/>
+          </p:cNvSpPr>
+          <p:nvPr>
+            <p:ph type="title"/>
+          </p:nvPr>
+        </p:nvSpPr>
+        <p:spPr/>
+        <p:txBody>
+          <a:bodyPr/>
+          <a:lstStyle/>
+          <a:p>
+            <a:r>
+              <a:rPr lang="en-US" altLang="zh-CN" dirty="0"/>
+              <a:t>Pod</a:t>
+            </a:r>
+            <a:endParaRPr lang="zh-CN" altLang="en-US" dirty="0"/>
           </a:p>
         </p:txBody>
       </p:sp>
@@ -15533,13 +15769,28 @@
         </p:nvSpPr>
         <p:spPr>
           <a:xfrm>
-            <a:off x="335280" y="182880"/>
+            <a:off x="1024812" y="1459270"/>
             <a:ext cx="9174480" cy="13858458"/>
           </a:xfrm>
           <a:prstGeom prst="rect">
             <a:avLst/>
           </a:prstGeom>
+          <a:ln w="28575"/>
         </p:spPr>
+        <p:style>
+          <a:lnRef idx="2">
+            <a:schemeClr val="accent6"/>
+          </a:lnRef>
+          <a:fillRef idx="1">
+            <a:schemeClr val="lt1"/>
+          </a:fillRef>
+          <a:effectRef idx="0">
+            <a:schemeClr val="accent6"/>
+          </a:effectRef>
+          <a:fontRef idx="minor">
+            <a:schemeClr val="dk1"/>
+          </a:fontRef>
+        </p:style>
         <p:txBody>
           <a:bodyPr wrap="square">
             <a:spAutoFit/>
@@ -15975,6 +16226,42 @@
             <a:r>
               <a:rPr lang="zh-CN" altLang="en-US" sz="1200" dirty="0"/>
               <a:t>      path: /opt #挂载设备类型为hostPath，路径为宿主机下的/opt,这里设备类型支持很多种 </a:t>
+            </a:r>
+          </a:p>
+        </p:txBody>
+      </p:sp>
+      <p:sp>
+        <p:nvSpPr>
+          <p:cNvPr id="2" name="标题 1">
+            <a:extLst>
+              <a:ext uri="{FF2B5EF4-FFF2-40B4-BE49-F238E27FC236}">
+                <a16:creationId xmlns:a16="http://schemas.microsoft.com/office/drawing/2014/main" id="{2CA7F365-BA7E-45D5-894A-E009A82F9D66}"/>
+              </a:ext>
+            </a:extLst>
+          </p:cNvPr>
+          <p:cNvSpPr>
+            <a:spLocks noGrp="1"/>
+          </p:cNvSpPr>
+          <p:nvPr>
+            <p:ph type="title"/>
+          </p:nvPr>
+        </p:nvSpPr>
+        <p:spPr/>
+        <p:txBody>
+          <a:bodyPr/>
+          <a:lstStyle/>
+          <a:p>
+            <a:r>
+              <a:rPr lang="en-US" altLang="zh-CN" dirty="0"/>
+              <a:t>Pod </a:t>
+            </a:r>
+            <a:r>
+              <a:rPr lang="en-US" altLang="zh-CN" dirty="0" err="1"/>
+              <a:t>api</a:t>
+            </a:r>
+            <a:r>
+              <a:rPr lang="zh-CN" altLang="en-US" dirty="0"/>
+              <a:t>对象</a:t>
             </a:r>
           </a:p>
         </p:txBody>
@@ -17017,15 +17304,7 @@
           <a:effectLst>
             <a:reflection blurRad="12700" stA="38000" endPos="28000" dist="5000" dir="5400000" sy="-100000" algn="bl" rotWithShape="0"/>
           </a:effectLst>
-          <a:extLst>
-            <a:ext uri="{909E8E84-426E-40DD-AFC4-6F175D3DCCD1}">
-              <a14:hiddenFill xmlns:a14="http://schemas.microsoft.com/office/drawing/2010/main">
-                <a:solidFill>
-                  <a:srgbClr val="FFFFFF"/>
-                </a:solidFill>
-              </a14:hiddenFill>
-            </a:ext>
-          </a:extLst>
+          <a:extLst/>
         </p:spPr>
       </p:pic>
       <p:sp>
@@ -24516,15 +24795,7 @@
           <a:effectLst>
             <a:reflection blurRad="12700" stA="38000" endPos="28000" dist="5000" dir="5400000" sy="-100000" algn="bl" rotWithShape="0"/>
           </a:effectLst>
-          <a:extLst>
-            <a:ext uri="{909E8E84-426E-40DD-AFC4-6F175D3DCCD1}">
-              <a14:hiddenFill xmlns:a14="http://schemas.microsoft.com/office/drawing/2010/main">
-                <a:solidFill>
-                  <a:srgbClr val="FFFFFF"/>
-                </a:solidFill>
-              </a14:hiddenFill>
-            </a:ext>
-          </a:extLst>
+          <a:extLst/>
         </p:spPr>
       </p:pic>
       <p:sp>

--- a/Asp.NetCoreExperiment/kubernetes/kubernetes.pptx
+++ b/Asp.NetCoreExperiment/kubernetes/kubernetes.pptx
@@ -5,7 +5,7 @@
     <p:sldMasterId id="2147483648" r:id="rId1"/>
   </p:sldMasterIdLst>
   <p:notesMasterIdLst>
-    <p:notesMasterId r:id="rId60"/>
+    <p:notesMasterId r:id="rId51"/>
   </p:notesMasterIdLst>
   <p:sldIdLst>
     <p:sldId id="256" r:id="rId2"/>
@@ -46,26 +46,17 @@
     <p:sldId id="277" r:id="rId37"/>
     <p:sldId id="284" r:id="rId38"/>
     <p:sldId id="307" r:id="rId39"/>
-    <p:sldId id="306" r:id="rId40"/>
-    <p:sldId id="287" r:id="rId41"/>
-    <p:sldId id="286" r:id="rId42"/>
-    <p:sldId id="288" r:id="rId43"/>
-    <p:sldId id="289" r:id="rId44"/>
-    <p:sldId id="290" r:id="rId45"/>
-    <p:sldId id="297" r:id="rId46"/>
-    <p:sldId id="295" r:id="rId47"/>
-    <p:sldId id="291" r:id="rId48"/>
-    <p:sldId id="296" r:id="rId49"/>
-    <p:sldId id="298" r:id="rId50"/>
-    <p:sldId id="299" r:id="rId51"/>
-    <p:sldId id="300" r:id="rId52"/>
-    <p:sldId id="301" r:id="rId53"/>
-    <p:sldId id="302" r:id="rId54"/>
-    <p:sldId id="303" r:id="rId55"/>
-    <p:sldId id="304" r:id="rId56"/>
-    <p:sldId id="305" r:id="rId57"/>
-    <p:sldId id="258" r:id="rId58"/>
-    <p:sldId id="257" r:id="rId59"/>
+    <p:sldId id="287" r:id="rId40"/>
+    <p:sldId id="286" r:id="rId41"/>
+    <p:sldId id="288" r:id="rId42"/>
+    <p:sldId id="289" r:id="rId43"/>
+    <p:sldId id="290" r:id="rId44"/>
+    <p:sldId id="297" r:id="rId45"/>
+    <p:sldId id="295" r:id="rId46"/>
+    <p:sldId id="291" r:id="rId47"/>
+    <p:sldId id="296" r:id="rId48"/>
+    <p:sldId id="258" r:id="rId49"/>
+    <p:sldId id="257" r:id="rId50"/>
   </p:sldIdLst>
   <p:sldSz cx="12192000" cy="6858000"/>
   <p:notesSz cx="6858000" cy="9144000"/>
@@ -12402,62 +12393,42 @@
       </p:sp>
       <p:sp>
         <p:nvSpPr>
-          <p:cNvPr id="3" name="标题 1">
+          <p:cNvPr id="4" name="标题 3">
             <a:extLst>
               <a:ext uri="{FF2B5EF4-FFF2-40B4-BE49-F238E27FC236}">
-                <a16:creationId xmlns:a16="http://schemas.microsoft.com/office/drawing/2014/main" id="{D71CDE1D-552A-43CF-9755-B4874F35410A}"/>
+                <a16:creationId xmlns:a16="http://schemas.microsoft.com/office/drawing/2014/main" id="{50AB2277-CF9D-44F1-BB53-A223C9728E61}"/>
               </a:ext>
             </a:extLst>
           </p:cNvPr>
-          <p:cNvSpPr txBox="1">
-            <a:spLocks/>
+          <p:cNvSpPr>
+            <a:spLocks noGrp="1"/>
           </p:cNvSpPr>
-          <p:nvPr/>
+          <p:nvPr>
+            <p:ph type="title"/>
+          </p:nvPr>
         </p:nvSpPr>
         <p:spPr>
           <a:xfrm>
-            <a:off x="838200" y="365125"/>
+            <a:off x="838199" y="412133"/>
             <a:ext cx="10515600" cy="1325563"/>
           </a:xfrm>
-          <a:prstGeom prst="rect">
-            <a:avLst/>
-          </a:prstGeom>
         </p:spPr>
         <p:txBody>
           <a:bodyPr/>
-          <a:lstStyle>
-            <a:lvl1pPr algn="l" defTabSz="914400" rtl="0" eaLnBrk="1" latinLnBrk="0" hangingPunct="1">
-              <a:lnSpc>
-                <a:spcPct val="90000"/>
-              </a:lnSpc>
-              <a:spcBef>
-                <a:spcPct val="0"/>
-              </a:spcBef>
-              <a:buNone/>
-              <a:defRPr sz="4400" kern="1200">
-                <a:solidFill>
-                  <a:schemeClr val="tx1"/>
-                </a:solidFill>
-                <a:latin typeface="+mj-lt"/>
-                <a:ea typeface="+mj-ea"/>
-                <a:cs typeface="+mj-cs"/>
-              </a:defRPr>
-            </a:lvl1pPr>
-          </a:lstStyle>
-          <a:p>
-            <a:r>
-              <a:rPr lang="zh-CN" altLang="en-US"/>
+          <a:lstStyle/>
+          <a:p>
+            <a:r>
+              <a:rPr lang="zh-CN" altLang="en-US" dirty="0"/>
               <a:t>操作</a:t>
             </a:r>
             <a:r>
-              <a:rPr lang="en-US" altLang="zh-CN"/>
+              <a:rPr lang="en-US" altLang="zh-CN" dirty="0"/>
               <a:t>namespace</a:t>
             </a:r>
             <a:r>
-              <a:rPr lang="zh-CN" altLang="en-US"/>
+              <a:rPr lang="zh-CN" altLang="en-US" dirty="0"/>
               <a:t>函数</a:t>
             </a:r>
-            <a:endParaRPr lang="zh-CN" altLang="en-US" dirty="0"/>
           </a:p>
         </p:txBody>
       </p:sp>
@@ -16312,12 +16283,7 @@
             <p:ph type="title"/>
           </p:nvPr>
         </p:nvSpPr>
-        <p:spPr>
-          <a:xfrm>
-            <a:off x="838200" y="365126"/>
-            <a:ext cx="10515600" cy="644968"/>
-          </a:xfrm>
-        </p:spPr>
+        <p:spPr/>
         <p:txBody>
           <a:bodyPr>
             <a:normAutofit/>
@@ -16348,15 +16314,10 @@
             <p:ph idx="1"/>
           </p:nvPr>
         </p:nvSpPr>
-        <p:spPr>
-          <a:xfrm>
-            <a:off x="838200" y="1010094"/>
-            <a:ext cx="10515600" cy="5166869"/>
-          </a:xfrm>
-        </p:spPr>
+        <p:spPr/>
         <p:txBody>
           <a:bodyPr>
-            <a:normAutofit fontScale="92500"/>
+            <a:normAutofit/>
           </a:bodyPr>
           <a:lstStyle/>
           <a:p>
@@ -16364,121 +16325,177 @@
               <a:buNone/>
             </a:pPr>
             <a:r>
-              <a:rPr lang="en-US" altLang="zh-CN" dirty="0" err="1"/>
+              <a:rPr lang="en-US" altLang="zh-CN" sz="2000" dirty="0" err="1">
+                <a:latin typeface="+mn-ea"/>
+              </a:rPr>
               <a:t>ReplicaSet</a:t>
             </a:r>
             <a:r>
-              <a:rPr lang="zh-CN" altLang="en-US" dirty="0"/>
+              <a:rPr lang="zh-CN" altLang="en-US" sz="2000" dirty="0">
+                <a:latin typeface="+mn-ea"/>
+              </a:rPr>
               <a:t>是下一代复本控制器。</a:t>
             </a:r>
             <a:r>
-              <a:rPr lang="en-US" altLang="zh-CN" dirty="0" err="1"/>
+              <a:rPr lang="en-US" altLang="zh-CN" sz="2000" dirty="0" err="1">
+                <a:latin typeface="+mn-ea"/>
+              </a:rPr>
               <a:t>ReplicaSet</a:t>
             </a:r>
             <a:r>
-              <a:rPr lang="zh-CN" altLang="en-US" dirty="0"/>
+              <a:rPr lang="zh-CN" altLang="en-US" sz="2000" dirty="0">
+                <a:latin typeface="+mn-ea"/>
+              </a:rPr>
               <a:t>和 </a:t>
             </a:r>
             <a:r>
-              <a:rPr lang="en-US" altLang="zh-CN" i="1" dirty="0">
-                <a:hlinkClick r:id="rId2"/>
+              <a:rPr lang="en-US" altLang="zh-CN" sz="2000" i="1" dirty="0">
+                <a:latin typeface="+mn-ea"/>
               </a:rPr>
               <a:t>Replication Controller</a:t>
             </a:r>
             <a:r>
-              <a:rPr lang="zh-CN" altLang="en-US" dirty="0"/>
+              <a:rPr lang="zh-CN" altLang="en-US" sz="2000" dirty="0">
+                <a:latin typeface="+mn-ea"/>
+              </a:rPr>
               <a:t>之间的唯一区别是现在的选择器支持。</a:t>
             </a:r>
             <a:r>
-              <a:rPr lang="en-US" altLang="zh-CN" i="1" dirty="0"/>
+              <a:rPr lang="en-US" altLang="zh-CN" sz="2000" i="1" dirty="0">
+                <a:latin typeface="+mn-ea"/>
+              </a:rPr>
               <a:t>Replication Controller</a:t>
             </a:r>
             <a:r>
-              <a:rPr lang="zh-CN" altLang="en-US" dirty="0"/>
+              <a:rPr lang="zh-CN" altLang="en-US" sz="2000" dirty="0">
+                <a:latin typeface="+mn-ea"/>
+              </a:rPr>
               <a:t>只支持基于等式的</a:t>
             </a:r>
             <a:r>
-              <a:rPr lang="en-US" altLang="zh-CN" dirty="0"/>
+              <a:rPr lang="en-US" altLang="zh-CN" sz="2000" dirty="0">
+                <a:latin typeface="+mn-ea"/>
+              </a:rPr>
               <a:t>selector</a:t>
             </a:r>
             <a:r>
-              <a:rPr lang="zh-CN" altLang="en-US" dirty="0"/>
+              <a:rPr lang="zh-CN" altLang="en-US" sz="2000" dirty="0">
+                <a:latin typeface="+mn-ea"/>
+              </a:rPr>
               <a:t>（</a:t>
             </a:r>
             <a:r>
-              <a:rPr lang="en-US" altLang="zh-CN" dirty="0"/>
+              <a:rPr lang="en-US" altLang="zh-CN" sz="2000" dirty="0">
+                <a:latin typeface="+mn-ea"/>
+              </a:rPr>
               <a:t>env=dev</a:t>
             </a:r>
             <a:r>
-              <a:rPr lang="zh-CN" altLang="en-US" dirty="0"/>
+              <a:rPr lang="zh-CN" altLang="en-US" sz="2000" dirty="0">
+                <a:latin typeface="+mn-ea"/>
+              </a:rPr>
               <a:t>或</a:t>
             </a:r>
             <a:r>
-              <a:rPr lang="en-US" altLang="zh-CN" dirty="0"/>
+              <a:rPr lang="en-US" altLang="zh-CN" sz="2000" dirty="0">
+                <a:latin typeface="+mn-ea"/>
+              </a:rPr>
               <a:t>environment!=</a:t>
             </a:r>
             <a:r>
-              <a:rPr lang="en-US" altLang="zh-CN" dirty="0" err="1"/>
+              <a:rPr lang="en-US" altLang="zh-CN" sz="2000" dirty="0" err="1">
+                <a:latin typeface="+mn-ea"/>
+              </a:rPr>
               <a:t>qa</a:t>
             </a:r>
             <a:r>
-              <a:rPr lang="zh-CN" altLang="en-US" dirty="0"/>
+              <a:rPr lang="zh-CN" altLang="en-US" sz="2000" dirty="0">
+                <a:latin typeface="+mn-ea"/>
+              </a:rPr>
               <a:t>），但</a:t>
             </a:r>
             <a:r>
-              <a:rPr lang="en-US" altLang="zh-CN" dirty="0" err="1"/>
+              <a:rPr lang="en-US" altLang="zh-CN" sz="2000" dirty="0" err="1">
+                <a:latin typeface="+mn-ea"/>
+              </a:rPr>
               <a:t>ReplicaSet</a:t>
             </a:r>
             <a:r>
-              <a:rPr lang="zh-CN" altLang="en-US" dirty="0"/>
+              <a:rPr lang="zh-CN" altLang="en-US" sz="2000" dirty="0">
+                <a:latin typeface="+mn-ea"/>
+              </a:rPr>
               <a:t>还支持新的，基于集合的</a:t>
             </a:r>
             <a:r>
-              <a:rPr lang="en-US" altLang="zh-CN" dirty="0"/>
+              <a:rPr lang="en-US" altLang="zh-CN" sz="2000" dirty="0">
+                <a:latin typeface="+mn-ea"/>
+              </a:rPr>
               <a:t>selector</a:t>
             </a:r>
             <a:r>
-              <a:rPr lang="zh-CN" altLang="en-US" dirty="0"/>
+              <a:rPr lang="zh-CN" altLang="en-US" sz="2000" dirty="0">
+                <a:latin typeface="+mn-ea"/>
+              </a:rPr>
               <a:t>（</a:t>
             </a:r>
             <a:r>
-              <a:rPr lang="en-US" altLang="zh-CN" dirty="0"/>
+              <a:rPr lang="en-US" altLang="zh-CN" sz="2000" dirty="0">
+                <a:latin typeface="+mn-ea"/>
+              </a:rPr>
               <a:t>version in (v1.0, v2.0)</a:t>
             </a:r>
             <a:r>
-              <a:rPr lang="zh-CN" altLang="en-US" dirty="0"/>
+              <a:rPr lang="zh-CN" altLang="en-US" sz="2000" dirty="0">
+                <a:latin typeface="+mn-ea"/>
+              </a:rPr>
               <a:t>或</a:t>
             </a:r>
             <a:r>
-              <a:rPr lang="en-US" altLang="zh-CN" dirty="0"/>
+              <a:rPr lang="en-US" altLang="zh-CN" sz="2000" dirty="0">
+                <a:latin typeface="+mn-ea"/>
+              </a:rPr>
               <a:t>env </a:t>
             </a:r>
             <a:r>
-              <a:rPr lang="en-US" altLang="zh-CN" dirty="0" err="1"/>
+              <a:rPr lang="en-US" altLang="zh-CN" sz="2000" dirty="0" err="1">
+                <a:latin typeface="+mn-ea"/>
+              </a:rPr>
               <a:t>notin</a:t>
             </a:r>
             <a:r>
-              <a:rPr lang="en-US" altLang="zh-CN" dirty="0"/>
+              <a:rPr lang="en-US" altLang="zh-CN" sz="2000" dirty="0">
+                <a:latin typeface="+mn-ea"/>
+              </a:rPr>
               <a:t> (dev, </a:t>
             </a:r>
             <a:r>
-              <a:rPr lang="en-US" altLang="zh-CN" dirty="0" err="1"/>
+              <a:rPr lang="en-US" altLang="zh-CN" sz="2000" dirty="0" err="1">
+                <a:latin typeface="+mn-ea"/>
+              </a:rPr>
               <a:t>qa</a:t>
             </a:r>
             <a:r>
-              <a:rPr lang="en-US" altLang="zh-CN" dirty="0"/>
+              <a:rPr lang="en-US" altLang="zh-CN" sz="2000" dirty="0">
+                <a:latin typeface="+mn-ea"/>
+              </a:rPr>
               <a:t>)</a:t>
             </a:r>
             <a:r>
-              <a:rPr lang="zh-CN" altLang="en-US" dirty="0"/>
+              <a:rPr lang="zh-CN" altLang="en-US" sz="2000" dirty="0">
+                <a:latin typeface="+mn-ea"/>
+              </a:rPr>
               <a:t>）。在试用时官方推荐</a:t>
             </a:r>
             <a:r>
-              <a:rPr lang="en-US" altLang="zh-CN" dirty="0" err="1"/>
+              <a:rPr lang="en-US" altLang="zh-CN" sz="2000" dirty="0" err="1">
+                <a:latin typeface="+mn-ea"/>
+              </a:rPr>
               <a:t>ReplicaSet</a:t>
             </a:r>
             <a:r>
-              <a:rPr lang="zh-CN" altLang="en-US" dirty="0"/>
+              <a:rPr lang="zh-CN" altLang="en-US" sz="2000" dirty="0">
+                <a:latin typeface="+mn-ea"/>
+              </a:rPr>
               <a:t>。</a:t>
             </a:r>
           </a:p>
@@ -16487,83 +16504,117 @@
               <a:buNone/>
             </a:pPr>
             <a:r>
-              <a:rPr lang="zh-CN" altLang="en-US" dirty="0"/>
+              <a:rPr lang="zh-CN" altLang="en-US" sz="2000" dirty="0">
+                <a:latin typeface="+mn-ea"/>
+              </a:rPr>
               <a:t>大多数</a:t>
             </a:r>
             <a:r>
-              <a:rPr lang="en-US" altLang="zh-CN" dirty="0" err="1">
-                <a:hlinkClick r:id="rId3"/>
+              <a:rPr lang="en-US" altLang="zh-CN" sz="2000" dirty="0">
+                <a:latin typeface="+mn-ea"/>
               </a:rPr>
               <a:t>kubectl</a:t>
             </a:r>
             <a:r>
-              <a:rPr lang="zh-CN" altLang="en-US" dirty="0"/>
+              <a:rPr lang="zh-CN" altLang="en-US" sz="2000" dirty="0">
+                <a:latin typeface="+mn-ea"/>
+              </a:rPr>
               <a:t>支持</a:t>
             </a:r>
             <a:r>
-              <a:rPr lang="en-US" altLang="zh-CN" i="1" dirty="0"/>
+              <a:rPr lang="en-US" altLang="zh-CN" sz="2000" i="1" dirty="0">
+                <a:latin typeface="+mn-ea"/>
+              </a:rPr>
               <a:t>Replication Controller</a:t>
             </a:r>
             <a:r>
-              <a:rPr lang="zh-CN" altLang="en-US" dirty="0"/>
+              <a:rPr lang="zh-CN" altLang="en-US" sz="2000" dirty="0">
+                <a:latin typeface="+mn-ea"/>
+              </a:rPr>
               <a:t>的命令也支持</a:t>
             </a:r>
             <a:r>
-              <a:rPr lang="en-US" altLang="zh-CN" dirty="0" err="1"/>
+              <a:rPr lang="en-US" altLang="zh-CN" sz="2000" dirty="0" err="1">
+                <a:latin typeface="+mn-ea"/>
+              </a:rPr>
               <a:t>ReplicaSets</a:t>
             </a:r>
             <a:r>
-              <a:rPr lang="zh-CN" altLang="en-US" dirty="0"/>
+              <a:rPr lang="zh-CN" altLang="en-US" sz="2000" dirty="0">
+                <a:latin typeface="+mn-ea"/>
+              </a:rPr>
               <a:t>。</a:t>
             </a:r>
             <a:r>
-              <a:rPr lang="en-US" altLang="zh-CN" dirty="0">
-                <a:hlinkClick r:id="rId4"/>
+              <a:rPr lang="en-US" altLang="zh-CN" sz="2000" dirty="0">
+                <a:latin typeface="+mn-ea"/>
               </a:rPr>
               <a:t>rolling-update</a:t>
             </a:r>
             <a:r>
-              <a:rPr lang="zh-CN" altLang="en-US" dirty="0"/>
+              <a:rPr lang="zh-CN" altLang="en-US" sz="2000" dirty="0">
+                <a:latin typeface="+mn-ea"/>
+              </a:rPr>
               <a:t>命令有一个例外 。如果您想要滚动更新功能，请考虑使用</a:t>
             </a:r>
             <a:r>
-              <a:rPr lang="en-US" altLang="zh-CN" dirty="0"/>
+              <a:rPr lang="en-US" altLang="zh-CN" sz="2000" dirty="0">
+                <a:latin typeface="+mn-ea"/>
+              </a:rPr>
               <a:t>Deployments</a:t>
             </a:r>
             <a:r>
-              <a:rPr lang="zh-CN" altLang="en-US" dirty="0"/>
+              <a:rPr lang="zh-CN" altLang="en-US" sz="2000" dirty="0">
+                <a:latin typeface="+mn-ea"/>
+              </a:rPr>
               <a:t>。此外， </a:t>
             </a:r>
             <a:r>
-              <a:rPr lang="en-US" altLang="zh-CN" dirty="0"/>
+              <a:rPr lang="en-US" altLang="zh-CN" sz="2000" dirty="0">
+                <a:latin typeface="+mn-ea"/>
+              </a:rPr>
               <a:t>rolling-update</a:t>
             </a:r>
             <a:r>
-              <a:rPr lang="zh-CN" altLang="en-US" dirty="0"/>
+              <a:rPr lang="zh-CN" altLang="en-US" sz="2000" dirty="0">
+                <a:latin typeface="+mn-ea"/>
+              </a:rPr>
               <a:t>命令是必须的，而</a:t>
             </a:r>
             <a:r>
-              <a:rPr lang="en-US" altLang="zh-CN" dirty="0"/>
+              <a:rPr lang="en-US" altLang="zh-CN" sz="2000" dirty="0">
+                <a:latin typeface="+mn-ea"/>
+              </a:rPr>
               <a:t>Deployments</a:t>
             </a:r>
             <a:r>
-              <a:rPr lang="zh-CN" altLang="en-US" dirty="0"/>
+              <a:rPr lang="zh-CN" altLang="en-US" sz="2000" dirty="0">
+                <a:latin typeface="+mn-ea"/>
+              </a:rPr>
               <a:t>是声明式的，因此我们建议通过</a:t>
             </a:r>
             <a:r>
-              <a:rPr lang="en-US" altLang="zh-CN" dirty="0"/>
+              <a:rPr lang="en-US" altLang="zh-CN" sz="2000" dirty="0">
+                <a:latin typeface="+mn-ea"/>
+              </a:rPr>
               <a:t>rollout</a:t>
             </a:r>
             <a:r>
-              <a:rPr lang="zh-CN" altLang="en-US" dirty="0"/>
+              <a:rPr lang="zh-CN" altLang="en-US" sz="2000" dirty="0">
+                <a:latin typeface="+mn-ea"/>
+              </a:rPr>
               <a:t>命令使用</a:t>
             </a:r>
             <a:r>
-              <a:rPr lang="en-US" altLang="zh-CN" dirty="0"/>
+              <a:rPr lang="en-US" altLang="zh-CN" sz="2000" dirty="0">
+                <a:latin typeface="+mn-ea"/>
+              </a:rPr>
               <a:t>Deployments</a:t>
             </a:r>
             <a:r>
-              <a:rPr lang="zh-CN" altLang="en-US" dirty="0"/>
+              <a:rPr lang="zh-CN" altLang="en-US" sz="2000" dirty="0">
+                <a:latin typeface="+mn-ea"/>
+              </a:rPr>
               <a:t>。</a:t>
             </a:r>
           </a:p>
@@ -16572,71 +16623,93 @@
               <a:buNone/>
             </a:pPr>
             <a:r>
-              <a:rPr lang="zh-CN" altLang="en-US" dirty="0"/>
+              <a:rPr lang="zh-CN" altLang="en-US" sz="2000" dirty="0">
+                <a:latin typeface="+mn-ea"/>
+              </a:rPr>
               <a:t>虽然</a:t>
             </a:r>
             <a:r>
-              <a:rPr lang="en-US" altLang="zh-CN" dirty="0" err="1"/>
+              <a:rPr lang="en-US" altLang="zh-CN" sz="2000" dirty="0" err="1">
+                <a:latin typeface="+mn-ea"/>
+              </a:rPr>
               <a:t>ReplicaSets</a:t>
             </a:r>
             <a:r>
-              <a:rPr lang="zh-CN" altLang="en-US" dirty="0"/>
+              <a:rPr lang="zh-CN" altLang="en-US" sz="2000" dirty="0">
+                <a:latin typeface="+mn-ea"/>
+              </a:rPr>
               <a:t>可以独立使用，但是今天它主要被 </a:t>
             </a:r>
             <a:r>
-              <a:rPr lang="en-US" altLang="zh-CN" dirty="0">
-                <a:hlinkClick r:id="rId5"/>
+              <a:rPr lang="en-US" altLang="zh-CN" sz="2000" dirty="0">
+                <a:latin typeface="+mn-ea"/>
+              </a:rPr>
+              <a:t>Deployments </a:t>
+            </a:r>
+            <a:r>
+              <a:rPr lang="zh-CN" altLang="en-US" sz="2000" dirty="0">
+                <a:latin typeface="+mn-ea"/>
+              </a:rPr>
+              <a:t>作为协调</a:t>
+            </a:r>
+            <a:r>
+              <a:rPr lang="en-US" altLang="zh-CN" sz="2000" dirty="0">
+                <a:latin typeface="+mn-ea"/>
+              </a:rPr>
+              <a:t>pod</a:t>
+            </a:r>
+            <a:r>
+              <a:rPr lang="zh-CN" altLang="en-US" sz="2000" dirty="0">
+                <a:latin typeface="+mn-ea"/>
+              </a:rPr>
+              <a:t>创建，删除和更新的机制。当您使用</a:t>
+            </a:r>
+            <a:r>
+              <a:rPr lang="en-US" altLang="zh-CN" sz="2000" dirty="0">
+                <a:latin typeface="+mn-ea"/>
               </a:rPr>
               <a:t>Deployments</a:t>
             </a:r>
             <a:r>
-              <a:rPr lang="en-US" altLang="zh-CN" dirty="0"/>
-              <a:t> </a:t>
-            </a:r>
-            <a:r>
-              <a:rPr lang="zh-CN" altLang="en-US" dirty="0"/>
-              <a:t>作为协调</a:t>
-            </a:r>
-            <a:r>
-              <a:rPr lang="en-US" altLang="zh-CN" dirty="0">
-                <a:hlinkClick r:id="rId6"/>
-              </a:rPr>
-              <a:t>pod</a:t>
-            </a:r>
-            <a:r>
-              <a:rPr lang="zh-CN" altLang="en-US" dirty="0"/>
-              <a:t>创建，删除和更新的机制。当您使用</a:t>
-            </a:r>
-            <a:r>
-              <a:rPr lang="en-US" altLang="zh-CN" dirty="0"/>
+              <a:rPr lang="zh-CN" altLang="en-US" sz="2000" dirty="0">
+                <a:latin typeface="+mn-ea"/>
+              </a:rPr>
+              <a:t>时，您不必担心管理他们创建的</a:t>
+            </a:r>
+            <a:r>
+              <a:rPr lang="en-US" altLang="zh-CN" sz="2000" dirty="0" err="1">
+                <a:latin typeface="+mn-ea"/>
+              </a:rPr>
+              <a:t>ReplicaSets</a:t>
+            </a:r>
+            <a:r>
+              <a:rPr lang="zh-CN" altLang="en-US" sz="2000" dirty="0">
+                <a:latin typeface="+mn-ea"/>
+              </a:rPr>
+              <a:t>。</a:t>
+            </a:r>
+            <a:r>
+              <a:rPr lang="en-US" altLang="zh-CN" sz="2000" dirty="0">
+                <a:latin typeface="+mn-ea"/>
+              </a:rPr>
               <a:t>Deployments</a:t>
             </a:r>
             <a:r>
-              <a:rPr lang="zh-CN" altLang="en-US" dirty="0"/>
-              <a:t>时，您不必担心管理他们创建的</a:t>
-            </a:r>
-            <a:r>
-              <a:rPr lang="en-US" altLang="zh-CN" dirty="0" err="1"/>
+              <a:rPr lang="zh-CN" altLang="en-US" sz="2000" dirty="0">
+                <a:latin typeface="+mn-ea"/>
+              </a:rPr>
+              <a:t>拥有并管理其</a:t>
+            </a:r>
+            <a:r>
+              <a:rPr lang="en-US" altLang="zh-CN" sz="2000" dirty="0" err="1">
+                <a:latin typeface="+mn-ea"/>
+              </a:rPr>
               <a:t>ReplicaSets</a:t>
             </a:r>
             <a:r>
-              <a:rPr lang="zh-CN" altLang="en-US" dirty="0"/>
-              <a:t>。</a:t>
-            </a:r>
-            <a:r>
-              <a:rPr lang="en-US" altLang="zh-CN" dirty="0"/>
-              <a:t>Deployments</a:t>
-            </a:r>
-            <a:r>
-              <a:rPr lang="zh-CN" altLang="en-US" dirty="0"/>
-              <a:t>拥有并管理其</a:t>
-            </a:r>
-            <a:r>
-              <a:rPr lang="en-US" altLang="zh-CN" dirty="0" err="1"/>
-              <a:t>ReplicaSets</a:t>
-            </a:r>
-            <a:r>
-              <a:rPr lang="zh-CN" altLang="en-US" dirty="0"/>
+              <a:rPr lang="zh-CN" altLang="en-US" sz="2000" dirty="0">
+                <a:latin typeface="+mn-ea"/>
+              </a:rPr>
               <a:t>。</a:t>
             </a:r>
           </a:p>
@@ -16644,7 +16717,9 @@
             <a:pPr marL="0" indent="0">
               <a:buNone/>
             </a:pPr>
-            <a:endParaRPr lang="zh-CN" altLang="en-US" dirty="0"/>
+            <a:endParaRPr lang="zh-CN" altLang="en-US" sz="2000" dirty="0">
+              <a:latin typeface="+mn-ea"/>
+            </a:endParaRPr>
           </a:p>
         </p:txBody>
       </p:sp>
@@ -16694,12 +16769,7 @@
             <p:ph type="title"/>
           </p:nvPr>
         </p:nvSpPr>
-        <p:spPr>
-          <a:xfrm>
-            <a:off x="838200" y="365126"/>
-            <a:ext cx="10515600" cy="644968"/>
-          </a:xfrm>
-        </p:spPr>
+        <p:spPr/>
         <p:txBody>
           <a:bodyPr>
             <a:normAutofit/>
@@ -16732,13 +16802,13 @@
         </p:nvSpPr>
         <p:spPr>
           <a:xfrm>
-            <a:off x="838200" y="1010094"/>
-            <a:ext cx="10515600" cy="5166869"/>
+            <a:off x="838200" y="1443070"/>
+            <a:ext cx="10515600" cy="4351338"/>
           </a:xfrm>
         </p:spPr>
         <p:txBody>
           <a:bodyPr>
-            <a:normAutofit fontScale="77500" lnSpcReduction="20000"/>
+            <a:noAutofit/>
           </a:bodyPr>
           <a:lstStyle/>
           <a:p>
@@ -16746,36 +16816,40 @@
               <a:buNone/>
             </a:pPr>
             <a:r>
-              <a:rPr lang="en-US" altLang="zh-CN" dirty="0"/>
+              <a:rPr lang="en-US" altLang="zh-CN" sz="1800" dirty="0">
+                <a:latin typeface="+mn-ea"/>
+              </a:rPr>
               <a:t>Deployment</a:t>
             </a:r>
             <a:r>
-              <a:rPr lang="zh-CN" altLang="en-US" dirty="0"/>
+              <a:rPr lang="zh-CN" altLang="en-US" sz="1800" dirty="0">
+                <a:latin typeface="+mn-ea"/>
+              </a:rPr>
               <a:t>为</a:t>
             </a:r>
             <a:r>
-              <a:rPr lang="en-US" altLang="zh-CN" dirty="0"/>
+              <a:rPr lang="en-US" altLang="zh-CN" sz="1800" dirty="0">
+                <a:latin typeface="+mn-ea"/>
+              </a:rPr>
               <a:t>Pod</a:t>
             </a:r>
             <a:r>
-              <a:rPr lang="zh-CN" altLang="en-US" dirty="0"/>
+              <a:rPr lang="zh-CN" altLang="en-US" sz="1800" dirty="0">
+                <a:latin typeface="+mn-ea"/>
+              </a:rPr>
               <a:t>和</a:t>
             </a:r>
             <a:r>
-              <a:rPr lang="en-US" altLang="zh-CN" dirty="0"/>
-              <a:t>Replica Set</a:t>
-            </a:r>
-            <a:r>
-              <a:rPr lang="zh-CN" altLang="en-US" dirty="0"/>
-              <a:t>（下一代</a:t>
-            </a:r>
-            <a:r>
-              <a:rPr lang="en-US" altLang="zh-CN" dirty="0"/>
-              <a:t>Replication Controller</a:t>
-            </a:r>
-            <a:r>
-              <a:rPr lang="zh-CN" altLang="en-US" dirty="0"/>
-              <a:t>）提供声明式更新。</a:t>
+              <a:rPr lang="en-US" altLang="zh-CN" sz="1800" dirty="0" err="1">
+                <a:latin typeface="+mn-ea"/>
+              </a:rPr>
+              <a:t>ReplicaSet</a:t>
+            </a:r>
+            <a:r>
+              <a:rPr lang="zh-CN" altLang="en-US" sz="1800" dirty="0">
+                <a:latin typeface="+mn-ea"/>
+              </a:rPr>
+              <a:t>提供声明式更新。</a:t>
             </a:r>
           </a:p>
           <a:p>
@@ -16783,55 +16857,81 @@
               <a:buNone/>
             </a:pPr>
             <a:r>
-              <a:rPr lang="zh-CN" altLang="en-US" dirty="0"/>
+              <a:rPr lang="zh-CN" altLang="en-US" sz="1800" dirty="0">
+                <a:latin typeface="+mn-ea"/>
+              </a:rPr>
               <a:t>你只需要在</a:t>
             </a:r>
             <a:r>
-              <a:rPr lang="en-US" altLang="zh-CN" dirty="0"/>
+              <a:rPr lang="en-US" altLang="zh-CN" sz="1800" dirty="0">
+                <a:latin typeface="+mn-ea"/>
+              </a:rPr>
               <a:t>Deployment</a:t>
             </a:r>
             <a:r>
-              <a:rPr lang="zh-CN" altLang="en-US" dirty="0"/>
+              <a:rPr lang="zh-CN" altLang="en-US" sz="1800" dirty="0">
+                <a:latin typeface="+mn-ea"/>
+              </a:rPr>
               <a:t>中描述你想要的目标状态是什么，</a:t>
             </a:r>
             <a:r>
-              <a:rPr lang="en-US" altLang="zh-CN" dirty="0"/>
+              <a:rPr lang="en-US" altLang="zh-CN" sz="1800" dirty="0">
+                <a:latin typeface="+mn-ea"/>
+              </a:rPr>
               <a:t>Deployment controller</a:t>
             </a:r>
             <a:r>
-              <a:rPr lang="zh-CN" altLang="en-US" dirty="0"/>
+              <a:rPr lang="zh-CN" altLang="en-US" sz="1800" dirty="0">
+                <a:latin typeface="+mn-ea"/>
+              </a:rPr>
               <a:t>就会帮你将</a:t>
             </a:r>
             <a:r>
-              <a:rPr lang="en-US" altLang="zh-CN" dirty="0"/>
+              <a:rPr lang="en-US" altLang="zh-CN" sz="1800" dirty="0">
+                <a:latin typeface="+mn-ea"/>
+              </a:rPr>
               <a:t>Pod</a:t>
             </a:r>
             <a:r>
-              <a:rPr lang="zh-CN" altLang="en-US" dirty="0"/>
+              <a:rPr lang="zh-CN" altLang="en-US" sz="1800" dirty="0">
+                <a:latin typeface="+mn-ea"/>
+              </a:rPr>
               <a:t>和</a:t>
             </a:r>
             <a:r>
-              <a:rPr lang="en-US" altLang="zh-CN" dirty="0"/>
-              <a:t>Replica Set</a:t>
-            </a:r>
-            <a:r>
-              <a:rPr lang="zh-CN" altLang="en-US" dirty="0"/>
+              <a:rPr lang="en-US" altLang="zh-CN" sz="1800" dirty="0" err="1">
+                <a:latin typeface="+mn-ea"/>
+              </a:rPr>
+              <a:t>ReplicaSet</a:t>
+            </a:r>
+            <a:r>
+              <a:rPr lang="zh-CN" altLang="en-US" sz="1800" dirty="0">
+                <a:latin typeface="+mn-ea"/>
+              </a:rPr>
               <a:t>的实际状态改变到你的目标状态。你可以定义一个全新的</a:t>
             </a:r>
             <a:r>
-              <a:rPr lang="en-US" altLang="zh-CN" dirty="0"/>
+              <a:rPr lang="en-US" altLang="zh-CN" sz="1800" dirty="0">
+                <a:latin typeface="+mn-ea"/>
+              </a:rPr>
               <a:t>Deployment</a:t>
             </a:r>
             <a:r>
-              <a:rPr lang="zh-CN" altLang="en-US" dirty="0"/>
+              <a:rPr lang="zh-CN" altLang="en-US" sz="1800" dirty="0">
+                <a:latin typeface="+mn-ea"/>
+              </a:rPr>
               <a:t>，也可以创建一个新的替换旧的</a:t>
             </a:r>
             <a:r>
-              <a:rPr lang="en-US" altLang="zh-CN" dirty="0"/>
+              <a:rPr lang="en-US" altLang="zh-CN" sz="1800" dirty="0">
+                <a:latin typeface="+mn-ea"/>
+              </a:rPr>
               <a:t>Deployment</a:t>
             </a:r>
             <a:r>
-              <a:rPr lang="zh-CN" altLang="en-US" dirty="0"/>
+              <a:rPr lang="zh-CN" altLang="en-US" sz="1800" dirty="0">
+                <a:latin typeface="+mn-ea"/>
+              </a:rPr>
               <a:t>。</a:t>
             </a:r>
           </a:p>
@@ -16840,222 +16940,327 @@
               <a:buNone/>
             </a:pPr>
             <a:r>
-              <a:rPr lang="zh-CN" altLang="en-US" dirty="0"/>
+              <a:rPr lang="zh-CN" altLang="en-US" sz="1800" dirty="0">
+                <a:latin typeface="+mn-ea"/>
+              </a:rPr>
               <a:t>一个典型的用例如下：</a:t>
             </a:r>
           </a:p>
           <a:p>
             <a:r>
-              <a:rPr lang="zh-CN" altLang="en-US" dirty="0"/>
+              <a:rPr lang="zh-CN" altLang="en-US" sz="1800" dirty="0">
+                <a:latin typeface="+mn-ea"/>
+              </a:rPr>
               <a:t>使用</a:t>
             </a:r>
             <a:r>
-              <a:rPr lang="en-US" altLang="zh-CN" dirty="0"/>
+              <a:rPr lang="en-US" altLang="zh-CN" sz="1800" dirty="0">
+                <a:latin typeface="+mn-ea"/>
+              </a:rPr>
               <a:t>Deployment</a:t>
             </a:r>
             <a:r>
-              <a:rPr lang="zh-CN" altLang="en-US" dirty="0"/>
+              <a:rPr lang="zh-CN" altLang="en-US" sz="1800" dirty="0">
+                <a:latin typeface="+mn-ea"/>
+              </a:rPr>
               <a:t>来创建</a:t>
             </a:r>
             <a:r>
-              <a:rPr lang="en-US" altLang="zh-CN" dirty="0" err="1"/>
+              <a:rPr lang="en-US" altLang="zh-CN" sz="1800" dirty="0" err="1">
+                <a:latin typeface="+mn-ea"/>
+              </a:rPr>
               <a:t>ReplicaSet</a:t>
             </a:r>
             <a:r>
-              <a:rPr lang="zh-CN" altLang="en-US" dirty="0"/>
+              <a:rPr lang="zh-CN" altLang="en-US" sz="1800" dirty="0">
+                <a:latin typeface="+mn-ea"/>
+              </a:rPr>
               <a:t>。</a:t>
             </a:r>
             <a:r>
-              <a:rPr lang="en-US" altLang="zh-CN" dirty="0" err="1"/>
+              <a:rPr lang="en-US" altLang="zh-CN" sz="1800" dirty="0" err="1">
+                <a:latin typeface="+mn-ea"/>
+              </a:rPr>
               <a:t>ReplicaSet</a:t>
             </a:r>
             <a:r>
-              <a:rPr lang="zh-CN" altLang="en-US" dirty="0"/>
+              <a:rPr lang="zh-CN" altLang="en-US" sz="1800" dirty="0">
+                <a:latin typeface="+mn-ea"/>
+              </a:rPr>
               <a:t>在后台创建</a:t>
             </a:r>
             <a:r>
-              <a:rPr lang="en-US" altLang="zh-CN" dirty="0"/>
+              <a:rPr lang="en-US" altLang="zh-CN" sz="1800" dirty="0">
+                <a:latin typeface="+mn-ea"/>
+              </a:rPr>
               <a:t>pod</a:t>
             </a:r>
             <a:r>
-              <a:rPr lang="zh-CN" altLang="en-US" dirty="0"/>
+              <a:rPr lang="zh-CN" altLang="en-US" sz="1800" dirty="0">
+                <a:latin typeface="+mn-ea"/>
+              </a:rPr>
               <a:t>。检查启动状态，看它是成功还是失败。</a:t>
             </a:r>
           </a:p>
           <a:p>
             <a:r>
-              <a:rPr lang="zh-CN" altLang="en-US" dirty="0"/>
+              <a:rPr lang="zh-CN" altLang="en-US" sz="1800" dirty="0">
+                <a:latin typeface="+mn-ea"/>
+              </a:rPr>
               <a:t>然后，通过更新</a:t>
             </a:r>
             <a:r>
-              <a:rPr lang="en-US" altLang="zh-CN" dirty="0"/>
+              <a:rPr lang="en-US" altLang="zh-CN" sz="1800" dirty="0">
+                <a:latin typeface="+mn-ea"/>
+              </a:rPr>
               <a:t>Deployment</a:t>
             </a:r>
             <a:r>
-              <a:rPr lang="zh-CN" altLang="en-US" dirty="0"/>
+              <a:rPr lang="zh-CN" altLang="en-US" sz="1800" dirty="0">
+                <a:latin typeface="+mn-ea"/>
+              </a:rPr>
               <a:t>的</a:t>
             </a:r>
             <a:r>
-              <a:rPr lang="en-US" altLang="zh-CN" dirty="0" err="1"/>
+              <a:rPr lang="en-US" altLang="zh-CN" sz="1800" dirty="0" err="1">
+                <a:latin typeface="+mn-ea"/>
+              </a:rPr>
               <a:t>PodTemplateSpec</a:t>
             </a:r>
             <a:r>
-              <a:rPr lang="zh-CN" altLang="en-US" dirty="0"/>
+              <a:rPr lang="zh-CN" altLang="en-US" sz="1800" dirty="0">
+                <a:latin typeface="+mn-ea"/>
+              </a:rPr>
               <a:t>字段来声明</a:t>
             </a:r>
             <a:r>
-              <a:rPr lang="en-US" altLang="zh-CN" dirty="0"/>
+              <a:rPr lang="en-US" altLang="zh-CN" sz="1800" dirty="0">
+                <a:latin typeface="+mn-ea"/>
+              </a:rPr>
               <a:t>Pod</a:t>
             </a:r>
             <a:r>
-              <a:rPr lang="zh-CN" altLang="en-US" dirty="0"/>
+              <a:rPr lang="zh-CN" altLang="en-US" sz="1800" dirty="0">
+                <a:latin typeface="+mn-ea"/>
+              </a:rPr>
               <a:t>的新状态。这会创建一个新的</a:t>
             </a:r>
             <a:r>
-              <a:rPr lang="en-US" altLang="zh-CN" dirty="0" err="1"/>
+              <a:rPr lang="en-US" altLang="zh-CN" sz="1800" dirty="0" err="1">
+                <a:latin typeface="+mn-ea"/>
+              </a:rPr>
               <a:t>ReplicaSet</a:t>
             </a:r>
             <a:r>
-              <a:rPr lang="zh-CN" altLang="en-US" dirty="0"/>
+              <a:rPr lang="zh-CN" altLang="en-US" sz="1800" dirty="0">
+                <a:latin typeface="+mn-ea"/>
+              </a:rPr>
               <a:t>，</a:t>
             </a:r>
             <a:r>
-              <a:rPr lang="en-US" altLang="zh-CN" dirty="0"/>
+              <a:rPr lang="en-US" altLang="zh-CN" sz="1800" dirty="0">
+                <a:latin typeface="+mn-ea"/>
+              </a:rPr>
               <a:t>Deployment</a:t>
             </a:r>
             <a:r>
-              <a:rPr lang="zh-CN" altLang="en-US" dirty="0"/>
+              <a:rPr lang="zh-CN" altLang="en-US" sz="1800" dirty="0">
+                <a:latin typeface="+mn-ea"/>
+              </a:rPr>
               <a:t>会按照控制的速率将</a:t>
             </a:r>
             <a:r>
-              <a:rPr lang="en-US" altLang="zh-CN" dirty="0"/>
+              <a:rPr lang="en-US" altLang="zh-CN" sz="1800" dirty="0">
+                <a:latin typeface="+mn-ea"/>
+              </a:rPr>
               <a:t>pod</a:t>
             </a:r>
             <a:r>
-              <a:rPr lang="zh-CN" altLang="en-US" dirty="0"/>
+              <a:rPr lang="zh-CN" altLang="en-US" sz="1800" dirty="0">
+                <a:latin typeface="+mn-ea"/>
+              </a:rPr>
               <a:t>从旧的</a:t>
             </a:r>
             <a:r>
-              <a:rPr lang="en-US" altLang="zh-CN" dirty="0" err="1"/>
+              <a:rPr lang="en-US" altLang="zh-CN" sz="1800" dirty="0" err="1">
+                <a:latin typeface="+mn-ea"/>
+              </a:rPr>
               <a:t>ReplicaSet</a:t>
             </a:r>
             <a:r>
-              <a:rPr lang="zh-CN" altLang="en-US" dirty="0"/>
+              <a:rPr lang="zh-CN" altLang="en-US" sz="1800" dirty="0">
+                <a:latin typeface="+mn-ea"/>
+              </a:rPr>
               <a:t>移动到新的</a:t>
             </a:r>
             <a:r>
-              <a:rPr lang="en-US" altLang="zh-CN" dirty="0" err="1"/>
+              <a:rPr lang="en-US" altLang="zh-CN" sz="1800" dirty="0" err="1">
+                <a:latin typeface="+mn-ea"/>
+              </a:rPr>
               <a:t>ReplicaSet</a:t>
             </a:r>
             <a:r>
-              <a:rPr lang="zh-CN" altLang="en-US" dirty="0"/>
+              <a:rPr lang="zh-CN" altLang="en-US" sz="1800" dirty="0">
+                <a:latin typeface="+mn-ea"/>
+              </a:rPr>
               <a:t>中。</a:t>
             </a:r>
           </a:p>
           <a:p>
             <a:r>
-              <a:rPr lang="zh-CN" altLang="en-US" dirty="0"/>
+              <a:rPr lang="zh-CN" altLang="en-US" sz="1800" dirty="0">
+                <a:latin typeface="+mn-ea"/>
+              </a:rPr>
               <a:t>如果当前状态不稳定，回滚到之前的</a:t>
             </a:r>
             <a:r>
-              <a:rPr lang="en-US" altLang="zh-CN" dirty="0"/>
+              <a:rPr lang="en-US" altLang="zh-CN" sz="1800" dirty="0">
+                <a:latin typeface="+mn-ea"/>
+              </a:rPr>
               <a:t>Deployment revision</a:t>
             </a:r>
             <a:r>
-              <a:rPr lang="zh-CN" altLang="en-US" dirty="0"/>
+              <a:rPr lang="zh-CN" altLang="en-US" sz="1800" dirty="0">
+                <a:latin typeface="+mn-ea"/>
+              </a:rPr>
               <a:t>。每次回滚都会更新</a:t>
             </a:r>
             <a:r>
-              <a:rPr lang="en-US" altLang="zh-CN" dirty="0"/>
+              <a:rPr lang="en-US" altLang="zh-CN" sz="1800" dirty="0">
+                <a:latin typeface="+mn-ea"/>
+              </a:rPr>
               <a:t>Deployment</a:t>
             </a:r>
             <a:r>
-              <a:rPr lang="zh-CN" altLang="en-US" dirty="0"/>
+              <a:rPr lang="zh-CN" altLang="en-US" sz="1800" dirty="0">
+                <a:latin typeface="+mn-ea"/>
+              </a:rPr>
               <a:t>的</a:t>
             </a:r>
             <a:r>
-              <a:rPr lang="en-US" altLang="zh-CN" dirty="0"/>
+              <a:rPr lang="en-US" altLang="zh-CN" sz="1800" dirty="0">
+                <a:latin typeface="+mn-ea"/>
+              </a:rPr>
               <a:t>revision</a:t>
             </a:r>
             <a:r>
-              <a:rPr lang="zh-CN" altLang="en-US" dirty="0"/>
+              <a:rPr lang="zh-CN" altLang="en-US" sz="1800" dirty="0">
+                <a:latin typeface="+mn-ea"/>
+              </a:rPr>
               <a:t>。</a:t>
             </a:r>
           </a:p>
           <a:p>
             <a:r>
-              <a:rPr lang="zh-CN" altLang="en-US" dirty="0"/>
+              <a:rPr lang="zh-CN" altLang="en-US" sz="1800" dirty="0">
+                <a:latin typeface="+mn-ea"/>
+              </a:rPr>
               <a:t>扩容</a:t>
             </a:r>
             <a:r>
-              <a:rPr lang="en-US" altLang="zh-CN" dirty="0"/>
+              <a:rPr lang="en-US" altLang="zh-CN" sz="1800" dirty="0">
+                <a:latin typeface="+mn-ea"/>
+              </a:rPr>
               <a:t>Deployment</a:t>
             </a:r>
             <a:r>
-              <a:rPr lang="zh-CN" altLang="en-US" dirty="0"/>
+              <a:rPr lang="zh-CN" altLang="en-US" sz="1800" dirty="0">
+                <a:latin typeface="+mn-ea"/>
+              </a:rPr>
               <a:t>以满足更高的负载。</a:t>
             </a:r>
           </a:p>
           <a:p>
             <a:r>
-              <a:rPr lang="zh-CN" altLang="en-US" dirty="0"/>
+              <a:rPr lang="zh-CN" altLang="en-US" sz="1800" dirty="0">
+                <a:latin typeface="+mn-ea"/>
+              </a:rPr>
               <a:t>暂停</a:t>
             </a:r>
             <a:r>
-              <a:rPr lang="en-US" altLang="zh-CN" dirty="0"/>
+              <a:rPr lang="en-US" altLang="zh-CN" sz="1800" dirty="0">
+                <a:latin typeface="+mn-ea"/>
+              </a:rPr>
               <a:t>Deployment</a:t>
             </a:r>
             <a:r>
-              <a:rPr lang="zh-CN" altLang="en-US" dirty="0"/>
+              <a:rPr lang="zh-CN" altLang="en-US" sz="1800" dirty="0">
+                <a:latin typeface="+mn-ea"/>
+              </a:rPr>
               <a:t>来应用</a:t>
             </a:r>
             <a:r>
-              <a:rPr lang="en-US" altLang="zh-CN" dirty="0" err="1"/>
+              <a:rPr lang="en-US" altLang="zh-CN" sz="1800" dirty="0" err="1">
+                <a:latin typeface="+mn-ea"/>
+              </a:rPr>
               <a:t>PodTemplateSpec</a:t>
             </a:r>
             <a:r>
-              <a:rPr lang="zh-CN" altLang="en-US" dirty="0"/>
+              <a:rPr lang="zh-CN" altLang="en-US" sz="1800" dirty="0">
+                <a:latin typeface="+mn-ea"/>
+              </a:rPr>
               <a:t>的多个修复，然后恢复上线。</a:t>
             </a:r>
           </a:p>
           <a:p>
             <a:r>
-              <a:rPr lang="zh-CN" altLang="en-US" dirty="0"/>
+              <a:rPr lang="zh-CN" altLang="en-US" sz="1800" dirty="0">
+                <a:latin typeface="+mn-ea"/>
+              </a:rPr>
               <a:t>根据</a:t>
             </a:r>
             <a:r>
-              <a:rPr lang="en-US" altLang="zh-CN" dirty="0"/>
+              <a:rPr lang="en-US" altLang="zh-CN" sz="1800" dirty="0">
+                <a:latin typeface="+mn-ea"/>
+              </a:rPr>
               <a:t>Deployment </a:t>
             </a:r>
             <a:r>
-              <a:rPr lang="zh-CN" altLang="en-US" dirty="0"/>
+              <a:rPr lang="zh-CN" altLang="en-US" sz="1800" dirty="0">
+                <a:latin typeface="+mn-ea"/>
+              </a:rPr>
               <a:t>的状态判断上线是否</a:t>
             </a:r>
             <a:r>
-              <a:rPr lang="en-US" altLang="zh-CN" dirty="0"/>
+              <a:rPr lang="en-US" altLang="zh-CN" sz="1800" dirty="0">
+                <a:latin typeface="+mn-ea"/>
+              </a:rPr>
               <a:t>hang</a:t>
             </a:r>
             <a:r>
-              <a:rPr lang="zh-CN" altLang="en-US" dirty="0"/>
+              <a:rPr lang="zh-CN" altLang="en-US" sz="1800" dirty="0">
+                <a:latin typeface="+mn-ea"/>
+              </a:rPr>
               <a:t>住了。</a:t>
             </a:r>
           </a:p>
           <a:p>
             <a:r>
-              <a:rPr lang="zh-CN" altLang="en-US" dirty="0"/>
+              <a:rPr lang="zh-CN" altLang="en-US" sz="1800" dirty="0">
+                <a:latin typeface="+mn-ea"/>
+              </a:rPr>
               <a:t>清除旧的不必要的</a:t>
             </a:r>
             <a:r>
-              <a:rPr lang="en-US" altLang="zh-CN" dirty="0" err="1"/>
+              <a:rPr lang="en-US" altLang="zh-CN" sz="1800" dirty="0" err="1">
+                <a:latin typeface="+mn-ea"/>
+              </a:rPr>
               <a:t>ReplicaSet</a:t>
             </a:r>
             <a:r>
-              <a:rPr lang="zh-CN" altLang="en-US" dirty="0"/>
+              <a:rPr lang="zh-CN" altLang="en-US" sz="1800" dirty="0">
+                <a:latin typeface="+mn-ea"/>
+              </a:rPr>
               <a:t>。</a:t>
             </a:r>
           </a:p>
           <a:p>
-            <a:endParaRPr lang="zh-CN" altLang="en-US" dirty="0"/>
+            <a:pPr marL="0" indent="0">
+              <a:buNone/>
+            </a:pPr>
+            <a:endParaRPr lang="zh-CN" altLang="en-US" sz="1800" dirty="0">
+              <a:latin typeface="+mn-ea"/>
+            </a:endParaRPr>
           </a:p>
         </p:txBody>
       </p:sp>
@@ -17105,12 +17310,7 @@
             <p:ph type="title"/>
           </p:nvPr>
         </p:nvSpPr>
-        <p:spPr>
-          <a:xfrm>
-            <a:off x="838200" y="365126"/>
-            <a:ext cx="10515600" cy="644968"/>
-          </a:xfrm>
-        </p:spPr>
+        <p:spPr/>
         <p:txBody>
           <a:bodyPr>
             <a:normAutofit/>
@@ -17141,12 +17341,7 @@
             <p:ph idx="1"/>
           </p:nvPr>
         </p:nvSpPr>
-        <p:spPr>
-          <a:xfrm>
-            <a:off x="838200" y="1010094"/>
-            <a:ext cx="10515600" cy="5166869"/>
-          </a:xfrm>
-        </p:spPr>
+        <p:spPr/>
         <p:txBody>
           <a:bodyPr/>
           <a:lstStyle/>
@@ -17585,12 +17780,7 @@
             <p:ph type="title"/>
           </p:nvPr>
         </p:nvSpPr>
-        <p:spPr>
-          <a:xfrm>
-            <a:off x="838200" y="365126"/>
-            <a:ext cx="10515600" cy="644968"/>
-          </a:xfrm>
-        </p:spPr>
+        <p:spPr/>
         <p:txBody>
           <a:bodyPr>
             <a:normAutofit/>
@@ -17621,49 +17811,49 @@
             <p:ph idx="1"/>
             <p:extLst>
               <p:ext uri="{D42A27DB-BD31-4B8C-83A1-F6EECF244321}">
-                <p14:modId xmlns:p14="http://schemas.microsoft.com/office/powerpoint/2010/main" val="1658479286"/>
+                <p14:modId xmlns:p14="http://schemas.microsoft.com/office/powerpoint/2010/main" val="2828822627"/>
               </p:ext>
             </p:extLst>
           </p:nvPr>
         </p:nvGraphicFramePr>
         <p:xfrm>
-          <a:off x="756356" y="3530480"/>
-          <a:ext cx="10701865" cy="2317426"/>
+          <a:off x="839240" y="3897021"/>
+          <a:ext cx="10514560" cy="2317426"/>
         </p:xfrm>
         <a:graphic>
           <a:graphicData uri="http://schemas.openxmlformats.org/drawingml/2006/table">
             <a:tbl>
               <a:tblPr/>
               <a:tblGrid>
-                <a:gridCol w="2140373">
+                <a:gridCol w="2102912">
                   <a:extLst>
                     <a:ext uri="{9D8B030D-6E8A-4147-A177-3AD203B41FA5}">
                       <a16:colId xmlns:a16="http://schemas.microsoft.com/office/drawing/2014/main" val="2840272133"/>
                     </a:ext>
                   </a:extLst>
                 </a:gridCol>
-                <a:gridCol w="2140373">
+                <a:gridCol w="2102912">
                   <a:extLst>
                     <a:ext uri="{9D8B030D-6E8A-4147-A177-3AD203B41FA5}">
                       <a16:colId xmlns:a16="http://schemas.microsoft.com/office/drawing/2014/main" val="536369449"/>
                     </a:ext>
                   </a:extLst>
                 </a:gridCol>
-                <a:gridCol w="2140373">
+                <a:gridCol w="2102912">
                   <a:extLst>
                     <a:ext uri="{9D8B030D-6E8A-4147-A177-3AD203B41FA5}">
                       <a16:colId xmlns:a16="http://schemas.microsoft.com/office/drawing/2014/main" val="262121810"/>
                     </a:ext>
                   </a:extLst>
                 </a:gridCol>
-                <a:gridCol w="2140373">
+                <a:gridCol w="2102912">
                   <a:extLst>
                     <a:ext uri="{9D8B030D-6E8A-4147-A177-3AD203B41FA5}">
                       <a16:colId xmlns:a16="http://schemas.microsoft.com/office/drawing/2014/main" val="2361163766"/>
                     </a:ext>
                   </a:extLst>
                 </a:gridCol>
-                <a:gridCol w="2140373">
+                <a:gridCol w="2102912">
                   <a:extLst>
                     <a:ext uri="{9D8B030D-6E8A-4147-A177-3AD203B41FA5}">
                       <a16:colId xmlns:a16="http://schemas.microsoft.com/office/drawing/2014/main" val="719607384"/>
@@ -17692,7 +17882,7 @@
                       </a:r>
                     </a:p>
                   </a:txBody>
-                  <a:tcPr marL="52407" marR="52407" marT="26203" marB="26203" anchor="ctr">
+                  <a:tcPr marL="51490" marR="51490" marT="26203" marB="26203" anchor="ctr">
                     <a:lnL w="7620" cap="flat" cmpd="sng" algn="ctr">
                       <a:solidFill>
                         <a:srgbClr val="DDDDDD"/>
@@ -17748,7 +17938,7 @@
                       </a:r>
                     </a:p>
                   </a:txBody>
-                  <a:tcPr marL="52407" marR="52407" marT="26203" marB="26203" anchor="ctr">
+                  <a:tcPr marL="51490" marR="51490" marT="26203" marB="26203" anchor="ctr">
                     <a:lnL w="7620" cap="flat" cmpd="sng" algn="ctr">
                       <a:solidFill>
                         <a:srgbClr val="DDDDDD"/>
@@ -17804,7 +17994,7 @@
                       </a:r>
                     </a:p>
                   </a:txBody>
-                  <a:tcPr marL="52407" marR="52407" marT="26203" marB="26203" anchor="ctr">
+                  <a:tcPr marL="51490" marR="51490" marT="26203" marB="26203" anchor="ctr">
                     <a:lnL w="7620" cap="flat" cmpd="sng" algn="ctr">
                       <a:solidFill>
                         <a:srgbClr val="DDDDDD"/>
@@ -17860,7 +18050,7 @@
                       </a:r>
                     </a:p>
                   </a:txBody>
-                  <a:tcPr marL="52407" marR="52407" marT="26203" marB="26203" anchor="ctr">
+                  <a:tcPr marL="51490" marR="51490" marT="26203" marB="26203" anchor="ctr">
                     <a:lnL w="7620" cap="flat" cmpd="sng" algn="ctr">
                       <a:solidFill>
                         <a:srgbClr val="DDDDDD"/>
@@ -17916,7 +18106,7 @@
                       </a:r>
                     </a:p>
                   </a:txBody>
-                  <a:tcPr marL="52407" marR="52407" marT="26203" marB="26203" anchor="ctr">
+                  <a:tcPr marL="51490" marR="51490" marT="26203" marB="26203" anchor="ctr">
                     <a:lnL w="7620" cap="flat" cmpd="sng" algn="ctr">
                       <a:solidFill>
                         <a:srgbClr val="DDDDDD"/>
@@ -17984,7 +18174,7 @@
                       </a:r>
                     </a:p>
                   </a:txBody>
-                  <a:tcPr marL="52407" marR="52407" marT="26203" marB="26203" anchor="ctr">
+                  <a:tcPr marL="51490" marR="51490" marT="26203" marB="26203" anchor="ctr">
                     <a:lnL w="7620" cap="flat" cmpd="sng" algn="ctr">
                       <a:solidFill>
                         <a:srgbClr val="DDDDDD"/>
@@ -18039,7 +18229,7 @@
                       </a:r>
                     </a:p>
                   </a:txBody>
-                  <a:tcPr marL="52407" marR="52407" marT="26203" marB="26203" anchor="ctr">
+                  <a:tcPr marL="51490" marR="51490" marT="26203" marB="26203" anchor="ctr">
                     <a:lnL w="7620" cap="flat" cmpd="sng" algn="ctr">
                       <a:solidFill>
                         <a:srgbClr val="DDDDDD"/>
@@ -18106,7 +18296,7 @@
                       </a:r>
                     </a:p>
                   </a:txBody>
-                  <a:tcPr marL="52407" marR="52407" marT="26203" marB="26203" anchor="ctr">
+                  <a:tcPr marL="51490" marR="51490" marT="26203" marB="26203" anchor="ctr">
                     <a:lnL w="7620" cap="flat" cmpd="sng" algn="ctr">
                       <a:solidFill>
                         <a:srgbClr val="DDDDDD"/>
@@ -18161,7 +18351,7 @@
                       </a:r>
                     </a:p>
                   </a:txBody>
-                  <a:tcPr marL="52407" marR="52407" marT="26203" marB="26203" anchor="ctr">
+                  <a:tcPr marL="51490" marR="51490" marT="26203" marB="26203" anchor="ctr">
                     <a:lnL w="7620" cap="flat" cmpd="sng" algn="ctr">
                       <a:solidFill>
                         <a:srgbClr val="DDDDDD"/>
@@ -18216,7 +18406,7 @@
                       </a:r>
                     </a:p>
                   </a:txBody>
-                  <a:tcPr marL="52407" marR="52407" marT="26203" marB="26203" anchor="ctr">
+                  <a:tcPr marL="51490" marR="51490" marT="26203" marB="26203" anchor="ctr">
                     <a:lnL w="7620" cap="flat" cmpd="sng" algn="ctr">
                       <a:solidFill>
                         <a:srgbClr val="DDDDDD"/>
@@ -18284,7 +18474,7 @@
                       </a:r>
                     </a:p>
                   </a:txBody>
-                  <a:tcPr marL="52407" marR="52407" marT="26203" marB="26203" anchor="ctr">
+                  <a:tcPr marL="51490" marR="51490" marT="26203" marB="26203" anchor="ctr">
                     <a:lnL w="7620" cap="flat" cmpd="sng" algn="ctr">
                       <a:solidFill>
                         <a:srgbClr val="DDDDDD"/>
@@ -18345,7 +18535,7 @@
                       </a:r>
                     </a:p>
                   </a:txBody>
-                  <a:tcPr marL="52407" marR="52407" marT="26203" marB="26203" anchor="ctr">
+                  <a:tcPr marL="51490" marR="51490" marT="26203" marB="26203" anchor="ctr">
                     <a:lnL w="7620" cap="flat" cmpd="sng" algn="ctr">
                       <a:solidFill>
                         <a:srgbClr val="DDDDDD"/>
@@ -18393,38 +18583,38 @@
                     <a:lstStyle/>
                     <a:p>
                       <a:r>
-                        <a:rPr lang="zh-CN" altLang="en-US" sz="1200">
+                        <a:rPr lang="zh-CN" altLang="en-US" sz="1200" dirty="0">
                           <a:effectLst/>
                         </a:rPr>
                         <a:t>依次创建一个</a:t>
                       </a:r>
                       <a:r>
-                        <a:rPr lang="en-US" altLang="zh-CN" sz="1200">
+                        <a:rPr lang="en-US" altLang="zh-CN" sz="1200" dirty="0">
                           <a:effectLst/>
                         </a:rPr>
                         <a:t>Pod</a:t>
                       </a:r>
                       <a:r>
-                        <a:rPr lang="zh-CN" altLang="en-US" sz="1200">
+                        <a:rPr lang="zh-CN" altLang="en-US" sz="1200" dirty="0">
                           <a:effectLst/>
                         </a:rPr>
                         <a:t>运行直至</a:t>
                       </a:r>
                       <a:r>
-                        <a:rPr lang="en-US" altLang="zh-CN" sz="1200">
+                        <a:rPr lang="en-US" altLang="zh-CN" sz="1200" dirty="0">
                           <a:effectLst/>
                         </a:rPr>
                         <a:t>completions</a:t>
                       </a:r>
                       <a:r>
-                        <a:rPr lang="zh-CN" altLang="en-US" sz="1200">
+                        <a:rPr lang="zh-CN" altLang="en-US" sz="1200" dirty="0">
                           <a:effectLst/>
                         </a:rPr>
                         <a:t>个成功结束</a:t>
                       </a:r>
                     </a:p>
                   </a:txBody>
-                  <a:tcPr marL="52407" marR="52407" marT="26203" marB="26203" anchor="ctr">
+                  <a:tcPr marL="51490" marR="51490" marT="26203" marB="26203" anchor="ctr">
                     <a:lnL w="7620" cap="flat" cmpd="sng" algn="ctr">
                       <a:solidFill>
                         <a:srgbClr val="DDDDDD"/>
@@ -18479,7 +18669,7 @@
                       </a:r>
                     </a:p>
                   </a:txBody>
-                  <a:tcPr marL="52407" marR="52407" marT="26203" marB="26203" anchor="ctr">
+                  <a:tcPr marL="51490" marR="51490" marT="26203" marB="26203" anchor="ctr">
                     <a:lnL w="7620" cap="flat" cmpd="sng" algn="ctr">
                       <a:solidFill>
                         <a:srgbClr val="DDDDDD"/>
@@ -18534,7 +18724,7 @@
                       </a:r>
                     </a:p>
                   </a:txBody>
-                  <a:tcPr marL="52407" marR="52407" marT="26203" marB="26203" anchor="ctr">
+                  <a:tcPr marL="51490" marR="51490" marT="26203" marB="26203" anchor="ctr">
                     <a:lnL w="7620" cap="flat" cmpd="sng" algn="ctr">
                       <a:solidFill>
                         <a:srgbClr val="DDDDDD"/>
@@ -18602,7 +18792,7 @@
                       </a:r>
                     </a:p>
                   </a:txBody>
-                  <a:tcPr marL="52407" marR="52407" marT="26203" marB="26203" anchor="ctr">
+                  <a:tcPr marL="51490" marR="51490" marT="26203" marB="26203" anchor="ctr">
                     <a:lnL w="7620" cap="flat" cmpd="sng" algn="ctr">
                       <a:solidFill>
                         <a:srgbClr val="DDDDDD"/>
@@ -18669,7 +18859,7 @@
                       </a:r>
                     </a:p>
                   </a:txBody>
-                  <a:tcPr marL="52407" marR="52407" marT="26203" marB="26203" anchor="ctr">
+                  <a:tcPr marL="51490" marR="51490" marT="26203" marB="26203" anchor="ctr">
                     <a:lnL w="7620" cap="flat" cmpd="sng" algn="ctr">
                       <a:solidFill>
                         <a:srgbClr val="DDDDDD"/>
@@ -18748,7 +18938,7 @@
                       </a:r>
                     </a:p>
                   </a:txBody>
-                  <a:tcPr marL="52407" marR="52407" marT="26203" marB="26203" anchor="ctr">
+                  <a:tcPr marL="51490" marR="51490" marT="26203" marB="26203" anchor="ctr">
                     <a:lnL w="7620" cap="flat" cmpd="sng" algn="ctr">
                       <a:solidFill>
                         <a:srgbClr val="DDDDDD"/>
@@ -18803,7 +18993,7 @@
                       </a:r>
                     </a:p>
                   </a:txBody>
-                  <a:tcPr marL="52407" marR="52407" marT="26203" marB="26203" anchor="ctr">
+                  <a:tcPr marL="51490" marR="51490" marT="26203" marB="26203" anchor="ctr">
                     <a:lnL w="7620" cap="flat" cmpd="sng" algn="ctr">
                       <a:solidFill>
                         <a:srgbClr val="DDDDDD"/>
@@ -18858,7 +19048,7 @@
                       </a:r>
                     </a:p>
                   </a:txBody>
-                  <a:tcPr marL="52407" marR="52407" marT="26203" marB="26203" anchor="ctr">
+                  <a:tcPr marL="51490" marR="51490" marT="26203" marB="26203" anchor="ctr">
                     <a:lnL w="7620" cap="flat" cmpd="sng" algn="ctr">
                       <a:solidFill>
                         <a:srgbClr val="DDDDDD"/>
@@ -18926,7 +19116,7 @@
                       </a:r>
                     </a:p>
                   </a:txBody>
-                  <a:tcPr marL="52407" marR="52407" marT="26203" marB="26203" anchor="ctr">
+                  <a:tcPr marL="51490" marR="51490" marT="26203" marB="26203" anchor="ctr">
                     <a:lnL w="7620" cap="flat" cmpd="sng" algn="ctr">
                       <a:solidFill>
                         <a:srgbClr val="DDDDDD"/>
@@ -18993,7 +19183,7 @@
                       </a:r>
                     </a:p>
                   </a:txBody>
-                  <a:tcPr marL="52407" marR="52407" marT="26203" marB="26203" anchor="ctr">
+                  <a:tcPr marL="51490" marR="51490" marT="26203" marB="26203" anchor="ctr">
                     <a:lnL w="7620" cap="flat" cmpd="sng" algn="ctr">
                       <a:solidFill>
                         <a:srgbClr val="DDDDDD"/>
@@ -19060,7 +19250,7 @@
                       </a:r>
                     </a:p>
                   </a:txBody>
-                  <a:tcPr marL="52407" marR="52407" marT="26203" marB="26203" anchor="ctr">
+                  <a:tcPr marL="51490" marR="51490" marT="26203" marB="26203" anchor="ctr">
                     <a:lnL w="7620" cap="flat" cmpd="sng" algn="ctr">
                       <a:solidFill>
                         <a:srgbClr val="DDDDDD"/>
@@ -19115,7 +19305,7 @@
                       </a:r>
                     </a:p>
                   </a:txBody>
-                  <a:tcPr marL="52407" marR="52407" marT="26203" marB="26203" anchor="ctr">
+                  <a:tcPr marL="51490" marR="51490" marT="26203" marB="26203" anchor="ctr">
                     <a:lnL w="7620" cap="flat" cmpd="sng" algn="ctr">
                       <a:solidFill>
                         <a:srgbClr val="DDDDDD"/>
@@ -19170,7 +19360,7 @@
                       </a:r>
                     </a:p>
                   </a:txBody>
-                  <a:tcPr marL="52407" marR="52407" marT="26203" marB="26203" anchor="ctr">
+                  <a:tcPr marL="51490" marR="51490" marT="26203" marB="26203" anchor="ctr">
                     <a:lnL w="7620" cap="flat" cmpd="sng" algn="ctr">
                       <a:solidFill>
                         <a:srgbClr val="DDDDDD"/>
@@ -19238,8 +19428,8 @@
         </p:nvSpPr>
         <p:spPr bwMode="auto">
           <a:xfrm>
-            <a:off x="440267" y="1010094"/>
-            <a:ext cx="10995377" cy="2577592"/>
+            <a:off x="598311" y="1453683"/>
+            <a:ext cx="10995377" cy="2331371"/>
           </a:xfrm>
           <a:prstGeom prst="rect">
             <a:avLst/>
@@ -19426,7 +19616,7 @@
               <a:tabLst/>
             </a:pPr>
             <a:r>
-              <a:rPr kumimoji="0" lang="zh-CN" altLang="zh-CN" sz="1600" b="0" i="0" u="none" strike="noStrike" cap="none" normalizeH="0" baseline="0" dirty="0">
+              <a:rPr kumimoji="0" lang="zh-CN" altLang="zh-CN" b="0" i="0" u="none" strike="noStrike" cap="none" normalizeH="0" baseline="0" dirty="0">
                 <a:ln>
                   <a:noFill/>
                 </a:ln>
@@ -19434,12 +19624,11 @@
                   <a:srgbClr val="555555"/>
                 </a:solidFill>
                 <a:effectLst/>
-                <a:latin typeface="Arial" panose="020B0604020202020204" pitchFamily="34" charset="0"/>
-                <a:ea typeface="Microsoft Yahei" panose="020B0503020204020204" pitchFamily="34" charset="-122"/>
+                <a:latin typeface="+mn-ea"/>
               </a:rPr>
               <a:t>Job负责批量处理短暂的一次性任务 (short lived one-off tasks)，即仅执行一次的任务，它保证批处理任务的一个或多个Pod成功结束。</a:t>
             </a:r>
-            <a:endParaRPr kumimoji="0" lang="zh-CN" altLang="zh-CN" sz="1600" b="0" i="0" u="none" strike="noStrike" cap="none" normalizeH="0" baseline="0" dirty="0">
+            <a:endParaRPr kumimoji="0" lang="zh-CN" altLang="zh-CN" b="0" i="0" u="none" strike="noStrike" cap="none" normalizeH="0" baseline="0" dirty="0">
               <a:ln>
                 <a:noFill/>
               </a:ln>
@@ -19447,7 +19636,7 @@
                 <a:schemeClr val="tx1"/>
               </a:solidFill>
               <a:effectLst/>
-              <a:latin typeface="Arial" panose="020B0604020202020204" pitchFamily="34" charset="0"/>
+              <a:latin typeface="+mn-ea"/>
             </a:endParaRPr>
           </a:p>
           <a:p>
@@ -19468,7 +19657,7 @@
               <a:tabLst/>
             </a:pPr>
             <a:r>
-              <a:rPr kumimoji="0" lang="zh-CN" altLang="zh-CN" sz="1600" b="0" i="0" u="none" strike="noStrike" cap="none" normalizeH="0" baseline="0" dirty="0">
+              <a:rPr kumimoji="0" lang="zh-CN" altLang="zh-CN" b="0" i="0" u="none" strike="noStrike" cap="none" normalizeH="0" baseline="0" dirty="0">
                 <a:ln>
                   <a:noFill/>
                 </a:ln>
@@ -19476,12 +19665,11 @@
                   <a:srgbClr val="555555"/>
                 </a:solidFill>
                 <a:effectLst/>
-                <a:latin typeface="Arial" panose="020B0604020202020204" pitchFamily="34" charset="0"/>
-                <a:ea typeface="Microsoft Yahei" panose="020B0503020204020204" pitchFamily="34" charset="-122"/>
+                <a:latin typeface="+mn-ea"/>
               </a:rPr>
               <a:t>Kubernetes支持以下几种Job：</a:t>
             </a:r>
-            <a:endParaRPr kumimoji="0" lang="zh-CN" altLang="zh-CN" sz="1600" b="0" i="0" u="none" strike="noStrike" cap="none" normalizeH="0" baseline="0" dirty="0">
+            <a:endParaRPr kumimoji="0" lang="zh-CN" altLang="zh-CN" b="0" i="0" u="none" strike="noStrike" cap="none" normalizeH="0" baseline="0" dirty="0">
               <a:ln>
                 <a:noFill/>
               </a:ln>
@@ -19489,7 +19677,7 @@
                 <a:schemeClr val="tx1"/>
               </a:solidFill>
               <a:effectLst/>
-              <a:latin typeface="Arial" panose="020B0604020202020204" pitchFamily="34" charset="0"/>
+              <a:latin typeface="+mn-ea"/>
             </a:endParaRPr>
           </a:p>
           <a:p>
@@ -19510,7 +19698,7 @@
               <a:tabLst/>
             </a:pPr>
             <a:r>
-              <a:rPr kumimoji="0" lang="zh-CN" altLang="zh-CN" sz="1600" b="0" i="0" u="none" strike="noStrike" cap="none" normalizeH="0" baseline="0" dirty="0">
+              <a:rPr kumimoji="0" lang="zh-CN" altLang="zh-CN" b="0" i="0" u="none" strike="noStrike" cap="none" normalizeH="0" baseline="0" dirty="0">
                 <a:ln>
                   <a:noFill/>
                 </a:ln>
@@ -19518,8 +19706,7 @@
                   <a:srgbClr val="555555"/>
                 </a:solidFill>
                 <a:effectLst/>
-                <a:latin typeface="Arial" panose="020B0604020202020204" pitchFamily="34" charset="0"/>
-                <a:ea typeface="Microsoft Yahei" panose="020B0503020204020204" pitchFamily="34" charset="-122"/>
+                <a:latin typeface="+mn-ea"/>
               </a:rPr>
               <a:t>非并行Job：通常创建一个Pod直至其成功结束</a:t>
             </a:r>
@@ -19542,7 +19729,7 @@
               <a:tabLst/>
             </a:pPr>
             <a:r>
-              <a:rPr kumimoji="0" lang="zh-CN" altLang="zh-CN" sz="1600" b="0" i="0" u="none" strike="noStrike" cap="none" normalizeH="0" baseline="0" dirty="0">
+              <a:rPr kumimoji="0" lang="zh-CN" altLang="zh-CN" b="0" i="0" u="none" strike="noStrike" cap="none" normalizeH="0" baseline="0" dirty="0">
                 <a:ln>
                   <a:noFill/>
                 </a:ln>
@@ -19550,8 +19737,7 @@
                   <a:srgbClr val="555555"/>
                 </a:solidFill>
                 <a:effectLst/>
-                <a:latin typeface="Arial" panose="020B0604020202020204" pitchFamily="34" charset="0"/>
-                <a:ea typeface="Microsoft Yahei" panose="020B0503020204020204" pitchFamily="34" charset="-122"/>
+                <a:latin typeface="+mn-ea"/>
               </a:rPr>
               <a:t>固定结束次数的Job：设置.spec.completions，创建多个Pod，直到.spec.completions个Pod成功结束</a:t>
             </a:r>
@@ -19574,7 +19760,7 @@
               <a:tabLst/>
             </a:pPr>
             <a:r>
-              <a:rPr kumimoji="0" lang="zh-CN" altLang="zh-CN" sz="1600" b="0" i="0" u="none" strike="noStrike" cap="none" normalizeH="0" baseline="0" dirty="0">
+              <a:rPr kumimoji="0" lang="zh-CN" altLang="zh-CN" b="0" i="0" u="none" strike="noStrike" cap="none" normalizeH="0" baseline="0" dirty="0">
                 <a:ln>
                   <a:noFill/>
                 </a:ln>
@@ -19582,8 +19768,7 @@
                   <a:srgbClr val="555555"/>
                 </a:solidFill>
                 <a:effectLst/>
-                <a:latin typeface="Arial" panose="020B0604020202020204" pitchFamily="34" charset="0"/>
-                <a:ea typeface="Microsoft Yahei" panose="020B0503020204020204" pitchFamily="34" charset="-122"/>
+                <a:latin typeface="+mn-ea"/>
               </a:rPr>
               <a:t>带有工作队列的并行Job：设置.spec.Parallelism但不设置.spec.completions，当所有Pod结束并且至少一个成功时，Job就认为是成功</a:t>
             </a:r>
@@ -19606,7 +19791,7 @@
               <a:tabLst/>
             </a:pPr>
             <a:r>
-              <a:rPr kumimoji="0" lang="zh-CN" altLang="zh-CN" sz="1600" b="0" i="0" u="none" strike="noStrike" cap="none" normalizeH="0" baseline="0" dirty="0">
+              <a:rPr kumimoji="0" lang="zh-CN" altLang="zh-CN" b="0" i="0" u="none" strike="noStrike" cap="none" normalizeH="0" baseline="0" dirty="0">
                 <a:ln>
                   <a:noFill/>
                 </a:ln>
@@ -19614,12 +19799,11 @@
                   <a:srgbClr val="555555"/>
                 </a:solidFill>
                 <a:effectLst/>
-                <a:latin typeface="Arial" panose="020B0604020202020204" pitchFamily="34" charset="0"/>
-                <a:ea typeface="Microsoft Yahei" panose="020B0503020204020204" pitchFamily="34" charset="-122"/>
+                <a:latin typeface="+mn-ea"/>
               </a:rPr>
               <a:t>根据.spec.completions和.spec.Parallelism的设置，可以将Job划分为以下几种pattern：</a:t>
             </a:r>
-            <a:endParaRPr kumimoji="0" lang="zh-CN" altLang="zh-CN" sz="1600" b="0" i="0" u="none" strike="noStrike" cap="none" normalizeH="0" baseline="0" dirty="0">
+            <a:endParaRPr kumimoji="0" lang="zh-CN" altLang="zh-CN" b="0" i="0" u="none" strike="noStrike" cap="none" normalizeH="0" baseline="0" dirty="0">
               <a:ln>
                 <a:noFill/>
               </a:ln>
@@ -19627,47 +19811,7 @@
                 <a:schemeClr val="tx1"/>
               </a:solidFill>
               <a:effectLst/>
-              <a:latin typeface="Arial" panose="020B0604020202020204" pitchFamily="34" charset="0"/>
-            </a:endParaRPr>
-          </a:p>
-          <a:p>
-            <a:pPr marL="0" marR="0" lvl="0" indent="0" algn="l" defTabSz="914400" rtl="0" eaLnBrk="0" fontAlgn="base" latinLnBrk="0" hangingPunct="0">
-              <a:lnSpc>
-                <a:spcPct val="100000"/>
-              </a:lnSpc>
-              <a:spcBef>
-                <a:spcPct val="0"/>
-              </a:spcBef>
-              <a:spcAft>
-                <a:spcPct val="0"/>
-              </a:spcAft>
-              <a:buClrTx/>
-              <a:buSzTx/>
-              <a:buFontTx/>
-              <a:buNone/>
-              <a:tabLst/>
-            </a:pPr>
-            <a:br>
-              <a:rPr kumimoji="0" lang="zh-CN" altLang="zh-CN" sz="1600" b="0" i="0" u="none" strike="noStrike" cap="none" normalizeH="0" baseline="0" dirty="0">
-                <a:ln>
-                  <a:noFill/>
-                </a:ln>
-                <a:solidFill>
-                  <a:schemeClr val="tx1"/>
-                </a:solidFill>
-                <a:effectLst/>
-                <a:latin typeface="Arial" panose="020B0604020202020204" pitchFamily="34" charset="0"/>
-              </a:rPr>
-            </a:br>
-            <a:endParaRPr kumimoji="0" lang="zh-CN" altLang="zh-CN" sz="1600" b="0" i="0" u="none" strike="noStrike" cap="none" normalizeH="0" baseline="0" dirty="0">
-              <a:ln>
-                <a:noFill/>
-              </a:ln>
-              <a:solidFill>
-                <a:schemeClr val="tx1"/>
-              </a:solidFill>
-              <a:effectLst/>
-              <a:latin typeface="Arial" panose="020B0604020202020204" pitchFamily="34" charset="0"/>
+              <a:latin typeface="+mn-ea"/>
             </a:endParaRPr>
           </a:p>
         </p:txBody>
@@ -19718,12 +19862,7 @@
             <p:ph type="title"/>
           </p:nvPr>
         </p:nvSpPr>
-        <p:spPr>
-          <a:xfrm>
-            <a:off x="838200" y="365126"/>
-            <a:ext cx="10515600" cy="644968"/>
-          </a:xfrm>
-        </p:spPr>
+        <p:spPr/>
         <p:txBody>
           <a:bodyPr>
             <a:normAutofit/>
@@ -19756,71 +19895,101 @@
         </p:nvSpPr>
         <p:spPr>
           <a:xfrm>
-            <a:off x="838200" y="1010094"/>
-            <a:ext cx="10515600" cy="5166869"/>
+            <a:off x="838200" y="1690688"/>
+            <a:ext cx="10515600" cy="4351338"/>
           </a:xfrm>
         </p:spPr>
         <p:txBody>
-          <a:bodyPr/>
+          <a:bodyPr>
+            <a:normAutofit/>
+          </a:bodyPr>
           <a:lstStyle/>
           <a:p>
             <a:pPr marL="0" indent="0">
               <a:buNone/>
             </a:pPr>
             <a:r>
-              <a:rPr lang="en-US" altLang="zh-CN" dirty="0"/>
+              <a:rPr lang="en-US" altLang="zh-CN" sz="2000" dirty="0">
+                <a:latin typeface="+mn-ea"/>
+              </a:rPr>
               <a:t>Horizontal Pod Autoscaling</a:t>
             </a:r>
             <a:r>
-              <a:rPr lang="zh-CN" altLang="en-US" dirty="0"/>
+              <a:rPr lang="zh-CN" altLang="en-US" sz="2000" dirty="0">
+                <a:latin typeface="+mn-ea"/>
+              </a:rPr>
               <a:t>可以根据</a:t>
             </a:r>
             <a:r>
-              <a:rPr lang="en-US" altLang="zh-CN" dirty="0"/>
+              <a:rPr lang="en-US" altLang="zh-CN" sz="2000" dirty="0">
+                <a:latin typeface="+mn-ea"/>
+              </a:rPr>
               <a:t>CPU</a:t>
             </a:r>
             <a:r>
-              <a:rPr lang="zh-CN" altLang="en-US" dirty="0"/>
+              <a:rPr lang="zh-CN" altLang="en-US" sz="2000" dirty="0">
+                <a:latin typeface="+mn-ea"/>
+              </a:rPr>
               <a:t>使用率或应用自定义</a:t>
             </a:r>
             <a:r>
-              <a:rPr lang="en-US" altLang="zh-CN" dirty="0"/>
+              <a:rPr lang="en-US" altLang="zh-CN" sz="2000" dirty="0">
+                <a:latin typeface="+mn-ea"/>
+              </a:rPr>
               <a:t>metrics</a:t>
             </a:r>
             <a:r>
-              <a:rPr lang="zh-CN" altLang="en-US" dirty="0"/>
+              <a:rPr lang="zh-CN" altLang="en-US" sz="2000" dirty="0">
+                <a:latin typeface="+mn-ea"/>
+              </a:rPr>
               <a:t>自动扩展</a:t>
             </a:r>
             <a:r>
-              <a:rPr lang="en-US" altLang="zh-CN" dirty="0"/>
+              <a:rPr lang="en-US" altLang="zh-CN" sz="2000" dirty="0">
+                <a:latin typeface="+mn-ea"/>
+              </a:rPr>
               <a:t>Pod</a:t>
             </a:r>
             <a:r>
-              <a:rPr lang="zh-CN" altLang="en-US" dirty="0"/>
+              <a:rPr lang="zh-CN" altLang="en-US" sz="2000" dirty="0">
+                <a:latin typeface="+mn-ea"/>
+              </a:rPr>
               <a:t>数量（支持</a:t>
             </a:r>
             <a:r>
-              <a:rPr lang="en-US" altLang="zh-CN" dirty="0"/>
+              <a:rPr lang="en-US" altLang="zh-CN" sz="2000" dirty="0">
+                <a:latin typeface="+mn-ea"/>
+              </a:rPr>
               <a:t>replication controller</a:t>
             </a:r>
             <a:r>
-              <a:rPr lang="zh-CN" altLang="en-US" dirty="0"/>
+              <a:rPr lang="zh-CN" altLang="en-US" sz="2000" dirty="0">
+                <a:latin typeface="+mn-ea"/>
+              </a:rPr>
               <a:t>、</a:t>
             </a:r>
             <a:r>
-              <a:rPr lang="en-US" altLang="zh-CN" dirty="0"/>
+              <a:rPr lang="en-US" altLang="zh-CN" sz="2000" dirty="0">
+                <a:latin typeface="+mn-ea"/>
+              </a:rPr>
               <a:t>deployment</a:t>
             </a:r>
             <a:r>
-              <a:rPr lang="zh-CN" altLang="en-US" dirty="0"/>
+              <a:rPr lang="zh-CN" altLang="en-US" sz="2000" dirty="0">
+                <a:latin typeface="+mn-ea"/>
+              </a:rPr>
               <a:t>和</a:t>
             </a:r>
             <a:r>
-              <a:rPr lang="en-US" altLang="zh-CN" dirty="0"/>
+              <a:rPr lang="en-US" altLang="zh-CN" sz="2000" dirty="0">
+                <a:latin typeface="+mn-ea"/>
+              </a:rPr>
               <a:t>replica set</a:t>
             </a:r>
             <a:r>
-              <a:rPr lang="zh-CN" altLang="en-US" dirty="0"/>
+              <a:rPr lang="zh-CN" altLang="en-US" sz="2000" dirty="0">
+                <a:latin typeface="+mn-ea"/>
+              </a:rPr>
               <a:t>）。</a:t>
             </a:r>
           </a:p>
@@ -19829,39 +19998,57 @@
               <a:buNone/>
             </a:pPr>
             <a:r>
-              <a:rPr lang="zh-CN" altLang="en-US" dirty="0"/>
+              <a:rPr lang="zh-CN" altLang="en-US" sz="2000" dirty="0">
+                <a:latin typeface="+mn-ea"/>
+              </a:rPr>
               <a:t>控制管理器每隔</a:t>
             </a:r>
             <a:r>
-              <a:rPr lang="en-US" altLang="zh-CN" dirty="0" err="1"/>
+              <a:rPr lang="en-US" altLang="zh-CN" sz="2000" dirty="0" err="1">
+                <a:latin typeface="+mn-ea"/>
+              </a:rPr>
               <a:t>30s</a:t>
             </a:r>
             <a:r>
-              <a:rPr lang="zh-CN" altLang="en-US" dirty="0"/>
+              <a:rPr lang="zh-CN" altLang="en-US" sz="2000" dirty="0">
+                <a:latin typeface="+mn-ea"/>
+              </a:rPr>
               <a:t>（可以通过</a:t>
             </a:r>
             <a:r>
-              <a:rPr lang="en-US" altLang="zh-CN" dirty="0"/>
+              <a:rPr lang="en-US" altLang="zh-CN" sz="2000" dirty="0">
+                <a:latin typeface="+mn-ea"/>
+              </a:rPr>
               <a:t>–horizontal-pod-</a:t>
             </a:r>
             <a:r>
-              <a:rPr lang="en-US" altLang="zh-CN" dirty="0" err="1"/>
+              <a:rPr lang="en-US" altLang="zh-CN" sz="2000" dirty="0" err="1">
+                <a:latin typeface="+mn-ea"/>
+              </a:rPr>
               <a:t>autoscaler</a:t>
             </a:r>
             <a:r>
-              <a:rPr lang="en-US" altLang="zh-CN" dirty="0"/>
+              <a:rPr lang="en-US" altLang="zh-CN" sz="2000" dirty="0">
+                <a:latin typeface="+mn-ea"/>
+              </a:rPr>
               <a:t>-sync-period</a:t>
             </a:r>
             <a:r>
-              <a:rPr lang="zh-CN" altLang="en-US" dirty="0"/>
+              <a:rPr lang="zh-CN" altLang="en-US" sz="2000" dirty="0">
+                <a:latin typeface="+mn-ea"/>
+              </a:rPr>
               <a:t>修改）查询</a:t>
             </a:r>
             <a:r>
-              <a:rPr lang="en-US" altLang="zh-CN" dirty="0"/>
+              <a:rPr lang="en-US" altLang="zh-CN" sz="2000" dirty="0">
+                <a:latin typeface="+mn-ea"/>
+              </a:rPr>
               <a:t>metrics</a:t>
             </a:r>
             <a:r>
-              <a:rPr lang="zh-CN" altLang="en-US" dirty="0"/>
+              <a:rPr lang="zh-CN" altLang="en-US" sz="2000" dirty="0">
+                <a:latin typeface="+mn-ea"/>
+              </a:rPr>
               <a:t>的资源使用情况</a:t>
             </a:r>
           </a:p>
@@ -19870,80 +20057,114 @@
               <a:buNone/>
             </a:pPr>
             <a:r>
-              <a:rPr lang="zh-CN" altLang="en-US" dirty="0"/>
+              <a:rPr lang="zh-CN" altLang="en-US" sz="2000" dirty="0">
+                <a:latin typeface="+mn-ea"/>
+              </a:rPr>
               <a:t>支持三种</a:t>
             </a:r>
             <a:r>
-              <a:rPr lang="en-US" altLang="zh-CN" dirty="0"/>
+              <a:rPr lang="en-US" altLang="zh-CN" sz="2000" dirty="0">
+                <a:latin typeface="+mn-ea"/>
+              </a:rPr>
               <a:t>metrics</a:t>
             </a:r>
             <a:r>
-              <a:rPr lang="zh-CN" altLang="en-US" dirty="0"/>
+              <a:rPr lang="zh-CN" altLang="en-US" sz="2000" dirty="0">
+                <a:latin typeface="+mn-ea"/>
+              </a:rPr>
               <a:t>类型</a:t>
             </a:r>
           </a:p>
           <a:p>
             <a:pPr lvl="1"/>
             <a:r>
-              <a:rPr lang="zh-CN" altLang="en-US" dirty="0"/>
+              <a:rPr lang="zh-CN" altLang="en-US" sz="2000" dirty="0">
+                <a:latin typeface="+mn-ea"/>
+              </a:rPr>
               <a:t>预定义</a:t>
             </a:r>
             <a:r>
-              <a:rPr lang="en-US" altLang="zh-CN" dirty="0"/>
+              <a:rPr lang="en-US" altLang="zh-CN" sz="2000" dirty="0">
+                <a:latin typeface="+mn-ea"/>
+              </a:rPr>
               <a:t>metrics</a:t>
             </a:r>
             <a:r>
-              <a:rPr lang="zh-CN" altLang="en-US" dirty="0"/>
+              <a:rPr lang="zh-CN" altLang="en-US" sz="2000" dirty="0">
+                <a:latin typeface="+mn-ea"/>
+              </a:rPr>
               <a:t>（比如</a:t>
             </a:r>
             <a:r>
-              <a:rPr lang="en-US" altLang="zh-CN" dirty="0"/>
+              <a:rPr lang="en-US" altLang="zh-CN" sz="2000" dirty="0">
+                <a:latin typeface="+mn-ea"/>
+              </a:rPr>
               <a:t>Pod</a:t>
             </a:r>
             <a:r>
-              <a:rPr lang="zh-CN" altLang="en-US" dirty="0"/>
+              <a:rPr lang="zh-CN" altLang="en-US" sz="2000" dirty="0">
+                <a:latin typeface="+mn-ea"/>
+              </a:rPr>
               <a:t>的</a:t>
             </a:r>
             <a:r>
-              <a:rPr lang="en-US" altLang="zh-CN" dirty="0"/>
+              <a:rPr lang="en-US" altLang="zh-CN" sz="2000" dirty="0">
+                <a:latin typeface="+mn-ea"/>
+              </a:rPr>
               <a:t>CPU</a:t>
             </a:r>
             <a:r>
-              <a:rPr lang="zh-CN" altLang="en-US" dirty="0"/>
+              <a:rPr lang="zh-CN" altLang="en-US" sz="2000" dirty="0">
+                <a:latin typeface="+mn-ea"/>
+              </a:rPr>
               <a:t>）以利用率的方式计算</a:t>
             </a:r>
           </a:p>
           <a:p>
             <a:pPr lvl="1"/>
             <a:r>
-              <a:rPr lang="zh-CN" altLang="en-US" dirty="0"/>
+              <a:rPr lang="zh-CN" altLang="en-US" sz="2000" dirty="0">
+                <a:latin typeface="+mn-ea"/>
+              </a:rPr>
               <a:t>自定义的</a:t>
             </a:r>
             <a:r>
-              <a:rPr lang="en-US" altLang="zh-CN" dirty="0"/>
+              <a:rPr lang="en-US" altLang="zh-CN" sz="2000" dirty="0">
+                <a:latin typeface="+mn-ea"/>
+              </a:rPr>
               <a:t>Pod metrics</a:t>
             </a:r>
             <a:r>
-              <a:rPr lang="zh-CN" altLang="en-US" dirty="0"/>
+              <a:rPr lang="zh-CN" altLang="en-US" sz="2000" dirty="0">
+                <a:latin typeface="+mn-ea"/>
+              </a:rPr>
               <a:t>，以原始值（</a:t>
             </a:r>
             <a:r>
-              <a:rPr lang="en-US" altLang="zh-CN" dirty="0"/>
+              <a:rPr lang="en-US" altLang="zh-CN" sz="2000" dirty="0">
+                <a:latin typeface="+mn-ea"/>
+              </a:rPr>
               <a:t>raw value</a:t>
             </a:r>
             <a:r>
-              <a:rPr lang="zh-CN" altLang="en-US" dirty="0"/>
+              <a:rPr lang="zh-CN" altLang="en-US" sz="2000" dirty="0">
+                <a:latin typeface="+mn-ea"/>
+              </a:rPr>
               <a:t>）的方式计算</a:t>
             </a:r>
           </a:p>
           <a:p>
             <a:pPr lvl="1"/>
             <a:r>
-              <a:rPr lang="zh-CN" altLang="en-US" dirty="0"/>
+              <a:rPr lang="zh-CN" altLang="en-US" sz="2000" dirty="0">
+                <a:latin typeface="+mn-ea"/>
+              </a:rPr>
               <a:t>自定义的</a:t>
             </a:r>
             <a:r>
-              <a:rPr lang="en-US" altLang="zh-CN" dirty="0"/>
+              <a:rPr lang="en-US" altLang="zh-CN" sz="2000" dirty="0">
+                <a:latin typeface="+mn-ea"/>
+              </a:rPr>
               <a:t>object metrics</a:t>
             </a:r>
           </a:p>
@@ -19952,27 +20173,39 @@
               <a:buNone/>
             </a:pPr>
             <a:r>
-              <a:rPr lang="zh-CN" altLang="en-US" dirty="0"/>
+              <a:rPr lang="zh-CN" altLang="en-US" sz="2000" dirty="0">
+                <a:latin typeface="+mn-ea"/>
+              </a:rPr>
               <a:t>支持两种</a:t>
             </a:r>
             <a:r>
-              <a:rPr lang="en-US" altLang="zh-CN" dirty="0"/>
+              <a:rPr lang="en-US" altLang="zh-CN" sz="2000" dirty="0">
+                <a:latin typeface="+mn-ea"/>
+              </a:rPr>
               <a:t>metrics</a:t>
             </a:r>
             <a:r>
-              <a:rPr lang="zh-CN" altLang="en-US" dirty="0"/>
+              <a:rPr lang="zh-CN" altLang="en-US" sz="2000" dirty="0">
+                <a:latin typeface="+mn-ea"/>
+              </a:rPr>
               <a:t>查询方式：</a:t>
             </a:r>
             <a:r>
-              <a:rPr lang="en-US" altLang="zh-CN" dirty="0" err="1"/>
+              <a:rPr lang="en-US" altLang="zh-CN" sz="2000" dirty="0" err="1">
+                <a:latin typeface="+mn-ea"/>
+              </a:rPr>
               <a:t>Heapster</a:t>
             </a:r>
             <a:r>
-              <a:rPr lang="zh-CN" altLang="en-US" dirty="0"/>
+              <a:rPr lang="zh-CN" altLang="en-US" sz="2000" dirty="0">
+                <a:latin typeface="+mn-ea"/>
+              </a:rPr>
               <a:t>和自定义的</a:t>
             </a:r>
             <a:r>
-              <a:rPr lang="en-US" altLang="zh-CN" dirty="0"/>
+              <a:rPr lang="en-US" altLang="zh-CN" sz="2000" dirty="0">
+                <a:latin typeface="+mn-ea"/>
+              </a:rPr>
               <a:t>REST API</a:t>
             </a:r>
           </a:p>
@@ -19981,16 +20214,22 @@
               <a:buNone/>
             </a:pPr>
             <a:r>
-              <a:rPr lang="zh-CN" altLang="en-US" dirty="0"/>
+              <a:rPr lang="zh-CN" altLang="en-US" sz="2000" dirty="0">
+                <a:latin typeface="+mn-ea"/>
+              </a:rPr>
               <a:t>支持多</a:t>
             </a:r>
             <a:r>
-              <a:rPr lang="en-US" altLang="zh-CN" dirty="0"/>
+              <a:rPr lang="en-US" altLang="zh-CN" sz="2000" dirty="0">
+                <a:latin typeface="+mn-ea"/>
+              </a:rPr>
               <a:t>metrics</a:t>
             </a:r>
           </a:p>
           <a:p>
-            <a:endParaRPr lang="zh-CN" altLang="en-US" dirty="0"/>
+            <a:endParaRPr lang="zh-CN" altLang="en-US" sz="2000" dirty="0">
+              <a:latin typeface="+mn-ea"/>
+            </a:endParaRPr>
           </a:p>
         </p:txBody>
       </p:sp>
@@ -20040,12 +20279,7 @@
             <p:ph type="title"/>
           </p:nvPr>
         </p:nvSpPr>
-        <p:spPr>
-          <a:xfrm>
-            <a:off x="838200" y="365126"/>
-            <a:ext cx="10515600" cy="644968"/>
-          </a:xfrm>
-        </p:spPr>
+        <p:spPr/>
         <p:txBody>
           <a:bodyPr>
             <a:normAutofit/>
@@ -20076,12 +20310,7 @@
             <p:ph idx="1"/>
           </p:nvPr>
         </p:nvSpPr>
-        <p:spPr>
-          <a:xfrm>
-            <a:off x="838200" y="1010094"/>
-            <a:ext cx="10515600" cy="5166869"/>
-          </a:xfrm>
-        </p:spPr>
+        <p:spPr/>
         <p:txBody>
           <a:bodyPr>
             <a:normAutofit/>
@@ -20092,129 +20321,187 @@
               <a:buNone/>
             </a:pPr>
             <a:r>
-              <a:rPr lang="en-US" altLang="zh-CN" sz="2000" dirty="0" err="1"/>
+              <a:rPr lang="en-US" altLang="zh-CN" sz="2000" dirty="0" err="1">
+                <a:latin typeface="+mn-ea"/>
+              </a:rPr>
               <a:t>StatfulSet</a:t>
             </a:r>
             <a:r>
-              <a:rPr lang="zh-CN" altLang="en-US" sz="2000" dirty="0"/>
+              <a:rPr lang="zh-CN" altLang="en-US" sz="2000" dirty="0">
+                <a:latin typeface="+mn-ea"/>
+              </a:rPr>
               <a:t>是有状态的</a:t>
             </a:r>
             <a:r>
-              <a:rPr lang="en-US" altLang="zh-CN" sz="2000" dirty="0"/>
+              <a:rPr lang="en-US" altLang="zh-CN" sz="2000" dirty="0">
+                <a:latin typeface="+mn-ea"/>
+              </a:rPr>
               <a:t>Deployment</a:t>
             </a:r>
             <a:r>
-              <a:rPr lang="zh-CN" altLang="en-US" sz="2000" dirty="0"/>
+              <a:rPr lang="zh-CN" altLang="en-US" sz="2000" dirty="0">
+                <a:latin typeface="+mn-ea"/>
+              </a:rPr>
               <a:t>，就是通过某种方式记录这些状态，然后在</a:t>
             </a:r>
             <a:r>
-              <a:rPr lang="en-US" altLang="zh-CN" sz="2000" dirty="0"/>
+              <a:rPr lang="en-US" altLang="zh-CN" sz="2000" dirty="0">
+                <a:latin typeface="+mn-ea"/>
+              </a:rPr>
               <a:t>Pod</a:t>
             </a:r>
             <a:r>
-              <a:rPr lang="zh-CN" altLang="en-US" sz="2000" dirty="0"/>
+              <a:rPr lang="zh-CN" altLang="en-US" sz="2000" dirty="0">
+                <a:latin typeface="+mn-ea"/>
+              </a:rPr>
               <a:t>被重新创建时，能够为新</a:t>
             </a:r>
             <a:r>
-              <a:rPr lang="en-US" altLang="zh-CN" sz="2000" dirty="0"/>
+              <a:rPr lang="en-US" altLang="zh-CN" sz="2000" dirty="0">
+                <a:latin typeface="+mn-ea"/>
+              </a:rPr>
               <a:t>Pod</a:t>
             </a:r>
             <a:r>
-              <a:rPr lang="zh-CN" altLang="en-US" sz="2000" dirty="0"/>
+              <a:rPr lang="zh-CN" altLang="en-US" sz="2000" dirty="0">
+                <a:latin typeface="+mn-ea"/>
+              </a:rPr>
               <a:t>恢复这些状态</a:t>
             </a:r>
-            <a:endParaRPr lang="en-US" altLang="zh-CN" sz="2000" dirty="0"/>
+            <a:endParaRPr lang="en-US" altLang="zh-CN" sz="2000" dirty="0">
+              <a:latin typeface="+mn-ea"/>
+            </a:endParaRPr>
           </a:p>
           <a:p>
             <a:pPr marL="0" indent="0">
               <a:buNone/>
             </a:pPr>
             <a:r>
-              <a:rPr lang="en-US" altLang="zh-CN" sz="2000" dirty="0"/>
+              <a:rPr lang="en-US" altLang="zh-CN" sz="2000" dirty="0">
+                <a:latin typeface="+mn-ea"/>
+              </a:rPr>
               <a:t>1</a:t>
             </a:r>
             <a:r>
-              <a:rPr lang="zh-CN" altLang="en-US" sz="2000" dirty="0"/>
+              <a:rPr lang="zh-CN" altLang="en-US" sz="2000" dirty="0">
+                <a:latin typeface="+mn-ea"/>
+              </a:rPr>
               <a:t>、拓扑状态</a:t>
             </a:r>
-            <a:endParaRPr lang="en-US" altLang="zh-CN" sz="2000" dirty="0"/>
+            <a:endParaRPr lang="en-US" altLang="zh-CN" sz="2000" dirty="0">
+              <a:latin typeface="+mn-ea"/>
+            </a:endParaRPr>
           </a:p>
           <a:p>
             <a:pPr marL="0" indent="0">
               <a:buNone/>
             </a:pPr>
             <a:r>
-              <a:rPr lang="en-US" altLang="zh-CN" sz="2000" dirty="0"/>
+              <a:rPr lang="en-US" altLang="zh-CN" sz="2000" dirty="0">
+                <a:latin typeface="+mn-ea"/>
+              </a:rPr>
               <a:t>Pod</a:t>
             </a:r>
             <a:r>
-              <a:rPr lang="zh-CN" altLang="en-US" sz="2000" dirty="0"/>
+              <a:rPr lang="zh-CN" altLang="en-US" sz="2000" dirty="0">
+                <a:latin typeface="+mn-ea"/>
+              </a:rPr>
               <a:t>按照某些顺序启动，再次启动时也会按照原来的顺序启动才行。</a:t>
             </a:r>
-            <a:endParaRPr lang="en-US" altLang="zh-CN" sz="2000" dirty="0"/>
+            <a:endParaRPr lang="en-US" altLang="zh-CN" sz="2000" dirty="0">
+              <a:latin typeface="+mn-ea"/>
+            </a:endParaRPr>
           </a:p>
           <a:p>
             <a:pPr marL="0" indent="0">
               <a:buNone/>
             </a:pPr>
             <a:r>
-              <a:rPr lang="zh-CN" altLang="en-US" sz="2000" dirty="0"/>
+              <a:rPr lang="zh-CN" altLang="en-US" sz="2000" dirty="0">
+                <a:latin typeface="+mn-ea"/>
+              </a:rPr>
               <a:t>通过</a:t>
             </a:r>
             <a:r>
-              <a:rPr lang="en-US" altLang="zh-CN" sz="2000" dirty="0"/>
+              <a:rPr lang="en-US" altLang="zh-CN" sz="2000" dirty="0">
+                <a:latin typeface="+mn-ea"/>
+              </a:rPr>
               <a:t>Headless Service</a:t>
             </a:r>
             <a:r>
-              <a:rPr lang="zh-CN" altLang="en-US" sz="2000" dirty="0"/>
+              <a:rPr lang="zh-CN" altLang="en-US" sz="2000" dirty="0">
+                <a:latin typeface="+mn-ea"/>
+              </a:rPr>
               <a:t>来保证</a:t>
             </a:r>
             <a:r>
-              <a:rPr lang="en-US" altLang="zh-CN" sz="2000" dirty="0"/>
+              <a:rPr lang="en-US" altLang="zh-CN" sz="2000" dirty="0">
+                <a:latin typeface="+mn-ea"/>
+              </a:rPr>
               <a:t>Pod</a:t>
             </a:r>
             <a:r>
-              <a:rPr lang="zh-CN" altLang="en-US" sz="2000" dirty="0"/>
+              <a:rPr lang="zh-CN" altLang="en-US" sz="2000" dirty="0">
+                <a:latin typeface="+mn-ea"/>
+              </a:rPr>
               <a:t>可解析身份</a:t>
             </a:r>
-            <a:endParaRPr lang="en-US" altLang="zh-CN" sz="2000" dirty="0"/>
+            <a:endParaRPr lang="en-US" altLang="zh-CN" sz="2000" dirty="0">
+              <a:latin typeface="+mn-ea"/>
+            </a:endParaRPr>
           </a:p>
           <a:p>
             <a:pPr marL="0" indent="0">
               <a:buNone/>
             </a:pPr>
             <a:r>
-              <a:rPr lang="en-US" altLang="zh-CN" sz="2000" dirty="0"/>
+              <a:rPr lang="en-US" altLang="zh-CN" sz="2000" dirty="0">
+                <a:latin typeface="+mn-ea"/>
+              </a:rPr>
               <a:t>2</a:t>
             </a:r>
             <a:r>
-              <a:rPr lang="zh-CN" altLang="en-US" sz="2000" dirty="0"/>
+              <a:rPr lang="zh-CN" altLang="en-US" sz="2000" dirty="0">
+                <a:latin typeface="+mn-ea"/>
+              </a:rPr>
               <a:t>、存储状态</a:t>
             </a:r>
-            <a:endParaRPr lang="en-US" altLang="zh-CN" sz="2000" dirty="0"/>
+            <a:endParaRPr lang="en-US" altLang="zh-CN" sz="2000" dirty="0">
+              <a:latin typeface="+mn-ea"/>
+            </a:endParaRPr>
           </a:p>
           <a:p>
             <a:pPr marL="0" indent="0">
               <a:buNone/>
             </a:pPr>
             <a:r>
-              <a:rPr lang="zh-CN" altLang="en-US" sz="2000" dirty="0"/>
+              <a:rPr lang="zh-CN" altLang="en-US" sz="2000" dirty="0">
+                <a:latin typeface="+mn-ea"/>
+              </a:rPr>
               <a:t>各个</a:t>
             </a:r>
             <a:r>
-              <a:rPr lang="en-US" altLang="zh-CN" sz="2000" dirty="0"/>
+              <a:rPr lang="en-US" altLang="zh-CN" sz="2000" dirty="0">
+                <a:latin typeface="+mn-ea"/>
+              </a:rPr>
               <a:t>Pod</a:t>
             </a:r>
             <a:r>
-              <a:rPr lang="zh-CN" altLang="en-US" sz="2000" dirty="0"/>
+              <a:rPr lang="zh-CN" altLang="en-US" sz="2000" dirty="0">
+                <a:latin typeface="+mn-ea"/>
+              </a:rPr>
               <a:t>保存的数据，再次启动后，还能访问到自己的数据，通过</a:t>
             </a:r>
             <a:r>
-              <a:rPr lang="en-US" altLang="zh-CN" sz="2000" dirty="0"/>
+              <a:rPr lang="en-US" altLang="zh-CN" sz="2000" dirty="0">
+                <a:latin typeface="+mn-ea"/>
+              </a:rPr>
               <a:t>PVC,PV</a:t>
             </a:r>
             <a:r>
-              <a:rPr lang="zh-CN" altLang="en-US" sz="2000" dirty="0"/>
+              <a:rPr lang="zh-CN" altLang="en-US" sz="2000" dirty="0">
+                <a:latin typeface="+mn-ea"/>
+              </a:rPr>
               <a:t>方式实现</a:t>
             </a:r>
           </a:p>
@@ -20266,12 +20553,7 @@
             <p:ph type="title"/>
           </p:nvPr>
         </p:nvSpPr>
-        <p:spPr>
-          <a:xfrm>
-            <a:off x="838200" y="365126"/>
-            <a:ext cx="10515600" cy="644968"/>
-          </a:xfrm>
-        </p:spPr>
+        <p:spPr/>
         <p:txBody>
           <a:bodyPr>
             <a:normAutofit/>
@@ -20304,8 +20586,8 @@
         </p:nvSpPr>
         <p:spPr bwMode="auto">
           <a:xfrm>
-            <a:off x="838200" y="1073405"/>
-            <a:ext cx="11049000" cy="5039805"/>
+            <a:off x="838200" y="1481392"/>
+            <a:ext cx="10515600" cy="5039805"/>
           </a:xfrm>
           <a:prstGeom prst="rect">
             <a:avLst/>
@@ -20473,25 +20755,11 @@
                 <a:ln>
                   <a:noFill/>
                 </a:ln>
-                <a:solidFill>
-                  <a:srgbClr val="555555"/>
-                </a:solidFill>
                 <a:effectLst/>
-                <a:latin typeface="Arial" panose="020B0604020202020204" pitchFamily="34" charset="0"/>
-                <a:ea typeface="Microsoft Yahei" panose="020B0503020204020204" pitchFamily="34" charset="-122"/>
+                <a:latin typeface="+mn-ea"/>
               </a:rPr>
               <a:t>StatefulSet是为了解决有状态服务的问题（对应Deployments和ReplicaSets是为无状态服务而设计），其应用场景包括</a:t>
             </a:r>
-            <a:endParaRPr kumimoji="0" lang="zh-CN" altLang="zh-CN" sz="1600" b="0" i="0" u="none" strike="noStrike" cap="none" normalizeH="0" baseline="0" dirty="0">
-              <a:ln>
-                <a:noFill/>
-              </a:ln>
-              <a:solidFill>
-                <a:schemeClr val="tx1"/>
-              </a:solidFill>
-              <a:effectLst/>
-              <a:latin typeface="Arial" panose="020B0604020202020204" pitchFamily="34" charset="0"/>
-            </a:endParaRPr>
           </a:p>
           <a:p>
             <a:pPr marL="0" marR="0" lvl="0" indent="0" algn="l" defTabSz="914400" rtl="0" eaLnBrk="0" fontAlgn="base" latinLnBrk="0" hangingPunct="0">
@@ -20515,12 +20783,8 @@
                 <a:ln>
                   <a:noFill/>
                 </a:ln>
-                <a:solidFill>
-                  <a:srgbClr val="555555"/>
-                </a:solidFill>
                 <a:effectLst/>
-                <a:latin typeface="Arial" panose="020B0604020202020204" pitchFamily="34" charset="0"/>
-                <a:ea typeface="Microsoft Yahei" panose="020B0503020204020204" pitchFamily="34" charset="-122"/>
+                <a:latin typeface="+mn-ea"/>
               </a:rPr>
               <a:t>稳定的持久化存储，即Pod重新调度后还是能访问到相同的持久化数据，基于PVC来实现</a:t>
             </a:r>
@@ -20547,12 +20811,8 @@
                 <a:ln>
                   <a:noFill/>
                 </a:ln>
-                <a:solidFill>
-                  <a:srgbClr val="555555"/>
-                </a:solidFill>
                 <a:effectLst/>
-                <a:latin typeface="Arial" panose="020B0604020202020204" pitchFamily="34" charset="0"/>
-                <a:ea typeface="Microsoft Yahei" panose="020B0503020204020204" pitchFamily="34" charset="-122"/>
+                <a:latin typeface="+mn-ea"/>
               </a:rPr>
               <a:t>稳定的网络标志，即Pod重新调度后其PodName和HostName不变，基于Headless Service（即没有Cluster IP的Service）来实现</a:t>
             </a:r>
@@ -20579,12 +20839,8 @@
                 <a:ln>
                   <a:noFill/>
                 </a:ln>
-                <a:solidFill>
-                  <a:srgbClr val="555555"/>
-                </a:solidFill>
                 <a:effectLst/>
-                <a:latin typeface="Arial" panose="020B0604020202020204" pitchFamily="34" charset="0"/>
-                <a:ea typeface="Microsoft Yahei" panose="020B0503020204020204" pitchFamily="34" charset="-122"/>
+                <a:latin typeface="+mn-ea"/>
               </a:rPr>
               <a:t>有序部署，有序扩展，即Pod是有顺序的，在部署或者扩展的时候要依据定义的顺序依次依次进行（即从0到N-1，在下一个Pod运行之前所有之前的Pod必须都是Running和Ready状态），基于init containers来实现</a:t>
             </a:r>
@@ -20611,12 +20867,8 @@
                 <a:ln>
                   <a:noFill/>
                 </a:ln>
-                <a:solidFill>
-                  <a:srgbClr val="555555"/>
-                </a:solidFill>
                 <a:effectLst/>
-                <a:latin typeface="Arial" panose="020B0604020202020204" pitchFamily="34" charset="0"/>
-                <a:ea typeface="Microsoft Yahei" panose="020B0503020204020204" pitchFamily="34" charset="-122"/>
+                <a:latin typeface="+mn-ea"/>
               </a:rPr>
               <a:t>有序收缩，有序删除（即从N-1到0）</a:t>
             </a:r>
@@ -20624,12 +20876,8 @@
               <a:ln>
                 <a:noFill/>
               </a:ln>
-              <a:solidFill>
-                <a:srgbClr val="555555"/>
-              </a:solidFill>
               <a:effectLst/>
-              <a:latin typeface="Arial" panose="020B0604020202020204" pitchFamily="34" charset="0"/>
-              <a:ea typeface="Microsoft Yahei" panose="020B0503020204020204" pitchFamily="34" charset="-122"/>
+              <a:latin typeface="+mn-ea"/>
             </a:endParaRPr>
           </a:p>
           <a:p>
@@ -20653,12 +20901,8 @@
               <a:ln>
                 <a:noFill/>
               </a:ln>
-              <a:solidFill>
-                <a:srgbClr val="555555"/>
-              </a:solidFill>
               <a:effectLst/>
-              <a:latin typeface="Arial" panose="020B0604020202020204" pitchFamily="34" charset="0"/>
-              <a:ea typeface="Microsoft Yahei" panose="020B0503020204020204" pitchFamily="34" charset="-122"/>
+              <a:latin typeface="+mn-ea"/>
             </a:endParaRPr>
           </a:p>
           <a:p>
@@ -20683,25 +20927,11 @@
                 <a:ln>
                   <a:noFill/>
                 </a:ln>
-                <a:solidFill>
-                  <a:srgbClr val="555555"/>
-                </a:solidFill>
                 <a:effectLst/>
-                <a:latin typeface="Arial" panose="020B0604020202020204" pitchFamily="34" charset="0"/>
-                <a:ea typeface="Microsoft Yahei" panose="020B0503020204020204" pitchFamily="34" charset="-122"/>
+                <a:latin typeface="+mn-ea"/>
               </a:rPr>
               <a:t>从上面的应用场景可以发现，StatefulSet由以下几个部分组成：</a:t>
             </a:r>
-            <a:endParaRPr kumimoji="0" lang="zh-CN" altLang="zh-CN" sz="1600" b="0" i="0" u="none" strike="noStrike" cap="none" normalizeH="0" baseline="0" dirty="0">
-              <a:ln>
-                <a:noFill/>
-              </a:ln>
-              <a:solidFill>
-                <a:schemeClr val="tx1"/>
-              </a:solidFill>
-              <a:effectLst/>
-              <a:latin typeface="Arial" panose="020B0604020202020204" pitchFamily="34" charset="0"/>
-            </a:endParaRPr>
           </a:p>
           <a:p>
             <a:pPr marL="0" marR="0" lvl="0" indent="0" algn="l" defTabSz="914400" rtl="0" eaLnBrk="0" fontAlgn="base" latinLnBrk="0" hangingPunct="0">
@@ -20725,12 +20955,8 @@
                 <a:ln>
                   <a:noFill/>
                 </a:ln>
-                <a:solidFill>
-                  <a:srgbClr val="555555"/>
-                </a:solidFill>
                 <a:effectLst/>
-                <a:latin typeface="Arial" panose="020B0604020202020204" pitchFamily="34" charset="0"/>
-                <a:ea typeface="Microsoft Yahei" panose="020B0503020204020204" pitchFamily="34" charset="-122"/>
+                <a:latin typeface="+mn-ea"/>
               </a:rPr>
               <a:t>用于定义网络标志（DNS domain）的Headless Service</a:t>
             </a:r>
@@ -20757,12 +20983,8 @@
                 <a:ln>
                   <a:noFill/>
                 </a:ln>
-                <a:solidFill>
-                  <a:srgbClr val="555555"/>
-                </a:solidFill>
                 <a:effectLst/>
-                <a:latin typeface="Arial" panose="020B0604020202020204" pitchFamily="34" charset="0"/>
-                <a:ea typeface="Microsoft Yahei" panose="020B0503020204020204" pitchFamily="34" charset="-122"/>
+                <a:latin typeface="+mn-ea"/>
               </a:rPr>
               <a:t>用于创建PersistentVolumes的volumeClaimTemplates</a:t>
             </a:r>
@@ -20789,12 +21011,8 @@
                 <a:ln>
                   <a:noFill/>
                 </a:ln>
-                <a:solidFill>
-                  <a:srgbClr val="555555"/>
-                </a:solidFill>
                 <a:effectLst/>
-                <a:latin typeface="Arial" panose="020B0604020202020204" pitchFamily="34" charset="0"/>
-                <a:ea typeface="Microsoft Yahei" panose="020B0503020204020204" pitchFamily="34" charset="-122"/>
+                <a:latin typeface="+mn-ea"/>
               </a:rPr>
               <a:t>定义具体应用的StatefulSet</a:t>
             </a:r>
@@ -20802,12 +21020,8 @@
               <a:ln>
                 <a:noFill/>
               </a:ln>
-              <a:solidFill>
-                <a:srgbClr val="555555"/>
-              </a:solidFill>
               <a:effectLst/>
-              <a:latin typeface="Arial" panose="020B0604020202020204" pitchFamily="34" charset="0"/>
-              <a:ea typeface="Microsoft Yahei" panose="020B0503020204020204" pitchFamily="34" charset="-122"/>
+              <a:latin typeface="+mn-ea"/>
             </a:endParaRPr>
           </a:p>
           <a:p>
@@ -20831,12 +21045,8 @@
               <a:ln>
                 <a:noFill/>
               </a:ln>
-              <a:solidFill>
-                <a:srgbClr val="555555"/>
-              </a:solidFill>
               <a:effectLst/>
-              <a:latin typeface="Arial" panose="020B0604020202020204" pitchFamily="34" charset="0"/>
-              <a:ea typeface="Microsoft Yahei" panose="020B0503020204020204" pitchFamily="34" charset="-122"/>
+              <a:latin typeface="+mn-ea"/>
             </a:endParaRPr>
           </a:p>
           <a:p>
@@ -20861,52 +21071,11 @@
                 <a:ln>
                   <a:noFill/>
                 </a:ln>
-                <a:solidFill>
-                  <a:srgbClr val="555555"/>
-                </a:solidFill>
                 <a:effectLst/>
-                <a:latin typeface="Arial" panose="020B0604020202020204" pitchFamily="34" charset="0"/>
-                <a:ea typeface="Microsoft Yahei" panose="020B0503020204020204" pitchFamily="34" charset="-122"/>
-              </a:rPr>
-              <a:t>StatefulSet中每个Pod的DNS格式为</a:t>
-            </a:r>
-            <a:r>
-              <a:rPr kumimoji="0" lang="zh-CN" altLang="zh-CN" sz="1600" b="0" i="0" u="none" strike="noStrike" cap="none" normalizeH="0" baseline="0" dirty="0">
-                <a:ln>
-                  <a:noFill/>
-                </a:ln>
-                <a:solidFill>
-                  <a:srgbClr val="C7254E"/>
-                </a:solidFill>
-                <a:effectLst/>
-                <a:latin typeface="Arial Unicode MS"/>
-                <a:ea typeface="Menlo"/>
-              </a:rPr>
-              <a:t>statefulSetName-{0..N-1}.serviceName.namespace.svc.cluster.local</a:t>
-            </a:r>
-            <a:r>
-              <a:rPr kumimoji="0" lang="zh-CN" altLang="zh-CN" sz="1600" b="0" i="0" u="none" strike="noStrike" cap="none" normalizeH="0" baseline="0" dirty="0">
-                <a:ln>
-                  <a:noFill/>
-                </a:ln>
-                <a:solidFill>
-                  <a:srgbClr val="555555"/>
-                </a:solidFill>
-                <a:effectLst/>
-                <a:ea typeface="Microsoft Yahei" panose="020B0503020204020204" pitchFamily="34" charset="-122"/>
-              </a:rPr>
-              <a:t>，其中</a:t>
-            </a:r>
-            <a:endParaRPr kumimoji="0" lang="zh-CN" altLang="zh-CN" sz="1600" b="0" i="0" u="none" strike="noStrike" cap="none" normalizeH="0" baseline="0" dirty="0">
-              <a:ln>
-                <a:noFill/>
-              </a:ln>
-              <a:solidFill>
-                <a:schemeClr val="tx1"/>
-              </a:solidFill>
-              <a:effectLst/>
-              <a:latin typeface="Arial" panose="020B0604020202020204" pitchFamily="34" charset="0"/>
-            </a:endParaRPr>
+                <a:latin typeface="+mn-ea"/>
+              </a:rPr>
+              <a:t>StatefulSet中每个Pod的DNS格式为statefulSetName-{0..N-1}.serviceName.namespace.svc.cluster.local，其中</a:t>
+            </a:r>
           </a:p>
           <a:p>
             <a:pPr marL="0" marR="0" lvl="0" indent="0" algn="l" defTabSz="914400" rtl="0" eaLnBrk="0" fontAlgn="base" latinLnBrk="0" hangingPunct="0">
@@ -20930,39 +21099,11 @@
                 <a:ln>
                   <a:noFill/>
                 </a:ln>
-                <a:solidFill>
-                  <a:srgbClr val="C7254E"/>
-                </a:solidFill>
                 <a:effectLst/>
-                <a:latin typeface="Arial Unicode MS"/>
-                <a:ea typeface="Menlo"/>
-              </a:rPr>
-              <a:t>serviceName</a:t>
-            </a:r>
-            <a:r>
-              <a:rPr kumimoji="0" lang="zh-CN" altLang="zh-CN" sz="1600" b="0" i="0" u="none" strike="noStrike" cap="none" normalizeH="0" baseline="0" dirty="0">
-                <a:ln>
-                  <a:noFill/>
-                </a:ln>
-                <a:solidFill>
-                  <a:srgbClr val="555555"/>
-                </a:solidFill>
-                <a:effectLst/>
-                <a:ea typeface="Microsoft Yahei" panose="020B0503020204020204" pitchFamily="34" charset="-122"/>
-              </a:rPr>
-              <a:t>为Headless Service的名字</a:t>
-            </a:r>
-            <a:endParaRPr kumimoji="0" lang="zh-CN" altLang="zh-CN" sz="1600" b="0" i="0" u="none" strike="noStrike" cap="none" normalizeH="0" baseline="0" dirty="0">
-              <a:ln>
-                <a:noFill/>
-              </a:ln>
-              <a:solidFill>
-                <a:srgbClr val="555555"/>
-              </a:solidFill>
-              <a:effectLst/>
-              <a:latin typeface="Arial" panose="020B0604020202020204" pitchFamily="34" charset="0"/>
-              <a:ea typeface="Microsoft Yahei" panose="020B0503020204020204" pitchFamily="34" charset="-122"/>
-            </a:endParaRPr>
+                <a:latin typeface="+mn-ea"/>
+              </a:rPr>
+              <a:t>serviceName为Headless Service的名字</a:t>
+            </a:r>
           </a:p>
           <a:p>
             <a:pPr marL="0" marR="0" lvl="0" indent="0" algn="l" defTabSz="914400" rtl="0" eaLnBrk="0" fontAlgn="base" latinLnBrk="0" hangingPunct="0">
@@ -20986,39 +21127,11 @@
                 <a:ln>
                   <a:noFill/>
                 </a:ln>
-                <a:solidFill>
-                  <a:srgbClr val="C7254E"/>
-                </a:solidFill>
                 <a:effectLst/>
-                <a:latin typeface="Arial Unicode MS"/>
-                <a:ea typeface="Menlo"/>
-              </a:rPr>
-              <a:t>0..N-1</a:t>
-            </a:r>
-            <a:r>
-              <a:rPr kumimoji="0" lang="zh-CN" altLang="zh-CN" sz="1600" b="0" i="0" u="none" strike="noStrike" cap="none" normalizeH="0" baseline="0" dirty="0">
-                <a:ln>
-                  <a:noFill/>
-                </a:ln>
-                <a:solidFill>
-                  <a:srgbClr val="555555"/>
-                </a:solidFill>
-                <a:effectLst/>
-                <a:ea typeface="Microsoft Yahei" panose="020B0503020204020204" pitchFamily="34" charset="-122"/>
-              </a:rPr>
-              <a:t>为Pod所在的序号，从0开始到N-1</a:t>
-            </a:r>
-            <a:endParaRPr kumimoji="0" lang="zh-CN" altLang="zh-CN" sz="1600" b="0" i="0" u="none" strike="noStrike" cap="none" normalizeH="0" baseline="0" dirty="0">
-              <a:ln>
-                <a:noFill/>
-              </a:ln>
-              <a:solidFill>
-                <a:srgbClr val="555555"/>
-              </a:solidFill>
-              <a:effectLst/>
-              <a:latin typeface="Arial" panose="020B0604020202020204" pitchFamily="34" charset="0"/>
-              <a:ea typeface="Microsoft Yahei" panose="020B0503020204020204" pitchFamily="34" charset="-122"/>
-            </a:endParaRPr>
+                <a:latin typeface="+mn-ea"/>
+              </a:rPr>
+              <a:t>0..N-1为Pod所在的序号，从0开始到N-1</a:t>
+            </a:r>
           </a:p>
           <a:p>
             <a:pPr marL="0" marR="0" lvl="0" indent="0" algn="l" defTabSz="914400" rtl="0" eaLnBrk="0" fontAlgn="base" latinLnBrk="0" hangingPunct="0">
@@ -21042,39 +21155,11 @@
                 <a:ln>
                   <a:noFill/>
                 </a:ln>
-                <a:solidFill>
-                  <a:srgbClr val="C7254E"/>
-                </a:solidFill>
                 <a:effectLst/>
-                <a:latin typeface="Arial Unicode MS"/>
-                <a:ea typeface="Menlo"/>
-              </a:rPr>
-              <a:t>statefulSetName</a:t>
-            </a:r>
-            <a:r>
-              <a:rPr kumimoji="0" lang="zh-CN" altLang="zh-CN" sz="1600" b="0" i="0" u="none" strike="noStrike" cap="none" normalizeH="0" baseline="0" dirty="0">
-                <a:ln>
-                  <a:noFill/>
-                </a:ln>
-                <a:solidFill>
-                  <a:srgbClr val="555555"/>
-                </a:solidFill>
-                <a:effectLst/>
-                <a:ea typeface="Microsoft Yahei" panose="020B0503020204020204" pitchFamily="34" charset="-122"/>
-              </a:rPr>
-              <a:t>为StatefulSet的名字</a:t>
-            </a:r>
-            <a:endParaRPr kumimoji="0" lang="zh-CN" altLang="zh-CN" sz="1600" b="0" i="0" u="none" strike="noStrike" cap="none" normalizeH="0" baseline="0" dirty="0">
-              <a:ln>
-                <a:noFill/>
-              </a:ln>
-              <a:solidFill>
-                <a:srgbClr val="555555"/>
-              </a:solidFill>
-              <a:effectLst/>
-              <a:latin typeface="Arial" panose="020B0604020202020204" pitchFamily="34" charset="0"/>
-              <a:ea typeface="Microsoft Yahei" panose="020B0503020204020204" pitchFamily="34" charset="-122"/>
-            </a:endParaRPr>
+                <a:latin typeface="+mn-ea"/>
+              </a:rPr>
+              <a:t>statefulSetName为StatefulSet的名字</a:t>
+            </a:r>
           </a:p>
           <a:p>
             <a:pPr marL="0" marR="0" lvl="0" indent="0" algn="l" defTabSz="914400" rtl="0" eaLnBrk="0" fontAlgn="base" latinLnBrk="0" hangingPunct="0">
@@ -21098,39 +21183,11 @@
                 <a:ln>
                   <a:noFill/>
                 </a:ln>
-                <a:solidFill>
-                  <a:srgbClr val="C7254E"/>
-                </a:solidFill>
                 <a:effectLst/>
-                <a:latin typeface="Arial Unicode MS"/>
-                <a:ea typeface="Menlo"/>
-              </a:rPr>
-              <a:t>namespace</a:t>
-            </a:r>
-            <a:r>
-              <a:rPr kumimoji="0" lang="zh-CN" altLang="zh-CN" sz="1600" b="0" i="0" u="none" strike="noStrike" cap="none" normalizeH="0" baseline="0" dirty="0">
-                <a:ln>
-                  <a:noFill/>
-                </a:ln>
-                <a:solidFill>
-                  <a:srgbClr val="555555"/>
-                </a:solidFill>
-                <a:effectLst/>
-                <a:ea typeface="Microsoft Yahei" panose="020B0503020204020204" pitchFamily="34" charset="-122"/>
-              </a:rPr>
-              <a:t>为服务所在的namespace，Headless Servic和StatefulSet必须在相同的namespace</a:t>
-            </a:r>
-            <a:endParaRPr kumimoji="0" lang="zh-CN" altLang="zh-CN" sz="1600" b="0" i="0" u="none" strike="noStrike" cap="none" normalizeH="0" baseline="0" dirty="0">
-              <a:ln>
-                <a:noFill/>
-              </a:ln>
-              <a:solidFill>
-                <a:srgbClr val="555555"/>
-              </a:solidFill>
-              <a:effectLst/>
-              <a:latin typeface="Arial" panose="020B0604020202020204" pitchFamily="34" charset="0"/>
-              <a:ea typeface="Microsoft Yahei" panose="020B0503020204020204" pitchFamily="34" charset="-122"/>
-            </a:endParaRPr>
+                <a:latin typeface="+mn-ea"/>
+              </a:rPr>
+              <a:t>namespace为服务所在的namespace，Headless Servic和StatefulSet必须在相同的namespace</a:t>
+            </a:r>
           </a:p>
           <a:p>
             <a:pPr marL="0" marR="0" lvl="0" indent="0" algn="l" defTabSz="914400" rtl="0" eaLnBrk="0" fontAlgn="base" latinLnBrk="0" hangingPunct="0">
@@ -21154,39 +21211,11 @@
                 <a:ln>
                   <a:noFill/>
                 </a:ln>
-                <a:solidFill>
-                  <a:srgbClr val="C7254E"/>
-                </a:solidFill>
                 <a:effectLst/>
-                <a:latin typeface="Arial Unicode MS"/>
-                <a:ea typeface="Menlo"/>
-              </a:rPr>
-              <a:t>.cluster.local</a:t>
-            </a:r>
-            <a:r>
-              <a:rPr kumimoji="0" lang="zh-CN" altLang="zh-CN" sz="1600" b="0" i="0" u="none" strike="noStrike" cap="none" normalizeH="0" baseline="0" dirty="0">
-                <a:ln>
-                  <a:noFill/>
-                </a:ln>
-                <a:solidFill>
-                  <a:srgbClr val="555555"/>
-                </a:solidFill>
-                <a:effectLst/>
-                <a:ea typeface="Microsoft Yahei" panose="020B0503020204020204" pitchFamily="34" charset="-122"/>
-              </a:rPr>
-              <a:t>为Cluster Domain，</a:t>
-            </a:r>
-            <a:endParaRPr kumimoji="0" lang="zh-CN" altLang="zh-CN" sz="1600" b="0" i="0" u="none" strike="noStrike" cap="none" normalizeH="0" baseline="0" dirty="0">
-              <a:ln>
-                <a:noFill/>
-              </a:ln>
-              <a:solidFill>
-                <a:srgbClr val="555555"/>
-              </a:solidFill>
-              <a:effectLst/>
-              <a:latin typeface="Arial" panose="020B0604020202020204" pitchFamily="34" charset="0"/>
-              <a:ea typeface="Microsoft Yahei" panose="020B0503020204020204" pitchFamily="34" charset="-122"/>
-            </a:endParaRPr>
+                <a:latin typeface="+mn-ea"/>
+              </a:rPr>
+              <a:t>.cluster.local为Cluster Domain，</a:t>
+            </a:r>
           </a:p>
           <a:p>
             <a:pPr marL="0" marR="0" lvl="0" indent="0" algn="l" defTabSz="914400" rtl="0" eaLnBrk="0" fontAlgn="base" latinLnBrk="0" hangingPunct="0">
@@ -21209,11 +21238,8 @@
               <a:ln>
                 <a:noFill/>
               </a:ln>
-              <a:solidFill>
-                <a:schemeClr val="tx1"/>
-              </a:solidFill>
               <a:effectLst/>
-              <a:latin typeface="Arial" panose="020B0604020202020204" pitchFamily="34" charset="0"/>
+              <a:latin typeface="+mn-ea"/>
             </a:endParaRPr>
           </a:p>
         </p:txBody>
@@ -21264,12 +21290,7 @@
             <p:ph type="title"/>
           </p:nvPr>
         </p:nvSpPr>
-        <p:spPr>
-          <a:xfrm>
-            <a:off x="838200" y="365126"/>
-            <a:ext cx="10515600" cy="644968"/>
-          </a:xfrm>
-        </p:spPr>
+        <p:spPr/>
         <p:txBody>
           <a:bodyPr>
             <a:normAutofit/>
@@ -21304,21 +21325,29 @@
           <a:prstGeom prst="rect">
             <a:avLst/>
           </a:prstGeom>
+          <a:noFill/>
+          <a:ln w="9525" cap="flat" cmpd="sng" algn="ctr">
+            <a:solidFill>
+              <a:schemeClr val="accent1"/>
+            </a:solidFill>
+            <a:prstDash val="solid"/>
+            <a:round/>
+            <a:headEnd type="none" w="med" len="med"/>
+            <a:tailEnd type="none" w="med" len="med"/>
+          </a:ln>
         </p:spPr>
         <p:style>
-          <a:lnRef idx="2">
-            <a:schemeClr val="accent6">
-              <a:shade val="50000"/>
-            </a:schemeClr>
+          <a:lnRef idx="0">
+            <a:scrgbClr r="0" g="0" b="0"/>
           </a:lnRef>
-          <a:fillRef idx="1">
-            <a:schemeClr val="accent6"/>
+          <a:fillRef idx="0">
+            <a:scrgbClr r="0" g="0" b="0"/>
           </a:fillRef>
           <a:effectRef idx="0">
-            <a:schemeClr val="accent6"/>
+            <a:scrgbClr r="0" g="0" b="0"/>
           </a:effectRef>
           <a:fontRef idx="minor">
-            <a:schemeClr val="lt1"/>
+            <a:schemeClr val="accent1"/>
           </a:fontRef>
         </p:style>
         <p:txBody>
@@ -22104,12 +22133,7 @@
             <p:ph type="title"/>
           </p:nvPr>
         </p:nvSpPr>
-        <p:spPr>
-          <a:xfrm>
-            <a:off x="838200" y="365126"/>
-            <a:ext cx="10515600" cy="644968"/>
-          </a:xfrm>
-        </p:spPr>
+        <p:spPr/>
         <p:txBody>
           <a:bodyPr>
             <a:normAutofit/>
@@ -22192,21 +22216,23 @@
           <a:prstGeom prst="rect">
             <a:avLst/>
           </a:prstGeom>
+          <a:noFill/>
+          <a:ln>
+            <a:noFill/>
+          </a:ln>
         </p:spPr>
         <p:style>
-          <a:lnRef idx="2">
-            <a:schemeClr val="accent6">
-              <a:shade val="50000"/>
-            </a:schemeClr>
+          <a:lnRef idx="0">
+            <a:scrgbClr r="0" g="0" b="0"/>
           </a:lnRef>
-          <a:fillRef idx="1">
-            <a:schemeClr val="accent6"/>
+          <a:fillRef idx="0">
+            <a:scrgbClr r="0" g="0" b="0"/>
           </a:fillRef>
           <a:effectRef idx="0">
-            <a:schemeClr val="accent6"/>
+            <a:scrgbClr r="0" g="0" b="0"/>
           </a:effectRef>
           <a:fontRef idx="minor">
-            <a:schemeClr val="lt1"/>
+            <a:schemeClr val="accent1"/>
           </a:fontRef>
         </p:style>
         <p:txBody>
@@ -22954,12 +22980,7 @@
             <p:ph type="title"/>
           </p:nvPr>
         </p:nvSpPr>
-        <p:spPr>
-          <a:xfrm>
-            <a:off x="838200" y="365126"/>
-            <a:ext cx="10515600" cy="644968"/>
-          </a:xfrm>
-        </p:spPr>
+        <p:spPr/>
         <p:txBody>
           <a:bodyPr>
             <a:normAutofit/>
@@ -22990,12 +23011,7 @@
             <p:ph idx="1"/>
           </p:nvPr>
         </p:nvSpPr>
-        <p:spPr>
-          <a:xfrm>
-            <a:off x="838200" y="1010094"/>
-            <a:ext cx="10515600" cy="5166869"/>
-          </a:xfrm>
-        </p:spPr>
+        <p:spPr/>
         <p:txBody>
           <a:bodyPr>
             <a:normAutofit/>
@@ -23172,12 +23188,7 @@
             <p:ph type="title"/>
           </p:nvPr>
         </p:nvSpPr>
-        <p:spPr>
-          <a:xfrm>
-            <a:off x="838200" y="365126"/>
-            <a:ext cx="10515600" cy="644968"/>
-          </a:xfrm>
-        </p:spPr>
+        <p:spPr/>
         <p:txBody>
           <a:bodyPr>
             <a:normAutofit/>
@@ -23208,97 +23219,130 @@
             <p:ph idx="1"/>
           </p:nvPr>
         </p:nvSpPr>
-        <p:spPr>
-          <a:xfrm>
-            <a:off x="838200" y="1010094"/>
-            <a:ext cx="10515600" cy="5166869"/>
-          </a:xfrm>
-        </p:spPr>
+        <p:spPr/>
         <p:txBody>
-          <a:bodyPr/>
+          <a:bodyPr>
+            <a:normAutofit/>
+          </a:bodyPr>
           <a:lstStyle/>
           <a:p>
             <a:pPr marL="0" indent="0">
               <a:buNone/>
             </a:pPr>
             <a:r>
-              <a:rPr lang="en-US" altLang="zh-CN" dirty="0" err="1"/>
+              <a:rPr lang="en-US" altLang="zh-CN" sz="2400" dirty="0" err="1">
+                <a:latin typeface="+mn-ea"/>
+              </a:rPr>
               <a:t>Kubernete</a:t>
             </a:r>
             <a:r>
-              <a:rPr lang="en-US" altLang="zh-CN" dirty="0"/>
+              <a:rPr lang="en-US" altLang="zh-CN" sz="2400" dirty="0">
+                <a:latin typeface="+mn-ea"/>
+              </a:rPr>
               <a:t> Service </a:t>
             </a:r>
             <a:r>
-              <a:rPr lang="zh-CN" altLang="en-US" dirty="0"/>
+              <a:rPr lang="zh-CN" altLang="en-US" sz="2400" dirty="0">
+                <a:latin typeface="+mn-ea"/>
+              </a:rPr>
               <a:t>是一个定义了一组</a:t>
             </a:r>
             <a:r>
-              <a:rPr lang="en-US" altLang="zh-CN" b="1" dirty="0">
-                <a:hlinkClick r:id="rId2"/>
+              <a:rPr lang="en-US" altLang="zh-CN" sz="2400" b="1" dirty="0">
+                <a:latin typeface="+mn-ea"/>
               </a:rPr>
               <a:t>Pod</a:t>
             </a:r>
             <a:r>
-              <a:rPr lang="zh-CN" altLang="en-US" dirty="0"/>
+              <a:rPr lang="zh-CN" altLang="en-US" sz="2400" dirty="0">
+                <a:latin typeface="+mn-ea"/>
+              </a:rPr>
               <a:t>的策略的抽象，我们也有时候叫做宏观服务。这些被服务标记的</a:t>
             </a:r>
             <a:r>
-              <a:rPr lang="en-US" altLang="zh-CN" dirty="0"/>
+              <a:rPr lang="en-US" altLang="zh-CN" sz="2400" dirty="0">
+                <a:latin typeface="+mn-ea"/>
+              </a:rPr>
               <a:t>Pod</a:t>
             </a:r>
             <a:r>
-              <a:rPr lang="zh-CN" altLang="en-US" dirty="0"/>
+              <a:rPr lang="zh-CN" altLang="en-US" sz="2400" dirty="0">
+                <a:latin typeface="+mn-ea"/>
+              </a:rPr>
               <a:t>都是（一般）通过</a:t>
             </a:r>
             <a:r>
-              <a:rPr lang="en-US" altLang="zh-CN" dirty="0"/>
+              <a:rPr lang="en-US" altLang="zh-CN" sz="2400" dirty="0">
+                <a:latin typeface="+mn-ea"/>
+              </a:rPr>
               <a:t>label Selector</a:t>
             </a:r>
             <a:r>
-              <a:rPr lang="zh-CN" altLang="en-US" dirty="0"/>
+              <a:rPr lang="zh-CN" altLang="en-US" sz="2400" dirty="0">
+                <a:latin typeface="+mn-ea"/>
+              </a:rPr>
               <a:t>决定的（下面我们会讲到我们为什么需要一个没有</a:t>
             </a:r>
             <a:r>
-              <a:rPr lang="en-US" altLang="zh-CN" dirty="0"/>
+              <a:rPr lang="en-US" altLang="zh-CN" sz="2400" dirty="0">
+                <a:latin typeface="+mn-ea"/>
+              </a:rPr>
               <a:t>label selector</a:t>
             </a:r>
             <a:r>
-              <a:rPr lang="zh-CN" altLang="en-US" dirty="0"/>
+              <a:rPr lang="zh-CN" altLang="en-US" sz="2400" dirty="0">
+                <a:latin typeface="+mn-ea"/>
+              </a:rPr>
               <a:t>的服务）</a:t>
             </a:r>
-            <a:endParaRPr lang="en-US" altLang="zh-CN" dirty="0"/>
+            <a:endParaRPr lang="en-US" altLang="zh-CN" sz="2400" dirty="0">
+              <a:latin typeface="+mn-ea"/>
+            </a:endParaRPr>
           </a:p>
           <a:p>
             <a:pPr marL="0" indent="0">
               <a:buNone/>
             </a:pPr>
             <a:r>
-              <a:rPr lang="zh-CN" altLang="en-US" dirty="0"/>
+              <a:rPr lang="zh-CN" altLang="en-US" sz="2400" dirty="0">
+                <a:latin typeface="+mn-ea"/>
+              </a:rPr>
               <a:t>举个例子，我们假设后台是一个图形处理的后台，并且由</a:t>
             </a:r>
             <a:r>
-              <a:rPr lang="en-US" altLang="zh-CN" dirty="0"/>
+              <a:rPr lang="en-US" altLang="zh-CN" sz="2400" dirty="0">
+                <a:latin typeface="+mn-ea"/>
+              </a:rPr>
               <a:t>3</a:t>
             </a:r>
             <a:r>
-              <a:rPr lang="zh-CN" altLang="en-US" dirty="0"/>
+              <a:rPr lang="zh-CN" altLang="en-US" sz="2400" dirty="0">
+                <a:latin typeface="+mn-ea"/>
+              </a:rPr>
               <a:t>个副本。这些副本是可以相互替代的，并且前台并需要关心使用的哪一个后台</a:t>
             </a:r>
             <a:r>
-              <a:rPr lang="en-US" altLang="zh-CN" dirty="0"/>
+              <a:rPr lang="en-US" altLang="zh-CN" sz="2400" dirty="0">
+                <a:latin typeface="+mn-ea"/>
+              </a:rPr>
               <a:t>Pod</a:t>
             </a:r>
             <a:r>
-              <a:rPr lang="zh-CN" altLang="en-US" dirty="0"/>
+              <a:rPr lang="zh-CN" altLang="en-US" sz="2400" dirty="0">
+                <a:latin typeface="+mn-ea"/>
+              </a:rPr>
               <a:t>，当这个承载前台请求的</a:t>
             </a:r>
             <a:r>
-              <a:rPr lang="en-US" altLang="zh-CN" dirty="0"/>
+              <a:rPr lang="en-US" altLang="zh-CN" sz="2400" dirty="0">
+                <a:latin typeface="+mn-ea"/>
+              </a:rPr>
               <a:t>pod</a:t>
             </a:r>
             <a:r>
-              <a:rPr lang="zh-CN" altLang="en-US" dirty="0"/>
+              <a:rPr lang="zh-CN" altLang="en-US" sz="2400" dirty="0">
+                <a:latin typeface="+mn-ea"/>
+              </a:rPr>
               <a:t>发生变化时，前台并不需要知道这些变化，或者追踪后台的这些副本，服务是这些去耦合的关键所在。</a:t>
             </a:r>
           </a:p>
@@ -23411,19 +23455,7 @@
             </a:r>
             <a:r>
               <a:rPr lang="en-US" altLang="zh-CN" dirty="0"/>
-              <a:t> </a:t>
-            </a:r>
-            <a:r>
-              <a:rPr lang="en-US" altLang="zh-CN" dirty="0" err="1"/>
-              <a:t>kubectl</a:t>
-            </a:r>
-            <a:r>
-              <a:rPr lang="en-US" altLang="zh-CN" dirty="0"/>
-              <a:t> apply -f </a:t>
-            </a:r>
-            <a:r>
-              <a:rPr lang="en-US" altLang="zh-CN" dirty="0" err="1"/>
-              <a:t>k8ssergvice.yaml</a:t>
+              <a:t> kubectl apply -f k8ssergvice.yaml</a:t>
             </a:r>
             <a:endParaRPr lang="zh-CN" altLang="en-US" dirty="0"/>
           </a:p>
@@ -23443,27 +23475,35 @@
         </p:nvSpPr>
         <p:spPr>
           <a:xfrm>
-            <a:off x="7212419" y="535900"/>
+            <a:off x="7343048" y="1702226"/>
             <a:ext cx="4515293" cy="4401205"/>
           </a:xfrm>
           <a:prstGeom prst="rect">
             <a:avLst/>
           </a:prstGeom>
+          <a:noFill/>
+          <a:ln w="9525" cap="flat" cmpd="sng" algn="ctr">
+            <a:solidFill>
+              <a:schemeClr val="accent1"/>
+            </a:solidFill>
+            <a:prstDash val="solid"/>
+            <a:round/>
+            <a:headEnd type="none" w="med" len="med"/>
+            <a:tailEnd type="none" w="med" len="med"/>
+          </a:ln>
         </p:spPr>
         <p:style>
-          <a:lnRef idx="2">
-            <a:schemeClr val="accent6">
-              <a:shade val="50000"/>
-            </a:schemeClr>
+          <a:lnRef idx="0">
+            <a:scrgbClr r="0" g="0" b="0"/>
           </a:lnRef>
-          <a:fillRef idx="1">
-            <a:schemeClr val="accent6"/>
+          <a:fillRef idx="0">
+            <a:scrgbClr r="0" g="0" b="0"/>
           </a:fillRef>
           <a:effectRef idx="0">
-            <a:schemeClr val="accent6"/>
+            <a:scrgbClr r="0" g="0" b="0"/>
           </a:effectRef>
           <a:fontRef idx="minor">
-            <a:schemeClr val="lt1"/>
+            <a:schemeClr val="accent1"/>
           </a:fontRef>
         </p:style>
         <p:txBody>
@@ -24637,10 +24677,74 @@
       </p:grpSpPr>
       <p:sp>
         <p:nvSpPr>
-          <p:cNvPr id="2" name="标题 1">
+          <p:cNvPr id="2" name="矩形 1">
             <a:extLst>
               <a:ext uri="{FF2B5EF4-FFF2-40B4-BE49-F238E27FC236}">
-                <a16:creationId xmlns:a16="http://schemas.microsoft.com/office/drawing/2014/main" id="{71E42E59-A04A-4D3E-8563-A40C4440BF1E}"/>
+                <a16:creationId xmlns:a16="http://schemas.microsoft.com/office/drawing/2014/main" id="{570B805E-2386-44BF-84AB-22D4701C7E3F}"/>
+              </a:ext>
+            </a:extLst>
+          </p:cNvPr>
+          <p:cNvSpPr/>
+          <p:nvPr/>
+        </p:nvSpPr>
+        <p:spPr>
+          <a:xfrm>
+            <a:off x="1276053" y="2008650"/>
+            <a:ext cx="9264502" cy="1754326"/>
+          </a:xfrm>
+          <a:prstGeom prst="rect">
+            <a:avLst/>
+          </a:prstGeom>
+        </p:spPr>
+        <p:txBody>
+          <a:bodyPr wrap="square">
+            <a:spAutoFit/>
+          </a:bodyPr>
+          <a:lstStyle/>
+          <a:p>
+            <a:r>
+              <a:rPr lang="zh-CN" altLang="en-US" dirty="0"/>
+              <a:t>$ curl -s https://packages.cloud.google.com/apt/doc/apt-key.gpg | apt-key add -</a:t>
+            </a:r>
+          </a:p>
+          <a:p>
+            <a:r>
+              <a:rPr lang="zh-CN" altLang="en-US" dirty="0"/>
+              <a:t>$ cat &lt;&lt;EOF &gt; /etc/apt/sources.list.d/kubernetes.list</a:t>
+            </a:r>
+          </a:p>
+          <a:p>
+            <a:r>
+              <a:rPr lang="zh-CN" altLang="en-US" dirty="0"/>
+              <a:t>deb http://apt.kubernetes.io/ kubernetes-xenial main</a:t>
+            </a:r>
+          </a:p>
+          <a:p>
+            <a:r>
+              <a:rPr lang="zh-CN" altLang="en-US" dirty="0"/>
+              <a:t>EOF</a:t>
+            </a:r>
+          </a:p>
+          <a:p>
+            <a:r>
+              <a:rPr lang="zh-CN" altLang="en-US" dirty="0"/>
+              <a:t>$ apt-get update</a:t>
+            </a:r>
+          </a:p>
+          <a:p>
+            <a:r>
+              <a:rPr lang="zh-CN" altLang="en-US" dirty="0"/>
+              <a:t>$ apt-get install -y docker.io kubeadm</a:t>
+            </a:r>
+          </a:p>
+        </p:txBody>
+      </p:sp>
+      <p:sp>
+        <p:nvSpPr>
+          <p:cNvPr id="3" name="标题 2">
+            <a:extLst>
+              <a:ext uri="{FF2B5EF4-FFF2-40B4-BE49-F238E27FC236}">
+                <a16:creationId xmlns:a16="http://schemas.microsoft.com/office/drawing/2014/main" id="{F6B59E27-125D-4F26-B2DE-9EED37AF9262}"/>
               </a:ext>
             </a:extLst>
           </p:cNvPr>
@@ -24656,39 +24760,22 @@
           <a:bodyPr/>
           <a:lstStyle/>
           <a:p>
-            <a:endParaRPr lang="zh-CN" altLang="en-US"/>
-          </a:p>
-        </p:txBody>
-      </p:sp>
-      <p:sp>
-        <p:nvSpPr>
-          <p:cNvPr id="3" name="内容占位符 2">
-            <a:extLst>
-              <a:ext uri="{FF2B5EF4-FFF2-40B4-BE49-F238E27FC236}">
-                <a16:creationId xmlns:a16="http://schemas.microsoft.com/office/drawing/2014/main" id="{A4EA7D42-E5B8-42B1-B0B8-23BF0854F694}"/>
-              </a:ext>
-            </a:extLst>
-          </p:cNvPr>
-          <p:cNvSpPr>
-            <a:spLocks noGrp="1"/>
-          </p:cNvSpPr>
-          <p:nvPr>
-            <p:ph idx="1"/>
-          </p:nvPr>
-        </p:nvSpPr>
-        <p:spPr/>
-        <p:txBody>
-          <a:bodyPr/>
-          <a:lstStyle/>
-          <a:p>
-            <a:endParaRPr lang="zh-CN" altLang="en-US"/>
+            <a:r>
+              <a:rPr lang="zh-CN" altLang="en-US" dirty="0"/>
+              <a:t>安装</a:t>
+            </a:r>
+            <a:r>
+              <a:rPr lang="en-US" altLang="zh-CN" dirty="0" err="1"/>
+              <a:t>docker,kubeadm</a:t>
+            </a:r>
+            <a:endParaRPr lang="zh-CN" altLang="en-US" dirty="0"/>
           </a:p>
         </p:txBody>
       </p:sp>
     </p:spTree>
     <p:extLst>
       <p:ext uri="{BB962C8B-B14F-4D97-AF65-F5344CB8AC3E}">
-        <p14:creationId xmlns:p14="http://schemas.microsoft.com/office/powerpoint/2010/main" val="1597291502"/>
+        <p14:creationId xmlns:p14="http://schemas.microsoft.com/office/powerpoint/2010/main" val="2072790874"/>
       </p:ext>
     </p:extLst>
   </p:cSld>
@@ -25059,100 +25146,6 @@
           <p:cNvPr id="2" name="矩形 1">
             <a:extLst>
               <a:ext uri="{FF2B5EF4-FFF2-40B4-BE49-F238E27FC236}">
-                <a16:creationId xmlns:a16="http://schemas.microsoft.com/office/drawing/2014/main" id="{570B805E-2386-44BF-84AB-22D4701C7E3F}"/>
-              </a:ext>
-            </a:extLst>
-          </p:cNvPr>
-          <p:cNvSpPr/>
-          <p:nvPr/>
-        </p:nvSpPr>
-        <p:spPr>
-          <a:xfrm>
-            <a:off x="1378689" y="860985"/>
-            <a:ext cx="9264502" cy="1754326"/>
-          </a:xfrm>
-          <a:prstGeom prst="rect">
-            <a:avLst/>
-          </a:prstGeom>
-        </p:spPr>
-        <p:txBody>
-          <a:bodyPr wrap="square">
-            <a:spAutoFit/>
-          </a:bodyPr>
-          <a:lstStyle/>
-          <a:p>
-            <a:r>
-              <a:rPr lang="zh-CN" altLang="en-US" dirty="0"/>
-              <a:t>$ curl -s https://packages.cloud.google.com/apt/doc/apt-key.gpg | apt-key add -</a:t>
-            </a:r>
-          </a:p>
-          <a:p>
-            <a:r>
-              <a:rPr lang="zh-CN" altLang="en-US" dirty="0"/>
-              <a:t>$ cat &lt;&lt;EOF &gt; /etc/apt/sources.list.d/kubernetes.list</a:t>
-            </a:r>
-          </a:p>
-          <a:p>
-            <a:r>
-              <a:rPr lang="zh-CN" altLang="en-US" dirty="0"/>
-              <a:t>deb http://apt.kubernetes.io/ kubernetes-xenial main</a:t>
-            </a:r>
-          </a:p>
-          <a:p>
-            <a:r>
-              <a:rPr lang="zh-CN" altLang="en-US" dirty="0"/>
-              <a:t>EOF</a:t>
-            </a:r>
-          </a:p>
-          <a:p>
-            <a:r>
-              <a:rPr lang="zh-CN" altLang="en-US" dirty="0"/>
-              <a:t>$ apt-get update</a:t>
-            </a:r>
-          </a:p>
-          <a:p>
-            <a:r>
-              <a:rPr lang="zh-CN" altLang="en-US" dirty="0"/>
-              <a:t>$ apt-get install -y docker.io kubeadm</a:t>
-            </a:r>
-          </a:p>
-        </p:txBody>
-      </p:sp>
-    </p:spTree>
-    <p:extLst>
-      <p:ext uri="{BB962C8B-B14F-4D97-AF65-F5344CB8AC3E}">
-        <p14:creationId xmlns:p14="http://schemas.microsoft.com/office/powerpoint/2010/main" val="2072790874"/>
-      </p:ext>
-    </p:extLst>
-  </p:cSld>
-  <p:clrMapOvr>
-    <a:masterClrMapping/>
-  </p:clrMapOvr>
-</p:sld>
-</file>
-
-<file path=ppt/slides/slide41.xml><?xml version="1.0" encoding="utf-8"?>
-<p:sld xmlns:a="http://schemas.openxmlformats.org/drawingml/2006/main" xmlns:r="http://schemas.openxmlformats.org/officeDocument/2006/relationships" xmlns:p="http://schemas.openxmlformats.org/presentationml/2006/main">
-  <p:cSld>
-    <p:spTree>
-      <p:nvGrpSpPr>
-        <p:cNvPr id="1" name=""/>
-        <p:cNvGrpSpPr/>
-        <p:nvPr/>
-      </p:nvGrpSpPr>
-      <p:grpSpPr>
-        <a:xfrm>
-          <a:off x="0" y="0"/>
-          <a:ext cx="0" cy="0"/>
-          <a:chOff x="0" y="0"/>
-          <a:chExt cx="0" cy="0"/>
-        </a:xfrm>
-      </p:grpSpPr>
-      <p:sp>
-        <p:nvSpPr>
-          <p:cNvPr id="2" name="矩形 1">
-            <a:extLst>
-              <a:ext uri="{FF2B5EF4-FFF2-40B4-BE49-F238E27FC236}">
                 <a16:creationId xmlns:a16="http://schemas.microsoft.com/office/drawing/2014/main" id="{58B3FFDA-51C8-4CB8-AF16-A6BADDABD434}"/>
               </a:ext>
             </a:extLst>
@@ -25777,7 +25770,7 @@
 </p:sld>
 </file>
 
-<file path=ppt/slides/slide42.xml><?xml version="1.0" encoding="utf-8"?>
+<file path=ppt/slides/slide41.xml><?xml version="1.0" encoding="utf-8"?>
 <p:sld xmlns:a="http://schemas.openxmlformats.org/drawingml/2006/main" xmlns:r="http://schemas.openxmlformats.org/officeDocument/2006/relationships" xmlns:p="http://schemas.openxmlformats.org/presentationml/2006/main">
   <p:cSld>
     <p:spTree>
@@ -25840,43 +25833,7 @@
             </a:r>
             <a:r>
               <a:rPr lang="en-US" altLang="zh-CN" sz="1000" dirty="0"/>
-              <a:t> </a:t>
-            </a:r>
-            <a:r>
-              <a:rPr lang="en-US" altLang="zh-CN" sz="1000" dirty="0" err="1"/>
-              <a:t>kubectl</a:t>
-            </a:r>
-            <a:r>
-              <a:rPr lang="en-US" altLang="zh-CN" sz="1000" dirty="0"/>
-              <a:t> apply -f https://</a:t>
-            </a:r>
-            <a:r>
-              <a:rPr lang="en-US" altLang="zh-CN" sz="1000" dirty="0" err="1"/>
-              <a:t>raw.githubusercontent.com</a:t>
-            </a:r>
-            <a:r>
-              <a:rPr lang="en-US" altLang="zh-CN" sz="1000" dirty="0"/>
-              <a:t>/</a:t>
-            </a:r>
-            <a:r>
-              <a:rPr lang="en-US" altLang="zh-CN" sz="1000" dirty="0" err="1"/>
-              <a:t>kubernetes</a:t>
-            </a:r>
-            <a:r>
-              <a:rPr lang="en-US" altLang="zh-CN" sz="1000" dirty="0"/>
-              <a:t>/dashboard/master/</a:t>
-            </a:r>
-            <a:r>
-              <a:rPr lang="en-US" altLang="zh-CN" sz="1000" dirty="0" err="1"/>
-              <a:t>aio</a:t>
-            </a:r>
-            <a:r>
-              <a:rPr lang="en-US" altLang="zh-CN" sz="1000" dirty="0"/>
-              <a:t>/deploy/recommended/</a:t>
-            </a:r>
-            <a:r>
-              <a:rPr lang="en-US" altLang="zh-CN" sz="1000" dirty="0" err="1"/>
-              <a:t>kubernetes-dashboard.yaml</a:t>
+              <a:t> kubectl apply -f https://raw.githubusercontent.com/kubernetes/dashboard/master/aio/deploy/recommended/kubernetes-dashboard.yaml</a:t>
             </a:r>
             <a:endParaRPr lang="zh-CN" altLang="en-US" sz="1000" dirty="0"/>
           </a:p>
@@ -26095,22 +26052,13 @@
           <a:lstStyle/>
           <a:p>
             <a:r>
-              <a:rPr lang="en-US" altLang="zh-CN" dirty="0" err="1">
+              <a:rPr lang="en-US" altLang="zh-CN" dirty="0">
                 <a:solidFill>
                   <a:srgbClr val="24292E"/>
                 </a:solidFill>
                 <a:latin typeface="SFMono-Regular"/>
               </a:rPr>
-              <a:t>kubectl</a:t>
-            </a:r>
-            <a:r>
-              <a:rPr lang="en-US" altLang="zh-CN" dirty="0">
-                <a:solidFill>
-                  <a:srgbClr val="24292E"/>
-                </a:solidFill>
-                <a:latin typeface="SFMono-Regular"/>
-              </a:rPr>
-              <a:t> apply -f </a:t>
+              <a:t>kubectl apply -f </a:t>
             </a:r>
             <a:r>
               <a:rPr lang="en-US" altLang="zh-CN" dirty="0" err="1">
@@ -26389,22 +26337,13 @@
           <a:lstStyle/>
           <a:p>
             <a:r>
-              <a:rPr lang="en-US" altLang="zh-CN" dirty="0" err="1">
+              <a:rPr lang="en-US" altLang="zh-CN" dirty="0">
                 <a:solidFill>
                   <a:srgbClr val="24292E"/>
                 </a:solidFill>
                 <a:latin typeface="SFMono-Regular"/>
               </a:rPr>
-              <a:t>kubectl</a:t>
-            </a:r>
-            <a:r>
-              <a:rPr lang="en-US" altLang="zh-CN" dirty="0">
-                <a:solidFill>
-                  <a:srgbClr val="24292E"/>
-                </a:solidFill>
-                <a:latin typeface="SFMono-Regular"/>
-              </a:rPr>
-              <a:t> apply -f </a:t>
+              <a:t>kubectl apply -f </a:t>
             </a:r>
             <a:r>
               <a:rPr lang="en-US" altLang="zh-CN" dirty="0" err="1">
@@ -26467,13 +26406,22 @@
           </a:p>
           <a:p>
             <a:r>
+              <a:rPr lang="en-US" altLang="zh-CN" dirty="0">
+                <a:solidFill>
+                  <a:srgbClr val="24292E"/>
+                </a:solidFill>
+                <a:latin typeface="SFMono-Regular"/>
+              </a:rPr>
+              <a:t>kubectl -n </a:t>
+            </a:r>
+            <a:r>
               <a:rPr lang="en-US" altLang="zh-CN" dirty="0" err="1">
                 <a:solidFill>
                   <a:srgbClr val="24292E"/>
                 </a:solidFill>
                 <a:latin typeface="SFMono-Regular"/>
               </a:rPr>
-              <a:t>kubectl</a:t>
+              <a:t>kube</a:t>
             </a:r>
             <a:r>
               <a:rPr lang="en-US" altLang="zh-CN" dirty="0">
@@ -26482,43 +26430,7 @@
                 </a:solidFill>
                 <a:latin typeface="SFMono-Regular"/>
               </a:rPr>
-              <a:t> -n </a:t>
-            </a:r>
-            <a:r>
-              <a:rPr lang="en-US" altLang="zh-CN" dirty="0" err="1">
-                <a:solidFill>
-                  <a:srgbClr val="24292E"/>
-                </a:solidFill>
-                <a:latin typeface="SFMono-Regular"/>
-              </a:rPr>
-              <a:t>kube</a:t>
-            </a:r>
-            <a:r>
-              <a:rPr lang="en-US" altLang="zh-CN" dirty="0">
-                <a:solidFill>
-                  <a:srgbClr val="24292E"/>
-                </a:solidFill>
-                <a:latin typeface="SFMono-Regular"/>
-              </a:rPr>
-              <a:t>-system describe secret $(</a:t>
-            </a:r>
-            <a:r>
-              <a:rPr lang="en-US" altLang="zh-CN" dirty="0" err="1">
-                <a:solidFill>
-                  <a:srgbClr val="24292E"/>
-                </a:solidFill>
-                <a:latin typeface="SFMono-Regular"/>
-              </a:rPr>
-              <a:t>kubectl</a:t>
-            </a:r>
-            <a:r>
-              <a:rPr lang="en-US" altLang="zh-CN" dirty="0">
-                <a:solidFill>
-                  <a:srgbClr val="24292E"/>
-                </a:solidFill>
-                <a:latin typeface="SFMono-Regular"/>
-              </a:rPr>
-              <a:t> -n </a:t>
+              <a:t>-system describe secret $(kubectl -n </a:t>
             </a:r>
             <a:r>
               <a:rPr lang="en-US" altLang="zh-CN" dirty="0" err="1">
@@ -26573,7 +26485,7 @@
 </p:sld>
 </file>
 
-<file path=ppt/slides/slide43.xml><?xml version="1.0" encoding="utf-8"?>
+<file path=ppt/slides/slide42.xml><?xml version="1.0" encoding="utf-8"?>
 <p:sld xmlns:a="http://schemas.openxmlformats.org/drawingml/2006/main" xmlns:r="http://schemas.openxmlformats.org/officeDocument/2006/relationships" xmlns:p="http://schemas.openxmlformats.org/presentationml/2006/main">
   <p:cSld>
     <p:spTree>
@@ -26697,25 +26609,7 @@
                 </a:solidFill>
                 <a:latin typeface="SFMono-Regular"/>
               </a:rPr>
-              <a:t> </a:t>
-            </a:r>
-            <a:r>
-              <a:rPr lang="en-US" altLang="zh-CN" dirty="0" err="1">
-                <a:solidFill>
-                  <a:srgbClr val="24292E"/>
-                </a:solidFill>
-                <a:latin typeface="SFMono-Regular"/>
-              </a:rPr>
-              <a:t>kubectl</a:t>
-            </a:r>
-            <a:r>
-              <a:rPr lang="en-US" altLang="zh-CN" dirty="0">
-                <a:solidFill>
-                  <a:srgbClr val="24292E"/>
-                </a:solidFill>
-                <a:latin typeface="SFMono-Regular"/>
-              </a:rPr>
-              <a:t> proxy</a:t>
+              <a:t> kubectl proxy</a:t>
             </a:r>
           </a:p>
           <a:p>
@@ -26967,7 +26861,7 @@
 </p:sld>
 </file>
 
-<file path=ppt/slides/slide44.xml><?xml version="1.0" encoding="utf-8"?>
+<file path=ppt/slides/slide43.xml><?xml version="1.0" encoding="utf-8"?>
 <p:sld xmlns:a="http://schemas.openxmlformats.org/drawingml/2006/main" xmlns:r="http://schemas.openxmlformats.org/officeDocument/2006/relationships" xmlns:p="http://schemas.openxmlformats.org/presentationml/2006/main">
   <p:cSld>
     <p:spTree>
@@ -27087,7 +26981,7 @@
 </p:sld>
 </file>
 
-<file path=ppt/slides/slide45.xml><?xml version="1.0" encoding="utf-8"?>
+<file path=ppt/slides/slide44.xml><?xml version="1.0" encoding="utf-8"?>
 <p:sld xmlns:a="http://schemas.openxmlformats.org/drawingml/2006/main" xmlns:r="http://schemas.openxmlformats.org/officeDocument/2006/relationships" xmlns:p="http://schemas.openxmlformats.org/presentationml/2006/main">
   <p:cSld>
     <p:spTree>
@@ -27972,7 +27866,7 @@
 </p:sld>
 </file>
 
-<file path=ppt/slides/slide46.xml><?xml version="1.0" encoding="utf-8"?>
+<file path=ppt/slides/slide45.xml><?xml version="1.0" encoding="utf-8"?>
 <p:sld xmlns:a="http://schemas.openxmlformats.org/drawingml/2006/main" xmlns:r="http://schemas.openxmlformats.org/officeDocument/2006/relationships" xmlns:p="http://schemas.openxmlformats.org/presentationml/2006/main">
   <p:cSld>
     <p:spTree>
@@ -28431,25 +28325,7 @@
                 </a:solidFill>
                 <a:latin typeface="SFMono-Regular"/>
               </a:rPr>
-              <a:t> </a:t>
-            </a:r>
-            <a:r>
-              <a:rPr lang="en-US" altLang="zh-CN" dirty="0" err="1">
-                <a:solidFill>
-                  <a:srgbClr val="24292E"/>
-                </a:solidFill>
-                <a:latin typeface="SFMono-Regular"/>
-              </a:rPr>
-              <a:t>kubectl</a:t>
-            </a:r>
-            <a:r>
-              <a:rPr lang="en-US" altLang="zh-CN" dirty="0">
-                <a:solidFill>
-                  <a:srgbClr val="24292E"/>
-                </a:solidFill>
-                <a:latin typeface="SFMono-Regular"/>
-              </a:rPr>
-              <a:t> apply -f </a:t>
+              <a:t> kubectl apply -f </a:t>
             </a:r>
             <a:r>
               <a:rPr lang="en-US" altLang="zh-CN" dirty="0" err="1">
@@ -28533,25 +28409,7 @@
                 </a:solidFill>
                 <a:latin typeface="SFMono-Regular"/>
               </a:rPr>
-              <a:t> </a:t>
-            </a:r>
-            <a:r>
-              <a:rPr lang="en-US" altLang="zh-CN" dirty="0" err="1">
-                <a:solidFill>
-                  <a:srgbClr val="24292E"/>
-                </a:solidFill>
-                <a:latin typeface="SFMono-Regular"/>
-              </a:rPr>
-              <a:t>kubectl</a:t>
-            </a:r>
-            <a:r>
-              <a:rPr lang="en-US" altLang="zh-CN" dirty="0">
-                <a:solidFill>
-                  <a:srgbClr val="24292E"/>
-                </a:solidFill>
-                <a:latin typeface="SFMono-Regular"/>
-              </a:rPr>
-              <a:t> get pods</a:t>
+              <a:t> kubectl get pods</a:t>
             </a:r>
           </a:p>
           <a:p>
@@ -28642,7 +28500,7 @@
 </p:sld>
 </file>
 
-<file path=ppt/slides/slide47.xml><?xml version="1.0" encoding="utf-8"?>
+<file path=ppt/slides/slide46.xml><?xml version="1.0" encoding="utf-8"?>
 <p:sld xmlns:a="http://schemas.openxmlformats.org/drawingml/2006/main" xmlns:r="http://schemas.openxmlformats.org/officeDocument/2006/relationships" xmlns:p="http://schemas.openxmlformats.org/presentationml/2006/main">
   <p:cSld>
     <p:spTree>
@@ -28719,7 +28577,7 @@
 </p:sld>
 </file>
 
-<file path=ppt/slides/slide48.xml><?xml version="1.0" encoding="utf-8"?>
+<file path=ppt/slides/slide47.xml><?xml version="1.0" encoding="utf-8"?>
 <p:sld xmlns:a="http://schemas.openxmlformats.org/drawingml/2006/main" xmlns:r="http://schemas.openxmlformats.org/officeDocument/2006/relationships" xmlns:p="http://schemas.openxmlformats.org/presentationml/2006/main">
   <p:cSld>
     <p:spTree>
@@ -28951,6 +28809,144 @@
 </p:sld>
 </file>
 
+<file path=ppt/slides/slide48.xml><?xml version="1.0" encoding="utf-8"?>
+<p:sld xmlns:a="http://schemas.openxmlformats.org/drawingml/2006/main" xmlns:r="http://schemas.openxmlformats.org/officeDocument/2006/relationships" xmlns:p="http://schemas.openxmlformats.org/presentationml/2006/main">
+  <p:cSld>
+    <p:spTree>
+      <p:nvGrpSpPr>
+        <p:cNvPr id="1" name=""/>
+        <p:cNvGrpSpPr/>
+        <p:nvPr/>
+      </p:nvGrpSpPr>
+      <p:grpSpPr>
+        <a:xfrm>
+          <a:off x="0" y="0"/>
+          <a:ext cx="0" cy="0"/>
+          <a:chOff x="0" y="0"/>
+          <a:chExt cx="0" cy="0"/>
+        </a:xfrm>
+      </p:grpSpPr>
+      <p:sp>
+        <p:nvSpPr>
+          <p:cNvPr id="4" name="矩形 3">
+            <a:extLst>
+              <a:ext uri="{FF2B5EF4-FFF2-40B4-BE49-F238E27FC236}">
+                <a16:creationId xmlns:a16="http://schemas.microsoft.com/office/drawing/2014/main" id="{2E696C1D-19CC-478A-8AA8-77AF59AFB67B}"/>
+              </a:ext>
+            </a:extLst>
+          </p:cNvPr>
+          <p:cNvSpPr/>
+          <p:nvPr/>
+        </p:nvSpPr>
+        <p:spPr>
+          <a:xfrm>
+            <a:off x="1502674" y="802975"/>
+            <a:ext cx="1459054" cy="3139321"/>
+          </a:xfrm>
+          <a:prstGeom prst="rect">
+            <a:avLst/>
+          </a:prstGeom>
+        </p:spPr>
+        <p:txBody>
+          <a:bodyPr wrap="none">
+            <a:spAutoFit/>
+          </a:bodyPr>
+          <a:lstStyle/>
+          <a:p>
+            <a:r>
+              <a:rPr lang="en-US" altLang="zh-CN" dirty="0">
+                <a:solidFill>
+                  <a:srgbClr val="333333"/>
+                </a:solidFill>
+                <a:latin typeface="arial" panose="020B0604020202020204" pitchFamily="34" charset="0"/>
+              </a:rPr>
+              <a:t>NFS</a:t>
+            </a:r>
+          </a:p>
+          <a:p>
+            <a:r>
+              <a:rPr lang="en-US" altLang="zh-CN" dirty="0" err="1"/>
+              <a:t>GlusterFS</a:t>
+            </a:r>
+            <a:endParaRPr lang="en-US" altLang="zh-CN" dirty="0"/>
+          </a:p>
+          <a:p>
+            <a:r>
+              <a:rPr lang="en-US" altLang="zh-CN" dirty="0" err="1">
+                <a:solidFill>
+                  <a:srgbClr val="333333"/>
+                </a:solidFill>
+                <a:latin typeface="arial" panose="020B0604020202020204" pitchFamily="34" charset="0"/>
+              </a:rPr>
+              <a:t>Ceph</a:t>
+            </a:r>
+            <a:endParaRPr lang="en-US" altLang="zh-CN" dirty="0">
+              <a:solidFill>
+                <a:srgbClr val="333333"/>
+              </a:solidFill>
+              <a:latin typeface="arial" panose="020B0604020202020204" pitchFamily="34" charset="0"/>
+            </a:endParaRPr>
+          </a:p>
+          <a:p>
+            <a:r>
+              <a:rPr lang="en-US" altLang="zh-CN" dirty="0" err="1"/>
+              <a:t>DigitalOcean</a:t>
+            </a:r>
+            <a:endParaRPr lang="en-US" altLang="zh-CN" dirty="0"/>
+          </a:p>
+          <a:p>
+            <a:r>
+              <a:rPr lang="en-US" altLang="zh-CN" dirty="0"/>
+              <a:t>Flannel</a:t>
+            </a:r>
+          </a:p>
+          <a:p>
+            <a:r>
+              <a:rPr lang="en-US" altLang="zh-CN" dirty="0"/>
+              <a:t>Calico</a:t>
+            </a:r>
+          </a:p>
+          <a:p>
+            <a:r>
+              <a:rPr lang="en-US" altLang="zh-CN" dirty="0"/>
+              <a:t>Prometheus</a:t>
+            </a:r>
+          </a:p>
+          <a:p>
+            <a:r>
+              <a:rPr lang="en-US" altLang="zh-CN" dirty="0" err="1"/>
+              <a:t>DaemonSet</a:t>
+            </a:r>
+            <a:endParaRPr lang="en-US" altLang="zh-CN" dirty="0"/>
+          </a:p>
+          <a:p>
+            <a:r>
+              <a:rPr lang="en-US" altLang="zh-CN" dirty="0" err="1"/>
+              <a:t>Fluentd</a:t>
+            </a:r>
+            <a:endParaRPr lang="en-US" altLang="zh-CN" dirty="0"/>
+          </a:p>
+          <a:p>
+            <a:endParaRPr lang="en-US" altLang="zh-CN" dirty="0"/>
+          </a:p>
+          <a:p>
+            <a:endParaRPr lang="zh-CN" altLang="en-US" dirty="0"/>
+          </a:p>
+        </p:txBody>
+      </p:sp>
+    </p:spTree>
+    <p:extLst>
+      <p:ext uri="{BB962C8B-B14F-4D97-AF65-F5344CB8AC3E}">
+        <p14:creationId xmlns:p14="http://schemas.microsoft.com/office/powerpoint/2010/main" val="464234432"/>
+      </p:ext>
+    </p:extLst>
+  </p:cSld>
+  <p:clrMapOvr>
+    <a:masterClrMapping/>
+  </p:clrMapOvr>
+</p:sld>
+</file>
+
 <file path=ppt/slides/slide49.xml><?xml version="1.0" encoding="utf-8"?>
 <p:sld xmlns:a="http://schemas.openxmlformats.org/drawingml/2006/main" xmlns:r="http://schemas.openxmlformats.org/officeDocument/2006/relationships" xmlns:p="http://schemas.openxmlformats.org/presentationml/2006/main">
   <p:cSld>
@@ -28968,10 +28964,292 @@
           <a:chExt cx="0" cy="0"/>
         </a:xfrm>
       </p:grpSpPr>
+      <p:sp>
+        <p:nvSpPr>
+          <p:cNvPr id="2" name="矩形 1">
+            <a:extLst>
+              <a:ext uri="{FF2B5EF4-FFF2-40B4-BE49-F238E27FC236}">
+                <a16:creationId xmlns:a16="http://schemas.microsoft.com/office/drawing/2014/main" id="{F04B66D7-5DEA-44AF-BF8F-4F46F41BD139}"/>
+              </a:ext>
+            </a:extLst>
+          </p:cNvPr>
+          <p:cNvSpPr/>
+          <p:nvPr/>
+        </p:nvSpPr>
+        <p:spPr>
+          <a:xfrm>
+            <a:off x="1059402" y="925470"/>
+            <a:ext cx="10721266" cy="646331"/>
+          </a:xfrm>
+          <a:prstGeom prst="rect">
+            <a:avLst/>
+          </a:prstGeom>
+        </p:spPr>
+        <p:txBody>
+          <a:bodyPr wrap="square">
+            <a:spAutoFit/>
+          </a:bodyPr>
+          <a:lstStyle/>
+          <a:p>
+            <a:r>
+              <a:rPr lang="zh-CN" altLang="en-US"/>
+              <a:t>Linux Cgroups 的全称是 Linux Control Group。它最主要的作用，就是限制一个进程组能够使用的资源上限，包括 CPU、内存、磁盘、网络带宽等等。</a:t>
+            </a:r>
+            <a:endParaRPr lang="zh-CN" altLang="en-US" dirty="0"/>
+          </a:p>
+        </p:txBody>
+      </p:sp>
+      <p:sp>
+        <p:nvSpPr>
+          <p:cNvPr id="3" name="矩形 2">
+            <a:extLst>
+              <a:ext uri="{FF2B5EF4-FFF2-40B4-BE49-F238E27FC236}">
+                <a16:creationId xmlns:a16="http://schemas.microsoft.com/office/drawing/2014/main" id="{7CB65F6E-C07D-47F7-B027-B2FBB134E56C}"/>
+              </a:ext>
+            </a:extLst>
+          </p:cNvPr>
+          <p:cNvSpPr/>
+          <p:nvPr/>
+        </p:nvSpPr>
+        <p:spPr>
+          <a:xfrm>
+            <a:off x="921508" y="1921561"/>
+            <a:ext cx="4578497" cy="369332"/>
+          </a:xfrm>
+          <a:prstGeom prst="rect">
+            <a:avLst/>
+          </a:prstGeom>
+        </p:spPr>
+        <p:txBody>
+          <a:bodyPr wrap="none">
+            <a:spAutoFit/>
+          </a:bodyPr>
+          <a:lstStyle/>
+          <a:p>
+            <a:r>
+              <a:rPr lang="zh-CN" altLang="en-US" dirty="0"/>
+              <a:t>Namespace是用来修改进程视图的主要方法</a:t>
+            </a:r>
+          </a:p>
+        </p:txBody>
+      </p:sp>
+      <p:sp>
+        <p:nvSpPr>
+          <p:cNvPr id="4" name="矩形 3">
+            <a:extLst>
+              <a:ext uri="{FF2B5EF4-FFF2-40B4-BE49-F238E27FC236}">
+                <a16:creationId xmlns:a16="http://schemas.microsoft.com/office/drawing/2014/main" id="{55765BC9-69DA-426E-BE89-AA4C8E848029}"/>
+              </a:ext>
+            </a:extLst>
+          </p:cNvPr>
+          <p:cNvSpPr/>
+          <p:nvPr/>
+        </p:nvSpPr>
+        <p:spPr>
+          <a:xfrm>
+            <a:off x="921508" y="2640653"/>
+            <a:ext cx="2486578" cy="369332"/>
+          </a:xfrm>
+          <a:prstGeom prst="rect">
+            <a:avLst/>
+          </a:prstGeom>
+        </p:spPr>
+        <p:txBody>
+          <a:bodyPr wrap="none">
+            <a:spAutoFit/>
+          </a:bodyPr>
+          <a:lstStyle/>
+          <a:p>
+            <a:r>
+              <a:rPr lang="zh-CN" altLang="en-US" dirty="0"/>
+              <a:t>会话黏连 session sticky</a:t>
+            </a:r>
+          </a:p>
+        </p:txBody>
+      </p:sp>
+      <p:sp>
+        <p:nvSpPr>
+          <p:cNvPr id="5" name="矩形 4">
+            <a:extLst>
+              <a:ext uri="{FF2B5EF4-FFF2-40B4-BE49-F238E27FC236}">
+                <a16:creationId xmlns:a16="http://schemas.microsoft.com/office/drawing/2014/main" id="{F28C96AC-6D2D-42ED-BA4F-AA1F266D37CE}"/>
+              </a:ext>
+            </a:extLst>
+          </p:cNvPr>
+          <p:cNvSpPr/>
+          <p:nvPr/>
+        </p:nvSpPr>
+        <p:spPr>
+          <a:xfrm>
+            <a:off x="921508" y="3713871"/>
+            <a:ext cx="10721266" cy="1200329"/>
+          </a:xfrm>
+          <a:prstGeom prst="rect">
+            <a:avLst/>
+          </a:prstGeom>
+        </p:spPr>
+        <p:txBody>
+          <a:bodyPr wrap="square">
+            <a:spAutoFit/>
+          </a:bodyPr>
+          <a:lstStyle/>
+          <a:p>
+            <a:r>
+              <a:rPr lang="zh-CN" altLang="en-US" dirty="0">
+                <a:solidFill>
+                  <a:srgbClr val="333333"/>
+                </a:solidFill>
+                <a:latin typeface="PingFang SC"/>
+              </a:rPr>
+              <a:t>在 </a:t>
+            </a:r>
+            <a:r>
+              <a:rPr lang="en-US" altLang="zh-CN" dirty="0">
+                <a:solidFill>
+                  <a:srgbClr val="333333"/>
+                </a:solidFill>
+                <a:latin typeface="PingFang SC"/>
+              </a:rPr>
+              <a:t>Kubernetes </a:t>
+            </a:r>
+            <a:r>
+              <a:rPr lang="zh-CN" altLang="en-US" dirty="0">
+                <a:solidFill>
+                  <a:srgbClr val="333333"/>
+                </a:solidFill>
+                <a:latin typeface="PingFang SC"/>
+              </a:rPr>
+              <a:t>项目中，负责完成授权（</a:t>
+            </a:r>
+            <a:r>
+              <a:rPr lang="en-US" altLang="zh-CN" dirty="0"/>
+              <a:t>Authorization</a:t>
+            </a:r>
+            <a:r>
+              <a:rPr lang="zh-CN" altLang="en-US" dirty="0"/>
+              <a:t>）工作的机制，就是 </a:t>
+            </a:r>
+            <a:r>
+              <a:rPr lang="en-US" altLang="zh-CN" dirty="0" err="1"/>
+              <a:t>RBAC</a:t>
+            </a:r>
+            <a:r>
+              <a:rPr lang="zh-CN" altLang="en-US" dirty="0"/>
+              <a:t>：基于角色的访问控制（</a:t>
+            </a:r>
+            <a:r>
+              <a:rPr lang="en-US" altLang="zh-CN" dirty="0"/>
+              <a:t>Role-Based Access Control</a:t>
+            </a:r>
+            <a:r>
+              <a:rPr lang="zh-CN" altLang="en-US" dirty="0"/>
+              <a:t>）</a:t>
+            </a:r>
+            <a:endParaRPr lang="en-US" altLang="zh-CN" dirty="0"/>
+          </a:p>
+          <a:p>
+            <a:endParaRPr lang="en-US" altLang="zh-CN" dirty="0"/>
+          </a:p>
+          <a:p>
+            <a:endParaRPr lang="en-US" altLang="zh-CN" dirty="0">
+              <a:solidFill>
+                <a:srgbClr val="333333"/>
+              </a:solidFill>
+              <a:latin typeface="PingFang SC"/>
+            </a:endParaRPr>
+          </a:p>
+        </p:txBody>
+      </p:sp>
+      <p:sp>
+        <p:nvSpPr>
+          <p:cNvPr id="6" name="矩形 5">
+            <a:extLst>
+              <a:ext uri="{FF2B5EF4-FFF2-40B4-BE49-F238E27FC236}">
+                <a16:creationId xmlns:a16="http://schemas.microsoft.com/office/drawing/2014/main" id="{463DC33F-044B-4AE4-A258-58C1E8E687A8}"/>
+              </a:ext>
+            </a:extLst>
+          </p:cNvPr>
+          <p:cNvSpPr/>
+          <p:nvPr/>
+        </p:nvSpPr>
+        <p:spPr>
+          <a:xfrm>
+            <a:off x="1059403" y="4800968"/>
+            <a:ext cx="9997804" cy="923330"/>
+          </a:xfrm>
+          <a:prstGeom prst="rect">
+            <a:avLst/>
+          </a:prstGeom>
+        </p:spPr>
+        <p:txBody>
+          <a:bodyPr wrap="square">
+            <a:spAutoFit/>
+          </a:bodyPr>
+          <a:lstStyle/>
+          <a:p>
+            <a:r>
+              <a:rPr lang="en-US" altLang="zh-CN" dirty="0"/>
+              <a:t>Operator</a:t>
+            </a:r>
+            <a:r>
+              <a:rPr lang="zh-CN" altLang="en-US" dirty="0"/>
+              <a:t>的工作原理，实际上是利用了</a:t>
+            </a:r>
+            <a:r>
+              <a:rPr lang="en-US" altLang="zh-CN" dirty="0"/>
+              <a:t>Kubernetes</a:t>
+            </a:r>
+            <a:r>
+              <a:rPr lang="zh-CN" altLang="en-US" dirty="0"/>
+              <a:t>的自定义</a:t>
+            </a:r>
+            <a:r>
+              <a:rPr lang="en-US" altLang="zh-CN" dirty="0"/>
+              <a:t>API</a:t>
+            </a:r>
+            <a:r>
+              <a:rPr lang="zh-CN" altLang="en-US" dirty="0"/>
+              <a:t>资源（</a:t>
+            </a:r>
+            <a:r>
+              <a:rPr lang="en-US" altLang="zh-CN" dirty="0" err="1"/>
+              <a:t>CRD</a:t>
+            </a:r>
+            <a:r>
+              <a:rPr lang="zh-CN" altLang="en-US" dirty="0"/>
+              <a:t>）</a:t>
+            </a:r>
+            <a:r>
+              <a:rPr lang="en-US" altLang="zh-CN" dirty="0"/>
+              <a:t>,</a:t>
+            </a:r>
+            <a:r>
+              <a:rPr lang="zh-CN" altLang="en-US" dirty="0"/>
+              <a:t>来描述我们想要部署的</a:t>
+            </a:r>
+            <a:r>
+              <a:rPr lang="zh-CN" altLang="en-US"/>
+              <a:t>“有状态应用”；然后</a:t>
+            </a:r>
+            <a:r>
+              <a:rPr lang="zh-CN" altLang="en-US" dirty="0"/>
+              <a:t>在自定义控制器里，根据自定义</a:t>
+            </a:r>
+            <a:r>
+              <a:rPr lang="en-US" altLang="zh-CN" dirty="0"/>
+              <a:t>API</a:t>
+            </a:r>
+            <a:r>
+              <a:rPr lang="zh-CN" altLang="en-US" dirty="0"/>
+              <a:t>对象的变化，来完成具体的部署和运维工作</a:t>
+            </a:r>
+          </a:p>
+        </p:txBody>
+      </p:sp>
     </p:spTree>
     <p:extLst>
       <p:ext uri="{BB962C8B-B14F-4D97-AF65-F5344CB8AC3E}">
-        <p14:creationId xmlns:p14="http://schemas.microsoft.com/office/powerpoint/2010/main" val="3633512171"/>
+        <p14:creationId xmlns:p14="http://schemas.microsoft.com/office/powerpoint/2010/main" val="116615380"/>
       </p:ext>
     </p:extLst>
   </p:cSld>
@@ -29081,666 +29359,6 @@
     <p:extLst>
       <p:ext uri="{BB962C8B-B14F-4D97-AF65-F5344CB8AC3E}">
         <p14:creationId xmlns:p14="http://schemas.microsoft.com/office/powerpoint/2010/main" val="2228564960"/>
-      </p:ext>
-    </p:extLst>
-  </p:cSld>
-  <p:clrMapOvr>
-    <a:masterClrMapping/>
-  </p:clrMapOvr>
-</p:sld>
-</file>
-
-<file path=ppt/slides/slide50.xml><?xml version="1.0" encoding="utf-8"?>
-<p:sld xmlns:a="http://schemas.openxmlformats.org/drawingml/2006/main" xmlns:r="http://schemas.openxmlformats.org/officeDocument/2006/relationships" xmlns:p="http://schemas.openxmlformats.org/presentationml/2006/main">
-  <p:cSld>
-    <p:spTree>
-      <p:nvGrpSpPr>
-        <p:cNvPr id="1" name=""/>
-        <p:cNvGrpSpPr/>
-        <p:nvPr/>
-      </p:nvGrpSpPr>
-      <p:grpSpPr>
-        <a:xfrm>
-          <a:off x="0" y="0"/>
-          <a:ext cx="0" cy="0"/>
-          <a:chOff x="0" y="0"/>
-          <a:chExt cx="0" cy="0"/>
-        </a:xfrm>
-      </p:grpSpPr>
-    </p:spTree>
-    <p:extLst>
-      <p:ext uri="{BB962C8B-B14F-4D97-AF65-F5344CB8AC3E}">
-        <p14:creationId xmlns:p14="http://schemas.microsoft.com/office/powerpoint/2010/main" val="680653993"/>
-      </p:ext>
-    </p:extLst>
-  </p:cSld>
-  <p:clrMapOvr>
-    <a:masterClrMapping/>
-  </p:clrMapOvr>
-</p:sld>
-</file>
-
-<file path=ppt/slides/slide51.xml><?xml version="1.0" encoding="utf-8"?>
-<p:sld xmlns:a="http://schemas.openxmlformats.org/drawingml/2006/main" xmlns:r="http://schemas.openxmlformats.org/officeDocument/2006/relationships" xmlns:p="http://schemas.openxmlformats.org/presentationml/2006/main">
-  <p:cSld>
-    <p:spTree>
-      <p:nvGrpSpPr>
-        <p:cNvPr id="1" name=""/>
-        <p:cNvGrpSpPr/>
-        <p:nvPr/>
-      </p:nvGrpSpPr>
-      <p:grpSpPr>
-        <a:xfrm>
-          <a:off x="0" y="0"/>
-          <a:ext cx="0" cy="0"/>
-          <a:chOff x="0" y="0"/>
-          <a:chExt cx="0" cy="0"/>
-        </a:xfrm>
-      </p:grpSpPr>
-    </p:spTree>
-    <p:extLst>
-      <p:ext uri="{BB962C8B-B14F-4D97-AF65-F5344CB8AC3E}">
-        <p14:creationId xmlns:p14="http://schemas.microsoft.com/office/powerpoint/2010/main" val="482969923"/>
-      </p:ext>
-    </p:extLst>
-  </p:cSld>
-  <p:clrMapOvr>
-    <a:masterClrMapping/>
-  </p:clrMapOvr>
-</p:sld>
-</file>
-
-<file path=ppt/slides/slide52.xml><?xml version="1.0" encoding="utf-8"?>
-<p:sld xmlns:a="http://schemas.openxmlformats.org/drawingml/2006/main" xmlns:r="http://schemas.openxmlformats.org/officeDocument/2006/relationships" xmlns:p="http://schemas.openxmlformats.org/presentationml/2006/main">
-  <p:cSld>
-    <p:spTree>
-      <p:nvGrpSpPr>
-        <p:cNvPr id="1" name=""/>
-        <p:cNvGrpSpPr/>
-        <p:nvPr/>
-      </p:nvGrpSpPr>
-      <p:grpSpPr>
-        <a:xfrm>
-          <a:off x="0" y="0"/>
-          <a:ext cx="0" cy="0"/>
-          <a:chOff x="0" y="0"/>
-          <a:chExt cx="0" cy="0"/>
-        </a:xfrm>
-      </p:grpSpPr>
-    </p:spTree>
-    <p:extLst>
-      <p:ext uri="{BB962C8B-B14F-4D97-AF65-F5344CB8AC3E}">
-        <p14:creationId xmlns:p14="http://schemas.microsoft.com/office/powerpoint/2010/main" val="1910072160"/>
-      </p:ext>
-    </p:extLst>
-  </p:cSld>
-  <p:clrMapOvr>
-    <a:masterClrMapping/>
-  </p:clrMapOvr>
-</p:sld>
-</file>
-
-<file path=ppt/slides/slide53.xml><?xml version="1.0" encoding="utf-8"?>
-<p:sld xmlns:a="http://schemas.openxmlformats.org/drawingml/2006/main" xmlns:r="http://schemas.openxmlformats.org/officeDocument/2006/relationships" xmlns:p="http://schemas.openxmlformats.org/presentationml/2006/main">
-  <p:cSld>
-    <p:spTree>
-      <p:nvGrpSpPr>
-        <p:cNvPr id="1" name=""/>
-        <p:cNvGrpSpPr/>
-        <p:nvPr/>
-      </p:nvGrpSpPr>
-      <p:grpSpPr>
-        <a:xfrm>
-          <a:off x="0" y="0"/>
-          <a:ext cx="0" cy="0"/>
-          <a:chOff x="0" y="0"/>
-          <a:chExt cx="0" cy="0"/>
-        </a:xfrm>
-      </p:grpSpPr>
-    </p:spTree>
-    <p:extLst>
-      <p:ext uri="{BB962C8B-B14F-4D97-AF65-F5344CB8AC3E}">
-        <p14:creationId xmlns:p14="http://schemas.microsoft.com/office/powerpoint/2010/main" val="1292539219"/>
-      </p:ext>
-    </p:extLst>
-  </p:cSld>
-  <p:clrMapOvr>
-    <a:masterClrMapping/>
-  </p:clrMapOvr>
-</p:sld>
-</file>
-
-<file path=ppt/slides/slide54.xml><?xml version="1.0" encoding="utf-8"?>
-<p:sld xmlns:a="http://schemas.openxmlformats.org/drawingml/2006/main" xmlns:r="http://schemas.openxmlformats.org/officeDocument/2006/relationships" xmlns:p="http://schemas.openxmlformats.org/presentationml/2006/main">
-  <p:cSld>
-    <p:spTree>
-      <p:nvGrpSpPr>
-        <p:cNvPr id="1" name=""/>
-        <p:cNvGrpSpPr/>
-        <p:nvPr/>
-      </p:nvGrpSpPr>
-      <p:grpSpPr>
-        <a:xfrm>
-          <a:off x="0" y="0"/>
-          <a:ext cx="0" cy="0"/>
-          <a:chOff x="0" y="0"/>
-          <a:chExt cx="0" cy="0"/>
-        </a:xfrm>
-      </p:grpSpPr>
-    </p:spTree>
-    <p:extLst>
-      <p:ext uri="{BB962C8B-B14F-4D97-AF65-F5344CB8AC3E}">
-        <p14:creationId xmlns:p14="http://schemas.microsoft.com/office/powerpoint/2010/main" val="3230507717"/>
-      </p:ext>
-    </p:extLst>
-  </p:cSld>
-  <p:clrMapOvr>
-    <a:masterClrMapping/>
-  </p:clrMapOvr>
-</p:sld>
-</file>
-
-<file path=ppt/slides/slide55.xml><?xml version="1.0" encoding="utf-8"?>
-<p:sld xmlns:a="http://schemas.openxmlformats.org/drawingml/2006/main" xmlns:r="http://schemas.openxmlformats.org/officeDocument/2006/relationships" xmlns:p="http://schemas.openxmlformats.org/presentationml/2006/main">
-  <p:cSld>
-    <p:spTree>
-      <p:nvGrpSpPr>
-        <p:cNvPr id="1" name=""/>
-        <p:cNvGrpSpPr/>
-        <p:nvPr/>
-      </p:nvGrpSpPr>
-      <p:grpSpPr>
-        <a:xfrm>
-          <a:off x="0" y="0"/>
-          <a:ext cx="0" cy="0"/>
-          <a:chOff x="0" y="0"/>
-          <a:chExt cx="0" cy="0"/>
-        </a:xfrm>
-      </p:grpSpPr>
-    </p:spTree>
-    <p:extLst>
-      <p:ext uri="{BB962C8B-B14F-4D97-AF65-F5344CB8AC3E}">
-        <p14:creationId xmlns:p14="http://schemas.microsoft.com/office/powerpoint/2010/main" val="1721265013"/>
-      </p:ext>
-    </p:extLst>
-  </p:cSld>
-  <p:clrMapOvr>
-    <a:masterClrMapping/>
-  </p:clrMapOvr>
-</p:sld>
-</file>
-
-<file path=ppt/slides/slide56.xml><?xml version="1.0" encoding="utf-8"?>
-<p:sld xmlns:a="http://schemas.openxmlformats.org/drawingml/2006/main" xmlns:r="http://schemas.openxmlformats.org/officeDocument/2006/relationships" xmlns:p="http://schemas.openxmlformats.org/presentationml/2006/main">
-  <p:cSld>
-    <p:spTree>
-      <p:nvGrpSpPr>
-        <p:cNvPr id="1" name=""/>
-        <p:cNvGrpSpPr/>
-        <p:nvPr/>
-      </p:nvGrpSpPr>
-      <p:grpSpPr>
-        <a:xfrm>
-          <a:off x="0" y="0"/>
-          <a:ext cx="0" cy="0"/>
-          <a:chOff x="0" y="0"/>
-          <a:chExt cx="0" cy="0"/>
-        </a:xfrm>
-      </p:grpSpPr>
-    </p:spTree>
-    <p:extLst>
-      <p:ext uri="{BB962C8B-B14F-4D97-AF65-F5344CB8AC3E}">
-        <p14:creationId xmlns:p14="http://schemas.microsoft.com/office/powerpoint/2010/main" val="2049219228"/>
-      </p:ext>
-    </p:extLst>
-  </p:cSld>
-  <p:clrMapOvr>
-    <a:masterClrMapping/>
-  </p:clrMapOvr>
-</p:sld>
-</file>
-
-<file path=ppt/slides/slide57.xml><?xml version="1.0" encoding="utf-8"?>
-<p:sld xmlns:a="http://schemas.openxmlformats.org/drawingml/2006/main" xmlns:r="http://schemas.openxmlformats.org/officeDocument/2006/relationships" xmlns:p="http://schemas.openxmlformats.org/presentationml/2006/main">
-  <p:cSld>
-    <p:spTree>
-      <p:nvGrpSpPr>
-        <p:cNvPr id="1" name=""/>
-        <p:cNvGrpSpPr/>
-        <p:nvPr/>
-      </p:nvGrpSpPr>
-      <p:grpSpPr>
-        <a:xfrm>
-          <a:off x="0" y="0"/>
-          <a:ext cx="0" cy="0"/>
-          <a:chOff x="0" y="0"/>
-          <a:chExt cx="0" cy="0"/>
-        </a:xfrm>
-      </p:grpSpPr>
-      <p:sp>
-        <p:nvSpPr>
-          <p:cNvPr id="4" name="矩形 3">
-            <a:extLst>
-              <a:ext uri="{FF2B5EF4-FFF2-40B4-BE49-F238E27FC236}">
-                <a16:creationId xmlns:a16="http://schemas.microsoft.com/office/drawing/2014/main" id="{2E696C1D-19CC-478A-8AA8-77AF59AFB67B}"/>
-              </a:ext>
-            </a:extLst>
-          </p:cNvPr>
-          <p:cNvSpPr/>
-          <p:nvPr/>
-        </p:nvSpPr>
-        <p:spPr>
-          <a:xfrm>
-            <a:off x="1502674" y="802975"/>
-            <a:ext cx="1459054" cy="3139321"/>
-          </a:xfrm>
-          <a:prstGeom prst="rect">
-            <a:avLst/>
-          </a:prstGeom>
-        </p:spPr>
-        <p:txBody>
-          <a:bodyPr wrap="none">
-            <a:spAutoFit/>
-          </a:bodyPr>
-          <a:lstStyle/>
-          <a:p>
-            <a:r>
-              <a:rPr lang="en-US" altLang="zh-CN" dirty="0">
-                <a:solidFill>
-                  <a:srgbClr val="333333"/>
-                </a:solidFill>
-                <a:latin typeface="arial" panose="020B0604020202020204" pitchFamily="34" charset="0"/>
-              </a:rPr>
-              <a:t>NFS</a:t>
-            </a:r>
-          </a:p>
-          <a:p>
-            <a:r>
-              <a:rPr lang="en-US" altLang="zh-CN" dirty="0" err="1"/>
-              <a:t>GlusterFS</a:t>
-            </a:r>
-            <a:endParaRPr lang="en-US" altLang="zh-CN" dirty="0"/>
-          </a:p>
-          <a:p>
-            <a:r>
-              <a:rPr lang="en-US" altLang="zh-CN" dirty="0" err="1">
-                <a:solidFill>
-                  <a:srgbClr val="333333"/>
-                </a:solidFill>
-                <a:latin typeface="arial" panose="020B0604020202020204" pitchFamily="34" charset="0"/>
-              </a:rPr>
-              <a:t>Ceph</a:t>
-            </a:r>
-            <a:endParaRPr lang="en-US" altLang="zh-CN" dirty="0">
-              <a:solidFill>
-                <a:srgbClr val="333333"/>
-              </a:solidFill>
-              <a:latin typeface="arial" panose="020B0604020202020204" pitchFamily="34" charset="0"/>
-            </a:endParaRPr>
-          </a:p>
-          <a:p>
-            <a:r>
-              <a:rPr lang="en-US" altLang="zh-CN" dirty="0" err="1"/>
-              <a:t>DigitalOcean</a:t>
-            </a:r>
-            <a:endParaRPr lang="en-US" altLang="zh-CN" dirty="0"/>
-          </a:p>
-          <a:p>
-            <a:r>
-              <a:rPr lang="en-US" altLang="zh-CN" dirty="0"/>
-              <a:t>Flannel</a:t>
-            </a:r>
-          </a:p>
-          <a:p>
-            <a:r>
-              <a:rPr lang="en-US" altLang="zh-CN" dirty="0"/>
-              <a:t>Calico</a:t>
-            </a:r>
-          </a:p>
-          <a:p>
-            <a:r>
-              <a:rPr lang="en-US" altLang="zh-CN" dirty="0"/>
-              <a:t>Prometheus</a:t>
-            </a:r>
-          </a:p>
-          <a:p>
-            <a:r>
-              <a:rPr lang="en-US" altLang="zh-CN" dirty="0" err="1"/>
-              <a:t>DaemonSet</a:t>
-            </a:r>
-            <a:endParaRPr lang="en-US" altLang="zh-CN" dirty="0"/>
-          </a:p>
-          <a:p>
-            <a:r>
-              <a:rPr lang="en-US" altLang="zh-CN" dirty="0" err="1"/>
-              <a:t>Fluentd</a:t>
-            </a:r>
-            <a:endParaRPr lang="en-US" altLang="zh-CN" dirty="0"/>
-          </a:p>
-          <a:p>
-            <a:endParaRPr lang="en-US" altLang="zh-CN" dirty="0"/>
-          </a:p>
-          <a:p>
-            <a:endParaRPr lang="zh-CN" altLang="en-US" dirty="0"/>
-          </a:p>
-        </p:txBody>
-      </p:sp>
-    </p:spTree>
-    <p:extLst>
-      <p:ext uri="{BB962C8B-B14F-4D97-AF65-F5344CB8AC3E}">
-        <p14:creationId xmlns:p14="http://schemas.microsoft.com/office/powerpoint/2010/main" val="464234432"/>
-      </p:ext>
-    </p:extLst>
-  </p:cSld>
-  <p:clrMapOvr>
-    <a:masterClrMapping/>
-  </p:clrMapOvr>
-</p:sld>
-</file>
-
-<file path=ppt/slides/slide58.xml><?xml version="1.0" encoding="utf-8"?>
-<p:sld xmlns:a="http://schemas.openxmlformats.org/drawingml/2006/main" xmlns:r="http://schemas.openxmlformats.org/officeDocument/2006/relationships" xmlns:p="http://schemas.openxmlformats.org/presentationml/2006/main">
-  <p:cSld>
-    <p:spTree>
-      <p:nvGrpSpPr>
-        <p:cNvPr id="1" name=""/>
-        <p:cNvGrpSpPr/>
-        <p:nvPr/>
-      </p:nvGrpSpPr>
-      <p:grpSpPr>
-        <a:xfrm>
-          <a:off x="0" y="0"/>
-          <a:ext cx="0" cy="0"/>
-          <a:chOff x="0" y="0"/>
-          <a:chExt cx="0" cy="0"/>
-        </a:xfrm>
-      </p:grpSpPr>
-      <p:sp>
-        <p:nvSpPr>
-          <p:cNvPr id="2" name="矩形 1">
-            <a:extLst>
-              <a:ext uri="{FF2B5EF4-FFF2-40B4-BE49-F238E27FC236}">
-                <a16:creationId xmlns:a16="http://schemas.microsoft.com/office/drawing/2014/main" id="{F04B66D7-5DEA-44AF-BF8F-4F46F41BD139}"/>
-              </a:ext>
-            </a:extLst>
-          </p:cNvPr>
-          <p:cNvSpPr/>
-          <p:nvPr/>
-        </p:nvSpPr>
-        <p:spPr>
-          <a:xfrm>
-            <a:off x="1059402" y="925470"/>
-            <a:ext cx="10721266" cy="646331"/>
-          </a:xfrm>
-          <a:prstGeom prst="rect">
-            <a:avLst/>
-          </a:prstGeom>
-        </p:spPr>
-        <p:txBody>
-          <a:bodyPr wrap="square">
-            <a:spAutoFit/>
-          </a:bodyPr>
-          <a:lstStyle/>
-          <a:p>
-            <a:r>
-              <a:rPr lang="zh-CN" altLang="en-US"/>
-              <a:t>Linux Cgroups 的全称是 Linux Control Group。它最主要的作用，就是限制一个进程组能够使用的资源上限，包括 CPU、内存、磁盘、网络带宽等等。</a:t>
-            </a:r>
-            <a:endParaRPr lang="zh-CN" altLang="en-US" dirty="0"/>
-          </a:p>
-        </p:txBody>
-      </p:sp>
-      <p:sp>
-        <p:nvSpPr>
-          <p:cNvPr id="3" name="矩形 2">
-            <a:extLst>
-              <a:ext uri="{FF2B5EF4-FFF2-40B4-BE49-F238E27FC236}">
-                <a16:creationId xmlns:a16="http://schemas.microsoft.com/office/drawing/2014/main" id="{7CB65F6E-C07D-47F7-B027-B2FBB134E56C}"/>
-              </a:ext>
-            </a:extLst>
-          </p:cNvPr>
-          <p:cNvSpPr/>
-          <p:nvPr/>
-        </p:nvSpPr>
-        <p:spPr>
-          <a:xfrm>
-            <a:off x="921508" y="1921561"/>
-            <a:ext cx="4578497" cy="369332"/>
-          </a:xfrm>
-          <a:prstGeom prst="rect">
-            <a:avLst/>
-          </a:prstGeom>
-        </p:spPr>
-        <p:txBody>
-          <a:bodyPr wrap="none">
-            <a:spAutoFit/>
-          </a:bodyPr>
-          <a:lstStyle/>
-          <a:p>
-            <a:r>
-              <a:rPr lang="zh-CN" altLang="en-US" dirty="0"/>
-              <a:t>Namespace是用来修改进程视图的主要方法</a:t>
-            </a:r>
-          </a:p>
-        </p:txBody>
-      </p:sp>
-      <p:sp>
-        <p:nvSpPr>
-          <p:cNvPr id="4" name="矩形 3">
-            <a:extLst>
-              <a:ext uri="{FF2B5EF4-FFF2-40B4-BE49-F238E27FC236}">
-                <a16:creationId xmlns:a16="http://schemas.microsoft.com/office/drawing/2014/main" id="{55765BC9-69DA-426E-BE89-AA4C8E848029}"/>
-              </a:ext>
-            </a:extLst>
-          </p:cNvPr>
-          <p:cNvSpPr/>
-          <p:nvPr/>
-        </p:nvSpPr>
-        <p:spPr>
-          <a:xfrm>
-            <a:off x="921508" y="2640653"/>
-            <a:ext cx="2486578" cy="369332"/>
-          </a:xfrm>
-          <a:prstGeom prst="rect">
-            <a:avLst/>
-          </a:prstGeom>
-        </p:spPr>
-        <p:txBody>
-          <a:bodyPr wrap="none">
-            <a:spAutoFit/>
-          </a:bodyPr>
-          <a:lstStyle/>
-          <a:p>
-            <a:r>
-              <a:rPr lang="zh-CN" altLang="en-US" dirty="0"/>
-              <a:t>会话黏连 session sticky</a:t>
-            </a:r>
-          </a:p>
-        </p:txBody>
-      </p:sp>
-      <p:sp>
-        <p:nvSpPr>
-          <p:cNvPr id="5" name="矩形 4">
-            <a:extLst>
-              <a:ext uri="{FF2B5EF4-FFF2-40B4-BE49-F238E27FC236}">
-                <a16:creationId xmlns:a16="http://schemas.microsoft.com/office/drawing/2014/main" id="{F28C96AC-6D2D-42ED-BA4F-AA1F266D37CE}"/>
-              </a:ext>
-            </a:extLst>
-          </p:cNvPr>
-          <p:cNvSpPr/>
-          <p:nvPr/>
-        </p:nvSpPr>
-        <p:spPr>
-          <a:xfrm>
-            <a:off x="921508" y="3713871"/>
-            <a:ext cx="10721266" cy="1200329"/>
-          </a:xfrm>
-          <a:prstGeom prst="rect">
-            <a:avLst/>
-          </a:prstGeom>
-        </p:spPr>
-        <p:txBody>
-          <a:bodyPr wrap="square">
-            <a:spAutoFit/>
-          </a:bodyPr>
-          <a:lstStyle/>
-          <a:p>
-            <a:r>
-              <a:rPr lang="zh-CN" altLang="en-US" dirty="0">
-                <a:solidFill>
-                  <a:srgbClr val="333333"/>
-                </a:solidFill>
-                <a:latin typeface="PingFang SC"/>
-              </a:rPr>
-              <a:t>在 </a:t>
-            </a:r>
-            <a:r>
-              <a:rPr lang="en-US" altLang="zh-CN" dirty="0">
-                <a:solidFill>
-                  <a:srgbClr val="333333"/>
-                </a:solidFill>
-                <a:latin typeface="PingFang SC"/>
-              </a:rPr>
-              <a:t>Kubernetes </a:t>
-            </a:r>
-            <a:r>
-              <a:rPr lang="zh-CN" altLang="en-US" dirty="0">
-                <a:solidFill>
-                  <a:srgbClr val="333333"/>
-                </a:solidFill>
-                <a:latin typeface="PingFang SC"/>
-              </a:rPr>
-              <a:t>项目中，负责完成授权（</a:t>
-            </a:r>
-            <a:r>
-              <a:rPr lang="en-US" altLang="zh-CN" dirty="0"/>
-              <a:t>Authorization</a:t>
-            </a:r>
-            <a:r>
-              <a:rPr lang="zh-CN" altLang="en-US" dirty="0"/>
-              <a:t>）工作的机制，就是 </a:t>
-            </a:r>
-            <a:r>
-              <a:rPr lang="en-US" altLang="zh-CN" dirty="0" err="1"/>
-              <a:t>RBAC</a:t>
-            </a:r>
-            <a:r>
-              <a:rPr lang="zh-CN" altLang="en-US" dirty="0"/>
-              <a:t>：基于角色的访问控制（</a:t>
-            </a:r>
-            <a:r>
-              <a:rPr lang="en-US" altLang="zh-CN" dirty="0"/>
-              <a:t>Role-Based Access Control</a:t>
-            </a:r>
-            <a:r>
-              <a:rPr lang="zh-CN" altLang="en-US" dirty="0"/>
-              <a:t>）</a:t>
-            </a:r>
-            <a:endParaRPr lang="en-US" altLang="zh-CN" dirty="0"/>
-          </a:p>
-          <a:p>
-            <a:endParaRPr lang="en-US" altLang="zh-CN" dirty="0"/>
-          </a:p>
-          <a:p>
-            <a:endParaRPr lang="en-US" altLang="zh-CN" dirty="0">
-              <a:solidFill>
-                <a:srgbClr val="333333"/>
-              </a:solidFill>
-              <a:latin typeface="PingFang SC"/>
-            </a:endParaRPr>
-          </a:p>
-        </p:txBody>
-      </p:sp>
-      <p:sp>
-        <p:nvSpPr>
-          <p:cNvPr id="6" name="矩形 5">
-            <a:extLst>
-              <a:ext uri="{FF2B5EF4-FFF2-40B4-BE49-F238E27FC236}">
-                <a16:creationId xmlns:a16="http://schemas.microsoft.com/office/drawing/2014/main" id="{463DC33F-044B-4AE4-A258-58C1E8E687A8}"/>
-              </a:ext>
-            </a:extLst>
-          </p:cNvPr>
-          <p:cNvSpPr/>
-          <p:nvPr/>
-        </p:nvSpPr>
-        <p:spPr>
-          <a:xfrm>
-            <a:off x="1059403" y="4800968"/>
-            <a:ext cx="9997804" cy="923330"/>
-          </a:xfrm>
-          <a:prstGeom prst="rect">
-            <a:avLst/>
-          </a:prstGeom>
-        </p:spPr>
-        <p:txBody>
-          <a:bodyPr wrap="square">
-            <a:spAutoFit/>
-          </a:bodyPr>
-          <a:lstStyle/>
-          <a:p>
-            <a:r>
-              <a:rPr lang="en-US" altLang="zh-CN" dirty="0"/>
-              <a:t>Operator</a:t>
-            </a:r>
-            <a:r>
-              <a:rPr lang="zh-CN" altLang="en-US" dirty="0"/>
-              <a:t>的工作原理，实际上是利用了</a:t>
-            </a:r>
-            <a:r>
-              <a:rPr lang="en-US" altLang="zh-CN" dirty="0"/>
-              <a:t>Kubernetes</a:t>
-            </a:r>
-            <a:r>
-              <a:rPr lang="zh-CN" altLang="en-US" dirty="0"/>
-              <a:t>的自定义</a:t>
-            </a:r>
-            <a:r>
-              <a:rPr lang="en-US" altLang="zh-CN" dirty="0"/>
-              <a:t>API</a:t>
-            </a:r>
-            <a:r>
-              <a:rPr lang="zh-CN" altLang="en-US" dirty="0"/>
-              <a:t>资源（</a:t>
-            </a:r>
-            <a:r>
-              <a:rPr lang="en-US" altLang="zh-CN" dirty="0" err="1"/>
-              <a:t>CRD</a:t>
-            </a:r>
-            <a:r>
-              <a:rPr lang="zh-CN" altLang="en-US" dirty="0"/>
-              <a:t>）</a:t>
-            </a:r>
-            <a:r>
-              <a:rPr lang="en-US" altLang="zh-CN" dirty="0"/>
-              <a:t>,</a:t>
-            </a:r>
-            <a:r>
-              <a:rPr lang="zh-CN" altLang="en-US" dirty="0"/>
-              <a:t>来描述我们想要部署的</a:t>
-            </a:r>
-            <a:r>
-              <a:rPr lang="zh-CN" altLang="en-US"/>
-              <a:t>“有状态应用”；然后</a:t>
-            </a:r>
-            <a:r>
-              <a:rPr lang="zh-CN" altLang="en-US" dirty="0"/>
-              <a:t>在自定义控制器里，根据自定义</a:t>
-            </a:r>
-            <a:r>
-              <a:rPr lang="en-US" altLang="zh-CN" dirty="0"/>
-              <a:t>API</a:t>
-            </a:r>
-            <a:r>
-              <a:rPr lang="zh-CN" altLang="en-US" dirty="0"/>
-              <a:t>对象的变化，来完成具体的部署和运维工作</a:t>
-            </a:r>
-          </a:p>
-        </p:txBody>
-      </p:sp>
-    </p:spTree>
-    <p:extLst>
-      <p:ext uri="{BB962C8B-B14F-4D97-AF65-F5344CB8AC3E}">
-        <p14:creationId xmlns:p14="http://schemas.microsoft.com/office/powerpoint/2010/main" val="116615380"/>
       </p:ext>
     </p:extLst>
   </p:cSld>

--- a/Asp.NetCoreExperiment/kubernetes/kubernetes.pptx
+++ b/Asp.NetCoreExperiment/kubernetes/kubernetes.pptx
@@ -5,7 +5,7 @@
     <p:sldMasterId id="2147483648" r:id="rId1"/>
   </p:sldMasterIdLst>
   <p:notesMasterIdLst>
-    <p:notesMasterId r:id="rId55"/>
+    <p:notesMasterId r:id="rId57"/>
   </p:notesMasterIdLst>
   <p:sldIdLst>
     <p:sldId id="256" r:id="rId2"/>
@@ -50,17 +50,19 @@
     <p:sldId id="307" r:id="rId41"/>
     <p:sldId id="287" r:id="rId42"/>
     <p:sldId id="316" r:id="rId43"/>
-    <p:sldId id="317" r:id="rId44"/>
-    <p:sldId id="318" r:id="rId45"/>
-    <p:sldId id="286" r:id="rId46"/>
-    <p:sldId id="288" r:id="rId47"/>
-    <p:sldId id="289" r:id="rId48"/>
-    <p:sldId id="290" r:id="rId49"/>
-    <p:sldId id="297" r:id="rId50"/>
-    <p:sldId id="295" r:id="rId51"/>
-    <p:sldId id="291" r:id="rId52"/>
-    <p:sldId id="258" r:id="rId53"/>
-    <p:sldId id="257" r:id="rId54"/>
+    <p:sldId id="319" r:id="rId44"/>
+    <p:sldId id="317" r:id="rId45"/>
+    <p:sldId id="318" r:id="rId46"/>
+    <p:sldId id="320" r:id="rId47"/>
+    <p:sldId id="321" r:id="rId48"/>
+    <p:sldId id="322" r:id="rId49"/>
+    <p:sldId id="286" r:id="rId50"/>
+    <p:sldId id="288" r:id="rId51"/>
+    <p:sldId id="289" r:id="rId52"/>
+    <p:sldId id="290" r:id="rId53"/>
+    <p:sldId id="297" r:id="rId54"/>
+    <p:sldId id="295" r:id="rId55"/>
+    <p:sldId id="257" r:id="rId56"/>
   </p:sldIdLst>
   <p:sldSz cx="12192000" cy="6858000"/>
   <p:notesSz cx="6858000" cy="9144000"/>
@@ -26037,7 +26039,7 @@
         </p:nvSpPr>
         <p:spPr>
           <a:xfrm>
-            <a:off x="956457" y="1974654"/>
+            <a:off x="956457" y="1548526"/>
             <a:ext cx="9712170" cy="369332"/>
           </a:xfrm>
           <a:prstGeom prst="rect">
@@ -26080,8 +26082,7 @@
                 <a:solidFill>
                   <a:srgbClr val="92D050"/>
                 </a:solidFill>
-                <a:latin typeface="Arial Unicode MS"/>
-                <a:ea typeface="SFMono-Regular"/>
+                <a:latin typeface="+mn-ea"/>
               </a:rPr>
               <a:t>sudo kubeadm init --config kubeadm.yaml --ignore-preflight-errors=swap</a:t>
             </a:r>
@@ -26090,6 +26091,7 @@
                 <a:solidFill>
                   <a:srgbClr val="92D050"/>
                 </a:solidFill>
+                <a:latin typeface="+mn-ea"/>
               </a:rPr>
               <a:t> </a:t>
             </a:r>
@@ -26097,7 +26099,7 @@
               <a:solidFill>
                 <a:srgbClr val="92D050"/>
               </a:solidFill>
-              <a:latin typeface="Arial" panose="020B0604020202020204" pitchFamily="34" charset="0"/>
+              <a:latin typeface="+mn-ea"/>
             </a:endParaRPr>
           </a:p>
         </p:txBody>
@@ -26116,7 +26118,7 @@
         </p:nvSpPr>
         <p:spPr>
           <a:xfrm>
-            <a:off x="956457" y="4959114"/>
+            <a:off x="956457" y="4524109"/>
             <a:ext cx="4801314" cy="369332"/>
           </a:xfrm>
           <a:prstGeom prst="rect">
@@ -26158,8 +26160,8 @@
         </p:nvSpPr>
         <p:spPr bwMode="auto">
           <a:xfrm>
-            <a:off x="956457" y="5467710"/>
-            <a:ext cx="9712171" cy="553998"/>
+            <a:off x="956457" y="4894206"/>
+            <a:ext cx="9712171" cy="830997"/>
           </a:xfrm>
           <a:prstGeom prst="rect">
             <a:avLst/>
@@ -26181,22 +26183,32 @@
           </a:bodyPr>
           <a:lstStyle/>
           <a:p>
-            <a:pPr marL="0" marR="0" lvl="0" indent="0" algn="l" defTabSz="914400" rtl="0" eaLnBrk="0" fontAlgn="base" latinLnBrk="0" hangingPunct="0">
-              <a:lnSpc>
-                <a:spcPct val="100000"/>
-              </a:lnSpc>
+            <a:pPr lvl="0" eaLnBrk="0" fontAlgn="base" hangingPunct="0">
               <a:spcBef>
                 <a:spcPct val="0"/>
               </a:spcBef>
               <a:spcAft>
                 <a:spcPct val="0"/>
               </a:spcAft>
-              <a:buClrTx/>
-              <a:buSzTx/>
-              <a:buFontTx/>
-              <a:buNone/>
-              <a:tabLst/>
             </a:pPr>
+            <a:r>
+              <a:rPr lang="en-US" altLang="zh-CN" dirty="0" err="1">
+                <a:solidFill>
+                  <a:srgbClr val="92D050"/>
+                </a:solidFill>
+                <a:latin typeface="+mn-ea"/>
+              </a:rPr>
+              <a:t>sudo</a:t>
+            </a:r>
+            <a:r>
+              <a:rPr lang="zh-CN" altLang="en-US" dirty="0">
+                <a:solidFill>
+                  <a:srgbClr val="92D050"/>
+                </a:solidFill>
+                <a:latin typeface="+mn-ea"/>
+              </a:rPr>
+              <a:t> </a:t>
+            </a:r>
             <a:r>
               <a:rPr kumimoji="0" lang="zh-CN" altLang="zh-CN" b="0" i="0" u="none" strike="noStrike" cap="none" normalizeH="0" baseline="0" dirty="0">
                 <a:ln>
@@ -26210,6 +26222,34 @@
               </a:rPr>
               <a:t>kubeadm join 192.168.252.54:6443 --token jetzdj.7ycrb79mihrlrggq --discovery-token-ca-cert-hash sha256:f8a25957a41d187587a46a0af43c9b715e7e2d903473a9d4e0cad5009a5031ba </a:t>
             </a:r>
+            <a:r>
+              <a:rPr lang="zh-CN" altLang="zh-CN" dirty="0">
+                <a:solidFill>
+                  <a:srgbClr val="92D050"/>
+                </a:solidFill>
+                <a:latin typeface="+mn-ea"/>
+              </a:rPr>
+              <a:t>--ignore-preflight-errors=swap</a:t>
+            </a:r>
+            <a:r>
+              <a:rPr lang="zh-CN" altLang="zh-CN" sz="1600" dirty="0">
+                <a:solidFill>
+                  <a:srgbClr val="92D050"/>
+                </a:solidFill>
+                <a:latin typeface="+mn-ea"/>
+              </a:rPr>
+              <a:t> </a:t>
+            </a:r>
+            <a:endParaRPr kumimoji="0" lang="zh-CN" altLang="zh-CN" b="0" i="0" u="none" strike="noStrike" cap="none" normalizeH="0" baseline="0" dirty="0">
+              <a:ln>
+                <a:noFill/>
+              </a:ln>
+              <a:solidFill>
+                <a:srgbClr val="92D050"/>
+              </a:solidFill>
+              <a:effectLst/>
+              <a:latin typeface="+mn-ea"/>
+            </a:endParaRPr>
           </a:p>
         </p:txBody>
       </p:sp>
@@ -26227,7 +26267,7 @@
         </p:nvSpPr>
         <p:spPr>
           <a:xfrm>
-            <a:off x="956457" y="2908333"/>
+            <a:off x="956457" y="2473328"/>
             <a:ext cx="6096000" cy="1754326"/>
           </a:xfrm>
           <a:prstGeom prst="rect">
@@ -26703,7 +26743,7 @@
                 </a:solidFill>
                 <a:latin typeface="+mn-ea"/>
               </a:rPr>
-              <a:t>v1.13.2</a:t>
+              <a:t>v1.14</a:t>
             </a:r>
             <a:r>
               <a:rPr lang="en-US" altLang="zh-CN" sz="1200" dirty="0">
@@ -26731,7 +26771,7 @@
         </p:nvSpPr>
         <p:spPr>
           <a:xfrm>
-            <a:off x="838200" y="2516605"/>
+            <a:off x="838200" y="2081600"/>
             <a:ext cx="1559401" cy="369332"/>
           </a:xfrm>
           <a:prstGeom prst="rect">
@@ -26810,13 +26850,8 @@
           <a:p>
             <a:r>
               <a:rPr lang="zh-CN" altLang="en-US" dirty="0"/>
-              <a:t>安装</a:t>
-            </a:r>
-            <a:r>
-              <a:rPr lang="en-US" altLang="zh-CN" dirty="0"/>
-              <a:t>dashboard</a:t>
-            </a:r>
-            <a:endParaRPr lang="zh-CN" altLang="en-US" dirty="0"/>
+              <a:t>复制验证文件和安装网络插件</a:t>
+            </a:r>
           </a:p>
         </p:txBody>
       </p:sp>
@@ -26834,8 +26869,8 @@
         </p:nvSpPr>
         <p:spPr>
           <a:xfrm>
-            <a:off x="956457" y="1677394"/>
-            <a:ext cx="9264502" cy="923330"/>
+            <a:off x="1337569" y="1891662"/>
+            <a:ext cx="9712170" cy="1200329"/>
           </a:xfrm>
           <a:prstGeom prst="rect">
             <a:avLst/>
@@ -26877,24 +26912,351 @@
                 <a:solidFill>
                   <a:srgbClr val="92D050"/>
                 </a:solidFill>
-                <a:latin typeface="Arial Unicode MS"/>
-                <a:ea typeface="SFMono-Regular"/>
-              </a:rPr>
-              <a:t>sudo kubectl apply -f https://raw.githubusercontent.com/kubernetes/dashboard/master/aio/deploy/recommended/kubernetes-dashboard.yaml</a:t>
-            </a:r>
-            <a:r>
-              <a:rPr lang="zh-CN" altLang="zh-CN" sz="1600" dirty="0">
+                <a:latin typeface="+mn-ea"/>
+              </a:rPr>
+              <a:t>sudo rm -rf $HOME/.kube </a:t>
+            </a:r>
+            <a:endParaRPr lang="en-US" altLang="zh-CN" dirty="0">
+              <a:solidFill>
+                <a:srgbClr val="92D050"/>
+              </a:solidFill>
+              <a:latin typeface="+mn-ea"/>
+            </a:endParaRPr>
+          </a:p>
+          <a:p>
+            <a:pPr lvl="0" eaLnBrk="0" fontAlgn="base" hangingPunct="0">
+              <a:spcBef>
+                <a:spcPct val="0"/>
+              </a:spcBef>
+              <a:spcAft>
+                <a:spcPct val="0"/>
+              </a:spcAft>
+            </a:pPr>
+            <a:r>
+              <a:rPr lang="zh-CN" altLang="zh-CN" dirty="0">
                 <a:solidFill>
                   <a:srgbClr val="92D050"/>
                 </a:solidFill>
-              </a:rPr>
-              <a:t> </a:t>
+                <a:latin typeface="+mn-ea"/>
+              </a:rPr>
+              <a:t>mkdir -p $HOME/.kube </a:t>
+            </a:r>
+            <a:endParaRPr lang="en-US" altLang="zh-CN" dirty="0">
+              <a:solidFill>
+                <a:srgbClr val="92D050"/>
+              </a:solidFill>
+              <a:latin typeface="+mn-ea"/>
+            </a:endParaRPr>
+          </a:p>
+          <a:p>
+            <a:pPr lvl="0" eaLnBrk="0" fontAlgn="base" hangingPunct="0">
+              <a:spcBef>
+                <a:spcPct val="0"/>
+              </a:spcBef>
+              <a:spcAft>
+                <a:spcPct val="0"/>
+              </a:spcAft>
+            </a:pPr>
+            <a:r>
+              <a:rPr lang="zh-CN" altLang="zh-CN" dirty="0">
+                <a:solidFill>
+                  <a:srgbClr val="92D050"/>
+                </a:solidFill>
+                <a:latin typeface="+mn-ea"/>
+              </a:rPr>
+              <a:t>sudo cp -i /etc/kubernetes/admin.conf $HOME/.kube/config </a:t>
+            </a:r>
+            <a:endParaRPr lang="en-US" altLang="zh-CN" dirty="0">
+              <a:solidFill>
+                <a:srgbClr val="92D050"/>
+              </a:solidFill>
+              <a:latin typeface="+mn-ea"/>
+            </a:endParaRPr>
+          </a:p>
+          <a:p>
+            <a:pPr lvl="0" eaLnBrk="0" fontAlgn="base" hangingPunct="0">
+              <a:spcBef>
+                <a:spcPct val="0"/>
+              </a:spcBef>
+              <a:spcAft>
+                <a:spcPct val="0"/>
+              </a:spcAft>
+            </a:pPr>
+            <a:r>
+              <a:rPr lang="zh-CN" altLang="zh-CN" dirty="0">
+                <a:solidFill>
+                  <a:srgbClr val="92D050"/>
+                </a:solidFill>
+                <a:latin typeface="+mn-ea"/>
+              </a:rPr>
+              <a:t>sudo chown $(id -u):$(id -g) $HOME/.kube/config </a:t>
             </a:r>
             <a:endParaRPr lang="zh-CN" altLang="zh-CN" sz="4400" dirty="0">
               <a:solidFill>
                 <a:srgbClr val="92D050"/>
               </a:solidFill>
-              <a:latin typeface="Arial" panose="020B0604020202020204" pitchFamily="34" charset="0"/>
+              <a:latin typeface="+mn-ea"/>
+            </a:endParaRPr>
+          </a:p>
+        </p:txBody>
+      </p:sp>
+      <p:sp>
+        <p:nvSpPr>
+          <p:cNvPr id="9" name="矩形 8">
+            <a:extLst>
+              <a:ext uri="{FF2B5EF4-FFF2-40B4-BE49-F238E27FC236}">
+                <a16:creationId xmlns:a16="http://schemas.microsoft.com/office/drawing/2014/main" id="{E0E1F1AF-982F-4295-BA54-0A9CEAB56BFF}"/>
+              </a:ext>
+            </a:extLst>
+          </p:cNvPr>
+          <p:cNvSpPr/>
+          <p:nvPr/>
+        </p:nvSpPr>
+        <p:spPr>
+          <a:xfrm>
+            <a:off x="1337569" y="4371534"/>
+            <a:ext cx="9712170" cy="369332"/>
+          </a:xfrm>
+          <a:prstGeom prst="rect">
+            <a:avLst/>
+          </a:prstGeom>
+          <a:solidFill>
+            <a:schemeClr val="tx1"/>
+          </a:solidFill>
+        </p:spPr>
+        <p:style>
+          <a:lnRef idx="2">
+            <a:schemeClr val="accent6"/>
+          </a:lnRef>
+          <a:fillRef idx="1">
+            <a:schemeClr val="lt1"/>
+          </a:fillRef>
+          <a:effectRef idx="0">
+            <a:schemeClr val="accent6"/>
+          </a:effectRef>
+          <a:fontRef idx="minor">
+            <a:schemeClr val="dk1"/>
+          </a:fontRef>
+        </p:style>
+        <p:txBody>
+          <a:bodyPr wrap="square">
+            <a:spAutoFit/>
+          </a:bodyPr>
+          <a:lstStyle/>
+          <a:p>
+            <a:pPr lvl="0" eaLnBrk="0" fontAlgn="base" hangingPunct="0">
+              <a:spcBef>
+                <a:spcPct val="0"/>
+              </a:spcBef>
+              <a:spcAft>
+                <a:spcPct val="0"/>
+              </a:spcAft>
+            </a:pPr>
+            <a:r>
+              <a:rPr lang="zh-CN" altLang="zh-CN" dirty="0">
+                <a:solidFill>
+                  <a:srgbClr val="92D050"/>
+                </a:solidFill>
+                <a:latin typeface="+mn-ea"/>
+              </a:rPr>
+              <a:t>sudo kubectl apply -f https://git.io/weave-kube-1.6</a:t>
+            </a:r>
+            <a:r>
+              <a:rPr lang="zh-CN" altLang="zh-CN" sz="1600" dirty="0">
+                <a:solidFill>
+                  <a:srgbClr val="92D050"/>
+                </a:solidFill>
+                <a:latin typeface="+mn-ea"/>
+              </a:rPr>
+              <a:t> </a:t>
+            </a:r>
+            <a:endParaRPr lang="zh-CN" altLang="zh-CN" sz="4400" dirty="0">
+              <a:solidFill>
+                <a:srgbClr val="92D050"/>
+              </a:solidFill>
+              <a:latin typeface="+mn-ea"/>
+            </a:endParaRPr>
+          </a:p>
+        </p:txBody>
+      </p:sp>
+      <p:sp>
+        <p:nvSpPr>
+          <p:cNvPr id="10" name="矩形 9">
+            <a:extLst>
+              <a:ext uri="{FF2B5EF4-FFF2-40B4-BE49-F238E27FC236}">
+                <a16:creationId xmlns:a16="http://schemas.microsoft.com/office/drawing/2014/main" id="{74988FBE-2837-4BE5-81BF-20EDC4CB5319}"/>
+              </a:ext>
+            </a:extLst>
+          </p:cNvPr>
+          <p:cNvSpPr/>
+          <p:nvPr/>
+        </p:nvSpPr>
+        <p:spPr>
+          <a:xfrm>
+            <a:off x="1337569" y="3844498"/>
+            <a:ext cx="1569660" cy="369332"/>
+          </a:xfrm>
+          <a:prstGeom prst="rect">
+            <a:avLst/>
+          </a:prstGeom>
+        </p:spPr>
+        <p:txBody>
+          <a:bodyPr wrap="none">
+            <a:spAutoFit/>
+          </a:bodyPr>
+          <a:lstStyle/>
+          <a:p>
+            <a:r>
+              <a:rPr lang="zh-CN" altLang="en-US" dirty="0">
+                <a:solidFill>
+                  <a:srgbClr val="24292E"/>
+                </a:solidFill>
+                <a:latin typeface="-apple-system"/>
+              </a:rPr>
+              <a:t>安装网络插件</a:t>
+            </a:r>
+            <a:endParaRPr lang="zh-CN" altLang="en-US" dirty="0"/>
+          </a:p>
+        </p:txBody>
+      </p:sp>
+    </p:spTree>
+    <p:extLst>
+      <p:ext uri="{BB962C8B-B14F-4D97-AF65-F5344CB8AC3E}">
+        <p14:creationId xmlns:p14="http://schemas.microsoft.com/office/powerpoint/2010/main" val="2284601149"/>
+      </p:ext>
+    </p:extLst>
+  </p:cSld>
+  <p:clrMapOvr>
+    <a:masterClrMapping/>
+  </p:clrMapOvr>
+</p:sld>
+</file>
+
+<file path=ppt/slides/slide44.xml><?xml version="1.0" encoding="utf-8"?>
+<p:sld xmlns:a="http://schemas.openxmlformats.org/drawingml/2006/main" xmlns:r="http://schemas.openxmlformats.org/officeDocument/2006/relationships" xmlns:p="http://schemas.openxmlformats.org/presentationml/2006/main">
+  <p:cSld>
+    <p:spTree>
+      <p:nvGrpSpPr>
+        <p:cNvPr id="1" name=""/>
+        <p:cNvGrpSpPr/>
+        <p:nvPr/>
+      </p:nvGrpSpPr>
+      <p:grpSpPr>
+        <a:xfrm>
+          <a:off x="0" y="0"/>
+          <a:ext cx="0" cy="0"/>
+          <a:chOff x="0" y="0"/>
+          <a:chExt cx="0" cy="0"/>
+        </a:xfrm>
+      </p:grpSpPr>
+      <p:sp>
+        <p:nvSpPr>
+          <p:cNvPr id="2" name="标题 1">
+            <a:extLst>
+              <a:ext uri="{FF2B5EF4-FFF2-40B4-BE49-F238E27FC236}">
+                <a16:creationId xmlns:a16="http://schemas.microsoft.com/office/drawing/2014/main" id="{F862FC22-B807-4FD9-8F7C-93EA3EC63330}"/>
+              </a:ext>
+            </a:extLst>
+          </p:cNvPr>
+          <p:cNvSpPr>
+            <a:spLocks noGrp="1"/>
+          </p:cNvSpPr>
+          <p:nvPr>
+            <p:ph type="title"/>
+          </p:nvPr>
+        </p:nvSpPr>
+        <p:spPr/>
+        <p:txBody>
+          <a:bodyPr/>
+          <a:lstStyle/>
+          <a:p>
+            <a:r>
+              <a:rPr lang="zh-CN" altLang="en-US" dirty="0"/>
+              <a:t>安装</a:t>
+            </a:r>
+            <a:r>
+              <a:rPr lang="en-US" altLang="zh-CN" dirty="0"/>
+              <a:t>dashboard</a:t>
+            </a:r>
+            <a:endParaRPr lang="zh-CN" altLang="en-US" dirty="0"/>
+          </a:p>
+        </p:txBody>
+      </p:sp>
+      <p:sp>
+        <p:nvSpPr>
+          <p:cNvPr id="5" name="矩形 4">
+            <a:extLst>
+              <a:ext uri="{FF2B5EF4-FFF2-40B4-BE49-F238E27FC236}">
+                <a16:creationId xmlns:a16="http://schemas.microsoft.com/office/drawing/2014/main" id="{2B695B11-EA8B-42E1-959C-880614D8BAA3}"/>
+              </a:ext>
+            </a:extLst>
+          </p:cNvPr>
+          <p:cNvSpPr/>
+          <p:nvPr/>
+        </p:nvSpPr>
+        <p:spPr>
+          <a:xfrm>
+            <a:off x="956457" y="1677394"/>
+            <a:ext cx="9264502" cy="369332"/>
+          </a:xfrm>
+          <a:prstGeom prst="rect">
+            <a:avLst/>
+          </a:prstGeom>
+          <a:solidFill>
+            <a:schemeClr val="tx1"/>
+          </a:solidFill>
+        </p:spPr>
+        <p:style>
+          <a:lnRef idx="2">
+            <a:schemeClr val="accent6"/>
+          </a:lnRef>
+          <a:fillRef idx="1">
+            <a:schemeClr val="lt1"/>
+          </a:fillRef>
+          <a:effectRef idx="0">
+            <a:schemeClr val="accent6"/>
+          </a:effectRef>
+          <a:fontRef idx="minor">
+            <a:schemeClr val="dk1"/>
+          </a:fontRef>
+        </p:style>
+        <p:txBody>
+          <a:bodyPr wrap="square">
+            <a:spAutoFit/>
+          </a:bodyPr>
+          <a:lstStyle/>
+          <a:p>
+            <a:pPr lvl="0" eaLnBrk="0" fontAlgn="base" hangingPunct="0">
+              <a:spcBef>
+                <a:spcPct val="0"/>
+              </a:spcBef>
+              <a:spcAft>
+                <a:spcPct val="0"/>
+              </a:spcAft>
+            </a:pPr>
+            <a:r>
+              <a:rPr lang="zh-CN" altLang="zh-CN" dirty="0">
+                <a:solidFill>
+                  <a:srgbClr val="92D050"/>
+                </a:solidFill>
+                <a:latin typeface="+mn-ea"/>
+              </a:rPr>
+              <a:t>sudo kubectl apply -f kubernetes-dashboard.yaml</a:t>
+            </a:r>
+            <a:r>
+              <a:rPr lang="zh-CN" altLang="zh-CN" sz="1600" dirty="0">
+                <a:solidFill>
+                  <a:srgbClr val="92D050"/>
+                </a:solidFill>
+                <a:latin typeface="+mn-ea"/>
+              </a:rPr>
+              <a:t> </a:t>
+            </a:r>
+            <a:endParaRPr lang="zh-CN" altLang="zh-CN" sz="4400" dirty="0">
+              <a:solidFill>
+                <a:srgbClr val="92D050"/>
+              </a:solidFill>
+              <a:latin typeface="+mn-ea"/>
             </a:endParaRPr>
           </a:p>
         </p:txBody>
@@ -26913,7 +27275,7 @@
         </p:nvSpPr>
         <p:spPr>
           <a:xfrm>
-            <a:off x="956457" y="2874943"/>
+            <a:off x="956457" y="2404424"/>
             <a:ext cx="1650901" cy="369332"/>
           </a:xfrm>
           <a:prstGeom prst="rect">
@@ -26982,7 +27344,7 @@
         </p:nvSpPr>
         <p:spPr bwMode="auto">
           <a:xfrm>
-            <a:off x="956457" y="3380231"/>
+            <a:off x="956457" y="2909712"/>
             <a:ext cx="9264502" cy="553998"/>
           </a:xfrm>
           <a:prstGeom prst="rect">
@@ -27014,21 +27376,19 @@
               </a:spcAft>
             </a:pPr>
             <a:r>
-              <a:rPr lang="zh-CN" altLang="zh-CN">
+              <a:rPr lang="zh-CN" altLang="zh-CN" dirty="0">
                 <a:solidFill>
                   <a:srgbClr val="92D050"/>
                 </a:solidFill>
-                <a:latin typeface="Arial Unicode MS"/>
-                <a:ea typeface="SFMono-Regular"/>
+                <a:latin typeface="+mn-ea"/>
               </a:rPr>
               <a:t>sudo kubectl apply -f adminuser.yaml </a:t>
             </a:r>
-            <a:endParaRPr lang="en-US" altLang="zh-CN">
+            <a:endParaRPr lang="en-US" altLang="zh-CN" dirty="0">
               <a:solidFill>
                 <a:srgbClr val="92D050"/>
               </a:solidFill>
-              <a:latin typeface="Arial Unicode MS"/>
-              <a:ea typeface="SFMono-Regular"/>
+              <a:latin typeface="+mn-ea"/>
             </a:endParaRPr>
           </a:p>
           <a:p>
@@ -27041,20 +27401,20 @@
               </a:spcAft>
             </a:pPr>
             <a:r>
-              <a:rPr lang="zh-CN" altLang="zh-CN">
+              <a:rPr lang="zh-CN" altLang="zh-CN" dirty="0">
                 <a:solidFill>
                   <a:srgbClr val="92D050"/>
                 </a:solidFill>
-                <a:latin typeface="Arial Unicode MS"/>
-                <a:ea typeface="SFMono-Regular"/>
+                <a:latin typeface="+mn-ea"/>
               </a:rPr>
               <a:t>sudo kubectl apply -f adminrole.yaml</a:t>
             </a:r>
             <a:r>
-              <a:rPr lang="zh-CN" altLang="zh-CN" sz="1600">
+              <a:rPr lang="zh-CN" altLang="zh-CN" sz="1600" dirty="0">
                 <a:solidFill>
                   <a:srgbClr val="92D050"/>
                 </a:solidFill>
+                <a:latin typeface="+mn-ea"/>
               </a:rPr>
               <a:t> </a:t>
             </a:r>
@@ -27062,7 +27422,7 @@
               <a:solidFill>
                 <a:srgbClr val="92D050"/>
               </a:solidFill>
-              <a:latin typeface="Arial" panose="020B0604020202020204" pitchFamily="34" charset="0"/>
+              <a:latin typeface="+mn-ea"/>
             </a:endParaRPr>
           </a:p>
         </p:txBody>
@@ -27081,7 +27441,7 @@
         </p:nvSpPr>
         <p:spPr>
           <a:xfrm>
-            <a:off x="956457" y="4428530"/>
+            <a:off x="956457" y="3958011"/>
             <a:ext cx="4204317" cy="1015663"/>
           </a:xfrm>
           <a:prstGeom prst="rect">
@@ -27251,7 +27611,7 @@
         </p:nvSpPr>
         <p:spPr>
           <a:xfrm>
-            <a:off x="5402277" y="4428530"/>
+            <a:off x="5402277" y="3958011"/>
             <a:ext cx="4818682" cy="2308324"/>
           </a:xfrm>
           <a:prstGeom prst="rect">
@@ -27774,7 +28134,7 @@
         </p:nvSpPr>
         <p:spPr>
           <a:xfrm>
-            <a:off x="956456" y="4059198"/>
+            <a:off x="956456" y="3588679"/>
             <a:ext cx="1657762" cy="369332"/>
           </a:xfrm>
           <a:prstGeom prst="rect">
@@ -27814,7 +28174,7 @@
         </p:nvSpPr>
         <p:spPr>
           <a:xfrm>
-            <a:off x="5368771" y="4059198"/>
+            <a:off x="5368771" y="3588679"/>
             <a:ext cx="1640385" cy="369332"/>
           </a:xfrm>
           <a:prstGeom prst="rect">
@@ -27853,7 +28213,7 @@
 </p:sld>
 </file>
 
-<file path=ppt/slides/slide44.xml><?xml version="1.0" encoding="utf-8"?>
+<file path=ppt/slides/slide45.xml><?xml version="1.0" encoding="utf-8"?>
 <p:sld xmlns:a="http://schemas.openxmlformats.org/drawingml/2006/main" xmlns:r="http://schemas.openxmlformats.org/officeDocument/2006/relationships" xmlns:p="http://schemas.openxmlformats.org/presentationml/2006/main">
   <p:cSld>
     <p:spTree>
@@ -27960,8 +28320,7 @@
                 <a:solidFill>
                   <a:srgbClr val="92D050"/>
                 </a:solidFill>
-                <a:latin typeface="Arial Unicode MS"/>
-                <a:ea typeface="SFMono-Regular"/>
+                <a:latin typeface="+mn-ea"/>
               </a:rPr>
               <a:t>sudo kubectl -n kube-system describe secret $(kubectl -n kube-system get secret | grep admin-user | awk '{print $1}')</a:t>
             </a:r>
@@ -27970,6 +28329,7 @@
                 <a:solidFill>
                   <a:srgbClr val="92D050"/>
                 </a:solidFill>
+                <a:latin typeface="+mn-ea"/>
               </a:rPr>
               <a:t> </a:t>
             </a:r>
@@ -27977,7 +28337,7 @@
               <a:solidFill>
                 <a:srgbClr val="92D050"/>
               </a:solidFill>
-              <a:latin typeface="Arial" panose="020B0604020202020204" pitchFamily="34" charset="0"/>
+              <a:latin typeface="+mn-ea"/>
             </a:endParaRPr>
           </a:p>
         </p:txBody>
@@ -28106,8 +28466,7 @@
                 <a:solidFill>
                   <a:srgbClr val="92D050"/>
                 </a:solidFill>
-                <a:latin typeface="Arial Unicode MS"/>
-                <a:ea typeface="SFMono-Regular"/>
+                <a:latin typeface="+mn-ea"/>
               </a:rPr>
               <a:t>sudo kubectl proxy</a:t>
             </a:r>
@@ -28116,6 +28475,7 @@
                 <a:solidFill>
                   <a:srgbClr val="92D050"/>
                 </a:solidFill>
+                <a:latin typeface="+mn-ea"/>
               </a:rPr>
               <a:t> </a:t>
             </a:r>
@@ -28123,126 +28483,291 @@
               <a:solidFill>
                 <a:srgbClr val="92D050"/>
               </a:solidFill>
-              <a:latin typeface="Arial" panose="020B0604020202020204" pitchFamily="34" charset="0"/>
+              <a:latin typeface="+mn-ea"/>
             </a:endParaRPr>
           </a:p>
         </p:txBody>
       </p:sp>
       <p:sp>
         <p:nvSpPr>
-          <p:cNvPr id="8" name="Rectangle 2">
+          <p:cNvPr id="9" name="矩形 8">
             <a:extLst>
               <a:ext uri="{FF2B5EF4-FFF2-40B4-BE49-F238E27FC236}">
-                <a16:creationId xmlns:a16="http://schemas.microsoft.com/office/drawing/2014/main" id="{7930D4D4-E8C3-4063-B1AD-C8BE8B057E8C}"/>
+                <a16:creationId xmlns:a16="http://schemas.microsoft.com/office/drawing/2014/main" id="{06678916-F030-46AD-9CEC-8906D0D2E7BC}"/>
               </a:ext>
             </a:extLst>
           </p:cNvPr>
-          <p:cNvSpPr>
-            <a:spLocks noChangeArrowheads="1"/>
-          </p:cNvSpPr>
+          <p:cNvSpPr/>
           <p:nvPr/>
         </p:nvSpPr>
-        <p:spPr bwMode="auto">
+        <p:spPr>
           <a:xfrm>
-            <a:off x="0" y="0"/>
-            <a:ext cx="12192000" cy="457200"/>
+            <a:off x="768658" y="2595999"/>
+            <a:ext cx="2105128" cy="369332"/>
           </a:xfrm>
           <a:prstGeom prst="rect">
             <a:avLst/>
           </a:prstGeom>
-          <a:solidFill>
-            <a:srgbClr val="F6F8FA"/>
-          </a:solidFill>
-          <a:ln>
-            <a:noFill/>
-          </a:ln>
-          <a:effectLst/>
-          <a:extLst>
-            <a:ext uri="{91240B29-F687-4F45-9708-019B960494DF}">
-              <a14:hiddenLine xmlns:a14="http://schemas.microsoft.com/office/drawing/2010/main" w="9525">
-                <a:solidFill>
-                  <a:schemeClr val="tx1"/>
-                </a:solidFill>
-                <a:miter lim="800000"/>
-                <a:headEnd/>
-                <a:tailEnd/>
-              </a14:hiddenLine>
-            </a:ext>
-            <a:ext uri="{AF507438-7753-43E0-B8FC-AC1667EBCBE1}">
-              <a14:hiddenEffects xmlns:a14="http://schemas.microsoft.com/office/drawing/2010/main">
-                <a:effectLst>
-                  <a:outerShdw dist="35921" dir="2700000" algn="ctr" rotWithShape="0">
-                    <a:schemeClr val="bg2"/>
-                  </a:outerShdw>
-                </a:effectLst>
-              </a14:hiddenEffects>
-            </a:ext>
-          </a:extLst>
         </p:spPr>
         <p:txBody>
-          <a:bodyPr vert="horz" wrap="none" lIns="0" tIns="0" rIns="0" bIns="0" numCol="1" anchor="ctr" anchorCtr="0" compatLnSpc="1">
-            <a:prstTxWarp prst="textNoShape">
-              <a:avLst/>
-            </a:prstTxWarp>
+          <a:bodyPr wrap="none">
             <a:spAutoFit/>
           </a:bodyPr>
           <a:lstStyle/>
           <a:p>
-            <a:pPr marL="0" marR="0" lvl="0" indent="0" algn="l" defTabSz="914400" rtl="0" eaLnBrk="0" fontAlgn="base" latinLnBrk="0" hangingPunct="0">
-              <a:lnSpc>
-                <a:spcPct val="100000"/>
-              </a:lnSpc>
-              <a:spcBef>
-                <a:spcPct val="0"/>
-              </a:spcBef>
-              <a:spcAft>
-                <a:spcPct val="0"/>
-              </a:spcAft>
-              <a:buClrTx/>
-              <a:buSzTx/>
-              <a:buFontTx/>
-              <a:buNone/>
-              <a:tabLst/>
-            </a:pPr>
-            <a:r>
-              <a:rPr kumimoji="0" lang="zh-CN" altLang="zh-CN" sz="900" b="0" i="0" u="none" strike="noStrike" cap="none" normalizeH="0" baseline="0" dirty="0">
-                <a:ln>
-                  <a:noFill/>
-                </a:ln>
+            <a:r>
+              <a:rPr lang="zh-CN" altLang="en-US" dirty="0">
                 <a:solidFill>
                   <a:srgbClr val="24292E"/>
                 </a:solidFill>
-                <a:effectLst/>
-                <a:latin typeface="Arial Unicode MS"/>
-                <a:ea typeface="SFMono-Regular"/>
-              </a:rPr>
-              <a:t>sudo kubectl proxy</a:t>
-            </a:r>
-            <a:r>
-              <a:rPr kumimoji="0" lang="zh-CN" altLang="zh-CN" sz="800" b="0" i="0" u="none" strike="noStrike" cap="none" normalizeH="0" baseline="0" dirty="0">
-                <a:ln>
-                  <a:noFill/>
-                </a:ln>
-                <a:solidFill>
-                  <a:schemeClr val="tx1"/>
-                </a:solidFill>
-                <a:effectLst/>
-              </a:rPr>
-              <a:t> </a:t>
-            </a:r>
-            <a:endParaRPr kumimoji="0" lang="zh-CN" altLang="zh-CN" sz="1800" b="0" i="0" u="none" strike="noStrike" cap="none" normalizeH="0" baseline="0" dirty="0">
-              <a:ln>
-                <a:noFill/>
-              </a:ln>
-              <a:solidFill>
-                <a:schemeClr val="tx1"/>
-              </a:solidFill>
-              <a:effectLst/>
-              <a:latin typeface="Arial" panose="020B0604020202020204" pitchFamily="34" charset="0"/>
-            </a:endParaRPr>
+                <a:latin typeface="-apple-system"/>
+              </a:rPr>
+              <a:t>启动</a:t>
+            </a:r>
+            <a:r>
+              <a:rPr lang="en-US" altLang="zh-CN" dirty="0" err="1">
+                <a:solidFill>
+                  <a:srgbClr val="24292E"/>
+                </a:solidFill>
+                <a:latin typeface="-apple-system"/>
+              </a:rPr>
+              <a:t>dashbaord</a:t>
+            </a:r>
+            <a:r>
+              <a:rPr lang="zh-CN" altLang="en-US" dirty="0">
+                <a:solidFill>
+                  <a:srgbClr val="24292E"/>
+                </a:solidFill>
+                <a:latin typeface="-apple-system"/>
+              </a:rPr>
+              <a:t>代理</a:t>
+            </a:r>
+            <a:endParaRPr lang="zh-CN" altLang="en-US" dirty="0"/>
           </a:p>
         </p:txBody>
       </p:sp>
+      <p:sp>
+        <p:nvSpPr>
+          <p:cNvPr id="10" name="矩形 9">
+            <a:extLst>
+              <a:ext uri="{FF2B5EF4-FFF2-40B4-BE49-F238E27FC236}">
+                <a16:creationId xmlns:a16="http://schemas.microsoft.com/office/drawing/2014/main" id="{3FD9FCAB-1136-4E70-A7D0-7C8AA687DF4F}"/>
+              </a:ext>
+            </a:extLst>
+          </p:cNvPr>
+          <p:cNvSpPr/>
+          <p:nvPr/>
+        </p:nvSpPr>
+        <p:spPr>
+          <a:xfrm>
+            <a:off x="768658" y="3845856"/>
+            <a:ext cx="10170850" cy="369332"/>
+          </a:xfrm>
+          <a:prstGeom prst="rect">
+            <a:avLst/>
+          </a:prstGeom>
+        </p:spPr>
+        <p:txBody>
+          <a:bodyPr wrap="square">
+            <a:spAutoFit/>
+          </a:bodyPr>
+          <a:lstStyle/>
+          <a:p>
+            <a:r>
+              <a:rPr lang="en-US" altLang="zh-CN" dirty="0">
+                <a:solidFill>
+                  <a:srgbClr val="24292E"/>
+                </a:solidFill>
+                <a:latin typeface="SFMono-Regular"/>
+              </a:rPr>
+              <a:t>http://</a:t>
+            </a:r>
+            <a:r>
+              <a:rPr lang="en-US" altLang="zh-CN" dirty="0" err="1">
+                <a:solidFill>
+                  <a:srgbClr val="24292E"/>
+                </a:solidFill>
+                <a:latin typeface="SFMono-Regular"/>
+              </a:rPr>
+              <a:t>localhost:8001</a:t>
+            </a:r>
+            <a:r>
+              <a:rPr lang="en-US" altLang="zh-CN" dirty="0">
+                <a:solidFill>
+                  <a:srgbClr val="24292E"/>
+                </a:solidFill>
+                <a:latin typeface="SFMono-Regular"/>
+              </a:rPr>
+              <a:t>/</a:t>
+            </a:r>
+            <a:r>
+              <a:rPr lang="en-US" altLang="zh-CN" dirty="0" err="1">
+                <a:solidFill>
+                  <a:srgbClr val="24292E"/>
+                </a:solidFill>
+                <a:latin typeface="SFMono-Regular"/>
+              </a:rPr>
+              <a:t>api</a:t>
+            </a:r>
+            <a:r>
+              <a:rPr lang="en-US" altLang="zh-CN" dirty="0">
+                <a:solidFill>
+                  <a:srgbClr val="24292E"/>
+                </a:solidFill>
+                <a:latin typeface="SFMono-Regular"/>
+              </a:rPr>
+              <a:t>/</a:t>
+            </a:r>
+            <a:r>
+              <a:rPr lang="en-US" altLang="zh-CN" dirty="0" err="1">
+                <a:solidFill>
+                  <a:srgbClr val="24292E"/>
+                </a:solidFill>
+                <a:latin typeface="SFMono-Regular"/>
+              </a:rPr>
+              <a:t>v1</a:t>
+            </a:r>
+            <a:r>
+              <a:rPr lang="en-US" altLang="zh-CN" dirty="0">
+                <a:solidFill>
+                  <a:srgbClr val="24292E"/>
+                </a:solidFill>
+                <a:latin typeface="SFMono-Regular"/>
+              </a:rPr>
+              <a:t>/namespaces/</a:t>
+            </a:r>
+            <a:r>
+              <a:rPr lang="en-US" altLang="zh-CN" dirty="0" err="1">
+                <a:solidFill>
+                  <a:srgbClr val="24292E"/>
+                </a:solidFill>
+                <a:latin typeface="SFMono-Regular"/>
+              </a:rPr>
+              <a:t>kube</a:t>
+            </a:r>
+            <a:r>
+              <a:rPr lang="en-US" altLang="zh-CN" dirty="0">
+                <a:solidFill>
+                  <a:srgbClr val="24292E"/>
+                </a:solidFill>
+                <a:latin typeface="SFMono-Regular"/>
+              </a:rPr>
+              <a:t>-system/services/</a:t>
+            </a:r>
+            <a:r>
+              <a:rPr lang="en-US" altLang="zh-CN" dirty="0" err="1">
+                <a:solidFill>
+                  <a:srgbClr val="24292E"/>
+                </a:solidFill>
+                <a:latin typeface="SFMono-Regular"/>
+              </a:rPr>
+              <a:t>https:kubernetes-dashboard</a:t>
+            </a:r>
+            <a:r>
+              <a:rPr lang="en-US" altLang="zh-CN" dirty="0">
+                <a:solidFill>
+                  <a:srgbClr val="24292E"/>
+                </a:solidFill>
+                <a:latin typeface="SFMono-Regular"/>
+              </a:rPr>
+              <a:t>:/proxy/</a:t>
+            </a:r>
+          </a:p>
+        </p:txBody>
+      </p:sp>
+      <p:sp>
+        <p:nvSpPr>
+          <p:cNvPr id="11" name="矩形 10">
+            <a:extLst>
+              <a:ext uri="{FF2B5EF4-FFF2-40B4-BE49-F238E27FC236}">
+                <a16:creationId xmlns:a16="http://schemas.microsoft.com/office/drawing/2014/main" id="{163E6682-5853-46CA-98C4-C31A9415CDF6}"/>
+              </a:ext>
+            </a:extLst>
+          </p:cNvPr>
+          <p:cNvSpPr/>
+          <p:nvPr/>
+        </p:nvSpPr>
+        <p:spPr>
+          <a:xfrm>
+            <a:off x="768658" y="3464153"/>
+            <a:ext cx="3946850" cy="369332"/>
+          </a:xfrm>
+          <a:prstGeom prst="rect">
+            <a:avLst/>
+          </a:prstGeom>
+        </p:spPr>
+        <p:txBody>
+          <a:bodyPr wrap="none">
+            <a:spAutoFit/>
+          </a:bodyPr>
+          <a:lstStyle/>
+          <a:p>
+            <a:r>
+              <a:rPr lang="zh-CN" altLang="en-US" dirty="0">
+                <a:solidFill>
+                  <a:srgbClr val="24292E"/>
+                </a:solidFill>
+                <a:latin typeface="-apple-system"/>
+              </a:rPr>
+              <a:t>在浏览器中输入网址和</a:t>
+            </a:r>
+            <a:r>
+              <a:rPr lang="en-US" altLang="zh-CN" dirty="0">
+                <a:solidFill>
+                  <a:srgbClr val="24292E"/>
+                </a:solidFill>
+                <a:latin typeface="-apple-system"/>
+              </a:rPr>
+              <a:t>token</a:t>
+            </a:r>
+            <a:r>
+              <a:rPr lang="zh-CN" altLang="en-US" dirty="0">
+                <a:solidFill>
+                  <a:srgbClr val="24292E"/>
+                </a:solidFill>
+                <a:latin typeface="-apple-system"/>
+              </a:rPr>
+              <a:t>进行登录</a:t>
+            </a:r>
+            <a:endParaRPr lang="zh-CN" altLang="en-US" dirty="0"/>
+          </a:p>
+        </p:txBody>
+      </p:sp>
+      <p:pic>
+        <p:nvPicPr>
+          <p:cNvPr id="14" name="图片 13" descr="图片包含 屏幕截图&#10;&#10;描述已自动生成">
+            <a:extLst>
+              <a:ext uri="{FF2B5EF4-FFF2-40B4-BE49-F238E27FC236}">
+                <a16:creationId xmlns:a16="http://schemas.microsoft.com/office/drawing/2014/main" id="{410D00D3-6540-4538-B378-3EB37243C881}"/>
+              </a:ext>
+            </a:extLst>
+          </p:cNvPr>
+          <p:cNvPicPr>
+            <a:picLocks noChangeAspect="1"/>
+          </p:cNvPicPr>
+          <p:nvPr/>
+        </p:nvPicPr>
+        <p:blipFill rotWithShape="1">
+          <a:blip r:embed="rId2">
+            <a:extLst>
+              <a:ext uri="{28A0092B-C50C-407E-A947-70E740481C1C}">
+                <a14:useLocalDpi xmlns:a14="http://schemas.microsoft.com/office/drawing/2010/main" val="0"/>
+              </a:ext>
+            </a:extLst>
+          </a:blip>
+          <a:srcRect l="26432" t="31715" r="23471" b="27320"/>
+          <a:stretch/>
+        </p:blipFill>
+        <p:spPr>
+          <a:xfrm>
+            <a:off x="3020257" y="4332307"/>
+            <a:ext cx="5099803" cy="2345690"/>
+          </a:xfrm>
+          <a:prstGeom prst="rect">
+            <a:avLst/>
+          </a:prstGeom>
+        </p:spPr>
+      </p:pic>
     </p:spTree>
     <p:extLst>
       <p:ext uri="{BB962C8B-B14F-4D97-AF65-F5344CB8AC3E}">
@@ -28256,8 +28781,1347 @@
 </p:sld>
 </file>
 
-<file path=ppt/slides/slide45.xml><?xml version="1.0" encoding="utf-8"?>
+<file path=ppt/slides/slide46.xml><?xml version="1.0" encoding="utf-8"?>
 <p:sld xmlns:a="http://schemas.openxmlformats.org/drawingml/2006/main" xmlns:r="http://schemas.openxmlformats.org/officeDocument/2006/relationships" xmlns:p="http://schemas.openxmlformats.org/presentationml/2006/main">
+  <p:cSld>
+    <p:spTree>
+      <p:nvGrpSpPr>
+        <p:cNvPr id="1" name=""/>
+        <p:cNvGrpSpPr/>
+        <p:nvPr/>
+      </p:nvGrpSpPr>
+      <p:grpSpPr>
+        <a:xfrm>
+          <a:off x="0" y="0"/>
+          <a:ext cx="0" cy="0"/>
+          <a:chOff x="0" y="0"/>
+          <a:chExt cx="0" cy="0"/>
+        </a:xfrm>
+      </p:grpSpPr>
+      <p:sp>
+        <p:nvSpPr>
+          <p:cNvPr id="2" name="标题 1">
+            <a:extLst>
+              <a:ext uri="{FF2B5EF4-FFF2-40B4-BE49-F238E27FC236}">
+                <a16:creationId xmlns:a16="http://schemas.microsoft.com/office/drawing/2014/main" id="{F862FC22-B807-4FD9-8F7C-93EA3EC63330}"/>
+              </a:ext>
+            </a:extLst>
+          </p:cNvPr>
+          <p:cNvSpPr>
+            <a:spLocks noGrp="1"/>
+          </p:cNvSpPr>
+          <p:nvPr>
+            <p:ph type="title"/>
+          </p:nvPr>
+        </p:nvSpPr>
+        <p:spPr/>
+        <p:txBody>
+          <a:bodyPr/>
+          <a:lstStyle/>
+          <a:p>
+            <a:r>
+              <a:rPr lang="zh-CN" altLang="en-US" dirty="0"/>
+              <a:t>安装</a:t>
+            </a:r>
+            <a:r>
+              <a:rPr lang="en-US" altLang="zh-CN" dirty="0"/>
+              <a:t>rook-</a:t>
+            </a:r>
+            <a:r>
+              <a:rPr lang="en-US" altLang="zh-CN" dirty="0" err="1"/>
+              <a:t>ceph</a:t>
+            </a:r>
+            <a:endParaRPr lang="zh-CN" altLang="en-US" dirty="0"/>
+          </a:p>
+        </p:txBody>
+      </p:sp>
+      <p:sp>
+        <p:nvSpPr>
+          <p:cNvPr id="5" name="矩形 4">
+            <a:extLst>
+              <a:ext uri="{FF2B5EF4-FFF2-40B4-BE49-F238E27FC236}">
+                <a16:creationId xmlns:a16="http://schemas.microsoft.com/office/drawing/2014/main" id="{2B695B11-EA8B-42E1-959C-880614D8BAA3}"/>
+              </a:ext>
+            </a:extLst>
+          </p:cNvPr>
+          <p:cNvSpPr/>
+          <p:nvPr/>
+        </p:nvSpPr>
+        <p:spPr>
+          <a:xfrm>
+            <a:off x="1337569" y="1891662"/>
+            <a:ext cx="9712170" cy="646331"/>
+          </a:xfrm>
+          <a:prstGeom prst="rect">
+            <a:avLst/>
+          </a:prstGeom>
+          <a:solidFill>
+            <a:schemeClr val="tx1"/>
+          </a:solidFill>
+        </p:spPr>
+        <p:style>
+          <a:lnRef idx="2">
+            <a:schemeClr val="accent6"/>
+          </a:lnRef>
+          <a:fillRef idx="1">
+            <a:schemeClr val="lt1"/>
+          </a:fillRef>
+          <a:effectRef idx="0">
+            <a:schemeClr val="accent6"/>
+          </a:effectRef>
+          <a:fontRef idx="minor">
+            <a:schemeClr val="dk1"/>
+          </a:fontRef>
+        </p:style>
+        <p:txBody>
+          <a:bodyPr wrap="square">
+            <a:spAutoFit/>
+          </a:bodyPr>
+          <a:lstStyle/>
+          <a:p>
+            <a:pPr lvl="0" eaLnBrk="0" fontAlgn="base" hangingPunct="0">
+              <a:spcBef>
+                <a:spcPct val="0"/>
+              </a:spcBef>
+              <a:spcAft>
+                <a:spcPct val="0"/>
+              </a:spcAft>
+            </a:pPr>
+            <a:r>
+              <a:rPr lang="zh-CN" altLang="zh-CN" dirty="0">
+                <a:solidFill>
+                  <a:srgbClr val="92D050"/>
+                </a:solidFill>
+                <a:latin typeface="+mn-ea"/>
+              </a:rPr>
+              <a:t>sudo kubectl apply -f rook-ceph-operator.yaml </a:t>
+            </a:r>
+            <a:endParaRPr lang="en-US" altLang="zh-CN" dirty="0">
+              <a:solidFill>
+                <a:srgbClr val="92D050"/>
+              </a:solidFill>
+              <a:latin typeface="+mn-ea"/>
+            </a:endParaRPr>
+          </a:p>
+          <a:p>
+            <a:pPr lvl="0" eaLnBrk="0" fontAlgn="base" hangingPunct="0">
+              <a:spcBef>
+                <a:spcPct val="0"/>
+              </a:spcBef>
+              <a:spcAft>
+                <a:spcPct val="0"/>
+              </a:spcAft>
+            </a:pPr>
+            <a:r>
+              <a:rPr lang="zh-CN" altLang="zh-CN" dirty="0">
+                <a:solidFill>
+                  <a:srgbClr val="92D050"/>
+                </a:solidFill>
+                <a:latin typeface="+mn-ea"/>
+              </a:rPr>
+              <a:t>sudo kubectl apply -f rook-ceph-cluster.yaml</a:t>
+            </a:r>
+            <a:r>
+              <a:rPr lang="zh-CN" altLang="zh-CN" sz="1600" dirty="0">
+                <a:solidFill>
+                  <a:srgbClr val="92D050"/>
+                </a:solidFill>
+                <a:latin typeface="+mn-ea"/>
+              </a:rPr>
+              <a:t> </a:t>
+            </a:r>
+            <a:endParaRPr lang="zh-CN" altLang="zh-CN" sz="4400" dirty="0">
+              <a:solidFill>
+                <a:srgbClr val="92D050"/>
+              </a:solidFill>
+              <a:latin typeface="+mn-ea"/>
+            </a:endParaRPr>
+          </a:p>
+        </p:txBody>
+      </p:sp>
+      <p:sp>
+        <p:nvSpPr>
+          <p:cNvPr id="9" name="矩形 8">
+            <a:extLst>
+              <a:ext uri="{FF2B5EF4-FFF2-40B4-BE49-F238E27FC236}">
+                <a16:creationId xmlns:a16="http://schemas.microsoft.com/office/drawing/2014/main" id="{E0E1F1AF-982F-4295-BA54-0A9CEAB56BFF}"/>
+              </a:ext>
+            </a:extLst>
+          </p:cNvPr>
+          <p:cNvSpPr/>
+          <p:nvPr/>
+        </p:nvSpPr>
+        <p:spPr>
+          <a:xfrm>
+            <a:off x="1337569" y="3243902"/>
+            <a:ext cx="9712170" cy="369332"/>
+          </a:xfrm>
+          <a:prstGeom prst="rect">
+            <a:avLst/>
+          </a:prstGeom>
+          <a:solidFill>
+            <a:schemeClr val="tx1"/>
+          </a:solidFill>
+        </p:spPr>
+        <p:style>
+          <a:lnRef idx="2">
+            <a:schemeClr val="accent6"/>
+          </a:lnRef>
+          <a:fillRef idx="1">
+            <a:schemeClr val="lt1"/>
+          </a:fillRef>
+          <a:effectRef idx="0">
+            <a:schemeClr val="accent6"/>
+          </a:effectRef>
+          <a:fontRef idx="minor">
+            <a:schemeClr val="dk1"/>
+          </a:fontRef>
+        </p:style>
+        <p:txBody>
+          <a:bodyPr wrap="square">
+            <a:spAutoFit/>
+          </a:bodyPr>
+          <a:lstStyle/>
+          <a:p>
+            <a:pPr lvl="0" eaLnBrk="0" fontAlgn="base" hangingPunct="0">
+              <a:spcBef>
+                <a:spcPct val="0"/>
+              </a:spcBef>
+              <a:spcAft>
+                <a:spcPct val="0"/>
+              </a:spcAft>
+            </a:pPr>
+            <a:r>
+              <a:rPr lang="zh-CN" altLang="zh-CN" dirty="0">
+                <a:solidFill>
+                  <a:srgbClr val="92D050"/>
+                </a:solidFill>
+                <a:latin typeface="+mn-ea"/>
+              </a:rPr>
+              <a:t>sudo kubectl apply -f rook-dashboard-external-https.yaml </a:t>
+            </a:r>
+            <a:endParaRPr lang="zh-CN" altLang="zh-CN" sz="4400" dirty="0">
+              <a:solidFill>
+                <a:srgbClr val="92D050"/>
+              </a:solidFill>
+              <a:latin typeface="+mn-ea"/>
+            </a:endParaRPr>
+          </a:p>
+        </p:txBody>
+      </p:sp>
+      <p:sp>
+        <p:nvSpPr>
+          <p:cNvPr id="10" name="矩形 9">
+            <a:extLst>
+              <a:ext uri="{FF2B5EF4-FFF2-40B4-BE49-F238E27FC236}">
+                <a16:creationId xmlns:a16="http://schemas.microsoft.com/office/drawing/2014/main" id="{74988FBE-2837-4BE5-81BF-20EDC4CB5319}"/>
+              </a:ext>
+            </a:extLst>
+          </p:cNvPr>
+          <p:cNvSpPr/>
+          <p:nvPr/>
+        </p:nvSpPr>
+        <p:spPr>
+          <a:xfrm>
+            <a:off x="1063841" y="2738967"/>
+            <a:ext cx="2823209" cy="369332"/>
+          </a:xfrm>
+          <a:prstGeom prst="rect">
+            <a:avLst/>
+          </a:prstGeom>
+        </p:spPr>
+        <p:txBody>
+          <a:bodyPr wrap="none">
+            <a:spAutoFit/>
+          </a:bodyPr>
+          <a:lstStyle/>
+          <a:p>
+            <a:r>
+              <a:rPr lang="zh-CN" altLang="en-US" dirty="0"/>
+              <a:t>部署</a:t>
+            </a:r>
+            <a:r>
+              <a:rPr lang="en-US" altLang="zh-CN" dirty="0"/>
+              <a:t>rook-</a:t>
+            </a:r>
+            <a:r>
+              <a:rPr lang="en-US" altLang="zh-CN" dirty="0" err="1"/>
+              <a:t>ceph</a:t>
+            </a:r>
+            <a:r>
+              <a:rPr lang="en-US" altLang="zh-CN" dirty="0"/>
+              <a:t> dashboard</a:t>
+            </a:r>
+            <a:endParaRPr lang="zh-CN" altLang="en-US" dirty="0"/>
+          </a:p>
+        </p:txBody>
+      </p:sp>
+      <p:sp>
+        <p:nvSpPr>
+          <p:cNvPr id="6" name="矩形 5">
+            <a:extLst>
+              <a:ext uri="{FF2B5EF4-FFF2-40B4-BE49-F238E27FC236}">
+                <a16:creationId xmlns:a16="http://schemas.microsoft.com/office/drawing/2014/main" id="{F8EAEA47-1688-410E-90CE-8BC2C1E0A102}"/>
+              </a:ext>
+            </a:extLst>
+          </p:cNvPr>
+          <p:cNvSpPr/>
+          <p:nvPr/>
+        </p:nvSpPr>
+        <p:spPr>
+          <a:xfrm>
+            <a:off x="1063841" y="1479060"/>
+            <a:ext cx="3936590" cy="369332"/>
+          </a:xfrm>
+          <a:prstGeom prst="rect">
+            <a:avLst/>
+          </a:prstGeom>
+        </p:spPr>
+        <p:txBody>
+          <a:bodyPr wrap="none">
+            <a:spAutoFit/>
+          </a:bodyPr>
+          <a:lstStyle/>
+          <a:p>
+            <a:r>
+              <a:rPr lang="zh-CN" altLang="en-US" dirty="0">
+                <a:solidFill>
+                  <a:srgbClr val="24292E"/>
+                </a:solidFill>
+                <a:latin typeface="-apple-system"/>
+              </a:rPr>
+              <a:t>确认所有节点</a:t>
+            </a:r>
+            <a:r>
+              <a:rPr lang="en-US" altLang="zh-CN" dirty="0">
+                <a:solidFill>
+                  <a:srgbClr val="24292E"/>
+                </a:solidFill>
+                <a:latin typeface="-apple-system"/>
+              </a:rPr>
+              <a:t>/var/lib/rook</a:t>
+            </a:r>
+            <a:r>
+              <a:rPr lang="zh-CN" altLang="en-US" dirty="0">
+                <a:solidFill>
+                  <a:srgbClr val="24292E"/>
+                </a:solidFill>
+                <a:latin typeface="-apple-system"/>
+              </a:rPr>
+              <a:t>文件夹为空</a:t>
+            </a:r>
+            <a:endParaRPr lang="zh-CN" altLang="en-US" dirty="0"/>
+          </a:p>
+        </p:txBody>
+      </p:sp>
+      <p:sp>
+        <p:nvSpPr>
+          <p:cNvPr id="11" name="矩形 10">
+            <a:extLst>
+              <a:ext uri="{FF2B5EF4-FFF2-40B4-BE49-F238E27FC236}">
+                <a16:creationId xmlns:a16="http://schemas.microsoft.com/office/drawing/2014/main" id="{6C61AE05-50C7-40F0-B794-21375E12B33A}"/>
+              </a:ext>
+            </a:extLst>
+          </p:cNvPr>
+          <p:cNvSpPr/>
+          <p:nvPr/>
+        </p:nvSpPr>
+        <p:spPr>
+          <a:xfrm>
+            <a:off x="1401192" y="4213048"/>
+            <a:ext cx="9712170" cy="369332"/>
+          </a:xfrm>
+          <a:prstGeom prst="rect">
+            <a:avLst/>
+          </a:prstGeom>
+          <a:solidFill>
+            <a:schemeClr val="tx1"/>
+          </a:solidFill>
+        </p:spPr>
+        <p:style>
+          <a:lnRef idx="2">
+            <a:schemeClr val="accent6"/>
+          </a:lnRef>
+          <a:fillRef idx="1">
+            <a:schemeClr val="lt1"/>
+          </a:fillRef>
+          <a:effectRef idx="0">
+            <a:schemeClr val="accent6"/>
+          </a:effectRef>
+          <a:fontRef idx="minor">
+            <a:schemeClr val="dk1"/>
+          </a:fontRef>
+        </p:style>
+        <p:txBody>
+          <a:bodyPr wrap="square">
+            <a:spAutoFit/>
+          </a:bodyPr>
+          <a:lstStyle/>
+          <a:p>
+            <a:pPr lvl="0" eaLnBrk="0" fontAlgn="base" hangingPunct="0">
+              <a:spcBef>
+                <a:spcPct val="0"/>
+              </a:spcBef>
+              <a:spcAft>
+                <a:spcPct val="0"/>
+              </a:spcAft>
+            </a:pPr>
+            <a:r>
+              <a:rPr lang="zh-CN" altLang="zh-CN" dirty="0">
+                <a:solidFill>
+                  <a:srgbClr val="92D050"/>
+                </a:solidFill>
+                <a:latin typeface="+mn-ea"/>
+              </a:rPr>
+              <a:t>sudo kubectl -n rook-ceph get service </a:t>
+            </a:r>
+            <a:endParaRPr lang="zh-CN" altLang="zh-CN" sz="4400" dirty="0">
+              <a:solidFill>
+                <a:srgbClr val="92D050"/>
+              </a:solidFill>
+              <a:latin typeface="+mn-ea"/>
+            </a:endParaRPr>
+          </a:p>
+        </p:txBody>
+      </p:sp>
+      <p:sp>
+        <p:nvSpPr>
+          <p:cNvPr id="12" name="矩形 11">
+            <a:extLst>
+              <a:ext uri="{FF2B5EF4-FFF2-40B4-BE49-F238E27FC236}">
+                <a16:creationId xmlns:a16="http://schemas.microsoft.com/office/drawing/2014/main" id="{E58E0E66-DE23-4B3B-8277-89E1DFB53C20}"/>
+              </a:ext>
+            </a:extLst>
+          </p:cNvPr>
+          <p:cNvSpPr/>
+          <p:nvPr/>
+        </p:nvSpPr>
+        <p:spPr>
+          <a:xfrm>
+            <a:off x="1063840" y="3641299"/>
+            <a:ext cx="2632452" cy="369332"/>
+          </a:xfrm>
+          <a:prstGeom prst="rect">
+            <a:avLst/>
+          </a:prstGeom>
+        </p:spPr>
+        <p:txBody>
+          <a:bodyPr wrap="none">
+            <a:spAutoFit/>
+          </a:bodyPr>
+          <a:lstStyle/>
+          <a:p>
+            <a:r>
+              <a:rPr lang="zh-CN" altLang="en-US" dirty="0"/>
+              <a:t>查看访问</a:t>
+            </a:r>
+            <a:r>
+              <a:rPr lang="en-US" altLang="zh-CN" dirty="0"/>
+              <a:t>dashboard</a:t>
+            </a:r>
+            <a:r>
+              <a:rPr lang="zh-CN" altLang="en-US" dirty="0"/>
+              <a:t>端口</a:t>
+            </a:r>
+          </a:p>
+        </p:txBody>
+      </p:sp>
+      <p:sp>
+        <p:nvSpPr>
+          <p:cNvPr id="13" name="矩形 12">
+            <a:extLst>
+              <a:ext uri="{FF2B5EF4-FFF2-40B4-BE49-F238E27FC236}">
+                <a16:creationId xmlns:a16="http://schemas.microsoft.com/office/drawing/2014/main" id="{5504C932-ED3A-43C9-8E46-5D4141858743}"/>
+              </a:ext>
+            </a:extLst>
+          </p:cNvPr>
+          <p:cNvSpPr/>
+          <p:nvPr/>
+        </p:nvSpPr>
+        <p:spPr>
+          <a:xfrm>
+            <a:off x="1063840" y="4812862"/>
+            <a:ext cx="6301725" cy="369332"/>
+          </a:xfrm>
+          <a:prstGeom prst="rect">
+            <a:avLst/>
+          </a:prstGeom>
+        </p:spPr>
+        <p:txBody>
+          <a:bodyPr wrap="none">
+            <a:spAutoFit/>
+          </a:bodyPr>
+          <a:lstStyle/>
+          <a:p>
+            <a:r>
+              <a:rPr lang="zh-CN" altLang="en-US" dirty="0"/>
+              <a:t>登录 </a:t>
+            </a:r>
+            <a:r>
+              <a:rPr lang="en-US" altLang="zh-CN" dirty="0">
+                <a:hlinkClick r:id="rId2"/>
+              </a:rPr>
+              <a:t>https://</a:t>
+            </a:r>
+            <a:r>
+              <a:rPr lang="zh-CN" altLang="en-US" dirty="0">
+                <a:hlinkClick r:id="rId2"/>
+              </a:rPr>
+              <a:t>节点主机</a:t>
+            </a:r>
+            <a:r>
+              <a:rPr lang="en-US" altLang="zh-CN" dirty="0">
+                <a:hlinkClick r:id="rId2"/>
+              </a:rPr>
+              <a:t>IP:</a:t>
+            </a:r>
+            <a:r>
+              <a:rPr lang="zh-CN" altLang="en-US" dirty="0">
+                <a:hlinkClick r:id="rId2"/>
+              </a:rPr>
+              <a:t>查询到端口</a:t>
+            </a:r>
+            <a:r>
+              <a:rPr lang="zh-CN" altLang="en-US" dirty="0"/>
+              <a:t> 获取</a:t>
+            </a:r>
+            <a:r>
+              <a:rPr lang="en-US" altLang="zh-CN" dirty="0"/>
+              <a:t>Rook-</a:t>
+            </a:r>
+            <a:r>
+              <a:rPr lang="en-US" altLang="zh-CN" dirty="0" err="1"/>
+              <a:t>ceph</a:t>
+            </a:r>
+            <a:r>
+              <a:rPr lang="zh-CN" altLang="en-US" dirty="0"/>
+              <a:t>帐号密码</a:t>
+            </a:r>
+          </a:p>
+        </p:txBody>
+      </p:sp>
+      <p:sp>
+        <p:nvSpPr>
+          <p:cNvPr id="14" name="矩形 13">
+            <a:extLst>
+              <a:ext uri="{FF2B5EF4-FFF2-40B4-BE49-F238E27FC236}">
+                <a16:creationId xmlns:a16="http://schemas.microsoft.com/office/drawing/2014/main" id="{84BAAB48-171B-4811-BAE0-13A194B0535A}"/>
+              </a:ext>
+            </a:extLst>
+          </p:cNvPr>
+          <p:cNvSpPr/>
+          <p:nvPr/>
+        </p:nvSpPr>
+        <p:spPr>
+          <a:xfrm>
+            <a:off x="1401192" y="5463505"/>
+            <a:ext cx="9712170" cy="646331"/>
+          </a:xfrm>
+          <a:prstGeom prst="rect">
+            <a:avLst/>
+          </a:prstGeom>
+          <a:solidFill>
+            <a:schemeClr val="tx1"/>
+          </a:solidFill>
+        </p:spPr>
+        <p:style>
+          <a:lnRef idx="2">
+            <a:schemeClr val="accent6"/>
+          </a:lnRef>
+          <a:fillRef idx="1">
+            <a:schemeClr val="lt1"/>
+          </a:fillRef>
+          <a:effectRef idx="0">
+            <a:schemeClr val="accent6"/>
+          </a:effectRef>
+          <a:fontRef idx="minor">
+            <a:schemeClr val="dk1"/>
+          </a:fontRef>
+        </p:style>
+        <p:txBody>
+          <a:bodyPr wrap="square">
+            <a:spAutoFit/>
+          </a:bodyPr>
+          <a:lstStyle/>
+          <a:p>
+            <a:pPr lvl="0" eaLnBrk="0" fontAlgn="base" hangingPunct="0">
+              <a:spcBef>
+                <a:spcPct val="0"/>
+              </a:spcBef>
+              <a:spcAft>
+                <a:spcPct val="0"/>
+              </a:spcAft>
+            </a:pPr>
+            <a:r>
+              <a:rPr lang="zh-CN" altLang="zh-CN" dirty="0">
+                <a:solidFill>
+                  <a:srgbClr val="92D050"/>
+                </a:solidFill>
+                <a:latin typeface="+mn-ea"/>
+              </a:rPr>
+              <a:t>MGR_POD=`kubectl get pod -n rook-ceph | grep mgr | awk '{print $1}</a:t>
+            </a:r>
+            <a:r>
+              <a:rPr lang="zh-CN" altLang="en-US" dirty="0">
+                <a:solidFill>
+                  <a:srgbClr val="92D050"/>
+                </a:solidFill>
+                <a:latin typeface="+mn-ea"/>
+              </a:rPr>
+              <a:t>’</a:t>
+            </a:r>
+            <a:r>
+              <a:rPr lang="zh-CN" altLang="zh-CN" dirty="0">
+                <a:solidFill>
+                  <a:srgbClr val="92D050"/>
+                </a:solidFill>
+                <a:latin typeface="+mn-ea"/>
+              </a:rPr>
+              <a:t>` </a:t>
+            </a:r>
+            <a:endParaRPr lang="en-US" altLang="zh-CN" dirty="0">
+              <a:solidFill>
+                <a:srgbClr val="92D050"/>
+              </a:solidFill>
+              <a:latin typeface="+mn-ea"/>
+            </a:endParaRPr>
+          </a:p>
+          <a:p>
+            <a:pPr lvl="0" eaLnBrk="0" fontAlgn="base" hangingPunct="0">
+              <a:spcBef>
+                <a:spcPct val="0"/>
+              </a:spcBef>
+              <a:spcAft>
+                <a:spcPct val="0"/>
+              </a:spcAft>
+            </a:pPr>
+            <a:r>
+              <a:rPr lang="zh-CN" altLang="zh-CN" dirty="0">
+                <a:solidFill>
+                  <a:srgbClr val="92D050"/>
+                </a:solidFill>
+                <a:latin typeface="+mn-ea"/>
+              </a:rPr>
+              <a:t>sudo kubectl -n rook-ceph logs $MGR_POD | grep password </a:t>
+            </a:r>
+            <a:endParaRPr lang="zh-CN" altLang="zh-CN" sz="4400" dirty="0">
+              <a:solidFill>
+                <a:srgbClr val="92D050"/>
+              </a:solidFill>
+              <a:latin typeface="+mn-ea"/>
+            </a:endParaRPr>
+          </a:p>
+        </p:txBody>
+      </p:sp>
+    </p:spTree>
+    <p:extLst>
+      <p:ext uri="{BB962C8B-B14F-4D97-AF65-F5344CB8AC3E}">
+        <p14:creationId xmlns:p14="http://schemas.microsoft.com/office/powerpoint/2010/main" val="1095286935"/>
+      </p:ext>
+    </p:extLst>
+  </p:cSld>
+  <p:clrMapOvr>
+    <a:masterClrMapping/>
+  </p:clrMapOvr>
+</p:sld>
+</file>
+
+<file path=ppt/slides/slide47.xml><?xml version="1.0" encoding="utf-8"?>
+<p:sld xmlns:a="http://schemas.openxmlformats.org/drawingml/2006/main" xmlns:r="http://schemas.openxmlformats.org/officeDocument/2006/relationships" xmlns:p="http://schemas.openxmlformats.org/presentationml/2006/main">
+  <p:cSld>
+    <p:spTree>
+      <p:nvGrpSpPr>
+        <p:cNvPr id="1" name=""/>
+        <p:cNvGrpSpPr/>
+        <p:nvPr/>
+      </p:nvGrpSpPr>
+      <p:grpSpPr>
+        <a:xfrm>
+          <a:off x="0" y="0"/>
+          <a:ext cx="0" cy="0"/>
+          <a:chOff x="0" y="0"/>
+          <a:chExt cx="0" cy="0"/>
+        </a:xfrm>
+      </p:grpSpPr>
+      <p:sp>
+        <p:nvSpPr>
+          <p:cNvPr id="2" name="标题 1">
+            <a:extLst>
+              <a:ext uri="{FF2B5EF4-FFF2-40B4-BE49-F238E27FC236}">
+                <a16:creationId xmlns:a16="http://schemas.microsoft.com/office/drawing/2014/main" id="{F862FC22-B807-4FD9-8F7C-93EA3EC63330}"/>
+              </a:ext>
+            </a:extLst>
+          </p:cNvPr>
+          <p:cNvSpPr>
+            <a:spLocks noGrp="1"/>
+          </p:cNvSpPr>
+          <p:nvPr>
+            <p:ph type="title"/>
+          </p:nvPr>
+        </p:nvSpPr>
+        <p:spPr/>
+        <p:txBody>
+          <a:bodyPr/>
+          <a:lstStyle/>
+          <a:p>
+            <a:r>
+              <a:rPr lang="zh-CN" altLang="en-US" dirty="0"/>
+              <a:t>访问</a:t>
+            </a:r>
+            <a:r>
+              <a:rPr lang="en-US" altLang="zh-CN" dirty="0"/>
+              <a:t>rook-</a:t>
+            </a:r>
+            <a:r>
+              <a:rPr lang="en-US" altLang="zh-CN" dirty="0" err="1"/>
+              <a:t>ceph</a:t>
+            </a:r>
+            <a:endParaRPr lang="zh-CN" altLang="en-US" dirty="0"/>
+          </a:p>
+        </p:txBody>
+      </p:sp>
+      <p:sp>
+        <p:nvSpPr>
+          <p:cNvPr id="13" name="矩形 12">
+            <a:extLst>
+              <a:ext uri="{FF2B5EF4-FFF2-40B4-BE49-F238E27FC236}">
+                <a16:creationId xmlns:a16="http://schemas.microsoft.com/office/drawing/2014/main" id="{5504C932-ED3A-43C9-8E46-5D4141858743}"/>
+              </a:ext>
+            </a:extLst>
+          </p:cNvPr>
+          <p:cNvSpPr/>
+          <p:nvPr/>
+        </p:nvSpPr>
+        <p:spPr>
+          <a:xfrm>
+            <a:off x="838200" y="1465981"/>
+            <a:ext cx="7152920" cy="369332"/>
+          </a:xfrm>
+          <a:prstGeom prst="rect">
+            <a:avLst/>
+          </a:prstGeom>
+        </p:spPr>
+        <p:txBody>
+          <a:bodyPr wrap="none">
+            <a:spAutoFit/>
+          </a:bodyPr>
+          <a:lstStyle/>
+          <a:p>
+            <a:r>
+              <a:rPr lang="zh-CN" altLang="en-US" dirty="0"/>
+              <a:t>登录 </a:t>
+            </a:r>
+            <a:r>
+              <a:rPr lang="en-US" altLang="zh-CN" dirty="0">
+                <a:hlinkClick r:id="rId2"/>
+              </a:rPr>
+              <a:t>https://</a:t>
+            </a:r>
+            <a:r>
+              <a:rPr lang="zh-CN" altLang="en-US" dirty="0">
+                <a:hlinkClick r:id="rId2"/>
+              </a:rPr>
+              <a:t>节点主机</a:t>
+            </a:r>
+            <a:r>
+              <a:rPr lang="en-US" altLang="zh-CN" dirty="0">
+                <a:hlinkClick r:id="rId2"/>
+              </a:rPr>
+              <a:t>IP:</a:t>
+            </a:r>
+            <a:r>
+              <a:rPr lang="zh-CN" altLang="en-US" dirty="0">
+                <a:hlinkClick r:id="rId2"/>
+              </a:rPr>
+              <a:t>查询到端口</a:t>
+            </a:r>
+            <a:r>
+              <a:rPr lang="zh-CN" altLang="en-US" dirty="0"/>
+              <a:t> 获取</a:t>
+            </a:r>
+            <a:r>
+              <a:rPr lang="en-US" altLang="zh-CN" dirty="0"/>
+              <a:t>Rook-</a:t>
+            </a:r>
+            <a:r>
+              <a:rPr lang="en-US" altLang="zh-CN" dirty="0" err="1"/>
+              <a:t>ceph</a:t>
+            </a:r>
+            <a:r>
+              <a:rPr lang="zh-CN" altLang="en-US" dirty="0"/>
+              <a:t>帐号</a:t>
+            </a:r>
+            <a:r>
+              <a:rPr lang="en-US" altLang="zh-CN" dirty="0"/>
+              <a:t>admin</a:t>
+            </a:r>
+            <a:r>
+              <a:rPr lang="zh-CN" altLang="en-US" dirty="0"/>
+              <a:t>和密码</a:t>
+            </a:r>
+          </a:p>
+        </p:txBody>
+      </p:sp>
+      <p:sp>
+        <p:nvSpPr>
+          <p:cNvPr id="14" name="矩形 13">
+            <a:extLst>
+              <a:ext uri="{FF2B5EF4-FFF2-40B4-BE49-F238E27FC236}">
+                <a16:creationId xmlns:a16="http://schemas.microsoft.com/office/drawing/2014/main" id="{84BAAB48-171B-4811-BAE0-13A194B0535A}"/>
+              </a:ext>
+            </a:extLst>
+          </p:cNvPr>
+          <p:cNvSpPr/>
+          <p:nvPr/>
+        </p:nvSpPr>
+        <p:spPr>
+          <a:xfrm>
+            <a:off x="1148919" y="1971999"/>
+            <a:ext cx="9712170" cy="646331"/>
+          </a:xfrm>
+          <a:prstGeom prst="rect">
+            <a:avLst/>
+          </a:prstGeom>
+          <a:solidFill>
+            <a:schemeClr val="tx1"/>
+          </a:solidFill>
+        </p:spPr>
+        <p:style>
+          <a:lnRef idx="2">
+            <a:schemeClr val="accent6"/>
+          </a:lnRef>
+          <a:fillRef idx="1">
+            <a:schemeClr val="lt1"/>
+          </a:fillRef>
+          <a:effectRef idx="0">
+            <a:schemeClr val="accent6"/>
+          </a:effectRef>
+          <a:fontRef idx="minor">
+            <a:schemeClr val="dk1"/>
+          </a:fontRef>
+        </p:style>
+        <p:txBody>
+          <a:bodyPr wrap="square">
+            <a:spAutoFit/>
+          </a:bodyPr>
+          <a:lstStyle/>
+          <a:p>
+            <a:pPr lvl="0" eaLnBrk="0" fontAlgn="base" hangingPunct="0">
+              <a:spcBef>
+                <a:spcPct val="0"/>
+              </a:spcBef>
+              <a:spcAft>
+                <a:spcPct val="0"/>
+              </a:spcAft>
+            </a:pPr>
+            <a:r>
+              <a:rPr lang="zh-CN" altLang="zh-CN" dirty="0">
+                <a:solidFill>
+                  <a:srgbClr val="92D050"/>
+                </a:solidFill>
+                <a:latin typeface="+mn-ea"/>
+              </a:rPr>
+              <a:t>MGR_POD=`kubectl get pod -n rook-ceph | grep mgr | awk '{print $1}</a:t>
+            </a:r>
+            <a:r>
+              <a:rPr lang="zh-CN" altLang="en-US" dirty="0">
+                <a:solidFill>
+                  <a:srgbClr val="92D050"/>
+                </a:solidFill>
+                <a:latin typeface="+mn-ea"/>
+              </a:rPr>
+              <a:t>’</a:t>
+            </a:r>
+            <a:r>
+              <a:rPr lang="zh-CN" altLang="zh-CN" dirty="0">
+                <a:solidFill>
+                  <a:srgbClr val="92D050"/>
+                </a:solidFill>
+                <a:latin typeface="+mn-ea"/>
+              </a:rPr>
+              <a:t>` </a:t>
+            </a:r>
+            <a:endParaRPr lang="en-US" altLang="zh-CN" dirty="0">
+              <a:solidFill>
+                <a:srgbClr val="92D050"/>
+              </a:solidFill>
+              <a:latin typeface="+mn-ea"/>
+            </a:endParaRPr>
+          </a:p>
+          <a:p>
+            <a:pPr lvl="0" eaLnBrk="0" fontAlgn="base" hangingPunct="0">
+              <a:spcBef>
+                <a:spcPct val="0"/>
+              </a:spcBef>
+              <a:spcAft>
+                <a:spcPct val="0"/>
+              </a:spcAft>
+            </a:pPr>
+            <a:r>
+              <a:rPr lang="zh-CN" altLang="zh-CN" dirty="0">
+                <a:solidFill>
+                  <a:srgbClr val="92D050"/>
+                </a:solidFill>
+                <a:latin typeface="+mn-ea"/>
+              </a:rPr>
+              <a:t>sudo kubectl -n rook-ceph logs $MGR_POD | grep password </a:t>
+            </a:r>
+            <a:endParaRPr lang="zh-CN" altLang="zh-CN" sz="4400" dirty="0">
+              <a:solidFill>
+                <a:srgbClr val="92D050"/>
+              </a:solidFill>
+              <a:latin typeface="+mn-ea"/>
+            </a:endParaRPr>
+          </a:p>
+        </p:txBody>
+      </p:sp>
+      <p:pic>
+        <p:nvPicPr>
+          <p:cNvPr id="8" name="图片 7" descr="图片包含 屏幕截图, 监视器, 室内, 计算机&#10;&#10;描述已自动生成">
+            <a:extLst>
+              <a:ext uri="{FF2B5EF4-FFF2-40B4-BE49-F238E27FC236}">
+                <a16:creationId xmlns:a16="http://schemas.microsoft.com/office/drawing/2014/main" id="{A1A74B41-6826-46A7-A60E-8824F20E4D63}"/>
+              </a:ext>
+            </a:extLst>
+          </p:cNvPr>
+          <p:cNvPicPr>
+            <a:picLocks noChangeAspect="1"/>
+          </p:cNvPicPr>
+          <p:nvPr/>
+        </p:nvPicPr>
+        <p:blipFill rotWithShape="1">
+          <a:blip r:embed="rId3">
+            <a:extLst>
+              <a:ext uri="{28A0092B-C50C-407E-A947-70E740481C1C}">
+                <a14:useLocalDpi xmlns:a14="http://schemas.microsoft.com/office/drawing/2010/main" val="0"/>
+              </a:ext>
+            </a:extLst>
+          </a:blip>
+          <a:srcRect l="3495" t="8285" r="680"/>
+          <a:stretch/>
+        </p:blipFill>
+        <p:spPr>
+          <a:xfrm>
+            <a:off x="2530135" y="2899641"/>
+            <a:ext cx="6642025" cy="3575893"/>
+          </a:xfrm>
+          <a:prstGeom prst="rect">
+            <a:avLst/>
+          </a:prstGeom>
+        </p:spPr>
+      </p:pic>
+    </p:spTree>
+    <p:extLst>
+      <p:ext uri="{BB962C8B-B14F-4D97-AF65-F5344CB8AC3E}">
+        <p14:creationId xmlns:p14="http://schemas.microsoft.com/office/powerpoint/2010/main" val="2676906384"/>
+      </p:ext>
+    </p:extLst>
+  </p:cSld>
+  <p:clrMapOvr>
+    <a:masterClrMapping/>
+  </p:clrMapOvr>
+</p:sld>
+</file>
+
+<file path=ppt/slides/slide48.xml><?xml version="1.0" encoding="utf-8"?>
+<p:sld xmlns:a="http://schemas.openxmlformats.org/drawingml/2006/main" xmlns:r="http://schemas.openxmlformats.org/officeDocument/2006/relationships" xmlns:p="http://schemas.openxmlformats.org/presentationml/2006/main">
+  <p:cSld>
+    <p:spTree>
+      <p:nvGrpSpPr>
+        <p:cNvPr id="1" name=""/>
+        <p:cNvGrpSpPr/>
+        <p:nvPr/>
+      </p:nvGrpSpPr>
+      <p:grpSpPr>
+        <a:xfrm>
+          <a:off x="0" y="0"/>
+          <a:ext cx="0" cy="0"/>
+          <a:chOff x="0" y="0"/>
+          <a:chExt cx="0" cy="0"/>
+        </a:xfrm>
+      </p:grpSpPr>
+      <p:sp>
+        <p:nvSpPr>
+          <p:cNvPr id="2" name="标题 1">
+            <a:extLst>
+              <a:ext uri="{FF2B5EF4-FFF2-40B4-BE49-F238E27FC236}">
+                <a16:creationId xmlns:a16="http://schemas.microsoft.com/office/drawing/2014/main" id="{F862FC22-B807-4FD9-8F7C-93EA3EC63330}"/>
+              </a:ext>
+            </a:extLst>
+          </p:cNvPr>
+          <p:cNvSpPr>
+            <a:spLocks noGrp="1"/>
+          </p:cNvSpPr>
+          <p:nvPr>
+            <p:ph type="title"/>
+          </p:nvPr>
+        </p:nvSpPr>
+        <p:spPr/>
+        <p:txBody>
+          <a:bodyPr/>
+          <a:lstStyle/>
+          <a:p>
+            <a:r>
+              <a:rPr lang="zh-CN" altLang="en-US" dirty="0"/>
+              <a:t>一些命令</a:t>
+            </a:r>
+          </a:p>
+        </p:txBody>
+      </p:sp>
+      <p:sp>
+        <p:nvSpPr>
+          <p:cNvPr id="5" name="矩形 4">
+            <a:extLst>
+              <a:ext uri="{FF2B5EF4-FFF2-40B4-BE49-F238E27FC236}">
+                <a16:creationId xmlns:a16="http://schemas.microsoft.com/office/drawing/2014/main" id="{2B695B11-EA8B-42E1-959C-880614D8BAA3}"/>
+              </a:ext>
+            </a:extLst>
+          </p:cNvPr>
+          <p:cNvSpPr/>
+          <p:nvPr/>
+        </p:nvSpPr>
+        <p:spPr>
+          <a:xfrm>
+            <a:off x="1337569" y="1891662"/>
+            <a:ext cx="9712170" cy="369332"/>
+          </a:xfrm>
+          <a:prstGeom prst="rect">
+            <a:avLst/>
+          </a:prstGeom>
+          <a:solidFill>
+            <a:schemeClr val="tx1"/>
+          </a:solidFill>
+        </p:spPr>
+        <p:style>
+          <a:lnRef idx="2">
+            <a:schemeClr val="accent6"/>
+          </a:lnRef>
+          <a:fillRef idx="1">
+            <a:schemeClr val="lt1"/>
+          </a:fillRef>
+          <a:effectRef idx="0">
+            <a:schemeClr val="accent6"/>
+          </a:effectRef>
+          <a:fontRef idx="minor">
+            <a:schemeClr val="dk1"/>
+          </a:fontRef>
+        </p:style>
+        <p:txBody>
+          <a:bodyPr wrap="square">
+            <a:spAutoFit/>
+          </a:bodyPr>
+          <a:lstStyle/>
+          <a:p>
+            <a:r>
+              <a:rPr lang="zh-CN" altLang="en-US" dirty="0">
+                <a:solidFill>
+                  <a:srgbClr val="92D050"/>
+                </a:solidFill>
+                <a:latin typeface="+mn-ea"/>
+              </a:rPr>
+              <a:t>sudo kubeadm reset</a:t>
+            </a:r>
+          </a:p>
+        </p:txBody>
+      </p:sp>
+      <p:sp>
+        <p:nvSpPr>
+          <p:cNvPr id="9" name="矩形 8">
+            <a:extLst>
+              <a:ext uri="{FF2B5EF4-FFF2-40B4-BE49-F238E27FC236}">
+                <a16:creationId xmlns:a16="http://schemas.microsoft.com/office/drawing/2014/main" id="{E0E1F1AF-982F-4295-BA54-0A9CEAB56BFF}"/>
+              </a:ext>
+            </a:extLst>
+          </p:cNvPr>
+          <p:cNvSpPr/>
+          <p:nvPr/>
+        </p:nvSpPr>
+        <p:spPr>
+          <a:xfrm>
+            <a:off x="1337569" y="3098592"/>
+            <a:ext cx="9712170" cy="369332"/>
+          </a:xfrm>
+          <a:prstGeom prst="rect">
+            <a:avLst/>
+          </a:prstGeom>
+          <a:solidFill>
+            <a:schemeClr val="tx1"/>
+          </a:solidFill>
+        </p:spPr>
+        <p:style>
+          <a:lnRef idx="2">
+            <a:schemeClr val="accent6"/>
+          </a:lnRef>
+          <a:fillRef idx="1">
+            <a:schemeClr val="lt1"/>
+          </a:fillRef>
+          <a:effectRef idx="0">
+            <a:schemeClr val="accent6"/>
+          </a:effectRef>
+          <a:fontRef idx="minor">
+            <a:schemeClr val="dk1"/>
+          </a:fontRef>
+        </p:style>
+        <p:txBody>
+          <a:bodyPr wrap="square">
+            <a:spAutoFit/>
+          </a:bodyPr>
+          <a:lstStyle/>
+          <a:p>
+            <a:pPr lvl="0" eaLnBrk="0" fontAlgn="base" hangingPunct="0">
+              <a:spcBef>
+                <a:spcPct val="0"/>
+              </a:spcBef>
+              <a:spcAft>
+                <a:spcPct val="0"/>
+              </a:spcAft>
+            </a:pPr>
+            <a:r>
+              <a:rPr lang="zh-CN" altLang="zh-CN" dirty="0">
+                <a:solidFill>
+                  <a:srgbClr val="92D050"/>
+                </a:solidFill>
+                <a:latin typeface="+mn-ea"/>
+              </a:rPr>
+              <a:t>sudo kubectl taint nodes --all node-role.kubernetes.io/master- </a:t>
+            </a:r>
+          </a:p>
+        </p:txBody>
+      </p:sp>
+      <p:sp>
+        <p:nvSpPr>
+          <p:cNvPr id="10" name="矩形 9">
+            <a:extLst>
+              <a:ext uri="{FF2B5EF4-FFF2-40B4-BE49-F238E27FC236}">
+                <a16:creationId xmlns:a16="http://schemas.microsoft.com/office/drawing/2014/main" id="{74988FBE-2837-4BE5-81BF-20EDC4CB5319}"/>
+              </a:ext>
+            </a:extLst>
+          </p:cNvPr>
+          <p:cNvSpPr/>
+          <p:nvPr/>
+        </p:nvSpPr>
+        <p:spPr>
+          <a:xfrm>
+            <a:off x="1142261" y="2587460"/>
+            <a:ext cx="4474302" cy="369332"/>
+          </a:xfrm>
+          <a:prstGeom prst="rect">
+            <a:avLst/>
+          </a:prstGeom>
+        </p:spPr>
+        <p:txBody>
+          <a:bodyPr wrap="none">
+            <a:spAutoFit/>
+          </a:bodyPr>
+          <a:lstStyle/>
+          <a:p>
+            <a:r>
+              <a:rPr lang="zh-CN" altLang="en-US" dirty="0">
+                <a:solidFill>
+                  <a:srgbClr val="24292E"/>
+                </a:solidFill>
+                <a:latin typeface="-apple-system"/>
+              </a:rPr>
+              <a:t>删除主节点污点，支持主节点部署应用</a:t>
+            </a:r>
+            <a:r>
+              <a:rPr lang="en-US" altLang="zh-CN" dirty="0">
+                <a:solidFill>
+                  <a:srgbClr val="24292E"/>
+                </a:solidFill>
+                <a:latin typeface="-apple-system"/>
+              </a:rPr>
+              <a:t>pod</a:t>
+            </a:r>
+            <a:endParaRPr lang="zh-CN" altLang="en-US" dirty="0"/>
+          </a:p>
+        </p:txBody>
+      </p:sp>
+      <p:sp>
+        <p:nvSpPr>
+          <p:cNvPr id="6" name="矩形 5">
+            <a:extLst>
+              <a:ext uri="{FF2B5EF4-FFF2-40B4-BE49-F238E27FC236}">
+                <a16:creationId xmlns:a16="http://schemas.microsoft.com/office/drawing/2014/main" id="{62A284ED-5A16-4D6E-87DF-962AD0954CA4}"/>
+              </a:ext>
+            </a:extLst>
+          </p:cNvPr>
+          <p:cNvSpPr/>
+          <p:nvPr/>
+        </p:nvSpPr>
+        <p:spPr>
+          <a:xfrm>
+            <a:off x="1142261" y="1522330"/>
+            <a:ext cx="1702454" cy="369332"/>
+          </a:xfrm>
+          <a:prstGeom prst="rect">
+            <a:avLst/>
+          </a:prstGeom>
+        </p:spPr>
+        <p:txBody>
+          <a:bodyPr wrap="none">
+            <a:spAutoFit/>
+          </a:bodyPr>
+          <a:lstStyle/>
+          <a:p>
+            <a:r>
+              <a:rPr lang="zh-CN" altLang="en-US" dirty="0">
+                <a:solidFill>
+                  <a:srgbClr val="24292E"/>
+                </a:solidFill>
+                <a:latin typeface="-apple-system"/>
+              </a:rPr>
+              <a:t>重置</a:t>
+            </a:r>
+            <a:r>
+              <a:rPr lang="en-US" altLang="zh-CN" dirty="0" err="1">
+                <a:solidFill>
+                  <a:srgbClr val="24292E"/>
+                </a:solidFill>
+                <a:latin typeface="-apple-system"/>
+              </a:rPr>
+              <a:t>kubernetes</a:t>
+            </a:r>
+            <a:endParaRPr lang="zh-CN" altLang="en-US" dirty="0"/>
+          </a:p>
+        </p:txBody>
+      </p:sp>
+      <p:sp>
+        <p:nvSpPr>
+          <p:cNvPr id="11" name="矩形 10">
+            <a:extLst>
+              <a:ext uri="{FF2B5EF4-FFF2-40B4-BE49-F238E27FC236}">
+                <a16:creationId xmlns:a16="http://schemas.microsoft.com/office/drawing/2014/main" id="{4BF719F3-74FA-4D75-B9FE-C6CC15AA4C23}"/>
+              </a:ext>
+            </a:extLst>
+          </p:cNvPr>
+          <p:cNvSpPr/>
+          <p:nvPr/>
+        </p:nvSpPr>
+        <p:spPr>
+          <a:xfrm>
+            <a:off x="1337569" y="4307288"/>
+            <a:ext cx="9712170" cy="923330"/>
+          </a:xfrm>
+          <a:prstGeom prst="rect">
+            <a:avLst/>
+          </a:prstGeom>
+          <a:solidFill>
+            <a:schemeClr val="tx1"/>
+          </a:solidFill>
+        </p:spPr>
+        <p:style>
+          <a:lnRef idx="2">
+            <a:schemeClr val="accent6"/>
+          </a:lnRef>
+          <a:fillRef idx="1">
+            <a:schemeClr val="lt1"/>
+          </a:fillRef>
+          <a:effectRef idx="0">
+            <a:schemeClr val="accent6"/>
+          </a:effectRef>
+          <a:fontRef idx="minor">
+            <a:schemeClr val="dk1"/>
+          </a:fontRef>
+        </p:style>
+        <p:txBody>
+          <a:bodyPr wrap="square">
+            <a:spAutoFit/>
+          </a:bodyPr>
+          <a:lstStyle/>
+          <a:p>
+            <a:pPr eaLnBrk="0" fontAlgn="base" hangingPunct="0">
+              <a:spcBef>
+                <a:spcPct val="0"/>
+              </a:spcBef>
+              <a:spcAft>
+                <a:spcPct val="0"/>
+              </a:spcAft>
+            </a:pPr>
+            <a:r>
+              <a:rPr lang="zh-CN" altLang="en-US" dirty="0">
+                <a:solidFill>
+                  <a:srgbClr val="92D050"/>
+                </a:solidFill>
+                <a:latin typeface="+mn-ea"/>
+              </a:rPr>
+              <a:t>sudo kubectl delete pod k8saspnetcoredemo003-deployment-d48f9688f-sj95g  -n default --grace-period=0 --force</a:t>
+            </a:r>
+          </a:p>
+          <a:p>
+            <a:pPr lvl="0" eaLnBrk="0" fontAlgn="base" hangingPunct="0">
+              <a:spcBef>
+                <a:spcPct val="0"/>
+              </a:spcBef>
+              <a:spcAft>
+                <a:spcPct val="0"/>
+              </a:spcAft>
+            </a:pPr>
+            <a:r>
+              <a:rPr lang="zh-CN" altLang="zh-CN" dirty="0">
+                <a:solidFill>
+                  <a:srgbClr val="92D050"/>
+                </a:solidFill>
+                <a:latin typeface="+mn-ea"/>
+              </a:rPr>
+              <a:t> </a:t>
+            </a:r>
+          </a:p>
+        </p:txBody>
+      </p:sp>
+      <p:sp>
+        <p:nvSpPr>
+          <p:cNvPr id="12" name="矩形 11">
+            <a:extLst>
+              <a:ext uri="{FF2B5EF4-FFF2-40B4-BE49-F238E27FC236}">
+                <a16:creationId xmlns:a16="http://schemas.microsoft.com/office/drawing/2014/main" id="{A998EDD0-829B-4737-BE50-013055292647}"/>
+              </a:ext>
+            </a:extLst>
+          </p:cNvPr>
+          <p:cNvSpPr/>
+          <p:nvPr/>
+        </p:nvSpPr>
+        <p:spPr>
+          <a:xfrm>
+            <a:off x="1197936" y="3845623"/>
+            <a:ext cx="2273234" cy="369332"/>
+          </a:xfrm>
+          <a:prstGeom prst="rect">
+            <a:avLst/>
+          </a:prstGeom>
+        </p:spPr>
+        <p:txBody>
+          <a:bodyPr wrap="square">
+            <a:spAutoFit/>
+          </a:bodyPr>
+          <a:lstStyle/>
+          <a:p>
+            <a:r>
+              <a:rPr lang="zh-CN" altLang="en-US" dirty="0"/>
+              <a:t>删除失败</a:t>
+            </a:r>
+            <a:r>
+              <a:rPr lang="en-US" altLang="zh-CN" dirty="0"/>
+              <a:t>Pod</a:t>
+            </a:r>
+          </a:p>
+        </p:txBody>
+      </p:sp>
+    </p:spTree>
+    <p:extLst>
+      <p:ext uri="{BB962C8B-B14F-4D97-AF65-F5344CB8AC3E}">
+        <p14:creationId xmlns:p14="http://schemas.microsoft.com/office/powerpoint/2010/main" val="2568507812"/>
+      </p:ext>
+    </p:extLst>
+  </p:cSld>
+  <p:clrMapOvr>
+    <a:masterClrMapping/>
+  </p:clrMapOvr>
+</p:sld>
+</file>
+
+<file path=ppt/slides/slide49.xml><?xml version="1.0" encoding="utf-8"?>
+<p:sld xmlns:a="http://schemas.openxmlformats.org/drawingml/2006/main" xmlns:r="http://schemas.openxmlformats.org/officeDocument/2006/relationships" xmlns:p="http://schemas.openxmlformats.org/presentationml/2006/main" show="0">
   <p:cSld>
     <p:spTree>
       <p:nvGrpSpPr>
@@ -28893,2102 +30757,6 @@
     <p:extLst>
       <p:ext uri="{BB962C8B-B14F-4D97-AF65-F5344CB8AC3E}">
         <p14:creationId xmlns:p14="http://schemas.microsoft.com/office/powerpoint/2010/main" val="1678444044"/>
-      </p:ext>
-    </p:extLst>
-  </p:cSld>
-  <p:clrMapOvr>
-    <a:masterClrMapping/>
-  </p:clrMapOvr>
-</p:sld>
-</file>
-
-<file path=ppt/slides/slide46.xml><?xml version="1.0" encoding="utf-8"?>
-<p:sld xmlns:a="http://schemas.openxmlformats.org/drawingml/2006/main" xmlns:r="http://schemas.openxmlformats.org/officeDocument/2006/relationships" xmlns:p="http://schemas.openxmlformats.org/presentationml/2006/main">
-  <p:cSld>
-    <p:spTree>
-      <p:nvGrpSpPr>
-        <p:cNvPr id="1" name=""/>
-        <p:cNvGrpSpPr/>
-        <p:nvPr/>
-      </p:nvGrpSpPr>
-      <p:grpSpPr>
-        <a:xfrm>
-          <a:off x="0" y="0"/>
-          <a:ext cx="0" cy="0"/>
-          <a:chOff x="0" y="0"/>
-          <a:chExt cx="0" cy="0"/>
-        </a:xfrm>
-      </p:grpSpPr>
-      <p:sp>
-        <p:nvSpPr>
-          <p:cNvPr id="2" name="矩形 1">
-            <a:extLst>
-              <a:ext uri="{FF2B5EF4-FFF2-40B4-BE49-F238E27FC236}">
-                <a16:creationId xmlns:a16="http://schemas.microsoft.com/office/drawing/2014/main" id="{58B3FFDA-51C8-4CB8-AF16-A6BADDABD434}"/>
-              </a:ext>
-            </a:extLst>
-          </p:cNvPr>
-          <p:cNvSpPr/>
-          <p:nvPr/>
-        </p:nvSpPr>
-        <p:spPr>
-          <a:xfrm>
-            <a:off x="616689" y="786810"/>
-            <a:ext cx="11302410" cy="553998"/>
-          </a:xfrm>
-          <a:prstGeom prst="rect">
-            <a:avLst/>
-          </a:prstGeom>
-        </p:spPr>
-        <p:txBody>
-          <a:bodyPr wrap="square">
-            <a:spAutoFit/>
-          </a:bodyPr>
-          <a:lstStyle/>
-          <a:p>
-            <a:r>
-              <a:rPr lang="zh-CN" altLang="en-US" sz="1000" dirty="0"/>
-              <a:t>安装</a:t>
-            </a:r>
-            <a:r>
-              <a:rPr lang="en-US" altLang="zh-CN" sz="1000" dirty="0"/>
-              <a:t>Dashboard</a:t>
-            </a:r>
-          </a:p>
-          <a:p>
-            <a:endParaRPr lang="en-US" altLang="zh-CN" sz="1000" dirty="0"/>
-          </a:p>
-          <a:p>
-            <a:r>
-              <a:rPr lang="en-US" altLang="zh-CN" sz="1000" dirty="0" err="1"/>
-              <a:t>sudo</a:t>
-            </a:r>
-            <a:r>
-              <a:rPr lang="en-US" altLang="zh-CN" sz="1000" dirty="0"/>
-              <a:t> kubectl apply -f https://raw.githubusercontent.com/kubernetes/dashboard/master/aio/deploy/recommended/kubernetes-dashboard.yaml</a:t>
-            </a:r>
-            <a:endParaRPr lang="zh-CN" altLang="en-US" sz="1000" dirty="0"/>
-          </a:p>
-        </p:txBody>
-      </p:sp>
-      <p:sp>
-        <p:nvSpPr>
-          <p:cNvPr id="3" name="标题 1">
-            <a:extLst>
-              <a:ext uri="{FF2B5EF4-FFF2-40B4-BE49-F238E27FC236}">
-                <a16:creationId xmlns:a16="http://schemas.microsoft.com/office/drawing/2014/main" id="{0F70AA5B-6447-4832-9EA4-277A3E84D12C}"/>
-              </a:ext>
-            </a:extLst>
-          </p:cNvPr>
-          <p:cNvSpPr txBox="1">
-            <a:spLocks/>
-          </p:cNvSpPr>
-          <p:nvPr/>
-        </p:nvSpPr>
-        <p:spPr>
-          <a:xfrm>
-            <a:off x="466060" y="141842"/>
-            <a:ext cx="10515600" cy="644968"/>
-          </a:xfrm>
-          <a:prstGeom prst="rect">
-            <a:avLst/>
-          </a:prstGeom>
-        </p:spPr>
-        <p:txBody>
-          <a:bodyPr>
-            <a:normAutofit/>
-          </a:bodyPr>
-          <a:lstStyle>
-            <a:lvl1pPr algn="l" defTabSz="914400" rtl="0" eaLnBrk="1" latinLnBrk="0" hangingPunct="1">
-              <a:lnSpc>
-                <a:spcPct val="90000"/>
-              </a:lnSpc>
-              <a:spcBef>
-                <a:spcPct val="0"/>
-              </a:spcBef>
-              <a:buNone/>
-              <a:defRPr sz="4400" kern="1200">
-                <a:solidFill>
-                  <a:schemeClr val="tx1"/>
-                </a:solidFill>
-                <a:latin typeface="+mj-lt"/>
-                <a:ea typeface="+mj-ea"/>
-                <a:cs typeface="+mj-cs"/>
-              </a:defRPr>
-            </a:lvl1pPr>
-          </a:lstStyle>
-          <a:p>
-            <a:r>
-              <a:rPr lang="zh-CN" altLang="en-US" sz="3000" dirty="0"/>
-              <a:t>创建</a:t>
-            </a:r>
-            <a:r>
-              <a:rPr lang="en-US" altLang="zh-CN" sz="3000" dirty="0"/>
-              <a:t>Master</a:t>
-            </a:r>
-            <a:r>
-              <a:rPr lang="zh-CN" altLang="en-US" sz="3000" dirty="0"/>
-              <a:t>节点</a:t>
-            </a:r>
-          </a:p>
-        </p:txBody>
-      </p:sp>
-      <p:sp>
-        <p:nvSpPr>
-          <p:cNvPr id="5" name="矩形 4">
-            <a:extLst>
-              <a:ext uri="{FF2B5EF4-FFF2-40B4-BE49-F238E27FC236}">
-                <a16:creationId xmlns:a16="http://schemas.microsoft.com/office/drawing/2014/main" id="{9A19F96C-B5D5-4081-9F3C-553857F52B69}"/>
-              </a:ext>
-            </a:extLst>
-          </p:cNvPr>
-          <p:cNvSpPr/>
-          <p:nvPr/>
-        </p:nvSpPr>
-        <p:spPr>
-          <a:xfrm>
-            <a:off x="795669" y="1871956"/>
-            <a:ext cx="6096000" cy="900246"/>
-          </a:xfrm>
-          <a:prstGeom prst="rect">
-            <a:avLst/>
-          </a:prstGeom>
-        </p:spPr>
-        <p:style>
-          <a:lnRef idx="2">
-            <a:schemeClr val="accent6">
-              <a:shade val="50000"/>
-            </a:schemeClr>
-          </a:lnRef>
-          <a:fillRef idx="1">
-            <a:schemeClr val="accent6"/>
-          </a:fillRef>
-          <a:effectRef idx="0">
-            <a:schemeClr val="accent6"/>
-          </a:effectRef>
-          <a:fontRef idx="minor">
-            <a:schemeClr val="lt1"/>
-          </a:fontRef>
-        </p:style>
-        <p:txBody>
-          <a:bodyPr>
-            <a:spAutoFit/>
-          </a:bodyPr>
-          <a:lstStyle/>
-          <a:p>
-            <a:r>
-              <a:rPr lang="en-US" altLang="zh-CN" sz="1050" dirty="0" err="1">
-                <a:latin typeface="Consolas" panose="020B0609020204030204" pitchFamily="49" charset="0"/>
-              </a:rPr>
-              <a:t>apiVersion</a:t>
-            </a:r>
-            <a:r>
-              <a:rPr lang="en-US" altLang="zh-CN" sz="1050" dirty="0">
-                <a:latin typeface="Consolas" panose="020B0609020204030204" pitchFamily="49" charset="0"/>
-              </a:rPr>
-              <a:t>: </a:t>
-            </a:r>
-            <a:r>
-              <a:rPr lang="en-US" altLang="zh-CN" sz="1050" dirty="0" err="1">
-                <a:latin typeface="Consolas" panose="020B0609020204030204" pitchFamily="49" charset="0"/>
-              </a:rPr>
-              <a:t>v1</a:t>
-            </a:r>
-            <a:endParaRPr lang="en-US" altLang="zh-CN" sz="1050" dirty="0">
-              <a:latin typeface="Consolas" panose="020B0609020204030204" pitchFamily="49" charset="0"/>
-            </a:endParaRPr>
-          </a:p>
-          <a:p>
-            <a:r>
-              <a:rPr lang="en-US" altLang="zh-CN" sz="1050" dirty="0">
-                <a:latin typeface="Consolas" panose="020B0609020204030204" pitchFamily="49" charset="0"/>
-              </a:rPr>
-              <a:t>kind: </a:t>
-            </a:r>
-            <a:r>
-              <a:rPr lang="en-US" altLang="zh-CN" sz="1050" dirty="0" err="1">
-                <a:latin typeface="Consolas" panose="020B0609020204030204" pitchFamily="49" charset="0"/>
-              </a:rPr>
-              <a:t>ServiceAccount</a:t>
-            </a:r>
-            <a:endParaRPr lang="en-US" altLang="zh-CN" sz="1050" dirty="0">
-              <a:latin typeface="Consolas" panose="020B0609020204030204" pitchFamily="49" charset="0"/>
-            </a:endParaRPr>
-          </a:p>
-          <a:p>
-            <a:r>
-              <a:rPr lang="en-US" altLang="zh-CN" sz="1050" dirty="0">
-                <a:latin typeface="Consolas" panose="020B0609020204030204" pitchFamily="49" charset="0"/>
-              </a:rPr>
-              <a:t>metadata:</a:t>
-            </a:r>
-          </a:p>
-          <a:p>
-            <a:r>
-              <a:rPr lang="en-US" altLang="zh-CN" sz="1050" dirty="0">
-                <a:latin typeface="Consolas" panose="020B0609020204030204" pitchFamily="49" charset="0"/>
-              </a:rPr>
-              <a:t>  name: admin-user</a:t>
-            </a:r>
-          </a:p>
-          <a:p>
-            <a:r>
-              <a:rPr lang="en-US" altLang="zh-CN" sz="1050" dirty="0">
-                <a:latin typeface="Consolas" panose="020B0609020204030204" pitchFamily="49" charset="0"/>
-              </a:rPr>
-              <a:t>  namespace: </a:t>
-            </a:r>
-            <a:r>
-              <a:rPr lang="en-US" altLang="zh-CN" sz="1050" dirty="0" err="1">
-                <a:latin typeface="Consolas" panose="020B0609020204030204" pitchFamily="49" charset="0"/>
-              </a:rPr>
-              <a:t>kube</a:t>
-            </a:r>
-            <a:r>
-              <a:rPr lang="en-US" altLang="zh-CN" sz="1050" dirty="0">
-                <a:latin typeface="Consolas" panose="020B0609020204030204" pitchFamily="49" charset="0"/>
-              </a:rPr>
-              <a:t>-system</a:t>
-            </a:r>
-            <a:endParaRPr lang="zh-CN" altLang="en-US" sz="1050" dirty="0">
-              <a:latin typeface="Consolas" panose="020B0609020204030204" pitchFamily="49" charset="0"/>
-            </a:endParaRPr>
-          </a:p>
-        </p:txBody>
-      </p:sp>
-      <p:sp>
-        <p:nvSpPr>
-          <p:cNvPr id="7" name="矩形 6">
-            <a:extLst>
-              <a:ext uri="{FF2B5EF4-FFF2-40B4-BE49-F238E27FC236}">
-                <a16:creationId xmlns:a16="http://schemas.microsoft.com/office/drawing/2014/main" id="{F244B7F8-61D1-4130-B69B-9EA5C1B712B1}"/>
-              </a:ext>
-            </a:extLst>
-          </p:cNvPr>
-          <p:cNvSpPr/>
-          <p:nvPr/>
-        </p:nvSpPr>
-        <p:spPr>
-          <a:xfrm>
-            <a:off x="686843" y="1514833"/>
-            <a:ext cx="3156826" cy="369332"/>
-          </a:xfrm>
-          <a:prstGeom prst="rect">
-            <a:avLst/>
-          </a:prstGeom>
-        </p:spPr>
-        <p:txBody>
-          <a:bodyPr wrap="none">
-            <a:spAutoFit/>
-          </a:bodyPr>
-          <a:lstStyle/>
-          <a:p>
-            <a:r>
-              <a:rPr lang="en-US" altLang="zh-CN" dirty="0">
-                <a:solidFill>
-                  <a:srgbClr val="24292E"/>
-                </a:solidFill>
-                <a:latin typeface="SFMono-Regular"/>
-              </a:rPr>
-              <a:t>kubectl apply -f </a:t>
-            </a:r>
-            <a:r>
-              <a:rPr lang="en-US" altLang="zh-CN" dirty="0" err="1">
-                <a:solidFill>
-                  <a:srgbClr val="24292E"/>
-                </a:solidFill>
-                <a:latin typeface="SFMono-Regular"/>
-              </a:rPr>
-              <a:t>adminuser.yaml</a:t>
-            </a:r>
-            <a:endParaRPr lang="zh-CN" altLang="en-US" dirty="0"/>
-          </a:p>
-        </p:txBody>
-      </p:sp>
-      <p:sp>
-        <p:nvSpPr>
-          <p:cNvPr id="8" name="矩形 7">
-            <a:extLst>
-              <a:ext uri="{FF2B5EF4-FFF2-40B4-BE49-F238E27FC236}">
-                <a16:creationId xmlns:a16="http://schemas.microsoft.com/office/drawing/2014/main" id="{764DE107-E635-4C69-8ADC-A4D9E6B9C11A}"/>
-              </a:ext>
-            </a:extLst>
-          </p:cNvPr>
-          <p:cNvSpPr/>
-          <p:nvPr/>
-        </p:nvSpPr>
-        <p:spPr>
-          <a:xfrm>
-            <a:off x="795669" y="3385274"/>
-            <a:ext cx="6096000" cy="2031325"/>
-          </a:xfrm>
-          <a:prstGeom prst="rect">
-            <a:avLst/>
-          </a:prstGeom>
-        </p:spPr>
-        <p:style>
-          <a:lnRef idx="2">
-            <a:schemeClr val="accent6">
-              <a:shade val="50000"/>
-            </a:schemeClr>
-          </a:lnRef>
-          <a:fillRef idx="1">
-            <a:schemeClr val="accent6"/>
-          </a:fillRef>
-          <a:effectRef idx="0">
-            <a:schemeClr val="accent6"/>
-          </a:effectRef>
-          <a:fontRef idx="minor">
-            <a:schemeClr val="lt1"/>
-          </a:fontRef>
-        </p:style>
-        <p:txBody>
-          <a:bodyPr>
-            <a:spAutoFit/>
-          </a:bodyPr>
-          <a:lstStyle/>
-          <a:p>
-            <a:r>
-              <a:rPr lang="en-US" altLang="zh-CN" sz="1050" dirty="0" err="1">
-                <a:latin typeface="Consolas" panose="020B0609020204030204" pitchFamily="49" charset="0"/>
-              </a:rPr>
-              <a:t>apiVersion</a:t>
-            </a:r>
-            <a:r>
-              <a:rPr lang="en-US" altLang="zh-CN" sz="1050" dirty="0">
-                <a:latin typeface="Consolas" panose="020B0609020204030204" pitchFamily="49" charset="0"/>
-              </a:rPr>
-              <a:t>: </a:t>
-            </a:r>
-            <a:r>
-              <a:rPr lang="en-US" altLang="zh-CN" sz="1050" dirty="0" err="1">
-                <a:latin typeface="Consolas" panose="020B0609020204030204" pitchFamily="49" charset="0"/>
-              </a:rPr>
-              <a:t>rbac.authorization.k8s.io</a:t>
-            </a:r>
-            <a:r>
-              <a:rPr lang="en-US" altLang="zh-CN" sz="1050" dirty="0">
-                <a:latin typeface="Consolas" panose="020B0609020204030204" pitchFamily="49" charset="0"/>
-              </a:rPr>
-              <a:t>/</a:t>
-            </a:r>
-            <a:r>
-              <a:rPr lang="en-US" altLang="zh-CN" sz="1050" dirty="0" err="1">
-                <a:latin typeface="Consolas" panose="020B0609020204030204" pitchFamily="49" charset="0"/>
-              </a:rPr>
-              <a:t>v1</a:t>
-            </a:r>
-            <a:endParaRPr lang="en-US" altLang="zh-CN" sz="1050" dirty="0">
-              <a:latin typeface="Consolas" panose="020B0609020204030204" pitchFamily="49" charset="0"/>
-            </a:endParaRPr>
-          </a:p>
-          <a:p>
-            <a:r>
-              <a:rPr lang="en-US" altLang="zh-CN" sz="1050" dirty="0">
-                <a:latin typeface="Consolas" panose="020B0609020204030204" pitchFamily="49" charset="0"/>
-              </a:rPr>
-              <a:t>kind: </a:t>
-            </a:r>
-            <a:r>
-              <a:rPr lang="en-US" altLang="zh-CN" sz="1050" dirty="0" err="1">
-                <a:latin typeface="Consolas" panose="020B0609020204030204" pitchFamily="49" charset="0"/>
-              </a:rPr>
-              <a:t>ClusterRoleBinding</a:t>
-            </a:r>
-            <a:endParaRPr lang="en-US" altLang="zh-CN" sz="1050" dirty="0">
-              <a:latin typeface="Consolas" panose="020B0609020204030204" pitchFamily="49" charset="0"/>
-            </a:endParaRPr>
-          </a:p>
-          <a:p>
-            <a:r>
-              <a:rPr lang="en-US" altLang="zh-CN" sz="1050" dirty="0">
-                <a:latin typeface="Consolas" panose="020B0609020204030204" pitchFamily="49" charset="0"/>
-              </a:rPr>
-              <a:t>metadata:</a:t>
-            </a:r>
-          </a:p>
-          <a:p>
-            <a:r>
-              <a:rPr lang="en-US" altLang="zh-CN" sz="1050" dirty="0">
-                <a:latin typeface="Consolas" panose="020B0609020204030204" pitchFamily="49" charset="0"/>
-              </a:rPr>
-              <a:t>  name: admin-user</a:t>
-            </a:r>
-          </a:p>
-          <a:p>
-            <a:r>
-              <a:rPr lang="en-US" altLang="zh-CN" sz="1050" dirty="0" err="1">
-                <a:latin typeface="Consolas" panose="020B0609020204030204" pitchFamily="49" charset="0"/>
-              </a:rPr>
-              <a:t>roleRef</a:t>
-            </a:r>
-            <a:r>
-              <a:rPr lang="en-US" altLang="zh-CN" sz="1050" dirty="0">
-                <a:latin typeface="Consolas" panose="020B0609020204030204" pitchFamily="49" charset="0"/>
-              </a:rPr>
-              <a:t>:</a:t>
-            </a:r>
-          </a:p>
-          <a:p>
-            <a:r>
-              <a:rPr lang="en-US" altLang="zh-CN" sz="1050" dirty="0">
-                <a:latin typeface="Consolas" panose="020B0609020204030204" pitchFamily="49" charset="0"/>
-              </a:rPr>
-              <a:t>  </a:t>
-            </a:r>
-            <a:r>
-              <a:rPr lang="en-US" altLang="zh-CN" sz="1050" dirty="0" err="1">
-                <a:latin typeface="Consolas" panose="020B0609020204030204" pitchFamily="49" charset="0"/>
-              </a:rPr>
-              <a:t>apiGroup</a:t>
-            </a:r>
-            <a:r>
-              <a:rPr lang="en-US" altLang="zh-CN" sz="1050" dirty="0">
-                <a:latin typeface="Consolas" panose="020B0609020204030204" pitchFamily="49" charset="0"/>
-              </a:rPr>
-              <a:t>: </a:t>
-            </a:r>
-            <a:r>
-              <a:rPr lang="en-US" altLang="zh-CN" sz="1050" dirty="0" err="1">
-                <a:latin typeface="Consolas" panose="020B0609020204030204" pitchFamily="49" charset="0"/>
-              </a:rPr>
-              <a:t>rbac.authorization.k8s.io</a:t>
-            </a:r>
-            <a:endParaRPr lang="en-US" altLang="zh-CN" sz="1050" dirty="0">
-              <a:latin typeface="Consolas" panose="020B0609020204030204" pitchFamily="49" charset="0"/>
-            </a:endParaRPr>
-          </a:p>
-          <a:p>
-            <a:r>
-              <a:rPr lang="en-US" altLang="zh-CN" sz="1050" dirty="0">
-                <a:latin typeface="Consolas" panose="020B0609020204030204" pitchFamily="49" charset="0"/>
-              </a:rPr>
-              <a:t>  kind: </a:t>
-            </a:r>
-            <a:r>
-              <a:rPr lang="en-US" altLang="zh-CN" sz="1050" dirty="0" err="1">
-                <a:latin typeface="Consolas" panose="020B0609020204030204" pitchFamily="49" charset="0"/>
-              </a:rPr>
-              <a:t>ClusterRole</a:t>
-            </a:r>
-            <a:endParaRPr lang="en-US" altLang="zh-CN" sz="1050" dirty="0">
-              <a:latin typeface="Consolas" panose="020B0609020204030204" pitchFamily="49" charset="0"/>
-            </a:endParaRPr>
-          </a:p>
-          <a:p>
-            <a:r>
-              <a:rPr lang="en-US" altLang="zh-CN" sz="1050" dirty="0">
-                <a:latin typeface="Consolas" panose="020B0609020204030204" pitchFamily="49" charset="0"/>
-              </a:rPr>
-              <a:t>  name: cluster-admin</a:t>
-            </a:r>
-          </a:p>
-          <a:p>
-            <a:r>
-              <a:rPr lang="en-US" altLang="zh-CN" sz="1050" dirty="0">
-                <a:latin typeface="Consolas" panose="020B0609020204030204" pitchFamily="49" charset="0"/>
-              </a:rPr>
-              <a:t>subjects:</a:t>
-            </a:r>
-          </a:p>
-          <a:p>
-            <a:r>
-              <a:rPr lang="en-US" altLang="zh-CN" sz="1050" dirty="0">
-                <a:latin typeface="Consolas" panose="020B0609020204030204" pitchFamily="49" charset="0"/>
-              </a:rPr>
-              <a:t>- kind: </a:t>
-            </a:r>
-            <a:r>
-              <a:rPr lang="en-US" altLang="zh-CN" sz="1050" dirty="0" err="1">
-                <a:latin typeface="Consolas" panose="020B0609020204030204" pitchFamily="49" charset="0"/>
-              </a:rPr>
-              <a:t>ServiceAccount</a:t>
-            </a:r>
-            <a:endParaRPr lang="en-US" altLang="zh-CN" sz="1050" dirty="0">
-              <a:latin typeface="Consolas" panose="020B0609020204030204" pitchFamily="49" charset="0"/>
-            </a:endParaRPr>
-          </a:p>
-          <a:p>
-            <a:r>
-              <a:rPr lang="en-US" altLang="zh-CN" sz="1050" dirty="0">
-                <a:latin typeface="Consolas" panose="020B0609020204030204" pitchFamily="49" charset="0"/>
-              </a:rPr>
-              <a:t>  name: admin-user</a:t>
-            </a:r>
-          </a:p>
-          <a:p>
-            <a:r>
-              <a:rPr lang="en-US" altLang="zh-CN" sz="1050" dirty="0">
-                <a:latin typeface="Consolas" panose="020B0609020204030204" pitchFamily="49" charset="0"/>
-              </a:rPr>
-              <a:t>  namespace: </a:t>
-            </a:r>
-            <a:r>
-              <a:rPr lang="en-US" altLang="zh-CN" sz="1050" dirty="0" err="1">
-                <a:latin typeface="Consolas" panose="020B0609020204030204" pitchFamily="49" charset="0"/>
-              </a:rPr>
-              <a:t>kube</a:t>
-            </a:r>
-            <a:r>
-              <a:rPr lang="en-US" altLang="zh-CN" sz="1050" dirty="0">
-                <a:latin typeface="Consolas" panose="020B0609020204030204" pitchFamily="49" charset="0"/>
-              </a:rPr>
-              <a:t>-system</a:t>
-            </a:r>
-            <a:endParaRPr lang="zh-CN" altLang="en-US" sz="1050" dirty="0">
-              <a:latin typeface="Consolas" panose="020B0609020204030204" pitchFamily="49" charset="0"/>
-            </a:endParaRPr>
-          </a:p>
-        </p:txBody>
-      </p:sp>
-      <p:sp>
-        <p:nvSpPr>
-          <p:cNvPr id="9" name="矩形 8">
-            <a:extLst>
-              <a:ext uri="{FF2B5EF4-FFF2-40B4-BE49-F238E27FC236}">
-                <a16:creationId xmlns:a16="http://schemas.microsoft.com/office/drawing/2014/main" id="{BF357B58-A1D6-4FEB-BF01-A5BB9C512297}"/>
-              </a:ext>
-            </a:extLst>
-          </p:cNvPr>
-          <p:cNvSpPr/>
-          <p:nvPr/>
-        </p:nvSpPr>
-        <p:spPr>
-          <a:xfrm>
-            <a:off x="870097" y="2967932"/>
-            <a:ext cx="3139449" cy="369332"/>
-          </a:xfrm>
-          <a:prstGeom prst="rect">
-            <a:avLst/>
-          </a:prstGeom>
-        </p:spPr>
-        <p:txBody>
-          <a:bodyPr wrap="none">
-            <a:spAutoFit/>
-          </a:bodyPr>
-          <a:lstStyle/>
-          <a:p>
-            <a:r>
-              <a:rPr lang="en-US" altLang="zh-CN" dirty="0">
-                <a:solidFill>
-                  <a:srgbClr val="24292E"/>
-                </a:solidFill>
-                <a:latin typeface="SFMono-Regular"/>
-              </a:rPr>
-              <a:t>kubectl apply -f </a:t>
-            </a:r>
-            <a:r>
-              <a:rPr lang="en-US" altLang="zh-CN" dirty="0" err="1">
-                <a:solidFill>
-                  <a:srgbClr val="24292E"/>
-                </a:solidFill>
-                <a:latin typeface="SFMono-Regular"/>
-              </a:rPr>
-              <a:t>adminrole.yaml</a:t>
-            </a:r>
-            <a:endParaRPr lang="zh-CN" altLang="en-US" dirty="0"/>
-          </a:p>
-        </p:txBody>
-      </p:sp>
-      <p:sp>
-        <p:nvSpPr>
-          <p:cNvPr id="13" name="矩形 12">
-            <a:extLst>
-              <a:ext uri="{FF2B5EF4-FFF2-40B4-BE49-F238E27FC236}">
-                <a16:creationId xmlns:a16="http://schemas.microsoft.com/office/drawing/2014/main" id="{DCAB4DC0-B702-4346-BB5B-684296BACFBD}"/>
-              </a:ext>
-            </a:extLst>
-          </p:cNvPr>
-          <p:cNvSpPr/>
-          <p:nvPr/>
-        </p:nvSpPr>
-        <p:spPr>
-          <a:xfrm>
-            <a:off x="686843" y="5748024"/>
-            <a:ext cx="10660354" cy="646331"/>
-          </a:xfrm>
-          <a:prstGeom prst="rect">
-            <a:avLst/>
-          </a:prstGeom>
-        </p:spPr>
-        <p:txBody>
-          <a:bodyPr wrap="none">
-            <a:spAutoFit/>
-          </a:bodyPr>
-          <a:lstStyle/>
-          <a:p>
-            <a:r>
-              <a:rPr lang="zh-CN" altLang="en-US" dirty="0">
-                <a:solidFill>
-                  <a:srgbClr val="24292E"/>
-                </a:solidFill>
-                <a:latin typeface="SFMono-Regular"/>
-              </a:rPr>
-              <a:t>获取登录</a:t>
-            </a:r>
-            <a:r>
-              <a:rPr lang="en-US" altLang="zh-CN" dirty="0">
-                <a:solidFill>
-                  <a:srgbClr val="24292E"/>
-                </a:solidFill>
-                <a:latin typeface="SFMono-Regular"/>
-              </a:rPr>
-              <a:t>Token</a:t>
-            </a:r>
-          </a:p>
-          <a:p>
-            <a:r>
-              <a:rPr lang="en-US" altLang="zh-CN" dirty="0">
-                <a:solidFill>
-                  <a:srgbClr val="24292E"/>
-                </a:solidFill>
-                <a:latin typeface="SFMono-Regular"/>
-              </a:rPr>
-              <a:t>kubectl -n </a:t>
-            </a:r>
-            <a:r>
-              <a:rPr lang="en-US" altLang="zh-CN" dirty="0" err="1">
-                <a:solidFill>
-                  <a:srgbClr val="24292E"/>
-                </a:solidFill>
-                <a:latin typeface="SFMono-Regular"/>
-              </a:rPr>
-              <a:t>kube</a:t>
-            </a:r>
-            <a:r>
-              <a:rPr lang="en-US" altLang="zh-CN" dirty="0">
-                <a:solidFill>
-                  <a:srgbClr val="24292E"/>
-                </a:solidFill>
-                <a:latin typeface="SFMono-Regular"/>
-              </a:rPr>
-              <a:t>-system describe secret $(kubectl -n </a:t>
-            </a:r>
-            <a:r>
-              <a:rPr lang="en-US" altLang="zh-CN" dirty="0" err="1">
-                <a:solidFill>
-                  <a:srgbClr val="24292E"/>
-                </a:solidFill>
-                <a:latin typeface="SFMono-Regular"/>
-              </a:rPr>
-              <a:t>kube</a:t>
-            </a:r>
-            <a:r>
-              <a:rPr lang="en-US" altLang="zh-CN" dirty="0">
-                <a:solidFill>
-                  <a:srgbClr val="24292E"/>
-                </a:solidFill>
-                <a:latin typeface="SFMono-Regular"/>
-              </a:rPr>
-              <a:t>-system get secret | grep admin-user | </a:t>
-            </a:r>
-            <a:r>
-              <a:rPr lang="en-US" altLang="zh-CN" dirty="0" err="1">
-                <a:solidFill>
-                  <a:srgbClr val="24292E"/>
-                </a:solidFill>
-                <a:latin typeface="SFMono-Regular"/>
-              </a:rPr>
-              <a:t>awk</a:t>
-            </a:r>
-            <a:r>
-              <a:rPr lang="en-US" altLang="zh-CN" dirty="0">
-                <a:solidFill>
-                  <a:srgbClr val="24292E"/>
-                </a:solidFill>
-                <a:latin typeface="SFMono-Regular"/>
-              </a:rPr>
-              <a:t> '{print $1}')</a:t>
-            </a:r>
-            <a:endParaRPr lang="zh-CN" altLang="en-US" dirty="0"/>
-          </a:p>
-        </p:txBody>
-      </p:sp>
-    </p:spTree>
-    <p:extLst>
-      <p:ext uri="{BB962C8B-B14F-4D97-AF65-F5344CB8AC3E}">
-        <p14:creationId xmlns:p14="http://schemas.microsoft.com/office/powerpoint/2010/main" val="339502182"/>
-      </p:ext>
-    </p:extLst>
-  </p:cSld>
-  <p:clrMapOvr>
-    <a:masterClrMapping/>
-  </p:clrMapOvr>
-</p:sld>
-</file>
-
-<file path=ppt/slides/slide47.xml><?xml version="1.0" encoding="utf-8"?>
-<p:sld xmlns:a="http://schemas.openxmlformats.org/drawingml/2006/main" xmlns:r="http://schemas.openxmlformats.org/officeDocument/2006/relationships" xmlns:p="http://schemas.openxmlformats.org/presentationml/2006/main">
-  <p:cSld>
-    <p:spTree>
-      <p:nvGrpSpPr>
-        <p:cNvPr id="1" name=""/>
-        <p:cNvGrpSpPr/>
-        <p:nvPr/>
-      </p:nvGrpSpPr>
-      <p:grpSpPr>
-        <a:xfrm>
-          <a:off x="0" y="0"/>
-          <a:ext cx="0" cy="0"/>
-          <a:chOff x="0" y="0"/>
-          <a:chExt cx="0" cy="0"/>
-        </a:xfrm>
-      </p:grpSpPr>
-      <p:pic>
-        <p:nvPicPr>
-          <p:cNvPr id="2050" name="Picture 2" descr="zrzut ekranu z 2017-08-31 13-28-38">
-            <a:extLst>
-              <a:ext uri="{FF2B5EF4-FFF2-40B4-BE49-F238E27FC236}">
-                <a16:creationId xmlns:a16="http://schemas.microsoft.com/office/drawing/2014/main" id="{A2442679-CC47-42AE-B056-BDC55085864B}"/>
-              </a:ext>
-            </a:extLst>
-          </p:cNvPr>
-          <p:cNvPicPr>
-            <a:picLocks noChangeAspect="1" noChangeArrowheads="1"/>
-          </p:cNvPicPr>
-          <p:nvPr/>
-        </p:nvPicPr>
-        <p:blipFill rotWithShape="1">
-          <a:blip r:embed="rId2">
-            <a:extLst>
-              <a:ext uri="{28A0092B-C50C-407E-A947-70E740481C1C}">
-                <a14:useLocalDpi xmlns:a14="http://schemas.microsoft.com/office/drawing/2010/main" val="0"/>
-              </a:ext>
-            </a:extLst>
-          </a:blip>
-          <a:srcRect l="9942" t="17859" r="16453" b="21528"/>
-          <a:stretch/>
-        </p:blipFill>
-        <p:spPr bwMode="auto">
-          <a:xfrm>
-            <a:off x="664695" y="2417111"/>
-            <a:ext cx="4731488" cy="2023777"/>
-          </a:xfrm>
-          <a:prstGeom prst="rect">
-            <a:avLst/>
-          </a:prstGeom>
-          <a:extLst>
-            <a:ext uri="{909E8E84-426E-40DD-AFC4-6F175D3DCCD1}">
-              <a14:hiddenFill xmlns:a14="http://schemas.microsoft.com/office/drawing/2010/main">
-                <a:solidFill>
-                  <a:srgbClr val="FFFFFF"/>
-                </a:solidFill>
-              </a14:hiddenFill>
-            </a:ext>
-          </a:extLst>
-        </p:spPr>
-      </p:pic>
-      <p:sp>
-        <p:nvSpPr>
-          <p:cNvPr id="3" name="矩形 2">
-            <a:extLst>
-              <a:ext uri="{FF2B5EF4-FFF2-40B4-BE49-F238E27FC236}">
-                <a16:creationId xmlns:a16="http://schemas.microsoft.com/office/drawing/2014/main" id="{D51722C1-7F72-443D-BC8E-5D64CC445A78}"/>
-              </a:ext>
-            </a:extLst>
-          </p:cNvPr>
-          <p:cNvSpPr/>
-          <p:nvPr/>
-        </p:nvSpPr>
-        <p:spPr>
-          <a:xfrm>
-            <a:off x="575794" y="256807"/>
-            <a:ext cx="10790706" cy="2031325"/>
-          </a:xfrm>
-          <a:prstGeom prst="rect">
-            <a:avLst/>
-          </a:prstGeom>
-        </p:spPr>
-        <p:txBody>
-          <a:bodyPr wrap="square">
-            <a:spAutoFit/>
-          </a:bodyPr>
-          <a:lstStyle/>
-          <a:p>
-            <a:r>
-              <a:rPr lang="zh-CN" altLang="en-US" dirty="0">
-                <a:solidFill>
-                  <a:srgbClr val="24292E"/>
-                </a:solidFill>
-                <a:latin typeface="SFMono-Regular"/>
-              </a:rPr>
-              <a:t>启动</a:t>
-            </a:r>
-            <a:r>
-              <a:rPr lang="en-US" altLang="zh-CN" dirty="0">
-                <a:solidFill>
-                  <a:srgbClr val="24292E"/>
-                </a:solidFill>
-                <a:latin typeface="SFMono-Regular"/>
-              </a:rPr>
-              <a:t>Dashboard</a:t>
-            </a:r>
-          </a:p>
-          <a:p>
-            <a:r>
-              <a:rPr lang="en-US" altLang="zh-CN" dirty="0" err="1">
-                <a:solidFill>
-                  <a:srgbClr val="24292E"/>
-                </a:solidFill>
-                <a:latin typeface="SFMono-Regular"/>
-              </a:rPr>
-              <a:t>Sudo</a:t>
-            </a:r>
-            <a:r>
-              <a:rPr lang="en-US" altLang="zh-CN" dirty="0">
-                <a:solidFill>
-                  <a:srgbClr val="24292E"/>
-                </a:solidFill>
-                <a:latin typeface="SFMono-Regular"/>
-              </a:rPr>
-              <a:t> kubectl proxy</a:t>
-            </a:r>
-          </a:p>
-          <a:p>
-            <a:endParaRPr lang="en-US" altLang="zh-CN" dirty="0">
-              <a:solidFill>
-                <a:srgbClr val="24292E"/>
-              </a:solidFill>
-              <a:latin typeface="SFMono-Regular"/>
-            </a:endParaRPr>
-          </a:p>
-          <a:p>
-            <a:endParaRPr lang="en-US" altLang="zh-CN" dirty="0">
-              <a:solidFill>
-                <a:srgbClr val="24292E"/>
-              </a:solidFill>
-              <a:latin typeface="SFMono-Regular"/>
-            </a:endParaRPr>
-          </a:p>
-          <a:p>
-            <a:r>
-              <a:rPr lang="en-US" altLang="zh-CN" dirty="0">
-                <a:solidFill>
-                  <a:srgbClr val="24292E"/>
-                </a:solidFill>
-                <a:latin typeface="SFMono-Regular"/>
-              </a:rPr>
-              <a:t>http://</a:t>
-            </a:r>
-            <a:r>
-              <a:rPr lang="en-US" altLang="zh-CN" dirty="0" err="1">
-                <a:solidFill>
-                  <a:srgbClr val="24292E"/>
-                </a:solidFill>
-                <a:latin typeface="SFMono-Regular"/>
-              </a:rPr>
-              <a:t>localhost:8001</a:t>
-            </a:r>
-            <a:r>
-              <a:rPr lang="en-US" altLang="zh-CN" dirty="0">
-                <a:solidFill>
-                  <a:srgbClr val="24292E"/>
-                </a:solidFill>
-                <a:latin typeface="SFMono-Regular"/>
-              </a:rPr>
-              <a:t>/</a:t>
-            </a:r>
-            <a:r>
-              <a:rPr lang="en-US" altLang="zh-CN" dirty="0" err="1">
-                <a:solidFill>
-                  <a:srgbClr val="24292E"/>
-                </a:solidFill>
-                <a:latin typeface="SFMono-Regular"/>
-              </a:rPr>
-              <a:t>api</a:t>
-            </a:r>
-            <a:r>
-              <a:rPr lang="en-US" altLang="zh-CN" dirty="0">
-                <a:solidFill>
-                  <a:srgbClr val="24292E"/>
-                </a:solidFill>
-                <a:latin typeface="SFMono-Regular"/>
-              </a:rPr>
-              <a:t>/</a:t>
-            </a:r>
-            <a:r>
-              <a:rPr lang="en-US" altLang="zh-CN" dirty="0" err="1">
-                <a:solidFill>
-                  <a:srgbClr val="24292E"/>
-                </a:solidFill>
-                <a:latin typeface="SFMono-Regular"/>
-              </a:rPr>
-              <a:t>v1</a:t>
-            </a:r>
-            <a:r>
-              <a:rPr lang="en-US" altLang="zh-CN" dirty="0">
-                <a:solidFill>
-                  <a:srgbClr val="24292E"/>
-                </a:solidFill>
-                <a:latin typeface="SFMono-Regular"/>
-              </a:rPr>
-              <a:t>/namespaces/</a:t>
-            </a:r>
-            <a:r>
-              <a:rPr lang="en-US" altLang="zh-CN" dirty="0" err="1">
-                <a:solidFill>
-                  <a:srgbClr val="24292E"/>
-                </a:solidFill>
-                <a:latin typeface="SFMono-Regular"/>
-              </a:rPr>
-              <a:t>kube</a:t>
-            </a:r>
-            <a:r>
-              <a:rPr lang="en-US" altLang="zh-CN" dirty="0">
-                <a:solidFill>
-                  <a:srgbClr val="24292E"/>
-                </a:solidFill>
-                <a:latin typeface="SFMono-Regular"/>
-              </a:rPr>
-              <a:t>-system/services/</a:t>
-            </a:r>
-            <a:r>
-              <a:rPr lang="en-US" altLang="zh-CN" dirty="0" err="1">
-                <a:solidFill>
-                  <a:srgbClr val="24292E"/>
-                </a:solidFill>
-                <a:latin typeface="SFMono-Regular"/>
-              </a:rPr>
-              <a:t>https:kubernetes-dashboard</a:t>
-            </a:r>
-            <a:r>
-              <a:rPr lang="en-US" altLang="zh-CN" dirty="0">
-                <a:solidFill>
-                  <a:srgbClr val="24292E"/>
-                </a:solidFill>
-                <a:latin typeface="SFMono-Regular"/>
-              </a:rPr>
-              <a:t>:/proxy/</a:t>
-            </a:r>
-          </a:p>
-          <a:p>
-            <a:endParaRPr lang="en-US" altLang="zh-CN" dirty="0">
-              <a:solidFill>
-                <a:srgbClr val="24292E"/>
-              </a:solidFill>
-              <a:latin typeface="SFMono-Regular"/>
-            </a:endParaRPr>
-          </a:p>
-          <a:p>
-            <a:r>
-              <a:rPr lang="zh-CN" altLang="en-US" dirty="0">
-                <a:solidFill>
-                  <a:srgbClr val="24292E"/>
-                </a:solidFill>
-                <a:latin typeface="SFMono-Regular"/>
-              </a:rPr>
-              <a:t>输入上面命令中的</a:t>
-            </a:r>
-            <a:r>
-              <a:rPr lang="en-US" altLang="zh-CN" dirty="0">
-                <a:solidFill>
-                  <a:srgbClr val="24292E"/>
-                </a:solidFill>
-                <a:latin typeface="SFMono-Regular"/>
-              </a:rPr>
-              <a:t>Token</a:t>
-            </a:r>
-            <a:endParaRPr lang="zh-CN" altLang="en-US" dirty="0"/>
-          </a:p>
-        </p:txBody>
-      </p:sp>
-      <p:pic>
-        <p:nvPicPr>
-          <p:cNvPr id="2052" name="Picture 4" descr="Dashboard UI workloads page">
-            <a:extLst>
-              <a:ext uri="{FF2B5EF4-FFF2-40B4-BE49-F238E27FC236}">
-                <a16:creationId xmlns:a16="http://schemas.microsoft.com/office/drawing/2014/main" id="{9C3BEB8C-3194-4BBE-A5DC-3744465450A4}"/>
-              </a:ext>
-            </a:extLst>
-          </p:cNvPr>
-          <p:cNvPicPr>
-            <a:picLocks noChangeAspect="1" noChangeArrowheads="1"/>
-          </p:cNvPicPr>
-          <p:nvPr/>
-        </p:nvPicPr>
-        <p:blipFill>
-          <a:blip r:embed="rId3">
-            <a:extLst>
-              <a:ext uri="{28A0092B-C50C-407E-A947-70E740481C1C}">
-                <a14:useLocalDpi xmlns:a14="http://schemas.microsoft.com/office/drawing/2010/main" val="0"/>
-              </a:ext>
-            </a:extLst>
-          </a:blip>
-          <a:srcRect/>
-          <a:stretch>
-            <a:fillRect/>
-          </a:stretch>
-        </p:blipFill>
-        <p:spPr bwMode="auto">
-          <a:xfrm>
-            <a:off x="5971147" y="2181843"/>
-            <a:ext cx="6605317" cy="3965944"/>
-          </a:xfrm>
-          <a:prstGeom prst="rect">
-            <a:avLst/>
-          </a:prstGeom>
-          <a:noFill/>
-          <a:extLst>
-            <a:ext uri="{909E8E84-426E-40DD-AFC4-6F175D3DCCD1}">
-              <a14:hiddenFill xmlns:a14="http://schemas.microsoft.com/office/drawing/2010/main">
-                <a:solidFill>
-                  <a:srgbClr val="FFFFFF"/>
-                </a:solidFill>
-              </a14:hiddenFill>
-            </a:ext>
-          </a:extLst>
-        </p:spPr>
-      </p:pic>
-      <p:sp>
-        <p:nvSpPr>
-          <p:cNvPr id="2" name="矩形 1">
-            <a:extLst>
-              <a:ext uri="{FF2B5EF4-FFF2-40B4-BE49-F238E27FC236}">
-                <a16:creationId xmlns:a16="http://schemas.microsoft.com/office/drawing/2014/main" id="{38FCFB81-DD98-44D6-AA39-F6B3FBC33A26}"/>
-              </a:ext>
-            </a:extLst>
-          </p:cNvPr>
-          <p:cNvSpPr/>
-          <p:nvPr/>
-        </p:nvSpPr>
-        <p:spPr>
-          <a:xfrm>
-            <a:off x="373146" y="5824621"/>
-            <a:ext cx="6101350" cy="646331"/>
-          </a:xfrm>
-          <a:prstGeom prst="rect">
-            <a:avLst/>
-          </a:prstGeom>
-        </p:spPr>
-        <p:txBody>
-          <a:bodyPr wrap="none">
-            <a:spAutoFit/>
-          </a:bodyPr>
-          <a:lstStyle/>
-          <a:p>
-            <a:r>
-              <a:rPr lang="zh-CN" altLang="en-US" dirty="0"/>
-              <a:t>单节点部署</a:t>
-            </a:r>
-            <a:endParaRPr lang="en-US" altLang="zh-CN" dirty="0"/>
-          </a:p>
-          <a:p>
-            <a:r>
-              <a:rPr lang="zh-CN" altLang="en-US" dirty="0"/>
-              <a:t>$ kubectl taint nodes --all node-role.kubernetes.io/master-</a:t>
-            </a:r>
-          </a:p>
-        </p:txBody>
-      </p:sp>
-    </p:spTree>
-    <p:extLst>
-      <p:ext uri="{BB962C8B-B14F-4D97-AF65-F5344CB8AC3E}">
-        <p14:creationId xmlns:p14="http://schemas.microsoft.com/office/powerpoint/2010/main" val="2006799991"/>
-      </p:ext>
-    </p:extLst>
-  </p:cSld>
-  <p:clrMapOvr>
-    <a:masterClrMapping/>
-  </p:clrMapOvr>
-</p:sld>
-</file>
-
-<file path=ppt/slides/slide48.xml><?xml version="1.0" encoding="utf-8"?>
-<p:sld xmlns:a="http://schemas.openxmlformats.org/drawingml/2006/main" xmlns:r="http://schemas.openxmlformats.org/officeDocument/2006/relationships" xmlns:p="http://schemas.openxmlformats.org/presentationml/2006/main">
-  <p:cSld>
-    <p:spTree>
-      <p:nvGrpSpPr>
-        <p:cNvPr id="1" name=""/>
-        <p:cNvGrpSpPr/>
-        <p:nvPr/>
-      </p:nvGrpSpPr>
-      <p:grpSpPr>
-        <a:xfrm>
-          <a:off x="0" y="0"/>
-          <a:ext cx="0" cy="0"/>
-          <a:chOff x="0" y="0"/>
-          <a:chExt cx="0" cy="0"/>
-        </a:xfrm>
-      </p:grpSpPr>
-      <p:sp>
-        <p:nvSpPr>
-          <p:cNvPr id="2" name="矩形 1">
-            <a:extLst>
-              <a:ext uri="{FF2B5EF4-FFF2-40B4-BE49-F238E27FC236}">
-                <a16:creationId xmlns:a16="http://schemas.microsoft.com/office/drawing/2014/main" id="{D4B7EE8D-4D12-46B4-AE2D-B33C2424E566}"/>
-              </a:ext>
-            </a:extLst>
-          </p:cNvPr>
-          <p:cNvSpPr/>
-          <p:nvPr/>
-        </p:nvSpPr>
-        <p:spPr>
-          <a:xfrm>
-            <a:off x="590550" y="1802706"/>
-            <a:ext cx="11010900" cy="1477328"/>
-          </a:xfrm>
-          <a:prstGeom prst="rect">
-            <a:avLst/>
-          </a:prstGeom>
-        </p:spPr>
-        <p:txBody>
-          <a:bodyPr wrap="square">
-            <a:spAutoFit/>
-          </a:bodyPr>
-          <a:lstStyle/>
-          <a:p>
-            <a:r>
-              <a:rPr lang="en-US" altLang="zh-CN" dirty="0" err="1"/>
-              <a:t>sudo</a:t>
-            </a:r>
-            <a:r>
-              <a:rPr lang="zh-CN" altLang="en-US" dirty="0"/>
-              <a:t> kubectl apply -f https://raw.githubusercontent.com/rook/rook/master/cluster/examples/kubernetes/ceph/operator.yaml</a:t>
-            </a:r>
-          </a:p>
-          <a:p>
-            <a:endParaRPr lang="zh-CN" altLang="en-US" dirty="0"/>
-          </a:p>
-          <a:p>
-            <a:r>
-              <a:rPr lang="en-US" altLang="zh-CN" dirty="0" err="1"/>
-              <a:t>sudo</a:t>
-            </a:r>
-            <a:r>
-              <a:rPr lang="zh-CN" altLang="en-US" dirty="0"/>
-              <a:t> kubectl apply -f https://raw.githubusercontent.com/rook/rook/master/cluster/examples/kubernetes/ceph/cluster.yaml</a:t>
-            </a:r>
-          </a:p>
-        </p:txBody>
-      </p:sp>
-      <p:sp>
-        <p:nvSpPr>
-          <p:cNvPr id="3" name="矩形 2">
-            <a:extLst>
-              <a:ext uri="{FF2B5EF4-FFF2-40B4-BE49-F238E27FC236}">
-                <a16:creationId xmlns:a16="http://schemas.microsoft.com/office/drawing/2014/main" id="{3E200127-999B-4388-ADA1-9DD953DEE6B5}"/>
-              </a:ext>
-            </a:extLst>
-          </p:cNvPr>
-          <p:cNvSpPr/>
-          <p:nvPr/>
-        </p:nvSpPr>
-        <p:spPr>
-          <a:xfrm>
-            <a:off x="406400" y="249535"/>
-            <a:ext cx="6096000" cy="369332"/>
-          </a:xfrm>
-          <a:prstGeom prst="rect">
-            <a:avLst/>
-          </a:prstGeom>
-        </p:spPr>
-        <p:txBody>
-          <a:bodyPr>
-            <a:spAutoFit/>
-          </a:bodyPr>
-          <a:lstStyle/>
-          <a:p>
-            <a:r>
-              <a:rPr lang="zh-CN" altLang="en-US" dirty="0">
-                <a:solidFill>
-                  <a:srgbClr val="333333"/>
-                </a:solidFill>
-                <a:latin typeface="PingFang SC"/>
-              </a:rPr>
-              <a:t>部署容器存储插件</a:t>
-            </a:r>
-          </a:p>
-        </p:txBody>
-      </p:sp>
-    </p:spTree>
-    <p:extLst>
-      <p:ext uri="{BB962C8B-B14F-4D97-AF65-F5344CB8AC3E}">
-        <p14:creationId xmlns:p14="http://schemas.microsoft.com/office/powerpoint/2010/main" val="2718935960"/>
-      </p:ext>
-    </p:extLst>
-  </p:cSld>
-  <p:clrMapOvr>
-    <a:masterClrMapping/>
-  </p:clrMapOvr>
-</p:sld>
-</file>
-
-<file path=ppt/slides/slide49.xml><?xml version="1.0" encoding="utf-8"?>
-<p:sld xmlns:a="http://schemas.openxmlformats.org/drawingml/2006/main" xmlns:r="http://schemas.openxmlformats.org/officeDocument/2006/relationships" xmlns:p="http://schemas.openxmlformats.org/presentationml/2006/main">
-  <p:cSld>
-    <p:spTree>
-      <p:nvGrpSpPr>
-        <p:cNvPr id="1" name=""/>
-        <p:cNvGrpSpPr/>
-        <p:nvPr/>
-      </p:nvGrpSpPr>
-      <p:grpSpPr>
-        <a:xfrm>
-          <a:off x="0" y="0"/>
-          <a:ext cx="0" cy="0"/>
-          <a:chOff x="0" y="0"/>
-          <a:chExt cx="0" cy="0"/>
-        </a:xfrm>
-      </p:grpSpPr>
-      <p:sp>
-        <p:nvSpPr>
-          <p:cNvPr id="3" name="Rectangle 1">
-            <a:extLst>
-              <a:ext uri="{FF2B5EF4-FFF2-40B4-BE49-F238E27FC236}">
-                <a16:creationId xmlns:a16="http://schemas.microsoft.com/office/drawing/2014/main" id="{31731F39-3040-4F1A-A24A-03446A59E581}"/>
-              </a:ext>
-            </a:extLst>
-          </p:cNvPr>
-          <p:cNvSpPr>
-            <a:spLocks noChangeArrowheads="1"/>
-          </p:cNvSpPr>
-          <p:nvPr/>
-        </p:nvSpPr>
-        <p:spPr bwMode="auto">
-          <a:xfrm>
-            <a:off x="846337" y="308525"/>
-            <a:ext cx="8654985" cy="3662541"/>
-          </a:xfrm>
-          <a:prstGeom prst="rect">
-            <a:avLst/>
-          </a:prstGeom>
-          <a:ln/>
-          <a:extLst>
-            <a:ext uri="{91240B29-F687-4F45-9708-019B960494DF}">
-              <a14:hiddenLine xmlns:a14="http://schemas.microsoft.com/office/drawing/2010/main" w="9525">
-                <a:solidFill>
-                  <a:schemeClr val="tx1"/>
-                </a:solidFill>
-                <a:miter lim="800000"/>
-                <a:headEnd/>
-                <a:tailEnd/>
-              </a14:hiddenLine>
-            </a:ext>
-            <a:ext uri="{AF507438-7753-43E0-B8FC-AC1667EBCBE1}">
-              <a14:hiddenEffects xmlns:a14="http://schemas.microsoft.com/office/drawing/2010/main">
-                <a:effectLst>
-                  <a:outerShdw dist="35921" dir="2700000" algn="ctr" rotWithShape="0">
-                    <a:schemeClr val="bg2"/>
-                  </a:outerShdw>
-                </a:effectLst>
-              </a14:hiddenEffects>
-            </a:ext>
-          </a:extLst>
-        </p:spPr>
-        <p:style>
-          <a:lnRef idx="2">
-            <a:schemeClr val="accent3"/>
-          </a:lnRef>
-          <a:fillRef idx="1">
-            <a:schemeClr val="lt1"/>
-          </a:fillRef>
-          <a:effectRef idx="0">
-            <a:schemeClr val="accent3"/>
-          </a:effectRef>
-          <a:fontRef idx="minor">
-            <a:schemeClr val="dk1"/>
-          </a:fontRef>
-        </p:style>
-        <p:txBody>
-          <a:bodyPr vert="horz" wrap="square" lIns="0" tIns="0" rIns="0" bIns="0" numCol="1" anchor="ctr" anchorCtr="0" compatLnSpc="1">
-            <a:prstTxWarp prst="textNoShape">
-              <a:avLst/>
-            </a:prstTxWarp>
-            <a:spAutoFit/>
-          </a:bodyPr>
-          <a:lstStyle/>
-          <a:p>
-            <a:pPr marL="0" marR="0" lvl="0" indent="0" algn="l" defTabSz="914400" rtl="0" eaLnBrk="0" fontAlgn="base" latinLnBrk="0" hangingPunct="0">
-              <a:lnSpc>
-                <a:spcPct val="100000"/>
-              </a:lnSpc>
-              <a:spcBef>
-                <a:spcPct val="0"/>
-              </a:spcBef>
-              <a:spcAft>
-                <a:spcPct val="0"/>
-              </a:spcAft>
-              <a:buClrTx/>
-              <a:buSzTx/>
-              <a:buFontTx/>
-              <a:buNone/>
-              <a:tabLst/>
-            </a:pPr>
-            <a:r>
-              <a:rPr lang="en-US" altLang="zh-CN" sz="1400" dirty="0">
-                <a:latin typeface="Consolas" panose="020B0609020204030204" pitchFamily="49" charset="0"/>
-              </a:rPr>
-              <a:t>Rook-</a:t>
-            </a:r>
-            <a:r>
-              <a:rPr lang="en-US" altLang="zh-CN" sz="1400" dirty="0" err="1">
-                <a:latin typeface="Consolas" panose="020B0609020204030204" pitchFamily="49" charset="0"/>
-              </a:rPr>
-              <a:t>ceph</a:t>
-            </a:r>
-            <a:r>
-              <a:rPr lang="zh-CN" altLang="en-US" sz="1400" dirty="0">
-                <a:latin typeface="Consolas" panose="020B0609020204030204" pitchFamily="49" charset="0"/>
-              </a:rPr>
-              <a:t>部署</a:t>
-            </a:r>
-            <a:endParaRPr lang="en-US" altLang="zh-CN" sz="1400" dirty="0">
-              <a:latin typeface="Consolas" panose="020B0609020204030204" pitchFamily="49" charset="0"/>
-            </a:endParaRPr>
-          </a:p>
-          <a:p>
-            <a:pPr marL="0" marR="0" lvl="0" indent="0" algn="l" defTabSz="914400" rtl="0" eaLnBrk="0" fontAlgn="base" latinLnBrk="0" hangingPunct="0">
-              <a:lnSpc>
-                <a:spcPct val="100000"/>
-              </a:lnSpc>
-              <a:spcBef>
-                <a:spcPct val="0"/>
-              </a:spcBef>
-              <a:spcAft>
-                <a:spcPct val="0"/>
-              </a:spcAft>
-              <a:buClrTx/>
-              <a:buSzTx/>
-              <a:buFontTx/>
-              <a:buNone/>
-              <a:tabLst/>
-            </a:pPr>
-            <a:r>
-              <a:rPr lang="zh-CN" altLang="en-US" sz="1400" dirty="0">
-                <a:latin typeface="Consolas" panose="020B0609020204030204" pitchFamily="49" charset="0"/>
-              </a:rPr>
-              <a:t>部署</a:t>
-            </a:r>
-            <a:r>
-              <a:rPr lang="en-US" altLang="zh-CN" sz="1400" dirty="0">
-                <a:latin typeface="Consolas" panose="020B0609020204030204" pitchFamily="49" charset="0"/>
-              </a:rPr>
-              <a:t>dashboard</a:t>
-            </a:r>
-          </a:p>
-          <a:p>
-            <a:pPr eaLnBrk="0" fontAlgn="base" hangingPunct="0">
-              <a:spcBef>
-                <a:spcPct val="0"/>
-              </a:spcBef>
-              <a:spcAft>
-                <a:spcPct val="0"/>
-              </a:spcAft>
-            </a:pPr>
-            <a:r>
-              <a:rPr lang="en-US" altLang="zh-CN" sz="1400" dirty="0" err="1">
-                <a:solidFill>
-                  <a:srgbClr val="333333"/>
-                </a:solidFill>
-                <a:latin typeface="Consolas" panose="020B0609020204030204" pitchFamily="49" charset="0"/>
-              </a:rPr>
-              <a:t>sudo</a:t>
-            </a:r>
-            <a:r>
-              <a:rPr lang="en-US" altLang="zh-CN" sz="1400" dirty="0">
-                <a:solidFill>
-                  <a:srgbClr val="333333"/>
-                </a:solidFill>
-                <a:latin typeface="Consolas" panose="020B0609020204030204" pitchFamily="49" charset="0"/>
-              </a:rPr>
-              <a:t> </a:t>
-            </a:r>
-            <a:r>
-              <a:rPr lang="zh-CN" altLang="zh-CN" sz="1400" dirty="0">
-                <a:solidFill>
-                  <a:srgbClr val="333333"/>
-                </a:solidFill>
-                <a:latin typeface="Consolas" panose="020B0609020204030204" pitchFamily="49" charset="0"/>
-              </a:rPr>
-              <a:t>kubectl apply </a:t>
-            </a:r>
-            <a:r>
-              <a:rPr lang="zh-CN" altLang="zh-CN" sz="1400" dirty="0">
-                <a:solidFill>
-                  <a:srgbClr val="333333"/>
-                </a:solidFill>
-                <a:latin typeface="Consolas" panose="020B0609020204030204" pitchFamily="49" charset="0"/>
-                <a:ea typeface="-apple-system"/>
-              </a:rPr>
-              <a:t>-f</a:t>
-            </a:r>
-            <a:r>
-              <a:rPr lang="zh-CN" altLang="zh-CN" sz="1400" dirty="0">
-                <a:solidFill>
-                  <a:srgbClr val="333333"/>
-                </a:solidFill>
-                <a:latin typeface="Consolas" panose="020B0609020204030204" pitchFamily="49" charset="0"/>
-              </a:rPr>
-              <a:t> </a:t>
-            </a:r>
-            <a:r>
-              <a:rPr lang="en-US" altLang="zh-CN" sz="1400" dirty="0">
-                <a:solidFill>
-                  <a:srgbClr val="333333"/>
-                </a:solidFill>
-                <a:latin typeface="Consolas" panose="020B0609020204030204" pitchFamily="49" charset="0"/>
-              </a:rPr>
-              <a:t>rook-</a:t>
-            </a:r>
-            <a:r>
-              <a:rPr lang="zh-CN" altLang="zh-CN" sz="1400" dirty="0">
-                <a:solidFill>
-                  <a:srgbClr val="333333"/>
-                </a:solidFill>
-                <a:latin typeface="Consolas" panose="020B0609020204030204" pitchFamily="49" charset="0"/>
-              </a:rPr>
-              <a:t>dashboard-external-https.yaml</a:t>
-            </a:r>
-            <a:r>
-              <a:rPr lang="zh-CN" altLang="zh-CN" sz="1400" dirty="0">
-                <a:solidFill>
-                  <a:schemeClr val="tx1"/>
-                </a:solidFill>
-              </a:rPr>
-              <a:t> </a:t>
-            </a:r>
-            <a:endParaRPr lang="zh-CN" altLang="zh-CN" sz="1400" dirty="0">
-              <a:solidFill>
-                <a:schemeClr val="tx1"/>
-              </a:solidFill>
-              <a:latin typeface="Arial" panose="020B0604020202020204" pitchFamily="34" charset="0"/>
-            </a:endParaRPr>
-          </a:p>
-          <a:p>
-            <a:pPr marL="0" marR="0" lvl="0" indent="0" algn="l" defTabSz="914400" rtl="0" eaLnBrk="0" fontAlgn="base" latinLnBrk="0" hangingPunct="0">
-              <a:lnSpc>
-                <a:spcPct val="100000"/>
-              </a:lnSpc>
-              <a:spcBef>
-                <a:spcPct val="0"/>
-              </a:spcBef>
-              <a:spcAft>
-                <a:spcPct val="0"/>
-              </a:spcAft>
-              <a:buClrTx/>
-              <a:buSzTx/>
-              <a:buFontTx/>
-              <a:buNone/>
-              <a:tabLst/>
-            </a:pPr>
-            <a:endParaRPr lang="en-US" altLang="zh-CN" sz="1400" dirty="0">
-              <a:latin typeface="Consolas" panose="020B0609020204030204" pitchFamily="49" charset="0"/>
-            </a:endParaRPr>
-          </a:p>
-          <a:p>
-            <a:pPr marL="0" marR="0" lvl="0" indent="0" algn="l" defTabSz="914400" rtl="0" eaLnBrk="0" fontAlgn="base" latinLnBrk="0" hangingPunct="0">
-              <a:lnSpc>
-                <a:spcPct val="100000"/>
-              </a:lnSpc>
-              <a:spcBef>
-                <a:spcPct val="0"/>
-              </a:spcBef>
-              <a:spcAft>
-                <a:spcPct val="0"/>
-              </a:spcAft>
-              <a:buClrTx/>
-              <a:buSzTx/>
-              <a:buFontTx/>
-              <a:buNone/>
-              <a:tabLst/>
-            </a:pPr>
-            <a:r>
-              <a:rPr lang="zh-CN" altLang="en-US" sz="1400" dirty="0">
-                <a:latin typeface="Consolas" panose="020B0609020204030204" pitchFamily="49" charset="0"/>
-              </a:rPr>
-              <a:t>查看端口</a:t>
-            </a:r>
-            <a:endParaRPr lang="en-US" altLang="zh-CN" sz="1400" dirty="0">
-              <a:latin typeface="Consolas" panose="020B0609020204030204" pitchFamily="49" charset="0"/>
-            </a:endParaRPr>
-          </a:p>
-          <a:p>
-            <a:pPr eaLnBrk="0" fontAlgn="base" hangingPunct="0">
-              <a:spcBef>
-                <a:spcPct val="0"/>
-              </a:spcBef>
-              <a:spcAft>
-                <a:spcPct val="0"/>
-              </a:spcAft>
-            </a:pPr>
-            <a:r>
-              <a:rPr lang="en-US" altLang="zh-CN" sz="1400" dirty="0" err="1">
-                <a:solidFill>
-                  <a:srgbClr val="333333"/>
-                </a:solidFill>
-                <a:latin typeface="Consolas" panose="020B0609020204030204" pitchFamily="49" charset="0"/>
-              </a:rPr>
-              <a:t>sudo</a:t>
-            </a:r>
-            <a:r>
-              <a:rPr lang="en-US" altLang="zh-CN" sz="1400" dirty="0">
-                <a:solidFill>
-                  <a:srgbClr val="333333"/>
-                </a:solidFill>
-                <a:latin typeface="Consolas" panose="020B0609020204030204" pitchFamily="49" charset="0"/>
-              </a:rPr>
-              <a:t> </a:t>
-            </a:r>
-            <a:r>
-              <a:rPr lang="zh-CN" altLang="zh-CN" sz="1400" dirty="0">
-                <a:solidFill>
-                  <a:srgbClr val="333333"/>
-                </a:solidFill>
-                <a:latin typeface="Consolas" panose="020B0609020204030204" pitchFamily="49" charset="0"/>
-              </a:rPr>
-              <a:t>kubectl -n rook-ceph get service</a:t>
-            </a:r>
-            <a:r>
-              <a:rPr lang="zh-CN" altLang="zh-CN" sz="1400" dirty="0">
-                <a:solidFill>
-                  <a:schemeClr val="tx1"/>
-                </a:solidFill>
-              </a:rPr>
-              <a:t> </a:t>
-            </a:r>
-            <a:endParaRPr lang="en-US" altLang="zh-CN" sz="1400" dirty="0">
-              <a:latin typeface="Consolas" panose="020B0609020204030204" pitchFamily="49" charset="0"/>
-            </a:endParaRPr>
-          </a:p>
-          <a:p>
-            <a:pPr marL="0" marR="0" lvl="0" indent="0" algn="l" defTabSz="914400" rtl="0" eaLnBrk="0" fontAlgn="base" latinLnBrk="0" hangingPunct="0">
-              <a:lnSpc>
-                <a:spcPct val="100000"/>
-              </a:lnSpc>
-              <a:spcBef>
-                <a:spcPct val="0"/>
-              </a:spcBef>
-              <a:spcAft>
-                <a:spcPct val="0"/>
-              </a:spcAft>
-              <a:buClrTx/>
-              <a:buSzTx/>
-              <a:buFontTx/>
-              <a:buNone/>
-              <a:tabLst/>
-            </a:pPr>
-            <a:endParaRPr lang="en-US" altLang="zh-CN" sz="1400" dirty="0">
-              <a:latin typeface="Consolas" panose="020B0609020204030204" pitchFamily="49" charset="0"/>
-            </a:endParaRPr>
-          </a:p>
-          <a:p>
-            <a:pPr marL="0" marR="0" lvl="0" indent="0" algn="l" defTabSz="914400" rtl="0" eaLnBrk="0" fontAlgn="base" latinLnBrk="0" hangingPunct="0">
-              <a:lnSpc>
-                <a:spcPct val="100000"/>
-              </a:lnSpc>
-              <a:spcBef>
-                <a:spcPct val="0"/>
-              </a:spcBef>
-              <a:spcAft>
-                <a:spcPct val="0"/>
-              </a:spcAft>
-              <a:buClrTx/>
-              <a:buSzTx/>
-              <a:buFontTx/>
-              <a:buNone/>
-              <a:tabLst/>
-            </a:pPr>
-            <a:r>
-              <a:rPr lang="zh-CN" altLang="en-US" sz="1400" dirty="0">
-                <a:latin typeface="Consolas" panose="020B0609020204030204" pitchFamily="49" charset="0"/>
-              </a:rPr>
-              <a:t>获取</a:t>
-            </a:r>
-            <a:r>
-              <a:rPr lang="en-US" altLang="zh-CN" sz="1400" dirty="0">
-                <a:latin typeface="Consolas" panose="020B0609020204030204" pitchFamily="49" charset="0"/>
-              </a:rPr>
-              <a:t>Rook-</a:t>
-            </a:r>
-            <a:r>
-              <a:rPr lang="en-US" altLang="zh-CN" sz="1400" dirty="0" err="1">
-                <a:latin typeface="Consolas" panose="020B0609020204030204" pitchFamily="49" charset="0"/>
-              </a:rPr>
-              <a:t>ceph</a:t>
-            </a:r>
-            <a:r>
-              <a:rPr lang="zh-CN" altLang="en-US" sz="1400" dirty="0">
-                <a:latin typeface="Consolas" panose="020B0609020204030204" pitchFamily="49" charset="0"/>
-              </a:rPr>
-              <a:t>帐号密码</a:t>
-            </a:r>
-            <a:endParaRPr kumimoji="0" lang="en-US" altLang="zh-CN" sz="1400" b="0" i="0" u="none" strike="noStrike" cap="none" normalizeH="0" baseline="0" dirty="0">
-              <a:ln>
-                <a:noFill/>
-              </a:ln>
-              <a:effectLst/>
-              <a:latin typeface="Consolas" panose="020B0609020204030204" pitchFamily="49" charset="0"/>
-            </a:endParaRPr>
-          </a:p>
-          <a:p>
-            <a:pPr marL="0" marR="0" lvl="0" indent="0" algn="l" defTabSz="914400" rtl="0" eaLnBrk="0" fontAlgn="base" latinLnBrk="0" hangingPunct="0">
-              <a:lnSpc>
-                <a:spcPct val="100000"/>
-              </a:lnSpc>
-              <a:spcBef>
-                <a:spcPct val="0"/>
-              </a:spcBef>
-              <a:spcAft>
-                <a:spcPct val="0"/>
-              </a:spcAft>
-              <a:buClrTx/>
-              <a:buSzTx/>
-              <a:buFontTx/>
-              <a:buNone/>
-              <a:tabLst/>
-            </a:pPr>
-            <a:endParaRPr kumimoji="0" lang="en-US" altLang="zh-CN" sz="1400" b="0" i="0" u="none" strike="noStrike" cap="none" normalizeH="0" baseline="0" dirty="0">
-              <a:ln>
-                <a:noFill/>
-              </a:ln>
-              <a:effectLst/>
-              <a:latin typeface="Consolas" panose="020B0609020204030204" pitchFamily="49" charset="0"/>
-            </a:endParaRPr>
-          </a:p>
-          <a:p>
-            <a:pPr marL="0" marR="0" lvl="0" indent="0" algn="l" defTabSz="914400" rtl="0" eaLnBrk="0" fontAlgn="base" latinLnBrk="0" hangingPunct="0">
-              <a:lnSpc>
-                <a:spcPct val="100000"/>
-              </a:lnSpc>
-              <a:spcBef>
-                <a:spcPct val="0"/>
-              </a:spcBef>
-              <a:spcAft>
-                <a:spcPct val="0"/>
-              </a:spcAft>
-              <a:buClrTx/>
-              <a:buSzTx/>
-              <a:buFontTx/>
-              <a:buNone/>
-              <a:tabLst/>
-            </a:pPr>
-            <a:endParaRPr lang="en-US" altLang="zh-CN" sz="1400" dirty="0">
-              <a:latin typeface="Consolas" panose="020B0609020204030204" pitchFamily="49" charset="0"/>
-            </a:endParaRPr>
-          </a:p>
-          <a:p>
-            <a:pPr marL="0" marR="0" lvl="0" indent="0" algn="l" defTabSz="914400" rtl="0" eaLnBrk="0" fontAlgn="base" latinLnBrk="0" hangingPunct="0">
-              <a:lnSpc>
-                <a:spcPct val="100000"/>
-              </a:lnSpc>
-              <a:spcBef>
-                <a:spcPct val="0"/>
-              </a:spcBef>
-              <a:spcAft>
-                <a:spcPct val="0"/>
-              </a:spcAft>
-              <a:buClrTx/>
-              <a:buSzTx/>
-              <a:buFontTx/>
-              <a:buNone/>
-              <a:tabLst/>
-            </a:pPr>
-            <a:endParaRPr kumimoji="0" lang="en-US" altLang="zh-CN" sz="1400" b="0" i="0" u="none" strike="noStrike" cap="none" normalizeH="0" baseline="0" dirty="0">
-              <a:ln>
-                <a:noFill/>
-              </a:ln>
-              <a:effectLst/>
-              <a:latin typeface="Consolas" panose="020B0609020204030204" pitchFamily="49" charset="0"/>
-            </a:endParaRPr>
-          </a:p>
-          <a:p>
-            <a:pPr eaLnBrk="0" fontAlgn="base" hangingPunct="0">
-              <a:spcBef>
-                <a:spcPct val="0"/>
-              </a:spcBef>
-              <a:spcAft>
-                <a:spcPct val="0"/>
-              </a:spcAft>
-            </a:pPr>
-            <a:r>
-              <a:rPr lang="en-US" altLang="zh-CN" sz="1400" dirty="0" err="1">
-                <a:solidFill>
-                  <a:srgbClr val="333333"/>
-                </a:solidFill>
-                <a:latin typeface="Consolas" panose="020B0609020204030204" pitchFamily="49" charset="0"/>
-              </a:rPr>
-              <a:t>sudo</a:t>
-            </a:r>
-            <a:r>
-              <a:rPr lang="en-US" altLang="zh-CN" sz="1400" dirty="0">
-                <a:solidFill>
-                  <a:srgbClr val="333333"/>
-                </a:solidFill>
-                <a:latin typeface="Consolas" panose="020B0609020204030204" pitchFamily="49" charset="0"/>
-              </a:rPr>
-              <a:t> </a:t>
-            </a:r>
-            <a:r>
-              <a:rPr lang="zh-CN" altLang="zh-CN" sz="1400" dirty="0">
-                <a:solidFill>
-                  <a:srgbClr val="333333"/>
-                </a:solidFill>
-                <a:latin typeface="Consolas" panose="020B0609020204030204" pitchFamily="49" charset="0"/>
-              </a:rPr>
-              <a:t>kubectl -n rook-ceph logs $MGR_POD | </a:t>
-            </a:r>
-            <a:r>
-              <a:rPr lang="zh-CN" altLang="zh-CN" sz="1400" b="1" dirty="0">
-                <a:solidFill>
-                  <a:srgbClr val="333333"/>
-                </a:solidFill>
-                <a:latin typeface="Consolas" panose="020B0609020204030204" pitchFamily="49" charset="0"/>
-                <a:ea typeface="-apple-system"/>
-              </a:rPr>
-              <a:t>grep</a:t>
-            </a:r>
-            <a:r>
-              <a:rPr lang="zh-CN" altLang="zh-CN" sz="1400" dirty="0">
-                <a:solidFill>
-                  <a:srgbClr val="333333"/>
-                </a:solidFill>
-                <a:latin typeface="Consolas" panose="020B0609020204030204" pitchFamily="49" charset="0"/>
-              </a:rPr>
-              <a:t> password</a:t>
-            </a:r>
-            <a:r>
-              <a:rPr lang="zh-CN" altLang="zh-CN" sz="1400" dirty="0">
-                <a:solidFill>
-                  <a:schemeClr val="tx1"/>
-                </a:solidFill>
-              </a:rPr>
-              <a:t> </a:t>
-            </a:r>
-            <a:endParaRPr lang="en-US" altLang="zh-CN" sz="1400" dirty="0">
-              <a:solidFill>
-                <a:schemeClr val="tx1"/>
-              </a:solidFill>
-            </a:endParaRPr>
-          </a:p>
-          <a:p>
-            <a:pPr eaLnBrk="0" fontAlgn="base" hangingPunct="0">
-              <a:spcBef>
-                <a:spcPct val="0"/>
-              </a:spcBef>
-              <a:spcAft>
-                <a:spcPct val="0"/>
-              </a:spcAft>
-            </a:pPr>
-            <a:endParaRPr lang="en-US" altLang="zh-CN" sz="1400" dirty="0">
-              <a:solidFill>
-                <a:schemeClr val="tx1"/>
-              </a:solidFill>
-              <a:latin typeface="Arial" panose="020B0604020202020204" pitchFamily="34" charset="0"/>
-            </a:endParaRPr>
-          </a:p>
-          <a:p>
-            <a:pPr eaLnBrk="0" fontAlgn="base" hangingPunct="0">
-              <a:spcBef>
-                <a:spcPct val="0"/>
-              </a:spcBef>
-              <a:spcAft>
-                <a:spcPct val="0"/>
-              </a:spcAft>
-            </a:pPr>
-            <a:r>
-              <a:rPr lang="zh-CN" altLang="en-US" sz="1400" dirty="0">
-                <a:solidFill>
-                  <a:schemeClr val="tx1"/>
-                </a:solidFill>
-                <a:latin typeface="Arial" panose="020B0604020202020204" pitchFamily="34" charset="0"/>
-              </a:rPr>
-              <a:t>登录</a:t>
-            </a:r>
-            <a:endParaRPr lang="en-US" altLang="zh-CN" sz="1400" dirty="0">
-              <a:solidFill>
-                <a:schemeClr val="tx1"/>
-              </a:solidFill>
-              <a:latin typeface="Arial" panose="020B0604020202020204" pitchFamily="34" charset="0"/>
-            </a:endParaRPr>
-          </a:p>
-          <a:p>
-            <a:pPr eaLnBrk="0" fontAlgn="base" hangingPunct="0">
-              <a:spcBef>
-                <a:spcPct val="0"/>
-              </a:spcBef>
-              <a:spcAft>
-                <a:spcPct val="0"/>
-              </a:spcAft>
-            </a:pPr>
-            <a:r>
-              <a:rPr lang="en-US" altLang="zh-CN" sz="1400" dirty="0">
-                <a:solidFill>
-                  <a:schemeClr val="tx1"/>
-                </a:solidFill>
-                <a:latin typeface="Arial" panose="020B0604020202020204" pitchFamily="34" charset="0"/>
-              </a:rPr>
-              <a:t>https://</a:t>
-            </a:r>
-            <a:r>
-              <a:rPr lang="zh-CN" altLang="en-US" sz="1400" dirty="0">
-                <a:solidFill>
-                  <a:schemeClr val="tx1"/>
-                </a:solidFill>
-                <a:latin typeface="Arial" panose="020B0604020202020204" pitchFamily="34" charset="0"/>
-              </a:rPr>
-              <a:t>节点主机</a:t>
-            </a:r>
-            <a:r>
-              <a:rPr lang="en-US" altLang="zh-CN" sz="1400" dirty="0">
-                <a:solidFill>
-                  <a:schemeClr val="tx1"/>
-                </a:solidFill>
-                <a:latin typeface="Arial" panose="020B0604020202020204" pitchFamily="34" charset="0"/>
-              </a:rPr>
-              <a:t>IP:</a:t>
-            </a:r>
-            <a:r>
-              <a:rPr lang="zh-CN" altLang="en-US" sz="1400" dirty="0">
-                <a:solidFill>
-                  <a:schemeClr val="tx1"/>
-                </a:solidFill>
-                <a:latin typeface="Arial" panose="020B0604020202020204" pitchFamily="34" charset="0"/>
-              </a:rPr>
-              <a:t>查询到端口</a:t>
-            </a:r>
-            <a:endParaRPr lang="zh-CN" altLang="zh-CN" sz="1400" dirty="0">
-              <a:solidFill>
-                <a:schemeClr val="tx1"/>
-              </a:solidFill>
-              <a:latin typeface="Arial" panose="020B0604020202020204" pitchFamily="34" charset="0"/>
-            </a:endParaRPr>
-          </a:p>
-          <a:p>
-            <a:pPr marL="0" marR="0" lvl="0" indent="0" algn="l" defTabSz="914400" rtl="0" eaLnBrk="0" fontAlgn="base" latinLnBrk="0" hangingPunct="0">
-              <a:lnSpc>
-                <a:spcPct val="100000"/>
-              </a:lnSpc>
-              <a:spcBef>
-                <a:spcPct val="0"/>
-              </a:spcBef>
-              <a:spcAft>
-                <a:spcPct val="0"/>
-              </a:spcAft>
-              <a:buClrTx/>
-              <a:buSzTx/>
-              <a:buFontTx/>
-              <a:buNone/>
-              <a:tabLst/>
-            </a:pPr>
-            <a:endParaRPr lang="en-US" altLang="zh-CN" sz="1400" dirty="0">
-              <a:latin typeface="Consolas" panose="020B0609020204030204" pitchFamily="49" charset="0"/>
-            </a:endParaRPr>
-          </a:p>
-          <a:p>
-            <a:pPr marL="0" marR="0" lvl="0" indent="0" algn="l" defTabSz="914400" rtl="0" eaLnBrk="0" fontAlgn="base" latinLnBrk="0" hangingPunct="0">
-              <a:lnSpc>
-                <a:spcPct val="100000"/>
-              </a:lnSpc>
-              <a:spcBef>
-                <a:spcPct val="0"/>
-              </a:spcBef>
-              <a:spcAft>
-                <a:spcPct val="0"/>
-              </a:spcAft>
-              <a:buClrTx/>
-              <a:buSzTx/>
-              <a:buFontTx/>
-              <a:buNone/>
-              <a:tabLst/>
-            </a:pPr>
-            <a:r>
-              <a:rPr kumimoji="0" lang="zh-CN" altLang="zh-CN" sz="1400" b="0" i="0" u="none" strike="noStrike" cap="none" normalizeH="0" baseline="0" dirty="0">
-                <a:ln>
-                  <a:noFill/>
-                </a:ln>
-                <a:effectLst/>
-              </a:rPr>
-              <a:t> </a:t>
-            </a:r>
-            <a:endParaRPr kumimoji="0" lang="zh-CN" altLang="zh-CN" sz="1400" b="0" i="0" u="none" strike="noStrike" cap="none" normalizeH="0" baseline="0" dirty="0">
-              <a:ln>
-                <a:noFill/>
-              </a:ln>
-              <a:effectLst/>
-              <a:latin typeface="Arial" panose="020B0604020202020204" pitchFamily="34" charset="0"/>
-            </a:endParaRPr>
-          </a:p>
-        </p:txBody>
-      </p:sp>
-      <p:pic>
-        <p:nvPicPr>
-          <p:cNvPr id="1031" name="Picture 7" descr="kubernetesæ­å»ºrook-ceph">
-            <a:extLst>
-              <a:ext uri="{FF2B5EF4-FFF2-40B4-BE49-F238E27FC236}">
-                <a16:creationId xmlns:a16="http://schemas.microsoft.com/office/drawing/2014/main" id="{44DA602A-0DF5-4525-8B88-E38329C1E85D}"/>
-              </a:ext>
-            </a:extLst>
-          </p:cNvPr>
-          <p:cNvPicPr>
-            <a:picLocks noChangeAspect="1" noChangeArrowheads="1"/>
-          </p:cNvPicPr>
-          <p:nvPr/>
-        </p:nvPicPr>
-        <p:blipFill>
-          <a:blip r:embed="rId2">
-            <a:extLst>
-              <a:ext uri="{28A0092B-C50C-407E-A947-70E740481C1C}">
-                <a14:useLocalDpi xmlns:a14="http://schemas.microsoft.com/office/drawing/2010/main" val="0"/>
-              </a:ext>
-            </a:extLst>
-          </a:blip>
-          <a:srcRect/>
-          <a:stretch>
-            <a:fillRect/>
-          </a:stretch>
-        </p:blipFill>
-        <p:spPr bwMode="auto">
-          <a:xfrm>
-            <a:off x="5663953" y="3262357"/>
-            <a:ext cx="5681710" cy="3071675"/>
-          </a:xfrm>
-          <a:prstGeom prst="rect">
-            <a:avLst/>
-          </a:prstGeom>
-          <a:noFill/>
-          <a:extLst>
-            <a:ext uri="{909E8E84-426E-40DD-AFC4-6F175D3DCCD1}">
-              <a14:hiddenFill xmlns:a14="http://schemas.microsoft.com/office/drawing/2010/main">
-                <a:solidFill>
-                  <a:srgbClr val="FFFFFF"/>
-                </a:solidFill>
-              </a14:hiddenFill>
-            </a:ext>
-          </a:extLst>
-        </p:spPr>
-      </p:pic>
-      <p:sp>
-        <p:nvSpPr>
-          <p:cNvPr id="2" name="Rectangle 1">
-            <a:extLst>
-              <a:ext uri="{FF2B5EF4-FFF2-40B4-BE49-F238E27FC236}">
-                <a16:creationId xmlns:a16="http://schemas.microsoft.com/office/drawing/2014/main" id="{7CC9BED5-F285-4364-A380-F26B3D399827}"/>
-              </a:ext>
-            </a:extLst>
-          </p:cNvPr>
-          <p:cNvSpPr>
-            <a:spLocks noChangeArrowheads="1"/>
-          </p:cNvSpPr>
-          <p:nvPr/>
-        </p:nvSpPr>
-        <p:spPr bwMode="auto">
-          <a:xfrm>
-            <a:off x="950653" y="2291451"/>
-            <a:ext cx="5414636" cy="153888"/>
-          </a:xfrm>
-          <a:prstGeom prst="rect">
-            <a:avLst/>
-          </a:prstGeom>
-          <a:solidFill>
-            <a:srgbClr val="F2F5F9"/>
-          </a:solidFill>
-          <a:ln>
-            <a:noFill/>
-          </a:ln>
-          <a:effectLst/>
-          <a:extLst>
-            <a:ext uri="{91240B29-F687-4F45-9708-019B960494DF}">
-              <a14:hiddenLine xmlns:a14="http://schemas.microsoft.com/office/drawing/2010/main" w="9525">
-                <a:solidFill>
-                  <a:schemeClr val="tx1"/>
-                </a:solidFill>
-                <a:miter lim="800000"/>
-                <a:headEnd/>
-                <a:tailEnd/>
-              </a14:hiddenLine>
-